--- a/Presentation.pptx
+++ b/Presentation.pptx
@@ -8,6 +8,15 @@
     <p:sldId id="256" r:id="rId2"/>
     <p:sldId id="257" r:id="rId3"/>
     <p:sldId id="258" r:id="rId4"/>
+    <p:sldId id="259" r:id="rId5"/>
+    <p:sldId id="261" r:id="rId6"/>
+    <p:sldId id="264" r:id="rId7"/>
+    <p:sldId id="266" r:id="rId8"/>
+    <p:sldId id="267" r:id="rId9"/>
+    <p:sldId id="268" r:id="rId10"/>
+    <p:sldId id="270" r:id="rId11"/>
+    <p:sldId id="260" r:id="rId12"/>
+    <p:sldId id="272" r:id="rId13"/>
   </p:sldIdLst>
   <p:sldSz cx="12192000" cy="6858000"/>
   <p:notesSz cx="6858000" cy="9144000"/>
@@ -106,6 +115,11 @@
       </a:defRPr>
     </a:lvl9pPr>
   </p:defaultTextStyle>
+  <p:extLst>
+    <p:ext uri="{EFAFB233-063F-42B5-8137-9DF3F51BA10A}">
+      <p15:sldGuideLst xmlns:p15="http://schemas.microsoft.com/office/powerpoint/2012/main"/>
+    </p:ext>
+  </p:extLst>
 </p:presentation>
 </file>
 
@@ -3045,49 +3059,35 @@
           <a:p>
             <a:pPr algn="l"/>
             <a:r>
-              <a:rPr lang="en-CA" sz="1100" b="1" u="sng" dirty="0"/>
+              <a:rPr lang="en-CA" sz="1100" b="1" u="sng"/>
               <a:t>Group 2</a:t>
             </a:r>
           </a:p>
           <a:p>
             <a:pPr algn="l"/>
             <a:r>
-              <a:rPr lang="en-CA" sz="1100" dirty="0" err="1"/>
-              <a:t>Caio</a:t>
-            </a:r>
-            <a:r>
-              <a:rPr lang="en-CA" sz="1100" dirty="0"/>
-              <a:t> </a:t>
-            </a:r>
-            <a:r>
-              <a:rPr lang="en-CA" sz="1100" dirty="0" err="1"/>
-              <a:t>Beojone</a:t>
-            </a:r>
-            <a:endParaRPr lang="en-CA" sz="1100" dirty="0"/>
+              <a:rPr lang="en-CA" sz="1100"/>
+              <a:t>Caio Beojone</a:t>
+            </a:r>
           </a:p>
           <a:p>
             <a:pPr algn="l"/>
             <a:r>
-              <a:rPr lang="en-CA" sz="1100" dirty="0"/>
-              <a:t>Murat </a:t>
-            </a:r>
-            <a:r>
-              <a:rPr lang="en-CA" sz="1100" dirty="0" err="1"/>
-              <a:t>Genc</a:t>
-            </a:r>
-            <a:endParaRPr lang="en-CA" sz="1100" dirty="0"/>
+              <a:rPr lang="en-CA" sz="1100"/>
+              <a:t>Murat Genc</a:t>
+            </a:r>
           </a:p>
           <a:p>
             <a:pPr algn="l"/>
             <a:r>
-              <a:rPr lang="en-CA" sz="1100" dirty="0"/>
+              <a:rPr lang="en-CA" sz="1100"/>
               <a:t>Marti Montesinos</a:t>
             </a:r>
           </a:p>
           <a:p>
             <a:pPr algn="l"/>
             <a:r>
-              <a:rPr lang="en-CA" sz="1100" dirty="0"/>
+              <a:rPr lang="en-CA" sz="1100"/>
               <a:t>Jangwon Park</a:t>
             </a:r>
             <a:endParaRPr lang="en-US" sz="1100" dirty="0"/>
@@ -3182,10 +3182,1432 @@
           </a:prstGeom>
         </p:spPr>
       </p:pic>
+      <p:pic>
+        <p:nvPicPr>
+          <p:cNvPr id="21" name="Picture 20">
+            <a:extLst>
+              <a:ext uri="{FF2B5EF4-FFF2-40B4-BE49-F238E27FC236}">
+                <a16:creationId xmlns:a16="http://schemas.microsoft.com/office/drawing/2014/main" id="{42C85B27-11F7-44C3-880A-3D4700405CB6}"/>
+              </a:ext>
+            </a:extLst>
+          </p:cNvPr>
+          <p:cNvPicPr>
+            <a:picLocks noChangeAspect="1"/>
+          </p:cNvPicPr>
+          <p:nvPr/>
+        </p:nvPicPr>
+        <p:blipFill>
+          <a:blip r:embed="rId4">
+            <a:extLst>
+              <a:ext uri="{28A0092B-C50C-407E-A947-70E740481C1C}">
+                <a14:useLocalDpi xmlns:a14="http://schemas.microsoft.com/office/drawing/2010/main" val="0"/>
+              </a:ext>
+            </a:extLst>
+          </a:blip>
+          <a:stretch>
+            <a:fillRect/>
+          </a:stretch>
+        </p:blipFill>
+        <p:spPr>
+          <a:xfrm>
+            <a:off x="9916160" y="365125"/>
+            <a:ext cx="1437640" cy="418937"/>
+          </a:xfrm>
+          <a:prstGeom prst="rect">
+            <a:avLst/>
+          </a:prstGeom>
+        </p:spPr>
+      </p:pic>
     </p:spTree>
     <p:extLst>
       <p:ext uri="{BB962C8B-B14F-4D97-AF65-F5344CB8AC3E}">
         <p14:creationId xmlns:p14="http://schemas.microsoft.com/office/powerpoint/2010/main" val="2201523890"/>
+      </p:ext>
+    </p:extLst>
+  </p:cSld>
+  <p:clrMapOvr>
+    <a:masterClrMapping/>
+  </p:clrMapOvr>
+</p:sld>
+</file>
+
+<file path=ppt/slides/slide10.xml><?xml version="1.0" encoding="utf-8"?>
+<p:sld xmlns:a="http://schemas.openxmlformats.org/drawingml/2006/main" xmlns:r="http://schemas.openxmlformats.org/officeDocument/2006/relationships" xmlns:p="http://schemas.openxmlformats.org/presentationml/2006/main">
+  <p:cSld>
+    <p:spTree>
+      <p:nvGrpSpPr>
+        <p:cNvPr id="1" name=""/>
+        <p:cNvGrpSpPr/>
+        <p:nvPr/>
+      </p:nvGrpSpPr>
+      <p:grpSpPr>
+        <a:xfrm>
+          <a:off x="0" y="0"/>
+          <a:ext cx="0" cy="0"/>
+          <a:chOff x="0" y="0"/>
+          <a:chExt cx="0" cy="0"/>
+        </a:xfrm>
+      </p:grpSpPr>
+      <p:pic>
+        <p:nvPicPr>
+          <p:cNvPr id="11" name="Picture 10" descr="A close up of a map&#10;&#10;Description generated with very high confidence">
+            <a:extLst>
+              <a:ext uri="{FF2B5EF4-FFF2-40B4-BE49-F238E27FC236}">
+                <a16:creationId xmlns:a16="http://schemas.microsoft.com/office/drawing/2014/main" id="{6A03346C-E2B1-43B8-A0C1-2FDC1FC75DAA}"/>
+              </a:ext>
+            </a:extLst>
+          </p:cNvPr>
+          <p:cNvPicPr>
+            <a:picLocks noChangeAspect="1"/>
+          </p:cNvPicPr>
+          <p:nvPr/>
+        </p:nvPicPr>
+        <p:blipFill>
+          <a:blip r:embed="rId2">
+            <a:extLst>
+              <a:ext uri="{28A0092B-C50C-407E-A947-70E740481C1C}">
+                <a14:useLocalDpi xmlns:a14="http://schemas.microsoft.com/office/drawing/2010/main" val="0"/>
+              </a:ext>
+            </a:extLst>
+          </a:blip>
+          <a:stretch>
+            <a:fillRect/>
+          </a:stretch>
+        </p:blipFill>
+        <p:spPr>
+          <a:xfrm>
+            <a:off x="6096000" y="1658381"/>
+            <a:ext cx="5317279" cy="3987959"/>
+          </a:xfrm>
+          <a:prstGeom prst="rect">
+            <a:avLst/>
+          </a:prstGeom>
+        </p:spPr>
+      </p:pic>
+      <p:sp>
+        <p:nvSpPr>
+          <p:cNvPr id="3" name="Content Placeholder 2">
+            <a:extLst>
+              <a:ext uri="{FF2B5EF4-FFF2-40B4-BE49-F238E27FC236}">
+                <a16:creationId xmlns:a16="http://schemas.microsoft.com/office/drawing/2014/main" id="{2E5DAAB6-C87E-4C10-8DDC-15F41DB00A20}"/>
+              </a:ext>
+            </a:extLst>
+          </p:cNvPr>
+          <p:cNvSpPr>
+            <a:spLocks noGrp="1"/>
+          </p:cNvSpPr>
+          <p:nvPr>
+            <p:ph idx="1"/>
+          </p:nvPr>
+        </p:nvSpPr>
+        <p:spPr>
+          <a:xfrm>
+            <a:off x="838200" y="1127760"/>
+            <a:ext cx="10515600" cy="5049203"/>
+          </a:xfrm>
+        </p:spPr>
+        <p:txBody>
+          <a:bodyPr>
+            <a:normAutofit/>
+          </a:bodyPr>
+          <a:lstStyle/>
+          <a:p>
+            <a:pPr marL="0" indent="0">
+              <a:buNone/>
+            </a:pPr>
+            <a:endParaRPr lang="en-CA" sz="2400" dirty="0">
+              <a:solidFill>
+                <a:schemeClr val="accent1">
+                  <a:lumMod val="75000"/>
+                </a:schemeClr>
+              </a:solidFill>
+            </a:endParaRPr>
+          </a:p>
+          <a:p>
+            <a:pPr marL="0" indent="0">
+              <a:buNone/>
+            </a:pPr>
+            <a:endParaRPr lang="en-CA" sz="2400" dirty="0">
+              <a:solidFill>
+                <a:schemeClr val="accent1">
+                  <a:lumMod val="75000"/>
+                </a:schemeClr>
+              </a:solidFill>
+            </a:endParaRPr>
+          </a:p>
+          <a:p>
+            <a:pPr marL="0" indent="0">
+              <a:buNone/>
+            </a:pPr>
+            <a:endParaRPr lang="en-CA" sz="2400" dirty="0">
+              <a:solidFill>
+                <a:schemeClr val="accent1">
+                  <a:lumMod val="75000"/>
+                </a:schemeClr>
+              </a:solidFill>
+            </a:endParaRPr>
+          </a:p>
+          <a:p>
+            <a:pPr marL="0" indent="0">
+              <a:buNone/>
+            </a:pPr>
+            <a:r>
+              <a:rPr lang="en-CA" sz="2400" dirty="0">
+                <a:solidFill>
+                  <a:schemeClr val="accent1">
+                    <a:lumMod val="75000"/>
+                  </a:schemeClr>
+                </a:solidFill>
+              </a:rPr>
+              <a:t>Our parameters</a:t>
+            </a:r>
+          </a:p>
+          <a:p>
+            <a:r>
+              <a:rPr lang="en-CA" sz="2400" dirty="0"/>
+              <a:t>Threshold for switching: 50</a:t>
+            </a:r>
+          </a:p>
+          <a:p>
+            <a:r>
+              <a:rPr lang="en-CA" sz="2400" dirty="0"/>
+              <a:t>Tolerance for termination: 5</a:t>
+            </a:r>
+          </a:p>
+          <a:p>
+            <a:pPr marL="0" indent="0">
+              <a:buNone/>
+            </a:pPr>
+            <a:endParaRPr lang="en-CA" sz="2400" dirty="0"/>
+          </a:p>
+          <a:p>
+            <a:endParaRPr lang="en-CA" sz="2400" dirty="0"/>
+          </a:p>
+        </p:txBody>
+      </p:sp>
+      <p:pic>
+        <p:nvPicPr>
+          <p:cNvPr id="5" name="Picture 4">
+            <a:extLst>
+              <a:ext uri="{FF2B5EF4-FFF2-40B4-BE49-F238E27FC236}">
+                <a16:creationId xmlns:a16="http://schemas.microsoft.com/office/drawing/2014/main" id="{8977407B-874A-4791-897D-6196620D6F56}"/>
+              </a:ext>
+            </a:extLst>
+          </p:cNvPr>
+          <p:cNvPicPr>
+            <a:picLocks noChangeAspect="1"/>
+          </p:cNvPicPr>
+          <p:nvPr/>
+        </p:nvPicPr>
+        <p:blipFill>
+          <a:blip r:embed="rId3">
+            <a:extLst>
+              <a:ext uri="{28A0092B-C50C-407E-A947-70E740481C1C}">
+                <a14:useLocalDpi xmlns:a14="http://schemas.microsoft.com/office/drawing/2010/main" val="0"/>
+              </a:ext>
+            </a:extLst>
+          </a:blip>
+          <a:stretch>
+            <a:fillRect/>
+          </a:stretch>
+        </p:blipFill>
+        <p:spPr>
+          <a:xfrm>
+            <a:off x="9916160" y="365125"/>
+            <a:ext cx="1437640" cy="418937"/>
+          </a:xfrm>
+          <a:prstGeom prst="rect">
+            <a:avLst/>
+          </a:prstGeom>
+        </p:spPr>
+      </p:pic>
+      <p:sp>
+        <p:nvSpPr>
+          <p:cNvPr id="7" name="Title 1">
+            <a:extLst>
+              <a:ext uri="{FF2B5EF4-FFF2-40B4-BE49-F238E27FC236}">
+                <a16:creationId xmlns:a16="http://schemas.microsoft.com/office/drawing/2014/main" id="{DF83123F-FFF6-4EB8-AA6C-703D18DCBD9D}"/>
+              </a:ext>
+            </a:extLst>
+          </p:cNvPr>
+          <p:cNvSpPr>
+            <a:spLocks noGrp="1"/>
+          </p:cNvSpPr>
+          <p:nvPr>
+            <p:ph type="title"/>
+          </p:nvPr>
+        </p:nvSpPr>
+        <p:spPr>
+          <a:xfrm>
+            <a:off x="838200" y="365125"/>
+            <a:ext cx="10515600" cy="762635"/>
+          </a:xfrm>
+        </p:spPr>
+        <p:txBody>
+          <a:bodyPr>
+            <a:normAutofit/>
+          </a:bodyPr>
+          <a:lstStyle/>
+          <a:p>
+            <a:r>
+              <a:rPr lang="en-CA" sz="3600" dirty="0"/>
+              <a:t>Golden Section Method</a:t>
+            </a:r>
+            <a:endParaRPr lang="en-US" sz="3600" dirty="0"/>
+          </a:p>
+        </p:txBody>
+      </p:sp>
+      <p:cxnSp>
+        <p:nvCxnSpPr>
+          <p:cNvPr id="12" name="Straight Connector 11">
+            <a:extLst>
+              <a:ext uri="{FF2B5EF4-FFF2-40B4-BE49-F238E27FC236}">
+                <a16:creationId xmlns:a16="http://schemas.microsoft.com/office/drawing/2014/main" id="{10B21CA4-8CA2-4402-AB89-9F229F47109F}"/>
+              </a:ext>
+            </a:extLst>
+          </p:cNvPr>
+          <p:cNvCxnSpPr>
+            <a:cxnSpLocks/>
+          </p:cNvCxnSpPr>
+          <p:nvPr/>
+        </p:nvCxnSpPr>
+        <p:spPr>
+          <a:xfrm>
+            <a:off x="6949440" y="1960880"/>
+            <a:ext cx="0" cy="3251200"/>
+          </a:xfrm>
+          <a:prstGeom prst="line">
+            <a:avLst/>
+          </a:prstGeom>
+          <a:ln w="6350">
+            <a:solidFill>
+              <a:srgbClr val="FF0000"/>
+            </a:solidFill>
+            <a:prstDash val="dash"/>
+          </a:ln>
+        </p:spPr>
+        <p:style>
+          <a:lnRef idx="1">
+            <a:schemeClr val="accent1"/>
+          </a:lnRef>
+          <a:fillRef idx="0">
+            <a:schemeClr val="accent1"/>
+          </a:fillRef>
+          <a:effectRef idx="0">
+            <a:schemeClr val="accent1"/>
+          </a:effectRef>
+          <a:fontRef idx="minor">
+            <a:schemeClr val="tx1"/>
+          </a:fontRef>
+        </p:style>
+      </p:cxnSp>
+      <p:cxnSp>
+        <p:nvCxnSpPr>
+          <p:cNvPr id="14" name="Straight Connector 13">
+            <a:extLst>
+              <a:ext uri="{FF2B5EF4-FFF2-40B4-BE49-F238E27FC236}">
+                <a16:creationId xmlns:a16="http://schemas.microsoft.com/office/drawing/2014/main" id="{4F4A77A5-2588-4317-AC5B-B140834B4157}"/>
+              </a:ext>
+            </a:extLst>
+          </p:cNvPr>
+          <p:cNvCxnSpPr>
+            <a:cxnSpLocks/>
+          </p:cNvCxnSpPr>
+          <p:nvPr/>
+        </p:nvCxnSpPr>
+        <p:spPr>
+          <a:xfrm>
+            <a:off x="6837680" y="1960880"/>
+            <a:ext cx="0" cy="3251200"/>
+          </a:xfrm>
+          <a:prstGeom prst="line">
+            <a:avLst/>
+          </a:prstGeom>
+          <a:ln w="6350">
+            <a:solidFill>
+              <a:srgbClr val="FF0000"/>
+            </a:solidFill>
+            <a:prstDash val="dash"/>
+          </a:ln>
+        </p:spPr>
+        <p:style>
+          <a:lnRef idx="1">
+            <a:schemeClr val="accent1"/>
+          </a:lnRef>
+          <a:fillRef idx="0">
+            <a:schemeClr val="accent1"/>
+          </a:fillRef>
+          <a:effectRef idx="0">
+            <a:schemeClr val="accent1"/>
+          </a:effectRef>
+          <a:fontRef idx="minor">
+            <a:schemeClr val="tx1"/>
+          </a:fontRef>
+        </p:style>
+      </p:cxnSp>
+      <p:cxnSp>
+        <p:nvCxnSpPr>
+          <p:cNvPr id="15" name="Straight Connector 14">
+            <a:extLst>
+              <a:ext uri="{FF2B5EF4-FFF2-40B4-BE49-F238E27FC236}">
+                <a16:creationId xmlns:a16="http://schemas.microsoft.com/office/drawing/2014/main" id="{E7A27FC9-44FA-4D94-85FC-A8C0C9BBAA7A}"/>
+              </a:ext>
+            </a:extLst>
+          </p:cNvPr>
+          <p:cNvCxnSpPr>
+            <a:cxnSpLocks/>
+          </p:cNvCxnSpPr>
+          <p:nvPr/>
+        </p:nvCxnSpPr>
+        <p:spPr>
+          <a:xfrm>
+            <a:off x="7813040" y="1960880"/>
+            <a:ext cx="0" cy="3251200"/>
+          </a:xfrm>
+          <a:prstGeom prst="line">
+            <a:avLst/>
+          </a:prstGeom>
+          <a:ln w="19050">
+            <a:solidFill>
+              <a:srgbClr val="1DFF5E"/>
+            </a:solidFill>
+            <a:prstDash val="dash"/>
+          </a:ln>
+        </p:spPr>
+        <p:style>
+          <a:lnRef idx="1">
+            <a:schemeClr val="accent1"/>
+          </a:lnRef>
+          <a:fillRef idx="0">
+            <a:schemeClr val="accent1"/>
+          </a:fillRef>
+          <a:effectRef idx="0">
+            <a:schemeClr val="accent1"/>
+          </a:effectRef>
+          <a:fontRef idx="minor">
+            <a:schemeClr val="tx1"/>
+          </a:fontRef>
+        </p:style>
+      </p:cxnSp>
+      <p:sp>
+        <p:nvSpPr>
+          <p:cNvPr id="16" name="TextBox 15">
+            <a:extLst>
+              <a:ext uri="{FF2B5EF4-FFF2-40B4-BE49-F238E27FC236}">
+                <a16:creationId xmlns:a16="http://schemas.microsoft.com/office/drawing/2014/main" id="{2D1203CD-3CDF-4188-80B2-B76EBAF0FEAE}"/>
+              </a:ext>
+            </a:extLst>
+          </p:cNvPr>
+          <p:cNvSpPr txBox="1"/>
+          <p:nvPr/>
+        </p:nvSpPr>
+        <p:spPr>
+          <a:xfrm>
+            <a:off x="7813041" y="4043680"/>
+            <a:ext cx="1432560" cy="584775"/>
+          </a:xfrm>
+          <a:prstGeom prst="rect">
+            <a:avLst/>
+          </a:prstGeom>
+          <a:noFill/>
+        </p:spPr>
+        <p:txBody>
+          <a:bodyPr wrap="square" rtlCol="0">
+            <a:spAutoFit/>
+          </a:bodyPr>
+          <a:lstStyle/>
+          <a:p>
+            <a:r>
+              <a:rPr lang="en-CA" sz="1600" dirty="0"/>
+              <a:t>Threshold:</a:t>
+            </a:r>
+          </a:p>
+          <a:p>
+            <a:r>
+              <a:rPr lang="en-CA" sz="1600" dirty="0"/>
+              <a:t>Greedy =&gt; VNS</a:t>
+            </a:r>
+            <a:endParaRPr lang="en-US" sz="1600" dirty="0"/>
+          </a:p>
+        </p:txBody>
+      </p:sp>
+      <p:sp>
+        <p:nvSpPr>
+          <p:cNvPr id="17" name="TextBox 16">
+            <a:extLst>
+              <a:ext uri="{FF2B5EF4-FFF2-40B4-BE49-F238E27FC236}">
+                <a16:creationId xmlns:a16="http://schemas.microsoft.com/office/drawing/2014/main" id="{103FBC69-A2A3-4A32-B49B-1BFA0FCDECBE}"/>
+              </a:ext>
+            </a:extLst>
+          </p:cNvPr>
+          <p:cNvSpPr txBox="1"/>
+          <p:nvPr/>
+        </p:nvSpPr>
+        <p:spPr>
+          <a:xfrm>
+            <a:off x="6248406" y="5895101"/>
+            <a:ext cx="1381746" cy="338554"/>
+          </a:xfrm>
+          <a:prstGeom prst="rect">
+            <a:avLst/>
+          </a:prstGeom>
+          <a:noFill/>
+        </p:spPr>
+        <p:txBody>
+          <a:bodyPr wrap="square" rtlCol="0">
+            <a:spAutoFit/>
+          </a:bodyPr>
+          <a:lstStyle/>
+          <a:p>
+            <a:r>
+              <a:rPr lang="en-CA" sz="1600" dirty="0"/>
+              <a:t>Final interval</a:t>
+            </a:r>
+            <a:endParaRPr lang="en-US" sz="1600" dirty="0"/>
+          </a:p>
+        </p:txBody>
+      </p:sp>
+      <p:cxnSp>
+        <p:nvCxnSpPr>
+          <p:cNvPr id="19" name="Straight Arrow Connector 18">
+            <a:extLst>
+              <a:ext uri="{FF2B5EF4-FFF2-40B4-BE49-F238E27FC236}">
+                <a16:creationId xmlns:a16="http://schemas.microsoft.com/office/drawing/2014/main" id="{FD1C4ADF-8C25-4919-B0EC-1CDBB416D2F7}"/>
+              </a:ext>
+            </a:extLst>
+          </p:cNvPr>
+          <p:cNvCxnSpPr>
+            <a:cxnSpLocks/>
+          </p:cNvCxnSpPr>
+          <p:nvPr/>
+        </p:nvCxnSpPr>
+        <p:spPr>
+          <a:xfrm flipV="1">
+            <a:off x="6939279" y="5412978"/>
+            <a:ext cx="0" cy="466724"/>
+          </a:xfrm>
+          <a:prstGeom prst="straightConnector1">
+            <a:avLst/>
+          </a:prstGeom>
+          <a:ln>
+            <a:tailEnd type="triangle"/>
+          </a:ln>
+        </p:spPr>
+        <p:style>
+          <a:lnRef idx="1">
+            <a:schemeClr val="accent1"/>
+          </a:lnRef>
+          <a:fillRef idx="0">
+            <a:schemeClr val="accent1"/>
+          </a:fillRef>
+          <a:effectRef idx="0">
+            <a:schemeClr val="accent1"/>
+          </a:effectRef>
+          <a:fontRef idx="minor">
+            <a:schemeClr val="tx1"/>
+          </a:fontRef>
+        </p:style>
+      </p:cxnSp>
+    </p:spTree>
+    <p:extLst>
+      <p:ext uri="{BB962C8B-B14F-4D97-AF65-F5344CB8AC3E}">
+        <p14:creationId xmlns:p14="http://schemas.microsoft.com/office/powerpoint/2010/main" val="786155486"/>
+      </p:ext>
+    </p:extLst>
+  </p:cSld>
+  <p:clrMapOvr>
+    <a:masterClrMapping/>
+  </p:clrMapOvr>
+</p:sld>
+</file>
+
+<file path=ppt/slides/slide11.xml><?xml version="1.0" encoding="utf-8"?>
+<p:sld xmlns:a="http://schemas.openxmlformats.org/drawingml/2006/main" xmlns:r="http://schemas.openxmlformats.org/officeDocument/2006/relationships" xmlns:p="http://schemas.openxmlformats.org/presentationml/2006/main">
+  <p:cSld>
+    <p:spTree>
+      <p:nvGrpSpPr>
+        <p:cNvPr id="1" name=""/>
+        <p:cNvGrpSpPr/>
+        <p:nvPr/>
+      </p:nvGrpSpPr>
+      <p:grpSpPr>
+        <a:xfrm>
+          <a:off x="0" y="0"/>
+          <a:ext cx="0" cy="0"/>
+          <a:chOff x="0" y="0"/>
+          <a:chExt cx="0" cy="0"/>
+        </a:xfrm>
+      </p:grpSpPr>
+      <p:sp>
+        <p:nvSpPr>
+          <p:cNvPr id="3" name="Content Placeholder 2">
+            <a:extLst>
+              <a:ext uri="{FF2B5EF4-FFF2-40B4-BE49-F238E27FC236}">
+                <a16:creationId xmlns:a16="http://schemas.microsoft.com/office/drawing/2014/main" id="{A3747E47-B71D-4260-9DF4-6C60964EBB93}"/>
+              </a:ext>
+            </a:extLst>
+          </p:cNvPr>
+          <p:cNvSpPr>
+            <a:spLocks noGrp="1"/>
+          </p:cNvSpPr>
+          <p:nvPr>
+            <p:ph idx="1"/>
+          </p:nvPr>
+        </p:nvSpPr>
+        <p:spPr>
+          <a:xfrm>
+            <a:off x="838200" y="1127760"/>
+            <a:ext cx="10515600" cy="5049203"/>
+          </a:xfrm>
+        </p:spPr>
+        <p:txBody>
+          <a:bodyPr>
+            <a:normAutofit/>
+          </a:bodyPr>
+          <a:lstStyle/>
+          <a:p>
+            <a:pPr marL="0" indent="0">
+              <a:buNone/>
+            </a:pPr>
+            <a:r>
+              <a:rPr lang="en-CA" sz="2400" dirty="0">
+                <a:solidFill>
+                  <a:schemeClr val="accent1"/>
+                </a:solidFill>
+              </a:rPr>
+              <a:t>Baseline VNS</a:t>
+            </a:r>
+            <a:endParaRPr lang="en-US" sz="2400" dirty="0">
+              <a:solidFill>
+                <a:schemeClr val="accent1"/>
+              </a:solidFill>
+            </a:endParaRPr>
+          </a:p>
+        </p:txBody>
+      </p:sp>
+      <p:pic>
+        <p:nvPicPr>
+          <p:cNvPr id="5" name="Picture 4">
+            <a:extLst>
+              <a:ext uri="{FF2B5EF4-FFF2-40B4-BE49-F238E27FC236}">
+                <a16:creationId xmlns:a16="http://schemas.microsoft.com/office/drawing/2014/main" id="{0C7E7D67-F8B3-4901-8386-C7C19CECFEC6}"/>
+              </a:ext>
+            </a:extLst>
+          </p:cNvPr>
+          <p:cNvPicPr>
+            <a:picLocks noChangeAspect="1"/>
+          </p:cNvPicPr>
+          <p:nvPr/>
+        </p:nvPicPr>
+        <p:blipFill>
+          <a:blip r:embed="rId2">
+            <a:extLst>
+              <a:ext uri="{28A0092B-C50C-407E-A947-70E740481C1C}">
+                <a14:useLocalDpi xmlns:a14="http://schemas.microsoft.com/office/drawing/2010/main" val="0"/>
+              </a:ext>
+            </a:extLst>
+          </a:blip>
+          <a:stretch>
+            <a:fillRect/>
+          </a:stretch>
+        </p:blipFill>
+        <p:spPr>
+          <a:xfrm>
+            <a:off x="9916160" y="365125"/>
+            <a:ext cx="1437640" cy="418937"/>
+          </a:xfrm>
+          <a:prstGeom prst="rect">
+            <a:avLst/>
+          </a:prstGeom>
+        </p:spPr>
+      </p:pic>
+      <p:sp>
+        <p:nvSpPr>
+          <p:cNvPr id="6" name="Title 1">
+            <a:extLst>
+              <a:ext uri="{FF2B5EF4-FFF2-40B4-BE49-F238E27FC236}">
+                <a16:creationId xmlns:a16="http://schemas.microsoft.com/office/drawing/2014/main" id="{B4C9D95B-EBE4-40C7-8B82-4CFA20A3795C}"/>
+              </a:ext>
+            </a:extLst>
+          </p:cNvPr>
+          <p:cNvSpPr txBox="1">
+            <a:spLocks/>
+          </p:cNvSpPr>
+          <p:nvPr/>
+        </p:nvSpPr>
+        <p:spPr>
+          <a:xfrm>
+            <a:off x="838200" y="365125"/>
+            <a:ext cx="10515600" cy="762635"/>
+          </a:xfrm>
+          <a:prstGeom prst="rect">
+            <a:avLst/>
+          </a:prstGeom>
+        </p:spPr>
+        <p:txBody>
+          <a:bodyPr vert="horz" lIns="91440" tIns="45720" rIns="91440" bIns="45720" rtlCol="0" anchor="ctr">
+            <a:normAutofit/>
+          </a:bodyPr>
+          <a:lstStyle>
+            <a:lvl1pPr algn="l" defTabSz="914400" rtl="0" eaLnBrk="1" latinLnBrk="0" hangingPunct="1">
+              <a:lnSpc>
+                <a:spcPct val="90000"/>
+              </a:lnSpc>
+              <a:spcBef>
+                <a:spcPct val="0"/>
+              </a:spcBef>
+              <a:buNone/>
+              <a:defRPr sz="4400" kern="1200">
+                <a:solidFill>
+                  <a:schemeClr val="tx1"/>
+                </a:solidFill>
+                <a:latin typeface="+mj-lt"/>
+                <a:ea typeface="+mj-ea"/>
+                <a:cs typeface="+mj-cs"/>
+              </a:defRPr>
+            </a:lvl1pPr>
+          </a:lstStyle>
+          <a:p>
+            <a:r>
+              <a:rPr lang="en-CA" sz="3600" dirty="0"/>
+              <a:t>Results</a:t>
+            </a:r>
+          </a:p>
+        </p:txBody>
+      </p:sp>
+    </p:spTree>
+    <p:extLst>
+      <p:ext uri="{BB962C8B-B14F-4D97-AF65-F5344CB8AC3E}">
+        <p14:creationId xmlns:p14="http://schemas.microsoft.com/office/powerpoint/2010/main" val="2987988822"/>
+      </p:ext>
+    </p:extLst>
+  </p:cSld>
+  <p:clrMapOvr>
+    <a:masterClrMapping/>
+  </p:clrMapOvr>
+</p:sld>
+</file>
+
+<file path=ppt/slides/slide12.xml><?xml version="1.0" encoding="utf-8"?>
+<p:sld xmlns:a="http://schemas.openxmlformats.org/drawingml/2006/main" xmlns:r="http://schemas.openxmlformats.org/officeDocument/2006/relationships" xmlns:p="http://schemas.openxmlformats.org/presentationml/2006/main">
+  <p:cSld>
+    <p:spTree>
+      <p:nvGrpSpPr>
+        <p:cNvPr id="1" name=""/>
+        <p:cNvGrpSpPr/>
+        <p:nvPr/>
+      </p:nvGrpSpPr>
+      <p:grpSpPr>
+        <a:xfrm>
+          <a:off x="0" y="0"/>
+          <a:ext cx="0" cy="0"/>
+          <a:chOff x="0" y="0"/>
+          <a:chExt cx="0" cy="0"/>
+        </a:xfrm>
+      </p:grpSpPr>
+      <p:sp>
+        <p:nvSpPr>
+          <p:cNvPr id="3" name="Content Placeholder 2">
+            <a:extLst>
+              <a:ext uri="{FF2B5EF4-FFF2-40B4-BE49-F238E27FC236}">
+                <a16:creationId xmlns:a16="http://schemas.microsoft.com/office/drawing/2014/main" id="{A3747E47-B71D-4260-9DF4-6C60964EBB93}"/>
+              </a:ext>
+            </a:extLst>
+          </p:cNvPr>
+          <p:cNvSpPr>
+            <a:spLocks noGrp="1"/>
+          </p:cNvSpPr>
+          <p:nvPr>
+            <p:ph idx="1"/>
+          </p:nvPr>
+        </p:nvSpPr>
+        <p:spPr>
+          <a:xfrm>
+            <a:off x="838200" y="1127760"/>
+            <a:ext cx="10515600" cy="5049203"/>
+          </a:xfrm>
+        </p:spPr>
+        <p:txBody>
+          <a:bodyPr>
+            <a:normAutofit/>
+          </a:bodyPr>
+          <a:lstStyle/>
+          <a:p>
+            <a:pPr marL="0" indent="0">
+              <a:buNone/>
+            </a:pPr>
+            <a:r>
+              <a:rPr lang="en-CA" sz="2400" dirty="0">
+                <a:solidFill>
+                  <a:schemeClr val="accent1"/>
+                </a:solidFill>
+              </a:rPr>
+              <a:t>Golden section VNS </a:t>
+            </a:r>
+          </a:p>
+          <a:p>
+            <a:pPr marL="0" indent="0">
+              <a:buNone/>
+            </a:pPr>
+            <a:endParaRPr lang="en-US" sz="2400" dirty="0">
+              <a:solidFill>
+                <a:schemeClr val="accent1"/>
+              </a:solidFill>
+            </a:endParaRPr>
+          </a:p>
+        </p:txBody>
+      </p:sp>
+      <p:pic>
+        <p:nvPicPr>
+          <p:cNvPr id="5" name="Picture 4">
+            <a:extLst>
+              <a:ext uri="{FF2B5EF4-FFF2-40B4-BE49-F238E27FC236}">
+                <a16:creationId xmlns:a16="http://schemas.microsoft.com/office/drawing/2014/main" id="{0C7E7D67-F8B3-4901-8386-C7C19CECFEC6}"/>
+              </a:ext>
+            </a:extLst>
+          </p:cNvPr>
+          <p:cNvPicPr>
+            <a:picLocks noChangeAspect="1"/>
+          </p:cNvPicPr>
+          <p:nvPr/>
+        </p:nvPicPr>
+        <p:blipFill>
+          <a:blip r:embed="rId2">
+            <a:extLst>
+              <a:ext uri="{28A0092B-C50C-407E-A947-70E740481C1C}">
+                <a14:useLocalDpi xmlns:a14="http://schemas.microsoft.com/office/drawing/2010/main" val="0"/>
+              </a:ext>
+            </a:extLst>
+          </a:blip>
+          <a:stretch>
+            <a:fillRect/>
+          </a:stretch>
+        </p:blipFill>
+        <p:spPr>
+          <a:xfrm>
+            <a:off x="9916160" y="365125"/>
+            <a:ext cx="1437640" cy="418937"/>
+          </a:xfrm>
+          <a:prstGeom prst="rect">
+            <a:avLst/>
+          </a:prstGeom>
+        </p:spPr>
+      </p:pic>
+      <p:sp>
+        <p:nvSpPr>
+          <p:cNvPr id="6" name="Title 1">
+            <a:extLst>
+              <a:ext uri="{FF2B5EF4-FFF2-40B4-BE49-F238E27FC236}">
+                <a16:creationId xmlns:a16="http://schemas.microsoft.com/office/drawing/2014/main" id="{B4C9D95B-EBE4-40C7-8B82-4CFA20A3795C}"/>
+              </a:ext>
+            </a:extLst>
+          </p:cNvPr>
+          <p:cNvSpPr txBox="1">
+            <a:spLocks/>
+          </p:cNvSpPr>
+          <p:nvPr/>
+        </p:nvSpPr>
+        <p:spPr>
+          <a:xfrm>
+            <a:off x="838200" y="365125"/>
+            <a:ext cx="10515600" cy="762635"/>
+          </a:xfrm>
+          <a:prstGeom prst="rect">
+            <a:avLst/>
+          </a:prstGeom>
+        </p:spPr>
+        <p:txBody>
+          <a:bodyPr vert="horz" lIns="91440" tIns="45720" rIns="91440" bIns="45720" rtlCol="0" anchor="ctr">
+            <a:normAutofit/>
+          </a:bodyPr>
+          <a:lstStyle>
+            <a:lvl1pPr algn="l" defTabSz="914400" rtl="0" eaLnBrk="1" latinLnBrk="0" hangingPunct="1">
+              <a:lnSpc>
+                <a:spcPct val="90000"/>
+              </a:lnSpc>
+              <a:spcBef>
+                <a:spcPct val="0"/>
+              </a:spcBef>
+              <a:buNone/>
+              <a:defRPr sz="4400" kern="1200">
+                <a:solidFill>
+                  <a:schemeClr val="tx1"/>
+                </a:solidFill>
+                <a:latin typeface="+mj-lt"/>
+                <a:ea typeface="+mj-ea"/>
+                <a:cs typeface="+mj-cs"/>
+              </a:defRPr>
+            </a:lvl1pPr>
+          </a:lstStyle>
+          <a:p>
+            <a:r>
+              <a:rPr lang="en-CA" sz="3600" dirty="0"/>
+              <a:t>Results</a:t>
+            </a:r>
+          </a:p>
+        </p:txBody>
+      </p:sp>
+      <p:graphicFrame>
+        <p:nvGraphicFramePr>
+          <p:cNvPr id="2" name="Table 1">
+            <a:extLst>
+              <a:ext uri="{FF2B5EF4-FFF2-40B4-BE49-F238E27FC236}">
+                <a16:creationId xmlns:a16="http://schemas.microsoft.com/office/drawing/2014/main" id="{D00BD308-A77B-460E-9C89-935AB0AE267D}"/>
+              </a:ext>
+            </a:extLst>
+          </p:cNvPr>
+          <p:cNvGraphicFramePr>
+            <a:graphicFrameLocks noGrp="1"/>
+          </p:cNvGraphicFramePr>
+          <p:nvPr>
+            <p:extLst>
+              <p:ext uri="{D42A27DB-BD31-4B8C-83A1-F6EECF244321}">
+                <p14:modId xmlns:p14="http://schemas.microsoft.com/office/powerpoint/2010/main" val="357419482"/>
+              </p:ext>
+            </p:extLst>
+          </p:nvPr>
+        </p:nvGraphicFramePr>
+        <p:xfrm>
+          <a:off x="838200" y="1922618"/>
+          <a:ext cx="3185160" cy="4254345"/>
+        </p:xfrm>
+        <a:graphic>
+          <a:graphicData uri="http://schemas.openxmlformats.org/drawingml/2006/table">
+            <a:tbl>
+              <a:tblPr firstRow="1" bandRow="1">
+                <a:tableStyleId>{5C22544A-7EE6-4342-B048-85BDC9FD1C3A}</a:tableStyleId>
+              </a:tblPr>
+              <a:tblGrid>
+                <a:gridCol w="1592580">
+                  <a:extLst>
+                    <a:ext uri="{9D8B030D-6E8A-4147-A177-3AD203B41FA5}">
+                      <a16:colId xmlns:a16="http://schemas.microsoft.com/office/drawing/2014/main" val="1605159683"/>
+                    </a:ext>
+                  </a:extLst>
+                </a:gridCol>
+                <a:gridCol w="1592580">
+                  <a:extLst>
+                    <a:ext uri="{9D8B030D-6E8A-4147-A177-3AD203B41FA5}">
+                      <a16:colId xmlns:a16="http://schemas.microsoft.com/office/drawing/2014/main" val="3215839801"/>
+                    </a:ext>
+                  </a:extLst>
+                </a:gridCol>
+              </a:tblGrid>
+              <a:tr h="472705">
+                <a:tc>
+                  <a:txBody>
+                    <a:bodyPr/>
+                    <a:lstStyle/>
+                    <a:p>
+                      <a:pPr algn="ctr"/>
+                      <a:r>
+                        <a:rPr lang="en-CA" sz="1600" dirty="0"/>
+                        <a:t>Left Extreme</a:t>
+                      </a:r>
+                      <a:endParaRPr lang="en-US" sz="1600" dirty="0"/>
+                    </a:p>
+                  </a:txBody>
+                  <a:tcPr/>
+                </a:tc>
+                <a:tc>
+                  <a:txBody>
+                    <a:bodyPr/>
+                    <a:lstStyle/>
+                    <a:p>
+                      <a:pPr algn="ctr"/>
+                      <a:r>
+                        <a:rPr lang="en-CA" sz="1600" dirty="0"/>
+                        <a:t>Right Extreme</a:t>
+                      </a:r>
+                      <a:endParaRPr lang="en-US" sz="1600" dirty="0"/>
+                    </a:p>
+                  </a:txBody>
+                  <a:tcPr/>
+                </a:tc>
+                <a:extLst>
+                  <a:ext uri="{0D108BD9-81ED-4DB2-BD59-A6C34878D82A}">
+                    <a16:rowId xmlns:a16="http://schemas.microsoft.com/office/drawing/2014/main" val="2613083884"/>
+                  </a:ext>
+                </a:extLst>
+              </a:tr>
+              <a:tr h="472705">
+                <a:tc>
+                  <a:txBody>
+                    <a:bodyPr/>
+                    <a:lstStyle/>
+                    <a:p>
+                      <a:pPr algn="ctr"/>
+                      <a:r>
+                        <a:rPr lang="en-CA" sz="1600" dirty="0"/>
+                        <a:t>200</a:t>
+                      </a:r>
+                      <a:endParaRPr lang="en-US" sz="1600" dirty="0"/>
+                    </a:p>
+                  </a:txBody>
+                  <a:tcPr/>
+                </a:tc>
+                <a:tc>
+                  <a:txBody>
+                    <a:bodyPr/>
+                    <a:lstStyle/>
+                    <a:p>
+                      <a:pPr algn="ctr"/>
+                      <a:r>
+                        <a:rPr lang="en-CA" sz="1600" dirty="0"/>
+                        <a:t>323.6</a:t>
+                      </a:r>
+                      <a:endParaRPr lang="en-US" sz="1600" dirty="0"/>
+                    </a:p>
+                  </a:txBody>
+                  <a:tcPr/>
+                </a:tc>
+                <a:extLst>
+                  <a:ext uri="{0D108BD9-81ED-4DB2-BD59-A6C34878D82A}">
+                    <a16:rowId xmlns:a16="http://schemas.microsoft.com/office/drawing/2014/main" val="1043954191"/>
+                  </a:ext>
+                </a:extLst>
+              </a:tr>
+              <a:tr h="472705">
+                <a:tc>
+                  <a:txBody>
+                    <a:bodyPr/>
+                    <a:lstStyle/>
+                    <a:p>
+                      <a:pPr algn="ctr"/>
+                      <a:r>
+                        <a:rPr lang="en-CA" sz="1600" dirty="0"/>
+                        <a:t>200</a:t>
+                      </a:r>
+                      <a:endParaRPr lang="en-US" sz="1600" dirty="0"/>
+                    </a:p>
+                  </a:txBody>
+                  <a:tcPr/>
+                </a:tc>
+                <a:tc>
+                  <a:txBody>
+                    <a:bodyPr/>
+                    <a:lstStyle/>
+                    <a:p>
+                      <a:pPr algn="ctr"/>
+                      <a:r>
+                        <a:rPr lang="en-CA" sz="1600" dirty="0"/>
+                        <a:t>276.4</a:t>
+                      </a:r>
+                      <a:endParaRPr lang="en-US" sz="1600" dirty="0"/>
+                    </a:p>
+                  </a:txBody>
+                  <a:tcPr/>
+                </a:tc>
+                <a:extLst>
+                  <a:ext uri="{0D108BD9-81ED-4DB2-BD59-A6C34878D82A}">
+                    <a16:rowId xmlns:a16="http://schemas.microsoft.com/office/drawing/2014/main" val="4192509726"/>
+                  </a:ext>
+                </a:extLst>
+              </a:tr>
+              <a:tr h="472705">
+                <a:tc>
+                  <a:txBody>
+                    <a:bodyPr/>
+                    <a:lstStyle/>
+                    <a:p>
+                      <a:pPr algn="ctr"/>
+                      <a:r>
+                        <a:rPr lang="en-CA" sz="1600" dirty="0"/>
+                        <a:t>200</a:t>
+                      </a:r>
+                      <a:endParaRPr lang="en-US" sz="1600" dirty="0"/>
+                    </a:p>
+                  </a:txBody>
+                  <a:tcPr/>
+                </a:tc>
+                <a:tc>
+                  <a:txBody>
+                    <a:bodyPr/>
+                    <a:lstStyle/>
+                    <a:p>
+                      <a:pPr algn="ctr"/>
+                      <a:r>
+                        <a:rPr lang="en-CA" sz="1600" dirty="0"/>
+                        <a:t>247.2152</a:t>
+                      </a:r>
+                      <a:endParaRPr lang="en-US" sz="1600" dirty="0"/>
+                    </a:p>
+                  </a:txBody>
+                  <a:tcPr/>
+                </a:tc>
+                <a:extLst>
+                  <a:ext uri="{0D108BD9-81ED-4DB2-BD59-A6C34878D82A}">
+                    <a16:rowId xmlns:a16="http://schemas.microsoft.com/office/drawing/2014/main" val="4113450718"/>
+                  </a:ext>
+                </a:extLst>
+              </a:tr>
+              <a:tr h="472705">
+                <a:tc>
+                  <a:txBody>
+                    <a:bodyPr/>
+                    <a:lstStyle/>
+                    <a:p>
+                      <a:pPr algn="ctr"/>
+                      <a:r>
+                        <a:rPr lang="en-CA" sz="1600" dirty="0"/>
+                        <a:t>200</a:t>
+                      </a:r>
+                      <a:endParaRPr lang="en-US" sz="1600" dirty="0"/>
+                    </a:p>
+                  </a:txBody>
+                  <a:tcPr/>
+                </a:tc>
+                <a:tc>
+                  <a:txBody>
+                    <a:bodyPr/>
+                    <a:lstStyle/>
+                    <a:p>
+                      <a:pPr algn="ctr"/>
+                      <a:r>
+                        <a:rPr lang="en-CA" sz="1600" dirty="0"/>
+                        <a:t>229.1848</a:t>
+                      </a:r>
+                      <a:endParaRPr lang="en-US" sz="1600" dirty="0"/>
+                    </a:p>
+                  </a:txBody>
+                  <a:tcPr/>
+                </a:tc>
+                <a:extLst>
+                  <a:ext uri="{0D108BD9-81ED-4DB2-BD59-A6C34878D82A}">
+                    <a16:rowId xmlns:a16="http://schemas.microsoft.com/office/drawing/2014/main" val="1718326295"/>
+                  </a:ext>
+                </a:extLst>
+              </a:tr>
+              <a:tr h="472705">
+                <a:tc>
+                  <a:txBody>
+                    <a:bodyPr/>
+                    <a:lstStyle/>
+                    <a:p>
+                      <a:pPr algn="ctr"/>
+                      <a:r>
+                        <a:rPr lang="en-CA" sz="1600" dirty="0"/>
+                        <a:t>200</a:t>
+                      </a:r>
+                      <a:endParaRPr lang="en-US" sz="1600" dirty="0"/>
+                    </a:p>
+                  </a:txBody>
+                  <a:tcPr/>
+                </a:tc>
+                <a:tc>
+                  <a:txBody>
+                    <a:bodyPr/>
+                    <a:lstStyle/>
+                    <a:p>
+                      <a:pPr algn="ctr"/>
+                      <a:r>
+                        <a:rPr lang="en-CA" sz="1600" dirty="0"/>
+                        <a:t>218.0362</a:t>
+                      </a:r>
+                      <a:endParaRPr lang="en-US" sz="1600" dirty="0"/>
+                    </a:p>
+                  </a:txBody>
+                  <a:tcPr/>
+                </a:tc>
+                <a:extLst>
+                  <a:ext uri="{0D108BD9-81ED-4DB2-BD59-A6C34878D82A}">
+                    <a16:rowId xmlns:a16="http://schemas.microsoft.com/office/drawing/2014/main" val="3377329922"/>
+                  </a:ext>
+                </a:extLst>
+              </a:tr>
+              <a:tr h="472705">
+                <a:tc>
+                  <a:txBody>
+                    <a:bodyPr/>
+                    <a:lstStyle/>
+                    <a:p>
+                      <a:pPr algn="ctr"/>
+                      <a:r>
+                        <a:rPr lang="en-CA" sz="1600" dirty="0"/>
+                        <a:t>200</a:t>
+                      </a:r>
+                      <a:endParaRPr lang="en-US" sz="1600" dirty="0"/>
+                    </a:p>
+                  </a:txBody>
+                  <a:tcPr/>
+                </a:tc>
+                <a:tc>
+                  <a:txBody>
+                    <a:bodyPr/>
+                    <a:lstStyle/>
+                    <a:p>
+                      <a:pPr algn="ctr"/>
+                      <a:r>
+                        <a:rPr lang="en-CA" sz="1600" dirty="0"/>
+                        <a:t>211.1486</a:t>
+                      </a:r>
+                      <a:endParaRPr lang="en-US" sz="1600" dirty="0"/>
+                    </a:p>
+                  </a:txBody>
+                  <a:tcPr/>
+                </a:tc>
+                <a:extLst>
+                  <a:ext uri="{0D108BD9-81ED-4DB2-BD59-A6C34878D82A}">
+                    <a16:rowId xmlns:a16="http://schemas.microsoft.com/office/drawing/2014/main" val="3477452710"/>
+                  </a:ext>
+                </a:extLst>
+              </a:tr>
+              <a:tr h="472705">
+                <a:tc>
+                  <a:txBody>
+                    <a:bodyPr/>
+                    <a:lstStyle/>
+                    <a:p>
+                      <a:pPr algn="ctr"/>
+                      <a:r>
+                        <a:rPr lang="en-CA" sz="1600" dirty="0"/>
+                        <a:t>204.2588</a:t>
+                      </a:r>
+                      <a:endParaRPr lang="en-US" sz="1600" dirty="0"/>
+                    </a:p>
+                  </a:txBody>
+                  <a:tcPr/>
+                </a:tc>
+                <a:tc>
+                  <a:txBody>
+                    <a:bodyPr/>
+                    <a:lstStyle/>
+                    <a:p>
+                      <a:pPr algn="ctr"/>
+                      <a:r>
+                        <a:rPr lang="en-CA" sz="1600" dirty="0"/>
+                        <a:t>211.1486</a:t>
+                      </a:r>
+                      <a:endParaRPr lang="en-US" sz="1600" dirty="0"/>
+                    </a:p>
+                  </a:txBody>
+                  <a:tcPr/>
+                </a:tc>
+                <a:extLst>
+                  <a:ext uri="{0D108BD9-81ED-4DB2-BD59-A6C34878D82A}">
+                    <a16:rowId xmlns:a16="http://schemas.microsoft.com/office/drawing/2014/main" val="3274065174"/>
+                  </a:ext>
+                </a:extLst>
+              </a:tr>
+              <a:tr h="472705">
+                <a:tc>
+                  <a:txBody>
+                    <a:bodyPr/>
+                    <a:lstStyle/>
+                    <a:p>
+                      <a:pPr algn="ctr"/>
+                      <a:r>
+                        <a:rPr lang="en-CA" sz="1600" dirty="0"/>
+                        <a:t>204.2588</a:t>
+                      </a:r>
+                      <a:endParaRPr lang="en-US" sz="1600" dirty="0"/>
+                    </a:p>
+                  </a:txBody>
+                  <a:tcPr/>
+                </a:tc>
+                <a:tc>
+                  <a:txBody>
+                    <a:bodyPr/>
+                    <a:lstStyle/>
+                    <a:p>
+                      <a:pPr algn="ctr"/>
+                      <a:r>
+                        <a:rPr lang="en-CA" sz="1600" dirty="0"/>
+                        <a:t>208.5167</a:t>
+                      </a:r>
+                      <a:endParaRPr lang="en-US" sz="1600" dirty="0"/>
+                    </a:p>
+                  </a:txBody>
+                  <a:tcPr/>
+                </a:tc>
+                <a:extLst>
+                  <a:ext uri="{0D108BD9-81ED-4DB2-BD59-A6C34878D82A}">
+                    <a16:rowId xmlns:a16="http://schemas.microsoft.com/office/drawing/2014/main" val="497736335"/>
+                  </a:ext>
+                </a:extLst>
+              </a:tr>
+            </a:tbl>
+          </a:graphicData>
+        </a:graphic>
+      </p:graphicFrame>
+      <p:sp>
+        <p:nvSpPr>
+          <p:cNvPr id="12" name="TextBox 11">
+            <a:extLst>
+              <a:ext uri="{FF2B5EF4-FFF2-40B4-BE49-F238E27FC236}">
+                <a16:creationId xmlns:a16="http://schemas.microsoft.com/office/drawing/2014/main" id="{C27FF117-6B16-463F-BE27-CEE341B8AD4B}"/>
+              </a:ext>
+            </a:extLst>
+          </p:cNvPr>
+          <p:cNvSpPr txBox="1"/>
+          <p:nvPr/>
+        </p:nvSpPr>
+        <p:spPr>
+          <a:xfrm>
+            <a:off x="4109720" y="5730240"/>
+            <a:ext cx="680720" cy="369332"/>
+          </a:xfrm>
+          <a:prstGeom prst="rect">
+            <a:avLst/>
+          </a:prstGeom>
+          <a:noFill/>
+        </p:spPr>
+        <p:txBody>
+          <a:bodyPr wrap="square" rtlCol="0">
+            <a:spAutoFit/>
+          </a:bodyPr>
+          <a:lstStyle/>
+          <a:p>
+            <a:r>
+              <a:rPr lang="en-CA" dirty="0"/>
+              <a:t>STOP</a:t>
+            </a:r>
+            <a:endParaRPr lang="en-US" dirty="0"/>
+          </a:p>
+        </p:txBody>
+      </p:sp>
+      <p:graphicFrame>
+        <p:nvGraphicFramePr>
+          <p:cNvPr id="13" name="Table 12">
+            <a:extLst>
+              <a:ext uri="{FF2B5EF4-FFF2-40B4-BE49-F238E27FC236}">
+                <a16:creationId xmlns:a16="http://schemas.microsoft.com/office/drawing/2014/main" id="{845670DB-A2C7-4C8C-8D0B-5C88E6457C04}"/>
+              </a:ext>
+            </a:extLst>
+          </p:cNvPr>
+          <p:cNvGraphicFramePr>
+            <a:graphicFrameLocks noGrp="1"/>
+          </p:cNvGraphicFramePr>
+          <p:nvPr>
+            <p:extLst>
+              <p:ext uri="{D42A27DB-BD31-4B8C-83A1-F6EECF244321}">
+                <p14:modId xmlns:p14="http://schemas.microsoft.com/office/powerpoint/2010/main" val="1749836667"/>
+              </p:ext>
+            </p:extLst>
+          </p:nvPr>
+        </p:nvGraphicFramePr>
+        <p:xfrm>
+          <a:off x="6089652" y="1922618"/>
+          <a:ext cx="4157979" cy="1402080"/>
+        </p:xfrm>
+        <a:graphic>
+          <a:graphicData uri="http://schemas.openxmlformats.org/drawingml/2006/table">
+            <a:tbl>
+              <a:tblPr firstRow="1" bandRow="1">
+                <a:tableStyleId>{0E3FDE45-AF77-4B5C-9715-49D594BDF05E}</a:tableStyleId>
+              </a:tblPr>
+              <a:tblGrid>
+                <a:gridCol w="2510380">
+                  <a:extLst>
+                    <a:ext uri="{9D8B030D-6E8A-4147-A177-3AD203B41FA5}">
+                      <a16:colId xmlns:a16="http://schemas.microsoft.com/office/drawing/2014/main" val="3337768235"/>
+                    </a:ext>
+                  </a:extLst>
+                </a:gridCol>
+                <a:gridCol w="1647599">
+                  <a:extLst>
+                    <a:ext uri="{9D8B030D-6E8A-4147-A177-3AD203B41FA5}">
+                      <a16:colId xmlns:a16="http://schemas.microsoft.com/office/drawing/2014/main" val="3449321804"/>
+                    </a:ext>
+                  </a:extLst>
+                </a:gridCol>
+              </a:tblGrid>
+              <a:tr h="316180">
+                <a:tc>
+                  <a:txBody>
+                    <a:bodyPr/>
+                    <a:lstStyle/>
+                    <a:p>
+                      <a:r>
+                        <a:rPr lang="en-CA" sz="1600" dirty="0"/>
+                        <a:t>Optimal number of seats</a:t>
+                      </a:r>
+                      <a:endParaRPr lang="en-US" sz="1600" dirty="0"/>
+                    </a:p>
+                  </a:txBody>
+                  <a:tcPr/>
+                </a:tc>
+                <a:tc>
+                  <a:txBody>
+                    <a:bodyPr/>
+                    <a:lstStyle/>
+                    <a:p>
+                      <a:r>
+                        <a:rPr lang="en-CA" sz="1600" b="0" dirty="0"/>
+                        <a:t>204</a:t>
+                      </a:r>
+                      <a:endParaRPr lang="en-US" sz="1600" b="0" dirty="0"/>
+                    </a:p>
+                  </a:txBody>
+                  <a:tcPr/>
+                </a:tc>
+                <a:extLst>
+                  <a:ext uri="{0D108BD9-81ED-4DB2-BD59-A6C34878D82A}">
+                    <a16:rowId xmlns:a16="http://schemas.microsoft.com/office/drawing/2014/main" val="649425853"/>
+                  </a:ext>
+                </a:extLst>
+              </a:tr>
+              <a:tr h="984970">
+                <a:tc>
+                  <a:txBody>
+                    <a:bodyPr/>
+                    <a:lstStyle/>
+                    <a:p>
+                      <a:r>
+                        <a:rPr lang="en-CA" sz="1600" b="1" dirty="0"/>
+                        <a:t>Optimal table arrangement</a:t>
+                      </a:r>
+                      <a:endParaRPr lang="en-US" sz="1600" b="1" dirty="0"/>
+                    </a:p>
+                  </a:txBody>
+                  <a:tcPr/>
+                </a:tc>
+                <a:tc>
+                  <a:txBody>
+                    <a:bodyPr/>
+                    <a:lstStyle/>
+                    <a:p>
+                      <a:r>
+                        <a:rPr lang="en-CA" sz="1600" dirty="0"/>
+                        <a:t>Size 2: 22 tables </a:t>
+                      </a:r>
+                    </a:p>
+                    <a:p>
+                      <a:r>
+                        <a:rPr lang="en-CA" sz="1600" dirty="0"/>
+                        <a:t>Size 3: 18 tables</a:t>
+                      </a:r>
+                    </a:p>
+                    <a:p>
+                      <a:r>
+                        <a:rPr lang="en-CA" sz="1600" dirty="0"/>
+                        <a:t>Size 4: 14 tables</a:t>
+                      </a:r>
+                    </a:p>
+                    <a:p>
+                      <a:r>
+                        <a:rPr lang="en-CA" sz="1600" dirty="0"/>
+                        <a:t>Size 5: 15 tables</a:t>
+                      </a:r>
+                      <a:endParaRPr lang="en-US" sz="1600" dirty="0"/>
+                    </a:p>
+                  </a:txBody>
+                  <a:tcPr/>
+                </a:tc>
+                <a:extLst>
+                  <a:ext uri="{0D108BD9-81ED-4DB2-BD59-A6C34878D82A}">
+                    <a16:rowId xmlns:a16="http://schemas.microsoft.com/office/drawing/2014/main" val="156743723"/>
+                  </a:ext>
+                </a:extLst>
+              </a:tr>
+            </a:tbl>
+          </a:graphicData>
+        </a:graphic>
+      </p:graphicFrame>
+    </p:spTree>
+    <p:extLst>
+      <p:ext uri="{BB962C8B-B14F-4D97-AF65-F5344CB8AC3E}">
+        <p14:creationId xmlns:p14="http://schemas.microsoft.com/office/powerpoint/2010/main" val="879336629"/>
       </p:ext>
     </p:extLst>
   </p:cSld>
@@ -3231,18 +4653,20 @@
         <p:spPr>
           <a:xfrm>
             <a:off x="838200" y="365125"/>
-            <a:ext cx="10515600" cy="1325563"/>
-          </a:xfrm>
-        </p:spPr>
-        <p:txBody>
-          <a:bodyPr/>
-          <a:lstStyle/>
-          <a:p>
-            <a:r>
-              <a:rPr lang="en-CA" dirty="0"/>
+            <a:ext cx="10515600" cy="762635"/>
+          </a:xfrm>
+        </p:spPr>
+        <p:txBody>
+          <a:bodyPr>
+            <a:normAutofit/>
+          </a:bodyPr>
+          <a:lstStyle/>
+          <a:p>
+            <a:r>
+              <a:rPr lang="en-CA" sz="3600" dirty="0"/>
               <a:t>Problem Description</a:t>
             </a:r>
-            <a:endParaRPr lang="en-US" dirty="0"/>
+            <a:endParaRPr lang="en-US" sz="3600" dirty="0"/>
           </a:p>
         </p:txBody>
       </p:sp>
@@ -3264,8 +4688,8 @@
         </p:nvSpPr>
         <p:spPr>
           <a:xfrm>
-            <a:off x="838200" y="1825625"/>
-            <a:ext cx="10515600" cy="4351338"/>
+            <a:off x="838200" y="1127760"/>
+            <a:ext cx="10515600" cy="5049203"/>
           </a:xfrm>
         </p:spPr>
         <p:txBody>
@@ -3276,6 +4700,42 @@
           </a:p>
         </p:txBody>
       </p:sp>
+      <p:pic>
+        <p:nvPicPr>
+          <p:cNvPr id="4" name="Picture 3">
+            <a:extLst>
+              <a:ext uri="{FF2B5EF4-FFF2-40B4-BE49-F238E27FC236}">
+                <a16:creationId xmlns:a16="http://schemas.microsoft.com/office/drawing/2014/main" id="{F2317F70-2F7D-44FF-9959-4CBB4081A7F1}"/>
+              </a:ext>
+            </a:extLst>
+          </p:cNvPr>
+          <p:cNvPicPr>
+            <a:picLocks noChangeAspect="1"/>
+          </p:cNvPicPr>
+          <p:nvPr/>
+        </p:nvPicPr>
+        <p:blipFill>
+          <a:blip r:embed="rId2">
+            <a:extLst>
+              <a:ext uri="{28A0092B-C50C-407E-A947-70E740481C1C}">
+                <a14:useLocalDpi xmlns:a14="http://schemas.microsoft.com/office/drawing/2010/main" val="0"/>
+              </a:ext>
+            </a:extLst>
+          </a:blip>
+          <a:stretch>
+            <a:fillRect/>
+          </a:stretch>
+        </p:blipFill>
+        <p:spPr>
+          <a:xfrm>
+            <a:off x="9916160" y="365125"/>
+            <a:ext cx="1437640" cy="418937"/>
+          </a:xfrm>
+          <a:prstGeom prst="rect">
+            <a:avLst/>
+          </a:prstGeom>
+        </p:spPr>
+      </p:pic>
     </p:spTree>
     <p:extLst>
       <p:ext uri="{BB962C8B-B14F-4D97-AF65-F5344CB8AC3E}">
@@ -3308,31 +4768,6 @@
       </p:grpSpPr>
       <p:sp>
         <p:nvSpPr>
-          <p:cNvPr id="2" name="Title 1">
-            <a:extLst>
-              <a:ext uri="{FF2B5EF4-FFF2-40B4-BE49-F238E27FC236}">
-                <a16:creationId xmlns:a16="http://schemas.microsoft.com/office/drawing/2014/main" id="{14D9C3B4-2CF4-4ABC-BB04-61C069D24D2D}"/>
-              </a:ext>
-            </a:extLst>
-          </p:cNvPr>
-          <p:cNvSpPr>
-            <a:spLocks noGrp="1"/>
-          </p:cNvSpPr>
-          <p:nvPr>
-            <p:ph type="title"/>
-          </p:nvPr>
-        </p:nvSpPr>
-        <p:spPr/>
-        <p:txBody>
-          <a:bodyPr/>
-          <a:lstStyle/>
-          <a:p>
-            <a:endParaRPr lang="en-US"/>
-          </a:p>
-        </p:txBody>
-      </p:sp>
-      <p:sp>
-        <p:nvSpPr>
           <p:cNvPr id="3" name="Content Placeholder 2">
             <a:extLst>
               <a:ext uri="{FF2B5EF4-FFF2-40B4-BE49-F238E27FC236}">
@@ -3347,12 +4782,108 @@
             <p:ph idx="1"/>
           </p:nvPr>
         </p:nvSpPr>
-        <p:spPr/>
+        <p:spPr>
+          <a:xfrm>
+            <a:off x="838200" y="1127760"/>
+            <a:ext cx="10515600" cy="5049203"/>
+          </a:xfrm>
+        </p:spPr>
         <p:txBody>
           <a:bodyPr/>
           <a:lstStyle/>
           <a:p>
-            <a:endParaRPr lang="en-US"/>
+            <a:endParaRPr lang="en-US" dirty="0"/>
+          </a:p>
+        </p:txBody>
+      </p:sp>
+      <p:pic>
+        <p:nvPicPr>
+          <p:cNvPr id="5" name="Picture 4">
+            <a:extLst>
+              <a:ext uri="{FF2B5EF4-FFF2-40B4-BE49-F238E27FC236}">
+                <a16:creationId xmlns:a16="http://schemas.microsoft.com/office/drawing/2014/main" id="{937DC52F-3E84-4376-A880-17A444D06451}"/>
+              </a:ext>
+            </a:extLst>
+          </p:cNvPr>
+          <p:cNvPicPr>
+            <a:picLocks noChangeAspect="1"/>
+          </p:cNvPicPr>
+          <p:nvPr/>
+        </p:nvPicPr>
+        <p:blipFill>
+          <a:blip r:embed="rId2">
+            <a:extLst>
+              <a:ext uri="{28A0092B-C50C-407E-A947-70E740481C1C}">
+                <a14:useLocalDpi xmlns:a14="http://schemas.microsoft.com/office/drawing/2010/main" val="0"/>
+              </a:ext>
+            </a:extLst>
+          </a:blip>
+          <a:stretch>
+            <a:fillRect/>
+          </a:stretch>
+        </p:blipFill>
+        <p:spPr>
+          <a:xfrm>
+            <a:off x="9916160" y="365125"/>
+            <a:ext cx="1437640" cy="418937"/>
+          </a:xfrm>
+          <a:prstGeom prst="rect">
+            <a:avLst/>
+          </a:prstGeom>
+        </p:spPr>
+      </p:pic>
+      <p:sp>
+        <p:nvSpPr>
+          <p:cNvPr id="9" name="Title 1">
+            <a:extLst>
+              <a:ext uri="{FF2B5EF4-FFF2-40B4-BE49-F238E27FC236}">
+                <a16:creationId xmlns:a16="http://schemas.microsoft.com/office/drawing/2014/main" id="{D8D4F29A-F761-4FDF-9F1D-5964127B29A1}"/>
+              </a:ext>
+            </a:extLst>
+          </p:cNvPr>
+          <p:cNvSpPr txBox="1">
+            <a:spLocks/>
+          </p:cNvSpPr>
+          <p:nvPr/>
+        </p:nvSpPr>
+        <p:spPr>
+          <a:xfrm>
+            <a:off x="838200" y="365125"/>
+            <a:ext cx="10515600" cy="762635"/>
+          </a:xfrm>
+          <a:prstGeom prst="rect">
+            <a:avLst/>
+          </a:prstGeom>
+        </p:spPr>
+        <p:txBody>
+          <a:bodyPr vert="horz" lIns="91440" tIns="45720" rIns="91440" bIns="45720" rtlCol="0" anchor="ctr">
+            <a:normAutofit/>
+          </a:bodyPr>
+          <a:lstStyle>
+            <a:lvl1pPr algn="l" defTabSz="914400" rtl="0" eaLnBrk="1" latinLnBrk="0" hangingPunct="1">
+              <a:lnSpc>
+                <a:spcPct val="90000"/>
+              </a:lnSpc>
+              <a:spcBef>
+                <a:spcPct val="0"/>
+              </a:spcBef>
+              <a:buNone/>
+              <a:defRPr sz="4400" kern="1200">
+                <a:solidFill>
+                  <a:schemeClr val="tx1"/>
+                </a:solidFill>
+                <a:latin typeface="+mj-lt"/>
+                <a:ea typeface="+mj-ea"/>
+                <a:cs typeface="+mj-cs"/>
+              </a:defRPr>
+            </a:lvl1pPr>
+          </a:lstStyle>
+          <a:p>
+            <a:r>
+              <a:rPr lang="en-CA" sz="3600" dirty="0"/>
+              <a:t>Simulation</a:t>
+            </a:r>
+            <a:endParaRPr lang="en-US" sz="3600" dirty="0"/>
           </a:p>
         </p:txBody>
       </p:sp>
@@ -3360,6 +4891,1597 @@
     <p:extLst>
       <p:ext uri="{BB962C8B-B14F-4D97-AF65-F5344CB8AC3E}">
         <p14:creationId xmlns:p14="http://schemas.microsoft.com/office/powerpoint/2010/main" val="4259261674"/>
+      </p:ext>
+    </p:extLst>
+  </p:cSld>
+  <p:clrMapOvr>
+    <a:masterClrMapping/>
+  </p:clrMapOvr>
+</p:sld>
+</file>
+
+<file path=ppt/slides/slide4.xml><?xml version="1.0" encoding="utf-8"?>
+<p:sld xmlns:a="http://schemas.openxmlformats.org/drawingml/2006/main" xmlns:r="http://schemas.openxmlformats.org/officeDocument/2006/relationships" xmlns:p="http://schemas.openxmlformats.org/presentationml/2006/main">
+  <p:cSld>
+    <p:spTree>
+      <p:nvGrpSpPr>
+        <p:cNvPr id="1" name=""/>
+        <p:cNvGrpSpPr/>
+        <p:nvPr/>
+      </p:nvGrpSpPr>
+      <p:grpSpPr>
+        <a:xfrm>
+          <a:off x="0" y="0"/>
+          <a:ext cx="0" cy="0"/>
+          <a:chOff x="0" y="0"/>
+          <a:chExt cx="0" cy="0"/>
+        </a:xfrm>
+      </p:grpSpPr>
+      <p:sp>
+        <p:nvSpPr>
+          <p:cNvPr id="3" name="Content Placeholder 2">
+            <a:extLst>
+              <a:ext uri="{FF2B5EF4-FFF2-40B4-BE49-F238E27FC236}">
+                <a16:creationId xmlns:a16="http://schemas.microsoft.com/office/drawing/2014/main" id="{2E5DAAB6-C87E-4C10-8DDC-15F41DB00A20}"/>
+              </a:ext>
+            </a:extLst>
+          </p:cNvPr>
+          <p:cNvSpPr>
+            <a:spLocks noGrp="1"/>
+          </p:cNvSpPr>
+          <p:nvPr>
+            <p:ph idx="1"/>
+          </p:nvPr>
+        </p:nvSpPr>
+        <p:spPr>
+          <a:xfrm>
+            <a:off x="838200" y="1127760"/>
+            <a:ext cx="10515600" cy="5049203"/>
+          </a:xfrm>
+        </p:spPr>
+        <p:txBody>
+          <a:bodyPr>
+            <a:normAutofit/>
+          </a:bodyPr>
+          <a:lstStyle/>
+          <a:p>
+            <a:r>
+              <a:rPr lang="en-CA" sz="2400" dirty="0"/>
+              <a:t>Decision variables</a:t>
+            </a:r>
+          </a:p>
+          <a:p>
+            <a:endParaRPr lang="en-CA" sz="2400" dirty="0"/>
+          </a:p>
+          <a:p>
+            <a:pPr marL="0" indent="0">
+              <a:buNone/>
+            </a:pPr>
+            <a:endParaRPr lang="en-CA" sz="2400" dirty="0"/>
+          </a:p>
+          <a:p>
+            <a:pPr marL="0" indent="0">
+              <a:buNone/>
+            </a:pPr>
+            <a:endParaRPr lang="en-CA" sz="2400" dirty="0"/>
+          </a:p>
+          <a:p>
+            <a:r>
+              <a:rPr lang="en-CA" sz="2400" dirty="0"/>
+              <a:t>Objective function</a:t>
+            </a:r>
+          </a:p>
+        </p:txBody>
+      </p:sp>
+      <p:pic>
+        <p:nvPicPr>
+          <p:cNvPr id="5" name="Picture 4">
+            <a:extLst>
+              <a:ext uri="{FF2B5EF4-FFF2-40B4-BE49-F238E27FC236}">
+                <a16:creationId xmlns:a16="http://schemas.microsoft.com/office/drawing/2014/main" id="{8977407B-874A-4791-897D-6196620D6F56}"/>
+              </a:ext>
+            </a:extLst>
+          </p:cNvPr>
+          <p:cNvPicPr>
+            <a:picLocks noChangeAspect="1"/>
+          </p:cNvPicPr>
+          <p:nvPr/>
+        </p:nvPicPr>
+        <p:blipFill>
+          <a:blip r:embed="rId2">
+            <a:extLst>
+              <a:ext uri="{28A0092B-C50C-407E-A947-70E740481C1C}">
+                <a14:useLocalDpi xmlns:a14="http://schemas.microsoft.com/office/drawing/2010/main" val="0"/>
+              </a:ext>
+            </a:extLst>
+          </a:blip>
+          <a:stretch>
+            <a:fillRect/>
+          </a:stretch>
+        </p:blipFill>
+        <p:spPr>
+          <a:xfrm>
+            <a:off x="9916160" y="365125"/>
+            <a:ext cx="1437640" cy="418937"/>
+          </a:xfrm>
+          <a:prstGeom prst="rect">
+            <a:avLst/>
+          </a:prstGeom>
+        </p:spPr>
+      </p:pic>
+      <p:sp>
+        <p:nvSpPr>
+          <p:cNvPr id="8" name="Title 1">
+            <a:extLst>
+              <a:ext uri="{FF2B5EF4-FFF2-40B4-BE49-F238E27FC236}">
+                <a16:creationId xmlns:a16="http://schemas.microsoft.com/office/drawing/2014/main" id="{3C0D5108-0220-49D1-BFA7-E8863D4F1E1D}"/>
+              </a:ext>
+            </a:extLst>
+          </p:cNvPr>
+          <p:cNvSpPr txBox="1">
+            <a:spLocks/>
+          </p:cNvSpPr>
+          <p:nvPr/>
+        </p:nvSpPr>
+        <p:spPr>
+          <a:xfrm>
+            <a:off x="838200" y="365125"/>
+            <a:ext cx="10515600" cy="762635"/>
+          </a:xfrm>
+          <a:prstGeom prst="rect">
+            <a:avLst/>
+          </a:prstGeom>
+        </p:spPr>
+        <p:txBody>
+          <a:bodyPr vert="horz" lIns="91440" tIns="45720" rIns="91440" bIns="45720" rtlCol="0" anchor="ctr">
+            <a:normAutofit/>
+          </a:bodyPr>
+          <a:lstStyle>
+            <a:lvl1pPr algn="l" defTabSz="914400" rtl="0" eaLnBrk="1" latinLnBrk="0" hangingPunct="1">
+              <a:lnSpc>
+                <a:spcPct val="90000"/>
+              </a:lnSpc>
+              <a:spcBef>
+                <a:spcPct val="0"/>
+              </a:spcBef>
+              <a:buNone/>
+              <a:defRPr sz="4400" kern="1200">
+                <a:solidFill>
+                  <a:schemeClr val="tx1"/>
+                </a:solidFill>
+                <a:latin typeface="+mj-lt"/>
+                <a:ea typeface="+mj-ea"/>
+                <a:cs typeface="+mj-cs"/>
+              </a:defRPr>
+            </a:lvl1pPr>
+          </a:lstStyle>
+          <a:p>
+            <a:r>
+              <a:rPr lang="en-CA" sz="3600"/>
+              <a:t>Problem Description</a:t>
+            </a:r>
+            <a:endParaRPr lang="en-US" sz="3600" dirty="0"/>
+          </a:p>
+        </p:txBody>
+      </p:sp>
+    </p:spTree>
+    <p:extLst>
+      <p:ext uri="{BB962C8B-B14F-4D97-AF65-F5344CB8AC3E}">
+        <p14:creationId xmlns:p14="http://schemas.microsoft.com/office/powerpoint/2010/main" val="749137087"/>
+      </p:ext>
+    </p:extLst>
+  </p:cSld>
+  <p:clrMapOvr>
+    <a:masterClrMapping/>
+  </p:clrMapOvr>
+</p:sld>
+</file>
+
+<file path=ppt/slides/slide5.xml><?xml version="1.0" encoding="utf-8"?>
+<p:sld xmlns:a="http://schemas.openxmlformats.org/drawingml/2006/main" xmlns:r="http://schemas.openxmlformats.org/officeDocument/2006/relationships" xmlns:p="http://schemas.openxmlformats.org/presentationml/2006/main">
+  <p:cSld>
+    <p:spTree>
+      <p:nvGrpSpPr>
+        <p:cNvPr id="1" name=""/>
+        <p:cNvGrpSpPr/>
+        <p:nvPr/>
+      </p:nvGrpSpPr>
+      <p:grpSpPr>
+        <a:xfrm>
+          <a:off x="0" y="0"/>
+          <a:ext cx="0" cy="0"/>
+          <a:chOff x="0" y="0"/>
+          <a:chExt cx="0" cy="0"/>
+        </a:xfrm>
+      </p:grpSpPr>
+      <p:sp>
+        <p:nvSpPr>
+          <p:cNvPr id="3" name="Content Placeholder 2">
+            <a:extLst>
+              <a:ext uri="{FF2B5EF4-FFF2-40B4-BE49-F238E27FC236}">
+                <a16:creationId xmlns:a16="http://schemas.microsoft.com/office/drawing/2014/main" id="{2E5DAAB6-C87E-4C10-8DDC-15F41DB00A20}"/>
+              </a:ext>
+            </a:extLst>
+          </p:cNvPr>
+          <p:cNvSpPr>
+            <a:spLocks noGrp="1"/>
+          </p:cNvSpPr>
+          <p:nvPr>
+            <p:ph idx="1"/>
+          </p:nvPr>
+        </p:nvSpPr>
+        <p:spPr>
+          <a:xfrm>
+            <a:off x="838200" y="1127760"/>
+            <a:ext cx="10515600" cy="5049203"/>
+          </a:xfrm>
+        </p:spPr>
+        <p:txBody>
+          <a:bodyPr>
+            <a:normAutofit/>
+          </a:bodyPr>
+          <a:lstStyle/>
+          <a:p>
+            <a:pPr marL="0" indent="0">
+              <a:buNone/>
+            </a:pPr>
+            <a:endParaRPr lang="en-CA" sz="2400" dirty="0">
+              <a:solidFill>
+                <a:schemeClr val="accent1">
+                  <a:lumMod val="75000"/>
+                </a:schemeClr>
+              </a:solidFill>
+            </a:endParaRPr>
+          </a:p>
+          <a:p>
+            <a:pPr marL="0" indent="0">
+              <a:buNone/>
+            </a:pPr>
+            <a:endParaRPr lang="en-CA" sz="2400" dirty="0">
+              <a:solidFill>
+                <a:schemeClr val="accent1">
+                  <a:lumMod val="75000"/>
+                </a:schemeClr>
+              </a:solidFill>
+            </a:endParaRPr>
+          </a:p>
+          <a:p>
+            <a:pPr marL="0" indent="0">
+              <a:buNone/>
+            </a:pPr>
+            <a:r>
+              <a:rPr lang="en-CA" sz="2400" dirty="0">
+                <a:solidFill>
+                  <a:schemeClr val="accent1">
+                    <a:lumMod val="75000"/>
+                  </a:schemeClr>
+                </a:solidFill>
+              </a:rPr>
+              <a:t>Idea</a:t>
+            </a:r>
+          </a:p>
+          <a:p>
+            <a:r>
+              <a:rPr lang="en-CA" sz="2400" dirty="0"/>
+              <a:t>The new restaurant can have anywhere from 200 to 400 seats. </a:t>
+            </a:r>
+          </a:p>
+          <a:p>
+            <a:r>
+              <a:rPr lang="en-CA" sz="2400" dirty="0"/>
+              <a:t>Successively narrow this interval by optimizing mean profit at discrete points.</a:t>
+            </a:r>
+          </a:p>
+          <a:p>
+            <a:r>
+              <a:rPr lang="en-CA" sz="2400" dirty="0"/>
+              <a:t>In the beginning, use a greedy heuristic to quickly narrow down the interval.</a:t>
+            </a:r>
+          </a:p>
+          <a:p>
+            <a:r>
+              <a:rPr lang="en-CA" sz="2400" dirty="0"/>
+              <a:t>When the interval becomes “small enough”, use VNS.</a:t>
+            </a:r>
+          </a:p>
+          <a:p>
+            <a:r>
+              <a:rPr lang="en-CA" sz="2400" dirty="0"/>
+              <a:t>Works only for unimodal functions.</a:t>
+            </a:r>
+          </a:p>
+          <a:p>
+            <a:endParaRPr lang="en-CA" sz="2400" dirty="0"/>
+          </a:p>
+        </p:txBody>
+      </p:sp>
+      <p:pic>
+        <p:nvPicPr>
+          <p:cNvPr id="5" name="Picture 4">
+            <a:extLst>
+              <a:ext uri="{FF2B5EF4-FFF2-40B4-BE49-F238E27FC236}">
+                <a16:creationId xmlns:a16="http://schemas.microsoft.com/office/drawing/2014/main" id="{8977407B-874A-4791-897D-6196620D6F56}"/>
+              </a:ext>
+            </a:extLst>
+          </p:cNvPr>
+          <p:cNvPicPr>
+            <a:picLocks noChangeAspect="1"/>
+          </p:cNvPicPr>
+          <p:nvPr/>
+        </p:nvPicPr>
+        <p:blipFill>
+          <a:blip r:embed="rId2">
+            <a:extLst>
+              <a:ext uri="{28A0092B-C50C-407E-A947-70E740481C1C}">
+                <a14:useLocalDpi xmlns:a14="http://schemas.microsoft.com/office/drawing/2010/main" val="0"/>
+              </a:ext>
+            </a:extLst>
+          </a:blip>
+          <a:stretch>
+            <a:fillRect/>
+          </a:stretch>
+        </p:blipFill>
+        <p:spPr>
+          <a:xfrm>
+            <a:off x="9916160" y="365125"/>
+            <a:ext cx="1437640" cy="418937"/>
+          </a:xfrm>
+          <a:prstGeom prst="rect">
+            <a:avLst/>
+          </a:prstGeom>
+        </p:spPr>
+      </p:pic>
+      <p:sp>
+        <p:nvSpPr>
+          <p:cNvPr id="7" name="Title 1">
+            <a:extLst>
+              <a:ext uri="{FF2B5EF4-FFF2-40B4-BE49-F238E27FC236}">
+                <a16:creationId xmlns:a16="http://schemas.microsoft.com/office/drawing/2014/main" id="{DF83123F-FFF6-4EB8-AA6C-703D18DCBD9D}"/>
+              </a:ext>
+            </a:extLst>
+          </p:cNvPr>
+          <p:cNvSpPr>
+            <a:spLocks noGrp="1"/>
+          </p:cNvSpPr>
+          <p:nvPr>
+            <p:ph type="title"/>
+          </p:nvPr>
+        </p:nvSpPr>
+        <p:spPr>
+          <a:xfrm>
+            <a:off x="838200" y="365125"/>
+            <a:ext cx="10515600" cy="762635"/>
+          </a:xfrm>
+        </p:spPr>
+        <p:txBody>
+          <a:bodyPr>
+            <a:normAutofit/>
+          </a:bodyPr>
+          <a:lstStyle/>
+          <a:p>
+            <a:r>
+              <a:rPr lang="en-CA" sz="3600" dirty="0"/>
+              <a:t>Golden Section Method</a:t>
+            </a:r>
+            <a:endParaRPr lang="en-US" sz="3600" dirty="0"/>
+          </a:p>
+        </p:txBody>
+      </p:sp>
+    </p:spTree>
+    <p:extLst>
+      <p:ext uri="{BB962C8B-B14F-4D97-AF65-F5344CB8AC3E}">
+        <p14:creationId xmlns:p14="http://schemas.microsoft.com/office/powerpoint/2010/main" val="4093437447"/>
+      </p:ext>
+    </p:extLst>
+  </p:cSld>
+  <p:clrMapOvr>
+    <a:masterClrMapping/>
+  </p:clrMapOvr>
+</p:sld>
+</file>
+
+<file path=ppt/slides/slide6.xml><?xml version="1.0" encoding="utf-8"?>
+<p:sld xmlns:a="http://schemas.openxmlformats.org/drawingml/2006/main" xmlns:r="http://schemas.openxmlformats.org/officeDocument/2006/relationships" xmlns:p="http://schemas.openxmlformats.org/presentationml/2006/main">
+  <p:cSld>
+    <p:spTree>
+      <p:nvGrpSpPr>
+        <p:cNvPr id="1" name=""/>
+        <p:cNvGrpSpPr/>
+        <p:nvPr/>
+      </p:nvGrpSpPr>
+      <p:grpSpPr>
+        <a:xfrm>
+          <a:off x="0" y="0"/>
+          <a:ext cx="0" cy="0"/>
+          <a:chOff x="0" y="0"/>
+          <a:chExt cx="0" cy="0"/>
+        </a:xfrm>
+      </p:grpSpPr>
+      <p:sp>
+        <p:nvSpPr>
+          <p:cNvPr id="3" name="Content Placeholder 2">
+            <a:extLst>
+              <a:ext uri="{FF2B5EF4-FFF2-40B4-BE49-F238E27FC236}">
+                <a16:creationId xmlns:a16="http://schemas.microsoft.com/office/drawing/2014/main" id="{2E5DAAB6-C87E-4C10-8DDC-15F41DB00A20}"/>
+              </a:ext>
+            </a:extLst>
+          </p:cNvPr>
+          <p:cNvSpPr>
+            <a:spLocks noGrp="1"/>
+          </p:cNvSpPr>
+          <p:nvPr>
+            <p:ph idx="1"/>
+          </p:nvPr>
+        </p:nvSpPr>
+        <p:spPr>
+          <a:xfrm>
+            <a:off x="838200" y="1127760"/>
+            <a:ext cx="10515600" cy="5049203"/>
+          </a:xfrm>
+        </p:spPr>
+        <p:txBody>
+          <a:bodyPr>
+            <a:normAutofit/>
+          </a:bodyPr>
+          <a:lstStyle/>
+          <a:p>
+            <a:pPr marL="0" indent="0">
+              <a:buNone/>
+            </a:pPr>
+            <a:endParaRPr lang="en-CA" sz="2400" dirty="0">
+              <a:solidFill>
+                <a:schemeClr val="accent1">
+                  <a:lumMod val="75000"/>
+                </a:schemeClr>
+              </a:solidFill>
+            </a:endParaRPr>
+          </a:p>
+          <a:p>
+            <a:pPr marL="0" indent="0">
+              <a:buNone/>
+            </a:pPr>
+            <a:endParaRPr lang="en-CA" sz="2400" dirty="0">
+              <a:solidFill>
+                <a:schemeClr val="accent1">
+                  <a:lumMod val="75000"/>
+                </a:schemeClr>
+              </a:solidFill>
+            </a:endParaRPr>
+          </a:p>
+          <a:p>
+            <a:pPr marL="0" indent="0">
+              <a:buNone/>
+            </a:pPr>
+            <a:r>
+              <a:rPr lang="en-CA" sz="2400" dirty="0">
+                <a:solidFill>
+                  <a:schemeClr val="accent1">
+                    <a:lumMod val="75000"/>
+                  </a:schemeClr>
+                </a:solidFill>
+              </a:rPr>
+              <a:t>Conditions</a:t>
+            </a:r>
+          </a:p>
+          <a:p>
+            <a:r>
+              <a:rPr lang="en-CA" sz="2400" dirty="0"/>
+              <a:t>Mean profit as a function of number of seats must be concave.</a:t>
+            </a:r>
+          </a:p>
+          <a:p>
+            <a:r>
+              <a:rPr lang="en-CA" sz="2400" dirty="0"/>
+              <a:t>In the interval that greedy heuristic eliminates, its results must be consistent with the results of VNS. </a:t>
+            </a:r>
+          </a:p>
+          <a:p>
+            <a:pPr marL="0" indent="0" algn="ctr">
+              <a:buNone/>
+            </a:pPr>
+            <a:r>
+              <a:rPr lang="en-CA" sz="2400" i="1" dirty="0"/>
+              <a:t>e.g. </a:t>
+            </a:r>
+            <a:r>
+              <a:rPr lang="en-CA" sz="2400" i="1" dirty="0" err="1">
+                <a:solidFill>
+                  <a:schemeClr val="accent6">
+                    <a:lumMod val="75000"/>
+                  </a:schemeClr>
+                </a:solidFill>
+              </a:rPr>
+              <a:t>f</a:t>
+            </a:r>
+            <a:r>
+              <a:rPr lang="en-CA" sz="2400" i="1" baseline="-25000" dirty="0" err="1">
+                <a:solidFill>
+                  <a:schemeClr val="accent6">
+                    <a:lumMod val="75000"/>
+                  </a:schemeClr>
+                </a:solidFill>
+              </a:rPr>
+              <a:t>greedy</a:t>
+            </a:r>
+            <a:r>
+              <a:rPr lang="en-CA" sz="2400" dirty="0">
+                <a:solidFill>
+                  <a:schemeClr val="accent6">
+                    <a:lumMod val="75000"/>
+                  </a:schemeClr>
+                </a:solidFill>
+              </a:rPr>
+              <a:t>(300) &gt; </a:t>
+            </a:r>
+            <a:r>
+              <a:rPr lang="en-CA" sz="2400" i="1" dirty="0" err="1">
+                <a:solidFill>
+                  <a:schemeClr val="accent6">
+                    <a:lumMod val="75000"/>
+                  </a:schemeClr>
+                </a:solidFill>
+              </a:rPr>
+              <a:t>f</a:t>
+            </a:r>
+            <a:r>
+              <a:rPr lang="en-CA" sz="2400" i="1" baseline="-25000" dirty="0" err="1">
+                <a:solidFill>
+                  <a:schemeClr val="accent6">
+                    <a:lumMod val="75000"/>
+                  </a:schemeClr>
+                </a:solidFill>
+              </a:rPr>
+              <a:t>greedy</a:t>
+            </a:r>
+            <a:r>
+              <a:rPr lang="en-CA" sz="2400" dirty="0">
+                <a:solidFill>
+                  <a:schemeClr val="accent6">
+                    <a:lumMod val="75000"/>
+                  </a:schemeClr>
+                </a:solidFill>
+              </a:rPr>
+              <a:t>(350) </a:t>
+            </a:r>
+            <a:r>
+              <a:rPr lang="en-CA" sz="2400" dirty="0">
+                <a:solidFill>
+                  <a:schemeClr val="accent6">
+                    <a:lumMod val="75000"/>
+                  </a:schemeClr>
+                </a:solidFill>
+                <a:sym typeface="Wingdings" panose="05000000000000000000" pitchFamily="2" charset="2"/>
+              </a:rPr>
+              <a:t> </a:t>
+            </a:r>
+            <a:r>
+              <a:rPr lang="en-CA" sz="2400" i="1" dirty="0" err="1">
+                <a:solidFill>
+                  <a:schemeClr val="accent6">
+                    <a:lumMod val="75000"/>
+                  </a:schemeClr>
+                </a:solidFill>
+                <a:sym typeface="Wingdings" panose="05000000000000000000" pitchFamily="2" charset="2"/>
+              </a:rPr>
+              <a:t>f</a:t>
+            </a:r>
+            <a:r>
+              <a:rPr lang="en-CA" sz="2400" i="1" baseline="-25000" dirty="0" err="1">
+                <a:solidFill>
+                  <a:schemeClr val="accent6">
+                    <a:lumMod val="75000"/>
+                  </a:schemeClr>
+                </a:solidFill>
+                <a:sym typeface="Wingdings" panose="05000000000000000000" pitchFamily="2" charset="2"/>
+              </a:rPr>
+              <a:t>VNS</a:t>
+            </a:r>
+            <a:r>
+              <a:rPr lang="en-CA" sz="2400" dirty="0">
+                <a:solidFill>
+                  <a:schemeClr val="accent6">
+                    <a:lumMod val="75000"/>
+                  </a:schemeClr>
+                </a:solidFill>
+                <a:sym typeface="Wingdings" panose="05000000000000000000" pitchFamily="2" charset="2"/>
+              </a:rPr>
+              <a:t>(300) &gt; </a:t>
+            </a:r>
+            <a:r>
+              <a:rPr lang="en-CA" sz="2400" i="1" dirty="0" err="1">
+                <a:solidFill>
+                  <a:schemeClr val="accent6">
+                    <a:lumMod val="75000"/>
+                  </a:schemeClr>
+                </a:solidFill>
+                <a:sym typeface="Wingdings" panose="05000000000000000000" pitchFamily="2" charset="2"/>
+              </a:rPr>
+              <a:t>f</a:t>
+            </a:r>
+            <a:r>
+              <a:rPr lang="en-CA" sz="2400" i="1" baseline="-25000" dirty="0" err="1">
+                <a:solidFill>
+                  <a:schemeClr val="accent6">
+                    <a:lumMod val="75000"/>
+                  </a:schemeClr>
+                </a:solidFill>
+                <a:sym typeface="Wingdings" panose="05000000000000000000" pitchFamily="2" charset="2"/>
+              </a:rPr>
+              <a:t>VNS</a:t>
+            </a:r>
+            <a:r>
+              <a:rPr lang="en-CA" sz="2400" dirty="0">
+                <a:solidFill>
+                  <a:schemeClr val="accent6">
+                    <a:lumMod val="75000"/>
+                  </a:schemeClr>
+                </a:solidFill>
+                <a:sym typeface="Wingdings" panose="05000000000000000000" pitchFamily="2" charset="2"/>
+              </a:rPr>
+              <a:t>(350)</a:t>
+            </a:r>
+            <a:endParaRPr lang="en-CA" sz="2400" dirty="0"/>
+          </a:p>
+          <a:p>
+            <a:endParaRPr lang="en-CA" sz="2400" dirty="0"/>
+          </a:p>
+          <a:p>
+            <a:endParaRPr lang="en-CA" sz="2400" dirty="0"/>
+          </a:p>
+        </p:txBody>
+      </p:sp>
+      <p:pic>
+        <p:nvPicPr>
+          <p:cNvPr id="5" name="Picture 4">
+            <a:extLst>
+              <a:ext uri="{FF2B5EF4-FFF2-40B4-BE49-F238E27FC236}">
+                <a16:creationId xmlns:a16="http://schemas.microsoft.com/office/drawing/2014/main" id="{8977407B-874A-4791-897D-6196620D6F56}"/>
+              </a:ext>
+            </a:extLst>
+          </p:cNvPr>
+          <p:cNvPicPr>
+            <a:picLocks noChangeAspect="1"/>
+          </p:cNvPicPr>
+          <p:nvPr/>
+        </p:nvPicPr>
+        <p:blipFill>
+          <a:blip r:embed="rId2">
+            <a:extLst>
+              <a:ext uri="{28A0092B-C50C-407E-A947-70E740481C1C}">
+                <a14:useLocalDpi xmlns:a14="http://schemas.microsoft.com/office/drawing/2010/main" val="0"/>
+              </a:ext>
+            </a:extLst>
+          </a:blip>
+          <a:stretch>
+            <a:fillRect/>
+          </a:stretch>
+        </p:blipFill>
+        <p:spPr>
+          <a:xfrm>
+            <a:off x="9916160" y="365125"/>
+            <a:ext cx="1437640" cy="418937"/>
+          </a:xfrm>
+          <a:prstGeom prst="rect">
+            <a:avLst/>
+          </a:prstGeom>
+        </p:spPr>
+      </p:pic>
+      <p:sp>
+        <p:nvSpPr>
+          <p:cNvPr id="7" name="Title 1">
+            <a:extLst>
+              <a:ext uri="{FF2B5EF4-FFF2-40B4-BE49-F238E27FC236}">
+                <a16:creationId xmlns:a16="http://schemas.microsoft.com/office/drawing/2014/main" id="{DF83123F-FFF6-4EB8-AA6C-703D18DCBD9D}"/>
+              </a:ext>
+            </a:extLst>
+          </p:cNvPr>
+          <p:cNvSpPr>
+            <a:spLocks noGrp="1"/>
+          </p:cNvSpPr>
+          <p:nvPr>
+            <p:ph type="title"/>
+          </p:nvPr>
+        </p:nvSpPr>
+        <p:spPr>
+          <a:xfrm>
+            <a:off x="838200" y="365125"/>
+            <a:ext cx="10515600" cy="762635"/>
+          </a:xfrm>
+        </p:spPr>
+        <p:txBody>
+          <a:bodyPr>
+            <a:normAutofit/>
+          </a:bodyPr>
+          <a:lstStyle/>
+          <a:p>
+            <a:r>
+              <a:rPr lang="en-CA" sz="3600" dirty="0"/>
+              <a:t>Golden Section Method</a:t>
+            </a:r>
+            <a:endParaRPr lang="en-US" sz="3600" dirty="0"/>
+          </a:p>
+        </p:txBody>
+      </p:sp>
+    </p:spTree>
+    <p:extLst>
+      <p:ext uri="{BB962C8B-B14F-4D97-AF65-F5344CB8AC3E}">
+        <p14:creationId xmlns:p14="http://schemas.microsoft.com/office/powerpoint/2010/main" val="3961735586"/>
+      </p:ext>
+    </p:extLst>
+  </p:cSld>
+  <p:clrMapOvr>
+    <a:masterClrMapping/>
+  </p:clrMapOvr>
+</p:sld>
+</file>
+
+<file path=ppt/slides/slide7.xml><?xml version="1.0" encoding="utf-8"?>
+<p:sld xmlns:a="http://schemas.openxmlformats.org/drawingml/2006/main" xmlns:r="http://schemas.openxmlformats.org/officeDocument/2006/relationships" xmlns:p="http://schemas.openxmlformats.org/presentationml/2006/main">
+  <p:cSld>
+    <p:spTree>
+      <p:nvGrpSpPr>
+        <p:cNvPr id="1" name=""/>
+        <p:cNvGrpSpPr/>
+        <p:nvPr/>
+      </p:nvGrpSpPr>
+      <p:grpSpPr>
+        <a:xfrm>
+          <a:off x="0" y="0"/>
+          <a:ext cx="0" cy="0"/>
+          <a:chOff x="0" y="0"/>
+          <a:chExt cx="0" cy="0"/>
+        </a:xfrm>
+      </p:grpSpPr>
+      <p:sp>
+        <p:nvSpPr>
+          <p:cNvPr id="3" name="Content Placeholder 2">
+            <a:extLst>
+              <a:ext uri="{FF2B5EF4-FFF2-40B4-BE49-F238E27FC236}">
+                <a16:creationId xmlns:a16="http://schemas.microsoft.com/office/drawing/2014/main" id="{2E5DAAB6-C87E-4C10-8DDC-15F41DB00A20}"/>
+              </a:ext>
+            </a:extLst>
+          </p:cNvPr>
+          <p:cNvSpPr>
+            <a:spLocks noGrp="1"/>
+          </p:cNvSpPr>
+          <p:nvPr>
+            <p:ph idx="1"/>
+          </p:nvPr>
+        </p:nvSpPr>
+        <p:spPr>
+          <a:xfrm>
+            <a:off x="838200" y="1127760"/>
+            <a:ext cx="10515600" cy="5049203"/>
+          </a:xfrm>
+        </p:spPr>
+        <p:txBody>
+          <a:bodyPr>
+            <a:normAutofit/>
+          </a:bodyPr>
+          <a:lstStyle/>
+          <a:p>
+            <a:pPr marL="0" indent="0">
+              <a:buNone/>
+            </a:pPr>
+            <a:endParaRPr lang="en-CA" sz="2400" dirty="0">
+              <a:solidFill>
+                <a:schemeClr val="accent1">
+                  <a:lumMod val="75000"/>
+                </a:schemeClr>
+              </a:solidFill>
+            </a:endParaRPr>
+          </a:p>
+          <a:p>
+            <a:pPr marL="0" indent="0">
+              <a:buNone/>
+            </a:pPr>
+            <a:endParaRPr lang="en-CA" sz="2400" dirty="0"/>
+          </a:p>
+          <a:p>
+            <a:endParaRPr lang="en-CA" sz="2400" dirty="0"/>
+          </a:p>
+        </p:txBody>
+      </p:sp>
+      <p:pic>
+        <p:nvPicPr>
+          <p:cNvPr id="5" name="Picture 4">
+            <a:extLst>
+              <a:ext uri="{FF2B5EF4-FFF2-40B4-BE49-F238E27FC236}">
+                <a16:creationId xmlns:a16="http://schemas.microsoft.com/office/drawing/2014/main" id="{8977407B-874A-4791-897D-6196620D6F56}"/>
+              </a:ext>
+            </a:extLst>
+          </p:cNvPr>
+          <p:cNvPicPr>
+            <a:picLocks noChangeAspect="1"/>
+          </p:cNvPicPr>
+          <p:nvPr/>
+        </p:nvPicPr>
+        <p:blipFill>
+          <a:blip r:embed="rId2">
+            <a:extLst>
+              <a:ext uri="{28A0092B-C50C-407E-A947-70E740481C1C}">
+                <a14:useLocalDpi xmlns:a14="http://schemas.microsoft.com/office/drawing/2010/main" val="0"/>
+              </a:ext>
+            </a:extLst>
+          </a:blip>
+          <a:stretch>
+            <a:fillRect/>
+          </a:stretch>
+        </p:blipFill>
+        <p:spPr>
+          <a:xfrm>
+            <a:off x="9916160" y="365125"/>
+            <a:ext cx="1437640" cy="418937"/>
+          </a:xfrm>
+          <a:prstGeom prst="rect">
+            <a:avLst/>
+          </a:prstGeom>
+        </p:spPr>
+      </p:pic>
+      <p:sp>
+        <p:nvSpPr>
+          <p:cNvPr id="7" name="Title 1">
+            <a:extLst>
+              <a:ext uri="{FF2B5EF4-FFF2-40B4-BE49-F238E27FC236}">
+                <a16:creationId xmlns:a16="http://schemas.microsoft.com/office/drawing/2014/main" id="{DF83123F-FFF6-4EB8-AA6C-703D18DCBD9D}"/>
+              </a:ext>
+            </a:extLst>
+          </p:cNvPr>
+          <p:cNvSpPr>
+            <a:spLocks noGrp="1"/>
+          </p:cNvSpPr>
+          <p:nvPr>
+            <p:ph type="title"/>
+          </p:nvPr>
+        </p:nvSpPr>
+        <p:spPr>
+          <a:xfrm>
+            <a:off x="838200" y="365125"/>
+            <a:ext cx="10515600" cy="762635"/>
+          </a:xfrm>
+        </p:spPr>
+        <p:txBody>
+          <a:bodyPr>
+            <a:normAutofit/>
+          </a:bodyPr>
+          <a:lstStyle/>
+          <a:p>
+            <a:r>
+              <a:rPr lang="en-CA" sz="3600" dirty="0"/>
+              <a:t>Golden Section Method</a:t>
+            </a:r>
+            <a:endParaRPr lang="en-US" sz="3600" dirty="0"/>
+          </a:p>
+        </p:txBody>
+      </p:sp>
+      <p:pic>
+        <p:nvPicPr>
+          <p:cNvPr id="4" name="Picture 3" descr="A close up of a map&#10;&#10;Description generated with very high confidence">
+            <a:extLst>
+              <a:ext uri="{FF2B5EF4-FFF2-40B4-BE49-F238E27FC236}">
+                <a16:creationId xmlns:a16="http://schemas.microsoft.com/office/drawing/2014/main" id="{6F7F02D7-F0E8-4ACF-B7CC-959B5D7282D2}"/>
+              </a:ext>
+            </a:extLst>
+          </p:cNvPr>
+          <p:cNvPicPr>
+            <a:picLocks noChangeAspect="1"/>
+          </p:cNvPicPr>
+          <p:nvPr/>
+        </p:nvPicPr>
+        <p:blipFill>
+          <a:blip r:embed="rId3">
+            <a:extLst>
+              <a:ext uri="{28A0092B-C50C-407E-A947-70E740481C1C}">
+                <a14:useLocalDpi xmlns:a14="http://schemas.microsoft.com/office/drawing/2010/main" val="0"/>
+              </a:ext>
+            </a:extLst>
+          </a:blip>
+          <a:stretch>
+            <a:fillRect/>
+          </a:stretch>
+        </p:blipFill>
+        <p:spPr>
+          <a:xfrm>
+            <a:off x="778721" y="1658381"/>
+            <a:ext cx="5317279" cy="3987959"/>
+          </a:xfrm>
+          <a:prstGeom prst="rect">
+            <a:avLst/>
+          </a:prstGeom>
+        </p:spPr>
+      </p:pic>
+      <p:pic>
+        <p:nvPicPr>
+          <p:cNvPr id="8" name="Picture 7" descr="A close up of a map&#10;&#10;Description generated with very high confidence">
+            <a:extLst>
+              <a:ext uri="{FF2B5EF4-FFF2-40B4-BE49-F238E27FC236}">
+                <a16:creationId xmlns:a16="http://schemas.microsoft.com/office/drawing/2014/main" id="{CF3EF8CE-D7AB-4D17-A165-93D49F443CCF}"/>
+              </a:ext>
+            </a:extLst>
+          </p:cNvPr>
+          <p:cNvPicPr>
+            <a:picLocks noChangeAspect="1"/>
+          </p:cNvPicPr>
+          <p:nvPr/>
+        </p:nvPicPr>
+        <p:blipFill>
+          <a:blip r:embed="rId4">
+            <a:extLst>
+              <a:ext uri="{28A0092B-C50C-407E-A947-70E740481C1C}">
+                <a14:useLocalDpi xmlns:a14="http://schemas.microsoft.com/office/drawing/2010/main" val="0"/>
+              </a:ext>
+            </a:extLst>
+          </a:blip>
+          <a:stretch>
+            <a:fillRect/>
+          </a:stretch>
+        </p:blipFill>
+        <p:spPr>
+          <a:xfrm>
+            <a:off x="6200352" y="1697512"/>
+            <a:ext cx="5212927" cy="3909695"/>
+          </a:xfrm>
+          <a:prstGeom prst="rect">
+            <a:avLst/>
+          </a:prstGeom>
+        </p:spPr>
+      </p:pic>
+    </p:spTree>
+    <p:extLst>
+      <p:ext uri="{BB962C8B-B14F-4D97-AF65-F5344CB8AC3E}">
+        <p14:creationId xmlns:p14="http://schemas.microsoft.com/office/powerpoint/2010/main" val="2306792197"/>
+      </p:ext>
+    </p:extLst>
+  </p:cSld>
+  <p:clrMapOvr>
+    <a:masterClrMapping/>
+  </p:clrMapOvr>
+</p:sld>
+</file>
+
+<file path=ppt/slides/slide8.xml><?xml version="1.0" encoding="utf-8"?>
+<p:sld xmlns:a="http://schemas.openxmlformats.org/drawingml/2006/main" xmlns:r="http://schemas.openxmlformats.org/officeDocument/2006/relationships" xmlns:p="http://schemas.openxmlformats.org/presentationml/2006/main">
+  <p:cSld>
+    <p:spTree>
+      <p:nvGrpSpPr>
+        <p:cNvPr id="1" name=""/>
+        <p:cNvGrpSpPr/>
+        <p:nvPr/>
+      </p:nvGrpSpPr>
+      <p:grpSpPr>
+        <a:xfrm>
+          <a:off x="0" y="0"/>
+          <a:ext cx="0" cy="0"/>
+          <a:chOff x="0" y="0"/>
+          <a:chExt cx="0" cy="0"/>
+        </a:xfrm>
+      </p:grpSpPr>
+      <p:sp>
+        <p:nvSpPr>
+          <p:cNvPr id="3" name="Content Placeholder 2">
+            <a:extLst>
+              <a:ext uri="{FF2B5EF4-FFF2-40B4-BE49-F238E27FC236}">
+                <a16:creationId xmlns:a16="http://schemas.microsoft.com/office/drawing/2014/main" id="{2E5DAAB6-C87E-4C10-8DDC-15F41DB00A20}"/>
+              </a:ext>
+            </a:extLst>
+          </p:cNvPr>
+          <p:cNvSpPr>
+            <a:spLocks noGrp="1"/>
+          </p:cNvSpPr>
+          <p:nvPr>
+            <p:ph idx="1"/>
+          </p:nvPr>
+        </p:nvSpPr>
+        <p:spPr>
+          <a:xfrm>
+            <a:off x="838200" y="1127760"/>
+            <a:ext cx="10515600" cy="5049203"/>
+          </a:xfrm>
+        </p:spPr>
+        <p:txBody>
+          <a:bodyPr>
+            <a:normAutofit/>
+          </a:bodyPr>
+          <a:lstStyle/>
+          <a:p>
+            <a:pPr marL="0" indent="0">
+              <a:buNone/>
+            </a:pPr>
+            <a:endParaRPr lang="en-CA" sz="2400" dirty="0">
+              <a:solidFill>
+                <a:schemeClr val="accent1">
+                  <a:lumMod val="75000"/>
+                </a:schemeClr>
+              </a:solidFill>
+            </a:endParaRPr>
+          </a:p>
+          <a:p>
+            <a:pPr marL="0" indent="0">
+              <a:buNone/>
+            </a:pPr>
+            <a:endParaRPr lang="en-CA" sz="2400" dirty="0"/>
+          </a:p>
+          <a:p>
+            <a:endParaRPr lang="en-CA" sz="2400" dirty="0"/>
+          </a:p>
+        </p:txBody>
+      </p:sp>
+      <p:pic>
+        <p:nvPicPr>
+          <p:cNvPr id="5" name="Picture 4">
+            <a:extLst>
+              <a:ext uri="{FF2B5EF4-FFF2-40B4-BE49-F238E27FC236}">
+                <a16:creationId xmlns:a16="http://schemas.microsoft.com/office/drawing/2014/main" id="{8977407B-874A-4791-897D-6196620D6F56}"/>
+              </a:ext>
+            </a:extLst>
+          </p:cNvPr>
+          <p:cNvPicPr>
+            <a:picLocks noChangeAspect="1"/>
+          </p:cNvPicPr>
+          <p:nvPr/>
+        </p:nvPicPr>
+        <p:blipFill>
+          <a:blip r:embed="rId2">
+            <a:extLst>
+              <a:ext uri="{28A0092B-C50C-407E-A947-70E740481C1C}">
+                <a14:useLocalDpi xmlns:a14="http://schemas.microsoft.com/office/drawing/2010/main" val="0"/>
+              </a:ext>
+            </a:extLst>
+          </a:blip>
+          <a:stretch>
+            <a:fillRect/>
+          </a:stretch>
+        </p:blipFill>
+        <p:spPr>
+          <a:xfrm>
+            <a:off x="9916160" y="365125"/>
+            <a:ext cx="1437640" cy="418937"/>
+          </a:xfrm>
+          <a:prstGeom prst="rect">
+            <a:avLst/>
+          </a:prstGeom>
+        </p:spPr>
+      </p:pic>
+      <p:sp>
+        <p:nvSpPr>
+          <p:cNvPr id="7" name="Title 1">
+            <a:extLst>
+              <a:ext uri="{FF2B5EF4-FFF2-40B4-BE49-F238E27FC236}">
+                <a16:creationId xmlns:a16="http://schemas.microsoft.com/office/drawing/2014/main" id="{DF83123F-FFF6-4EB8-AA6C-703D18DCBD9D}"/>
+              </a:ext>
+            </a:extLst>
+          </p:cNvPr>
+          <p:cNvSpPr>
+            <a:spLocks noGrp="1"/>
+          </p:cNvSpPr>
+          <p:nvPr>
+            <p:ph type="title"/>
+          </p:nvPr>
+        </p:nvSpPr>
+        <p:spPr>
+          <a:xfrm>
+            <a:off x="838200" y="365125"/>
+            <a:ext cx="10515600" cy="762635"/>
+          </a:xfrm>
+        </p:spPr>
+        <p:txBody>
+          <a:bodyPr>
+            <a:normAutofit/>
+          </a:bodyPr>
+          <a:lstStyle/>
+          <a:p>
+            <a:r>
+              <a:rPr lang="en-CA" sz="3600" dirty="0"/>
+              <a:t>Golden Section Method</a:t>
+            </a:r>
+            <a:endParaRPr lang="en-US" sz="3600" dirty="0"/>
+          </a:p>
+        </p:txBody>
+      </p:sp>
+      <p:pic>
+        <p:nvPicPr>
+          <p:cNvPr id="4" name="Picture 3" descr="A close up of a map&#10;&#10;Description generated with very high confidence">
+            <a:extLst>
+              <a:ext uri="{FF2B5EF4-FFF2-40B4-BE49-F238E27FC236}">
+                <a16:creationId xmlns:a16="http://schemas.microsoft.com/office/drawing/2014/main" id="{6F7F02D7-F0E8-4ACF-B7CC-959B5D7282D2}"/>
+              </a:ext>
+            </a:extLst>
+          </p:cNvPr>
+          <p:cNvPicPr>
+            <a:picLocks noChangeAspect="1"/>
+          </p:cNvPicPr>
+          <p:nvPr/>
+        </p:nvPicPr>
+        <p:blipFill>
+          <a:blip r:embed="rId3">
+            <a:extLst>
+              <a:ext uri="{28A0092B-C50C-407E-A947-70E740481C1C}">
+                <a14:useLocalDpi xmlns:a14="http://schemas.microsoft.com/office/drawing/2010/main" val="0"/>
+              </a:ext>
+            </a:extLst>
+          </a:blip>
+          <a:stretch>
+            <a:fillRect/>
+          </a:stretch>
+        </p:blipFill>
+        <p:spPr>
+          <a:xfrm>
+            <a:off x="778721" y="1658381"/>
+            <a:ext cx="5317279" cy="3987959"/>
+          </a:xfrm>
+          <a:prstGeom prst="rect">
+            <a:avLst/>
+          </a:prstGeom>
+        </p:spPr>
+      </p:pic>
+      <p:pic>
+        <p:nvPicPr>
+          <p:cNvPr id="8" name="Picture 7" descr="A close up of a map&#10;&#10;Description generated with very high confidence">
+            <a:extLst>
+              <a:ext uri="{FF2B5EF4-FFF2-40B4-BE49-F238E27FC236}">
+                <a16:creationId xmlns:a16="http://schemas.microsoft.com/office/drawing/2014/main" id="{CF3EF8CE-D7AB-4D17-A165-93D49F443CCF}"/>
+              </a:ext>
+            </a:extLst>
+          </p:cNvPr>
+          <p:cNvPicPr>
+            <a:picLocks noChangeAspect="1"/>
+          </p:cNvPicPr>
+          <p:nvPr/>
+        </p:nvPicPr>
+        <p:blipFill>
+          <a:blip r:embed="rId4">
+            <a:extLst>
+              <a:ext uri="{28A0092B-C50C-407E-A947-70E740481C1C}">
+                <a14:useLocalDpi xmlns:a14="http://schemas.microsoft.com/office/drawing/2010/main" val="0"/>
+              </a:ext>
+            </a:extLst>
+          </a:blip>
+          <a:stretch>
+            <a:fillRect/>
+          </a:stretch>
+        </p:blipFill>
+        <p:spPr>
+          <a:xfrm>
+            <a:off x="6200352" y="1697512"/>
+            <a:ext cx="5212927" cy="3909695"/>
+          </a:xfrm>
+          <a:prstGeom prst="rect">
+            <a:avLst/>
+          </a:prstGeom>
+        </p:spPr>
+      </p:pic>
+      <p:sp>
+        <p:nvSpPr>
+          <p:cNvPr id="9" name="Rectangle: Rounded Corners 8">
+            <a:extLst>
+              <a:ext uri="{FF2B5EF4-FFF2-40B4-BE49-F238E27FC236}">
+                <a16:creationId xmlns:a16="http://schemas.microsoft.com/office/drawing/2014/main" id="{86EF7A26-F32C-42F4-BCE7-73FD5B42F8FC}"/>
+              </a:ext>
+            </a:extLst>
+          </p:cNvPr>
+          <p:cNvSpPr/>
+          <p:nvPr/>
+        </p:nvSpPr>
+        <p:spPr>
+          <a:xfrm>
+            <a:off x="2489200" y="2438400"/>
+            <a:ext cx="3413760" cy="2407920"/>
+          </a:xfrm>
+          <a:prstGeom prst="roundRect">
+            <a:avLst/>
+          </a:prstGeom>
+          <a:noFill/>
+          <a:ln w="19050">
+            <a:solidFill>
+              <a:srgbClr val="FF0000"/>
+            </a:solidFill>
+          </a:ln>
+        </p:spPr>
+        <p:style>
+          <a:lnRef idx="2">
+            <a:schemeClr val="accent6"/>
+          </a:lnRef>
+          <a:fillRef idx="1">
+            <a:schemeClr val="lt1"/>
+          </a:fillRef>
+          <a:effectRef idx="0">
+            <a:schemeClr val="accent6"/>
+          </a:effectRef>
+          <a:fontRef idx="minor">
+            <a:schemeClr val="dk1"/>
+          </a:fontRef>
+        </p:style>
+        <p:txBody>
+          <a:bodyPr rtlCol="0" anchor="ctr"/>
+          <a:lstStyle/>
+          <a:p>
+            <a:pPr algn="ctr"/>
+            <a:endParaRPr lang="en-US"/>
+          </a:p>
+        </p:txBody>
+      </p:sp>
+    </p:spTree>
+    <p:extLst>
+      <p:ext uri="{BB962C8B-B14F-4D97-AF65-F5344CB8AC3E}">
+        <p14:creationId xmlns:p14="http://schemas.microsoft.com/office/powerpoint/2010/main" val="4200179265"/>
+      </p:ext>
+    </p:extLst>
+  </p:cSld>
+  <p:clrMapOvr>
+    <a:masterClrMapping/>
+  </p:clrMapOvr>
+</p:sld>
+</file>
+
+<file path=ppt/slides/slide9.xml><?xml version="1.0" encoding="utf-8"?>
+<p:sld xmlns:a="http://schemas.openxmlformats.org/drawingml/2006/main" xmlns:r="http://schemas.openxmlformats.org/officeDocument/2006/relationships" xmlns:p="http://schemas.openxmlformats.org/presentationml/2006/main">
+  <p:cSld>
+    <p:spTree>
+      <p:nvGrpSpPr>
+        <p:cNvPr id="1" name=""/>
+        <p:cNvGrpSpPr/>
+        <p:nvPr/>
+      </p:nvGrpSpPr>
+      <p:grpSpPr>
+        <a:xfrm>
+          <a:off x="0" y="0"/>
+          <a:ext cx="0" cy="0"/>
+          <a:chOff x="0" y="0"/>
+          <a:chExt cx="0" cy="0"/>
+        </a:xfrm>
+      </p:grpSpPr>
+      <p:sp>
+        <p:nvSpPr>
+          <p:cNvPr id="3" name="Content Placeholder 2">
+            <a:extLst>
+              <a:ext uri="{FF2B5EF4-FFF2-40B4-BE49-F238E27FC236}">
+                <a16:creationId xmlns:a16="http://schemas.microsoft.com/office/drawing/2014/main" id="{2E5DAAB6-C87E-4C10-8DDC-15F41DB00A20}"/>
+              </a:ext>
+            </a:extLst>
+          </p:cNvPr>
+          <p:cNvSpPr>
+            <a:spLocks noGrp="1"/>
+          </p:cNvSpPr>
+          <p:nvPr>
+            <p:ph idx="1"/>
+          </p:nvPr>
+        </p:nvSpPr>
+        <p:spPr>
+          <a:xfrm>
+            <a:off x="838200" y="1127760"/>
+            <a:ext cx="10515600" cy="5049203"/>
+          </a:xfrm>
+        </p:spPr>
+        <p:txBody>
+          <a:bodyPr>
+            <a:normAutofit/>
+          </a:bodyPr>
+          <a:lstStyle/>
+          <a:p>
+            <a:pPr marL="0" indent="0">
+              <a:buNone/>
+            </a:pPr>
+            <a:endParaRPr lang="en-CA" sz="2400" dirty="0">
+              <a:solidFill>
+                <a:schemeClr val="accent1">
+                  <a:lumMod val="75000"/>
+                </a:schemeClr>
+              </a:solidFill>
+            </a:endParaRPr>
+          </a:p>
+          <a:p>
+            <a:pPr marL="0" indent="0">
+              <a:buNone/>
+            </a:pPr>
+            <a:endParaRPr lang="en-CA" sz="2400" dirty="0"/>
+          </a:p>
+          <a:p>
+            <a:endParaRPr lang="en-CA" sz="2400" dirty="0"/>
+          </a:p>
+        </p:txBody>
+      </p:sp>
+      <p:pic>
+        <p:nvPicPr>
+          <p:cNvPr id="5" name="Picture 4">
+            <a:extLst>
+              <a:ext uri="{FF2B5EF4-FFF2-40B4-BE49-F238E27FC236}">
+                <a16:creationId xmlns:a16="http://schemas.microsoft.com/office/drawing/2014/main" id="{8977407B-874A-4791-897D-6196620D6F56}"/>
+              </a:ext>
+            </a:extLst>
+          </p:cNvPr>
+          <p:cNvPicPr>
+            <a:picLocks noChangeAspect="1"/>
+          </p:cNvPicPr>
+          <p:nvPr/>
+        </p:nvPicPr>
+        <p:blipFill>
+          <a:blip r:embed="rId2">
+            <a:extLst>
+              <a:ext uri="{28A0092B-C50C-407E-A947-70E740481C1C}">
+                <a14:useLocalDpi xmlns:a14="http://schemas.microsoft.com/office/drawing/2010/main" val="0"/>
+              </a:ext>
+            </a:extLst>
+          </a:blip>
+          <a:stretch>
+            <a:fillRect/>
+          </a:stretch>
+        </p:blipFill>
+        <p:spPr>
+          <a:xfrm>
+            <a:off x="9916160" y="365125"/>
+            <a:ext cx="1437640" cy="418937"/>
+          </a:xfrm>
+          <a:prstGeom prst="rect">
+            <a:avLst/>
+          </a:prstGeom>
+        </p:spPr>
+      </p:pic>
+      <p:sp>
+        <p:nvSpPr>
+          <p:cNvPr id="7" name="Title 1">
+            <a:extLst>
+              <a:ext uri="{FF2B5EF4-FFF2-40B4-BE49-F238E27FC236}">
+                <a16:creationId xmlns:a16="http://schemas.microsoft.com/office/drawing/2014/main" id="{DF83123F-FFF6-4EB8-AA6C-703D18DCBD9D}"/>
+              </a:ext>
+            </a:extLst>
+          </p:cNvPr>
+          <p:cNvSpPr>
+            <a:spLocks noGrp="1"/>
+          </p:cNvSpPr>
+          <p:nvPr>
+            <p:ph type="title"/>
+          </p:nvPr>
+        </p:nvSpPr>
+        <p:spPr>
+          <a:xfrm>
+            <a:off x="838200" y="365125"/>
+            <a:ext cx="10515600" cy="762635"/>
+          </a:xfrm>
+        </p:spPr>
+        <p:txBody>
+          <a:bodyPr>
+            <a:normAutofit/>
+          </a:bodyPr>
+          <a:lstStyle/>
+          <a:p>
+            <a:r>
+              <a:rPr lang="en-CA" sz="3600" dirty="0"/>
+              <a:t>Golden Section Method</a:t>
+            </a:r>
+            <a:endParaRPr lang="en-US" sz="3600" dirty="0"/>
+          </a:p>
+        </p:txBody>
+      </p:sp>
+      <p:pic>
+        <p:nvPicPr>
+          <p:cNvPr id="4" name="Picture 3" descr="A close up of a map&#10;&#10;Description generated with very high confidence">
+            <a:extLst>
+              <a:ext uri="{FF2B5EF4-FFF2-40B4-BE49-F238E27FC236}">
+                <a16:creationId xmlns:a16="http://schemas.microsoft.com/office/drawing/2014/main" id="{6F7F02D7-F0E8-4ACF-B7CC-959B5D7282D2}"/>
+              </a:ext>
+            </a:extLst>
+          </p:cNvPr>
+          <p:cNvPicPr>
+            <a:picLocks noChangeAspect="1"/>
+          </p:cNvPicPr>
+          <p:nvPr/>
+        </p:nvPicPr>
+        <p:blipFill>
+          <a:blip r:embed="rId3">
+            <a:extLst>
+              <a:ext uri="{28A0092B-C50C-407E-A947-70E740481C1C}">
+                <a14:useLocalDpi xmlns:a14="http://schemas.microsoft.com/office/drawing/2010/main" val="0"/>
+              </a:ext>
+            </a:extLst>
+          </a:blip>
+          <a:stretch>
+            <a:fillRect/>
+          </a:stretch>
+        </p:blipFill>
+        <p:spPr>
+          <a:xfrm>
+            <a:off x="778721" y="1658381"/>
+            <a:ext cx="5317279" cy="3987959"/>
+          </a:xfrm>
+          <a:prstGeom prst="rect">
+            <a:avLst/>
+          </a:prstGeom>
+        </p:spPr>
+      </p:pic>
+      <p:pic>
+        <p:nvPicPr>
+          <p:cNvPr id="8" name="Picture 7" descr="A close up of a map&#10;&#10;Description generated with very high confidence">
+            <a:extLst>
+              <a:ext uri="{FF2B5EF4-FFF2-40B4-BE49-F238E27FC236}">
+                <a16:creationId xmlns:a16="http://schemas.microsoft.com/office/drawing/2014/main" id="{CF3EF8CE-D7AB-4D17-A165-93D49F443CCF}"/>
+              </a:ext>
+            </a:extLst>
+          </p:cNvPr>
+          <p:cNvPicPr>
+            <a:picLocks noChangeAspect="1"/>
+          </p:cNvPicPr>
+          <p:nvPr/>
+        </p:nvPicPr>
+        <p:blipFill>
+          <a:blip r:embed="rId4">
+            <a:extLst>
+              <a:ext uri="{28A0092B-C50C-407E-A947-70E740481C1C}">
+                <a14:useLocalDpi xmlns:a14="http://schemas.microsoft.com/office/drawing/2010/main" val="0"/>
+              </a:ext>
+            </a:extLst>
+          </a:blip>
+          <a:stretch>
+            <a:fillRect/>
+          </a:stretch>
+        </p:blipFill>
+        <p:spPr>
+          <a:xfrm>
+            <a:off x="6200352" y="1697512"/>
+            <a:ext cx="5212927" cy="3909695"/>
+          </a:xfrm>
+          <a:prstGeom prst="rect">
+            <a:avLst/>
+          </a:prstGeom>
+        </p:spPr>
+      </p:pic>
+      <p:sp>
+        <p:nvSpPr>
+          <p:cNvPr id="9" name="Rectangle: Rounded Corners 8">
+            <a:extLst>
+              <a:ext uri="{FF2B5EF4-FFF2-40B4-BE49-F238E27FC236}">
+                <a16:creationId xmlns:a16="http://schemas.microsoft.com/office/drawing/2014/main" id="{86EF7A26-F32C-42F4-BCE7-73FD5B42F8FC}"/>
+              </a:ext>
+            </a:extLst>
+          </p:cNvPr>
+          <p:cNvSpPr/>
+          <p:nvPr/>
+        </p:nvSpPr>
+        <p:spPr>
+          <a:xfrm>
+            <a:off x="2489200" y="2438400"/>
+            <a:ext cx="3413760" cy="2407920"/>
+          </a:xfrm>
+          <a:prstGeom prst="roundRect">
+            <a:avLst/>
+          </a:prstGeom>
+          <a:noFill/>
+          <a:ln w="19050">
+            <a:solidFill>
+              <a:srgbClr val="FF0000"/>
+            </a:solidFill>
+          </a:ln>
+        </p:spPr>
+        <p:style>
+          <a:lnRef idx="2">
+            <a:schemeClr val="accent6"/>
+          </a:lnRef>
+          <a:fillRef idx="1">
+            <a:schemeClr val="lt1"/>
+          </a:fillRef>
+          <a:effectRef idx="0">
+            <a:schemeClr val="accent6"/>
+          </a:effectRef>
+          <a:fontRef idx="minor">
+            <a:schemeClr val="dk1"/>
+          </a:fontRef>
+        </p:style>
+        <p:txBody>
+          <a:bodyPr rtlCol="0" anchor="ctr"/>
+          <a:lstStyle/>
+          <a:p>
+            <a:pPr algn="ctr"/>
+            <a:endParaRPr lang="en-US"/>
+          </a:p>
+        </p:txBody>
+      </p:sp>
+      <p:sp>
+        <p:nvSpPr>
+          <p:cNvPr id="15" name="Oval 14">
+            <a:extLst>
+              <a:ext uri="{FF2B5EF4-FFF2-40B4-BE49-F238E27FC236}">
+                <a16:creationId xmlns:a16="http://schemas.microsoft.com/office/drawing/2014/main" id="{0CFD1252-8AB0-404E-BF86-F6F20545BFE3}"/>
+              </a:ext>
+            </a:extLst>
+          </p:cNvPr>
+          <p:cNvSpPr/>
+          <p:nvPr/>
+        </p:nvSpPr>
+        <p:spPr>
+          <a:xfrm>
+            <a:off x="8239760" y="2438400"/>
+            <a:ext cx="274320" cy="266700"/>
+          </a:xfrm>
+          <a:prstGeom prst="ellipse">
+            <a:avLst/>
+          </a:prstGeom>
+          <a:noFill/>
+          <a:ln w="19050">
+            <a:solidFill>
+              <a:srgbClr val="1DFF5E"/>
+            </a:solidFill>
+          </a:ln>
+        </p:spPr>
+        <p:style>
+          <a:lnRef idx="2">
+            <a:schemeClr val="accent1">
+              <a:shade val="50000"/>
+            </a:schemeClr>
+          </a:lnRef>
+          <a:fillRef idx="1">
+            <a:schemeClr val="accent1"/>
+          </a:fillRef>
+          <a:effectRef idx="0">
+            <a:schemeClr val="accent1"/>
+          </a:effectRef>
+          <a:fontRef idx="minor">
+            <a:schemeClr val="lt1"/>
+          </a:fontRef>
+        </p:style>
+        <p:txBody>
+          <a:bodyPr rtlCol="0" anchor="ctr"/>
+          <a:lstStyle/>
+          <a:p>
+            <a:pPr algn="ctr"/>
+            <a:endParaRPr lang="en-US"/>
+          </a:p>
+        </p:txBody>
+      </p:sp>
+      <p:sp>
+        <p:nvSpPr>
+          <p:cNvPr id="16" name="Oval 15">
+            <a:extLst>
+              <a:ext uri="{FF2B5EF4-FFF2-40B4-BE49-F238E27FC236}">
+                <a16:creationId xmlns:a16="http://schemas.microsoft.com/office/drawing/2014/main" id="{8A6D520A-E7A6-4F09-8D27-844FBFAB895C}"/>
+              </a:ext>
+            </a:extLst>
+          </p:cNvPr>
+          <p:cNvSpPr/>
+          <p:nvPr/>
+        </p:nvSpPr>
+        <p:spPr>
+          <a:xfrm>
+            <a:off x="8239760" y="3778091"/>
+            <a:ext cx="274320" cy="266700"/>
+          </a:xfrm>
+          <a:prstGeom prst="ellipse">
+            <a:avLst/>
+          </a:prstGeom>
+          <a:noFill/>
+          <a:ln w="19050">
+            <a:solidFill>
+              <a:srgbClr val="1DFF5E"/>
+            </a:solidFill>
+          </a:ln>
+        </p:spPr>
+        <p:style>
+          <a:lnRef idx="2">
+            <a:schemeClr val="accent1">
+              <a:shade val="50000"/>
+            </a:schemeClr>
+          </a:lnRef>
+          <a:fillRef idx="1">
+            <a:schemeClr val="accent1"/>
+          </a:fillRef>
+          <a:effectRef idx="0">
+            <a:schemeClr val="accent1"/>
+          </a:effectRef>
+          <a:fontRef idx="minor">
+            <a:schemeClr val="lt1"/>
+          </a:fontRef>
+        </p:style>
+        <p:txBody>
+          <a:bodyPr rtlCol="0" anchor="ctr"/>
+          <a:lstStyle/>
+          <a:p>
+            <a:pPr algn="ctr"/>
+            <a:endParaRPr lang="en-US"/>
+          </a:p>
+        </p:txBody>
+      </p:sp>
+    </p:spTree>
+    <p:extLst>
+      <p:ext uri="{BB962C8B-B14F-4D97-AF65-F5344CB8AC3E}">
+        <p14:creationId xmlns:p14="http://schemas.microsoft.com/office/powerpoint/2010/main" val="2291285242"/>
       </p:ext>
     </p:extLst>
   </p:cSld>

--- a/Presentation.pptx
+++ b/Presentation.pptx
@@ -9,14 +9,15 @@
     <p:sldId id="257" r:id="rId3"/>
     <p:sldId id="258" r:id="rId4"/>
     <p:sldId id="259" r:id="rId5"/>
-    <p:sldId id="261" r:id="rId6"/>
-    <p:sldId id="264" r:id="rId7"/>
-    <p:sldId id="266" r:id="rId8"/>
-    <p:sldId id="267" r:id="rId9"/>
-    <p:sldId id="268" r:id="rId10"/>
-    <p:sldId id="270" r:id="rId11"/>
-    <p:sldId id="260" r:id="rId12"/>
-    <p:sldId id="272" r:id="rId13"/>
+    <p:sldId id="273" r:id="rId6"/>
+    <p:sldId id="261" r:id="rId7"/>
+    <p:sldId id="264" r:id="rId8"/>
+    <p:sldId id="266" r:id="rId9"/>
+    <p:sldId id="267" r:id="rId10"/>
+    <p:sldId id="268" r:id="rId11"/>
+    <p:sldId id="270" r:id="rId12"/>
+    <p:sldId id="260" r:id="rId13"/>
+    <p:sldId id="272" r:id="rId14"/>
   </p:sldIdLst>
   <p:sldSz cx="12192000" cy="6858000"/>
   <p:notesSz cx="6858000" cy="9144000"/>
@@ -254,7 +255,7 @@
           <a:p>
             <a:fld id="{26EBFB83-AAA2-427D-8458-5FB692FCFF84}" type="datetimeFigureOut">
               <a:rPr lang="en-US" smtClean="0"/>
-              <a:t>5/21/2019</a:t>
+              <a:t>5/25/2019</a:t>
             </a:fld>
             <a:endParaRPr lang="en-US"/>
           </a:p>
@@ -424,7 +425,7 @@
           <a:p>
             <a:fld id="{26EBFB83-AAA2-427D-8458-5FB692FCFF84}" type="datetimeFigureOut">
               <a:rPr lang="en-US" smtClean="0"/>
-              <a:t>5/21/2019</a:t>
+              <a:t>5/25/2019</a:t>
             </a:fld>
             <a:endParaRPr lang="en-US"/>
           </a:p>
@@ -604,7 +605,7 @@
           <a:p>
             <a:fld id="{26EBFB83-AAA2-427D-8458-5FB692FCFF84}" type="datetimeFigureOut">
               <a:rPr lang="en-US" smtClean="0"/>
-              <a:t>5/21/2019</a:t>
+              <a:t>5/25/2019</a:t>
             </a:fld>
             <a:endParaRPr lang="en-US"/>
           </a:p>
@@ -774,7 +775,7 @@
           <a:p>
             <a:fld id="{26EBFB83-AAA2-427D-8458-5FB692FCFF84}" type="datetimeFigureOut">
               <a:rPr lang="en-US" smtClean="0"/>
-              <a:t>5/21/2019</a:t>
+              <a:t>5/25/2019</a:t>
             </a:fld>
             <a:endParaRPr lang="en-US"/>
           </a:p>
@@ -1020,7 +1021,7 @@
           <a:p>
             <a:fld id="{26EBFB83-AAA2-427D-8458-5FB692FCFF84}" type="datetimeFigureOut">
               <a:rPr lang="en-US" smtClean="0"/>
-              <a:t>5/21/2019</a:t>
+              <a:t>5/25/2019</a:t>
             </a:fld>
             <a:endParaRPr lang="en-US"/>
           </a:p>
@@ -1252,7 +1253,7 @@
           <a:p>
             <a:fld id="{26EBFB83-AAA2-427D-8458-5FB692FCFF84}" type="datetimeFigureOut">
               <a:rPr lang="en-US" smtClean="0"/>
-              <a:t>5/21/2019</a:t>
+              <a:t>5/25/2019</a:t>
             </a:fld>
             <a:endParaRPr lang="en-US"/>
           </a:p>
@@ -1619,7 +1620,7 @@
           <a:p>
             <a:fld id="{26EBFB83-AAA2-427D-8458-5FB692FCFF84}" type="datetimeFigureOut">
               <a:rPr lang="en-US" smtClean="0"/>
-              <a:t>5/21/2019</a:t>
+              <a:t>5/25/2019</a:t>
             </a:fld>
             <a:endParaRPr lang="en-US"/>
           </a:p>
@@ -1737,7 +1738,7 @@
           <a:p>
             <a:fld id="{26EBFB83-AAA2-427D-8458-5FB692FCFF84}" type="datetimeFigureOut">
               <a:rPr lang="en-US" smtClean="0"/>
-              <a:t>5/21/2019</a:t>
+              <a:t>5/25/2019</a:t>
             </a:fld>
             <a:endParaRPr lang="en-US"/>
           </a:p>
@@ -1832,7 +1833,7 @@
           <a:p>
             <a:fld id="{26EBFB83-AAA2-427D-8458-5FB692FCFF84}" type="datetimeFigureOut">
               <a:rPr lang="en-US" smtClean="0"/>
-              <a:t>5/21/2019</a:t>
+              <a:t>5/25/2019</a:t>
             </a:fld>
             <a:endParaRPr lang="en-US"/>
           </a:p>
@@ -2109,7 +2110,7 @@
           <a:p>
             <a:fld id="{26EBFB83-AAA2-427D-8458-5FB692FCFF84}" type="datetimeFigureOut">
               <a:rPr lang="en-US" smtClean="0"/>
-              <a:t>5/21/2019</a:t>
+              <a:t>5/25/2019</a:t>
             </a:fld>
             <a:endParaRPr lang="en-US"/>
           </a:p>
@@ -2366,7 +2367,7 @@
           <a:p>
             <a:fld id="{26EBFB83-AAA2-427D-8458-5FB692FCFF84}" type="datetimeFigureOut">
               <a:rPr lang="en-US" smtClean="0"/>
-              <a:t>5/21/2019</a:t>
+              <a:t>5/25/2019</a:t>
             </a:fld>
             <a:endParaRPr lang="en-US"/>
           </a:p>
@@ -2579,7 +2580,7 @@
           <a:p>
             <a:fld id="{26EBFB83-AAA2-427D-8458-5FB692FCFF84}" type="datetimeFigureOut">
               <a:rPr lang="en-US" smtClean="0"/>
-              <a:t>5/21/2019</a:t>
+              <a:t>5/25/2019</a:t>
             </a:fld>
             <a:endParaRPr lang="en-US"/>
           </a:p>
@@ -3248,6 +3249,384 @@
           <a:chExt cx="0" cy="0"/>
         </a:xfrm>
       </p:grpSpPr>
+      <p:sp>
+        <p:nvSpPr>
+          <p:cNvPr id="3" name="Content Placeholder 2">
+            <a:extLst>
+              <a:ext uri="{FF2B5EF4-FFF2-40B4-BE49-F238E27FC236}">
+                <a16:creationId xmlns:a16="http://schemas.microsoft.com/office/drawing/2014/main" id="{2E5DAAB6-C87E-4C10-8DDC-15F41DB00A20}"/>
+              </a:ext>
+            </a:extLst>
+          </p:cNvPr>
+          <p:cNvSpPr>
+            <a:spLocks noGrp="1"/>
+          </p:cNvSpPr>
+          <p:nvPr>
+            <p:ph idx="1"/>
+          </p:nvPr>
+        </p:nvSpPr>
+        <p:spPr>
+          <a:xfrm>
+            <a:off x="838200" y="1127760"/>
+            <a:ext cx="10515600" cy="5049203"/>
+          </a:xfrm>
+        </p:spPr>
+        <p:txBody>
+          <a:bodyPr>
+            <a:normAutofit/>
+          </a:bodyPr>
+          <a:lstStyle/>
+          <a:p>
+            <a:pPr marL="0" indent="0">
+              <a:buNone/>
+            </a:pPr>
+            <a:endParaRPr lang="en-CA" sz="2400" dirty="0">
+              <a:solidFill>
+                <a:schemeClr val="accent1">
+                  <a:lumMod val="75000"/>
+                </a:schemeClr>
+              </a:solidFill>
+            </a:endParaRPr>
+          </a:p>
+          <a:p>
+            <a:pPr marL="0" indent="0">
+              <a:buNone/>
+            </a:pPr>
+            <a:endParaRPr lang="en-CA" sz="2400" dirty="0"/>
+          </a:p>
+          <a:p>
+            <a:endParaRPr lang="en-CA" sz="2400" dirty="0"/>
+          </a:p>
+        </p:txBody>
+      </p:sp>
+      <p:pic>
+        <p:nvPicPr>
+          <p:cNvPr id="5" name="Picture 4">
+            <a:extLst>
+              <a:ext uri="{FF2B5EF4-FFF2-40B4-BE49-F238E27FC236}">
+                <a16:creationId xmlns:a16="http://schemas.microsoft.com/office/drawing/2014/main" id="{8977407B-874A-4791-897D-6196620D6F56}"/>
+              </a:ext>
+            </a:extLst>
+          </p:cNvPr>
+          <p:cNvPicPr>
+            <a:picLocks noChangeAspect="1"/>
+          </p:cNvPicPr>
+          <p:nvPr/>
+        </p:nvPicPr>
+        <p:blipFill>
+          <a:blip r:embed="rId2">
+            <a:extLst>
+              <a:ext uri="{28A0092B-C50C-407E-A947-70E740481C1C}">
+                <a14:useLocalDpi xmlns:a14="http://schemas.microsoft.com/office/drawing/2010/main" val="0"/>
+              </a:ext>
+            </a:extLst>
+          </a:blip>
+          <a:stretch>
+            <a:fillRect/>
+          </a:stretch>
+        </p:blipFill>
+        <p:spPr>
+          <a:xfrm>
+            <a:off x="9916160" y="365125"/>
+            <a:ext cx="1437640" cy="418937"/>
+          </a:xfrm>
+          <a:prstGeom prst="rect">
+            <a:avLst/>
+          </a:prstGeom>
+        </p:spPr>
+      </p:pic>
+      <p:sp>
+        <p:nvSpPr>
+          <p:cNvPr id="7" name="Title 1">
+            <a:extLst>
+              <a:ext uri="{FF2B5EF4-FFF2-40B4-BE49-F238E27FC236}">
+                <a16:creationId xmlns:a16="http://schemas.microsoft.com/office/drawing/2014/main" id="{DF83123F-FFF6-4EB8-AA6C-703D18DCBD9D}"/>
+              </a:ext>
+            </a:extLst>
+          </p:cNvPr>
+          <p:cNvSpPr>
+            <a:spLocks noGrp="1"/>
+          </p:cNvSpPr>
+          <p:nvPr>
+            <p:ph type="title"/>
+          </p:nvPr>
+        </p:nvSpPr>
+        <p:spPr>
+          <a:xfrm>
+            <a:off x="838200" y="365125"/>
+            <a:ext cx="10515600" cy="762635"/>
+          </a:xfrm>
+        </p:spPr>
+        <p:txBody>
+          <a:bodyPr>
+            <a:normAutofit/>
+          </a:bodyPr>
+          <a:lstStyle/>
+          <a:p>
+            <a:r>
+              <a:rPr lang="en-CA" sz="3600" dirty="0"/>
+              <a:t>Golden Section Method</a:t>
+            </a:r>
+            <a:endParaRPr lang="en-US" sz="3600" dirty="0"/>
+          </a:p>
+        </p:txBody>
+      </p:sp>
+      <p:pic>
+        <p:nvPicPr>
+          <p:cNvPr id="4" name="Picture 3" descr="A close up of a map&#10;&#10;Description generated with very high confidence">
+            <a:extLst>
+              <a:ext uri="{FF2B5EF4-FFF2-40B4-BE49-F238E27FC236}">
+                <a16:creationId xmlns:a16="http://schemas.microsoft.com/office/drawing/2014/main" id="{6F7F02D7-F0E8-4ACF-B7CC-959B5D7282D2}"/>
+              </a:ext>
+            </a:extLst>
+          </p:cNvPr>
+          <p:cNvPicPr>
+            <a:picLocks noChangeAspect="1"/>
+          </p:cNvPicPr>
+          <p:nvPr/>
+        </p:nvPicPr>
+        <p:blipFill>
+          <a:blip r:embed="rId3">
+            <a:extLst>
+              <a:ext uri="{28A0092B-C50C-407E-A947-70E740481C1C}">
+                <a14:useLocalDpi xmlns:a14="http://schemas.microsoft.com/office/drawing/2010/main" val="0"/>
+              </a:ext>
+            </a:extLst>
+          </a:blip>
+          <a:stretch>
+            <a:fillRect/>
+          </a:stretch>
+        </p:blipFill>
+        <p:spPr>
+          <a:xfrm>
+            <a:off x="778721" y="1658381"/>
+            <a:ext cx="5317279" cy="3987959"/>
+          </a:xfrm>
+          <a:prstGeom prst="rect">
+            <a:avLst/>
+          </a:prstGeom>
+        </p:spPr>
+      </p:pic>
+      <p:pic>
+        <p:nvPicPr>
+          <p:cNvPr id="8" name="Picture 7" descr="A close up of a map&#10;&#10;Description generated with very high confidence">
+            <a:extLst>
+              <a:ext uri="{FF2B5EF4-FFF2-40B4-BE49-F238E27FC236}">
+                <a16:creationId xmlns:a16="http://schemas.microsoft.com/office/drawing/2014/main" id="{CF3EF8CE-D7AB-4D17-A165-93D49F443CCF}"/>
+              </a:ext>
+            </a:extLst>
+          </p:cNvPr>
+          <p:cNvPicPr>
+            <a:picLocks noChangeAspect="1"/>
+          </p:cNvPicPr>
+          <p:nvPr/>
+        </p:nvPicPr>
+        <p:blipFill>
+          <a:blip r:embed="rId4">
+            <a:extLst>
+              <a:ext uri="{28A0092B-C50C-407E-A947-70E740481C1C}">
+                <a14:useLocalDpi xmlns:a14="http://schemas.microsoft.com/office/drawing/2010/main" val="0"/>
+              </a:ext>
+            </a:extLst>
+          </a:blip>
+          <a:stretch>
+            <a:fillRect/>
+          </a:stretch>
+        </p:blipFill>
+        <p:spPr>
+          <a:xfrm>
+            <a:off x="6200352" y="1697512"/>
+            <a:ext cx="5212927" cy="3909695"/>
+          </a:xfrm>
+          <a:prstGeom prst="rect">
+            <a:avLst/>
+          </a:prstGeom>
+        </p:spPr>
+      </p:pic>
+      <p:sp>
+        <p:nvSpPr>
+          <p:cNvPr id="9" name="Rectangle: Rounded Corners 8">
+            <a:extLst>
+              <a:ext uri="{FF2B5EF4-FFF2-40B4-BE49-F238E27FC236}">
+                <a16:creationId xmlns:a16="http://schemas.microsoft.com/office/drawing/2014/main" id="{86EF7A26-F32C-42F4-BCE7-73FD5B42F8FC}"/>
+              </a:ext>
+            </a:extLst>
+          </p:cNvPr>
+          <p:cNvSpPr/>
+          <p:nvPr/>
+        </p:nvSpPr>
+        <p:spPr>
+          <a:xfrm>
+            <a:off x="2489200" y="2438400"/>
+            <a:ext cx="3413760" cy="2407920"/>
+          </a:xfrm>
+          <a:prstGeom prst="roundRect">
+            <a:avLst/>
+          </a:prstGeom>
+          <a:noFill/>
+          <a:ln w="19050">
+            <a:solidFill>
+              <a:srgbClr val="FF0000"/>
+            </a:solidFill>
+          </a:ln>
+        </p:spPr>
+        <p:style>
+          <a:lnRef idx="2">
+            <a:schemeClr val="accent6"/>
+          </a:lnRef>
+          <a:fillRef idx="1">
+            <a:schemeClr val="lt1"/>
+          </a:fillRef>
+          <a:effectRef idx="0">
+            <a:schemeClr val="accent6"/>
+          </a:effectRef>
+          <a:fontRef idx="minor">
+            <a:schemeClr val="dk1"/>
+          </a:fontRef>
+        </p:style>
+        <p:txBody>
+          <a:bodyPr rtlCol="0" anchor="ctr"/>
+          <a:lstStyle/>
+          <a:p>
+            <a:pPr algn="ctr"/>
+            <a:endParaRPr lang="en-US"/>
+          </a:p>
+        </p:txBody>
+      </p:sp>
+      <p:sp>
+        <p:nvSpPr>
+          <p:cNvPr id="15" name="Oval 14">
+            <a:extLst>
+              <a:ext uri="{FF2B5EF4-FFF2-40B4-BE49-F238E27FC236}">
+                <a16:creationId xmlns:a16="http://schemas.microsoft.com/office/drawing/2014/main" id="{0CFD1252-8AB0-404E-BF86-F6F20545BFE3}"/>
+              </a:ext>
+            </a:extLst>
+          </p:cNvPr>
+          <p:cNvSpPr/>
+          <p:nvPr/>
+        </p:nvSpPr>
+        <p:spPr>
+          <a:xfrm>
+            <a:off x="8239760" y="2438400"/>
+            <a:ext cx="274320" cy="266700"/>
+          </a:xfrm>
+          <a:prstGeom prst="ellipse">
+            <a:avLst/>
+          </a:prstGeom>
+          <a:noFill/>
+          <a:ln w="19050">
+            <a:solidFill>
+              <a:srgbClr val="1DFF5E"/>
+            </a:solidFill>
+          </a:ln>
+        </p:spPr>
+        <p:style>
+          <a:lnRef idx="2">
+            <a:schemeClr val="accent1">
+              <a:shade val="50000"/>
+            </a:schemeClr>
+          </a:lnRef>
+          <a:fillRef idx="1">
+            <a:schemeClr val="accent1"/>
+          </a:fillRef>
+          <a:effectRef idx="0">
+            <a:schemeClr val="accent1"/>
+          </a:effectRef>
+          <a:fontRef idx="minor">
+            <a:schemeClr val="lt1"/>
+          </a:fontRef>
+        </p:style>
+        <p:txBody>
+          <a:bodyPr rtlCol="0" anchor="ctr"/>
+          <a:lstStyle/>
+          <a:p>
+            <a:pPr algn="ctr"/>
+            <a:endParaRPr lang="en-US"/>
+          </a:p>
+        </p:txBody>
+      </p:sp>
+      <p:sp>
+        <p:nvSpPr>
+          <p:cNvPr id="16" name="Oval 15">
+            <a:extLst>
+              <a:ext uri="{FF2B5EF4-FFF2-40B4-BE49-F238E27FC236}">
+                <a16:creationId xmlns:a16="http://schemas.microsoft.com/office/drawing/2014/main" id="{8A6D520A-E7A6-4F09-8D27-844FBFAB895C}"/>
+              </a:ext>
+            </a:extLst>
+          </p:cNvPr>
+          <p:cNvSpPr/>
+          <p:nvPr/>
+        </p:nvSpPr>
+        <p:spPr>
+          <a:xfrm>
+            <a:off x="8239760" y="3778091"/>
+            <a:ext cx="274320" cy="266700"/>
+          </a:xfrm>
+          <a:prstGeom prst="ellipse">
+            <a:avLst/>
+          </a:prstGeom>
+          <a:noFill/>
+          <a:ln w="19050">
+            <a:solidFill>
+              <a:srgbClr val="1DFF5E"/>
+            </a:solidFill>
+          </a:ln>
+        </p:spPr>
+        <p:style>
+          <a:lnRef idx="2">
+            <a:schemeClr val="accent1">
+              <a:shade val="50000"/>
+            </a:schemeClr>
+          </a:lnRef>
+          <a:fillRef idx="1">
+            <a:schemeClr val="accent1"/>
+          </a:fillRef>
+          <a:effectRef idx="0">
+            <a:schemeClr val="accent1"/>
+          </a:effectRef>
+          <a:fontRef idx="minor">
+            <a:schemeClr val="lt1"/>
+          </a:fontRef>
+        </p:style>
+        <p:txBody>
+          <a:bodyPr rtlCol="0" anchor="ctr"/>
+          <a:lstStyle/>
+          <a:p>
+            <a:pPr algn="ctr"/>
+            <a:endParaRPr lang="en-US"/>
+          </a:p>
+        </p:txBody>
+      </p:sp>
+    </p:spTree>
+    <p:extLst>
+      <p:ext uri="{BB962C8B-B14F-4D97-AF65-F5344CB8AC3E}">
+        <p14:creationId xmlns:p14="http://schemas.microsoft.com/office/powerpoint/2010/main" val="2291285242"/>
+      </p:ext>
+    </p:extLst>
+  </p:cSld>
+  <p:clrMapOvr>
+    <a:masterClrMapping/>
+  </p:clrMapOvr>
+</p:sld>
+</file>
+
+<file path=ppt/slides/slide11.xml><?xml version="1.0" encoding="utf-8"?>
+<p:sld xmlns:a="http://schemas.openxmlformats.org/drawingml/2006/main" xmlns:r="http://schemas.openxmlformats.org/officeDocument/2006/relationships" xmlns:p="http://schemas.openxmlformats.org/presentationml/2006/main">
+  <p:cSld>
+    <p:spTree>
+      <p:nvGrpSpPr>
+        <p:cNvPr id="1" name=""/>
+        <p:cNvGrpSpPr/>
+        <p:nvPr/>
+      </p:nvGrpSpPr>
+      <p:grpSpPr>
+        <a:xfrm>
+          <a:off x="0" y="0"/>
+          <a:ext cx="0" cy="0"/>
+          <a:chOff x="0" y="0"/>
+          <a:chExt cx="0" cy="0"/>
+        </a:xfrm>
+      </p:grpSpPr>
       <p:pic>
         <p:nvPicPr>
           <p:cNvPr id="11" name="Picture 10" descr="A close up of a map&#10;&#10;Description generated with very high confidence">
@@ -3721,7 +4100,7 @@
 </p:sld>
 </file>
 
-<file path=ppt/slides/slide11.xml><?xml version="1.0" encoding="utf-8"?>
+<file path=ppt/slides/slide12.xml><?xml version="1.0" encoding="utf-8"?>
 <p:sld xmlns:a="http://schemas.openxmlformats.org/drawingml/2006/main" xmlns:r="http://schemas.openxmlformats.org/officeDocument/2006/relationships" xmlns:p="http://schemas.openxmlformats.org/presentationml/2006/main">
   <p:cSld>
     <p:spTree>
@@ -3888,7 +4267,7 @@
 </p:sld>
 </file>
 
-<file path=ppt/slides/slide12.xml><?xml version="1.0" encoding="utf-8"?>
+<file path=ppt/slides/slide13.xml><?xml version="1.0" encoding="utf-8"?>
 <p:sld xmlns:a="http://schemas.openxmlformats.org/drawingml/2006/main" xmlns:r="http://schemas.openxmlformats.org/officeDocument/2006/relationships" xmlns:p="http://schemas.openxmlformats.org/presentationml/2006/main">
   <p:cSld>
     <p:spTree>
@@ -5125,73 +5504,143 @@
             <a:pPr marL="0" indent="0">
               <a:buNone/>
             </a:pPr>
-            <a:endParaRPr lang="en-CA" sz="2400" dirty="0">
+            <a:endParaRPr lang="en-CA" sz="2400" dirty="0"/>
+          </a:p>
+          <a:p>
+            <a:pPr marL="0" indent="0">
+              <a:buNone/>
+            </a:pPr>
+            <a:r>
+              <a:rPr lang="en-CA" sz="2400" dirty="0">
+                <a:solidFill>
+                  <a:schemeClr val="accent1"/>
+                </a:solidFill>
+              </a:rPr>
+              <a:t>Weakness of baseline VNS</a:t>
+            </a:r>
+          </a:p>
+          <a:p>
+            <a:r>
+              <a:rPr lang="en-CA" sz="2400" dirty="0"/>
+              <a:t>The neighborhood size for </a:t>
+            </a:r>
+            <a:r>
+              <a:rPr lang="en-CA" sz="2400" b="1" dirty="0"/>
+              <a:t>adding/removing tables</a:t>
+            </a:r>
+            <a:r>
+              <a:rPr lang="en-CA" sz="2400" dirty="0"/>
+              <a:t> grows non-linearly. </a:t>
+            </a:r>
+            <a:r>
+              <a:rPr lang="en-CA" sz="2400" dirty="0">
+                <a:solidFill>
+                  <a:schemeClr val="accent2"/>
+                </a:solidFill>
+              </a:rPr>
+              <a:t>E.g.</a:t>
+            </a:r>
+            <a:endParaRPr lang="en-CA" sz="2000" dirty="0">
               <a:solidFill>
-                <a:schemeClr val="accent1">
-                  <a:lumMod val="75000"/>
-                </a:schemeClr>
+                <a:schemeClr val="accent2"/>
               </a:solidFill>
             </a:endParaRPr>
           </a:p>
           <a:p>
-            <a:pPr marL="0" indent="0">
+            <a:pPr marL="0" indent="0" algn="ctr">
               <a:buNone/>
             </a:pPr>
-            <a:endParaRPr lang="en-CA" sz="2400" dirty="0">
-              <a:solidFill>
-                <a:schemeClr val="accent1">
-                  <a:lumMod val="75000"/>
-                </a:schemeClr>
-              </a:solidFill>
-            </a:endParaRPr>
-          </a:p>
-          <a:p>
-            <a:pPr marL="0" indent="0">
-              <a:buNone/>
-            </a:pPr>
-            <a:r>
-              <a:rPr lang="en-CA" sz="2400" dirty="0">
+            <a:r>
+              <a:rPr lang="en-CA" sz="2000" dirty="0">
                 <a:solidFill>
-                  <a:schemeClr val="accent1">
-                    <a:lumMod val="75000"/>
-                  </a:schemeClr>
+                  <a:schemeClr val="accent2"/>
                 </a:solidFill>
               </a:rPr>
-              <a:t>Idea</a:t>
+              <a:t>Adding 1 table: 4 neighbors</a:t>
+            </a:r>
+          </a:p>
+          <a:p>
+            <a:pPr marL="0" indent="0" algn="ctr">
+              <a:buNone/>
+            </a:pPr>
+            <a:r>
+              <a:rPr lang="en-CA" sz="2000" dirty="0">
+                <a:solidFill>
+                  <a:schemeClr val="accent2"/>
+                </a:solidFill>
+              </a:rPr>
+              <a:t>Adding 2 tables: 4</a:t>
+            </a:r>
+            <a:r>
+              <a:rPr lang="en-CA" sz="2000" baseline="30000" dirty="0">
+                <a:solidFill>
+                  <a:schemeClr val="accent2"/>
+                </a:solidFill>
+              </a:rPr>
+              <a:t>2</a:t>
+            </a:r>
+            <a:r>
+              <a:rPr lang="en-CA" sz="2000" dirty="0">
+                <a:solidFill>
+                  <a:schemeClr val="accent2"/>
+                </a:solidFill>
+              </a:rPr>
+              <a:t> neighbors</a:t>
+            </a:r>
+          </a:p>
+          <a:p>
+            <a:pPr marL="0" indent="0" algn="ctr">
+              <a:buNone/>
+            </a:pPr>
+            <a:r>
+              <a:rPr lang="en-CA" sz="2000" dirty="0">
+                <a:solidFill>
+                  <a:schemeClr val="accent2"/>
+                </a:solidFill>
+              </a:rPr>
+              <a:t>Adding 3 tables: 4</a:t>
+            </a:r>
+            <a:r>
+              <a:rPr lang="en-CA" sz="2000" baseline="30000" dirty="0">
+                <a:solidFill>
+                  <a:schemeClr val="accent2"/>
+                </a:solidFill>
+              </a:rPr>
+              <a:t>3</a:t>
+            </a:r>
+            <a:r>
+              <a:rPr lang="en-CA" sz="2000" dirty="0">
+                <a:solidFill>
+                  <a:schemeClr val="accent2"/>
+                </a:solidFill>
+              </a:rPr>
+              <a:t> neighbors</a:t>
+            </a:r>
+          </a:p>
+          <a:p>
+            <a:pPr marL="0" indent="0" algn="ctr">
+              <a:buNone/>
+            </a:pPr>
+            <a:r>
+              <a:rPr lang="en-CA" sz="2000" dirty="0">
+                <a:solidFill>
+                  <a:schemeClr val="accent2"/>
+                </a:solidFill>
+              </a:rPr>
+              <a:t>…</a:t>
             </a:r>
           </a:p>
           <a:p>
             <a:r>
               <a:rPr lang="en-CA" sz="2400" dirty="0"/>
-              <a:t>The new restaurant can have anywhere from 200 to 400 seats. </a:t>
+              <a:t>Costly to check a sufficiently large number of neighbors.</a:t>
             </a:r>
           </a:p>
           <a:p>
             <a:r>
               <a:rPr lang="en-CA" sz="2400" dirty="0"/>
-              <a:t>Successively narrow this interval by optimizing mean profit at discrete points.</a:t>
-            </a:r>
-          </a:p>
-          <a:p>
-            <a:r>
-              <a:rPr lang="en-CA" sz="2400" dirty="0"/>
-              <a:t>In the beginning, use a greedy heuristic to quickly narrow down the interval.</a:t>
-            </a:r>
-          </a:p>
-          <a:p>
-            <a:r>
-              <a:rPr lang="en-CA" sz="2400" dirty="0"/>
-              <a:t>When the interval becomes “small enough”, use VNS.</a:t>
-            </a:r>
-          </a:p>
-          <a:p>
-            <a:r>
-              <a:rPr lang="en-CA" sz="2400" dirty="0"/>
-              <a:t>Works only for unimodal functions.</a:t>
-            </a:r>
-          </a:p>
-          <a:p>
-            <a:endParaRPr lang="en-CA" sz="2400" dirty="0"/>
+              <a:t>Limiting the neighborhood size will likely lead to suboptimal profit.</a:t>
+            </a:r>
           </a:p>
         </p:txBody>
       </p:sp>
@@ -5233,35 +5682,54 @@
       </p:pic>
       <p:sp>
         <p:nvSpPr>
-          <p:cNvPr id="7" name="Title 1">
+          <p:cNvPr id="8" name="Title 1">
             <a:extLst>
               <a:ext uri="{FF2B5EF4-FFF2-40B4-BE49-F238E27FC236}">
-                <a16:creationId xmlns:a16="http://schemas.microsoft.com/office/drawing/2014/main" id="{DF83123F-FFF6-4EB8-AA6C-703D18DCBD9D}"/>
+                <a16:creationId xmlns:a16="http://schemas.microsoft.com/office/drawing/2014/main" id="{3C0D5108-0220-49D1-BFA7-E8863D4F1E1D}"/>
               </a:ext>
             </a:extLst>
           </p:cNvPr>
-          <p:cNvSpPr>
-            <a:spLocks noGrp="1"/>
-          </p:cNvSpPr>
-          <p:nvPr>
-            <p:ph type="title"/>
-          </p:nvPr>
+          <p:cNvSpPr txBox="1">
+            <a:spLocks/>
+          </p:cNvSpPr>
+          <p:nvPr/>
         </p:nvSpPr>
         <p:spPr>
           <a:xfrm>
             <a:off x="838200" y="365125"/>
             <a:ext cx="10515600" cy="762635"/>
           </a:xfrm>
-        </p:spPr>
-        <p:txBody>
-          <a:bodyPr>
+          <a:prstGeom prst="rect">
+            <a:avLst/>
+          </a:prstGeom>
+        </p:spPr>
+        <p:txBody>
+          <a:bodyPr vert="horz" lIns="91440" tIns="45720" rIns="91440" bIns="45720" rtlCol="0" anchor="ctr">
             <a:normAutofit/>
           </a:bodyPr>
-          <a:lstStyle/>
+          <a:lstStyle>
+            <a:lvl1pPr algn="l" defTabSz="914400" rtl="0" eaLnBrk="1" latinLnBrk="0" hangingPunct="1">
+              <a:lnSpc>
+                <a:spcPct val="90000"/>
+              </a:lnSpc>
+              <a:spcBef>
+                <a:spcPct val="0"/>
+              </a:spcBef>
+              <a:buNone/>
+              <a:defRPr sz="4400" kern="1200">
+                <a:solidFill>
+                  <a:schemeClr val="tx1"/>
+                </a:solidFill>
+                <a:latin typeface="+mj-lt"/>
+                <a:ea typeface="+mj-ea"/>
+                <a:cs typeface="+mj-cs"/>
+              </a:defRPr>
+            </a:lvl1pPr>
+          </a:lstStyle>
           <a:p>
             <a:r>
               <a:rPr lang="en-CA" sz="3600" dirty="0"/>
-              <a:t>Golden Section Method</a:t>
+              <a:t>Reducing the Neighborhood Size</a:t>
             </a:r>
             <a:endParaRPr lang="en-US" sz="3600" dirty="0"/>
           </a:p>
@@ -5270,7 +5738,7 @@
     </p:spTree>
     <p:extLst>
       <p:ext uri="{BB962C8B-B14F-4D97-AF65-F5344CB8AC3E}">
-        <p14:creationId xmlns:p14="http://schemas.microsoft.com/office/powerpoint/2010/main" val="4093437447"/>
+        <p14:creationId xmlns:p14="http://schemas.microsoft.com/office/powerpoint/2010/main" val="3678772537"/>
       </p:ext>
     </p:extLst>
   </p:cSld>
@@ -5360,173 +5828,38 @@
                   </a:schemeClr>
                 </a:solidFill>
               </a:rPr>
-              <a:t>Conditions</a:t>
+              <a:t>Idea</a:t>
             </a:r>
           </a:p>
           <a:p>
             <a:r>
               <a:rPr lang="en-CA" sz="2400" dirty="0"/>
-              <a:t>Mean profit as a function of number of seats must be concave.</a:t>
+              <a:t>The new restaurant can have anywhere from 200 to 400 seats. </a:t>
             </a:r>
           </a:p>
           <a:p>
             <a:r>
               <a:rPr lang="en-CA" sz="2400" dirty="0"/>
-              <a:t>In the interval that greedy heuristic eliminates, its results must be consistent with the results of VNS. </a:t>
-            </a:r>
-          </a:p>
-          <a:p>
-            <a:pPr marL="0" indent="0" algn="ctr">
-              <a:buNone/>
-            </a:pPr>
-            <a:r>
-              <a:rPr lang="en-CA" sz="2400" i="1" dirty="0"/>
-              <a:t>e.g. </a:t>
-            </a:r>
-            <a:r>
-              <a:rPr lang="en-CA" sz="2400" i="1" dirty="0" err="1">
-                <a:solidFill>
-                  <a:schemeClr val="accent6">
-                    <a:lumMod val="75000"/>
-                  </a:schemeClr>
-                </a:solidFill>
-              </a:rPr>
-              <a:t>f</a:t>
-            </a:r>
-            <a:r>
-              <a:rPr lang="en-CA" sz="2400" i="1" baseline="-25000" dirty="0" err="1">
-                <a:solidFill>
-                  <a:schemeClr val="accent6">
-                    <a:lumMod val="75000"/>
-                  </a:schemeClr>
-                </a:solidFill>
-              </a:rPr>
-              <a:t>greedy</a:t>
-            </a:r>
-            <a:r>
-              <a:rPr lang="en-CA" sz="2400" dirty="0">
-                <a:solidFill>
-                  <a:schemeClr val="accent6">
-                    <a:lumMod val="75000"/>
-                  </a:schemeClr>
-                </a:solidFill>
-              </a:rPr>
-              <a:t>(300) &gt; </a:t>
-            </a:r>
-            <a:r>
-              <a:rPr lang="en-CA" sz="2400" i="1" dirty="0" err="1">
-                <a:solidFill>
-                  <a:schemeClr val="accent6">
-                    <a:lumMod val="75000"/>
-                  </a:schemeClr>
-                </a:solidFill>
-              </a:rPr>
-              <a:t>f</a:t>
-            </a:r>
-            <a:r>
-              <a:rPr lang="en-CA" sz="2400" i="1" baseline="-25000" dirty="0" err="1">
-                <a:solidFill>
-                  <a:schemeClr val="accent6">
-                    <a:lumMod val="75000"/>
-                  </a:schemeClr>
-                </a:solidFill>
-              </a:rPr>
-              <a:t>greedy</a:t>
-            </a:r>
-            <a:r>
-              <a:rPr lang="en-CA" sz="2400" dirty="0">
-                <a:solidFill>
-                  <a:schemeClr val="accent6">
-                    <a:lumMod val="75000"/>
-                  </a:schemeClr>
-                </a:solidFill>
-              </a:rPr>
-              <a:t>(350) </a:t>
-            </a:r>
-            <a:r>
-              <a:rPr lang="en-CA" sz="2400" dirty="0">
-                <a:solidFill>
-                  <a:schemeClr val="accent6">
-                    <a:lumMod val="75000"/>
-                  </a:schemeClr>
-                </a:solidFill>
-                <a:sym typeface="Wingdings" panose="05000000000000000000" pitchFamily="2" charset="2"/>
-              </a:rPr>
-              <a:t> </a:t>
-            </a:r>
-            <a:r>
-              <a:rPr lang="en-CA" sz="2400" i="1" dirty="0" err="1">
-                <a:solidFill>
-                  <a:schemeClr val="accent6">
-                    <a:lumMod val="75000"/>
-                  </a:schemeClr>
-                </a:solidFill>
-                <a:sym typeface="Wingdings" panose="05000000000000000000" pitchFamily="2" charset="2"/>
-              </a:rPr>
-              <a:t>f</a:t>
-            </a:r>
-            <a:r>
-              <a:rPr lang="en-CA" sz="2400" i="1" baseline="-25000" dirty="0" err="1">
-                <a:solidFill>
-                  <a:schemeClr val="accent6">
-                    <a:lumMod val="75000"/>
-                  </a:schemeClr>
-                </a:solidFill>
-                <a:sym typeface="Wingdings" panose="05000000000000000000" pitchFamily="2" charset="2"/>
-              </a:rPr>
-              <a:t>VNS</a:t>
-            </a:r>
-            <a:r>
-              <a:rPr lang="en-CA" sz="2400" dirty="0">
-                <a:solidFill>
-                  <a:schemeClr val="accent6">
-                    <a:lumMod val="75000"/>
-                  </a:schemeClr>
-                </a:solidFill>
-                <a:sym typeface="Wingdings" panose="05000000000000000000" pitchFamily="2" charset="2"/>
-              </a:rPr>
-              <a:t>(300) &gt; </a:t>
-            </a:r>
-            <a:r>
-              <a:rPr lang="en-CA" sz="2400" i="1" dirty="0" err="1">
-                <a:solidFill>
-                  <a:schemeClr val="accent6">
-                    <a:lumMod val="75000"/>
-                  </a:schemeClr>
-                </a:solidFill>
-                <a:sym typeface="Wingdings" panose="05000000000000000000" pitchFamily="2" charset="2"/>
-              </a:rPr>
-              <a:t>f</a:t>
-            </a:r>
-            <a:r>
-              <a:rPr lang="en-CA" sz="2400" i="1" baseline="-25000" dirty="0" err="1">
-                <a:solidFill>
-                  <a:schemeClr val="accent6">
-                    <a:lumMod val="75000"/>
-                  </a:schemeClr>
-                </a:solidFill>
-                <a:sym typeface="Wingdings" panose="05000000000000000000" pitchFamily="2" charset="2"/>
-              </a:rPr>
-              <a:t>VNS</a:t>
-            </a:r>
-            <a:r>
-              <a:rPr lang="en-CA" sz="2400" dirty="0">
-                <a:solidFill>
-                  <a:schemeClr val="accent6">
-                    <a:lumMod val="75000"/>
-                  </a:schemeClr>
-                </a:solidFill>
-                <a:sym typeface="Wingdings" panose="05000000000000000000" pitchFamily="2" charset="2"/>
-              </a:rPr>
-              <a:t>(350)</a:t>
-            </a:r>
-            <a:endParaRPr lang="en-CA" sz="2400" dirty="0"/>
-          </a:p>
-          <a:p>
-            <a:endParaRPr lang="en-CA" sz="2400" dirty="0"/>
-          </a:p>
-          <a:p>
-            <a:endParaRPr lang="en-CA" sz="2400" dirty="0"/>
+              <a:t>Successively narrow this interval by optimizing mean profit at discrete points.</a:t>
+            </a:r>
+          </a:p>
+          <a:p>
+            <a:r>
+              <a:rPr lang="en-CA" sz="2400" dirty="0"/>
+              <a:t>In the beginning, use a greedy heuristic to quickly narrow down the interval.</a:t>
+            </a:r>
+          </a:p>
+          <a:p>
+            <a:r>
+              <a:rPr lang="en-CA" sz="2400" dirty="0"/>
+              <a:t>When the interval becomes “small enough”, use VNS.</a:t>
+            </a:r>
+          </a:p>
+          <a:p>
+            <a:r>
+              <a:rPr lang="en-CA" sz="2400" dirty="0"/>
+              <a:t>We can eliminate the neighborhood structure for adding/removing tables.</a:t>
+            </a:r>
           </a:p>
         </p:txBody>
       </p:sp>
@@ -5605,7 +5938,7 @@
     </p:spTree>
     <p:extLst>
       <p:ext uri="{BB962C8B-B14F-4D97-AF65-F5344CB8AC3E}">
-        <p14:creationId xmlns:p14="http://schemas.microsoft.com/office/powerpoint/2010/main" val="3961735586"/>
+        <p14:creationId xmlns:p14="http://schemas.microsoft.com/office/powerpoint/2010/main" val="4093437447"/>
       </p:ext>
     </p:extLst>
   </p:cSld>
@@ -5675,6 +6008,194 @@
             <a:pPr marL="0" indent="0">
               <a:buNone/>
             </a:pPr>
+            <a:endParaRPr lang="en-CA" sz="2400" dirty="0">
+              <a:solidFill>
+                <a:schemeClr val="accent1">
+                  <a:lumMod val="75000"/>
+                </a:schemeClr>
+              </a:solidFill>
+            </a:endParaRPr>
+          </a:p>
+          <a:p>
+            <a:pPr marL="0" indent="0">
+              <a:buNone/>
+            </a:pPr>
+            <a:r>
+              <a:rPr lang="en-CA" sz="2400" dirty="0">
+                <a:solidFill>
+                  <a:schemeClr val="accent1">
+                    <a:lumMod val="75000"/>
+                  </a:schemeClr>
+                </a:solidFill>
+              </a:rPr>
+              <a:t>Conditions</a:t>
+            </a:r>
+          </a:p>
+          <a:p>
+            <a:r>
+              <a:rPr lang="en-CA" sz="2400" dirty="0"/>
+              <a:t>Mean profit as a function of number of seats must be concave </a:t>
+            </a:r>
+            <a:r>
+              <a:rPr lang="en-CA" sz="2400"/>
+              <a:t>(unimodal).</a:t>
+            </a:r>
+            <a:endParaRPr lang="en-CA" sz="2400" dirty="0"/>
+          </a:p>
+          <a:p>
+            <a:r>
+              <a:rPr lang="en-CA" sz="2400" dirty="0"/>
+              <a:t>In the interval that greedy heuristic eliminates, its results must be consistent with the results of VNS. </a:t>
+            </a:r>
+          </a:p>
+          <a:p>
+            <a:pPr marL="0" indent="0" algn="ctr">
+              <a:buNone/>
+            </a:pPr>
+            <a:r>
+              <a:rPr lang="en-CA" sz="2400" i="1" dirty="0"/>
+              <a:t>e.g. </a:t>
+            </a:r>
+            <a:r>
+              <a:rPr lang="en-CA" sz="2400" i="1" dirty="0" err="1">
+                <a:solidFill>
+                  <a:schemeClr val="accent6">
+                    <a:lumMod val="75000"/>
+                  </a:schemeClr>
+                </a:solidFill>
+              </a:rPr>
+              <a:t>f</a:t>
+            </a:r>
+            <a:r>
+              <a:rPr lang="en-CA" sz="2400" i="1" baseline="-25000" dirty="0" err="1">
+                <a:solidFill>
+                  <a:schemeClr val="accent6">
+                    <a:lumMod val="75000"/>
+                  </a:schemeClr>
+                </a:solidFill>
+              </a:rPr>
+              <a:t>greedy</a:t>
+            </a:r>
+            <a:r>
+              <a:rPr lang="en-CA" sz="2400" dirty="0">
+                <a:solidFill>
+                  <a:schemeClr val="accent6">
+                    <a:lumMod val="75000"/>
+                  </a:schemeClr>
+                </a:solidFill>
+              </a:rPr>
+              <a:t>(300) &gt; </a:t>
+            </a:r>
+            <a:r>
+              <a:rPr lang="en-CA" sz="2400" i="1" dirty="0" err="1">
+                <a:solidFill>
+                  <a:schemeClr val="accent6">
+                    <a:lumMod val="75000"/>
+                  </a:schemeClr>
+                </a:solidFill>
+              </a:rPr>
+              <a:t>f</a:t>
+            </a:r>
+            <a:r>
+              <a:rPr lang="en-CA" sz="2400" i="1" baseline="-25000" dirty="0" err="1">
+                <a:solidFill>
+                  <a:schemeClr val="accent6">
+                    <a:lumMod val="75000"/>
+                  </a:schemeClr>
+                </a:solidFill>
+              </a:rPr>
+              <a:t>greedy</a:t>
+            </a:r>
+            <a:r>
+              <a:rPr lang="en-CA" sz="2400" dirty="0">
+                <a:solidFill>
+                  <a:schemeClr val="accent6">
+                    <a:lumMod val="75000"/>
+                  </a:schemeClr>
+                </a:solidFill>
+              </a:rPr>
+              <a:t>(350) </a:t>
+            </a:r>
+            <a:r>
+              <a:rPr lang="en-CA" sz="2400" dirty="0">
+                <a:solidFill>
+                  <a:schemeClr val="accent6">
+                    <a:lumMod val="75000"/>
+                  </a:schemeClr>
+                </a:solidFill>
+                <a:sym typeface="Wingdings" panose="05000000000000000000" pitchFamily="2" charset="2"/>
+              </a:rPr>
+              <a:t> </a:t>
+            </a:r>
+            <a:r>
+              <a:rPr lang="en-CA" sz="2400" i="1" dirty="0" err="1">
+                <a:solidFill>
+                  <a:schemeClr val="accent6">
+                    <a:lumMod val="75000"/>
+                  </a:schemeClr>
+                </a:solidFill>
+                <a:sym typeface="Wingdings" panose="05000000000000000000" pitchFamily="2" charset="2"/>
+              </a:rPr>
+              <a:t>f</a:t>
+            </a:r>
+            <a:r>
+              <a:rPr lang="en-CA" sz="2400" i="1" baseline="-25000" dirty="0" err="1">
+                <a:solidFill>
+                  <a:schemeClr val="accent6">
+                    <a:lumMod val="75000"/>
+                  </a:schemeClr>
+                </a:solidFill>
+                <a:sym typeface="Wingdings" panose="05000000000000000000" pitchFamily="2" charset="2"/>
+              </a:rPr>
+              <a:t>VNS</a:t>
+            </a:r>
+            <a:r>
+              <a:rPr lang="en-CA" sz="2400" dirty="0">
+                <a:solidFill>
+                  <a:schemeClr val="accent6">
+                    <a:lumMod val="75000"/>
+                  </a:schemeClr>
+                </a:solidFill>
+                <a:sym typeface="Wingdings" panose="05000000000000000000" pitchFamily="2" charset="2"/>
+              </a:rPr>
+              <a:t>(300) &gt; </a:t>
+            </a:r>
+            <a:r>
+              <a:rPr lang="en-CA" sz="2400" i="1" dirty="0" err="1">
+                <a:solidFill>
+                  <a:schemeClr val="accent6">
+                    <a:lumMod val="75000"/>
+                  </a:schemeClr>
+                </a:solidFill>
+                <a:sym typeface="Wingdings" panose="05000000000000000000" pitchFamily="2" charset="2"/>
+              </a:rPr>
+              <a:t>f</a:t>
+            </a:r>
+            <a:r>
+              <a:rPr lang="en-CA" sz="2400" i="1" baseline="-25000" dirty="0" err="1">
+                <a:solidFill>
+                  <a:schemeClr val="accent6">
+                    <a:lumMod val="75000"/>
+                  </a:schemeClr>
+                </a:solidFill>
+                <a:sym typeface="Wingdings" panose="05000000000000000000" pitchFamily="2" charset="2"/>
+              </a:rPr>
+              <a:t>VNS</a:t>
+            </a:r>
+            <a:r>
+              <a:rPr lang="en-CA" sz="2400" dirty="0">
+                <a:solidFill>
+                  <a:schemeClr val="accent6">
+                    <a:lumMod val="75000"/>
+                  </a:schemeClr>
+                </a:solidFill>
+                <a:sym typeface="Wingdings" panose="05000000000000000000" pitchFamily="2" charset="2"/>
+              </a:rPr>
+              <a:t>(350)</a:t>
+            </a:r>
+            <a:endParaRPr lang="en-CA" sz="2400" dirty="0"/>
+          </a:p>
+          <a:p>
             <a:endParaRPr lang="en-CA" sz="2400" dirty="0"/>
           </a:p>
           <a:p>
@@ -5754,82 +6275,10 @@
           </a:p>
         </p:txBody>
       </p:sp>
-      <p:pic>
-        <p:nvPicPr>
-          <p:cNvPr id="4" name="Picture 3" descr="A close up of a map&#10;&#10;Description generated with very high confidence">
-            <a:extLst>
-              <a:ext uri="{FF2B5EF4-FFF2-40B4-BE49-F238E27FC236}">
-                <a16:creationId xmlns:a16="http://schemas.microsoft.com/office/drawing/2014/main" id="{6F7F02D7-F0E8-4ACF-B7CC-959B5D7282D2}"/>
-              </a:ext>
-            </a:extLst>
-          </p:cNvPr>
-          <p:cNvPicPr>
-            <a:picLocks noChangeAspect="1"/>
-          </p:cNvPicPr>
-          <p:nvPr/>
-        </p:nvPicPr>
-        <p:blipFill>
-          <a:blip r:embed="rId3">
-            <a:extLst>
-              <a:ext uri="{28A0092B-C50C-407E-A947-70E740481C1C}">
-                <a14:useLocalDpi xmlns:a14="http://schemas.microsoft.com/office/drawing/2010/main" val="0"/>
-              </a:ext>
-            </a:extLst>
-          </a:blip>
-          <a:stretch>
-            <a:fillRect/>
-          </a:stretch>
-        </p:blipFill>
-        <p:spPr>
-          <a:xfrm>
-            <a:off x="778721" y="1658381"/>
-            <a:ext cx="5317279" cy="3987959"/>
-          </a:xfrm>
-          <a:prstGeom prst="rect">
-            <a:avLst/>
-          </a:prstGeom>
-        </p:spPr>
-      </p:pic>
-      <p:pic>
-        <p:nvPicPr>
-          <p:cNvPr id="8" name="Picture 7" descr="A close up of a map&#10;&#10;Description generated with very high confidence">
-            <a:extLst>
-              <a:ext uri="{FF2B5EF4-FFF2-40B4-BE49-F238E27FC236}">
-                <a16:creationId xmlns:a16="http://schemas.microsoft.com/office/drawing/2014/main" id="{CF3EF8CE-D7AB-4D17-A165-93D49F443CCF}"/>
-              </a:ext>
-            </a:extLst>
-          </p:cNvPr>
-          <p:cNvPicPr>
-            <a:picLocks noChangeAspect="1"/>
-          </p:cNvPicPr>
-          <p:nvPr/>
-        </p:nvPicPr>
-        <p:blipFill>
-          <a:blip r:embed="rId4">
-            <a:extLst>
-              <a:ext uri="{28A0092B-C50C-407E-A947-70E740481C1C}">
-                <a14:useLocalDpi xmlns:a14="http://schemas.microsoft.com/office/drawing/2010/main" val="0"/>
-              </a:ext>
-            </a:extLst>
-          </a:blip>
-          <a:stretch>
-            <a:fillRect/>
-          </a:stretch>
-        </p:blipFill>
-        <p:spPr>
-          <a:xfrm>
-            <a:off x="6200352" y="1697512"/>
-            <a:ext cx="5212927" cy="3909695"/>
-          </a:xfrm>
-          <a:prstGeom prst="rect">
-            <a:avLst/>
-          </a:prstGeom>
-        </p:spPr>
-      </p:pic>
     </p:spTree>
     <p:extLst>
       <p:ext uri="{BB962C8B-B14F-4D97-AF65-F5344CB8AC3E}">
-        <p14:creationId xmlns:p14="http://schemas.microsoft.com/office/powerpoint/2010/main" val="2306792197"/>
+        <p14:creationId xmlns:p14="http://schemas.microsoft.com/office/powerpoint/2010/main" val="3961735586"/>
       </p:ext>
     </p:extLst>
   </p:cSld>
@@ -6050,60 +6499,10 @@
           </a:prstGeom>
         </p:spPr>
       </p:pic>
-      <p:sp>
-        <p:nvSpPr>
-          <p:cNvPr id="9" name="Rectangle: Rounded Corners 8">
-            <a:extLst>
-              <a:ext uri="{FF2B5EF4-FFF2-40B4-BE49-F238E27FC236}">
-                <a16:creationId xmlns:a16="http://schemas.microsoft.com/office/drawing/2014/main" id="{86EF7A26-F32C-42F4-BCE7-73FD5B42F8FC}"/>
-              </a:ext>
-            </a:extLst>
-          </p:cNvPr>
-          <p:cNvSpPr/>
-          <p:nvPr/>
-        </p:nvSpPr>
-        <p:spPr>
-          <a:xfrm>
-            <a:off x="2489200" y="2438400"/>
-            <a:ext cx="3413760" cy="2407920"/>
-          </a:xfrm>
-          <a:prstGeom prst="roundRect">
-            <a:avLst/>
-          </a:prstGeom>
-          <a:noFill/>
-          <a:ln w="19050">
-            <a:solidFill>
-              <a:srgbClr val="FF0000"/>
-            </a:solidFill>
-          </a:ln>
-        </p:spPr>
-        <p:style>
-          <a:lnRef idx="2">
-            <a:schemeClr val="accent6"/>
-          </a:lnRef>
-          <a:fillRef idx="1">
-            <a:schemeClr val="lt1"/>
-          </a:fillRef>
-          <a:effectRef idx="0">
-            <a:schemeClr val="accent6"/>
-          </a:effectRef>
-          <a:fontRef idx="minor">
-            <a:schemeClr val="dk1"/>
-          </a:fontRef>
-        </p:style>
-        <p:txBody>
-          <a:bodyPr rtlCol="0" anchor="ctr"/>
-          <a:lstStyle/>
-          <a:p>
-            <a:pPr algn="ctr"/>
-            <a:endParaRPr lang="en-US"/>
-          </a:p>
-        </p:txBody>
-      </p:sp>
     </p:spTree>
     <p:extLst>
       <p:ext uri="{BB962C8B-B14F-4D97-AF65-F5344CB8AC3E}">
-        <p14:creationId xmlns:p14="http://schemas.microsoft.com/office/powerpoint/2010/main" val="4200179265"/>
+        <p14:creationId xmlns:p14="http://schemas.microsoft.com/office/powerpoint/2010/main" val="2306792197"/>
       </p:ext>
     </p:extLst>
   </p:cSld>
@@ -6374,114 +6773,10 @@
           </a:p>
         </p:txBody>
       </p:sp>
-      <p:sp>
-        <p:nvSpPr>
-          <p:cNvPr id="15" name="Oval 14">
-            <a:extLst>
-              <a:ext uri="{FF2B5EF4-FFF2-40B4-BE49-F238E27FC236}">
-                <a16:creationId xmlns:a16="http://schemas.microsoft.com/office/drawing/2014/main" id="{0CFD1252-8AB0-404E-BF86-F6F20545BFE3}"/>
-              </a:ext>
-            </a:extLst>
-          </p:cNvPr>
-          <p:cNvSpPr/>
-          <p:nvPr/>
-        </p:nvSpPr>
-        <p:spPr>
-          <a:xfrm>
-            <a:off x="8239760" y="2438400"/>
-            <a:ext cx="274320" cy="266700"/>
-          </a:xfrm>
-          <a:prstGeom prst="ellipse">
-            <a:avLst/>
-          </a:prstGeom>
-          <a:noFill/>
-          <a:ln w="19050">
-            <a:solidFill>
-              <a:srgbClr val="1DFF5E"/>
-            </a:solidFill>
-          </a:ln>
-        </p:spPr>
-        <p:style>
-          <a:lnRef idx="2">
-            <a:schemeClr val="accent1">
-              <a:shade val="50000"/>
-            </a:schemeClr>
-          </a:lnRef>
-          <a:fillRef idx="1">
-            <a:schemeClr val="accent1"/>
-          </a:fillRef>
-          <a:effectRef idx="0">
-            <a:schemeClr val="accent1"/>
-          </a:effectRef>
-          <a:fontRef idx="minor">
-            <a:schemeClr val="lt1"/>
-          </a:fontRef>
-        </p:style>
-        <p:txBody>
-          <a:bodyPr rtlCol="0" anchor="ctr"/>
-          <a:lstStyle/>
-          <a:p>
-            <a:pPr algn="ctr"/>
-            <a:endParaRPr lang="en-US"/>
-          </a:p>
-        </p:txBody>
-      </p:sp>
-      <p:sp>
-        <p:nvSpPr>
-          <p:cNvPr id="16" name="Oval 15">
-            <a:extLst>
-              <a:ext uri="{FF2B5EF4-FFF2-40B4-BE49-F238E27FC236}">
-                <a16:creationId xmlns:a16="http://schemas.microsoft.com/office/drawing/2014/main" id="{8A6D520A-E7A6-4F09-8D27-844FBFAB895C}"/>
-              </a:ext>
-            </a:extLst>
-          </p:cNvPr>
-          <p:cNvSpPr/>
-          <p:nvPr/>
-        </p:nvSpPr>
-        <p:spPr>
-          <a:xfrm>
-            <a:off x="8239760" y="3778091"/>
-            <a:ext cx="274320" cy="266700"/>
-          </a:xfrm>
-          <a:prstGeom prst="ellipse">
-            <a:avLst/>
-          </a:prstGeom>
-          <a:noFill/>
-          <a:ln w="19050">
-            <a:solidFill>
-              <a:srgbClr val="1DFF5E"/>
-            </a:solidFill>
-          </a:ln>
-        </p:spPr>
-        <p:style>
-          <a:lnRef idx="2">
-            <a:schemeClr val="accent1">
-              <a:shade val="50000"/>
-            </a:schemeClr>
-          </a:lnRef>
-          <a:fillRef idx="1">
-            <a:schemeClr val="accent1"/>
-          </a:fillRef>
-          <a:effectRef idx="0">
-            <a:schemeClr val="accent1"/>
-          </a:effectRef>
-          <a:fontRef idx="minor">
-            <a:schemeClr val="lt1"/>
-          </a:fontRef>
-        </p:style>
-        <p:txBody>
-          <a:bodyPr rtlCol="0" anchor="ctr"/>
-          <a:lstStyle/>
-          <a:p>
-            <a:pPr algn="ctr"/>
-            <a:endParaRPr lang="en-US"/>
-          </a:p>
-        </p:txBody>
-      </p:sp>
     </p:spTree>
     <p:extLst>
       <p:ext uri="{BB962C8B-B14F-4D97-AF65-F5344CB8AC3E}">
-        <p14:creationId xmlns:p14="http://schemas.microsoft.com/office/powerpoint/2010/main" val="2291285242"/>
+        <p14:creationId xmlns:p14="http://schemas.microsoft.com/office/powerpoint/2010/main" val="4200179265"/>
       </p:ext>
     </p:extLst>
   </p:cSld>

--- a/Presentation.pptx
+++ b/Presentation.pptx
@@ -18,6 +18,7 @@
     <p:sldId id="270" r:id="rId12"/>
     <p:sldId id="260" r:id="rId13"/>
     <p:sldId id="272" r:id="rId14"/>
+    <p:sldId id="274" r:id="rId15"/>
   </p:sldIdLst>
   <p:sldSz cx="12192000" cy="6858000"/>
   <p:notesSz cx="6858000" cy="9144000"/>
@@ -4441,14 +4442,14 @@
           <p:nvPr>
             <p:extLst>
               <p:ext uri="{D42A27DB-BD31-4B8C-83A1-F6EECF244321}">
-                <p14:modId xmlns:p14="http://schemas.microsoft.com/office/powerpoint/2010/main" val="357419482"/>
+                <p14:modId xmlns:p14="http://schemas.microsoft.com/office/powerpoint/2010/main" val="532599029"/>
               </p:ext>
             </p:extLst>
           </p:nvPr>
         </p:nvGraphicFramePr>
         <p:xfrm>
-          <a:off x="838200" y="1922618"/>
-          <a:ext cx="3185160" cy="4254345"/>
+          <a:off x="3709669" y="1587655"/>
+          <a:ext cx="4772661" cy="4254345"/>
         </p:xfrm>
         <a:graphic>
           <a:graphicData uri="http://schemas.openxmlformats.org/drawingml/2006/table">
@@ -4457,14 +4458,21 @@
                 <a:tableStyleId>{5C22544A-7EE6-4342-B048-85BDC9FD1C3A}</a:tableStyleId>
               </a:tblPr>
               <a:tblGrid>
-                <a:gridCol w="1592580">
+                <a:gridCol w="1219200">
+                  <a:extLst>
+                    <a:ext uri="{9D8B030D-6E8A-4147-A177-3AD203B41FA5}">
+                      <a16:colId xmlns:a16="http://schemas.microsoft.com/office/drawing/2014/main" val="3421574665"/>
+                    </a:ext>
+                  </a:extLst>
+                </a:gridCol>
+                <a:gridCol w="1706880">
                   <a:extLst>
                     <a:ext uri="{9D8B030D-6E8A-4147-A177-3AD203B41FA5}">
                       <a16:colId xmlns:a16="http://schemas.microsoft.com/office/drawing/2014/main" val="1605159683"/>
                     </a:ext>
                   </a:extLst>
                 </a:gridCol>
-                <a:gridCol w="1592580">
+                <a:gridCol w="1846581">
                   <a:extLst>
                     <a:ext uri="{9D8B030D-6E8A-4147-A177-3AD203B41FA5}">
                       <a16:colId xmlns:a16="http://schemas.microsoft.com/office/drawing/2014/main" val="3215839801"/>
@@ -4481,12 +4489,27 @@
                       <a:pPr algn="ctr"/>
                       <a:r>
                         <a:rPr lang="en-CA" sz="1600" dirty="0"/>
+                        <a:t>Iteration</a:t>
+                      </a:r>
+                      <a:endParaRPr lang="en-US" sz="1600" dirty="0"/>
+                    </a:p>
+                  </a:txBody>
+                  <a:tcPr anchor="ctr"/>
+                </a:tc>
+                <a:tc>
+                  <a:txBody>
+                    <a:bodyPr/>
+                    <a:lstStyle/>
+                    <a:p>
+                      <a:pPr algn="ctr"/>
+                      <a:r>
+                        <a:rPr lang="en-CA" sz="1600" dirty="0"/>
                         <a:t>Left Extreme</a:t>
                       </a:r>
                       <a:endParaRPr lang="en-US" sz="1600" dirty="0"/>
                     </a:p>
                   </a:txBody>
-                  <a:tcPr/>
+                  <a:tcPr anchor="ctr"/>
                 </a:tc>
                 <a:tc>
                   <a:txBody>
@@ -4501,7 +4524,7 @@
                       <a:endParaRPr lang="en-US" sz="1600" dirty="0"/>
                     </a:p>
                   </a:txBody>
-                  <a:tcPr/>
+                  <a:tcPr anchor="ctr"/>
                 </a:tc>
                 <a:extLst>
                   <a:ext uri="{0D108BD9-81ED-4DB2-BD59-A6C34878D82A}">
@@ -4518,12 +4541,27 @@
                       <a:pPr algn="ctr"/>
                       <a:r>
                         <a:rPr lang="en-CA" sz="1600" dirty="0"/>
+                        <a:t>1</a:t>
+                      </a:r>
+                      <a:endParaRPr lang="en-US" sz="1600" dirty="0"/>
+                    </a:p>
+                  </a:txBody>
+                  <a:tcPr anchor="ctr"/>
+                </a:tc>
+                <a:tc>
+                  <a:txBody>
+                    <a:bodyPr/>
+                    <a:lstStyle/>
+                    <a:p>
+                      <a:pPr algn="ctr"/>
+                      <a:r>
+                        <a:rPr lang="en-CA" sz="1600" dirty="0"/>
                         <a:t>200</a:t>
                       </a:r>
                       <a:endParaRPr lang="en-US" sz="1600" dirty="0"/>
                     </a:p>
                   </a:txBody>
-                  <a:tcPr/>
+                  <a:tcPr anchor="ctr"/>
                 </a:tc>
                 <a:tc>
                   <a:txBody>
@@ -4538,7 +4576,7 @@
                       <a:endParaRPr lang="en-US" sz="1600" dirty="0"/>
                     </a:p>
                   </a:txBody>
-                  <a:tcPr/>
+                  <a:tcPr anchor="ctr"/>
                 </a:tc>
                 <a:extLst>
                   <a:ext uri="{0D108BD9-81ED-4DB2-BD59-A6C34878D82A}">
@@ -4555,12 +4593,27 @@
                       <a:pPr algn="ctr"/>
                       <a:r>
                         <a:rPr lang="en-CA" sz="1600" dirty="0"/>
+                        <a:t>2</a:t>
+                      </a:r>
+                      <a:endParaRPr lang="en-US" sz="1600" dirty="0"/>
+                    </a:p>
+                  </a:txBody>
+                  <a:tcPr anchor="ctr"/>
+                </a:tc>
+                <a:tc>
+                  <a:txBody>
+                    <a:bodyPr/>
+                    <a:lstStyle/>
+                    <a:p>
+                      <a:pPr algn="ctr"/>
+                      <a:r>
+                        <a:rPr lang="en-CA" sz="1600" dirty="0"/>
                         <a:t>200</a:t>
                       </a:r>
                       <a:endParaRPr lang="en-US" sz="1600" dirty="0"/>
                     </a:p>
                   </a:txBody>
-                  <a:tcPr/>
+                  <a:tcPr anchor="ctr"/>
                 </a:tc>
                 <a:tc>
                   <a:txBody>
@@ -4575,7 +4628,7 @@
                       <a:endParaRPr lang="en-US" sz="1600" dirty="0"/>
                     </a:p>
                   </a:txBody>
-                  <a:tcPr/>
+                  <a:tcPr anchor="ctr"/>
                 </a:tc>
                 <a:extLst>
                   <a:ext uri="{0D108BD9-81ED-4DB2-BD59-A6C34878D82A}">
@@ -4592,12 +4645,27 @@
                       <a:pPr algn="ctr"/>
                       <a:r>
                         <a:rPr lang="en-CA" sz="1600" dirty="0"/>
+                        <a:t>3</a:t>
+                      </a:r>
+                      <a:endParaRPr lang="en-US" sz="1600" dirty="0"/>
+                    </a:p>
+                  </a:txBody>
+                  <a:tcPr anchor="ctr"/>
+                </a:tc>
+                <a:tc>
+                  <a:txBody>
+                    <a:bodyPr/>
+                    <a:lstStyle/>
+                    <a:p>
+                      <a:pPr algn="ctr"/>
+                      <a:r>
+                        <a:rPr lang="en-CA" sz="1600" dirty="0"/>
                         <a:t>200</a:t>
                       </a:r>
                       <a:endParaRPr lang="en-US" sz="1600" dirty="0"/>
                     </a:p>
                   </a:txBody>
-                  <a:tcPr/>
+                  <a:tcPr anchor="ctr"/>
                 </a:tc>
                 <a:tc>
                   <a:txBody>
@@ -4612,7 +4680,7 @@
                       <a:endParaRPr lang="en-US" sz="1600" dirty="0"/>
                     </a:p>
                   </a:txBody>
-                  <a:tcPr/>
+                  <a:tcPr anchor="ctr"/>
                 </a:tc>
                 <a:extLst>
                   <a:ext uri="{0D108BD9-81ED-4DB2-BD59-A6C34878D82A}">
@@ -4629,12 +4697,27 @@
                       <a:pPr algn="ctr"/>
                       <a:r>
                         <a:rPr lang="en-CA" sz="1600" dirty="0"/>
+                        <a:t>4</a:t>
+                      </a:r>
+                      <a:endParaRPr lang="en-US" sz="1600" dirty="0"/>
+                    </a:p>
+                  </a:txBody>
+                  <a:tcPr anchor="ctr"/>
+                </a:tc>
+                <a:tc>
+                  <a:txBody>
+                    <a:bodyPr/>
+                    <a:lstStyle/>
+                    <a:p>
+                      <a:pPr algn="ctr"/>
+                      <a:r>
+                        <a:rPr lang="en-CA" sz="1600" dirty="0"/>
                         <a:t>200</a:t>
                       </a:r>
                       <a:endParaRPr lang="en-US" sz="1600" dirty="0"/>
                     </a:p>
                   </a:txBody>
-                  <a:tcPr/>
+                  <a:tcPr anchor="ctr"/>
                 </a:tc>
                 <a:tc>
                   <a:txBody>
@@ -4649,7 +4732,7 @@
                       <a:endParaRPr lang="en-US" sz="1600" dirty="0"/>
                     </a:p>
                   </a:txBody>
-                  <a:tcPr/>
+                  <a:tcPr anchor="ctr"/>
                 </a:tc>
                 <a:extLst>
                   <a:ext uri="{0D108BD9-81ED-4DB2-BD59-A6C34878D82A}">
@@ -4666,12 +4749,27 @@
                       <a:pPr algn="ctr"/>
                       <a:r>
                         <a:rPr lang="en-CA" sz="1600" dirty="0"/>
+                        <a:t>5</a:t>
+                      </a:r>
+                      <a:endParaRPr lang="en-US" sz="1600" dirty="0"/>
+                    </a:p>
+                  </a:txBody>
+                  <a:tcPr anchor="ctr"/>
+                </a:tc>
+                <a:tc>
+                  <a:txBody>
+                    <a:bodyPr/>
+                    <a:lstStyle/>
+                    <a:p>
+                      <a:pPr algn="ctr"/>
+                      <a:r>
+                        <a:rPr lang="en-CA" sz="1600" dirty="0"/>
                         <a:t>200</a:t>
                       </a:r>
                       <a:endParaRPr lang="en-US" sz="1600" dirty="0"/>
                     </a:p>
                   </a:txBody>
-                  <a:tcPr/>
+                  <a:tcPr anchor="ctr"/>
                 </a:tc>
                 <a:tc>
                   <a:txBody>
@@ -4686,7 +4784,7 @@
                       <a:endParaRPr lang="en-US" sz="1600" dirty="0"/>
                     </a:p>
                   </a:txBody>
-                  <a:tcPr/>
+                  <a:tcPr anchor="ctr"/>
                 </a:tc>
                 <a:extLst>
                   <a:ext uri="{0D108BD9-81ED-4DB2-BD59-A6C34878D82A}">
@@ -4703,12 +4801,27 @@
                       <a:pPr algn="ctr"/>
                       <a:r>
                         <a:rPr lang="en-CA" sz="1600" dirty="0"/>
+                        <a:t>6</a:t>
+                      </a:r>
+                      <a:endParaRPr lang="en-US" sz="1600" dirty="0"/>
+                    </a:p>
+                  </a:txBody>
+                  <a:tcPr anchor="ctr"/>
+                </a:tc>
+                <a:tc>
+                  <a:txBody>
+                    <a:bodyPr/>
+                    <a:lstStyle/>
+                    <a:p>
+                      <a:pPr algn="ctr"/>
+                      <a:r>
+                        <a:rPr lang="en-CA" sz="1600" dirty="0"/>
                         <a:t>200</a:t>
                       </a:r>
                       <a:endParaRPr lang="en-US" sz="1600" dirty="0"/>
                     </a:p>
                   </a:txBody>
-                  <a:tcPr/>
+                  <a:tcPr anchor="ctr"/>
                 </a:tc>
                 <a:tc>
                   <a:txBody>
@@ -4723,7 +4836,7 @@
                       <a:endParaRPr lang="en-US" sz="1600" dirty="0"/>
                     </a:p>
                   </a:txBody>
-                  <a:tcPr/>
+                  <a:tcPr anchor="ctr"/>
                 </a:tc>
                 <a:extLst>
                   <a:ext uri="{0D108BD9-81ED-4DB2-BD59-A6C34878D82A}">
@@ -4740,12 +4853,27 @@
                       <a:pPr algn="ctr"/>
                       <a:r>
                         <a:rPr lang="en-CA" sz="1600" dirty="0"/>
+                        <a:t>7</a:t>
+                      </a:r>
+                      <a:endParaRPr lang="en-US" sz="1600" dirty="0"/>
+                    </a:p>
+                  </a:txBody>
+                  <a:tcPr anchor="ctr"/>
+                </a:tc>
+                <a:tc>
+                  <a:txBody>
+                    <a:bodyPr/>
+                    <a:lstStyle/>
+                    <a:p>
+                      <a:pPr algn="ctr"/>
+                      <a:r>
+                        <a:rPr lang="en-CA" sz="1600" dirty="0"/>
                         <a:t>204.2588</a:t>
                       </a:r>
                       <a:endParaRPr lang="en-US" sz="1600" dirty="0"/>
                     </a:p>
                   </a:txBody>
-                  <a:tcPr/>
+                  <a:tcPr anchor="ctr"/>
                 </a:tc>
                 <a:tc>
                   <a:txBody>
@@ -4760,7 +4888,7 @@
                       <a:endParaRPr lang="en-US" sz="1600" dirty="0"/>
                     </a:p>
                   </a:txBody>
-                  <a:tcPr/>
+                  <a:tcPr anchor="ctr"/>
                 </a:tc>
                 <a:extLst>
                   <a:ext uri="{0D108BD9-81ED-4DB2-BD59-A6C34878D82A}">
@@ -4777,12 +4905,27 @@
                       <a:pPr algn="ctr"/>
                       <a:r>
                         <a:rPr lang="en-CA" sz="1600" dirty="0"/>
+                        <a:t>8</a:t>
+                      </a:r>
+                      <a:endParaRPr lang="en-US" sz="1600" dirty="0"/>
+                    </a:p>
+                  </a:txBody>
+                  <a:tcPr anchor="ctr"/>
+                </a:tc>
+                <a:tc>
+                  <a:txBody>
+                    <a:bodyPr/>
+                    <a:lstStyle/>
+                    <a:p>
+                      <a:pPr algn="ctr"/>
+                      <a:r>
+                        <a:rPr lang="en-CA" sz="1600" dirty="0"/>
                         <a:t>204.2588</a:t>
                       </a:r>
                       <a:endParaRPr lang="en-US" sz="1600" dirty="0"/>
                     </a:p>
                   </a:txBody>
-                  <a:tcPr/>
+                  <a:tcPr anchor="ctr"/>
                 </a:tc>
                 <a:tc>
                   <a:txBody>
@@ -4797,7 +4940,7 @@
                       <a:endParaRPr lang="en-US" sz="1600" dirty="0"/>
                     </a:p>
                   </a:txBody>
-                  <a:tcPr/>
+                  <a:tcPr anchor="ctr"/>
                 </a:tc>
                 <a:extLst>
                   <a:ext uri="{0D108BD9-81ED-4DB2-BD59-A6C34878D82A}">
@@ -4823,7 +4966,7 @@
         </p:nvSpPr>
         <p:spPr>
           <a:xfrm>
-            <a:off x="4109720" y="5730240"/>
+            <a:off x="8576310" y="5367496"/>
             <a:ext cx="680720" cy="369332"/>
           </a:xfrm>
           <a:prstGeom prst="rect">
@@ -4845,148 +4988,255 @@
           </a:p>
         </p:txBody>
       </p:sp>
-      <p:graphicFrame>
-        <p:nvGraphicFramePr>
-          <p:cNvPr id="13" name="Table 12">
+      <p:sp>
+        <p:nvSpPr>
+          <p:cNvPr id="4" name="TextBox 3">
             <a:extLst>
               <a:ext uri="{FF2B5EF4-FFF2-40B4-BE49-F238E27FC236}">
-                <a16:creationId xmlns:a16="http://schemas.microsoft.com/office/drawing/2014/main" id="{845670DB-A2C7-4C8C-8D0B-5C88E6457C04}"/>
+                <a16:creationId xmlns:a16="http://schemas.microsoft.com/office/drawing/2014/main" id="{E12EF66A-4DBE-46A3-A9CF-DB34D6B4F561}"/>
               </a:ext>
             </a:extLst>
           </p:cNvPr>
-          <p:cNvGraphicFramePr>
-            <a:graphicFrameLocks noGrp="1"/>
-          </p:cNvGraphicFramePr>
-          <p:nvPr>
-            <p:extLst>
-              <p:ext uri="{D42A27DB-BD31-4B8C-83A1-F6EECF244321}">
-                <p14:modId xmlns:p14="http://schemas.microsoft.com/office/powerpoint/2010/main" val="1749836667"/>
-              </p:ext>
-            </p:extLst>
-          </p:nvPr>
-        </p:nvGraphicFramePr>
-        <p:xfrm>
-          <a:off x="6089652" y="1922618"/>
-          <a:ext cx="4157979" cy="1402080"/>
-        </p:xfrm>
-        <a:graphic>
-          <a:graphicData uri="http://schemas.openxmlformats.org/drawingml/2006/table">
-            <a:tbl>
-              <a:tblPr firstRow="1" bandRow="1">
-                <a:tableStyleId>{0E3FDE45-AF77-4B5C-9715-49D594BDF05E}</a:tableStyleId>
-              </a:tblPr>
-              <a:tblGrid>
-                <a:gridCol w="2510380">
-                  <a:extLst>
-                    <a:ext uri="{9D8B030D-6E8A-4147-A177-3AD203B41FA5}">
-                      <a16:colId xmlns:a16="http://schemas.microsoft.com/office/drawing/2014/main" val="3337768235"/>
-                    </a:ext>
-                  </a:extLst>
-                </a:gridCol>
-                <a:gridCol w="1647599">
-                  <a:extLst>
-                    <a:ext uri="{9D8B030D-6E8A-4147-A177-3AD203B41FA5}">
-                      <a16:colId xmlns:a16="http://schemas.microsoft.com/office/drawing/2014/main" val="3449321804"/>
-                    </a:ext>
-                  </a:extLst>
-                </a:gridCol>
-              </a:tblGrid>
-              <a:tr h="316180">
-                <a:tc>
-                  <a:txBody>
-                    <a:bodyPr/>
-                    <a:lstStyle/>
-                    <a:p>
-                      <a:r>
-                        <a:rPr lang="en-CA" sz="1600" dirty="0"/>
-                        <a:t>Optimal number of seats</a:t>
-                      </a:r>
-                      <a:endParaRPr lang="en-US" sz="1600" dirty="0"/>
-                    </a:p>
-                  </a:txBody>
-                  <a:tcPr/>
-                </a:tc>
-                <a:tc>
-                  <a:txBody>
-                    <a:bodyPr/>
-                    <a:lstStyle/>
-                    <a:p>
-                      <a:r>
-                        <a:rPr lang="en-CA" sz="1600" b="0" dirty="0"/>
-                        <a:t>204</a:t>
-                      </a:r>
-                      <a:endParaRPr lang="en-US" sz="1600" b="0" dirty="0"/>
-                    </a:p>
-                  </a:txBody>
-                  <a:tcPr/>
-                </a:tc>
-                <a:extLst>
-                  <a:ext uri="{0D108BD9-81ED-4DB2-BD59-A6C34878D82A}">
-                    <a16:rowId xmlns:a16="http://schemas.microsoft.com/office/drawing/2014/main" val="649425853"/>
-                  </a:ext>
-                </a:extLst>
-              </a:tr>
-              <a:tr h="984970">
-                <a:tc>
-                  <a:txBody>
-                    <a:bodyPr/>
-                    <a:lstStyle/>
-                    <a:p>
-                      <a:r>
-                        <a:rPr lang="en-CA" sz="1600" b="1" dirty="0"/>
-                        <a:t>Optimal table arrangement</a:t>
-                      </a:r>
-                      <a:endParaRPr lang="en-US" sz="1600" b="1" dirty="0"/>
-                    </a:p>
-                  </a:txBody>
-                  <a:tcPr/>
-                </a:tc>
-                <a:tc>
-                  <a:txBody>
-                    <a:bodyPr/>
-                    <a:lstStyle/>
-                    <a:p>
-                      <a:r>
-                        <a:rPr lang="en-CA" sz="1600" dirty="0"/>
-                        <a:t>Size 2: 22 tables </a:t>
-                      </a:r>
-                    </a:p>
-                    <a:p>
-                      <a:r>
-                        <a:rPr lang="en-CA" sz="1600" dirty="0"/>
-                        <a:t>Size 3: 18 tables</a:t>
-                      </a:r>
-                    </a:p>
-                    <a:p>
-                      <a:r>
-                        <a:rPr lang="en-CA" sz="1600" dirty="0"/>
-                        <a:t>Size 4: 14 tables</a:t>
-                      </a:r>
-                    </a:p>
-                    <a:p>
-                      <a:r>
-                        <a:rPr lang="en-CA" sz="1600" dirty="0"/>
-                        <a:t>Size 5: 15 tables</a:t>
-                      </a:r>
-                      <a:endParaRPr lang="en-US" sz="1600" dirty="0"/>
-                    </a:p>
-                  </a:txBody>
-                  <a:tcPr/>
-                </a:tc>
-                <a:extLst>
-                  <a:ext uri="{0D108BD9-81ED-4DB2-BD59-A6C34878D82A}">
-                    <a16:rowId xmlns:a16="http://schemas.microsoft.com/office/drawing/2014/main" val="156743723"/>
-                  </a:ext>
-                </a:extLst>
-              </a:tr>
-            </a:tbl>
-          </a:graphicData>
-        </a:graphic>
-      </p:graphicFrame>
+          <p:cNvSpPr txBox="1"/>
+          <p:nvPr/>
+        </p:nvSpPr>
+        <p:spPr>
+          <a:xfrm>
+            <a:off x="8482330" y="3059668"/>
+            <a:ext cx="868680" cy="369332"/>
+          </a:xfrm>
+          <a:prstGeom prst="rect">
+            <a:avLst/>
+          </a:prstGeom>
+          <a:noFill/>
+        </p:spPr>
+        <p:txBody>
+          <a:bodyPr wrap="square" rtlCol="0">
+            <a:spAutoFit/>
+          </a:bodyPr>
+          <a:lstStyle/>
+          <a:p>
+            <a:pPr algn="ctr"/>
+            <a:r>
+              <a:rPr lang="en-CA" dirty="0"/>
+              <a:t>Switch</a:t>
+            </a:r>
+            <a:endParaRPr lang="en-US" dirty="0"/>
+          </a:p>
+        </p:txBody>
+      </p:sp>
     </p:spTree>
     <p:extLst>
       <p:ext uri="{BB962C8B-B14F-4D97-AF65-F5344CB8AC3E}">
         <p14:creationId xmlns:p14="http://schemas.microsoft.com/office/powerpoint/2010/main" val="879336629"/>
+      </p:ext>
+    </p:extLst>
+  </p:cSld>
+  <p:clrMapOvr>
+    <a:masterClrMapping/>
+  </p:clrMapOvr>
+</p:sld>
+</file>
+
+<file path=ppt/slides/slide14.xml><?xml version="1.0" encoding="utf-8"?>
+<p:sld xmlns:a="http://schemas.openxmlformats.org/drawingml/2006/main" xmlns:r="http://schemas.openxmlformats.org/officeDocument/2006/relationships" xmlns:p="http://schemas.openxmlformats.org/presentationml/2006/main">
+  <p:cSld>
+    <p:spTree>
+      <p:nvGrpSpPr>
+        <p:cNvPr id="1" name=""/>
+        <p:cNvGrpSpPr/>
+        <p:nvPr/>
+      </p:nvGrpSpPr>
+      <p:grpSpPr>
+        <a:xfrm>
+          <a:off x="0" y="0"/>
+          <a:ext cx="0" cy="0"/>
+          <a:chOff x="0" y="0"/>
+          <a:chExt cx="0" cy="0"/>
+        </a:xfrm>
+      </p:grpSpPr>
+      <p:sp>
+        <p:nvSpPr>
+          <p:cNvPr id="3" name="Content Placeholder 2">
+            <a:extLst>
+              <a:ext uri="{FF2B5EF4-FFF2-40B4-BE49-F238E27FC236}">
+                <a16:creationId xmlns:a16="http://schemas.microsoft.com/office/drawing/2014/main" id="{A3747E47-B71D-4260-9DF4-6C60964EBB93}"/>
+              </a:ext>
+            </a:extLst>
+          </p:cNvPr>
+          <p:cNvSpPr>
+            <a:spLocks noGrp="1"/>
+          </p:cNvSpPr>
+          <p:nvPr>
+            <p:ph idx="1"/>
+          </p:nvPr>
+        </p:nvSpPr>
+        <p:spPr>
+          <a:xfrm>
+            <a:off x="838200" y="1127760"/>
+            <a:ext cx="10515600" cy="5049203"/>
+          </a:xfrm>
+        </p:spPr>
+        <p:txBody>
+          <a:bodyPr>
+            <a:normAutofit/>
+          </a:bodyPr>
+          <a:lstStyle/>
+          <a:p>
+            <a:pPr marL="0" indent="0">
+              <a:buNone/>
+            </a:pPr>
+            <a:r>
+              <a:rPr lang="en-CA" sz="2400" dirty="0">
+                <a:solidFill>
+                  <a:schemeClr val="accent1"/>
+                </a:solidFill>
+              </a:rPr>
+              <a:t>Golden section VNS </a:t>
+            </a:r>
+          </a:p>
+          <a:p>
+            <a:pPr marL="0" indent="0">
+              <a:buNone/>
+            </a:pPr>
+            <a:endParaRPr lang="en-US" sz="2400" dirty="0">
+              <a:solidFill>
+                <a:schemeClr val="accent1"/>
+              </a:solidFill>
+            </a:endParaRPr>
+          </a:p>
+        </p:txBody>
+      </p:sp>
+      <p:pic>
+        <p:nvPicPr>
+          <p:cNvPr id="5" name="Picture 4">
+            <a:extLst>
+              <a:ext uri="{FF2B5EF4-FFF2-40B4-BE49-F238E27FC236}">
+                <a16:creationId xmlns:a16="http://schemas.microsoft.com/office/drawing/2014/main" id="{0C7E7D67-F8B3-4901-8386-C7C19CECFEC6}"/>
+              </a:ext>
+            </a:extLst>
+          </p:cNvPr>
+          <p:cNvPicPr>
+            <a:picLocks noChangeAspect="1"/>
+          </p:cNvPicPr>
+          <p:nvPr/>
+        </p:nvPicPr>
+        <p:blipFill>
+          <a:blip r:embed="rId2">
+            <a:extLst>
+              <a:ext uri="{28A0092B-C50C-407E-A947-70E740481C1C}">
+                <a14:useLocalDpi xmlns:a14="http://schemas.microsoft.com/office/drawing/2010/main" val="0"/>
+              </a:ext>
+            </a:extLst>
+          </a:blip>
+          <a:stretch>
+            <a:fillRect/>
+          </a:stretch>
+        </p:blipFill>
+        <p:spPr>
+          <a:xfrm>
+            <a:off x="9916160" y="365125"/>
+            <a:ext cx="1437640" cy="418937"/>
+          </a:xfrm>
+          <a:prstGeom prst="rect">
+            <a:avLst/>
+          </a:prstGeom>
+        </p:spPr>
+      </p:pic>
+      <p:sp>
+        <p:nvSpPr>
+          <p:cNvPr id="6" name="Title 1">
+            <a:extLst>
+              <a:ext uri="{FF2B5EF4-FFF2-40B4-BE49-F238E27FC236}">
+                <a16:creationId xmlns:a16="http://schemas.microsoft.com/office/drawing/2014/main" id="{B4C9D95B-EBE4-40C7-8B82-4CFA20A3795C}"/>
+              </a:ext>
+            </a:extLst>
+          </p:cNvPr>
+          <p:cNvSpPr txBox="1">
+            <a:spLocks/>
+          </p:cNvSpPr>
+          <p:nvPr/>
+        </p:nvSpPr>
+        <p:spPr>
+          <a:xfrm>
+            <a:off x="838200" y="365125"/>
+            <a:ext cx="10515600" cy="762635"/>
+          </a:xfrm>
+          <a:prstGeom prst="rect">
+            <a:avLst/>
+          </a:prstGeom>
+        </p:spPr>
+        <p:txBody>
+          <a:bodyPr vert="horz" lIns="91440" tIns="45720" rIns="91440" bIns="45720" rtlCol="0" anchor="ctr">
+            <a:normAutofit/>
+          </a:bodyPr>
+          <a:lstStyle>
+            <a:lvl1pPr algn="l" defTabSz="914400" rtl="0" eaLnBrk="1" latinLnBrk="0" hangingPunct="1">
+              <a:lnSpc>
+                <a:spcPct val="90000"/>
+              </a:lnSpc>
+              <a:spcBef>
+                <a:spcPct val="0"/>
+              </a:spcBef>
+              <a:buNone/>
+              <a:defRPr sz="4400" kern="1200">
+                <a:solidFill>
+                  <a:schemeClr val="tx1"/>
+                </a:solidFill>
+                <a:latin typeface="+mj-lt"/>
+                <a:ea typeface="+mj-ea"/>
+                <a:cs typeface="+mj-cs"/>
+              </a:defRPr>
+            </a:lvl1pPr>
+          </a:lstStyle>
+          <a:p>
+            <a:r>
+              <a:rPr lang="en-CA" sz="3600" dirty="0"/>
+              <a:t>Results</a:t>
+            </a:r>
+          </a:p>
+        </p:txBody>
+      </p:sp>
+      <p:pic>
+        <p:nvPicPr>
+          <p:cNvPr id="8" name="Picture 7" descr="A screenshot of a cell phone&#10;&#10;Description generated with very high confidence">
+            <a:extLst>
+              <a:ext uri="{FF2B5EF4-FFF2-40B4-BE49-F238E27FC236}">
+                <a16:creationId xmlns:a16="http://schemas.microsoft.com/office/drawing/2014/main" id="{E6C898DB-1BE9-4151-BF0C-CD965CB001E8}"/>
+              </a:ext>
+            </a:extLst>
+          </p:cNvPr>
+          <p:cNvPicPr>
+            <a:picLocks noChangeAspect="1"/>
+          </p:cNvPicPr>
+          <p:nvPr/>
+        </p:nvPicPr>
+        <p:blipFill>
+          <a:blip r:embed="rId3">
+            <a:extLst>
+              <a:ext uri="{28A0092B-C50C-407E-A947-70E740481C1C}">
+                <a14:useLocalDpi xmlns:a14="http://schemas.microsoft.com/office/drawing/2010/main" val="0"/>
+              </a:ext>
+            </a:extLst>
+          </a:blip>
+          <a:stretch>
+            <a:fillRect/>
+          </a:stretch>
+        </p:blipFill>
+        <p:spPr>
+          <a:xfrm>
+            <a:off x="3001856" y="1535748"/>
+            <a:ext cx="6188287" cy="4641215"/>
+          </a:xfrm>
+          <a:prstGeom prst="rect">
+            <a:avLst/>
+          </a:prstGeom>
+        </p:spPr>
+      </p:pic>
+    </p:spTree>
+    <p:extLst>
+      <p:ext uri="{BB962C8B-B14F-4D97-AF65-F5344CB8AC3E}">
+        <p14:creationId xmlns:p14="http://schemas.microsoft.com/office/powerpoint/2010/main" val="2302501886"/>
       </p:ext>
     </p:extLst>
   </p:cSld>
@@ -5516,7 +5766,7 @@
                   <a:schemeClr val="accent1"/>
                 </a:solidFill>
               </a:rPr>
-              <a:t>Weakness of baseline VNS</a:t>
+              <a:t>Limitation of baseline VNS</a:t>
             </a:r>
           </a:p>
           <a:p>

--- a/Presentation.pptx
+++ b/Presentation.pptx
@@ -18,7 +18,8 @@
     <p:sldId id="270" r:id="rId12"/>
     <p:sldId id="260" r:id="rId13"/>
     <p:sldId id="272" r:id="rId14"/>
-    <p:sldId id="274" r:id="rId15"/>
+    <p:sldId id="275" r:id="rId15"/>
+    <p:sldId id="274" r:id="rId16"/>
   </p:sldIdLst>
   <p:sldSz cx="12192000" cy="6858000"/>
   <p:notesSz cx="6858000" cy="9144000"/>
@@ -4150,18 +4151,108 @@
               <a:buNone/>
             </a:pPr>
             <a:r>
-              <a:rPr lang="en-CA" sz="2400" dirty="0">
+              <a:rPr lang="en-CA" sz="2400" dirty="0"/>
+              <a:t>Ideas for visualization:</a:t>
+            </a:r>
+          </a:p>
+          <a:p>
+            <a:r>
+              <a:rPr lang="en-CA" sz="2400" dirty="0"/>
+              <a:t>Baseline VNS iterations plot</a:t>
+            </a:r>
+          </a:p>
+          <a:p>
+            <a:r>
+              <a:rPr lang="en-CA" sz="2400" dirty="0"/>
+              <a:t>Golden section method curve (mean profit vs. number of seats curve)</a:t>
+            </a:r>
+          </a:p>
+          <a:p>
+            <a:r>
+              <a:rPr lang="en-CA" sz="2400" dirty="0"/>
+              <a:t>Distributions of profits (baseline and golden section results overlaid)</a:t>
+            </a:r>
+          </a:p>
+          <a:p>
+            <a:r>
+              <a:rPr lang="en-CA" sz="2400" dirty="0"/>
+              <a:t>Comparison table:</a:t>
+            </a:r>
+          </a:p>
+          <a:p>
+            <a:endParaRPr lang="en-CA" sz="2400" dirty="0"/>
+          </a:p>
+          <a:p>
+            <a:endParaRPr lang="en-CA" sz="2400" dirty="0"/>
+          </a:p>
+          <a:p>
+            <a:endParaRPr lang="en-CA" sz="2400" dirty="0"/>
+          </a:p>
+          <a:p>
+            <a:r>
+              <a:rPr lang="en-CA" sz="2400" dirty="0"/>
+              <a:t>Comment on any differences in optimal profit, table arrangement, and seats</a:t>
+            </a:r>
+          </a:p>
+          <a:p>
+            <a:r>
+              <a:rPr lang="en-CA" sz="2400" dirty="0"/>
+              <a:t>Reach a conclusion about which approach is better</a:t>
+            </a:r>
+          </a:p>
+          <a:p>
+            <a:pPr marL="0" indent="0">
+              <a:buNone/>
+            </a:pPr>
+            <a:r>
+              <a:rPr lang="en-CA" sz="1400" dirty="0"/>
+              <a:t>e.g. Use ‘</a:t>
+            </a:r>
+            <a:r>
+              <a:rPr lang="en-CA" sz="1400" dirty="0" err="1">
                 <a:solidFill>
-                  <a:schemeClr val="accent1"/>
+                  <a:srgbClr val="F42CF4"/>
                 </a:solidFill>
               </a:rPr>
-              <a:t>Baseline VNS</a:t>
-            </a:r>
-            <a:endParaRPr lang="en-US" sz="2400" dirty="0">
-              <a:solidFill>
-                <a:schemeClr val="accent1"/>
-              </a:solidFill>
-            </a:endParaRPr>
+              <a:t>OUTPUT_baselineVNS_no_reservation.mat</a:t>
+            </a:r>
+            <a:r>
+              <a:rPr lang="en-CA" sz="1400" dirty="0"/>
+              <a:t>’ and ‘</a:t>
+            </a:r>
+            <a:r>
+              <a:rPr lang="en-CA" sz="1400" dirty="0" err="1">
+                <a:solidFill>
+                  <a:srgbClr val="F42CF4"/>
+                </a:solidFill>
+              </a:rPr>
+              <a:t>Arrangement_baselineVNS_no_reservation.mat</a:t>
+            </a:r>
+            <a:r>
+              <a:rPr lang="en-CA" sz="1400" dirty="0"/>
+              <a:t>’ to see results of baseline VNS</a:t>
+            </a:r>
+          </a:p>
+          <a:p>
+            <a:pPr marL="0" indent="0">
+              <a:buNone/>
+            </a:pPr>
+            <a:endParaRPr lang="en-CA" sz="1400" dirty="0"/>
+          </a:p>
+          <a:p>
+            <a:pPr marL="0" indent="0">
+              <a:buNone/>
+            </a:pPr>
+            <a:endParaRPr lang="en-CA" sz="2400" dirty="0"/>
+          </a:p>
+          <a:p>
+            <a:pPr marL="0" indent="0">
+              <a:buNone/>
+            </a:pPr>
+            <a:endParaRPr lang="en-CA" sz="2400" dirty="0"/>
+          </a:p>
+          <a:p>
+            <a:endParaRPr lang="en-CA" sz="2400" dirty="0"/>
           </a:p>
         </p:txBody>
       </p:sp>
@@ -4250,11 +4341,252 @@
           <a:p>
             <a:r>
               <a:rPr lang="en-CA" sz="3600" dirty="0"/>
-              <a:t>Results</a:t>
-            </a:r>
-          </a:p>
-        </p:txBody>
-      </p:sp>
+              <a:t>Results: Baseline VNS vs. Golden Section VNS</a:t>
+            </a:r>
+          </a:p>
+        </p:txBody>
+      </p:sp>
+      <p:graphicFrame>
+        <p:nvGraphicFramePr>
+          <p:cNvPr id="2" name="Table 1">
+            <a:extLst>
+              <a:ext uri="{FF2B5EF4-FFF2-40B4-BE49-F238E27FC236}">
+                <a16:creationId xmlns:a16="http://schemas.microsoft.com/office/drawing/2014/main" id="{3CACF5A3-AC3D-4BC9-929E-17EC7615B894}"/>
+              </a:ext>
+            </a:extLst>
+          </p:cNvPr>
+          <p:cNvGraphicFramePr>
+            <a:graphicFrameLocks noGrp="1"/>
+          </p:cNvGraphicFramePr>
+          <p:nvPr>
+            <p:extLst>
+              <p:ext uri="{D42A27DB-BD31-4B8C-83A1-F6EECF244321}">
+                <p14:modId xmlns:p14="http://schemas.microsoft.com/office/powerpoint/2010/main" val="4002167732"/>
+              </p:ext>
+            </p:extLst>
+          </p:nvPr>
+        </p:nvGraphicFramePr>
+        <p:xfrm>
+          <a:off x="1435100" y="3328136"/>
+          <a:ext cx="9321799" cy="1424095"/>
+        </p:xfrm>
+        <a:graphic>
+          <a:graphicData uri="http://schemas.openxmlformats.org/drawingml/2006/table">
+            <a:tbl>
+              <a:tblPr firstRow="1" bandRow="1">
+                <a:tableStyleId>{5C22544A-7EE6-4342-B048-85BDC9FD1C3A}</a:tableStyleId>
+              </a:tblPr>
+              <a:tblGrid>
+                <a:gridCol w="1920515">
+                  <a:extLst>
+                    <a:ext uri="{9D8B030D-6E8A-4147-A177-3AD203B41FA5}">
+                      <a16:colId xmlns:a16="http://schemas.microsoft.com/office/drawing/2014/main" val="773980223"/>
+                    </a:ext>
+                  </a:extLst>
+                </a:gridCol>
+                <a:gridCol w="1561825">
+                  <a:extLst>
+                    <a:ext uri="{9D8B030D-6E8A-4147-A177-3AD203B41FA5}">
+                      <a16:colId xmlns:a16="http://schemas.microsoft.com/office/drawing/2014/main" val="2672852949"/>
+                    </a:ext>
+                  </a:extLst>
+                </a:gridCol>
+                <a:gridCol w="3027680">
+                  <a:extLst>
+                    <a:ext uri="{9D8B030D-6E8A-4147-A177-3AD203B41FA5}">
+                      <a16:colId xmlns:a16="http://schemas.microsoft.com/office/drawing/2014/main" val="3602250034"/>
+                    </a:ext>
+                  </a:extLst>
+                </a:gridCol>
+                <a:gridCol w="2811779">
+                  <a:extLst>
+                    <a:ext uri="{9D8B030D-6E8A-4147-A177-3AD203B41FA5}">
+                      <a16:colId xmlns:a16="http://schemas.microsoft.com/office/drawing/2014/main" val="107866922"/>
+                    </a:ext>
+                  </a:extLst>
+                </a:gridCol>
+              </a:tblGrid>
+              <a:tr h="659691">
+                <a:tc>
+                  <a:txBody>
+                    <a:bodyPr/>
+                    <a:lstStyle/>
+                    <a:p>
+                      <a:pPr algn="ctr"/>
+                      <a:r>
+                        <a:rPr lang="en-CA" dirty="0"/>
+                        <a:t>Method</a:t>
+                      </a:r>
+                      <a:endParaRPr lang="en-US" dirty="0"/>
+                    </a:p>
+                  </a:txBody>
+                  <a:tcPr anchor="ctr"/>
+                </a:tc>
+                <a:tc>
+                  <a:txBody>
+                    <a:bodyPr/>
+                    <a:lstStyle/>
+                    <a:p>
+                      <a:pPr algn="ctr"/>
+                      <a:r>
+                        <a:rPr lang="en-CA" dirty="0"/>
+                        <a:t>Mean Profit</a:t>
+                      </a:r>
+                      <a:endParaRPr lang="en-US" dirty="0"/>
+                    </a:p>
+                  </a:txBody>
+                  <a:tcPr anchor="ctr"/>
+                </a:tc>
+                <a:tc>
+                  <a:txBody>
+                    <a:bodyPr/>
+                    <a:lstStyle/>
+                    <a:p>
+                      <a:pPr algn="ctr"/>
+                      <a:r>
+                        <a:rPr lang="en-CA" dirty="0"/>
+                        <a:t>Optimal Table Arrangement</a:t>
+                      </a:r>
+                      <a:endParaRPr lang="en-US" dirty="0"/>
+                    </a:p>
+                  </a:txBody>
+                  <a:tcPr anchor="ctr"/>
+                </a:tc>
+                <a:tc>
+                  <a:txBody>
+                    <a:bodyPr/>
+                    <a:lstStyle/>
+                    <a:p>
+                      <a:pPr algn="ctr"/>
+                      <a:r>
+                        <a:rPr lang="en-CA" dirty="0"/>
+                        <a:t>Optimal Number of Seats</a:t>
+                      </a:r>
+                      <a:endParaRPr lang="en-US" dirty="0"/>
+                    </a:p>
+                  </a:txBody>
+                  <a:tcPr anchor="ctr"/>
+                </a:tc>
+                <a:extLst>
+                  <a:ext uri="{0D108BD9-81ED-4DB2-BD59-A6C34878D82A}">
+                    <a16:rowId xmlns:a16="http://schemas.microsoft.com/office/drawing/2014/main" val="4222608112"/>
+                  </a:ext>
+                </a:extLst>
+              </a:tr>
+              <a:tr h="382202">
+                <a:tc>
+                  <a:txBody>
+                    <a:bodyPr/>
+                    <a:lstStyle/>
+                    <a:p>
+                      <a:pPr algn="ctr"/>
+                      <a:r>
+                        <a:rPr lang="en-CA" dirty="0"/>
+                        <a:t>Baseline</a:t>
+                      </a:r>
+                      <a:endParaRPr lang="en-US" dirty="0"/>
+                    </a:p>
+                  </a:txBody>
+                  <a:tcPr anchor="ctr"/>
+                </a:tc>
+                <a:tc>
+                  <a:txBody>
+                    <a:bodyPr/>
+                    <a:lstStyle/>
+                    <a:p>
+                      <a:pPr algn="ctr"/>
+                      <a:endParaRPr lang="en-US" dirty="0"/>
+                    </a:p>
+                  </a:txBody>
+                  <a:tcPr anchor="ctr"/>
+                </a:tc>
+                <a:tc>
+                  <a:txBody>
+                    <a:bodyPr/>
+                    <a:lstStyle/>
+                    <a:p>
+                      <a:pPr algn="ctr"/>
+                      <a:endParaRPr lang="en-US"/>
+                    </a:p>
+                  </a:txBody>
+                  <a:tcPr anchor="ctr"/>
+                </a:tc>
+                <a:tc>
+                  <a:txBody>
+                    <a:bodyPr/>
+                    <a:lstStyle/>
+                    <a:p>
+                      <a:pPr algn="ctr"/>
+                      <a:endParaRPr lang="en-US"/>
+                    </a:p>
+                  </a:txBody>
+                  <a:tcPr anchor="ctr"/>
+                </a:tc>
+                <a:extLst>
+                  <a:ext uri="{0D108BD9-81ED-4DB2-BD59-A6C34878D82A}">
+                    <a16:rowId xmlns:a16="http://schemas.microsoft.com/office/drawing/2014/main" val="352941571"/>
+                  </a:ext>
+                </a:extLst>
+              </a:tr>
+              <a:tr h="382202">
+                <a:tc>
+                  <a:txBody>
+                    <a:bodyPr/>
+                    <a:lstStyle/>
+                    <a:p>
+                      <a:pPr algn="ctr"/>
+                      <a:r>
+                        <a:rPr lang="en-CA" dirty="0"/>
+                        <a:t>Golden Section</a:t>
+                      </a:r>
+                      <a:endParaRPr lang="en-US" dirty="0"/>
+                    </a:p>
+                  </a:txBody>
+                  <a:tcPr anchor="ctr"/>
+                </a:tc>
+                <a:tc>
+                  <a:txBody>
+                    <a:bodyPr/>
+                    <a:lstStyle/>
+                    <a:p>
+                      <a:pPr algn="ctr"/>
+                      <a:endParaRPr lang="en-US"/>
+                    </a:p>
+                  </a:txBody>
+                  <a:tcPr anchor="ctr"/>
+                </a:tc>
+                <a:tc>
+                  <a:txBody>
+                    <a:bodyPr/>
+                    <a:lstStyle/>
+                    <a:p>
+                      <a:pPr algn="ctr"/>
+                      <a:endParaRPr lang="en-US"/>
+                    </a:p>
+                  </a:txBody>
+                  <a:tcPr anchor="ctr"/>
+                </a:tc>
+                <a:tc>
+                  <a:txBody>
+                    <a:bodyPr/>
+                    <a:lstStyle/>
+                    <a:p>
+                      <a:pPr algn="ctr"/>
+                      <a:endParaRPr lang="en-US" dirty="0"/>
+                    </a:p>
+                  </a:txBody>
+                  <a:tcPr anchor="ctr"/>
+                </a:tc>
+                <a:extLst>
+                  <a:ext uri="{0D108BD9-81ED-4DB2-BD59-A6C34878D82A}">
+                    <a16:rowId xmlns:a16="http://schemas.microsoft.com/office/drawing/2014/main" val="1585035157"/>
+                  </a:ext>
+                </a:extLst>
+              </a:tr>
+            </a:tbl>
+          </a:graphicData>
+        </a:graphic>
+      </p:graphicFrame>
     </p:spTree>
     <p:extLst>
       <p:ext uri="{BB962C8B-B14F-4D97-AF65-F5344CB8AC3E}">
@@ -4422,7 +4754,7 @@
           <a:p>
             <a:r>
               <a:rPr lang="en-CA" sz="3600" dirty="0"/>
-              <a:t>Results</a:t>
+              <a:t>Results: Baseline VNS vs. Golden Section VNS</a:t>
             </a:r>
           </a:p>
         </p:txBody>
@@ -5087,6 +5419,221 @@
               <a:buNone/>
             </a:pPr>
             <a:r>
+              <a:rPr lang="en-CA" sz="2400" dirty="0"/>
+              <a:t>Ideas</a:t>
+            </a:r>
+          </a:p>
+          <a:p>
+            <a:r>
+              <a:rPr lang="en-CA" sz="2400" dirty="0"/>
+              <a:t>Distributions of profits overlaid</a:t>
+            </a:r>
+          </a:p>
+          <a:p>
+            <a:r>
+              <a:rPr lang="en-CA" sz="2400" dirty="0"/>
+              <a:t>Comparison table</a:t>
+            </a:r>
+          </a:p>
+          <a:p>
+            <a:r>
+              <a:rPr lang="en-CA" sz="2400" dirty="0"/>
+              <a:t>Number of admitted groups by customer size</a:t>
+            </a:r>
+          </a:p>
+          <a:p>
+            <a:r>
+              <a:rPr lang="en-CA" sz="2400" dirty="0"/>
+              <a:t>Odds of abandonment by customer size</a:t>
+            </a:r>
+          </a:p>
+          <a:p>
+            <a:pPr marL="0" indent="0">
+              <a:buNone/>
+            </a:pPr>
+            <a:r>
+              <a:rPr lang="en-CA" sz="2400" dirty="0">
+                <a:solidFill>
+                  <a:schemeClr val="bg2">
+                    <a:lumMod val="75000"/>
+                  </a:schemeClr>
+                </a:solidFill>
+              </a:rPr>
+              <a:t>(My guess is that more customer groups of size 5 are admitted while the rest remain more or less constant)</a:t>
+            </a:r>
+          </a:p>
+          <a:p>
+            <a:r>
+              <a:rPr lang="en-CA" sz="2400" dirty="0"/>
+              <a:t>Comment on the differences (profit, table arrangement, number of seats)</a:t>
+            </a:r>
+          </a:p>
+          <a:p>
+            <a:r>
+              <a:rPr lang="en-CA" sz="2400" dirty="0"/>
+              <a:t>Reach a conclusion about which policy is better</a:t>
+            </a:r>
+          </a:p>
+          <a:p>
+            <a:pPr marL="0" indent="0">
+              <a:buNone/>
+            </a:pPr>
+            <a:endParaRPr lang="en-US" sz="2400" dirty="0"/>
+          </a:p>
+        </p:txBody>
+      </p:sp>
+      <p:pic>
+        <p:nvPicPr>
+          <p:cNvPr id="5" name="Picture 4">
+            <a:extLst>
+              <a:ext uri="{FF2B5EF4-FFF2-40B4-BE49-F238E27FC236}">
+                <a16:creationId xmlns:a16="http://schemas.microsoft.com/office/drawing/2014/main" id="{0C7E7D67-F8B3-4901-8386-C7C19CECFEC6}"/>
+              </a:ext>
+            </a:extLst>
+          </p:cNvPr>
+          <p:cNvPicPr>
+            <a:picLocks noChangeAspect="1"/>
+          </p:cNvPicPr>
+          <p:nvPr/>
+        </p:nvPicPr>
+        <p:blipFill>
+          <a:blip r:embed="rId2">
+            <a:extLst>
+              <a:ext uri="{28A0092B-C50C-407E-A947-70E740481C1C}">
+                <a14:useLocalDpi xmlns:a14="http://schemas.microsoft.com/office/drawing/2010/main" val="0"/>
+              </a:ext>
+            </a:extLst>
+          </a:blip>
+          <a:stretch>
+            <a:fillRect/>
+          </a:stretch>
+        </p:blipFill>
+        <p:spPr>
+          <a:xfrm>
+            <a:off x="9916160" y="365125"/>
+            <a:ext cx="1437640" cy="418937"/>
+          </a:xfrm>
+          <a:prstGeom prst="rect">
+            <a:avLst/>
+          </a:prstGeom>
+        </p:spPr>
+      </p:pic>
+      <p:sp>
+        <p:nvSpPr>
+          <p:cNvPr id="6" name="Title 1">
+            <a:extLst>
+              <a:ext uri="{FF2B5EF4-FFF2-40B4-BE49-F238E27FC236}">
+                <a16:creationId xmlns:a16="http://schemas.microsoft.com/office/drawing/2014/main" id="{B4C9D95B-EBE4-40C7-8B82-4CFA20A3795C}"/>
+              </a:ext>
+            </a:extLst>
+          </p:cNvPr>
+          <p:cNvSpPr txBox="1">
+            <a:spLocks/>
+          </p:cNvSpPr>
+          <p:nvPr/>
+        </p:nvSpPr>
+        <p:spPr>
+          <a:xfrm>
+            <a:off x="838200" y="365125"/>
+            <a:ext cx="10515600" cy="762635"/>
+          </a:xfrm>
+          <a:prstGeom prst="rect">
+            <a:avLst/>
+          </a:prstGeom>
+        </p:spPr>
+        <p:txBody>
+          <a:bodyPr vert="horz" lIns="91440" tIns="45720" rIns="91440" bIns="45720" rtlCol="0" anchor="ctr">
+            <a:normAutofit/>
+          </a:bodyPr>
+          <a:lstStyle>
+            <a:lvl1pPr algn="l" defTabSz="914400" rtl="0" eaLnBrk="1" latinLnBrk="0" hangingPunct="1">
+              <a:lnSpc>
+                <a:spcPct val="90000"/>
+              </a:lnSpc>
+              <a:spcBef>
+                <a:spcPct val="0"/>
+              </a:spcBef>
+              <a:buNone/>
+              <a:defRPr sz="4400" kern="1200">
+                <a:solidFill>
+                  <a:schemeClr val="tx1"/>
+                </a:solidFill>
+                <a:latin typeface="+mj-lt"/>
+                <a:ea typeface="+mj-ea"/>
+                <a:cs typeface="+mj-cs"/>
+              </a:defRPr>
+            </a:lvl1pPr>
+          </a:lstStyle>
+          <a:p>
+            <a:r>
+              <a:rPr lang="en-CA" sz="3600" dirty="0"/>
+              <a:t>Results: Seating Policy Comparison</a:t>
+            </a:r>
+          </a:p>
+        </p:txBody>
+      </p:sp>
+    </p:spTree>
+    <p:extLst>
+      <p:ext uri="{BB962C8B-B14F-4D97-AF65-F5344CB8AC3E}">
+        <p14:creationId xmlns:p14="http://schemas.microsoft.com/office/powerpoint/2010/main" val="697602103"/>
+      </p:ext>
+    </p:extLst>
+  </p:cSld>
+  <p:clrMapOvr>
+    <a:masterClrMapping/>
+  </p:clrMapOvr>
+</p:sld>
+</file>
+
+<file path=ppt/slides/slide15.xml><?xml version="1.0" encoding="utf-8"?>
+<p:sld xmlns:a="http://schemas.openxmlformats.org/drawingml/2006/main" xmlns:r="http://schemas.openxmlformats.org/officeDocument/2006/relationships" xmlns:p="http://schemas.openxmlformats.org/presentationml/2006/main">
+  <p:cSld>
+    <p:spTree>
+      <p:nvGrpSpPr>
+        <p:cNvPr id="1" name=""/>
+        <p:cNvGrpSpPr/>
+        <p:nvPr/>
+      </p:nvGrpSpPr>
+      <p:grpSpPr>
+        <a:xfrm>
+          <a:off x="0" y="0"/>
+          <a:ext cx="0" cy="0"/>
+          <a:chOff x="0" y="0"/>
+          <a:chExt cx="0" cy="0"/>
+        </a:xfrm>
+      </p:grpSpPr>
+      <p:sp>
+        <p:nvSpPr>
+          <p:cNvPr id="3" name="Content Placeholder 2">
+            <a:extLst>
+              <a:ext uri="{FF2B5EF4-FFF2-40B4-BE49-F238E27FC236}">
+                <a16:creationId xmlns:a16="http://schemas.microsoft.com/office/drawing/2014/main" id="{A3747E47-B71D-4260-9DF4-6C60964EBB93}"/>
+              </a:ext>
+            </a:extLst>
+          </p:cNvPr>
+          <p:cNvSpPr>
+            <a:spLocks noGrp="1"/>
+          </p:cNvSpPr>
+          <p:nvPr>
+            <p:ph idx="1"/>
+          </p:nvPr>
+        </p:nvSpPr>
+        <p:spPr>
+          <a:xfrm>
+            <a:off x="838200" y="1127760"/>
+            <a:ext cx="10515600" cy="5049203"/>
+          </a:xfrm>
+        </p:spPr>
+        <p:txBody>
+          <a:bodyPr>
+            <a:normAutofit/>
+          </a:bodyPr>
+          <a:lstStyle/>
+          <a:p>
+            <a:pPr marL="0" indent="0">
+              <a:buNone/>
+            </a:pPr>
+            <a:r>
               <a:rPr lang="en-CA" sz="2400" dirty="0">
                 <a:solidFill>
                   <a:schemeClr val="accent1"/>

--- a/Presentation.pptx
+++ b/Presentation.pptx
@@ -9,17 +9,20 @@
     <p:sldId id="257" r:id="rId3"/>
     <p:sldId id="258" r:id="rId4"/>
     <p:sldId id="259" r:id="rId5"/>
-    <p:sldId id="273" r:id="rId6"/>
-    <p:sldId id="261" r:id="rId7"/>
-    <p:sldId id="264" r:id="rId8"/>
-    <p:sldId id="266" r:id="rId9"/>
-    <p:sldId id="267" r:id="rId10"/>
-    <p:sldId id="268" r:id="rId11"/>
-    <p:sldId id="270" r:id="rId12"/>
-    <p:sldId id="260" r:id="rId13"/>
-    <p:sldId id="272" r:id="rId14"/>
-    <p:sldId id="275" r:id="rId15"/>
-    <p:sldId id="274" r:id="rId16"/>
+    <p:sldId id="276" r:id="rId6"/>
+    <p:sldId id="277" r:id="rId7"/>
+    <p:sldId id="278" r:id="rId8"/>
+    <p:sldId id="273" r:id="rId9"/>
+    <p:sldId id="261" r:id="rId10"/>
+    <p:sldId id="264" r:id="rId11"/>
+    <p:sldId id="266" r:id="rId12"/>
+    <p:sldId id="267" r:id="rId13"/>
+    <p:sldId id="268" r:id="rId14"/>
+    <p:sldId id="270" r:id="rId15"/>
+    <p:sldId id="260" r:id="rId16"/>
+    <p:sldId id="272" r:id="rId17"/>
+    <p:sldId id="275" r:id="rId18"/>
+    <p:sldId id="274" r:id="rId19"/>
   </p:sldIdLst>
   <p:sldSz cx="12192000" cy="6858000"/>
   <p:notesSz cx="6858000" cy="9144000"/>
@@ -257,7 +260,7 @@
           <a:p>
             <a:fld id="{26EBFB83-AAA2-427D-8458-5FB692FCFF84}" type="datetimeFigureOut">
               <a:rPr lang="en-US" smtClean="0"/>
-              <a:t>5/25/2019</a:t>
+              <a:t>26-May-19</a:t>
             </a:fld>
             <a:endParaRPr lang="en-US"/>
           </a:p>
@@ -427,7 +430,7 @@
           <a:p>
             <a:fld id="{26EBFB83-AAA2-427D-8458-5FB692FCFF84}" type="datetimeFigureOut">
               <a:rPr lang="en-US" smtClean="0"/>
-              <a:t>5/25/2019</a:t>
+              <a:t>26-May-19</a:t>
             </a:fld>
             <a:endParaRPr lang="en-US"/>
           </a:p>
@@ -607,7 +610,7 @@
           <a:p>
             <a:fld id="{26EBFB83-AAA2-427D-8458-5FB692FCFF84}" type="datetimeFigureOut">
               <a:rPr lang="en-US" smtClean="0"/>
-              <a:t>5/25/2019</a:t>
+              <a:t>26-May-19</a:t>
             </a:fld>
             <a:endParaRPr lang="en-US"/>
           </a:p>
@@ -777,7 +780,7 @@
           <a:p>
             <a:fld id="{26EBFB83-AAA2-427D-8458-5FB692FCFF84}" type="datetimeFigureOut">
               <a:rPr lang="en-US" smtClean="0"/>
-              <a:t>5/25/2019</a:t>
+              <a:t>26-May-19</a:t>
             </a:fld>
             <a:endParaRPr lang="en-US"/>
           </a:p>
@@ -1023,7 +1026,7 @@
           <a:p>
             <a:fld id="{26EBFB83-AAA2-427D-8458-5FB692FCFF84}" type="datetimeFigureOut">
               <a:rPr lang="en-US" smtClean="0"/>
-              <a:t>5/25/2019</a:t>
+              <a:t>26-May-19</a:t>
             </a:fld>
             <a:endParaRPr lang="en-US"/>
           </a:p>
@@ -1255,7 +1258,7 @@
           <a:p>
             <a:fld id="{26EBFB83-AAA2-427D-8458-5FB692FCFF84}" type="datetimeFigureOut">
               <a:rPr lang="en-US" smtClean="0"/>
-              <a:t>5/25/2019</a:t>
+              <a:t>26-May-19</a:t>
             </a:fld>
             <a:endParaRPr lang="en-US"/>
           </a:p>
@@ -1622,7 +1625,7 @@
           <a:p>
             <a:fld id="{26EBFB83-AAA2-427D-8458-5FB692FCFF84}" type="datetimeFigureOut">
               <a:rPr lang="en-US" smtClean="0"/>
-              <a:t>5/25/2019</a:t>
+              <a:t>26-May-19</a:t>
             </a:fld>
             <a:endParaRPr lang="en-US"/>
           </a:p>
@@ -1740,7 +1743,7 @@
           <a:p>
             <a:fld id="{26EBFB83-AAA2-427D-8458-5FB692FCFF84}" type="datetimeFigureOut">
               <a:rPr lang="en-US" smtClean="0"/>
-              <a:t>5/25/2019</a:t>
+              <a:t>26-May-19</a:t>
             </a:fld>
             <a:endParaRPr lang="en-US"/>
           </a:p>
@@ -1835,7 +1838,7 @@
           <a:p>
             <a:fld id="{26EBFB83-AAA2-427D-8458-5FB692FCFF84}" type="datetimeFigureOut">
               <a:rPr lang="en-US" smtClean="0"/>
-              <a:t>5/25/2019</a:t>
+              <a:t>26-May-19</a:t>
             </a:fld>
             <a:endParaRPr lang="en-US"/>
           </a:p>
@@ -2112,7 +2115,7 @@
           <a:p>
             <a:fld id="{26EBFB83-AAA2-427D-8458-5FB692FCFF84}" type="datetimeFigureOut">
               <a:rPr lang="en-US" smtClean="0"/>
-              <a:t>5/25/2019</a:t>
+              <a:t>26-May-19</a:t>
             </a:fld>
             <a:endParaRPr lang="en-US"/>
           </a:p>
@@ -2369,7 +2372,7 @@
           <a:p>
             <a:fld id="{26EBFB83-AAA2-427D-8458-5FB692FCFF84}" type="datetimeFigureOut">
               <a:rPr lang="en-US" smtClean="0"/>
-              <a:t>5/25/2019</a:t>
+              <a:t>26-May-19</a:t>
             </a:fld>
             <a:endParaRPr lang="en-US"/>
           </a:p>
@@ -2582,7 +2585,7 @@
           <a:p>
             <a:fld id="{26EBFB83-AAA2-427D-8458-5FB692FCFF84}" type="datetimeFigureOut">
               <a:rPr lang="en-US" smtClean="0"/>
-              <a:t>5/25/2019</a:t>
+              <a:t>26-May-19</a:t>
             </a:fld>
             <a:endParaRPr lang="en-US"/>
           </a:p>
@@ -3118,7 +3121,7 @@
                 <a14:useLocalDpi xmlns:a14="http://schemas.microsoft.com/office/drawing/2010/main" val="0"/>
               </a:ext>
               <a:ext uri="{96DAC541-7B7A-43D3-8B79-37D633B846F1}">
-                <asvg:svgBlip xmlns:asvg="http://schemas.microsoft.com/office/drawing/2016/SVG/main" r:embed="rId3"/>
+                <asvg:svgBlip xmlns:asvg="http://schemas.microsoft.com/office/drawing/2016/SVG/main" xmlns="" r:embed="rId3"/>
               </a:ext>
             </a:extLst>
           </a:blip>
@@ -3144,7 +3147,7 @@
                 <a16:creationId xmlns:a16="http://schemas.microsoft.com/office/drawing/2014/main" id="{74DD0F26-D398-4BA6-A21E-83AAEE591352}"/>
               </a:ext>
               <a:ext uri="{C183D7F6-B498-43B3-948B-1728B52AA6E4}">
-                <adec:decorative xmlns:adec="http://schemas.microsoft.com/office/drawing/2017/decorative" val="1"/>
+                <adec:decorative xmlns:adec="http://schemas.microsoft.com/office/drawing/2017/decorative" xmlns="" val="1"/>
               </a:ext>
             </a:extLst>
           </p:cNvPr>
@@ -3167,7 +3170,7 @@
                 <a14:useLocalDpi xmlns:a14="http://schemas.microsoft.com/office/drawing/2010/main" val="0"/>
               </a:ext>
               <a:ext uri="{96DAC541-7B7A-43D3-8B79-37D633B846F1}">
-                <asvg:svgBlip xmlns:asvg="http://schemas.microsoft.com/office/drawing/2016/SVG/main" r:embed="rId3"/>
+                <asvg:svgBlip xmlns:asvg="http://schemas.microsoft.com/office/drawing/2016/SVG/main" xmlns="" r:embed="rId3"/>
               </a:ext>
             </a:extLst>
           </a:blip>
@@ -3200,7 +3203,7 @@
           <p:nvPr/>
         </p:nvPicPr>
         <p:blipFill>
-          <a:blip r:embed="rId4">
+          <a:blip r:embed="rId4" cstate="hqprint">
             <a:extLst>
               <a:ext uri="{28A0092B-C50C-407E-A947-70E740481C1C}">
                 <a14:useLocalDpi xmlns:a14="http://schemas.microsoft.com/office/drawing/2010/main" val="0"/>
@@ -3294,6 +3297,194 @@
             <a:pPr marL="0" indent="0">
               <a:buNone/>
             </a:pPr>
+            <a:endParaRPr lang="en-CA" sz="2400" dirty="0">
+              <a:solidFill>
+                <a:schemeClr val="accent1">
+                  <a:lumMod val="75000"/>
+                </a:schemeClr>
+              </a:solidFill>
+            </a:endParaRPr>
+          </a:p>
+          <a:p>
+            <a:pPr marL="0" indent="0">
+              <a:buNone/>
+            </a:pPr>
+            <a:r>
+              <a:rPr lang="en-CA" sz="2400" dirty="0">
+                <a:solidFill>
+                  <a:schemeClr val="accent1">
+                    <a:lumMod val="75000"/>
+                  </a:schemeClr>
+                </a:solidFill>
+              </a:rPr>
+              <a:t>Conditions</a:t>
+            </a:r>
+          </a:p>
+          <a:p>
+            <a:r>
+              <a:rPr lang="en-CA" sz="2400" dirty="0"/>
+              <a:t>Mean profit as a function of number of seats must be concave </a:t>
+            </a:r>
+            <a:r>
+              <a:rPr lang="en-CA" sz="2400"/>
+              <a:t>(unimodal).</a:t>
+            </a:r>
+            <a:endParaRPr lang="en-CA" sz="2400" dirty="0"/>
+          </a:p>
+          <a:p>
+            <a:r>
+              <a:rPr lang="en-CA" sz="2400" dirty="0"/>
+              <a:t>In the interval that greedy heuristic eliminates, its results must be consistent with the results of VNS. </a:t>
+            </a:r>
+          </a:p>
+          <a:p>
+            <a:pPr marL="0" indent="0" algn="ctr">
+              <a:buNone/>
+            </a:pPr>
+            <a:r>
+              <a:rPr lang="en-CA" sz="2400" i="1" dirty="0"/>
+              <a:t>e.g. </a:t>
+            </a:r>
+            <a:r>
+              <a:rPr lang="en-CA" sz="2400" i="1" dirty="0" err="1">
+                <a:solidFill>
+                  <a:schemeClr val="accent6">
+                    <a:lumMod val="75000"/>
+                  </a:schemeClr>
+                </a:solidFill>
+              </a:rPr>
+              <a:t>f</a:t>
+            </a:r>
+            <a:r>
+              <a:rPr lang="en-CA" sz="2400" i="1" baseline="-25000" dirty="0" err="1">
+                <a:solidFill>
+                  <a:schemeClr val="accent6">
+                    <a:lumMod val="75000"/>
+                  </a:schemeClr>
+                </a:solidFill>
+              </a:rPr>
+              <a:t>greedy</a:t>
+            </a:r>
+            <a:r>
+              <a:rPr lang="en-CA" sz="2400" dirty="0">
+                <a:solidFill>
+                  <a:schemeClr val="accent6">
+                    <a:lumMod val="75000"/>
+                  </a:schemeClr>
+                </a:solidFill>
+              </a:rPr>
+              <a:t>(300) &gt; </a:t>
+            </a:r>
+            <a:r>
+              <a:rPr lang="en-CA" sz="2400" i="1" dirty="0" err="1">
+                <a:solidFill>
+                  <a:schemeClr val="accent6">
+                    <a:lumMod val="75000"/>
+                  </a:schemeClr>
+                </a:solidFill>
+              </a:rPr>
+              <a:t>f</a:t>
+            </a:r>
+            <a:r>
+              <a:rPr lang="en-CA" sz="2400" i="1" baseline="-25000" dirty="0" err="1">
+                <a:solidFill>
+                  <a:schemeClr val="accent6">
+                    <a:lumMod val="75000"/>
+                  </a:schemeClr>
+                </a:solidFill>
+              </a:rPr>
+              <a:t>greedy</a:t>
+            </a:r>
+            <a:r>
+              <a:rPr lang="en-CA" sz="2400" dirty="0">
+                <a:solidFill>
+                  <a:schemeClr val="accent6">
+                    <a:lumMod val="75000"/>
+                  </a:schemeClr>
+                </a:solidFill>
+              </a:rPr>
+              <a:t>(350) </a:t>
+            </a:r>
+            <a:r>
+              <a:rPr lang="en-CA" sz="2400" dirty="0">
+                <a:solidFill>
+                  <a:schemeClr val="accent6">
+                    <a:lumMod val="75000"/>
+                  </a:schemeClr>
+                </a:solidFill>
+                <a:sym typeface="Wingdings" panose="05000000000000000000" pitchFamily="2" charset="2"/>
+              </a:rPr>
+              <a:t> </a:t>
+            </a:r>
+            <a:r>
+              <a:rPr lang="en-CA" sz="2400" i="1" dirty="0" err="1">
+                <a:solidFill>
+                  <a:schemeClr val="accent6">
+                    <a:lumMod val="75000"/>
+                  </a:schemeClr>
+                </a:solidFill>
+                <a:sym typeface="Wingdings" panose="05000000000000000000" pitchFamily="2" charset="2"/>
+              </a:rPr>
+              <a:t>f</a:t>
+            </a:r>
+            <a:r>
+              <a:rPr lang="en-CA" sz="2400" i="1" baseline="-25000" dirty="0" err="1">
+                <a:solidFill>
+                  <a:schemeClr val="accent6">
+                    <a:lumMod val="75000"/>
+                  </a:schemeClr>
+                </a:solidFill>
+                <a:sym typeface="Wingdings" panose="05000000000000000000" pitchFamily="2" charset="2"/>
+              </a:rPr>
+              <a:t>VNS</a:t>
+            </a:r>
+            <a:r>
+              <a:rPr lang="en-CA" sz="2400" dirty="0">
+                <a:solidFill>
+                  <a:schemeClr val="accent6">
+                    <a:lumMod val="75000"/>
+                  </a:schemeClr>
+                </a:solidFill>
+                <a:sym typeface="Wingdings" panose="05000000000000000000" pitchFamily="2" charset="2"/>
+              </a:rPr>
+              <a:t>(300) &gt; </a:t>
+            </a:r>
+            <a:r>
+              <a:rPr lang="en-CA" sz="2400" i="1" dirty="0" err="1">
+                <a:solidFill>
+                  <a:schemeClr val="accent6">
+                    <a:lumMod val="75000"/>
+                  </a:schemeClr>
+                </a:solidFill>
+                <a:sym typeface="Wingdings" panose="05000000000000000000" pitchFamily="2" charset="2"/>
+              </a:rPr>
+              <a:t>f</a:t>
+            </a:r>
+            <a:r>
+              <a:rPr lang="en-CA" sz="2400" i="1" baseline="-25000" dirty="0" err="1">
+                <a:solidFill>
+                  <a:schemeClr val="accent6">
+                    <a:lumMod val="75000"/>
+                  </a:schemeClr>
+                </a:solidFill>
+                <a:sym typeface="Wingdings" panose="05000000000000000000" pitchFamily="2" charset="2"/>
+              </a:rPr>
+              <a:t>VNS</a:t>
+            </a:r>
+            <a:r>
+              <a:rPr lang="en-CA" sz="2400" dirty="0">
+                <a:solidFill>
+                  <a:schemeClr val="accent6">
+                    <a:lumMod val="75000"/>
+                  </a:schemeClr>
+                </a:solidFill>
+                <a:sym typeface="Wingdings" panose="05000000000000000000" pitchFamily="2" charset="2"/>
+              </a:rPr>
+              <a:t>(350)</a:t>
+            </a:r>
+            <a:endParaRPr lang="en-CA" sz="2400" dirty="0"/>
+          </a:p>
+          <a:p>
             <a:endParaRPr lang="en-CA" sz="2400" dirty="0"/>
           </a:p>
           <a:p>
@@ -3316,7 +3507,7 @@
           <p:nvPr/>
         </p:nvPicPr>
         <p:blipFill>
-          <a:blip r:embed="rId2">
+          <a:blip r:embed="rId2" cstate="hqprint">
             <a:extLst>
               <a:ext uri="{28A0092B-C50C-407E-A947-70E740481C1C}">
                 <a14:useLocalDpi xmlns:a14="http://schemas.microsoft.com/office/drawing/2010/main" val="0"/>
@@ -3373,236 +3564,10 @@
           </a:p>
         </p:txBody>
       </p:sp>
-      <p:pic>
-        <p:nvPicPr>
-          <p:cNvPr id="4" name="Picture 3" descr="A close up of a map&#10;&#10;Description generated with very high confidence">
-            <a:extLst>
-              <a:ext uri="{FF2B5EF4-FFF2-40B4-BE49-F238E27FC236}">
-                <a16:creationId xmlns:a16="http://schemas.microsoft.com/office/drawing/2014/main" id="{6F7F02D7-F0E8-4ACF-B7CC-959B5D7282D2}"/>
-              </a:ext>
-            </a:extLst>
-          </p:cNvPr>
-          <p:cNvPicPr>
-            <a:picLocks noChangeAspect="1"/>
-          </p:cNvPicPr>
-          <p:nvPr/>
-        </p:nvPicPr>
-        <p:blipFill>
-          <a:blip r:embed="rId3">
-            <a:extLst>
-              <a:ext uri="{28A0092B-C50C-407E-A947-70E740481C1C}">
-                <a14:useLocalDpi xmlns:a14="http://schemas.microsoft.com/office/drawing/2010/main" val="0"/>
-              </a:ext>
-            </a:extLst>
-          </a:blip>
-          <a:stretch>
-            <a:fillRect/>
-          </a:stretch>
-        </p:blipFill>
-        <p:spPr>
-          <a:xfrm>
-            <a:off x="778721" y="1658381"/>
-            <a:ext cx="5317279" cy="3987959"/>
-          </a:xfrm>
-          <a:prstGeom prst="rect">
-            <a:avLst/>
-          </a:prstGeom>
-        </p:spPr>
-      </p:pic>
-      <p:pic>
-        <p:nvPicPr>
-          <p:cNvPr id="8" name="Picture 7" descr="A close up of a map&#10;&#10;Description generated with very high confidence">
-            <a:extLst>
-              <a:ext uri="{FF2B5EF4-FFF2-40B4-BE49-F238E27FC236}">
-                <a16:creationId xmlns:a16="http://schemas.microsoft.com/office/drawing/2014/main" id="{CF3EF8CE-D7AB-4D17-A165-93D49F443CCF}"/>
-              </a:ext>
-            </a:extLst>
-          </p:cNvPr>
-          <p:cNvPicPr>
-            <a:picLocks noChangeAspect="1"/>
-          </p:cNvPicPr>
-          <p:nvPr/>
-        </p:nvPicPr>
-        <p:blipFill>
-          <a:blip r:embed="rId4">
-            <a:extLst>
-              <a:ext uri="{28A0092B-C50C-407E-A947-70E740481C1C}">
-                <a14:useLocalDpi xmlns:a14="http://schemas.microsoft.com/office/drawing/2010/main" val="0"/>
-              </a:ext>
-            </a:extLst>
-          </a:blip>
-          <a:stretch>
-            <a:fillRect/>
-          </a:stretch>
-        </p:blipFill>
-        <p:spPr>
-          <a:xfrm>
-            <a:off x="6200352" y="1697512"/>
-            <a:ext cx="5212927" cy="3909695"/>
-          </a:xfrm>
-          <a:prstGeom prst="rect">
-            <a:avLst/>
-          </a:prstGeom>
-        </p:spPr>
-      </p:pic>
-      <p:sp>
-        <p:nvSpPr>
-          <p:cNvPr id="9" name="Rectangle: Rounded Corners 8">
-            <a:extLst>
-              <a:ext uri="{FF2B5EF4-FFF2-40B4-BE49-F238E27FC236}">
-                <a16:creationId xmlns:a16="http://schemas.microsoft.com/office/drawing/2014/main" id="{86EF7A26-F32C-42F4-BCE7-73FD5B42F8FC}"/>
-              </a:ext>
-            </a:extLst>
-          </p:cNvPr>
-          <p:cNvSpPr/>
-          <p:nvPr/>
-        </p:nvSpPr>
-        <p:spPr>
-          <a:xfrm>
-            <a:off x="2489200" y="2438400"/>
-            <a:ext cx="3413760" cy="2407920"/>
-          </a:xfrm>
-          <a:prstGeom prst="roundRect">
-            <a:avLst/>
-          </a:prstGeom>
-          <a:noFill/>
-          <a:ln w="19050">
-            <a:solidFill>
-              <a:srgbClr val="FF0000"/>
-            </a:solidFill>
-          </a:ln>
-        </p:spPr>
-        <p:style>
-          <a:lnRef idx="2">
-            <a:schemeClr val="accent6"/>
-          </a:lnRef>
-          <a:fillRef idx="1">
-            <a:schemeClr val="lt1"/>
-          </a:fillRef>
-          <a:effectRef idx="0">
-            <a:schemeClr val="accent6"/>
-          </a:effectRef>
-          <a:fontRef idx="minor">
-            <a:schemeClr val="dk1"/>
-          </a:fontRef>
-        </p:style>
-        <p:txBody>
-          <a:bodyPr rtlCol="0" anchor="ctr"/>
-          <a:lstStyle/>
-          <a:p>
-            <a:pPr algn="ctr"/>
-            <a:endParaRPr lang="en-US"/>
-          </a:p>
-        </p:txBody>
-      </p:sp>
-      <p:sp>
-        <p:nvSpPr>
-          <p:cNvPr id="15" name="Oval 14">
-            <a:extLst>
-              <a:ext uri="{FF2B5EF4-FFF2-40B4-BE49-F238E27FC236}">
-                <a16:creationId xmlns:a16="http://schemas.microsoft.com/office/drawing/2014/main" id="{0CFD1252-8AB0-404E-BF86-F6F20545BFE3}"/>
-              </a:ext>
-            </a:extLst>
-          </p:cNvPr>
-          <p:cNvSpPr/>
-          <p:nvPr/>
-        </p:nvSpPr>
-        <p:spPr>
-          <a:xfrm>
-            <a:off x="8239760" y="2438400"/>
-            <a:ext cx="274320" cy="266700"/>
-          </a:xfrm>
-          <a:prstGeom prst="ellipse">
-            <a:avLst/>
-          </a:prstGeom>
-          <a:noFill/>
-          <a:ln w="19050">
-            <a:solidFill>
-              <a:srgbClr val="1DFF5E"/>
-            </a:solidFill>
-          </a:ln>
-        </p:spPr>
-        <p:style>
-          <a:lnRef idx="2">
-            <a:schemeClr val="accent1">
-              <a:shade val="50000"/>
-            </a:schemeClr>
-          </a:lnRef>
-          <a:fillRef idx="1">
-            <a:schemeClr val="accent1"/>
-          </a:fillRef>
-          <a:effectRef idx="0">
-            <a:schemeClr val="accent1"/>
-          </a:effectRef>
-          <a:fontRef idx="minor">
-            <a:schemeClr val="lt1"/>
-          </a:fontRef>
-        </p:style>
-        <p:txBody>
-          <a:bodyPr rtlCol="0" anchor="ctr"/>
-          <a:lstStyle/>
-          <a:p>
-            <a:pPr algn="ctr"/>
-            <a:endParaRPr lang="en-US"/>
-          </a:p>
-        </p:txBody>
-      </p:sp>
-      <p:sp>
-        <p:nvSpPr>
-          <p:cNvPr id="16" name="Oval 15">
-            <a:extLst>
-              <a:ext uri="{FF2B5EF4-FFF2-40B4-BE49-F238E27FC236}">
-                <a16:creationId xmlns:a16="http://schemas.microsoft.com/office/drawing/2014/main" id="{8A6D520A-E7A6-4F09-8D27-844FBFAB895C}"/>
-              </a:ext>
-            </a:extLst>
-          </p:cNvPr>
-          <p:cNvSpPr/>
-          <p:nvPr/>
-        </p:nvSpPr>
-        <p:spPr>
-          <a:xfrm>
-            <a:off x="8239760" y="3778091"/>
-            <a:ext cx="274320" cy="266700"/>
-          </a:xfrm>
-          <a:prstGeom prst="ellipse">
-            <a:avLst/>
-          </a:prstGeom>
-          <a:noFill/>
-          <a:ln w="19050">
-            <a:solidFill>
-              <a:srgbClr val="1DFF5E"/>
-            </a:solidFill>
-          </a:ln>
-        </p:spPr>
-        <p:style>
-          <a:lnRef idx="2">
-            <a:schemeClr val="accent1">
-              <a:shade val="50000"/>
-            </a:schemeClr>
-          </a:lnRef>
-          <a:fillRef idx="1">
-            <a:schemeClr val="accent1"/>
-          </a:fillRef>
-          <a:effectRef idx="0">
-            <a:schemeClr val="accent1"/>
-          </a:effectRef>
-          <a:fontRef idx="minor">
-            <a:schemeClr val="lt1"/>
-          </a:fontRef>
-        </p:style>
-        <p:txBody>
-          <a:bodyPr rtlCol="0" anchor="ctr"/>
-          <a:lstStyle/>
-          <a:p>
-            <a:pPr algn="ctr"/>
-            <a:endParaRPr lang="en-US"/>
-          </a:p>
-        </p:txBody>
-      </p:sp>
     </p:spTree>
     <p:extLst>
       <p:ext uri="{BB962C8B-B14F-4D97-AF65-F5344CB8AC3E}">
-        <p14:creationId xmlns:p14="http://schemas.microsoft.com/office/powerpoint/2010/main" val="2291285242"/>
+        <p14:creationId xmlns:p14="http://schemas.microsoft.com/office/powerpoint/2010/main" val="3961735586"/>
       </p:ext>
     </p:extLst>
   </p:cSld>
@@ -3629,6 +3594,882 @@
           <a:chExt cx="0" cy="0"/>
         </a:xfrm>
       </p:grpSpPr>
+      <p:sp>
+        <p:nvSpPr>
+          <p:cNvPr id="3" name="Content Placeholder 2">
+            <a:extLst>
+              <a:ext uri="{FF2B5EF4-FFF2-40B4-BE49-F238E27FC236}">
+                <a16:creationId xmlns:a16="http://schemas.microsoft.com/office/drawing/2014/main" id="{2E5DAAB6-C87E-4C10-8DDC-15F41DB00A20}"/>
+              </a:ext>
+            </a:extLst>
+          </p:cNvPr>
+          <p:cNvSpPr>
+            <a:spLocks noGrp="1"/>
+          </p:cNvSpPr>
+          <p:nvPr>
+            <p:ph idx="1"/>
+          </p:nvPr>
+        </p:nvSpPr>
+        <p:spPr>
+          <a:xfrm>
+            <a:off x="838200" y="1127760"/>
+            <a:ext cx="10515600" cy="5049203"/>
+          </a:xfrm>
+        </p:spPr>
+        <p:txBody>
+          <a:bodyPr>
+            <a:normAutofit/>
+          </a:bodyPr>
+          <a:lstStyle/>
+          <a:p>
+            <a:pPr marL="0" indent="0">
+              <a:buNone/>
+            </a:pPr>
+            <a:endParaRPr lang="en-CA" sz="2400" dirty="0">
+              <a:solidFill>
+                <a:schemeClr val="accent1">
+                  <a:lumMod val="75000"/>
+                </a:schemeClr>
+              </a:solidFill>
+            </a:endParaRPr>
+          </a:p>
+          <a:p>
+            <a:pPr marL="0" indent="0">
+              <a:buNone/>
+            </a:pPr>
+            <a:endParaRPr lang="en-CA" sz="2400" dirty="0"/>
+          </a:p>
+          <a:p>
+            <a:endParaRPr lang="en-CA" sz="2400" dirty="0"/>
+          </a:p>
+        </p:txBody>
+      </p:sp>
+      <p:pic>
+        <p:nvPicPr>
+          <p:cNvPr id="5" name="Picture 4">
+            <a:extLst>
+              <a:ext uri="{FF2B5EF4-FFF2-40B4-BE49-F238E27FC236}">
+                <a16:creationId xmlns:a16="http://schemas.microsoft.com/office/drawing/2014/main" id="{8977407B-874A-4791-897D-6196620D6F56}"/>
+              </a:ext>
+            </a:extLst>
+          </p:cNvPr>
+          <p:cNvPicPr>
+            <a:picLocks noChangeAspect="1"/>
+          </p:cNvPicPr>
+          <p:nvPr/>
+        </p:nvPicPr>
+        <p:blipFill>
+          <a:blip r:embed="rId2" cstate="hqprint">
+            <a:extLst>
+              <a:ext uri="{28A0092B-C50C-407E-A947-70E740481C1C}">
+                <a14:useLocalDpi xmlns:a14="http://schemas.microsoft.com/office/drawing/2010/main" val="0"/>
+              </a:ext>
+            </a:extLst>
+          </a:blip>
+          <a:stretch>
+            <a:fillRect/>
+          </a:stretch>
+        </p:blipFill>
+        <p:spPr>
+          <a:xfrm>
+            <a:off x="9916160" y="365125"/>
+            <a:ext cx="1437640" cy="418937"/>
+          </a:xfrm>
+          <a:prstGeom prst="rect">
+            <a:avLst/>
+          </a:prstGeom>
+        </p:spPr>
+      </p:pic>
+      <p:sp>
+        <p:nvSpPr>
+          <p:cNvPr id="7" name="Title 1">
+            <a:extLst>
+              <a:ext uri="{FF2B5EF4-FFF2-40B4-BE49-F238E27FC236}">
+                <a16:creationId xmlns:a16="http://schemas.microsoft.com/office/drawing/2014/main" id="{DF83123F-FFF6-4EB8-AA6C-703D18DCBD9D}"/>
+              </a:ext>
+            </a:extLst>
+          </p:cNvPr>
+          <p:cNvSpPr>
+            <a:spLocks noGrp="1"/>
+          </p:cNvSpPr>
+          <p:nvPr>
+            <p:ph type="title"/>
+          </p:nvPr>
+        </p:nvSpPr>
+        <p:spPr>
+          <a:xfrm>
+            <a:off x="838200" y="365125"/>
+            <a:ext cx="10515600" cy="762635"/>
+          </a:xfrm>
+        </p:spPr>
+        <p:txBody>
+          <a:bodyPr>
+            <a:normAutofit/>
+          </a:bodyPr>
+          <a:lstStyle/>
+          <a:p>
+            <a:r>
+              <a:rPr lang="en-CA" sz="3600" dirty="0"/>
+              <a:t>Golden Section Method</a:t>
+            </a:r>
+            <a:endParaRPr lang="en-US" sz="3600" dirty="0"/>
+          </a:p>
+        </p:txBody>
+      </p:sp>
+      <p:pic>
+        <p:nvPicPr>
+          <p:cNvPr id="4" name="Picture 3" descr="A close up of a map&#10;&#10;Description generated with very high confidence">
+            <a:extLst>
+              <a:ext uri="{FF2B5EF4-FFF2-40B4-BE49-F238E27FC236}">
+                <a16:creationId xmlns:a16="http://schemas.microsoft.com/office/drawing/2014/main" id="{6F7F02D7-F0E8-4ACF-B7CC-959B5D7282D2}"/>
+              </a:ext>
+            </a:extLst>
+          </p:cNvPr>
+          <p:cNvPicPr>
+            <a:picLocks noChangeAspect="1"/>
+          </p:cNvPicPr>
+          <p:nvPr/>
+        </p:nvPicPr>
+        <p:blipFill>
+          <a:blip r:embed="rId3">
+            <a:extLst>
+              <a:ext uri="{28A0092B-C50C-407E-A947-70E740481C1C}">
+                <a14:useLocalDpi xmlns:a14="http://schemas.microsoft.com/office/drawing/2010/main" val="0"/>
+              </a:ext>
+            </a:extLst>
+          </a:blip>
+          <a:stretch>
+            <a:fillRect/>
+          </a:stretch>
+        </p:blipFill>
+        <p:spPr>
+          <a:xfrm>
+            <a:off x="778721" y="1658381"/>
+            <a:ext cx="5317279" cy="3987959"/>
+          </a:xfrm>
+          <a:prstGeom prst="rect">
+            <a:avLst/>
+          </a:prstGeom>
+        </p:spPr>
+      </p:pic>
+      <p:pic>
+        <p:nvPicPr>
+          <p:cNvPr id="8" name="Picture 7" descr="A close up of a map&#10;&#10;Description generated with very high confidence">
+            <a:extLst>
+              <a:ext uri="{FF2B5EF4-FFF2-40B4-BE49-F238E27FC236}">
+                <a16:creationId xmlns:a16="http://schemas.microsoft.com/office/drawing/2014/main" id="{CF3EF8CE-D7AB-4D17-A165-93D49F443CCF}"/>
+              </a:ext>
+            </a:extLst>
+          </p:cNvPr>
+          <p:cNvPicPr>
+            <a:picLocks noChangeAspect="1"/>
+          </p:cNvPicPr>
+          <p:nvPr/>
+        </p:nvPicPr>
+        <p:blipFill>
+          <a:blip r:embed="rId4">
+            <a:extLst>
+              <a:ext uri="{28A0092B-C50C-407E-A947-70E740481C1C}">
+                <a14:useLocalDpi xmlns:a14="http://schemas.microsoft.com/office/drawing/2010/main" val="0"/>
+              </a:ext>
+            </a:extLst>
+          </a:blip>
+          <a:stretch>
+            <a:fillRect/>
+          </a:stretch>
+        </p:blipFill>
+        <p:spPr>
+          <a:xfrm>
+            <a:off x="6200352" y="1697512"/>
+            <a:ext cx="5212927" cy="3909695"/>
+          </a:xfrm>
+          <a:prstGeom prst="rect">
+            <a:avLst/>
+          </a:prstGeom>
+        </p:spPr>
+      </p:pic>
+    </p:spTree>
+    <p:extLst>
+      <p:ext uri="{BB962C8B-B14F-4D97-AF65-F5344CB8AC3E}">
+        <p14:creationId xmlns:p14="http://schemas.microsoft.com/office/powerpoint/2010/main" val="2306792197"/>
+      </p:ext>
+    </p:extLst>
+  </p:cSld>
+  <p:clrMapOvr>
+    <a:masterClrMapping/>
+  </p:clrMapOvr>
+</p:sld>
+</file>
+
+<file path=ppt/slides/slide12.xml><?xml version="1.0" encoding="utf-8"?>
+<p:sld xmlns:a="http://schemas.openxmlformats.org/drawingml/2006/main" xmlns:r="http://schemas.openxmlformats.org/officeDocument/2006/relationships" xmlns:p="http://schemas.openxmlformats.org/presentationml/2006/main">
+  <p:cSld>
+    <p:spTree>
+      <p:nvGrpSpPr>
+        <p:cNvPr id="1" name=""/>
+        <p:cNvGrpSpPr/>
+        <p:nvPr/>
+      </p:nvGrpSpPr>
+      <p:grpSpPr>
+        <a:xfrm>
+          <a:off x="0" y="0"/>
+          <a:ext cx="0" cy="0"/>
+          <a:chOff x="0" y="0"/>
+          <a:chExt cx="0" cy="0"/>
+        </a:xfrm>
+      </p:grpSpPr>
+      <p:sp>
+        <p:nvSpPr>
+          <p:cNvPr id="3" name="Content Placeholder 2">
+            <a:extLst>
+              <a:ext uri="{FF2B5EF4-FFF2-40B4-BE49-F238E27FC236}">
+                <a16:creationId xmlns:a16="http://schemas.microsoft.com/office/drawing/2014/main" id="{2E5DAAB6-C87E-4C10-8DDC-15F41DB00A20}"/>
+              </a:ext>
+            </a:extLst>
+          </p:cNvPr>
+          <p:cNvSpPr>
+            <a:spLocks noGrp="1"/>
+          </p:cNvSpPr>
+          <p:nvPr>
+            <p:ph idx="1"/>
+          </p:nvPr>
+        </p:nvSpPr>
+        <p:spPr>
+          <a:xfrm>
+            <a:off x="838200" y="1127760"/>
+            <a:ext cx="10515600" cy="5049203"/>
+          </a:xfrm>
+        </p:spPr>
+        <p:txBody>
+          <a:bodyPr>
+            <a:normAutofit/>
+          </a:bodyPr>
+          <a:lstStyle/>
+          <a:p>
+            <a:pPr marL="0" indent="0">
+              <a:buNone/>
+            </a:pPr>
+            <a:endParaRPr lang="en-CA" sz="2400" dirty="0">
+              <a:solidFill>
+                <a:schemeClr val="accent1">
+                  <a:lumMod val="75000"/>
+                </a:schemeClr>
+              </a:solidFill>
+            </a:endParaRPr>
+          </a:p>
+          <a:p>
+            <a:pPr marL="0" indent="0">
+              <a:buNone/>
+            </a:pPr>
+            <a:endParaRPr lang="en-CA" sz="2400" dirty="0"/>
+          </a:p>
+          <a:p>
+            <a:endParaRPr lang="en-CA" sz="2400" dirty="0"/>
+          </a:p>
+        </p:txBody>
+      </p:sp>
+      <p:pic>
+        <p:nvPicPr>
+          <p:cNvPr id="5" name="Picture 4">
+            <a:extLst>
+              <a:ext uri="{FF2B5EF4-FFF2-40B4-BE49-F238E27FC236}">
+                <a16:creationId xmlns:a16="http://schemas.microsoft.com/office/drawing/2014/main" id="{8977407B-874A-4791-897D-6196620D6F56}"/>
+              </a:ext>
+            </a:extLst>
+          </p:cNvPr>
+          <p:cNvPicPr>
+            <a:picLocks noChangeAspect="1"/>
+          </p:cNvPicPr>
+          <p:nvPr/>
+        </p:nvPicPr>
+        <p:blipFill>
+          <a:blip r:embed="rId2" cstate="hqprint">
+            <a:extLst>
+              <a:ext uri="{28A0092B-C50C-407E-A947-70E740481C1C}">
+                <a14:useLocalDpi xmlns:a14="http://schemas.microsoft.com/office/drawing/2010/main" val="0"/>
+              </a:ext>
+            </a:extLst>
+          </a:blip>
+          <a:stretch>
+            <a:fillRect/>
+          </a:stretch>
+        </p:blipFill>
+        <p:spPr>
+          <a:xfrm>
+            <a:off x="9916160" y="365125"/>
+            <a:ext cx="1437640" cy="418937"/>
+          </a:xfrm>
+          <a:prstGeom prst="rect">
+            <a:avLst/>
+          </a:prstGeom>
+        </p:spPr>
+      </p:pic>
+      <p:sp>
+        <p:nvSpPr>
+          <p:cNvPr id="7" name="Title 1">
+            <a:extLst>
+              <a:ext uri="{FF2B5EF4-FFF2-40B4-BE49-F238E27FC236}">
+                <a16:creationId xmlns:a16="http://schemas.microsoft.com/office/drawing/2014/main" id="{DF83123F-FFF6-4EB8-AA6C-703D18DCBD9D}"/>
+              </a:ext>
+            </a:extLst>
+          </p:cNvPr>
+          <p:cNvSpPr>
+            <a:spLocks noGrp="1"/>
+          </p:cNvSpPr>
+          <p:nvPr>
+            <p:ph type="title"/>
+          </p:nvPr>
+        </p:nvSpPr>
+        <p:spPr>
+          <a:xfrm>
+            <a:off x="838200" y="365125"/>
+            <a:ext cx="10515600" cy="762635"/>
+          </a:xfrm>
+        </p:spPr>
+        <p:txBody>
+          <a:bodyPr>
+            <a:normAutofit/>
+          </a:bodyPr>
+          <a:lstStyle/>
+          <a:p>
+            <a:r>
+              <a:rPr lang="en-CA" sz="3600" dirty="0"/>
+              <a:t>Golden Section Method</a:t>
+            </a:r>
+            <a:endParaRPr lang="en-US" sz="3600" dirty="0"/>
+          </a:p>
+        </p:txBody>
+      </p:sp>
+      <p:pic>
+        <p:nvPicPr>
+          <p:cNvPr id="4" name="Picture 3" descr="A close up of a map&#10;&#10;Description generated with very high confidence">
+            <a:extLst>
+              <a:ext uri="{FF2B5EF4-FFF2-40B4-BE49-F238E27FC236}">
+                <a16:creationId xmlns:a16="http://schemas.microsoft.com/office/drawing/2014/main" id="{6F7F02D7-F0E8-4ACF-B7CC-959B5D7282D2}"/>
+              </a:ext>
+            </a:extLst>
+          </p:cNvPr>
+          <p:cNvPicPr>
+            <a:picLocks noChangeAspect="1"/>
+          </p:cNvPicPr>
+          <p:nvPr/>
+        </p:nvPicPr>
+        <p:blipFill>
+          <a:blip r:embed="rId3">
+            <a:extLst>
+              <a:ext uri="{28A0092B-C50C-407E-A947-70E740481C1C}">
+                <a14:useLocalDpi xmlns:a14="http://schemas.microsoft.com/office/drawing/2010/main" val="0"/>
+              </a:ext>
+            </a:extLst>
+          </a:blip>
+          <a:stretch>
+            <a:fillRect/>
+          </a:stretch>
+        </p:blipFill>
+        <p:spPr>
+          <a:xfrm>
+            <a:off x="778721" y="1658381"/>
+            <a:ext cx="5317279" cy="3987959"/>
+          </a:xfrm>
+          <a:prstGeom prst="rect">
+            <a:avLst/>
+          </a:prstGeom>
+        </p:spPr>
+      </p:pic>
+      <p:pic>
+        <p:nvPicPr>
+          <p:cNvPr id="8" name="Picture 7" descr="A close up of a map&#10;&#10;Description generated with very high confidence">
+            <a:extLst>
+              <a:ext uri="{FF2B5EF4-FFF2-40B4-BE49-F238E27FC236}">
+                <a16:creationId xmlns:a16="http://schemas.microsoft.com/office/drawing/2014/main" id="{CF3EF8CE-D7AB-4D17-A165-93D49F443CCF}"/>
+              </a:ext>
+            </a:extLst>
+          </p:cNvPr>
+          <p:cNvPicPr>
+            <a:picLocks noChangeAspect="1"/>
+          </p:cNvPicPr>
+          <p:nvPr/>
+        </p:nvPicPr>
+        <p:blipFill>
+          <a:blip r:embed="rId4">
+            <a:extLst>
+              <a:ext uri="{28A0092B-C50C-407E-A947-70E740481C1C}">
+                <a14:useLocalDpi xmlns:a14="http://schemas.microsoft.com/office/drawing/2010/main" val="0"/>
+              </a:ext>
+            </a:extLst>
+          </a:blip>
+          <a:stretch>
+            <a:fillRect/>
+          </a:stretch>
+        </p:blipFill>
+        <p:spPr>
+          <a:xfrm>
+            <a:off x="6200352" y="1697512"/>
+            <a:ext cx="5212927" cy="3909695"/>
+          </a:xfrm>
+          <a:prstGeom prst="rect">
+            <a:avLst/>
+          </a:prstGeom>
+        </p:spPr>
+      </p:pic>
+      <p:sp>
+        <p:nvSpPr>
+          <p:cNvPr id="9" name="Rectangle: Rounded Corners 8">
+            <a:extLst>
+              <a:ext uri="{FF2B5EF4-FFF2-40B4-BE49-F238E27FC236}">
+                <a16:creationId xmlns:a16="http://schemas.microsoft.com/office/drawing/2014/main" id="{86EF7A26-F32C-42F4-BCE7-73FD5B42F8FC}"/>
+              </a:ext>
+            </a:extLst>
+          </p:cNvPr>
+          <p:cNvSpPr/>
+          <p:nvPr/>
+        </p:nvSpPr>
+        <p:spPr>
+          <a:xfrm>
+            <a:off x="2489200" y="2438400"/>
+            <a:ext cx="3413760" cy="2407920"/>
+          </a:xfrm>
+          <a:prstGeom prst="roundRect">
+            <a:avLst/>
+          </a:prstGeom>
+          <a:noFill/>
+          <a:ln w="19050">
+            <a:solidFill>
+              <a:srgbClr val="FF0000"/>
+            </a:solidFill>
+          </a:ln>
+        </p:spPr>
+        <p:style>
+          <a:lnRef idx="2">
+            <a:schemeClr val="accent6"/>
+          </a:lnRef>
+          <a:fillRef idx="1">
+            <a:schemeClr val="lt1"/>
+          </a:fillRef>
+          <a:effectRef idx="0">
+            <a:schemeClr val="accent6"/>
+          </a:effectRef>
+          <a:fontRef idx="minor">
+            <a:schemeClr val="dk1"/>
+          </a:fontRef>
+        </p:style>
+        <p:txBody>
+          <a:bodyPr rtlCol="0" anchor="ctr"/>
+          <a:lstStyle/>
+          <a:p>
+            <a:pPr algn="ctr"/>
+            <a:endParaRPr lang="en-US"/>
+          </a:p>
+        </p:txBody>
+      </p:sp>
+    </p:spTree>
+    <p:extLst>
+      <p:ext uri="{BB962C8B-B14F-4D97-AF65-F5344CB8AC3E}">
+        <p14:creationId xmlns:p14="http://schemas.microsoft.com/office/powerpoint/2010/main" val="4200179265"/>
+      </p:ext>
+    </p:extLst>
+  </p:cSld>
+  <p:clrMapOvr>
+    <a:masterClrMapping/>
+  </p:clrMapOvr>
+</p:sld>
+</file>
+
+<file path=ppt/slides/slide13.xml><?xml version="1.0" encoding="utf-8"?>
+<p:sld xmlns:a="http://schemas.openxmlformats.org/drawingml/2006/main" xmlns:r="http://schemas.openxmlformats.org/officeDocument/2006/relationships" xmlns:p="http://schemas.openxmlformats.org/presentationml/2006/main">
+  <p:cSld>
+    <p:spTree>
+      <p:nvGrpSpPr>
+        <p:cNvPr id="1" name=""/>
+        <p:cNvGrpSpPr/>
+        <p:nvPr/>
+      </p:nvGrpSpPr>
+      <p:grpSpPr>
+        <a:xfrm>
+          <a:off x="0" y="0"/>
+          <a:ext cx="0" cy="0"/>
+          <a:chOff x="0" y="0"/>
+          <a:chExt cx="0" cy="0"/>
+        </a:xfrm>
+      </p:grpSpPr>
+      <p:sp>
+        <p:nvSpPr>
+          <p:cNvPr id="3" name="Content Placeholder 2">
+            <a:extLst>
+              <a:ext uri="{FF2B5EF4-FFF2-40B4-BE49-F238E27FC236}">
+                <a16:creationId xmlns:a16="http://schemas.microsoft.com/office/drawing/2014/main" id="{2E5DAAB6-C87E-4C10-8DDC-15F41DB00A20}"/>
+              </a:ext>
+            </a:extLst>
+          </p:cNvPr>
+          <p:cNvSpPr>
+            <a:spLocks noGrp="1"/>
+          </p:cNvSpPr>
+          <p:nvPr>
+            <p:ph idx="1"/>
+          </p:nvPr>
+        </p:nvSpPr>
+        <p:spPr>
+          <a:xfrm>
+            <a:off x="838200" y="1127760"/>
+            <a:ext cx="10515600" cy="5049203"/>
+          </a:xfrm>
+        </p:spPr>
+        <p:txBody>
+          <a:bodyPr>
+            <a:normAutofit/>
+          </a:bodyPr>
+          <a:lstStyle/>
+          <a:p>
+            <a:pPr marL="0" indent="0">
+              <a:buNone/>
+            </a:pPr>
+            <a:endParaRPr lang="en-CA" sz="2400" dirty="0">
+              <a:solidFill>
+                <a:schemeClr val="accent1">
+                  <a:lumMod val="75000"/>
+                </a:schemeClr>
+              </a:solidFill>
+            </a:endParaRPr>
+          </a:p>
+          <a:p>
+            <a:pPr marL="0" indent="0">
+              <a:buNone/>
+            </a:pPr>
+            <a:endParaRPr lang="en-CA" sz="2400" dirty="0"/>
+          </a:p>
+          <a:p>
+            <a:endParaRPr lang="en-CA" sz="2400" dirty="0"/>
+          </a:p>
+        </p:txBody>
+      </p:sp>
+      <p:pic>
+        <p:nvPicPr>
+          <p:cNvPr id="5" name="Picture 4">
+            <a:extLst>
+              <a:ext uri="{FF2B5EF4-FFF2-40B4-BE49-F238E27FC236}">
+                <a16:creationId xmlns:a16="http://schemas.microsoft.com/office/drawing/2014/main" id="{8977407B-874A-4791-897D-6196620D6F56}"/>
+              </a:ext>
+            </a:extLst>
+          </p:cNvPr>
+          <p:cNvPicPr>
+            <a:picLocks noChangeAspect="1"/>
+          </p:cNvPicPr>
+          <p:nvPr/>
+        </p:nvPicPr>
+        <p:blipFill>
+          <a:blip r:embed="rId2" cstate="hqprint">
+            <a:extLst>
+              <a:ext uri="{28A0092B-C50C-407E-A947-70E740481C1C}">
+                <a14:useLocalDpi xmlns:a14="http://schemas.microsoft.com/office/drawing/2010/main" val="0"/>
+              </a:ext>
+            </a:extLst>
+          </a:blip>
+          <a:stretch>
+            <a:fillRect/>
+          </a:stretch>
+        </p:blipFill>
+        <p:spPr>
+          <a:xfrm>
+            <a:off x="9916160" y="365125"/>
+            <a:ext cx="1437640" cy="418937"/>
+          </a:xfrm>
+          <a:prstGeom prst="rect">
+            <a:avLst/>
+          </a:prstGeom>
+        </p:spPr>
+      </p:pic>
+      <p:sp>
+        <p:nvSpPr>
+          <p:cNvPr id="7" name="Title 1">
+            <a:extLst>
+              <a:ext uri="{FF2B5EF4-FFF2-40B4-BE49-F238E27FC236}">
+                <a16:creationId xmlns:a16="http://schemas.microsoft.com/office/drawing/2014/main" id="{DF83123F-FFF6-4EB8-AA6C-703D18DCBD9D}"/>
+              </a:ext>
+            </a:extLst>
+          </p:cNvPr>
+          <p:cNvSpPr>
+            <a:spLocks noGrp="1"/>
+          </p:cNvSpPr>
+          <p:nvPr>
+            <p:ph type="title"/>
+          </p:nvPr>
+        </p:nvSpPr>
+        <p:spPr>
+          <a:xfrm>
+            <a:off x="838200" y="365125"/>
+            <a:ext cx="10515600" cy="762635"/>
+          </a:xfrm>
+        </p:spPr>
+        <p:txBody>
+          <a:bodyPr>
+            <a:normAutofit/>
+          </a:bodyPr>
+          <a:lstStyle/>
+          <a:p>
+            <a:r>
+              <a:rPr lang="en-CA" sz="3600" dirty="0"/>
+              <a:t>Golden Section Method</a:t>
+            </a:r>
+            <a:endParaRPr lang="en-US" sz="3600" dirty="0"/>
+          </a:p>
+        </p:txBody>
+      </p:sp>
+      <p:pic>
+        <p:nvPicPr>
+          <p:cNvPr id="4" name="Picture 3" descr="A close up of a map&#10;&#10;Description generated with very high confidence">
+            <a:extLst>
+              <a:ext uri="{FF2B5EF4-FFF2-40B4-BE49-F238E27FC236}">
+                <a16:creationId xmlns:a16="http://schemas.microsoft.com/office/drawing/2014/main" id="{6F7F02D7-F0E8-4ACF-B7CC-959B5D7282D2}"/>
+              </a:ext>
+            </a:extLst>
+          </p:cNvPr>
+          <p:cNvPicPr>
+            <a:picLocks noChangeAspect="1"/>
+          </p:cNvPicPr>
+          <p:nvPr/>
+        </p:nvPicPr>
+        <p:blipFill>
+          <a:blip r:embed="rId3">
+            <a:extLst>
+              <a:ext uri="{28A0092B-C50C-407E-A947-70E740481C1C}">
+                <a14:useLocalDpi xmlns:a14="http://schemas.microsoft.com/office/drawing/2010/main" val="0"/>
+              </a:ext>
+            </a:extLst>
+          </a:blip>
+          <a:stretch>
+            <a:fillRect/>
+          </a:stretch>
+        </p:blipFill>
+        <p:spPr>
+          <a:xfrm>
+            <a:off x="778721" y="1658381"/>
+            <a:ext cx="5317279" cy="3987959"/>
+          </a:xfrm>
+          <a:prstGeom prst="rect">
+            <a:avLst/>
+          </a:prstGeom>
+        </p:spPr>
+      </p:pic>
+      <p:pic>
+        <p:nvPicPr>
+          <p:cNvPr id="8" name="Picture 7" descr="A close up of a map&#10;&#10;Description generated with very high confidence">
+            <a:extLst>
+              <a:ext uri="{FF2B5EF4-FFF2-40B4-BE49-F238E27FC236}">
+                <a16:creationId xmlns:a16="http://schemas.microsoft.com/office/drawing/2014/main" id="{CF3EF8CE-D7AB-4D17-A165-93D49F443CCF}"/>
+              </a:ext>
+            </a:extLst>
+          </p:cNvPr>
+          <p:cNvPicPr>
+            <a:picLocks noChangeAspect="1"/>
+          </p:cNvPicPr>
+          <p:nvPr/>
+        </p:nvPicPr>
+        <p:blipFill>
+          <a:blip r:embed="rId4">
+            <a:extLst>
+              <a:ext uri="{28A0092B-C50C-407E-A947-70E740481C1C}">
+                <a14:useLocalDpi xmlns:a14="http://schemas.microsoft.com/office/drawing/2010/main" val="0"/>
+              </a:ext>
+            </a:extLst>
+          </a:blip>
+          <a:stretch>
+            <a:fillRect/>
+          </a:stretch>
+        </p:blipFill>
+        <p:spPr>
+          <a:xfrm>
+            <a:off x="6200352" y="1697512"/>
+            <a:ext cx="5212927" cy="3909695"/>
+          </a:xfrm>
+          <a:prstGeom prst="rect">
+            <a:avLst/>
+          </a:prstGeom>
+        </p:spPr>
+      </p:pic>
+      <p:sp>
+        <p:nvSpPr>
+          <p:cNvPr id="9" name="Rectangle: Rounded Corners 8">
+            <a:extLst>
+              <a:ext uri="{FF2B5EF4-FFF2-40B4-BE49-F238E27FC236}">
+                <a16:creationId xmlns:a16="http://schemas.microsoft.com/office/drawing/2014/main" id="{86EF7A26-F32C-42F4-BCE7-73FD5B42F8FC}"/>
+              </a:ext>
+            </a:extLst>
+          </p:cNvPr>
+          <p:cNvSpPr/>
+          <p:nvPr/>
+        </p:nvSpPr>
+        <p:spPr>
+          <a:xfrm>
+            <a:off x="2489200" y="2438400"/>
+            <a:ext cx="3413760" cy="2407920"/>
+          </a:xfrm>
+          <a:prstGeom prst="roundRect">
+            <a:avLst/>
+          </a:prstGeom>
+          <a:noFill/>
+          <a:ln w="19050">
+            <a:solidFill>
+              <a:srgbClr val="FF0000"/>
+            </a:solidFill>
+          </a:ln>
+        </p:spPr>
+        <p:style>
+          <a:lnRef idx="2">
+            <a:schemeClr val="accent6"/>
+          </a:lnRef>
+          <a:fillRef idx="1">
+            <a:schemeClr val="lt1"/>
+          </a:fillRef>
+          <a:effectRef idx="0">
+            <a:schemeClr val="accent6"/>
+          </a:effectRef>
+          <a:fontRef idx="minor">
+            <a:schemeClr val="dk1"/>
+          </a:fontRef>
+        </p:style>
+        <p:txBody>
+          <a:bodyPr rtlCol="0" anchor="ctr"/>
+          <a:lstStyle/>
+          <a:p>
+            <a:pPr algn="ctr"/>
+            <a:endParaRPr lang="en-US"/>
+          </a:p>
+        </p:txBody>
+      </p:sp>
+      <p:sp>
+        <p:nvSpPr>
+          <p:cNvPr id="15" name="Oval 14">
+            <a:extLst>
+              <a:ext uri="{FF2B5EF4-FFF2-40B4-BE49-F238E27FC236}">
+                <a16:creationId xmlns:a16="http://schemas.microsoft.com/office/drawing/2014/main" id="{0CFD1252-8AB0-404E-BF86-F6F20545BFE3}"/>
+              </a:ext>
+            </a:extLst>
+          </p:cNvPr>
+          <p:cNvSpPr/>
+          <p:nvPr/>
+        </p:nvSpPr>
+        <p:spPr>
+          <a:xfrm>
+            <a:off x="8239760" y="2438400"/>
+            <a:ext cx="274320" cy="266700"/>
+          </a:xfrm>
+          <a:prstGeom prst="ellipse">
+            <a:avLst/>
+          </a:prstGeom>
+          <a:noFill/>
+          <a:ln w="19050">
+            <a:solidFill>
+              <a:srgbClr val="1DFF5E"/>
+            </a:solidFill>
+          </a:ln>
+        </p:spPr>
+        <p:style>
+          <a:lnRef idx="2">
+            <a:schemeClr val="accent1">
+              <a:shade val="50000"/>
+            </a:schemeClr>
+          </a:lnRef>
+          <a:fillRef idx="1">
+            <a:schemeClr val="accent1"/>
+          </a:fillRef>
+          <a:effectRef idx="0">
+            <a:schemeClr val="accent1"/>
+          </a:effectRef>
+          <a:fontRef idx="minor">
+            <a:schemeClr val="lt1"/>
+          </a:fontRef>
+        </p:style>
+        <p:txBody>
+          <a:bodyPr rtlCol="0" anchor="ctr"/>
+          <a:lstStyle/>
+          <a:p>
+            <a:pPr algn="ctr"/>
+            <a:endParaRPr lang="en-US"/>
+          </a:p>
+        </p:txBody>
+      </p:sp>
+      <p:sp>
+        <p:nvSpPr>
+          <p:cNvPr id="16" name="Oval 15">
+            <a:extLst>
+              <a:ext uri="{FF2B5EF4-FFF2-40B4-BE49-F238E27FC236}">
+                <a16:creationId xmlns:a16="http://schemas.microsoft.com/office/drawing/2014/main" id="{8A6D520A-E7A6-4F09-8D27-844FBFAB895C}"/>
+              </a:ext>
+            </a:extLst>
+          </p:cNvPr>
+          <p:cNvSpPr/>
+          <p:nvPr/>
+        </p:nvSpPr>
+        <p:spPr>
+          <a:xfrm>
+            <a:off x="8239760" y="3778091"/>
+            <a:ext cx="274320" cy="266700"/>
+          </a:xfrm>
+          <a:prstGeom prst="ellipse">
+            <a:avLst/>
+          </a:prstGeom>
+          <a:noFill/>
+          <a:ln w="19050">
+            <a:solidFill>
+              <a:srgbClr val="1DFF5E"/>
+            </a:solidFill>
+          </a:ln>
+        </p:spPr>
+        <p:style>
+          <a:lnRef idx="2">
+            <a:schemeClr val="accent1">
+              <a:shade val="50000"/>
+            </a:schemeClr>
+          </a:lnRef>
+          <a:fillRef idx="1">
+            <a:schemeClr val="accent1"/>
+          </a:fillRef>
+          <a:effectRef idx="0">
+            <a:schemeClr val="accent1"/>
+          </a:effectRef>
+          <a:fontRef idx="minor">
+            <a:schemeClr val="lt1"/>
+          </a:fontRef>
+        </p:style>
+        <p:txBody>
+          <a:bodyPr rtlCol="0" anchor="ctr"/>
+          <a:lstStyle/>
+          <a:p>
+            <a:pPr algn="ctr"/>
+            <a:endParaRPr lang="en-US"/>
+          </a:p>
+        </p:txBody>
+      </p:sp>
+    </p:spTree>
+    <p:extLst>
+      <p:ext uri="{BB962C8B-B14F-4D97-AF65-F5344CB8AC3E}">
+        <p14:creationId xmlns:p14="http://schemas.microsoft.com/office/powerpoint/2010/main" val="2291285242"/>
+      </p:ext>
+    </p:extLst>
+  </p:cSld>
+  <p:clrMapOvr>
+    <a:masterClrMapping/>
+  </p:clrMapOvr>
+</p:sld>
+</file>
+
+<file path=ppt/slides/slide14.xml><?xml version="1.0" encoding="utf-8"?>
+<p:sld xmlns:a="http://schemas.openxmlformats.org/drawingml/2006/main" xmlns:r="http://schemas.openxmlformats.org/officeDocument/2006/relationships" xmlns:p="http://schemas.openxmlformats.org/presentationml/2006/main">
+  <p:cSld>
+    <p:spTree>
+      <p:nvGrpSpPr>
+        <p:cNvPr id="1" name=""/>
+        <p:cNvGrpSpPr/>
+        <p:nvPr/>
+      </p:nvGrpSpPr>
+      <p:grpSpPr>
+        <a:xfrm>
+          <a:off x="0" y="0"/>
+          <a:ext cx="0" cy="0"/>
+          <a:chOff x="0" y="0"/>
+          <a:chExt cx="0" cy="0"/>
+        </a:xfrm>
+      </p:grpSpPr>
       <p:pic>
         <p:nvPicPr>
           <p:cNvPr id="11" name="Picture 10" descr="A close up of a map&#10;&#10;Description generated with very high confidence">
@@ -3781,7 +4622,7 @@
           <p:nvPr/>
         </p:nvPicPr>
         <p:blipFill>
-          <a:blip r:embed="rId3">
+          <a:blip r:embed="rId3" cstate="hqprint">
             <a:extLst>
               <a:ext uri="{28A0092B-C50C-407E-A947-70E740481C1C}">
                 <a14:useLocalDpi xmlns:a14="http://schemas.microsoft.com/office/drawing/2010/main" val="0"/>
@@ -4102,7 +4943,7 @@
 </p:sld>
 </file>
 
-<file path=ppt/slides/slide12.xml><?xml version="1.0" encoding="utf-8"?>
+<file path=ppt/slides/slide15.xml><?xml version="1.0" encoding="utf-8"?>
 <p:sld xmlns:a="http://schemas.openxmlformats.org/drawingml/2006/main" xmlns:r="http://schemas.openxmlformats.org/officeDocument/2006/relationships" xmlns:p="http://schemas.openxmlformats.org/presentationml/2006/main">
   <p:cSld>
     <p:spTree>
@@ -4271,7 +5112,7 @@
           <p:nvPr/>
         </p:nvPicPr>
         <p:blipFill>
-          <a:blip r:embed="rId2">
+          <a:blip r:embed="rId2" cstate="hqprint">
             <a:extLst>
               <a:ext uri="{28A0092B-C50C-407E-A947-70E740481C1C}">
                 <a14:useLocalDpi xmlns:a14="http://schemas.microsoft.com/office/drawing/2010/main" val="0"/>
@@ -4600,7 +5441,7 @@
 </p:sld>
 </file>
 
-<file path=ppt/slides/slide13.xml><?xml version="1.0" encoding="utf-8"?>
+<file path=ppt/slides/slide16.xml><?xml version="1.0" encoding="utf-8"?>
 <p:sld xmlns:a="http://schemas.openxmlformats.org/drawingml/2006/main" xmlns:r="http://schemas.openxmlformats.org/officeDocument/2006/relationships" xmlns:p="http://schemas.openxmlformats.org/presentationml/2006/main">
   <p:cSld>
     <p:spTree>
@@ -4684,7 +5525,7 @@
           <p:nvPr/>
         </p:nvPicPr>
         <p:blipFill>
-          <a:blip r:embed="rId2">
+          <a:blip r:embed="rId2" cstate="hqprint">
             <a:extLst>
               <a:ext uri="{28A0092B-C50C-407E-A947-70E740481C1C}">
                 <a14:useLocalDpi xmlns:a14="http://schemas.microsoft.com/office/drawing/2010/main" val="0"/>
@@ -5370,7 +6211,7 @@
 </p:sld>
 </file>
 
-<file path=ppt/slides/slide14.xml><?xml version="1.0" encoding="utf-8"?>
+<file path=ppt/slides/slide17.xml><?xml version="1.0" encoding="utf-8"?>
 <p:sld xmlns:a="http://schemas.openxmlformats.org/drawingml/2006/main" xmlns:r="http://schemas.openxmlformats.org/officeDocument/2006/relationships" xmlns:p="http://schemas.openxmlformats.org/presentationml/2006/main">
   <p:cSld>
     <p:spTree>
@@ -5497,7 +6338,7 @@
           <p:nvPr/>
         </p:nvPicPr>
         <p:blipFill>
-          <a:blip r:embed="rId2">
+          <a:blip r:embed="rId2" cstate="hqprint">
             <a:extLst>
               <a:ext uri="{28A0092B-C50C-407E-A947-70E740481C1C}">
                 <a14:useLocalDpi xmlns:a14="http://schemas.microsoft.com/office/drawing/2010/main" val="0"/>
@@ -5585,7 +6426,7 @@
 </p:sld>
 </file>
 
-<file path=ppt/slides/slide15.xml><?xml version="1.0" encoding="utf-8"?>
+<file path=ppt/slides/slide18.xml><?xml version="1.0" encoding="utf-8"?>
 <p:sld xmlns:a="http://schemas.openxmlformats.org/drawingml/2006/main" xmlns:r="http://schemas.openxmlformats.org/officeDocument/2006/relationships" xmlns:p="http://schemas.openxmlformats.org/presentationml/2006/main">
   <p:cSld>
     <p:spTree>
@@ -5669,7 +6510,7 @@
           <p:nvPr/>
         </p:nvPicPr>
         <p:blipFill>
-          <a:blip r:embed="rId2">
+          <a:blip r:embed="rId2" cstate="hqprint">
             <a:extLst>
               <a:ext uri="{28A0092B-C50C-407E-A947-70E740481C1C}">
                 <a14:useLocalDpi xmlns:a14="http://schemas.microsoft.com/office/drawing/2010/main" val="0"/>
@@ -5891,7 +6732,7 @@
           <p:nvPr/>
         </p:nvPicPr>
         <p:blipFill>
-          <a:blip r:embed="rId2">
+          <a:blip r:embed="rId2" cstate="hqprint">
             <a:extLst>
               <a:ext uri="{28A0092B-C50C-407E-A947-70E740481C1C}">
                 <a14:useLocalDpi xmlns:a14="http://schemas.microsoft.com/office/drawing/2010/main" val="0"/>
@@ -5987,7 +6828,7 @@
           <p:nvPr/>
         </p:nvPicPr>
         <p:blipFill>
-          <a:blip r:embed="rId2">
+          <a:blip r:embed="rId2" cstate="hqprint">
             <a:extLst>
               <a:ext uri="{28A0092B-C50C-407E-A947-70E740481C1C}">
                 <a14:useLocalDpi xmlns:a14="http://schemas.microsoft.com/office/drawing/2010/main" val="0"/>
@@ -6164,7 +7005,7 @@
           <p:nvPr/>
         </p:nvPicPr>
         <p:blipFill>
-          <a:blip r:embed="rId2">
+          <a:blip r:embed="rId2" cstate="hqprint">
             <a:extLst>
               <a:ext uri="{28A0092B-C50C-407E-A947-70E740481C1C}">
                 <a14:useLocalDpi xmlns:a14="http://schemas.microsoft.com/office/drawing/2010/main" val="0"/>
@@ -6298,146 +7139,33 @@
           </a:bodyPr>
           <a:lstStyle/>
           <a:p>
-            <a:pPr marL="0" indent="0">
-              <a:buNone/>
-            </a:pPr>
+            <a:r>
+              <a:rPr lang="en-CA" sz="2400" dirty="0" smtClean="0"/>
+              <a:t>Method:</a:t>
+            </a:r>
+          </a:p>
+          <a:p>
+            <a:pPr lvl="1"/>
+            <a:r>
+              <a:rPr lang="en-CA" sz="2000" dirty="0" smtClean="0"/>
+              <a:t>Control Variate;</a:t>
+            </a:r>
+          </a:p>
+          <a:p>
+            <a:pPr lvl="1"/>
+            <a:r>
+              <a:rPr lang="en-CA" sz="2000" dirty="0" smtClean="0"/>
+              <a:t>Number of groups that arrived;</a:t>
+            </a:r>
+          </a:p>
+          <a:p>
+            <a:r>
+              <a:rPr lang="en-CA" sz="2400" dirty="0" smtClean="0"/>
+              <a:t>Usual number of runs: 100 (minimum accepted);</a:t>
+            </a:r>
+          </a:p>
+          <a:p>
             <a:endParaRPr lang="en-CA" sz="2400" dirty="0"/>
-          </a:p>
-          <a:p>
-            <a:pPr marL="0" indent="0">
-              <a:buNone/>
-            </a:pPr>
-            <a:r>
-              <a:rPr lang="en-CA" sz="2400" dirty="0">
-                <a:solidFill>
-                  <a:schemeClr val="accent1"/>
-                </a:solidFill>
-              </a:rPr>
-              <a:t>Limitation of baseline VNS</a:t>
-            </a:r>
-          </a:p>
-          <a:p>
-            <a:r>
-              <a:rPr lang="en-CA" sz="2400" dirty="0"/>
-              <a:t>The neighborhood size for </a:t>
-            </a:r>
-            <a:r>
-              <a:rPr lang="en-CA" sz="2400" b="1" dirty="0"/>
-              <a:t>adding/removing tables</a:t>
-            </a:r>
-            <a:r>
-              <a:rPr lang="en-CA" sz="2400" dirty="0"/>
-              <a:t> grows non-linearly. </a:t>
-            </a:r>
-            <a:r>
-              <a:rPr lang="en-CA" sz="2400" dirty="0">
-                <a:solidFill>
-                  <a:schemeClr val="accent2"/>
-                </a:solidFill>
-              </a:rPr>
-              <a:t>E.g.</a:t>
-            </a:r>
-            <a:endParaRPr lang="en-CA" sz="2000" dirty="0">
-              <a:solidFill>
-                <a:schemeClr val="accent2"/>
-              </a:solidFill>
-            </a:endParaRPr>
-          </a:p>
-          <a:p>
-            <a:pPr marL="0" indent="0" algn="ctr">
-              <a:buNone/>
-            </a:pPr>
-            <a:r>
-              <a:rPr lang="en-CA" sz="2000" dirty="0">
-                <a:solidFill>
-                  <a:schemeClr val="accent2"/>
-                </a:solidFill>
-              </a:rPr>
-              <a:t>Adding 1 table: 4 neighbors</a:t>
-            </a:r>
-          </a:p>
-          <a:p>
-            <a:pPr marL="0" indent="0" algn="ctr">
-              <a:buNone/>
-            </a:pPr>
-            <a:r>
-              <a:rPr lang="en-CA" sz="2000" dirty="0">
-                <a:solidFill>
-                  <a:schemeClr val="accent2"/>
-                </a:solidFill>
-              </a:rPr>
-              <a:t>Adding 2 tables: 4</a:t>
-            </a:r>
-            <a:r>
-              <a:rPr lang="en-CA" sz="2000" baseline="30000" dirty="0">
-                <a:solidFill>
-                  <a:schemeClr val="accent2"/>
-                </a:solidFill>
-              </a:rPr>
-              <a:t>2</a:t>
-            </a:r>
-            <a:r>
-              <a:rPr lang="en-CA" sz="2000" dirty="0">
-                <a:solidFill>
-                  <a:schemeClr val="accent2"/>
-                </a:solidFill>
-              </a:rPr>
-              <a:t> neighbors</a:t>
-            </a:r>
-          </a:p>
-          <a:p>
-            <a:pPr marL="0" indent="0" algn="ctr">
-              <a:buNone/>
-            </a:pPr>
-            <a:r>
-              <a:rPr lang="en-CA" sz="2000" dirty="0">
-                <a:solidFill>
-                  <a:schemeClr val="accent2"/>
-                </a:solidFill>
-              </a:rPr>
-              <a:t>Adding 3 tables: 4</a:t>
-            </a:r>
-            <a:r>
-              <a:rPr lang="en-CA" sz="2000" baseline="30000" dirty="0">
-                <a:solidFill>
-                  <a:schemeClr val="accent2"/>
-                </a:solidFill>
-              </a:rPr>
-              <a:t>3</a:t>
-            </a:r>
-            <a:r>
-              <a:rPr lang="en-CA" sz="2000" dirty="0">
-                <a:solidFill>
-                  <a:schemeClr val="accent2"/>
-                </a:solidFill>
-              </a:rPr>
-              <a:t> neighbors</a:t>
-            </a:r>
-          </a:p>
-          <a:p>
-            <a:pPr marL="0" indent="0" algn="ctr">
-              <a:buNone/>
-            </a:pPr>
-            <a:r>
-              <a:rPr lang="en-CA" sz="2000" dirty="0">
-                <a:solidFill>
-                  <a:schemeClr val="accent2"/>
-                </a:solidFill>
-              </a:rPr>
-              <a:t>…</a:t>
-            </a:r>
-          </a:p>
-          <a:p>
-            <a:r>
-              <a:rPr lang="en-CA" sz="2400" dirty="0"/>
-              <a:t>Costly to check a sufficiently large number of neighbors.</a:t>
-            </a:r>
-          </a:p>
-          <a:p>
-            <a:r>
-              <a:rPr lang="en-CA" sz="2400" dirty="0"/>
-              <a:t>Limiting the neighborhood size will likely lead to suboptimal profit.</a:t>
-            </a:r>
           </a:p>
         </p:txBody>
       </p:sp>
@@ -6456,7 +7184,7 @@
           <p:nvPr/>
         </p:nvPicPr>
         <p:blipFill>
-          <a:blip r:embed="rId2">
+          <a:blip r:embed="rId2" cstate="hqprint">
             <a:extLst>
               <a:ext uri="{28A0092B-C50C-407E-A947-70E740481C1C}">
                 <a14:useLocalDpi xmlns:a14="http://schemas.microsoft.com/office/drawing/2010/main" val="0"/>
@@ -6525,17 +7253,65 @@
           </a:lstStyle>
           <a:p>
             <a:r>
-              <a:rPr lang="en-CA" sz="3600" dirty="0"/>
-              <a:t>Reducing the Neighborhood Size</a:t>
+              <a:rPr lang="en-CA" sz="3600" dirty="0" smtClean="0"/>
+              <a:t>Variance Reduction</a:t>
             </a:r>
             <a:endParaRPr lang="en-US" sz="3600" dirty="0"/>
           </a:p>
         </p:txBody>
       </p:sp>
+      <p:pic>
+        <p:nvPicPr>
+          <p:cNvPr id="6" name="Picture 5"/>
+          <p:cNvPicPr>
+            <a:picLocks noChangeAspect="1"/>
+          </p:cNvPicPr>
+          <p:nvPr/>
+        </p:nvPicPr>
+        <p:blipFill>
+          <a:blip r:embed="rId3"/>
+          <a:stretch>
+            <a:fillRect/>
+          </a:stretch>
+        </p:blipFill>
+        <p:spPr>
+          <a:xfrm>
+            <a:off x="1107768" y="2828298"/>
+            <a:ext cx="4856251" cy="3240000"/>
+          </a:xfrm>
+          <a:prstGeom prst="rect">
+            <a:avLst/>
+          </a:prstGeom>
+        </p:spPr>
+      </p:pic>
+      <p:pic>
+        <p:nvPicPr>
+          <p:cNvPr id="10" name="Picture 9"/>
+          <p:cNvPicPr>
+            <a:picLocks noChangeAspect="1"/>
+          </p:cNvPicPr>
+          <p:nvPr/>
+        </p:nvPicPr>
+        <p:blipFill>
+          <a:blip r:embed="rId4"/>
+          <a:stretch>
+            <a:fillRect/>
+          </a:stretch>
+        </p:blipFill>
+        <p:spPr>
+          <a:xfrm>
+            <a:off x="5964019" y="2828298"/>
+            <a:ext cx="4856250" cy="3240000"/>
+          </a:xfrm>
+          <a:prstGeom prst="rect">
+            <a:avLst/>
+          </a:prstGeom>
+        </p:spPr>
+      </p:pic>
     </p:spTree>
     <p:extLst>
       <p:ext uri="{BB962C8B-B14F-4D97-AF65-F5344CB8AC3E}">
-        <p14:creationId xmlns:p14="http://schemas.microsoft.com/office/powerpoint/2010/main" val="3678772537"/>
+        <p14:creationId xmlns:p14="http://schemas.microsoft.com/office/powerpoint/2010/main" val="3758714554"/>
       </p:ext>
     </p:extLst>
   </p:cSld>
@@ -6590,73 +7366,25 @@
           </a:bodyPr>
           <a:lstStyle/>
           <a:p>
-            <a:pPr marL="0" indent="0">
-              <a:buNone/>
-            </a:pPr>
-            <a:endParaRPr lang="en-CA" sz="2400" dirty="0">
-              <a:solidFill>
-                <a:schemeClr val="accent1">
-                  <a:lumMod val="75000"/>
-                </a:schemeClr>
-              </a:solidFill>
-            </a:endParaRPr>
-          </a:p>
-          <a:p>
-            <a:pPr marL="0" indent="0">
-              <a:buNone/>
-            </a:pPr>
-            <a:endParaRPr lang="en-CA" sz="2400" dirty="0">
-              <a:solidFill>
-                <a:schemeClr val="accent1">
-                  <a:lumMod val="75000"/>
-                </a:schemeClr>
-              </a:solidFill>
-            </a:endParaRPr>
-          </a:p>
-          <a:p>
-            <a:pPr marL="0" indent="0">
-              <a:buNone/>
-            </a:pPr>
-            <a:r>
-              <a:rPr lang="en-CA" sz="2400" dirty="0">
-                <a:solidFill>
-                  <a:schemeClr val="accent1">
-                    <a:lumMod val="75000"/>
-                  </a:schemeClr>
-                </a:solidFill>
-              </a:rPr>
-              <a:t>Idea</a:t>
-            </a:r>
-          </a:p>
-          <a:p>
-            <a:r>
-              <a:rPr lang="en-CA" sz="2400" dirty="0"/>
-              <a:t>The new restaurant can have anywhere from 200 to 400 seats. </a:t>
-            </a:r>
-          </a:p>
-          <a:p>
-            <a:r>
-              <a:rPr lang="en-CA" sz="2400" dirty="0"/>
-              <a:t>Successively narrow this interval by optimizing mean profit at discrete points.</a:t>
-            </a:r>
-          </a:p>
-          <a:p>
-            <a:r>
-              <a:rPr lang="en-CA" sz="2400" dirty="0"/>
-              <a:t>In the beginning, use a greedy heuristic to quickly narrow down the interval.</a:t>
-            </a:r>
-          </a:p>
-          <a:p>
-            <a:r>
-              <a:rPr lang="en-CA" sz="2400" dirty="0"/>
-              <a:t>When the interval becomes “small enough”, use VNS.</a:t>
-            </a:r>
-          </a:p>
-          <a:p>
-            <a:r>
-              <a:rPr lang="en-CA" sz="2400" dirty="0"/>
-              <a:t>We can eliminate the neighborhood structure for adding/removing tables.</a:t>
-            </a:r>
+            <a:r>
+              <a:rPr lang="en-CA" sz="2400" dirty="0" smtClean="0"/>
+              <a:t>Table arrangement:</a:t>
+            </a:r>
+          </a:p>
+          <a:p>
+            <a:pPr lvl="1"/>
+            <a:r>
+              <a:rPr lang="en-CA" sz="2000" dirty="0" smtClean="0"/>
+              <a:t>200 seats;</a:t>
+            </a:r>
+          </a:p>
+          <a:p>
+            <a:pPr lvl="1"/>
+            <a:r>
+              <a:rPr lang="en-CA" sz="2000" dirty="0" smtClean="0"/>
+              <a:t>40 tables size 5;</a:t>
+            </a:r>
+            <a:endParaRPr lang="en-CA" sz="2000" dirty="0" smtClean="0"/>
           </a:p>
         </p:txBody>
       </p:sp>
@@ -6675,7 +7403,7 @@
           <p:nvPr/>
         </p:nvPicPr>
         <p:blipFill>
-          <a:blip r:embed="rId2">
+          <a:blip r:embed="rId2" cstate="hqprint">
             <a:extLst>
               <a:ext uri="{28A0092B-C50C-407E-A947-70E740481C1C}">
                 <a14:useLocalDpi xmlns:a14="http://schemas.microsoft.com/office/drawing/2010/main" val="0"/>
@@ -6698,44 +7426,135 @@
       </p:pic>
       <p:sp>
         <p:nvSpPr>
-          <p:cNvPr id="7" name="Title 1">
+          <p:cNvPr id="8" name="Title 1">
             <a:extLst>
               <a:ext uri="{FF2B5EF4-FFF2-40B4-BE49-F238E27FC236}">
-                <a16:creationId xmlns:a16="http://schemas.microsoft.com/office/drawing/2014/main" id="{DF83123F-FFF6-4EB8-AA6C-703D18DCBD9D}"/>
+                <a16:creationId xmlns:a16="http://schemas.microsoft.com/office/drawing/2014/main" id="{3C0D5108-0220-49D1-BFA7-E8863D4F1E1D}"/>
               </a:ext>
             </a:extLst>
           </p:cNvPr>
-          <p:cNvSpPr>
-            <a:spLocks noGrp="1"/>
-          </p:cNvSpPr>
-          <p:nvPr>
-            <p:ph type="title"/>
-          </p:nvPr>
+          <p:cNvSpPr txBox="1">
+            <a:spLocks/>
+          </p:cNvSpPr>
+          <p:nvPr/>
         </p:nvSpPr>
         <p:spPr>
           <a:xfrm>
             <a:off x="838200" y="365125"/>
             <a:ext cx="10515600" cy="762635"/>
           </a:xfrm>
-        </p:spPr>
-        <p:txBody>
-          <a:bodyPr>
+          <a:prstGeom prst="rect">
+            <a:avLst/>
+          </a:prstGeom>
+        </p:spPr>
+        <p:txBody>
+          <a:bodyPr vert="horz" lIns="91440" tIns="45720" rIns="91440" bIns="45720" rtlCol="0" anchor="ctr">
             <a:normAutofit/>
           </a:bodyPr>
-          <a:lstStyle/>
-          <a:p>
-            <a:r>
-              <a:rPr lang="en-CA" sz="3600" dirty="0"/>
-              <a:t>Golden Section Method</a:t>
+          <a:lstStyle>
+            <a:lvl1pPr algn="l" defTabSz="914400" rtl="0" eaLnBrk="1" latinLnBrk="0" hangingPunct="1">
+              <a:lnSpc>
+                <a:spcPct val="90000"/>
+              </a:lnSpc>
+              <a:spcBef>
+                <a:spcPct val="0"/>
+              </a:spcBef>
+              <a:buNone/>
+              <a:defRPr sz="4400" kern="1200">
+                <a:solidFill>
+                  <a:schemeClr val="tx1"/>
+                </a:solidFill>
+                <a:latin typeface="+mj-lt"/>
+                <a:ea typeface="+mj-ea"/>
+                <a:cs typeface="+mj-cs"/>
+              </a:defRPr>
+            </a:lvl1pPr>
+          </a:lstStyle>
+          <a:p>
+            <a:r>
+              <a:rPr lang="en-CA" sz="3600" dirty="0" smtClean="0"/>
+              <a:t>Simulation results</a:t>
             </a:r>
             <a:endParaRPr lang="en-US" sz="3600" dirty="0"/>
           </a:p>
         </p:txBody>
       </p:sp>
+      <p:pic>
+        <p:nvPicPr>
+          <p:cNvPr id="2" name="Picture 1"/>
+          <p:cNvPicPr>
+            <a:picLocks noChangeAspect="1"/>
+          </p:cNvPicPr>
+          <p:nvPr/>
+        </p:nvPicPr>
+        <p:blipFill>
+          <a:blip r:embed="rId3"/>
+          <a:stretch>
+            <a:fillRect/>
+          </a:stretch>
+        </p:blipFill>
+        <p:spPr>
+          <a:xfrm>
+            <a:off x="51360" y="3218047"/>
+            <a:ext cx="4046880" cy="2700000"/>
+          </a:xfrm>
+          <a:prstGeom prst="rect">
+            <a:avLst/>
+          </a:prstGeom>
+        </p:spPr>
+      </p:pic>
+      <p:pic>
+        <p:nvPicPr>
+          <p:cNvPr id="4" name="Picture 3"/>
+          <p:cNvPicPr>
+            <a:picLocks noChangeAspect="1"/>
+          </p:cNvPicPr>
+          <p:nvPr/>
+        </p:nvPicPr>
+        <p:blipFill>
+          <a:blip r:embed="rId4"/>
+          <a:stretch>
+            <a:fillRect/>
+          </a:stretch>
+        </p:blipFill>
+        <p:spPr>
+          <a:xfrm>
+            <a:off x="4098240" y="3218047"/>
+            <a:ext cx="4046880" cy="2700000"/>
+          </a:xfrm>
+          <a:prstGeom prst="rect">
+            <a:avLst/>
+          </a:prstGeom>
+        </p:spPr>
+      </p:pic>
+      <p:pic>
+        <p:nvPicPr>
+          <p:cNvPr id="7" name="Picture 6"/>
+          <p:cNvPicPr>
+            <a:picLocks noChangeAspect="1"/>
+          </p:cNvPicPr>
+          <p:nvPr/>
+        </p:nvPicPr>
+        <p:blipFill>
+          <a:blip r:embed="rId5"/>
+          <a:stretch>
+            <a:fillRect/>
+          </a:stretch>
+        </p:blipFill>
+        <p:spPr>
+          <a:xfrm>
+            <a:off x="8145120" y="3218047"/>
+            <a:ext cx="4046880" cy="2700000"/>
+          </a:xfrm>
+          <a:prstGeom prst="rect">
+            <a:avLst/>
+          </a:prstGeom>
+        </p:spPr>
+      </p:pic>
     </p:spTree>
     <p:extLst>
       <p:ext uri="{BB962C8B-B14F-4D97-AF65-F5344CB8AC3E}">
-        <p14:creationId xmlns:p14="http://schemas.microsoft.com/office/powerpoint/2010/main" val="4093437447"/>
+        <p14:creationId xmlns:p14="http://schemas.microsoft.com/office/powerpoint/2010/main" val="1119898134"/>
       </p:ext>
     </p:extLst>
   </p:cSld>
@@ -6790,213 +7609,25 @@
           </a:bodyPr>
           <a:lstStyle/>
           <a:p>
-            <a:pPr marL="0" indent="0">
-              <a:buNone/>
-            </a:pPr>
-            <a:endParaRPr lang="en-CA" sz="2400" dirty="0">
-              <a:solidFill>
-                <a:schemeClr val="accent1">
-                  <a:lumMod val="75000"/>
-                </a:schemeClr>
-              </a:solidFill>
-            </a:endParaRPr>
-          </a:p>
-          <a:p>
-            <a:pPr marL="0" indent="0">
-              <a:buNone/>
-            </a:pPr>
-            <a:endParaRPr lang="en-CA" sz="2400" dirty="0">
-              <a:solidFill>
-                <a:schemeClr val="accent1">
-                  <a:lumMod val="75000"/>
-                </a:schemeClr>
-              </a:solidFill>
-            </a:endParaRPr>
-          </a:p>
-          <a:p>
-            <a:pPr marL="0" indent="0">
-              <a:buNone/>
-            </a:pPr>
-            <a:r>
-              <a:rPr lang="en-CA" sz="2400" dirty="0">
-                <a:solidFill>
-                  <a:schemeClr val="accent1">
-                    <a:lumMod val="75000"/>
-                  </a:schemeClr>
-                </a:solidFill>
-              </a:rPr>
-              <a:t>Conditions</a:t>
-            </a:r>
-          </a:p>
-          <a:p>
-            <a:r>
-              <a:rPr lang="en-CA" sz="2400" dirty="0"/>
-              <a:t>Mean profit as a function of number of seats must be concave </a:t>
-            </a:r>
-            <a:r>
-              <a:rPr lang="en-CA" sz="2400"/>
-              <a:t>(unimodal).</a:t>
-            </a:r>
-            <a:endParaRPr lang="en-CA" sz="2400" dirty="0"/>
-          </a:p>
-          <a:p>
-            <a:r>
-              <a:rPr lang="en-CA" sz="2400" dirty="0"/>
-              <a:t>In the interval that greedy heuristic eliminates, its results must be consistent with the results of VNS. </a:t>
-            </a:r>
-          </a:p>
-          <a:p>
-            <a:pPr marL="0" indent="0" algn="ctr">
-              <a:buNone/>
-            </a:pPr>
-            <a:r>
-              <a:rPr lang="en-CA" sz="2400" i="1" dirty="0"/>
-              <a:t>e.g. </a:t>
-            </a:r>
-            <a:r>
-              <a:rPr lang="en-CA" sz="2400" i="1" dirty="0" err="1">
-                <a:solidFill>
-                  <a:schemeClr val="accent6">
-                    <a:lumMod val="75000"/>
-                  </a:schemeClr>
-                </a:solidFill>
-              </a:rPr>
-              <a:t>f</a:t>
-            </a:r>
-            <a:r>
-              <a:rPr lang="en-CA" sz="2400" i="1" baseline="-25000" dirty="0" err="1">
-                <a:solidFill>
-                  <a:schemeClr val="accent6">
-                    <a:lumMod val="75000"/>
-                  </a:schemeClr>
-                </a:solidFill>
-              </a:rPr>
-              <a:t>greedy</a:t>
-            </a:r>
-            <a:r>
-              <a:rPr lang="en-CA" sz="2400" dirty="0">
-                <a:solidFill>
-                  <a:schemeClr val="accent6">
-                    <a:lumMod val="75000"/>
-                  </a:schemeClr>
-                </a:solidFill>
-              </a:rPr>
-              <a:t>(300) &gt; </a:t>
-            </a:r>
-            <a:r>
-              <a:rPr lang="en-CA" sz="2400" i="1" dirty="0" err="1">
-                <a:solidFill>
-                  <a:schemeClr val="accent6">
-                    <a:lumMod val="75000"/>
-                  </a:schemeClr>
-                </a:solidFill>
-              </a:rPr>
-              <a:t>f</a:t>
-            </a:r>
-            <a:r>
-              <a:rPr lang="en-CA" sz="2400" i="1" baseline="-25000" dirty="0" err="1">
-                <a:solidFill>
-                  <a:schemeClr val="accent6">
-                    <a:lumMod val="75000"/>
-                  </a:schemeClr>
-                </a:solidFill>
-              </a:rPr>
-              <a:t>greedy</a:t>
-            </a:r>
-            <a:r>
-              <a:rPr lang="en-CA" sz="2400" dirty="0">
-                <a:solidFill>
-                  <a:schemeClr val="accent6">
-                    <a:lumMod val="75000"/>
-                  </a:schemeClr>
-                </a:solidFill>
-              </a:rPr>
-              <a:t>(350) </a:t>
-            </a:r>
-            <a:r>
-              <a:rPr lang="en-CA" sz="2400" dirty="0">
-                <a:solidFill>
-                  <a:schemeClr val="accent6">
-                    <a:lumMod val="75000"/>
-                  </a:schemeClr>
-                </a:solidFill>
-                <a:sym typeface="Wingdings" panose="05000000000000000000" pitchFamily="2" charset="2"/>
-              </a:rPr>
-              <a:t> </a:t>
-            </a:r>
-            <a:r>
-              <a:rPr lang="en-CA" sz="2400" i="1" dirty="0" err="1">
-                <a:solidFill>
-                  <a:schemeClr val="accent6">
-                    <a:lumMod val="75000"/>
-                  </a:schemeClr>
-                </a:solidFill>
-                <a:sym typeface="Wingdings" panose="05000000000000000000" pitchFamily="2" charset="2"/>
-              </a:rPr>
-              <a:t>f</a:t>
-            </a:r>
-            <a:r>
-              <a:rPr lang="en-CA" sz="2400" i="1" baseline="-25000" dirty="0" err="1">
-                <a:solidFill>
-                  <a:schemeClr val="accent6">
-                    <a:lumMod val="75000"/>
-                  </a:schemeClr>
-                </a:solidFill>
-                <a:sym typeface="Wingdings" panose="05000000000000000000" pitchFamily="2" charset="2"/>
-              </a:rPr>
-              <a:t>VNS</a:t>
-            </a:r>
-            <a:r>
-              <a:rPr lang="en-CA" sz="2400" dirty="0">
-                <a:solidFill>
-                  <a:schemeClr val="accent6">
-                    <a:lumMod val="75000"/>
-                  </a:schemeClr>
-                </a:solidFill>
-                <a:sym typeface="Wingdings" panose="05000000000000000000" pitchFamily="2" charset="2"/>
-              </a:rPr>
-              <a:t>(300) &gt; </a:t>
-            </a:r>
-            <a:r>
-              <a:rPr lang="en-CA" sz="2400" i="1" dirty="0" err="1">
-                <a:solidFill>
-                  <a:schemeClr val="accent6">
-                    <a:lumMod val="75000"/>
-                  </a:schemeClr>
-                </a:solidFill>
-                <a:sym typeface="Wingdings" panose="05000000000000000000" pitchFamily="2" charset="2"/>
-              </a:rPr>
-              <a:t>f</a:t>
-            </a:r>
-            <a:r>
-              <a:rPr lang="en-CA" sz="2400" i="1" baseline="-25000" dirty="0" err="1">
-                <a:solidFill>
-                  <a:schemeClr val="accent6">
-                    <a:lumMod val="75000"/>
-                  </a:schemeClr>
-                </a:solidFill>
-                <a:sym typeface="Wingdings" panose="05000000000000000000" pitchFamily="2" charset="2"/>
-              </a:rPr>
-              <a:t>VNS</a:t>
-            </a:r>
-            <a:r>
-              <a:rPr lang="en-CA" sz="2400" dirty="0">
-                <a:solidFill>
-                  <a:schemeClr val="accent6">
-                    <a:lumMod val="75000"/>
-                  </a:schemeClr>
-                </a:solidFill>
-                <a:sym typeface="Wingdings" panose="05000000000000000000" pitchFamily="2" charset="2"/>
-              </a:rPr>
-              <a:t>(350)</a:t>
-            </a:r>
-            <a:endParaRPr lang="en-CA" sz="2400" dirty="0"/>
-          </a:p>
-          <a:p>
-            <a:endParaRPr lang="en-CA" sz="2400" dirty="0"/>
-          </a:p>
-          <a:p>
-            <a:endParaRPr lang="en-CA" sz="2400" dirty="0"/>
+            <a:r>
+              <a:rPr lang="en-CA" sz="2400" dirty="0" smtClean="0"/>
+              <a:t>Table arrangement:</a:t>
+            </a:r>
+          </a:p>
+          <a:p>
+            <a:pPr lvl="1"/>
+            <a:r>
+              <a:rPr lang="en-CA" sz="2000" dirty="0" smtClean="0"/>
+              <a:t>200 seats;</a:t>
+            </a:r>
+          </a:p>
+          <a:p>
+            <a:pPr lvl="1"/>
+            <a:r>
+              <a:rPr lang="en-CA" sz="2000" dirty="0" smtClean="0"/>
+              <a:t>40 tables size 5;</a:t>
+            </a:r>
+            <a:endParaRPr lang="en-CA" sz="2000" dirty="0" smtClean="0"/>
           </a:p>
         </p:txBody>
       </p:sp>
@@ -7015,7 +7646,7 @@
           <p:nvPr/>
         </p:nvPicPr>
         <p:blipFill>
-          <a:blip r:embed="rId2">
+          <a:blip r:embed="rId2" cstate="hqprint">
             <a:extLst>
               <a:ext uri="{28A0092B-C50C-407E-A947-70E740481C1C}">
                 <a14:useLocalDpi xmlns:a14="http://schemas.microsoft.com/office/drawing/2010/main" val="0"/>
@@ -7038,44 +7669,111 @@
       </p:pic>
       <p:sp>
         <p:nvSpPr>
-          <p:cNvPr id="7" name="Title 1">
+          <p:cNvPr id="8" name="Title 1">
             <a:extLst>
               <a:ext uri="{FF2B5EF4-FFF2-40B4-BE49-F238E27FC236}">
-                <a16:creationId xmlns:a16="http://schemas.microsoft.com/office/drawing/2014/main" id="{DF83123F-FFF6-4EB8-AA6C-703D18DCBD9D}"/>
+                <a16:creationId xmlns:a16="http://schemas.microsoft.com/office/drawing/2014/main" id="{3C0D5108-0220-49D1-BFA7-E8863D4F1E1D}"/>
               </a:ext>
             </a:extLst>
           </p:cNvPr>
-          <p:cNvSpPr>
-            <a:spLocks noGrp="1"/>
-          </p:cNvSpPr>
-          <p:nvPr>
-            <p:ph type="title"/>
-          </p:nvPr>
+          <p:cNvSpPr txBox="1">
+            <a:spLocks/>
+          </p:cNvSpPr>
+          <p:nvPr/>
         </p:nvSpPr>
         <p:spPr>
           <a:xfrm>
             <a:off x="838200" y="365125"/>
             <a:ext cx="10515600" cy="762635"/>
           </a:xfrm>
-        </p:spPr>
-        <p:txBody>
-          <a:bodyPr>
+          <a:prstGeom prst="rect">
+            <a:avLst/>
+          </a:prstGeom>
+        </p:spPr>
+        <p:txBody>
+          <a:bodyPr vert="horz" lIns="91440" tIns="45720" rIns="91440" bIns="45720" rtlCol="0" anchor="ctr">
             <a:normAutofit/>
           </a:bodyPr>
-          <a:lstStyle/>
-          <a:p>
-            <a:r>
-              <a:rPr lang="en-CA" sz="3600" dirty="0"/>
-              <a:t>Golden Section Method</a:t>
+          <a:lstStyle>
+            <a:lvl1pPr algn="l" defTabSz="914400" rtl="0" eaLnBrk="1" latinLnBrk="0" hangingPunct="1">
+              <a:lnSpc>
+                <a:spcPct val="90000"/>
+              </a:lnSpc>
+              <a:spcBef>
+                <a:spcPct val="0"/>
+              </a:spcBef>
+              <a:buNone/>
+              <a:defRPr sz="4400" kern="1200">
+                <a:solidFill>
+                  <a:schemeClr val="tx1"/>
+                </a:solidFill>
+                <a:latin typeface="+mj-lt"/>
+                <a:ea typeface="+mj-ea"/>
+                <a:cs typeface="+mj-cs"/>
+              </a:defRPr>
+            </a:lvl1pPr>
+          </a:lstStyle>
+          <a:p>
+            <a:r>
+              <a:rPr lang="en-CA" sz="3600" dirty="0" smtClean="0"/>
+              <a:t>Simulation results</a:t>
             </a:r>
             <a:endParaRPr lang="en-US" sz="3600" dirty="0"/>
           </a:p>
         </p:txBody>
       </p:sp>
+      <p:pic>
+        <p:nvPicPr>
+          <p:cNvPr id="9" name="Picture 8"/>
+          <p:cNvPicPr>
+            <a:picLocks noChangeAspect="1"/>
+          </p:cNvPicPr>
+          <p:nvPr/>
+        </p:nvPicPr>
+        <p:blipFill>
+          <a:blip r:embed="rId3"/>
+          <a:stretch>
+            <a:fillRect/>
+          </a:stretch>
+        </p:blipFill>
+        <p:spPr>
+          <a:xfrm>
+            <a:off x="5616078" y="2777215"/>
+            <a:ext cx="4586462" cy="3060000"/>
+          </a:xfrm>
+          <a:prstGeom prst="rect">
+            <a:avLst/>
+          </a:prstGeom>
+        </p:spPr>
+      </p:pic>
+      <p:pic>
+        <p:nvPicPr>
+          <p:cNvPr id="10" name="Picture 9"/>
+          <p:cNvPicPr>
+            <a:picLocks noChangeAspect="1"/>
+          </p:cNvPicPr>
+          <p:nvPr/>
+        </p:nvPicPr>
+        <p:blipFill>
+          <a:blip r:embed="rId4"/>
+          <a:stretch>
+            <a:fillRect/>
+          </a:stretch>
+        </p:blipFill>
+        <p:spPr>
+          <a:xfrm>
+            <a:off x="1029618" y="2777215"/>
+            <a:ext cx="4586460" cy="3060000"/>
+          </a:xfrm>
+          <a:prstGeom prst="rect">
+            <a:avLst/>
+          </a:prstGeom>
+        </p:spPr>
+      </p:pic>
     </p:spTree>
     <p:extLst>
       <p:ext uri="{BB962C8B-B14F-4D97-AF65-F5344CB8AC3E}">
-        <p14:creationId xmlns:p14="http://schemas.microsoft.com/office/powerpoint/2010/main" val="3961735586"/>
+        <p14:creationId xmlns:p14="http://schemas.microsoft.com/office/powerpoint/2010/main" val="3596731428"/>
       </p:ext>
     </p:extLst>
   </p:cSld>
@@ -7133,22 +7831,143 @@
             <a:pPr marL="0" indent="0">
               <a:buNone/>
             </a:pPr>
-            <a:endParaRPr lang="en-CA" sz="2400" dirty="0">
+            <a:endParaRPr lang="en-CA" sz="2400" dirty="0"/>
+          </a:p>
+          <a:p>
+            <a:pPr marL="0" indent="0">
+              <a:buNone/>
+            </a:pPr>
+            <a:r>
+              <a:rPr lang="en-CA" sz="2400" dirty="0">
+                <a:solidFill>
+                  <a:schemeClr val="accent1"/>
+                </a:solidFill>
+              </a:rPr>
+              <a:t>Limitation of baseline VNS</a:t>
+            </a:r>
+          </a:p>
+          <a:p>
+            <a:r>
+              <a:rPr lang="en-CA" sz="2400" dirty="0"/>
+              <a:t>The neighborhood size for </a:t>
+            </a:r>
+            <a:r>
+              <a:rPr lang="en-CA" sz="2400" b="1" dirty="0"/>
+              <a:t>adding/removing tables</a:t>
+            </a:r>
+            <a:r>
+              <a:rPr lang="en-CA" sz="2400" dirty="0"/>
+              <a:t> grows non-linearly. </a:t>
+            </a:r>
+            <a:r>
+              <a:rPr lang="en-CA" sz="2400" dirty="0">
+                <a:solidFill>
+                  <a:schemeClr val="accent2"/>
+                </a:solidFill>
+              </a:rPr>
+              <a:t>E.g.</a:t>
+            </a:r>
+            <a:endParaRPr lang="en-CA" sz="2000" dirty="0">
               <a:solidFill>
-                <a:schemeClr val="accent1">
-                  <a:lumMod val="75000"/>
-                </a:schemeClr>
+                <a:schemeClr val="accent2"/>
               </a:solidFill>
             </a:endParaRPr>
           </a:p>
           <a:p>
-            <a:pPr marL="0" indent="0">
+            <a:pPr marL="0" indent="0" algn="ctr">
               <a:buNone/>
             </a:pPr>
-            <a:endParaRPr lang="en-CA" sz="2400" dirty="0"/>
-          </a:p>
-          <a:p>
-            <a:endParaRPr lang="en-CA" sz="2400" dirty="0"/>
+            <a:r>
+              <a:rPr lang="en-CA" sz="2000" dirty="0">
+                <a:solidFill>
+                  <a:schemeClr val="accent2"/>
+                </a:solidFill>
+              </a:rPr>
+              <a:t>Adding 1 table: 4 neighbors</a:t>
+            </a:r>
+          </a:p>
+          <a:p>
+            <a:pPr marL="0" indent="0" algn="ctr">
+              <a:buNone/>
+            </a:pPr>
+            <a:r>
+              <a:rPr lang="en-CA" sz="2000" dirty="0">
+                <a:solidFill>
+                  <a:schemeClr val="accent2"/>
+                </a:solidFill>
+              </a:rPr>
+              <a:t>Adding 2 tables: 4</a:t>
+            </a:r>
+            <a:r>
+              <a:rPr lang="en-CA" sz="2000" baseline="30000" dirty="0">
+                <a:solidFill>
+                  <a:schemeClr val="accent2"/>
+                </a:solidFill>
+              </a:rPr>
+              <a:t>2</a:t>
+            </a:r>
+            <a:r>
+              <a:rPr lang="en-CA" sz="2000" dirty="0">
+                <a:solidFill>
+                  <a:schemeClr val="accent2"/>
+                </a:solidFill>
+              </a:rPr>
+              <a:t> neighbors</a:t>
+            </a:r>
+          </a:p>
+          <a:p>
+            <a:pPr marL="0" indent="0" algn="ctr">
+              <a:buNone/>
+            </a:pPr>
+            <a:r>
+              <a:rPr lang="en-CA" sz="2000" dirty="0">
+                <a:solidFill>
+                  <a:schemeClr val="accent2"/>
+                </a:solidFill>
+              </a:rPr>
+              <a:t>Adding 3 tables: 4</a:t>
+            </a:r>
+            <a:r>
+              <a:rPr lang="en-CA" sz="2000" baseline="30000" dirty="0">
+                <a:solidFill>
+                  <a:schemeClr val="accent2"/>
+                </a:solidFill>
+              </a:rPr>
+              <a:t>3</a:t>
+            </a:r>
+            <a:r>
+              <a:rPr lang="en-CA" sz="2000" dirty="0">
+                <a:solidFill>
+                  <a:schemeClr val="accent2"/>
+                </a:solidFill>
+              </a:rPr>
+              <a:t> neighbors</a:t>
+            </a:r>
+          </a:p>
+          <a:p>
+            <a:pPr marL="0" indent="0" algn="ctr">
+              <a:buNone/>
+            </a:pPr>
+            <a:r>
+              <a:rPr lang="en-CA" sz="2000" dirty="0">
+                <a:solidFill>
+                  <a:schemeClr val="accent2"/>
+                </a:solidFill>
+              </a:rPr>
+              <a:t>…</a:t>
+            </a:r>
+          </a:p>
+          <a:p>
+            <a:r>
+              <a:rPr lang="en-CA" sz="2400" dirty="0"/>
+              <a:t>Costly to check a sufficiently large number of neighbors.</a:t>
+            </a:r>
+          </a:p>
+          <a:p>
+            <a:r>
+              <a:rPr lang="en-CA" sz="2400" dirty="0"/>
+              <a:t>Limiting the neighborhood size will likely lead to suboptimal profit.</a:t>
+            </a:r>
           </a:p>
         </p:txBody>
       </p:sp>
@@ -7167,7 +7986,7 @@
           <p:nvPr/>
         </p:nvPicPr>
         <p:blipFill>
-          <a:blip r:embed="rId2">
+          <a:blip r:embed="rId2" cstate="hqprint">
             <a:extLst>
               <a:ext uri="{28A0092B-C50C-407E-A947-70E740481C1C}">
                 <a14:useLocalDpi xmlns:a14="http://schemas.microsoft.com/office/drawing/2010/main" val="0"/>
@@ -7190,116 +8009,63 @@
       </p:pic>
       <p:sp>
         <p:nvSpPr>
-          <p:cNvPr id="7" name="Title 1">
+          <p:cNvPr id="8" name="Title 1">
             <a:extLst>
               <a:ext uri="{FF2B5EF4-FFF2-40B4-BE49-F238E27FC236}">
-                <a16:creationId xmlns:a16="http://schemas.microsoft.com/office/drawing/2014/main" id="{DF83123F-FFF6-4EB8-AA6C-703D18DCBD9D}"/>
+                <a16:creationId xmlns:a16="http://schemas.microsoft.com/office/drawing/2014/main" id="{3C0D5108-0220-49D1-BFA7-E8863D4F1E1D}"/>
               </a:ext>
             </a:extLst>
           </p:cNvPr>
-          <p:cNvSpPr>
-            <a:spLocks noGrp="1"/>
-          </p:cNvSpPr>
-          <p:nvPr>
-            <p:ph type="title"/>
-          </p:nvPr>
+          <p:cNvSpPr txBox="1">
+            <a:spLocks/>
+          </p:cNvSpPr>
+          <p:nvPr/>
         </p:nvSpPr>
         <p:spPr>
           <a:xfrm>
             <a:off x="838200" y="365125"/>
             <a:ext cx="10515600" cy="762635"/>
-          </a:xfrm>
-        </p:spPr>
-        <p:txBody>
-          <a:bodyPr>
-            <a:normAutofit/>
-          </a:bodyPr>
-          <a:lstStyle/>
-          <a:p>
-            <a:r>
-              <a:rPr lang="en-CA" sz="3600" dirty="0"/>
-              <a:t>Golden Section Method</a:t>
-            </a:r>
-            <a:endParaRPr lang="en-US" sz="3600" dirty="0"/>
-          </a:p>
-        </p:txBody>
-      </p:sp>
-      <p:pic>
-        <p:nvPicPr>
-          <p:cNvPr id="4" name="Picture 3" descr="A close up of a map&#10;&#10;Description generated with very high confidence">
-            <a:extLst>
-              <a:ext uri="{FF2B5EF4-FFF2-40B4-BE49-F238E27FC236}">
-                <a16:creationId xmlns:a16="http://schemas.microsoft.com/office/drawing/2014/main" id="{6F7F02D7-F0E8-4ACF-B7CC-959B5D7282D2}"/>
-              </a:ext>
-            </a:extLst>
-          </p:cNvPr>
-          <p:cNvPicPr>
-            <a:picLocks noChangeAspect="1"/>
-          </p:cNvPicPr>
-          <p:nvPr/>
-        </p:nvPicPr>
-        <p:blipFill>
-          <a:blip r:embed="rId3">
-            <a:extLst>
-              <a:ext uri="{28A0092B-C50C-407E-A947-70E740481C1C}">
-                <a14:useLocalDpi xmlns:a14="http://schemas.microsoft.com/office/drawing/2010/main" val="0"/>
-              </a:ext>
-            </a:extLst>
-          </a:blip>
-          <a:stretch>
-            <a:fillRect/>
-          </a:stretch>
-        </p:blipFill>
-        <p:spPr>
-          <a:xfrm>
-            <a:off x="778721" y="1658381"/>
-            <a:ext cx="5317279" cy="3987959"/>
           </a:xfrm>
           <a:prstGeom prst="rect">
             <a:avLst/>
           </a:prstGeom>
         </p:spPr>
-      </p:pic>
-      <p:pic>
-        <p:nvPicPr>
-          <p:cNvPr id="8" name="Picture 7" descr="A close up of a map&#10;&#10;Description generated with very high confidence">
-            <a:extLst>
-              <a:ext uri="{FF2B5EF4-FFF2-40B4-BE49-F238E27FC236}">
-                <a16:creationId xmlns:a16="http://schemas.microsoft.com/office/drawing/2014/main" id="{CF3EF8CE-D7AB-4D17-A165-93D49F443CCF}"/>
-              </a:ext>
-            </a:extLst>
-          </p:cNvPr>
-          <p:cNvPicPr>
-            <a:picLocks noChangeAspect="1"/>
-          </p:cNvPicPr>
-          <p:nvPr/>
-        </p:nvPicPr>
-        <p:blipFill>
-          <a:blip r:embed="rId4">
-            <a:extLst>
-              <a:ext uri="{28A0092B-C50C-407E-A947-70E740481C1C}">
-                <a14:useLocalDpi xmlns:a14="http://schemas.microsoft.com/office/drawing/2010/main" val="0"/>
-              </a:ext>
-            </a:extLst>
-          </a:blip>
-          <a:stretch>
-            <a:fillRect/>
-          </a:stretch>
-        </p:blipFill>
-        <p:spPr>
-          <a:xfrm>
-            <a:off x="6200352" y="1697512"/>
-            <a:ext cx="5212927" cy="3909695"/>
-          </a:xfrm>
-          <a:prstGeom prst="rect">
-            <a:avLst/>
-          </a:prstGeom>
-        </p:spPr>
-      </p:pic>
+        <p:txBody>
+          <a:bodyPr vert="horz" lIns="91440" tIns="45720" rIns="91440" bIns="45720" rtlCol="0" anchor="ctr">
+            <a:normAutofit/>
+          </a:bodyPr>
+          <a:lstStyle>
+            <a:lvl1pPr algn="l" defTabSz="914400" rtl="0" eaLnBrk="1" latinLnBrk="0" hangingPunct="1">
+              <a:lnSpc>
+                <a:spcPct val="90000"/>
+              </a:lnSpc>
+              <a:spcBef>
+                <a:spcPct val="0"/>
+              </a:spcBef>
+              <a:buNone/>
+              <a:defRPr sz="4400" kern="1200">
+                <a:solidFill>
+                  <a:schemeClr val="tx1"/>
+                </a:solidFill>
+                <a:latin typeface="+mj-lt"/>
+                <a:ea typeface="+mj-ea"/>
+                <a:cs typeface="+mj-cs"/>
+              </a:defRPr>
+            </a:lvl1pPr>
+          </a:lstStyle>
+          <a:p>
+            <a:r>
+              <a:rPr lang="en-CA" sz="3600" dirty="0"/>
+              <a:t>Reducing the Neighborhood Size</a:t>
+            </a:r>
+            <a:endParaRPr lang="en-US" sz="3600" dirty="0"/>
+          </a:p>
+        </p:txBody>
+      </p:sp>
     </p:spTree>
     <p:extLst>
       <p:ext uri="{BB962C8B-B14F-4D97-AF65-F5344CB8AC3E}">
-        <p14:creationId xmlns:p14="http://schemas.microsoft.com/office/powerpoint/2010/main" val="2306792197"/>
+        <p14:creationId xmlns:p14="http://schemas.microsoft.com/office/powerpoint/2010/main" val="3678772537"/>
       </p:ext>
     </p:extLst>
   </p:cSld>
@@ -7369,10 +8135,58 @@
             <a:pPr marL="0" indent="0">
               <a:buNone/>
             </a:pPr>
-            <a:endParaRPr lang="en-CA" sz="2400" dirty="0"/>
-          </a:p>
-          <a:p>
-            <a:endParaRPr lang="en-CA" sz="2400" dirty="0"/>
+            <a:endParaRPr lang="en-CA" sz="2400" dirty="0">
+              <a:solidFill>
+                <a:schemeClr val="accent1">
+                  <a:lumMod val="75000"/>
+                </a:schemeClr>
+              </a:solidFill>
+            </a:endParaRPr>
+          </a:p>
+          <a:p>
+            <a:pPr marL="0" indent="0">
+              <a:buNone/>
+            </a:pPr>
+            <a:r>
+              <a:rPr lang="en-CA" sz="2400" dirty="0">
+                <a:solidFill>
+                  <a:schemeClr val="accent1">
+                    <a:lumMod val="75000"/>
+                  </a:schemeClr>
+                </a:solidFill>
+              </a:rPr>
+              <a:t>Idea</a:t>
+            </a:r>
+          </a:p>
+          <a:p>
+            <a:r>
+              <a:rPr lang="en-CA" sz="2400" dirty="0"/>
+              <a:t>The new restaurant can have anywhere from 200 to 400 seats. </a:t>
+            </a:r>
+          </a:p>
+          <a:p>
+            <a:r>
+              <a:rPr lang="en-CA" sz="2400" dirty="0"/>
+              <a:t>Successively narrow this interval by optimizing mean profit at discrete points.</a:t>
+            </a:r>
+          </a:p>
+          <a:p>
+            <a:r>
+              <a:rPr lang="en-CA" sz="2400" dirty="0"/>
+              <a:t>In the beginning, use a greedy heuristic to quickly narrow down the interval.</a:t>
+            </a:r>
+          </a:p>
+          <a:p>
+            <a:r>
+              <a:rPr lang="en-CA" sz="2400" dirty="0"/>
+              <a:t>When the interval becomes “small enough”, use VNS.</a:t>
+            </a:r>
+          </a:p>
+          <a:p>
+            <a:r>
+              <a:rPr lang="en-CA" sz="2400" dirty="0"/>
+              <a:t>We can eliminate the neighborhood structure for adding/removing tables.</a:t>
+            </a:r>
           </a:p>
         </p:txBody>
       </p:sp>
@@ -7391,7 +8205,7 @@
           <p:nvPr/>
         </p:nvPicPr>
         <p:blipFill>
-          <a:blip r:embed="rId2">
+          <a:blip r:embed="rId2" cstate="hqprint">
             <a:extLst>
               <a:ext uri="{28A0092B-C50C-407E-A947-70E740481C1C}">
                 <a14:useLocalDpi xmlns:a14="http://schemas.microsoft.com/office/drawing/2010/main" val="0"/>
@@ -7448,132 +8262,10 @@
           </a:p>
         </p:txBody>
       </p:sp>
-      <p:pic>
-        <p:nvPicPr>
-          <p:cNvPr id="4" name="Picture 3" descr="A close up of a map&#10;&#10;Description generated with very high confidence">
-            <a:extLst>
-              <a:ext uri="{FF2B5EF4-FFF2-40B4-BE49-F238E27FC236}">
-                <a16:creationId xmlns:a16="http://schemas.microsoft.com/office/drawing/2014/main" id="{6F7F02D7-F0E8-4ACF-B7CC-959B5D7282D2}"/>
-              </a:ext>
-            </a:extLst>
-          </p:cNvPr>
-          <p:cNvPicPr>
-            <a:picLocks noChangeAspect="1"/>
-          </p:cNvPicPr>
-          <p:nvPr/>
-        </p:nvPicPr>
-        <p:blipFill>
-          <a:blip r:embed="rId3">
-            <a:extLst>
-              <a:ext uri="{28A0092B-C50C-407E-A947-70E740481C1C}">
-                <a14:useLocalDpi xmlns:a14="http://schemas.microsoft.com/office/drawing/2010/main" val="0"/>
-              </a:ext>
-            </a:extLst>
-          </a:blip>
-          <a:stretch>
-            <a:fillRect/>
-          </a:stretch>
-        </p:blipFill>
-        <p:spPr>
-          <a:xfrm>
-            <a:off x="778721" y="1658381"/>
-            <a:ext cx="5317279" cy="3987959"/>
-          </a:xfrm>
-          <a:prstGeom prst="rect">
-            <a:avLst/>
-          </a:prstGeom>
-        </p:spPr>
-      </p:pic>
-      <p:pic>
-        <p:nvPicPr>
-          <p:cNvPr id="8" name="Picture 7" descr="A close up of a map&#10;&#10;Description generated with very high confidence">
-            <a:extLst>
-              <a:ext uri="{FF2B5EF4-FFF2-40B4-BE49-F238E27FC236}">
-                <a16:creationId xmlns:a16="http://schemas.microsoft.com/office/drawing/2014/main" id="{CF3EF8CE-D7AB-4D17-A165-93D49F443CCF}"/>
-              </a:ext>
-            </a:extLst>
-          </p:cNvPr>
-          <p:cNvPicPr>
-            <a:picLocks noChangeAspect="1"/>
-          </p:cNvPicPr>
-          <p:nvPr/>
-        </p:nvPicPr>
-        <p:blipFill>
-          <a:blip r:embed="rId4">
-            <a:extLst>
-              <a:ext uri="{28A0092B-C50C-407E-A947-70E740481C1C}">
-                <a14:useLocalDpi xmlns:a14="http://schemas.microsoft.com/office/drawing/2010/main" val="0"/>
-              </a:ext>
-            </a:extLst>
-          </a:blip>
-          <a:stretch>
-            <a:fillRect/>
-          </a:stretch>
-        </p:blipFill>
-        <p:spPr>
-          <a:xfrm>
-            <a:off x="6200352" y="1697512"/>
-            <a:ext cx="5212927" cy="3909695"/>
-          </a:xfrm>
-          <a:prstGeom prst="rect">
-            <a:avLst/>
-          </a:prstGeom>
-        </p:spPr>
-      </p:pic>
-      <p:sp>
-        <p:nvSpPr>
-          <p:cNvPr id="9" name="Rectangle: Rounded Corners 8">
-            <a:extLst>
-              <a:ext uri="{FF2B5EF4-FFF2-40B4-BE49-F238E27FC236}">
-                <a16:creationId xmlns:a16="http://schemas.microsoft.com/office/drawing/2014/main" id="{86EF7A26-F32C-42F4-BCE7-73FD5B42F8FC}"/>
-              </a:ext>
-            </a:extLst>
-          </p:cNvPr>
-          <p:cNvSpPr/>
-          <p:nvPr/>
-        </p:nvSpPr>
-        <p:spPr>
-          <a:xfrm>
-            <a:off x="2489200" y="2438400"/>
-            <a:ext cx="3413760" cy="2407920"/>
-          </a:xfrm>
-          <a:prstGeom prst="roundRect">
-            <a:avLst/>
-          </a:prstGeom>
-          <a:noFill/>
-          <a:ln w="19050">
-            <a:solidFill>
-              <a:srgbClr val="FF0000"/>
-            </a:solidFill>
-          </a:ln>
-        </p:spPr>
-        <p:style>
-          <a:lnRef idx="2">
-            <a:schemeClr val="accent6"/>
-          </a:lnRef>
-          <a:fillRef idx="1">
-            <a:schemeClr val="lt1"/>
-          </a:fillRef>
-          <a:effectRef idx="0">
-            <a:schemeClr val="accent6"/>
-          </a:effectRef>
-          <a:fontRef idx="minor">
-            <a:schemeClr val="dk1"/>
-          </a:fontRef>
-        </p:style>
-        <p:txBody>
-          <a:bodyPr rtlCol="0" anchor="ctr"/>
-          <a:lstStyle/>
-          <a:p>
-            <a:pPr algn="ctr"/>
-            <a:endParaRPr lang="en-US"/>
-          </a:p>
-        </p:txBody>
-      </p:sp>
     </p:spTree>
     <p:extLst>
       <p:ext uri="{BB962C8B-B14F-4D97-AF65-F5344CB8AC3E}">
-        <p14:creationId xmlns:p14="http://schemas.microsoft.com/office/powerpoint/2010/main" val="4200179265"/>
+        <p14:creationId xmlns:p14="http://schemas.microsoft.com/office/powerpoint/2010/main" val="4093437447"/>
       </p:ext>
     </p:extLst>
   </p:cSld>

--- a/Presentation.pptx
+++ b/Presentation.pptx
@@ -17,9 +17,10 @@
     <p:sldId id="268" r:id="rId11"/>
     <p:sldId id="270" r:id="rId12"/>
     <p:sldId id="260" r:id="rId13"/>
-    <p:sldId id="272" r:id="rId14"/>
-    <p:sldId id="275" r:id="rId15"/>
-    <p:sldId id="274" r:id="rId16"/>
+    <p:sldId id="276" r:id="rId14"/>
+    <p:sldId id="272" r:id="rId15"/>
+    <p:sldId id="277" r:id="rId16"/>
+    <p:sldId id="275" r:id="rId17"/>
   </p:sldIdLst>
   <p:sldSz cx="12192000" cy="6858000"/>
   <p:notesSz cx="6858000" cy="9144000"/>
@@ -4654,18 +4655,23 @@
                   <a:schemeClr val="accent1"/>
                 </a:solidFill>
               </a:rPr>
-              <a:t>Golden section VNS </a:t>
+              <a:t>Baseline VNS</a:t>
             </a:r>
           </a:p>
           <a:p>
             <a:pPr marL="0" indent="0">
               <a:buNone/>
             </a:pPr>
-            <a:endParaRPr lang="en-US" sz="2400" dirty="0">
-              <a:solidFill>
-                <a:schemeClr val="accent1"/>
-              </a:solidFill>
-            </a:endParaRPr>
+            <a:endParaRPr lang="en-CA" sz="2400" dirty="0"/>
+          </a:p>
+          <a:p>
+            <a:pPr marL="0" indent="0">
+              <a:buNone/>
+            </a:pPr>
+            <a:endParaRPr lang="en-CA" sz="2400" dirty="0"/>
+          </a:p>
+          <a:p>
+            <a:endParaRPr lang="en-CA" sz="2400" dirty="0"/>
           </a:p>
         </p:txBody>
       </p:sp>
@@ -4759,6 +4765,214 @@
           </a:p>
         </p:txBody>
       </p:sp>
+      <p:pic>
+        <p:nvPicPr>
+          <p:cNvPr id="7" name="Picture 6" descr="A close up of a map&#10;&#10;Description generated with very high confidence">
+            <a:extLst>
+              <a:ext uri="{FF2B5EF4-FFF2-40B4-BE49-F238E27FC236}">
+                <a16:creationId xmlns:a16="http://schemas.microsoft.com/office/drawing/2014/main" id="{A3A4B4E2-A12D-4E6B-A832-EB9BA7B41BEB}"/>
+              </a:ext>
+            </a:extLst>
+          </p:cNvPr>
+          <p:cNvPicPr>
+            <a:picLocks noChangeAspect="1"/>
+          </p:cNvPicPr>
+          <p:nvPr/>
+        </p:nvPicPr>
+        <p:blipFill>
+          <a:blip r:embed="rId3">
+            <a:extLst>
+              <a:ext uri="{28A0092B-C50C-407E-A947-70E740481C1C}">
+                <a14:useLocalDpi xmlns:a14="http://schemas.microsoft.com/office/drawing/2010/main" val="0"/>
+              </a:ext>
+            </a:extLst>
+          </a:blip>
+          <a:stretch>
+            <a:fillRect/>
+          </a:stretch>
+        </p:blipFill>
+        <p:spPr>
+          <a:xfrm>
+            <a:off x="2922270" y="1416368"/>
+            <a:ext cx="6347460" cy="4760595"/>
+          </a:xfrm>
+          <a:prstGeom prst="rect">
+            <a:avLst/>
+          </a:prstGeom>
+        </p:spPr>
+      </p:pic>
+    </p:spTree>
+    <p:extLst>
+      <p:ext uri="{BB962C8B-B14F-4D97-AF65-F5344CB8AC3E}">
+        <p14:creationId xmlns:p14="http://schemas.microsoft.com/office/powerpoint/2010/main" val="2495134979"/>
+      </p:ext>
+    </p:extLst>
+  </p:cSld>
+  <p:clrMapOvr>
+    <a:masterClrMapping/>
+  </p:clrMapOvr>
+</p:sld>
+</file>
+
+<file path=ppt/slides/slide14.xml><?xml version="1.0" encoding="utf-8"?>
+<p:sld xmlns:a="http://schemas.openxmlformats.org/drawingml/2006/main" xmlns:r="http://schemas.openxmlformats.org/officeDocument/2006/relationships" xmlns:p="http://schemas.openxmlformats.org/presentationml/2006/main">
+  <p:cSld>
+    <p:spTree>
+      <p:nvGrpSpPr>
+        <p:cNvPr id="1" name=""/>
+        <p:cNvGrpSpPr/>
+        <p:nvPr/>
+      </p:nvGrpSpPr>
+      <p:grpSpPr>
+        <a:xfrm>
+          <a:off x="0" y="0"/>
+          <a:ext cx="0" cy="0"/>
+          <a:chOff x="0" y="0"/>
+          <a:chExt cx="0" cy="0"/>
+        </a:xfrm>
+      </p:grpSpPr>
+      <p:sp>
+        <p:nvSpPr>
+          <p:cNvPr id="3" name="Content Placeholder 2">
+            <a:extLst>
+              <a:ext uri="{FF2B5EF4-FFF2-40B4-BE49-F238E27FC236}">
+                <a16:creationId xmlns:a16="http://schemas.microsoft.com/office/drawing/2014/main" id="{A3747E47-B71D-4260-9DF4-6C60964EBB93}"/>
+              </a:ext>
+            </a:extLst>
+          </p:cNvPr>
+          <p:cNvSpPr>
+            <a:spLocks noGrp="1"/>
+          </p:cNvSpPr>
+          <p:nvPr>
+            <p:ph idx="1"/>
+          </p:nvPr>
+        </p:nvSpPr>
+        <p:spPr>
+          <a:xfrm>
+            <a:off x="838200" y="1127760"/>
+            <a:ext cx="10515600" cy="5049203"/>
+          </a:xfrm>
+        </p:spPr>
+        <p:txBody>
+          <a:bodyPr>
+            <a:normAutofit/>
+          </a:bodyPr>
+          <a:lstStyle/>
+          <a:p>
+            <a:pPr marL="0" indent="0">
+              <a:buNone/>
+            </a:pPr>
+            <a:r>
+              <a:rPr lang="en-CA" sz="2400" dirty="0">
+                <a:solidFill>
+                  <a:schemeClr val="accent1"/>
+                </a:solidFill>
+              </a:rPr>
+              <a:t>Golden section VNS </a:t>
+            </a:r>
+          </a:p>
+          <a:p>
+            <a:pPr marL="0" indent="0">
+              <a:buNone/>
+            </a:pPr>
+            <a:endParaRPr lang="en-US" sz="2400" dirty="0">
+              <a:solidFill>
+                <a:schemeClr val="accent1"/>
+              </a:solidFill>
+            </a:endParaRPr>
+          </a:p>
+        </p:txBody>
+      </p:sp>
+      <p:pic>
+        <p:nvPicPr>
+          <p:cNvPr id="5" name="Picture 4">
+            <a:extLst>
+              <a:ext uri="{FF2B5EF4-FFF2-40B4-BE49-F238E27FC236}">
+                <a16:creationId xmlns:a16="http://schemas.microsoft.com/office/drawing/2014/main" id="{0C7E7D67-F8B3-4901-8386-C7C19CECFEC6}"/>
+              </a:ext>
+            </a:extLst>
+          </p:cNvPr>
+          <p:cNvPicPr>
+            <a:picLocks noChangeAspect="1"/>
+          </p:cNvPicPr>
+          <p:nvPr/>
+        </p:nvPicPr>
+        <p:blipFill>
+          <a:blip r:embed="rId2">
+            <a:extLst>
+              <a:ext uri="{28A0092B-C50C-407E-A947-70E740481C1C}">
+                <a14:useLocalDpi xmlns:a14="http://schemas.microsoft.com/office/drawing/2010/main" val="0"/>
+              </a:ext>
+            </a:extLst>
+          </a:blip>
+          <a:stretch>
+            <a:fillRect/>
+          </a:stretch>
+        </p:blipFill>
+        <p:spPr>
+          <a:xfrm>
+            <a:off x="9916160" y="365125"/>
+            <a:ext cx="1437640" cy="418937"/>
+          </a:xfrm>
+          <a:prstGeom prst="rect">
+            <a:avLst/>
+          </a:prstGeom>
+        </p:spPr>
+      </p:pic>
+      <p:sp>
+        <p:nvSpPr>
+          <p:cNvPr id="6" name="Title 1">
+            <a:extLst>
+              <a:ext uri="{FF2B5EF4-FFF2-40B4-BE49-F238E27FC236}">
+                <a16:creationId xmlns:a16="http://schemas.microsoft.com/office/drawing/2014/main" id="{B4C9D95B-EBE4-40C7-8B82-4CFA20A3795C}"/>
+              </a:ext>
+            </a:extLst>
+          </p:cNvPr>
+          <p:cNvSpPr txBox="1">
+            <a:spLocks/>
+          </p:cNvSpPr>
+          <p:nvPr/>
+        </p:nvSpPr>
+        <p:spPr>
+          <a:xfrm>
+            <a:off x="838200" y="365125"/>
+            <a:ext cx="10515600" cy="762635"/>
+          </a:xfrm>
+          <a:prstGeom prst="rect">
+            <a:avLst/>
+          </a:prstGeom>
+        </p:spPr>
+        <p:txBody>
+          <a:bodyPr vert="horz" lIns="91440" tIns="45720" rIns="91440" bIns="45720" rtlCol="0" anchor="ctr">
+            <a:normAutofit/>
+          </a:bodyPr>
+          <a:lstStyle>
+            <a:lvl1pPr algn="l" defTabSz="914400" rtl="0" eaLnBrk="1" latinLnBrk="0" hangingPunct="1">
+              <a:lnSpc>
+                <a:spcPct val="90000"/>
+              </a:lnSpc>
+              <a:spcBef>
+                <a:spcPct val="0"/>
+              </a:spcBef>
+              <a:buNone/>
+              <a:defRPr sz="4400" kern="1200">
+                <a:solidFill>
+                  <a:schemeClr val="tx1"/>
+                </a:solidFill>
+                <a:latin typeface="+mj-lt"/>
+                <a:ea typeface="+mj-ea"/>
+                <a:cs typeface="+mj-cs"/>
+              </a:defRPr>
+            </a:lvl1pPr>
+          </a:lstStyle>
+          <a:p>
+            <a:r>
+              <a:rPr lang="en-CA" sz="3600" dirty="0"/>
+              <a:t>Results: Baseline VNS vs. Golden Section VNS</a:t>
+            </a:r>
+          </a:p>
+        </p:txBody>
+      </p:sp>
       <p:graphicFrame>
         <p:nvGraphicFramePr>
           <p:cNvPr id="2" name="Table 1">
@@ -4774,7 +4988,7 @@
           <p:nvPr>
             <p:extLst>
               <p:ext uri="{D42A27DB-BD31-4B8C-83A1-F6EECF244321}">
-                <p14:modId xmlns:p14="http://schemas.microsoft.com/office/powerpoint/2010/main" val="532599029"/>
+                <p14:modId xmlns:p14="http://schemas.microsoft.com/office/powerpoint/2010/main" val="3188286285"/>
               </p:ext>
             </p:extLst>
           </p:nvPr>
@@ -5200,7 +5414,7 @@
                       <a:pPr algn="ctr"/>
                       <a:r>
                         <a:rPr lang="en-CA" sz="1600" dirty="0"/>
-                        <a:t>204.2588</a:t>
+                        <a:t>200</a:t>
                       </a:r>
                       <a:endParaRPr lang="en-US" sz="1600" dirty="0"/>
                     </a:p>
@@ -5215,7 +5429,7 @@
                       <a:pPr algn="ctr"/>
                       <a:r>
                         <a:rPr lang="en-CA" sz="1600" dirty="0"/>
-                        <a:t>211.1486</a:t>
+                        <a:t>206.8898</a:t>
                       </a:r>
                       <a:endParaRPr lang="en-US" sz="1600" dirty="0"/>
                     </a:p>
@@ -5252,7 +5466,7 @@
                       <a:pPr algn="ctr"/>
                       <a:r>
                         <a:rPr lang="en-CA" sz="1600" dirty="0"/>
-                        <a:t>204.2588</a:t>
+                        <a:t>200</a:t>
                       </a:r>
                       <a:endParaRPr lang="en-US" sz="1600" dirty="0"/>
                     </a:p>
@@ -5267,7 +5481,7 @@
                       <a:pPr algn="ctr"/>
                       <a:r>
                         <a:rPr lang="en-CA" sz="1600" dirty="0"/>
-                        <a:t>208.5167</a:t>
+                        <a:t>204.2588</a:t>
                       </a:r>
                       <a:endParaRPr lang="en-US" sz="1600" dirty="0"/>
                     </a:p>
@@ -5361,221 +5575,6 @@
     <p:extLst>
       <p:ext uri="{BB962C8B-B14F-4D97-AF65-F5344CB8AC3E}">
         <p14:creationId xmlns:p14="http://schemas.microsoft.com/office/powerpoint/2010/main" val="879336629"/>
-      </p:ext>
-    </p:extLst>
-  </p:cSld>
-  <p:clrMapOvr>
-    <a:masterClrMapping/>
-  </p:clrMapOvr>
-</p:sld>
-</file>
-
-<file path=ppt/slides/slide14.xml><?xml version="1.0" encoding="utf-8"?>
-<p:sld xmlns:a="http://schemas.openxmlformats.org/drawingml/2006/main" xmlns:r="http://schemas.openxmlformats.org/officeDocument/2006/relationships" xmlns:p="http://schemas.openxmlformats.org/presentationml/2006/main">
-  <p:cSld>
-    <p:spTree>
-      <p:nvGrpSpPr>
-        <p:cNvPr id="1" name=""/>
-        <p:cNvGrpSpPr/>
-        <p:nvPr/>
-      </p:nvGrpSpPr>
-      <p:grpSpPr>
-        <a:xfrm>
-          <a:off x="0" y="0"/>
-          <a:ext cx="0" cy="0"/>
-          <a:chOff x="0" y="0"/>
-          <a:chExt cx="0" cy="0"/>
-        </a:xfrm>
-      </p:grpSpPr>
-      <p:sp>
-        <p:nvSpPr>
-          <p:cNvPr id="3" name="Content Placeholder 2">
-            <a:extLst>
-              <a:ext uri="{FF2B5EF4-FFF2-40B4-BE49-F238E27FC236}">
-                <a16:creationId xmlns:a16="http://schemas.microsoft.com/office/drawing/2014/main" id="{A3747E47-B71D-4260-9DF4-6C60964EBB93}"/>
-              </a:ext>
-            </a:extLst>
-          </p:cNvPr>
-          <p:cNvSpPr>
-            <a:spLocks noGrp="1"/>
-          </p:cNvSpPr>
-          <p:nvPr>
-            <p:ph idx="1"/>
-          </p:nvPr>
-        </p:nvSpPr>
-        <p:spPr>
-          <a:xfrm>
-            <a:off x="838200" y="1127760"/>
-            <a:ext cx="10515600" cy="5049203"/>
-          </a:xfrm>
-        </p:spPr>
-        <p:txBody>
-          <a:bodyPr>
-            <a:normAutofit/>
-          </a:bodyPr>
-          <a:lstStyle/>
-          <a:p>
-            <a:pPr marL="0" indent="0">
-              <a:buNone/>
-            </a:pPr>
-            <a:r>
-              <a:rPr lang="en-CA" sz="2400" dirty="0"/>
-              <a:t>Ideas</a:t>
-            </a:r>
-          </a:p>
-          <a:p>
-            <a:r>
-              <a:rPr lang="en-CA" sz="2400" dirty="0"/>
-              <a:t>Distributions of profits overlaid</a:t>
-            </a:r>
-          </a:p>
-          <a:p>
-            <a:r>
-              <a:rPr lang="en-CA" sz="2400" dirty="0"/>
-              <a:t>Comparison table</a:t>
-            </a:r>
-          </a:p>
-          <a:p>
-            <a:r>
-              <a:rPr lang="en-CA" sz="2400" dirty="0"/>
-              <a:t>Number of admitted groups by customer size</a:t>
-            </a:r>
-          </a:p>
-          <a:p>
-            <a:r>
-              <a:rPr lang="en-CA" sz="2400" dirty="0"/>
-              <a:t>Odds of abandonment by customer size</a:t>
-            </a:r>
-          </a:p>
-          <a:p>
-            <a:pPr marL="0" indent="0">
-              <a:buNone/>
-            </a:pPr>
-            <a:r>
-              <a:rPr lang="en-CA" sz="2400" dirty="0">
-                <a:solidFill>
-                  <a:schemeClr val="bg2">
-                    <a:lumMod val="75000"/>
-                  </a:schemeClr>
-                </a:solidFill>
-              </a:rPr>
-              <a:t>(My guess is that more customer groups of size 5 are admitted while the rest remain more or less constant)</a:t>
-            </a:r>
-          </a:p>
-          <a:p>
-            <a:r>
-              <a:rPr lang="en-CA" sz="2400" dirty="0"/>
-              <a:t>Comment on the differences (profit, table arrangement, number of seats)</a:t>
-            </a:r>
-          </a:p>
-          <a:p>
-            <a:r>
-              <a:rPr lang="en-CA" sz="2400" dirty="0"/>
-              <a:t>Reach a conclusion about which policy is better</a:t>
-            </a:r>
-          </a:p>
-          <a:p>
-            <a:pPr marL="0" indent="0">
-              <a:buNone/>
-            </a:pPr>
-            <a:endParaRPr lang="en-US" sz="2400" dirty="0"/>
-          </a:p>
-        </p:txBody>
-      </p:sp>
-      <p:pic>
-        <p:nvPicPr>
-          <p:cNvPr id="5" name="Picture 4">
-            <a:extLst>
-              <a:ext uri="{FF2B5EF4-FFF2-40B4-BE49-F238E27FC236}">
-                <a16:creationId xmlns:a16="http://schemas.microsoft.com/office/drawing/2014/main" id="{0C7E7D67-F8B3-4901-8386-C7C19CECFEC6}"/>
-              </a:ext>
-            </a:extLst>
-          </p:cNvPr>
-          <p:cNvPicPr>
-            <a:picLocks noChangeAspect="1"/>
-          </p:cNvPicPr>
-          <p:nvPr/>
-        </p:nvPicPr>
-        <p:blipFill>
-          <a:blip r:embed="rId2">
-            <a:extLst>
-              <a:ext uri="{28A0092B-C50C-407E-A947-70E740481C1C}">
-                <a14:useLocalDpi xmlns:a14="http://schemas.microsoft.com/office/drawing/2010/main" val="0"/>
-              </a:ext>
-            </a:extLst>
-          </a:blip>
-          <a:stretch>
-            <a:fillRect/>
-          </a:stretch>
-        </p:blipFill>
-        <p:spPr>
-          <a:xfrm>
-            <a:off x="9916160" y="365125"/>
-            <a:ext cx="1437640" cy="418937"/>
-          </a:xfrm>
-          <a:prstGeom prst="rect">
-            <a:avLst/>
-          </a:prstGeom>
-        </p:spPr>
-      </p:pic>
-      <p:sp>
-        <p:nvSpPr>
-          <p:cNvPr id="6" name="Title 1">
-            <a:extLst>
-              <a:ext uri="{FF2B5EF4-FFF2-40B4-BE49-F238E27FC236}">
-                <a16:creationId xmlns:a16="http://schemas.microsoft.com/office/drawing/2014/main" id="{B4C9D95B-EBE4-40C7-8B82-4CFA20A3795C}"/>
-              </a:ext>
-            </a:extLst>
-          </p:cNvPr>
-          <p:cNvSpPr txBox="1">
-            <a:spLocks/>
-          </p:cNvSpPr>
-          <p:nvPr/>
-        </p:nvSpPr>
-        <p:spPr>
-          <a:xfrm>
-            <a:off x="838200" y="365125"/>
-            <a:ext cx="10515600" cy="762635"/>
-          </a:xfrm>
-          <a:prstGeom prst="rect">
-            <a:avLst/>
-          </a:prstGeom>
-        </p:spPr>
-        <p:txBody>
-          <a:bodyPr vert="horz" lIns="91440" tIns="45720" rIns="91440" bIns="45720" rtlCol="0" anchor="ctr">
-            <a:normAutofit/>
-          </a:bodyPr>
-          <a:lstStyle>
-            <a:lvl1pPr algn="l" defTabSz="914400" rtl="0" eaLnBrk="1" latinLnBrk="0" hangingPunct="1">
-              <a:lnSpc>
-                <a:spcPct val="90000"/>
-              </a:lnSpc>
-              <a:spcBef>
-                <a:spcPct val="0"/>
-              </a:spcBef>
-              <a:buNone/>
-              <a:defRPr sz="4400" kern="1200">
-                <a:solidFill>
-                  <a:schemeClr val="tx1"/>
-                </a:solidFill>
-                <a:latin typeface="+mj-lt"/>
-                <a:ea typeface="+mj-ea"/>
-                <a:cs typeface="+mj-cs"/>
-              </a:defRPr>
-            </a:lvl1pPr>
-          </a:lstStyle>
-          <a:p>
-            <a:r>
-              <a:rPr lang="en-CA" sz="3600" dirty="0"/>
-              <a:t>Results: Seating Policy Comparison</a:t>
-            </a:r>
-          </a:p>
-        </p:txBody>
-      </p:sp>
-    </p:spTree>
-    <p:extLst>
-      <p:ext uri="{BB962C8B-B14F-4D97-AF65-F5344CB8AC3E}">
-        <p14:creationId xmlns:p14="http://schemas.microsoft.com/office/powerpoint/2010/main" val="697602103"/>
       </p:ext>
     </p:extLst>
   </p:cSld>
@@ -5639,18 +5638,23 @@
                   <a:schemeClr val="accent1"/>
                 </a:solidFill>
               </a:rPr>
-              <a:t>Golden section VNS </a:t>
+              <a:t>Comparison of profit distribution</a:t>
             </a:r>
           </a:p>
           <a:p>
             <a:pPr marL="0" indent="0">
               <a:buNone/>
             </a:pPr>
-            <a:endParaRPr lang="en-US" sz="2400" dirty="0">
-              <a:solidFill>
-                <a:schemeClr val="accent1"/>
-              </a:solidFill>
-            </a:endParaRPr>
+            <a:endParaRPr lang="en-CA" sz="2400" dirty="0"/>
+          </a:p>
+          <a:p>
+            <a:pPr marL="0" indent="0">
+              <a:buNone/>
+            </a:pPr>
+            <a:endParaRPr lang="en-CA" sz="2400" dirty="0"/>
+          </a:p>
+          <a:p>
+            <a:endParaRPr lang="en-CA" sz="2400" dirty="0"/>
           </a:p>
         </p:txBody>
       </p:sp>
@@ -5739,17 +5743,17 @@
           <a:p>
             <a:r>
               <a:rPr lang="en-CA" sz="3600" dirty="0"/>
-              <a:t>Results</a:t>
+              <a:t>Results: Baseline VNS vs. Golden Section VNS</a:t>
             </a:r>
           </a:p>
         </p:txBody>
       </p:sp>
       <p:pic>
         <p:nvPicPr>
-          <p:cNvPr id="8" name="Picture 7" descr="A screenshot of a cell phone&#10;&#10;Description generated with very high confidence">
+          <p:cNvPr id="4" name="Picture 3" descr="A picture containing screenshot&#10;&#10;Description generated with very high confidence">
             <a:extLst>
               <a:ext uri="{FF2B5EF4-FFF2-40B4-BE49-F238E27FC236}">
-                <a16:creationId xmlns:a16="http://schemas.microsoft.com/office/drawing/2014/main" id="{E6C898DB-1BE9-4151-BF0C-CD965CB001E8}"/>
+                <a16:creationId xmlns:a16="http://schemas.microsoft.com/office/drawing/2014/main" id="{8B39126D-C6B5-4E2C-A83A-56AB682DF7EF}"/>
               </a:ext>
             </a:extLst>
           </p:cNvPr>
@@ -5772,8 +5776,8 @@
         </p:blipFill>
         <p:spPr>
           <a:xfrm>
-            <a:off x="3001856" y="1535748"/>
-            <a:ext cx="6188287" cy="4641215"/>
+            <a:off x="1079500" y="1471458"/>
+            <a:ext cx="10033000" cy="4815629"/>
           </a:xfrm>
           <a:prstGeom prst="rect">
             <a:avLst/>
@@ -5783,7 +5787,222 @@
     </p:spTree>
     <p:extLst>
       <p:ext uri="{BB962C8B-B14F-4D97-AF65-F5344CB8AC3E}">
-        <p14:creationId xmlns:p14="http://schemas.microsoft.com/office/powerpoint/2010/main" val="2302501886"/>
+        <p14:creationId xmlns:p14="http://schemas.microsoft.com/office/powerpoint/2010/main" val="1216261409"/>
+      </p:ext>
+    </p:extLst>
+  </p:cSld>
+  <p:clrMapOvr>
+    <a:masterClrMapping/>
+  </p:clrMapOvr>
+</p:sld>
+</file>
+
+<file path=ppt/slides/slide16.xml><?xml version="1.0" encoding="utf-8"?>
+<p:sld xmlns:a="http://schemas.openxmlformats.org/drawingml/2006/main" xmlns:r="http://schemas.openxmlformats.org/officeDocument/2006/relationships" xmlns:p="http://schemas.openxmlformats.org/presentationml/2006/main">
+  <p:cSld>
+    <p:spTree>
+      <p:nvGrpSpPr>
+        <p:cNvPr id="1" name=""/>
+        <p:cNvGrpSpPr/>
+        <p:nvPr/>
+      </p:nvGrpSpPr>
+      <p:grpSpPr>
+        <a:xfrm>
+          <a:off x="0" y="0"/>
+          <a:ext cx="0" cy="0"/>
+          <a:chOff x="0" y="0"/>
+          <a:chExt cx="0" cy="0"/>
+        </a:xfrm>
+      </p:grpSpPr>
+      <p:sp>
+        <p:nvSpPr>
+          <p:cNvPr id="3" name="Content Placeholder 2">
+            <a:extLst>
+              <a:ext uri="{FF2B5EF4-FFF2-40B4-BE49-F238E27FC236}">
+                <a16:creationId xmlns:a16="http://schemas.microsoft.com/office/drawing/2014/main" id="{A3747E47-B71D-4260-9DF4-6C60964EBB93}"/>
+              </a:ext>
+            </a:extLst>
+          </p:cNvPr>
+          <p:cNvSpPr>
+            <a:spLocks noGrp="1"/>
+          </p:cNvSpPr>
+          <p:nvPr>
+            <p:ph idx="1"/>
+          </p:nvPr>
+        </p:nvSpPr>
+        <p:spPr>
+          <a:xfrm>
+            <a:off x="838200" y="1127760"/>
+            <a:ext cx="10515600" cy="5049203"/>
+          </a:xfrm>
+        </p:spPr>
+        <p:txBody>
+          <a:bodyPr>
+            <a:normAutofit/>
+          </a:bodyPr>
+          <a:lstStyle/>
+          <a:p>
+            <a:pPr marL="0" indent="0">
+              <a:buNone/>
+            </a:pPr>
+            <a:r>
+              <a:rPr lang="en-CA" sz="2400" dirty="0"/>
+              <a:t>Ideas</a:t>
+            </a:r>
+          </a:p>
+          <a:p>
+            <a:r>
+              <a:rPr lang="en-CA" sz="2400" dirty="0"/>
+              <a:t>Distributions of profits overlaid</a:t>
+            </a:r>
+          </a:p>
+          <a:p>
+            <a:r>
+              <a:rPr lang="en-CA" sz="2400" dirty="0"/>
+              <a:t>Comparison table</a:t>
+            </a:r>
+          </a:p>
+          <a:p>
+            <a:r>
+              <a:rPr lang="en-CA" sz="2400" dirty="0"/>
+              <a:t>Number of admitted groups by customer size</a:t>
+            </a:r>
+          </a:p>
+          <a:p>
+            <a:r>
+              <a:rPr lang="en-CA" sz="2400" dirty="0"/>
+              <a:t>Odds of abandonment by customer size</a:t>
+            </a:r>
+          </a:p>
+          <a:p>
+            <a:pPr marL="0" indent="0">
+              <a:buNone/>
+            </a:pPr>
+            <a:r>
+              <a:rPr lang="en-CA" sz="2400" dirty="0">
+                <a:solidFill>
+                  <a:schemeClr val="bg2">
+                    <a:lumMod val="75000"/>
+                  </a:schemeClr>
+                </a:solidFill>
+              </a:rPr>
+              <a:t>(My guess is that more customer groups of size 5 are admitted while the rest remain more or less constant)</a:t>
+            </a:r>
+          </a:p>
+          <a:p>
+            <a:r>
+              <a:rPr lang="en-CA" sz="2400" dirty="0"/>
+              <a:t>Comment on the differences (profit, table arrangement, number of seats)</a:t>
+            </a:r>
+          </a:p>
+          <a:p>
+            <a:r>
+              <a:rPr lang="en-CA" sz="2400" dirty="0"/>
+              <a:t>Reach a conclusion about which policy is better</a:t>
+            </a:r>
+          </a:p>
+          <a:p>
+            <a:pPr marL="0" indent="0">
+              <a:buNone/>
+            </a:pPr>
+            <a:endParaRPr lang="en-US" sz="2400" dirty="0"/>
+          </a:p>
+        </p:txBody>
+      </p:sp>
+      <p:pic>
+        <p:nvPicPr>
+          <p:cNvPr id="5" name="Picture 4">
+            <a:extLst>
+              <a:ext uri="{FF2B5EF4-FFF2-40B4-BE49-F238E27FC236}">
+                <a16:creationId xmlns:a16="http://schemas.microsoft.com/office/drawing/2014/main" id="{0C7E7D67-F8B3-4901-8386-C7C19CECFEC6}"/>
+              </a:ext>
+            </a:extLst>
+          </p:cNvPr>
+          <p:cNvPicPr>
+            <a:picLocks noChangeAspect="1"/>
+          </p:cNvPicPr>
+          <p:nvPr/>
+        </p:nvPicPr>
+        <p:blipFill>
+          <a:blip r:embed="rId2">
+            <a:extLst>
+              <a:ext uri="{28A0092B-C50C-407E-A947-70E740481C1C}">
+                <a14:useLocalDpi xmlns:a14="http://schemas.microsoft.com/office/drawing/2010/main" val="0"/>
+              </a:ext>
+            </a:extLst>
+          </a:blip>
+          <a:stretch>
+            <a:fillRect/>
+          </a:stretch>
+        </p:blipFill>
+        <p:spPr>
+          <a:xfrm>
+            <a:off x="9916160" y="365125"/>
+            <a:ext cx="1437640" cy="418937"/>
+          </a:xfrm>
+          <a:prstGeom prst="rect">
+            <a:avLst/>
+          </a:prstGeom>
+        </p:spPr>
+      </p:pic>
+      <p:sp>
+        <p:nvSpPr>
+          <p:cNvPr id="6" name="Title 1">
+            <a:extLst>
+              <a:ext uri="{FF2B5EF4-FFF2-40B4-BE49-F238E27FC236}">
+                <a16:creationId xmlns:a16="http://schemas.microsoft.com/office/drawing/2014/main" id="{B4C9D95B-EBE4-40C7-8B82-4CFA20A3795C}"/>
+              </a:ext>
+            </a:extLst>
+          </p:cNvPr>
+          <p:cNvSpPr txBox="1">
+            <a:spLocks/>
+          </p:cNvSpPr>
+          <p:nvPr/>
+        </p:nvSpPr>
+        <p:spPr>
+          <a:xfrm>
+            <a:off x="838200" y="365125"/>
+            <a:ext cx="10515600" cy="762635"/>
+          </a:xfrm>
+          <a:prstGeom prst="rect">
+            <a:avLst/>
+          </a:prstGeom>
+        </p:spPr>
+        <p:txBody>
+          <a:bodyPr vert="horz" lIns="91440" tIns="45720" rIns="91440" bIns="45720" rtlCol="0" anchor="ctr">
+            <a:normAutofit/>
+          </a:bodyPr>
+          <a:lstStyle>
+            <a:lvl1pPr algn="l" defTabSz="914400" rtl="0" eaLnBrk="1" latinLnBrk="0" hangingPunct="1">
+              <a:lnSpc>
+                <a:spcPct val="90000"/>
+              </a:lnSpc>
+              <a:spcBef>
+                <a:spcPct val="0"/>
+              </a:spcBef>
+              <a:buNone/>
+              <a:defRPr sz="4400" kern="1200">
+                <a:solidFill>
+                  <a:schemeClr val="tx1"/>
+                </a:solidFill>
+                <a:latin typeface="+mj-lt"/>
+                <a:ea typeface="+mj-ea"/>
+                <a:cs typeface="+mj-cs"/>
+              </a:defRPr>
+            </a:lvl1pPr>
+          </a:lstStyle>
+          <a:p>
+            <a:r>
+              <a:rPr lang="en-CA" sz="3600" dirty="0"/>
+              <a:t>Results: Seating Policy Comparison</a:t>
+            </a:r>
+          </a:p>
+        </p:txBody>
+      </p:sp>
+    </p:spTree>
+    <p:extLst>
+      <p:ext uri="{BB962C8B-B14F-4D97-AF65-F5344CB8AC3E}">
+        <p14:creationId xmlns:p14="http://schemas.microsoft.com/office/powerpoint/2010/main" val="697602103"/>
       </p:ext>
     </p:extLst>
   </p:cSld>

--- a/Presentation.pptx
+++ b/Presentation.pptx
@@ -5,30 +5,39 @@
     <p:sldMasterId id="2147483660" r:id="rId1"/>
   </p:sldMasterIdLst>
   <p:notesMasterIdLst>
-    <p:notesMasterId r:id="rId23"/>
+    <p:notesMasterId r:id="rId32"/>
   </p:notesMasterIdLst>
   <p:sldIdLst>
     <p:sldId id="256" r:id="rId2"/>
-    <p:sldId id="257" r:id="rId3"/>
-    <p:sldId id="258" r:id="rId4"/>
-    <p:sldId id="282" r:id="rId5"/>
-    <p:sldId id="259" r:id="rId6"/>
-    <p:sldId id="273" r:id="rId7"/>
-    <p:sldId id="261" r:id="rId8"/>
-    <p:sldId id="264" r:id="rId9"/>
-    <p:sldId id="266" r:id="rId10"/>
-    <p:sldId id="267" r:id="rId11"/>
-    <p:sldId id="268" r:id="rId12"/>
-    <p:sldId id="270" r:id="rId13"/>
-    <p:sldId id="260" r:id="rId14"/>
-    <p:sldId id="276" r:id="rId15"/>
-    <p:sldId id="272" r:id="rId16"/>
-    <p:sldId id="277" r:id="rId17"/>
-    <p:sldId id="278" r:id="rId18"/>
-    <p:sldId id="275" r:id="rId19"/>
-    <p:sldId id="279" r:id="rId20"/>
-    <p:sldId id="280" r:id="rId21"/>
-    <p:sldId id="281" r:id="rId22"/>
+    <p:sldId id="283" r:id="rId3"/>
+    <p:sldId id="284" r:id="rId4"/>
+    <p:sldId id="285" r:id="rId5"/>
+    <p:sldId id="286" r:id="rId6"/>
+    <p:sldId id="257" r:id="rId7"/>
+    <p:sldId id="287" r:id="rId8"/>
+    <p:sldId id="288" r:id="rId9"/>
+    <p:sldId id="289" r:id="rId10"/>
+    <p:sldId id="292" r:id="rId11"/>
+    <p:sldId id="258" r:id="rId12"/>
+    <p:sldId id="282" r:id="rId13"/>
+    <p:sldId id="290" r:id="rId14"/>
+    <p:sldId id="291" r:id="rId15"/>
+    <p:sldId id="273" r:id="rId16"/>
+    <p:sldId id="261" r:id="rId17"/>
+    <p:sldId id="264" r:id="rId18"/>
+    <p:sldId id="266" r:id="rId19"/>
+    <p:sldId id="267" r:id="rId20"/>
+    <p:sldId id="268" r:id="rId21"/>
+    <p:sldId id="270" r:id="rId22"/>
+    <p:sldId id="260" r:id="rId23"/>
+    <p:sldId id="276" r:id="rId24"/>
+    <p:sldId id="272" r:id="rId25"/>
+    <p:sldId id="277" r:id="rId26"/>
+    <p:sldId id="278" r:id="rId27"/>
+    <p:sldId id="275" r:id="rId28"/>
+    <p:sldId id="279" r:id="rId29"/>
+    <p:sldId id="280" r:id="rId30"/>
+    <p:sldId id="281" r:id="rId31"/>
   </p:sldIdLst>
   <p:sldSz cx="12192000" cy="6858000"/>
   <p:notesSz cx="6858000" cy="9144000"/>
@@ -217,7 +226,7 @@
           <a:p>
             <a:fld id="{8072A660-2FC5-4103-967E-B19F76250BEA}" type="datetimeFigureOut">
               <a:rPr lang="en-US" smtClean="0"/>
-              <a:t>5/27/2019</a:t>
+              <a:t>5/27/19</a:t>
             </a:fld>
             <a:endParaRPr lang="en-US"/>
           </a:p>
@@ -559,7 +568,7 @@
           <a:p>
             <a:fld id="{F337A9D5-A264-4B80-8400-78E45D6652AF}" type="slidenum">
               <a:rPr lang="en-US" smtClean="0"/>
-              <a:t>20</a:t>
+              <a:t>29</a:t>
             </a:fld>
             <a:endParaRPr lang="en-US"/>
           </a:p>
@@ -651,7 +660,7 @@
           <a:p>
             <a:fld id="{F337A9D5-A264-4B80-8400-78E45D6652AF}" type="slidenum">
               <a:rPr lang="en-US" smtClean="0"/>
-              <a:t>21</a:t>
+              <a:t>30</a:t>
             </a:fld>
             <a:endParaRPr lang="en-US"/>
           </a:p>
@@ -801,7 +810,7 @@
           <a:p>
             <a:fld id="{26EBFB83-AAA2-427D-8458-5FB692FCFF84}" type="datetimeFigureOut">
               <a:rPr lang="en-US" smtClean="0"/>
-              <a:t>5/27/2019</a:t>
+              <a:t>5/27/19</a:t>
             </a:fld>
             <a:endParaRPr lang="en-US"/>
           </a:p>
@@ -971,7 +980,7 @@
           <a:p>
             <a:fld id="{26EBFB83-AAA2-427D-8458-5FB692FCFF84}" type="datetimeFigureOut">
               <a:rPr lang="en-US" smtClean="0"/>
-              <a:t>5/27/2019</a:t>
+              <a:t>5/27/19</a:t>
             </a:fld>
             <a:endParaRPr lang="en-US"/>
           </a:p>
@@ -1151,7 +1160,7 @@
           <a:p>
             <a:fld id="{26EBFB83-AAA2-427D-8458-5FB692FCFF84}" type="datetimeFigureOut">
               <a:rPr lang="en-US" smtClean="0"/>
-              <a:t>5/27/2019</a:t>
+              <a:t>5/27/19</a:t>
             </a:fld>
             <a:endParaRPr lang="en-US"/>
           </a:p>
@@ -1321,7 +1330,7 @@
           <a:p>
             <a:fld id="{26EBFB83-AAA2-427D-8458-5FB692FCFF84}" type="datetimeFigureOut">
               <a:rPr lang="en-US" smtClean="0"/>
-              <a:t>5/27/2019</a:t>
+              <a:t>5/27/19</a:t>
             </a:fld>
             <a:endParaRPr lang="en-US"/>
           </a:p>
@@ -1567,7 +1576,7 @@
           <a:p>
             <a:fld id="{26EBFB83-AAA2-427D-8458-5FB692FCFF84}" type="datetimeFigureOut">
               <a:rPr lang="en-US" smtClean="0"/>
-              <a:t>5/27/2019</a:t>
+              <a:t>5/27/19</a:t>
             </a:fld>
             <a:endParaRPr lang="en-US"/>
           </a:p>
@@ -1799,7 +1808,7 @@
           <a:p>
             <a:fld id="{26EBFB83-AAA2-427D-8458-5FB692FCFF84}" type="datetimeFigureOut">
               <a:rPr lang="en-US" smtClean="0"/>
-              <a:t>5/27/2019</a:t>
+              <a:t>5/27/19</a:t>
             </a:fld>
             <a:endParaRPr lang="en-US"/>
           </a:p>
@@ -2166,7 +2175,7 @@
           <a:p>
             <a:fld id="{26EBFB83-AAA2-427D-8458-5FB692FCFF84}" type="datetimeFigureOut">
               <a:rPr lang="en-US" smtClean="0"/>
-              <a:t>5/27/2019</a:t>
+              <a:t>5/27/19</a:t>
             </a:fld>
             <a:endParaRPr lang="en-US"/>
           </a:p>
@@ -2284,7 +2293,7 @@
           <a:p>
             <a:fld id="{26EBFB83-AAA2-427D-8458-5FB692FCFF84}" type="datetimeFigureOut">
               <a:rPr lang="en-US" smtClean="0"/>
-              <a:t>5/27/2019</a:t>
+              <a:t>5/27/19</a:t>
             </a:fld>
             <a:endParaRPr lang="en-US"/>
           </a:p>
@@ -2379,7 +2388,7 @@
           <a:p>
             <a:fld id="{26EBFB83-AAA2-427D-8458-5FB692FCFF84}" type="datetimeFigureOut">
               <a:rPr lang="en-US" smtClean="0"/>
-              <a:t>5/27/2019</a:t>
+              <a:t>5/27/19</a:t>
             </a:fld>
             <a:endParaRPr lang="en-US"/>
           </a:p>
@@ -2656,7 +2665,7 @@
           <a:p>
             <a:fld id="{26EBFB83-AAA2-427D-8458-5FB692FCFF84}" type="datetimeFigureOut">
               <a:rPr lang="en-US" smtClean="0"/>
-              <a:t>5/27/2019</a:t>
+              <a:t>5/27/19</a:t>
             </a:fld>
             <a:endParaRPr lang="en-US"/>
           </a:p>
@@ -2913,7 +2922,7 @@
           <a:p>
             <a:fld id="{26EBFB83-AAA2-427D-8458-5FB692FCFF84}" type="datetimeFigureOut">
               <a:rPr lang="en-US" smtClean="0"/>
-              <a:t>5/27/2019</a:t>
+              <a:t>5/27/19</a:t>
             </a:fld>
             <a:endParaRPr lang="en-US"/>
           </a:p>
@@ -3126,7 +3135,7 @@
           <a:p>
             <a:fld id="{26EBFB83-AAA2-427D-8458-5FB692FCFF84}" type="datetimeFigureOut">
               <a:rPr lang="en-US" smtClean="0"/>
-              <a:t>5/27/2019</a:t>
+              <a:t>5/27/19</a:t>
             </a:fld>
             <a:endParaRPr lang="en-US"/>
           </a:p>
@@ -3517,14 +3526,6 @@
 <file path=ppt/slides/slide1.xml><?xml version="1.0" encoding="utf-8"?>
 <p:sld xmlns:a="http://schemas.openxmlformats.org/drawingml/2006/main" xmlns:r="http://schemas.openxmlformats.org/officeDocument/2006/relationships" xmlns:p="http://schemas.openxmlformats.org/presentationml/2006/main">
   <p:cSld>
-    <p:bg>
-      <p:bgPr>
-        <a:solidFill>
-          <a:schemeClr val="bg1"/>
-        </a:solidFill>
-        <a:effectLst/>
-      </p:bgPr>
-    </p:bg>
     <p:spTree>
       <p:nvGrpSpPr>
         <p:cNvPr id="1" name=""/>
@@ -3682,55 +3683,6 @@
       </p:pic>
       <p:pic>
         <p:nvPicPr>
-          <p:cNvPr id="9" name="Graphic 8">
-            <a:extLst>
-              <a:ext uri="{FF2B5EF4-FFF2-40B4-BE49-F238E27FC236}">
-                <a16:creationId xmlns:a16="http://schemas.microsoft.com/office/drawing/2014/main" id="{74DD0F26-D398-4BA6-A21E-83AAEE591352}"/>
-              </a:ext>
-              <a:ext uri="{C183D7F6-B498-43B3-948B-1728B52AA6E4}">
-                <adec:decorative xmlns:adec="http://schemas.microsoft.com/office/drawing/2017/decorative" val="1"/>
-              </a:ext>
-            </a:extLst>
-          </p:cNvPr>
-          <p:cNvPicPr>
-            <a:picLocks noGrp="1" noRot="1" noChangeAspect="1" noMove="1" noResize="1" noEditPoints="1" noAdjustHandles="1" noChangeArrowheads="1" noChangeShapeType="1" noCrop="1"/>
-          </p:cNvPicPr>
-          <p:nvPr>
-            <p:extLst>
-              <p:ext uri="{386F3935-93C4-4BCD-93E2-E3B085C9AB24}">
-                <p16:designElem xmlns:p16="http://schemas.microsoft.com/office/powerpoint/2015/main" val="1"/>
-              </p:ext>
-            </p:extLst>
-          </p:nvPr>
-        </p:nvPicPr>
-        <p:blipFill>
-          <a:blip r:embed="rId2">
-            <a:alphaModFix amt="15000"/>
-            <a:extLst>
-              <a:ext uri="{28A0092B-C50C-407E-A947-70E740481C1C}">
-                <a14:useLocalDpi xmlns:a14="http://schemas.microsoft.com/office/drawing/2010/main" val="0"/>
-              </a:ext>
-              <a:ext uri="{96DAC541-7B7A-43D3-8B79-37D633B846F1}">
-                <asvg:svgBlip xmlns:asvg="http://schemas.microsoft.com/office/drawing/2016/SVG/main" r:embed="rId3"/>
-              </a:ext>
-            </a:extLst>
-          </a:blip>
-          <a:stretch>
-            <a:fillRect/>
-          </a:stretch>
-        </p:blipFill>
-        <p:spPr>
-          <a:xfrm>
-            <a:off x="6641431" y="816337"/>
-            <a:ext cx="5225327" cy="5225327"/>
-          </a:xfrm>
-          <a:prstGeom prst="rect">
-            <a:avLst/>
-          </a:prstGeom>
-        </p:spPr>
-      </p:pic>
-      <p:pic>
-        <p:nvPicPr>
           <p:cNvPr id="21" name="Picture 20">
             <a:extLst>
               <a:ext uri="{FF2B5EF4-FFF2-40B4-BE49-F238E27FC236}">
@@ -3744,7 +3696,7 @@
           <p:nvPr/>
         </p:nvPicPr>
         <p:blipFill>
-          <a:blip r:embed="rId4">
+          <a:blip r:embed="rId4" cstate="hqprint">
             <a:extLst>
               <a:ext uri="{28A0092B-C50C-407E-A947-70E740481C1C}">
                 <a14:useLocalDpi xmlns:a14="http://schemas.microsoft.com/office/drawing/2010/main" val="0"/>
@@ -3768,7 +3720,7 @@
     </p:spTree>
     <p:extLst>
       <p:ext uri="{BB962C8B-B14F-4D97-AF65-F5344CB8AC3E}">
-        <p14:creationId xmlns:p14="http://schemas.microsoft.com/office/powerpoint/2010/main" val="2201523890"/>
+        <p14:creationId xmlns:p14="http://schemas.microsoft.com/office/powerpoint/2010/main" val="50867719"/>
       </p:ext>
     </p:extLst>
   </p:cSld>
@@ -3823,22 +3775,30 @@
           </a:bodyPr>
           <a:lstStyle/>
           <a:p>
-            <a:pPr marL="0" indent="0">
-              <a:buNone/>
-            </a:pPr>
-            <a:endParaRPr lang="en-CA" sz="2400" dirty="0">
-              <a:solidFill>
-                <a:schemeClr val="accent1">
-                  <a:lumMod val="75000"/>
-                </a:schemeClr>
-              </a:solidFill>
-            </a:endParaRPr>
-          </a:p>
-          <a:p>
-            <a:pPr marL="0" indent="0">
-              <a:buNone/>
-            </a:pPr>
-            <a:endParaRPr lang="en-CA" sz="2400" dirty="0"/>
+            <a:r>
+              <a:rPr lang="en-CA" sz="2400" dirty="0"/>
+              <a:t>Method:</a:t>
+            </a:r>
+          </a:p>
+          <a:p>
+            <a:pPr lvl="1"/>
+            <a:r>
+              <a:rPr lang="en-CA" sz="2000" dirty="0"/>
+              <a:t>Control Variate;</a:t>
+            </a:r>
+          </a:p>
+          <a:p>
+            <a:pPr lvl="1"/>
+            <a:r>
+              <a:rPr lang="en-CA" sz="2000" dirty="0"/>
+              <a:t>Number of groups that arrived;</a:t>
+            </a:r>
+          </a:p>
+          <a:p>
+            <a:r>
+              <a:rPr lang="en-CA" sz="2400" dirty="0"/>
+              <a:t>Usual number of runs: 100 (minimum accepted);</a:t>
+            </a:r>
           </a:p>
           <a:p>
             <a:endParaRPr lang="en-CA" sz="2400" dirty="0"/>
@@ -3860,7 +3820,7 @@
           <p:nvPr/>
         </p:nvPicPr>
         <p:blipFill>
-          <a:blip r:embed="rId2">
+          <a:blip r:embed="rId2" cstate="hqprint">
             <a:extLst>
               <a:ext uri="{28A0092B-C50C-407E-A947-70E740481C1C}">
                 <a14:useLocalDpi xmlns:a14="http://schemas.microsoft.com/office/drawing/2010/main" val="0"/>
@@ -3883,35 +3843,54 @@
       </p:pic>
       <p:sp>
         <p:nvSpPr>
-          <p:cNvPr id="7" name="Title 1">
+          <p:cNvPr id="8" name="Title 1">
             <a:extLst>
               <a:ext uri="{FF2B5EF4-FFF2-40B4-BE49-F238E27FC236}">
-                <a16:creationId xmlns:a16="http://schemas.microsoft.com/office/drawing/2014/main" id="{DF83123F-FFF6-4EB8-AA6C-703D18DCBD9D}"/>
+                <a16:creationId xmlns:a16="http://schemas.microsoft.com/office/drawing/2014/main" id="{3C0D5108-0220-49D1-BFA7-E8863D4F1E1D}"/>
               </a:ext>
             </a:extLst>
           </p:cNvPr>
-          <p:cNvSpPr>
-            <a:spLocks noGrp="1"/>
-          </p:cNvSpPr>
-          <p:nvPr>
-            <p:ph type="title"/>
-          </p:nvPr>
+          <p:cNvSpPr txBox="1">
+            <a:spLocks/>
+          </p:cNvSpPr>
+          <p:nvPr/>
         </p:nvSpPr>
         <p:spPr>
           <a:xfrm>
             <a:off x="838200" y="365125"/>
             <a:ext cx="10515600" cy="762635"/>
           </a:xfrm>
-        </p:spPr>
-        <p:txBody>
-          <a:bodyPr>
+          <a:prstGeom prst="rect">
+            <a:avLst/>
+          </a:prstGeom>
+        </p:spPr>
+        <p:txBody>
+          <a:bodyPr vert="horz" lIns="91440" tIns="45720" rIns="91440" bIns="45720" rtlCol="0" anchor="ctr">
             <a:normAutofit/>
           </a:bodyPr>
-          <a:lstStyle/>
+          <a:lstStyle>
+            <a:lvl1pPr algn="l" defTabSz="914400" rtl="0" eaLnBrk="1" latinLnBrk="0" hangingPunct="1">
+              <a:lnSpc>
+                <a:spcPct val="90000"/>
+              </a:lnSpc>
+              <a:spcBef>
+                <a:spcPct val="0"/>
+              </a:spcBef>
+              <a:buNone/>
+              <a:defRPr sz="4400" kern="1200">
+                <a:solidFill>
+                  <a:schemeClr val="tx1"/>
+                </a:solidFill>
+                <a:latin typeface="+mj-lt"/>
+                <a:ea typeface="+mj-ea"/>
+                <a:cs typeface="+mj-cs"/>
+              </a:defRPr>
+            </a:lvl1pPr>
+          </a:lstStyle>
           <a:p>
             <a:r>
               <a:rPr lang="en-CA" sz="3600" dirty="0"/>
-              <a:t>Golden Section Method</a:t>
+              <a:t>Variance Reduction</a:t>
             </a:r>
             <a:endParaRPr lang="en-US" sz="3600" dirty="0"/>
           </a:p>
@@ -3919,34 +3898,22 @@
       </p:sp>
       <p:pic>
         <p:nvPicPr>
-          <p:cNvPr id="4" name="Picture 3" descr="A close up of a map&#10;&#10;Description generated with very high confidence">
-            <a:extLst>
-              <a:ext uri="{FF2B5EF4-FFF2-40B4-BE49-F238E27FC236}">
-                <a16:creationId xmlns:a16="http://schemas.microsoft.com/office/drawing/2014/main" id="{6F7F02D7-F0E8-4ACF-B7CC-959B5D7282D2}"/>
-              </a:ext>
-            </a:extLst>
-          </p:cNvPr>
+          <p:cNvPr id="6" name="Picture 5"/>
           <p:cNvPicPr>
             <a:picLocks noChangeAspect="1"/>
           </p:cNvPicPr>
           <p:nvPr/>
         </p:nvPicPr>
         <p:blipFill>
-          <a:blip r:embed="rId3">
-            <a:extLst>
-              <a:ext uri="{28A0092B-C50C-407E-A947-70E740481C1C}">
-                <a14:useLocalDpi xmlns:a14="http://schemas.microsoft.com/office/drawing/2010/main" val="0"/>
-              </a:ext>
-            </a:extLst>
-          </a:blip>
+          <a:blip r:embed="rId3"/>
           <a:stretch>
             <a:fillRect/>
           </a:stretch>
         </p:blipFill>
         <p:spPr>
           <a:xfrm>
-            <a:off x="778721" y="1658381"/>
-            <a:ext cx="5317279" cy="3987959"/>
+            <a:off x="1107768" y="2828298"/>
+            <a:ext cx="4856251" cy="3240000"/>
           </a:xfrm>
           <a:prstGeom prst="rect">
             <a:avLst/>
@@ -3955,94 +3922,32 @@
       </p:pic>
       <p:pic>
         <p:nvPicPr>
-          <p:cNvPr id="8" name="Picture 7" descr="A close up of a map&#10;&#10;Description generated with very high confidence">
-            <a:extLst>
-              <a:ext uri="{FF2B5EF4-FFF2-40B4-BE49-F238E27FC236}">
-                <a16:creationId xmlns:a16="http://schemas.microsoft.com/office/drawing/2014/main" id="{CF3EF8CE-D7AB-4D17-A165-93D49F443CCF}"/>
-              </a:ext>
-            </a:extLst>
-          </p:cNvPr>
+          <p:cNvPr id="10" name="Picture 9"/>
           <p:cNvPicPr>
             <a:picLocks noChangeAspect="1"/>
           </p:cNvPicPr>
           <p:nvPr/>
         </p:nvPicPr>
         <p:blipFill>
-          <a:blip r:embed="rId4">
-            <a:extLst>
-              <a:ext uri="{28A0092B-C50C-407E-A947-70E740481C1C}">
-                <a14:useLocalDpi xmlns:a14="http://schemas.microsoft.com/office/drawing/2010/main" val="0"/>
-              </a:ext>
-            </a:extLst>
-          </a:blip>
+          <a:blip r:embed="rId4"/>
           <a:stretch>
             <a:fillRect/>
           </a:stretch>
         </p:blipFill>
         <p:spPr>
           <a:xfrm>
-            <a:off x="6200352" y="1697512"/>
-            <a:ext cx="5212927" cy="3909695"/>
+            <a:off x="5964019" y="2828298"/>
+            <a:ext cx="4856250" cy="3240000"/>
           </a:xfrm>
           <a:prstGeom prst="rect">
             <a:avLst/>
           </a:prstGeom>
         </p:spPr>
       </p:pic>
-      <p:sp>
-        <p:nvSpPr>
-          <p:cNvPr id="9" name="Rectangle: Rounded Corners 8">
-            <a:extLst>
-              <a:ext uri="{FF2B5EF4-FFF2-40B4-BE49-F238E27FC236}">
-                <a16:creationId xmlns:a16="http://schemas.microsoft.com/office/drawing/2014/main" id="{86EF7A26-F32C-42F4-BCE7-73FD5B42F8FC}"/>
-              </a:ext>
-            </a:extLst>
-          </p:cNvPr>
-          <p:cNvSpPr/>
-          <p:nvPr/>
-        </p:nvSpPr>
-        <p:spPr>
-          <a:xfrm>
-            <a:off x="2489200" y="2438400"/>
-            <a:ext cx="3413760" cy="2407920"/>
-          </a:xfrm>
-          <a:prstGeom prst="roundRect">
-            <a:avLst/>
-          </a:prstGeom>
-          <a:noFill/>
-          <a:ln w="19050">
-            <a:solidFill>
-              <a:srgbClr val="FF0000"/>
-            </a:solidFill>
-          </a:ln>
-        </p:spPr>
-        <p:style>
-          <a:lnRef idx="2">
-            <a:schemeClr val="accent6"/>
-          </a:lnRef>
-          <a:fillRef idx="1">
-            <a:schemeClr val="lt1"/>
-          </a:fillRef>
-          <a:effectRef idx="0">
-            <a:schemeClr val="accent6"/>
-          </a:effectRef>
-          <a:fontRef idx="minor">
-            <a:schemeClr val="dk1"/>
-          </a:fontRef>
-        </p:style>
-        <p:txBody>
-          <a:bodyPr rtlCol="0" anchor="ctr"/>
-          <a:lstStyle/>
-          <a:p>
-            <a:pPr algn="ctr"/>
-            <a:endParaRPr lang="en-US"/>
-          </a:p>
-        </p:txBody>
-      </p:sp>
     </p:spTree>
     <p:extLst>
       <p:ext uri="{BB962C8B-B14F-4D97-AF65-F5344CB8AC3E}">
-        <p14:creationId xmlns:p14="http://schemas.microsoft.com/office/powerpoint/2010/main" val="4200179265"/>
+        <p14:creationId xmlns:p14="http://schemas.microsoft.com/office/powerpoint/2010/main" val="529324684"/>
       </p:ext>
     </p:extLst>
   </p:cSld>
@@ -4069,69 +3974,21 @@
           <a:chExt cx="0" cy="0"/>
         </a:xfrm>
       </p:grpSpPr>
-      <p:sp>
-        <p:nvSpPr>
-          <p:cNvPr id="3" name="Content Placeholder 2">
+      <p:pic>
+        <p:nvPicPr>
+          <p:cNvPr id="10" name="Content Placeholder 9" descr="A screenshot of a cell phone&#10;&#10;Description generated with very high confidence">
             <a:extLst>
               <a:ext uri="{FF2B5EF4-FFF2-40B4-BE49-F238E27FC236}">
-                <a16:creationId xmlns:a16="http://schemas.microsoft.com/office/drawing/2014/main" id="{2E5DAAB6-C87E-4C10-8DDC-15F41DB00A20}"/>
+                <a16:creationId xmlns:a16="http://schemas.microsoft.com/office/drawing/2014/main" id="{9432EE17-87DB-4B00-9B56-CD2CDBFE5D6C}"/>
               </a:ext>
             </a:extLst>
           </p:cNvPr>
-          <p:cNvSpPr>
-            <a:spLocks noGrp="1"/>
-          </p:cNvSpPr>
+          <p:cNvPicPr>
+            <a:picLocks noGrp="1" noChangeAspect="1"/>
+          </p:cNvPicPr>
           <p:nvPr>
             <p:ph idx="1"/>
           </p:nvPr>
-        </p:nvSpPr>
-        <p:spPr>
-          <a:xfrm>
-            <a:off x="838200" y="1127760"/>
-            <a:ext cx="10515600" cy="5049203"/>
-          </a:xfrm>
-        </p:spPr>
-        <p:txBody>
-          <a:bodyPr>
-            <a:normAutofit/>
-          </a:bodyPr>
-          <a:lstStyle/>
-          <a:p>
-            <a:pPr marL="0" indent="0">
-              <a:buNone/>
-            </a:pPr>
-            <a:endParaRPr lang="en-CA" sz="2400" dirty="0">
-              <a:solidFill>
-                <a:schemeClr val="accent1">
-                  <a:lumMod val="75000"/>
-                </a:schemeClr>
-              </a:solidFill>
-            </a:endParaRPr>
-          </a:p>
-          <a:p>
-            <a:pPr marL="0" indent="0">
-              <a:buNone/>
-            </a:pPr>
-            <a:endParaRPr lang="en-CA" sz="2400" dirty="0"/>
-          </a:p>
-          <a:p>
-            <a:endParaRPr lang="en-CA" sz="2400" dirty="0"/>
-          </a:p>
-        </p:txBody>
-      </p:sp>
-      <p:pic>
-        <p:nvPicPr>
-          <p:cNvPr id="5" name="Picture 4">
-            <a:extLst>
-              <a:ext uri="{FF2B5EF4-FFF2-40B4-BE49-F238E27FC236}">
-                <a16:creationId xmlns:a16="http://schemas.microsoft.com/office/drawing/2014/main" id="{8977407B-874A-4791-897D-6196620D6F56}"/>
-              </a:ext>
-            </a:extLst>
-          </p:cNvPr>
-          <p:cNvPicPr>
-            <a:picLocks noChangeAspect="1"/>
-          </p:cNvPicPr>
-          <p:nvPr/>
         </p:nvPicPr>
         <p:blipFill>
           <a:blip r:embed="rId2">
@@ -4147,56 +4004,17 @@
         </p:blipFill>
         <p:spPr>
           <a:xfrm>
-            <a:off x="9916160" y="365125"/>
-            <a:ext cx="1437640" cy="418937"/>
-          </a:xfrm>
-          <a:prstGeom prst="rect">
-            <a:avLst/>
-          </a:prstGeom>
+            <a:off x="0" y="1257934"/>
+            <a:ext cx="6190826" cy="4643120"/>
+          </a:xfrm>
         </p:spPr>
       </p:pic>
-      <p:sp>
-        <p:nvSpPr>
-          <p:cNvPr id="7" name="Title 1">
-            <a:extLst>
-              <a:ext uri="{FF2B5EF4-FFF2-40B4-BE49-F238E27FC236}">
-                <a16:creationId xmlns:a16="http://schemas.microsoft.com/office/drawing/2014/main" id="{DF83123F-FFF6-4EB8-AA6C-703D18DCBD9D}"/>
-              </a:ext>
-            </a:extLst>
-          </p:cNvPr>
-          <p:cNvSpPr>
-            <a:spLocks noGrp="1"/>
-          </p:cNvSpPr>
-          <p:nvPr>
-            <p:ph type="title"/>
-          </p:nvPr>
-        </p:nvSpPr>
-        <p:spPr>
-          <a:xfrm>
-            <a:off x="838200" y="365125"/>
-            <a:ext cx="10515600" cy="762635"/>
-          </a:xfrm>
-        </p:spPr>
-        <p:txBody>
-          <a:bodyPr>
-            <a:normAutofit/>
-          </a:bodyPr>
-          <a:lstStyle/>
-          <a:p>
-            <a:r>
-              <a:rPr lang="en-CA" sz="3600" dirty="0"/>
-              <a:t>Golden Section Method</a:t>
-            </a:r>
-            <a:endParaRPr lang="en-US" sz="3600" dirty="0"/>
-          </a:p>
-        </p:txBody>
-      </p:sp>
       <p:pic>
         <p:nvPicPr>
-          <p:cNvPr id="4" name="Picture 3" descr="A close up of a map&#10;&#10;Description generated with very high confidence">
+          <p:cNvPr id="5" name="Picture 4">
             <a:extLst>
               <a:ext uri="{FF2B5EF4-FFF2-40B4-BE49-F238E27FC236}">
-                <a16:creationId xmlns:a16="http://schemas.microsoft.com/office/drawing/2014/main" id="{6F7F02D7-F0E8-4ACF-B7CC-959B5D7282D2}"/>
+                <a16:creationId xmlns:a16="http://schemas.microsoft.com/office/drawing/2014/main" id="{937DC52F-3E84-4376-A880-17A444D06451}"/>
               </a:ext>
             </a:extLst>
           </p:cNvPr>
@@ -4219,20 +4037,75 @@
         </p:blipFill>
         <p:spPr>
           <a:xfrm>
-            <a:off x="778721" y="1658381"/>
-            <a:ext cx="5317279" cy="3987959"/>
+            <a:off x="9916160" y="365125"/>
+            <a:ext cx="1437640" cy="418937"/>
           </a:xfrm>
           <a:prstGeom prst="rect">
             <a:avLst/>
           </a:prstGeom>
         </p:spPr>
       </p:pic>
+      <p:sp>
+        <p:nvSpPr>
+          <p:cNvPr id="9" name="Title 1">
+            <a:extLst>
+              <a:ext uri="{FF2B5EF4-FFF2-40B4-BE49-F238E27FC236}">
+                <a16:creationId xmlns:a16="http://schemas.microsoft.com/office/drawing/2014/main" id="{D8D4F29A-F761-4FDF-9F1D-5964127B29A1}"/>
+              </a:ext>
+            </a:extLst>
+          </p:cNvPr>
+          <p:cNvSpPr txBox="1">
+            <a:spLocks/>
+          </p:cNvSpPr>
+          <p:nvPr/>
+        </p:nvSpPr>
+        <p:spPr>
+          <a:xfrm>
+            <a:off x="838200" y="365125"/>
+            <a:ext cx="10515600" cy="762635"/>
+          </a:xfrm>
+          <a:prstGeom prst="rect">
+            <a:avLst/>
+          </a:prstGeom>
+        </p:spPr>
+        <p:txBody>
+          <a:bodyPr vert="horz" lIns="91440" tIns="45720" rIns="91440" bIns="45720" rtlCol="0" anchor="ctr">
+            <a:normAutofit/>
+          </a:bodyPr>
+          <a:lstStyle>
+            <a:lvl1pPr algn="l" defTabSz="914400" rtl="0" eaLnBrk="1" latinLnBrk="0" hangingPunct="1">
+              <a:lnSpc>
+                <a:spcPct val="90000"/>
+              </a:lnSpc>
+              <a:spcBef>
+                <a:spcPct val="0"/>
+              </a:spcBef>
+              <a:buNone/>
+              <a:defRPr sz="4400" kern="1200">
+                <a:solidFill>
+                  <a:schemeClr val="tx1"/>
+                </a:solidFill>
+                <a:latin typeface="+mj-lt"/>
+                <a:ea typeface="+mj-ea"/>
+                <a:cs typeface="+mj-cs"/>
+              </a:defRPr>
+            </a:lvl1pPr>
+          </a:lstStyle>
+          <a:p>
+            <a:r>
+              <a:rPr lang="en-CA" sz="3600"/>
+              <a:t>Simulation</a:t>
+            </a:r>
+            <a:endParaRPr lang="en-US" sz="3600" dirty="0"/>
+          </a:p>
+        </p:txBody>
+      </p:sp>
       <p:pic>
         <p:nvPicPr>
-          <p:cNvPr id="8" name="Picture 7" descr="A close up of a map&#10;&#10;Description generated with very high confidence">
+          <p:cNvPr id="12" name="Picture 11" descr="A screenshot of a cell phone&#10;&#10;Description generated with very high confidence">
             <a:extLst>
               <a:ext uri="{FF2B5EF4-FFF2-40B4-BE49-F238E27FC236}">
-                <a16:creationId xmlns:a16="http://schemas.microsoft.com/office/drawing/2014/main" id="{CF3EF8CE-D7AB-4D17-A165-93D49F443CCF}"/>
+                <a16:creationId xmlns:a16="http://schemas.microsoft.com/office/drawing/2014/main" id="{7BD46D61-0DA8-4170-BCF6-6167271C1986}"/>
               </a:ext>
             </a:extLst>
           </p:cNvPr>
@@ -4255,172 +4128,18 @@
         </p:blipFill>
         <p:spPr>
           <a:xfrm>
-            <a:off x="6200352" y="1697512"/>
-            <a:ext cx="5212927" cy="3909695"/>
+            <a:off x="6001172" y="1257934"/>
+            <a:ext cx="6190828" cy="4643121"/>
           </a:xfrm>
           <a:prstGeom prst="rect">
             <a:avLst/>
           </a:prstGeom>
         </p:spPr>
       </p:pic>
-      <p:sp>
-        <p:nvSpPr>
-          <p:cNvPr id="9" name="Rectangle: Rounded Corners 8">
-            <a:extLst>
-              <a:ext uri="{FF2B5EF4-FFF2-40B4-BE49-F238E27FC236}">
-                <a16:creationId xmlns:a16="http://schemas.microsoft.com/office/drawing/2014/main" id="{86EF7A26-F32C-42F4-BCE7-73FD5B42F8FC}"/>
-              </a:ext>
-            </a:extLst>
-          </p:cNvPr>
-          <p:cNvSpPr/>
-          <p:nvPr/>
-        </p:nvSpPr>
-        <p:spPr>
-          <a:xfrm>
-            <a:off x="2489200" y="2438400"/>
-            <a:ext cx="3413760" cy="2407920"/>
-          </a:xfrm>
-          <a:prstGeom prst="roundRect">
-            <a:avLst/>
-          </a:prstGeom>
-          <a:noFill/>
-          <a:ln w="19050">
-            <a:solidFill>
-              <a:srgbClr val="FF0000"/>
-            </a:solidFill>
-          </a:ln>
-        </p:spPr>
-        <p:style>
-          <a:lnRef idx="2">
-            <a:schemeClr val="accent6"/>
-          </a:lnRef>
-          <a:fillRef idx="1">
-            <a:schemeClr val="lt1"/>
-          </a:fillRef>
-          <a:effectRef idx="0">
-            <a:schemeClr val="accent6"/>
-          </a:effectRef>
-          <a:fontRef idx="minor">
-            <a:schemeClr val="dk1"/>
-          </a:fontRef>
-        </p:style>
-        <p:txBody>
-          <a:bodyPr rtlCol="0" anchor="ctr"/>
-          <a:lstStyle/>
-          <a:p>
-            <a:pPr algn="ctr"/>
-            <a:endParaRPr lang="en-US"/>
-          </a:p>
-        </p:txBody>
-      </p:sp>
-      <p:sp>
-        <p:nvSpPr>
-          <p:cNvPr id="15" name="Oval 14">
-            <a:extLst>
-              <a:ext uri="{FF2B5EF4-FFF2-40B4-BE49-F238E27FC236}">
-                <a16:creationId xmlns:a16="http://schemas.microsoft.com/office/drawing/2014/main" id="{0CFD1252-8AB0-404E-BF86-F6F20545BFE3}"/>
-              </a:ext>
-            </a:extLst>
-          </p:cNvPr>
-          <p:cNvSpPr/>
-          <p:nvPr/>
-        </p:nvSpPr>
-        <p:spPr>
-          <a:xfrm>
-            <a:off x="8239760" y="2438400"/>
-            <a:ext cx="274320" cy="266700"/>
-          </a:xfrm>
-          <a:prstGeom prst="ellipse">
-            <a:avLst/>
-          </a:prstGeom>
-          <a:noFill/>
-          <a:ln w="19050">
-            <a:solidFill>
-              <a:srgbClr val="1DFF5E"/>
-            </a:solidFill>
-          </a:ln>
-        </p:spPr>
-        <p:style>
-          <a:lnRef idx="2">
-            <a:schemeClr val="accent1">
-              <a:shade val="50000"/>
-            </a:schemeClr>
-          </a:lnRef>
-          <a:fillRef idx="1">
-            <a:schemeClr val="accent1"/>
-          </a:fillRef>
-          <a:effectRef idx="0">
-            <a:schemeClr val="accent1"/>
-          </a:effectRef>
-          <a:fontRef idx="minor">
-            <a:schemeClr val="lt1"/>
-          </a:fontRef>
-        </p:style>
-        <p:txBody>
-          <a:bodyPr rtlCol="0" anchor="ctr"/>
-          <a:lstStyle/>
-          <a:p>
-            <a:pPr algn="ctr"/>
-            <a:endParaRPr lang="en-US"/>
-          </a:p>
-        </p:txBody>
-      </p:sp>
-      <p:sp>
-        <p:nvSpPr>
-          <p:cNvPr id="16" name="Oval 15">
-            <a:extLst>
-              <a:ext uri="{FF2B5EF4-FFF2-40B4-BE49-F238E27FC236}">
-                <a16:creationId xmlns:a16="http://schemas.microsoft.com/office/drawing/2014/main" id="{8A6D520A-E7A6-4F09-8D27-844FBFAB895C}"/>
-              </a:ext>
-            </a:extLst>
-          </p:cNvPr>
-          <p:cNvSpPr/>
-          <p:nvPr/>
-        </p:nvSpPr>
-        <p:spPr>
-          <a:xfrm>
-            <a:off x="8239760" y="3778091"/>
-            <a:ext cx="274320" cy="266700"/>
-          </a:xfrm>
-          <a:prstGeom prst="ellipse">
-            <a:avLst/>
-          </a:prstGeom>
-          <a:noFill/>
-          <a:ln w="19050">
-            <a:solidFill>
-              <a:srgbClr val="1DFF5E"/>
-            </a:solidFill>
-          </a:ln>
-        </p:spPr>
-        <p:style>
-          <a:lnRef idx="2">
-            <a:schemeClr val="accent1">
-              <a:shade val="50000"/>
-            </a:schemeClr>
-          </a:lnRef>
-          <a:fillRef idx="1">
-            <a:schemeClr val="accent1"/>
-          </a:fillRef>
-          <a:effectRef idx="0">
-            <a:schemeClr val="accent1"/>
-          </a:effectRef>
-          <a:fontRef idx="minor">
-            <a:schemeClr val="lt1"/>
-          </a:fontRef>
-        </p:style>
-        <p:txBody>
-          <a:bodyPr rtlCol="0" anchor="ctr"/>
-          <a:lstStyle/>
-          <a:p>
-            <a:pPr algn="ctr"/>
-            <a:endParaRPr lang="en-US"/>
-          </a:p>
-        </p:txBody>
-      </p:sp>
     </p:spTree>
     <p:extLst>
       <p:ext uri="{BB962C8B-B14F-4D97-AF65-F5344CB8AC3E}">
-        <p14:creationId xmlns:p14="http://schemas.microsoft.com/office/powerpoint/2010/main" val="2291285242"/>
+        <p14:creationId xmlns:p14="http://schemas.microsoft.com/office/powerpoint/2010/main" val="4259261674"/>
       </p:ext>
     </p:extLst>
   </p:cSld>
@@ -4449,6 +4168,2493 @@
       </p:grpSpPr>
       <p:pic>
         <p:nvPicPr>
+          <p:cNvPr id="5" name="Picture 4">
+            <a:extLst>
+              <a:ext uri="{FF2B5EF4-FFF2-40B4-BE49-F238E27FC236}">
+                <a16:creationId xmlns:a16="http://schemas.microsoft.com/office/drawing/2014/main" id="{937DC52F-3E84-4376-A880-17A444D06451}"/>
+              </a:ext>
+            </a:extLst>
+          </p:cNvPr>
+          <p:cNvPicPr>
+            <a:picLocks noChangeAspect="1"/>
+          </p:cNvPicPr>
+          <p:nvPr/>
+        </p:nvPicPr>
+        <p:blipFill>
+          <a:blip r:embed="rId2">
+            <a:extLst>
+              <a:ext uri="{28A0092B-C50C-407E-A947-70E740481C1C}">
+                <a14:useLocalDpi xmlns:a14="http://schemas.microsoft.com/office/drawing/2010/main" val="0"/>
+              </a:ext>
+            </a:extLst>
+          </a:blip>
+          <a:stretch>
+            <a:fillRect/>
+          </a:stretch>
+        </p:blipFill>
+        <p:spPr>
+          <a:xfrm>
+            <a:off x="9916160" y="365125"/>
+            <a:ext cx="1437640" cy="418937"/>
+          </a:xfrm>
+          <a:prstGeom prst="rect">
+            <a:avLst/>
+          </a:prstGeom>
+        </p:spPr>
+      </p:pic>
+      <p:sp>
+        <p:nvSpPr>
+          <p:cNvPr id="9" name="Title 1">
+            <a:extLst>
+              <a:ext uri="{FF2B5EF4-FFF2-40B4-BE49-F238E27FC236}">
+                <a16:creationId xmlns:a16="http://schemas.microsoft.com/office/drawing/2014/main" id="{D8D4F29A-F761-4FDF-9F1D-5964127B29A1}"/>
+              </a:ext>
+            </a:extLst>
+          </p:cNvPr>
+          <p:cNvSpPr txBox="1">
+            <a:spLocks/>
+          </p:cNvSpPr>
+          <p:nvPr/>
+        </p:nvSpPr>
+        <p:spPr>
+          <a:xfrm>
+            <a:off x="838200" y="365125"/>
+            <a:ext cx="10515600" cy="762635"/>
+          </a:xfrm>
+          <a:prstGeom prst="rect">
+            <a:avLst/>
+          </a:prstGeom>
+        </p:spPr>
+        <p:txBody>
+          <a:bodyPr vert="horz" lIns="91440" tIns="45720" rIns="91440" bIns="45720" rtlCol="0" anchor="ctr">
+            <a:normAutofit/>
+          </a:bodyPr>
+          <a:lstStyle>
+            <a:lvl1pPr algn="l" defTabSz="914400" rtl="0" eaLnBrk="1" latinLnBrk="0" hangingPunct="1">
+              <a:lnSpc>
+                <a:spcPct val="90000"/>
+              </a:lnSpc>
+              <a:spcBef>
+                <a:spcPct val="0"/>
+              </a:spcBef>
+              <a:buNone/>
+              <a:defRPr sz="4400" kern="1200">
+                <a:solidFill>
+                  <a:schemeClr val="tx1"/>
+                </a:solidFill>
+                <a:latin typeface="+mj-lt"/>
+                <a:ea typeface="+mj-ea"/>
+                <a:cs typeface="+mj-cs"/>
+              </a:defRPr>
+            </a:lvl1pPr>
+          </a:lstStyle>
+          <a:p>
+            <a:r>
+              <a:rPr lang="en-CA" sz="3600"/>
+              <a:t>Simulation</a:t>
+            </a:r>
+            <a:endParaRPr lang="en-US" sz="3600" dirty="0"/>
+          </a:p>
+        </p:txBody>
+      </p:sp>
+      <p:pic>
+        <p:nvPicPr>
+          <p:cNvPr id="6" name="Content Placeholder 5" descr="A screenshot of a cell phone&#10;&#10;Description generated with very high confidence">
+            <a:extLst>
+              <a:ext uri="{FF2B5EF4-FFF2-40B4-BE49-F238E27FC236}">
+                <a16:creationId xmlns:a16="http://schemas.microsoft.com/office/drawing/2014/main" id="{399FECF4-9FC0-4462-A432-28E11A5F98CF}"/>
+              </a:ext>
+            </a:extLst>
+          </p:cNvPr>
+          <p:cNvPicPr>
+            <a:picLocks noGrp="1" noChangeAspect="1"/>
+          </p:cNvPicPr>
+          <p:nvPr>
+            <p:ph idx="1"/>
+          </p:nvPr>
+        </p:nvPicPr>
+        <p:blipFill>
+          <a:blip r:embed="rId3">
+            <a:extLst>
+              <a:ext uri="{28A0092B-C50C-407E-A947-70E740481C1C}">
+                <a14:useLocalDpi xmlns:a14="http://schemas.microsoft.com/office/drawing/2010/main" val="0"/>
+              </a:ext>
+            </a:extLst>
+          </a:blip>
+          <a:stretch>
+            <a:fillRect/>
+          </a:stretch>
+        </p:blipFill>
+        <p:spPr>
+          <a:xfrm>
+            <a:off x="0" y="1143000"/>
+            <a:ext cx="6096000" cy="4572000"/>
+          </a:xfrm>
+        </p:spPr>
+      </p:pic>
+      <p:pic>
+        <p:nvPicPr>
+          <p:cNvPr id="8" name="Picture 7" descr="A screenshot of a cell phone&#10;&#10;Description generated with very high confidence">
+            <a:extLst>
+              <a:ext uri="{FF2B5EF4-FFF2-40B4-BE49-F238E27FC236}">
+                <a16:creationId xmlns:a16="http://schemas.microsoft.com/office/drawing/2014/main" id="{4F8008DE-4DF9-4429-9ABF-0378FFA46201}"/>
+              </a:ext>
+            </a:extLst>
+          </p:cNvPr>
+          <p:cNvPicPr>
+            <a:picLocks noChangeAspect="1"/>
+          </p:cNvPicPr>
+          <p:nvPr/>
+        </p:nvPicPr>
+        <p:blipFill>
+          <a:blip r:embed="rId4">
+            <a:extLst>
+              <a:ext uri="{28A0092B-C50C-407E-A947-70E740481C1C}">
+                <a14:useLocalDpi xmlns:a14="http://schemas.microsoft.com/office/drawing/2010/main" val="0"/>
+              </a:ext>
+            </a:extLst>
+          </a:blip>
+          <a:stretch>
+            <a:fillRect/>
+          </a:stretch>
+        </p:blipFill>
+        <p:spPr>
+          <a:xfrm>
+            <a:off x="6096000" y="1143000"/>
+            <a:ext cx="6096000" cy="4572000"/>
+          </a:xfrm>
+          <a:prstGeom prst="rect">
+            <a:avLst/>
+          </a:prstGeom>
+        </p:spPr>
+      </p:pic>
+    </p:spTree>
+    <p:extLst>
+      <p:ext uri="{BB962C8B-B14F-4D97-AF65-F5344CB8AC3E}">
+        <p14:creationId xmlns:p14="http://schemas.microsoft.com/office/powerpoint/2010/main" val="2278741990"/>
+      </p:ext>
+    </p:extLst>
+  </p:cSld>
+  <p:clrMapOvr>
+    <a:masterClrMapping/>
+  </p:clrMapOvr>
+</p:sld>
+</file>
+
+<file path=ppt/slides/slide13.xml><?xml version="1.0" encoding="utf-8"?>
+<p:sld xmlns:a="http://schemas.openxmlformats.org/drawingml/2006/main" xmlns:r="http://schemas.openxmlformats.org/officeDocument/2006/relationships" xmlns:p="http://schemas.openxmlformats.org/presentationml/2006/main">
+  <p:cSld>
+    <p:spTree>
+      <p:nvGrpSpPr>
+        <p:cNvPr id="1" name=""/>
+        <p:cNvGrpSpPr/>
+        <p:nvPr/>
+      </p:nvGrpSpPr>
+      <p:grpSpPr>
+        <a:xfrm>
+          <a:off x="0" y="0"/>
+          <a:ext cx="0" cy="0"/>
+          <a:chOff x="0" y="0"/>
+          <a:chExt cx="0" cy="0"/>
+        </a:xfrm>
+      </p:grpSpPr>
+      <p:pic>
+        <p:nvPicPr>
+          <p:cNvPr id="6" name="Picture 5">
+            <a:extLst>
+              <a:ext uri="{FF2B5EF4-FFF2-40B4-BE49-F238E27FC236}">
+                <a16:creationId xmlns:a16="http://schemas.microsoft.com/office/drawing/2014/main" id="{A6EF65AA-5892-404D-82FC-C9F1A634C44D}"/>
+              </a:ext>
+            </a:extLst>
+          </p:cNvPr>
+          <p:cNvPicPr>
+            <a:picLocks noChangeAspect="1"/>
+          </p:cNvPicPr>
+          <p:nvPr/>
+        </p:nvPicPr>
+        <p:blipFill>
+          <a:blip r:embed="rId2">
+            <a:extLst>
+              <a:ext uri="{28A0092B-C50C-407E-A947-70E740481C1C}">
+                <a14:useLocalDpi xmlns:a14="http://schemas.microsoft.com/office/drawing/2010/main" val="0"/>
+              </a:ext>
+            </a:extLst>
+          </a:blip>
+          <a:stretch>
+            <a:fillRect/>
+          </a:stretch>
+        </p:blipFill>
+        <p:spPr>
+          <a:xfrm>
+            <a:off x="838201" y="2743200"/>
+            <a:ext cx="1413668" cy="1413668"/>
+          </a:xfrm>
+          <a:prstGeom prst="rect">
+            <a:avLst/>
+          </a:prstGeom>
+        </p:spPr>
+      </p:pic>
+      <p:sp>
+        <p:nvSpPr>
+          <p:cNvPr id="2" name="Title 1">
+            <a:extLst>
+              <a:ext uri="{FF2B5EF4-FFF2-40B4-BE49-F238E27FC236}">
+                <a16:creationId xmlns:a16="http://schemas.microsoft.com/office/drawing/2014/main" id="{72816BE1-4A9B-4E6A-B1EB-DD40AE40E9F9}"/>
+              </a:ext>
+            </a:extLst>
+          </p:cNvPr>
+          <p:cNvSpPr>
+            <a:spLocks noGrp="1"/>
+          </p:cNvSpPr>
+          <p:nvPr>
+            <p:ph type="ctrTitle"/>
+          </p:nvPr>
+        </p:nvSpPr>
+        <p:spPr>
+          <a:xfrm>
+            <a:off x="2370667" y="2187743"/>
+            <a:ext cx="5293449" cy="2482515"/>
+          </a:xfrm>
+        </p:spPr>
+        <p:txBody>
+          <a:bodyPr anchor="ctr">
+            <a:normAutofit/>
+          </a:bodyPr>
+          <a:lstStyle/>
+          <a:p>
+            <a:pPr algn="l"/>
+            <a:r>
+              <a:rPr lang="en-CA" dirty="0"/>
+              <a:t>Optimization</a:t>
+            </a:r>
+            <a:endParaRPr lang="en-US" dirty="0"/>
+          </a:p>
+        </p:txBody>
+      </p:sp>
+      <p:pic>
+        <p:nvPicPr>
+          <p:cNvPr id="21" name="Picture 20">
+            <a:extLst>
+              <a:ext uri="{FF2B5EF4-FFF2-40B4-BE49-F238E27FC236}">
+                <a16:creationId xmlns:a16="http://schemas.microsoft.com/office/drawing/2014/main" id="{42C85B27-11F7-44C3-880A-3D4700405CB6}"/>
+              </a:ext>
+            </a:extLst>
+          </p:cNvPr>
+          <p:cNvPicPr>
+            <a:picLocks noChangeAspect="1"/>
+          </p:cNvPicPr>
+          <p:nvPr/>
+        </p:nvPicPr>
+        <p:blipFill>
+          <a:blip r:embed="rId3" cstate="hqprint">
+            <a:extLst>
+              <a:ext uri="{28A0092B-C50C-407E-A947-70E740481C1C}">
+                <a14:useLocalDpi xmlns:a14="http://schemas.microsoft.com/office/drawing/2010/main" val="0"/>
+              </a:ext>
+            </a:extLst>
+          </a:blip>
+          <a:stretch>
+            <a:fillRect/>
+          </a:stretch>
+        </p:blipFill>
+        <p:spPr>
+          <a:xfrm>
+            <a:off x="9916160" y="365125"/>
+            <a:ext cx="1437640" cy="418937"/>
+          </a:xfrm>
+          <a:prstGeom prst="rect">
+            <a:avLst/>
+          </a:prstGeom>
+        </p:spPr>
+      </p:pic>
+    </p:spTree>
+    <p:extLst>
+      <p:ext uri="{BB962C8B-B14F-4D97-AF65-F5344CB8AC3E}">
+        <p14:creationId xmlns:p14="http://schemas.microsoft.com/office/powerpoint/2010/main" val="4088084169"/>
+      </p:ext>
+    </p:extLst>
+  </p:cSld>
+  <p:clrMapOvr>
+    <a:masterClrMapping/>
+  </p:clrMapOvr>
+</p:sld>
+</file>
+
+<file path=ppt/slides/slide14.xml><?xml version="1.0" encoding="utf-8"?>
+<p:sld xmlns:a="http://schemas.openxmlformats.org/drawingml/2006/main" xmlns:r="http://schemas.openxmlformats.org/officeDocument/2006/relationships" xmlns:p="http://schemas.openxmlformats.org/presentationml/2006/main">
+  <p:cSld>
+    <p:spTree>
+      <p:nvGrpSpPr>
+        <p:cNvPr id="1" name=""/>
+        <p:cNvGrpSpPr/>
+        <p:nvPr/>
+      </p:nvGrpSpPr>
+      <p:grpSpPr>
+        <a:xfrm>
+          <a:off x="0" y="0"/>
+          <a:ext cx="0" cy="0"/>
+          <a:chOff x="0" y="0"/>
+          <a:chExt cx="0" cy="0"/>
+        </a:xfrm>
+      </p:grpSpPr>
+      <p:sp>
+        <p:nvSpPr>
+          <p:cNvPr id="3" name="Content Placeholder 2">
+            <a:extLst>
+              <a:ext uri="{FF2B5EF4-FFF2-40B4-BE49-F238E27FC236}">
+                <a16:creationId xmlns:a16="http://schemas.microsoft.com/office/drawing/2014/main" id="{2E5DAAB6-C87E-4C10-8DDC-15F41DB00A20}"/>
+              </a:ext>
+            </a:extLst>
+          </p:cNvPr>
+          <p:cNvSpPr>
+            <a:spLocks noGrp="1"/>
+          </p:cNvSpPr>
+          <p:nvPr>
+            <p:ph idx="1"/>
+          </p:nvPr>
+        </p:nvSpPr>
+        <p:spPr>
+          <a:xfrm>
+            <a:off x="838200" y="1127760"/>
+            <a:ext cx="10515600" cy="5049203"/>
+          </a:xfrm>
+        </p:spPr>
+        <p:txBody>
+          <a:bodyPr>
+            <a:normAutofit/>
+          </a:bodyPr>
+          <a:lstStyle/>
+          <a:p>
+            <a:r>
+              <a:rPr lang="en-CA" sz="2400" dirty="0"/>
+              <a:t>Decision variables</a:t>
+            </a:r>
+          </a:p>
+          <a:p>
+            <a:endParaRPr lang="en-CA" sz="2400" dirty="0"/>
+          </a:p>
+          <a:p>
+            <a:pPr marL="0" indent="0">
+              <a:buNone/>
+            </a:pPr>
+            <a:endParaRPr lang="en-CA" sz="2400" dirty="0"/>
+          </a:p>
+          <a:p>
+            <a:pPr marL="0" indent="0">
+              <a:buNone/>
+            </a:pPr>
+            <a:endParaRPr lang="en-CA" sz="2400" dirty="0"/>
+          </a:p>
+          <a:p>
+            <a:r>
+              <a:rPr lang="en-CA" sz="2400" dirty="0"/>
+              <a:t>Objective function</a:t>
+            </a:r>
+          </a:p>
+        </p:txBody>
+      </p:sp>
+      <p:pic>
+        <p:nvPicPr>
+          <p:cNvPr id="5" name="Picture 4">
+            <a:extLst>
+              <a:ext uri="{FF2B5EF4-FFF2-40B4-BE49-F238E27FC236}">
+                <a16:creationId xmlns:a16="http://schemas.microsoft.com/office/drawing/2014/main" id="{8977407B-874A-4791-897D-6196620D6F56}"/>
+              </a:ext>
+            </a:extLst>
+          </p:cNvPr>
+          <p:cNvPicPr>
+            <a:picLocks noChangeAspect="1"/>
+          </p:cNvPicPr>
+          <p:nvPr/>
+        </p:nvPicPr>
+        <p:blipFill>
+          <a:blip r:embed="rId2" cstate="hqprint">
+            <a:extLst>
+              <a:ext uri="{28A0092B-C50C-407E-A947-70E740481C1C}">
+                <a14:useLocalDpi xmlns:a14="http://schemas.microsoft.com/office/drawing/2010/main" val="0"/>
+              </a:ext>
+            </a:extLst>
+          </a:blip>
+          <a:stretch>
+            <a:fillRect/>
+          </a:stretch>
+        </p:blipFill>
+        <p:spPr>
+          <a:xfrm>
+            <a:off x="9916160" y="365125"/>
+            <a:ext cx="1437640" cy="418937"/>
+          </a:xfrm>
+          <a:prstGeom prst="rect">
+            <a:avLst/>
+          </a:prstGeom>
+        </p:spPr>
+      </p:pic>
+      <p:sp>
+        <p:nvSpPr>
+          <p:cNvPr id="8" name="Title 1">
+            <a:extLst>
+              <a:ext uri="{FF2B5EF4-FFF2-40B4-BE49-F238E27FC236}">
+                <a16:creationId xmlns:a16="http://schemas.microsoft.com/office/drawing/2014/main" id="{3C0D5108-0220-49D1-BFA7-E8863D4F1E1D}"/>
+              </a:ext>
+            </a:extLst>
+          </p:cNvPr>
+          <p:cNvSpPr txBox="1">
+            <a:spLocks/>
+          </p:cNvSpPr>
+          <p:nvPr/>
+        </p:nvSpPr>
+        <p:spPr>
+          <a:xfrm>
+            <a:off x="838200" y="365125"/>
+            <a:ext cx="10515600" cy="762635"/>
+          </a:xfrm>
+          <a:prstGeom prst="rect">
+            <a:avLst/>
+          </a:prstGeom>
+        </p:spPr>
+        <p:txBody>
+          <a:bodyPr vert="horz" lIns="91440" tIns="45720" rIns="91440" bIns="45720" rtlCol="0" anchor="ctr">
+            <a:normAutofit/>
+          </a:bodyPr>
+          <a:lstStyle>
+            <a:lvl1pPr algn="l" defTabSz="914400" rtl="0" eaLnBrk="1" latinLnBrk="0" hangingPunct="1">
+              <a:lnSpc>
+                <a:spcPct val="90000"/>
+              </a:lnSpc>
+              <a:spcBef>
+                <a:spcPct val="0"/>
+              </a:spcBef>
+              <a:buNone/>
+              <a:defRPr sz="4400" kern="1200">
+                <a:solidFill>
+                  <a:schemeClr val="tx1"/>
+                </a:solidFill>
+                <a:latin typeface="+mj-lt"/>
+                <a:ea typeface="+mj-ea"/>
+                <a:cs typeface="+mj-cs"/>
+              </a:defRPr>
+            </a:lvl1pPr>
+          </a:lstStyle>
+          <a:p>
+            <a:r>
+              <a:rPr lang="en-CA" sz="3600"/>
+              <a:t>Problem Description</a:t>
+            </a:r>
+            <a:endParaRPr lang="en-US" sz="3600" dirty="0"/>
+          </a:p>
+        </p:txBody>
+      </p:sp>
+    </p:spTree>
+    <p:extLst>
+      <p:ext uri="{BB962C8B-B14F-4D97-AF65-F5344CB8AC3E}">
+        <p14:creationId xmlns:p14="http://schemas.microsoft.com/office/powerpoint/2010/main" val="1375401291"/>
+      </p:ext>
+    </p:extLst>
+  </p:cSld>
+  <p:clrMapOvr>
+    <a:masterClrMapping/>
+  </p:clrMapOvr>
+</p:sld>
+</file>
+
+<file path=ppt/slides/slide15.xml><?xml version="1.0" encoding="utf-8"?>
+<p:sld xmlns:a="http://schemas.openxmlformats.org/drawingml/2006/main" xmlns:r="http://schemas.openxmlformats.org/officeDocument/2006/relationships" xmlns:p="http://schemas.openxmlformats.org/presentationml/2006/main">
+  <p:cSld>
+    <p:spTree>
+      <p:nvGrpSpPr>
+        <p:cNvPr id="1" name=""/>
+        <p:cNvGrpSpPr/>
+        <p:nvPr/>
+      </p:nvGrpSpPr>
+      <p:grpSpPr>
+        <a:xfrm>
+          <a:off x="0" y="0"/>
+          <a:ext cx="0" cy="0"/>
+          <a:chOff x="0" y="0"/>
+          <a:chExt cx="0" cy="0"/>
+        </a:xfrm>
+      </p:grpSpPr>
+      <p:sp>
+        <p:nvSpPr>
+          <p:cNvPr id="3" name="Content Placeholder 2">
+            <a:extLst>
+              <a:ext uri="{FF2B5EF4-FFF2-40B4-BE49-F238E27FC236}">
+                <a16:creationId xmlns:a16="http://schemas.microsoft.com/office/drawing/2014/main" id="{2E5DAAB6-C87E-4C10-8DDC-15F41DB00A20}"/>
+              </a:ext>
+            </a:extLst>
+          </p:cNvPr>
+          <p:cNvSpPr>
+            <a:spLocks noGrp="1"/>
+          </p:cNvSpPr>
+          <p:nvPr>
+            <p:ph idx="1"/>
+          </p:nvPr>
+        </p:nvSpPr>
+        <p:spPr>
+          <a:xfrm>
+            <a:off x="838200" y="1127760"/>
+            <a:ext cx="10515600" cy="5049203"/>
+          </a:xfrm>
+        </p:spPr>
+        <p:txBody>
+          <a:bodyPr>
+            <a:normAutofit/>
+          </a:bodyPr>
+          <a:lstStyle/>
+          <a:p>
+            <a:pPr marL="0" indent="0">
+              <a:buNone/>
+            </a:pPr>
+            <a:endParaRPr lang="en-CA" sz="2400" dirty="0"/>
+          </a:p>
+          <a:p>
+            <a:pPr marL="0" indent="0">
+              <a:buNone/>
+            </a:pPr>
+            <a:r>
+              <a:rPr lang="en-CA" sz="2400" dirty="0">
+                <a:solidFill>
+                  <a:schemeClr val="accent1"/>
+                </a:solidFill>
+              </a:rPr>
+              <a:t>Limitation of baseline VNS</a:t>
+            </a:r>
+          </a:p>
+          <a:p>
+            <a:r>
+              <a:rPr lang="en-CA" sz="2400" dirty="0"/>
+              <a:t>The neighborhood size for </a:t>
+            </a:r>
+            <a:r>
+              <a:rPr lang="en-CA" sz="2400" b="1" dirty="0"/>
+              <a:t>adding/removing tables</a:t>
+            </a:r>
+            <a:r>
+              <a:rPr lang="en-CA" sz="2400" dirty="0"/>
+              <a:t> grows non-linearly. </a:t>
+            </a:r>
+            <a:r>
+              <a:rPr lang="en-CA" sz="2400" dirty="0">
+                <a:solidFill>
+                  <a:schemeClr val="accent2"/>
+                </a:solidFill>
+              </a:rPr>
+              <a:t>E.g.</a:t>
+            </a:r>
+            <a:endParaRPr lang="en-CA" sz="2000" dirty="0">
+              <a:solidFill>
+                <a:schemeClr val="accent2"/>
+              </a:solidFill>
+            </a:endParaRPr>
+          </a:p>
+          <a:p>
+            <a:pPr marL="0" indent="0" algn="ctr">
+              <a:buNone/>
+            </a:pPr>
+            <a:r>
+              <a:rPr lang="en-CA" sz="2000" dirty="0">
+                <a:solidFill>
+                  <a:schemeClr val="accent2"/>
+                </a:solidFill>
+              </a:rPr>
+              <a:t>Adding 1 table: 4 neighbors</a:t>
+            </a:r>
+          </a:p>
+          <a:p>
+            <a:pPr marL="0" indent="0" algn="ctr">
+              <a:buNone/>
+            </a:pPr>
+            <a:r>
+              <a:rPr lang="en-CA" sz="2000" dirty="0">
+                <a:solidFill>
+                  <a:schemeClr val="accent2"/>
+                </a:solidFill>
+              </a:rPr>
+              <a:t>Adding 2 tables: 4</a:t>
+            </a:r>
+            <a:r>
+              <a:rPr lang="en-CA" sz="2000" baseline="30000" dirty="0">
+                <a:solidFill>
+                  <a:schemeClr val="accent2"/>
+                </a:solidFill>
+              </a:rPr>
+              <a:t>2</a:t>
+            </a:r>
+            <a:r>
+              <a:rPr lang="en-CA" sz="2000" dirty="0">
+                <a:solidFill>
+                  <a:schemeClr val="accent2"/>
+                </a:solidFill>
+              </a:rPr>
+              <a:t> neighbors</a:t>
+            </a:r>
+          </a:p>
+          <a:p>
+            <a:pPr marL="0" indent="0" algn="ctr">
+              <a:buNone/>
+            </a:pPr>
+            <a:r>
+              <a:rPr lang="en-CA" sz="2000" dirty="0">
+                <a:solidFill>
+                  <a:schemeClr val="accent2"/>
+                </a:solidFill>
+              </a:rPr>
+              <a:t>Adding 3 tables: 4</a:t>
+            </a:r>
+            <a:r>
+              <a:rPr lang="en-CA" sz="2000" baseline="30000" dirty="0">
+                <a:solidFill>
+                  <a:schemeClr val="accent2"/>
+                </a:solidFill>
+              </a:rPr>
+              <a:t>3</a:t>
+            </a:r>
+            <a:r>
+              <a:rPr lang="en-CA" sz="2000" dirty="0">
+                <a:solidFill>
+                  <a:schemeClr val="accent2"/>
+                </a:solidFill>
+              </a:rPr>
+              <a:t> neighbors</a:t>
+            </a:r>
+          </a:p>
+          <a:p>
+            <a:pPr marL="0" indent="0" algn="ctr">
+              <a:buNone/>
+            </a:pPr>
+            <a:r>
+              <a:rPr lang="en-CA" sz="2000" dirty="0">
+                <a:solidFill>
+                  <a:schemeClr val="accent2"/>
+                </a:solidFill>
+              </a:rPr>
+              <a:t>…</a:t>
+            </a:r>
+          </a:p>
+          <a:p>
+            <a:r>
+              <a:rPr lang="en-CA" sz="2400" dirty="0"/>
+              <a:t>Costly to check a sufficiently large number of neighbors.</a:t>
+            </a:r>
+          </a:p>
+          <a:p>
+            <a:r>
+              <a:rPr lang="en-CA" sz="2400" dirty="0"/>
+              <a:t>Limiting the neighborhood size will likely lead to suboptimal profit.</a:t>
+            </a:r>
+          </a:p>
+        </p:txBody>
+      </p:sp>
+      <p:pic>
+        <p:nvPicPr>
+          <p:cNvPr id="5" name="Picture 4">
+            <a:extLst>
+              <a:ext uri="{FF2B5EF4-FFF2-40B4-BE49-F238E27FC236}">
+                <a16:creationId xmlns:a16="http://schemas.microsoft.com/office/drawing/2014/main" id="{8977407B-874A-4791-897D-6196620D6F56}"/>
+              </a:ext>
+            </a:extLst>
+          </p:cNvPr>
+          <p:cNvPicPr>
+            <a:picLocks noChangeAspect="1"/>
+          </p:cNvPicPr>
+          <p:nvPr/>
+        </p:nvPicPr>
+        <p:blipFill>
+          <a:blip r:embed="rId2">
+            <a:extLst>
+              <a:ext uri="{28A0092B-C50C-407E-A947-70E740481C1C}">
+                <a14:useLocalDpi xmlns:a14="http://schemas.microsoft.com/office/drawing/2010/main" val="0"/>
+              </a:ext>
+            </a:extLst>
+          </a:blip>
+          <a:stretch>
+            <a:fillRect/>
+          </a:stretch>
+        </p:blipFill>
+        <p:spPr>
+          <a:xfrm>
+            <a:off x="9916160" y="365125"/>
+            <a:ext cx="1437640" cy="418937"/>
+          </a:xfrm>
+          <a:prstGeom prst="rect">
+            <a:avLst/>
+          </a:prstGeom>
+        </p:spPr>
+      </p:pic>
+      <p:sp>
+        <p:nvSpPr>
+          <p:cNvPr id="8" name="Title 1">
+            <a:extLst>
+              <a:ext uri="{FF2B5EF4-FFF2-40B4-BE49-F238E27FC236}">
+                <a16:creationId xmlns:a16="http://schemas.microsoft.com/office/drawing/2014/main" id="{3C0D5108-0220-49D1-BFA7-E8863D4F1E1D}"/>
+              </a:ext>
+            </a:extLst>
+          </p:cNvPr>
+          <p:cNvSpPr txBox="1">
+            <a:spLocks/>
+          </p:cNvSpPr>
+          <p:nvPr/>
+        </p:nvSpPr>
+        <p:spPr>
+          <a:xfrm>
+            <a:off x="838200" y="365125"/>
+            <a:ext cx="10515600" cy="762635"/>
+          </a:xfrm>
+          <a:prstGeom prst="rect">
+            <a:avLst/>
+          </a:prstGeom>
+        </p:spPr>
+        <p:txBody>
+          <a:bodyPr vert="horz" lIns="91440" tIns="45720" rIns="91440" bIns="45720" rtlCol="0" anchor="ctr">
+            <a:normAutofit/>
+          </a:bodyPr>
+          <a:lstStyle>
+            <a:lvl1pPr algn="l" defTabSz="914400" rtl="0" eaLnBrk="1" latinLnBrk="0" hangingPunct="1">
+              <a:lnSpc>
+                <a:spcPct val="90000"/>
+              </a:lnSpc>
+              <a:spcBef>
+                <a:spcPct val="0"/>
+              </a:spcBef>
+              <a:buNone/>
+              <a:defRPr sz="4400" kern="1200">
+                <a:solidFill>
+                  <a:schemeClr val="tx1"/>
+                </a:solidFill>
+                <a:latin typeface="+mj-lt"/>
+                <a:ea typeface="+mj-ea"/>
+                <a:cs typeface="+mj-cs"/>
+              </a:defRPr>
+            </a:lvl1pPr>
+          </a:lstStyle>
+          <a:p>
+            <a:r>
+              <a:rPr lang="en-CA" sz="3600" dirty="0"/>
+              <a:t>Reducing the Neighborhood Size</a:t>
+            </a:r>
+            <a:endParaRPr lang="en-US" sz="3600" dirty="0"/>
+          </a:p>
+        </p:txBody>
+      </p:sp>
+    </p:spTree>
+    <p:extLst>
+      <p:ext uri="{BB962C8B-B14F-4D97-AF65-F5344CB8AC3E}">
+        <p14:creationId xmlns:p14="http://schemas.microsoft.com/office/powerpoint/2010/main" val="3678772537"/>
+      </p:ext>
+    </p:extLst>
+  </p:cSld>
+  <p:clrMapOvr>
+    <a:masterClrMapping/>
+  </p:clrMapOvr>
+</p:sld>
+</file>
+
+<file path=ppt/slides/slide16.xml><?xml version="1.0" encoding="utf-8"?>
+<p:sld xmlns:a="http://schemas.openxmlformats.org/drawingml/2006/main" xmlns:r="http://schemas.openxmlformats.org/officeDocument/2006/relationships" xmlns:p="http://schemas.openxmlformats.org/presentationml/2006/main">
+  <p:cSld>
+    <p:spTree>
+      <p:nvGrpSpPr>
+        <p:cNvPr id="1" name=""/>
+        <p:cNvGrpSpPr/>
+        <p:nvPr/>
+      </p:nvGrpSpPr>
+      <p:grpSpPr>
+        <a:xfrm>
+          <a:off x="0" y="0"/>
+          <a:ext cx="0" cy="0"/>
+          <a:chOff x="0" y="0"/>
+          <a:chExt cx="0" cy="0"/>
+        </a:xfrm>
+      </p:grpSpPr>
+      <p:sp>
+        <p:nvSpPr>
+          <p:cNvPr id="3" name="Content Placeholder 2">
+            <a:extLst>
+              <a:ext uri="{FF2B5EF4-FFF2-40B4-BE49-F238E27FC236}">
+                <a16:creationId xmlns:a16="http://schemas.microsoft.com/office/drawing/2014/main" id="{2E5DAAB6-C87E-4C10-8DDC-15F41DB00A20}"/>
+              </a:ext>
+            </a:extLst>
+          </p:cNvPr>
+          <p:cNvSpPr>
+            <a:spLocks noGrp="1"/>
+          </p:cNvSpPr>
+          <p:nvPr>
+            <p:ph idx="1"/>
+          </p:nvPr>
+        </p:nvSpPr>
+        <p:spPr>
+          <a:xfrm>
+            <a:off x="838200" y="1127760"/>
+            <a:ext cx="10515600" cy="5049203"/>
+          </a:xfrm>
+        </p:spPr>
+        <p:txBody>
+          <a:bodyPr>
+            <a:normAutofit/>
+          </a:bodyPr>
+          <a:lstStyle/>
+          <a:p>
+            <a:pPr marL="0" indent="0">
+              <a:buNone/>
+            </a:pPr>
+            <a:endParaRPr lang="en-CA" sz="2400" dirty="0">
+              <a:solidFill>
+                <a:schemeClr val="accent1">
+                  <a:lumMod val="75000"/>
+                </a:schemeClr>
+              </a:solidFill>
+            </a:endParaRPr>
+          </a:p>
+          <a:p>
+            <a:pPr marL="0" indent="0">
+              <a:buNone/>
+            </a:pPr>
+            <a:endParaRPr lang="en-CA" sz="2400" dirty="0">
+              <a:solidFill>
+                <a:schemeClr val="accent1">
+                  <a:lumMod val="75000"/>
+                </a:schemeClr>
+              </a:solidFill>
+            </a:endParaRPr>
+          </a:p>
+          <a:p>
+            <a:pPr marL="0" indent="0">
+              <a:buNone/>
+            </a:pPr>
+            <a:r>
+              <a:rPr lang="en-CA" sz="2400" dirty="0">
+                <a:solidFill>
+                  <a:schemeClr val="accent1">
+                    <a:lumMod val="75000"/>
+                  </a:schemeClr>
+                </a:solidFill>
+              </a:rPr>
+              <a:t>Idea</a:t>
+            </a:r>
+          </a:p>
+          <a:p>
+            <a:r>
+              <a:rPr lang="en-CA" sz="2400" dirty="0"/>
+              <a:t>The new restaurant can have anywhere from 200 to 400 seats. </a:t>
+            </a:r>
+          </a:p>
+          <a:p>
+            <a:r>
+              <a:rPr lang="en-CA" sz="2400" dirty="0"/>
+              <a:t>Successively narrow this interval by optimizing mean profit at discrete points.</a:t>
+            </a:r>
+          </a:p>
+          <a:p>
+            <a:r>
+              <a:rPr lang="en-CA" sz="2400" dirty="0"/>
+              <a:t>In the beginning, use a greedy heuristic to quickly narrow down the interval.</a:t>
+            </a:r>
+          </a:p>
+          <a:p>
+            <a:r>
+              <a:rPr lang="en-CA" sz="2400" dirty="0"/>
+              <a:t>When the interval becomes “small enough”, use VNS.</a:t>
+            </a:r>
+          </a:p>
+          <a:p>
+            <a:r>
+              <a:rPr lang="en-CA" sz="2400" dirty="0"/>
+              <a:t>We can eliminate the neighborhood structure for adding/removing tables.</a:t>
+            </a:r>
+          </a:p>
+        </p:txBody>
+      </p:sp>
+      <p:pic>
+        <p:nvPicPr>
+          <p:cNvPr id="5" name="Picture 4">
+            <a:extLst>
+              <a:ext uri="{FF2B5EF4-FFF2-40B4-BE49-F238E27FC236}">
+                <a16:creationId xmlns:a16="http://schemas.microsoft.com/office/drawing/2014/main" id="{8977407B-874A-4791-897D-6196620D6F56}"/>
+              </a:ext>
+            </a:extLst>
+          </p:cNvPr>
+          <p:cNvPicPr>
+            <a:picLocks noChangeAspect="1"/>
+          </p:cNvPicPr>
+          <p:nvPr/>
+        </p:nvPicPr>
+        <p:blipFill>
+          <a:blip r:embed="rId2">
+            <a:extLst>
+              <a:ext uri="{28A0092B-C50C-407E-A947-70E740481C1C}">
+                <a14:useLocalDpi xmlns:a14="http://schemas.microsoft.com/office/drawing/2010/main" val="0"/>
+              </a:ext>
+            </a:extLst>
+          </a:blip>
+          <a:stretch>
+            <a:fillRect/>
+          </a:stretch>
+        </p:blipFill>
+        <p:spPr>
+          <a:xfrm>
+            <a:off x="9916160" y="365125"/>
+            <a:ext cx="1437640" cy="418937"/>
+          </a:xfrm>
+          <a:prstGeom prst="rect">
+            <a:avLst/>
+          </a:prstGeom>
+        </p:spPr>
+      </p:pic>
+      <p:sp>
+        <p:nvSpPr>
+          <p:cNvPr id="7" name="Title 1">
+            <a:extLst>
+              <a:ext uri="{FF2B5EF4-FFF2-40B4-BE49-F238E27FC236}">
+                <a16:creationId xmlns:a16="http://schemas.microsoft.com/office/drawing/2014/main" id="{DF83123F-FFF6-4EB8-AA6C-703D18DCBD9D}"/>
+              </a:ext>
+            </a:extLst>
+          </p:cNvPr>
+          <p:cNvSpPr>
+            <a:spLocks noGrp="1"/>
+          </p:cNvSpPr>
+          <p:nvPr>
+            <p:ph type="title"/>
+          </p:nvPr>
+        </p:nvSpPr>
+        <p:spPr>
+          <a:xfrm>
+            <a:off x="838200" y="365125"/>
+            <a:ext cx="10515600" cy="762635"/>
+          </a:xfrm>
+        </p:spPr>
+        <p:txBody>
+          <a:bodyPr>
+            <a:normAutofit/>
+          </a:bodyPr>
+          <a:lstStyle/>
+          <a:p>
+            <a:r>
+              <a:rPr lang="en-CA" sz="3600" dirty="0"/>
+              <a:t>Golden Section Method</a:t>
+            </a:r>
+            <a:endParaRPr lang="en-US" sz="3600" dirty="0"/>
+          </a:p>
+        </p:txBody>
+      </p:sp>
+    </p:spTree>
+    <p:extLst>
+      <p:ext uri="{BB962C8B-B14F-4D97-AF65-F5344CB8AC3E}">
+        <p14:creationId xmlns:p14="http://schemas.microsoft.com/office/powerpoint/2010/main" val="4093437447"/>
+      </p:ext>
+    </p:extLst>
+  </p:cSld>
+  <p:clrMapOvr>
+    <a:masterClrMapping/>
+  </p:clrMapOvr>
+</p:sld>
+</file>
+
+<file path=ppt/slides/slide17.xml><?xml version="1.0" encoding="utf-8"?>
+<p:sld xmlns:a="http://schemas.openxmlformats.org/drawingml/2006/main" xmlns:r="http://schemas.openxmlformats.org/officeDocument/2006/relationships" xmlns:p="http://schemas.openxmlformats.org/presentationml/2006/main">
+  <p:cSld>
+    <p:spTree>
+      <p:nvGrpSpPr>
+        <p:cNvPr id="1" name=""/>
+        <p:cNvGrpSpPr/>
+        <p:nvPr/>
+      </p:nvGrpSpPr>
+      <p:grpSpPr>
+        <a:xfrm>
+          <a:off x="0" y="0"/>
+          <a:ext cx="0" cy="0"/>
+          <a:chOff x="0" y="0"/>
+          <a:chExt cx="0" cy="0"/>
+        </a:xfrm>
+      </p:grpSpPr>
+      <p:sp>
+        <p:nvSpPr>
+          <p:cNvPr id="3" name="Content Placeholder 2">
+            <a:extLst>
+              <a:ext uri="{FF2B5EF4-FFF2-40B4-BE49-F238E27FC236}">
+                <a16:creationId xmlns:a16="http://schemas.microsoft.com/office/drawing/2014/main" id="{2E5DAAB6-C87E-4C10-8DDC-15F41DB00A20}"/>
+              </a:ext>
+            </a:extLst>
+          </p:cNvPr>
+          <p:cNvSpPr>
+            <a:spLocks noGrp="1"/>
+          </p:cNvSpPr>
+          <p:nvPr>
+            <p:ph idx="1"/>
+          </p:nvPr>
+        </p:nvSpPr>
+        <p:spPr>
+          <a:xfrm>
+            <a:off x="838200" y="1127760"/>
+            <a:ext cx="10515600" cy="5049203"/>
+          </a:xfrm>
+        </p:spPr>
+        <p:txBody>
+          <a:bodyPr>
+            <a:normAutofit/>
+          </a:bodyPr>
+          <a:lstStyle/>
+          <a:p>
+            <a:pPr marL="0" indent="0">
+              <a:buNone/>
+            </a:pPr>
+            <a:endParaRPr lang="en-CA" sz="2400" dirty="0">
+              <a:solidFill>
+                <a:schemeClr val="accent1">
+                  <a:lumMod val="75000"/>
+                </a:schemeClr>
+              </a:solidFill>
+            </a:endParaRPr>
+          </a:p>
+          <a:p>
+            <a:pPr marL="0" indent="0">
+              <a:buNone/>
+            </a:pPr>
+            <a:endParaRPr lang="en-CA" sz="2400" dirty="0">
+              <a:solidFill>
+                <a:schemeClr val="accent1">
+                  <a:lumMod val="75000"/>
+                </a:schemeClr>
+              </a:solidFill>
+            </a:endParaRPr>
+          </a:p>
+          <a:p>
+            <a:pPr marL="0" indent="0">
+              <a:buNone/>
+            </a:pPr>
+            <a:r>
+              <a:rPr lang="en-CA" sz="2400" dirty="0">
+                <a:solidFill>
+                  <a:schemeClr val="accent1">
+                    <a:lumMod val="75000"/>
+                  </a:schemeClr>
+                </a:solidFill>
+              </a:rPr>
+              <a:t>Conditions</a:t>
+            </a:r>
+          </a:p>
+          <a:p>
+            <a:r>
+              <a:rPr lang="en-CA" sz="2400" dirty="0"/>
+              <a:t>Mean profit as a function of number of seats must be concave </a:t>
+            </a:r>
+            <a:r>
+              <a:rPr lang="en-CA" sz="2400"/>
+              <a:t>(unimodal).</a:t>
+            </a:r>
+            <a:endParaRPr lang="en-CA" sz="2400" dirty="0"/>
+          </a:p>
+          <a:p>
+            <a:r>
+              <a:rPr lang="en-CA" sz="2400" dirty="0"/>
+              <a:t>In the interval that greedy heuristic eliminates, its results must be consistent with the results of VNS. </a:t>
+            </a:r>
+          </a:p>
+          <a:p>
+            <a:pPr marL="0" indent="0" algn="ctr">
+              <a:buNone/>
+            </a:pPr>
+            <a:r>
+              <a:rPr lang="en-CA" sz="2400" i="1" dirty="0"/>
+              <a:t>e.g. </a:t>
+            </a:r>
+            <a:r>
+              <a:rPr lang="en-CA" sz="2400" i="1" dirty="0" err="1">
+                <a:solidFill>
+                  <a:schemeClr val="accent6">
+                    <a:lumMod val="75000"/>
+                  </a:schemeClr>
+                </a:solidFill>
+              </a:rPr>
+              <a:t>f</a:t>
+            </a:r>
+            <a:r>
+              <a:rPr lang="en-CA" sz="2400" i="1" baseline="-25000" dirty="0" err="1">
+                <a:solidFill>
+                  <a:schemeClr val="accent6">
+                    <a:lumMod val="75000"/>
+                  </a:schemeClr>
+                </a:solidFill>
+              </a:rPr>
+              <a:t>greedy</a:t>
+            </a:r>
+            <a:r>
+              <a:rPr lang="en-CA" sz="2400" dirty="0">
+                <a:solidFill>
+                  <a:schemeClr val="accent6">
+                    <a:lumMod val="75000"/>
+                  </a:schemeClr>
+                </a:solidFill>
+              </a:rPr>
+              <a:t>(300) &gt; </a:t>
+            </a:r>
+            <a:r>
+              <a:rPr lang="en-CA" sz="2400" i="1" dirty="0" err="1">
+                <a:solidFill>
+                  <a:schemeClr val="accent6">
+                    <a:lumMod val="75000"/>
+                  </a:schemeClr>
+                </a:solidFill>
+              </a:rPr>
+              <a:t>f</a:t>
+            </a:r>
+            <a:r>
+              <a:rPr lang="en-CA" sz="2400" i="1" baseline="-25000" dirty="0" err="1">
+                <a:solidFill>
+                  <a:schemeClr val="accent6">
+                    <a:lumMod val="75000"/>
+                  </a:schemeClr>
+                </a:solidFill>
+              </a:rPr>
+              <a:t>greedy</a:t>
+            </a:r>
+            <a:r>
+              <a:rPr lang="en-CA" sz="2400" dirty="0">
+                <a:solidFill>
+                  <a:schemeClr val="accent6">
+                    <a:lumMod val="75000"/>
+                  </a:schemeClr>
+                </a:solidFill>
+              </a:rPr>
+              <a:t>(350) </a:t>
+            </a:r>
+            <a:r>
+              <a:rPr lang="en-CA" sz="2400" dirty="0">
+                <a:solidFill>
+                  <a:schemeClr val="accent6">
+                    <a:lumMod val="75000"/>
+                  </a:schemeClr>
+                </a:solidFill>
+                <a:sym typeface="Wingdings" panose="05000000000000000000" pitchFamily="2" charset="2"/>
+              </a:rPr>
+              <a:t> </a:t>
+            </a:r>
+            <a:r>
+              <a:rPr lang="en-CA" sz="2400" i="1" dirty="0" err="1">
+                <a:solidFill>
+                  <a:schemeClr val="accent6">
+                    <a:lumMod val="75000"/>
+                  </a:schemeClr>
+                </a:solidFill>
+                <a:sym typeface="Wingdings" panose="05000000000000000000" pitchFamily="2" charset="2"/>
+              </a:rPr>
+              <a:t>f</a:t>
+            </a:r>
+            <a:r>
+              <a:rPr lang="en-CA" sz="2400" i="1" baseline="-25000" dirty="0" err="1">
+                <a:solidFill>
+                  <a:schemeClr val="accent6">
+                    <a:lumMod val="75000"/>
+                  </a:schemeClr>
+                </a:solidFill>
+                <a:sym typeface="Wingdings" panose="05000000000000000000" pitchFamily="2" charset="2"/>
+              </a:rPr>
+              <a:t>VNS</a:t>
+            </a:r>
+            <a:r>
+              <a:rPr lang="en-CA" sz="2400" dirty="0">
+                <a:solidFill>
+                  <a:schemeClr val="accent6">
+                    <a:lumMod val="75000"/>
+                  </a:schemeClr>
+                </a:solidFill>
+                <a:sym typeface="Wingdings" panose="05000000000000000000" pitchFamily="2" charset="2"/>
+              </a:rPr>
+              <a:t>(300) &gt; </a:t>
+            </a:r>
+            <a:r>
+              <a:rPr lang="en-CA" sz="2400" i="1" dirty="0" err="1">
+                <a:solidFill>
+                  <a:schemeClr val="accent6">
+                    <a:lumMod val="75000"/>
+                  </a:schemeClr>
+                </a:solidFill>
+                <a:sym typeface="Wingdings" panose="05000000000000000000" pitchFamily="2" charset="2"/>
+              </a:rPr>
+              <a:t>f</a:t>
+            </a:r>
+            <a:r>
+              <a:rPr lang="en-CA" sz="2400" i="1" baseline="-25000" dirty="0" err="1">
+                <a:solidFill>
+                  <a:schemeClr val="accent6">
+                    <a:lumMod val="75000"/>
+                  </a:schemeClr>
+                </a:solidFill>
+                <a:sym typeface="Wingdings" panose="05000000000000000000" pitchFamily="2" charset="2"/>
+              </a:rPr>
+              <a:t>VNS</a:t>
+            </a:r>
+            <a:r>
+              <a:rPr lang="en-CA" sz="2400" dirty="0">
+                <a:solidFill>
+                  <a:schemeClr val="accent6">
+                    <a:lumMod val="75000"/>
+                  </a:schemeClr>
+                </a:solidFill>
+                <a:sym typeface="Wingdings" panose="05000000000000000000" pitchFamily="2" charset="2"/>
+              </a:rPr>
+              <a:t>(350)</a:t>
+            </a:r>
+            <a:endParaRPr lang="en-CA" sz="2400" dirty="0"/>
+          </a:p>
+          <a:p>
+            <a:endParaRPr lang="en-CA" sz="2400" dirty="0"/>
+          </a:p>
+          <a:p>
+            <a:endParaRPr lang="en-CA" sz="2400" dirty="0"/>
+          </a:p>
+        </p:txBody>
+      </p:sp>
+      <p:pic>
+        <p:nvPicPr>
+          <p:cNvPr id="5" name="Picture 4">
+            <a:extLst>
+              <a:ext uri="{FF2B5EF4-FFF2-40B4-BE49-F238E27FC236}">
+                <a16:creationId xmlns:a16="http://schemas.microsoft.com/office/drawing/2014/main" id="{8977407B-874A-4791-897D-6196620D6F56}"/>
+              </a:ext>
+            </a:extLst>
+          </p:cNvPr>
+          <p:cNvPicPr>
+            <a:picLocks noChangeAspect="1"/>
+          </p:cNvPicPr>
+          <p:nvPr/>
+        </p:nvPicPr>
+        <p:blipFill>
+          <a:blip r:embed="rId2">
+            <a:extLst>
+              <a:ext uri="{28A0092B-C50C-407E-A947-70E740481C1C}">
+                <a14:useLocalDpi xmlns:a14="http://schemas.microsoft.com/office/drawing/2010/main" val="0"/>
+              </a:ext>
+            </a:extLst>
+          </a:blip>
+          <a:stretch>
+            <a:fillRect/>
+          </a:stretch>
+        </p:blipFill>
+        <p:spPr>
+          <a:xfrm>
+            <a:off x="9916160" y="365125"/>
+            <a:ext cx="1437640" cy="418937"/>
+          </a:xfrm>
+          <a:prstGeom prst="rect">
+            <a:avLst/>
+          </a:prstGeom>
+        </p:spPr>
+      </p:pic>
+      <p:sp>
+        <p:nvSpPr>
+          <p:cNvPr id="7" name="Title 1">
+            <a:extLst>
+              <a:ext uri="{FF2B5EF4-FFF2-40B4-BE49-F238E27FC236}">
+                <a16:creationId xmlns:a16="http://schemas.microsoft.com/office/drawing/2014/main" id="{DF83123F-FFF6-4EB8-AA6C-703D18DCBD9D}"/>
+              </a:ext>
+            </a:extLst>
+          </p:cNvPr>
+          <p:cNvSpPr>
+            <a:spLocks noGrp="1"/>
+          </p:cNvSpPr>
+          <p:nvPr>
+            <p:ph type="title"/>
+          </p:nvPr>
+        </p:nvSpPr>
+        <p:spPr>
+          <a:xfrm>
+            <a:off x="838200" y="365125"/>
+            <a:ext cx="10515600" cy="762635"/>
+          </a:xfrm>
+        </p:spPr>
+        <p:txBody>
+          <a:bodyPr>
+            <a:normAutofit/>
+          </a:bodyPr>
+          <a:lstStyle/>
+          <a:p>
+            <a:r>
+              <a:rPr lang="en-CA" sz="3600" dirty="0"/>
+              <a:t>Golden Section Method</a:t>
+            </a:r>
+            <a:endParaRPr lang="en-US" sz="3600" dirty="0"/>
+          </a:p>
+        </p:txBody>
+      </p:sp>
+    </p:spTree>
+    <p:extLst>
+      <p:ext uri="{BB962C8B-B14F-4D97-AF65-F5344CB8AC3E}">
+        <p14:creationId xmlns:p14="http://schemas.microsoft.com/office/powerpoint/2010/main" val="3961735586"/>
+      </p:ext>
+    </p:extLst>
+  </p:cSld>
+  <p:clrMapOvr>
+    <a:masterClrMapping/>
+  </p:clrMapOvr>
+</p:sld>
+</file>
+
+<file path=ppt/slides/slide18.xml><?xml version="1.0" encoding="utf-8"?>
+<p:sld xmlns:a="http://schemas.openxmlformats.org/drawingml/2006/main" xmlns:r="http://schemas.openxmlformats.org/officeDocument/2006/relationships" xmlns:p="http://schemas.openxmlformats.org/presentationml/2006/main">
+  <p:cSld>
+    <p:spTree>
+      <p:nvGrpSpPr>
+        <p:cNvPr id="1" name=""/>
+        <p:cNvGrpSpPr/>
+        <p:nvPr/>
+      </p:nvGrpSpPr>
+      <p:grpSpPr>
+        <a:xfrm>
+          <a:off x="0" y="0"/>
+          <a:ext cx="0" cy="0"/>
+          <a:chOff x="0" y="0"/>
+          <a:chExt cx="0" cy="0"/>
+        </a:xfrm>
+      </p:grpSpPr>
+      <p:sp>
+        <p:nvSpPr>
+          <p:cNvPr id="3" name="Content Placeholder 2">
+            <a:extLst>
+              <a:ext uri="{FF2B5EF4-FFF2-40B4-BE49-F238E27FC236}">
+                <a16:creationId xmlns:a16="http://schemas.microsoft.com/office/drawing/2014/main" id="{2E5DAAB6-C87E-4C10-8DDC-15F41DB00A20}"/>
+              </a:ext>
+            </a:extLst>
+          </p:cNvPr>
+          <p:cNvSpPr>
+            <a:spLocks noGrp="1"/>
+          </p:cNvSpPr>
+          <p:nvPr>
+            <p:ph idx="1"/>
+          </p:nvPr>
+        </p:nvSpPr>
+        <p:spPr>
+          <a:xfrm>
+            <a:off x="838200" y="1127760"/>
+            <a:ext cx="10515600" cy="5049203"/>
+          </a:xfrm>
+        </p:spPr>
+        <p:txBody>
+          <a:bodyPr>
+            <a:normAutofit/>
+          </a:bodyPr>
+          <a:lstStyle/>
+          <a:p>
+            <a:pPr marL="0" indent="0">
+              <a:buNone/>
+            </a:pPr>
+            <a:endParaRPr lang="en-CA" sz="2400" dirty="0">
+              <a:solidFill>
+                <a:schemeClr val="accent1">
+                  <a:lumMod val="75000"/>
+                </a:schemeClr>
+              </a:solidFill>
+            </a:endParaRPr>
+          </a:p>
+          <a:p>
+            <a:pPr marL="0" indent="0">
+              <a:buNone/>
+            </a:pPr>
+            <a:endParaRPr lang="en-CA" sz="2400" dirty="0"/>
+          </a:p>
+          <a:p>
+            <a:endParaRPr lang="en-CA" sz="2400" dirty="0"/>
+          </a:p>
+        </p:txBody>
+      </p:sp>
+      <p:pic>
+        <p:nvPicPr>
+          <p:cNvPr id="5" name="Picture 4">
+            <a:extLst>
+              <a:ext uri="{FF2B5EF4-FFF2-40B4-BE49-F238E27FC236}">
+                <a16:creationId xmlns:a16="http://schemas.microsoft.com/office/drawing/2014/main" id="{8977407B-874A-4791-897D-6196620D6F56}"/>
+              </a:ext>
+            </a:extLst>
+          </p:cNvPr>
+          <p:cNvPicPr>
+            <a:picLocks noChangeAspect="1"/>
+          </p:cNvPicPr>
+          <p:nvPr/>
+        </p:nvPicPr>
+        <p:blipFill>
+          <a:blip r:embed="rId2">
+            <a:extLst>
+              <a:ext uri="{28A0092B-C50C-407E-A947-70E740481C1C}">
+                <a14:useLocalDpi xmlns:a14="http://schemas.microsoft.com/office/drawing/2010/main" val="0"/>
+              </a:ext>
+            </a:extLst>
+          </a:blip>
+          <a:stretch>
+            <a:fillRect/>
+          </a:stretch>
+        </p:blipFill>
+        <p:spPr>
+          <a:xfrm>
+            <a:off x="9916160" y="365125"/>
+            <a:ext cx="1437640" cy="418937"/>
+          </a:xfrm>
+          <a:prstGeom prst="rect">
+            <a:avLst/>
+          </a:prstGeom>
+        </p:spPr>
+      </p:pic>
+      <p:sp>
+        <p:nvSpPr>
+          <p:cNvPr id="7" name="Title 1">
+            <a:extLst>
+              <a:ext uri="{FF2B5EF4-FFF2-40B4-BE49-F238E27FC236}">
+                <a16:creationId xmlns:a16="http://schemas.microsoft.com/office/drawing/2014/main" id="{DF83123F-FFF6-4EB8-AA6C-703D18DCBD9D}"/>
+              </a:ext>
+            </a:extLst>
+          </p:cNvPr>
+          <p:cNvSpPr>
+            <a:spLocks noGrp="1"/>
+          </p:cNvSpPr>
+          <p:nvPr>
+            <p:ph type="title"/>
+          </p:nvPr>
+        </p:nvSpPr>
+        <p:spPr>
+          <a:xfrm>
+            <a:off x="838200" y="365125"/>
+            <a:ext cx="10515600" cy="762635"/>
+          </a:xfrm>
+        </p:spPr>
+        <p:txBody>
+          <a:bodyPr>
+            <a:normAutofit/>
+          </a:bodyPr>
+          <a:lstStyle/>
+          <a:p>
+            <a:r>
+              <a:rPr lang="en-CA" sz="3600" dirty="0"/>
+              <a:t>Golden Section Method</a:t>
+            </a:r>
+            <a:endParaRPr lang="en-US" sz="3600" dirty="0"/>
+          </a:p>
+        </p:txBody>
+      </p:sp>
+      <p:pic>
+        <p:nvPicPr>
+          <p:cNvPr id="4" name="Picture 3" descr="A close up of a map&#10;&#10;Description generated with very high confidence">
+            <a:extLst>
+              <a:ext uri="{FF2B5EF4-FFF2-40B4-BE49-F238E27FC236}">
+                <a16:creationId xmlns:a16="http://schemas.microsoft.com/office/drawing/2014/main" id="{6F7F02D7-F0E8-4ACF-B7CC-959B5D7282D2}"/>
+              </a:ext>
+            </a:extLst>
+          </p:cNvPr>
+          <p:cNvPicPr>
+            <a:picLocks noChangeAspect="1"/>
+          </p:cNvPicPr>
+          <p:nvPr/>
+        </p:nvPicPr>
+        <p:blipFill>
+          <a:blip r:embed="rId3">
+            <a:extLst>
+              <a:ext uri="{28A0092B-C50C-407E-A947-70E740481C1C}">
+                <a14:useLocalDpi xmlns:a14="http://schemas.microsoft.com/office/drawing/2010/main" val="0"/>
+              </a:ext>
+            </a:extLst>
+          </a:blip>
+          <a:stretch>
+            <a:fillRect/>
+          </a:stretch>
+        </p:blipFill>
+        <p:spPr>
+          <a:xfrm>
+            <a:off x="778721" y="1658381"/>
+            <a:ext cx="5317279" cy="3987959"/>
+          </a:xfrm>
+          <a:prstGeom prst="rect">
+            <a:avLst/>
+          </a:prstGeom>
+        </p:spPr>
+      </p:pic>
+      <p:pic>
+        <p:nvPicPr>
+          <p:cNvPr id="8" name="Picture 7" descr="A close up of a map&#10;&#10;Description generated with very high confidence">
+            <a:extLst>
+              <a:ext uri="{FF2B5EF4-FFF2-40B4-BE49-F238E27FC236}">
+                <a16:creationId xmlns:a16="http://schemas.microsoft.com/office/drawing/2014/main" id="{CF3EF8CE-D7AB-4D17-A165-93D49F443CCF}"/>
+              </a:ext>
+            </a:extLst>
+          </p:cNvPr>
+          <p:cNvPicPr>
+            <a:picLocks noChangeAspect="1"/>
+          </p:cNvPicPr>
+          <p:nvPr/>
+        </p:nvPicPr>
+        <p:blipFill>
+          <a:blip r:embed="rId4">
+            <a:extLst>
+              <a:ext uri="{28A0092B-C50C-407E-A947-70E740481C1C}">
+                <a14:useLocalDpi xmlns:a14="http://schemas.microsoft.com/office/drawing/2010/main" val="0"/>
+              </a:ext>
+            </a:extLst>
+          </a:blip>
+          <a:stretch>
+            <a:fillRect/>
+          </a:stretch>
+        </p:blipFill>
+        <p:spPr>
+          <a:xfrm>
+            <a:off x="6200352" y="1697512"/>
+            <a:ext cx="5212927" cy="3909695"/>
+          </a:xfrm>
+          <a:prstGeom prst="rect">
+            <a:avLst/>
+          </a:prstGeom>
+        </p:spPr>
+      </p:pic>
+    </p:spTree>
+    <p:extLst>
+      <p:ext uri="{BB962C8B-B14F-4D97-AF65-F5344CB8AC3E}">
+        <p14:creationId xmlns:p14="http://schemas.microsoft.com/office/powerpoint/2010/main" val="2306792197"/>
+      </p:ext>
+    </p:extLst>
+  </p:cSld>
+  <p:clrMapOvr>
+    <a:masterClrMapping/>
+  </p:clrMapOvr>
+</p:sld>
+</file>
+
+<file path=ppt/slides/slide19.xml><?xml version="1.0" encoding="utf-8"?>
+<p:sld xmlns:a="http://schemas.openxmlformats.org/drawingml/2006/main" xmlns:r="http://schemas.openxmlformats.org/officeDocument/2006/relationships" xmlns:p="http://schemas.openxmlformats.org/presentationml/2006/main">
+  <p:cSld>
+    <p:spTree>
+      <p:nvGrpSpPr>
+        <p:cNvPr id="1" name=""/>
+        <p:cNvGrpSpPr/>
+        <p:nvPr/>
+      </p:nvGrpSpPr>
+      <p:grpSpPr>
+        <a:xfrm>
+          <a:off x="0" y="0"/>
+          <a:ext cx="0" cy="0"/>
+          <a:chOff x="0" y="0"/>
+          <a:chExt cx="0" cy="0"/>
+        </a:xfrm>
+      </p:grpSpPr>
+      <p:sp>
+        <p:nvSpPr>
+          <p:cNvPr id="3" name="Content Placeholder 2">
+            <a:extLst>
+              <a:ext uri="{FF2B5EF4-FFF2-40B4-BE49-F238E27FC236}">
+                <a16:creationId xmlns:a16="http://schemas.microsoft.com/office/drawing/2014/main" id="{2E5DAAB6-C87E-4C10-8DDC-15F41DB00A20}"/>
+              </a:ext>
+            </a:extLst>
+          </p:cNvPr>
+          <p:cNvSpPr>
+            <a:spLocks noGrp="1"/>
+          </p:cNvSpPr>
+          <p:nvPr>
+            <p:ph idx="1"/>
+          </p:nvPr>
+        </p:nvSpPr>
+        <p:spPr>
+          <a:xfrm>
+            <a:off x="838200" y="1127760"/>
+            <a:ext cx="10515600" cy="5049203"/>
+          </a:xfrm>
+        </p:spPr>
+        <p:txBody>
+          <a:bodyPr>
+            <a:normAutofit/>
+          </a:bodyPr>
+          <a:lstStyle/>
+          <a:p>
+            <a:pPr marL="0" indent="0">
+              <a:buNone/>
+            </a:pPr>
+            <a:endParaRPr lang="en-CA" sz="2400" dirty="0">
+              <a:solidFill>
+                <a:schemeClr val="accent1">
+                  <a:lumMod val="75000"/>
+                </a:schemeClr>
+              </a:solidFill>
+            </a:endParaRPr>
+          </a:p>
+          <a:p>
+            <a:pPr marL="0" indent="0">
+              <a:buNone/>
+            </a:pPr>
+            <a:endParaRPr lang="en-CA" sz="2400" dirty="0"/>
+          </a:p>
+          <a:p>
+            <a:endParaRPr lang="en-CA" sz="2400" dirty="0"/>
+          </a:p>
+        </p:txBody>
+      </p:sp>
+      <p:pic>
+        <p:nvPicPr>
+          <p:cNvPr id="5" name="Picture 4">
+            <a:extLst>
+              <a:ext uri="{FF2B5EF4-FFF2-40B4-BE49-F238E27FC236}">
+                <a16:creationId xmlns:a16="http://schemas.microsoft.com/office/drawing/2014/main" id="{8977407B-874A-4791-897D-6196620D6F56}"/>
+              </a:ext>
+            </a:extLst>
+          </p:cNvPr>
+          <p:cNvPicPr>
+            <a:picLocks noChangeAspect="1"/>
+          </p:cNvPicPr>
+          <p:nvPr/>
+        </p:nvPicPr>
+        <p:blipFill>
+          <a:blip r:embed="rId2">
+            <a:extLst>
+              <a:ext uri="{28A0092B-C50C-407E-A947-70E740481C1C}">
+                <a14:useLocalDpi xmlns:a14="http://schemas.microsoft.com/office/drawing/2010/main" val="0"/>
+              </a:ext>
+            </a:extLst>
+          </a:blip>
+          <a:stretch>
+            <a:fillRect/>
+          </a:stretch>
+        </p:blipFill>
+        <p:spPr>
+          <a:xfrm>
+            <a:off x="9916160" y="365125"/>
+            <a:ext cx="1437640" cy="418937"/>
+          </a:xfrm>
+          <a:prstGeom prst="rect">
+            <a:avLst/>
+          </a:prstGeom>
+        </p:spPr>
+      </p:pic>
+      <p:sp>
+        <p:nvSpPr>
+          <p:cNvPr id="7" name="Title 1">
+            <a:extLst>
+              <a:ext uri="{FF2B5EF4-FFF2-40B4-BE49-F238E27FC236}">
+                <a16:creationId xmlns:a16="http://schemas.microsoft.com/office/drawing/2014/main" id="{DF83123F-FFF6-4EB8-AA6C-703D18DCBD9D}"/>
+              </a:ext>
+            </a:extLst>
+          </p:cNvPr>
+          <p:cNvSpPr>
+            <a:spLocks noGrp="1"/>
+          </p:cNvSpPr>
+          <p:nvPr>
+            <p:ph type="title"/>
+          </p:nvPr>
+        </p:nvSpPr>
+        <p:spPr>
+          <a:xfrm>
+            <a:off x="838200" y="365125"/>
+            <a:ext cx="10515600" cy="762635"/>
+          </a:xfrm>
+        </p:spPr>
+        <p:txBody>
+          <a:bodyPr>
+            <a:normAutofit/>
+          </a:bodyPr>
+          <a:lstStyle/>
+          <a:p>
+            <a:r>
+              <a:rPr lang="en-CA" sz="3600" dirty="0"/>
+              <a:t>Golden Section Method</a:t>
+            </a:r>
+            <a:endParaRPr lang="en-US" sz="3600" dirty="0"/>
+          </a:p>
+        </p:txBody>
+      </p:sp>
+      <p:pic>
+        <p:nvPicPr>
+          <p:cNvPr id="4" name="Picture 3" descr="A close up of a map&#10;&#10;Description generated with very high confidence">
+            <a:extLst>
+              <a:ext uri="{FF2B5EF4-FFF2-40B4-BE49-F238E27FC236}">
+                <a16:creationId xmlns:a16="http://schemas.microsoft.com/office/drawing/2014/main" id="{6F7F02D7-F0E8-4ACF-B7CC-959B5D7282D2}"/>
+              </a:ext>
+            </a:extLst>
+          </p:cNvPr>
+          <p:cNvPicPr>
+            <a:picLocks noChangeAspect="1"/>
+          </p:cNvPicPr>
+          <p:nvPr/>
+        </p:nvPicPr>
+        <p:blipFill>
+          <a:blip r:embed="rId3">
+            <a:extLst>
+              <a:ext uri="{28A0092B-C50C-407E-A947-70E740481C1C}">
+                <a14:useLocalDpi xmlns:a14="http://schemas.microsoft.com/office/drawing/2010/main" val="0"/>
+              </a:ext>
+            </a:extLst>
+          </a:blip>
+          <a:stretch>
+            <a:fillRect/>
+          </a:stretch>
+        </p:blipFill>
+        <p:spPr>
+          <a:xfrm>
+            <a:off x="778721" y="1658381"/>
+            <a:ext cx="5317279" cy="3987959"/>
+          </a:xfrm>
+          <a:prstGeom prst="rect">
+            <a:avLst/>
+          </a:prstGeom>
+        </p:spPr>
+      </p:pic>
+      <p:pic>
+        <p:nvPicPr>
+          <p:cNvPr id="8" name="Picture 7" descr="A close up of a map&#10;&#10;Description generated with very high confidence">
+            <a:extLst>
+              <a:ext uri="{FF2B5EF4-FFF2-40B4-BE49-F238E27FC236}">
+                <a16:creationId xmlns:a16="http://schemas.microsoft.com/office/drawing/2014/main" id="{CF3EF8CE-D7AB-4D17-A165-93D49F443CCF}"/>
+              </a:ext>
+            </a:extLst>
+          </p:cNvPr>
+          <p:cNvPicPr>
+            <a:picLocks noChangeAspect="1"/>
+          </p:cNvPicPr>
+          <p:nvPr/>
+        </p:nvPicPr>
+        <p:blipFill>
+          <a:blip r:embed="rId4">
+            <a:extLst>
+              <a:ext uri="{28A0092B-C50C-407E-A947-70E740481C1C}">
+                <a14:useLocalDpi xmlns:a14="http://schemas.microsoft.com/office/drawing/2010/main" val="0"/>
+              </a:ext>
+            </a:extLst>
+          </a:blip>
+          <a:stretch>
+            <a:fillRect/>
+          </a:stretch>
+        </p:blipFill>
+        <p:spPr>
+          <a:xfrm>
+            <a:off x="6200352" y="1697512"/>
+            <a:ext cx="5212927" cy="3909695"/>
+          </a:xfrm>
+          <a:prstGeom prst="rect">
+            <a:avLst/>
+          </a:prstGeom>
+        </p:spPr>
+      </p:pic>
+      <p:sp>
+        <p:nvSpPr>
+          <p:cNvPr id="9" name="Rectangle: Rounded Corners 8">
+            <a:extLst>
+              <a:ext uri="{FF2B5EF4-FFF2-40B4-BE49-F238E27FC236}">
+                <a16:creationId xmlns:a16="http://schemas.microsoft.com/office/drawing/2014/main" id="{86EF7A26-F32C-42F4-BCE7-73FD5B42F8FC}"/>
+              </a:ext>
+            </a:extLst>
+          </p:cNvPr>
+          <p:cNvSpPr/>
+          <p:nvPr/>
+        </p:nvSpPr>
+        <p:spPr>
+          <a:xfrm>
+            <a:off x="2489200" y="2438400"/>
+            <a:ext cx="3413760" cy="2407920"/>
+          </a:xfrm>
+          <a:prstGeom prst="roundRect">
+            <a:avLst/>
+          </a:prstGeom>
+          <a:noFill/>
+          <a:ln w="19050">
+            <a:solidFill>
+              <a:srgbClr val="FF0000"/>
+            </a:solidFill>
+          </a:ln>
+        </p:spPr>
+        <p:style>
+          <a:lnRef idx="2">
+            <a:schemeClr val="accent6"/>
+          </a:lnRef>
+          <a:fillRef idx="1">
+            <a:schemeClr val="lt1"/>
+          </a:fillRef>
+          <a:effectRef idx="0">
+            <a:schemeClr val="accent6"/>
+          </a:effectRef>
+          <a:fontRef idx="minor">
+            <a:schemeClr val="dk1"/>
+          </a:fontRef>
+        </p:style>
+        <p:txBody>
+          <a:bodyPr rtlCol="0" anchor="ctr"/>
+          <a:lstStyle/>
+          <a:p>
+            <a:pPr algn="ctr"/>
+            <a:endParaRPr lang="en-US"/>
+          </a:p>
+        </p:txBody>
+      </p:sp>
+    </p:spTree>
+    <p:extLst>
+      <p:ext uri="{BB962C8B-B14F-4D97-AF65-F5344CB8AC3E}">
+        <p14:creationId xmlns:p14="http://schemas.microsoft.com/office/powerpoint/2010/main" val="4200179265"/>
+      </p:ext>
+    </p:extLst>
+  </p:cSld>
+  <p:clrMapOvr>
+    <a:masterClrMapping/>
+  </p:clrMapOvr>
+</p:sld>
+</file>
+
+<file path=ppt/slides/slide2.xml><?xml version="1.0" encoding="utf-8"?>
+<p:sld xmlns:a="http://schemas.openxmlformats.org/drawingml/2006/main" xmlns:r="http://schemas.openxmlformats.org/officeDocument/2006/relationships" xmlns:p="http://schemas.openxmlformats.org/presentationml/2006/main">
+  <p:cSld>
+    <p:spTree>
+      <p:nvGrpSpPr>
+        <p:cNvPr id="1" name=""/>
+        <p:cNvGrpSpPr/>
+        <p:nvPr/>
+      </p:nvGrpSpPr>
+      <p:grpSpPr>
+        <a:xfrm>
+          <a:off x="0" y="0"/>
+          <a:ext cx="0" cy="0"/>
+          <a:chOff x="0" y="0"/>
+          <a:chExt cx="0" cy="0"/>
+        </a:xfrm>
+      </p:grpSpPr>
+      <p:pic>
+        <p:nvPicPr>
+          <p:cNvPr id="5" name="Picture 4">
+            <a:extLst>
+              <a:ext uri="{FF2B5EF4-FFF2-40B4-BE49-F238E27FC236}">
+                <a16:creationId xmlns:a16="http://schemas.microsoft.com/office/drawing/2014/main" id="{937DC52F-3E84-4376-A880-17A444D06451}"/>
+              </a:ext>
+            </a:extLst>
+          </p:cNvPr>
+          <p:cNvPicPr>
+            <a:picLocks noChangeAspect="1"/>
+          </p:cNvPicPr>
+          <p:nvPr/>
+        </p:nvPicPr>
+        <p:blipFill>
+          <a:blip r:embed="rId2" cstate="hqprint">
+            <a:extLst>
+              <a:ext uri="{28A0092B-C50C-407E-A947-70E740481C1C}">
+                <a14:useLocalDpi xmlns:a14="http://schemas.microsoft.com/office/drawing/2010/main" val="0"/>
+              </a:ext>
+            </a:extLst>
+          </a:blip>
+          <a:stretch>
+            <a:fillRect/>
+          </a:stretch>
+        </p:blipFill>
+        <p:spPr>
+          <a:xfrm>
+            <a:off x="9916160" y="365125"/>
+            <a:ext cx="1437640" cy="418937"/>
+          </a:xfrm>
+          <a:prstGeom prst="rect">
+            <a:avLst/>
+          </a:prstGeom>
+        </p:spPr>
+      </p:pic>
+      <p:sp>
+        <p:nvSpPr>
+          <p:cNvPr id="9" name="Title 1">
+            <a:extLst>
+              <a:ext uri="{FF2B5EF4-FFF2-40B4-BE49-F238E27FC236}">
+                <a16:creationId xmlns:a16="http://schemas.microsoft.com/office/drawing/2014/main" id="{D8D4F29A-F761-4FDF-9F1D-5964127B29A1}"/>
+              </a:ext>
+            </a:extLst>
+          </p:cNvPr>
+          <p:cNvSpPr txBox="1">
+            <a:spLocks/>
+          </p:cNvSpPr>
+          <p:nvPr/>
+        </p:nvSpPr>
+        <p:spPr>
+          <a:xfrm>
+            <a:off x="838200" y="365125"/>
+            <a:ext cx="10515600" cy="762635"/>
+          </a:xfrm>
+          <a:prstGeom prst="rect">
+            <a:avLst/>
+          </a:prstGeom>
+        </p:spPr>
+        <p:txBody>
+          <a:bodyPr vert="horz" lIns="91440" tIns="45720" rIns="91440" bIns="45720" rtlCol="0" anchor="ctr">
+            <a:normAutofit/>
+          </a:bodyPr>
+          <a:lstStyle>
+            <a:lvl1pPr algn="l" defTabSz="914400" rtl="0" eaLnBrk="1" latinLnBrk="0" hangingPunct="1">
+              <a:lnSpc>
+                <a:spcPct val="90000"/>
+              </a:lnSpc>
+              <a:spcBef>
+                <a:spcPct val="0"/>
+              </a:spcBef>
+              <a:buNone/>
+              <a:defRPr sz="4400" kern="1200">
+                <a:solidFill>
+                  <a:schemeClr val="tx1"/>
+                </a:solidFill>
+                <a:latin typeface="+mj-lt"/>
+                <a:ea typeface="+mj-ea"/>
+                <a:cs typeface="+mj-cs"/>
+              </a:defRPr>
+            </a:lvl1pPr>
+          </a:lstStyle>
+          <a:p>
+            <a:r>
+              <a:rPr lang="en-CA" sz="3600" dirty="0"/>
+              <a:t>Scenario Description</a:t>
+            </a:r>
+            <a:endParaRPr lang="en-US" sz="3600" dirty="0"/>
+          </a:p>
+        </p:txBody>
+      </p:sp>
+      <p:sp>
+        <p:nvSpPr>
+          <p:cNvPr id="6" name="Content Placeholder 2">
+            <a:extLst>
+              <a:ext uri="{FF2B5EF4-FFF2-40B4-BE49-F238E27FC236}">
+                <a16:creationId xmlns:a16="http://schemas.microsoft.com/office/drawing/2014/main" id="{5C9002D8-D4DA-894C-B56B-88798A5976F0}"/>
+              </a:ext>
+            </a:extLst>
+          </p:cNvPr>
+          <p:cNvSpPr>
+            <a:spLocks noGrp="1"/>
+          </p:cNvSpPr>
+          <p:nvPr>
+            <p:ph idx="1"/>
+          </p:nvPr>
+        </p:nvSpPr>
+        <p:spPr>
+          <a:xfrm>
+            <a:off x="838200" y="1127760"/>
+            <a:ext cx="10515600" cy="5049203"/>
+          </a:xfrm>
+        </p:spPr>
+        <p:txBody>
+          <a:bodyPr>
+            <a:normAutofit/>
+          </a:bodyPr>
+          <a:lstStyle/>
+          <a:p>
+            <a:pPr marL="0" indent="0">
+              <a:lnSpc>
+                <a:spcPct val="150000"/>
+              </a:lnSpc>
+              <a:buNone/>
+            </a:pPr>
+            <a:r>
+              <a:rPr lang="en-US" sz="2400" dirty="0"/>
+              <a:t>A restaurant</a:t>
+            </a:r>
+          </a:p>
+          <a:p>
+            <a:pPr lvl="1">
+              <a:lnSpc>
+                <a:spcPct val="150000"/>
+              </a:lnSpc>
+            </a:pPr>
+            <a:r>
+              <a:rPr lang="en-US" sz="2000" dirty="0"/>
+              <a:t>has space for up to 400 seats</a:t>
+            </a:r>
+          </a:p>
+          <a:p>
+            <a:pPr lvl="1">
+              <a:lnSpc>
+                <a:spcPct val="150000"/>
+              </a:lnSpc>
+            </a:pPr>
+            <a:r>
+              <a:rPr lang="en-US" sz="2000" dirty="0"/>
+              <a:t>various table sizes (for 2, 3, 4 and 5 customers)</a:t>
+            </a:r>
+          </a:p>
+          <a:p>
+            <a:pPr lvl="2">
+              <a:lnSpc>
+                <a:spcPct val="150000"/>
+              </a:lnSpc>
+            </a:pPr>
+            <a:r>
+              <a:rPr lang="en-US" dirty="0"/>
+              <a:t>different table arrangements constrained by the number of seats</a:t>
+            </a:r>
+          </a:p>
+          <a:p>
+            <a:pPr lvl="1">
+              <a:lnSpc>
+                <a:spcPct val="150000"/>
+              </a:lnSpc>
+            </a:pPr>
+            <a:r>
+              <a:rPr lang="en-US" sz="2000" dirty="0"/>
+              <a:t>table arrangements to be made at the beginning of the opening time</a:t>
+            </a:r>
+          </a:p>
+          <a:p>
+            <a:pPr lvl="2">
+              <a:lnSpc>
+                <a:spcPct val="150000"/>
+              </a:lnSpc>
+            </a:pPr>
+            <a:r>
+              <a:rPr lang="en-US" dirty="0"/>
+              <a:t>not possible to split a group into different tables</a:t>
+            </a:r>
+          </a:p>
+          <a:p>
+            <a:pPr lvl="2">
+              <a:lnSpc>
+                <a:spcPct val="150000"/>
+              </a:lnSpc>
+            </a:pPr>
+            <a:r>
+              <a:rPr lang="en-US" dirty="0"/>
+              <a:t>not possible to merge the tables</a:t>
+            </a:r>
+          </a:p>
+          <a:p>
+            <a:pPr lvl="2">
+              <a:lnSpc>
+                <a:spcPct val="150000"/>
+              </a:lnSpc>
+            </a:pPr>
+            <a:r>
+              <a:rPr lang="en-US" dirty="0"/>
+              <a:t>groups can sit together</a:t>
+            </a:r>
+          </a:p>
+          <a:p>
+            <a:pPr lvl="1">
+              <a:lnSpc>
+                <a:spcPct val="150000"/>
+              </a:lnSpc>
+            </a:pPr>
+            <a:endParaRPr lang="en-US" dirty="0"/>
+          </a:p>
+          <a:p>
+            <a:pPr lvl="1">
+              <a:lnSpc>
+                <a:spcPct val="150000"/>
+              </a:lnSpc>
+            </a:pPr>
+            <a:endParaRPr lang="en-US" dirty="0"/>
+          </a:p>
+          <a:p>
+            <a:pPr lvl="1">
+              <a:lnSpc>
+                <a:spcPct val="150000"/>
+              </a:lnSpc>
+            </a:pPr>
+            <a:endParaRPr lang="en-US" sz="2000" dirty="0"/>
+          </a:p>
+          <a:p>
+            <a:pPr lvl="1">
+              <a:lnSpc>
+                <a:spcPct val="150000"/>
+              </a:lnSpc>
+            </a:pPr>
+            <a:endParaRPr lang="en-US" sz="2000" dirty="0"/>
+          </a:p>
+        </p:txBody>
+      </p:sp>
+    </p:spTree>
+    <p:extLst>
+      <p:ext uri="{BB962C8B-B14F-4D97-AF65-F5344CB8AC3E}">
+        <p14:creationId xmlns:p14="http://schemas.microsoft.com/office/powerpoint/2010/main" val="2731856066"/>
+      </p:ext>
+    </p:extLst>
+  </p:cSld>
+  <p:clrMapOvr>
+    <a:masterClrMapping/>
+  </p:clrMapOvr>
+</p:sld>
+</file>
+
+<file path=ppt/slides/slide20.xml><?xml version="1.0" encoding="utf-8"?>
+<p:sld xmlns:a="http://schemas.openxmlformats.org/drawingml/2006/main" xmlns:r="http://schemas.openxmlformats.org/officeDocument/2006/relationships" xmlns:p="http://schemas.openxmlformats.org/presentationml/2006/main">
+  <p:cSld>
+    <p:spTree>
+      <p:nvGrpSpPr>
+        <p:cNvPr id="1" name=""/>
+        <p:cNvGrpSpPr/>
+        <p:nvPr/>
+      </p:nvGrpSpPr>
+      <p:grpSpPr>
+        <a:xfrm>
+          <a:off x="0" y="0"/>
+          <a:ext cx="0" cy="0"/>
+          <a:chOff x="0" y="0"/>
+          <a:chExt cx="0" cy="0"/>
+        </a:xfrm>
+      </p:grpSpPr>
+      <p:sp>
+        <p:nvSpPr>
+          <p:cNvPr id="3" name="Content Placeholder 2">
+            <a:extLst>
+              <a:ext uri="{FF2B5EF4-FFF2-40B4-BE49-F238E27FC236}">
+                <a16:creationId xmlns:a16="http://schemas.microsoft.com/office/drawing/2014/main" id="{2E5DAAB6-C87E-4C10-8DDC-15F41DB00A20}"/>
+              </a:ext>
+            </a:extLst>
+          </p:cNvPr>
+          <p:cNvSpPr>
+            <a:spLocks noGrp="1"/>
+          </p:cNvSpPr>
+          <p:nvPr>
+            <p:ph idx="1"/>
+          </p:nvPr>
+        </p:nvSpPr>
+        <p:spPr>
+          <a:xfrm>
+            <a:off x="838200" y="1127760"/>
+            <a:ext cx="10515600" cy="5049203"/>
+          </a:xfrm>
+        </p:spPr>
+        <p:txBody>
+          <a:bodyPr>
+            <a:normAutofit/>
+          </a:bodyPr>
+          <a:lstStyle/>
+          <a:p>
+            <a:pPr marL="0" indent="0">
+              <a:buNone/>
+            </a:pPr>
+            <a:endParaRPr lang="en-CA" sz="2400" dirty="0">
+              <a:solidFill>
+                <a:schemeClr val="accent1">
+                  <a:lumMod val="75000"/>
+                </a:schemeClr>
+              </a:solidFill>
+            </a:endParaRPr>
+          </a:p>
+          <a:p>
+            <a:pPr marL="0" indent="0">
+              <a:buNone/>
+            </a:pPr>
+            <a:endParaRPr lang="en-CA" sz="2400" dirty="0"/>
+          </a:p>
+          <a:p>
+            <a:endParaRPr lang="en-CA" sz="2400" dirty="0"/>
+          </a:p>
+        </p:txBody>
+      </p:sp>
+      <p:pic>
+        <p:nvPicPr>
+          <p:cNvPr id="5" name="Picture 4">
+            <a:extLst>
+              <a:ext uri="{FF2B5EF4-FFF2-40B4-BE49-F238E27FC236}">
+                <a16:creationId xmlns:a16="http://schemas.microsoft.com/office/drawing/2014/main" id="{8977407B-874A-4791-897D-6196620D6F56}"/>
+              </a:ext>
+            </a:extLst>
+          </p:cNvPr>
+          <p:cNvPicPr>
+            <a:picLocks noChangeAspect="1"/>
+          </p:cNvPicPr>
+          <p:nvPr/>
+        </p:nvPicPr>
+        <p:blipFill>
+          <a:blip r:embed="rId2">
+            <a:extLst>
+              <a:ext uri="{28A0092B-C50C-407E-A947-70E740481C1C}">
+                <a14:useLocalDpi xmlns:a14="http://schemas.microsoft.com/office/drawing/2010/main" val="0"/>
+              </a:ext>
+            </a:extLst>
+          </a:blip>
+          <a:stretch>
+            <a:fillRect/>
+          </a:stretch>
+        </p:blipFill>
+        <p:spPr>
+          <a:xfrm>
+            <a:off x="9916160" y="365125"/>
+            <a:ext cx="1437640" cy="418937"/>
+          </a:xfrm>
+          <a:prstGeom prst="rect">
+            <a:avLst/>
+          </a:prstGeom>
+        </p:spPr>
+      </p:pic>
+      <p:sp>
+        <p:nvSpPr>
+          <p:cNvPr id="7" name="Title 1">
+            <a:extLst>
+              <a:ext uri="{FF2B5EF4-FFF2-40B4-BE49-F238E27FC236}">
+                <a16:creationId xmlns:a16="http://schemas.microsoft.com/office/drawing/2014/main" id="{DF83123F-FFF6-4EB8-AA6C-703D18DCBD9D}"/>
+              </a:ext>
+            </a:extLst>
+          </p:cNvPr>
+          <p:cNvSpPr>
+            <a:spLocks noGrp="1"/>
+          </p:cNvSpPr>
+          <p:nvPr>
+            <p:ph type="title"/>
+          </p:nvPr>
+        </p:nvSpPr>
+        <p:spPr>
+          <a:xfrm>
+            <a:off x="838200" y="365125"/>
+            <a:ext cx="10515600" cy="762635"/>
+          </a:xfrm>
+        </p:spPr>
+        <p:txBody>
+          <a:bodyPr>
+            <a:normAutofit/>
+          </a:bodyPr>
+          <a:lstStyle/>
+          <a:p>
+            <a:r>
+              <a:rPr lang="en-CA" sz="3600" dirty="0"/>
+              <a:t>Golden Section Method</a:t>
+            </a:r>
+            <a:endParaRPr lang="en-US" sz="3600" dirty="0"/>
+          </a:p>
+        </p:txBody>
+      </p:sp>
+      <p:pic>
+        <p:nvPicPr>
+          <p:cNvPr id="4" name="Picture 3" descr="A close up of a map&#10;&#10;Description generated with very high confidence">
+            <a:extLst>
+              <a:ext uri="{FF2B5EF4-FFF2-40B4-BE49-F238E27FC236}">
+                <a16:creationId xmlns:a16="http://schemas.microsoft.com/office/drawing/2014/main" id="{6F7F02D7-F0E8-4ACF-B7CC-959B5D7282D2}"/>
+              </a:ext>
+            </a:extLst>
+          </p:cNvPr>
+          <p:cNvPicPr>
+            <a:picLocks noChangeAspect="1"/>
+          </p:cNvPicPr>
+          <p:nvPr/>
+        </p:nvPicPr>
+        <p:blipFill>
+          <a:blip r:embed="rId3">
+            <a:extLst>
+              <a:ext uri="{28A0092B-C50C-407E-A947-70E740481C1C}">
+                <a14:useLocalDpi xmlns:a14="http://schemas.microsoft.com/office/drawing/2010/main" val="0"/>
+              </a:ext>
+            </a:extLst>
+          </a:blip>
+          <a:stretch>
+            <a:fillRect/>
+          </a:stretch>
+        </p:blipFill>
+        <p:spPr>
+          <a:xfrm>
+            <a:off x="778721" y="1658381"/>
+            <a:ext cx="5317279" cy="3987959"/>
+          </a:xfrm>
+          <a:prstGeom prst="rect">
+            <a:avLst/>
+          </a:prstGeom>
+        </p:spPr>
+      </p:pic>
+      <p:pic>
+        <p:nvPicPr>
+          <p:cNvPr id="8" name="Picture 7" descr="A close up of a map&#10;&#10;Description generated with very high confidence">
+            <a:extLst>
+              <a:ext uri="{FF2B5EF4-FFF2-40B4-BE49-F238E27FC236}">
+                <a16:creationId xmlns:a16="http://schemas.microsoft.com/office/drawing/2014/main" id="{CF3EF8CE-D7AB-4D17-A165-93D49F443CCF}"/>
+              </a:ext>
+            </a:extLst>
+          </p:cNvPr>
+          <p:cNvPicPr>
+            <a:picLocks noChangeAspect="1"/>
+          </p:cNvPicPr>
+          <p:nvPr/>
+        </p:nvPicPr>
+        <p:blipFill>
+          <a:blip r:embed="rId4">
+            <a:extLst>
+              <a:ext uri="{28A0092B-C50C-407E-A947-70E740481C1C}">
+                <a14:useLocalDpi xmlns:a14="http://schemas.microsoft.com/office/drawing/2010/main" val="0"/>
+              </a:ext>
+            </a:extLst>
+          </a:blip>
+          <a:stretch>
+            <a:fillRect/>
+          </a:stretch>
+        </p:blipFill>
+        <p:spPr>
+          <a:xfrm>
+            <a:off x="6200352" y="1697512"/>
+            <a:ext cx="5212927" cy="3909695"/>
+          </a:xfrm>
+          <a:prstGeom prst="rect">
+            <a:avLst/>
+          </a:prstGeom>
+        </p:spPr>
+      </p:pic>
+      <p:sp>
+        <p:nvSpPr>
+          <p:cNvPr id="9" name="Rectangle: Rounded Corners 8">
+            <a:extLst>
+              <a:ext uri="{FF2B5EF4-FFF2-40B4-BE49-F238E27FC236}">
+                <a16:creationId xmlns:a16="http://schemas.microsoft.com/office/drawing/2014/main" id="{86EF7A26-F32C-42F4-BCE7-73FD5B42F8FC}"/>
+              </a:ext>
+            </a:extLst>
+          </p:cNvPr>
+          <p:cNvSpPr/>
+          <p:nvPr/>
+        </p:nvSpPr>
+        <p:spPr>
+          <a:xfrm>
+            <a:off x="2489200" y="2438400"/>
+            <a:ext cx="3413760" cy="2407920"/>
+          </a:xfrm>
+          <a:prstGeom prst="roundRect">
+            <a:avLst/>
+          </a:prstGeom>
+          <a:noFill/>
+          <a:ln w="19050">
+            <a:solidFill>
+              <a:srgbClr val="FF0000"/>
+            </a:solidFill>
+          </a:ln>
+        </p:spPr>
+        <p:style>
+          <a:lnRef idx="2">
+            <a:schemeClr val="accent6"/>
+          </a:lnRef>
+          <a:fillRef idx="1">
+            <a:schemeClr val="lt1"/>
+          </a:fillRef>
+          <a:effectRef idx="0">
+            <a:schemeClr val="accent6"/>
+          </a:effectRef>
+          <a:fontRef idx="minor">
+            <a:schemeClr val="dk1"/>
+          </a:fontRef>
+        </p:style>
+        <p:txBody>
+          <a:bodyPr rtlCol="0" anchor="ctr"/>
+          <a:lstStyle/>
+          <a:p>
+            <a:pPr algn="ctr"/>
+            <a:endParaRPr lang="en-US"/>
+          </a:p>
+        </p:txBody>
+      </p:sp>
+      <p:sp>
+        <p:nvSpPr>
+          <p:cNvPr id="15" name="Oval 14">
+            <a:extLst>
+              <a:ext uri="{FF2B5EF4-FFF2-40B4-BE49-F238E27FC236}">
+                <a16:creationId xmlns:a16="http://schemas.microsoft.com/office/drawing/2014/main" id="{0CFD1252-8AB0-404E-BF86-F6F20545BFE3}"/>
+              </a:ext>
+            </a:extLst>
+          </p:cNvPr>
+          <p:cNvSpPr/>
+          <p:nvPr/>
+        </p:nvSpPr>
+        <p:spPr>
+          <a:xfrm>
+            <a:off x="8239760" y="2438400"/>
+            <a:ext cx="274320" cy="266700"/>
+          </a:xfrm>
+          <a:prstGeom prst="ellipse">
+            <a:avLst/>
+          </a:prstGeom>
+          <a:noFill/>
+          <a:ln w="19050">
+            <a:solidFill>
+              <a:srgbClr val="1DFF5E"/>
+            </a:solidFill>
+          </a:ln>
+        </p:spPr>
+        <p:style>
+          <a:lnRef idx="2">
+            <a:schemeClr val="accent1">
+              <a:shade val="50000"/>
+            </a:schemeClr>
+          </a:lnRef>
+          <a:fillRef idx="1">
+            <a:schemeClr val="accent1"/>
+          </a:fillRef>
+          <a:effectRef idx="0">
+            <a:schemeClr val="accent1"/>
+          </a:effectRef>
+          <a:fontRef idx="minor">
+            <a:schemeClr val="lt1"/>
+          </a:fontRef>
+        </p:style>
+        <p:txBody>
+          <a:bodyPr rtlCol="0" anchor="ctr"/>
+          <a:lstStyle/>
+          <a:p>
+            <a:pPr algn="ctr"/>
+            <a:endParaRPr lang="en-US"/>
+          </a:p>
+        </p:txBody>
+      </p:sp>
+      <p:sp>
+        <p:nvSpPr>
+          <p:cNvPr id="16" name="Oval 15">
+            <a:extLst>
+              <a:ext uri="{FF2B5EF4-FFF2-40B4-BE49-F238E27FC236}">
+                <a16:creationId xmlns:a16="http://schemas.microsoft.com/office/drawing/2014/main" id="{8A6D520A-E7A6-4F09-8D27-844FBFAB895C}"/>
+              </a:ext>
+            </a:extLst>
+          </p:cNvPr>
+          <p:cNvSpPr/>
+          <p:nvPr/>
+        </p:nvSpPr>
+        <p:spPr>
+          <a:xfrm>
+            <a:off x="8239760" y="3778091"/>
+            <a:ext cx="274320" cy="266700"/>
+          </a:xfrm>
+          <a:prstGeom prst="ellipse">
+            <a:avLst/>
+          </a:prstGeom>
+          <a:noFill/>
+          <a:ln w="19050">
+            <a:solidFill>
+              <a:srgbClr val="1DFF5E"/>
+            </a:solidFill>
+          </a:ln>
+        </p:spPr>
+        <p:style>
+          <a:lnRef idx="2">
+            <a:schemeClr val="accent1">
+              <a:shade val="50000"/>
+            </a:schemeClr>
+          </a:lnRef>
+          <a:fillRef idx="1">
+            <a:schemeClr val="accent1"/>
+          </a:fillRef>
+          <a:effectRef idx="0">
+            <a:schemeClr val="accent1"/>
+          </a:effectRef>
+          <a:fontRef idx="minor">
+            <a:schemeClr val="lt1"/>
+          </a:fontRef>
+        </p:style>
+        <p:txBody>
+          <a:bodyPr rtlCol="0" anchor="ctr"/>
+          <a:lstStyle/>
+          <a:p>
+            <a:pPr algn="ctr"/>
+            <a:endParaRPr lang="en-US"/>
+          </a:p>
+        </p:txBody>
+      </p:sp>
+    </p:spTree>
+    <p:extLst>
+      <p:ext uri="{BB962C8B-B14F-4D97-AF65-F5344CB8AC3E}">
+        <p14:creationId xmlns:p14="http://schemas.microsoft.com/office/powerpoint/2010/main" val="2291285242"/>
+      </p:ext>
+    </p:extLst>
+  </p:cSld>
+  <p:clrMapOvr>
+    <a:masterClrMapping/>
+  </p:clrMapOvr>
+</p:sld>
+</file>
+
+<file path=ppt/slides/slide21.xml><?xml version="1.0" encoding="utf-8"?>
+<p:sld xmlns:a="http://schemas.openxmlformats.org/drawingml/2006/main" xmlns:r="http://schemas.openxmlformats.org/officeDocument/2006/relationships" xmlns:p="http://schemas.openxmlformats.org/presentationml/2006/main">
+  <p:cSld>
+    <p:spTree>
+      <p:nvGrpSpPr>
+        <p:cNvPr id="1" name=""/>
+        <p:cNvGrpSpPr/>
+        <p:nvPr/>
+      </p:nvGrpSpPr>
+      <p:grpSpPr>
+        <a:xfrm>
+          <a:off x="0" y="0"/>
+          <a:ext cx="0" cy="0"/>
+          <a:chOff x="0" y="0"/>
+          <a:chExt cx="0" cy="0"/>
+        </a:xfrm>
+      </p:grpSpPr>
+      <p:pic>
+        <p:nvPicPr>
           <p:cNvPr id="11" name="Picture 10" descr="A close up of a map&#10;&#10;Description generated with very high confidence">
             <a:extLst>
               <a:ext uri="{FF2B5EF4-FFF2-40B4-BE49-F238E27FC236}">
@@ -4920,7 +7126,7 @@
 </p:sld>
 </file>
 
-<file path=ppt/slides/slide13.xml><?xml version="1.0" encoding="utf-8"?>
+<file path=ppt/slides/slide22.xml><?xml version="1.0" encoding="utf-8"?>
 <p:sld xmlns:a="http://schemas.openxmlformats.org/drawingml/2006/main" xmlns:r="http://schemas.openxmlformats.org/officeDocument/2006/relationships" xmlns:p="http://schemas.openxmlformats.org/presentationml/2006/main">
   <p:cSld>
     <p:spTree>
@@ -5418,7 +7624,7 @@
 </p:sld>
 </file>
 
-<file path=ppt/slides/slide14.xml><?xml version="1.0" encoding="utf-8"?>
+<file path=ppt/slides/slide23.xml><?xml version="1.0" encoding="utf-8"?>
 <p:sld xmlns:a="http://schemas.openxmlformats.org/drawingml/2006/main" xmlns:r="http://schemas.openxmlformats.org/officeDocument/2006/relationships" xmlns:p="http://schemas.openxmlformats.org/presentationml/2006/main">
   <p:cSld>
     <p:spTree>
@@ -5631,7 +7837,7 @@
 </p:sld>
 </file>
 
-<file path=ppt/slides/slide15.xml><?xml version="1.0" encoding="utf-8"?>
+<file path=ppt/slides/slide24.xml><?xml version="1.0" encoding="utf-8"?>
 <p:sld xmlns:a="http://schemas.openxmlformats.org/drawingml/2006/main" xmlns:r="http://schemas.openxmlformats.org/officeDocument/2006/relationships" xmlns:p="http://schemas.openxmlformats.org/presentationml/2006/main">
   <p:cSld>
     <p:spTree>
@@ -6401,7 +8607,7 @@
 </p:sld>
 </file>
 
-<file path=ppt/slides/slide16.xml><?xml version="1.0" encoding="utf-8"?>
+<file path=ppt/slides/slide25.xml><?xml version="1.0" encoding="utf-8"?>
 <p:sld xmlns:a="http://schemas.openxmlformats.org/drawingml/2006/main" xmlns:r="http://schemas.openxmlformats.org/officeDocument/2006/relationships" xmlns:p="http://schemas.openxmlformats.org/presentationml/2006/main">
   <p:cSld>
     <p:spTree>
@@ -6601,7 +8807,7 @@
 </p:sld>
 </file>
 
-<file path=ppt/slides/slide17.xml><?xml version="1.0" encoding="utf-8"?>
+<file path=ppt/slides/slide26.xml><?xml version="1.0" encoding="utf-8"?>
 <p:sld xmlns:a="http://schemas.openxmlformats.org/drawingml/2006/main" xmlns:r="http://schemas.openxmlformats.org/officeDocument/2006/relationships" xmlns:p="http://schemas.openxmlformats.org/presentationml/2006/main">
   <p:cSld>
     <p:spTree>
@@ -7080,7 +9286,7 @@
 </p:sld>
 </file>
 
-<file path=ppt/slides/slide18.xml><?xml version="1.0" encoding="utf-8"?>
+<file path=ppt/slides/slide27.xml><?xml version="1.0" encoding="utf-8"?>
 <p:sld xmlns:a="http://schemas.openxmlformats.org/drawingml/2006/main" xmlns:r="http://schemas.openxmlformats.org/officeDocument/2006/relationships" xmlns:p="http://schemas.openxmlformats.org/presentationml/2006/main">
   <p:cSld>
     <p:spTree>
@@ -7295,7 +9501,7 @@
 </p:sld>
 </file>
 
-<file path=ppt/slides/slide19.xml><?xml version="1.0" encoding="utf-8"?>
+<file path=ppt/slides/slide28.xml><?xml version="1.0" encoding="utf-8"?>
 <p:sld xmlns:a="http://schemas.openxmlformats.org/drawingml/2006/main" xmlns:r="http://schemas.openxmlformats.org/officeDocument/2006/relationships" xmlns:p="http://schemas.openxmlformats.org/presentationml/2006/main">
   <p:cSld>
     <p:spTree>
@@ -7495,139 +9701,7 @@
 </p:sld>
 </file>
 
-<file path=ppt/slides/slide2.xml><?xml version="1.0" encoding="utf-8"?>
-<p:sld xmlns:a="http://schemas.openxmlformats.org/drawingml/2006/main" xmlns:r="http://schemas.openxmlformats.org/officeDocument/2006/relationships" xmlns:p="http://schemas.openxmlformats.org/presentationml/2006/main">
-  <p:cSld>
-    <p:spTree>
-      <p:nvGrpSpPr>
-        <p:cNvPr id="1" name=""/>
-        <p:cNvGrpSpPr/>
-        <p:nvPr/>
-      </p:nvGrpSpPr>
-      <p:grpSpPr>
-        <a:xfrm>
-          <a:off x="0" y="0"/>
-          <a:ext cx="0" cy="0"/>
-          <a:chOff x="0" y="0"/>
-          <a:chExt cx="0" cy="0"/>
-        </a:xfrm>
-      </p:grpSpPr>
-      <p:sp>
-        <p:nvSpPr>
-          <p:cNvPr id="2" name="Title 1">
-            <a:extLst>
-              <a:ext uri="{FF2B5EF4-FFF2-40B4-BE49-F238E27FC236}">
-                <a16:creationId xmlns:a16="http://schemas.microsoft.com/office/drawing/2014/main" id="{03DDC527-3CB8-43EA-A5BB-E295D215139A}"/>
-              </a:ext>
-            </a:extLst>
-          </p:cNvPr>
-          <p:cNvSpPr>
-            <a:spLocks noGrp="1"/>
-          </p:cNvSpPr>
-          <p:nvPr>
-            <p:ph type="title"/>
-          </p:nvPr>
-        </p:nvSpPr>
-        <p:spPr>
-          <a:xfrm>
-            <a:off x="838200" y="365125"/>
-            <a:ext cx="10515600" cy="762635"/>
-          </a:xfrm>
-        </p:spPr>
-        <p:txBody>
-          <a:bodyPr>
-            <a:normAutofit/>
-          </a:bodyPr>
-          <a:lstStyle/>
-          <a:p>
-            <a:r>
-              <a:rPr lang="en-CA" sz="3600" dirty="0"/>
-              <a:t>Problem Description</a:t>
-            </a:r>
-            <a:endParaRPr lang="en-US" sz="3600" dirty="0"/>
-          </a:p>
-        </p:txBody>
-      </p:sp>
-      <p:sp>
-        <p:nvSpPr>
-          <p:cNvPr id="3" name="Content Placeholder 2">
-            <a:extLst>
-              <a:ext uri="{FF2B5EF4-FFF2-40B4-BE49-F238E27FC236}">
-                <a16:creationId xmlns:a16="http://schemas.microsoft.com/office/drawing/2014/main" id="{C24F306F-1780-4BF1-86EA-0F38AFC191AC}"/>
-              </a:ext>
-            </a:extLst>
-          </p:cNvPr>
-          <p:cNvSpPr>
-            <a:spLocks noGrp="1"/>
-          </p:cNvSpPr>
-          <p:nvPr>
-            <p:ph idx="1"/>
-          </p:nvPr>
-        </p:nvSpPr>
-        <p:spPr>
-          <a:xfrm>
-            <a:off x="838200" y="1127760"/>
-            <a:ext cx="10515600" cy="5049203"/>
-          </a:xfrm>
-        </p:spPr>
-        <p:txBody>
-          <a:bodyPr/>
-          <a:lstStyle/>
-          <a:p>
-            <a:endParaRPr lang="en-US" dirty="0"/>
-          </a:p>
-        </p:txBody>
-      </p:sp>
-      <p:pic>
-        <p:nvPicPr>
-          <p:cNvPr id="4" name="Picture 3">
-            <a:extLst>
-              <a:ext uri="{FF2B5EF4-FFF2-40B4-BE49-F238E27FC236}">
-                <a16:creationId xmlns:a16="http://schemas.microsoft.com/office/drawing/2014/main" id="{F2317F70-2F7D-44FF-9959-4CBB4081A7F1}"/>
-              </a:ext>
-            </a:extLst>
-          </p:cNvPr>
-          <p:cNvPicPr>
-            <a:picLocks noChangeAspect="1"/>
-          </p:cNvPicPr>
-          <p:nvPr/>
-        </p:nvPicPr>
-        <p:blipFill>
-          <a:blip r:embed="rId2">
-            <a:extLst>
-              <a:ext uri="{28A0092B-C50C-407E-A947-70E740481C1C}">
-                <a14:useLocalDpi xmlns:a14="http://schemas.microsoft.com/office/drawing/2010/main" val="0"/>
-              </a:ext>
-            </a:extLst>
-          </a:blip>
-          <a:stretch>
-            <a:fillRect/>
-          </a:stretch>
-        </p:blipFill>
-        <p:spPr>
-          <a:xfrm>
-            <a:off x="9916160" y="365125"/>
-            <a:ext cx="1437640" cy="418937"/>
-          </a:xfrm>
-          <a:prstGeom prst="rect">
-            <a:avLst/>
-          </a:prstGeom>
-        </p:spPr>
-      </p:pic>
-    </p:spTree>
-    <p:extLst>
-      <p:ext uri="{BB962C8B-B14F-4D97-AF65-F5344CB8AC3E}">
-        <p14:creationId xmlns:p14="http://schemas.microsoft.com/office/powerpoint/2010/main" val="3613797172"/>
-      </p:ext>
-    </p:extLst>
-  </p:cSld>
-  <p:clrMapOvr>
-    <a:masterClrMapping/>
-  </p:clrMapOvr>
-</p:sld>
-</file>
-
-<file path=ppt/slides/slide20.xml><?xml version="1.0" encoding="utf-8"?>
+<file path=ppt/slides/slide29.xml><?xml version="1.0" encoding="utf-8"?>
 <p:sld xmlns:a="http://schemas.openxmlformats.org/drawingml/2006/main" xmlns:r="http://schemas.openxmlformats.org/officeDocument/2006/relationships" xmlns:p="http://schemas.openxmlformats.org/presentationml/2006/main">
   <p:cSld>
     <p:spTree>
@@ -8098,314 +10172,6 @@
 </p:sld>
 </file>
 
-<file path=ppt/slides/slide21.xml><?xml version="1.0" encoding="utf-8"?>
-<p:sld xmlns:a="http://schemas.openxmlformats.org/drawingml/2006/main" xmlns:r="http://schemas.openxmlformats.org/officeDocument/2006/relationships" xmlns:p="http://schemas.openxmlformats.org/presentationml/2006/main">
-  <p:cSld>
-    <p:spTree>
-      <p:nvGrpSpPr>
-        <p:cNvPr id="1" name=""/>
-        <p:cNvGrpSpPr/>
-        <p:nvPr/>
-      </p:nvGrpSpPr>
-      <p:grpSpPr>
-        <a:xfrm>
-          <a:off x="0" y="0"/>
-          <a:ext cx="0" cy="0"/>
-          <a:chOff x="0" y="0"/>
-          <a:chExt cx="0" cy="0"/>
-        </a:xfrm>
-      </p:grpSpPr>
-      <p:sp>
-        <p:nvSpPr>
-          <p:cNvPr id="3" name="Content Placeholder 2">
-            <a:extLst>
-              <a:ext uri="{FF2B5EF4-FFF2-40B4-BE49-F238E27FC236}">
-                <a16:creationId xmlns:a16="http://schemas.microsoft.com/office/drawing/2014/main" id="{A3747E47-B71D-4260-9DF4-6C60964EBB93}"/>
-              </a:ext>
-            </a:extLst>
-          </p:cNvPr>
-          <p:cNvSpPr>
-            <a:spLocks noGrp="1"/>
-          </p:cNvSpPr>
-          <p:nvPr>
-            <p:ph idx="1"/>
-          </p:nvPr>
-        </p:nvSpPr>
-        <p:spPr>
-          <a:xfrm>
-            <a:off x="838200" y="1127760"/>
-            <a:ext cx="10515600" cy="5049203"/>
-          </a:xfrm>
-        </p:spPr>
-        <p:txBody>
-          <a:bodyPr>
-            <a:normAutofit/>
-          </a:bodyPr>
-          <a:lstStyle/>
-          <a:p>
-            <a:pPr marL="0" indent="0">
-              <a:buNone/>
-            </a:pPr>
-            <a:endParaRPr lang="en-CA" sz="2400" dirty="0"/>
-          </a:p>
-          <a:p>
-            <a:pPr marL="0" indent="0">
-              <a:buNone/>
-            </a:pPr>
-            <a:endParaRPr lang="en-CA" sz="2400" dirty="0"/>
-          </a:p>
-          <a:p>
-            <a:endParaRPr lang="en-CA" sz="2400" dirty="0"/>
-          </a:p>
-        </p:txBody>
-      </p:sp>
-      <p:pic>
-        <p:nvPicPr>
-          <p:cNvPr id="5" name="Picture 4">
-            <a:extLst>
-              <a:ext uri="{FF2B5EF4-FFF2-40B4-BE49-F238E27FC236}">
-                <a16:creationId xmlns:a16="http://schemas.microsoft.com/office/drawing/2014/main" id="{0C7E7D67-F8B3-4901-8386-C7C19CECFEC6}"/>
-              </a:ext>
-            </a:extLst>
-          </p:cNvPr>
-          <p:cNvPicPr>
-            <a:picLocks noChangeAspect="1"/>
-          </p:cNvPicPr>
-          <p:nvPr/>
-        </p:nvPicPr>
-        <p:blipFill>
-          <a:blip r:embed="rId3">
-            <a:extLst>
-              <a:ext uri="{28A0092B-C50C-407E-A947-70E740481C1C}">
-                <a14:useLocalDpi xmlns:a14="http://schemas.microsoft.com/office/drawing/2010/main" val="0"/>
-              </a:ext>
-            </a:extLst>
-          </a:blip>
-          <a:stretch>
-            <a:fillRect/>
-          </a:stretch>
-        </p:blipFill>
-        <p:spPr>
-          <a:xfrm>
-            <a:off x="9916160" y="365125"/>
-            <a:ext cx="1437640" cy="418937"/>
-          </a:xfrm>
-          <a:prstGeom prst="rect">
-            <a:avLst/>
-          </a:prstGeom>
-        </p:spPr>
-      </p:pic>
-      <p:sp>
-        <p:nvSpPr>
-          <p:cNvPr id="6" name="Title 1">
-            <a:extLst>
-              <a:ext uri="{FF2B5EF4-FFF2-40B4-BE49-F238E27FC236}">
-                <a16:creationId xmlns:a16="http://schemas.microsoft.com/office/drawing/2014/main" id="{B4C9D95B-EBE4-40C7-8B82-4CFA20A3795C}"/>
-              </a:ext>
-            </a:extLst>
-          </p:cNvPr>
-          <p:cNvSpPr txBox="1">
-            <a:spLocks/>
-          </p:cNvSpPr>
-          <p:nvPr/>
-        </p:nvSpPr>
-        <p:spPr>
-          <a:xfrm>
-            <a:off x="838200" y="365125"/>
-            <a:ext cx="10515600" cy="762635"/>
-          </a:xfrm>
-          <a:prstGeom prst="rect">
-            <a:avLst/>
-          </a:prstGeom>
-        </p:spPr>
-        <p:txBody>
-          <a:bodyPr vert="horz" lIns="91440" tIns="45720" rIns="91440" bIns="45720" rtlCol="0" anchor="ctr">
-            <a:normAutofit/>
-          </a:bodyPr>
-          <a:lstStyle>
-            <a:lvl1pPr algn="l" defTabSz="914400" rtl="0" eaLnBrk="1" latinLnBrk="0" hangingPunct="1">
-              <a:lnSpc>
-                <a:spcPct val="90000"/>
-              </a:lnSpc>
-              <a:spcBef>
-                <a:spcPct val="0"/>
-              </a:spcBef>
-              <a:buNone/>
-              <a:defRPr sz="4400" kern="1200">
-                <a:solidFill>
-                  <a:schemeClr val="tx1"/>
-                </a:solidFill>
-                <a:latin typeface="+mj-lt"/>
-                <a:ea typeface="+mj-ea"/>
-                <a:cs typeface="+mj-cs"/>
-              </a:defRPr>
-            </a:lvl1pPr>
-          </a:lstStyle>
-          <a:p>
-            <a:r>
-              <a:rPr lang="en-CA" sz="3600" dirty="0"/>
-              <a:t>Results: Seating Policy Comparison</a:t>
-            </a:r>
-          </a:p>
-        </p:txBody>
-      </p:sp>
-      <p:pic>
-        <p:nvPicPr>
-          <p:cNvPr id="11" name="Picture 10" descr="A screenshot of a cell phone&#10;&#10;Description generated with very high confidence">
-            <a:extLst>
-              <a:ext uri="{FF2B5EF4-FFF2-40B4-BE49-F238E27FC236}">
-                <a16:creationId xmlns:a16="http://schemas.microsoft.com/office/drawing/2014/main" id="{CBDCD92A-7A22-4789-B7A9-52B9265DE272}"/>
-              </a:ext>
-            </a:extLst>
-          </p:cNvPr>
-          <p:cNvPicPr>
-            <a:picLocks noChangeAspect="1"/>
-          </p:cNvPicPr>
-          <p:nvPr/>
-        </p:nvPicPr>
-        <p:blipFill>
-          <a:blip r:embed="rId4">
-            <a:extLst>
-              <a:ext uri="{28A0092B-C50C-407E-A947-70E740481C1C}">
-                <a14:useLocalDpi xmlns:a14="http://schemas.microsoft.com/office/drawing/2010/main" val="0"/>
-              </a:ext>
-            </a:extLst>
-          </a:blip>
-          <a:stretch>
-            <a:fillRect/>
-          </a:stretch>
-        </p:blipFill>
-        <p:spPr>
-          <a:xfrm>
-            <a:off x="0" y="1299608"/>
-            <a:ext cx="6274008" cy="4705506"/>
-          </a:xfrm>
-          <a:prstGeom prst="rect">
-            <a:avLst/>
-          </a:prstGeom>
-        </p:spPr>
-      </p:pic>
-      <p:pic>
-        <p:nvPicPr>
-          <p:cNvPr id="16" name="Picture 15" descr="A screenshot of a cell phone&#10;&#10;Description generated with very high confidence">
-            <a:extLst>
-              <a:ext uri="{FF2B5EF4-FFF2-40B4-BE49-F238E27FC236}">
-                <a16:creationId xmlns:a16="http://schemas.microsoft.com/office/drawing/2014/main" id="{ADFEDC58-C562-4008-AF66-736ACB2E614D}"/>
-              </a:ext>
-            </a:extLst>
-          </p:cNvPr>
-          <p:cNvPicPr>
-            <a:picLocks noChangeAspect="1"/>
-          </p:cNvPicPr>
-          <p:nvPr/>
-        </p:nvPicPr>
-        <p:blipFill>
-          <a:blip r:embed="rId5">
-            <a:extLst>
-              <a:ext uri="{28A0092B-C50C-407E-A947-70E740481C1C}">
-                <a14:useLocalDpi xmlns:a14="http://schemas.microsoft.com/office/drawing/2010/main" val="0"/>
-              </a:ext>
-            </a:extLst>
-          </a:blip>
-          <a:stretch>
-            <a:fillRect/>
-          </a:stretch>
-        </p:blipFill>
-        <p:spPr>
-          <a:xfrm>
-            <a:off x="5917991" y="1299608"/>
-            <a:ext cx="6274009" cy="4705507"/>
-          </a:xfrm>
-          <a:prstGeom prst="rect">
-            <a:avLst/>
-          </a:prstGeom>
-        </p:spPr>
-      </p:pic>
-      <p:sp>
-        <p:nvSpPr>
-          <p:cNvPr id="17" name="TextBox 16">
-            <a:extLst>
-              <a:ext uri="{FF2B5EF4-FFF2-40B4-BE49-F238E27FC236}">
-                <a16:creationId xmlns:a16="http://schemas.microsoft.com/office/drawing/2014/main" id="{D8A811AF-D1A8-451D-9ED2-A896B06F4A5B}"/>
-              </a:ext>
-            </a:extLst>
-          </p:cNvPr>
-          <p:cNvSpPr txBox="1"/>
-          <p:nvPr/>
-        </p:nvSpPr>
-        <p:spPr>
-          <a:xfrm>
-            <a:off x="2491844" y="6110446"/>
-            <a:ext cx="1656080" cy="369332"/>
-          </a:xfrm>
-          <a:prstGeom prst="rect">
-            <a:avLst/>
-          </a:prstGeom>
-          <a:noFill/>
-        </p:spPr>
-        <p:txBody>
-          <a:bodyPr wrap="square" rtlCol="0">
-            <a:spAutoFit/>
-          </a:bodyPr>
-          <a:lstStyle/>
-          <a:p>
-            <a:r>
-              <a:rPr lang="en-CA" dirty="0"/>
-              <a:t>Seating Policy 1</a:t>
-            </a:r>
-            <a:endParaRPr lang="en-US" dirty="0"/>
-          </a:p>
-        </p:txBody>
-      </p:sp>
-      <p:sp>
-        <p:nvSpPr>
-          <p:cNvPr id="18" name="TextBox 17">
-            <a:extLst>
-              <a:ext uri="{FF2B5EF4-FFF2-40B4-BE49-F238E27FC236}">
-                <a16:creationId xmlns:a16="http://schemas.microsoft.com/office/drawing/2014/main" id="{A2C9E8A1-129D-4038-B018-BA723551899A}"/>
-              </a:ext>
-            </a:extLst>
-          </p:cNvPr>
-          <p:cNvSpPr txBox="1"/>
-          <p:nvPr/>
-        </p:nvSpPr>
-        <p:spPr>
-          <a:xfrm>
-            <a:off x="8399678" y="6110446"/>
-            <a:ext cx="1656080" cy="369332"/>
-          </a:xfrm>
-          <a:prstGeom prst="rect">
-            <a:avLst/>
-          </a:prstGeom>
-          <a:noFill/>
-        </p:spPr>
-        <p:txBody>
-          <a:bodyPr wrap="square" rtlCol="0">
-            <a:spAutoFit/>
-          </a:bodyPr>
-          <a:lstStyle/>
-          <a:p>
-            <a:r>
-              <a:rPr lang="en-CA" dirty="0"/>
-              <a:t>Seating Policy 2</a:t>
-            </a:r>
-            <a:endParaRPr lang="en-US" dirty="0"/>
-          </a:p>
-        </p:txBody>
-      </p:sp>
-    </p:spTree>
-    <p:extLst>
-      <p:ext uri="{BB962C8B-B14F-4D97-AF65-F5344CB8AC3E}">
-        <p14:creationId xmlns:p14="http://schemas.microsoft.com/office/powerpoint/2010/main" val="202069013"/>
-      </p:ext>
-    </p:extLst>
-  </p:cSld>
-  <p:clrMapOvr>
-    <a:masterClrMapping/>
-  </p:clrMapOvr>
-</p:sld>
-</file>
-
 <file path=ppt/slides/slide3.xml><?xml version="1.0" encoding="utf-8"?>
 <p:sld xmlns:a="http://schemas.openxmlformats.org/drawingml/2006/main" xmlns:r="http://schemas.openxmlformats.org/officeDocument/2006/relationships" xmlns:p="http://schemas.openxmlformats.org/presentationml/2006/main">
   <p:cSld>
@@ -8425,41 +10191,6 @@
       </p:grpSpPr>
       <p:pic>
         <p:nvPicPr>
-          <p:cNvPr id="10" name="Content Placeholder 9" descr="A screenshot of a cell phone&#10;&#10;Description generated with very high confidence">
-            <a:extLst>
-              <a:ext uri="{FF2B5EF4-FFF2-40B4-BE49-F238E27FC236}">
-                <a16:creationId xmlns:a16="http://schemas.microsoft.com/office/drawing/2014/main" id="{9432EE17-87DB-4B00-9B56-CD2CDBFE5D6C}"/>
-              </a:ext>
-            </a:extLst>
-          </p:cNvPr>
-          <p:cNvPicPr>
-            <a:picLocks noGrp="1" noChangeAspect="1"/>
-          </p:cNvPicPr>
-          <p:nvPr>
-            <p:ph idx="1"/>
-          </p:nvPr>
-        </p:nvPicPr>
-        <p:blipFill>
-          <a:blip r:embed="rId2">
-            <a:extLst>
-              <a:ext uri="{28A0092B-C50C-407E-A947-70E740481C1C}">
-                <a14:useLocalDpi xmlns:a14="http://schemas.microsoft.com/office/drawing/2010/main" val="0"/>
-              </a:ext>
-            </a:extLst>
-          </a:blip>
-          <a:stretch>
-            <a:fillRect/>
-          </a:stretch>
-        </p:blipFill>
-        <p:spPr>
-          <a:xfrm>
-            <a:off x="0" y="1257934"/>
-            <a:ext cx="6190826" cy="4643120"/>
-          </a:xfrm>
-        </p:spPr>
-      </p:pic>
-      <p:pic>
-        <p:nvPicPr>
           <p:cNvPr id="5" name="Picture 4">
             <a:extLst>
               <a:ext uri="{FF2B5EF4-FFF2-40B4-BE49-F238E27FC236}">
@@ -8473,7 +10204,7 @@
           <p:nvPr/>
         </p:nvPicPr>
         <p:blipFill>
-          <a:blip r:embed="rId3">
+          <a:blip r:embed="rId2" cstate="hqprint">
             <a:extLst>
               <a:ext uri="{28A0092B-C50C-407E-A947-70E740481C1C}">
                 <a14:useLocalDpi xmlns:a14="http://schemas.microsoft.com/office/drawing/2010/main" val="0"/>
@@ -8542,19 +10273,372 @@
           </a:lstStyle>
           <a:p>
             <a:r>
-              <a:rPr lang="en-CA" sz="3600"/>
-              <a:t>Simulation</a:t>
+              <a:rPr lang="en-CA" sz="3600" dirty="0"/>
+              <a:t>Scenario Description (cont.)</a:t>
             </a:r>
             <a:endParaRPr lang="en-US" sz="3600" dirty="0"/>
+          </a:p>
+        </p:txBody>
+      </p:sp>
+      <p:sp>
+        <p:nvSpPr>
+          <p:cNvPr id="6" name="Content Placeholder 2">
+            <a:extLst>
+              <a:ext uri="{FF2B5EF4-FFF2-40B4-BE49-F238E27FC236}">
+                <a16:creationId xmlns:a16="http://schemas.microsoft.com/office/drawing/2014/main" id="{5C9002D8-D4DA-894C-B56B-88798A5976F0}"/>
+              </a:ext>
+            </a:extLst>
+          </p:cNvPr>
+          <p:cNvSpPr>
+            <a:spLocks noGrp="1"/>
+          </p:cNvSpPr>
+          <p:nvPr>
+            <p:ph idx="1"/>
+          </p:nvPr>
+        </p:nvSpPr>
+        <p:spPr>
+          <a:xfrm>
+            <a:off x="838200" y="1127760"/>
+            <a:ext cx="10515600" cy="5049203"/>
+          </a:xfrm>
+        </p:spPr>
+        <p:txBody>
+          <a:bodyPr>
+            <a:normAutofit/>
+          </a:bodyPr>
+          <a:lstStyle/>
+          <a:p>
+            <a:pPr marL="0" indent="0">
+              <a:lnSpc>
+                <a:spcPct val="150000"/>
+              </a:lnSpc>
+              <a:buNone/>
+            </a:pPr>
+            <a:r>
+              <a:rPr lang="en-US" sz="2400" dirty="0"/>
+              <a:t>Customer Arrival (arrival rate: c)</a:t>
+            </a:r>
+          </a:p>
+          <a:p>
+            <a:pPr lvl="1">
+              <a:lnSpc>
+                <a:spcPct val="150000"/>
+              </a:lnSpc>
+            </a:pPr>
+            <a:r>
+              <a:rPr lang="en-US" sz="2000" dirty="0"/>
+              <a:t>are non-homogenous and vary among group sizes (group size: g)</a:t>
+            </a:r>
+          </a:p>
+          <a:p>
+            <a:pPr lvl="1">
+              <a:lnSpc>
+                <a:spcPct val="150000"/>
+              </a:lnSpc>
+            </a:pPr>
+            <a:endParaRPr lang="en-US" sz="2000" dirty="0"/>
+          </a:p>
+          <a:p>
+            <a:pPr lvl="1">
+              <a:lnSpc>
+                <a:spcPct val="150000"/>
+              </a:lnSpc>
+            </a:pPr>
+            <a:endParaRPr lang="en-US" sz="2000" dirty="0"/>
+          </a:p>
+          <a:p>
+            <a:pPr lvl="1">
+              <a:lnSpc>
+                <a:spcPct val="150000"/>
+              </a:lnSpc>
+            </a:pPr>
+            <a:endParaRPr lang="en-US" sz="2000" dirty="0"/>
+          </a:p>
+          <a:p>
+            <a:pPr lvl="1">
+              <a:lnSpc>
+                <a:spcPct val="150000"/>
+              </a:lnSpc>
+            </a:pPr>
+            <a:endParaRPr lang="en-US" sz="2000" dirty="0"/>
+          </a:p>
+          <a:p>
+            <a:pPr lvl="1">
+              <a:lnSpc>
+                <a:spcPct val="150000"/>
+              </a:lnSpc>
+            </a:pPr>
+            <a:r>
+              <a:rPr lang="en-US" sz="2000" dirty="0"/>
+              <a:t>Groups start arriving at 19:00 till 22:00</a:t>
+            </a:r>
+          </a:p>
+          <a:p>
+            <a:pPr lvl="2">
+              <a:lnSpc>
+                <a:spcPct val="150000"/>
+              </a:lnSpc>
+            </a:pPr>
+            <a:r>
+              <a:rPr lang="en-US" dirty="0"/>
+              <a:t>No arrival after 22:00 –&gt;</a:t>
+            </a:r>
+            <a:r>
+              <a:rPr lang="en-US" dirty="0">
+                <a:sym typeface="Wingdings" pitchFamily="2" charset="2"/>
+              </a:rPr>
+              <a:t> available service for customers in the queue</a:t>
+            </a:r>
+            <a:endParaRPr lang="en-US" dirty="0"/>
+          </a:p>
+          <a:p>
+            <a:pPr lvl="1">
+              <a:lnSpc>
+                <a:spcPct val="150000"/>
+              </a:lnSpc>
+            </a:pPr>
+            <a:endParaRPr lang="en-US" sz="2000" dirty="0"/>
+          </a:p>
+          <a:p>
+            <a:pPr lvl="1">
+              <a:lnSpc>
+                <a:spcPct val="150000"/>
+              </a:lnSpc>
+            </a:pPr>
+            <a:endParaRPr lang="en-US" sz="2000" dirty="0"/>
+          </a:p>
+          <a:p>
+            <a:pPr lvl="1">
+              <a:lnSpc>
+                <a:spcPct val="150000"/>
+              </a:lnSpc>
+            </a:pPr>
+            <a:endParaRPr lang="en-US" dirty="0"/>
+          </a:p>
+          <a:p>
+            <a:pPr lvl="1">
+              <a:lnSpc>
+                <a:spcPct val="150000"/>
+              </a:lnSpc>
+            </a:pPr>
+            <a:endParaRPr lang="en-US" sz="2000" dirty="0"/>
+          </a:p>
+          <a:p>
+            <a:pPr lvl="1">
+              <a:lnSpc>
+                <a:spcPct val="150000"/>
+              </a:lnSpc>
+            </a:pPr>
+            <a:endParaRPr lang="en-US" sz="2000" dirty="0"/>
           </a:p>
         </p:txBody>
       </p:sp>
       <p:pic>
         <p:nvPicPr>
-          <p:cNvPr id="12" name="Picture 11" descr="A screenshot of a cell phone&#10;&#10;Description generated with very high confidence">
+          <p:cNvPr id="3" name="Picture 2">
             <a:extLst>
               <a:ext uri="{FF2B5EF4-FFF2-40B4-BE49-F238E27FC236}">
-                <a16:creationId xmlns:a16="http://schemas.microsoft.com/office/drawing/2014/main" id="{7BD46D61-0DA8-4170-BCF6-6167271C1986}"/>
+                <a16:creationId xmlns:a16="http://schemas.microsoft.com/office/drawing/2014/main" id="{2D59FC4D-7649-9340-8F6F-DB35505CA9CF}"/>
+              </a:ext>
+            </a:extLst>
+          </p:cNvPr>
+          <p:cNvPicPr>
+            <a:picLocks noChangeAspect="1"/>
+          </p:cNvPicPr>
+          <p:nvPr/>
+        </p:nvPicPr>
+        <p:blipFill>
+          <a:blip r:embed="rId3">
+            <a:extLst>
+              <a:ext uri="{28A0092B-C50C-407E-A947-70E740481C1C}">
+                <a14:useLocalDpi xmlns:a14="http://schemas.microsoft.com/office/drawing/2010/main" val="0"/>
+              </a:ext>
+            </a:extLst>
+          </a:blip>
+          <a:stretch>
+            <a:fillRect/>
+          </a:stretch>
+        </p:blipFill>
+        <p:spPr>
+          <a:xfrm>
+            <a:off x="1382712" y="2470151"/>
+            <a:ext cx="5718176" cy="1744044"/>
+          </a:xfrm>
+          <a:prstGeom prst="rect">
+            <a:avLst/>
+          </a:prstGeom>
+        </p:spPr>
+      </p:pic>
+    </p:spTree>
+    <p:extLst>
+      <p:ext uri="{BB962C8B-B14F-4D97-AF65-F5344CB8AC3E}">
+        <p14:creationId xmlns:p14="http://schemas.microsoft.com/office/powerpoint/2010/main" val="1592423805"/>
+      </p:ext>
+    </p:extLst>
+  </p:cSld>
+  <p:clrMapOvr>
+    <a:masterClrMapping/>
+  </p:clrMapOvr>
+</p:sld>
+</file>
+
+<file path=ppt/slides/slide30.xml><?xml version="1.0" encoding="utf-8"?>
+<p:sld xmlns:a="http://schemas.openxmlformats.org/drawingml/2006/main" xmlns:r="http://schemas.openxmlformats.org/officeDocument/2006/relationships" xmlns:p="http://schemas.openxmlformats.org/presentationml/2006/main">
+  <p:cSld>
+    <p:spTree>
+      <p:nvGrpSpPr>
+        <p:cNvPr id="1" name=""/>
+        <p:cNvGrpSpPr/>
+        <p:nvPr/>
+      </p:nvGrpSpPr>
+      <p:grpSpPr>
+        <a:xfrm>
+          <a:off x="0" y="0"/>
+          <a:ext cx="0" cy="0"/>
+          <a:chOff x="0" y="0"/>
+          <a:chExt cx="0" cy="0"/>
+        </a:xfrm>
+      </p:grpSpPr>
+      <p:sp>
+        <p:nvSpPr>
+          <p:cNvPr id="3" name="Content Placeholder 2">
+            <a:extLst>
+              <a:ext uri="{FF2B5EF4-FFF2-40B4-BE49-F238E27FC236}">
+                <a16:creationId xmlns:a16="http://schemas.microsoft.com/office/drawing/2014/main" id="{A3747E47-B71D-4260-9DF4-6C60964EBB93}"/>
+              </a:ext>
+            </a:extLst>
+          </p:cNvPr>
+          <p:cNvSpPr>
+            <a:spLocks noGrp="1"/>
+          </p:cNvSpPr>
+          <p:nvPr>
+            <p:ph idx="1"/>
+          </p:nvPr>
+        </p:nvSpPr>
+        <p:spPr>
+          <a:xfrm>
+            <a:off x="838200" y="1127760"/>
+            <a:ext cx="10515600" cy="5049203"/>
+          </a:xfrm>
+        </p:spPr>
+        <p:txBody>
+          <a:bodyPr>
+            <a:normAutofit/>
+          </a:bodyPr>
+          <a:lstStyle/>
+          <a:p>
+            <a:pPr marL="0" indent="0">
+              <a:buNone/>
+            </a:pPr>
+            <a:endParaRPr lang="en-CA" sz="2400" dirty="0"/>
+          </a:p>
+          <a:p>
+            <a:pPr marL="0" indent="0">
+              <a:buNone/>
+            </a:pPr>
+            <a:endParaRPr lang="en-CA" sz="2400" dirty="0"/>
+          </a:p>
+          <a:p>
+            <a:endParaRPr lang="en-CA" sz="2400" dirty="0"/>
+          </a:p>
+        </p:txBody>
+      </p:sp>
+      <p:pic>
+        <p:nvPicPr>
+          <p:cNvPr id="5" name="Picture 4">
+            <a:extLst>
+              <a:ext uri="{FF2B5EF4-FFF2-40B4-BE49-F238E27FC236}">
+                <a16:creationId xmlns:a16="http://schemas.microsoft.com/office/drawing/2014/main" id="{0C7E7D67-F8B3-4901-8386-C7C19CECFEC6}"/>
+              </a:ext>
+            </a:extLst>
+          </p:cNvPr>
+          <p:cNvPicPr>
+            <a:picLocks noChangeAspect="1"/>
+          </p:cNvPicPr>
+          <p:nvPr/>
+        </p:nvPicPr>
+        <p:blipFill>
+          <a:blip r:embed="rId3">
+            <a:extLst>
+              <a:ext uri="{28A0092B-C50C-407E-A947-70E740481C1C}">
+                <a14:useLocalDpi xmlns:a14="http://schemas.microsoft.com/office/drawing/2010/main" val="0"/>
+              </a:ext>
+            </a:extLst>
+          </a:blip>
+          <a:stretch>
+            <a:fillRect/>
+          </a:stretch>
+        </p:blipFill>
+        <p:spPr>
+          <a:xfrm>
+            <a:off x="9916160" y="365125"/>
+            <a:ext cx="1437640" cy="418937"/>
+          </a:xfrm>
+          <a:prstGeom prst="rect">
+            <a:avLst/>
+          </a:prstGeom>
+        </p:spPr>
+      </p:pic>
+      <p:sp>
+        <p:nvSpPr>
+          <p:cNvPr id="6" name="Title 1">
+            <a:extLst>
+              <a:ext uri="{FF2B5EF4-FFF2-40B4-BE49-F238E27FC236}">
+                <a16:creationId xmlns:a16="http://schemas.microsoft.com/office/drawing/2014/main" id="{B4C9D95B-EBE4-40C7-8B82-4CFA20A3795C}"/>
+              </a:ext>
+            </a:extLst>
+          </p:cNvPr>
+          <p:cNvSpPr txBox="1">
+            <a:spLocks/>
+          </p:cNvSpPr>
+          <p:nvPr/>
+        </p:nvSpPr>
+        <p:spPr>
+          <a:xfrm>
+            <a:off x="838200" y="365125"/>
+            <a:ext cx="10515600" cy="762635"/>
+          </a:xfrm>
+          <a:prstGeom prst="rect">
+            <a:avLst/>
+          </a:prstGeom>
+        </p:spPr>
+        <p:txBody>
+          <a:bodyPr vert="horz" lIns="91440" tIns="45720" rIns="91440" bIns="45720" rtlCol="0" anchor="ctr">
+            <a:normAutofit/>
+          </a:bodyPr>
+          <a:lstStyle>
+            <a:lvl1pPr algn="l" defTabSz="914400" rtl="0" eaLnBrk="1" latinLnBrk="0" hangingPunct="1">
+              <a:lnSpc>
+                <a:spcPct val="90000"/>
+              </a:lnSpc>
+              <a:spcBef>
+                <a:spcPct val="0"/>
+              </a:spcBef>
+              <a:buNone/>
+              <a:defRPr sz="4400" kern="1200">
+                <a:solidFill>
+                  <a:schemeClr val="tx1"/>
+                </a:solidFill>
+                <a:latin typeface="+mj-lt"/>
+                <a:ea typeface="+mj-ea"/>
+                <a:cs typeface="+mj-cs"/>
+              </a:defRPr>
+            </a:lvl1pPr>
+          </a:lstStyle>
+          <a:p>
+            <a:r>
+              <a:rPr lang="en-CA" sz="3600" dirty="0"/>
+              <a:t>Results: Seating Policy Comparison</a:t>
+            </a:r>
+          </a:p>
+        </p:txBody>
+      </p:sp>
+      <p:pic>
+        <p:nvPicPr>
+          <p:cNvPr id="11" name="Picture 10" descr="A screenshot of a cell phone&#10;&#10;Description generated with very high confidence">
+            <a:extLst>
+              <a:ext uri="{FF2B5EF4-FFF2-40B4-BE49-F238E27FC236}">
+                <a16:creationId xmlns:a16="http://schemas.microsoft.com/office/drawing/2014/main" id="{CBDCD92A-7A22-4789-B7A9-52B9265DE272}"/>
               </a:ext>
             </a:extLst>
           </p:cNvPr>
@@ -8577,18 +10661,126 @@
         </p:blipFill>
         <p:spPr>
           <a:xfrm>
-            <a:off x="6001172" y="1257934"/>
-            <a:ext cx="6190828" cy="4643121"/>
+            <a:off x="0" y="1299608"/>
+            <a:ext cx="6274008" cy="4705506"/>
           </a:xfrm>
           <a:prstGeom prst="rect">
             <a:avLst/>
           </a:prstGeom>
         </p:spPr>
       </p:pic>
+      <p:pic>
+        <p:nvPicPr>
+          <p:cNvPr id="16" name="Picture 15" descr="A screenshot of a cell phone&#10;&#10;Description generated with very high confidence">
+            <a:extLst>
+              <a:ext uri="{FF2B5EF4-FFF2-40B4-BE49-F238E27FC236}">
+                <a16:creationId xmlns:a16="http://schemas.microsoft.com/office/drawing/2014/main" id="{ADFEDC58-C562-4008-AF66-736ACB2E614D}"/>
+              </a:ext>
+            </a:extLst>
+          </p:cNvPr>
+          <p:cNvPicPr>
+            <a:picLocks noChangeAspect="1"/>
+          </p:cNvPicPr>
+          <p:nvPr/>
+        </p:nvPicPr>
+        <p:blipFill>
+          <a:blip r:embed="rId5">
+            <a:extLst>
+              <a:ext uri="{28A0092B-C50C-407E-A947-70E740481C1C}">
+                <a14:useLocalDpi xmlns:a14="http://schemas.microsoft.com/office/drawing/2010/main" val="0"/>
+              </a:ext>
+            </a:extLst>
+          </a:blip>
+          <a:stretch>
+            <a:fillRect/>
+          </a:stretch>
+        </p:blipFill>
+        <p:spPr>
+          <a:xfrm>
+            <a:off x="5917991" y="1299608"/>
+            <a:ext cx="6274009" cy="4705507"/>
+          </a:xfrm>
+          <a:prstGeom prst="rect">
+            <a:avLst/>
+          </a:prstGeom>
+        </p:spPr>
+      </p:pic>
+      <p:sp>
+        <p:nvSpPr>
+          <p:cNvPr id="17" name="TextBox 16">
+            <a:extLst>
+              <a:ext uri="{FF2B5EF4-FFF2-40B4-BE49-F238E27FC236}">
+                <a16:creationId xmlns:a16="http://schemas.microsoft.com/office/drawing/2014/main" id="{D8A811AF-D1A8-451D-9ED2-A896B06F4A5B}"/>
+              </a:ext>
+            </a:extLst>
+          </p:cNvPr>
+          <p:cNvSpPr txBox="1"/>
+          <p:nvPr/>
+        </p:nvSpPr>
+        <p:spPr>
+          <a:xfrm>
+            <a:off x="2491844" y="6110446"/>
+            <a:ext cx="1656080" cy="369332"/>
+          </a:xfrm>
+          <a:prstGeom prst="rect">
+            <a:avLst/>
+          </a:prstGeom>
+          <a:noFill/>
+        </p:spPr>
+        <p:txBody>
+          <a:bodyPr wrap="square" rtlCol="0">
+            <a:spAutoFit/>
+          </a:bodyPr>
+          <a:lstStyle/>
+          <a:p>
+            <a:r>
+              <a:rPr lang="en-CA" dirty="0"/>
+              <a:t>Seating Policy 1</a:t>
+            </a:r>
+            <a:endParaRPr lang="en-US" dirty="0"/>
+          </a:p>
+        </p:txBody>
+      </p:sp>
+      <p:sp>
+        <p:nvSpPr>
+          <p:cNvPr id="18" name="TextBox 17">
+            <a:extLst>
+              <a:ext uri="{FF2B5EF4-FFF2-40B4-BE49-F238E27FC236}">
+                <a16:creationId xmlns:a16="http://schemas.microsoft.com/office/drawing/2014/main" id="{A2C9E8A1-129D-4038-B018-BA723551899A}"/>
+              </a:ext>
+            </a:extLst>
+          </p:cNvPr>
+          <p:cNvSpPr txBox="1"/>
+          <p:nvPr/>
+        </p:nvSpPr>
+        <p:spPr>
+          <a:xfrm>
+            <a:off x="8399678" y="6110446"/>
+            <a:ext cx="1656080" cy="369332"/>
+          </a:xfrm>
+          <a:prstGeom prst="rect">
+            <a:avLst/>
+          </a:prstGeom>
+          <a:noFill/>
+        </p:spPr>
+        <p:txBody>
+          <a:bodyPr wrap="square" rtlCol="0">
+            <a:spAutoFit/>
+          </a:bodyPr>
+          <a:lstStyle/>
+          <a:p>
+            <a:r>
+              <a:rPr lang="en-CA" dirty="0"/>
+              <a:t>Seating Policy 2</a:t>
+            </a:r>
+            <a:endParaRPr lang="en-US" dirty="0"/>
+          </a:p>
+        </p:txBody>
+      </p:sp>
     </p:spTree>
     <p:extLst>
       <p:ext uri="{BB962C8B-B14F-4D97-AF65-F5344CB8AC3E}">
-        <p14:creationId xmlns:p14="http://schemas.microsoft.com/office/powerpoint/2010/main" val="4259261674"/>
+        <p14:creationId xmlns:p14="http://schemas.microsoft.com/office/powerpoint/2010/main" val="202069013"/>
       </p:ext>
     </p:extLst>
   </p:cSld>
@@ -8630,7 +10822,7 @@
           <p:nvPr/>
         </p:nvPicPr>
         <p:blipFill>
-          <a:blip r:embed="rId2">
+          <a:blip r:embed="rId2" cstate="hqprint">
             <a:extLst>
               <a:ext uri="{28A0092B-C50C-407E-A947-70E740481C1C}">
                 <a14:useLocalDpi xmlns:a14="http://schemas.microsoft.com/office/drawing/2010/main" val="0"/>
@@ -8699,54 +10891,147 @@
           </a:lstStyle>
           <a:p>
             <a:r>
-              <a:rPr lang="en-CA" sz="3600"/>
-              <a:t>Simulation</a:t>
+              <a:rPr lang="en-CA" sz="3600" dirty="0"/>
+              <a:t>Scenario Description (cont.)</a:t>
             </a:r>
             <a:endParaRPr lang="en-US" sz="3600" dirty="0"/>
           </a:p>
         </p:txBody>
       </p:sp>
-      <p:pic>
-        <p:nvPicPr>
-          <p:cNvPr id="6" name="Content Placeholder 5" descr="A screenshot of a cell phone&#10;&#10;Description generated with very high confidence">
+      <p:sp>
+        <p:nvSpPr>
+          <p:cNvPr id="6" name="Content Placeholder 2">
             <a:extLst>
               <a:ext uri="{FF2B5EF4-FFF2-40B4-BE49-F238E27FC236}">
-                <a16:creationId xmlns:a16="http://schemas.microsoft.com/office/drawing/2014/main" id="{399FECF4-9FC0-4462-A432-28E11A5F98CF}"/>
+                <a16:creationId xmlns:a16="http://schemas.microsoft.com/office/drawing/2014/main" id="{5C9002D8-D4DA-894C-B56B-88798A5976F0}"/>
               </a:ext>
             </a:extLst>
           </p:cNvPr>
-          <p:cNvPicPr>
-            <a:picLocks noGrp="1" noChangeAspect="1"/>
-          </p:cNvPicPr>
+          <p:cNvSpPr>
+            <a:spLocks noGrp="1"/>
+          </p:cNvSpPr>
           <p:nvPr>
             <p:ph idx="1"/>
           </p:nvPr>
-        </p:nvPicPr>
-        <p:blipFill>
-          <a:blip r:embed="rId3">
-            <a:extLst>
-              <a:ext uri="{28A0092B-C50C-407E-A947-70E740481C1C}">
-                <a14:useLocalDpi xmlns:a14="http://schemas.microsoft.com/office/drawing/2010/main" val="0"/>
-              </a:ext>
-            </a:extLst>
-          </a:blip>
-          <a:stretch>
-            <a:fillRect/>
-          </a:stretch>
-        </p:blipFill>
-        <p:spPr>
-          <a:xfrm>
-            <a:off x="0" y="1143000"/>
-            <a:ext cx="6096000" cy="4572000"/>
-          </a:xfrm>
-        </p:spPr>
-      </p:pic>
+        </p:nvSpPr>
+        <p:spPr>
+          <a:xfrm>
+            <a:off x="838200" y="1127760"/>
+            <a:ext cx="10515600" cy="5049203"/>
+          </a:xfrm>
+        </p:spPr>
+        <p:txBody>
+          <a:bodyPr>
+            <a:normAutofit/>
+          </a:bodyPr>
+          <a:lstStyle/>
+          <a:p>
+            <a:pPr marL="0" indent="0">
+              <a:lnSpc>
+                <a:spcPct val="150000"/>
+              </a:lnSpc>
+              <a:buNone/>
+            </a:pPr>
+            <a:r>
+              <a:rPr lang="en-US" sz="2400" dirty="0"/>
+              <a:t>Service and Customer Behavior</a:t>
+            </a:r>
+          </a:p>
+          <a:p>
+            <a:pPr lvl="1">
+              <a:lnSpc>
+                <a:spcPct val="150000"/>
+              </a:lnSpc>
+            </a:pPr>
+            <a:r>
+              <a:rPr lang="en-US" sz="2000" dirty="0"/>
+              <a:t>Customer Abandonment: customers in the queue may decide to wait or leave (every five minutes) </a:t>
+            </a:r>
+          </a:p>
+          <a:p>
+            <a:pPr lvl="1">
+              <a:lnSpc>
+                <a:spcPct val="150000"/>
+              </a:lnSpc>
+            </a:pPr>
+            <a:endParaRPr lang="en-US" dirty="0"/>
+          </a:p>
+          <a:p>
+            <a:pPr lvl="1">
+              <a:lnSpc>
+                <a:spcPct val="150000"/>
+              </a:lnSpc>
+            </a:pPr>
+            <a:endParaRPr lang="en-US" dirty="0"/>
+          </a:p>
+          <a:p>
+            <a:pPr lvl="1">
+              <a:lnSpc>
+                <a:spcPct val="150000"/>
+              </a:lnSpc>
+            </a:pPr>
+            <a:r>
+              <a:rPr lang="en-US" sz="2000" dirty="0"/>
+              <a:t>duration of a dinner (d)</a:t>
+            </a:r>
+          </a:p>
+          <a:p>
+            <a:pPr lvl="2">
+              <a:lnSpc>
+                <a:spcPct val="150000"/>
+              </a:lnSpc>
+            </a:pPr>
+            <a:r>
+              <a:rPr lang="en-US" dirty="0"/>
+              <a:t>40 + t ~ </a:t>
+            </a:r>
+            <a:r>
+              <a:rPr lang="en-US" dirty="0" err="1"/>
+              <a:t>exp</a:t>
+            </a:r>
+            <a:r>
+              <a:rPr lang="en-US" dirty="0"/>
+              <a:t> (0.05) minutes</a:t>
+            </a:r>
+          </a:p>
+          <a:p>
+            <a:pPr lvl="1">
+              <a:lnSpc>
+                <a:spcPct val="150000"/>
+              </a:lnSpc>
+            </a:pPr>
+            <a:r>
+              <a:rPr lang="en-US" sz="2000" dirty="0"/>
+              <a:t>immediate table availability for the next customer</a:t>
+            </a:r>
+          </a:p>
+          <a:p>
+            <a:pPr lvl="1">
+              <a:lnSpc>
+                <a:spcPct val="150000"/>
+              </a:lnSpc>
+            </a:pPr>
+            <a:r>
+              <a:rPr lang="en-US" sz="2000" dirty="0"/>
+              <a:t>assumption: adequate staff capability and capacity</a:t>
+            </a:r>
+          </a:p>
+          <a:p>
+            <a:pPr lvl="1">
+              <a:lnSpc>
+                <a:spcPct val="150000"/>
+              </a:lnSpc>
+            </a:pPr>
+            <a:endParaRPr lang="en-US" sz="2000" dirty="0"/>
+          </a:p>
+        </p:txBody>
+      </p:sp>
       <p:pic>
         <p:nvPicPr>
-          <p:cNvPr id="8" name="Picture 7" descr="A screenshot of a cell phone&#10;&#10;Description generated with very high confidence">
+          <p:cNvPr id="7" name="Picture 6">
             <a:extLst>
               <a:ext uri="{FF2B5EF4-FFF2-40B4-BE49-F238E27FC236}">
-                <a16:creationId xmlns:a16="http://schemas.microsoft.com/office/drawing/2014/main" id="{4F8008DE-4DF9-4429-9ABF-0378FFA46201}"/>
+                <a16:creationId xmlns:a16="http://schemas.microsoft.com/office/drawing/2014/main" id="{68B93479-BE14-CC4D-B300-A11AEDC81089}"/>
               </a:ext>
             </a:extLst>
           </p:cNvPr>
@@ -8756,7 +11041,7 @@
           <p:nvPr/>
         </p:nvPicPr>
         <p:blipFill>
-          <a:blip r:embed="rId4">
+          <a:blip r:embed="rId3">
             <a:extLst>
               <a:ext uri="{28A0092B-C50C-407E-A947-70E740481C1C}">
                 <a14:useLocalDpi xmlns:a14="http://schemas.microsoft.com/office/drawing/2010/main" val="0"/>
@@ -8769,8 +11054,8 @@
         </p:blipFill>
         <p:spPr>
           <a:xfrm>
-            <a:off x="6096000" y="1143000"/>
-            <a:ext cx="6096000" cy="4572000"/>
+            <a:off x="1493031" y="2339499"/>
+            <a:ext cx="8423129" cy="1181752"/>
           </a:xfrm>
           <a:prstGeom prst="rect">
             <a:avLst/>
@@ -8780,7 +11065,7 @@
     </p:spTree>
     <p:extLst>
       <p:ext uri="{BB962C8B-B14F-4D97-AF65-F5344CB8AC3E}">
-        <p14:creationId xmlns:p14="http://schemas.microsoft.com/office/powerpoint/2010/main" val="2278741990"/>
+        <p14:creationId xmlns:p14="http://schemas.microsoft.com/office/powerpoint/2010/main" val="4142886380"/>
       </p:ext>
     </p:extLst>
   </p:cSld>
@@ -8807,68 +11092,12 @@
           <a:chExt cx="0" cy="0"/>
         </a:xfrm>
       </p:grpSpPr>
-      <p:sp>
-        <p:nvSpPr>
-          <p:cNvPr id="3" name="Content Placeholder 2">
-            <a:extLst>
-              <a:ext uri="{FF2B5EF4-FFF2-40B4-BE49-F238E27FC236}">
-                <a16:creationId xmlns:a16="http://schemas.microsoft.com/office/drawing/2014/main" id="{2E5DAAB6-C87E-4C10-8DDC-15F41DB00A20}"/>
-              </a:ext>
-            </a:extLst>
-          </p:cNvPr>
-          <p:cNvSpPr>
-            <a:spLocks noGrp="1"/>
-          </p:cNvSpPr>
-          <p:nvPr>
-            <p:ph idx="1"/>
-          </p:nvPr>
-        </p:nvSpPr>
-        <p:spPr>
-          <a:xfrm>
-            <a:off x="838200" y="1127760"/>
-            <a:ext cx="10515600" cy="5049203"/>
-          </a:xfrm>
-        </p:spPr>
-        <p:txBody>
-          <a:bodyPr>
-            <a:normAutofit/>
-          </a:bodyPr>
-          <a:lstStyle/>
-          <a:p>
-            <a:r>
-              <a:rPr lang="en-CA" sz="2400" dirty="0"/>
-              <a:t>Decision variables</a:t>
-            </a:r>
-          </a:p>
-          <a:p>
-            <a:endParaRPr lang="en-CA" sz="2400" dirty="0"/>
-          </a:p>
-          <a:p>
-            <a:pPr marL="0" indent="0">
-              <a:buNone/>
-            </a:pPr>
-            <a:endParaRPr lang="en-CA" sz="2400" dirty="0"/>
-          </a:p>
-          <a:p>
-            <a:pPr marL="0" indent="0">
-              <a:buNone/>
-            </a:pPr>
-            <a:endParaRPr lang="en-CA" sz="2400" dirty="0"/>
-          </a:p>
-          <a:p>
-            <a:r>
-              <a:rPr lang="en-CA" sz="2400" dirty="0"/>
-              <a:t>Objective function</a:t>
-            </a:r>
-          </a:p>
-        </p:txBody>
-      </p:sp>
       <p:pic>
         <p:nvPicPr>
           <p:cNvPr id="5" name="Picture 4">
             <a:extLst>
               <a:ext uri="{FF2B5EF4-FFF2-40B4-BE49-F238E27FC236}">
-                <a16:creationId xmlns:a16="http://schemas.microsoft.com/office/drawing/2014/main" id="{8977407B-874A-4791-897D-6196620D6F56}"/>
+                <a16:creationId xmlns:a16="http://schemas.microsoft.com/office/drawing/2014/main" id="{937DC52F-3E84-4376-A880-17A444D06451}"/>
               </a:ext>
             </a:extLst>
           </p:cNvPr>
@@ -8878,7 +11107,7 @@
           <p:nvPr/>
         </p:nvPicPr>
         <p:blipFill>
-          <a:blip r:embed="rId2">
+          <a:blip r:embed="rId2" cstate="hqprint">
             <a:extLst>
               <a:ext uri="{28A0092B-C50C-407E-A947-70E740481C1C}">
                 <a14:useLocalDpi xmlns:a14="http://schemas.microsoft.com/office/drawing/2010/main" val="0"/>
@@ -8901,10 +11130,10 @@
       </p:pic>
       <p:sp>
         <p:nvSpPr>
-          <p:cNvPr id="8" name="Title 1">
+          <p:cNvPr id="9" name="Title 1">
             <a:extLst>
               <a:ext uri="{FF2B5EF4-FFF2-40B4-BE49-F238E27FC236}">
-                <a16:creationId xmlns:a16="http://schemas.microsoft.com/office/drawing/2014/main" id="{3C0D5108-0220-49D1-BFA7-E8863D4F1E1D}"/>
+                <a16:creationId xmlns:a16="http://schemas.microsoft.com/office/drawing/2014/main" id="{D8D4F29A-F761-4FDF-9F1D-5964127B29A1}"/>
               </a:ext>
             </a:extLst>
           </p:cNvPr>
@@ -8947,17 +11176,183 @@
           </a:lstStyle>
           <a:p>
             <a:r>
-              <a:rPr lang="en-CA" sz="3600"/>
-              <a:t>Problem Description</a:t>
+              <a:rPr lang="en-CA" sz="3600" dirty="0"/>
+              <a:t>Scenario Description (cont.)</a:t>
             </a:r>
             <a:endParaRPr lang="en-US" sz="3600" dirty="0"/>
+          </a:p>
+        </p:txBody>
+      </p:sp>
+      <p:sp>
+        <p:nvSpPr>
+          <p:cNvPr id="6" name="Content Placeholder 2">
+            <a:extLst>
+              <a:ext uri="{FF2B5EF4-FFF2-40B4-BE49-F238E27FC236}">
+                <a16:creationId xmlns:a16="http://schemas.microsoft.com/office/drawing/2014/main" id="{5C9002D8-D4DA-894C-B56B-88798A5976F0}"/>
+              </a:ext>
+            </a:extLst>
+          </p:cNvPr>
+          <p:cNvSpPr>
+            <a:spLocks noGrp="1"/>
+          </p:cNvSpPr>
+          <p:nvPr>
+            <p:ph idx="1"/>
+          </p:nvPr>
+        </p:nvSpPr>
+        <p:spPr>
+          <a:xfrm>
+            <a:off x="838200" y="1127760"/>
+            <a:ext cx="10515600" cy="5049203"/>
+          </a:xfrm>
+        </p:spPr>
+        <p:txBody>
+          <a:bodyPr>
+            <a:normAutofit/>
+          </a:bodyPr>
+          <a:lstStyle/>
+          <a:p>
+            <a:pPr marL="0" indent="0">
+              <a:lnSpc>
+                <a:spcPct val="150000"/>
+              </a:lnSpc>
+              <a:buNone/>
+            </a:pPr>
+            <a:r>
+              <a:rPr lang="en-US" sz="2400" dirty="0"/>
+              <a:t>Billing</a:t>
+            </a:r>
+          </a:p>
+          <a:p>
+            <a:pPr lvl="1">
+              <a:lnSpc>
+                <a:spcPct val="150000"/>
+              </a:lnSpc>
+            </a:pPr>
+            <a:r>
+              <a:rPr lang="en-US" sz="2000" dirty="0"/>
+              <a:t>Bill per person: b</a:t>
+            </a:r>
+          </a:p>
+          <a:p>
+            <a:pPr lvl="2">
+              <a:lnSpc>
+                <a:spcPct val="150000"/>
+              </a:lnSpc>
+            </a:pPr>
+            <a:r>
+              <a:rPr lang="en-US" dirty="0"/>
+              <a:t>Proportional to the dinner duration (d) –&gt; b = d * r</a:t>
+            </a:r>
+          </a:p>
+          <a:p>
+            <a:pPr lvl="1">
+              <a:lnSpc>
+                <a:spcPct val="150000"/>
+              </a:lnSpc>
+            </a:pPr>
+            <a:r>
+              <a:rPr lang="en-US" sz="2000" dirty="0"/>
+              <a:t>Customer-specific consumption rate (r)</a:t>
+            </a:r>
+          </a:p>
+          <a:p>
+            <a:pPr lvl="2">
+              <a:lnSpc>
+                <a:spcPct val="150000"/>
+              </a:lnSpc>
+            </a:pPr>
+            <a:r>
+              <a:rPr lang="en-US" dirty="0"/>
+              <a:t>r ~ </a:t>
+            </a:r>
+            <a:r>
+              <a:rPr lang="en-US" dirty="0" err="1"/>
+              <a:t>unif</a:t>
+            </a:r>
+            <a:r>
+              <a:rPr lang="en-US" dirty="0"/>
+              <a:t> (0.5, 1.2) –&gt; € / minute</a:t>
+            </a:r>
+          </a:p>
+          <a:p>
+            <a:pPr lvl="1">
+              <a:lnSpc>
+                <a:spcPct val="150000"/>
+              </a:lnSpc>
+            </a:pPr>
+            <a:r>
+              <a:rPr lang="en-US" sz="2000" dirty="0"/>
+              <a:t>Sharing a table</a:t>
+            </a:r>
+          </a:p>
+          <a:p>
+            <a:pPr lvl="2">
+              <a:lnSpc>
+                <a:spcPct val="150000"/>
+              </a:lnSpc>
+            </a:pPr>
+            <a:r>
+              <a:rPr lang="en-US" dirty="0"/>
+              <a:t>decreased dinner duration –&gt;</a:t>
+            </a:r>
+            <a:r>
+              <a:rPr lang="en-US" dirty="0">
+                <a:sym typeface="Wingdings" pitchFamily="2" charset="2"/>
+              </a:rPr>
+              <a:t> d’ = d * 0.5 </a:t>
+            </a:r>
+          </a:p>
+          <a:p>
+            <a:pPr lvl="2">
+              <a:lnSpc>
+                <a:spcPct val="150000"/>
+              </a:lnSpc>
+            </a:pPr>
+            <a:r>
+              <a:rPr lang="en-US" dirty="0">
+                <a:sym typeface="Wingdings" pitchFamily="2" charset="2"/>
+              </a:rPr>
+              <a:t>decreased consumption rate </a:t>
+            </a:r>
+            <a:r>
+              <a:rPr lang="en-US" dirty="0"/>
+              <a:t>–&gt;</a:t>
+            </a:r>
+            <a:r>
+              <a:rPr lang="en-US" dirty="0">
+                <a:sym typeface="Wingdings" pitchFamily="2" charset="2"/>
+              </a:rPr>
+              <a:t> r’ = r * 0.8</a:t>
+            </a:r>
+            <a:endParaRPr lang="en-US" dirty="0"/>
+          </a:p>
+          <a:p>
+            <a:pPr marL="0" indent="0">
+              <a:lnSpc>
+                <a:spcPct val="150000"/>
+              </a:lnSpc>
+              <a:buNone/>
+            </a:pPr>
+            <a:r>
+              <a:rPr lang="en-US" sz="2400" dirty="0"/>
+              <a:t>Profit = b * ( # of customers served ) – ( € 0.10 * total operating time)</a:t>
+            </a:r>
+            <a:endParaRPr lang="en-US" dirty="0"/>
+          </a:p>
+          <a:p>
+            <a:pPr lvl="1">
+              <a:lnSpc>
+                <a:spcPct val="150000"/>
+              </a:lnSpc>
+            </a:pPr>
+            <a:endParaRPr lang="en-US" sz="2000" dirty="0"/>
           </a:p>
         </p:txBody>
       </p:sp>
     </p:spTree>
     <p:extLst>
       <p:ext uri="{BB962C8B-B14F-4D97-AF65-F5344CB8AC3E}">
-        <p14:creationId xmlns:p14="http://schemas.microsoft.com/office/powerpoint/2010/main" val="749137087"/>
+        <p14:creationId xmlns:p14="http://schemas.microsoft.com/office/powerpoint/2010/main" val="1114438447"/>
       </p:ext>
     </p:extLst>
   </p:cSld>
@@ -8986,10 +11381,10 @@
       </p:grpSpPr>
       <p:sp>
         <p:nvSpPr>
-          <p:cNvPr id="3" name="Content Placeholder 2">
+          <p:cNvPr id="2" name="Title 1">
             <a:extLst>
               <a:ext uri="{FF2B5EF4-FFF2-40B4-BE49-F238E27FC236}">
-                <a16:creationId xmlns:a16="http://schemas.microsoft.com/office/drawing/2014/main" id="{2E5DAAB6-C87E-4C10-8DDC-15F41DB00A20}"/>
+                <a16:creationId xmlns:a16="http://schemas.microsoft.com/office/drawing/2014/main" id="{03DDC527-3CB8-43EA-A5BB-E295D215139A}"/>
               </a:ext>
             </a:extLst>
           </p:cNvPr>
@@ -8997,13 +11392,13 @@
             <a:spLocks noGrp="1"/>
           </p:cNvSpPr>
           <p:nvPr>
-            <p:ph idx="1"/>
+            <p:ph type="title"/>
           </p:nvPr>
         </p:nvSpPr>
         <p:spPr>
           <a:xfrm>
-            <a:off x="838200" y="1127760"/>
-            <a:ext cx="10515600" cy="5049203"/>
+            <a:off x="838200" y="365125"/>
+            <a:ext cx="10515600" cy="762635"/>
           </a:xfrm>
         </p:spPr>
         <p:txBody>
@@ -9012,155 +11407,144 @@
           </a:bodyPr>
           <a:lstStyle/>
           <a:p>
+            <a:r>
+              <a:rPr lang="en-CA" sz="3600" dirty="0"/>
+              <a:t>Problem Description</a:t>
+            </a:r>
+            <a:endParaRPr lang="en-US" sz="3600" dirty="0"/>
+          </a:p>
+        </p:txBody>
+      </p:sp>
+      <p:sp>
+        <p:nvSpPr>
+          <p:cNvPr id="3" name="Content Placeholder 2">
+            <a:extLst>
+              <a:ext uri="{FF2B5EF4-FFF2-40B4-BE49-F238E27FC236}">
+                <a16:creationId xmlns:a16="http://schemas.microsoft.com/office/drawing/2014/main" id="{C24F306F-1780-4BF1-86EA-0F38AFC191AC}"/>
+              </a:ext>
+            </a:extLst>
+          </p:cNvPr>
+          <p:cNvSpPr>
+            <a:spLocks noGrp="1"/>
+          </p:cNvSpPr>
+          <p:nvPr>
+            <p:ph idx="1"/>
+          </p:nvPr>
+        </p:nvSpPr>
+        <p:spPr>
+          <a:xfrm>
+            <a:off x="838200" y="1127760"/>
+            <a:ext cx="10515600" cy="5049203"/>
+          </a:xfrm>
+        </p:spPr>
+        <p:txBody>
+          <a:bodyPr/>
+          <a:lstStyle/>
+          <a:p>
             <a:pPr marL="0" indent="0">
+              <a:lnSpc>
+                <a:spcPct val="150000"/>
+              </a:lnSpc>
               <a:buNone/>
             </a:pPr>
-            <a:endParaRPr lang="en-CA" sz="2400" dirty="0"/>
+            <a:r>
+              <a:rPr lang="en-US" sz="2400" dirty="0"/>
+              <a:t>Running a successful business by </a:t>
+            </a:r>
+          </a:p>
+          <a:p>
+            <a:pPr lvl="1">
+              <a:lnSpc>
+                <a:spcPct val="150000"/>
+              </a:lnSpc>
+            </a:pPr>
+            <a:r>
+              <a:rPr lang="en-US" sz="2000" dirty="0"/>
+              <a:t>Maximizing the total profit of a restaurant</a:t>
+            </a:r>
+            <a:endParaRPr lang="en-US" dirty="0"/>
           </a:p>
           <a:p>
             <a:pPr marL="0" indent="0">
+              <a:lnSpc>
+                <a:spcPct val="150000"/>
+              </a:lnSpc>
               <a:buNone/>
             </a:pPr>
             <a:r>
-              <a:rPr lang="en-CA" sz="2400" dirty="0">
-                <a:solidFill>
-                  <a:schemeClr val="accent1"/>
-                </a:solidFill>
-              </a:rPr>
-              <a:t>Limitation of baseline VNS</a:t>
-            </a:r>
-          </a:p>
-          <a:p>
-            <a:r>
-              <a:rPr lang="en-CA" sz="2400" dirty="0"/>
-              <a:t>The neighborhood size for </a:t>
-            </a:r>
-            <a:r>
-              <a:rPr lang="en-CA" sz="2400" b="1" dirty="0"/>
-              <a:t>adding/removing tables</a:t>
-            </a:r>
-            <a:r>
-              <a:rPr lang="en-CA" sz="2400" dirty="0"/>
-              <a:t> grows non-linearly. </a:t>
-            </a:r>
-            <a:r>
-              <a:rPr lang="en-CA" sz="2400" dirty="0">
-                <a:solidFill>
-                  <a:schemeClr val="accent2"/>
-                </a:solidFill>
-              </a:rPr>
-              <a:t>E.g.</a:t>
-            </a:r>
-            <a:endParaRPr lang="en-CA" sz="2000" dirty="0">
-              <a:solidFill>
-                <a:schemeClr val="accent2"/>
-              </a:solidFill>
-            </a:endParaRPr>
-          </a:p>
-          <a:p>
-            <a:pPr marL="0" indent="0" algn="ctr">
-              <a:buNone/>
+              <a:rPr lang="en-US" sz="2400" dirty="0"/>
+              <a:t>Decision variables:</a:t>
+            </a:r>
+          </a:p>
+          <a:p>
+            <a:pPr lvl="1">
+              <a:lnSpc>
+                <a:spcPct val="150000"/>
+              </a:lnSpc>
             </a:pPr>
             <a:r>
-              <a:rPr lang="en-CA" sz="2000" dirty="0">
-                <a:solidFill>
-                  <a:schemeClr val="accent2"/>
-                </a:solidFill>
-              </a:rPr>
-              <a:t>Adding 1 table: 4 neighbors</a:t>
-            </a:r>
-          </a:p>
-          <a:p>
-            <a:pPr marL="0" indent="0" algn="ctr">
-              <a:buNone/>
+              <a:rPr lang="en-US" sz="2000" dirty="0"/>
+              <a:t>Table arrangement (table size and quantity)</a:t>
+            </a:r>
+          </a:p>
+          <a:p>
+            <a:pPr lvl="1">
+              <a:lnSpc>
+                <a:spcPct val="150000"/>
+              </a:lnSpc>
             </a:pPr>
             <a:r>
-              <a:rPr lang="en-CA" sz="2000" dirty="0">
-                <a:solidFill>
-                  <a:schemeClr val="accent2"/>
-                </a:solidFill>
-              </a:rPr>
-              <a:t>Adding 2 tables: 4</a:t>
-            </a:r>
-            <a:r>
-              <a:rPr lang="en-CA" sz="2000" baseline="30000" dirty="0">
-                <a:solidFill>
-                  <a:schemeClr val="accent2"/>
-                </a:solidFill>
-              </a:rPr>
-              <a:t>2</a:t>
-            </a:r>
-            <a:r>
-              <a:rPr lang="en-CA" sz="2000" dirty="0">
-                <a:solidFill>
-                  <a:schemeClr val="accent2"/>
-                </a:solidFill>
-              </a:rPr>
-              <a:t> neighbors</a:t>
-            </a:r>
-          </a:p>
-          <a:p>
-            <a:pPr marL="0" indent="0" algn="ctr">
+              <a:rPr lang="en-US" sz="2000" dirty="0"/>
+              <a:t>Seating policy for arriving customers</a:t>
+            </a:r>
+          </a:p>
+          <a:p>
+            <a:pPr marL="0" indent="0">
+              <a:lnSpc>
+                <a:spcPct val="150000"/>
+              </a:lnSpc>
               <a:buNone/>
             </a:pPr>
             <a:r>
-              <a:rPr lang="en-CA" sz="2000" dirty="0">
-                <a:solidFill>
-                  <a:schemeClr val="accent2"/>
-                </a:solidFill>
-              </a:rPr>
-              <a:t>Adding 3 tables: 4</a:t>
-            </a:r>
-            <a:r>
-              <a:rPr lang="en-CA" sz="2000" baseline="30000" dirty="0">
-                <a:solidFill>
-                  <a:schemeClr val="accent2"/>
-                </a:solidFill>
-              </a:rPr>
-              <a:t>3</a:t>
-            </a:r>
-            <a:r>
-              <a:rPr lang="en-CA" sz="2000" dirty="0">
-                <a:solidFill>
-                  <a:schemeClr val="accent2"/>
-                </a:solidFill>
-              </a:rPr>
-              <a:t> neighbors</a:t>
-            </a:r>
-          </a:p>
-          <a:p>
-            <a:pPr marL="0" indent="0" algn="ctr">
-              <a:buNone/>
+              <a:rPr lang="en-US" sz="2400" dirty="0"/>
+              <a:t>Evaluation of success</a:t>
+            </a:r>
+          </a:p>
+          <a:p>
+            <a:pPr lvl="1">
+              <a:lnSpc>
+                <a:spcPct val="150000"/>
+              </a:lnSpc>
             </a:pPr>
             <a:r>
-              <a:rPr lang="en-CA" sz="2000" dirty="0">
-                <a:solidFill>
-                  <a:schemeClr val="accent2"/>
-                </a:solidFill>
-              </a:rPr>
-              <a:t>…</a:t>
-            </a:r>
-          </a:p>
-          <a:p>
-            <a:r>
-              <a:rPr lang="en-CA" sz="2400" dirty="0"/>
-              <a:t>Costly to check a sufficiently large number of neighbors.</a:t>
-            </a:r>
-          </a:p>
-          <a:p>
-            <a:r>
-              <a:rPr lang="en-CA" sz="2400" dirty="0"/>
-              <a:t>Limiting the neighborhood size will likely lead to suboptimal profit.</a:t>
-            </a:r>
+              <a:rPr lang="en-US" sz="2000" dirty="0"/>
+              <a:t>Defined parameters (described in the Simulation part)</a:t>
+            </a:r>
+          </a:p>
+          <a:p>
+            <a:pPr lvl="1">
+              <a:lnSpc>
+                <a:spcPct val="150000"/>
+              </a:lnSpc>
+            </a:pPr>
+            <a:endParaRPr lang="en-US" sz="2000" dirty="0"/>
+          </a:p>
+          <a:p>
+            <a:pPr lvl="1">
+              <a:lnSpc>
+                <a:spcPct val="150000"/>
+              </a:lnSpc>
+            </a:pPr>
+            <a:endParaRPr lang="en-US" sz="2000" dirty="0"/>
           </a:p>
         </p:txBody>
       </p:sp>
       <p:pic>
         <p:nvPicPr>
-          <p:cNvPr id="5" name="Picture 4">
+          <p:cNvPr id="4" name="Picture 3">
             <a:extLst>
               <a:ext uri="{FF2B5EF4-FFF2-40B4-BE49-F238E27FC236}">
-                <a16:creationId xmlns:a16="http://schemas.microsoft.com/office/drawing/2014/main" id="{8977407B-874A-4791-897D-6196620D6F56}"/>
+                <a16:creationId xmlns:a16="http://schemas.microsoft.com/office/drawing/2014/main" id="{F2317F70-2F7D-44FF-9959-4CBB4081A7F1}"/>
               </a:ext>
             </a:extLst>
           </p:cNvPr>
@@ -9170,7 +11554,7 @@
           <p:nvPr/>
         </p:nvPicPr>
         <p:blipFill>
-          <a:blip r:embed="rId2">
+          <a:blip r:embed="rId2" cstate="hqprint">
             <a:extLst>
               <a:ext uri="{28A0092B-C50C-407E-A947-70E740481C1C}">
                 <a14:useLocalDpi xmlns:a14="http://schemas.microsoft.com/office/drawing/2010/main" val="0"/>
@@ -9191,65 +11575,10 @@
           </a:prstGeom>
         </p:spPr>
       </p:pic>
-      <p:sp>
-        <p:nvSpPr>
-          <p:cNvPr id="8" name="Title 1">
-            <a:extLst>
-              <a:ext uri="{FF2B5EF4-FFF2-40B4-BE49-F238E27FC236}">
-                <a16:creationId xmlns:a16="http://schemas.microsoft.com/office/drawing/2014/main" id="{3C0D5108-0220-49D1-BFA7-E8863D4F1E1D}"/>
-              </a:ext>
-            </a:extLst>
-          </p:cNvPr>
-          <p:cNvSpPr txBox="1">
-            <a:spLocks/>
-          </p:cNvSpPr>
-          <p:nvPr/>
-        </p:nvSpPr>
-        <p:spPr>
-          <a:xfrm>
-            <a:off x="838200" y="365125"/>
-            <a:ext cx="10515600" cy="762635"/>
-          </a:xfrm>
-          <a:prstGeom prst="rect">
-            <a:avLst/>
-          </a:prstGeom>
-        </p:spPr>
-        <p:txBody>
-          <a:bodyPr vert="horz" lIns="91440" tIns="45720" rIns="91440" bIns="45720" rtlCol="0" anchor="ctr">
-            <a:normAutofit/>
-          </a:bodyPr>
-          <a:lstStyle>
-            <a:lvl1pPr algn="l" defTabSz="914400" rtl="0" eaLnBrk="1" latinLnBrk="0" hangingPunct="1">
-              <a:lnSpc>
-                <a:spcPct val="90000"/>
-              </a:lnSpc>
-              <a:spcBef>
-                <a:spcPct val="0"/>
-              </a:spcBef>
-              <a:buNone/>
-              <a:defRPr sz="4400" kern="1200">
-                <a:solidFill>
-                  <a:schemeClr val="tx1"/>
-                </a:solidFill>
-                <a:latin typeface="+mj-lt"/>
-                <a:ea typeface="+mj-ea"/>
-                <a:cs typeface="+mj-cs"/>
-              </a:defRPr>
-            </a:lvl1pPr>
-          </a:lstStyle>
-          <a:p>
-            <a:r>
-              <a:rPr lang="en-CA" sz="3600" dirty="0"/>
-              <a:t>Reducing the Neighborhood Size</a:t>
-            </a:r>
-            <a:endParaRPr lang="en-US" sz="3600" dirty="0"/>
-          </a:p>
-        </p:txBody>
-      </p:sp>
     </p:spTree>
     <p:extLst>
       <p:ext uri="{BB962C8B-B14F-4D97-AF65-F5344CB8AC3E}">
-        <p14:creationId xmlns:p14="http://schemas.microsoft.com/office/powerpoint/2010/main" val="3678772537"/>
+        <p14:creationId xmlns:p14="http://schemas.microsoft.com/office/powerpoint/2010/main" val="1784966790"/>
       </p:ext>
     </p:extLst>
   </p:cSld>
@@ -9278,10 +11607,10 @@
       </p:grpSpPr>
       <p:sp>
         <p:nvSpPr>
-          <p:cNvPr id="3" name="Content Placeholder 2">
+          <p:cNvPr id="2" name="Title 1">
             <a:extLst>
               <a:ext uri="{FF2B5EF4-FFF2-40B4-BE49-F238E27FC236}">
-                <a16:creationId xmlns:a16="http://schemas.microsoft.com/office/drawing/2014/main" id="{2E5DAAB6-C87E-4C10-8DDC-15F41DB00A20}"/>
+                <a16:creationId xmlns:a16="http://schemas.microsoft.com/office/drawing/2014/main" id="{72816BE1-4A9B-4E6A-B1EB-DD40AE40E9F9}"/>
               </a:ext>
             </a:extLst>
           </p:cNvPr>
@@ -9289,97 +11618,36 @@
             <a:spLocks noGrp="1"/>
           </p:cNvSpPr>
           <p:nvPr>
-            <p:ph idx="1"/>
+            <p:ph type="ctrTitle"/>
           </p:nvPr>
         </p:nvSpPr>
         <p:spPr>
           <a:xfrm>
-            <a:off x="838200" y="1127760"/>
-            <a:ext cx="10515600" cy="5049203"/>
-          </a:xfrm>
-        </p:spPr>
-        <p:txBody>
-          <a:bodyPr>
+            <a:off x="2370667" y="2187743"/>
+            <a:ext cx="5293449" cy="2482515"/>
+          </a:xfrm>
+        </p:spPr>
+        <p:txBody>
+          <a:bodyPr anchor="ctr">
             <a:normAutofit/>
           </a:bodyPr>
           <a:lstStyle/>
           <a:p>
-            <a:pPr marL="0" indent="0">
-              <a:buNone/>
-            </a:pPr>
-            <a:endParaRPr lang="en-CA" sz="2400" dirty="0">
-              <a:solidFill>
-                <a:schemeClr val="accent1">
-                  <a:lumMod val="75000"/>
-                </a:schemeClr>
-              </a:solidFill>
-            </a:endParaRPr>
-          </a:p>
-          <a:p>
-            <a:pPr marL="0" indent="0">
-              <a:buNone/>
-            </a:pPr>
-            <a:endParaRPr lang="en-CA" sz="2400" dirty="0">
-              <a:solidFill>
-                <a:schemeClr val="accent1">
-                  <a:lumMod val="75000"/>
-                </a:schemeClr>
-              </a:solidFill>
-            </a:endParaRPr>
-          </a:p>
-          <a:p>
-            <a:pPr marL="0" indent="0">
-              <a:buNone/>
-            </a:pPr>
-            <a:r>
-              <a:rPr lang="en-CA" sz="2400" dirty="0">
-                <a:solidFill>
-                  <a:schemeClr val="accent1">
-                    <a:lumMod val="75000"/>
-                  </a:schemeClr>
-                </a:solidFill>
-              </a:rPr>
-              <a:t>Idea</a:t>
-            </a:r>
-          </a:p>
-          <a:p>
-            <a:r>
-              <a:rPr lang="en-CA" sz="2400" dirty="0"/>
-              <a:t>The new restaurant can have anywhere from 200 to 400 seats. </a:t>
-            </a:r>
-          </a:p>
-          <a:p>
-            <a:r>
-              <a:rPr lang="en-CA" sz="2400" dirty="0"/>
-              <a:t>Successively narrow this interval by optimizing mean profit at discrete points.</a:t>
-            </a:r>
-          </a:p>
-          <a:p>
-            <a:r>
-              <a:rPr lang="en-CA" sz="2400" dirty="0"/>
-              <a:t>In the beginning, use a greedy heuristic to quickly narrow down the interval.</a:t>
-            </a:r>
-          </a:p>
-          <a:p>
-            <a:r>
-              <a:rPr lang="en-CA" sz="2400" dirty="0"/>
-              <a:t>When the interval becomes “small enough”, use VNS.</a:t>
-            </a:r>
-          </a:p>
-          <a:p>
-            <a:r>
-              <a:rPr lang="en-CA" sz="2400" dirty="0"/>
-              <a:t>We can eliminate the neighborhood structure for adding/removing tables.</a:t>
-            </a:r>
+            <a:pPr algn="l"/>
+            <a:r>
+              <a:rPr lang="en-CA" dirty="0"/>
+              <a:t>Simulation</a:t>
+            </a:r>
+            <a:endParaRPr lang="en-US" dirty="0"/>
           </a:p>
         </p:txBody>
       </p:sp>
       <p:pic>
         <p:nvPicPr>
-          <p:cNvPr id="5" name="Picture 4">
+          <p:cNvPr id="21" name="Picture 20">
             <a:extLst>
               <a:ext uri="{FF2B5EF4-FFF2-40B4-BE49-F238E27FC236}">
-                <a16:creationId xmlns:a16="http://schemas.microsoft.com/office/drawing/2014/main" id="{8977407B-874A-4791-897D-6196620D6F56}"/>
+                <a16:creationId xmlns:a16="http://schemas.microsoft.com/office/drawing/2014/main" id="{42C85B27-11F7-44C3-880A-3D4700405CB6}"/>
               </a:ext>
             </a:extLst>
           </p:cNvPr>
@@ -9389,7 +11657,7 @@
           <p:nvPr/>
         </p:nvPicPr>
         <p:blipFill>
-          <a:blip r:embed="rId2">
+          <a:blip r:embed="rId2" cstate="hqprint">
             <a:extLst>
               <a:ext uri="{28A0092B-C50C-407E-A947-70E740481C1C}">
                 <a14:useLocalDpi xmlns:a14="http://schemas.microsoft.com/office/drawing/2010/main" val="0"/>
@@ -9410,46 +11678,45 @@
           </a:prstGeom>
         </p:spPr>
       </p:pic>
-      <p:sp>
-        <p:nvSpPr>
-          <p:cNvPr id="7" name="Title 1">
+      <p:pic>
+        <p:nvPicPr>
+          <p:cNvPr id="8" name="Picture 7">
             <a:extLst>
               <a:ext uri="{FF2B5EF4-FFF2-40B4-BE49-F238E27FC236}">
-                <a16:creationId xmlns:a16="http://schemas.microsoft.com/office/drawing/2014/main" id="{DF83123F-FFF6-4EB8-AA6C-703D18DCBD9D}"/>
+                <a16:creationId xmlns:a16="http://schemas.microsoft.com/office/drawing/2014/main" id="{B0659A20-1919-9042-A9D7-91BAD71914DB}"/>
               </a:ext>
             </a:extLst>
           </p:cNvPr>
-          <p:cNvSpPr>
-            <a:spLocks noGrp="1"/>
-          </p:cNvSpPr>
-          <p:nvPr>
-            <p:ph type="title"/>
-          </p:nvPr>
-        </p:nvSpPr>
-        <p:spPr>
-          <a:xfrm>
-            <a:off x="838200" y="365125"/>
-            <a:ext cx="10515600" cy="762635"/>
-          </a:xfrm>
-        </p:spPr>
-        <p:txBody>
-          <a:bodyPr>
-            <a:normAutofit/>
-          </a:bodyPr>
-          <a:lstStyle/>
-          <a:p>
-            <a:r>
-              <a:rPr lang="en-CA" sz="3600" dirty="0"/>
-              <a:t>Golden Section Method</a:t>
-            </a:r>
-            <a:endParaRPr lang="en-US" sz="3600" dirty="0"/>
-          </a:p>
-        </p:txBody>
-      </p:sp>
+          <p:cNvPicPr>
+            <a:picLocks noChangeAspect="1"/>
+          </p:cNvPicPr>
+          <p:nvPr/>
+        </p:nvPicPr>
+        <p:blipFill rotWithShape="1">
+          <a:blip r:embed="rId3">
+            <a:extLst>
+              <a:ext uri="{28A0092B-C50C-407E-A947-70E740481C1C}">
+                <a14:useLocalDpi xmlns:a14="http://schemas.microsoft.com/office/drawing/2010/main" val="0"/>
+              </a:ext>
+            </a:extLst>
+          </a:blip>
+          <a:srcRect r="11435"/>
+          <a:stretch/>
+        </p:blipFill>
+        <p:spPr>
+          <a:xfrm>
+            <a:off x="608623" y="2571750"/>
+            <a:ext cx="1578738" cy="1757745"/>
+          </a:xfrm>
+          <a:prstGeom prst="rect">
+            <a:avLst/>
+          </a:prstGeom>
+        </p:spPr>
+      </p:pic>
     </p:spTree>
     <p:extLst>
       <p:ext uri="{BB962C8B-B14F-4D97-AF65-F5344CB8AC3E}">
-        <p14:creationId xmlns:p14="http://schemas.microsoft.com/office/powerpoint/2010/main" val="4093437447"/>
+        <p14:creationId xmlns:p14="http://schemas.microsoft.com/office/powerpoint/2010/main" val="1390800610"/>
       </p:ext>
     </p:extLst>
   </p:cSld>
@@ -9504,212 +11771,18 @@
           </a:bodyPr>
           <a:lstStyle/>
           <a:p>
+            <a:endParaRPr lang="en-CA" sz="2400" dirty="0"/>
+          </a:p>
+          <a:p>
             <a:pPr marL="0" indent="0">
               <a:buNone/>
             </a:pPr>
-            <a:endParaRPr lang="en-CA" sz="2400" dirty="0">
-              <a:solidFill>
-                <a:schemeClr val="accent1">
-                  <a:lumMod val="75000"/>
-                </a:schemeClr>
-              </a:solidFill>
-            </a:endParaRPr>
+            <a:endParaRPr lang="en-CA" sz="2400" dirty="0"/>
           </a:p>
           <a:p>
             <a:pPr marL="0" indent="0">
               <a:buNone/>
             </a:pPr>
-            <a:endParaRPr lang="en-CA" sz="2400" dirty="0">
-              <a:solidFill>
-                <a:schemeClr val="accent1">
-                  <a:lumMod val="75000"/>
-                </a:schemeClr>
-              </a:solidFill>
-            </a:endParaRPr>
-          </a:p>
-          <a:p>
-            <a:pPr marL="0" indent="0">
-              <a:buNone/>
-            </a:pPr>
-            <a:r>
-              <a:rPr lang="en-CA" sz="2400" dirty="0">
-                <a:solidFill>
-                  <a:schemeClr val="accent1">
-                    <a:lumMod val="75000"/>
-                  </a:schemeClr>
-                </a:solidFill>
-              </a:rPr>
-              <a:t>Conditions</a:t>
-            </a:r>
-          </a:p>
-          <a:p>
-            <a:r>
-              <a:rPr lang="en-CA" sz="2400" dirty="0"/>
-              <a:t>Mean profit as a function of number of seats must be concave </a:t>
-            </a:r>
-            <a:r>
-              <a:rPr lang="en-CA" sz="2400"/>
-              <a:t>(unimodal).</a:t>
-            </a:r>
-            <a:endParaRPr lang="en-CA" sz="2400" dirty="0"/>
-          </a:p>
-          <a:p>
-            <a:r>
-              <a:rPr lang="en-CA" sz="2400" dirty="0"/>
-              <a:t>In the interval that greedy heuristic eliminates, its results must be consistent with the results of VNS. </a:t>
-            </a:r>
-          </a:p>
-          <a:p>
-            <a:pPr marL="0" indent="0" algn="ctr">
-              <a:buNone/>
-            </a:pPr>
-            <a:r>
-              <a:rPr lang="en-CA" sz="2400" i="1" dirty="0"/>
-              <a:t>e.g. </a:t>
-            </a:r>
-            <a:r>
-              <a:rPr lang="en-CA" sz="2400" i="1" dirty="0" err="1">
-                <a:solidFill>
-                  <a:schemeClr val="accent6">
-                    <a:lumMod val="75000"/>
-                  </a:schemeClr>
-                </a:solidFill>
-              </a:rPr>
-              <a:t>f</a:t>
-            </a:r>
-            <a:r>
-              <a:rPr lang="en-CA" sz="2400" i="1" baseline="-25000" dirty="0" err="1">
-                <a:solidFill>
-                  <a:schemeClr val="accent6">
-                    <a:lumMod val="75000"/>
-                  </a:schemeClr>
-                </a:solidFill>
-              </a:rPr>
-              <a:t>greedy</a:t>
-            </a:r>
-            <a:r>
-              <a:rPr lang="en-CA" sz="2400" dirty="0">
-                <a:solidFill>
-                  <a:schemeClr val="accent6">
-                    <a:lumMod val="75000"/>
-                  </a:schemeClr>
-                </a:solidFill>
-              </a:rPr>
-              <a:t>(300) &gt; </a:t>
-            </a:r>
-            <a:r>
-              <a:rPr lang="en-CA" sz="2400" i="1" dirty="0" err="1">
-                <a:solidFill>
-                  <a:schemeClr val="accent6">
-                    <a:lumMod val="75000"/>
-                  </a:schemeClr>
-                </a:solidFill>
-              </a:rPr>
-              <a:t>f</a:t>
-            </a:r>
-            <a:r>
-              <a:rPr lang="en-CA" sz="2400" i="1" baseline="-25000" dirty="0" err="1">
-                <a:solidFill>
-                  <a:schemeClr val="accent6">
-                    <a:lumMod val="75000"/>
-                  </a:schemeClr>
-                </a:solidFill>
-              </a:rPr>
-              <a:t>greedy</a:t>
-            </a:r>
-            <a:r>
-              <a:rPr lang="en-CA" sz="2400" dirty="0">
-                <a:solidFill>
-                  <a:schemeClr val="accent6">
-                    <a:lumMod val="75000"/>
-                  </a:schemeClr>
-                </a:solidFill>
-              </a:rPr>
-              <a:t>(350) </a:t>
-            </a:r>
-            <a:r>
-              <a:rPr lang="en-CA" sz="2400" dirty="0">
-                <a:solidFill>
-                  <a:schemeClr val="accent6">
-                    <a:lumMod val="75000"/>
-                  </a:schemeClr>
-                </a:solidFill>
-                <a:sym typeface="Wingdings" panose="05000000000000000000" pitchFamily="2" charset="2"/>
-              </a:rPr>
-              <a:t> </a:t>
-            </a:r>
-            <a:r>
-              <a:rPr lang="en-CA" sz="2400" i="1" dirty="0" err="1">
-                <a:solidFill>
-                  <a:schemeClr val="accent6">
-                    <a:lumMod val="75000"/>
-                  </a:schemeClr>
-                </a:solidFill>
-                <a:sym typeface="Wingdings" panose="05000000000000000000" pitchFamily="2" charset="2"/>
-              </a:rPr>
-              <a:t>f</a:t>
-            </a:r>
-            <a:r>
-              <a:rPr lang="en-CA" sz="2400" i="1" baseline="-25000" dirty="0" err="1">
-                <a:solidFill>
-                  <a:schemeClr val="accent6">
-                    <a:lumMod val="75000"/>
-                  </a:schemeClr>
-                </a:solidFill>
-                <a:sym typeface="Wingdings" panose="05000000000000000000" pitchFamily="2" charset="2"/>
-              </a:rPr>
-              <a:t>VNS</a:t>
-            </a:r>
-            <a:r>
-              <a:rPr lang="en-CA" sz="2400" dirty="0">
-                <a:solidFill>
-                  <a:schemeClr val="accent6">
-                    <a:lumMod val="75000"/>
-                  </a:schemeClr>
-                </a:solidFill>
-                <a:sym typeface="Wingdings" panose="05000000000000000000" pitchFamily="2" charset="2"/>
-              </a:rPr>
-              <a:t>(300) &gt; </a:t>
-            </a:r>
-            <a:r>
-              <a:rPr lang="en-CA" sz="2400" i="1" dirty="0" err="1">
-                <a:solidFill>
-                  <a:schemeClr val="accent6">
-                    <a:lumMod val="75000"/>
-                  </a:schemeClr>
-                </a:solidFill>
-                <a:sym typeface="Wingdings" panose="05000000000000000000" pitchFamily="2" charset="2"/>
-              </a:rPr>
-              <a:t>f</a:t>
-            </a:r>
-            <a:r>
-              <a:rPr lang="en-CA" sz="2400" i="1" baseline="-25000" dirty="0" err="1">
-                <a:solidFill>
-                  <a:schemeClr val="accent6">
-                    <a:lumMod val="75000"/>
-                  </a:schemeClr>
-                </a:solidFill>
-                <a:sym typeface="Wingdings" panose="05000000000000000000" pitchFamily="2" charset="2"/>
-              </a:rPr>
-              <a:t>VNS</a:t>
-            </a:r>
-            <a:r>
-              <a:rPr lang="en-CA" sz="2400" dirty="0">
-                <a:solidFill>
-                  <a:schemeClr val="accent6">
-                    <a:lumMod val="75000"/>
-                  </a:schemeClr>
-                </a:solidFill>
-                <a:sym typeface="Wingdings" panose="05000000000000000000" pitchFamily="2" charset="2"/>
-              </a:rPr>
-              <a:t>(350)</a:t>
-            </a:r>
-            <a:endParaRPr lang="en-CA" sz="2400" dirty="0"/>
-          </a:p>
-          <a:p>
-            <a:endParaRPr lang="en-CA" sz="2400" dirty="0"/>
-          </a:p>
-          <a:p>
             <a:endParaRPr lang="en-CA" sz="2400" dirty="0"/>
           </a:p>
         </p:txBody>
@@ -9729,7 +11802,7 @@
           <p:nvPr/>
         </p:nvPicPr>
         <p:blipFill>
-          <a:blip r:embed="rId2">
+          <a:blip r:embed="rId2" cstate="hqprint">
             <a:extLst>
               <a:ext uri="{28A0092B-C50C-407E-A947-70E740481C1C}">
                 <a14:useLocalDpi xmlns:a14="http://schemas.microsoft.com/office/drawing/2010/main" val="0"/>
@@ -9752,44 +11825,304 @@
       </p:pic>
       <p:sp>
         <p:nvSpPr>
-          <p:cNvPr id="7" name="Title 1">
+          <p:cNvPr id="8" name="Title 1">
             <a:extLst>
               <a:ext uri="{FF2B5EF4-FFF2-40B4-BE49-F238E27FC236}">
-                <a16:creationId xmlns:a16="http://schemas.microsoft.com/office/drawing/2014/main" id="{DF83123F-FFF6-4EB8-AA6C-703D18DCBD9D}"/>
+                <a16:creationId xmlns:a16="http://schemas.microsoft.com/office/drawing/2014/main" id="{3C0D5108-0220-49D1-BFA7-E8863D4F1E1D}"/>
               </a:ext>
             </a:extLst>
           </p:cNvPr>
-          <p:cNvSpPr>
-            <a:spLocks noGrp="1"/>
-          </p:cNvSpPr>
-          <p:nvPr>
-            <p:ph type="title"/>
-          </p:nvPr>
+          <p:cNvSpPr txBox="1">
+            <a:spLocks/>
+          </p:cNvSpPr>
+          <p:nvPr/>
         </p:nvSpPr>
         <p:spPr>
           <a:xfrm>
             <a:off x="838200" y="365125"/>
             <a:ext cx="10515600" cy="762635"/>
           </a:xfrm>
-        </p:spPr>
-        <p:txBody>
-          <a:bodyPr>
+          <a:prstGeom prst="rect">
+            <a:avLst/>
+          </a:prstGeom>
+        </p:spPr>
+        <p:txBody>
+          <a:bodyPr vert="horz" lIns="91440" tIns="45720" rIns="91440" bIns="45720" rtlCol="0" anchor="ctr">
             <a:normAutofit/>
           </a:bodyPr>
-          <a:lstStyle/>
+          <a:lstStyle>
+            <a:lvl1pPr algn="l" defTabSz="914400" rtl="0" eaLnBrk="1" latinLnBrk="0" hangingPunct="1">
+              <a:lnSpc>
+                <a:spcPct val="90000"/>
+              </a:lnSpc>
+              <a:spcBef>
+                <a:spcPct val="0"/>
+              </a:spcBef>
+              <a:buNone/>
+              <a:defRPr sz="4400" kern="1200">
+                <a:solidFill>
+                  <a:schemeClr val="tx1"/>
+                </a:solidFill>
+                <a:latin typeface="+mj-lt"/>
+                <a:ea typeface="+mj-ea"/>
+                <a:cs typeface="+mj-cs"/>
+              </a:defRPr>
+            </a:lvl1pPr>
+          </a:lstStyle>
           <a:p>
             <a:r>
               <a:rPr lang="en-CA" sz="3600" dirty="0"/>
-              <a:t>Golden Section Method</a:t>
-            </a:r>
-            <a:endParaRPr lang="en-US" sz="3600" dirty="0"/>
-          </a:p>
-        </p:txBody>
-      </p:sp>
+              <a:t>Seating Policy</a:t>
+            </a:r>
+          </a:p>
+        </p:txBody>
+      </p:sp>
+      <p:sp>
+        <p:nvSpPr>
+          <p:cNvPr id="6" name="Content Placeholder 2">
+            <a:extLst>
+              <a:ext uri="{FF2B5EF4-FFF2-40B4-BE49-F238E27FC236}">
+                <a16:creationId xmlns:a16="http://schemas.microsoft.com/office/drawing/2014/main" id="{DC75EB99-DD43-8241-9EB0-D2DE87B6CA7E}"/>
+              </a:ext>
+            </a:extLst>
+          </p:cNvPr>
+          <p:cNvSpPr txBox="1">
+            <a:spLocks/>
+          </p:cNvSpPr>
+          <p:nvPr/>
+        </p:nvSpPr>
+        <p:spPr>
+          <a:xfrm>
+            <a:off x="990600" y="1280160"/>
+            <a:ext cx="10515600" cy="5049203"/>
+          </a:xfrm>
+          <a:prstGeom prst="rect">
+            <a:avLst/>
+          </a:prstGeom>
+        </p:spPr>
+        <p:txBody>
+          <a:bodyPr vert="horz" lIns="91440" tIns="45720" rIns="91440" bIns="45720" rtlCol="0">
+            <a:normAutofit/>
+          </a:bodyPr>
+          <a:lstStyle>
+            <a:lvl1pPr marL="228600" indent="-228600" algn="l" defTabSz="914400" rtl="0" eaLnBrk="1" latinLnBrk="0" hangingPunct="1">
+              <a:lnSpc>
+                <a:spcPct val="90000"/>
+              </a:lnSpc>
+              <a:spcBef>
+                <a:spcPts val="1000"/>
+              </a:spcBef>
+              <a:buFont typeface="Arial" panose="020B0604020202020204" pitchFamily="34" charset="0"/>
+              <a:buChar char="•"/>
+              <a:defRPr sz="2800" kern="1200">
+                <a:solidFill>
+                  <a:schemeClr val="tx1"/>
+                </a:solidFill>
+                <a:latin typeface="+mn-lt"/>
+                <a:ea typeface="+mn-ea"/>
+                <a:cs typeface="+mn-cs"/>
+              </a:defRPr>
+            </a:lvl1pPr>
+            <a:lvl2pPr marL="685800" indent="-228600" algn="l" defTabSz="914400" rtl="0" eaLnBrk="1" latinLnBrk="0" hangingPunct="1">
+              <a:lnSpc>
+                <a:spcPct val="90000"/>
+              </a:lnSpc>
+              <a:spcBef>
+                <a:spcPts val="500"/>
+              </a:spcBef>
+              <a:buFont typeface="Arial" panose="020B0604020202020204" pitchFamily="34" charset="0"/>
+              <a:buChar char="•"/>
+              <a:defRPr sz="2400" kern="1200">
+                <a:solidFill>
+                  <a:schemeClr val="tx1"/>
+                </a:solidFill>
+                <a:latin typeface="+mn-lt"/>
+                <a:ea typeface="+mn-ea"/>
+                <a:cs typeface="+mn-cs"/>
+              </a:defRPr>
+            </a:lvl2pPr>
+            <a:lvl3pPr marL="1143000" indent="-228600" algn="l" defTabSz="914400" rtl="0" eaLnBrk="1" latinLnBrk="0" hangingPunct="1">
+              <a:lnSpc>
+                <a:spcPct val="90000"/>
+              </a:lnSpc>
+              <a:spcBef>
+                <a:spcPts val="500"/>
+              </a:spcBef>
+              <a:buFont typeface="Arial" panose="020B0604020202020204" pitchFamily="34" charset="0"/>
+              <a:buChar char="•"/>
+              <a:defRPr sz="2000" kern="1200">
+                <a:solidFill>
+                  <a:schemeClr val="tx1"/>
+                </a:solidFill>
+                <a:latin typeface="+mn-lt"/>
+                <a:ea typeface="+mn-ea"/>
+                <a:cs typeface="+mn-cs"/>
+              </a:defRPr>
+            </a:lvl3pPr>
+            <a:lvl4pPr marL="1600200" indent="-228600" algn="l" defTabSz="914400" rtl="0" eaLnBrk="1" latinLnBrk="0" hangingPunct="1">
+              <a:lnSpc>
+                <a:spcPct val="90000"/>
+              </a:lnSpc>
+              <a:spcBef>
+                <a:spcPts val="500"/>
+              </a:spcBef>
+              <a:buFont typeface="Arial" panose="020B0604020202020204" pitchFamily="34" charset="0"/>
+              <a:buChar char="•"/>
+              <a:defRPr sz="1800" kern="1200">
+                <a:solidFill>
+                  <a:schemeClr val="tx1"/>
+                </a:solidFill>
+                <a:latin typeface="+mn-lt"/>
+                <a:ea typeface="+mn-ea"/>
+                <a:cs typeface="+mn-cs"/>
+              </a:defRPr>
+            </a:lvl4pPr>
+            <a:lvl5pPr marL="2057400" indent="-228600" algn="l" defTabSz="914400" rtl="0" eaLnBrk="1" latinLnBrk="0" hangingPunct="1">
+              <a:lnSpc>
+                <a:spcPct val="90000"/>
+              </a:lnSpc>
+              <a:spcBef>
+                <a:spcPts val="500"/>
+              </a:spcBef>
+              <a:buFont typeface="Arial" panose="020B0604020202020204" pitchFamily="34" charset="0"/>
+              <a:buChar char="•"/>
+              <a:defRPr sz="1800" kern="1200">
+                <a:solidFill>
+                  <a:schemeClr val="tx1"/>
+                </a:solidFill>
+                <a:latin typeface="+mn-lt"/>
+                <a:ea typeface="+mn-ea"/>
+                <a:cs typeface="+mn-cs"/>
+              </a:defRPr>
+            </a:lvl5pPr>
+            <a:lvl6pPr marL="2514600" indent="-228600" algn="l" defTabSz="914400" rtl="0" eaLnBrk="1" latinLnBrk="0" hangingPunct="1">
+              <a:lnSpc>
+                <a:spcPct val="90000"/>
+              </a:lnSpc>
+              <a:spcBef>
+                <a:spcPts val="500"/>
+              </a:spcBef>
+              <a:buFont typeface="Arial" panose="020B0604020202020204" pitchFamily="34" charset="0"/>
+              <a:buChar char="•"/>
+              <a:defRPr sz="1800" kern="1200">
+                <a:solidFill>
+                  <a:schemeClr val="tx1"/>
+                </a:solidFill>
+                <a:latin typeface="+mn-lt"/>
+                <a:ea typeface="+mn-ea"/>
+                <a:cs typeface="+mn-cs"/>
+              </a:defRPr>
+            </a:lvl6pPr>
+            <a:lvl7pPr marL="2971800" indent="-228600" algn="l" defTabSz="914400" rtl="0" eaLnBrk="1" latinLnBrk="0" hangingPunct="1">
+              <a:lnSpc>
+                <a:spcPct val="90000"/>
+              </a:lnSpc>
+              <a:spcBef>
+                <a:spcPts val="500"/>
+              </a:spcBef>
+              <a:buFont typeface="Arial" panose="020B0604020202020204" pitchFamily="34" charset="0"/>
+              <a:buChar char="•"/>
+              <a:defRPr sz="1800" kern="1200">
+                <a:solidFill>
+                  <a:schemeClr val="tx1"/>
+                </a:solidFill>
+                <a:latin typeface="+mn-lt"/>
+                <a:ea typeface="+mn-ea"/>
+                <a:cs typeface="+mn-cs"/>
+              </a:defRPr>
+            </a:lvl7pPr>
+            <a:lvl8pPr marL="3429000" indent="-228600" algn="l" defTabSz="914400" rtl="0" eaLnBrk="1" latinLnBrk="0" hangingPunct="1">
+              <a:lnSpc>
+                <a:spcPct val="90000"/>
+              </a:lnSpc>
+              <a:spcBef>
+                <a:spcPts val="500"/>
+              </a:spcBef>
+              <a:buFont typeface="Arial" panose="020B0604020202020204" pitchFamily="34" charset="0"/>
+              <a:buChar char="•"/>
+              <a:defRPr sz="1800" kern="1200">
+                <a:solidFill>
+                  <a:schemeClr val="tx1"/>
+                </a:solidFill>
+                <a:latin typeface="+mn-lt"/>
+                <a:ea typeface="+mn-ea"/>
+                <a:cs typeface="+mn-cs"/>
+              </a:defRPr>
+            </a:lvl8pPr>
+            <a:lvl9pPr marL="3886200" indent="-228600" algn="l" defTabSz="914400" rtl="0" eaLnBrk="1" latinLnBrk="0" hangingPunct="1">
+              <a:lnSpc>
+                <a:spcPct val="90000"/>
+              </a:lnSpc>
+              <a:spcBef>
+                <a:spcPts val="500"/>
+              </a:spcBef>
+              <a:buFont typeface="Arial" panose="020B0604020202020204" pitchFamily="34" charset="0"/>
+              <a:buChar char="•"/>
+              <a:defRPr sz="1800" kern="1200">
+                <a:solidFill>
+                  <a:schemeClr val="tx1"/>
+                </a:solidFill>
+                <a:latin typeface="+mn-lt"/>
+                <a:ea typeface="+mn-ea"/>
+                <a:cs typeface="+mn-cs"/>
+              </a:defRPr>
+            </a:lvl9pPr>
+          </a:lstStyle>
+          <a:p>
+            <a:r>
+              <a:rPr lang="en-CA" sz="2400" dirty="0"/>
+              <a:t>Initial approach:</a:t>
+            </a:r>
+          </a:p>
+          <a:p>
+            <a:pPr lvl="1"/>
+            <a:r>
+              <a:rPr lang="en-CA" sz="2000" dirty="0"/>
+              <a:t>First-come, First-served basis</a:t>
+            </a:r>
+          </a:p>
+        </p:txBody>
+      </p:sp>
+      <p:pic>
+        <p:nvPicPr>
+          <p:cNvPr id="4" name="Picture 3">
+            <a:extLst>
+              <a:ext uri="{FF2B5EF4-FFF2-40B4-BE49-F238E27FC236}">
+                <a16:creationId xmlns:a16="http://schemas.microsoft.com/office/drawing/2014/main" id="{E69B5CD5-57DF-A043-8C11-AF289518979D}"/>
+              </a:ext>
+            </a:extLst>
+          </p:cNvPr>
+          <p:cNvPicPr>
+            <a:picLocks noChangeAspect="1"/>
+          </p:cNvPicPr>
+          <p:nvPr/>
+        </p:nvPicPr>
+        <p:blipFill>
+          <a:blip r:embed="rId3">
+            <a:extLst>
+              <a:ext uri="{28A0092B-C50C-407E-A947-70E740481C1C}">
+                <a14:useLocalDpi xmlns:a14="http://schemas.microsoft.com/office/drawing/2010/main" val="0"/>
+              </a:ext>
+            </a:extLst>
+          </a:blip>
+          <a:stretch>
+            <a:fillRect/>
+          </a:stretch>
+        </p:blipFill>
+        <p:spPr>
+          <a:xfrm>
+            <a:off x="2376566" y="2067152"/>
+            <a:ext cx="7438867" cy="4758309"/>
+          </a:xfrm>
+          <a:prstGeom prst="rect">
+            <a:avLst/>
+          </a:prstGeom>
+        </p:spPr>
+      </p:pic>
     </p:spTree>
     <p:extLst>
       <p:ext uri="{BB962C8B-B14F-4D97-AF65-F5344CB8AC3E}">
-        <p14:creationId xmlns:p14="http://schemas.microsoft.com/office/powerpoint/2010/main" val="3961735586"/>
+        <p14:creationId xmlns:p14="http://schemas.microsoft.com/office/powerpoint/2010/main" val="3946468886"/>
       </p:ext>
     </p:extLst>
   </p:cSld>
@@ -9844,16 +12177,7 @@
           </a:bodyPr>
           <a:lstStyle/>
           <a:p>
-            <a:pPr marL="0" indent="0">
-              <a:buNone/>
-            </a:pPr>
-            <a:endParaRPr lang="en-CA" sz="2400" dirty="0">
-              <a:solidFill>
-                <a:schemeClr val="accent1">
-                  <a:lumMod val="75000"/>
-                </a:schemeClr>
-              </a:solidFill>
-            </a:endParaRPr>
+            <a:endParaRPr lang="en-CA" sz="2400" dirty="0"/>
           </a:p>
           <a:p>
             <a:pPr marL="0" indent="0">
@@ -9862,6 +12186,9 @@
             <a:endParaRPr lang="en-CA" sz="2400" dirty="0"/>
           </a:p>
           <a:p>
+            <a:pPr marL="0" indent="0">
+              <a:buNone/>
+            </a:pPr>
             <a:endParaRPr lang="en-CA" sz="2400" dirty="0"/>
           </a:p>
         </p:txBody>
@@ -9881,7 +12208,7 @@
           <p:nvPr/>
         </p:nvPicPr>
         <p:blipFill>
-          <a:blip r:embed="rId2">
+          <a:blip r:embed="rId2" cstate="hqprint">
             <a:extLst>
               <a:ext uri="{28A0092B-C50C-407E-A947-70E740481C1C}">
                 <a14:useLocalDpi xmlns:a14="http://schemas.microsoft.com/office/drawing/2010/main" val="0"/>
@@ -9904,46 +12231,296 @@
       </p:pic>
       <p:sp>
         <p:nvSpPr>
-          <p:cNvPr id="7" name="Title 1">
+          <p:cNvPr id="8" name="Title 1">
             <a:extLst>
               <a:ext uri="{FF2B5EF4-FFF2-40B4-BE49-F238E27FC236}">
-                <a16:creationId xmlns:a16="http://schemas.microsoft.com/office/drawing/2014/main" id="{DF83123F-FFF6-4EB8-AA6C-703D18DCBD9D}"/>
+                <a16:creationId xmlns:a16="http://schemas.microsoft.com/office/drawing/2014/main" id="{3C0D5108-0220-49D1-BFA7-E8863D4F1E1D}"/>
               </a:ext>
             </a:extLst>
           </p:cNvPr>
-          <p:cNvSpPr>
-            <a:spLocks noGrp="1"/>
-          </p:cNvSpPr>
-          <p:nvPr>
-            <p:ph type="title"/>
-          </p:nvPr>
+          <p:cNvSpPr txBox="1">
+            <a:spLocks/>
+          </p:cNvSpPr>
+          <p:nvPr/>
         </p:nvSpPr>
         <p:spPr>
           <a:xfrm>
             <a:off x="838200" y="365125"/>
             <a:ext cx="10515600" cy="762635"/>
           </a:xfrm>
-        </p:spPr>
-        <p:txBody>
-          <a:bodyPr>
+          <a:prstGeom prst="rect">
+            <a:avLst/>
+          </a:prstGeom>
+        </p:spPr>
+        <p:txBody>
+          <a:bodyPr vert="horz" lIns="91440" tIns="45720" rIns="91440" bIns="45720" rtlCol="0" anchor="ctr">
             <a:normAutofit/>
           </a:bodyPr>
-          <a:lstStyle/>
+          <a:lstStyle>
+            <a:lvl1pPr algn="l" defTabSz="914400" rtl="0" eaLnBrk="1" latinLnBrk="0" hangingPunct="1">
+              <a:lnSpc>
+                <a:spcPct val="90000"/>
+              </a:lnSpc>
+              <a:spcBef>
+                <a:spcPct val="0"/>
+              </a:spcBef>
+              <a:buNone/>
+              <a:defRPr sz="4400" kern="1200">
+                <a:solidFill>
+                  <a:schemeClr val="tx1"/>
+                </a:solidFill>
+                <a:latin typeface="+mj-lt"/>
+                <a:ea typeface="+mj-ea"/>
+                <a:cs typeface="+mj-cs"/>
+              </a:defRPr>
+            </a:lvl1pPr>
+          </a:lstStyle>
           <a:p>
             <a:r>
               <a:rPr lang="en-CA" sz="3600" dirty="0"/>
-              <a:t>Golden Section Method</a:t>
-            </a:r>
-            <a:endParaRPr lang="en-US" sz="3600" dirty="0"/>
+              <a:t>Seating Policy</a:t>
+            </a:r>
+          </a:p>
+        </p:txBody>
+      </p:sp>
+      <p:sp>
+        <p:nvSpPr>
+          <p:cNvPr id="6" name="Content Placeholder 2">
+            <a:extLst>
+              <a:ext uri="{FF2B5EF4-FFF2-40B4-BE49-F238E27FC236}">
+                <a16:creationId xmlns:a16="http://schemas.microsoft.com/office/drawing/2014/main" id="{DC75EB99-DD43-8241-9EB0-D2DE87B6CA7E}"/>
+              </a:ext>
+            </a:extLst>
+          </p:cNvPr>
+          <p:cNvSpPr txBox="1">
+            <a:spLocks/>
+          </p:cNvSpPr>
+          <p:nvPr/>
+        </p:nvSpPr>
+        <p:spPr>
+          <a:xfrm>
+            <a:off x="990599" y="1380450"/>
+            <a:ext cx="3838575" cy="4948913"/>
+          </a:xfrm>
+          <a:prstGeom prst="rect">
+            <a:avLst/>
+          </a:prstGeom>
+        </p:spPr>
+        <p:txBody>
+          <a:bodyPr vert="horz" lIns="91440" tIns="45720" rIns="91440" bIns="45720" rtlCol="0">
+            <a:normAutofit/>
+          </a:bodyPr>
+          <a:lstStyle>
+            <a:lvl1pPr marL="228600" indent="-228600" algn="l" defTabSz="914400" rtl="0" eaLnBrk="1" latinLnBrk="0" hangingPunct="1">
+              <a:lnSpc>
+                <a:spcPct val="90000"/>
+              </a:lnSpc>
+              <a:spcBef>
+                <a:spcPts val="1000"/>
+              </a:spcBef>
+              <a:buFont typeface="Arial" panose="020B0604020202020204" pitchFamily="34" charset="0"/>
+              <a:buChar char="•"/>
+              <a:defRPr sz="2800" kern="1200">
+                <a:solidFill>
+                  <a:schemeClr val="tx1"/>
+                </a:solidFill>
+                <a:latin typeface="+mn-lt"/>
+                <a:ea typeface="+mn-ea"/>
+                <a:cs typeface="+mn-cs"/>
+              </a:defRPr>
+            </a:lvl1pPr>
+            <a:lvl2pPr marL="685800" indent="-228600" algn="l" defTabSz="914400" rtl="0" eaLnBrk="1" latinLnBrk="0" hangingPunct="1">
+              <a:lnSpc>
+                <a:spcPct val="90000"/>
+              </a:lnSpc>
+              <a:spcBef>
+                <a:spcPts val="500"/>
+              </a:spcBef>
+              <a:buFont typeface="Arial" panose="020B0604020202020204" pitchFamily="34" charset="0"/>
+              <a:buChar char="•"/>
+              <a:defRPr sz="2400" kern="1200">
+                <a:solidFill>
+                  <a:schemeClr val="tx1"/>
+                </a:solidFill>
+                <a:latin typeface="+mn-lt"/>
+                <a:ea typeface="+mn-ea"/>
+                <a:cs typeface="+mn-cs"/>
+              </a:defRPr>
+            </a:lvl2pPr>
+            <a:lvl3pPr marL="1143000" indent="-228600" algn="l" defTabSz="914400" rtl="0" eaLnBrk="1" latinLnBrk="0" hangingPunct="1">
+              <a:lnSpc>
+                <a:spcPct val="90000"/>
+              </a:lnSpc>
+              <a:spcBef>
+                <a:spcPts val="500"/>
+              </a:spcBef>
+              <a:buFont typeface="Arial" panose="020B0604020202020204" pitchFamily="34" charset="0"/>
+              <a:buChar char="•"/>
+              <a:defRPr sz="2000" kern="1200">
+                <a:solidFill>
+                  <a:schemeClr val="tx1"/>
+                </a:solidFill>
+                <a:latin typeface="+mn-lt"/>
+                <a:ea typeface="+mn-ea"/>
+                <a:cs typeface="+mn-cs"/>
+              </a:defRPr>
+            </a:lvl3pPr>
+            <a:lvl4pPr marL="1600200" indent="-228600" algn="l" defTabSz="914400" rtl="0" eaLnBrk="1" latinLnBrk="0" hangingPunct="1">
+              <a:lnSpc>
+                <a:spcPct val="90000"/>
+              </a:lnSpc>
+              <a:spcBef>
+                <a:spcPts val="500"/>
+              </a:spcBef>
+              <a:buFont typeface="Arial" panose="020B0604020202020204" pitchFamily="34" charset="0"/>
+              <a:buChar char="•"/>
+              <a:defRPr sz="1800" kern="1200">
+                <a:solidFill>
+                  <a:schemeClr val="tx1"/>
+                </a:solidFill>
+                <a:latin typeface="+mn-lt"/>
+                <a:ea typeface="+mn-ea"/>
+                <a:cs typeface="+mn-cs"/>
+              </a:defRPr>
+            </a:lvl4pPr>
+            <a:lvl5pPr marL="2057400" indent="-228600" algn="l" defTabSz="914400" rtl="0" eaLnBrk="1" latinLnBrk="0" hangingPunct="1">
+              <a:lnSpc>
+                <a:spcPct val="90000"/>
+              </a:lnSpc>
+              <a:spcBef>
+                <a:spcPts val="500"/>
+              </a:spcBef>
+              <a:buFont typeface="Arial" panose="020B0604020202020204" pitchFamily="34" charset="0"/>
+              <a:buChar char="•"/>
+              <a:defRPr sz="1800" kern="1200">
+                <a:solidFill>
+                  <a:schemeClr val="tx1"/>
+                </a:solidFill>
+                <a:latin typeface="+mn-lt"/>
+                <a:ea typeface="+mn-ea"/>
+                <a:cs typeface="+mn-cs"/>
+              </a:defRPr>
+            </a:lvl5pPr>
+            <a:lvl6pPr marL="2514600" indent="-228600" algn="l" defTabSz="914400" rtl="0" eaLnBrk="1" latinLnBrk="0" hangingPunct="1">
+              <a:lnSpc>
+                <a:spcPct val="90000"/>
+              </a:lnSpc>
+              <a:spcBef>
+                <a:spcPts val="500"/>
+              </a:spcBef>
+              <a:buFont typeface="Arial" panose="020B0604020202020204" pitchFamily="34" charset="0"/>
+              <a:buChar char="•"/>
+              <a:defRPr sz="1800" kern="1200">
+                <a:solidFill>
+                  <a:schemeClr val="tx1"/>
+                </a:solidFill>
+                <a:latin typeface="+mn-lt"/>
+                <a:ea typeface="+mn-ea"/>
+                <a:cs typeface="+mn-cs"/>
+              </a:defRPr>
+            </a:lvl6pPr>
+            <a:lvl7pPr marL="2971800" indent="-228600" algn="l" defTabSz="914400" rtl="0" eaLnBrk="1" latinLnBrk="0" hangingPunct="1">
+              <a:lnSpc>
+                <a:spcPct val="90000"/>
+              </a:lnSpc>
+              <a:spcBef>
+                <a:spcPts val="500"/>
+              </a:spcBef>
+              <a:buFont typeface="Arial" panose="020B0604020202020204" pitchFamily="34" charset="0"/>
+              <a:buChar char="•"/>
+              <a:defRPr sz="1800" kern="1200">
+                <a:solidFill>
+                  <a:schemeClr val="tx1"/>
+                </a:solidFill>
+                <a:latin typeface="+mn-lt"/>
+                <a:ea typeface="+mn-ea"/>
+                <a:cs typeface="+mn-cs"/>
+              </a:defRPr>
+            </a:lvl7pPr>
+            <a:lvl8pPr marL="3429000" indent="-228600" algn="l" defTabSz="914400" rtl="0" eaLnBrk="1" latinLnBrk="0" hangingPunct="1">
+              <a:lnSpc>
+                <a:spcPct val="90000"/>
+              </a:lnSpc>
+              <a:spcBef>
+                <a:spcPts val="500"/>
+              </a:spcBef>
+              <a:buFont typeface="Arial" panose="020B0604020202020204" pitchFamily="34" charset="0"/>
+              <a:buChar char="•"/>
+              <a:defRPr sz="1800" kern="1200">
+                <a:solidFill>
+                  <a:schemeClr val="tx1"/>
+                </a:solidFill>
+                <a:latin typeface="+mn-lt"/>
+                <a:ea typeface="+mn-ea"/>
+                <a:cs typeface="+mn-cs"/>
+              </a:defRPr>
+            </a:lvl8pPr>
+            <a:lvl9pPr marL="3886200" indent="-228600" algn="l" defTabSz="914400" rtl="0" eaLnBrk="1" latinLnBrk="0" hangingPunct="1">
+              <a:lnSpc>
+                <a:spcPct val="90000"/>
+              </a:lnSpc>
+              <a:spcBef>
+                <a:spcPts val="500"/>
+              </a:spcBef>
+              <a:buFont typeface="Arial" panose="020B0604020202020204" pitchFamily="34" charset="0"/>
+              <a:buChar char="•"/>
+              <a:defRPr sz="1800" kern="1200">
+                <a:solidFill>
+                  <a:schemeClr val="tx1"/>
+                </a:solidFill>
+                <a:latin typeface="+mn-lt"/>
+                <a:ea typeface="+mn-ea"/>
+                <a:cs typeface="+mn-cs"/>
+              </a:defRPr>
+            </a:lvl9pPr>
+          </a:lstStyle>
+          <a:p>
+            <a:r>
+              <a:rPr lang="en-CA" sz="2400" dirty="0"/>
+              <a:t>Modified approach:</a:t>
+            </a:r>
+          </a:p>
+          <a:p>
+            <a:pPr lvl="1">
+              <a:lnSpc>
+                <a:spcPct val="100000"/>
+              </a:lnSpc>
+            </a:pPr>
+            <a:r>
+              <a:rPr lang="en-CA" sz="2000" dirty="0"/>
+              <a:t>Reservation Policy</a:t>
+            </a:r>
+          </a:p>
+          <a:p>
+            <a:pPr lvl="1">
+              <a:lnSpc>
+                <a:spcPct val="100000"/>
+              </a:lnSpc>
+            </a:pPr>
+            <a:r>
+              <a:rPr lang="en-CA" sz="2000" dirty="0"/>
+              <a:t>Consisting the reservation of a table (size n) to a group (size n)</a:t>
+            </a:r>
+          </a:p>
+          <a:p>
+            <a:pPr lvl="1">
+              <a:lnSpc>
+                <a:spcPct val="100000"/>
+              </a:lnSpc>
+            </a:pPr>
+            <a:r>
+              <a:rPr lang="en-CA" sz="2000" dirty="0"/>
+              <a:t>First-come, first-served policy except the “prioritized customers” </a:t>
+            </a:r>
           </a:p>
         </p:txBody>
       </p:sp>
       <p:pic>
         <p:nvPicPr>
-          <p:cNvPr id="4" name="Picture 3" descr="A close up of a map&#10;&#10;Description generated with very high confidence">
+          <p:cNvPr id="55" name="Picture 54">
             <a:extLst>
               <a:ext uri="{FF2B5EF4-FFF2-40B4-BE49-F238E27FC236}">
-                <a16:creationId xmlns:a16="http://schemas.microsoft.com/office/drawing/2014/main" id="{6F7F02D7-F0E8-4ACF-B7CC-959B5D7282D2}"/>
+                <a16:creationId xmlns:a16="http://schemas.microsoft.com/office/drawing/2014/main" id="{6980704D-E096-8541-8F9A-7431FBD2A993}"/>
               </a:ext>
             </a:extLst>
           </p:cNvPr>
@@ -9952,7 +12529,7 @@
           </p:cNvPicPr>
           <p:nvPr/>
         </p:nvPicPr>
-        <p:blipFill>
+        <p:blipFill rotWithShape="1">
           <a:blip r:embed="rId3">
             <a:extLst>
               <a:ext uri="{28A0092B-C50C-407E-A947-70E740481C1C}">
@@ -9960,50 +12537,13 @@
               </a:ext>
             </a:extLst>
           </a:blip>
-          <a:stretch>
-            <a:fillRect/>
-          </a:stretch>
+          <a:srcRect l="3069" t="1369" r="2563" b="2583"/>
+          <a:stretch/>
         </p:blipFill>
         <p:spPr>
           <a:xfrm>
-            <a:off x="778721" y="1658381"/>
-            <a:ext cx="5317279" cy="3987959"/>
-          </a:xfrm>
-          <a:prstGeom prst="rect">
-            <a:avLst/>
-          </a:prstGeom>
-        </p:spPr>
-      </p:pic>
-      <p:pic>
-        <p:nvPicPr>
-          <p:cNvPr id="8" name="Picture 7" descr="A close up of a map&#10;&#10;Description generated with very high confidence">
-            <a:extLst>
-              <a:ext uri="{FF2B5EF4-FFF2-40B4-BE49-F238E27FC236}">
-                <a16:creationId xmlns:a16="http://schemas.microsoft.com/office/drawing/2014/main" id="{CF3EF8CE-D7AB-4D17-A165-93D49F443CCF}"/>
-              </a:ext>
-            </a:extLst>
-          </p:cNvPr>
-          <p:cNvPicPr>
-            <a:picLocks noChangeAspect="1"/>
-          </p:cNvPicPr>
-          <p:nvPr/>
-        </p:nvPicPr>
-        <p:blipFill>
-          <a:blip r:embed="rId4">
-            <a:extLst>
-              <a:ext uri="{28A0092B-C50C-407E-A947-70E740481C1C}">
-                <a14:useLocalDpi xmlns:a14="http://schemas.microsoft.com/office/drawing/2010/main" val="0"/>
-              </a:ext>
-            </a:extLst>
-          </a:blip>
-          <a:stretch>
-            <a:fillRect/>
-          </a:stretch>
-        </p:blipFill>
-        <p:spPr>
-          <a:xfrm>
-            <a:off x="6200352" y="1697512"/>
-            <a:ext cx="5212927" cy="3909695"/>
+            <a:off x="4873214" y="1032878"/>
+            <a:ext cx="7318786" cy="5644056"/>
           </a:xfrm>
           <a:prstGeom prst="rect">
             <a:avLst/>
@@ -10013,7 +12553,7 @@
     </p:spTree>
     <p:extLst>
       <p:ext uri="{BB962C8B-B14F-4D97-AF65-F5344CB8AC3E}">
-        <p14:creationId xmlns:p14="http://schemas.microsoft.com/office/powerpoint/2010/main" val="2306792197"/>
+        <p14:creationId xmlns:p14="http://schemas.microsoft.com/office/powerpoint/2010/main" val="1048200185"/>
       </p:ext>
     </p:extLst>
   </p:cSld>

--- a/Presentation.pptx
+++ b/Presentation.pptx
@@ -5,7 +5,7 @@
     <p:sldMasterId id="2147483660" r:id="rId1"/>
   </p:sldMasterIdLst>
   <p:notesMasterIdLst>
-    <p:notesMasterId r:id="rId32"/>
+    <p:notesMasterId r:id="rId36"/>
   </p:notesMasterIdLst>
   <p:sldIdLst>
     <p:sldId id="256" r:id="rId2"/>
@@ -15,29 +15,33 @@
     <p:sldId id="286" r:id="rId6"/>
     <p:sldId id="257" r:id="rId7"/>
     <p:sldId id="287" r:id="rId8"/>
-    <p:sldId id="288" r:id="rId9"/>
-    <p:sldId id="289" r:id="rId10"/>
-    <p:sldId id="292" r:id="rId11"/>
-    <p:sldId id="258" r:id="rId12"/>
-    <p:sldId id="282" r:id="rId13"/>
-    <p:sldId id="290" r:id="rId14"/>
-    <p:sldId id="291" r:id="rId15"/>
-    <p:sldId id="273" r:id="rId16"/>
-    <p:sldId id="261" r:id="rId17"/>
-    <p:sldId id="264" r:id="rId18"/>
-    <p:sldId id="266" r:id="rId19"/>
-    <p:sldId id="267" r:id="rId20"/>
-    <p:sldId id="268" r:id="rId21"/>
-    <p:sldId id="270" r:id="rId22"/>
-    <p:sldId id="260" r:id="rId23"/>
-    <p:sldId id="276" r:id="rId24"/>
-    <p:sldId id="272" r:id="rId25"/>
-    <p:sldId id="277" r:id="rId26"/>
-    <p:sldId id="278" r:id="rId27"/>
-    <p:sldId id="275" r:id="rId28"/>
-    <p:sldId id="279" r:id="rId29"/>
-    <p:sldId id="280" r:id="rId30"/>
-    <p:sldId id="281" r:id="rId31"/>
+    <p:sldId id="293" r:id="rId9"/>
+    <p:sldId id="294" r:id="rId10"/>
+    <p:sldId id="295" r:id="rId11"/>
+    <p:sldId id="296" r:id="rId12"/>
+    <p:sldId id="288" r:id="rId13"/>
+    <p:sldId id="289" r:id="rId14"/>
+    <p:sldId id="292" r:id="rId15"/>
+    <p:sldId id="258" r:id="rId16"/>
+    <p:sldId id="282" r:id="rId17"/>
+    <p:sldId id="290" r:id="rId18"/>
+    <p:sldId id="291" r:id="rId19"/>
+    <p:sldId id="273" r:id="rId20"/>
+    <p:sldId id="261" r:id="rId21"/>
+    <p:sldId id="264" r:id="rId22"/>
+    <p:sldId id="266" r:id="rId23"/>
+    <p:sldId id="267" r:id="rId24"/>
+    <p:sldId id="268" r:id="rId25"/>
+    <p:sldId id="270" r:id="rId26"/>
+    <p:sldId id="260" r:id="rId27"/>
+    <p:sldId id="276" r:id="rId28"/>
+    <p:sldId id="272" r:id="rId29"/>
+    <p:sldId id="277" r:id="rId30"/>
+    <p:sldId id="278" r:id="rId31"/>
+    <p:sldId id="275" r:id="rId32"/>
+    <p:sldId id="279" r:id="rId33"/>
+    <p:sldId id="280" r:id="rId34"/>
+    <p:sldId id="281" r:id="rId35"/>
   </p:sldIdLst>
   <p:sldSz cx="12192000" cy="6858000"/>
   <p:notesSz cx="6858000" cy="9144000"/>
@@ -568,7 +572,7 @@
           <a:p>
             <a:fld id="{F337A9D5-A264-4B80-8400-78E45D6652AF}" type="slidenum">
               <a:rPr lang="en-US" smtClean="0"/>
-              <a:t>29</a:t>
+              <a:t>33</a:t>
             </a:fld>
             <a:endParaRPr lang="en-US"/>
           </a:p>
@@ -660,7 +664,7 @@
           <a:p>
             <a:fld id="{F337A9D5-A264-4B80-8400-78E45D6652AF}" type="slidenum">
               <a:rPr lang="en-US" smtClean="0"/>
-              <a:t>30</a:t>
+              <a:t>34</a:t>
             </a:fld>
             <a:endParaRPr lang="en-US"/>
           </a:p>
@@ -3747,64 +3751,6 @@
           <a:chExt cx="0" cy="0"/>
         </a:xfrm>
       </p:grpSpPr>
-      <p:sp>
-        <p:nvSpPr>
-          <p:cNvPr id="3" name="Content Placeholder 2">
-            <a:extLst>
-              <a:ext uri="{FF2B5EF4-FFF2-40B4-BE49-F238E27FC236}">
-                <a16:creationId xmlns:a16="http://schemas.microsoft.com/office/drawing/2014/main" id="{2E5DAAB6-C87E-4C10-8DDC-15F41DB00A20}"/>
-              </a:ext>
-            </a:extLst>
-          </p:cNvPr>
-          <p:cNvSpPr>
-            <a:spLocks noGrp="1"/>
-          </p:cNvSpPr>
-          <p:nvPr>
-            <p:ph idx="1"/>
-          </p:nvPr>
-        </p:nvSpPr>
-        <p:spPr>
-          <a:xfrm>
-            <a:off x="838200" y="1127760"/>
-            <a:ext cx="10515600" cy="5049203"/>
-          </a:xfrm>
-        </p:spPr>
-        <p:txBody>
-          <a:bodyPr>
-            <a:normAutofit/>
-          </a:bodyPr>
-          <a:lstStyle/>
-          <a:p>
-            <a:r>
-              <a:rPr lang="en-CA" sz="2400" dirty="0"/>
-              <a:t>Method:</a:t>
-            </a:r>
-          </a:p>
-          <a:p>
-            <a:pPr lvl="1"/>
-            <a:r>
-              <a:rPr lang="en-CA" sz="2000" dirty="0"/>
-              <a:t>Control Variate;</a:t>
-            </a:r>
-          </a:p>
-          <a:p>
-            <a:pPr lvl="1"/>
-            <a:r>
-              <a:rPr lang="en-CA" sz="2000" dirty="0"/>
-              <a:t>Number of groups that arrived;</a:t>
-            </a:r>
-          </a:p>
-          <a:p>
-            <a:r>
-              <a:rPr lang="en-CA" sz="2400" dirty="0"/>
-              <a:t>Usual number of runs: 100 (minimum accepted);</a:t>
-            </a:r>
-          </a:p>
-          <a:p>
-            <a:endParaRPr lang="en-CA" sz="2400" dirty="0"/>
-          </a:p>
-        </p:txBody>
-      </p:sp>
       <p:pic>
         <p:nvPicPr>
           <p:cNvPr id="5" name="Picture 4">
@@ -3890,64 +3836,322 @@
           <a:p>
             <a:r>
               <a:rPr lang="en-CA" sz="3600" dirty="0"/>
-              <a:t>Variance Reduction</a:t>
-            </a:r>
-            <a:endParaRPr lang="en-US" sz="3600" dirty="0"/>
-          </a:p>
-        </p:txBody>
-      </p:sp>
-      <p:pic>
-        <p:nvPicPr>
-          <p:cNvPr id="6" name="Picture 5"/>
-          <p:cNvPicPr>
-            <a:picLocks noChangeAspect="1"/>
-          </p:cNvPicPr>
+              <a:t>Table Arrangement</a:t>
+            </a:r>
+          </a:p>
+        </p:txBody>
+      </p:sp>
+      <p:sp>
+        <p:nvSpPr>
+          <p:cNvPr id="6" name="Content Placeholder 2">
+            <a:extLst>
+              <a:ext uri="{FF2B5EF4-FFF2-40B4-BE49-F238E27FC236}">
+                <a16:creationId xmlns:a16="http://schemas.microsoft.com/office/drawing/2014/main" id="{DC75EB99-DD43-8241-9EB0-D2DE87B6CA7E}"/>
+              </a:ext>
+            </a:extLst>
+          </p:cNvPr>
+          <p:cNvSpPr txBox="1">
+            <a:spLocks/>
+          </p:cNvSpPr>
           <p:nvPr/>
-        </p:nvPicPr>
-        <p:blipFill>
-          <a:blip r:embed="rId3"/>
-          <a:stretch>
-            <a:fillRect/>
-          </a:stretch>
-        </p:blipFill>
-        <p:spPr>
-          <a:xfrm>
-            <a:off x="1107768" y="2828298"/>
-            <a:ext cx="4856251" cy="3240000"/>
+        </p:nvSpPr>
+        <p:spPr>
+          <a:xfrm>
+            <a:off x="990600" y="1280160"/>
+            <a:ext cx="10515600" cy="5049203"/>
           </a:xfrm>
           <a:prstGeom prst="rect">
             <a:avLst/>
           </a:prstGeom>
         </p:spPr>
-      </p:pic>
-      <p:pic>
-        <p:nvPicPr>
-          <p:cNvPr id="10" name="Picture 9"/>
-          <p:cNvPicPr>
-            <a:picLocks noChangeAspect="1"/>
-          </p:cNvPicPr>
-          <p:nvPr/>
-        </p:nvPicPr>
-        <p:blipFill>
-          <a:blip r:embed="rId4"/>
-          <a:stretch>
-            <a:fillRect/>
-          </a:stretch>
-        </p:blipFill>
-        <p:spPr>
-          <a:xfrm>
-            <a:off x="5964019" y="2828298"/>
-            <a:ext cx="4856250" cy="3240000"/>
-          </a:xfrm>
-          <a:prstGeom prst="rect">
-            <a:avLst/>
-          </a:prstGeom>
-        </p:spPr>
-      </p:pic>
+        <p:txBody>
+          <a:bodyPr vert="horz" lIns="91440" tIns="45720" rIns="91440" bIns="45720" rtlCol="0">
+            <a:normAutofit/>
+          </a:bodyPr>
+          <a:lstStyle>
+            <a:lvl1pPr marL="228600" indent="-228600" algn="l" defTabSz="914400" rtl="0" eaLnBrk="1" latinLnBrk="0" hangingPunct="1">
+              <a:lnSpc>
+                <a:spcPct val="90000"/>
+              </a:lnSpc>
+              <a:spcBef>
+                <a:spcPts val="1000"/>
+              </a:spcBef>
+              <a:buFont typeface="Arial" panose="020B0604020202020204" pitchFamily="34" charset="0"/>
+              <a:buChar char="•"/>
+              <a:defRPr sz="2800" kern="1200">
+                <a:solidFill>
+                  <a:schemeClr val="tx1"/>
+                </a:solidFill>
+                <a:latin typeface="+mn-lt"/>
+                <a:ea typeface="+mn-ea"/>
+                <a:cs typeface="+mn-cs"/>
+              </a:defRPr>
+            </a:lvl1pPr>
+            <a:lvl2pPr marL="685800" indent="-228600" algn="l" defTabSz="914400" rtl="0" eaLnBrk="1" latinLnBrk="0" hangingPunct="1">
+              <a:lnSpc>
+                <a:spcPct val="90000"/>
+              </a:lnSpc>
+              <a:spcBef>
+                <a:spcPts val="500"/>
+              </a:spcBef>
+              <a:buFont typeface="Arial" panose="020B0604020202020204" pitchFamily="34" charset="0"/>
+              <a:buChar char="•"/>
+              <a:defRPr sz="2400" kern="1200">
+                <a:solidFill>
+                  <a:schemeClr val="tx1"/>
+                </a:solidFill>
+                <a:latin typeface="+mn-lt"/>
+                <a:ea typeface="+mn-ea"/>
+                <a:cs typeface="+mn-cs"/>
+              </a:defRPr>
+            </a:lvl2pPr>
+            <a:lvl3pPr marL="1143000" indent="-228600" algn="l" defTabSz="914400" rtl="0" eaLnBrk="1" latinLnBrk="0" hangingPunct="1">
+              <a:lnSpc>
+                <a:spcPct val="90000"/>
+              </a:lnSpc>
+              <a:spcBef>
+                <a:spcPts val="500"/>
+              </a:spcBef>
+              <a:buFont typeface="Arial" panose="020B0604020202020204" pitchFamily="34" charset="0"/>
+              <a:buChar char="•"/>
+              <a:defRPr sz="2000" kern="1200">
+                <a:solidFill>
+                  <a:schemeClr val="tx1"/>
+                </a:solidFill>
+                <a:latin typeface="+mn-lt"/>
+                <a:ea typeface="+mn-ea"/>
+                <a:cs typeface="+mn-cs"/>
+              </a:defRPr>
+            </a:lvl3pPr>
+            <a:lvl4pPr marL="1600200" indent="-228600" algn="l" defTabSz="914400" rtl="0" eaLnBrk="1" latinLnBrk="0" hangingPunct="1">
+              <a:lnSpc>
+                <a:spcPct val="90000"/>
+              </a:lnSpc>
+              <a:spcBef>
+                <a:spcPts val="500"/>
+              </a:spcBef>
+              <a:buFont typeface="Arial" panose="020B0604020202020204" pitchFamily="34" charset="0"/>
+              <a:buChar char="•"/>
+              <a:defRPr sz="1800" kern="1200">
+                <a:solidFill>
+                  <a:schemeClr val="tx1"/>
+                </a:solidFill>
+                <a:latin typeface="+mn-lt"/>
+                <a:ea typeface="+mn-ea"/>
+                <a:cs typeface="+mn-cs"/>
+              </a:defRPr>
+            </a:lvl4pPr>
+            <a:lvl5pPr marL="2057400" indent="-228600" algn="l" defTabSz="914400" rtl="0" eaLnBrk="1" latinLnBrk="0" hangingPunct="1">
+              <a:lnSpc>
+                <a:spcPct val="90000"/>
+              </a:lnSpc>
+              <a:spcBef>
+                <a:spcPts val="500"/>
+              </a:spcBef>
+              <a:buFont typeface="Arial" panose="020B0604020202020204" pitchFamily="34" charset="0"/>
+              <a:buChar char="•"/>
+              <a:defRPr sz="1800" kern="1200">
+                <a:solidFill>
+                  <a:schemeClr val="tx1"/>
+                </a:solidFill>
+                <a:latin typeface="+mn-lt"/>
+                <a:ea typeface="+mn-ea"/>
+                <a:cs typeface="+mn-cs"/>
+              </a:defRPr>
+            </a:lvl5pPr>
+            <a:lvl6pPr marL="2514600" indent="-228600" algn="l" defTabSz="914400" rtl="0" eaLnBrk="1" latinLnBrk="0" hangingPunct="1">
+              <a:lnSpc>
+                <a:spcPct val="90000"/>
+              </a:lnSpc>
+              <a:spcBef>
+                <a:spcPts val="500"/>
+              </a:spcBef>
+              <a:buFont typeface="Arial" panose="020B0604020202020204" pitchFamily="34" charset="0"/>
+              <a:buChar char="•"/>
+              <a:defRPr sz="1800" kern="1200">
+                <a:solidFill>
+                  <a:schemeClr val="tx1"/>
+                </a:solidFill>
+                <a:latin typeface="+mn-lt"/>
+                <a:ea typeface="+mn-ea"/>
+                <a:cs typeface="+mn-cs"/>
+              </a:defRPr>
+            </a:lvl6pPr>
+            <a:lvl7pPr marL="2971800" indent="-228600" algn="l" defTabSz="914400" rtl="0" eaLnBrk="1" latinLnBrk="0" hangingPunct="1">
+              <a:lnSpc>
+                <a:spcPct val="90000"/>
+              </a:lnSpc>
+              <a:spcBef>
+                <a:spcPts val="500"/>
+              </a:spcBef>
+              <a:buFont typeface="Arial" panose="020B0604020202020204" pitchFamily="34" charset="0"/>
+              <a:buChar char="•"/>
+              <a:defRPr sz="1800" kern="1200">
+                <a:solidFill>
+                  <a:schemeClr val="tx1"/>
+                </a:solidFill>
+                <a:latin typeface="+mn-lt"/>
+                <a:ea typeface="+mn-ea"/>
+                <a:cs typeface="+mn-cs"/>
+              </a:defRPr>
+            </a:lvl7pPr>
+            <a:lvl8pPr marL="3429000" indent="-228600" algn="l" defTabSz="914400" rtl="0" eaLnBrk="1" latinLnBrk="0" hangingPunct="1">
+              <a:lnSpc>
+                <a:spcPct val="90000"/>
+              </a:lnSpc>
+              <a:spcBef>
+                <a:spcPts val="500"/>
+              </a:spcBef>
+              <a:buFont typeface="Arial" panose="020B0604020202020204" pitchFamily="34" charset="0"/>
+              <a:buChar char="•"/>
+              <a:defRPr sz="1800" kern="1200">
+                <a:solidFill>
+                  <a:schemeClr val="tx1"/>
+                </a:solidFill>
+                <a:latin typeface="+mn-lt"/>
+                <a:ea typeface="+mn-ea"/>
+                <a:cs typeface="+mn-cs"/>
+              </a:defRPr>
+            </a:lvl8pPr>
+            <a:lvl9pPr marL="3886200" indent="-228600" algn="l" defTabSz="914400" rtl="0" eaLnBrk="1" latinLnBrk="0" hangingPunct="1">
+              <a:lnSpc>
+                <a:spcPct val="90000"/>
+              </a:lnSpc>
+              <a:spcBef>
+                <a:spcPts val="500"/>
+              </a:spcBef>
+              <a:buFont typeface="Arial" panose="020B0604020202020204" pitchFamily="34" charset="0"/>
+              <a:buChar char="•"/>
+              <a:defRPr sz="1800" kern="1200">
+                <a:solidFill>
+                  <a:schemeClr val="tx1"/>
+                </a:solidFill>
+                <a:latin typeface="+mn-lt"/>
+                <a:ea typeface="+mn-ea"/>
+                <a:cs typeface="+mn-cs"/>
+              </a:defRPr>
+            </a:lvl9pPr>
+          </a:lstStyle>
+          <a:p>
+            <a:pPr marL="0" indent="0">
+              <a:buNone/>
+            </a:pPr>
+            <a:r>
+              <a:rPr lang="en-CA" sz="2400" dirty="0"/>
+              <a:t>Default arrangements</a:t>
+            </a:r>
+          </a:p>
+          <a:p>
+            <a:pPr lvl="1"/>
+            <a:r>
+              <a:rPr lang="en-CA" sz="2000" dirty="0"/>
+              <a:t># of tables [size 1, size 2, size 3, size 4, size 5]</a:t>
+            </a:r>
+            <a:r>
+              <a:rPr lang="en-CA" sz="1600" dirty="0"/>
+              <a:t> </a:t>
+            </a:r>
+          </a:p>
+          <a:p>
+            <a:pPr marL="914400" lvl="1" indent="-457200">
+              <a:buFont typeface="+mj-lt"/>
+              <a:buAutoNum type="arabicParenR"/>
+            </a:pPr>
+            <a:endParaRPr lang="en-CA" sz="2000" dirty="0">
+              <a:solidFill>
+                <a:prstClr val="black"/>
+              </a:solidFill>
+            </a:endParaRPr>
+          </a:p>
+          <a:p>
+            <a:pPr marL="1257300" lvl="2" indent="-342900">
+              <a:buFont typeface="+mj-lt"/>
+              <a:buAutoNum type="arabicParenR"/>
+            </a:pPr>
+            <a:r>
+              <a:rPr lang="en-CA" dirty="0"/>
+              <a:t>Arrangement 1: [0, 0, 0, 0, 40]</a:t>
+            </a:r>
+          </a:p>
+          <a:p>
+            <a:pPr marL="1257300" lvl="2" indent="-342900">
+              <a:buFont typeface="+mj-lt"/>
+              <a:buAutoNum type="arabicParenR"/>
+            </a:pPr>
+            <a:r>
+              <a:rPr lang="en-CA" dirty="0"/>
+              <a:t>Arrangement 2: [0, 50, 0, 0, 20]</a:t>
+            </a:r>
+          </a:p>
+          <a:p>
+            <a:pPr marL="0" indent="0">
+              <a:buNone/>
+            </a:pPr>
+            <a:endParaRPr lang="en-CA" dirty="0"/>
+          </a:p>
+          <a:p>
+            <a:pPr marL="0" indent="0">
+              <a:buNone/>
+            </a:pPr>
+            <a:r>
+              <a:rPr lang="en-CA" sz="2400" dirty="0"/>
+              <a:t>Modified arrangements</a:t>
+            </a:r>
+          </a:p>
+          <a:p>
+            <a:pPr marL="1371600" lvl="2" indent="-457200">
+              <a:lnSpc>
+                <a:spcPct val="150000"/>
+              </a:lnSpc>
+              <a:buFont typeface="+mj-lt"/>
+              <a:buAutoNum type="arabicParenR" startAt="3"/>
+            </a:pPr>
+            <a:r>
+              <a:rPr lang="en-CA" dirty="0"/>
+              <a:t>Arrangement 3: [19, 28, 15, 10, 8]</a:t>
+            </a:r>
+          </a:p>
+          <a:p>
+            <a:pPr lvl="3">
+              <a:lnSpc>
+                <a:spcPct val="150000"/>
+              </a:lnSpc>
+            </a:pPr>
+            <a:r>
+              <a:rPr lang="en-CA" sz="2000" dirty="0"/>
+              <a:t>Arranged according to the arrival rate</a:t>
+            </a:r>
+          </a:p>
+          <a:p>
+            <a:pPr marL="1371600" lvl="2" indent="-457200">
+              <a:lnSpc>
+                <a:spcPct val="150000"/>
+              </a:lnSpc>
+              <a:buFont typeface="+mj-lt"/>
+              <a:buAutoNum type="arabicParenR" startAt="3"/>
+            </a:pPr>
+            <a:r>
+              <a:rPr lang="en-CA" dirty="0"/>
+              <a:t>Arrangement 4: [1, 28, 15, 12, 10]</a:t>
+            </a:r>
+          </a:p>
+          <a:p>
+            <a:pPr lvl="3">
+              <a:lnSpc>
+                <a:spcPct val="150000"/>
+              </a:lnSpc>
+            </a:pPr>
+            <a:r>
+              <a:rPr lang="en-CA" dirty="0"/>
+              <a:t>Modified the number of size 1</a:t>
+            </a:r>
+          </a:p>
+        </p:txBody>
+      </p:sp>
     </p:spTree>
     <p:extLst>
       <p:ext uri="{BB962C8B-B14F-4D97-AF65-F5344CB8AC3E}">
-        <p14:creationId xmlns:p14="http://schemas.microsoft.com/office/powerpoint/2010/main" val="529324684"/>
+        <p14:creationId xmlns:p14="http://schemas.microsoft.com/office/powerpoint/2010/main" val="2209840063"/>
       </p:ext>
     </p:extLst>
   </p:cSld>
@@ -3976,45 +4180,10 @@
       </p:grpSpPr>
       <p:pic>
         <p:nvPicPr>
-          <p:cNvPr id="10" name="Content Placeholder 9" descr="A screenshot of a cell phone&#10;&#10;Description generated with very high confidence">
+          <p:cNvPr id="5" name="Picture 4">
             <a:extLst>
               <a:ext uri="{FF2B5EF4-FFF2-40B4-BE49-F238E27FC236}">
-                <a16:creationId xmlns:a16="http://schemas.microsoft.com/office/drawing/2014/main" id="{9432EE17-87DB-4B00-9B56-CD2CDBFE5D6C}"/>
-              </a:ext>
-            </a:extLst>
-          </p:cNvPr>
-          <p:cNvPicPr>
-            <a:picLocks noGrp="1" noChangeAspect="1"/>
-          </p:cNvPicPr>
-          <p:nvPr>
-            <p:ph idx="1"/>
-          </p:nvPr>
-        </p:nvPicPr>
-        <p:blipFill>
-          <a:blip r:embed="rId2">
-            <a:extLst>
-              <a:ext uri="{28A0092B-C50C-407E-A947-70E740481C1C}">
-                <a14:useLocalDpi xmlns:a14="http://schemas.microsoft.com/office/drawing/2010/main" val="0"/>
-              </a:ext>
-            </a:extLst>
-          </a:blip>
-          <a:stretch>
-            <a:fillRect/>
-          </a:stretch>
-        </p:blipFill>
-        <p:spPr>
-          <a:xfrm>
-            <a:off x="0" y="1257934"/>
-            <a:ext cx="6190826" cy="4643120"/>
-          </a:xfrm>
-        </p:spPr>
-      </p:pic>
-      <p:pic>
-        <p:nvPicPr>
-          <p:cNvPr id="5" name="Picture 4">
-            <a:extLst>
-              <a:ext uri="{FF2B5EF4-FFF2-40B4-BE49-F238E27FC236}">
-                <a16:creationId xmlns:a16="http://schemas.microsoft.com/office/drawing/2014/main" id="{937DC52F-3E84-4376-A880-17A444D06451}"/>
+                <a16:creationId xmlns:a16="http://schemas.microsoft.com/office/drawing/2014/main" id="{8977407B-874A-4791-897D-6196620D6F56}"/>
               </a:ext>
             </a:extLst>
           </p:cNvPr>
@@ -4024,7 +4193,7 @@
           <p:nvPr/>
         </p:nvPicPr>
         <p:blipFill>
-          <a:blip r:embed="rId3">
+          <a:blip r:embed="rId2" cstate="hqprint">
             <a:extLst>
               <a:ext uri="{28A0092B-C50C-407E-A947-70E740481C1C}">
                 <a14:useLocalDpi xmlns:a14="http://schemas.microsoft.com/office/drawing/2010/main" val="0"/>
@@ -4047,10 +4216,10 @@
       </p:pic>
       <p:sp>
         <p:nvSpPr>
-          <p:cNvPr id="9" name="Title 1">
+          <p:cNvPr id="8" name="Title 1">
             <a:extLst>
               <a:ext uri="{FF2B5EF4-FFF2-40B4-BE49-F238E27FC236}">
-                <a16:creationId xmlns:a16="http://schemas.microsoft.com/office/drawing/2014/main" id="{D8D4F29A-F761-4FDF-9F1D-5964127B29A1}"/>
+                <a16:creationId xmlns:a16="http://schemas.microsoft.com/office/drawing/2014/main" id="{3C0D5108-0220-49D1-BFA7-E8863D4F1E1D}"/>
               </a:ext>
             </a:extLst>
           </p:cNvPr>
@@ -4093,53 +4262,373 @@
           </a:lstStyle>
           <a:p>
             <a:r>
-              <a:rPr lang="en-CA" sz="3600"/>
-              <a:t>Simulation</a:t>
-            </a:r>
-            <a:endParaRPr lang="en-US" sz="3600" dirty="0"/>
-          </a:p>
-        </p:txBody>
-      </p:sp>
-      <p:pic>
-        <p:nvPicPr>
-          <p:cNvPr id="12" name="Picture 11" descr="A screenshot of a cell phone&#10;&#10;Description generated with very high confidence">
+              <a:rPr lang="en-CA" sz="3600" dirty="0"/>
+              <a:t>Table Arrangement</a:t>
+            </a:r>
+          </a:p>
+        </p:txBody>
+      </p:sp>
+      <p:sp>
+        <p:nvSpPr>
+          <p:cNvPr id="6" name="Content Placeholder 2">
             <a:extLst>
               <a:ext uri="{FF2B5EF4-FFF2-40B4-BE49-F238E27FC236}">
-                <a16:creationId xmlns:a16="http://schemas.microsoft.com/office/drawing/2014/main" id="{7BD46D61-0DA8-4170-BCF6-6167271C1986}"/>
+                <a16:creationId xmlns:a16="http://schemas.microsoft.com/office/drawing/2014/main" id="{DC75EB99-DD43-8241-9EB0-D2DE87B6CA7E}"/>
               </a:ext>
             </a:extLst>
           </p:cNvPr>
-          <p:cNvPicPr>
-            <a:picLocks noChangeAspect="1"/>
-          </p:cNvPicPr>
+          <p:cNvSpPr txBox="1">
+            <a:spLocks/>
+          </p:cNvSpPr>
           <p:nvPr/>
-        </p:nvPicPr>
-        <p:blipFill>
-          <a:blip r:embed="rId4">
-            <a:extLst>
-              <a:ext uri="{28A0092B-C50C-407E-A947-70E740481C1C}">
-                <a14:useLocalDpi xmlns:a14="http://schemas.microsoft.com/office/drawing/2010/main" val="0"/>
-              </a:ext>
-            </a:extLst>
-          </a:blip>
-          <a:stretch>
-            <a:fillRect/>
-          </a:stretch>
-        </p:blipFill>
-        <p:spPr>
-          <a:xfrm>
-            <a:off x="6001172" y="1257934"/>
-            <a:ext cx="6190828" cy="4643121"/>
+        </p:nvSpPr>
+        <p:spPr>
+          <a:xfrm>
+            <a:off x="990600" y="1280160"/>
+            <a:ext cx="10515600" cy="5049203"/>
           </a:xfrm>
           <a:prstGeom prst="rect">
             <a:avLst/>
           </a:prstGeom>
         </p:spPr>
-      </p:pic>
+        <p:txBody>
+          <a:bodyPr vert="horz" lIns="91440" tIns="45720" rIns="91440" bIns="45720" rtlCol="0">
+            <a:normAutofit/>
+          </a:bodyPr>
+          <a:lstStyle>
+            <a:lvl1pPr marL="228600" indent="-228600" algn="l" defTabSz="914400" rtl="0" eaLnBrk="1" latinLnBrk="0" hangingPunct="1">
+              <a:lnSpc>
+                <a:spcPct val="90000"/>
+              </a:lnSpc>
+              <a:spcBef>
+                <a:spcPts val="1000"/>
+              </a:spcBef>
+              <a:buFont typeface="Arial" panose="020B0604020202020204" pitchFamily="34" charset="0"/>
+              <a:buChar char="•"/>
+              <a:defRPr sz="2800" kern="1200">
+                <a:solidFill>
+                  <a:schemeClr val="tx1"/>
+                </a:solidFill>
+                <a:latin typeface="+mn-lt"/>
+                <a:ea typeface="+mn-ea"/>
+                <a:cs typeface="+mn-cs"/>
+              </a:defRPr>
+            </a:lvl1pPr>
+            <a:lvl2pPr marL="685800" indent="-228600" algn="l" defTabSz="914400" rtl="0" eaLnBrk="1" latinLnBrk="0" hangingPunct="1">
+              <a:lnSpc>
+                <a:spcPct val="90000"/>
+              </a:lnSpc>
+              <a:spcBef>
+                <a:spcPts val="500"/>
+              </a:spcBef>
+              <a:buFont typeface="Arial" panose="020B0604020202020204" pitchFamily="34" charset="0"/>
+              <a:buChar char="•"/>
+              <a:defRPr sz="2400" kern="1200">
+                <a:solidFill>
+                  <a:schemeClr val="tx1"/>
+                </a:solidFill>
+                <a:latin typeface="+mn-lt"/>
+                <a:ea typeface="+mn-ea"/>
+                <a:cs typeface="+mn-cs"/>
+              </a:defRPr>
+            </a:lvl2pPr>
+            <a:lvl3pPr marL="1143000" indent="-228600" algn="l" defTabSz="914400" rtl="0" eaLnBrk="1" latinLnBrk="0" hangingPunct="1">
+              <a:lnSpc>
+                <a:spcPct val="90000"/>
+              </a:lnSpc>
+              <a:spcBef>
+                <a:spcPts val="500"/>
+              </a:spcBef>
+              <a:buFont typeface="Arial" panose="020B0604020202020204" pitchFamily="34" charset="0"/>
+              <a:buChar char="•"/>
+              <a:defRPr sz="2000" kern="1200">
+                <a:solidFill>
+                  <a:schemeClr val="tx1"/>
+                </a:solidFill>
+                <a:latin typeface="+mn-lt"/>
+                <a:ea typeface="+mn-ea"/>
+                <a:cs typeface="+mn-cs"/>
+              </a:defRPr>
+            </a:lvl3pPr>
+            <a:lvl4pPr marL="1600200" indent="-228600" algn="l" defTabSz="914400" rtl="0" eaLnBrk="1" latinLnBrk="0" hangingPunct="1">
+              <a:lnSpc>
+                <a:spcPct val="90000"/>
+              </a:lnSpc>
+              <a:spcBef>
+                <a:spcPts val="500"/>
+              </a:spcBef>
+              <a:buFont typeface="Arial" panose="020B0604020202020204" pitchFamily="34" charset="0"/>
+              <a:buChar char="•"/>
+              <a:defRPr sz="1800" kern="1200">
+                <a:solidFill>
+                  <a:schemeClr val="tx1"/>
+                </a:solidFill>
+                <a:latin typeface="+mn-lt"/>
+                <a:ea typeface="+mn-ea"/>
+                <a:cs typeface="+mn-cs"/>
+              </a:defRPr>
+            </a:lvl4pPr>
+            <a:lvl5pPr marL="2057400" indent="-228600" algn="l" defTabSz="914400" rtl="0" eaLnBrk="1" latinLnBrk="0" hangingPunct="1">
+              <a:lnSpc>
+                <a:spcPct val="90000"/>
+              </a:lnSpc>
+              <a:spcBef>
+                <a:spcPts val="500"/>
+              </a:spcBef>
+              <a:buFont typeface="Arial" panose="020B0604020202020204" pitchFamily="34" charset="0"/>
+              <a:buChar char="•"/>
+              <a:defRPr sz="1800" kern="1200">
+                <a:solidFill>
+                  <a:schemeClr val="tx1"/>
+                </a:solidFill>
+                <a:latin typeface="+mn-lt"/>
+                <a:ea typeface="+mn-ea"/>
+                <a:cs typeface="+mn-cs"/>
+              </a:defRPr>
+            </a:lvl5pPr>
+            <a:lvl6pPr marL="2514600" indent="-228600" algn="l" defTabSz="914400" rtl="0" eaLnBrk="1" latinLnBrk="0" hangingPunct="1">
+              <a:lnSpc>
+                <a:spcPct val="90000"/>
+              </a:lnSpc>
+              <a:spcBef>
+                <a:spcPts val="500"/>
+              </a:spcBef>
+              <a:buFont typeface="Arial" panose="020B0604020202020204" pitchFamily="34" charset="0"/>
+              <a:buChar char="•"/>
+              <a:defRPr sz="1800" kern="1200">
+                <a:solidFill>
+                  <a:schemeClr val="tx1"/>
+                </a:solidFill>
+                <a:latin typeface="+mn-lt"/>
+                <a:ea typeface="+mn-ea"/>
+                <a:cs typeface="+mn-cs"/>
+              </a:defRPr>
+            </a:lvl6pPr>
+            <a:lvl7pPr marL="2971800" indent="-228600" algn="l" defTabSz="914400" rtl="0" eaLnBrk="1" latinLnBrk="0" hangingPunct="1">
+              <a:lnSpc>
+                <a:spcPct val="90000"/>
+              </a:lnSpc>
+              <a:spcBef>
+                <a:spcPts val="500"/>
+              </a:spcBef>
+              <a:buFont typeface="Arial" panose="020B0604020202020204" pitchFamily="34" charset="0"/>
+              <a:buChar char="•"/>
+              <a:defRPr sz="1800" kern="1200">
+                <a:solidFill>
+                  <a:schemeClr val="tx1"/>
+                </a:solidFill>
+                <a:latin typeface="+mn-lt"/>
+                <a:ea typeface="+mn-ea"/>
+                <a:cs typeface="+mn-cs"/>
+              </a:defRPr>
+            </a:lvl7pPr>
+            <a:lvl8pPr marL="3429000" indent="-228600" algn="l" defTabSz="914400" rtl="0" eaLnBrk="1" latinLnBrk="0" hangingPunct="1">
+              <a:lnSpc>
+                <a:spcPct val="90000"/>
+              </a:lnSpc>
+              <a:spcBef>
+                <a:spcPts val="500"/>
+              </a:spcBef>
+              <a:buFont typeface="Arial" panose="020B0604020202020204" pitchFamily="34" charset="0"/>
+              <a:buChar char="•"/>
+              <a:defRPr sz="1800" kern="1200">
+                <a:solidFill>
+                  <a:schemeClr val="tx1"/>
+                </a:solidFill>
+                <a:latin typeface="+mn-lt"/>
+                <a:ea typeface="+mn-ea"/>
+                <a:cs typeface="+mn-cs"/>
+              </a:defRPr>
+            </a:lvl8pPr>
+            <a:lvl9pPr marL="3886200" indent="-228600" algn="l" defTabSz="914400" rtl="0" eaLnBrk="1" latinLnBrk="0" hangingPunct="1">
+              <a:lnSpc>
+                <a:spcPct val="90000"/>
+              </a:lnSpc>
+              <a:spcBef>
+                <a:spcPts val="500"/>
+              </a:spcBef>
+              <a:buFont typeface="Arial" panose="020B0604020202020204" pitchFamily="34" charset="0"/>
+              <a:buChar char="•"/>
+              <a:defRPr sz="1800" kern="1200">
+                <a:solidFill>
+                  <a:schemeClr val="tx1"/>
+                </a:solidFill>
+                <a:latin typeface="+mn-lt"/>
+                <a:ea typeface="+mn-ea"/>
+                <a:cs typeface="+mn-cs"/>
+              </a:defRPr>
+            </a:lvl9pPr>
+          </a:lstStyle>
+          <a:p>
+            <a:pPr marL="0" indent="0">
+              <a:buNone/>
+            </a:pPr>
+            <a:r>
+              <a:rPr lang="en-CA" sz="2400" dirty="0"/>
+              <a:t>Default arrangements</a:t>
+            </a:r>
+          </a:p>
+          <a:p>
+            <a:pPr lvl="1"/>
+            <a:r>
+              <a:rPr lang="en-CA" sz="2000" dirty="0"/>
+              <a:t># of tables [size 1, size 2, size 3, size 4, size 5]</a:t>
+            </a:r>
+            <a:r>
+              <a:rPr lang="en-CA" sz="1600" dirty="0"/>
+              <a:t> </a:t>
+            </a:r>
+          </a:p>
+          <a:p>
+            <a:pPr marL="914400" lvl="1" indent="-457200">
+              <a:buFont typeface="+mj-lt"/>
+              <a:buAutoNum type="arabicParenR"/>
+            </a:pPr>
+            <a:endParaRPr lang="en-CA" sz="2000" dirty="0">
+              <a:solidFill>
+                <a:prstClr val="black"/>
+              </a:solidFill>
+            </a:endParaRPr>
+          </a:p>
+          <a:p>
+            <a:pPr marL="1257300" lvl="2" indent="-342900">
+              <a:buFont typeface="+mj-lt"/>
+              <a:buAutoNum type="arabicParenR"/>
+            </a:pPr>
+            <a:r>
+              <a:rPr lang="en-CA" dirty="0"/>
+              <a:t>Arrangement 1: [0, 0, 0, 0, 40]</a:t>
+            </a:r>
+          </a:p>
+          <a:p>
+            <a:pPr marL="1257300" lvl="2" indent="-342900">
+              <a:buFont typeface="+mj-lt"/>
+              <a:buAutoNum type="arabicParenR"/>
+            </a:pPr>
+            <a:r>
+              <a:rPr lang="en-CA" dirty="0"/>
+              <a:t>Arrangement 2: [0, 50, 0, 0, 20]</a:t>
+            </a:r>
+          </a:p>
+          <a:p>
+            <a:pPr marL="0" indent="0">
+              <a:buNone/>
+            </a:pPr>
+            <a:endParaRPr lang="en-CA" dirty="0"/>
+          </a:p>
+          <a:p>
+            <a:pPr marL="0" indent="0">
+              <a:buNone/>
+            </a:pPr>
+            <a:r>
+              <a:rPr lang="en-CA" sz="2400" dirty="0"/>
+              <a:t>Modified arrangements</a:t>
+            </a:r>
+          </a:p>
+          <a:p>
+            <a:pPr marL="1371600" lvl="2" indent="-457200">
+              <a:lnSpc>
+                <a:spcPct val="150000"/>
+              </a:lnSpc>
+              <a:buFont typeface="+mj-lt"/>
+              <a:buAutoNum type="arabicParenR" startAt="3"/>
+            </a:pPr>
+            <a:r>
+              <a:rPr lang="en-CA" dirty="0"/>
+              <a:t>Arrangement 3: [19, 28, 15, 10, 8]</a:t>
+            </a:r>
+          </a:p>
+          <a:p>
+            <a:pPr lvl="3">
+              <a:lnSpc>
+                <a:spcPct val="150000"/>
+              </a:lnSpc>
+            </a:pPr>
+            <a:r>
+              <a:rPr lang="en-CA" sz="2000" dirty="0"/>
+              <a:t>Arranged according to the arrival rate</a:t>
+            </a:r>
+          </a:p>
+          <a:p>
+            <a:pPr marL="1371600" lvl="2" indent="-457200">
+              <a:lnSpc>
+                <a:spcPct val="150000"/>
+              </a:lnSpc>
+              <a:buFont typeface="+mj-lt"/>
+              <a:buAutoNum type="arabicParenR" startAt="3"/>
+            </a:pPr>
+            <a:r>
+              <a:rPr lang="en-CA" dirty="0"/>
+              <a:t>Arrangement 4: [1, 28, 15, 12, 10]</a:t>
+            </a:r>
+          </a:p>
+          <a:p>
+            <a:pPr lvl="3">
+              <a:lnSpc>
+                <a:spcPct val="150000"/>
+              </a:lnSpc>
+            </a:pPr>
+            <a:r>
+              <a:rPr lang="en-CA" dirty="0"/>
+              <a:t>Modified the number of size 1</a:t>
+            </a:r>
+          </a:p>
+        </p:txBody>
+      </p:sp>
+      <p:sp>
+        <p:nvSpPr>
+          <p:cNvPr id="7" name="Rectangle: Rounded Corners 8">
+            <a:extLst>
+              <a:ext uri="{FF2B5EF4-FFF2-40B4-BE49-F238E27FC236}">
+                <a16:creationId xmlns:a16="http://schemas.microsoft.com/office/drawing/2014/main" id="{B864C251-C64B-9647-9BDE-19EFFEE0B60F}"/>
+              </a:ext>
+            </a:extLst>
+          </p:cNvPr>
+          <p:cNvSpPr/>
+          <p:nvPr/>
+        </p:nvSpPr>
+        <p:spPr>
+          <a:xfrm>
+            <a:off x="1873405" y="5140711"/>
+            <a:ext cx="4282068" cy="434899"/>
+          </a:xfrm>
+          <a:prstGeom prst="roundRect">
+            <a:avLst/>
+          </a:prstGeom>
+          <a:noFill/>
+          <a:ln w="19050">
+            <a:solidFill>
+              <a:srgbClr val="FF0000"/>
+            </a:solidFill>
+          </a:ln>
+        </p:spPr>
+        <p:style>
+          <a:lnRef idx="2">
+            <a:schemeClr val="accent6"/>
+          </a:lnRef>
+          <a:fillRef idx="1">
+            <a:schemeClr val="lt1"/>
+          </a:fillRef>
+          <a:effectRef idx="0">
+            <a:schemeClr val="accent6"/>
+          </a:effectRef>
+          <a:fontRef idx="minor">
+            <a:schemeClr val="dk1"/>
+          </a:fontRef>
+        </p:style>
+        <p:txBody>
+          <a:bodyPr rtlCol="0" anchor="ctr"/>
+          <a:lstStyle/>
+          <a:p>
+            <a:pPr algn="ctr"/>
+            <a:endParaRPr lang="en-US"/>
+          </a:p>
+        </p:txBody>
+      </p:sp>
     </p:spTree>
     <p:extLst>
       <p:ext uri="{BB962C8B-B14F-4D97-AF65-F5344CB8AC3E}">
-        <p14:creationId xmlns:p14="http://schemas.microsoft.com/office/powerpoint/2010/main" val="4259261674"/>
+        <p14:creationId xmlns:p14="http://schemas.microsoft.com/office/powerpoint/2010/main" val="2344294644"/>
       </p:ext>
     </p:extLst>
   </p:cSld>
@@ -4166,12 +4655,56 @@
           <a:chExt cx="0" cy="0"/>
         </a:xfrm>
       </p:grpSpPr>
+      <p:sp>
+        <p:nvSpPr>
+          <p:cNvPr id="3" name="Content Placeholder 2">
+            <a:extLst>
+              <a:ext uri="{FF2B5EF4-FFF2-40B4-BE49-F238E27FC236}">
+                <a16:creationId xmlns:a16="http://schemas.microsoft.com/office/drawing/2014/main" id="{2E5DAAB6-C87E-4C10-8DDC-15F41DB00A20}"/>
+              </a:ext>
+            </a:extLst>
+          </p:cNvPr>
+          <p:cNvSpPr>
+            <a:spLocks noGrp="1"/>
+          </p:cNvSpPr>
+          <p:nvPr>
+            <p:ph idx="1"/>
+          </p:nvPr>
+        </p:nvSpPr>
+        <p:spPr>
+          <a:xfrm>
+            <a:off x="838200" y="1127760"/>
+            <a:ext cx="10515600" cy="5049203"/>
+          </a:xfrm>
+        </p:spPr>
+        <p:txBody>
+          <a:bodyPr>
+            <a:normAutofit/>
+          </a:bodyPr>
+          <a:lstStyle/>
+          <a:p>
+            <a:endParaRPr lang="en-CA" sz="2400" dirty="0"/>
+          </a:p>
+          <a:p>
+            <a:pPr marL="0" indent="0">
+              <a:buNone/>
+            </a:pPr>
+            <a:endParaRPr lang="en-CA" sz="2400" dirty="0"/>
+          </a:p>
+          <a:p>
+            <a:pPr marL="0" indent="0">
+              <a:buNone/>
+            </a:pPr>
+            <a:endParaRPr lang="en-CA" sz="2400" dirty="0"/>
+          </a:p>
+        </p:txBody>
+      </p:sp>
       <p:pic>
         <p:nvPicPr>
           <p:cNvPr id="5" name="Picture 4">
             <a:extLst>
               <a:ext uri="{FF2B5EF4-FFF2-40B4-BE49-F238E27FC236}">
-                <a16:creationId xmlns:a16="http://schemas.microsoft.com/office/drawing/2014/main" id="{937DC52F-3E84-4376-A880-17A444D06451}"/>
+                <a16:creationId xmlns:a16="http://schemas.microsoft.com/office/drawing/2014/main" id="{8977407B-874A-4791-897D-6196620D6F56}"/>
               </a:ext>
             </a:extLst>
           </p:cNvPr>
@@ -4181,7 +4714,7 @@
           <p:nvPr/>
         </p:nvPicPr>
         <p:blipFill>
-          <a:blip r:embed="rId2">
+          <a:blip r:embed="rId2" cstate="hqprint">
             <a:extLst>
               <a:ext uri="{28A0092B-C50C-407E-A947-70E740481C1C}">
                 <a14:useLocalDpi xmlns:a14="http://schemas.microsoft.com/office/drawing/2010/main" val="0"/>
@@ -4204,10 +4737,10 @@
       </p:pic>
       <p:sp>
         <p:nvSpPr>
-          <p:cNvPr id="9" name="Title 1">
+          <p:cNvPr id="8" name="Title 1">
             <a:extLst>
               <a:ext uri="{FF2B5EF4-FFF2-40B4-BE49-F238E27FC236}">
-                <a16:creationId xmlns:a16="http://schemas.microsoft.com/office/drawing/2014/main" id="{D8D4F29A-F761-4FDF-9F1D-5964127B29A1}"/>
+                <a16:creationId xmlns:a16="http://schemas.microsoft.com/office/drawing/2014/main" id="{3C0D5108-0220-49D1-BFA7-E8863D4F1E1D}"/>
               </a:ext>
             </a:extLst>
           </p:cNvPr>
@@ -4250,54 +4783,224 @@
           </a:lstStyle>
           <a:p>
             <a:r>
-              <a:rPr lang="en-CA" sz="3600"/>
-              <a:t>Simulation</a:t>
-            </a:r>
-            <a:endParaRPr lang="en-US" sz="3600" dirty="0"/>
+              <a:rPr lang="en-CA" sz="3600" dirty="0"/>
+              <a:t>Seating Policy</a:t>
+            </a:r>
+          </a:p>
+        </p:txBody>
+      </p:sp>
+      <p:sp>
+        <p:nvSpPr>
+          <p:cNvPr id="6" name="Content Placeholder 2">
+            <a:extLst>
+              <a:ext uri="{FF2B5EF4-FFF2-40B4-BE49-F238E27FC236}">
+                <a16:creationId xmlns:a16="http://schemas.microsoft.com/office/drawing/2014/main" id="{DC75EB99-DD43-8241-9EB0-D2DE87B6CA7E}"/>
+              </a:ext>
+            </a:extLst>
+          </p:cNvPr>
+          <p:cNvSpPr txBox="1">
+            <a:spLocks/>
+          </p:cNvSpPr>
+          <p:nvPr/>
+        </p:nvSpPr>
+        <p:spPr>
+          <a:xfrm>
+            <a:off x="990600" y="1280160"/>
+            <a:ext cx="10515600" cy="5049203"/>
+          </a:xfrm>
+          <a:prstGeom prst="rect">
+            <a:avLst/>
+          </a:prstGeom>
+        </p:spPr>
+        <p:txBody>
+          <a:bodyPr vert="horz" lIns="91440" tIns="45720" rIns="91440" bIns="45720" rtlCol="0">
+            <a:normAutofit/>
+          </a:bodyPr>
+          <a:lstStyle>
+            <a:lvl1pPr marL="228600" indent="-228600" algn="l" defTabSz="914400" rtl="0" eaLnBrk="1" latinLnBrk="0" hangingPunct="1">
+              <a:lnSpc>
+                <a:spcPct val="90000"/>
+              </a:lnSpc>
+              <a:spcBef>
+                <a:spcPts val="1000"/>
+              </a:spcBef>
+              <a:buFont typeface="Arial" panose="020B0604020202020204" pitchFamily="34" charset="0"/>
+              <a:buChar char="•"/>
+              <a:defRPr sz="2800" kern="1200">
+                <a:solidFill>
+                  <a:schemeClr val="tx1"/>
+                </a:solidFill>
+                <a:latin typeface="+mn-lt"/>
+                <a:ea typeface="+mn-ea"/>
+                <a:cs typeface="+mn-cs"/>
+              </a:defRPr>
+            </a:lvl1pPr>
+            <a:lvl2pPr marL="685800" indent="-228600" algn="l" defTabSz="914400" rtl="0" eaLnBrk="1" latinLnBrk="0" hangingPunct="1">
+              <a:lnSpc>
+                <a:spcPct val="90000"/>
+              </a:lnSpc>
+              <a:spcBef>
+                <a:spcPts val="500"/>
+              </a:spcBef>
+              <a:buFont typeface="Arial" panose="020B0604020202020204" pitchFamily="34" charset="0"/>
+              <a:buChar char="•"/>
+              <a:defRPr sz="2400" kern="1200">
+                <a:solidFill>
+                  <a:schemeClr val="tx1"/>
+                </a:solidFill>
+                <a:latin typeface="+mn-lt"/>
+                <a:ea typeface="+mn-ea"/>
+                <a:cs typeface="+mn-cs"/>
+              </a:defRPr>
+            </a:lvl2pPr>
+            <a:lvl3pPr marL="1143000" indent="-228600" algn="l" defTabSz="914400" rtl="0" eaLnBrk="1" latinLnBrk="0" hangingPunct="1">
+              <a:lnSpc>
+                <a:spcPct val="90000"/>
+              </a:lnSpc>
+              <a:spcBef>
+                <a:spcPts val="500"/>
+              </a:spcBef>
+              <a:buFont typeface="Arial" panose="020B0604020202020204" pitchFamily="34" charset="0"/>
+              <a:buChar char="•"/>
+              <a:defRPr sz="2000" kern="1200">
+                <a:solidFill>
+                  <a:schemeClr val="tx1"/>
+                </a:solidFill>
+                <a:latin typeface="+mn-lt"/>
+                <a:ea typeface="+mn-ea"/>
+                <a:cs typeface="+mn-cs"/>
+              </a:defRPr>
+            </a:lvl3pPr>
+            <a:lvl4pPr marL="1600200" indent="-228600" algn="l" defTabSz="914400" rtl="0" eaLnBrk="1" latinLnBrk="0" hangingPunct="1">
+              <a:lnSpc>
+                <a:spcPct val="90000"/>
+              </a:lnSpc>
+              <a:spcBef>
+                <a:spcPts val="500"/>
+              </a:spcBef>
+              <a:buFont typeface="Arial" panose="020B0604020202020204" pitchFamily="34" charset="0"/>
+              <a:buChar char="•"/>
+              <a:defRPr sz="1800" kern="1200">
+                <a:solidFill>
+                  <a:schemeClr val="tx1"/>
+                </a:solidFill>
+                <a:latin typeface="+mn-lt"/>
+                <a:ea typeface="+mn-ea"/>
+                <a:cs typeface="+mn-cs"/>
+              </a:defRPr>
+            </a:lvl4pPr>
+            <a:lvl5pPr marL="2057400" indent="-228600" algn="l" defTabSz="914400" rtl="0" eaLnBrk="1" latinLnBrk="0" hangingPunct="1">
+              <a:lnSpc>
+                <a:spcPct val="90000"/>
+              </a:lnSpc>
+              <a:spcBef>
+                <a:spcPts val="500"/>
+              </a:spcBef>
+              <a:buFont typeface="Arial" panose="020B0604020202020204" pitchFamily="34" charset="0"/>
+              <a:buChar char="•"/>
+              <a:defRPr sz="1800" kern="1200">
+                <a:solidFill>
+                  <a:schemeClr val="tx1"/>
+                </a:solidFill>
+                <a:latin typeface="+mn-lt"/>
+                <a:ea typeface="+mn-ea"/>
+                <a:cs typeface="+mn-cs"/>
+              </a:defRPr>
+            </a:lvl5pPr>
+            <a:lvl6pPr marL="2514600" indent="-228600" algn="l" defTabSz="914400" rtl="0" eaLnBrk="1" latinLnBrk="0" hangingPunct="1">
+              <a:lnSpc>
+                <a:spcPct val="90000"/>
+              </a:lnSpc>
+              <a:spcBef>
+                <a:spcPts val="500"/>
+              </a:spcBef>
+              <a:buFont typeface="Arial" panose="020B0604020202020204" pitchFamily="34" charset="0"/>
+              <a:buChar char="•"/>
+              <a:defRPr sz="1800" kern="1200">
+                <a:solidFill>
+                  <a:schemeClr val="tx1"/>
+                </a:solidFill>
+                <a:latin typeface="+mn-lt"/>
+                <a:ea typeface="+mn-ea"/>
+                <a:cs typeface="+mn-cs"/>
+              </a:defRPr>
+            </a:lvl6pPr>
+            <a:lvl7pPr marL="2971800" indent="-228600" algn="l" defTabSz="914400" rtl="0" eaLnBrk="1" latinLnBrk="0" hangingPunct="1">
+              <a:lnSpc>
+                <a:spcPct val="90000"/>
+              </a:lnSpc>
+              <a:spcBef>
+                <a:spcPts val="500"/>
+              </a:spcBef>
+              <a:buFont typeface="Arial" panose="020B0604020202020204" pitchFamily="34" charset="0"/>
+              <a:buChar char="•"/>
+              <a:defRPr sz="1800" kern="1200">
+                <a:solidFill>
+                  <a:schemeClr val="tx1"/>
+                </a:solidFill>
+                <a:latin typeface="+mn-lt"/>
+                <a:ea typeface="+mn-ea"/>
+                <a:cs typeface="+mn-cs"/>
+              </a:defRPr>
+            </a:lvl7pPr>
+            <a:lvl8pPr marL="3429000" indent="-228600" algn="l" defTabSz="914400" rtl="0" eaLnBrk="1" latinLnBrk="0" hangingPunct="1">
+              <a:lnSpc>
+                <a:spcPct val="90000"/>
+              </a:lnSpc>
+              <a:spcBef>
+                <a:spcPts val="500"/>
+              </a:spcBef>
+              <a:buFont typeface="Arial" panose="020B0604020202020204" pitchFamily="34" charset="0"/>
+              <a:buChar char="•"/>
+              <a:defRPr sz="1800" kern="1200">
+                <a:solidFill>
+                  <a:schemeClr val="tx1"/>
+                </a:solidFill>
+                <a:latin typeface="+mn-lt"/>
+                <a:ea typeface="+mn-ea"/>
+                <a:cs typeface="+mn-cs"/>
+              </a:defRPr>
+            </a:lvl8pPr>
+            <a:lvl9pPr marL="3886200" indent="-228600" algn="l" defTabSz="914400" rtl="0" eaLnBrk="1" latinLnBrk="0" hangingPunct="1">
+              <a:lnSpc>
+                <a:spcPct val="90000"/>
+              </a:lnSpc>
+              <a:spcBef>
+                <a:spcPts val="500"/>
+              </a:spcBef>
+              <a:buFont typeface="Arial" panose="020B0604020202020204" pitchFamily="34" charset="0"/>
+              <a:buChar char="•"/>
+              <a:defRPr sz="1800" kern="1200">
+                <a:solidFill>
+                  <a:schemeClr val="tx1"/>
+                </a:solidFill>
+                <a:latin typeface="+mn-lt"/>
+                <a:ea typeface="+mn-ea"/>
+                <a:cs typeface="+mn-cs"/>
+              </a:defRPr>
+            </a:lvl9pPr>
+          </a:lstStyle>
+          <a:p>
+            <a:r>
+              <a:rPr lang="en-CA" sz="2400" dirty="0"/>
+              <a:t>Initial approach:</a:t>
+            </a:r>
+          </a:p>
+          <a:p>
+            <a:pPr lvl="1"/>
+            <a:r>
+              <a:rPr lang="en-CA" sz="2000" dirty="0"/>
+              <a:t>First-come, First-served basis</a:t>
+            </a:r>
           </a:p>
         </p:txBody>
       </p:sp>
       <p:pic>
         <p:nvPicPr>
-          <p:cNvPr id="6" name="Content Placeholder 5" descr="A screenshot of a cell phone&#10;&#10;Description generated with very high confidence">
+          <p:cNvPr id="4" name="Picture 3">
             <a:extLst>
               <a:ext uri="{FF2B5EF4-FFF2-40B4-BE49-F238E27FC236}">
-                <a16:creationId xmlns:a16="http://schemas.microsoft.com/office/drawing/2014/main" id="{399FECF4-9FC0-4462-A432-28E11A5F98CF}"/>
-              </a:ext>
-            </a:extLst>
-          </p:cNvPr>
-          <p:cNvPicPr>
-            <a:picLocks noGrp="1" noChangeAspect="1"/>
-          </p:cNvPicPr>
-          <p:nvPr>
-            <p:ph idx="1"/>
-          </p:nvPr>
-        </p:nvPicPr>
-        <p:blipFill>
-          <a:blip r:embed="rId3">
-            <a:extLst>
-              <a:ext uri="{28A0092B-C50C-407E-A947-70E740481C1C}">
-                <a14:useLocalDpi xmlns:a14="http://schemas.microsoft.com/office/drawing/2010/main" val="0"/>
-              </a:ext>
-            </a:extLst>
-          </a:blip>
-          <a:stretch>
-            <a:fillRect/>
-          </a:stretch>
-        </p:blipFill>
-        <p:spPr>
-          <a:xfrm>
-            <a:off x="0" y="1143000"/>
-            <a:ext cx="6096000" cy="4572000"/>
-          </a:xfrm>
-        </p:spPr>
-      </p:pic>
-      <p:pic>
-        <p:nvPicPr>
-          <p:cNvPr id="8" name="Picture 7" descr="A screenshot of a cell phone&#10;&#10;Description generated with very high confidence">
-            <a:extLst>
-              <a:ext uri="{FF2B5EF4-FFF2-40B4-BE49-F238E27FC236}">
-                <a16:creationId xmlns:a16="http://schemas.microsoft.com/office/drawing/2014/main" id="{4F8008DE-4DF9-4429-9ABF-0378FFA46201}"/>
+                <a16:creationId xmlns:a16="http://schemas.microsoft.com/office/drawing/2014/main" id="{E69B5CD5-57DF-A043-8C11-AF289518979D}"/>
               </a:ext>
             </a:extLst>
           </p:cNvPr>
@@ -4307,7 +5010,7 @@
           <p:nvPr/>
         </p:nvPicPr>
         <p:blipFill>
-          <a:blip r:embed="rId4">
+          <a:blip r:embed="rId3">
             <a:extLst>
               <a:ext uri="{28A0092B-C50C-407E-A947-70E740481C1C}">
                 <a14:useLocalDpi xmlns:a14="http://schemas.microsoft.com/office/drawing/2010/main" val="0"/>
@@ -4320,8 +5023,8 @@
         </p:blipFill>
         <p:spPr>
           <a:xfrm>
-            <a:off x="6096000" y="1143000"/>
-            <a:ext cx="6096000" cy="4572000"/>
+            <a:off x="2376566" y="2067152"/>
+            <a:ext cx="7438867" cy="4758309"/>
           </a:xfrm>
           <a:prstGeom prst="rect">
             <a:avLst/>
@@ -4331,7 +5034,7 @@
     </p:spTree>
     <p:extLst>
       <p:ext uri="{BB962C8B-B14F-4D97-AF65-F5344CB8AC3E}">
-        <p14:creationId xmlns:p14="http://schemas.microsoft.com/office/powerpoint/2010/main" val="2278741990"/>
+        <p14:creationId xmlns:p14="http://schemas.microsoft.com/office/powerpoint/2010/main" val="3946468886"/>
       </p:ext>
     </p:extLst>
   </p:cSld>
@@ -4358,12 +5061,56 @@
           <a:chExt cx="0" cy="0"/>
         </a:xfrm>
       </p:grpSpPr>
+      <p:sp>
+        <p:nvSpPr>
+          <p:cNvPr id="3" name="Content Placeholder 2">
+            <a:extLst>
+              <a:ext uri="{FF2B5EF4-FFF2-40B4-BE49-F238E27FC236}">
+                <a16:creationId xmlns:a16="http://schemas.microsoft.com/office/drawing/2014/main" id="{2E5DAAB6-C87E-4C10-8DDC-15F41DB00A20}"/>
+              </a:ext>
+            </a:extLst>
+          </p:cNvPr>
+          <p:cNvSpPr>
+            <a:spLocks noGrp="1"/>
+          </p:cNvSpPr>
+          <p:nvPr>
+            <p:ph idx="1"/>
+          </p:nvPr>
+        </p:nvSpPr>
+        <p:spPr>
+          <a:xfrm>
+            <a:off x="838200" y="1127760"/>
+            <a:ext cx="10515600" cy="5049203"/>
+          </a:xfrm>
+        </p:spPr>
+        <p:txBody>
+          <a:bodyPr>
+            <a:normAutofit/>
+          </a:bodyPr>
+          <a:lstStyle/>
+          <a:p>
+            <a:endParaRPr lang="en-CA" sz="2400" dirty="0"/>
+          </a:p>
+          <a:p>
+            <a:pPr marL="0" indent="0">
+              <a:buNone/>
+            </a:pPr>
+            <a:endParaRPr lang="en-CA" sz="2400" dirty="0"/>
+          </a:p>
+          <a:p>
+            <a:pPr marL="0" indent="0">
+              <a:buNone/>
+            </a:pPr>
+            <a:endParaRPr lang="en-CA" sz="2400" dirty="0"/>
+          </a:p>
+        </p:txBody>
+      </p:sp>
       <p:pic>
         <p:nvPicPr>
-          <p:cNvPr id="6" name="Picture 5">
+          <p:cNvPr id="5" name="Picture 4">
             <a:extLst>
               <a:ext uri="{FF2B5EF4-FFF2-40B4-BE49-F238E27FC236}">
-                <a16:creationId xmlns:a16="http://schemas.microsoft.com/office/drawing/2014/main" id="{A6EF65AA-5892-404D-82FC-C9F1A634C44D}"/>
+                <a16:creationId xmlns:a16="http://schemas.microsoft.com/office/drawing/2014/main" id="{8977407B-874A-4791-897D-6196620D6F56}"/>
               </a:ext>
             </a:extLst>
           </p:cNvPr>
@@ -4373,7 +5120,7 @@
           <p:nvPr/>
         </p:nvPicPr>
         <p:blipFill>
-          <a:blip r:embed="rId2">
+          <a:blip r:embed="rId2" cstate="hqprint">
             <a:extLst>
               <a:ext uri="{28A0092B-C50C-407E-A947-70E740481C1C}">
                 <a14:useLocalDpi xmlns:a14="http://schemas.microsoft.com/office/drawing/2010/main" val="0"/>
@@ -4386,8 +5133,8 @@
         </p:blipFill>
         <p:spPr>
           <a:xfrm>
-            <a:off x="838201" y="2743200"/>
-            <a:ext cx="1413668" cy="1413668"/>
+            <a:off x="9916160" y="365125"/>
+            <a:ext cx="1437640" cy="418937"/>
           </a:xfrm>
           <a:prstGeom prst="rect">
             <a:avLst/>
@@ -4396,47 +5143,296 @@
       </p:pic>
       <p:sp>
         <p:nvSpPr>
-          <p:cNvPr id="2" name="Title 1">
+          <p:cNvPr id="8" name="Title 1">
             <a:extLst>
               <a:ext uri="{FF2B5EF4-FFF2-40B4-BE49-F238E27FC236}">
-                <a16:creationId xmlns:a16="http://schemas.microsoft.com/office/drawing/2014/main" id="{72816BE1-4A9B-4E6A-B1EB-DD40AE40E9F9}"/>
+                <a16:creationId xmlns:a16="http://schemas.microsoft.com/office/drawing/2014/main" id="{3C0D5108-0220-49D1-BFA7-E8863D4F1E1D}"/>
               </a:ext>
             </a:extLst>
           </p:cNvPr>
-          <p:cNvSpPr>
-            <a:spLocks noGrp="1"/>
+          <p:cNvSpPr txBox="1">
+            <a:spLocks/>
           </p:cNvSpPr>
-          <p:nvPr>
-            <p:ph type="ctrTitle"/>
-          </p:nvPr>
-        </p:nvSpPr>
-        <p:spPr>
-          <a:xfrm>
-            <a:off x="2370667" y="2187743"/>
-            <a:ext cx="5293449" cy="2482515"/>
-          </a:xfrm>
-        </p:spPr>
-        <p:txBody>
-          <a:bodyPr anchor="ctr">
+          <p:nvPr/>
+        </p:nvSpPr>
+        <p:spPr>
+          <a:xfrm>
+            <a:off x="838200" y="365125"/>
+            <a:ext cx="10515600" cy="762635"/>
+          </a:xfrm>
+          <a:prstGeom prst="rect">
+            <a:avLst/>
+          </a:prstGeom>
+        </p:spPr>
+        <p:txBody>
+          <a:bodyPr vert="horz" lIns="91440" tIns="45720" rIns="91440" bIns="45720" rtlCol="0" anchor="ctr">
             <a:normAutofit/>
           </a:bodyPr>
-          <a:lstStyle/>
-          <a:p>
-            <a:pPr algn="l"/>
-            <a:r>
-              <a:rPr lang="en-CA" dirty="0"/>
-              <a:t>Optimization</a:t>
-            </a:r>
-            <a:endParaRPr lang="en-US" dirty="0"/>
+          <a:lstStyle>
+            <a:lvl1pPr algn="l" defTabSz="914400" rtl="0" eaLnBrk="1" latinLnBrk="0" hangingPunct="1">
+              <a:lnSpc>
+                <a:spcPct val="90000"/>
+              </a:lnSpc>
+              <a:spcBef>
+                <a:spcPct val="0"/>
+              </a:spcBef>
+              <a:buNone/>
+              <a:defRPr sz="4400" kern="1200">
+                <a:solidFill>
+                  <a:schemeClr val="tx1"/>
+                </a:solidFill>
+                <a:latin typeface="+mj-lt"/>
+                <a:ea typeface="+mj-ea"/>
+                <a:cs typeface="+mj-cs"/>
+              </a:defRPr>
+            </a:lvl1pPr>
+          </a:lstStyle>
+          <a:p>
+            <a:r>
+              <a:rPr lang="en-CA" sz="3600" dirty="0"/>
+              <a:t>Seating Policy</a:t>
+            </a:r>
+          </a:p>
+        </p:txBody>
+      </p:sp>
+      <p:sp>
+        <p:nvSpPr>
+          <p:cNvPr id="6" name="Content Placeholder 2">
+            <a:extLst>
+              <a:ext uri="{FF2B5EF4-FFF2-40B4-BE49-F238E27FC236}">
+                <a16:creationId xmlns:a16="http://schemas.microsoft.com/office/drawing/2014/main" id="{DC75EB99-DD43-8241-9EB0-D2DE87B6CA7E}"/>
+              </a:ext>
+            </a:extLst>
+          </p:cNvPr>
+          <p:cNvSpPr txBox="1">
+            <a:spLocks/>
+          </p:cNvSpPr>
+          <p:nvPr/>
+        </p:nvSpPr>
+        <p:spPr>
+          <a:xfrm>
+            <a:off x="990599" y="1380450"/>
+            <a:ext cx="3838575" cy="4948913"/>
+          </a:xfrm>
+          <a:prstGeom prst="rect">
+            <a:avLst/>
+          </a:prstGeom>
+        </p:spPr>
+        <p:txBody>
+          <a:bodyPr vert="horz" lIns="91440" tIns="45720" rIns="91440" bIns="45720" rtlCol="0">
+            <a:normAutofit/>
+          </a:bodyPr>
+          <a:lstStyle>
+            <a:lvl1pPr marL="228600" indent="-228600" algn="l" defTabSz="914400" rtl="0" eaLnBrk="1" latinLnBrk="0" hangingPunct="1">
+              <a:lnSpc>
+                <a:spcPct val="90000"/>
+              </a:lnSpc>
+              <a:spcBef>
+                <a:spcPts val="1000"/>
+              </a:spcBef>
+              <a:buFont typeface="Arial" panose="020B0604020202020204" pitchFamily="34" charset="0"/>
+              <a:buChar char="•"/>
+              <a:defRPr sz="2800" kern="1200">
+                <a:solidFill>
+                  <a:schemeClr val="tx1"/>
+                </a:solidFill>
+                <a:latin typeface="+mn-lt"/>
+                <a:ea typeface="+mn-ea"/>
+                <a:cs typeface="+mn-cs"/>
+              </a:defRPr>
+            </a:lvl1pPr>
+            <a:lvl2pPr marL="685800" indent="-228600" algn="l" defTabSz="914400" rtl="0" eaLnBrk="1" latinLnBrk="0" hangingPunct="1">
+              <a:lnSpc>
+                <a:spcPct val="90000"/>
+              </a:lnSpc>
+              <a:spcBef>
+                <a:spcPts val="500"/>
+              </a:spcBef>
+              <a:buFont typeface="Arial" panose="020B0604020202020204" pitchFamily="34" charset="0"/>
+              <a:buChar char="•"/>
+              <a:defRPr sz="2400" kern="1200">
+                <a:solidFill>
+                  <a:schemeClr val="tx1"/>
+                </a:solidFill>
+                <a:latin typeface="+mn-lt"/>
+                <a:ea typeface="+mn-ea"/>
+                <a:cs typeface="+mn-cs"/>
+              </a:defRPr>
+            </a:lvl2pPr>
+            <a:lvl3pPr marL="1143000" indent="-228600" algn="l" defTabSz="914400" rtl="0" eaLnBrk="1" latinLnBrk="0" hangingPunct="1">
+              <a:lnSpc>
+                <a:spcPct val="90000"/>
+              </a:lnSpc>
+              <a:spcBef>
+                <a:spcPts val="500"/>
+              </a:spcBef>
+              <a:buFont typeface="Arial" panose="020B0604020202020204" pitchFamily="34" charset="0"/>
+              <a:buChar char="•"/>
+              <a:defRPr sz="2000" kern="1200">
+                <a:solidFill>
+                  <a:schemeClr val="tx1"/>
+                </a:solidFill>
+                <a:latin typeface="+mn-lt"/>
+                <a:ea typeface="+mn-ea"/>
+                <a:cs typeface="+mn-cs"/>
+              </a:defRPr>
+            </a:lvl3pPr>
+            <a:lvl4pPr marL="1600200" indent="-228600" algn="l" defTabSz="914400" rtl="0" eaLnBrk="1" latinLnBrk="0" hangingPunct="1">
+              <a:lnSpc>
+                <a:spcPct val="90000"/>
+              </a:lnSpc>
+              <a:spcBef>
+                <a:spcPts val="500"/>
+              </a:spcBef>
+              <a:buFont typeface="Arial" panose="020B0604020202020204" pitchFamily="34" charset="0"/>
+              <a:buChar char="•"/>
+              <a:defRPr sz="1800" kern="1200">
+                <a:solidFill>
+                  <a:schemeClr val="tx1"/>
+                </a:solidFill>
+                <a:latin typeface="+mn-lt"/>
+                <a:ea typeface="+mn-ea"/>
+                <a:cs typeface="+mn-cs"/>
+              </a:defRPr>
+            </a:lvl4pPr>
+            <a:lvl5pPr marL="2057400" indent="-228600" algn="l" defTabSz="914400" rtl="0" eaLnBrk="1" latinLnBrk="0" hangingPunct="1">
+              <a:lnSpc>
+                <a:spcPct val="90000"/>
+              </a:lnSpc>
+              <a:spcBef>
+                <a:spcPts val="500"/>
+              </a:spcBef>
+              <a:buFont typeface="Arial" panose="020B0604020202020204" pitchFamily="34" charset="0"/>
+              <a:buChar char="•"/>
+              <a:defRPr sz="1800" kern="1200">
+                <a:solidFill>
+                  <a:schemeClr val="tx1"/>
+                </a:solidFill>
+                <a:latin typeface="+mn-lt"/>
+                <a:ea typeface="+mn-ea"/>
+                <a:cs typeface="+mn-cs"/>
+              </a:defRPr>
+            </a:lvl5pPr>
+            <a:lvl6pPr marL="2514600" indent="-228600" algn="l" defTabSz="914400" rtl="0" eaLnBrk="1" latinLnBrk="0" hangingPunct="1">
+              <a:lnSpc>
+                <a:spcPct val="90000"/>
+              </a:lnSpc>
+              <a:spcBef>
+                <a:spcPts val="500"/>
+              </a:spcBef>
+              <a:buFont typeface="Arial" panose="020B0604020202020204" pitchFamily="34" charset="0"/>
+              <a:buChar char="•"/>
+              <a:defRPr sz="1800" kern="1200">
+                <a:solidFill>
+                  <a:schemeClr val="tx1"/>
+                </a:solidFill>
+                <a:latin typeface="+mn-lt"/>
+                <a:ea typeface="+mn-ea"/>
+                <a:cs typeface="+mn-cs"/>
+              </a:defRPr>
+            </a:lvl6pPr>
+            <a:lvl7pPr marL="2971800" indent="-228600" algn="l" defTabSz="914400" rtl="0" eaLnBrk="1" latinLnBrk="0" hangingPunct="1">
+              <a:lnSpc>
+                <a:spcPct val="90000"/>
+              </a:lnSpc>
+              <a:spcBef>
+                <a:spcPts val="500"/>
+              </a:spcBef>
+              <a:buFont typeface="Arial" panose="020B0604020202020204" pitchFamily="34" charset="0"/>
+              <a:buChar char="•"/>
+              <a:defRPr sz="1800" kern="1200">
+                <a:solidFill>
+                  <a:schemeClr val="tx1"/>
+                </a:solidFill>
+                <a:latin typeface="+mn-lt"/>
+                <a:ea typeface="+mn-ea"/>
+                <a:cs typeface="+mn-cs"/>
+              </a:defRPr>
+            </a:lvl7pPr>
+            <a:lvl8pPr marL="3429000" indent="-228600" algn="l" defTabSz="914400" rtl="0" eaLnBrk="1" latinLnBrk="0" hangingPunct="1">
+              <a:lnSpc>
+                <a:spcPct val="90000"/>
+              </a:lnSpc>
+              <a:spcBef>
+                <a:spcPts val="500"/>
+              </a:spcBef>
+              <a:buFont typeface="Arial" panose="020B0604020202020204" pitchFamily="34" charset="0"/>
+              <a:buChar char="•"/>
+              <a:defRPr sz="1800" kern="1200">
+                <a:solidFill>
+                  <a:schemeClr val="tx1"/>
+                </a:solidFill>
+                <a:latin typeface="+mn-lt"/>
+                <a:ea typeface="+mn-ea"/>
+                <a:cs typeface="+mn-cs"/>
+              </a:defRPr>
+            </a:lvl8pPr>
+            <a:lvl9pPr marL="3886200" indent="-228600" algn="l" defTabSz="914400" rtl="0" eaLnBrk="1" latinLnBrk="0" hangingPunct="1">
+              <a:lnSpc>
+                <a:spcPct val="90000"/>
+              </a:lnSpc>
+              <a:spcBef>
+                <a:spcPts val="500"/>
+              </a:spcBef>
+              <a:buFont typeface="Arial" panose="020B0604020202020204" pitchFamily="34" charset="0"/>
+              <a:buChar char="•"/>
+              <a:defRPr sz="1800" kern="1200">
+                <a:solidFill>
+                  <a:schemeClr val="tx1"/>
+                </a:solidFill>
+                <a:latin typeface="+mn-lt"/>
+                <a:ea typeface="+mn-ea"/>
+                <a:cs typeface="+mn-cs"/>
+              </a:defRPr>
+            </a:lvl9pPr>
+          </a:lstStyle>
+          <a:p>
+            <a:r>
+              <a:rPr lang="en-CA" sz="2400" dirty="0"/>
+              <a:t>Modified approach:</a:t>
+            </a:r>
+          </a:p>
+          <a:p>
+            <a:pPr lvl="1">
+              <a:lnSpc>
+                <a:spcPct val="100000"/>
+              </a:lnSpc>
+            </a:pPr>
+            <a:r>
+              <a:rPr lang="en-CA" sz="2000" dirty="0"/>
+              <a:t>Reservation Policy</a:t>
+            </a:r>
+          </a:p>
+          <a:p>
+            <a:pPr lvl="1">
+              <a:lnSpc>
+                <a:spcPct val="100000"/>
+              </a:lnSpc>
+            </a:pPr>
+            <a:r>
+              <a:rPr lang="en-CA" sz="2000" dirty="0"/>
+              <a:t>Consisting the reservation of a table (size n) to a group (size n)</a:t>
+            </a:r>
+          </a:p>
+          <a:p>
+            <a:pPr lvl="1">
+              <a:lnSpc>
+                <a:spcPct val="100000"/>
+              </a:lnSpc>
+            </a:pPr>
+            <a:r>
+              <a:rPr lang="en-CA" sz="2000" dirty="0"/>
+              <a:t>First-come, first-served policy except the “prioritized customers” </a:t>
+            </a:r>
           </a:p>
         </p:txBody>
       </p:sp>
       <p:pic>
         <p:nvPicPr>
-          <p:cNvPr id="21" name="Picture 20">
+          <p:cNvPr id="55" name="Picture 54">
             <a:extLst>
               <a:ext uri="{FF2B5EF4-FFF2-40B4-BE49-F238E27FC236}">
-                <a16:creationId xmlns:a16="http://schemas.microsoft.com/office/drawing/2014/main" id="{42C85B27-11F7-44C3-880A-3D4700405CB6}"/>
+                <a16:creationId xmlns:a16="http://schemas.microsoft.com/office/drawing/2014/main" id="{6980704D-E096-8541-8F9A-7431FBD2A993}"/>
               </a:ext>
             </a:extLst>
           </p:cNvPr>
@@ -4445,22 +5441,21 @@
           </p:cNvPicPr>
           <p:nvPr/>
         </p:nvPicPr>
-        <p:blipFill>
-          <a:blip r:embed="rId3" cstate="hqprint">
+        <p:blipFill rotWithShape="1">
+          <a:blip r:embed="rId3">
             <a:extLst>
               <a:ext uri="{28A0092B-C50C-407E-A947-70E740481C1C}">
                 <a14:useLocalDpi xmlns:a14="http://schemas.microsoft.com/office/drawing/2010/main" val="0"/>
               </a:ext>
             </a:extLst>
           </a:blip>
-          <a:stretch>
-            <a:fillRect/>
-          </a:stretch>
+          <a:srcRect l="3069" t="1369" r="2563" b="2583"/>
+          <a:stretch/>
         </p:blipFill>
         <p:spPr>
           <a:xfrm>
-            <a:off x="9916160" y="365125"/>
-            <a:ext cx="1437640" cy="418937"/>
+            <a:off x="4873214" y="1032878"/>
+            <a:ext cx="7318786" cy="5644056"/>
           </a:xfrm>
           <a:prstGeom prst="rect">
             <a:avLst/>
@@ -4470,7 +5465,7 @@
     </p:spTree>
     <p:extLst>
       <p:ext uri="{BB962C8B-B14F-4D97-AF65-F5344CB8AC3E}">
-        <p14:creationId xmlns:p14="http://schemas.microsoft.com/office/powerpoint/2010/main" val="4088084169"/>
+        <p14:creationId xmlns:p14="http://schemas.microsoft.com/office/powerpoint/2010/main" val="1048200185"/>
       </p:ext>
     </p:extLst>
   </p:cSld>
@@ -4527,29 +5522,31 @@
           <a:p>
             <a:r>
               <a:rPr lang="en-CA" sz="2400" dirty="0"/>
-              <a:t>Decision variables</a:t>
+              <a:t>Method:</a:t>
+            </a:r>
+          </a:p>
+          <a:p>
+            <a:pPr lvl="1"/>
+            <a:r>
+              <a:rPr lang="en-CA" sz="2000" dirty="0"/>
+              <a:t>Control Variate;</a:t>
+            </a:r>
+          </a:p>
+          <a:p>
+            <a:pPr lvl="1"/>
+            <a:r>
+              <a:rPr lang="en-CA" sz="2000" dirty="0"/>
+              <a:t>Number of groups that arrived;</a:t>
+            </a:r>
+          </a:p>
+          <a:p>
+            <a:r>
+              <a:rPr lang="en-CA" sz="2400" dirty="0"/>
+              <a:t>Usual number of runs: 100 (minimum accepted);</a:t>
             </a:r>
           </a:p>
           <a:p>
             <a:endParaRPr lang="en-CA" sz="2400" dirty="0"/>
-          </a:p>
-          <a:p>
-            <a:pPr marL="0" indent="0">
-              <a:buNone/>
-            </a:pPr>
-            <a:endParaRPr lang="en-CA" sz="2400" dirty="0"/>
-          </a:p>
-          <a:p>
-            <a:pPr marL="0" indent="0">
-              <a:buNone/>
-            </a:pPr>
-            <a:endParaRPr lang="en-CA" sz="2400" dirty="0"/>
-          </a:p>
-          <a:p>
-            <a:r>
-              <a:rPr lang="en-CA" sz="2400" dirty="0"/>
-              <a:t>Objective function</a:t>
-            </a:r>
           </a:p>
         </p:txBody>
       </p:sp>
@@ -4637,17 +5634,65 @@
           </a:lstStyle>
           <a:p>
             <a:r>
-              <a:rPr lang="en-CA" sz="3600"/>
-              <a:t>Problem Description</a:t>
+              <a:rPr lang="en-CA" sz="3600" dirty="0"/>
+              <a:t>Variance Reduction</a:t>
             </a:r>
             <a:endParaRPr lang="en-US" sz="3600" dirty="0"/>
           </a:p>
         </p:txBody>
       </p:sp>
+      <p:pic>
+        <p:nvPicPr>
+          <p:cNvPr id="6" name="Picture 5"/>
+          <p:cNvPicPr>
+            <a:picLocks noChangeAspect="1"/>
+          </p:cNvPicPr>
+          <p:nvPr/>
+        </p:nvPicPr>
+        <p:blipFill>
+          <a:blip r:embed="rId3"/>
+          <a:stretch>
+            <a:fillRect/>
+          </a:stretch>
+        </p:blipFill>
+        <p:spPr>
+          <a:xfrm>
+            <a:off x="1107768" y="2828298"/>
+            <a:ext cx="4856251" cy="3240000"/>
+          </a:xfrm>
+          <a:prstGeom prst="rect">
+            <a:avLst/>
+          </a:prstGeom>
+        </p:spPr>
+      </p:pic>
+      <p:pic>
+        <p:nvPicPr>
+          <p:cNvPr id="10" name="Picture 9"/>
+          <p:cNvPicPr>
+            <a:picLocks noChangeAspect="1"/>
+          </p:cNvPicPr>
+          <p:nvPr/>
+        </p:nvPicPr>
+        <p:blipFill>
+          <a:blip r:embed="rId4"/>
+          <a:stretch>
+            <a:fillRect/>
+          </a:stretch>
+        </p:blipFill>
+        <p:spPr>
+          <a:xfrm>
+            <a:off x="5964019" y="2828298"/>
+            <a:ext cx="4856250" cy="3240000"/>
+          </a:xfrm>
+          <a:prstGeom prst="rect">
+            <a:avLst/>
+          </a:prstGeom>
+        </p:spPr>
+      </p:pic>
     </p:spTree>
     <p:extLst>
       <p:ext uri="{BB962C8B-B14F-4D97-AF65-F5344CB8AC3E}">
-        <p14:creationId xmlns:p14="http://schemas.microsoft.com/office/powerpoint/2010/main" val="1375401291"/>
+        <p14:creationId xmlns:p14="http://schemas.microsoft.com/office/powerpoint/2010/main" val="529324684"/>
       </p:ext>
     </p:extLst>
   </p:cSld>
@@ -4674,183 +5719,47 @@
           <a:chExt cx="0" cy="0"/>
         </a:xfrm>
       </p:grpSpPr>
-      <p:sp>
-        <p:nvSpPr>
-          <p:cNvPr id="3" name="Content Placeholder 2">
+      <p:pic>
+        <p:nvPicPr>
+          <p:cNvPr id="10" name="Content Placeholder 9" descr="A screenshot of a cell phone&#10;&#10;Description generated with very high confidence">
             <a:extLst>
               <a:ext uri="{FF2B5EF4-FFF2-40B4-BE49-F238E27FC236}">
-                <a16:creationId xmlns:a16="http://schemas.microsoft.com/office/drawing/2014/main" id="{2E5DAAB6-C87E-4C10-8DDC-15F41DB00A20}"/>
+                <a16:creationId xmlns:a16="http://schemas.microsoft.com/office/drawing/2014/main" id="{9432EE17-87DB-4B00-9B56-CD2CDBFE5D6C}"/>
               </a:ext>
             </a:extLst>
           </p:cNvPr>
-          <p:cNvSpPr>
-            <a:spLocks noGrp="1"/>
-          </p:cNvSpPr>
+          <p:cNvPicPr>
+            <a:picLocks noGrp="1" noChangeAspect="1"/>
+          </p:cNvPicPr>
           <p:nvPr>
             <p:ph idx="1"/>
           </p:nvPr>
-        </p:nvSpPr>
-        <p:spPr>
-          <a:xfrm>
-            <a:off x="838200" y="1127760"/>
-            <a:ext cx="10515600" cy="5049203"/>
-          </a:xfrm>
-        </p:spPr>
-        <p:txBody>
-          <a:bodyPr>
-            <a:normAutofit/>
-          </a:bodyPr>
-          <a:lstStyle/>
-          <a:p>
-            <a:pPr marL="0" indent="0">
-              <a:buNone/>
-            </a:pPr>
-            <a:endParaRPr lang="en-CA" sz="2400" dirty="0"/>
-          </a:p>
-          <a:p>
-            <a:pPr marL="0" indent="0">
-              <a:buNone/>
-            </a:pPr>
-            <a:r>
-              <a:rPr lang="en-CA" sz="2400" dirty="0">
-                <a:solidFill>
-                  <a:schemeClr val="accent1"/>
-                </a:solidFill>
-              </a:rPr>
-              <a:t>Limitation of baseline VNS</a:t>
-            </a:r>
-          </a:p>
-          <a:p>
-            <a:r>
-              <a:rPr lang="en-CA" sz="2400" dirty="0"/>
-              <a:t>The neighborhood size for </a:t>
-            </a:r>
-            <a:r>
-              <a:rPr lang="en-CA" sz="2400" b="1" dirty="0"/>
-              <a:t>adding/removing tables</a:t>
-            </a:r>
-            <a:r>
-              <a:rPr lang="en-CA" sz="2400" dirty="0"/>
-              <a:t> grows non-linearly. </a:t>
-            </a:r>
-            <a:r>
-              <a:rPr lang="en-CA" sz="2400" dirty="0">
-                <a:solidFill>
-                  <a:schemeClr val="accent2"/>
-                </a:solidFill>
-              </a:rPr>
-              <a:t>E.g.</a:t>
-            </a:r>
-            <a:endParaRPr lang="en-CA" sz="2000" dirty="0">
-              <a:solidFill>
-                <a:schemeClr val="accent2"/>
-              </a:solidFill>
-            </a:endParaRPr>
-          </a:p>
-          <a:p>
-            <a:pPr marL="0" indent="0" algn="ctr">
-              <a:buNone/>
-            </a:pPr>
-            <a:r>
-              <a:rPr lang="en-CA" sz="2000" dirty="0">
-                <a:solidFill>
-                  <a:schemeClr val="accent2"/>
-                </a:solidFill>
-              </a:rPr>
-              <a:t>Adding 1 table: 4 neighbors</a:t>
-            </a:r>
-          </a:p>
-          <a:p>
-            <a:pPr marL="0" indent="0" algn="ctr">
-              <a:buNone/>
-            </a:pPr>
-            <a:r>
-              <a:rPr lang="en-CA" sz="2000" dirty="0">
-                <a:solidFill>
-                  <a:schemeClr val="accent2"/>
-                </a:solidFill>
-              </a:rPr>
-              <a:t>Adding 2 tables: 4</a:t>
-            </a:r>
-            <a:r>
-              <a:rPr lang="en-CA" sz="2000" baseline="30000" dirty="0">
-                <a:solidFill>
-                  <a:schemeClr val="accent2"/>
-                </a:solidFill>
-              </a:rPr>
-              <a:t>2</a:t>
-            </a:r>
-            <a:r>
-              <a:rPr lang="en-CA" sz="2000" dirty="0">
-                <a:solidFill>
-                  <a:schemeClr val="accent2"/>
-                </a:solidFill>
-              </a:rPr>
-              <a:t> neighbors</a:t>
-            </a:r>
-          </a:p>
-          <a:p>
-            <a:pPr marL="0" indent="0" algn="ctr">
-              <a:buNone/>
-            </a:pPr>
-            <a:r>
-              <a:rPr lang="en-CA" sz="2000" dirty="0">
-                <a:solidFill>
-                  <a:schemeClr val="accent2"/>
-                </a:solidFill>
-              </a:rPr>
-              <a:t>Adding 3 tables: 4</a:t>
-            </a:r>
-            <a:r>
-              <a:rPr lang="en-CA" sz="2000" baseline="30000" dirty="0">
-                <a:solidFill>
-                  <a:schemeClr val="accent2"/>
-                </a:solidFill>
-              </a:rPr>
-              <a:t>3</a:t>
-            </a:r>
-            <a:r>
-              <a:rPr lang="en-CA" sz="2000" dirty="0">
-                <a:solidFill>
-                  <a:schemeClr val="accent2"/>
-                </a:solidFill>
-              </a:rPr>
-              <a:t> neighbors</a:t>
-            </a:r>
-          </a:p>
-          <a:p>
-            <a:pPr marL="0" indent="0" algn="ctr">
-              <a:buNone/>
-            </a:pPr>
-            <a:r>
-              <a:rPr lang="en-CA" sz="2000" dirty="0">
-                <a:solidFill>
-                  <a:schemeClr val="accent2"/>
-                </a:solidFill>
-              </a:rPr>
-              <a:t>…</a:t>
-            </a:r>
-          </a:p>
-          <a:p>
-            <a:r>
-              <a:rPr lang="en-CA" sz="2400" dirty="0"/>
-              <a:t>Costly to check a sufficiently large number of neighbors.</a:t>
-            </a:r>
-          </a:p>
-          <a:p>
-            <a:r>
-              <a:rPr lang="en-CA" sz="2400" dirty="0"/>
-              <a:t>Limiting the neighborhood size will likely lead to suboptimal profit.</a:t>
-            </a:r>
-          </a:p>
-        </p:txBody>
-      </p:sp>
+        </p:nvPicPr>
+        <p:blipFill>
+          <a:blip r:embed="rId2">
+            <a:extLst>
+              <a:ext uri="{28A0092B-C50C-407E-A947-70E740481C1C}">
+                <a14:useLocalDpi xmlns:a14="http://schemas.microsoft.com/office/drawing/2010/main" val="0"/>
+              </a:ext>
+            </a:extLst>
+          </a:blip>
+          <a:stretch>
+            <a:fillRect/>
+          </a:stretch>
+        </p:blipFill>
+        <p:spPr>
+          <a:xfrm>
+            <a:off x="0" y="1257934"/>
+            <a:ext cx="6190826" cy="4643120"/>
+          </a:xfrm>
+        </p:spPr>
+      </p:pic>
       <p:pic>
         <p:nvPicPr>
           <p:cNvPr id="5" name="Picture 4">
             <a:extLst>
               <a:ext uri="{FF2B5EF4-FFF2-40B4-BE49-F238E27FC236}">
-                <a16:creationId xmlns:a16="http://schemas.microsoft.com/office/drawing/2014/main" id="{8977407B-874A-4791-897D-6196620D6F56}"/>
+                <a16:creationId xmlns:a16="http://schemas.microsoft.com/office/drawing/2014/main" id="{937DC52F-3E84-4376-A880-17A444D06451}"/>
               </a:ext>
             </a:extLst>
           </p:cNvPr>
@@ -4860,7 +5769,7 @@
           <p:nvPr/>
         </p:nvPicPr>
         <p:blipFill>
-          <a:blip r:embed="rId2">
+          <a:blip r:embed="rId3">
             <a:extLst>
               <a:ext uri="{28A0092B-C50C-407E-A947-70E740481C1C}">
                 <a14:useLocalDpi xmlns:a14="http://schemas.microsoft.com/office/drawing/2010/main" val="0"/>
@@ -4883,10 +5792,10 @@
       </p:pic>
       <p:sp>
         <p:nvSpPr>
-          <p:cNvPr id="8" name="Title 1">
+          <p:cNvPr id="9" name="Title 1">
             <a:extLst>
               <a:ext uri="{FF2B5EF4-FFF2-40B4-BE49-F238E27FC236}">
-                <a16:creationId xmlns:a16="http://schemas.microsoft.com/office/drawing/2014/main" id="{3C0D5108-0220-49D1-BFA7-E8863D4F1E1D}"/>
+                <a16:creationId xmlns:a16="http://schemas.microsoft.com/office/drawing/2014/main" id="{D8D4F29A-F761-4FDF-9F1D-5964127B29A1}"/>
               </a:ext>
             </a:extLst>
           </p:cNvPr>
@@ -4929,17 +5838,53 @@
           </a:lstStyle>
           <a:p>
             <a:r>
-              <a:rPr lang="en-CA" sz="3600" dirty="0"/>
-              <a:t>Reducing the Neighborhood Size</a:t>
+              <a:rPr lang="en-CA" sz="3600"/>
+              <a:t>Simulation</a:t>
             </a:r>
             <a:endParaRPr lang="en-US" sz="3600" dirty="0"/>
           </a:p>
         </p:txBody>
       </p:sp>
+      <p:pic>
+        <p:nvPicPr>
+          <p:cNvPr id="12" name="Picture 11" descr="A screenshot of a cell phone&#10;&#10;Description generated with very high confidence">
+            <a:extLst>
+              <a:ext uri="{FF2B5EF4-FFF2-40B4-BE49-F238E27FC236}">
+                <a16:creationId xmlns:a16="http://schemas.microsoft.com/office/drawing/2014/main" id="{7BD46D61-0DA8-4170-BCF6-6167271C1986}"/>
+              </a:ext>
+            </a:extLst>
+          </p:cNvPr>
+          <p:cNvPicPr>
+            <a:picLocks noChangeAspect="1"/>
+          </p:cNvPicPr>
+          <p:nvPr/>
+        </p:nvPicPr>
+        <p:blipFill>
+          <a:blip r:embed="rId4">
+            <a:extLst>
+              <a:ext uri="{28A0092B-C50C-407E-A947-70E740481C1C}">
+                <a14:useLocalDpi xmlns:a14="http://schemas.microsoft.com/office/drawing/2010/main" val="0"/>
+              </a:ext>
+            </a:extLst>
+          </a:blip>
+          <a:stretch>
+            <a:fillRect/>
+          </a:stretch>
+        </p:blipFill>
+        <p:spPr>
+          <a:xfrm>
+            <a:off x="6001172" y="1257934"/>
+            <a:ext cx="6190828" cy="4643121"/>
+          </a:xfrm>
+          <a:prstGeom prst="rect">
+            <a:avLst/>
+          </a:prstGeom>
+        </p:spPr>
+      </p:pic>
     </p:spTree>
     <p:extLst>
       <p:ext uri="{BB962C8B-B14F-4D97-AF65-F5344CB8AC3E}">
-        <p14:creationId xmlns:p14="http://schemas.microsoft.com/office/powerpoint/2010/main" val="3678772537"/>
+        <p14:creationId xmlns:p14="http://schemas.microsoft.com/office/powerpoint/2010/main" val="4259261674"/>
       </p:ext>
     </p:extLst>
   </p:cSld>
@@ -4966,110 +5911,12 @@
           <a:chExt cx="0" cy="0"/>
         </a:xfrm>
       </p:grpSpPr>
-      <p:sp>
-        <p:nvSpPr>
-          <p:cNvPr id="3" name="Content Placeholder 2">
-            <a:extLst>
-              <a:ext uri="{FF2B5EF4-FFF2-40B4-BE49-F238E27FC236}">
-                <a16:creationId xmlns:a16="http://schemas.microsoft.com/office/drawing/2014/main" id="{2E5DAAB6-C87E-4C10-8DDC-15F41DB00A20}"/>
-              </a:ext>
-            </a:extLst>
-          </p:cNvPr>
-          <p:cNvSpPr>
-            <a:spLocks noGrp="1"/>
-          </p:cNvSpPr>
-          <p:nvPr>
-            <p:ph idx="1"/>
-          </p:nvPr>
-        </p:nvSpPr>
-        <p:spPr>
-          <a:xfrm>
-            <a:off x="838200" y="1127760"/>
-            <a:ext cx="10515600" cy="5049203"/>
-          </a:xfrm>
-        </p:spPr>
-        <p:txBody>
-          <a:bodyPr>
-            <a:normAutofit/>
-          </a:bodyPr>
-          <a:lstStyle/>
-          <a:p>
-            <a:pPr marL="0" indent="0">
-              <a:buNone/>
-            </a:pPr>
-            <a:endParaRPr lang="en-CA" sz="2400" dirty="0">
-              <a:solidFill>
-                <a:schemeClr val="accent1">
-                  <a:lumMod val="75000"/>
-                </a:schemeClr>
-              </a:solidFill>
-            </a:endParaRPr>
-          </a:p>
-          <a:p>
-            <a:pPr marL="0" indent="0">
-              <a:buNone/>
-            </a:pPr>
-            <a:endParaRPr lang="en-CA" sz="2400" dirty="0">
-              <a:solidFill>
-                <a:schemeClr val="accent1">
-                  <a:lumMod val="75000"/>
-                </a:schemeClr>
-              </a:solidFill>
-            </a:endParaRPr>
-          </a:p>
-          <a:p>
-            <a:pPr marL="0" indent="0">
-              <a:buNone/>
-            </a:pPr>
-            <a:r>
-              <a:rPr lang="en-CA" sz="2400" dirty="0">
-                <a:solidFill>
-                  <a:schemeClr val="accent1">
-                    <a:lumMod val="75000"/>
-                  </a:schemeClr>
-                </a:solidFill>
-              </a:rPr>
-              <a:t>Idea</a:t>
-            </a:r>
-          </a:p>
-          <a:p>
-            <a:r>
-              <a:rPr lang="en-CA" sz="2400" dirty="0"/>
-              <a:t>The new restaurant can have anywhere from 200 to 400 seats. </a:t>
-            </a:r>
-          </a:p>
-          <a:p>
-            <a:r>
-              <a:rPr lang="en-CA" sz="2400" dirty="0"/>
-              <a:t>Successively narrow this interval by optimizing mean profit at discrete points.</a:t>
-            </a:r>
-          </a:p>
-          <a:p>
-            <a:r>
-              <a:rPr lang="en-CA" sz="2400" dirty="0"/>
-              <a:t>In the beginning, use a greedy heuristic to quickly narrow down the interval.</a:t>
-            </a:r>
-          </a:p>
-          <a:p>
-            <a:r>
-              <a:rPr lang="en-CA" sz="2400" dirty="0"/>
-              <a:t>When the interval becomes “small enough”, use VNS.</a:t>
-            </a:r>
-          </a:p>
-          <a:p>
-            <a:r>
-              <a:rPr lang="en-CA" sz="2400" dirty="0"/>
-              <a:t>We can eliminate the neighborhood structure for adding/removing tables.</a:t>
-            </a:r>
-          </a:p>
-        </p:txBody>
-      </p:sp>
       <p:pic>
         <p:nvPicPr>
           <p:cNvPr id="5" name="Picture 4">
             <a:extLst>
               <a:ext uri="{FF2B5EF4-FFF2-40B4-BE49-F238E27FC236}">
-                <a16:creationId xmlns:a16="http://schemas.microsoft.com/office/drawing/2014/main" id="{8977407B-874A-4791-897D-6196620D6F56}"/>
+                <a16:creationId xmlns:a16="http://schemas.microsoft.com/office/drawing/2014/main" id="{937DC52F-3E84-4376-A880-17A444D06451}"/>
               </a:ext>
             </a:extLst>
           </p:cNvPr>
@@ -5102,44 +5949,134 @@
       </p:pic>
       <p:sp>
         <p:nvSpPr>
-          <p:cNvPr id="7" name="Title 1">
+          <p:cNvPr id="9" name="Title 1">
             <a:extLst>
               <a:ext uri="{FF2B5EF4-FFF2-40B4-BE49-F238E27FC236}">
-                <a16:creationId xmlns:a16="http://schemas.microsoft.com/office/drawing/2014/main" id="{DF83123F-FFF6-4EB8-AA6C-703D18DCBD9D}"/>
+                <a16:creationId xmlns:a16="http://schemas.microsoft.com/office/drawing/2014/main" id="{D8D4F29A-F761-4FDF-9F1D-5964127B29A1}"/>
               </a:ext>
             </a:extLst>
           </p:cNvPr>
-          <p:cNvSpPr>
-            <a:spLocks noGrp="1"/>
+          <p:cNvSpPr txBox="1">
+            <a:spLocks/>
           </p:cNvSpPr>
-          <p:nvPr>
-            <p:ph type="title"/>
-          </p:nvPr>
+          <p:nvPr/>
         </p:nvSpPr>
         <p:spPr>
           <a:xfrm>
             <a:off x="838200" y="365125"/>
             <a:ext cx="10515600" cy="762635"/>
           </a:xfrm>
-        </p:spPr>
-        <p:txBody>
-          <a:bodyPr>
+          <a:prstGeom prst="rect">
+            <a:avLst/>
+          </a:prstGeom>
+        </p:spPr>
+        <p:txBody>
+          <a:bodyPr vert="horz" lIns="91440" tIns="45720" rIns="91440" bIns="45720" rtlCol="0" anchor="ctr">
             <a:normAutofit/>
           </a:bodyPr>
-          <a:lstStyle/>
-          <a:p>
-            <a:r>
-              <a:rPr lang="en-CA" sz="3600" dirty="0"/>
-              <a:t>Golden Section Method</a:t>
+          <a:lstStyle>
+            <a:lvl1pPr algn="l" defTabSz="914400" rtl="0" eaLnBrk="1" latinLnBrk="0" hangingPunct="1">
+              <a:lnSpc>
+                <a:spcPct val="90000"/>
+              </a:lnSpc>
+              <a:spcBef>
+                <a:spcPct val="0"/>
+              </a:spcBef>
+              <a:buNone/>
+              <a:defRPr sz="4400" kern="1200">
+                <a:solidFill>
+                  <a:schemeClr val="tx1"/>
+                </a:solidFill>
+                <a:latin typeface="+mj-lt"/>
+                <a:ea typeface="+mj-ea"/>
+                <a:cs typeface="+mj-cs"/>
+              </a:defRPr>
+            </a:lvl1pPr>
+          </a:lstStyle>
+          <a:p>
+            <a:r>
+              <a:rPr lang="en-CA" sz="3600"/>
+              <a:t>Simulation</a:t>
             </a:r>
             <a:endParaRPr lang="en-US" sz="3600" dirty="0"/>
           </a:p>
         </p:txBody>
       </p:sp>
+      <p:pic>
+        <p:nvPicPr>
+          <p:cNvPr id="6" name="Content Placeholder 5" descr="A screenshot of a cell phone&#10;&#10;Description generated with very high confidence">
+            <a:extLst>
+              <a:ext uri="{FF2B5EF4-FFF2-40B4-BE49-F238E27FC236}">
+                <a16:creationId xmlns:a16="http://schemas.microsoft.com/office/drawing/2014/main" id="{399FECF4-9FC0-4462-A432-28E11A5F98CF}"/>
+              </a:ext>
+            </a:extLst>
+          </p:cNvPr>
+          <p:cNvPicPr>
+            <a:picLocks noGrp="1" noChangeAspect="1"/>
+          </p:cNvPicPr>
+          <p:nvPr>
+            <p:ph idx="1"/>
+          </p:nvPr>
+        </p:nvPicPr>
+        <p:blipFill>
+          <a:blip r:embed="rId3">
+            <a:extLst>
+              <a:ext uri="{28A0092B-C50C-407E-A947-70E740481C1C}">
+                <a14:useLocalDpi xmlns:a14="http://schemas.microsoft.com/office/drawing/2010/main" val="0"/>
+              </a:ext>
+            </a:extLst>
+          </a:blip>
+          <a:stretch>
+            <a:fillRect/>
+          </a:stretch>
+        </p:blipFill>
+        <p:spPr>
+          <a:xfrm>
+            <a:off x="0" y="1143000"/>
+            <a:ext cx="6096000" cy="4572000"/>
+          </a:xfrm>
+        </p:spPr>
+      </p:pic>
+      <p:pic>
+        <p:nvPicPr>
+          <p:cNvPr id="8" name="Picture 7" descr="A screenshot of a cell phone&#10;&#10;Description generated with very high confidence">
+            <a:extLst>
+              <a:ext uri="{FF2B5EF4-FFF2-40B4-BE49-F238E27FC236}">
+                <a16:creationId xmlns:a16="http://schemas.microsoft.com/office/drawing/2014/main" id="{4F8008DE-4DF9-4429-9ABF-0378FFA46201}"/>
+              </a:ext>
+            </a:extLst>
+          </p:cNvPr>
+          <p:cNvPicPr>
+            <a:picLocks noChangeAspect="1"/>
+          </p:cNvPicPr>
+          <p:nvPr/>
+        </p:nvPicPr>
+        <p:blipFill>
+          <a:blip r:embed="rId4">
+            <a:extLst>
+              <a:ext uri="{28A0092B-C50C-407E-A947-70E740481C1C}">
+                <a14:useLocalDpi xmlns:a14="http://schemas.microsoft.com/office/drawing/2010/main" val="0"/>
+              </a:ext>
+            </a:extLst>
+          </a:blip>
+          <a:stretch>
+            <a:fillRect/>
+          </a:stretch>
+        </p:blipFill>
+        <p:spPr>
+          <a:xfrm>
+            <a:off x="6096000" y="1143000"/>
+            <a:ext cx="6096000" cy="4572000"/>
+          </a:xfrm>
+          <a:prstGeom prst="rect">
+            <a:avLst/>
+          </a:prstGeom>
+        </p:spPr>
+      </p:pic>
     </p:spTree>
     <p:extLst>
       <p:ext uri="{BB962C8B-B14F-4D97-AF65-F5344CB8AC3E}">
-        <p14:creationId xmlns:p14="http://schemas.microsoft.com/office/powerpoint/2010/main" val="4093437447"/>
+        <p14:creationId xmlns:p14="http://schemas.microsoft.com/office/powerpoint/2010/main" val="2278741990"/>
       </p:ext>
     </p:extLst>
   </p:cSld>
@@ -5166,250 +6103,12 @@
           <a:chExt cx="0" cy="0"/>
         </a:xfrm>
       </p:grpSpPr>
-      <p:sp>
-        <p:nvSpPr>
-          <p:cNvPr id="3" name="Content Placeholder 2">
-            <a:extLst>
-              <a:ext uri="{FF2B5EF4-FFF2-40B4-BE49-F238E27FC236}">
-                <a16:creationId xmlns:a16="http://schemas.microsoft.com/office/drawing/2014/main" id="{2E5DAAB6-C87E-4C10-8DDC-15F41DB00A20}"/>
-              </a:ext>
-            </a:extLst>
-          </p:cNvPr>
-          <p:cNvSpPr>
-            <a:spLocks noGrp="1"/>
-          </p:cNvSpPr>
-          <p:nvPr>
-            <p:ph idx="1"/>
-          </p:nvPr>
-        </p:nvSpPr>
-        <p:spPr>
-          <a:xfrm>
-            <a:off x="838200" y="1127760"/>
-            <a:ext cx="10515600" cy="5049203"/>
-          </a:xfrm>
-        </p:spPr>
-        <p:txBody>
-          <a:bodyPr>
-            <a:normAutofit/>
-          </a:bodyPr>
-          <a:lstStyle/>
-          <a:p>
-            <a:pPr marL="0" indent="0">
-              <a:buNone/>
-            </a:pPr>
-            <a:endParaRPr lang="en-CA" sz="2400" dirty="0">
-              <a:solidFill>
-                <a:schemeClr val="accent1">
-                  <a:lumMod val="75000"/>
-                </a:schemeClr>
-              </a:solidFill>
-            </a:endParaRPr>
-          </a:p>
-          <a:p>
-            <a:pPr marL="0" indent="0">
-              <a:buNone/>
-            </a:pPr>
-            <a:endParaRPr lang="en-CA" sz="2400" dirty="0">
-              <a:solidFill>
-                <a:schemeClr val="accent1">
-                  <a:lumMod val="75000"/>
-                </a:schemeClr>
-              </a:solidFill>
-            </a:endParaRPr>
-          </a:p>
-          <a:p>
-            <a:pPr marL="0" indent="0">
-              <a:buNone/>
-            </a:pPr>
-            <a:r>
-              <a:rPr lang="en-CA" sz="2400" dirty="0">
-                <a:solidFill>
-                  <a:schemeClr val="accent1">
-                    <a:lumMod val="75000"/>
-                  </a:schemeClr>
-                </a:solidFill>
-              </a:rPr>
-              <a:t>Conditions</a:t>
-            </a:r>
-          </a:p>
-          <a:p>
-            <a:r>
-              <a:rPr lang="en-CA" sz="2400" dirty="0"/>
-              <a:t>Mean profit as a function of number of seats must be concave </a:t>
-            </a:r>
-            <a:r>
-              <a:rPr lang="en-CA" sz="2400"/>
-              <a:t>(unimodal).</a:t>
-            </a:r>
-            <a:endParaRPr lang="en-CA" sz="2400" dirty="0"/>
-          </a:p>
-          <a:p>
-            <a:r>
-              <a:rPr lang="en-CA" sz="2400" dirty="0"/>
-              <a:t>In the interval that greedy heuristic eliminates, its results must be consistent with the results of VNS. </a:t>
-            </a:r>
-          </a:p>
-          <a:p>
-            <a:pPr marL="0" indent="0" algn="ctr">
-              <a:buNone/>
-            </a:pPr>
-            <a:r>
-              <a:rPr lang="en-CA" sz="2400" i="1" dirty="0"/>
-              <a:t>e.g. </a:t>
-            </a:r>
-            <a:r>
-              <a:rPr lang="en-CA" sz="2400" i="1" dirty="0" err="1">
-                <a:solidFill>
-                  <a:schemeClr val="accent6">
-                    <a:lumMod val="75000"/>
-                  </a:schemeClr>
-                </a:solidFill>
-              </a:rPr>
-              <a:t>f</a:t>
-            </a:r>
-            <a:r>
-              <a:rPr lang="en-CA" sz="2400" i="1" baseline="-25000" dirty="0" err="1">
-                <a:solidFill>
-                  <a:schemeClr val="accent6">
-                    <a:lumMod val="75000"/>
-                  </a:schemeClr>
-                </a:solidFill>
-              </a:rPr>
-              <a:t>greedy</a:t>
-            </a:r>
-            <a:r>
-              <a:rPr lang="en-CA" sz="2400" dirty="0">
-                <a:solidFill>
-                  <a:schemeClr val="accent6">
-                    <a:lumMod val="75000"/>
-                  </a:schemeClr>
-                </a:solidFill>
-              </a:rPr>
-              <a:t>(300) &gt; </a:t>
-            </a:r>
-            <a:r>
-              <a:rPr lang="en-CA" sz="2400" i="1" dirty="0" err="1">
-                <a:solidFill>
-                  <a:schemeClr val="accent6">
-                    <a:lumMod val="75000"/>
-                  </a:schemeClr>
-                </a:solidFill>
-              </a:rPr>
-              <a:t>f</a:t>
-            </a:r>
-            <a:r>
-              <a:rPr lang="en-CA" sz="2400" i="1" baseline="-25000" dirty="0" err="1">
-                <a:solidFill>
-                  <a:schemeClr val="accent6">
-                    <a:lumMod val="75000"/>
-                  </a:schemeClr>
-                </a:solidFill>
-              </a:rPr>
-              <a:t>greedy</a:t>
-            </a:r>
-            <a:r>
-              <a:rPr lang="en-CA" sz="2400" dirty="0">
-                <a:solidFill>
-                  <a:schemeClr val="accent6">
-                    <a:lumMod val="75000"/>
-                  </a:schemeClr>
-                </a:solidFill>
-              </a:rPr>
-              <a:t>(350) </a:t>
-            </a:r>
-            <a:r>
-              <a:rPr lang="en-CA" sz="2400" dirty="0">
-                <a:solidFill>
-                  <a:schemeClr val="accent6">
-                    <a:lumMod val="75000"/>
-                  </a:schemeClr>
-                </a:solidFill>
-                <a:sym typeface="Wingdings" panose="05000000000000000000" pitchFamily="2" charset="2"/>
-              </a:rPr>
-              <a:t> </a:t>
-            </a:r>
-            <a:r>
-              <a:rPr lang="en-CA" sz="2400" i="1" dirty="0" err="1">
-                <a:solidFill>
-                  <a:schemeClr val="accent6">
-                    <a:lumMod val="75000"/>
-                  </a:schemeClr>
-                </a:solidFill>
-                <a:sym typeface="Wingdings" panose="05000000000000000000" pitchFamily="2" charset="2"/>
-              </a:rPr>
-              <a:t>f</a:t>
-            </a:r>
-            <a:r>
-              <a:rPr lang="en-CA" sz="2400" i="1" baseline="-25000" dirty="0" err="1">
-                <a:solidFill>
-                  <a:schemeClr val="accent6">
-                    <a:lumMod val="75000"/>
-                  </a:schemeClr>
-                </a:solidFill>
-                <a:sym typeface="Wingdings" panose="05000000000000000000" pitchFamily="2" charset="2"/>
-              </a:rPr>
-              <a:t>VNS</a:t>
-            </a:r>
-            <a:r>
-              <a:rPr lang="en-CA" sz="2400" dirty="0">
-                <a:solidFill>
-                  <a:schemeClr val="accent6">
-                    <a:lumMod val="75000"/>
-                  </a:schemeClr>
-                </a:solidFill>
-                <a:sym typeface="Wingdings" panose="05000000000000000000" pitchFamily="2" charset="2"/>
-              </a:rPr>
-              <a:t>(300) &gt; </a:t>
-            </a:r>
-            <a:r>
-              <a:rPr lang="en-CA" sz="2400" i="1" dirty="0" err="1">
-                <a:solidFill>
-                  <a:schemeClr val="accent6">
-                    <a:lumMod val="75000"/>
-                  </a:schemeClr>
-                </a:solidFill>
-                <a:sym typeface="Wingdings" panose="05000000000000000000" pitchFamily="2" charset="2"/>
-              </a:rPr>
-              <a:t>f</a:t>
-            </a:r>
-            <a:r>
-              <a:rPr lang="en-CA" sz="2400" i="1" baseline="-25000" dirty="0" err="1">
-                <a:solidFill>
-                  <a:schemeClr val="accent6">
-                    <a:lumMod val="75000"/>
-                  </a:schemeClr>
-                </a:solidFill>
-                <a:sym typeface="Wingdings" panose="05000000000000000000" pitchFamily="2" charset="2"/>
-              </a:rPr>
-              <a:t>VNS</a:t>
-            </a:r>
-            <a:r>
-              <a:rPr lang="en-CA" sz="2400" dirty="0">
-                <a:solidFill>
-                  <a:schemeClr val="accent6">
-                    <a:lumMod val="75000"/>
-                  </a:schemeClr>
-                </a:solidFill>
-                <a:sym typeface="Wingdings" panose="05000000000000000000" pitchFamily="2" charset="2"/>
-              </a:rPr>
-              <a:t>(350)</a:t>
-            </a:r>
-            <a:endParaRPr lang="en-CA" sz="2400" dirty="0"/>
-          </a:p>
-          <a:p>
-            <a:endParaRPr lang="en-CA" sz="2400" dirty="0"/>
-          </a:p>
-          <a:p>
-            <a:endParaRPr lang="en-CA" sz="2400" dirty="0"/>
-          </a:p>
-        </p:txBody>
-      </p:sp>
       <p:pic>
         <p:nvPicPr>
-          <p:cNvPr id="5" name="Picture 4">
+          <p:cNvPr id="6" name="Picture 5">
             <a:extLst>
               <a:ext uri="{FF2B5EF4-FFF2-40B4-BE49-F238E27FC236}">
-                <a16:creationId xmlns:a16="http://schemas.microsoft.com/office/drawing/2014/main" id="{8977407B-874A-4791-897D-6196620D6F56}"/>
+                <a16:creationId xmlns:a16="http://schemas.microsoft.com/office/drawing/2014/main" id="{A6EF65AA-5892-404D-82FC-C9F1A634C44D}"/>
               </a:ext>
             </a:extLst>
           </p:cNvPr>
@@ -5432,8 +6131,8 @@
         </p:blipFill>
         <p:spPr>
           <a:xfrm>
-            <a:off x="9916160" y="365125"/>
-            <a:ext cx="1437640" cy="418937"/>
+            <a:off x="838201" y="2743200"/>
+            <a:ext cx="1413668" cy="1413668"/>
           </a:xfrm>
           <a:prstGeom prst="rect">
             <a:avLst/>
@@ -5442,10 +6141,10 @@
       </p:pic>
       <p:sp>
         <p:nvSpPr>
-          <p:cNvPr id="7" name="Title 1">
+          <p:cNvPr id="2" name="Title 1">
             <a:extLst>
               <a:ext uri="{FF2B5EF4-FFF2-40B4-BE49-F238E27FC236}">
-                <a16:creationId xmlns:a16="http://schemas.microsoft.com/office/drawing/2014/main" id="{DF83123F-FFF6-4EB8-AA6C-703D18DCBD9D}"/>
+                <a16:creationId xmlns:a16="http://schemas.microsoft.com/office/drawing/2014/main" id="{72816BE1-4A9B-4E6A-B1EB-DD40AE40E9F9}"/>
               </a:ext>
             </a:extLst>
           </p:cNvPr>
@@ -5453,33 +6152,70 @@
             <a:spLocks noGrp="1"/>
           </p:cNvSpPr>
           <p:nvPr>
-            <p:ph type="title"/>
+            <p:ph type="ctrTitle"/>
           </p:nvPr>
         </p:nvSpPr>
         <p:spPr>
           <a:xfrm>
-            <a:off x="838200" y="365125"/>
-            <a:ext cx="10515600" cy="762635"/>
-          </a:xfrm>
-        </p:spPr>
-        <p:txBody>
-          <a:bodyPr>
+            <a:off x="2370667" y="2187743"/>
+            <a:ext cx="5293449" cy="2482515"/>
+          </a:xfrm>
+        </p:spPr>
+        <p:txBody>
+          <a:bodyPr anchor="ctr">
             <a:normAutofit/>
           </a:bodyPr>
           <a:lstStyle/>
           <a:p>
-            <a:r>
-              <a:rPr lang="en-CA" sz="3600" dirty="0"/>
-              <a:t>Golden Section Method</a:t>
-            </a:r>
-            <a:endParaRPr lang="en-US" sz="3600" dirty="0"/>
-          </a:p>
-        </p:txBody>
-      </p:sp>
+            <a:pPr algn="l"/>
+            <a:r>
+              <a:rPr lang="en-CA" dirty="0"/>
+              <a:t>Optimization</a:t>
+            </a:r>
+            <a:endParaRPr lang="en-US" dirty="0"/>
+          </a:p>
+        </p:txBody>
+      </p:sp>
+      <p:pic>
+        <p:nvPicPr>
+          <p:cNvPr id="21" name="Picture 20">
+            <a:extLst>
+              <a:ext uri="{FF2B5EF4-FFF2-40B4-BE49-F238E27FC236}">
+                <a16:creationId xmlns:a16="http://schemas.microsoft.com/office/drawing/2014/main" id="{42C85B27-11F7-44C3-880A-3D4700405CB6}"/>
+              </a:ext>
+            </a:extLst>
+          </p:cNvPr>
+          <p:cNvPicPr>
+            <a:picLocks noChangeAspect="1"/>
+          </p:cNvPicPr>
+          <p:nvPr/>
+        </p:nvPicPr>
+        <p:blipFill>
+          <a:blip r:embed="rId3" cstate="hqprint">
+            <a:extLst>
+              <a:ext uri="{28A0092B-C50C-407E-A947-70E740481C1C}">
+                <a14:useLocalDpi xmlns:a14="http://schemas.microsoft.com/office/drawing/2010/main" val="0"/>
+              </a:ext>
+            </a:extLst>
+          </a:blip>
+          <a:stretch>
+            <a:fillRect/>
+          </a:stretch>
+        </p:blipFill>
+        <p:spPr>
+          <a:xfrm>
+            <a:off x="9916160" y="365125"/>
+            <a:ext cx="1437640" cy="418937"/>
+          </a:xfrm>
+          <a:prstGeom prst="rect">
+            <a:avLst/>
+          </a:prstGeom>
+        </p:spPr>
+      </p:pic>
     </p:spTree>
     <p:extLst>
       <p:ext uri="{BB962C8B-B14F-4D97-AF65-F5344CB8AC3E}">
-        <p14:creationId xmlns:p14="http://schemas.microsoft.com/office/powerpoint/2010/main" val="3961735586"/>
+        <p14:creationId xmlns:p14="http://schemas.microsoft.com/office/powerpoint/2010/main" val="4088084169"/>
       </p:ext>
     </p:extLst>
   </p:cSld>
@@ -5534,16 +6270,19 @@
           </a:bodyPr>
           <a:lstStyle/>
           <a:p>
+            <a:r>
+              <a:rPr lang="en-CA" sz="2400" dirty="0"/>
+              <a:t>Decision variables</a:t>
+            </a:r>
+          </a:p>
+          <a:p>
+            <a:endParaRPr lang="en-CA" sz="2400" dirty="0"/>
+          </a:p>
+          <a:p>
             <a:pPr marL="0" indent="0">
               <a:buNone/>
             </a:pPr>
-            <a:endParaRPr lang="en-CA" sz="2400" dirty="0">
-              <a:solidFill>
-                <a:schemeClr val="accent1">
-                  <a:lumMod val="75000"/>
-                </a:schemeClr>
-              </a:solidFill>
-            </a:endParaRPr>
+            <a:endParaRPr lang="en-CA" sz="2400" dirty="0"/>
           </a:p>
           <a:p>
             <a:pPr marL="0" indent="0">
@@ -5552,7 +6291,10 @@
             <a:endParaRPr lang="en-CA" sz="2400" dirty="0"/>
           </a:p>
           <a:p>
-            <a:endParaRPr lang="en-CA" sz="2400" dirty="0"/>
+            <a:r>
+              <a:rPr lang="en-CA" sz="2400" dirty="0"/>
+              <a:t>Objective function</a:t>
+            </a:r>
           </a:p>
         </p:txBody>
       </p:sp>
@@ -5571,7 +6313,7 @@
           <p:nvPr/>
         </p:nvPicPr>
         <p:blipFill>
-          <a:blip r:embed="rId2">
+          <a:blip r:embed="rId2" cstate="hqprint">
             <a:extLst>
               <a:ext uri="{28A0092B-C50C-407E-A947-70E740481C1C}">
                 <a14:useLocalDpi xmlns:a14="http://schemas.microsoft.com/office/drawing/2010/main" val="0"/>
@@ -5594,116 +6336,63 @@
       </p:pic>
       <p:sp>
         <p:nvSpPr>
-          <p:cNvPr id="7" name="Title 1">
+          <p:cNvPr id="8" name="Title 1">
             <a:extLst>
               <a:ext uri="{FF2B5EF4-FFF2-40B4-BE49-F238E27FC236}">
-                <a16:creationId xmlns:a16="http://schemas.microsoft.com/office/drawing/2014/main" id="{DF83123F-FFF6-4EB8-AA6C-703D18DCBD9D}"/>
+                <a16:creationId xmlns:a16="http://schemas.microsoft.com/office/drawing/2014/main" id="{3C0D5108-0220-49D1-BFA7-E8863D4F1E1D}"/>
               </a:ext>
             </a:extLst>
           </p:cNvPr>
-          <p:cNvSpPr>
-            <a:spLocks noGrp="1"/>
+          <p:cNvSpPr txBox="1">
+            <a:spLocks/>
           </p:cNvSpPr>
-          <p:nvPr>
-            <p:ph type="title"/>
-          </p:nvPr>
+          <p:nvPr/>
         </p:nvSpPr>
         <p:spPr>
           <a:xfrm>
             <a:off x="838200" y="365125"/>
             <a:ext cx="10515600" cy="762635"/>
-          </a:xfrm>
-        </p:spPr>
-        <p:txBody>
-          <a:bodyPr>
-            <a:normAutofit/>
-          </a:bodyPr>
-          <a:lstStyle/>
-          <a:p>
-            <a:r>
-              <a:rPr lang="en-CA" sz="3600" dirty="0"/>
-              <a:t>Golden Section Method</a:t>
-            </a:r>
-            <a:endParaRPr lang="en-US" sz="3600" dirty="0"/>
-          </a:p>
-        </p:txBody>
-      </p:sp>
-      <p:pic>
-        <p:nvPicPr>
-          <p:cNvPr id="4" name="Picture 3" descr="A close up of a map&#10;&#10;Description generated with very high confidence">
-            <a:extLst>
-              <a:ext uri="{FF2B5EF4-FFF2-40B4-BE49-F238E27FC236}">
-                <a16:creationId xmlns:a16="http://schemas.microsoft.com/office/drawing/2014/main" id="{6F7F02D7-F0E8-4ACF-B7CC-959B5D7282D2}"/>
-              </a:ext>
-            </a:extLst>
-          </p:cNvPr>
-          <p:cNvPicPr>
-            <a:picLocks noChangeAspect="1"/>
-          </p:cNvPicPr>
-          <p:nvPr/>
-        </p:nvPicPr>
-        <p:blipFill>
-          <a:blip r:embed="rId3">
-            <a:extLst>
-              <a:ext uri="{28A0092B-C50C-407E-A947-70E740481C1C}">
-                <a14:useLocalDpi xmlns:a14="http://schemas.microsoft.com/office/drawing/2010/main" val="0"/>
-              </a:ext>
-            </a:extLst>
-          </a:blip>
-          <a:stretch>
-            <a:fillRect/>
-          </a:stretch>
-        </p:blipFill>
-        <p:spPr>
-          <a:xfrm>
-            <a:off x="778721" y="1658381"/>
-            <a:ext cx="5317279" cy="3987959"/>
           </a:xfrm>
           <a:prstGeom prst="rect">
             <a:avLst/>
           </a:prstGeom>
         </p:spPr>
-      </p:pic>
-      <p:pic>
-        <p:nvPicPr>
-          <p:cNvPr id="8" name="Picture 7" descr="A close up of a map&#10;&#10;Description generated with very high confidence">
-            <a:extLst>
-              <a:ext uri="{FF2B5EF4-FFF2-40B4-BE49-F238E27FC236}">
-                <a16:creationId xmlns:a16="http://schemas.microsoft.com/office/drawing/2014/main" id="{CF3EF8CE-D7AB-4D17-A165-93D49F443CCF}"/>
-              </a:ext>
-            </a:extLst>
-          </p:cNvPr>
-          <p:cNvPicPr>
-            <a:picLocks noChangeAspect="1"/>
-          </p:cNvPicPr>
-          <p:nvPr/>
-        </p:nvPicPr>
-        <p:blipFill>
-          <a:blip r:embed="rId4">
-            <a:extLst>
-              <a:ext uri="{28A0092B-C50C-407E-A947-70E740481C1C}">
-                <a14:useLocalDpi xmlns:a14="http://schemas.microsoft.com/office/drawing/2010/main" val="0"/>
-              </a:ext>
-            </a:extLst>
-          </a:blip>
-          <a:stretch>
-            <a:fillRect/>
-          </a:stretch>
-        </p:blipFill>
-        <p:spPr>
-          <a:xfrm>
-            <a:off x="6200352" y="1697512"/>
-            <a:ext cx="5212927" cy="3909695"/>
-          </a:xfrm>
-          <a:prstGeom prst="rect">
-            <a:avLst/>
-          </a:prstGeom>
-        </p:spPr>
-      </p:pic>
+        <p:txBody>
+          <a:bodyPr vert="horz" lIns="91440" tIns="45720" rIns="91440" bIns="45720" rtlCol="0" anchor="ctr">
+            <a:normAutofit/>
+          </a:bodyPr>
+          <a:lstStyle>
+            <a:lvl1pPr algn="l" defTabSz="914400" rtl="0" eaLnBrk="1" latinLnBrk="0" hangingPunct="1">
+              <a:lnSpc>
+                <a:spcPct val="90000"/>
+              </a:lnSpc>
+              <a:spcBef>
+                <a:spcPct val="0"/>
+              </a:spcBef>
+              <a:buNone/>
+              <a:defRPr sz="4400" kern="1200">
+                <a:solidFill>
+                  <a:schemeClr val="tx1"/>
+                </a:solidFill>
+                <a:latin typeface="+mj-lt"/>
+                <a:ea typeface="+mj-ea"/>
+                <a:cs typeface="+mj-cs"/>
+              </a:defRPr>
+            </a:lvl1pPr>
+          </a:lstStyle>
+          <a:p>
+            <a:r>
+              <a:rPr lang="en-CA" sz="3600"/>
+              <a:t>Problem Description</a:t>
+            </a:r>
+            <a:endParaRPr lang="en-US" sz="3600" dirty="0"/>
+          </a:p>
+        </p:txBody>
+      </p:sp>
     </p:spTree>
     <p:extLst>
       <p:ext uri="{BB962C8B-B14F-4D97-AF65-F5344CB8AC3E}">
-        <p14:creationId xmlns:p14="http://schemas.microsoft.com/office/powerpoint/2010/main" val="2306792197"/>
+        <p14:creationId xmlns:p14="http://schemas.microsoft.com/office/powerpoint/2010/main" val="1375401291"/>
       </p:ext>
     </p:extLst>
   </p:cSld>
@@ -5761,22 +6450,143 @@
             <a:pPr marL="0" indent="0">
               <a:buNone/>
             </a:pPr>
-            <a:endParaRPr lang="en-CA" sz="2400" dirty="0">
+            <a:endParaRPr lang="en-CA" sz="2400" dirty="0"/>
+          </a:p>
+          <a:p>
+            <a:pPr marL="0" indent="0">
+              <a:buNone/>
+            </a:pPr>
+            <a:r>
+              <a:rPr lang="en-CA" sz="2400" dirty="0">
+                <a:solidFill>
+                  <a:schemeClr val="accent1"/>
+                </a:solidFill>
+              </a:rPr>
+              <a:t>Limitation of baseline VNS</a:t>
+            </a:r>
+          </a:p>
+          <a:p>
+            <a:r>
+              <a:rPr lang="en-CA" sz="2400" dirty="0"/>
+              <a:t>The neighborhood size for </a:t>
+            </a:r>
+            <a:r>
+              <a:rPr lang="en-CA" sz="2400" b="1" dirty="0"/>
+              <a:t>adding/removing tables</a:t>
+            </a:r>
+            <a:r>
+              <a:rPr lang="en-CA" sz="2400" dirty="0"/>
+              <a:t> grows non-linearly. </a:t>
+            </a:r>
+            <a:r>
+              <a:rPr lang="en-CA" sz="2400" dirty="0">
+                <a:solidFill>
+                  <a:schemeClr val="accent2"/>
+                </a:solidFill>
+              </a:rPr>
+              <a:t>E.g.</a:t>
+            </a:r>
+            <a:endParaRPr lang="en-CA" sz="2000" dirty="0">
               <a:solidFill>
-                <a:schemeClr val="accent1">
-                  <a:lumMod val="75000"/>
-                </a:schemeClr>
+                <a:schemeClr val="accent2"/>
               </a:solidFill>
             </a:endParaRPr>
           </a:p>
           <a:p>
-            <a:pPr marL="0" indent="0">
-              <a:buNone/>
-            </a:pPr>
-            <a:endParaRPr lang="en-CA" sz="2400" dirty="0"/>
-          </a:p>
-          <a:p>
-            <a:endParaRPr lang="en-CA" sz="2400" dirty="0"/>
+            <a:pPr marL="0" indent="0" algn="ctr">
+              <a:buNone/>
+            </a:pPr>
+            <a:r>
+              <a:rPr lang="en-CA" sz="2000" dirty="0">
+                <a:solidFill>
+                  <a:schemeClr val="accent2"/>
+                </a:solidFill>
+              </a:rPr>
+              <a:t>Adding 1 table: 4 neighbors</a:t>
+            </a:r>
+          </a:p>
+          <a:p>
+            <a:pPr marL="0" indent="0" algn="ctr">
+              <a:buNone/>
+            </a:pPr>
+            <a:r>
+              <a:rPr lang="en-CA" sz="2000" dirty="0">
+                <a:solidFill>
+                  <a:schemeClr val="accent2"/>
+                </a:solidFill>
+              </a:rPr>
+              <a:t>Adding 2 tables: 4</a:t>
+            </a:r>
+            <a:r>
+              <a:rPr lang="en-CA" sz="2000" baseline="30000" dirty="0">
+                <a:solidFill>
+                  <a:schemeClr val="accent2"/>
+                </a:solidFill>
+              </a:rPr>
+              <a:t>2</a:t>
+            </a:r>
+            <a:r>
+              <a:rPr lang="en-CA" sz="2000" dirty="0">
+                <a:solidFill>
+                  <a:schemeClr val="accent2"/>
+                </a:solidFill>
+              </a:rPr>
+              <a:t> neighbors</a:t>
+            </a:r>
+          </a:p>
+          <a:p>
+            <a:pPr marL="0" indent="0" algn="ctr">
+              <a:buNone/>
+            </a:pPr>
+            <a:r>
+              <a:rPr lang="en-CA" sz="2000" dirty="0">
+                <a:solidFill>
+                  <a:schemeClr val="accent2"/>
+                </a:solidFill>
+              </a:rPr>
+              <a:t>Adding 3 tables: 4</a:t>
+            </a:r>
+            <a:r>
+              <a:rPr lang="en-CA" sz="2000" baseline="30000" dirty="0">
+                <a:solidFill>
+                  <a:schemeClr val="accent2"/>
+                </a:solidFill>
+              </a:rPr>
+              <a:t>3</a:t>
+            </a:r>
+            <a:r>
+              <a:rPr lang="en-CA" sz="2000" dirty="0">
+                <a:solidFill>
+                  <a:schemeClr val="accent2"/>
+                </a:solidFill>
+              </a:rPr>
+              <a:t> neighbors</a:t>
+            </a:r>
+          </a:p>
+          <a:p>
+            <a:pPr marL="0" indent="0" algn="ctr">
+              <a:buNone/>
+            </a:pPr>
+            <a:r>
+              <a:rPr lang="en-CA" sz="2000" dirty="0">
+                <a:solidFill>
+                  <a:schemeClr val="accent2"/>
+                </a:solidFill>
+              </a:rPr>
+              <a:t>…</a:t>
+            </a:r>
+          </a:p>
+          <a:p>
+            <a:r>
+              <a:rPr lang="en-CA" sz="2400" dirty="0"/>
+              <a:t>Costly to check a sufficiently large number of neighbors.</a:t>
+            </a:r>
+          </a:p>
+          <a:p>
+            <a:r>
+              <a:rPr lang="en-CA" sz="2400" dirty="0"/>
+              <a:t>Limiting the neighborhood size will likely lead to suboptimal profit.</a:t>
+            </a:r>
           </a:p>
         </p:txBody>
       </p:sp>
@@ -5818,166 +6628,63 @@
       </p:pic>
       <p:sp>
         <p:nvSpPr>
-          <p:cNvPr id="7" name="Title 1">
+          <p:cNvPr id="8" name="Title 1">
             <a:extLst>
               <a:ext uri="{FF2B5EF4-FFF2-40B4-BE49-F238E27FC236}">
-                <a16:creationId xmlns:a16="http://schemas.microsoft.com/office/drawing/2014/main" id="{DF83123F-FFF6-4EB8-AA6C-703D18DCBD9D}"/>
+                <a16:creationId xmlns:a16="http://schemas.microsoft.com/office/drawing/2014/main" id="{3C0D5108-0220-49D1-BFA7-E8863D4F1E1D}"/>
               </a:ext>
             </a:extLst>
           </p:cNvPr>
-          <p:cNvSpPr>
-            <a:spLocks noGrp="1"/>
+          <p:cNvSpPr txBox="1">
+            <a:spLocks/>
           </p:cNvSpPr>
-          <p:nvPr>
-            <p:ph type="title"/>
-          </p:nvPr>
+          <p:nvPr/>
         </p:nvSpPr>
         <p:spPr>
           <a:xfrm>
             <a:off x="838200" y="365125"/>
             <a:ext cx="10515600" cy="762635"/>
-          </a:xfrm>
-        </p:spPr>
-        <p:txBody>
-          <a:bodyPr>
-            <a:normAutofit/>
-          </a:bodyPr>
-          <a:lstStyle/>
-          <a:p>
-            <a:r>
-              <a:rPr lang="en-CA" sz="3600" dirty="0"/>
-              <a:t>Golden Section Method</a:t>
-            </a:r>
-            <a:endParaRPr lang="en-US" sz="3600" dirty="0"/>
-          </a:p>
-        </p:txBody>
-      </p:sp>
-      <p:pic>
-        <p:nvPicPr>
-          <p:cNvPr id="4" name="Picture 3" descr="A close up of a map&#10;&#10;Description generated with very high confidence">
-            <a:extLst>
-              <a:ext uri="{FF2B5EF4-FFF2-40B4-BE49-F238E27FC236}">
-                <a16:creationId xmlns:a16="http://schemas.microsoft.com/office/drawing/2014/main" id="{6F7F02D7-F0E8-4ACF-B7CC-959B5D7282D2}"/>
-              </a:ext>
-            </a:extLst>
-          </p:cNvPr>
-          <p:cNvPicPr>
-            <a:picLocks noChangeAspect="1"/>
-          </p:cNvPicPr>
-          <p:nvPr/>
-        </p:nvPicPr>
-        <p:blipFill>
-          <a:blip r:embed="rId3">
-            <a:extLst>
-              <a:ext uri="{28A0092B-C50C-407E-A947-70E740481C1C}">
-                <a14:useLocalDpi xmlns:a14="http://schemas.microsoft.com/office/drawing/2010/main" val="0"/>
-              </a:ext>
-            </a:extLst>
-          </a:blip>
-          <a:stretch>
-            <a:fillRect/>
-          </a:stretch>
-        </p:blipFill>
-        <p:spPr>
-          <a:xfrm>
-            <a:off x="778721" y="1658381"/>
-            <a:ext cx="5317279" cy="3987959"/>
           </a:xfrm>
           <a:prstGeom prst="rect">
             <a:avLst/>
           </a:prstGeom>
         </p:spPr>
-      </p:pic>
-      <p:pic>
-        <p:nvPicPr>
-          <p:cNvPr id="8" name="Picture 7" descr="A close up of a map&#10;&#10;Description generated with very high confidence">
-            <a:extLst>
-              <a:ext uri="{FF2B5EF4-FFF2-40B4-BE49-F238E27FC236}">
-                <a16:creationId xmlns:a16="http://schemas.microsoft.com/office/drawing/2014/main" id="{CF3EF8CE-D7AB-4D17-A165-93D49F443CCF}"/>
-              </a:ext>
-            </a:extLst>
-          </p:cNvPr>
-          <p:cNvPicPr>
-            <a:picLocks noChangeAspect="1"/>
-          </p:cNvPicPr>
-          <p:nvPr/>
-        </p:nvPicPr>
-        <p:blipFill>
-          <a:blip r:embed="rId4">
-            <a:extLst>
-              <a:ext uri="{28A0092B-C50C-407E-A947-70E740481C1C}">
-                <a14:useLocalDpi xmlns:a14="http://schemas.microsoft.com/office/drawing/2010/main" val="0"/>
-              </a:ext>
-            </a:extLst>
-          </a:blip>
-          <a:stretch>
-            <a:fillRect/>
-          </a:stretch>
-        </p:blipFill>
-        <p:spPr>
-          <a:xfrm>
-            <a:off x="6200352" y="1697512"/>
-            <a:ext cx="5212927" cy="3909695"/>
-          </a:xfrm>
-          <a:prstGeom prst="rect">
-            <a:avLst/>
-          </a:prstGeom>
-        </p:spPr>
-      </p:pic>
-      <p:sp>
-        <p:nvSpPr>
-          <p:cNvPr id="9" name="Rectangle: Rounded Corners 8">
-            <a:extLst>
-              <a:ext uri="{FF2B5EF4-FFF2-40B4-BE49-F238E27FC236}">
-                <a16:creationId xmlns:a16="http://schemas.microsoft.com/office/drawing/2014/main" id="{86EF7A26-F32C-42F4-BCE7-73FD5B42F8FC}"/>
-              </a:ext>
-            </a:extLst>
-          </p:cNvPr>
-          <p:cNvSpPr/>
-          <p:nvPr/>
-        </p:nvSpPr>
-        <p:spPr>
-          <a:xfrm>
-            <a:off x="2489200" y="2438400"/>
-            <a:ext cx="3413760" cy="2407920"/>
-          </a:xfrm>
-          <a:prstGeom prst="roundRect">
-            <a:avLst/>
-          </a:prstGeom>
-          <a:noFill/>
-          <a:ln w="19050">
-            <a:solidFill>
-              <a:srgbClr val="FF0000"/>
-            </a:solidFill>
-          </a:ln>
-        </p:spPr>
-        <p:style>
-          <a:lnRef idx="2">
-            <a:schemeClr val="accent6"/>
-          </a:lnRef>
-          <a:fillRef idx="1">
-            <a:schemeClr val="lt1"/>
-          </a:fillRef>
-          <a:effectRef idx="0">
-            <a:schemeClr val="accent6"/>
-          </a:effectRef>
-          <a:fontRef idx="minor">
-            <a:schemeClr val="dk1"/>
-          </a:fontRef>
-        </p:style>
-        <p:txBody>
-          <a:bodyPr rtlCol="0" anchor="ctr"/>
-          <a:lstStyle/>
-          <a:p>
-            <a:pPr algn="ctr"/>
-            <a:endParaRPr lang="en-US"/>
+        <p:txBody>
+          <a:bodyPr vert="horz" lIns="91440" tIns="45720" rIns="91440" bIns="45720" rtlCol="0" anchor="ctr">
+            <a:normAutofit/>
+          </a:bodyPr>
+          <a:lstStyle>
+            <a:lvl1pPr algn="l" defTabSz="914400" rtl="0" eaLnBrk="1" latinLnBrk="0" hangingPunct="1">
+              <a:lnSpc>
+                <a:spcPct val="90000"/>
+              </a:lnSpc>
+              <a:spcBef>
+                <a:spcPct val="0"/>
+              </a:spcBef>
+              <a:buNone/>
+              <a:defRPr sz="4400" kern="1200">
+                <a:solidFill>
+                  <a:schemeClr val="tx1"/>
+                </a:solidFill>
+                <a:latin typeface="+mj-lt"/>
+                <a:ea typeface="+mj-ea"/>
+                <a:cs typeface="+mj-cs"/>
+              </a:defRPr>
+            </a:lvl1pPr>
+          </a:lstStyle>
+          <a:p>
+            <a:r>
+              <a:rPr lang="en-CA" sz="3600" dirty="0"/>
+              <a:t>Reducing the Neighborhood Size</a:t>
+            </a:r>
+            <a:endParaRPr lang="en-US" sz="3600" dirty="0"/>
           </a:p>
         </p:txBody>
       </p:sp>
     </p:spTree>
     <p:extLst>
       <p:ext uri="{BB962C8B-B14F-4D97-AF65-F5344CB8AC3E}">
-        <p14:creationId xmlns:p14="http://schemas.microsoft.com/office/powerpoint/2010/main" val="4200179265"/>
+        <p14:creationId xmlns:p14="http://schemas.microsoft.com/office/powerpoint/2010/main" val="3678772537"/>
       </p:ext>
     </p:extLst>
   </p:cSld>
@@ -6318,6 +7025,1044 @@
             <a:pPr marL="0" indent="0">
               <a:buNone/>
             </a:pPr>
+            <a:endParaRPr lang="en-CA" sz="2400" dirty="0">
+              <a:solidFill>
+                <a:schemeClr val="accent1">
+                  <a:lumMod val="75000"/>
+                </a:schemeClr>
+              </a:solidFill>
+            </a:endParaRPr>
+          </a:p>
+          <a:p>
+            <a:pPr marL="0" indent="0">
+              <a:buNone/>
+            </a:pPr>
+            <a:r>
+              <a:rPr lang="en-CA" sz="2400" dirty="0">
+                <a:solidFill>
+                  <a:schemeClr val="accent1">
+                    <a:lumMod val="75000"/>
+                  </a:schemeClr>
+                </a:solidFill>
+              </a:rPr>
+              <a:t>Idea</a:t>
+            </a:r>
+          </a:p>
+          <a:p>
+            <a:r>
+              <a:rPr lang="en-CA" sz="2400" dirty="0"/>
+              <a:t>The new restaurant can have anywhere from 200 to 400 seats. </a:t>
+            </a:r>
+          </a:p>
+          <a:p>
+            <a:r>
+              <a:rPr lang="en-CA" sz="2400" dirty="0"/>
+              <a:t>Successively narrow this interval by optimizing mean profit at discrete points.</a:t>
+            </a:r>
+          </a:p>
+          <a:p>
+            <a:r>
+              <a:rPr lang="en-CA" sz="2400" dirty="0"/>
+              <a:t>In the beginning, use a greedy heuristic to quickly narrow down the interval.</a:t>
+            </a:r>
+          </a:p>
+          <a:p>
+            <a:r>
+              <a:rPr lang="en-CA" sz="2400" dirty="0"/>
+              <a:t>When the interval becomes “small enough”, use VNS.</a:t>
+            </a:r>
+          </a:p>
+          <a:p>
+            <a:r>
+              <a:rPr lang="en-CA" sz="2400" dirty="0"/>
+              <a:t>We can eliminate the neighborhood structure for adding/removing tables.</a:t>
+            </a:r>
+          </a:p>
+        </p:txBody>
+      </p:sp>
+      <p:pic>
+        <p:nvPicPr>
+          <p:cNvPr id="5" name="Picture 4">
+            <a:extLst>
+              <a:ext uri="{FF2B5EF4-FFF2-40B4-BE49-F238E27FC236}">
+                <a16:creationId xmlns:a16="http://schemas.microsoft.com/office/drawing/2014/main" id="{8977407B-874A-4791-897D-6196620D6F56}"/>
+              </a:ext>
+            </a:extLst>
+          </p:cNvPr>
+          <p:cNvPicPr>
+            <a:picLocks noChangeAspect="1"/>
+          </p:cNvPicPr>
+          <p:nvPr/>
+        </p:nvPicPr>
+        <p:blipFill>
+          <a:blip r:embed="rId2">
+            <a:extLst>
+              <a:ext uri="{28A0092B-C50C-407E-A947-70E740481C1C}">
+                <a14:useLocalDpi xmlns:a14="http://schemas.microsoft.com/office/drawing/2010/main" val="0"/>
+              </a:ext>
+            </a:extLst>
+          </a:blip>
+          <a:stretch>
+            <a:fillRect/>
+          </a:stretch>
+        </p:blipFill>
+        <p:spPr>
+          <a:xfrm>
+            <a:off x="9916160" y="365125"/>
+            <a:ext cx="1437640" cy="418937"/>
+          </a:xfrm>
+          <a:prstGeom prst="rect">
+            <a:avLst/>
+          </a:prstGeom>
+        </p:spPr>
+      </p:pic>
+      <p:sp>
+        <p:nvSpPr>
+          <p:cNvPr id="7" name="Title 1">
+            <a:extLst>
+              <a:ext uri="{FF2B5EF4-FFF2-40B4-BE49-F238E27FC236}">
+                <a16:creationId xmlns:a16="http://schemas.microsoft.com/office/drawing/2014/main" id="{DF83123F-FFF6-4EB8-AA6C-703D18DCBD9D}"/>
+              </a:ext>
+            </a:extLst>
+          </p:cNvPr>
+          <p:cNvSpPr>
+            <a:spLocks noGrp="1"/>
+          </p:cNvSpPr>
+          <p:nvPr>
+            <p:ph type="title"/>
+          </p:nvPr>
+        </p:nvSpPr>
+        <p:spPr>
+          <a:xfrm>
+            <a:off x="838200" y="365125"/>
+            <a:ext cx="10515600" cy="762635"/>
+          </a:xfrm>
+        </p:spPr>
+        <p:txBody>
+          <a:bodyPr>
+            <a:normAutofit/>
+          </a:bodyPr>
+          <a:lstStyle/>
+          <a:p>
+            <a:r>
+              <a:rPr lang="en-CA" sz="3600" dirty="0"/>
+              <a:t>Golden Section Method</a:t>
+            </a:r>
+            <a:endParaRPr lang="en-US" sz="3600" dirty="0"/>
+          </a:p>
+        </p:txBody>
+      </p:sp>
+    </p:spTree>
+    <p:extLst>
+      <p:ext uri="{BB962C8B-B14F-4D97-AF65-F5344CB8AC3E}">
+        <p14:creationId xmlns:p14="http://schemas.microsoft.com/office/powerpoint/2010/main" val="4093437447"/>
+      </p:ext>
+    </p:extLst>
+  </p:cSld>
+  <p:clrMapOvr>
+    <a:masterClrMapping/>
+  </p:clrMapOvr>
+</p:sld>
+</file>
+
+<file path=ppt/slides/slide21.xml><?xml version="1.0" encoding="utf-8"?>
+<p:sld xmlns:a="http://schemas.openxmlformats.org/drawingml/2006/main" xmlns:r="http://schemas.openxmlformats.org/officeDocument/2006/relationships" xmlns:p="http://schemas.openxmlformats.org/presentationml/2006/main">
+  <p:cSld>
+    <p:spTree>
+      <p:nvGrpSpPr>
+        <p:cNvPr id="1" name=""/>
+        <p:cNvGrpSpPr/>
+        <p:nvPr/>
+      </p:nvGrpSpPr>
+      <p:grpSpPr>
+        <a:xfrm>
+          <a:off x="0" y="0"/>
+          <a:ext cx="0" cy="0"/>
+          <a:chOff x="0" y="0"/>
+          <a:chExt cx="0" cy="0"/>
+        </a:xfrm>
+      </p:grpSpPr>
+      <p:sp>
+        <p:nvSpPr>
+          <p:cNvPr id="3" name="Content Placeholder 2">
+            <a:extLst>
+              <a:ext uri="{FF2B5EF4-FFF2-40B4-BE49-F238E27FC236}">
+                <a16:creationId xmlns:a16="http://schemas.microsoft.com/office/drawing/2014/main" id="{2E5DAAB6-C87E-4C10-8DDC-15F41DB00A20}"/>
+              </a:ext>
+            </a:extLst>
+          </p:cNvPr>
+          <p:cNvSpPr>
+            <a:spLocks noGrp="1"/>
+          </p:cNvSpPr>
+          <p:nvPr>
+            <p:ph idx="1"/>
+          </p:nvPr>
+        </p:nvSpPr>
+        <p:spPr>
+          <a:xfrm>
+            <a:off x="838200" y="1127760"/>
+            <a:ext cx="10515600" cy="5049203"/>
+          </a:xfrm>
+        </p:spPr>
+        <p:txBody>
+          <a:bodyPr>
+            <a:normAutofit/>
+          </a:bodyPr>
+          <a:lstStyle/>
+          <a:p>
+            <a:pPr marL="0" indent="0">
+              <a:buNone/>
+            </a:pPr>
+            <a:endParaRPr lang="en-CA" sz="2400" dirty="0">
+              <a:solidFill>
+                <a:schemeClr val="accent1">
+                  <a:lumMod val="75000"/>
+                </a:schemeClr>
+              </a:solidFill>
+            </a:endParaRPr>
+          </a:p>
+          <a:p>
+            <a:pPr marL="0" indent="0">
+              <a:buNone/>
+            </a:pPr>
+            <a:endParaRPr lang="en-CA" sz="2400" dirty="0">
+              <a:solidFill>
+                <a:schemeClr val="accent1">
+                  <a:lumMod val="75000"/>
+                </a:schemeClr>
+              </a:solidFill>
+            </a:endParaRPr>
+          </a:p>
+          <a:p>
+            <a:pPr marL="0" indent="0">
+              <a:buNone/>
+            </a:pPr>
+            <a:r>
+              <a:rPr lang="en-CA" sz="2400" dirty="0">
+                <a:solidFill>
+                  <a:schemeClr val="accent1">
+                    <a:lumMod val="75000"/>
+                  </a:schemeClr>
+                </a:solidFill>
+              </a:rPr>
+              <a:t>Conditions</a:t>
+            </a:r>
+          </a:p>
+          <a:p>
+            <a:r>
+              <a:rPr lang="en-CA" sz="2400" dirty="0"/>
+              <a:t>Mean profit as a function of number of seats must be concave </a:t>
+            </a:r>
+            <a:r>
+              <a:rPr lang="en-CA" sz="2400"/>
+              <a:t>(unimodal).</a:t>
+            </a:r>
+            <a:endParaRPr lang="en-CA" sz="2400" dirty="0"/>
+          </a:p>
+          <a:p>
+            <a:r>
+              <a:rPr lang="en-CA" sz="2400" dirty="0"/>
+              <a:t>In the interval that greedy heuristic eliminates, its results must be consistent with the results of VNS. </a:t>
+            </a:r>
+          </a:p>
+          <a:p>
+            <a:pPr marL="0" indent="0" algn="ctr">
+              <a:buNone/>
+            </a:pPr>
+            <a:r>
+              <a:rPr lang="en-CA" sz="2400" i="1" dirty="0"/>
+              <a:t>e.g. </a:t>
+            </a:r>
+            <a:r>
+              <a:rPr lang="en-CA" sz="2400" i="1" dirty="0" err="1">
+                <a:solidFill>
+                  <a:schemeClr val="accent6">
+                    <a:lumMod val="75000"/>
+                  </a:schemeClr>
+                </a:solidFill>
+              </a:rPr>
+              <a:t>f</a:t>
+            </a:r>
+            <a:r>
+              <a:rPr lang="en-CA" sz="2400" i="1" baseline="-25000" dirty="0" err="1">
+                <a:solidFill>
+                  <a:schemeClr val="accent6">
+                    <a:lumMod val="75000"/>
+                  </a:schemeClr>
+                </a:solidFill>
+              </a:rPr>
+              <a:t>greedy</a:t>
+            </a:r>
+            <a:r>
+              <a:rPr lang="en-CA" sz="2400" dirty="0">
+                <a:solidFill>
+                  <a:schemeClr val="accent6">
+                    <a:lumMod val="75000"/>
+                  </a:schemeClr>
+                </a:solidFill>
+              </a:rPr>
+              <a:t>(300) &gt; </a:t>
+            </a:r>
+            <a:r>
+              <a:rPr lang="en-CA" sz="2400" i="1" dirty="0" err="1">
+                <a:solidFill>
+                  <a:schemeClr val="accent6">
+                    <a:lumMod val="75000"/>
+                  </a:schemeClr>
+                </a:solidFill>
+              </a:rPr>
+              <a:t>f</a:t>
+            </a:r>
+            <a:r>
+              <a:rPr lang="en-CA" sz="2400" i="1" baseline="-25000" dirty="0" err="1">
+                <a:solidFill>
+                  <a:schemeClr val="accent6">
+                    <a:lumMod val="75000"/>
+                  </a:schemeClr>
+                </a:solidFill>
+              </a:rPr>
+              <a:t>greedy</a:t>
+            </a:r>
+            <a:r>
+              <a:rPr lang="en-CA" sz="2400" dirty="0">
+                <a:solidFill>
+                  <a:schemeClr val="accent6">
+                    <a:lumMod val="75000"/>
+                  </a:schemeClr>
+                </a:solidFill>
+              </a:rPr>
+              <a:t>(350) </a:t>
+            </a:r>
+            <a:r>
+              <a:rPr lang="en-CA" sz="2400" dirty="0">
+                <a:solidFill>
+                  <a:schemeClr val="accent6">
+                    <a:lumMod val="75000"/>
+                  </a:schemeClr>
+                </a:solidFill>
+                <a:sym typeface="Wingdings" panose="05000000000000000000" pitchFamily="2" charset="2"/>
+              </a:rPr>
+              <a:t> </a:t>
+            </a:r>
+            <a:r>
+              <a:rPr lang="en-CA" sz="2400" i="1" dirty="0" err="1">
+                <a:solidFill>
+                  <a:schemeClr val="accent6">
+                    <a:lumMod val="75000"/>
+                  </a:schemeClr>
+                </a:solidFill>
+                <a:sym typeface="Wingdings" panose="05000000000000000000" pitchFamily="2" charset="2"/>
+              </a:rPr>
+              <a:t>f</a:t>
+            </a:r>
+            <a:r>
+              <a:rPr lang="en-CA" sz="2400" i="1" baseline="-25000" dirty="0" err="1">
+                <a:solidFill>
+                  <a:schemeClr val="accent6">
+                    <a:lumMod val="75000"/>
+                  </a:schemeClr>
+                </a:solidFill>
+                <a:sym typeface="Wingdings" panose="05000000000000000000" pitchFamily="2" charset="2"/>
+              </a:rPr>
+              <a:t>VNS</a:t>
+            </a:r>
+            <a:r>
+              <a:rPr lang="en-CA" sz="2400" dirty="0">
+                <a:solidFill>
+                  <a:schemeClr val="accent6">
+                    <a:lumMod val="75000"/>
+                  </a:schemeClr>
+                </a:solidFill>
+                <a:sym typeface="Wingdings" panose="05000000000000000000" pitchFamily="2" charset="2"/>
+              </a:rPr>
+              <a:t>(300) &gt; </a:t>
+            </a:r>
+            <a:r>
+              <a:rPr lang="en-CA" sz="2400" i="1" dirty="0" err="1">
+                <a:solidFill>
+                  <a:schemeClr val="accent6">
+                    <a:lumMod val="75000"/>
+                  </a:schemeClr>
+                </a:solidFill>
+                <a:sym typeface="Wingdings" panose="05000000000000000000" pitchFamily="2" charset="2"/>
+              </a:rPr>
+              <a:t>f</a:t>
+            </a:r>
+            <a:r>
+              <a:rPr lang="en-CA" sz="2400" i="1" baseline="-25000" dirty="0" err="1">
+                <a:solidFill>
+                  <a:schemeClr val="accent6">
+                    <a:lumMod val="75000"/>
+                  </a:schemeClr>
+                </a:solidFill>
+                <a:sym typeface="Wingdings" panose="05000000000000000000" pitchFamily="2" charset="2"/>
+              </a:rPr>
+              <a:t>VNS</a:t>
+            </a:r>
+            <a:r>
+              <a:rPr lang="en-CA" sz="2400" dirty="0">
+                <a:solidFill>
+                  <a:schemeClr val="accent6">
+                    <a:lumMod val="75000"/>
+                  </a:schemeClr>
+                </a:solidFill>
+                <a:sym typeface="Wingdings" panose="05000000000000000000" pitchFamily="2" charset="2"/>
+              </a:rPr>
+              <a:t>(350)</a:t>
+            </a:r>
+            <a:endParaRPr lang="en-CA" sz="2400" dirty="0"/>
+          </a:p>
+          <a:p>
+            <a:endParaRPr lang="en-CA" sz="2400" dirty="0"/>
+          </a:p>
+          <a:p>
+            <a:endParaRPr lang="en-CA" sz="2400" dirty="0"/>
+          </a:p>
+        </p:txBody>
+      </p:sp>
+      <p:pic>
+        <p:nvPicPr>
+          <p:cNvPr id="5" name="Picture 4">
+            <a:extLst>
+              <a:ext uri="{FF2B5EF4-FFF2-40B4-BE49-F238E27FC236}">
+                <a16:creationId xmlns:a16="http://schemas.microsoft.com/office/drawing/2014/main" id="{8977407B-874A-4791-897D-6196620D6F56}"/>
+              </a:ext>
+            </a:extLst>
+          </p:cNvPr>
+          <p:cNvPicPr>
+            <a:picLocks noChangeAspect="1"/>
+          </p:cNvPicPr>
+          <p:nvPr/>
+        </p:nvPicPr>
+        <p:blipFill>
+          <a:blip r:embed="rId2">
+            <a:extLst>
+              <a:ext uri="{28A0092B-C50C-407E-A947-70E740481C1C}">
+                <a14:useLocalDpi xmlns:a14="http://schemas.microsoft.com/office/drawing/2010/main" val="0"/>
+              </a:ext>
+            </a:extLst>
+          </a:blip>
+          <a:stretch>
+            <a:fillRect/>
+          </a:stretch>
+        </p:blipFill>
+        <p:spPr>
+          <a:xfrm>
+            <a:off x="9916160" y="365125"/>
+            <a:ext cx="1437640" cy="418937"/>
+          </a:xfrm>
+          <a:prstGeom prst="rect">
+            <a:avLst/>
+          </a:prstGeom>
+        </p:spPr>
+      </p:pic>
+      <p:sp>
+        <p:nvSpPr>
+          <p:cNvPr id="7" name="Title 1">
+            <a:extLst>
+              <a:ext uri="{FF2B5EF4-FFF2-40B4-BE49-F238E27FC236}">
+                <a16:creationId xmlns:a16="http://schemas.microsoft.com/office/drawing/2014/main" id="{DF83123F-FFF6-4EB8-AA6C-703D18DCBD9D}"/>
+              </a:ext>
+            </a:extLst>
+          </p:cNvPr>
+          <p:cNvSpPr>
+            <a:spLocks noGrp="1"/>
+          </p:cNvSpPr>
+          <p:nvPr>
+            <p:ph type="title"/>
+          </p:nvPr>
+        </p:nvSpPr>
+        <p:spPr>
+          <a:xfrm>
+            <a:off x="838200" y="365125"/>
+            <a:ext cx="10515600" cy="762635"/>
+          </a:xfrm>
+        </p:spPr>
+        <p:txBody>
+          <a:bodyPr>
+            <a:normAutofit/>
+          </a:bodyPr>
+          <a:lstStyle/>
+          <a:p>
+            <a:r>
+              <a:rPr lang="en-CA" sz="3600" dirty="0"/>
+              <a:t>Golden Section Method</a:t>
+            </a:r>
+            <a:endParaRPr lang="en-US" sz="3600" dirty="0"/>
+          </a:p>
+        </p:txBody>
+      </p:sp>
+    </p:spTree>
+    <p:extLst>
+      <p:ext uri="{BB962C8B-B14F-4D97-AF65-F5344CB8AC3E}">
+        <p14:creationId xmlns:p14="http://schemas.microsoft.com/office/powerpoint/2010/main" val="3961735586"/>
+      </p:ext>
+    </p:extLst>
+  </p:cSld>
+  <p:clrMapOvr>
+    <a:masterClrMapping/>
+  </p:clrMapOvr>
+</p:sld>
+</file>
+
+<file path=ppt/slides/slide22.xml><?xml version="1.0" encoding="utf-8"?>
+<p:sld xmlns:a="http://schemas.openxmlformats.org/drawingml/2006/main" xmlns:r="http://schemas.openxmlformats.org/officeDocument/2006/relationships" xmlns:p="http://schemas.openxmlformats.org/presentationml/2006/main">
+  <p:cSld>
+    <p:spTree>
+      <p:nvGrpSpPr>
+        <p:cNvPr id="1" name=""/>
+        <p:cNvGrpSpPr/>
+        <p:nvPr/>
+      </p:nvGrpSpPr>
+      <p:grpSpPr>
+        <a:xfrm>
+          <a:off x="0" y="0"/>
+          <a:ext cx="0" cy="0"/>
+          <a:chOff x="0" y="0"/>
+          <a:chExt cx="0" cy="0"/>
+        </a:xfrm>
+      </p:grpSpPr>
+      <p:sp>
+        <p:nvSpPr>
+          <p:cNvPr id="3" name="Content Placeholder 2">
+            <a:extLst>
+              <a:ext uri="{FF2B5EF4-FFF2-40B4-BE49-F238E27FC236}">
+                <a16:creationId xmlns:a16="http://schemas.microsoft.com/office/drawing/2014/main" id="{2E5DAAB6-C87E-4C10-8DDC-15F41DB00A20}"/>
+              </a:ext>
+            </a:extLst>
+          </p:cNvPr>
+          <p:cNvSpPr>
+            <a:spLocks noGrp="1"/>
+          </p:cNvSpPr>
+          <p:nvPr>
+            <p:ph idx="1"/>
+          </p:nvPr>
+        </p:nvSpPr>
+        <p:spPr>
+          <a:xfrm>
+            <a:off x="838200" y="1127760"/>
+            <a:ext cx="10515600" cy="5049203"/>
+          </a:xfrm>
+        </p:spPr>
+        <p:txBody>
+          <a:bodyPr>
+            <a:normAutofit/>
+          </a:bodyPr>
+          <a:lstStyle/>
+          <a:p>
+            <a:pPr marL="0" indent="0">
+              <a:buNone/>
+            </a:pPr>
+            <a:endParaRPr lang="en-CA" sz="2400" dirty="0">
+              <a:solidFill>
+                <a:schemeClr val="accent1">
+                  <a:lumMod val="75000"/>
+                </a:schemeClr>
+              </a:solidFill>
+            </a:endParaRPr>
+          </a:p>
+          <a:p>
+            <a:pPr marL="0" indent="0">
+              <a:buNone/>
+            </a:pPr>
+            <a:endParaRPr lang="en-CA" sz="2400" dirty="0"/>
+          </a:p>
+          <a:p>
+            <a:endParaRPr lang="en-CA" sz="2400" dirty="0"/>
+          </a:p>
+        </p:txBody>
+      </p:sp>
+      <p:pic>
+        <p:nvPicPr>
+          <p:cNvPr id="5" name="Picture 4">
+            <a:extLst>
+              <a:ext uri="{FF2B5EF4-FFF2-40B4-BE49-F238E27FC236}">
+                <a16:creationId xmlns:a16="http://schemas.microsoft.com/office/drawing/2014/main" id="{8977407B-874A-4791-897D-6196620D6F56}"/>
+              </a:ext>
+            </a:extLst>
+          </p:cNvPr>
+          <p:cNvPicPr>
+            <a:picLocks noChangeAspect="1"/>
+          </p:cNvPicPr>
+          <p:nvPr/>
+        </p:nvPicPr>
+        <p:blipFill>
+          <a:blip r:embed="rId2">
+            <a:extLst>
+              <a:ext uri="{28A0092B-C50C-407E-A947-70E740481C1C}">
+                <a14:useLocalDpi xmlns:a14="http://schemas.microsoft.com/office/drawing/2010/main" val="0"/>
+              </a:ext>
+            </a:extLst>
+          </a:blip>
+          <a:stretch>
+            <a:fillRect/>
+          </a:stretch>
+        </p:blipFill>
+        <p:spPr>
+          <a:xfrm>
+            <a:off x="9916160" y="365125"/>
+            <a:ext cx="1437640" cy="418937"/>
+          </a:xfrm>
+          <a:prstGeom prst="rect">
+            <a:avLst/>
+          </a:prstGeom>
+        </p:spPr>
+      </p:pic>
+      <p:sp>
+        <p:nvSpPr>
+          <p:cNvPr id="7" name="Title 1">
+            <a:extLst>
+              <a:ext uri="{FF2B5EF4-FFF2-40B4-BE49-F238E27FC236}">
+                <a16:creationId xmlns:a16="http://schemas.microsoft.com/office/drawing/2014/main" id="{DF83123F-FFF6-4EB8-AA6C-703D18DCBD9D}"/>
+              </a:ext>
+            </a:extLst>
+          </p:cNvPr>
+          <p:cNvSpPr>
+            <a:spLocks noGrp="1"/>
+          </p:cNvSpPr>
+          <p:nvPr>
+            <p:ph type="title"/>
+          </p:nvPr>
+        </p:nvSpPr>
+        <p:spPr>
+          <a:xfrm>
+            <a:off x="838200" y="365125"/>
+            <a:ext cx="10515600" cy="762635"/>
+          </a:xfrm>
+        </p:spPr>
+        <p:txBody>
+          <a:bodyPr>
+            <a:normAutofit/>
+          </a:bodyPr>
+          <a:lstStyle/>
+          <a:p>
+            <a:r>
+              <a:rPr lang="en-CA" sz="3600" dirty="0"/>
+              <a:t>Golden Section Method</a:t>
+            </a:r>
+            <a:endParaRPr lang="en-US" sz="3600" dirty="0"/>
+          </a:p>
+        </p:txBody>
+      </p:sp>
+      <p:pic>
+        <p:nvPicPr>
+          <p:cNvPr id="4" name="Picture 3" descr="A close up of a map&#10;&#10;Description generated with very high confidence">
+            <a:extLst>
+              <a:ext uri="{FF2B5EF4-FFF2-40B4-BE49-F238E27FC236}">
+                <a16:creationId xmlns:a16="http://schemas.microsoft.com/office/drawing/2014/main" id="{6F7F02D7-F0E8-4ACF-B7CC-959B5D7282D2}"/>
+              </a:ext>
+            </a:extLst>
+          </p:cNvPr>
+          <p:cNvPicPr>
+            <a:picLocks noChangeAspect="1"/>
+          </p:cNvPicPr>
+          <p:nvPr/>
+        </p:nvPicPr>
+        <p:blipFill>
+          <a:blip r:embed="rId3">
+            <a:extLst>
+              <a:ext uri="{28A0092B-C50C-407E-A947-70E740481C1C}">
+                <a14:useLocalDpi xmlns:a14="http://schemas.microsoft.com/office/drawing/2010/main" val="0"/>
+              </a:ext>
+            </a:extLst>
+          </a:blip>
+          <a:stretch>
+            <a:fillRect/>
+          </a:stretch>
+        </p:blipFill>
+        <p:spPr>
+          <a:xfrm>
+            <a:off x="778721" y="1658381"/>
+            <a:ext cx="5317279" cy="3987959"/>
+          </a:xfrm>
+          <a:prstGeom prst="rect">
+            <a:avLst/>
+          </a:prstGeom>
+        </p:spPr>
+      </p:pic>
+      <p:pic>
+        <p:nvPicPr>
+          <p:cNvPr id="8" name="Picture 7" descr="A close up of a map&#10;&#10;Description generated with very high confidence">
+            <a:extLst>
+              <a:ext uri="{FF2B5EF4-FFF2-40B4-BE49-F238E27FC236}">
+                <a16:creationId xmlns:a16="http://schemas.microsoft.com/office/drawing/2014/main" id="{CF3EF8CE-D7AB-4D17-A165-93D49F443CCF}"/>
+              </a:ext>
+            </a:extLst>
+          </p:cNvPr>
+          <p:cNvPicPr>
+            <a:picLocks noChangeAspect="1"/>
+          </p:cNvPicPr>
+          <p:nvPr/>
+        </p:nvPicPr>
+        <p:blipFill>
+          <a:blip r:embed="rId4">
+            <a:extLst>
+              <a:ext uri="{28A0092B-C50C-407E-A947-70E740481C1C}">
+                <a14:useLocalDpi xmlns:a14="http://schemas.microsoft.com/office/drawing/2010/main" val="0"/>
+              </a:ext>
+            </a:extLst>
+          </a:blip>
+          <a:stretch>
+            <a:fillRect/>
+          </a:stretch>
+        </p:blipFill>
+        <p:spPr>
+          <a:xfrm>
+            <a:off x="6200352" y="1697512"/>
+            <a:ext cx="5212927" cy="3909695"/>
+          </a:xfrm>
+          <a:prstGeom prst="rect">
+            <a:avLst/>
+          </a:prstGeom>
+        </p:spPr>
+      </p:pic>
+    </p:spTree>
+    <p:extLst>
+      <p:ext uri="{BB962C8B-B14F-4D97-AF65-F5344CB8AC3E}">
+        <p14:creationId xmlns:p14="http://schemas.microsoft.com/office/powerpoint/2010/main" val="2306792197"/>
+      </p:ext>
+    </p:extLst>
+  </p:cSld>
+  <p:clrMapOvr>
+    <a:masterClrMapping/>
+  </p:clrMapOvr>
+</p:sld>
+</file>
+
+<file path=ppt/slides/slide23.xml><?xml version="1.0" encoding="utf-8"?>
+<p:sld xmlns:a="http://schemas.openxmlformats.org/drawingml/2006/main" xmlns:r="http://schemas.openxmlformats.org/officeDocument/2006/relationships" xmlns:p="http://schemas.openxmlformats.org/presentationml/2006/main">
+  <p:cSld>
+    <p:spTree>
+      <p:nvGrpSpPr>
+        <p:cNvPr id="1" name=""/>
+        <p:cNvGrpSpPr/>
+        <p:nvPr/>
+      </p:nvGrpSpPr>
+      <p:grpSpPr>
+        <a:xfrm>
+          <a:off x="0" y="0"/>
+          <a:ext cx="0" cy="0"/>
+          <a:chOff x="0" y="0"/>
+          <a:chExt cx="0" cy="0"/>
+        </a:xfrm>
+      </p:grpSpPr>
+      <p:sp>
+        <p:nvSpPr>
+          <p:cNvPr id="3" name="Content Placeholder 2">
+            <a:extLst>
+              <a:ext uri="{FF2B5EF4-FFF2-40B4-BE49-F238E27FC236}">
+                <a16:creationId xmlns:a16="http://schemas.microsoft.com/office/drawing/2014/main" id="{2E5DAAB6-C87E-4C10-8DDC-15F41DB00A20}"/>
+              </a:ext>
+            </a:extLst>
+          </p:cNvPr>
+          <p:cNvSpPr>
+            <a:spLocks noGrp="1"/>
+          </p:cNvSpPr>
+          <p:nvPr>
+            <p:ph idx="1"/>
+          </p:nvPr>
+        </p:nvSpPr>
+        <p:spPr>
+          <a:xfrm>
+            <a:off x="838200" y="1127760"/>
+            <a:ext cx="10515600" cy="5049203"/>
+          </a:xfrm>
+        </p:spPr>
+        <p:txBody>
+          <a:bodyPr>
+            <a:normAutofit/>
+          </a:bodyPr>
+          <a:lstStyle/>
+          <a:p>
+            <a:pPr marL="0" indent="0">
+              <a:buNone/>
+            </a:pPr>
+            <a:endParaRPr lang="en-CA" sz="2400" dirty="0">
+              <a:solidFill>
+                <a:schemeClr val="accent1">
+                  <a:lumMod val="75000"/>
+                </a:schemeClr>
+              </a:solidFill>
+            </a:endParaRPr>
+          </a:p>
+          <a:p>
+            <a:pPr marL="0" indent="0">
+              <a:buNone/>
+            </a:pPr>
+            <a:endParaRPr lang="en-CA" sz="2400" dirty="0"/>
+          </a:p>
+          <a:p>
+            <a:endParaRPr lang="en-CA" sz="2400" dirty="0"/>
+          </a:p>
+        </p:txBody>
+      </p:sp>
+      <p:pic>
+        <p:nvPicPr>
+          <p:cNvPr id="5" name="Picture 4">
+            <a:extLst>
+              <a:ext uri="{FF2B5EF4-FFF2-40B4-BE49-F238E27FC236}">
+                <a16:creationId xmlns:a16="http://schemas.microsoft.com/office/drawing/2014/main" id="{8977407B-874A-4791-897D-6196620D6F56}"/>
+              </a:ext>
+            </a:extLst>
+          </p:cNvPr>
+          <p:cNvPicPr>
+            <a:picLocks noChangeAspect="1"/>
+          </p:cNvPicPr>
+          <p:nvPr/>
+        </p:nvPicPr>
+        <p:blipFill>
+          <a:blip r:embed="rId2">
+            <a:extLst>
+              <a:ext uri="{28A0092B-C50C-407E-A947-70E740481C1C}">
+                <a14:useLocalDpi xmlns:a14="http://schemas.microsoft.com/office/drawing/2010/main" val="0"/>
+              </a:ext>
+            </a:extLst>
+          </a:blip>
+          <a:stretch>
+            <a:fillRect/>
+          </a:stretch>
+        </p:blipFill>
+        <p:spPr>
+          <a:xfrm>
+            <a:off x="9916160" y="365125"/>
+            <a:ext cx="1437640" cy="418937"/>
+          </a:xfrm>
+          <a:prstGeom prst="rect">
+            <a:avLst/>
+          </a:prstGeom>
+        </p:spPr>
+      </p:pic>
+      <p:sp>
+        <p:nvSpPr>
+          <p:cNvPr id="7" name="Title 1">
+            <a:extLst>
+              <a:ext uri="{FF2B5EF4-FFF2-40B4-BE49-F238E27FC236}">
+                <a16:creationId xmlns:a16="http://schemas.microsoft.com/office/drawing/2014/main" id="{DF83123F-FFF6-4EB8-AA6C-703D18DCBD9D}"/>
+              </a:ext>
+            </a:extLst>
+          </p:cNvPr>
+          <p:cNvSpPr>
+            <a:spLocks noGrp="1"/>
+          </p:cNvSpPr>
+          <p:nvPr>
+            <p:ph type="title"/>
+          </p:nvPr>
+        </p:nvSpPr>
+        <p:spPr>
+          <a:xfrm>
+            <a:off x="838200" y="365125"/>
+            <a:ext cx="10515600" cy="762635"/>
+          </a:xfrm>
+        </p:spPr>
+        <p:txBody>
+          <a:bodyPr>
+            <a:normAutofit/>
+          </a:bodyPr>
+          <a:lstStyle/>
+          <a:p>
+            <a:r>
+              <a:rPr lang="en-CA" sz="3600" dirty="0"/>
+              <a:t>Golden Section Method</a:t>
+            </a:r>
+            <a:endParaRPr lang="en-US" sz="3600" dirty="0"/>
+          </a:p>
+        </p:txBody>
+      </p:sp>
+      <p:pic>
+        <p:nvPicPr>
+          <p:cNvPr id="4" name="Picture 3" descr="A close up of a map&#10;&#10;Description generated with very high confidence">
+            <a:extLst>
+              <a:ext uri="{FF2B5EF4-FFF2-40B4-BE49-F238E27FC236}">
+                <a16:creationId xmlns:a16="http://schemas.microsoft.com/office/drawing/2014/main" id="{6F7F02D7-F0E8-4ACF-B7CC-959B5D7282D2}"/>
+              </a:ext>
+            </a:extLst>
+          </p:cNvPr>
+          <p:cNvPicPr>
+            <a:picLocks noChangeAspect="1"/>
+          </p:cNvPicPr>
+          <p:nvPr/>
+        </p:nvPicPr>
+        <p:blipFill>
+          <a:blip r:embed="rId3">
+            <a:extLst>
+              <a:ext uri="{28A0092B-C50C-407E-A947-70E740481C1C}">
+                <a14:useLocalDpi xmlns:a14="http://schemas.microsoft.com/office/drawing/2010/main" val="0"/>
+              </a:ext>
+            </a:extLst>
+          </a:blip>
+          <a:stretch>
+            <a:fillRect/>
+          </a:stretch>
+        </p:blipFill>
+        <p:spPr>
+          <a:xfrm>
+            <a:off x="778721" y="1658381"/>
+            <a:ext cx="5317279" cy="3987959"/>
+          </a:xfrm>
+          <a:prstGeom prst="rect">
+            <a:avLst/>
+          </a:prstGeom>
+        </p:spPr>
+      </p:pic>
+      <p:pic>
+        <p:nvPicPr>
+          <p:cNvPr id="8" name="Picture 7" descr="A close up of a map&#10;&#10;Description generated with very high confidence">
+            <a:extLst>
+              <a:ext uri="{FF2B5EF4-FFF2-40B4-BE49-F238E27FC236}">
+                <a16:creationId xmlns:a16="http://schemas.microsoft.com/office/drawing/2014/main" id="{CF3EF8CE-D7AB-4D17-A165-93D49F443CCF}"/>
+              </a:ext>
+            </a:extLst>
+          </p:cNvPr>
+          <p:cNvPicPr>
+            <a:picLocks noChangeAspect="1"/>
+          </p:cNvPicPr>
+          <p:nvPr/>
+        </p:nvPicPr>
+        <p:blipFill>
+          <a:blip r:embed="rId4">
+            <a:extLst>
+              <a:ext uri="{28A0092B-C50C-407E-A947-70E740481C1C}">
+                <a14:useLocalDpi xmlns:a14="http://schemas.microsoft.com/office/drawing/2010/main" val="0"/>
+              </a:ext>
+            </a:extLst>
+          </a:blip>
+          <a:stretch>
+            <a:fillRect/>
+          </a:stretch>
+        </p:blipFill>
+        <p:spPr>
+          <a:xfrm>
+            <a:off x="6200352" y="1697512"/>
+            <a:ext cx="5212927" cy="3909695"/>
+          </a:xfrm>
+          <a:prstGeom prst="rect">
+            <a:avLst/>
+          </a:prstGeom>
+        </p:spPr>
+      </p:pic>
+      <p:sp>
+        <p:nvSpPr>
+          <p:cNvPr id="9" name="Rectangle: Rounded Corners 8">
+            <a:extLst>
+              <a:ext uri="{FF2B5EF4-FFF2-40B4-BE49-F238E27FC236}">
+                <a16:creationId xmlns:a16="http://schemas.microsoft.com/office/drawing/2014/main" id="{86EF7A26-F32C-42F4-BCE7-73FD5B42F8FC}"/>
+              </a:ext>
+            </a:extLst>
+          </p:cNvPr>
+          <p:cNvSpPr/>
+          <p:nvPr/>
+        </p:nvSpPr>
+        <p:spPr>
+          <a:xfrm>
+            <a:off x="2489200" y="2438400"/>
+            <a:ext cx="3413760" cy="2407920"/>
+          </a:xfrm>
+          <a:prstGeom prst="roundRect">
+            <a:avLst/>
+          </a:prstGeom>
+          <a:noFill/>
+          <a:ln w="19050">
+            <a:solidFill>
+              <a:srgbClr val="FF0000"/>
+            </a:solidFill>
+          </a:ln>
+        </p:spPr>
+        <p:style>
+          <a:lnRef idx="2">
+            <a:schemeClr val="accent6"/>
+          </a:lnRef>
+          <a:fillRef idx="1">
+            <a:schemeClr val="lt1"/>
+          </a:fillRef>
+          <a:effectRef idx="0">
+            <a:schemeClr val="accent6"/>
+          </a:effectRef>
+          <a:fontRef idx="minor">
+            <a:schemeClr val="dk1"/>
+          </a:fontRef>
+        </p:style>
+        <p:txBody>
+          <a:bodyPr rtlCol="0" anchor="ctr"/>
+          <a:lstStyle/>
+          <a:p>
+            <a:pPr algn="ctr"/>
+            <a:endParaRPr lang="en-US"/>
+          </a:p>
+        </p:txBody>
+      </p:sp>
+    </p:spTree>
+    <p:extLst>
+      <p:ext uri="{BB962C8B-B14F-4D97-AF65-F5344CB8AC3E}">
+        <p14:creationId xmlns:p14="http://schemas.microsoft.com/office/powerpoint/2010/main" val="4200179265"/>
+      </p:ext>
+    </p:extLst>
+  </p:cSld>
+  <p:clrMapOvr>
+    <a:masterClrMapping/>
+  </p:clrMapOvr>
+</p:sld>
+</file>
+
+<file path=ppt/slides/slide24.xml><?xml version="1.0" encoding="utf-8"?>
+<p:sld xmlns:a="http://schemas.openxmlformats.org/drawingml/2006/main" xmlns:r="http://schemas.openxmlformats.org/officeDocument/2006/relationships" xmlns:p="http://schemas.openxmlformats.org/presentationml/2006/main">
+  <p:cSld>
+    <p:spTree>
+      <p:nvGrpSpPr>
+        <p:cNvPr id="1" name=""/>
+        <p:cNvGrpSpPr/>
+        <p:nvPr/>
+      </p:nvGrpSpPr>
+      <p:grpSpPr>
+        <a:xfrm>
+          <a:off x="0" y="0"/>
+          <a:ext cx="0" cy="0"/>
+          <a:chOff x="0" y="0"/>
+          <a:chExt cx="0" cy="0"/>
+        </a:xfrm>
+      </p:grpSpPr>
+      <p:sp>
+        <p:nvSpPr>
+          <p:cNvPr id="3" name="Content Placeholder 2">
+            <a:extLst>
+              <a:ext uri="{FF2B5EF4-FFF2-40B4-BE49-F238E27FC236}">
+                <a16:creationId xmlns:a16="http://schemas.microsoft.com/office/drawing/2014/main" id="{2E5DAAB6-C87E-4C10-8DDC-15F41DB00A20}"/>
+              </a:ext>
+            </a:extLst>
+          </p:cNvPr>
+          <p:cNvSpPr>
+            <a:spLocks noGrp="1"/>
+          </p:cNvSpPr>
+          <p:nvPr>
+            <p:ph idx="1"/>
+          </p:nvPr>
+        </p:nvSpPr>
+        <p:spPr>
+          <a:xfrm>
+            <a:off x="838200" y="1127760"/>
+            <a:ext cx="10515600" cy="5049203"/>
+          </a:xfrm>
+        </p:spPr>
+        <p:txBody>
+          <a:bodyPr>
+            <a:normAutofit/>
+          </a:bodyPr>
+          <a:lstStyle/>
+          <a:p>
+            <a:pPr marL="0" indent="0">
+              <a:buNone/>
+            </a:pPr>
+            <a:endParaRPr lang="en-CA" sz="2400" dirty="0">
+              <a:solidFill>
+                <a:schemeClr val="accent1">
+                  <a:lumMod val="75000"/>
+                </a:schemeClr>
+              </a:solidFill>
+            </a:endParaRPr>
+          </a:p>
+          <a:p>
+            <a:pPr marL="0" indent="0">
+              <a:buNone/>
+            </a:pPr>
             <a:endParaRPr lang="en-CA" sz="2400" dirty="0"/>
           </a:p>
           <a:p>
@@ -6636,7 +8381,7 @@
 </p:sld>
 </file>
 
-<file path=ppt/slides/slide21.xml><?xml version="1.0" encoding="utf-8"?>
+<file path=ppt/slides/slide25.xml><?xml version="1.0" encoding="utf-8"?>
 <p:sld xmlns:a="http://schemas.openxmlformats.org/drawingml/2006/main" xmlns:r="http://schemas.openxmlformats.org/officeDocument/2006/relationships" xmlns:p="http://schemas.openxmlformats.org/presentationml/2006/main">
   <p:cSld>
     <p:spTree>
@@ -7126,7 +8871,7 @@
 </p:sld>
 </file>
 
-<file path=ppt/slides/slide22.xml><?xml version="1.0" encoding="utf-8"?>
+<file path=ppt/slides/slide26.xml><?xml version="1.0" encoding="utf-8"?>
 <p:sld xmlns:a="http://schemas.openxmlformats.org/drawingml/2006/main" xmlns:r="http://schemas.openxmlformats.org/officeDocument/2006/relationships" xmlns:p="http://schemas.openxmlformats.org/presentationml/2006/main">
   <p:cSld>
     <p:spTree>
@@ -7624,7 +9369,7 @@
 </p:sld>
 </file>
 
-<file path=ppt/slides/slide23.xml><?xml version="1.0" encoding="utf-8"?>
+<file path=ppt/slides/slide27.xml><?xml version="1.0" encoding="utf-8"?>
 <p:sld xmlns:a="http://schemas.openxmlformats.org/drawingml/2006/main" xmlns:r="http://schemas.openxmlformats.org/officeDocument/2006/relationships" xmlns:p="http://schemas.openxmlformats.org/presentationml/2006/main">
   <p:cSld>
     <p:spTree>
@@ -7837,7 +9582,7 @@
 </p:sld>
 </file>
 
-<file path=ppt/slides/slide24.xml><?xml version="1.0" encoding="utf-8"?>
+<file path=ppt/slides/slide28.xml><?xml version="1.0" encoding="utf-8"?>
 <p:sld xmlns:a="http://schemas.openxmlformats.org/drawingml/2006/main" xmlns:r="http://schemas.openxmlformats.org/officeDocument/2006/relationships" xmlns:p="http://schemas.openxmlformats.org/presentationml/2006/main">
   <p:cSld>
     <p:spTree>
@@ -8607,7 +10352,7 @@
 </p:sld>
 </file>
 
-<file path=ppt/slides/slide25.xml><?xml version="1.0" encoding="utf-8"?>
+<file path=ppt/slides/slide29.xml><?xml version="1.0" encoding="utf-8"?>
 <p:sld xmlns:a="http://schemas.openxmlformats.org/drawingml/2006/main" xmlns:r="http://schemas.openxmlformats.org/officeDocument/2006/relationships" xmlns:p="http://schemas.openxmlformats.org/presentationml/2006/main">
   <p:cSld>
     <p:spTree>
@@ -8807,7 +10552,317 @@
 </p:sld>
 </file>
 
-<file path=ppt/slides/slide26.xml><?xml version="1.0" encoding="utf-8"?>
+<file path=ppt/slides/slide3.xml><?xml version="1.0" encoding="utf-8"?>
+<p:sld xmlns:a="http://schemas.openxmlformats.org/drawingml/2006/main" xmlns:r="http://schemas.openxmlformats.org/officeDocument/2006/relationships" xmlns:p="http://schemas.openxmlformats.org/presentationml/2006/main">
+  <p:cSld>
+    <p:spTree>
+      <p:nvGrpSpPr>
+        <p:cNvPr id="1" name=""/>
+        <p:cNvGrpSpPr/>
+        <p:nvPr/>
+      </p:nvGrpSpPr>
+      <p:grpSpPr>
+        <a:xfrm>
+          <a:off x="0" y="0"/>
+          <a:ext cx="0" cy="0"/>
+          <a:chOff x="0" y="0"/>
+          <a:chExt cx="0" cy="0"/>
+        </a:xfrm>
+      </p:grpSpPr>
+      <p:pic>
+        <p:nvPicPr>
+          <p:cNvPr id="5" name="Picture 4">
+            <a:extLst>
+              <a:ext uri="{FF2B5EF4-FFF2-40B4-BE49-F238E27FC236}">
+                <a16:creationId xmlns:a16="http://schemas.microsoft.com/office/drawing/2014/main" id="{937DC52F-3E84-4376-A880-17A444D06451}"/>
+              </a:ext>
+            </a:extLst>
+          </p:cNvPr>
+          <p:cNvPicPr>
+            <a:picLocks noChangeAspect="1"/>
+          </p:cNvPicPr>
+          <p:nvPr/>
+        </p:nvPicPr>
+        <p:blipFill>
+          <a:blip r:embed="rId2" cstate="hqprint">
+            <a:extLst>
+              <a:ext uri="{28A0092B-C50C-407E-A947-70E740481C1C}">
+                <a14:useLocalDpi xmlns:a14="http://schemas.microsoft.com/office/drawing/2010/main" val="0"/>
+              </a:ext>
+            </a:extLst>
+          </a:blip>
+          <a:stretch>
+            <a:fillRect/>
+          </a:stretch>
+        </p:blipFill>
+        <p:spPr>
+          <a:xfrm>
+            <a:off x="9916160" y="365125"/>
+            <a:ext cx="1437640" cy="418937"/>
+          </a:xfrm>
+          <a:prstGeom prst="rect">
+            <a:avLst/>
+          </a:prstGeom>
+        </p:spPr>
+      </p:pic>
+      <p:sp>
+        <p:nvSpPr>
+          <p:cNvPr id="9" name="Title 1">
+            <a:extLst>
+              <a:ext uri="{FF2B5EF4-FFF2-40B4-BE49-F238E27FC236}">
+                <a16:creationId xmlns:a16="http://schemas.microsoft.com/office/drawing/2014/main" id="{D8D4F29A-F761-4FDF-9F1D-5964127B29A1}"/>
+              </a:ext>
+            </a:extLst>
+          </p:cNvPr>
+          <p:cNvSpPr txBox="1">
+            <a:spLocks/>
+          </p:cNvSpPr>
+          <p:nvPr/>
+        </p:nvSpPr>
+        <p:spPr>
+          <a:xfrm>
+            <a:off x="838200" y="365125"/>
+            <a:ext cx="10515600" cy="762635"/>
+          </a:xfrm>
+          <a:prstGeom prst="rect">
+            <a:avLst/>
+          </a:prstGeom>
+        </p:spPr>
+        <p:txBody>
+          <a:bodyPr vert="horz" lIns="91440" tIns="45720" rIns="91440" bIns="45720" rtlCol="0" anchor="ctr">
+            <a:normAutofit/>
+          </a:bodyPr>
+          <a:lstStyle>
+            <a:lvl1pPr algn="l" defTabSz="914400" rtl="0" eaLnBrk="1" latinLnBrk="0" hangingPunct="1">
+              <a:lnSpc>
+                <a:spcPct val="90000"/>
+              </a:lnSpc>
+              <a:spcBef>
+                <a:spcPct val="0"/>
+              </a:spcBef>
+              <a:buNone/>
+              <a:defRPr sz="4400" kern="1200">
+                <a:solidFill>
+                  <a:schemeClr val="tx1"/>
+                </a:solidFill>
+                <a:latin typeface="+mj-lt"/>
+                <a:ea typeface="+mj-ea"/>
+                <a:cs typeface="+mj-cs"/>
+              </a:defRPr>
+            </a:lvl1pPr>
+          </a:lstStyle>
+          <a:p>
+            <a:r>
+              <a:rPr lang="en-CA" sz="3600" dirty="0"/>
+              <a:t>Scenario Description (cont.)</a:t>
+            </a:r>
+            <a:endParaRPr lang="en-US" sz="3600" dirty="0"/>
+          </a:p>
+        </p:txBody>
+      </p:sp>
+      <p:sp>
+        <p:nvSpPr>
+          <p:cNvPr id="6" name="Content Placeholder 2">
+            <a:extLst>
+              <a:ext uri="{FF2B5EF4-FFF2-40B4-BE49-F238E27FC236}">
+                <a16:creationId xmlns:a16="http://schemas.microsoft.com/office/drawing/2014/main" id="{5C9002D8-D4DA-894C-B56B-88798A5976F0}"/>
+              </a:ext>
+            </a:extLst>
+          </p:cNvPr>
+          <p:cNvSpPr>
+            <a:spLocks noGrp="1"/>
+          </p:cNvSpPr>
+          <p:nvPr>
+            <p:ph idx="1"/>
+          </p:nvPr>
+        </p:nvSpPr>
+        <p:spPr>
+          <a:xfrm>
+            <a:off x="838200" y="1127760"/>
+            <a:ext cx="10515600" cy="5049203"/>
+          </a:xfrm>
+        </p:spPr>
+        <p:txBody>
+          <a:bodyPr>
+            <a:normAutofit/>
+          </a:bodyPr>
+          <a:lstStyle/>
+          <a:p>
+            <a:pPr marL="0" indent="0">
+              <a:lnSpc>
+                <a:spcPct val="150000"/>
+              </a:lnSpc>
+              <a:buNone/>
+            </a:pPr>
+            <a:r>
+              <a:rPr lang="en-US" sz="2400" dirty="0"/>
+              <a:t>Customer Arrival (arrival rate: c)</a:t>
+            </a:r>
+          </a:p>
+          <a:p>
+            <a:pPr lvl="1">
+              <a:lnSpc>
+                <a:spcPct val="150000"/>
+              </a:lnSpc>
+            </a:pPr>
+            <a:r>
+              <a:rPr lang="en-US" sz="2000" dirty="0"/>
+              <a:t>are non-homogenous and vary among group sizes (group size: g)</a:t>
+            </a:r>
+          </a:p>
+          <a:p>
+            <a:pPr lvl="1">
+              <a:lnSpc>
+                <a:spcPct val="150000"/>
+              </a:lnSpc>
+            </a:pPr>
+            <a:endParaRPr lang="en-US" sz="2000" dirty="0"/>
+          </a:p>
+          <a:p>
+            <a:pPr lvl="1">
+              <a:lnSpc>
+                <a:spcPct val="150000"/>
+              </a:lnSpc>
+            </a:pPr>
+            <a:endParaRPr lang="en-US" sz="2000" dirty="0"/>
+          </a:p>
+          <a:p>
+            <a:pPr lvl="1">
+              <a:lnSpc>
+                <a:spcPct val="150000"/>
+              </a:lnSpc>
+            </a:pPr>
+            <a:endParaRPr lang="en-US" sz="2000" dirty="0"/>
+          </a:p>
+          <a:p>
+            <a:pPr lvl="1">
+              <a:lnSpc>
+                <a:spcPct val="150000"/>
+              </a:lnSpc>
+            </a:pPr>
+            <a:endParaRPr lang="en-US" sz="2000" dirty="0"/>
+          </a:p>
+          <a:p>
+            <a:pPr lvl="1">
+              <a:lnSpc>
+                <a:spcPct val="150000"/>
+              </a:lnSpc>
+            </a:pPr>
+            <a:r>
+              <a:rPr lang="en-US" sz="2000" dirty="0"/>
+              <a:t>Groups start arriving at 19:00 till 22:00</a:t>
+            </a:r>
+          </a:p>
+          <a:p>
+            <a:pPr lvl="2">
+              <a:lnSpc>
+                <a:spcPct val="150000"/>
+              </a:lnSpc>
+            </a:pPr>
+            <a:r>
+              <a:rPr lang="en-US" dirty="0"/>
+              <a:t>No arrival after 22:00 –&gt;</a:t>
+            </a:r>
+            <a:r>
+              <a:rPr lang="en-US" dirty="0">
+                <a:sym typeface="Wingdings" pitchFamily="2" charset="2"/>
+              </a:rPr>
+              <a:t> available service for customers in the queue</a:t>
+            </a:r>
+            <a:endParaRPr lang="en-US" dirty="0"/>
+          </a:p>
+          <a:p>
+            <a:pPr lvl="1">
+              <a:lnSpc>
+                <a:spcPct val="150000"/>
+              </a:lnSpc>
+            </a:pPr>
+            <a:endParaRPr lang="en-US" sz="2000" dirty="0"/>
+          </a:p>
+          <a:p>
+            <a:pPr lvl="1">
+              <a:lnSpc>
+                <a:spcPct val="150000"/>
+              </a:lnSpc>
+            </a:pPr>
+            <a:endParaRPr lang="en-US" sz="2000" dirty="0"/>
+          </a:p>
+          <a:p>
+            <a:pPr lvl="1">
+              <a:lnSpc>
+                <a:spcPct val="150000"/>
+              </a:lnSpc>
+            </a:pPr>
+            <a:endParaRPr lang="en-US" dirty="0"/>
+          </a:p>
+          <a:p>
+            <a:pPr lvl="1">
+              <a:lnSpc>
+                <a:spcPct val="150000"/>
+              </a:lnSpc>
+            </a:pPr>
+            <a:endParaRPr lang="en-US" sz="2000" dirty="0"/>
+          </a:p>
+          <a:p>
+            <a:pPr lvl="1">
+              <a:lnSpc>
+                <a:spcPct val="150000"/>
+              </a:lnSpc>
+            </a:pPr>
+            <a:endParaRPr lang="en-US" sz="2000" dirty="0"/>
+          </a:p>
+        </p:txBody>
+      </p:sp>
+      <p:pic>
+        <p:nvPicPr>
+          <p:cNvPr id="3" name="Picture 2">
+            <a:extLst>
+              <a:ext uri="{FF2B5EF4-FFF2-40B4-BE49-F238E27FC236}">
+                <a16:creationId xmlns:a16="http://schemas.microsoft.com/office/drawing/2014/main" id="{2D59FC4D-7649-9340-8F6F-DB35505CA9CF}"/>
+              </a:ext>
+            </a:extLst>
+          </p:cNvPr>
+          <p:cNvPicPr>
+            <a:picLocks noChangeAspect="1"/>
+          </p:cNvPicPr>
+          <p:nvPr/>
+        </p:nvPicPr>
+        <p:blipFill>
+          <a:blip r:embed="rId3">
+            <a:extLst>
+              <a:ext uri="{28A0092B-C50C-407E-A947-70E740481C1C}">
+                <a14:useLocalDpi xmlns:a14="http://schemas.microsoft.com/office/drawing/2010/main" val="0"/>
+              </a:ext>
+            </a:extLst>
+          </a:blip>
+          <a:stretch>
+            <a:fillRect/>
+          </a:stretch>
+        </p:blipFill>
+        <p:spPr>
+          <a:xfrm>
+            <a:off x="1382712" y="2470151"/>
+            <a:ext cx="5718176" cy="1744044"/>
+          </a:xfrm>
+          <a:prstGeom prst="rect">
+            <a:avLst/>
+          </a:prstGeom>
+        </p:spPr>
+      </p:pic>
+    </p:spTree>
+    <p:extLst>
+      <p:ext uri="{BB962C8B-B14F-4D97-AF65-F5344CB8AC3E}">
+        <p14:creationId xmlns:p14="http://schemas.microsoft.com/office/powerpoint/2010/main" val="1592423805"/>
+      </p:ext>
+    </p:extLst>
+  </p:cSld>
+  <p:clrMapOvr>
+    <a:masterClrMapping/>
+  </p:clrMapOvr>
+</p:sld>
+</file>
+
+<file path=ppt/slides/slide30.xml><?xml version="1.0" encoding="utf-8"?>
 <p:sld xmlns:a="http://schemas.openxmlformats.org/drawingml/2006/main" xmlns:r="http://schemas.openxmlformats.org/officeDocument/2006/relationships" xmlns:p="http://schemas.openxmlformats.org/presentationml/2006/main">
   <p:cSld>
     <p:spTree>
@@ -9286,7 +11341,7 @@
 </p:sld>
 </file>
 
-<file path=ppt/slides/slide27.xml><?xml version="1.0" encoding="utf-8"?>
+<file path=ppt/slides/slide31.xml><?xml version="1.0" encoding="utf-8"?>
 <p:sld xmlns:a="http://schemas.openxmlformats.org/drawingml/2006/main" xmlns:r="http://schemas.openxmlformats.org/officeDocument/2006/relationships" xmlns:p="http://schemas.openxmlformats.org/presentationml/2006/main">
   <p:cSld>
     <p:spTree>
@@ -9501,7 +11556,7 @@
 </p:sld>
 </file>
 
-<file path=ppt/slides/slide28.xml><?xml version="1.0" encoding="utf-8"?>
+<file path=ppt/slides/slide32.xml><?xml version="1.0" encoding="utf-8"?>
 <p:sld xmlns:a="http://schemas.openxmlformats.org/drawingml/2006/main" xmlns:r="http://schemas.openxmlformats.org/officeDocument/2006/relationships" xmlns:p="http://schemas.openxmlformats.org/presentationml/2006/main">
   <p:cSld>
     <p:spTree>
@@ -9701,7 +11756,7 @@
 </p:sld>
 </file>
 
-<file path=ppt/slides/slide29.xml><?xml version="1.0" encoding="utf-8"?>
+<file path=ppt/slides/slide33.xml><?xml version="1.0" encoding="utf-8"?>
 <p:sld xmlns:a="http://schemas.openxmlformats.org/drawingml/2006/main" xmlns:r="http://schemas.openxmlformats.org/officeDocument/2006/relationships" xmlns:p="http://schemas.openxmlformats.org/presentationml/2006/main">
   <p:cSld>
     <p:spTree>
@@ -10172,317 +12227,7 @@
 </p:sld>
 </file>
 
-<file path=ppt/slides/slide3.xml><?xml version="1.0" encoding="utf-8"?>
-<p:sld xmlns:a="http://schemas.openxmlformats.org/drawingml/2006/main" xmlns:r="http://schemas.openxmlformats.org/officeDocument/2006/relationships" xmlns:p="http://schemas.openxmlformats.org/presentationml/2006/main">
-  <p:cSld>
-    <p:spTree>
-      <p:nvGrpSpPr>
-        <p:cNvPr id="1" name=""/>
-        <p:cNvGrpSpPr/>
-        <p:nvPr/>
-      </p:nvGrpSpPr>
-      <p:grpSpPr>
-        <a:xfrm>
-          <a:off x="0" y="0"/>
-          <a:ext cx="0" cy="0"/>
-          <a:chOff x="0" y="0"/>
-          <a:chExt cx="0" cy="0"/>
-        </a:xfrm>
-      </p:grpSpPr>
-      <p:pic>
-        <p:nvPicPr>
-          <p:cNvPr id="5" name="Picture 4">
-            <a:extLst>
-              <a:ext uri="{FF2B5EF4-FFF2-40B4-BE49-F238E27FC236}">
-                <a16:creationId xmlns:a16="http://schemas.microsoft.com/office/drawing/2014/main" id="{937DC52F-3E84-4376-A880-17A444D06451}"/>
-              </a:ext>
-            </a:extLst>
-          </p:cNvPr>
-          <p:cNvPicPr>
-            <a:picLocks noChangeAspect="1"/>
-          </p:cNvPicPr>
-          <p:nvPr/>
-        </p:nvPicPr>
-        <p:blipFill>
-          <a:blip r:embed="rId2" cstate="hqprint">
-            <a:extLst>
-              <a:ext uri="{28A0092B-C50C-407E-A947-70E740481C1C}">
-                <a14:useLocalDpi xmlns:a14="http://schemas.microsoft.com/office/drawing/2010/main" val="0"/>
-              </a:ext>
-            </a:extLst>
-          </a:blip>
-          <a:stretch>
-            <a:fillRect/>
-          </a:stretch>
-        </p:blipFill>
-        <p:spPr>
-          <a:xfrm>
-            <a:off x="9916160" y="365125"/>
-            <a:ext cx="1437640" cy="418937"/>
-          </a:xfrm>
-          <a:prstGeom prst="rect">
-            <a:avLst/>
-          </a:prstGeom>
-        </p:spPr>
-      </p:pic>
-      <p:sp>
-        <p:nvSpPr>
-          <p:cNvPr id="9" name="Title 1">
-            <a:extLst>
-              <a:ext uri="{FF2B5EF4-FFF2-40B4-BE49-F238E27FC236}">
-                <a16:creationId xmlns:a16="http://schemas.microsoft.com/office/drawing/2014/main" id="{D8D4F29A-F761-4FDF-9F1D-5964127B29A1}"/>
-              </a:ext>
-            </a:extLst>
-          </p:cNvPr>
-          <p:cNvSpPr txBox="1">
-            <a:spLocks/>
-          </p:cNvSpPr>
-          <p:nvPr/>
-        </p:nvSpPr>
-        <p:spPr>
-          <a:xfrm>
-            <a:off x="838200" y="365125"/>
-            <a:ext cx="10515600" cy="762635"/>
-          </a:xfrm>
-          <a:prstGeom prst="rect">
-            <a:avLst/>
-          </a:prstGeom>
-        </p:spPr>
-        <p:txBody>
-          <a:bodyPr vert="horz" lIns="91440" tIns="45720" rIns="91440" bIns="45720" rtlCol="0" anchor="ctr">
-            <a:normAutofit/>
-          </a:bodyPr>
-          <a:lstStyle>
-            <a:lvl1pPr algn="l" defTabSz="914400" rtl="0" eaLnBrk="1" latinLnBrk="0" hangingPunct="1">
-              <a:lnSpc>
-                <a:spcPct val="90000"/>
-              </a:lnSpc>
-              <a:spcBef>
-                <a:spcPct val="0"/>
-              </a:spcBef>
-              <a:buNone/>
-              <a:defRPr sz="4400" kern="1200">
-                <a:solidFill>
-                  <a:schemeClr val="tx1"/>
-                </a:solidFill>
-                <a:latin typeface="+mj-lt"/>
-                <a:ea typeface="+mj-ea"/>
-                <a:cs typeface="+mj-cs"/>
-              </a:defRPr>
-            </a:lvl1pPr>
-          </a:lstStyle>
-          <a:p>
-            <a:r>
-              <a:rPr lang="en-CA" sz="3600" dirty="0"/>
-              <a:t>Scenario Description (cont.)</a:t>
-            </a:r>
-            <a:endParaRPr lang="en-US" sz="3600" dirty="0"/>
-          </a:p>
-        </p:txBody>
-      </p:sp>
-      <p:sp>
-        <p:nvSpPr>
-          <p:cNvPr id="6" name="Content Placeholder 2">
-            <a:extLst>
-              <a:ext uri="{FF2B5EF4-FFF2-40B4-BE49-F238E27FC236}">
-                <a16:creationId xmlns:a16="http://schemas.microsoft.com/office/drawing/2014/main" id="{5C9002D8-D4DA-894C-B56B-88798A5976F0}"/>
-              </a:ext>
-            </a:extLst>
-          </p:cNvPr>
-          <p:cNvSpPr>
-            <a:spLocks noGrp="1"/>
-          </p:cNvSpPr>
-          <p:nvPr>
-            <p:ph idx="1"/>
-          </p:nvPr>
-        </p:nvSpPr>
-        <p:spPr>
-          <a:xfrm>
-            <a:off x="838200" y="1127760"/>
-            <a:ext cx="10515600" cy="5049203"/>
-          </a:xfrm>
-        </p:spPr>
-        <p:txBody>
-          <a:bodyPr>
-            <a:normAutofit/>
-          </a:bodyPr>
-          <a:lstStyle/>
-          <a:p>
-            <a:pPr marL="0" indent="0">
-              <a:lnSpc>
-                <a:spcPct val="150000"/>
-              </a:lnSpc>
-              <a:buNone/>
-            </a:pPr>
-            <a:r>
-              <a:rPr lang="en-US" sz="2400" dirty="0"/>
-              <a:t>Customer Arrival (arrival rate: c)</a:t>
-            </a:r>
-          </a:p>
-          <a:p>
-            <a:pPr lvl="1">
-              <a:lnSpc>
-                <a:spcPct val="150000"/>
-              </a:lnSpc>
-            </a:pPr>
-            <a:r>
-              <a:rPr lang="en-US" sz="2000" dirty="0"/>
-              <a:t>are non-homogenous and vary among group sizes (group size: g)</a:t>
-            </a:r>
-          </a:p>
-          <a:p>
-            <a:pPr lvl="1">
-              <a:lnSpc>
-                <a:spcPct val="150000"/>
-              </a:lnSpc>
-            </a:pPr>
-            <a:endParaRPr lang="en-US" sz="2000" dirty="0"/>
-          </a:p>
-          <a:p>
-            <a:pPr lvl="1">
-              <a:lnSpc>
-                <a:spcPct val="150000"/>
-              </a:lnSpc>
-            </a:pPr>
-            <a:endParaRPr lang="en-US" sz="2000" dirty="0"/>
-          </a:p>
-          <a:p>
-            <a:pPr lvl="1">
-              <a:lnSpc>
-                <a:spcPct val="150000"/>
-              </a:lnSpc>
-            </a:pPr>
-            <a:endParaRPr lang="en-US" sz="2000" dirty="0"/>
-          </a:p>
-          <a:p>
-            <a:pPr lvl="1">
-              <a:lnSpc>
-                <a:spcPct val="150000"/>
-              </a:lnSpc>
-            </a:pPr>
-            <a:endParaRPr lang="en-US" sz="2000" dirty="0"/>
-          </a:p>
-          <a:p>
-            <a:pPr lvl="1">
-              <a:lnSpc>
-                <a:spcPct val="150000"/>
-              </a:lnSpc>
-            </a:pPr>
-            <a:r>
-              <a:rPr lang="en-US" sz="2000" dirty="0"/>
-              <a:t>Groups start arriving at 19:00 till 22:00</a:t>
-            </a:r>
-          </a:p>
-          <a:p>
-            <a:pPr lvl="2">
-              <a:lnSpc>
-                <a:spcPct val="150000"/>
-              </a:lnSpc>
-            </a:pPr>
-            <a:r>
-              <a:rPr lang="en-US" dirty="0"/>
-              <a:t>No arrival after 22:00 –&gt;</a:t>
-            </a:r>
-            <a:r>
-              <a:rPr lang="en-US" dirty="0">
-                <a:sym typeface="Wingdings" pitchFamily="2" charset="2"/>
-              </a:rPr>
-              <a:t> available service for customers in the queue</a:t>
-            </a:r>
-            <a:endParaRPr lang="en-US" dirty="0"/>
-          </a:p>
-          <a:p>
-            <a:pPr lvl="1">
-              <a:lnSpc>
-                <a:spcPct val="150000"/>
-              </a:lnSpc>
-            </a:pPr>
-            <a:endParaRPr lang="en-US" sz="2000" dirty="0"/>
-          </a:p>
-          <a:p>
-            <a:pPr lvl="1">
-              <a:lnSpc>
-                <a:spcPct val="150000"/>
-              </a:lnSpc>
-            </a:pPr>
-            <a:endParaRPr lang="en-US" sz="2000" dirty="0"/>
-          </a:p>
-          <a:p>
-            <a:pPr lvl="1">
-              <a:lnSpc>
-                <a:spcPct val="150000"/>
-              </a:lnSpc>
-            </a:pPr>
-            <a:endParaRPr lang="en-US" dirty="0"/>
-          </a:p>
-          <a:p>
-            <a:pPr lvl="1">
-              <a:lnSpc>
-                <a:spcPct val="150000"/>
-              </a:lnSpc>
-            </a:pPr>
-            <a:endParaRPr lang="en-US" sz="2000" dirty="0"/>
-          </a:p>
-          <a:p>
-            <a:pPr lvl="1">
-              <a:lnSpc>
-                <a:spcPct val="150000"/>
-              </a:lnSpc>
-            </a:pPr>
-            <a:endParaRPr lang="en-US" sz="2000" dirty="0"/>
-          </a:p>
-        </p:txBody>
-      </p:sp>
-      <p:pic>
-        <p:nvPicPr>
-          <p:cNvPr id="3" name="Picture 2">
-            <a:extLst>
-              <a:ext uri="{FF2B5EF4-FFF2-40B4-BE49-F238E27FC236}">
-                <a16:creationId xmlns:a16="http://schemas.microsoft.com/office/drawing/2014/main" id="{2D59FC4D-7649-9340-8F6F-DB35505CA9CF}"/>
-              </a:ext>
-            </a:extLst>
-          </p:cNvPr>
-          <p:cNvPicPr>
-            <a:picLocks noChangeAspect="1"/>
-          </p:cNvPicPr>
-          <p:nvPr/>
-        </p:nvPicPr>
-        <p:blipFill>
-          <a:blip r:embed="rId3">
-            <a:extLst>
-              <a:ext uri="{28A0092B-C50C-407E-A947-70E740481C1C}">
-                <a14:useLocalDpi xmlns:a14="http://schemas.microsoft.com/office/drawing/2010/main" val="0"/>
-              </a:ext>
-            </a:extLst>
-          </a:blip>
-          <a:stretch>
-            <a:fillRect/>
-          </a:stretch>
-        </p:blipFill>
-        <p:spPr>
-          <a:xfrm>
-            <a:off x="1382712" y="2470151"/>
-            <a:ext cx="5718176" cy="1744044"/>
-          </a:xfrm>
-          <a:prstGeom prst="rect">
-            <a:avLst/>
-          </a:prstGeom>
-        </p:spPr>
-      </p:pic>
-    </p:spTree>
-    <p:extLst>
-      <p:ext uri="{BB962C8B-B14F-4D97-AF65-F5344CB8AC3E}">
-        <p14:creationId xmlns:p14="http://schemas.microsoft.com/office/powerpoint/2010/main" val="1592423805"/>
-      </p:ext>
-    </p:extLst>
-  </p:cSld>
-  <p:clrMapOvr>
-    <a:masterClrMapping/>
-  </p:clrMapOvr>
-</p:sld>
-</file>
-
-<file path=ppt/slides/slide30.xml><?xml version="1.0" encoding="utf-8"?>
+<file path=ppt/slides/slide34.xml><?xml version="1.0" encoding="utf-8"?>
 <p:sld xmlns:a="http://schemas.openxmlformats.org/drawingml/2006/main" xmlns:r="http://schemas.openxmlformats.org/officeDocument/2006/relationships" xmlns:p="http://schemas.openxmlformats.org/presentationml/2006/main">
   <p:cSld>
     <p:spTree>
@@ -11745,10 +13490,46 @@
       </p:grpSpPr>
       <p:sp>
         <p:nvSpPr>
+          <p:cNvPr id="2" name="Title 1">
+            <a:extLst>
+              <a:ext uri="{FF2B5EF4-FFF2-40B4-BE49-F238E27FC236}">
+                <a16:creationId xmlns:a16="http://schemas.microsoft.com/office/drawing/2014/main" id="{03DDC527-3CB8-43EA-A5BB-E295D215139A}"/>
+              </a:ext>
+            </a:extLst>
+          </p:cNvPr>
+          <p:cNvSpPr>
+            <a:spLocks noGrp="1"/>
+          </p:cNvSpPr>
+          <p:nvPr>
+            <p:ph type="title"/>
+          </p:nvPr>
+        </p:nvSpPr>
+        <p:spPr>
+          <a:xfrm>
+            <a:off x="838200" y="365125"/>
+            <a:ext cx="10515600" cy="762635"/>
+          </a:xfrm>
+        </p:spPr>
+        <p:txBody>
+          <a:bodyPr>
+            <a:normAutofit/>
+          </a:bodyPr>
+          <a:lstStyle/>
+          <a:p>
+            <a:r>
+              <a:rPr lang="en-CA" sz="3600" dirty="0"/>
+              <a:t>Discrete Event Simulation</a:t>
+            </a:r>
+            <a:endParaRPr lang="en-US" sz="3600" dirty="0"/>
+          </a:p>
+        </p:txBody>
+      </p:sp>
+      <p:sp>
+        <p:nvSpPr>
           <p:cNvPr id="3" name="Content Placeholder 2">
             <a:extLst>
               <a:ext uri="{FF2B5EF4-FFF2-40B4-BE49-F238E27FC236}">
-                <a16:creationId xmlns:a16="http://schemas.microsoft.com/office/drawing/2014/main" id="{2E5DAAB6-C87E-4C10-8DDC-15F41DB00A20}"/>
+                <a16:creationId xmlns:a16="http://schemas.microsoft.com/office/drawing/2014/main" id="{C24F306F-1780-4BF1-86EA-0F38AFC191AC}"/>
               </a:ext>
             </a:extLst>
           </p:cNvPr>
@@ -11762,7 +13543,7 @@
         <p:spPr>
           <a:xfrm>
             <a:off x="838200" y="1127760"/>
-            <a:ext cx="10515600" cy="5049203"/>
+            <a:ext cx="10515600" cy="5540669"/>
           </a:xfrm>
         </p:spPr>
         <p:txBody>
@@ -11771,28 +13552,141 @@
           </a:bodyPr>
           <a:lstStyle/>
           <a:p>
-            <a:endParaRPr lang="en-CA" sz="2400" dirty="0"/>
-          </a:p>
-          <a:p>
             <a:pPr marL="0" indent="0">
-              <a:buNone/>
-            </a:pPr>
-            <a:endParaRPr lang="en-CA" sz="2400" dirty="0"/>
+              <a:lnSpc>
+                <a:spcPct val="150000"/>
+              </a:lnSpc>
+              <a:buNone/>
+            </a:pPr>
+            <a:r>
+              <a:rPr lang="en-US" sz="2400" dirty="0"/>
+              <a:t>Running a simulation of a scenario</a:t>
+            </a:r>
+          </a:p>
+          <a:p>
+            <a:pPr lvl="1">
+              <a:lnSpc>
+                <a:spcPct val="150000"/>
+              </a:lnSpc>
+            </a:pPr>
+            <a:r>
+              <a:rPr lang="en-US" sz="2000" dirty="0"/>
+              <a:t>Input parameters described in the previous section</a:t>
+            </a:r>
+          </a:p>
+          <a:p>
+            <a:pPr lvl="1">
+              <a:lnSpc>
+                <a:spcPct val="150000"/>
+              </a:lnSpc>
+            </a:pPr>
+            <a:r>
+              <a:rPr lang="en-US" sz="2000" dirty="0"/>
+              <a:t>Different scenarios for varying table arrangement and seating policy</a:t>
+            </a:r>
           </a:p>
           <a:p>
             <a:pPr marL="0" indent="0">
-              <a:buNone/>
-            </a:pPr>
-            <a:endParaRPr lang="en-CA" sz="2400" dirty="0"/>
+              <a:lnSpc>
+                <a:spcPct val="150000"/>
+              </a:lnSpc>
+              <a:buNone/>
+            </a:pPr>
+            <a:r>
+              <a:rPr lang="en-US" sz="2400" dirty="0"/>
+              <a:t>Returning the variables:</a:t>
+            </a:r>
+          </a:p>
+          <a:p>
+            <a:pPr lvl="1">
+              <a:lnSpc>
+                <a:spcPct val="150000"/>
+              </a:lnSpc>
+            </a:pPr>
+            <a:r>
+              <a:rPr lang="en-US" sz="2000" dirty="0"/>
+              <a:t>Customers</a:t>
+            </a:r>
+          </a:p>
+          <a:p>
+            <a:pPr lvl="1">
+              <a:lnSpc>
+                <a:spcPct val="150000"/>
+              </a:lnSpc>
+            </a:pPr>
+            <a:r>
+              <a:rPr lang="en-US" sz="2000" dirty="0"/>
+              <a:t>Tables </a:t>
+            </a:r>
+          </a:p>
+          <a:p>
+            <a:pPr lvl="1">
+              <a:lnSpc>
+                <a:spcPct val="150000"/>
+              </a:lnSpc>
+            </a:pPr>
+            <a:r>
+              <a:rPr lang="en-US" sz="2000" dirty="0"/>
+              <a:t>Time </a:t>
+            </a:r>
+          </a:p>
+          <a:p>
+            <a:pPr lvl="1">
+              <a:lnSpc>
+                <a:spcPct val="150000"/>
+              </a:lnSpc>
+            </a:pPr>
+            <a:r>
+              <a:rPr lang="en-US" sz="2000" dirty="0"/>
+              <a:t>Queue (s)</a:t>
+            </a:r>
+          </a:p>
+          <a:p>
+            <a:pPr lvl="1">
+              <a:lnSpc>
+                <a:spcPct val="150000"/>
+              </a:lnSpc>
+            </a:pPr>
+            <a:r>
+              <a:rPr lang="en-US" sz="2000" dirty="0"/>
+              <a:t># of busy seats (for each table size)</a:t>
+            </a:r>
+          </a:p>
+          <a:p>
+            <a:pPr lvl="1">
+              <a:lnSpc>
+                <a:spcPct val="150000"/>
+              </a:lnSpc>
+            </a:pPr>
+            <a:r>
+              <a:rPr lang="en-US" sz="2000" dirty="0"/>
+              <a:t># of busy tables (at the event times)</a:t>
+            </a:r>
+          </a:p>
+          <a:p>
+            <a:pPr lvl="1">
+              <a:lnSpc>
+                <a:spcPct val="150000"/>
+              </a:lnSpc>
+            </a:pPr>
+            <a:endParaRPr lang="en-US" sz="2000" dirty="0"/>
+          </a:p>
+          <a:p>
+            <a:pPr lvl="1">
+              <a:lnSpc>
+                <a:spcPct val="150000"/>
+              </a:lnSpc>
+            </a:pPr>
+            <a:endParaRPr lang="en-US" sz="2000" dirty="0"/>
           </a:p>
         </p:txBody>
       </p:sp>
       <p:pic>
         <p:nvPicPr>
-          <p:cNvPr id="5" name="Picture 4">
+          <p:cNvPr id="4" name="Picture 3">
             <a:extLst>
               <a:ext uri="{FF2B5EF4-FFF2-40B4-BE49-F238E27FC236}">
-                <a16:creationId xmlns:a16="http://schemas.microsoft.com/office/drawing/2014/main" id="{8977407B-874A-4791-897D-6196620D6F56}"/>
+                <a16:creationId xmlns:a16="http://schemas.microsoft.com/office/drawing/2014/main" id="{F2317F70-2F7D-44FF-9959-4CBB4081A7F1}"/>
               </a:ext>
             </a:extLst>
           </p:cNvPr>
@@ -11823,306 +13717,10 @@
           </a:prstGeom>
         </p:spPr>
       </p:pic>
-      <p:sp>
-        <p:nvSpPr>
-          <p:cNvPr id="8" name="Title 1">
-            <a:extLst>
-              <a:ext uri="{FF2B5EF4-FFF2-40B4-BE49-F238E27FC236}">
-                <a16:creationId xmlns:a16="http://schemas.microsoft.com/office/drawing/2014/main" id="{3C0D5108-0220-49D1-BFA7-E8863D4F1E1D}"/>
-              </a:ext>
-            </a:extLst>
-          </p:cNvPr>
-          <p:cNvSpPr txBox="1">
-            <a:spLocks/>
-          </p:cNvSpPr>
-          <p:nvPr/>
-        </p:nvSpPr>
-        <p:spPr>
-          <a:xfrm>
-            <a:off x="838200" y="365125"/>
-            <a:ext cx="10515600" cy="762635"/>
-          </a:xfrm>
-          <a:prstGeom prst="rect">
-            <a:avLst/>
-          </a:prstGeom>
-        </p:spPr>
-        <p:txBody>
-          <a:bodyPr vert="horz" lIns="91440" tIns="45720" rIns="91440" bIns="45720" rtlCol="0" anchor="ctr">
-            <a:normAutofit/>
-          </a:bodyPr>
-          <a:lstStyle>
-            <a:lvl1pPr algn="l" defTabSz="914400" rtl="0" eaLnBrk="1" latinLnBrk="0" hangingPunct="1">
-              <a:lnSpc>
-                <a:spcPct val="90000"/>
-              </a:lnSpc>
-              <a:spcBef>
-                <a:spcPct val="0"/>
-              </a:spcBef>
-              <a:buNone/>
-              <a:defRPr sz="4400" kern="1200">
-                <a:solidFill>
-                  <a:schemeClr val="tx1"/>
-                </a:solidFill>
-                <a:latin typeface="+mj-lt"/>
-                <a:ea typeface="+mj-ea"/>
-                <a:cs typeface="+mj-cs"/>
-              </a:defRPr>
-            </a:lvl1pPr>
-          </a:lstStyle>
-          <a:p>
-            <a:r>
-              <a:rPr lang="en-CA" sz="3600" dirty="0"/>
-              <a:t>Seating Policy</a:t>
-            </a:r>
-          </a:p>
-        </p:txBody>
-      </p:sp>
-      <p:sp>
-        <p:nvSpPr>
-          <p:cNvPr id="6" name="Content Placeholder 2">
-            <a:extLst>
-              <a:ext uri="{FF2B5EF4-FFF2-40B4-BE49-F238E27FC236}">
-                <a16:creationId xmlns:a16="http://schemas.microsoft.com/office/drawing/2014/main" id="{DC75EB99-DD43-8241-9EB0-D2DE87B6CA7E}"/>
-              </a:ext>
-            </a:extLst>
-          </p:cNvPr>
-          <p:cNvSpPr txBox="1">
-            <a:spLocks/>
-          </p:cNvSpPr>
-          <p:nvPr/>
-        </p:nvSpPr>
-        <p:spPr>
-          <a:xfrm>
-            <a:off x="990600" y="1280160"/>
-            <a:ext cx="10515600" cy="5049203"/>
-          </a:xfrm>
-          <a:prstGeom prst="rect">
-            <a:avLst/>
-          </a:prstGeom>
-        </p:spPr>
-        <p:txBody>
-          <a:bodyPr vert="horz" lIns="91440" tIns="45720" rIns="91440" bIns="45720" rtlCol="0">
-            <a:normAutofit/>
-          </a:bodyPr>
-          <a:lstStyle>
-            <a:lvl1pPr marL="228600" indent="-228600" algn="l" defTabSz="914400" rtl="0" eaLnBrk="1" latinLnBrk="0" hangingPunct="1">
-              <a:lnSpc>
-                <a:spcPct val="90000"/>
-              </a:lnSpc>
-              <a:spcBef>
-                <a:spcPts val="1000"/>
-              </a:spcBef>
-              <a:buFont typeface="Arial" panose="020B0604020202020204" pitchFamily="34" charset="0"/>
-              <a:buChar char="•"/>
-              <a:defRPr sz="2800" kern="1200">
-                <a:solidFill>
-                  <a:schemeClr val="tx1"/>
-                </a:solidFill>
-                <a:latin typeface="+mn-lt"/>
-                <a:ea typeface="+mn-ea"/>
-                <a:cs typeface="+mn-cs"/>
-              </a:defRPr>
-            </a:lvl1pPr>
-            <a:lvl2pPr marL="685800" indent="-228600" algn="l" defTabSz="914400" rtl="0" eaLnBrk="1" latinLnBrk="0" hangingPunct="1">
-              <a:lnSpc>
-                <a:spcPct val="90000"/>
-              </a:lnSpc>
-              <a:spcBef>
-                <a:spcPts val="500"/>
-              </a:spcBef>
-              <a:buFont typeface="Arial" panose="020B0604020202020204" pitchFamily="34" charset="0"/>
-              <a:buChar char="•"/>
-              <a:defRPr sz="2400" kern="1200">
-                <a:solidFill>
-                  <a:schemeClr val="tx1"/>
-                </a:solidFill>
-                <a:latin typeface="+mn-lt"/>
-                <a:ea typeface="+mn-ea"/>
-                <a:cs typeface="+mn-cs"/>
-              </a:defRPr>
-            </a:lvl2pPr>
-            <a:lvl3pPr marL="1143000" indent="-228600" algn="l" defTabSz="914400" rtl="0" eaLnBrk="1" latinLnBrk="0" hangingPunct="1">
-              <a:lnSpc>
-                <a:spcPct val="90000"/>
-              </a:lnSpc>
-              <a:spcBef>
-                <a:spcPts val="500"/>
-              </a:spcBef>
-              <a:buFont typeface="Arial" panose="020B0604020202020204" pitchFamily="34" charset="0"/>
-              <a:buChar char="•"/>
-              <a:defRPr sz="2000" kern="1200">
-                <a:solidFill>
-                  <a:schemeClr val="tx1"/>
-                </a:solidFill>
-                <a:latin typeface="+mn-lt"/>
-                <a:ea typeface="+mn-ea"/>
-                <a:cs typeface="+mn-cs"/>
-              </a:defRPr>
-            </a:lvl3pPr>
-            <a:lvl4pPr marL="1600200" indent="-228600" algn="l" defTabSz="914400" rtl="0" eaLnBrk="1" latinLnBrk="0" hangingPunct="1">
-              <a:lnSpc>
-                <a:spcPct val="90000"/>
-              </a:lnSpc>
-              <a:spcBef>
-                <a:spcPts val="500"/>
-              </a:spcBef>
-              <a:buFont typeface="Arial" panose="020B0604020202020204" pitchFamily="34" charset="0"/>
-              <a:buChar char="•"/>
-              <a:defRPr sz="1800" kern="1200">
-                <a:solidFill>
-                  <a:schemeClr val="tx1"/>
-                </a:solidFill>
-                <a:latin typeface="+mn-lt"/>
-                <a:ea typeface="+mn-ea"/>
-                <a:cs typeface="+mn-cs"/>
-              </a:defRPr>
-            </a:lvl4pPr>
-            <a:lvl5pPr marL="2057400" indent="-228600" algn="l" defTabSz="914400" rtl="0" eaLnBrk="1" latinLnBrk="0" hangingPunct="1">
-              <a:lnSpc>
-                <a:spcPct val="90000"/>
-              </a:lnSpc>
-              <a:spcBef>
-                <a:spcPts val="500"/>
-              </a:spcBef>
-              <a:buFont typeface="Arial" panose="020B0604020202020204" pitchFamily="34" charset="0"/>
-              <a:buChar char="•"/>
-              <a:defRPr sz="1800" kern="1200">
-                <a:solidFill>
-                  <a:schemeClr val="tx1"/>
-                </a:solidFill>
-                <a:latin typeface="+mn-lt"/>
-                <a:ea typeface="+mn-ea"/>
-                <a:cs typeface="+mn-cs"/>
-              </a:defRPr>
-            </a:lvl5pPr>
-            <a:lvl6pPr marL="2514600" indent="-228600" algn="l" defTabSz="914400" rtl="0" eaLnBrk="1" latinLnBrk="0" hangingPunct="1">
-              <a:lnSpc>
-                <a:spcPct val="90000"/>
-              </a:lnSpc>
-              <a:spcBef>
-                <a:spcPts val="500"/>
-              </a:spcBef>
-              <a:buFont typeface="Arial" panose="020B0604020202020204" pitchFamily="34" charset="0"/>
-              <a:buChar char="•"/>
-              <a:defRPr sz="1800" kern="1200">
-                <a:solidFill>
-                  <a:schemeClr val="tx1"/>
-                </a:solidFill>
-                <a:latin typeface="+mn-lt"/>
-                <a:ea typeface="+mn-ea"/>
-                <a:cs typeface="+mn-cs"/>
-              </a:defRPr>
-            </a:lvl6pPr>
-            <a:lvl7pPr marL="2971800" indent="-228600" algn="l" defTabSz="914400" rtl="0" eaLnBrk="1" latinLnBrk="0" hangingPunct="1">
-              <a:lnSpc>
-                <a:spcPct val="90000"/>
-              </a:lnSpc>
-              <a:spcBef>
-                <a:spcPts val="500"/>
-              </a:spcBef>
-              <a:buFont typeface="Arial" panose="020B0604020202020204" pitchFamily="34" charset="0"/>
-              <a:buChar char="•"/>
-              <a:defRPr sz="1800" kern="1200">
-                <a:solidFill>
-                  <a:schemeClr val="tx1"/>
-                </a:solidFill>
-                <a:latin typeface="+mn-lt"/>
-                <a:ea typeface="+mn-ea"/>
-                <a:cs typeface="+mn-cs"/>
-              </a:defRPr>
-            </a:lvl7pPr>
-            <a:lvl8pPr marL="3429000" indent="-228600" algn="l" defTabSz="914400" rtl="0" eaLnBrk="1" latinLnBrk="0" hangingPunct="1">
-              <a:lnSpc>
-                <a:spcPct val="90000"/>
-              </a:lnSpc>
-              <a:spcBef>
-                <a:spcPts val="500"/>
-              </a:spcBef>
-              <a:buFont typeface="Arial" panose="020B0604020202020204" pitchFamily="34" charset="0"/>
-              <a:buChar char="•"/>
-              <a:defRPr sz="1800" kern="1200">
-                <a:solidFill>
-                  <a:schemeClr val="tx1"/>
-                </a:solidFill>
-                <a:latin typeface="+mn-lt"/>
-                <a:ea typeface="+mn-ea"/>
-                <a:cs typeface="+mn-cs"/>
-              </a:defRPr>
-            </a:lvl8pPr>
-            <a:lvl9pPr marL="3886200" indent="-228600" algn="l" defTabSz="914400" rtl="0" eaLnBrk="1" latinLnBrk="0" hangingPunct="1">
-              <a:lnSpc>
-                <a:spcPct val="90000"/>
-              </a:lnSpc>
-              <a:spcBef>
-                <a:spcPts val="500"/>
-              </a:spcBef>
-              <a:buFont typeface="Arial" panose="020B0604020202020204" pitchFamily="34" charset="0"/>
-              <a:buChar char="•"/>
-              <a:defRPr sz="1800" kern="1200">
-                <a:solidFill>
-                  <a:schemeClr val="tx1"/>
-                </a:solidFill>
-                <a:latin typeface="+mn-lt"/>
-                <a:ea typeface="+mn-ea"/>
-                <a:cs typeface="+mn-cs"/>
-              </a:defRPr>
-            </a:lvl9pPr>
-          </a:lstStyle>
-          <a:p>
-            <a:r>
-              <a:rPr lang="en-CA" sz="2400" dirty="0"/>
-              <a:t>Initial approach:</a:t>
-            </a:r>
-          </a:p>
-          <a:p>
-            <a:pPr lvl="1"/>
-            <a:r>
-              <a:rPr lang="en-CA" sz="2000" dirty="0"/>
-              <a:t>First-come, First-served basis</a:t>
-            </a:r>
-          </a:p>
-        </p:txBody>
-      </p:sp>
-      <p:pic>
-        <p:nvPicPr>
-          <p:cNvPr id="4" name="Picture 3">
-            <a:extLst>
-              <a:ext uri="{FF2B5EF4-FFF2-40B4-BE49-F238E27FC236}">
-                <a16:creationId xmlns:a16="http://schemas.microsoft.com/office/drawing/2014/main" id="{E69B5CD5-57DF-A043-8C11-AF289518979D}"/>
-              </a:ext>
-            </a:extLst>
-          </p:cNvPr>
-          <p:cNvPicPr>
-            <a:picLocks noChangeAspect="1"/>
-          </p:cNvPicPr>
-          <p:nvPr/>
-        </p:nvPicPr>
-        <p:blipFill>
-          <a:blip r:embed="rId3">
-            <a:extLst>
-              <a:ext uri="{28A0092B-C50C-407E-A947-70E740481C1C}">
-                <a14:useLocalDpi xmlns:a14="http://schemas.microsoft.com/office/drawing/2010/main" val="0"/>
-              </a:ext>
-            </a:extLst>
-          </a:blip>
-          <a:stretch>
-            <a:fillRect/>
-          </a:stretch>
-        </p:blipFill>
-        <p:spPr>
-          <a:xfrm>
-            <a:off x="2376566" y="2067152"/>
-            <a:ext cx="7438867" cy="4758309"/>
-          </a:xfrm>
-          <a:prstGeom prst="rect">
-            <a:avLst/>
-          </a:prstGeom>
-        </p:spPr>
-      </p:pic>
     </p:spTree>
     <p:extLst>
       <p:ext uri="{BB962C8B-B14F-4D97-AF65-F5344CB8AC3E}">
-        <p14:creationId xmlns:p14="http://schemas.microsoft.com/office/powerpoint/2010/main" val="3946468886"/>
+        <p14:creationId xmlns:p14="http://schemas.microsoft.com/office/powerpoint/2010/main" val="4285374393"/>
       </p:ext>
     </p:extLst>
   </p:cSld>
@@ -12151,10 +13749,46 @@
       </p:grpSpPr>
       <p:sp>
         <p:nvSpPr>
+          <p:cNvPr id="2" name="Title 1">
+            <a:extLst>
+              <a:ext uri="{FF2B5EF4-FFF2-40B4-BE49-F238E27FC236}">
+                <a16:creationId xmlns:a16="http://schemas.microsoft.com/office/drawing/2014/main" id="{03DDC527-3CB8-43EA-A5BB-E295D215139A}"/>
+              </a:ext>
+            </a:extLst>
+          </p:cNvPr>
+          <p:cNvSpPr>
+            <a:spLocks noGrp="1"/>
+          </p:cNvSpPr>
+          <p:nvPr>
+            <p:ph type="title"/>
+          </p:nvPr>
+        </p:nvSpPr>
+        <p:spPr>
+          <a:xfrm>
+            <a:off x="838200" y="365125"/>
+            <a:ext cx="10515600" cy="762635"/>
+          </a:xfrm>
+        </p:spPr>
+        <p:txBody>
+          <a:bodyPr>
+            <a:normAutofit/>
+          </a:bodyPr>
+          <a:lstStyle/>
+          <a:p>
+            <a:r>
+              <a:rPr lang="en-CA" sz="3600" dirty="0"/>
+              <a:t>Discrete Event Simulation (cont.)</a:t>
+            </a:r>
+            <a:endParaRPr lang="en-US" sz="3600" dirty="0"/>
+          </a:p>
+        </p:txBody>
+      </p:sp>
+      <p:sp>
+        <p:nvSpPr>
           <p:cNvPr id="3" name="Content Placeholder 2">
             <a:extLst>
               <a:ext uri="{FF2B5EF4-FFF2-40B4-BE49-F238E27FC236}">
-                <a16:creationId xmlns:a16="http://schemas.microsoft.com/office/drawing/2014/main" id="{2E5DAAB6-C87E-4C10-8DDC-15F41DB00A20}"/>
+                <a16:creationId xmlns:a16="http://schemas.microsoft.com/office/drawing/2014/main" id="{C24F306F-1780-4BF1-86EA-0F38AFC191AC}"/>
               </a:ext>
             </a:extLst>
           </p:cNvPr>
@@ -12168,7 +13802,7 @@
         <p:spPr>
           <a:xfrm>
             <a:off x="838200" y="1127760"/>
-            <a:ext cx="10515600" cy="5049203"/>
+            <a:ext cx="10515600" cy="5540669"/>
           </a:xfrm>
         </p:spPr>
         <p:txBody>
@@ -12177,28 +13811,129 @@
           </a:bodyPr>
           <a:lstStyle/>
           <a:p>
-            <a:endParaRPr lang="en-CA" sz="2400" dirty="0"/>
-          </a:p>
-          <a:p>
             <a:pPr marL="0" indent="0">
-              <a:buNone/>
-            </a:pPr>
-            <a:endParaRPr lang="en-CA" sz="2400" dirty="0"/>
-          </a:p>
-          <a:p>
-            <a:pPr marL="0" indent="0">
-              <a:buNone/>
-            </a:pPr>
-            <a:endParaRPr lang="en-CA" sz="2400" dirty="0"/>
+              <a:lnSpc>
+                <a:spcPct val="150000"/>
+              </a:lnSpc>
+              <a:buNone/>
+            </a:pPr>
+            <a:r>
+              <a:rPr lang="en-US" sz="2400" dirty="0"/>
+              <a:t>Events</a:t>
+            </a:r>
+          </a:p>
+          <a:p>
+            <a:pPr lvl="1">
+              <a:lnSpc>
+                <a:spcPct val="150000"/>
+              </a:lnSpc>
+            </a:pPr>
+            <a:r>
+              <a:rPr lang="en-US" sz="2000" dirty="0"/>
+              <a:t>Events that occur at time “t”</a:t>
+            </a:r>
+          </a:p>
+          <a:p>
+            <a:pPr marL="1371600" lvl="2" indent="-457200">
+              <a:lnSpc>
+                <a:spcPct val="150000"/>
+              </a:lnSpc>
+              <a:buFont typeface="+mj-lt"/>
+              <a:buAutoNum type="arabicParenR"/>
+            </a:pPr>
+            <a:r>
+              <a:rPr lang="en-US" dirty="0"/>
+              <a:t>Arrival </a:t>
+            </a:r>
+          </a:p>
+          <a:p>
+            <a:pPr lvl="3">
+              <a:lnSpc>
+                <a:spcPct val="150000"/>
+              </a:lnSpc>
+            </a:pPr>
+            <a:r>
+              <a:rPr lang="en-US" dirty="0"/>
+              <a:t>always the first event </a:t>
+            </a:r>
+          </a:p>
+          <a:p>
+            <a:pPr marL="1371600" lvl="2" indent="-457200">
+              <a:lnSpc>
+                <a:spcPct val="150000"/>
+              </a:lnSpc>
+              <a:buFont typeface="+mj-lt"/>
+              <a:buAutoNum type="arabicParenR"/>
+            </a:pPr>
+            <a:r>
+              <a:rPr lang="en-US" dirty="0"/>
+              <a:t>Duration</a:t>
+            </a:r>
+          </a:p>
+          <a:p>
+            <a:pPr lvl="3">
+              <a:lnSpc>
+                <a:spcPct val="150000"/>
+              </a:lnSpc>
+            </a:pPr>
+            <a:r>
+              <a:rPr lang="en-US" dirty="0"/>
+              <a:t>refers to being in the queue or being served</a:t>
+            </a:r>
+          </a:p>
+          <a:p>
+            <a:pPr marL="1371600" lvl="2" indent="-457200">
+              <a:lnSpc>
+                <a:spcPct val="150000"/>
+              </a:lnSpc>
+              <a:buFont typeface="+mj-lt"/>
+              <a:buAutoNum type="arabicParenR"/>
+            </a:pPr>
+            <a:r>
+              <a:rPr lang="en-US" dirty="0"/>
+              <a:t>Abandonment</a:t>
+            </a:r>
+          </a:p>
+          <a:p>
+            <a:pPr lvl="3">
+              <a:lnSpc>
+                <a:spcPct val="150000"/>
+              </a:lnSpc>
+            </a:pPr>
+            <a:r>
+              <a:rPr lang="en-US" dirty="0"/>
+              <a:t>A customer leaves the system</a:t>
+            </a:r>
+          </a:p>
+          <a:p>
+            <a:pPr marL="1371600" lvl="2" indent="-457200">
+              <a:lnSpc>
+                <a:spcPct val="150000"/>
+              </a:lnSpc>
+              <a:buFont typeface="+mj-lt"/>
+              <a:buAutoNum type="arabicParenR"/>
+            </a:pPr>
+            <a:r>
+              <a:rPr lang="en-US" dirty="0"/>
+              <a:t>Simulation End</a:t>
+            </a:r>
+          </a:p>
+          <a:p>
+            <a:pPr lvl="1">
+              <a:lnSpc>
+                <a:spcPct val="150000"/>
+              </a:lnSpc>
+            </a:pPr>
+            <a:endParaRPr lang="en-US" sz="2000" dirty="0"/>
           </a:p>
         </p:txBody>
       </p:sp>
       <p:pic>
         <p:nvPicPr>
-          <p:cNvPr id="5" name="Picture 4">
+          <p:cNvPr id="4" name="Picture 3">
             <a:extLst>
               <a:ext uri="{FF2B5EF4-FFF2-40B4-BE49-F238E27FC236}">
-                <a16:creationId xmlns:a16="http://schemas.microsoft.com/office/drawing/2014/main" id="{8977407B-874A-4791-897D-6196620D6F56}"/>
+                <a16:creationId xmlns:a16="http://schemas.microsoft.com/office/drawing/2014/main" id="{F2317F70-2F7D-44FF-9959-4CBB4081A7F1}"/>
               </a:ext>
             </a:extLst>
           </p:cNvPr>
@@ -12229,331 +13964,10 @@
           </a:prstGeom>
         </p:spPr>
       </p:pic>
-      <p:sp>
-        <p:nvSpPr>
-          <p:cNvPr id="8" name="Title 1">
-            <a:extLst>
-              <a:ext uri="{FF2B5EF4-FFF2-40B4-BE49-F238E27FC236}">
-                <a16:creationId xmlns:a16="http://schemas.microsoft.com/office/drawing/2014/main" id="{3C0D5108-0220-49D1-BFA7-E8863D4F1E1D}"/>
-              </a:ext>
-            </a:extLst>
-          </p:cNvPr>
-          <p:cNvSpPr txBox="1">
-            <a:spLocks/>
-          </p:cNvSpPr>
-          <p:nvPr/>
-        </p:nvSpPr>
-        <p:spPr>
-          <a:xfrm>
-            <a:off x="838200" y="365125"/>
-            <a:ext cx="10515600" cy="762635"/>
-          </a:xfrm>
-          <a:prstGeom prst="rect">
-            <a:avLst/>
-          </a:prstGeom>
-        </p:spPr>
-        <p:txBody>
-          <a:bodyPr vert="horz" lIns="91440" tIns="45720" rIns="91440" bIns="45720" rtlCol="0" anchor="ctr">
-            <a:normAutofit/>
-          </a:bodyPr>
-          <a:lstStyle>
-            <a:lvl1pPr algn="l" defTabSz="914400" rtl="0" eaLnBrk="1" latinLnBrk="0" hangingPunct="1">
-              <a:lnSpc>
-                <a:spcPct val="90000"/>
-              </a:lnSpc>
-              <a:spcBef>
-                <a:spcPct val="0"/>
-              </a:spcBef>
-              <a:buNone/>
-              <a:defRPr sz="4400" kern="1200">
-                <a:solidFill>
-                  <a:schemeClr val="tx1"/>
-                </a:solidFill>
-                <a:latin typeface="+mj-lt"/>
-                <a:ea typeface="+mj-ea"/>
-                <a:cs typeface="+mj-cs"/>
-              </a:defRPr>
-            </a:lvl1pPr>
-          </a:lstStyle>
-          <a:p>
-            <a:r>
-              <a:rPr lang="en-CA" sz="3600" dirty="0"/>
-              <a:t>Seating Policy</a:t>
-            </a:r>
-          </a:p>
-        </p:txBody>
-      </p:sp>
-      <p:sp>
-        <p:nvSpPr>
-          <p:cNvPr id="6" name="Content Placeholder 2">
-            <a:extLst>
-              <a:ext uri="{FF2B5EF4-FFF2-40B4-BE49-F238E27FC236}">
-                <a16:creationId xmlns:a16="http://schemas.microsoft.com/office/drawing/2014/main" id="{DC75EB99-DD43-8241-9EB0-D2DE87B6CA7E}"/>
-              </a:ext>
-            </a:extLst>
-          </p:cNvPr>
-          <p:cNvSpPr txBox="1">
-            <a:spLocks/>
-          </p:cNvSpPr>
-          <p:nvPr/>
-        </p:nvSpPr>
-        <p:spPr>
-          <a:xfrm>
-            <a:off x="990599" y="1380450"/>
-            <a:ext cx="3838575" cy="4948913"/>
-          </a:xfrm>
-          <a:prstGeom prst="rect">
-            <a:avLst/>
-          </a:prstGeom>
-        </p:spPr>
-        <p:txBody>
-          <a:bodyPr vert="horz" lIns="91440" tIns="45720" rIns="91440" bIns="45720" rtlCol="0">
-            <a:normAutofit/>
-          </a:bodyPr>
-          <a:lstStyle>
-            <a:lvl1pPr marL="228600" indent="-228600" algn="l" defTabSz="914400" rtl="0" eaLnBrk="1" latinLnBrk="0" hangingPunct="1">
-              <a:lnSpc>
-                <a:spcPct val="90000"/>
-              </a:lnSpc>
-              <a:spcBef>
-                <a:spcPts val="1000"/>
-              </a:spcBef>
-              <a:buFont typeface="Arial" panose="020B0604020202020204" pitchFamily="34" charset="0"/>
-              <a:buChar char="•"/>
-              <a:defRPr sz="2800" kern="1200">
-                <a:solidFill>
-                  <a:schemeClr val="tx1"/>
-                </a:solidFill>
-                <a:latin typeface="+mn-lt"/>
-                <a:ea typeface="+mn-ea"/>
-                <a:cs typeface="+mn-cs"/>
-              </a:defRPr>
-            </a:lvl1pPr>
-            <a:lvl2pPr marL="685800" indent="-228600" algn="l" defTabSz="914400" rtl="0" eaLnBrk="1" latinLnBrk="0" hangingPunct="1">
-              <a:lnSpc>
-                <a:spcPct val="90000"/>
-              </a:lnSpc>
-              <a:spcBef>
-                <a:spcPts val="500"/>
-              </a:spcBef>
-              <a:buFont typeface="Arial" panose="020B0604020202020204" pitchFamily="34" charset="0"/>
-              <a:buChar char="•"/>
-              <a:defRPr sz="2400" kern="1200">
-                <a:solidFill>
-                  <a:schemeClr val="tx1"/>
-                </a:solidFill>
-                <a:latin typeface="+mn-lt"/>
-                <a:ea typeface="+mn-ea"/>
-                <a:cs typeface="+mn-cs"/>
-              </a:defRPr>
-            </a:lvl2pPr>
-            <a:lvl3pPr marL="1143000" indent="-228600" algn="l" defTabSz="914400" rtl="0" eaLnBrk="1" latinLnBrk="0" hangingPunct="1">
-              <a:lnSpc>
-                <a:spcPct val="90000"/>
-              </a:lnSpc>
-              <a:spcBef>
-                <a:spcPts val="500"/>
-              </a:spcBef>
-              <a:buFont typeface="Arial" panose="020B0604020202020204" pitchFamily="34" charset="0"/>
-              <a:buChar char="•"/>
-              <a:defRPr sz="2000" kern="1200">
-                <a:solidFill>
-                  <a:schemeClr val="tx1"/>
-                </a:solidFill>
-                <a:latin typeface="+mn-lt"/>
-                <a:ea typeface="+mn-ea"/>
-                <a:cs typeface="+mn-cs"/>
-              </a:defRPr>
-            </a:lvl3pPr>
-            <a:lvl4pPr marL="1600200" indent="-228600" algn="l" defTabSz="914400" rtl="0" eaLnBrk="1" latinLnBrk="0" hangingPunct="1">
-              <a:lnSpc>
-                <a:spcPct val="90000"/>
-              </a:lnSpc>
-              <a:spcBef>
-                <a:spcPts val="500"/>
-              </a:spcBef>
-              <a:buFont typeface="Arial" panose="020B0604020202020204" pitchFamily="34" charset="0"/>
-              <a:buChar char="•"/>
-              <a:defRPr sz="1800" kern="1200">
-                <a:solidFill>
-                  <a:schemeClr val="tx1"/>
-                </a:solidFill>
-                <a:latin typeface="+mn-lt"/>
-                <a:ea typeface="+mn-ea"/>
-                <a:cs typeface="+mn-cs"/>
-              </a:defRPr>
-            </a:lvl4pPr>
-            <a:lvl5pPr marL="2057400" indent="-228600" algn="l" defTabSz="914400" rtl="0" eaLnBrk="1" latinLnBrk="0" hangingPunct="1">
-              <a:lnSpc>
-                <a:spcPct val="90000"/>
-              </a:lnSpc>
-              <a:spcBef>
-                <a:spcPts val="500"/>
-              </a:spcBef>
-              <a:buFont typeface="Arial" panose="020B0604020202020204" pitchFamily="34" charset="0"/>
-              <a:buChar char="•"/>
-              <a:defRPr sz="1800" kern="1200">
-                <a:solidFill>
-                  <a:schemeClr val="tx1"/>
-                </a:solidFill>
-                <a:latin typeface="+mn-lt"/>
-                <a:ea typeface="+mn-ea"/>
-                <a:cs typeface="+mn-cs"/>
-              </a:defRPr>
-            </a:lvl5pPr>
-            <a:lvl6pPr marL="2514600" indent="-228600" algn="l" defTabSz="914400" rtl="0" eaLnBrk="1" latinLnBrk="0" hangingPunct="1">
-              <a:lnSpc>
-                <a:spcPct val="90000"/>
-              </a:lnSpc>
-              <a:spcBef>
-                <a:spcPts val="500"/>
-              </a:spcBef>
-              <a:buFont typeface="Arial" panose="020B0604020202020204" pitchFamily="34" charset="0"/>
-              <a:buChar char="•"/>
-              <a:defRPr sz="1800" kern="1200">
-                <a:solidFill>
-                  <a:schemeClr val="tx1"/>
-                </a:solidFill>
-                <a:latin typeface="+mn-lt"/>
-                <a:ea typeface="+mn-ea"/>
-                <a:cs typeface="+mn-cs"/>
-              </a:defRPr>
-            </a:lvl6pPr>
-            <a:lvl7pPr marL="2971800" indent="-228600" algn="l" defTabSz="914400" rtl="0" eaLnBrk="1" latinLnBrk="0" hangingPunct="1">
-              <a:lnSpc>
-                <a:spcPct val="90000"/>
-              </a:lnSpc>
-              <a:spcBef>
-                <a:spcPts val="500"/>
-              </a:spcBef>
-              <a:buFont typeface="Arial" panose="020B0604020202020204" pitchFamily="34" charset="0"/>
-              <a:buChar char="•"/>
-              <a:defRPr sz="1800" kern="1200">
-                <a:solidFill>
-                  <a:schemeClr val="tx1"/>
-                </a:solidFill>
-                <a:latin typeface="+mn-lt"/>
-                <a:ea typeface="+mn-ea"/>
-                <a:cs typeface="+mn-cs"/>
-              </a:defRPr>
-            </a:lvl7pPr>
-            <a:lvl8pPr marL="3429000" indent="-228600" algn="l" defTabSz="914400" rtl="0" eaLnBrk="1" latinLnBrk="0" hangingPunct="1">
-              <a:lnSpc>
-                <a:spcPct val="90000"/>
-              </a:lnSpc>
-              <a:spcBef>
-                <a:spcPts val="500"/>
-              </a:spcBef>
-              <a:buFont typeface="Arial" panose="020B0604020202020204" pitchFamily="34" charset="0"/>
-              <a:buChar char="•"/>
-              <a:defRPr sz="1800" kern="1200">
-                <a:solidFill>
-                  <a:schemeClr val="tx1"/>
-                </a:solidFill>
-                <a:latin typeface="+mn-lt"/>
-                <a:ea typeface="+mn-ea"/>
-                <a:cs typeface="+mn-cs"/>
-              </a:defRPr>
-            </a:lvl8pPr>
-            <a:lvl9pPr marL="3886200" indent="-228600" algn="l" defTabSz="914400" rtl="0" eaLnBrk="1" latinLnBrk="0" hangingPunct="1">
-              <a:lnSpc>
-                <a:spcPct val="90000"/>
-              </a:lnSpc>
-              <a:spcBef>
-                <a:spcPts val="500"/>
-              </a:spcBef>
-              <a:buFont typeface="Arial" panose="020B0604020202020204" pitchFamily="34" charset="0"/>
-              <a:buChar char="•"/>
-              <a:defRPr sz="1800" kern="1200">
-                <a:solidFill>
-                  <a:schemeClr val="tx1"/>
-                </a:solidFill>
-                <a:latin typeface="+mn-lt"/>
-                <a:ea typeface="+mn-ea"/>
-                <a:cs typeface="+mn-cs"/>
-              </a:defRPr>
-            </a:lvl9pPr>
-          </a:lstStyle>
-          <a:p>
-            <a:r>
-              <a:rPr lang="en-CA" sz="2400" dirty="0"/>
-              <a:t>Modified approach:</a:t>
-            </a:r>
-          </a:p>
-          <a:p>
-            <a:pPr lvl="1">
-              <a:lnSpc>
-                <a:spcPct val="100000"/>
-              </a:lnSpc>
-            </a:pPr>
-            <a:r>
-              <a:rPr lang="en-CA" sz="2000" dirty="0"/>
-              <a:t>Reservation Policy</a:t>
-            </a:r>
-          </a:p>
-          <a:p>
-            <a:pPr lvl="1">
-              <a:lnSpc>
-                <a:spcPct val="100000"/>
-              </a:lnSpc>
-            </a:pPr>
-            <a:r>
-              <a:rPr lang="en-CA" sz="2000" dirty="0"/>
-              <a:t>Consisting the reservation of a table (size n) to a group (size n)</a:t>
-            </a:r>
-          </a:p>
-          <a:p>
-            <a:pPr lvl="1">
-              <a:lnSpc>
-                <a:spcPct val="100000"/>
-              </a:lnSpc>
-            </a:pPr>
-            <a:r>
-              <a:rPr lang="en-CA" sz="2000" dirty="0"/>
-              <a:t>First-come, first-served policy except the “prioritized customers” </a:t>
-            </a:r>
-          </a:p>
-        </p:txBody>
-      </p:sp>
-      <p:pic>
-        <p:nvPicPr>
-          <p:cNvPr id="55" name="Picture 54">
-            <a:extLst>
-              <a:ext uri="{FF2B5EF4-FFF2-40B4-BE49-F238E27FC236}">
-                <a16:creationId xmlns:a16="http://schemas.microsoft.com/office/drawing/2014/main" id="{6980704D-E096-8541-8F9A-7431FBD2A993}"/>
-              </a:ext>
-            </a:extLst>
-          </p:cNvPr>
-          <p:cNvPicPr>
-            <a:picLocks noChangeAspect="1"/>
-          </p:cNvPicPr>
-          <p:nvPr/>
-        </p:nvPicPr>
-        <p:blipFill rotWithShape="1">
-          <a:blip r:embed="rId3">
-            <a:extLst>
-              <a:ext uri="{28A0092B-C50C-407E-A947-70E740481C1C}">
-                <a14:useLocalDpi xmlns:a14="http://schemas.microsoft.com/office/drawing/2010/main" val="0"/>
-              </a:ext>
-            </a:extLst>
-          </a:blip>
-          <a:srcRect l="3069" t="1369" r="2563" b="2583"/>
-          <a:stretch/>
-        </p:blipFill>
-        <p:spPr>
-          <a:xfrm>
-            <a:off x="4873214" y="1032878"/>
-            <a:ext cx="7318786" cy="5644056"/>
-          </a:xfrm>
-          <a:prstGeom prst="rect">
-            <a:avLst/>
-          </a:prstGeom>
-        </p:spPr>
-      </p:pic>
     </p:spTree>
     <p:extLst>
       <p:ext uri="{BB962C8B-B14F-4D97-AF65-F5344CB8AC3E}">
-        <p14:creationId xmlns:p14="http://schemas.microsoft.com/office/powerpoint/2010/main" val="1048200185"/>
+        <p14:creationId xmlns:p14="http://schemas.microsoft.com/office/powerpoint/2010/main" val="3830576881"/>
       </p:ext>
     </p:extLst>
   </p:cSld>

--- a/Presentation.pptx
+++ b/Presentation.pptx
@@ -22,23 +22,23 @@
     <p:sldId id="288" r:id="rId13"/>
     <p:sldId id="289" r:id="rId14"/>
     <p:sldId id="292" r:id="rId15"/>
-    <p:sldId id="258" r:id="rId16"/>
-    <p:sldId id="282" r:id="rId17"/>
-    <p:sldId id="290" r:id="rId18"/>
-    <p:sldId id="291" r:id="rId19"/>
-    <p:sldId id="273" r:id="rId20"/>
-    <p:sldId id="261" r:id="rId21"/>
-    <p:sldId id="264" r:id="rId22"/>
-    <p:sldId id="266" r:id="rId23"/>
-    <p:sldId id="267" r:id="rId24"/>
-    <p:sldId id="268" r:id="rId25"/>
-    <p:sldId id="270" r:id="rId26"/>
-    <p:sldId id="260" r:id="rId27"/>
-    <p:sldId id="276" r:id="rId28"/>
-    <p:sldId id="272" r:id="rId29"/>
-    <p:sldId id="277" r:id="rId30"/>
-    <p:sldId id="278" r:id="rId31"/>
-    <p:sldId id="275" r:id="rId32"/>
+    <p:sldId id="297" r:id="rId16"/>
+    <p:sldId id="259" r:id="rId17"/>
+    <p:sldId id="258" r:id="rId18"/>
+    <p:sldId id="282" r:id="rId19"/>
+    <p:sldId id="290" r:id="rId20"/>
+    <p:sldId id="291" r:id="rId21"/>
+    <p:sldId id="273" r:id="rId22"/>
+    <p:sldId id="261" r:id="rId23"/>
+    <p:sldId id="264" r:id="rId24"/>
+    <p:sldId id="266" r:id="rId25"/>
+    <p:sldId id="267" r:id="rId26"/>
+    <p:sldId id="268" r:id="rId27"/>
+    <p:sldId id="270" r:id="rId28"/>
+    <p:sldId id="276" r:id="rId29"/>
+    <p:sldId id="272" r:id="rId30"/>
+    <p:sldId id="277" r:id="rId31"/>
+    <p:sldId id="278" r:id="rId32"/>
     <p:sldId id="279" r:id="rId33"/>
     <p:sldId id="280" r:id="rId34"/>
     <p:sldId id="281" r:id="rId35"/>
@@ -230,7 +230,7 @@
           <a:p>
             <a:fld id="{8072A660-2FC5-4103-967E-B19F76250BEA}" type="datetimeFigureOut">
               <a:rPr lang="en-US" smtClean="0"/>
-              <a:t>5/27/19</a:t>
+              <a:t>5/27/2019</a:t>
             </a:fld>
             <a:endParaRPr lang="en-US"/>
           </a:p>
@@ -814,7 +814,7 @@
           <a:p>
             <a:fld id="{26EBFB83-AAA2-427D-8458-5FB692FCFF84}" type="datetimeFigureOut">
               <a:rPr lang="en-US" smtClean="0"/>
-              <a:t>5/27/19</a:t>
+              <a:t>5/27/2019</a:t>
             </a:fld>
             <a:endParaRPr lang="en-US"/>
           </a:p>
@@ -984,7 +984,7 @@
           <a:p>
             <a:fld id="{26EBFB83-AAA2-427D-8458-5FB692FCFF84}" type="datetimeFigureOut">
               <a:rPr lang="en-US" smtClean="0"/>
-              <a:t>5/27/19</a:t>
+              <a:t>5/27/2019</a:t>
             </a:fld>
             <a:endParaRPr lang="en-US"/>
           </a:p>
@@ -1164,7 +1164,7 @@
           <a:p>
             <a:fld id="{26EBFB83-AAA2-427D-8458-5FB692FCFF84}" type="datetimeFigureOut">
               <a:rPr lang="en-US" smtClean="0"/>
-              <a:t>5/27/19</a:t>
+              <a:t>5/27/2019</a:t>
             </a:fld>
             <a:endParaRPr lang="en-US"/>
           </a:p>
@@ -1334,7 +1334,7 @@
           <a:p>
             <a:fld id="{26EBFB83-AAA2-427D-8458-5FB692FCFF84}" type="datetimeFigureOut">
               <a:rPr lang="en-US" smtClean="0"/>
-              <a:t>5/27/19</a:t>
+              <a:t>5/27/2019</a:t>
             </a:fld>
             <a:endParaRPr lang="en-US"/>
           </a:p>
@@ -1580,7 +1580,7 @@
           <a:p>
             <a:fld id="{26EBFB83-AAA2-427D-8458-5FB692FCFF84}" type="datetimeFigureOut">
               <a:rPr lang="en-US" smtClean="0"/>
-              <a:t>5/27/19</a:t>
+              <a:t>5/27/2019</a:t>
             </a:fld>
             <a:endParaRPr lang="en-US"/>
           </a:p>
@@ -1812,7 +1812,7 @@
           <a:p>
             <a:fld id="{26EBFB83-AAA2-427D-8458-5FB692FCFF84}" type="datetimeFigureOut">
               <a:rPr lang="en-US" smtClean="0"/>
-              <a:t>5/27/19</a:t>
+              <a:t>5/27/2019</a:t>
             </a:fld>
             <a:endParaRPr lang="en-US"/>
           </a:p>
@@ -2179,7 +2179,7 @@
           <a:p>
             <a:fld id="{26EBFB83-AAA2-427D-8458-5FB692FCFF84}" type="datetimeFigureOut">
               <a:rPr lang="en-US" smtClean="0"/>
-              <a:t>5/27/19</a:t>
+              <a:t>5/27/2019</a:t>
             </a:fld>
             <a:endParaRPr lang="en-US"/>
           </a:p>
@@ -2297,7 +2297,7 @@
           <a:p>
             <a:fld id="{26EBFB83-AAA2-427D-8458-5FB692FCFF84}" type="datetimeFigureOut">
               <a:rPr lang="en-US" smtClean="0"/>
-              <a:t>5/27/19</a:t>
+              <a:t>5/27/2019</a:t>
             </a:fld>
             <a:endParaRPr lang="en-US"/>
           </a:p>
@@ -2392,7 +2392,7 @@
           <a:p>
             <a:fld id="{26EBFB83-AAA2-427D-8458-5FB692FCFF84}" type="datetimeFigureOut">
               <a:rPr lang="en-US" smtClean="0"/>
-              <a:t>5/27/19</a:t>
+              <a:t>5/27/2019</a:t>
             </a:fld>
             <a:endParaRPr lang="en-US"/>
           </a:p>
@@ -2669,7 +2669,7 @@
           <a:p>
             <a:fld id="{26EBFB83-AAA2-427D-8458-5FB692FCFF84}" type="datetimeFigureOut">
               <a:rPr lang="en-US" smtClean="0"/>
-              <a:t>5/27/19</a:t>
+              <a:t>5/27/2019</a:t>
             </a:fld>
             <a:endParaRPr lang="en-US"/>
           </a:p>
@@ -2926,7 +2926,7 @@
           <a:p>
             <a:fld id="{26EBFB83-AAA2-427D-8458-5FB692FCFF84}" type="datetimeFigureOut">
               <a:rPr lang="en-US" smtClean="0"/>
-              <a:t>5/27/19</a:t>
+              <a:t>5/27/2019</a:t>
             </a:fld>
             <a:endParaRPr lang="en-US"/>
           </a:p>
@@ -3139,7 +3139,7 @@
           <a:p>
             <a:fld id="{26EBFB83-AAA2-427D-8458-5FB692FCFF84}" type="datetimeFigureOut">
               <a:rPr lang="en-US" smtClean="0"/>
-              <a:t>5/27/19</a:t>
+              <a:t>5/27/2019</a:t>
             </a:fld>
             <a:endParaRPr lang="en-US"/>
           </a:p>
@@ -5719,47 +5719,61 @@
           <a:chExt cx="0" cy="0"/>
         </a:xfrm>
       </p:grpSpPr>
-      <p:pic>
-        <p:nvPicPr>
-          <p:cNvPr id="10" name="Content Placeholder 9" descr="A screenshot of a cell phone&#10;&#10;Description generated with very high confidence">
+      <p:sp>
+        <p:nvSpPr>
+          <p:cNvPr id="3" name="Content Placeholder 2">
             <a:extLst>
               <a:ext uri="{FF2B5EF4-FFF2-40B4-BE49-F238E27FC236}">
-                <a16:creationId xmlns:a16="http://schemas.microsoft.com/office/drawing/2014/main" id="{9432EE17-87DB-4B00-9B56-CD2CDBFE5D6C}"/>
+                <a16:creationId xmlns:a16="http://schemas.microsoft.com/office/drawing/2014/main" id="{2E5DAAB6-C87E-4C10-8DDC-15F41DB00A20}"/>
               </a:ext>
             </a:extLst>
           </p:cNvPr>
-          <p:cNvPicPr>
-            <a:picLocks noGrp="1" noChangeAspect="1"/>
-          </p:cNvPicPr>
+          <p:cNvSpPr>
+            <a:spLocks noGrp="1"/>
+          </p:cNvSpPr>
           <p:nvPr>
             <p:ph idx="1"/>
           </p:nvPr>
-        </p:nvPicPr>
-        <p:blipFill>
-          <a:blip r:embed="rId2">
-            <a:extLst>
-              <a:ext uri="{28A0092B-C50C-407E-A947-70E740481C1C}">
-                <a14:useLocalDpi xmlns:a14="http://schemas.microsoft.com/office/drawing/2010/main" val="0"/>
-              </a:ext>
-            </a:extLst>
-          </a:blip>
-          <a:stretch>
-            <a:fillRect/>
-          </a:stretch>
-        </p:blipFill>
-        <p:spPr>
-          <a:xfrm>
-            <a:off x="0" y="1257934"/>
-            <a:ext cx="6190826" cy="4643120"/>
-          </a:xfrm>
-        </p:spPr>
-      </p:pic>
+        </p:nvSpPr>
+        <p:spPr>
+          <a:xfrm>
+            <a:off x="838200" y="1127760"/>
+            <a:ext cx="10515600" cy="5049203"/>
+          </a:xfrm>
+        </p:spPr>
+        <p:txBody>
+          <a:bodyPr>
+            <a:normAutofit/>
+          </a:bodyPr>
+          <a:lstStyle/>
+          <a:p>
+            <a:r>
+              <a:rPr lang="en-CA" sz="2400" dirty="0"/>
+              <a:t>Table arrangement:</a:t>
+            </a:r>
+          </a:p>
+          <a:p>
+            <a:pPr lvl="1"/>
+            <a:r>
+              <a:rPr lang="en-CA" sz="2000" dirty="0"/>
+              <a:t>200 seats;</a:t>
+            </a:r>
+          </a:p>
+          <a:p>
+            <a:pPr lvl="1"/>
+            <a:r>
+              <a:rPr lang="en-CA" sz="2000" dirty="0"/>
+              <a:t>40 tables size 5;</a:t>
+            </a:r>
+          </a:p>
+        </p:txBody>
+      </p:sp>
       <p:pic>
         <p:nvPicPr>
           <p:cNvPr id="5" name="Picture 4">
             <a:extLst>
               <a:ext uri="{FF2B5EF4-FFF2-40B4-BE49-F238E27FC236}">
-                <a16:creationId xmlns:a16="http://schemas.microsoft.com/office/drawing/2014/main" id="{937DC52F-3E84-4376-A880-17A444D06451}"/>
+                <a16:creationId xmlns:a16="http://schemas.microsoft.com/office/drawing/2014/main" id="{8977407B-874A-4791-897D-6196620D6F56}"/>
               </a:ext>
             </a:extLst>
           </p:cNvPr>
@@ -5769,7 +5783,7 @@
           <p:nvPr/>
         </p:nvPicPr>
         <p:blipFill>
-          <a:blip r:embed="rId3">
+          <a:blip r:embed="rId2" cstate="print">
             <a:extLst>
               <a:ext uri="{28A0092B-C50C-407E-A947-70E740481C1C}">
                 <a14:useLocalDpi xmlns:a14="http://schemas.microsoft.com/office/drawing/2010/main" val="0"/>
@@ -5792,10 +5806,10 @@
       </p:pic>
       <p:sp>
         <p:nvSpPr>
-          <p:cNvPr id="9" name="Title 1">
+          <p:cNvPr id="8" name="Title 1">
             <a:extLst>
               <a:ext uri="{FF2B5EF4-FFF2-40B4-BE49-F238E27FC236}">
-                <a16:creationId xmlns:a16="http://schemas.microsoft.com/office/drawing/2014/main" id="{D8D4F29A-F761-4FDF-9F1D-5964127B29A1}"/>
+                <a16:creationId xmlns:a16="http://schemas.microsoft.com/office/drawing/2014/main" id="{3C0D5108-0220-49D1-BFA7-E8863D4F1E1D}"/>
               </a:ext>
             </a:extLst>
           </p:cNvPr>
@@ -5838,8 +5852,8 @@
           </a:lstStyle>
           <a:p>
             <a:r>
-              <a:rPr lang="en-CA" sz="3600"/>
-              <a:t>Simulation</a:t>
+              <a:rPr lang="en-CA" sz="3600" dirty="0"/>
+              <a:t>Simulation results</a:t>
             </a:r>
             <a:endParaRPr lang="en-US" sz="3600" dirty="0"/>
           </a:p>
@@ -5847,34 +5861,70 @@
       </p:sp>
       <p:pic>
         <p:nvPicPr>
-          <p:cNvPr id="12" name="Picture 11" descr="A screenshot of a cell phone&#10;&#10;Description generated with very high confidence">
-            <a:extLst>
-              <a:ext uri="{FF2B5EF4-FFF2-40B4-BE49-F238E27FC236}">
-                <a16:creationId xmlns:a16="http://schemas.microsoft.com/office/drawing/2014/main" id="{7BD46D61-0DA8-4170-BCF6-6167271C1986}"/>
-              </a:ext>
-            </a:extLst>
-          </p:cNvPr>
+          <p:cNvPr id="2" name="Picture 1"/>
           <p:cNvPicPr>
             <a:picLocks noChangeAspect="1"/>
           </p:cNvPicPr>
           <p:nvPr/>
         </p:nvPicPr>
         <p:blipFill>
-          <a:blip r:embed="rId4">
-            <a:extLst>
-              <a:ext uri="{28A0092B-C50C-407E-A947-70E740481C1C}">
-                <a14:useLocalDpi xmlns:a14="http://schemas.microsoft.com/office/drawing/2010/main" val="0"/>
-              </a:ext>
-            </a:extLst>
-          </a:blip>
+          <a:blip r:embed="rId3"/>
           <a:stretch>
             <a:fillRect/>
           </a:stretch>
         </p:blipFill>
         <p:spPr>
           <a:xfrm>
-            <a:off x="6001172" y="1257934"/>
-            <a:ext cx="6190828" cy="4643121"/>
+            <a:off x="51360" y="3218047"/>
+            <a:ext cx="4046880" cy="2700000"/>
+          </a:xfrm>
+          <a:prstGeom prst="rect">
+            <a:avLst/>
+          </a:prstGeom>
+        </p:spPr>
+      </p:pic>
+      <p:pic>
+        <p:nvPicPr>
+          <p:cNvPr id="4" name="Picture 3"/>
+          <p:cNvPicPr>
+            <a:picLocks noChangeAspect="1"/>
+          </p:cNvPicPr>
+          <p:nvPr/>
+        </p:nvPicPr>
+        <p:blipFill>
+          <a:blip r:embed="rId4"/>
+          <a:stretch>
+            <a:fillRect/>
+          </a:stretch>
+        </p:blipFill>
+        <p:spPr>
+          <a:xfrm>
+            <a:off x="4098240" y="3218047"/>
+            <a:ext cx="4046880" cy="2700000"/>
+          </a:xfrm>
+          <a:prstGeom prst="rect">
+            <a:avLst/>
+          </a:prstGeom>
+        </p:spPr>
+      </p:pic>
+      <p:pic>
+        <p:nvPicPr>
+          <p:cNvPr id="7" name="Picture 6"/>
+          <p:cNvPicPr>
+            <a:picLocks noChangeAspect="1"/>
+          </p:cNvPicPr>
+          <p:nvPr/>
+        </p:nvPicPr>
+        <p:blipFill>
+          <a:blip r:embed="rId5"/>
+          <a:stretch>
+            <a:fillRect/>
+          </a:stretch>
+        </p:blipFill>
+        <p:spPr>
+          <a:xfrm>
+            <a:off x="8145120" y="3218047"/>
+            <a:ext cx="4046880" cy="2700000"/>
           </a:xfrm>
           <a:prstGeom prst="rect">
             <a:avLst/>
@@ -5884,7 +5934,7 @@
     </p:spTree>
     <p:extLst>
       <p:ext uri="{BB962C8B-B14F-4D97-AF65-F5344CB8AC3E}">
-        <p14:creationId xmlns:p14="http://schemas.microsoft.com/office/powerpoint/2010/main" val="4259261674"/>
+        <p14:creationId xmlns:p14="http://schemas.microsoft.com/office/powerpoint/2010/main" val="2835212018"/>
       </p:ext>
     </p:extLst>
   </p:cSld>
@@ -5911,12 +5961,61 @@
           <a:chExt cx="0" cy="0"/>
         </a:xfrm>
       </p:grpSpPr>
+      <p:sp>
+        <p:nvSpPr>
+          <p:cNvPr id="3" name="Content Placeholder 2">
+            <a:extLst>
+              <a:ext uri="{FF2B5EF4-FFF2-40B4-BE49-F238E27FC236}">
+                <a16:creationId xmlns:a16="http://schemas.microsoft.com/office/drawing/2014/main" id="{2E5DAAB6-C87E-4C10-8DDC-15F41DB00A20}"/>
+              </a:ext>
+            </a:extLst>
+          </p:cNvPr>
+          <p:cNvSpPr>
+            <a:spLocks noGrp="1"/>
+          </p:cNvSpPr>
+          <p:nvPr>
+            <p:ph idx="1"/>
+          </p:nvPr>
+        </p:nvSpPr>
+        <p:spPr>
+          <a:xfrm>
+            <a:off x="838200" y="1127760"/>
+            <a:ext cx="10515600" cy="5049203"/>
+          </a:xfrm>
+        </p:spPr>
+        <p:txBody>
+          <a:bodyPr>
+            <a:normAutofit/>
+          </a:bodyPr>
+          <a:lstStyle/>
+          <a:p>
+            <a:r>
+              <a:rPr lang="en-CA" sz="2400" dirty="0"/>
+              <a:t>Table arrangement:</a:t>
+            </a:r>
+          </a:p>
+          <a:p>
+            <a:pPr lvl="1"/>
+            <a:r>
+              <a:rPr lang="en-CA" sz="2000" dirty="0"/>
+              <a:t>200 seats;</a:t>
+            </a:r>
+          </a:p>
+          <a:p>
+            <a:pPr lvl="1"/>
+            <a:r>
+              <a:rPr lang="en-CA" sz="2000" dirty="0"/>
+              <a:t>40 tables size 5;</a:t>
+            </a:r>
+          </a:p>
+        </p:txBody>
+      </p:sp>
       <p:pic>
         <p:nvPicPr>
           <p:cNvPr id="5" name="Picture 4">
             <a:extLst>
               <a:ext uri="{FF2B5EF4-FFF2-40B4-BE49-F238E27FC236}">
-                <a16:creationId xmlns:a16="http://schemas.microsoft.com/office/drawing/2014/main" id="{937DC52F-3E84-4376-A880-17A444D06451}"/>
+                <a16:creationId xmlns:a16="http://schemas.microsoft.com/office/drawing/2014/main" id="{8977407B-874A-4791-897D-6196620D6F56}"/>
               </a:ext>
             </a:extLst>
           </p:cNvPr>
@@ -5926,7 +6025,7 @@
           <p:nvPr/>
         </p:nvPicPr>
         <p:blipFill>
-          <a:blip r:embed="rId2">
+          <a:blip r:embed="rId2" cstate="print">
             <a:extLst>
               <a:ext uri="{28A0092B-C50C-407E-A947-70E740481C1C}">
                 <a14:useLocalDpi xmlns:a14="http://schemas.microsoft.com/office/drawing/2010/main" val="0"/>
@@ -5949,10 +6048,10 @@
       </p:pic>
       <p:sp>
         <p:nvSpPr>
-          <p:cNvPr id="9" name="Title 1">
+          <p:cNvPr id="8" name="Title 1">
             <a:extLst>
               <a:ext uri="{FF2B5EF4-FFF2-40B4-BE49-F238E27FC236}">
-                <a16:creationId xmlns:a16="http://schemas.microsoft.com/office/drawing/2014/main" id="{D8D4F29A-F761-4FDF-9F1D-5964127B29A1}"/>
+                <a16:creationId xmlns:a16="http://schemas.microsoft.com/office/drawing/2014/main" id="{3C0D5108-0220-49D1-BFA7-E8863D4F1E1D}"/>
               </a:ext>
             </a:extLst>
           </p:cNvPr>
@@ -5995,8 +6094,8 @@
           </a:lstStyle>
           <a:p>
             <a:r>
-              <a:rPr lang="en-CA" sz="3600"/>
-              <a:t>Simulation</a:t>
+              <a:rPr lang="en-CA" sz="3600" dirty="0"/>
+              <a:t>Simulation results</a:t>
             </a:r>
             <a:endParaRPr lang="en-US" sz="3600" dirty="0"/>
           </a:p>
@@ -6004,69 +6103,46 @@
       </p:sp>
       <p:pic>
         <p:nvPicPr>
-          <p:cNvPr id="6" name="Content Placeholder 5" descr="A screenshot of a cell phone&#10;&#10;Description generated with very high confidence">
-            <a:extLst>
-              <a:ext uri="{FF2B5EF4-FFF2-40B4-BE49-F238E27FC236}">
-                <a16:creationId xmlns:a16="http://schemas.microsoft.com/office/drawing/2014/main" id="{399FECF4-9FC0-4462-A432-28E11A5F98CF}"/>
-              </a:ext>
-            </a:extLst>
-          </p:cNvPr>
-          <p:cNvPicPr>
-            <a:picLocks noGrp="1" noChangeAspect="1"/>
-          </p:cNvPicPr>
-          <p:nvPr>
-            <p:ph idx="1"/>
-          </p:nvPr>
-        </p:nvPicPr>
-        <p:blipFill>
-          <a:blip r:embed="rId3">
-            <a:extLst>
-              <a:ext uri="{28A0092B-C50C-407E-A947-70E740481C1C}">
-                <a14:useLocalDpi xmlns:a14="http://schemas.microsoft.com/office/drawing/2010/main" val="0"/>
-              </a:ext>
-            </a:extLst>
-          </a:blip>
-          <a:stretch>
-            <a:fillRect/>
-          </a:stretch>
-        </p:blipFill>
-        <p:spPr>
-          <a:xfrm>
-            <a:off x="0" y="1143000"/>
-            <a:ext cx="6096000" cy="4572000"/>
-          </a:xfrm>
-        </p:spPr>
-      </p:pic>
-      <p:pic>
-        <p:nvPicPr>
-          <p:cNvPr id="8" name="Picture 7" descr="A screenshot of a cell phone&#10;&#10;Description generated with very high confidence">
-            <a:extLst>
-              <a:ext uri="{FF2B5EF4-FFF2-40B4-BE49-F238E27FC236}">
-                <a16:creationId xmlns:a16="http://schemas.microsoft.com/office/drawing/2014/main" id="{4F8008DE-4DF9-4429-9ABF-0378FFA46201}"/>
-              </a:ext>
-            </a:extLst>
-          </p:cNvPr>
+          <p:cNvPr id="9" name="Picture 8"/>
           <p:cNvPicPr>
             <a:picLocks noChangeAspect="1"/>
           </p:cNvPicPr>
           <p:nvPr/>
         </p:nvPicPr>
         <p:blipFill>
-          <a:blip r:embed="rId4">
-            <a:extLst>
-              <a:ext uri="{28A0092B-C50C-407E-A947-70E740481C1C}">
-                <a14:useLocalDpi xmlns:a14="http://schemas.microsoft.com/office/drawing/2010/main" val="0"/>
-              </a:ext>
-            </a:extLst>
-          </a:blip>
+          <a:blip r:embed="rId3"/>
           <a:stretch>
             <a:fillRect/>
           </a:stretch>
         </p:blipFill>
         <p:spPr>
           <a:xfrm>
-            <a:off x="6096000" y="1143000"/>
-            <a:ext cx="6096000" cy="4572000"/>
+            <a:off x="5616078" y="2777215"/>
+            <a:ext cx="4586462" cy="3060000"/>
+          </a:xfrm>
+          <a:prstGeom prst="rect">
+            <a:avLst/>
+          </a:prstGeom>
+        </p:spPr>
+      </p:pic>
+      <p:pic>
+        <p:nvPicPr>
+          <p:cNvPr id="10" name="Picture 9"/>
+          <p:cNvPicPr>
+            <a:picLocks noChangeAspect="1"/>
+          </p:cNvPicPr>
+          <p:nvPr/>
+        </p:nvPicPr>
+        <p:blipFill>
+          <a:blip r:embed="rId4"/>
+          <a:stretch>
+            <a:fillRect/>
+          </a:stretch>
+        </p:blipFill>
+        <p:spPr>
+          <a:xfrm>
+            <a:off x="1029618" y="2777215"/>
+            <a:ext cx="4586460" cy="3060000"/>
           </a:xfrm>
           <a:prstGeom prst="rect">
             <a:avLst/>
@@ -6076,7 +6152,7 @@
     </p:spTree>
     <p:extLst>
       <p:ext uri="{BB962C8B-B14F-4D97-AF65-F5344CB8AC3E}">
-        <p14:creationId xmlns:p14="http://schemas.microsoft.com/office/powerpoint/2010/main" val="2278741990"/>
+        <p14:creationId xmlns:p14="http://schemas.microsoft.com/office/powerpoint/2010/main" val="1104723762"/>
       </p:ext>
     </p:extLst>
   </p:cSld>
@@ -6105,10 +6181,45 @@
       </p:grpSpPr>
       <p:pic>
         <p:nvPicPr>
-          <p:cNvPr id="6" name="Picture 5">
+          <p:cNvPr id="10" name="Content Placeholder 9" descr="A screenshot of a cell phone&#10;&#10;Description generated with very high confidence">
             <a:extLst>
               <a:ext uri="{FF2B5EF4-FFF2-40B4-BE49-F238E27FC236}">
-                <a16:creationId xmlns:a16="http://schemas.microsoft.com/office/drawing/2014/main" id="{A6EF65AA-5892-404D-82FC-C9F1A634C44D}"/>
+                <a16:creationId xmlns:a16="http://schemas.microsoft.com/office/drawing/2014/main" id="{9432EE17-87DB-4B00-9B56-CD2CDBFE5D6C}"/>
+              </a:ext>
+            </a:extLst>
+          </p:cNvPr>
+          <p:cNvPicPr>
+            <a:picLocks noGrp="1" noChangeAspect="1"/>
+          </p:cNvPicPr>
+          <p:nvPr>
+            <p:ph idx="1"/>
+          </p:nvPr>
+        </p:nvPicPr>
+        <p:blipFill>
+          <a:blip r:embed="rId2">
+            <a:extLst>
+              <a:ext uri="{28A0092B-C50C-407E-A947-70E740481C1C}">
+                <a14:useLocalDpi xmlns:a14="http://schemas.microsoft.com/office/drawing/2010/main" val="0"/>
+              </a:ext>
+            </a:extLst>
+          </a:blip>
+          <a:stretch>
+            <a:fillRect/>
+          </a:stretch>
+        </p:blipFill>
+        <p:spPr>
+          <a:xfrm>
+            <a:off x="0" y="1257934"/>
+            <a:ext cx="6190826" cy="4643120"/>
+          </a:xfrm>
+        </p:spPr>
+      </p:pic>
+      <p:pic>
+        <p:nvPicPr>
+          <p:cNvPr id="5" name="Picture 4">
+            <a:extLst>
+              <a:ext uri="{FF2B5EF4-FFF2-40B4-BE49-F238E27FC236}">
+                <a16:creationId xmlns:a16="http://schemas.microsoft.com/office/drawing/2014/main" id="{937DC52F-3E84-4376-A880-17A444D06451}"/>
               </a:ext>
             </a:extLst>
           </p:cNvPr>
@@ -6118,7 +6229,7 @@
           <p:nvPr/>
         </p:nvPicPr>
         <p:blipFill>
-          <a:blip r:embed="rId2">
+          <a:blip r:embed="rId3">
             <a:extLst>
               <a:ext uri="{28A0092B-C50C-407E-A947-70E740481C1C}">
                 <a14:useLocalDpi xmlns:a14="http://schemas.microsoft.com/office/drawing/2010/main" val="0"/>
@@ -6131,8 +6242,8 @@
         </p:blipFill>
         <p:spPr>
           <a:xfrm>
-            <a:off x="838201" y="2743200"/>
-            <a:ext cx="1413668" cy="1413668"/>
+            <a:off x="9916160" y="365125"/>
+            <a:ext cx="1437640" cy="418937"/>
           </a:xfrm>
           <a:prstGeom prst="rect">
             <a:avLst/>
@@ -6141,47 +6252,65 @@
       </p:pic>
       <p:sp>
         <p:nvSpPr>
-          <p:cNvPr id="2" name="Title 1">
+          <p:cNvPr id="9" name="Title 1">
             <a:extLst>
               <a:ext uri="{FF2B5EF4-FFF2-40B4-BE49-F238E27FC236}">
-                <a16:creationId xmlns:a16="http://schemas.microsoft.com/office/drawing/2014/main" id="{72816BE1-4A9B-4E6A-B1EB-DD40AE40E9F9}"/>
+                <a16:creationId xmlns:a16="http://schemas.microsoft.com/office/drawing/2014/main" id="{D8D4F29A-F761-4FDF-9F1D-5964127B29A1}"/>
               </a:ext>
             </a:extLst>
           </p:cNvPr>
-          <p:cNvSpPr>
-            <a:spLocks noGrp="1"/>
+          <p:cNvSpPr txBox="1">
+            <a:spLocks/>
           </p:cNvSpPr>
-          <p:nvPr>
-            <p:ph type="ctrTitle"/>
-          </p:nvPr>
-        </p:nvSpPr>
-        <p:spPr>
-          <a:xfrm>
-            <a:off x="2370667" y="2187743"/>
-            <a:ext cx="5293449" cy="2482515"/>
-          </a:xfrm>
-        </p:spPr>
-        <p:txBody>
-          <a:bodyPr anchor="ctr">
+          <p:nvPr/>
+        </p:nvSpPr>
+        <p:spPr>
+          <a:xfrm>
+            <a:off x="838200" y="365125"/>
+            <a:ext cx="10515600" cy="762635"/>
+          </a:xfrm>
+          <a:prstGeom prst="rect">
+            <a:avLst/>
+          </a:prstGeom>
+        </p:spPr>
+        <p:txBody>
+          <a:bodyPr vert="horz" lIns="91440" tIns="45720" rIns="91440" bIns="45720" rtlCol="0" anchor="ctr">
             <a:normAutofit/>
           </a:bodyPr>
-          <a:lstStyle/>
-          <a:p>
-            <a:pPr algn="l"/>
-            <a:r>
-              <a:rPr lang="en-CA" dirty="0"/>
-              <a:t>Optimization</a:t>
-            </a:r>
-            <a:endParaRPr lang="en-US" dirty="0"/>
+          <a:lstStyle>
+            <a:lvl1pPr algn="l" defTabSz="914400" rtl="0" eaLnBrk="1" latinLnBrk="0" hangingPunct="1">
+              <a:lnSpc>
+                <a:spcPct val="90000"/>
+              </a:lnSpc>
+              <a:spcBef>
+                <a:spcPct val="0"/>
+              </a:spcBef>
+              <a:buNone/>
+              <a:defRPr sz="4400" kern="1200">
+                <a:solidFill>
+                  <a:schemeClr val="tx1"/>
+                </a:solidFill>
+                <a:latin typeface="+mj-lt"/>
+                <a:ea typeface="+mj-ea"/>
+                <a:cs typeface="+mj-cs"/>
+              </a:defRPr>
+            </a:lvl1pPr>
+          </a:lstStyle>
+          <a:p>
+            <a:r>
+              <a:rPr lang="en-CA" sz="3600"/>
+              <a:t>Simulation</a:t>
+            </a:r>
+            <a:endParaRPr lang="en-US" sz="3600" dirty="0"/>
           </a:p>
         </p:txBody>
       </p:sp>
       <p:pic>
         <p:nvPicPr>
-          <p:cNvPr id="21" name="Picture 20">
+          <p:cNvPr id="12" name="Picture 11" descr="A screenshot of a cell phone&#10;&#10;Description generated with very high confidence">
             <a:extLst>
               <a:ext uri="{FF2B5EF4-FFF2-40B4-BE49-F238E27FC236}">
-                <a16:creationId xmlns:a16="http://schemas.microsoft.com/office/drawing/2014/main" id="{42C85B27-11F7-44C3-880A-3D4700405CB6}"/>
+                <a16:creationId xmlns:a16="http://schemas.microsoft.com/office/drawing/2014/main" id="{7BD46D61-0DA8-4170-BCF6-6167271C1986}"/>
               </a:ext>
             </a:extLst>
           </p:cNvPr>
@@ -6191,7 +6320,7 @@
           <p:nvPr/>
         </p:nvPicPr>
         <p:blipFill>
-          <a:blip r:embed="rId3" cstate="hqprint">
+          <a:blip r:embed="rId4">
             <a:extLst>
               <a:ext uri="{28A0092B-C50C-407E-A947-70E740481C1C}">
                 <a14:useLocalDpi xmlns:a14="http://schemas.microsoft.com/office/drawing/2010/main" val="0"/>
@@ -6204,8 +6333,8 @@
         </p:blipFill>
         <p:spPr>
           <a:xfrm>
-            <a:off x="9916160" y="365125"/>
-            <a:ext cx="1437640" cy="418937"/>
+            <a:off x="6001172" y="1257934"/>
+            <a:ext cx="6190828" cy="4643121"/>
           </a:xfrm>
           <a:prstGeom prst="rect">
             <a:avLst/>
@@ -6215,7 +6344,7 @@
     </p:spTree>
     <p:extLst>
       <p:ext uri="{BB962C8B-B14F-4D97-AF65-F5344CB8AC3E}">
-        <p14:creationId xmlns:p14="http://schemas.microsoft.com/office/powerpoint/2010/main" val="4088084169"/>
+        <p14:creationId xmlns:p14="http://schemas.microsoft.com/office/powerpoint/2010/main" val="4259261674"/>
       </p:ext>
     </p:extLst>
   </p:cSld>
@@ -6242,68 +6371,12 @@
           <a:chExt cx="0" cy="0"/>
         </a:xfrm>
       </p:grpSpPr>
-      <p:sp>
-        <p:nvSpPr>
-          <p:cNvPr id="3" name="Content Placeholder 2">
-            <a:extLst>
-              <a:ext uri="{FF2B5EF4-FFF2-40B4-BE49-F238E27FC236}">
-                <a16:creationId xmlns:a16="http://schemas.microsoft.com/office/drawing/2014/main" id="{2E5DAAB6-C87E-4C10-8DDC-15F41DB00A20}"/>
-              </a:ext>
-            </a:extLst>
-          </p:cNvPr>
-          <p:cNvSpPr>
-            <a:spLocks noGrp="1"/>
-          </p:cNvSpPr>
-          <p:nvPr>
-            <p:ph idx="1"/>
-          </p:nvPr>
-        </p:nvSpPr>
-        <p:spPr>
-          <a:xfrm>
-            <a:off x="838200" y="1127760"/>
-            <a:ext cx="10515600" cy="5049203"/>
-          </a:xfrm>
-        </p:spPr>
-        <p:txBody>
-          <a:bodyPr>
-            <a:normAutofit/>
-          </a:bodyPr>
-          <a:lstStyle/>
-          <a:p>
-            <a:r>
-              <a:rPr lang="en-CA" sz="2400" dirty="0"/>
-              <a:t>Decision variables</a:t>
-            </a:r>
-          </a:p>
-          <a:p>
-            <a:endParaRPr lang="en-CA" sz="2400" dirty="0"/>
-          </a:p>
-          <a:p>
-            <a:pPr marL="0" indent="0">
-              <a:buNone/>
-            </a:pPr>
-            <a:endParaRPr lang="en-CA" sz="2400" dirty="0"/>
-          </a:p>
-          <a:p>
-            <a:pPr marL="0" indent="0">
-              <a:buNone/>
-            </a:pPr>
-            <a:endParaRPr lang="en-CA" sz="2400" dirty="0"/>
-          </a:p>
-          <a:p>
-            <a:r>
-              <a:rPr lang="en-CA" sz="2400" dirty="0"/>
-              <a:t>Objective function</a:t>
-            </a:r>
-          </a:p>
-        </p:txBody>
-      </p:sp>
       <p:pic>
         <p:nvPicPr>
           <p:cNvPr id="5" name="Picture 4">
             <a:extLst>
               <a:ext uri="{FF2B5EF4-FFF2-40B4-BE49-F238E27FC236}">
-                <a16:creationId xmlns:a16="http://schemas.microsoft.com/office/drawing/2014/main" id="{8977407B-874A-4791-897D-6196620D6F56}"/>
+                <a16:creationId xmlns:a16="http://schemas.microsoft.com/office/drawing/2014/main" id="{937DC52F-3E84-4376-A880-17A444D06451}"/>
               </a:ext>
             </a:extLst>
           </p:cNvPr>
@@ -6313,7 +6386,7 @@
           <p:nvPr/>
         </p:nvPicPr>
         <p:blipFill>
-          <a:blip r:embed="rId2" cstate="hqprint">
+          <a:blip r:embed="rId2">
             <a:extLst>
               <a:ext uri="{28A0092B-C50C-407E-A947-70E740481C1C}">
                 <a14:useLocalDpi xmlns:a14="http://schemas.microsoft.com/office/drawing/2010/main" val="0"/>
@@ -6336,10 +6409,10 @@
       </p:pic>
       <p:sp>
         <p:nvSpPr>
-          <p:cNvPr id="8" name="Title 1">
+          <p:cNvPr id="9" name="Title 1">
             <a:extLst>
               <a:ext uri="{FF2B5EF4-FFF2-40B4-BE49-F238E27FC236}">
-                <a16:creationId xmlns:a16="http://schemas.microsoft.com/office/drawing/2014/main" id="{3C0D5108-0220-49D1-BFA7-E8863D4F1E1D}"/>
+                <a16:creationId xmlns:a16="http://schemas.microsoft.com/office/drawing/2014/main" id="{D8D4F29A-F761-4FDF-9F1D-5964127B29A1}"/>
               </a:ext>
             </a:extLst>
           </p:cNvPr>
@@ -6383,16 +6456,87 @@
           <a:p>
             <a:r>
               <a:rPr lang="en-CA" sz="3600"/>
-              <a:t>Problem Description</a:t>
+              <a:t>Simulation</a:t>
             </a:r>
             <a:endParaRPr lang="en-US" sz="3600" dirty="0"/>
           </a:p>
         </p:txBody>
       </p:sp>
+      <p:pic>
+        <p:nvPicPr>
+          <p:cNvPr id="6" name="Content Placeholder 5" descr="A screenshot of a cell phone&#10;&#10;Description generated with very high confidence">
+            <a:extLst>
+              <a:ext uri="{FF2B5EF4-FFF2-40B4-BE49-F238E27FC236}">
+                <a16:creationId xmlns:a16="http://schemas.microsoft.com/office/drawing/2014/main" id="{399FECF4-9FC0-4462-A432-28E11A5F98CF}"/>
+              </a:ext>
+            </a:extLst>
+          </p:cNvPr>
+          <p:cNvPicPr>
+            <a:picLocks noGrp="1" noChangeAspect="1"/>
+          </p:cNvPicPr>
+          <p:nvPr>
+            <p:ph idx="1"/>
+          </p:nvPr>
+        </p:nvPicPr>
+        <p:blipFill>
+          <a:blip r:embed="rId3">
+            <a:extLst>
+              <a:ext uri="{28A0092B-C50C-407E-A947-70E740481C1C}">
+                <a14:useLocalDpi xmlns:a14="http://schemas.microsoft.com/office/drawing/2010/main" val="0"/>
+              </a:ext>
+            </a:extLst>
+          </a:blip>
+          <a:stretch>
+            <a:fillRect/>
+          </a:stretch>
+        </p:blipFill>
+        <p:spPr>
+          <a:xfrm>
+            <a:off x="0" y="1143000"/>
+            <a:ext cx="6096000" cy="4572000"/>
+          </a:xfrm>
+        </p:spPr>
+      </p:pic>
+      <p:pic>
+        <p:nvPicPr>
+          <p:cNvPr id="8" name="Picture 7" descr="A screenshot of a cell phone&#10;&#10;Description generated with very high confidence">
+            <a:extLst>
+              <a:ext uri="{FF2B5EF4-FFF2-40B4-BE49-F238E27FC236}">
+                <a16:creationId xmlns:a16="http://schemas.microsoft.com/office/drawing/2014/main" id="{4F8008DE-4DF9-4429-9ABF-0378FFA46201}"/>
+              </a:ext>
+            </a:extLst>
+          </p:cNvPr>
+          <p:cNvPicPr>
+            <a:picLocks noChangeAspect="1"/>
+          </p:cNvPicPr>
+          <p:nvPr/>
+        </p:nvPicPr>
+        <p:blipFill>
+          <a:blip r:embed="rId4">
+            <a:extLst>
+              <a:ext uri="{28A0092B-C50C-407E-A947-70E740481C1C}">
+                <a14:useLocalDpi xmlns:a14="http://schemas.microsoft.com/office/drawing/2010/main" val="0"/>
+              </a:ext>
+            </a:extLst>
+          </a:blip>
+          <a:stretch>
+            <a:fillRect/>
+          </a:stretch>
+        </p:blipFill>
+        <p:spPr>
+          <a:xfrm>
+            <a:off x="6096000" y="1143000"/>
+            <a:ext cx="6096000" cy="4572000"/>
+          </a:xfrm>
+          <a:prstGeom prst="rect">
+            <a:avLst/>
+          </a:prstGeom>
+        </p:spPr>
+      </p:pic>
     </p:spTree>
     <p:extLst>
       <p:ext uri="{BB962C8B-B14F-4D97-AF65-F5344CB8AC3E}">
-        <p14:creationId xmlns:p14="http://schemas.microsoft.com/office/powerpoint/2010/main" val="1375401291"/>
+        <p14:creationId xmlns:p14="http://schemas.microsoft.com/office/powerpoint/2010/main" val="2278741990"/>
       </p:ext>
     </p:extLst>
   </p:cSld>
@@ -6419,183 +6563,12 @@
           <a:chExt cx="0" cy="0"/>
         </a:xfrm>
       </p:grpSpPr>
-      <p:sp>
-        <p:nvSpPr>
-          <p:cNvPr id="3" name="Content Placeholder 2">
-            <a:extLst>
-              <a:ext uri="{FF2B5EF4-FFF2-40B4-BE49-F238E27FC236}">
-                <a16:creationId xmlns:a16="http://schemas.microsoft.com/office/drawing/2014/main" id="{2E5DAAB6-C87E-4C10-8DDC-15F41DB00A20}"/>
-              </a:ext>
-            </a:extLst>
-          </p:cNvPr>
-          <p:cNvSpPr>
-            <a:spLocks noGrp="1"/>
-          </p:cNvSpPr>
-          <p:nvPr>
-            <p:ph idx="1"/>
-          </p:nvPr>
-        </p:nvSpPr>
-        <p:spPr>
-          <a:xfrm>
-            <a:off x="838200" y="1127760"/>
-            <a:ext cx="10515600" cy="5049203"/>
-          </a:xfrm>
-        </p:spPr>
-        <p:txBody>
-          <a:bodyPr>
-            <a:normAutofit/>
-          </a:bodyPr>
-          <a:lstStyle/>
-          <a:p>
-            <a:pPr marL="0" indent="0">
-              <a:buNone/>
-            </a:pPr>
-            <a:endParaRPr lang="en-CA" sz="2400" dirty="0"/>
-          </a:p>
-          <a:p>
-            <a:pPr marL="0" indent="0">
-              <a:buNone/>
-            </a:pPr>
-            <a:r>
-              <a:rPr lang="en-CA" sz="2400" dirty="0">
-                <a:solidFill>
-                  <a:schemeClr val="accent1"/>
-                </a:solidFill>
-              </a:rPr>
-              <a:t>Limitation of baseline VNS</a:t>
-            </a:r>
-          </a:p>
-          <a:p>
-            <a:r>
-              <a:rPr lang="en-CA" sz="2400" dirty="0"/>
-              <a:t>The neighborhood size for </a:t>
-            </a:r>
-            <a:r>
-              <a:rPr lang="en-CA" sz="2400" b="1" dirty="0"/>
-              <a:t>adding/removing tables</a:t>
-            </a:r>
-            <a:r>
-              <a:rPr lang="en-CA" sz="2400" dirty="0"/>
-              <a:t> grows non-linearly. </a:t>
-            </a:r>
-            <a:r>
-              <a:rPr lang="en-CA" sz="2400" dirty="0">
-                <a:solidFill>
-                  <a:schemeClr val="accent2"/>
-                </a:solidFill>
-              </a:rPr>
-              <a:t>E.g.</a:t>
-            </a:r>
-            <a:endParaRPr lang="en-CA" sz="2000" dirty="0">
-              <a:solidFill>
-                <a:schemeClr val="accent2"/>
-              </a:solidFill>
-            </a:endParaRPr>
-          </a:p>
-          <a:p>
-            <a:pPr marL="0" indent="0" algn="ctr">
-              <a:buNone/>
-            </a:pPr>
-            <a:r>
-              <a:rPr lang="en-CA" sz="2000" dirty="0">
-                <a:solidFill>
-                  <a:schemeClr val="accent2"/>
-                </a:solidFill>
-              </a:rPr>
-              <a:t>Adding 1 table: 4 neighbors</a:t>
-            </a:r>
-          </a:p>
-          <a:p>
-            <a:pPr marL="0" indent="0" algn="ctr">
-              <a:buNone/>
-            </a:pPr>
-            <a:r>
-              <a:rPr lang="en-CA" sz="2000" dirty="0">
-                <a:solidFill>
-                  <a:schemeClr val="accent2"/>
-                </a:solidFill>
-              </a:rPr>
-              <a:t>Adding 2 tables: 4</a:t>
-            </a:r>
-            <a:r>
-              <a:rPr lang="en-CA" sz="2000" baseline="30000" dirty="0">
-                <a:solidFill>
-                  <a:schemeClr val="accent2"/>
-                </a:solidFill>
-              </a:rPr>
-              <a:t>2</a:t>
-            </a:r>
-            <a:r>
-              <a:rPr lang="en-CA" sz="2000" dirty="0">
-                <a:solidFill>
-                  <a:schemeClr val="accent2"/>
-                </a:solidFill>
-              </a:rPr>
-              <a:t> neighbors</a:t>
-            </a:r>
-          </a:p>
-          <a:p>
-            <a:pPr marL="0" indent="0" algn="ctr">
-              <a:buNone/>
-            </a:pPr>
-            <a:r>
-              <a:rPr lang="en-CA" sz="2000" dirty="0">
-                <a:solidFill>
-                  <a:schemeClr val="accent2"/>
-                </a:solidFill>
-              </a:rPr>
-              <a:t>Adding 3 tables: 4</a:t>
-            </a:r>
-            <a:r>
-              <a:rPr lang="en-CA" sz="2000" baseline="30000" dirty="0">
-                <a:solidFill>
-                  <a:schemeClr val="accent2"/>
-                </a:solidFill>
-              </a:rPr>
-              <a:t>3</a:t>
-            </a:r>
-            <a:r>
-              <a:rPr lang="en-CA" sz="2000" dirty="0">
-                <a:solidFill>
-                  <a:schemeClr val="accent2"/>
-                </a:solidFill>
-              </a:rPr>
-              <a:t> neighbors</a:t>
-            </a:r>
-          </a:p>
-          <a:p>
-            <a:pPr marL="0" indent="0" algn="ctr">
-              <a:buNone/>
-            </a:pPr>
-            <a:r>
-              <a:rPr lang="en-CA" sz="2000" dirty="0">
-                <a:solidFill>
-                  <a:schemeClr val="accent2"/>
-                </a:solidFill>
-              </a:rPr>
-              <a:t>…</a:t>
-            </a:r>
-          </a:p>
-          <a:p>
-            <a:r>
-              <a:rPr lang="en-CA" sz="2400" dirty="0"/>
-              <a:t>Costly to check a sufficiently large number of neighbors.</a:t>
-            </a:r>
-          </a:p>
-          <a:p>
-            <a:r>
-              <a:rPr lang="en-CA" sz="2400" dirty="0"/>
-              <a:t>Limiting the neighborhood size will likely lead to suboptimal profit.</a:t>
-            </a:r>
-          </a:p>
-        </p:txBody>
-      </p:sp>
       <p:pic>
         <p:nvPicPr>
-          <p:cNvPr id="5" name="Picture 4">
+          <p:cNvPr id="6" name="Picture 5">
             <a:extLst>
               <a:ext uri="{FF2B5EF4-FFF2-40B4-BE49-F238E27FC236}">
-                <a16:creationId xmlns:a16="http://schemas.microsoft.com/office/drawing/2014/main" id="{8977407B-874A-4791-897D-6196620D6F56}"/>
+                <a16:creationId xmlns:a16="http://schemas.microsoft.com/office/drawing/2014/main" id="{A6EF65AA-5892-404D-82FC-C9F1A634C44D}"/>
               </a:ext>
             </a:extLst>
           </p:cNvPr>
@@ -6618,8 +6591,8 @@
         </p:blipFill>
         <p:spPr>
           <a:xfrm>
-            <a:off x="9916160" y="365125"/>
-            <a:ext cx="1437640" cy="418937"/>
+            <a:off x="838201" y="2743200"/>
+            <a:ext cx="1413668" cy="1413668"/>
           </a:xfrm>
           <a:prstGeom prst="rect">
             <a:avLst/>
@@ -6628,63 +6601,81 @@
       </p:pic>
       <p:sp>
         <p:nvSpPr>
-          <p:cNvPr id="8" name="Title 1">
+          <p:cNvPr id="2" name="Title 1">
             <a:extLst>
               <a:ext uri="{FF2B5EF4-FFF2-40B4-BE49-F238E27FC236}">
-                <a16:creationId xmlns:a16="http://schemas.microsoft.com/office/drawing/2014/main" id="{3C0D5108-0220-49D1-BFA7-E8863D4F1E1D}"/>
+                <a16:creationId xmlns:a16="http://schemas.microsoft.com/office/drawing/2014/main" id="{72816BE1-4A9B-4E6A-B1EB-DD40AE40E9F9}"/>
               </a:ext>
             </a:extLst>
           </p:cNvPr>
-          <p:cNvSpPr txBox="1">
-            <a:spLocks/>
+          <p:cNvSpPr>
+            <a:spLocks noGrp="1"/>
           </p:cNvSpPr>
+          <p:nvPr>
+            <p:ph type="ctrTitle"/>
+          </p:nvPr>
+        </p:nvSpPr>
+        <p:spPr>
+          <a:xfrm>
+            <a:off x="2370667" y="2187743"/>
+            <a:ext cx="5293449" cy="2482515"/>
+          </a:xfrm>
+        </p:spPr>
+        <p:txBody>
+          <a:bodyPr anchor="ctr">
+            <a:normAutofit/>
+          </a:bodyPr>
+          <a:lstStyle/>
+          <a:p>
+            <a:pPr algn="l"/>
+            <a:r>
+              <a:rPr lang="en-CA" dirty="0"/>
+              <a:t>Optimization</a:t>
+            </a:r>
+            <a:endParaRPr lang="en-US" dirty="0"/>
+          </a:p>
+        </p:txBody>
+      </p:sp>
+      <p:pic>
+        <p:nvPicPr>
+          <p:cNvPr id="21" name="Picture 20">
+            <a:extLst>
+              <a:ext uri="{FF2B5EF4-FFF2-40B4-BE49-F238E27FC236}">
+                <a16:creationId xmlns:a16="http://schemas.microsoft.com/office/drawing/2014/main" id="{42C85B27-11F7-44C3-880A-3D4700405CB6}"/>
+              </a:ext>
+            </a:extLst>
+          </p:cNvPr>
+          <p:cNvPicPr>
+            <a:picLocks noChangeAspect="1"/>
+          </p:cNvPicPr>
           <p:nvPr/>
-        </p:nvSpPr>
-        <p:spPr>
-          <a:xfrm>
-            <a:off x="838200" y="365125"/>
-            <a:ext cx="10515600" cy="762635"/>
+        </p:nvPicPr>
+        <p:blipFill>
+          <a:blip r:embed="rId3" cstate="hqprint">
+            <a:extLst>
+              <a:ext uri="{28A0092B-C50C-407E-A947-70E740481C1C}">
+                <a14:useLocalDpi xmlns:a14="http://schemas.microsoft.com/office/drawing/2010/main" val="0"/>
+              </a:ext>
+            </a:extLst>
+          </a:blip>
+          <a:stretch>
+            <a:fillRect/>
+          </a:stretch>
+        </p:blipFill>
+        <p:spPr>
+          <a:xfrm>
+            <a:off x="9916160" y="365125"/>
+            <a:ext cx="1437640" cy="418937"/>
           </a:xfrm>
           <a:prstGeom prst="rect">
             <a:avLst/>
           </a:prstGeom>
         </p:spPr>
-        <p:txBody>
-          <a:bodyPr vert="horz" lIns="91440" tIns="45720" rIns="91440" bIns="45720" rtlCol="0" anchor="ctr">
-            <a:normAutofit/>
-          </a:bodyPr>
-          <a:lstStyle>
-            <a:lvl1pPr algn="l" defTabSz="914400" rtl="0" eaLnBrk="1" latinLnBrk="0" hangingPunct="1">
-              <a:lnSpc>
-                <a:spcPct val="90000"/>
-              </a:lnSpc>
-              <a:spcBef>
-                <a:spcPct val="0"/>
-              </a:spcBef>
-              <a:buNone/>
-              <a:defRPr sz="4400" kern="1200">
-                <a:solidFill>
-                  <a:schemeClr val="tx1"/>
-                </a:solidFill>
-                <a:latin typeface="+mj-lt"/>
-                <a:ea typeface="+mj-ea"/>
-                <a:cs typeface="+mj-cs"/>
-              </a:defRPr>
-            </a:lvl1pPr>
-          </a:lstStyle>
-          <a:p>
-            <a:r>
-              <a:rPr lang="en-CA" sz="3600" dirty="0"/>
-              <a:t>Reducing the Neighborhood Size</a:t>
-            </a:r>
-            <a:endParaRPr lang="en-US" sz="3600" dirty="0"/>
-          </a:p>
-        </p:txBody>
-      </p:sp>
+      </p:pic>
     </p:spTree>
     <p:extLst>
       <p:ext uri="{BB962C8B-B14F-4D97-AF65-F5344CB8AC3E}">
-        <p14:creationId xmlns:p14="http://schemas.microsoft.com/office/powerpoint/2010/main" val="3678772537"/>
+        <p14:creationId xmlns:p14="http://schemas.microsoft.com/office/powerpoint/2010/main" val="4088084169"/>
       </p:ext>
     </p:extLst>
   </p:cSld>
@@ -7010,72 +7001,30 @@
           </a:bodyPr>
           <a:lstStyle/>
           <a:p>
+            <a:r>
+              <a:rPr lang="en-CA" sz="2400" dirty="0"/>
+              <a:t>Decision variables</a:t>
+            </a:r>
+          </a:p>
+          <a:p>
+            <a:endParaRPr lang="en-CA" sz="2400" dirty="0"/>
+          </a:p>
+          <a:p>
             <a:pPr marL="0" indent="0">
               <a:buNone/>
             </a:pPr>
-            <a:endParaRPr lang="en-CA" sz="2400" dirty="0">
-              <a:solidFill>
-                <a:schemeClr val="accent1">
-                  <a:lumMod val="75000"/>
-                </a:schemeClr>
-              </a:solidFill>
-            </a:endParaRPr>
+            <a:endParaRPr lang="en-CA" sz="2400" dirty="0"/>
           </a:p>
           <a:p>
             <a:pPr marL="0" indent="0">
               <a:buNone/>
             </a:pPr>
-            <a:endParaRPr lang="en-CA" sz="2400" dirty="0">
-              <a:solidFill>
-                <a:schemeClr val="accent1">
-                  <a:lumMod val="75000"/>
-                </a:schemeClr>
-              </a:solidFill>
-            </a:endParaRPr>
-          </a:p>
-          <a:p>
-            <a:pPr marL="0" indent="0">
-              <a:buNone/>
-            </a:pPr>
-            <a:r>
-              <a:rPr lang="en-CA" sz="2400" dirty="0">
-                <a:solidFill>
-                  <a:schemeClr val="accent1">
-                    <a:lumMod val="75000"/>
-                  </a:schemeClr>
-                </a:solidFill>
-              </a:rPr>
-              <a:t>Idea</a:t>
-            </a:r>
+            <a:endParaRPr lang="en-CA" sz="2400" dirty="0"/>
           </a:p>
           <a:p>
             <a:r>
               <a:rPr lang="en-CA" sz="2400" dirty="0"/>
-              <a:t>The new restaurant can have anywhere from 200 to 400 seats. </a:t>
-            </a:r>
-          </a:p>
-          <a:p>
-            <a:r>
-              <a:rPr lang="en-CA" sz="2400" dirty="0"/>
-              <a:t>Successively narrow this interval by optimizing mean profit at discrete points.</a:t>
-            </a:r>
-          </a:p>
-          <a:p>
-            <a:r>
-              <a:rPr lang="en-CA" sz="2400" dirty="0"/>
-              <a:t>In the beginning, use a greedy heuristic to quickly narrow down the interval.</a:t>
-            </a:r>
-          </a:p>
-          <a:p>
-            <a:r>
-              <a:rPr lang="en-CA" sz="2400" dirty="0"/>
-              <a:t>When the interval becomes “small enough”, use VNS.</a:t>
-            </a:r>
-          </a:p>
-          <a:p>
-            <a:r>
-              <a:rPr lang="en-CA" sz="2400" dirty="0"/>
-              <a:t>We can eliminate the neighborhood structure for adding/removing tables.</a:t>
+              <a:t>Objective function</a:t>
             </a:r>
           </a:p>
         </p:txBody>
@@ -7095,7 +7044,7 @@
           <p:nvPr/>
         </p:nvPicPr>
         <p:blipFill>
-          <a:blip r:embed="rId2">
+          <a:blip r:embed="rId2" cstate="hqprint">
             <a:extLst>
               <a:ext uri="{28A0092B-C50C-407E-A947-70E740481C1C}">
                 <a14:useLocalDpi xmlns:a14="http://schemas.microsoft.com/office/drawing/2010/main" val="0"/>
@@ -7118,35 +7067,54 @@
       </p:pic>
       <p:sp>
         <p:nvSpPr>
-          <p:cNvPr id="7" name="Title 1">
+          <p:cNvPr id="8" name="Title 1">
             <a:extLst>
               <a:ext uri="{FF2B5EF4-FFF2-40B4-BE49-F238E27FC236}">
-                <a16:creationId xmlns:a16="http://schemas.microsoft.com/office/drawing/2014/main" id="{DF83123F-FFF6-4EB8-AA6C-703D18DCBD9D}"/>
+                <a16:creationId xmlns:a16="http://schemas.microsoft.com/office/drawing/2014/main" id="{3C0D5108-0220-49D1-BFA7-E8863D4F1E1D}"/>
               </a:ext>
             </a:extLst>
           </p:cNvPr>
-          <p:cNvSpPr>
-            <a:spLocks noGrp="1"/>
+          <p:cNvSpPr txBox="1">
+            <a:spLocks/>
           </p:cNvSpPr>
-          <p:nvPr>
-            <p:ph type="title"/>
-          </p:nvPr>
+          <p:nvPr/>
         </p:nvSpPr>
         <p:spPr>
           <a:xfrm>
             <a:off x="838200" y="365125"/>
             <a:ext cx="10515600" cy="762635"/>
           </a:xfrm>
-        </p:spPr>
-        <p:txBody>
-          <a:bodyPr>
+          <a:prstGeom prst="rect">
+            <a:avLst/>
+          </a:prstGeom>
+        </p:spPr>
+        <p:txBody>
+          <a:bodyPr vert="horz" lIns="91440" tIns="45720" rIns="91440" bIns="45720" rtlCol="0" anchor="ctr">
             <a:normAutofit/>
           </a:bodyPr>
-          <a:lstStyle/>
-          <a:p>
-            <a:r>
-              <a:rPr lang="en-CA" sz="3600" dirty="0"/>
-              <a:t>Golden Section Method</a:t>
+          <a:lstStyle>
+            <a:lvl1pPr algn="l" defTabSz="914400" rtl="0" eaLnBrk="1" latinLnBrk="0" hangingPunct="1">
+              <a:lnSpc>
+                <a:spcPct val="90000"/>
+              </a:lnSpc>
+              <a:spcBef>
+                <a:spcPct val="0"/>
+              </a:spcBef>
+              <a:buNone/>
+              <a:defRPr sz="4400" kern="1200">
+                <a:solidFill>
+                  <a:schemeClr val="tx1"/>
+                </a:solidFill>
+                <a:latin typeface="+mj-lt"/>
+                <a:ea typeface="+mj-ea"/>
+                <a:cs typeface="+mj-cs"/>
+              </a:defRPr>
+            </a:lvl1pPr>
+          </a:lstStyle>
+          <a:p>
+            <a:r>
+              <a:rPr lang="en-CA" sz="3600"/>
+              <a:t>Problem Description</a:t>
             </a:r>
             <a:endParaRPr lang="en-US" sz="3600" dirty="0"/>
           </a:p>
@@ -7155,7 +7123,7 @@
     </p:spTree>
     <p:extLst>
       <p:ext uri="{BB962C8B-B14F-4D97-AF65-F5344CB8AC3E}">
-        <p14:creationId xmlns:p14="http://schemas.microsoft.com/office/powerpoint/2010/main" val="4093437447"/>
+        <p14:creationId xmlns:p14="http://schemas.microsoft.com/office/powerpoint/2010/main" val="1375401291"/>
       </p:ext>
     </p:extLst>
   </p:cSld>
@@ -7213,56 +7181,59 @@
             <a:pPr marL="0" indent="0">
               <a:buNone/>
             </a:pPr>
-            <a:endParaRPr lang="en-CA" sz="2400" dirty="0">
+            <a:endParaRPr lang="en-CA" sz="2400" dirty="0"/>
+          </a:p>
+          <a:p>
+            <a:pPr marL="0" indent="0">
+              <a:buNone/>
+            </a:pPr>
+            <a:r>
+              <a:rPr lang="en-CA" sz="2400" dirty="0">
+                <a:solidFill>
+                  <a:schemeClr val="accent1"/>
+                </a:solidFill>
+              </a:rPr>
+              <a:t>Limitation of baseline VNS</a:t>
+            </a:r>
+          </a:p>
+          <a:p>
+            <a:r>
+              <a:rPr lang="en-CA" sz="2400" dirty="0"/>
+              <a:t>The neighborhood size for </a:t>
+            </a:r>
+            <a:r>
+              <a:rPr lang="en-CA" sz="2400" b="1" dirty="0"/>
+              <a:t>adding/removing tables</a:t>
+            </a:r>
+            <a:r>
+              <a:rPr lang="en-CA" sz="2400" dirty="0"/>
+              <a:t> grows non-linearly. </a:t>
+            </a:r>
+            <a:r>
+              <a:rPr lang="en-CA" sz="2400" dirty="0">
+                <a:solidFill>
+                  <a:schemeClr val="accent2"/>
+                </a:solidFill>
+              </a:rPr>
+              <a:t>E.g.</a:t>
+            </a:r>
+            <a:endParaRPr lang="en-CA" sz="2000" dirty="0">
               <a:solidFill>
-                <a:schemeClr val="accent1">
-                  <a:lumMod val="75000"/>
-                </a:schemeClr>
+                <a:schemeClr val="accent2"/>
               </a:solidFill>
             </a:endParaRPr>
           </a:p>
           <a:p>
-            <a:pPr marL="0" indent="0">
+            <a:pPr marL="0" indent="0" algn="ctr">
               <a:buNone/>
             </a:pPr>
-            <a:endParaRPr lang="en-CA" sz="2400" dirty="0">
-              <a:solidFill>
-                <a:schemeClr val="accent1">
-                  <a:lumMod val="75000"/>
-                </a:schemeClr>
-              </a:solidFill>
-            </a:endParaRPr>
-          </a:p>
-          <a:p>
-            <a:pPr marL="0" indent="0">
-              <a:buNone/>
-            </a:pPr>
-            <a:r>
-              <a:rPr lang="en-CA" sz="2400" dirty="0">
+            <a:r>
+              <a:rPr lang="en-CA" sz="2000" dirty="0">
                 <a:solidFill>
-                  <a:schemeClr val="accent1">
-                    <a:lumMod val="75000"/>
-                  </a:schemeClr>
+                  <a:schemeClr val="accent2"/>
                 </a:solidFill>
               </a:rPr>
-              <a:t>Conditions</a:t>
-            </a:r>
-          </a:p>
-          <a:p>
-            <a:r>
-              <a:rPr lang="en-CA" sz="2400" dirty="0"/>
-              <a:t>Mean profit as a function of number of seats must be concave </a:t>
-            </a:r>
-            <a:r>
-              <a:rPr lang="en-CA" sz="2400"/>
-              <a:t>(unimodal).</a:t>
-            </a:r>
-            <a:endParaRPr lang="en-CA" sz="2400" dirty="0"/>
-          </a:p>
-          <a:p>
-            <a:r>
-              <a:rPr lang="en-CA" sz="2400" dirty="0"/>
-              <a:t>In the interval that greedy heuristic eliminates, its results must be consistent with the results of VNS. </a:t>
+              <a:t>Adding 1 table: 4 neighbors</a:t>
             </a:r>
           </a:p>
           <a:p>
@@ -7270,153 +7241,83 @@
               <a:buNone/>
             </a:pPr>
             <a:r>
-              <a:rPr lang="en-CA" sz="2400" i="1" dirty="0"/>
-              <a:t>e.g. </a:t>
-            </a:r>
-            <a:r>
-              <a:rPr lang="en-CA" sz="2400" i="1" dirty="0" err="1">
+              <a:rPr lang="en-CA" sz="2000" dirty="0">
                 <a:solidFill>
-                  <a:schemeClr val="accent6">
-                    <a:lumMod val="75000"/>
-                  </a:schemeClr>
+                  <a:schemeClr val="accent2"/>
                 </a:solidFill>
               </a:rPr>
-              <a:t>f</a:t>
-            </a:r>
-            <a:r>
-              <a:rPr lang="en-CA" sz="2400" i="1" baseline="-25000" dirty="0" err="1">
+              <a:t>Adding 2 tables: 4</a:t>
+            </a:r>
+            <a:r>
+              <a:rPr lang="en-CA" sz="2000" baseline="30000" dirty="0">
                 <a:solidFill>
-                  <a:schemeClr val="accent6">
-                    <a:lumMod val="75000"/>
-                  </a:schemeClr>
+                  <a:schemeClr val="accent2"/>
                 </a:solidFill>
               </a:rPr>
-              <a:t>greedy</a:t>
-            </a:r>
-            <a:r>
-              <a:rPr lang="en-CA" sz="2400" dirty="0">
+              <a:t>2</a:t>
+            </a:r>
+            <a:r>
+              <a:rPr lang="en-CA" sz="2000" dirty="0">
                 <a:solidFill>
-                  <a:schemeClr val="accent6">
-                    <a:lumMod val="75000"/>
-                  </a:schemeClr>
+                  <a:schemeClr val="accent2"/>
                 </a:solidFill>
               </a:rPr>
-              <a:t>(300) &gt; </a:t>
-            </a:r>
-            <a:r>
-              <a:rPr lang="en-CA" sz="2400" i="1" dirty="0" err="1">
+              <a:t> neighbors</a:t>
+            </a:r>
+          </a:p>
+          <a:p>
+            <a:pPr marL="0" indent="0" algn="ctr">
+              <a:buNone/>
+            </a:pPr>
+            <a:r>
+              <a:rPr lang="en-CA" sz="2000" dirty="0">
                 <a:solidFill>
-                  <a:schemeClr val="accent6">
-                    <a:lumMod val="75000"/>
-                  </a:schemeClr>
+                  <a:schemeClr val="accent2"/>
                 </a:solidFill>
               </a:rPr>
-              <a:t>f</a:t>
-            </a:r>
-            <a:r>
-              <a:rPr lang="en-CA" sz="2400" i="1" baseline="-25000" dirty="0" err="1">
+              <a:t>Adding 3 tables: 4</a:t>
+            </a:r>
+            <a:r>
+              <a:rPr lang="en-CA" sz="2000" baseline="30000" dirty="0">
                 <a:solidFill>
-                  <a:schemeClr val="accent6">
-                    <a:lumMod val="75000"/>
-                  </a:schemeClr>
+                  <a:schemeClr val="accent2"/>
                 </a:solidFill>
               </a:rPr>
-              <a:t>greedy</a:t>
-            </a:r>
-            <a:r>
-              <a:rPr lang="en-CA" sz="2400" dirty="0">
+              <a:t>3</a:t>
+            </a:r>
+            <a:r>
+              <a:rPr lang="en-CA" sz="2000" dirty="0">
                 <a:solidFill>
-                  <a:schemeClr val="accent6">
-                    <a:lumMod val="75000"/>
-                  </a:schemeClr>
+                  <a:schemeClr val="accent2"/>
                 </a:solidFill>
               </a:rPr>
-              <a:t>(350) </a:t>
-            </a:r>
-            <a:r>
-              <a:rPr lang="en-CA" sz="2400" dirty="0">
+              <a:t> neighbors</a:t>
+            </a:r>
+          </a:p>
+          <a:p>
+            <a:pPr marL="0" indent="0" algn="ctr">
+              <a:buNone/>
+            </a:pPr>
+            <a:r>
+              <a:rPr lang="en-CA" sz="2000" dirty="0">
                 <a:solidFill>
-                  <a:schemeClr val="accent6">
-                    <a:lumMod val="75000"/>
-                  </a:schemeClr>
+                  <a:schemeClr val="accent2"/>
                 </a:solidFill>
-                <a:sym typeface="Wingdings" panose="05000000000000000000" pitchFamily="2" charset="2"/>
               </a:rPr>
-              <a:t> </a:t>
-            </a:r>
-            <a:r>
-              <a:rPr lang="en-CA" sz="2400" i="1" dirty="0" err="1">
-                <a:solidFill>
-                  <a:schemeClr val="accent6">
-                    <a:lumMod val="75000"/>
-                  </a:schemeClr>
-                </a:solidFill>
-                <a:sym typeface="Wingdings" panose="05000000000000000000" pitchFamily="2" charset="2"/>
-              </a:rPr>
-              <a:t>f</a:t>
-            </a:r>
-            <a:r>
-              <a:rPr lang="en-CA" sz="2400" i="1" baseline="-25000" dirty="0" err="1">
-                <a:solidFill>
-                  <a:schemeClr val="accent6">
-                    <a:lumMod val="75000"/>
-                  </a:schemeClr>
-                </a:solidFill>
-                <a:sym typeface="Wingdings" panose="05000000000000000000" pitchFamily="2" charset="2"/>
-              </a:rPr>
-              <a:t>VNS</a:t>
-            </a:r>
-            <a:r>
-              <a:rPr lang="en-CA" sz="2400" dirty="0">
-                <a:solidFill>
-                  <a:schemeClr val="accent6">
-                    <a:lumMod val="75000"/>
-                  </a:schemeClr>
-                </a:solidFill>
-                <a:sym typeface="Wingdings" panose="05000000000000000000" pitchFamily="2" charset="2"/>
-              </a:rPr>
-              <a:t>(300) &gt; </a:t>
-            </a:r>
-            <a:r>
-              <a:rPr lang="en-CA" sz="2400" i="1" dirty="0" err="1">
-                <a:solidFill>
-                  <a:schemeClr val="accent6">
-                    <a:lumMod val="75000"/>
-                  </a:schemeClr>
-                </a:solidFill>
-                <a:sym typeface="Wingdings" panose="05000000000000000000" pitchFamily="2" charset="2"/>
-              </a:rPr>
-              <a:t>f</a:t>
-            </a:r>
-            <a:r>
-              <a:rPr lang="en-CA" sz="2400" i="1" baseline="-25000" dirty="0" err="1">
-                <a:solidFill>
-                  <a:schemeClr val="accent6">
-                    <a:lumMod val="75000"/>
-                  </a:schemeClr>
-                </a:solidFill>
-                <a:sym typeface="Wingdings" panose="05000000000000000000" pitchFamily="2" charset="2"/>
-              </a:rPr>
-              <a:t>VNS</a:t>
-            </a:r>
-            <a:r>
-              <a:rPr lang="en-CA" sz="2400" dirty="0">
-                <a:solidFill>
-                  <a:schemeClr val="accent6">
-                    <a:lumMod val="75000"/>
-                  </a:schemeClr>
-                </a:solidFill>
-                <a:sym typeface="Wingdings" panose="05000000000000000000" pitchFamily="2" charset="2"/>
-              </a:rPr>
-              <a:t>(350)</a:t>
-            </a:r>
-            <a:endParaRPr lang="en-CA" sz="2400" dirty="0"/>
-          </a:p>
-          <a:p>
-            <a:endParaRPr lang="en-CA" sz="2400" dirty="0"/>
-          </a:p>
-          <a:p>
-            <a:endParaRPr lang="en-CA" sz="2400" dirty="0"/>
+              <a:t>…</a:t>
+            </a:r>
+          </a:p>
+          <a:p>
+            <a:r>
+              <a:rPr lang="en-CA" sz="2400" dirty="0"/>
+              <a:t>Costly to check a sufficiently large number of neighbors.</a:t>
+            </a:r>
+          </a:p>
+          <a:p>
+            <a:r>
+              <a:rPr lang="en-CA" sz="2400" dirty="0"/>
+              <a:t>Limiting the neighborhood size will likely lead to suboptimal profit.</a:t>
+            </a:r>
           </a:p>
         </p:txBody>
       </p:sp>
@@ -7458,35 +7359,54 @@
       </p:pic>
       <p:sp>
         <p:nvSpPr>
-          <p:cNvPr id="7" name="Title 1">
+          <p:cNvPr id="8" name="Title 1">
             <a:extLst>
               <a:ext uri="{FF2B5EF4-FFF2-40B4-BE49-F238E27FC236}">
-                <a16:creationId xmlns:a16="http://schemas.microsoft.com/office/drawing/2014/main" id="{DF83123F-FFF6-4EB8-AA6C-703D18DCBD9D}"/>
+                <a16:creationId xmlns:a16="http://schemas.microsoft.com/office/drawing/2014/main" id="{3C0D5108-0220-49D1-BFA7-E8863D4F1E1D}"/>
               </a:ext>
             </a:extLst>
           </p:cNvPr>
-          <p:cNvSpPr>
-            <a:spLocks noGrp="1"/>
+          <p:cNvSpPr txBox="1">
+            <a:spLocks/>
           </p:cNvSpPr>
-          <p:nvPr>
-            <p:ph type="title"/>
-          </p:nvPr>
+          <p:nvPr/>
         </p:nvSpPr>
         <p:spPr>
           <a:xfrm>
             <a:off x="838200" y="365125"/>
             <a:ext cx="10515600" cy="762635"/>
           </a:xfrm>
-        </p:spPr>
-        <p:txBody>
-          <a:bodyPr>
+          <a:prstGeom prst="rect">
+            <a:avLst/>
+          </a:prstGeom>
+        </p:spPr>
+        <p:txBody>
+          <a:bodyPr vert="horz" lIns="91440" tIns="45720" rIns="91440" bIns="45720" rtlCol="0" anchor="ctr">
             <a:normAutofit/>
           </a:bodyPr>
-          <a:lstStyle/>
+          <a:lstStyle>
+            <a:lvl1pPr algn="l" defTabSz="914400" rtl="0" eaLnBrk="1" latinLnBrk="0" hangingPunct="1">
+              <a:lnSpc>
+                <a:spcPct val="90000"/>
+              </a:lnSpc>
+              <a:spcBef>
+                <a:spcPct val="0"/>
+              </a:spcBef>
+              <a:buNone/>
+              <a:defRPr sz="4400" kern="1200">
+                <a:solidFill>
+                  <a:schemeClr val="tx1"/>
+                </a:solidFill>
+                <a:latin typeface="+mj-lt"/>
+                <a:ea typeface="+mj-ea"/>
+                <a:cs typeface="+mj-cs"/>
+              </a:defRPr>
+            </a:lvl1pPr>
+          </a:lstStyle>
           <a:p>
             <a:r>
               <a:rPr lang="en-CA" sz="3600" dirty="0"/>
-              <a:t>Golden Section Method</a:t>
+              <a:t>Reducing the Neighborhood Size</a:t>
             </a:r>
             <a:endParaRPr lang="en-US" sz="3600" dirty="0"/>
           </a:p>
@@ -7495,7 +7415,7 @@
     </p:spTree>
     <p:extLst>
       <p:ext uri="{BB962C8B-B14F-4D97-AF65-F5344CB8AC3E}">
-        <p14:creationId xmlns:p14="http://schemas.microsoft.com/office/powerpoint/2010/main" val="3961735586"/>
+        <p14:creationId xmlns:p14="http://schemas.microsoft.com/office/powerpoint/2010/main" val="3678772537"/>
       </p:ext>
     </p:extLst>
   </p:cSld>
@@ -7565,10 +7485,58 @@
             <a:pPr marL="0" indent="0">
               <a:buNone/>
             </a:pPr>
-            <a:endParaRPr lang="en-CA" sz="2400" dirty="0"/>
-          </a:p>
-          <a:p>
-            <a:endParaRPr lang="en-CA" sz="2400" dirty="0"/>
+            <a:endParaRPr lang="en-CA" sz="2400" dirty="0">
+              <a:solidFill>
+                <a:schemeClr val="accent1">
+                  <a:lumMod val="75000"/>
+                </a:schemeClr>
+              </a:solidFill>
+            </a:endParaRPr>
+          </a:p>
+          <a:p>
+            <a:pPr marL="0" indent="0">
+              <a:buNone/>
+            </a:pPr>
+            <a:r>
+              <a:rPr lang="en-CA" sz="2400" dirty="0">
+                <a:solidFill>
+                  <a:schemeClr val="accent1">
+                    <a:lumMod val="75000"/>
+                  </a:schemeClr>
+                </a:solidFill>
+              </a:rPr>
+              <a:t>Idea</a:t>
+            </a:r>
+          </a:p>
+          <a:p>
+            <a:r>
+              <a:rPr lang="en-CA" sz="2400" dirty="0"/>
+              <a:t>The new restaurant can have anywhere from 200 to 400 seats. </a:t>
+            </a:r>
+          </a:p>
+          <a:p>
+            <a:r>
+              <a:rPr lang="en-CA" sz="2400" dirty="0"/>
+              <a:t>Successively narrow this interval by optimizing mean profit at discrete points.</a:t>
+            </a:r>
+          </a:p>
+          <a:p>
+            <a:r>
+              <a:rPr lang="en-CA" sz="2400" dirty="0"/>
+              <a:t>In the beginning, use a greedy heuristic to quickly narrow down the interval.</a:t>
+            </a:r>
+          </a:p>
+          <a:p>
+            <a:r>
+              <a:rPr lang="en-CA" sz="2400" dirty="0"/>
+              <a:t>When the interval becomes “small enough”, use VNS.</a:t>
+            </a:r>
+          </a:p>
+          <a:p>
+            <a:r>
+              <a:rPr lang="en-CA" sz="2400" dirty="0"/>
+              <a:t>We can eliminate the neighborhood structure for adding/removing tables.</a:t>
+            </a:r>
           </a:p>
         </p:txBody>
       </p:sp>
@@ -7644,82 +7612,10 @@
           </a:p>
         </p:txBody>
       </p:sp>
-      <p:pic>
-        <p:nvPicPr>
-          <p:cNvPr id="4" name="Picture 3" descr="A close up of a map&#10;&#10;Description generated with very high confidence">
-            <a:extLst>
-              <a:ext uri="{FF2B5EF4-FFF2-40B4-BE49-F238E27FC236}">
-                <a16:creationId xmlns:a16="http://schemas.microsoft.com/office/drawing/2014/main" id="{6F7F02D7-F0E8-4ACF-B7CC-959B5D7282D2}"/>
-              </a:ext>
-            </a:extLst>
-          </p:cNvPr>
-          <p:cNvPicPr>
-            <a:picLocks noChangeAspect="1"/>
-          </p:cNvPicPr>
-          <p:nvPr/>
-        </p:nvPicPr>
-        <p:blipFill>
-          <a:blip r:embed="rId3">
-            <a:extLst>
-              <a:ext uri="{28A0092B-C50C-407E-A947-70E740481C1C}">
-                <a14:useLocalDpi xmlns:a14="http://schemas.microsoft.com/office/drawing/2010/main" val="0"/>
-              </a:ext>
-            </a:extLst>
-          </a:blip>
-          <a:stretch>
-            <a:fillRect/>
-          </a:stretch>
-        </p:blipFill>
-        <p:spPr>
-          <a:xfrm>
-            <a:off x="778721" y="1658381"/>
-            <a:ext cx="5317279" cy="3987959"/>
-          </a:xfrm>
-          <a:prstGeom prst="rect">
-            <a:avLst/>
-          </a:prstGeom>
-        </p:spPr>
-      </p:pic>
-      <p:pic>
-        <p:nvPicPr>
-          <p:cNvPr id="8" name="Picture 7" descr="A close up of a map&#10;&#10;Description generated with very high confidence">
-            <a:extLst>
-              <a:ext uri="{FF2B5EF4-FFF2-40B4-BE49-F238E27FC236}">
-                <a16:creationId xmlns:a16="http://schemas.microsoft.com/office/drawing/2014/main" id="{CF3EF8CE-D7AB-4D17-A165-93D49F443CCF}"/>
-              </a:ext>
-            </a:extLst>
-          </p:cNvPr>
-          <p:cNvPicPr>
-            <a:picLocks noChangeAspect="1"/>
-          </p:cNvPicPr>
-          <p:nvPr/>
-        </p:nvPicPr>
-        <p:blipFill>
-          <a:blip r:embed="rId4">
-            <a:extLst>
-              <a:ext uri="{28A0092B-C50C-407E-A947-70E740481C1C}">
-                <a14:useLocalDpi xmlns:a14="http://schemas.microsoft.com/office/drawing/2010/main" val="0"/>
-              </a:ext>
-            </a:extLst>
-          </a:blip>
-          <a:stretch>
-            <a:fillRect/>
-          </a:stretch>
-        </p:blipFill>
-        <p:spPr>
-          <a:xfrm>
-            <a:off x="6200352" y="1697512"/>
-            <a:ext cx="5212927" cy="3909695"/>
-          </a:xfrm>
-          <a:prstGeom prst="rect">
-            <a:avLst/>
-          </a:prstGeom>
-        </p:spPr>
-      </p:pic>
     </p:spTree>
     <p:extLst>
       <p:ext uri="{BB962C8B-B14F-4D97-AF65-F5344CB8AC3E}">
-        <p14:creationId xmlns:p14="http://schemas.microsoft.com/office/powerpoint/2010/main" val="2306792197"/>
+        <p14:creationId xmlns:p14="http://schemas.microsoft.com/office/powerpoint/2010/main" val="4093437447"/>
       </p:ext>
     </p:extLst>
   </p:cSld>
@@ -7789,6 +7685,194 @@
             <a:pPr marL="0" indent="0">
               <a:buNone/>
             </a:pPr>
+            <a:endParaRPr lang="en-CA" sz="2400" dirty="0">
+              <a:solidFill>
+                <a:schemeClr val="accent1">
+                  <a:lumMod val="75000"/>
+                </a:schemeClr>
+              </a:solidFill>
+            </a:endParaRPr>
+          </a:p>
+          <a:p>
+            <a:pPr marL="0" indent="0">
+              <a:buNone/>
+            </a:pPr>
+            <a:r>
+              <a:rPr lang="en-CA" sz="2400" dirty="0">
+                <a:solidFill>
+                  <a:schemeClr val="accent1">
+                    <a:lumMod val="75000"/>
+                  </a:schemeClr>
+                </a:solidFill>
+              </a:rPr>
+              <a:t>Conditions</a:t>
+            </a:r>
+          </a:p>
+          <a:p>
+            <a:r>
+              <a:rPr lang="en-CA" sz="2400" dirty="0"/>
+              <a:t>Mean profit as a function of number of seats must be concave </a:t>
+            </a:r>
+            <a:r>
+              <a:rPr lang="en-CA" sz="2400"/>
+              <a:t>(unimodal).</a:t>
+            </a:r>
+            <a:endParaRPr lang="en-CA" sz="2400" dirty="0"/>
+          </a:p>
+          <a:p>
+            <a:r>
+              <a:rPr lang="en-CA" sz="2400" dirty="0"/>
+              <a:t>In the interval that greedy heuristic eliminates, its results must be consistent with the results of VNS. </a:t>
+            </a:r>
+          </a:p>
+          <a:p>
+            <a:pPr marL="0" indent="0" algn="ctr">
+              <a:buNone/>
+            </a:pPr>
+            <a:r>
+              <a:rPr lang="en-CA" sz="2400" i="1" dirty="0"/>
+              <a:t>e.g. </a:t>
+            </a:r>
+            <a:r>
+              <a:rPr lang="en-CA" sz="2400" i="1" dirty="0" err="1">
+                <a:solidFill>
+                  <a:schemeClr val="accent6">
+                    <a:lumMod val="75000"/>
+                  </a:schemeClr>
+                </a:solidFill>
+              </a:rPr>
+              <a:t>f</a:t>
+            </a:r>
+            <a:r>
+              <a:rPr lang="en-CA" sz="2400" i="1" baseline="-25000" dirty="0" err="1">
+                <a:solidFill>
+                  <a:schemeClr val="accent6">
+                    <a:lumMod val="75000"/>
+                  </a:schemeClr>
+                </a:solidFill>
+              </a:rPr>
+              <a:t>greedy</a:t>
+            </a:r>
+            <a:r>
+              <a:rPr lang="en-CA" sz="2400" dirty="0">
+                <a:solidFill>
+                  <a:schemeClr val="accent6">
+                    <a:lumMod val="75000"/>
+                  </a:schemeClr>
+                </a:solidFill>
+              </a:rPr>
+              <a:t>(300) &gt; </a:t>
+            </a:r>
+            <a:r>
+              <a:rPr lang="en-CA" sz="2400" i="1" dirty="0" err="1">
+                <a:solidFill>
+                  <a:schemeClr val="accent6">
+                    <a:lumMod val="75000"/>
+                  </a:schemeClr>
+                </a:solidFill>
+              </a:rPr>
+              <a:t>f</a:t>
+            </a:r>
+            <a:r>
+              <a:rPr lang="en-CA" sz="2400" i="1" baseline="-25000" dirty="0" err="1">
+                <a:solidFill>
+                  <a:schemeClr val="accent6">
+                    <a:lumMod val="75000"/>
+                  </a:schemeClr>
+                </a:solidFill>
+              </a:rPr>
+              <a:t>greedy</a:t>
+            </a:r>
+            <a:r>
+              <a:rPr lang="en-CA" sz="2400" dirty="0">
+                <a:solidFill>
+                  <a:schemeClr val="accent6">
+                    <a:lumMod val="75000"/>
+                  </a:schemeClr>
+                </a:solidFill>
+              </a:rPr>
+              <a:t>(350) </a:t>
+            </a:r>
+            <a:r>
+              <a:rPr lang="en-CA" sz="2400" dirty="0">
+                <a:solidFill>
+                  <a:schemeClr val="accent6">
+                    <a:lumMod val="75000"/>
+                  </a:schemeClr>
+                </a:solidFill>
+                <a:sym typeface="Wingdings" panose="05000000000000000000" pitchFamily="2" charset="2"/>
+              </a:rPr>
+              <a:t> </a:t>
+            </a:r>
+            <a:r>
+              <a:rPr lang="en-CA" sz="2400" i="1" dirty="0" err="1">
+                <a:solidFill>
+                  <a:schemeClr val="accent6">
+                    <a:lumMod val="75000"/>
+                  </a:schemeClr>
+                </a:solidFill>
+                <a:sym typeface="Wingdings" panose="05000000000000000000" pitchFamily="2" charset="2"/>
+              </a:rPr>
+              <a:t>f</a:t>
+            </a:r>
+            <a:r>
+              <a:rPr lang="en-CA" sz="2400" i="1" baseline="-25000" dirty="0" err="1">
+                <a:solidFill>
+                  <a:schemeClr val="accent6">
+                    <a:lumMod val="75000"/>
+                  </a:schemeClr>
+                </a:solidFill>
+                <a:sym typeface="Wingdings" panose="05000000000000000000" pitchFamily="2" charset="2"/>
+              </a:rPr>
+              <a:t>VNS</a:t>
+            </a:r>
+            <a:r>
+              <a:rPr lang="en-CA" sz="2400" dirty="0">
+                <a:solidFill>
+                  <a:schemeClr val="accent6">
+                    <a:lumMod val="75000"/>
+                  </a:schemeClr>
+                </a:solidFill>
+                <a:sym typeface="Wingdings" panose="05000000000000000000" pitchFamily="2" charset="2"/>
+              </a:rPr>
+              <a:t>(300) &gt; </a:t>
+            </a:r>
+            <a:r>
+              <a:rPr lang="en-CA" sz="2400" i="1" dirty="0" err="1">
+                <a:solidFill>
+                  <a:schemeClr val="accent6">
+                    <a:lumMod val="75000"/>
+                  </a:schemeClr>
+                </a:solidFill>
+                <a:sym typeface="Wingdings" panose="05000000000000000000" pitchFamily="2" charset="2"/>
+              </a:rPr>
+              <a:t>f</a:t>
+            </a:r>
+            <a:r>
+              <a:rPr lang="en-CA" sz="2400" i="1" baseline="-25000" dirty="0" err="1">
+                <a:solidFill>
+                  <a:schemeClr val="accent6">
+                    <a:lumMod val="75000"/>
+                  </a:schemeClr>
+                </a:solidFill>
+                <a:sym typeface="Wingdings" panose="05000000000000000000" pitchFamily="2" charset="2"/>
+              </a:rPr>
+              <a:t>VNS</a:t>
+            </a:r>
+            <a:r>
+              <a:rPr lang="en-CA" sz="2400" dirty="0">
+                <a:solidFill>
+                  <a:schemeClr val="accent6">
+                    <a:lumMod val="75000"/>
+                  </a:schemeClr>
+                </a:solidFill>
+                <a:sym typeface="Wingdings" panose="05000000000000000000" pitchFamily="2" charset="2"/>
+              </a:rPr>
+              <a:t>(350)</a:t>
+            </a:r>
+            <a:endParaRPr lang="en-CA" sz="2400" dirty="0"/>
+          </a:p>
+          <a:p>
             <a:endParaRPr lang="en-CA" sz="2400" dirty="0"/>
           </a:p>
           <a:p>
@@ -7868,132 +7952,10 @@
           </a:p>
         </p:txBody>
       </p:sp>
-      <p:pic>
-        <p:nvPicPr>
-          <p:cNvPr id="4" name="Picture 3" descr="A close up of a map&#10;&#10;Description generated with very high confidence">
-            <a:extLst>
-              <a:ext uri="{FF2B5EF4-FFF2-40B4-BE49-F238E27FC236}">
-                <a16:creationId xmlns:a16="http://schemas.microsoft.com/office/drawing/2014/main" id="{6F7F02D7-F0E8-4ACF-B7CC-959B5D7282D2}"/>
-              </a:ext>
-            </a:extLst>
-          </p:cNvPr>
-          <p:cNvPicPr>
-            <a:picLocks noChangeAspect="1"/>
-          </p:cNvPicPr>
-          <p:nvPr/>
-        </p:nvPicPr>
-        <p:blipFill>
-          <a:blip r:embed="rId3">
-            <a:extLst>
-              <a:ext uri="{28A0092B-C50C-407E-A947-70E740481C1C}">
-                <a14:useLocalDpi xmlns:a14="http://schemas.microsoft.com/office/drawing/2010/main" val="0"/>
-              </a:ext>
-            </a:extLst>
-          </a:blip>
-          <a:stretch>
-            <a:fillRect/>
-          </a:stretch>
-        </p:blipFill>
-        <p:spPr>
-          <a:xfrm>
-            <a:off x="778721" y="1658381"/>
-            <a:ext cx="5317279" cy="3987959"/>
-          </a:xfrm>
-          <a:prstGeom prst="rect">
-            <a:avLst/>
-          </a:prstGeom>
-        </p:spPr>
-      </p:pic>
-      <p:pic>
-        <p:nvPicPr>
-          <p:cNvPr id="8" name="Picture 7" descr="A close up of a map&#10;&#10;Description generated with very high confidence">
-            <a:extLst>
-              <a:ext uri="{FF2B5EF4-FFF2-40B4-BE49-F238E27FC236}">
-                <a16:creationId xmlns:a16="http://schemas.microsoft.com/office/drawing/2014/main" id="{CF3EF8CE-D7AB-4D17-A165-93D49F443CCF}"/>
-              </a:ext>
-            </a:extLst>
-          </p:cNvPr>
-          <p:cNvPicPr>
-            <a:picLocks noChangeAspect="1"/>
-          </p:cNvPicPr>
-          <p:nvPr/>
-        </p:nvPicPr>
-        <p:blipFill>
-          <a:blip r:embed="rId4">
-            <a:extLst>
-              <a:ext uri="{28A0092B-C50C-407E-A947-70E740481C1C}">
-                <a14:useLocalDpi xmlns:a14="http://schemas.microsoft.com/office/drawing/2010/main" val="0"/>
-              </a:ext>
-            </a:extLst>
-          </a:blip>
-          <a:stretch>
-            <a:fillRect/>
-          </a:stretch>
-        </p:blipFill>
-        <p:spPr>
-          <a:xfrm>
-            <a:off x="6200352" y="1697512"/>
-            <a:ext cx="5212927" cy="3909695"/>
-          </a:xfrm>
-          <a:prstGeom prst="rect">
-            <a:avLst/>
-          </a:prstGeom>
-        </p:spPr>
-      </p:pic>
-      <p:sp>
-        <p:nvSpPr>
-          <p:cNvPr id="9" name="Rectangle: Rounded Corners 8">
-            <a:extLst>
-              <a:ext uri="{FF2B5EF4-FFF2-40B4-BE49-F238E27FC236}">
-                <a16:creationId xmlns:a16="http://schemas.microsoft.com/office/drawing/2014/main" id="{86EF7A26-F32C-42F4-BCE7-73FD5B42F8FC}"/>
-              </a:ext>
-            </a:extLst>
-          </p:cNvPr>
-          <p:cNvSpPr/>
-          <p:nvPr/>
-        </p:nvSpPr>
-        <p:spPr>
-          <a:xfrm>
-            <a:off x="2489200" y="2438400"/>
-            <a:ext cx="3413760" cy="2407920"/>
-          </a:xfrm>
-          <a:prstGeom prst="roundRect">
-            <a:avLst/>
-          </a:prstGeom>
-          <a:noFill/>
-          <a:ln w="19050">
-            <a:solidFill>
-              <a:srgbClr val="FF0000"/>
-            </a:solidFill>
-          </a:ln>
-        </p:spPr>
-        <p:style>
-          <a:lnRef idx="2">
-            <a:schemeClr val="accent6"/>
-          </a:lnRef>
-          <a:fillRef idx="1">
-            <a:schemeClr val="lt1"/>
-          </a:fillRef>
-          <a:effectRef idx="0">
-            <a:schemeClr val="accent6"/>
-          </a:effectRef>
-          <a:fontRef idx="minor">
-            <a:schemeClr val="dk1"/>
-          </a:fontRef>
-        </p:style>
-        <p:txBody>
-          <a:bodyPr rtlCol="0" anchor="ctr"/>
-          <a:lstStyle/>
-          <a:p>
-            <a:pPr algn="ctr"/>
-            <a:endParaRPr lang="en-US"/>
-          </a:p>
-        </p:txBody>
-      </p:sp>
     </p:spTree>
     <p:extLst>
       <p:ext uri="{BB962C8B-B14F-4D97-AF65-F5344CB8AC3E}">
-        <p14:creationId xmlns:p14="http://schemas.microsoft.com/office/powerpoint/2010/main" val="4200179265"/>
+        <p14:creationId xmlns:p14="http://schemas.microsoft.com/office/powerpoint/2010/main" val="3961735586"/>
       </p:ext>
     </p:extLst>
   </p:cSld>
@@ -8214,6 +8176,504 @@
           </a:prstGeom>
         </p:spPr>
       </p:pic>
+    </p:spTree>
+    <p:extLst>
+      <p:ext uri="{BB962C8B-B14F-4D97-AF65-F5344CB8AC3E}">
+        <p14:creationId xmlns:p14="http://schemas.microsoft.com/office/powerpoint/2010/main" val="2306792197"/>
+      </p:ext>
+    </p:extLst>
+  </p:cSld>
+  <p:clrMapOvr>
+    <a:masterClrMapping/>
+  </p:clrMapOvr>
+</p:sld>
+</file>
+
+<file path=ppt/slides/slide25.xml><?xml version="1.0" encoding="utf-8"?>
+<p:sld xmlns:a="http://schemas.openxmlformats.org/drawingml/2006/main" xmlns:r="http://schemas.openxmlformats.org/officeDocument/2006/relationships" xmlns:p="http://schemas.openxmlformats.org/presentationml/2006/main">
+  <p:cSld>
+    <p:spTree>
+      <p:nvGrpSpPr>
+        <p:cNvPr id="1" name=""/>
+        <p:cNvGrpSpPr/>
+        <p:nvPr/>
+      </p:nvGrpSpPr>
+      <p:grpSpPr>
+        <a:xfrm>
+          <a:off x="0" y="0"/>
+          <a:ext cx="0" cy="0"/>
+          <a:chOff x="0" y="0"/>
+          <a:chExt cx="0" cy="0"/>
+        </a:xfrm>
+      </p:grpSpPr>
+      <p:sp>
+        <p:nvSpPr>
+          <p:cNvPr id="3" name="Content Placeholder 2">
+            <a:extLst>
+              <a:ext uri="{FF2B5EF4-FFF2-40B4-BE49-F238E27FC236}">
+                <a16:creationId xmlns:a16="http://schemas.microsoft.com/office/drawing/2014/main" id="{2E5DAAB6-C87E-4C10-8DDC-15F41DB00A20}"/>
+              </a:ext>
+            </a:extLst>
+          </p:cNvPr>
+          <p:cNvSpPr>
+            <a:spLocks noGrp="1"/>
+          </p:cNvSpPr>
+          <p:nvPr>
+            <p:ph idx="1"/>
+          </p:nvPr>
+        </p:nvSpPr>
+        <p:spPr>
+          <a:xfrm>
+            <a:off x="838200" y="1127760"/>
+            <a:ext cx="10515600" cy="5049203"/>
+          </a:xfrm>
+        </p:spPr>
+        <p:txBody>
+          <a:bodyPr>
+            <a:normAutofit/>
+          </a:bodyPr>
+          <a:lstStyle/>
+          <a:p>
+            <a:pPr marL="0" indent="0">
+              <a:buNone/>
+            </a:pPr>
+            <a:endParaRPr lang="en-CA" sz="2400" dirty="0">
+              <a:solidFill>
+                <a:schemeClr val="accent1">
+                  <a:lumMod val="75000"/>
+                </a:schemeClr>
+              </a:solidFill>
+            </a:endParaRPr>
+          </a:p>
+          <a:p>
+            <a:pPr marL="0" indent="0">
+              <a:buNone/>
+            </a:pPr>
+            <a:endParaRPr lang="en-CA" sz="2400" dirty="0"/>
+          </a:p>
+          <a:p>
+            <a:endParaRPr lang="en-CA" sz="2400" dirty="0"/>
+          </a:p>
+        </p:txBody>
+      </p:sp>
+      <p:pic>
+        <p:nvPicPr>
+          <p:cNvPr id="5" name="Picture 4">
+            <a:extLst>
+              <a:ext uri="{FF2B5EF4-FFF2-40B4-BE49-F238E27FC236}">
+                <a16:creationId xmlns:a16="http://schemas.microsoft.com/office/drawing/2014/main" id="{8977407B-874A-4791-897D-6196620D6F56}"/>
+              </a:ext>
+            </a:extLst>
+          </p:cNvPr>
+          <p:cNvPicPr>
+            <a:picLocks noChangeAspect="1"/>
+          </p:cNvPicPr>
+          <p:nvPr/>
+        </p:nvPicPr>
+        <p:blipFill>
+          <a:blip r:embed="rId2">
+            <a:extLst>
+              <a:ext uri="{28A0092B-C50C-407E-A947-70E740481C1C}">
+                <a14:useLocalDpi xmlns:a14="http://schemas.microsoft.com/office/drawing/2010/main" val="0"/>
+              </a:ext>
+            </a:extLst>
+          </a:blip>
+          <a:stretch>
+            <a:fillRect/>
+          </a:stretch>
+        </p:blipFill>
+        <p:spPr>
+          <a:xfrm>
+            <a:off x="9916160" y="365125"/>
+            <a:ext cx="1437640" cy="418937"/>
+          </a:xfrm>
+          <a:prstGeom prst="rect">
+            <a:avLst/>
+          </a:prstGeom>
+        </p:spPr>
+      </p:pic>
+      <p:sp>
+        <p:nvSpPr>
+          <p:cNvPr id="7" name="Title 1">
+            <a:extLst>
+              <a:ext uri="{FF2B5EF4-FFF2-40B4-BE49-F238E27FC236}">
+                <a16:creationId xmlns:a16="http://schemas.microsoft.com/office/drawing/2014/main" id="{DF83123F-FFF6-4EB8-AA6C-703D18DCBD9D}"/>
+              </a:ext>
+            </a:extLst>
+          </p:cNvPr>
+          <p:cNvSpPr>
+            <a:spLocks noGrp="1"/>
+          </p:cNvSpPr>
+          <p:nvPr>
+            <p:ph type="title"/>
+          </p:nvPr>
+        </p:nvSpPr>
+        <p:spPr>
+          <a:xfrm>
+            <a:off x="838200" y="365125"/>
+            <a:ext cx="10515600" cy="762635"/>
+          </a:xfrm>
+        </p:spPr>
+        <p:txBody>
+          <a:bodyPr>
+            <a:normAutofit/>
+          </a:bodyPr>
+          <a:lstStyle/>
+          <a:p>
+            <a:r>
+              <a:rPr lang="en-CA" sz="3600" dirty="0"/>
+              <a:t>Golden Section Method</a:t>
+            </a:r>
+            <a:endParaRPr lang="en-US" sz="3600" dirty="0"/>
+          </a:p>
+        </p:txBody>
+      </p:sp>
+      <p:pic>
+        <p:nvPicPr>
+          <p:cNvPr id="4" name="Picture 3" descr="A close up of a map&#10;&#10;Description generated with very high confidence">
+            <a:extLst>
+              <a:ext uri="{FF2B5EF4-FFF2-40B4-BE49-F238E27FC236}">
+                <a16:creationId xmlns:a16="http://schemas.microsoft.com/office/drawing/2014/main" id="{6F7F02D7-F0E8-4ACF-B7CC-959B5D7282D2}"/>
+              </a:ext>
+            </a:extLst>
+          </p:cNvPr>
+          <p:cNvPicPr>
+            <a:picLocks noChangeAspect="1"/>
+          </p:cNvPicPr>
+          <p:nvPr/>
+        </p:nvPicPr>
+        <p:blipFill>
+          <a:blip r:embed="rId3">
+            <a:extLst>
+              <a:ext uri="{28A0092B-C50C-407E-A947-70E740481C1C}">
+                <a14:useLocalDpi xmlns:a14="http://schemas.microsoft.com/office/drawing/2010/main" val="0"/>
+              </a:ext>
+            </a:extLst>
+          </a:blip>
+          <a:stretch>
+            <a:fillRect/>
+          </a:stretch>
+        </p:blipFill>
+        <p:spPr>
+          <a:xfrm>
+            <a:off x="778721" y="1658381"/>
+            <a:ext cx="5317279" cy="3987959"/>
+          </a:xfrm>
+          <a:prstGeom prst="rect">
+            <a:avLst/>
+          </a:prstGeom>
+        </p:spPr>
+      </p:pic>
+      <p:pic>
+        <p:nvPicPr>
+          <p:cNvPr id="8" name="Picture 7" descr="A close up of a map&#10;&#10;Description generated with very high confidence">
+            <a:extLst>
+              <a:ext uri="{FF2B5EF4-FFF2-40B4-BE49-F238E27FC236}">
+                <a16:creationId xmlns:a16="http://schemas.microsoft.com/office/drawing/2014/main" id="{CF3EF8CE-D7AB-4D17-A165-93D49F443CCF}"/>
+              </a:ext>
+            </a:extLst>
+          </p:cNvPr>
+          <p:cNvPicPr>
+            <a:picLocks noChangeAspect="1"/>
+          </p:cNvPicPr>
+          <p:nvPr/>
+        </p:nvPicPr>
+        <p:blipFill>
+          <a:blip r:embed="rId4">
+            <a:extLst>
+              <a:ext uri="{28A0092B-C50C-407E-A947-70E740481C1C}">
+                <a14:useLocalDpi xmlns:a14="http://schemas.microsoft.com/office/drawing/2010/main" val="0"/>
+              </a:ext>
+            </a:extLst>
+          </a:blip>
+          <a:stretch>
+            <a:fillRect/>
+          </a:stretch>
+        </p:blipFill>
+        <p:spPr>
+          <a:xfrm>
+            <a:off x="6200352" y="1697512"/>
+            <a:ext cx="5212927" cy="3909695"/>
+          </a:xfrm>
+          <a:prstGeom prst="rect">
+            <a:avLst/>
+          </a:prstGeom>
+        </p:spPr>
+      </p:pic>
+      <p:sp>
+        <p:nvSpPr>
+          <p:cNvPr id="9" name="Rectangle: Rounded Corners 8">
+            <a:extLst>
+              <a:ext uri="{FF2B5EF4-FFF2-40B4-BE49-F238E27FC236}">
+                <a16:creationId xmlns:a16="http://schemas.microsoft.com/office/drawing/2014/main" id="{86EF7A26-F32C-42F4-BCE7-73FD5B42F8FC}"/>
+              </a:ext>
+            </a:extLst>
+          </p:cNvPr>
+          <p:cNvSpPr/>
+          <p:nvPr/>
+        </p:nvSpPr>
+        <p:spPr>
+          <a:xfrm>
+            <a:off x="2489200" y="2438400"/>
+            <a:ext cx="3413760" cy="2407920"/>
+          </a:xfrm>
+          <a:prstGeom prst="roundRect">
+            <a:avLst/>
+          </a:prstGeom>
+          <a:noFill/>
+          <a:ln w="19050">
+            <a:solidFill>
+              <a:srgbClr val="FF0000"/>
+            </a:solidFill>
+          </a:ln>
+        </p:spPr>
+        <p:style>
+          <a:lnRef idx="2">
+            <a:schemeClr val="accent6"/>
+          </a:lnRef>
+          <a:fillRef idx="1">
+            <a:schemeClr val="lt1"/>
+          </a:fillRef>
+          <a:effectRef idx="0">
+            <a:schemeClr val="accent6"/>
+          </a:effectRef>
+          <a:fontRef idx="minor">
+            <a:schemeClr val="dk1"/>
+          </a:fontRef>
+        </p:style>
+        <p:txBody>
+          <a:bodyPr rtlCol="0" anchor="ctr"/>
+          <a:lstStyle/>
+          <a:p>
+            <a:pPr algn="ctr"/>
+            <a:endParaRPr lang="en-US"/>
+          </a:p>
+        </p:txBody>
+      </p:sp>
+    </p:spTree>
+    <p:extLst>
+      <p:ext uri="{BB962C8B-B14F-4D97-AF65-F5344CB8AC3E}">
+        <p14:creationId xmlns:p14="http://schemas.microsoft.com/office/powerpoint/2010/main" val="4200179265"/>
+      </p:ext>
+    </p:extLst>
+  </p:cSld>
+  <p:clrMapOvr>
+    <a:masterClrMapping/>
+  </p:clrMapOvr>
+</p:sld>
+</file>
+
+<file path=ppt/slides/slide26.xml><?xml version="1.0" encoding="utf-8"?>
+<p:sld xmlns:a="http://schemas.openxmlformats.org/drawingml/2006/main" xmlns:r="http://schemas.openxmlformats.org/officeDocument/2006/relationships" xmlns:p="http://schemas.openxmlformats.org/presentationml/2006/main">
+  <p:cSld>
+    <p:spTree>
+      <p:nvGrpSpPr>
+        <p:cNvPr id="1" name=""/>
+        <p:cNvGrpSpPr/>
+        <p:nvPr/>
+      </p:nvGrpSpPr>
+      <p:grpSpPr>
+        <a:xfrm>
+          <a:off x="0" y="0"/>
+          <a:ext cx="0" cy="0"/>
+          <a:chOff x="0" y="0"/>
+          <a:chExt cx="0" cy="0"/>
+        </a:xfrm>
+      </p:grpSpPr>
+      <p:sp>
+        <p:nvSpPr>
+          <p:cNvPr id="3" name="Content Placeholder 2">
+            <a:extLst>
+              <a:ext uri="{FF2B5EF4-FFF2-40B4-BE49-F238E27FC236}">
+                <a16:creationId xmlns:a16="http://schemas.microsoft.com/office/drawing/2014/main" id="{2E5DAAB6-C87E-4C10-8DDC-15F41DB00A20}"/>
+              </a:ext>
+            </a:extLst>
+          </p:cNvPr>
+          <p:cNvSpPr>
+            <a:spLocks noGrp="1"/>
+          </p:cNvSpPr>
+          <p:nvPr>
+            <p:ph idx="1"/>
+          </p:nvPr>
+        </p:nvSpPr>
+        <p:spPr>
+          <a:xfrm>
+            <a:off x="838200" y="1127760"/>
+            <a:ext cx="10515600" cy="5049203"/>
+          </a:xfrm>
+        </p:spPr>
+        <p:txBody>
+          <a:bodyPr>
+            <a:normAutofit/>
+          </a:bodyPr>
+          <a:lstStyle/>
+          <a:p>
+            <a:pPr marL="0" indent="0">
+              <a:buNone/>
+            </a:pPr>
+            <a:endParaRPr lang="en-CA" sz="2400" dirty="0">
+              <a:solidFill>
+                <a:schemeClr val="accent1">
+                  <a:lumMod val="75000"/>
+                </a:schemeClr>
+              </a:solidFill>
+            </a:endParaRPr>
+          </a:p>
+          <a:p>
+            <a:pPr marL="0" indent="0">
+              <a:buNone/>
+            </a:pPr>
+            <a:endParaRPr lang="en-CA" sz="2400" dirty="0"/>
+          </a:p>
+          <a:p>
+            <a:endParaRPr lang="en-CA" sz="2400" dirty="0"/>
+          </a:p>
+        </p:txBody>
+      </p:sp>
+      <p:pic>
+        <p:nvPicPr>
+          <p:cNvPr id="5" name="Picture 4">
+            <a:extLst>
+              <a:ext uri="{FF2B5EF4-FFF2-40B4-BE49-F238E27FC236}">
+                <a16:creationId xmlns:a16="http://schemas.microsoft.com/office/drawing/2014/main" id="{8977407B-874A-4791-897D-6196620D6F56}"/>
+              </a:ext>
+            </a:extLst>
+          </p:cNvPr>
+          <p:cNvPicPr>
+            <a:picLocks noChangeAspect="1"/>
+          </p:cNvPicPr>
+          <p:nvPr/>
+        </p:nvPicPr>
+        <p:blipFill>
+          <a:blip r:embed="rId2">
+            <a:extLst>
+              <a:ext uri="{28A0092B-C50C-407E-A947-70E740481C1C}">
+                <a14:useLocalDpi xmlns:a14="http://schemas.microsoft.com/office/drawing/2010/main" val="0"/>
+              </a:ext>
+            </a:extLst>
+          </a:blip>
+          <a:stretch>
+            <a:fillRect/>
+          </a:stretch>
+        </p:blipFill>
+        <p:spPr>
+          <a:xfrm>
+            <a:off x="9916160" y="365125"/>
+            <a:ext cx="1437640" cy="418937"/>
+          </a:xfrm>
+          <a:prstGeom prst="rect">
+            <a:avLst/>
+          </a:prstGeom>
+        </p:spPr>
+      </p:pic>
+      <p:sp>
+        <p:nvSpPr>
+          <p:cNvPr id="7" name="Title 1">
+            <a:extLst>
+              <a:ext uri="{FF2B5EF4-FFF2-40B4-BE49-F238E27FC236}">
+                <a16:creationId xmlns:a16="http://schemas.microsoft.com/office/drawing/2014/main" id="{DF83123F-FFF6-4EB8-AA6C-703D18DCBD9D}"/>
+              </a:ext>
+            </a:extLst>
+          </p:cNvPr>
+          <p:cNvSpPr>
+            <a:spLocks noGrp="1"/>
+          </p:cNvSpPr>
+          <p:nvPr>
+            <p:ph type="title"/>
+          </p:nvPr>
+        </p:nvSpPr>
+        <p:spPr>
+          <a:xfrm>
+            <a:off x="838200" y="365125"/>
+            <a:ext cx="10515600" cy="762635"/>
+          </a:xfrm>
+        </p:spPr>
+        <p:txBody>
+          <a:bodyPr>
+            <a:normAutofit/>
+          </a:bodyPr>
+          <a:lstStyle/>
+          <a:p>
+            <a:r>
+              <a:rPr lang="en-CA" sz="3600" dirty="0"/>
+              <a:t>Golden Section Method</a:t>
+            </a:r>
+            <a:endParaRPr lang="en-US" sz="3600" dirty="0"/>
+          </a:p>
+        </p:txBody>
+      </p:sp>
+      <p:pic>
+        <p:nvPicPr>
+          <p:cNvPr id="4" name="Picture 3" descr="A close up of a map&#10;&#10;Description generated with very high confidence">
+            <a:extLst>
+              <a:ext uri="{FF2B5EF4-FFF2-40B4-BE49-F238E27FC236}">
+                <a16:creationId xmlns:a16="http://schemas.microsoft.com/office/drawing/2014/main" id="{6F7F02D7-F0E8-4ACF-B7CC-959B5D7282D2}"/>
+              </a:ext>
+            </a:extLst>
+          </p:cNvPr>
+          <p:cNvPicPr>
+            <a:picLocks noChangeAspect="1"/>
+          </p:cNvPicPr>
+          <p:nvPr/>
+        </p:nvPicPr>
+        <p:blipFill>
+          <a:blip r:embed="rId3">
+            <a:extLst>
+              <a:ext uri="{28A0092B-C50C-407E-A947-70E740481C1C}">
+                <a14:useLocalDpi xmlns:a14="http://schemas.microsoft.com/office/drawing/2010/main" val="0"/>
+              </a:ext>
+            </a:extLst>
+          </a:blip>
+          <a:stretch>
+            <a:fillRect/>
+          </a:stretch>
+        </p:blipFill>
+        <p:spPr>
+          <a:xfrm>
+            <a:off x="778721" y="1658381"/>
+            <a:ext cx="5317279" cy="3987959"/>
+          </a:xfrm>
+          <a:prstGeom prst="rect">
+            <a:avLst/>
+          </a:prstGeom>
+        </p:spPr>
+      </p:pic>
+      <p:pic>
+        <p:nvPicPr>
+          <p:cNvPr id="8" name="Picture 7" descr="A close up of a map&#10;&#10;Description generated with very high confidence">
+            <a:extLst>
+              <a:ext uri="{FF2B5EF4-FFF2-40B4-BE49-F238E27FC236}">
+                <a16:creationId xmlns:a16="http://schemas.microsoft.com/office/drawing/2014/main" id="{CF3EF8CE-D7AB-4D17-A165-93D49F443CCF}"/>
+              </a:ext>
+            </a:extLst>
+          </p:cNvPr>
+          <p:cNvPicPr>
+            <a:picLocks noChangeAspect="1"/>
+          </p:cNvPicPr>
+          <p:nvPr/>
+        </p:nvPicPr>
+        <p:blipFill>
+          <a:blip r:embed="rId4">
+            <a:extLst>
+              <a:ext uri="{28A0092B-C50C-407E-A947-70E740481C1C}">
+                <a14:useLocalDpi xmlns:a14="http://schemas.microsoft.com/office/drawing/2010/main" val="0"/>
+              </a:ext>
+            </a:extLst>
+          </a:blip>
+          <a:stretch>
+            <a:fillRect/>
+          </a:stretch>
+        </p:blipFill>
+        <p:spPr>
+          <a:xfrm>
+            <a:off x="6200352" y="1697512"/>
+            <a:ext cx="5212927" cy="3909695"/>
+          </a:xfrm>
+          <a:prstGeom prst="rect">
+            <a:avLst/>
+          </a:prstGeom>
+        </p:spPr>
+      </p:pic>
       <p:sp>
         <p:nvSpPr>
           <p:cNvPr id="9" name="Rectangle: Rounded Corners 8">
@@ -8381,7 +8841,7 @@
 </p:sld>
 </file>
 
-<file path=ppt/slides/slide25.xml><?xml version="1.0" encoding="utf-8"?>
+<file path=ppt/slides/slide27.xml><?xml version="1.0" encoding="utf-8"?>
 <p:sld xmlns:a="http://schemas.openxmlformats.org/drawingml/2006/main" xmlns:r="http://schemas.openxmlformats.org/officeDocument/2006/relationships" xmlns:p="http://schemas.openxmlformats.org/presentationml/2006/main">
   <p:cSld>
     <p:spTree>
@@ -8871,7 +9331,7 @@
 </p:sld>
 </file>
 
-<file path=ppt/slides/slide26.xml><?xml version="1.0" encoding="utf-8"?>
+<file path=ppt/slides/slide28.xml><?xml version="1.0" encoding="utf-8"?>
 <p:sld xmlns:a="http://schemas.openxmlformats.org/drawingml/2006/main" xmlns:r="http://schemas.openxmlformats.org/officeDocument/2006/relationships" xmlns:p="http://schemas.openxmlformats.org/presentationml/2006/main">
   <p:cSld>
     <p:spTree>
@@ -8920,504 +9380,6 @@
               <a:buNone/>
             </a:pPr>
             <a:r>
-              <a:rPr lang="en-CA" sz="2400" dirty="0"/>
-              <a:t>Ideas for visualization:</a:t>
-            </a:r>
-          </a:p>
-          <a:p>
-            <a:r>
-              <a:rPr lang="en-CA" sz="2400" dirty="0"/>
-              <a:t>Baseline VNS iterations plot</a:t>
-            </a:r>
-          </a:p>
-          <a:p>
-            <a:r>
-              <a:rPr lang="en-CA" sz="2400" dirty="0"/>
-              <a:t>Golden section method curve (mean profit vs. number of seats curve)</a:t>
-            </a:r>
-          </a:p>
-          <a:p>
-            <a:r>
-              <a:rPr lang="en-CA" sz="2400" dirty="0"/>
-              <a:t>Distributions of profits (baseline and golden section results overlaid)</a:t>
-            </a:r>
-          </a:p>
-          <a:p>
-            <a:r>
-              <a:rPr lang="en-CA" sz="2400" dirty="0"/>
-              <a:t>Comparison table:</a:t>
-            </a:r>
-          </a:p>
-          <a:p>
-            <a:endParaRPr lang="en-CA" sz="2400" dirty="0"/>
-          </a:p>
-          <a:p>
-            <a:endParaRPr lang="en-CA" sz="2400" dirty="0"/>
-          </a:p>
-          <a:p>
-            <a:endParaRPr lang="en-CA" sz="2400" dirty="0"/>
-          </a:p>
-          <a:p>
-            <a:r>
-              <a:rPr lang="en-CA" sz="2400" dirty="0"/>
-              <a:t>Comment on any differences in optimal profit, table arrangement, and seats</a:t>
-            </a:r>
-          </a:p>
-          <a:p>
-            <a:r>
-              <a:rPr lang="en-CA" sz="2400" dirty="0"/>
-              <a:t>Reach a conclusion about which approach is better</a:t>
-            </a:r>
-          </a:p>
-          <a:p>
-            <a:pPr marL="0" indent="0">
-              <a:buNone/>
-            </a:pPr>
-            <a:r>
-              <a:rPr lang="en-CA" sz="1400" dirty="0"/>
-              <a:t>e.g. Use ‘</a:t>
-            </a:r>
-            <a:r>
-              <a:rPr lang="en-CA" sz="1400" dirty="0" err="1">
-                <a:solidFill>
-                  <a:srgbClr val="F42CF4"/>
-                </a:solidFill>
-              </a:rPr>
-              <a:t>OUTPUT_baselineVNS_no_reservation.mat</a:t>
-            </a:r>
-            <a:r>
-              <a:rPr lang="en-CA" sz="1400" dirty="0"/>
-              <a:t>’ and ‘</a:t>
-            </a:r>
-            <a:r>
-              <a:rPr lang="en-CA" sz="1400" dirty="0" err="1">
-                <a:solidFill>
-                  <a:srgbClr val="F42CF4"/>
-                </a:solidFill>
-              </a:rPr>
-              <a:t>Arrangement_baselineVNS_no_reservation.mat</a:t>
-            </a:r>
-            <a:r>
-              <a:rPr lang="en-CA" sz="1400" dirty="0"/>
-              <a:t>’ to see results of baseline VNS</a:t>
-            </a:r>
-          </a:p>
-          <a:p>
-            <a:pPr marL="0" indent="0">
-              <a:buNone/>
-            </a:pPr>
-            <a:endParaRPr lang="en-CA" sz="1400" dirty="0"/>
-          </a:p>
-          <a:p>
-            <a:pPr marL="0" indent="0">
-              <a:buNone/>
-            </a:pPr>
-            <a:endParaRPr lang="en-CA" sz="2400" dirty="0"/>
-          </a:p>
-          <a:p>
-            <a:pPr marL="0" indent="0">
-              <a:buNone/>
-            </a:pPr>
-            <a:endParaRPr lang="en-CA" sz="2400" dirty="0"/>
-          </a:p>
-          <a:p>
-            <a:endParaRPr lang="en-CA" sz="2400" dirty="0"/>
-          </a:p>
-        </p:txBody>
-      </p:sp>
-      <p:pic>
-        <p:nvPicPr>
-          <p:cNvPr id="5" name="Picture 4">
-            <a:extLst>
-              <a:ext uri="{FF2B5EF4-FFF2-40B4-BE49-F238E27FC236}">
-                <a16:creationId xmlns:a16="http://schemas.microsoft.com/office/drawing/2014/main" id="{0C7E7D67-F8B3-4901-8386-C7C19CECFEC6}"/>
-              </a:ext>
-            </a:extLst>
-          </p:cNvPr>
-          <p:cNvPicPr>
-            <a:picLocks noChangeAspect="1"/>
-          </p:cNvPicPr>
-          <p:nvPr/>
-        </p:nvPicPr>
-        <p:blipFill>
-          <a:blip r:embed="rId2">
-            <a:extLst>
-              <a:ext uri="{28A0092B-C50C-407E-A947-70E740481C1C}">
-                <a14:useLocalDpi xmlns:a14="http://schemas.microsoft.com/office/drawing/2010/main" val="0"/>
-              </a:ext>
-            </a:extLst>
-          </a:blip>
-          <a:stretch>
-            <a:fillRect/>
-          </a:stretch>
-        </p:blipFill>
-        <p:spPr>
-          <a:xfrm>
-            <a:off x="9916160" y="365125"/>
-            <a:ext cx="1437640" cy="418937"/>
-          </a:xfrm>
-          <a:prstGeom prst="rect">
-            <a:avLst/>
-          </a:prstGeom>
-        </p:spPr>
-      </p:pic>
-      <p:sp>
-        <p:nvSpPr>
-          <p:cNvPr id="6" name="Title 1">
-            <a:extLst>
-              <a:ext uri="{FF2B5EF4-FFF2-40B4-BE49-F238E27FC236}">
-                <a16:creationId xmlns:a16="http://schemas.microsoft.com/office/drawing/2014/main" id="{B4C9D95B-EBE4-40C7-8B82-4CFA20A3795C}"/>
-              </a:ext>
-            </a:extLst>
-          </p:cNvPr>
-          <p:cNvSpPr txBox="1">
-            <a:spLocks/>
-          </p:cNvSpPr>
-          <p:nvPr/>
-        </p:nvSpPr>
-        <p:spPr>
-          <a:xfrm>
-            <a:off x="838200" y="365125"/>
-            <a:ext cx="10515600" cy="762635"/>
-          </a:xfrm>
-          <a:prstGeom prst="rect">
-            <a:avLst/>
-          </a:prstGeom>
-        </p:spPr>
-        <p:txBody>
-          <a:bodyPr vert="horz" lIns="91440" tIns="45720" rIns="91440" bIns="45720" rtlCol="0" anchor="ctr">
-            <a:normAutofit/>
-          </a:bodyPr>
-          <a:lstStyle>
-            <a:lvl1pPr algn="l" defTabSz="914400" rtl="0" eaLnBrk="1" latinLnBrk="0" hangingPunct="1">
-              <a:lnSpc>
-                <a:spcPct val="90000"/>
-              </a:lnSpc>
-              <a:spcBef>
-                <a:spcPct val="0"/>
-              </a:spcBef>
-              <a:buNone/>
-              <a:defRPr sz="4400" kern="1200">
-                <a:solidFill>
-                  <a:schemeClr val="tx1"/>
-                </a:solidFill>
-                <a:latin typeface="+mj-lt"/>
-                <a:ea typeface="+mj-ea"/>
-                <a:cs typeface="+mj-cs"/>
-              </a:defRPr>
-            </a:lvl1pPr>
-          </a:lstStyle>
-          <a:p>
-            <a:r>
-              <a:rPr lang="en-CA" sz="3600" dirty="0"/>
-              <a:t>Results: Baseline VNS vs. Golden Section VNS</a:t>
-            </a:r>
-          </a:p>
-        </p:txBody>
-      </p:sp>
-      <p:graphicFrame>
-        <p:nvGraphicFramePr>
-          <p:cNvPr id="2" name="Table 1">
-            <a:extLst>
-              <a:ext uri="{FF2B5EF4-FFF2-40B4-BE49-F238E27FC236}">
-                <a16:creationId xmlns:a16="http://schemas.microsoft.com/office/drawing/2014/main" id="{3CACF5A3-AC3D-4BC9-929E-17EC7615B894}"/>
-              </a:ext>
-            </a:extLst>
-          </p:cNvPr>
-          <p:cNvGraphicFramePr>
-            <a:graphicFrameLocks noGrp="1"/>
-          </p:cNvGraphicFramePr>
-          <p:nvPr>
-            <p:extLst>
-              <p:ext uri="{D42A27DB-BD31-4B8C-83A1-F6EECF244321}">
-                <p14:modId xmlns:p14="http://schemas.microsoft.com/office/powerpoint/2010/main" val="4002167732"/>
-              </p:ext>
-            </p:extLst>
-          </p:nvPr>
-        </p:nvGraphicFramePr>
-        <p:xfrm>
-          <a:off x="1435100" y="3328136"/>
-          <a:ext cx="9321799" cy="1424095"/>
-        </p:xfrm>
-        <a:graphic>
-          <a:graphicData uri="http://schemas.openxmlformats.org/drawingml/2006/table">
-            <a:tbl>
-              <a:tblPr firstRow="1" bandRow="1">
-                <a:tableStyleId>{5C22544A-7EE6-4342-B048-85BDC9FD1C3A}</a:tableStyleId>
-              </a:tblPr>
-              <a:tblGrid>
-                <a:gridCol w="1920515">
-                  <a:extLst>
-                    <a:ext uri="{9D8B030D-6E8A-4147-A177-3AD203B41FA5}">
-                      <a16:colId xmlns:a16="http://schemas.microsoft.com/office/drawing/2014/main" val="773980223"/>
-                    </a:ext>
-                  </a:extLst>
-                </a:gridCol>
-                <a:gridCol w="1561825">
-                  <a:extLst>
-                    <a:ext uri="{9D8B030D-6E8A-4147-A177-3AD203B41FA5}">
-                      <a16:colId xmlns:a16="http://schemas.microsoft.com/office/drawing/2014/main" val="2672852949"/>
-                    </a:ext>
-                  </a:extLst>
-                </a:gridCol>
-                <a:gridCol w="3027680">
-                  <a:extLst>
-                    <a:ext uri="{9D8B030D-6E8A-4147-A177-3AD203B41FA5}">
-                      <a16:colId xmlns:a16="http://schemas.microsoft.com/office/drawing/2014/main" val="3602250034"/>
-                    </a:ext>
-                  </a:extLst>
-                </a:gridCol>
-                <a:gridCol w="2811779">
-                  <a:extLst>
-                    <a:ext uri="{9D8B030D-6E8A-4147-A177-3AD203B41FA5}">
-                      <a16:colId xmlns:a16="http://schemas.microsoft.com/office/drawing/2014/main" val="107866922"/>
-                    </a:ext>
-                  </a:extLst>
-                </a:gridCol>
-              </a:tblGrid>
-              <a:tr h="659691">
-                <a:tc>
-                  <a:txBody>
-                    <a:bodyPr/>
-                    <a:lstStyle/>
-                    <a:p>
-                      <a:pPr algn="ctr"/>
-                      <a:r>
-                        <a:rPr lang="en-CA" dirty="0"/>
-                        <a:t>Method</a:t>
-                      </a:r>
-                      <a:endParaRPr lang="en-US" dirty="0"/>
-                    </a:p>
-                  </a:txBody>
-                  <a:tcPr anchor="ctr"/>
-                </a:tc>
-                <a:tc>
-                  <a:txBody>
-                    <a:bodyPr/>
-                    <a:lstStyle/>
-                    <a:p>
-                      <a:pPr algn="ctr"/>
-                      <a:r>
-                        <a:rPr lang="en-CA" dirty="0"/>
-                        <a:t>Mean Profit</a:t>
-                      </a:r>
-                      <a:endParaRPr lang="en-US" dirty="0"/>
-                    </a:p>
-                  </a:txBody>
-                  <a:tcPr anchor="ctr"/>
-                </a:tc>
-                <a:tc>
-                  <a:txBody>
-                    <a:bodyPr/>
-                    <a:lstStyle/>
-                    <a:p>
-                      <a:pPr algn="ctr"/>
-                      <a:r>
-                        <a:rPr lang="en-CA" dirty="0"/>
-                        <a:t>Optimal Table Arrangement</a:t>
-                      </a:r>
-                      <a:endParaRPr lang="en-US" dirty="0"/>
-                    </a:p>
-                  </a:txBody>
-                  <a:tcPr anchor="ctr"/>
-                </a:tc>
-                <a:tc>
-                  <a:txBody>
-                    <a:bodyPr/>
-                    <a:lstStyle/>
-                    <a:p>
-                      <a:pPr algn="ctr"/>
-                      <a:r>
-                        <a:rPr lang="en-CA" dirty="0"/>
-                        <a:t>Optimal Number of Seats</a:t>
-                      </a:r>
-                      <a:endParaRPr lang="en-US" dirty="0"/>
-                    </a:p>
-                  </a:txBody>
-                  <a:tcPr anchor="ctr"/>
-                </a:tc>
-                <a:extLst>
-                  <a:ext uri="{0D108BD9-81ED-4DB2-BD59-A6C34878D82A}">
-                    <a16:rowId xmlns:a16="http://schemas.microsoft.com/office/drawing/2014/main" val="4222608112"/>
-                  </a:ext>
-                </a:extLst>
-              </a:tr>
-              <a:tr h="382202">
-                <a:tc>
-                  <a:txBody>
-                    <a:bodyPr/>
-                    <a:lstStyle/>
-                    <a:p>
-                      <a:pPr algn="ctr"/>
-                      <a:r>
-                        <a:rPr lang="en-CA" dirty="0"/>
-                        <a:t>Baseline</a:t>
-                      </a:r>
-                      <a:endParaRPr lang="en-US" dirty="0"/>
-                    </a:p>
-                  </a:txBody>
-                  <a:tcPr anchor="ctr"/>
-                </a:tc>
-                <a:tc>
-                  <a:txBody>
-                    <a:bodyPr/>
-                    <a:lstStyle/>
-                    <a:p>
-                      <a:pPr algn="ctr"/>
-                      <a:endParaRPr lang="en-US" dirty="0"/>
-                    </a:p>
-                  </a:txBody>
-                  <a:tcPr anchor="ctr"/>
-                </a:tc>
-                <a:tc>
-                  <a:txBody>
-                    <a:bodyPr/>
-                    <a:lstStyle/>
-                    <a:p>
-                      <a:pPr algn="ctr"/>
-                      <a:endParaRPr lang="en-US"/>
-                    </a:p>
-                  </a:txBody>
-                  <a:tcPr anchor="ctr"/>
-                </a:tc>
-                <a:tc>
-                  <a:txBody>
-                    <a:bodyPr/>
-                    <a:lstStyle/>
-                    <a:p>
-                      <a:pPr algn="ctr"/>
-                      <a:endParaRPr lang="en-US"/>
-                    </a:p>
-                  </a:txBody>
-                  <a:tcPr anchor="ctr"/>
-                </a:tc>
-                <a:extLst>
-                  <a:ext uri="{0D108BD9-81ED-4DB2-BD59-A6C34878D82A}">
-                    <a16:rowId xmlns:a16="http://schemas.microsoft.com/office/drawing/2014/main" val="352941571"/>
-                  </a:ext>
-                </a:extLst>
-              </a:tr>
-              <a:tr h="382202">
-                <a:tc>
-                  <a:txBody>
-                    <a:bodyPr/>
-                    <a:lstStyle/>
-                    <a:p>
-                      <a:pPr algn="ctr"/>
-                      <a:r>
-                        <a:rPr lang="en-CA" dirty="0"/>
-                        <a:t>Golden Section</a:t>
-                      </a:r>
-                      <a:endParaRPr lang="en-US" dirty="0"/>
-                    </a:p>
-                  </a:txBody>
-                  <a:tcPr anchor="ctr"/>
-                </a:tc>
-                <a:tc>
-                  <a:txBody>
-                    <a:bodyPr/>
-                    <a:lstStyle/>
-                    <a:p>
-                      <a:pPr algn="ctr"/>
-                      <a:endParaRPr lang="en-US"/>
-                    </a:p>
-                  </a:txBody>
-                  <a:tcPr anchor="ctr"/>
-                </a:tc>
-                <a:tc>
-                  <a:txBody>
-                    <a:bodyPr/>
-                    <a:lstStyle/>
-                    <a:p>
-                      <a:pPr algn="ctr"/>
-                      <a:endParaRPr lang="en-US"/>
-                    </a:p>
-                  </a:txBody>
-                  <a:tcPr anchor="ctr"/>
-                </a:tc>
-                <a:tc>
-                  <a:txBody>
-                    <a:bodyPr/>
-                    <a:lstStyle/>
-                    <a:p>
-                      <a:pPr algn="ctr"/>
-                      <a:endParaRPr lang="en-US" dirty="0"/>
-                    </a:p>
-                  </a:txBody>
-                  <a:tcPr anchor="ctr"/>
-                </a:tc>
-                <a:extLst>
-                  <a:ext uri="{0D108BD9-81ED-4DB2-BD59-A6C34878D82A}">
-                    <a16:rowId xmlns:a16="http://schemas.microsoft.com/office/drawing/2014/main" val="1585035157"/>
-                  </a:ext>
-                </a:extLst>
-              </a:tr>
-            </a:tbl>
-          </a:graphicData>
-        </a:graphic>
-      </p:graphicFrame>
-    </p:spTree>
-    <p:extLst>
-      <p:ext uri="{BB962C8B-B14F-4D97-AF65-F5344CB8AC3E}">
-        <p14:creationId xmlns:p14="http://schemas.microsoft.com/office/powerpoint/2010/main" val="2987988822"/>
-      </p:ext>
-    </p:extLst>
-  </p:cSld>
-  <p:clrMapOvr>
-    <a:masterClrMapping/>
-  </p:clrMapOvr>
-</p:sld>
-</file>
-
-<file path=ppt/slides/slide27.xml><?xml version="1.0" encoding="utf-8"?>
-<p:sld xmlns:a="http://schemas.openxmlformats.org/drawingml/2006/main" xmlns:r="http://schemas.openxmlformats.org/officeDocument/2006/relationships" xmlns:p="http://schemas.openxmlformats.org/presentationml/2006/main">
-  <p:cSld>
-    <p:spTree>
-      <p:nvGrpSpPr>
-        <p:cNvPr id="1" name=""/>
-        <p:cNvGrpSpPr/>
-        <p:nvPr/>
-      </p:nvGrpSpPr>
-      <p:grpSpPr>
-        <a:xfrm>
-          <a:off x="0" y="0"/>
-          <a:ext cx="0" cy="0"/>
-          <a:chOff x="0" y="0"/>
-          <a:chExt cx="0" cy="0"/>
-        </a:xfrm>
-      </p:grpSpPr>
-      <p:sp>
-        <p:nvSpPr>
-          <p:cNvPr id="3" name="Content Placeholder 2">
-            <a:extLst>
-              <a:ext uri="{FF2B5EF4-FFF2-40B4-BE49-F238E27FC236}">
-                <a16:creationId xmlns:a16="http://schemas.microsoft.com/office/drawing/2014/main" id="{A3747E47-B71D-4260-9DF4-6C60964EBB93}"/>
-              </a:ext>
-            </a:extLst>
-          </p:cNvPr>
-          <p:cNvSpPr>
-            <a:spLocks noGrp="1"/>
-          </p:cNvSpPr>
-          <p:nvPr>
-            <p:ph idx="1"/>
-          </p:nvPr>
-        </p:nvSpPr>
-        <p:spPr>
-          <a:xfrm>
-            <a:off x="838200" y="1127760"/>
-            <a:ext cx="10515600" cy="5049203"/>
-          </a:xfrm>
-        </p:spPr>
-        <p:txBody>
-          <a:bodyPr>
-            <a:normAutofit/>
-          </a:bodyPr>
-          <a:lstStyle/>
-          <a:p>
-            <a:pPr marL="0" indent="0">
-              <a:buNone/>
-            </a:pPr>
-            <a:r>
               <a:rPr lang="en-CA" sz="2400" dirty="0">
                 <a:solidFill>
                   <a:schemeClr val="accent1"/>
@@ -9582,7 +9544,7 @@
 </p:sld>
 </file>
 
-<file path=ppt/slides/slide28.xml><?xml version="1.0" encoding="utf-8"?>
+<file path=ppt/slides/slide29.xml><?xml version="1.0" encoding="utf-8"?>
 <p:sld xmlns:a="http://schemas.openxmlformats.org/drawingml/2006/main" xmlns:r="http://schemas.openxmlformats.org/officeDocument/2006/relationships" xmlns:p="http://schemas.openxmlformats.org/presentationml/2006/main">
   <p:cSld>
     <p:spTree>
@@ -10352,206 +10314,6 @@
 </p:sld>
 </file>
 
-<file path=ppt/slides/slide29.xml><?xml version="1.0" encoding="utf-8"?>
-<p:sld xmlns:a="http://schemas.openxmlformats.org/drawingml/2006/main" xmlns:r="http://schemas.openxmlformats.org/officeDocument/2006/relationships" xmlns:p="http://schemas.openxmlformats.org/presentationml/2006/main">
-  <p:cSld>
-    <p:spTree>
-      <p:nvGrpSpPr>
-        <p:cNvPr id="1" name=""/>
-        <p:cNvGrpSpPr/>
-        <p:nvPr/>
-      </p:nvGrpSpPr>
-      <p:grpSpPr>
-        <a:xfrm>
-          <a:off x="0" y="0"/>
-          <a:ext cx="0" cy="0"/>
-          <a:chOff x="0" y="0"/>
-          <a:chExt cx="0" cy="0"/>
-        </a:xfrm>
-      </p:grpSpPr>
-      <p:sp>
-        <p:nvSpPr>
-          <p:cNvPr id="3" name="Content Placeholder 2">
-            <a:extLst>
-              <a:ext uri="{FF2B5EF4-FFF2-40B4-BE49-F238E27FC236}">
-                <a16:creationId xmlns:a16="http://schemas.microsoft.com/office/drawing/2014/main" id="{A3747E47-B71D-4260-9DF4-6C60964EBB93}"/>
-              </a:ext>
-            </a:extLst>
-          </p:cNvPr>
-          <p:cNvSpPr>
-            <a:spLocks noGrp="1"/>
-          </p:cNvSpPr>
-          <p:nvPr>
-            <p:ph idx="1"/>
-          </p:nvPr>
-        </p:nvSpPr>
-        <p:spPr>
-          <a:xfrm>
-            <a:off x="838200" y="1127760"/>
-            <a:ext cx="10515600" cy="5049203"/>
-          </a:xfrm>
-        </p:spPr>
-        <p:txBody>
-          <a:bodyPr>
-            <a:normAutofit/>
-          </a:bodyPr>
-          <a:lstStyle/>
-          <a:p>
-            <a:pPr marL="0" indent="0">
-              <a:buNone/>
-            </a:pPr>
-            <a:endParaRPr lang="en-CA" sz="2400" dirty="0"/>
-          </a:p>
-          <a:p>
-            <a:pPr marL="0" indent="0">
-              <a:buNone/>
-            </a:pPr>
-            <a:endParaRPr lang="en-CA" sz="2400" dirty="0"/>
-          </a:p>
-          <a:p>
-            <a:endParaRPr lang="en-CA" sz="2400" dirty="0"/>
-          </a:p>
-        </p:txBody>
-      </p:sp>
-      <p:pic>
-        <p:nvPicPr>
-          <p:cNvPr id="5" name="Picture 4">
-            <a:extLst>
-              <a:ext uri="{FF2B5EF4-FFF2-40B4-BE49-F238E27FC236}">
-                <a16:creationId xmlns:a16="http://schemas.microsoft.com/office/drawing/2014/main" id="{0C7E7D67-F8B3-4901-8386-C7C19CECFEC6}"/>
-              </a:ext>
-            </a:extLst>
-          </p:cNvPr>
-          <p:cNvPicPr>
-            <a:picLocks noChangeAspect="1"/>
-          </p:cNvPicPr>
-          <p:nvPr/>
-        </p:nvPicPr>
-        <p:blipFill>
-          <a:blip r:embed="rId2">
-            <a:extLst>
-              <a:ext uri="{28A0092B-C50C-407E-A947-70E740481C1C}">
-                <a14:useLocalDpi xmlns:a14="http://schemas.microsoft.com/office/drawing/2010/main" val="0"/>
-              </a:ext>
-            </a:extLst>
-          </a:blip>
-          <a:stretch>
-            <a:fillRect/>
-          </a:stretch>
-        </p:blipFill>
-        <p:spPr>
-          <a:xfrm>
-            <a:off x="9916160" y="365125"/>
-            <a:ext cx="1437640" cy="418937"/>
-          </a:xfrm>
-          <a:prstGeom prst="rect">
-            <a:avLst/>
-          </a:prstGeom>
-        </p:spPr>
-      </p:pic>
-      <p:sp>
-        <p:nvSpPr>
-          <p:cNvPr id="6" name="Title 1">
-            <a:extLst>
-              <a:ext uri="{FF2B5EF4-FFF2-40B4-BE49-F238E27FC236}">
-                <a16:creationId xmlns:a16="http://schemas.microsoft.com/office/drawing/2014/main" id="{B4C9D95B-EBE4-40C7-8B82-4CFA20A3795C}"/>
-              </a:ext>
-            </a:extLst>
-          </p:cNvPr>
-          <p:cNvSpPr txBox="1">
-            <a:spLocks/>
-          </p:cNvSpPr>
-          <p:nvPr/>
-        </p:nvSpPr>
-        <p:spPr>
-          <a:xfrm>
-            <a:off x="838200" y="365125"/>
-            <a:ext cx="10515600" cy="762635"/>
-          </a:xfrm>
-          <a:prstGeom prst="rect">
-            <a:avLst/>
-          </a:prstGeom>
-        </p:spPr>
-        <p:txBody>
-          <a:bodyPr vert="horz" lIns="91440" tIns="45720" rIns="91440" bIns="45720" rtlCol="0" anchor="ctr">
-            <a:normAutofit/>
-          </a:bodyPr>
-          <a:lstStyle>
-            <a:lvl1pPr algn="l" defTabSz="914400" rtl="0" eaLnBrk="1" latinLnBrk="0" hangingPunct="1">
-              <a:lnSpc>
-                <a:spcPct val="90000"/>
-              </a:lnSpc>
-              <a:spcBef>
-                <a:spcPct val="0"/>
-              </a:spcBef>
-              <a:buNone/>
-              <a:defRPr sz="4400" kern="1200">
-                <a:solidFill>
-                  <a:schemeClr val="tx1"/>
-                </a:solidFill>
-                <a:latin typeface="+mj-lt"/>
-                <a:ea typeface="+mj-ea"/>
-                <a:cs typeface="+mj-cs"/>
-              </a:defRPr>
-            </a:lvl1pPr>
-          </a:lstStyle>
-          <a:p>
-            <a:r>
-              <a:rPr lang="en-CA" sz="3600" dirty="0"/>
-              <a:t>Results: Baseline VNS vs. Golden Section VNS</a:t>
-            </a:r>
-          </a:p>
-        </p:txBody>
-      </p:sp>
-      <p:pic>
-        <p:nvPicPr>
-          <p:cNvPr id="4" name="Picture 3" descr="A picture containing screenshot&#10;&#10;Description generated with very high confidence">
-            <a:extLst>
-              <a:ext uri="{FF2B5EF4-FFF2-40B4-BE49-F238E27FC236}">
-                <a16:creationId xmlns:a16="http://schemas.microsoft.com/office/drawing/2014/main" id="{8B39126D-C6B5-4E2C-A83A-56AB682DF7EF}"/>
-              </a:ext>
-            </a:extLst>
-          </p:cNvPr>
-          <p:cNvPicPr>
-            <a:picLocks noChangeAspect="1"/>
-          </p:cNvPicPr>
-          <p:nvPr/>
-        </p:nvPicPr>
-        <p:blipFill>
-          <a:blip r:embed="rId3">
-            <a:extLst>
-              <a:ext uri="{28A0092B-C50C-407E-A947-70E740481C1C}">
-                <a14:useLocalDpi xmlns:a14="http://schemas.microsoft.com/office/drawing/2010/main" val="0"/>
-              </a:ext>
-            </a:extLst>
-          </a:blip>
-          <a:stretch>
-            <a:fillRect/>
-          </a:stretch>
-        </p:blipFill>
-        <p:spPr>
-          <a:xfrm>
-            <a:off x="834166" y="1127760"/>
-            <a:ext cx="10519634" cy="5049203"/>
-          </a:xfrm>
-          <a:prstGeom prst="rect">
-            <a:avLst/>
-          </a:prstGeom>
-        </p:spPr>
-      </p:pic>
-    </p:spTree>
-    <p:extLst>
-      <p:ext uri="{BB962C8B-B14F-4D97-AF65-F5344CB8AC3E}">
-        <p14:creationId xmlns:p14="http://schemas.microsoft.com/office/powerpoint/2010/main" val="1216261409"/>
-      </p:ext>
-    </p:extLst>
-  </p:cSld>
-  <p:clrMapOvr>
-    <a:masterClrMapping/>
-  </p:clrMapOvr>
-</p:sld>
-</file>
-
 <file path=ppt/slides/slide3.xml><?xml version="1.0" encoding="utf-8"?>
 <p:sld xmlns:a="http://schemas.openxmlformats.org/drawingml/2006/main" xmlns:r="http://schemas.openxmlformats.org/officeDocument/2006/relationships" xmlns:p="http://schemas.openxmlformats.org/presentationml/2006/main">
   <p:cSld>
@@ -10863,6 +10625,206 @@
 </file>
 
 <file path=ppt/slides/slide30.xml><?xml version="1.0" encoding="utf-8"?>
+<p:sld xmlns:a="http://schemas.openxmlformats.org/drawingml/2006/main" xmlns:r="http://schemas.openxmlformats.org/officeDocument/2006/relationships" xmlns:p="http://schemas.openxmlformats.org/presentationml/2006/main">
+  <p:cSld>
+    <p:spTree>
+      <p:nvGrpSpPr>
+        <p:cNvPr id="1" name=""/>
+        <p:cNvGrpSpPr/>
+        <p:nvPr/>
+      </p:nvGrpSpPr>
+      <p:grpSpPr>
+        <a:xfrm>
+          <a:off x="0" y="0"/>
+          <a:ext cx="0" cy="0"/>
+          <a:chOff x="0" y="0"/>
+          <a:chExt cx="0" cy="0"/>
+        </a:xfrm>
+      </p:grpSpPr>
+      <p:sp>
+        <p:nvSpPr>
+          <p:cNvPr id="3" name="Content Placeholder 2">
+            <a:extLst>
+              <a:ext uri="{FF2B5EF4-FFF2-40B4-BE49-F238E27FC236}">
+                <a16:creationId xmlns:a16="http://schemas.microsoft.com/office/drawing/2014/main" id="{A3747E47-B71D-4260-9DF4-6C60964EBB93}"/>
+              </a:ext>
+            </a:extLst>
+          </p:cNvPr>
+          <p:cNvSpPr>
+            <a:spLocks noGrp="1"/>
+          </p:cNvSpPr>
+          <p:nvPr>
+            <p:ph idx="1"/>
+          </p:nvPr>
+        </p:nvSpPr>
+        <p:spPr>
+          <a:xfrm>
+            <a:off x="838200" y="1127760"/>
+            <a:ext cx="10515600" cy="5049203"/>
+          </a:xfrm>
+        </p:spPr>
+        <p:txBody>
+          <a:bodyPr>
+            <a:normAutofit/>
+          </a:bodyPr>
+          <a:lstStyle/>
+          <a:p>
+            <a:pPr marL="0" indent="0">
+              <a:buNone/>
+            </a:pPr>
+            <a:endParaRPr lang="en-CA" sz="2400" dirty="0"/>
+          </a:p>
+          <a:p>
+            <a:pPr marL="0" indent="0">
+              <a:buNone/>
+            </a:pPr>
+            <a:endParaRPr lang="en-CA" sz="2400" dirty="0"/>
+          </a:p>
+          <a:p>
+            <a:endParaRPr lang="en-CA" sz="2400" dirty="0"/>
+          </a:p>
+        </p:txBody>
+      </p:sp>
+      <p:pic>
+        <p:nvPicPr>
+          <p:cNvPr id="5" name="Picture 4">
+            <a:extLst>
+              <a:ext uri="{FF2B5EF4-FFF2-40B4-BE49-F238E27FC236}">
+                <a16:creationId xmlns:a16="http://schemas.microsoft.com/office/drawing/2014/main" id="{0C7E7D67-F8B3-4901-8386-C7C19CECFEC6}"/>
+              </a:ext>
+            </a:extLst>
+          </p:cNvPr>
+          <p:cNvPicPr>
+            <a:picLocks noChangeAspect="1"/>
+          </p:cNvPicPr>
+          <p:nvPr/>
+        </p:nvPicPr>
+        <p:blipFill>
+          <a:blip r:embed="rId2">
+            <a:extLst>
+              <a:ext uri="{28A0092B-C50C-407E-A947-70E740481C1C}">
+                <a14:useLocalDpi xmlns:a14="http://schemas.microsoft.com/office/drawing/2010/main" val="0"/>
+              </a:ext>
+            </a:extLst>
+          </a:blip>
+          <a:stretch>
+            <a:fillRect/>
+          </a:stretch>
+        </p:blipFill>
+        <p:spPr>
+          <a:xfrm>
+            <a:off x="9916160" y="365125"/>
+            <a:ext cx="1437640" cy="418937"/>
+          </a:xfrm>
+          <a:prstGeom prst="rect">
+            <a:avLst/>
+          </a:prstGeom>
+        </p:spPr>
+      </p:pic>
+      <p:sp>
+        <p:nvSpPr>
+          <p:cNvPr id="6" name="Title 1">
+            <a:extLst>
+              <a:ext uri="{FF2B5EF4-FFF2-40B4-BE49-F238E27FC236}">
+                <a16:creationId xmlns:a16="http://schemas.microsoft.com/office/drawing/2014/main" id="{B4C9D95B-EBE4-40C7-8B82-4CFA20A3795C}"/>
+              </a:ext>
+            </a:extLst>
+          </p:cNvPr>
+          <p:cNvSpPr txBox="1">
+            <a:spLocks/>
+          </p:cNvSpPr>
+          <p:nvPr/>
+        </p:nvSpPr>
+        <p:spPr>
+          <a:xfrm>
+            <a:off x="838200" y="365125"/>
+            <a:ext cx="10515600" cy="762635"/>
+          </a:xfrm>
+          <a:prstGeom prst="rect">
+            <a:avLst/>
+          </a:prstGeom>
+        </p:spPr>
+        <p:txBody>
+          <a:bodyPr vert="horz" lIns="91440" tIns="45720" rIns="91440" bIns="45720" rtlCol="0" anchor="ctr">
+            <a:normAutofit/>
+          </a:bodyPr>
+          <a:lstStyle>
+            <a:lvl1pPr algn="l" defTabSz="914400" rtl="0" eaLnBrk="1" latinLnBrk="0" hangingPunct="1">
+              <a:lnSpc>
+                <a:spcPct val="90000"/>
+              </a:lnSpc>
+              <a:spcBef>
+                <a:spcPct val="0"/>
+              </a:spcBef>
+              <a:buNone/>
+              <a:defRPr sz="4400" kern="1200">
+                <a:solidFill>
+                  <a:schemeClr val="tx1"/>
+                </a:solidFill>
+                <a:latin typeface="+mj-lt"/>
+                <a:ea typeface="+mj-ea"/>
+                <a:cs typeface="+mj-cs"/>
+              </a:defRPr>
+            </a:lvl1pPr>
+          </a:lstStyle>
+          <a:p>
+            <a:r>
+              <a:rPr lang="en-CA" sz="3600" dirty="0"/>
+              <a:t>Results: Baseline VNS vs. Golden Section VNS</a:t>
+            </a:r>
+          </a:p>
+        </p:txBody>
+      </p:sp>
+      <p:pic>
+        <p:nvPicPr>
+          <p:cNvPr id="7" name="Picture 6" descr="A picture containing screenshot&#10;&#10;Description generated with high confidence">
+            <a:extLst>
+              <a:ext uri="{FF2B5EF4-FFF2-40B4-BE49-F238E27FC236}">
+                <a16:creationId xmlns:a16="http://schemas.microsoft.com/office/drawing/2014/main" id="{C43C9459-252D-4B19-93F8-E55C042647ED}"/>
+              </a:ext>
+            </a:extLst>
+          </p:cNvPr>
+          <p:cNvPicPr>
+            <a:picLocks noChangeAspect="1"/>
+          </p:cNvPicPr>
+          <p:nvPr/>
+        </p:nvPicPr>
+        <p:blipFill>
+          <a:blip r:embed="rId3">
+            <a:extLst>
+              <a:ext uri="{28A0092B-C50C-407E-A947-70E740481C1C}">
+                <a14:useLocalDpi xmlns:a14="http://schemas.microsoft.com/office/drawing/2010/main" val="0"/>
+              </a:ext>
+            </a:extLst>
+          </a:blip>
+          <a:stretch>
+            <a:fillRect/>
+          </a:stretch>
+        </p:blipFill>
+        <p:spPr>
+          <a:xfrm>
+            <a:off x="452120" y="1127760"/>
+            <a:ext cx="10901680" cy="5232577"/>
+          </a:xfrm>
+          <a:prstGeom prst="rect">
+            <a:avLst/>
+          </a:prstGeom>
+        </p:spPr>
+      </p:pic>
+    </p:spTree>
+    <p:extLst>
+      <p:ext uri="{BB962C8B-B14F-4D97-AF65-F5344CB8AC3E}">
+        <p14:creationId xmlns:p14="http://schemas.microsoft.com/office/powerpoint/2010/main" val="1216261409"/>
+      </p:ext>
+    </p:extLst>
+  </p:cSld>
+  <p:clrMapOvr>
+    <a:masterClrMapping/>
+  </p:clrMapOvr>
+</p:sld>
+</file>
+
+<file path=ppt/slides/slide31.xml><?xml version="1.0" encoding="utf-8"?>
 <p:sld xmlns:a="http://schemas.openxmlformats.org/drawingml/2006/main" xmlns:r="http://schemas.openxmlformats.org/officeDocument/2006/relationships" xmlns:p="http://schemas.openxmlformats.org/presentationml/2006/main">
   <p:cSld>
     <p:spTree>
@@ -11341,221 +11303,6 @@
 </p:sld>
 </file>
 
-<file path=ppt/slides/slide31.xml><?xml version="1.0" encoding="utf-8"?>
-<p:sld xmlns:a="http://schemas.openxmlformats.org/drawingml/2006/main" xmlns:r="http://schemas.openxmlformats.org/officeDocument/2006/relationships" xmlns:p="http://schemas.openxmlformats.org/presentationml/2006/main">
-  <p:cSld>
-    <p:spTree>
-      <p:nvGrpSpPr>
-        <p:cNvPr id="1" name=""/>
-        <p:cNvGrpSpPr/>
-        <p:nvPr/>
-      </p:nvGrpSpPr>
-      <p:grpSpPr>
-        <a:xfrm>
-          <a:off x="0" y="0"/>
-          <a:ext cx="0" cy="0"/>
-          <a:chOff x="0" y="0"/>
-          <a:chExt cx="0" cy="0"/>
-        </a:xfrm>
-      </p:grpSpPr>
-      <p:sp>
-        <p:nvSpPr>
-          <p:cNvPr id="3" name="Content Placeholder 2">
-            <a:extLst>
-              <a:ext uri="{FF2B5EF4-FFF2-40B4-BE49-F238E27FC236}">
-                <a16:creationId xmlns:a16="http://schemas.microsoft.com/office/drawing/2014/main" id="{A3747E47-B71D-4260-9DF4-6C60964EBB93}"/>
-              </a:ext>
-            </a:extLst>
-          </p:cNvPr>
-          <p:cNvSpPr>
-            <a:spLocks noGrp="1"/>
-          </p:cNvSpPr>
-          <p:nvPr>
-            <p:ph idx="1"/>
-          </p:nvPr>
-        </p:nvSpPr>
-        <p:spPr>
-          <a:xfrm>
-            <a:off x="838200" y="1127760"/>
-            <a:ext cx="10515600" cy="5049203"/>
-          </a:xfrm>
-        </p:spPr>
-        <p:txBody>
-          <a:bodyPr>
-            <a:normAutofit/>
-          </a:bodyPr>
-          <a:lstStyle/>
-          <a:p>
-            <a:pPr marL="0" indent="0">
-              <a:buNone/>
-            </a:pPr>
-            <a:r>
-              <a:rPr lang="en-CA" sz="2400" dirty="0"/>
-              <a:t>Ideas</a:t>
-            </a:r>
-          </a:p>
-          <a:p>
-            <a:r>
-              <a:rPr lang="en-CA" sz="2400" dirty="0"/>
-              <a:t>Distributions of profits overlaid</a:t>
-            </a:r>
-          </a:p>
-          <a:p>
-            <a:r>
-              <a:rPr lang="en-CA" sz="2400" dirty="0"/>
-              <a:t>Comparison table</a:t>
-            </a:r>
-          </a:p>
-          <a:p>
-            <a:r>
-              <a:rPr lang="en-CA" sz="2400" dirty="0"/>
-              <a:t>Number of admitted groups by customer size</a:t>
-            </a:r>
-          </a:p>
-          <a:p>
-            <a:r>
-              <a:rPr lang="en-CA" sz="2400" dirty="0"/>
-              <a:t>Odds of abandonment by customer size</a:t>
-            </a:r>
-          </a:p>
-          <a:p>
-            <a:pPr marL="0" indent="0">
-              <a:buNone/>
-            </a:pPr>
-            <a:r>
-              <a:rPr lang="en-CA" sz="2400" dirty="0">
-                <a:solidFill>
-                  <a:schemeClr val="bg2">
-                    <a:lumMod val="75000"/>
-                  </a:schemeClr>
-                </a:solidFill>
-              </a:rPr>
-              <a:t>(My guess is that more customer groups of size 5 are admitted while the rest remain more or less constant)</a:t>
-            </a:r>
-          </a:p>
-          <a:p>
-            <a:r>
-              <a:rPr lang="en-CA" sz="2400" dirty="0"/>
-              <a:t>Comment on the differences (profit, table arrangement, number of seats)</a:t>
-            </a:r>
-          </a:p>
-          <a:p>
-            <a:r>
-              <a:rPr lang="en-CA" sz="2400" dirty="0"/>
-              <a:t>Reach a conclusion about which policy is better</a:t>
-            </a:r>
-          </a:p>
-          <a:p>
-            <a:pPr marL="0" indent="0">
-              <a:buNone/>
-            </a:pPr>
-            <a:endParaRPr lang="en-US" sz="2400" dirty="0"/>
-          </a:p>
-        </p:txBody>
-      </p:sp>
-      <p:pic>
-        <p:nvPicPr>
-          <p:cNvPr id="5" name="Picture 4">
-            <a:extLst>
-              <a:ext uri="{FF2B5EF4-FFF2-40B4-BE49-F238E27FC236}">
-                <a16:creationId xmlns:a16="http://schemas.microsoft.com/office/drawing/2014/main" id="{0C7E7D67-F8B3-4901-8386-C7C19CECFEC6}"/>
-              </a:ext>
-            </a:extLst>
-          </p:cNvPr>
-          <p:cNvPicPr>
-            <a:picLocks noChangeAspect="1"/>
-          </p:cNvPicPr>
-          <p:nvPr/>
-        </p:nvPicPr>
-        <p:blipFill>
-          <a:blip r:embed="rId2">
-            <a:extLst>
-              <a:ext uri="{28A0092B-C50C-407E-A947-70E740481C1C}">
-                <a14:useLocalDpi xmlns:a14="http://schemas.microsoft.com/office/drawing/2010/main" val="0"/>
-              </a:ext>
-            </a:extLst>
-          </a:blip>
-          <a:stretch>
-            <a:fillRect/>
-          </a:stretch>
-        </p:blipFill>
-        <p:spPr>
-          <a:xfrm>
-            <a:off x="9916160" y="365125"/>
-            <a:ext cx="1437640" cy="418937"/>
-          </a:xfrm>
-          <a:prstGeom prst="rect">
-            <a:avLst/>
-          </a:prstGeom>
-        </p:spPr>
-      </p:pic>
-      <p:sp>
-        <p:nvSpPr>
-          <p:cNvPr id="6" name="Title 1">
-            <a:extLst>
-              <a:ext uri="{FF2B5EF4-FFF2-40B4-BE49-F238E27FC236}">
-                <a16:creationId xmlns:a16="http://schemas.microsoft.com/office/drawing/2014/main" id="{B4C9D95B-EBE4-40C7-8B82-4CFA20A3795C}"/>
-              </a:ext>
-            </a:extLst>
-          </p:cNvPr>
-          <p:cNvSpPr txBox="1">
-            <a:spLocks/>
-          </p:cNvSpPr>
-          <p:nvPr/>
-        </p:nvSpPr>
-        <p:spPr>
-          <a:xfrm>
-            <a:off x="838200" y="365125"/>
-            <a:ext cx="10515600" cy="762635"/>
-          </a:xfrm>
-          <a:prstGeom prst="rect">
-            <a:avLst/>
-          </a:prstGeom>
-        </p:spPr>
-        <p:txBody>
-          <a:bodyPr vert="horz" lIns="91440" tIns="45720" rIns="91440" bIns="45720" rtlCol="0" anchor="ctr">
-            <a:normAutofit/>
-          </a:bodyPr>
-          <a:lstStyle>
-            <a:lvl1pPr algn="l" defTabSz="914400" rtl="0" eaLnBrk="1" latinLnBrk="0" hangingPunct="1">
-              <a:lnSpc>
-                <a:spcPct val="90000"/>
-              </a:lnSpc>
-              <a:spcBef>
-                <a:spcPct val="0"/>
-              </a:spcBef>
-              <a:buNone/>
-              <a:defRPr sz="4400" kern="1200">
-                <a:solidFill>
-                  <a:schemeClr val="tx1"/>
-                </a:solidFill>
-                <a:latin typeface="+mj-lt"/>
-                <a:ea typeface="+mj-ea"/>
-                <a:cs typeface="+mj-cs"/>
-              </a:defRPr>
-            </a:lvl1pPr>
-          </a:lstStyle>
-          <a:p>
-            <a:r>
-              <a:rPr lang="en-CA" sz="3600" dirty="0"/>
-              <a:t>Results: Seating Policy Comparison</a:t>
-            </a:r>
-          </a:p>
-        </p:txBody>
-      </p:sp>
-    </p:spTree>
-    <p:extLst>
-      <p:ext uri="{BB962C8B-B14F-4D97-AF65-F5344CB8AC3E}">
-        <p14:creationId xmlns:p14="http://schemas.microsoft.com/office/powerpoint/2010/main" val="697602103"/>
-      </p:ext>
-    </p:extLst>
-  </p:cSld>
-  <p:clrMapOvr>
-    <a:masterClrMapping/>
-  </p:clrMapOvr>
-</p:sld>
-</file>
-
 <file path=ppt/slides/slide32.xml><?xml version="1.0" encoding="utf-8"?>
 <p:sld xmlns:a="http://schemas.openxmlformats.org/drawingml/2006/main" xmlns:r="http://schemas.openxmlformats.org/officeDocument/2006/relationships" xmlns:p="http://schemas.openxmlformats.org/presentationml/2006/main">
   <p:cSld>
@@ -11709,10 +11456,10 @@
       </p:sp>
       <p:pic>
         <p:nvPicPr>
-          <p:cNvPr id="7" name="Picture 6" descr="A picture containing screenshot&#10;&#10;Description generated with high confidence">
+          <p:cNvPr id="4" name="Picture 3">
             <a:extLst>
               <a:ext uri="{FF2B5EF4-FFF2-40B4-BE49-F238E27FC236}">
-                <a16:creationId xmlns:a16="http://schemas.microsoft.com/office/drawing/2014/main" id="{ACBD0354-8EBE-430F-B062-26548E50ECB1}"/>
+                <a16:creationId xmlns:a16="http://schemas.microsoft.com/office/drawing/2014/main" id="{1CB7B68B-D97E-441C-81CD-2BA0E53C767A}"/>
               </a:ext>
             </a:extLst>
           </p:cNvPr>
@@ -11735,8 +11482,8 @@
         </p:blipFill>
         <p:spPr>
           <a:xfrm>
-            <a:off x="838200" y="1157645"/>
-            <a:ext cx="10515600" cy="4989433"/>
+            <a:off x="419100" y="1043290"/>
+            <a:ext cx="11353800" cy="5449585"/>
           </a:xfrm>
           <a:prstGeom prst="rect">
             <a:avLst/>

--- a/Presentation.pptx
+++ b/Presentation.pptx
@@ -5,7 +5,7 @@
     <p:sldMasterId id="2147483660" r:id="rId1"/>
   </p:sldMasterIdLst>
   <p:notesMasterIdLst>
-    <p:notesMasterId r:id="rId36"/>
+    <p:notesMasterId r:id="rId35"/>
   </p:notesMasterIdLst>
   <p:sldIdLst>
     <p:sldId id="256" r:id="rId2"/>
@@ -23,25 +23,24 @@
     <p:sldId id="289" r:id="rId14"/>
     <p:sldId id="292" r:id="rId15"/>
     <p:sldId id="297" r:id="rId16"/>
-    <p:sldId id="259" r:id="rId17"/>
-    <p:sldId id="258" r:id="rId18"/>
-    <p:sldId id="282" r:id="rId19"/>
-    <p:sldId id="290" r:id="rId20"/>
-    <p:sldId id="291" r:id="rId21"/>
-    <p:sldId id="273" r:id="rId22"/>
-    <p:sldId id="261" r:id="rId23"/>
-    <p:sldId id="264" r:id="rId24"/>
-    <p:sldId id="266" r:id="rId25"/>
-    <p:sldId id="267" r:id="rId26"/>
-    <p:sldId id="268" r:id="rId27"/>
-    <p:sldId id="270" r:id="rId28"/>
-    <p:sldId id="276" r:id="rId29"/>
-    <p:sldId id="272" r:id="rId30"/>
-    <p:sldId id="277" r:id="rId31"/>
-    <p:sldId id="278" r:id="rId32"/>
-    <p:sldId id="279" r:id="rId33"/>
-    <p:sldId id="280" r:id="rId34"/>
-    <p:sldId id="281" r:id="rId35"/>
+    <p:sldId id="258" r:id="rId17"/>
+    <p:sldId id="282" r:id="rId18"/>
+    <p:sldId id="290" r:id="rId19"/>
+    <p:sldId id="291" r:id="rId20"/>
+    <p:sldId id="273" r:id="rId21"/>
+    <p:sldId id="261" r:id="rId22"/>
+    <p:sldId id="264" r:id="rId23"/>
+    <p:sldId id="266" r:id="rId24"/>
+    <p:sldId id="267" r:id="rId25"/>
+    <p:sldId id="268" r:id="rId26"/>
+    <p:sldId id="270" r:id="rId27"/>
+    <p:sldId id="276" r:id="rId28"/>
+    <p:sldId id="272" r:id="rId29"/>
+    <p:sldId id="277" r:id="rId30"/>
+    <p:sldId id="278" r:id="rId31"/>
+    <p:sldId id="279" r:id="rId32"/>
+    <p:sldId id="280" r:id="rId33"/>
+    <p:sldId id="281" r:id="rId34"/>
   </p:sldIdLst>
   <p:sldSz cx="12192000" cy="6858000"/>
   <p:notesSz cx="6858000" cy="9144000"/>
@@ -230,7 +229,7 @@
           <a:p>
             <a:fld id="{8072A660-2FC5-4103-967E-B19F76250BEA}" type="datetimeFigureOut">
               <a:rPr lang="en-US" smtClean="0"/>
-              <a:t>5/27/2019</a:t>
+              <a:t>27-May-19</a:t>
             </a:fld>
             <a:endParaRPr lang="en-US"/>
           </a:p>
@@ -572,7 +571,7 @@
           <a:p>
             <a:fld id="{F337A9D5-A264-4B80-8400-78E45D6652AF}" type="slidenum">
               <a:rPr lang="en-US" smtClean="0"/>
-              <a:t>33</a:t>
+              <a:t>32</a:t>
             </a:fld>
             <a:endParaRPr lang="en-US"/>
           </a:p>
@@ -664,7 +663,7 @@
           <a:p>
             <a:fld id="{F337A9D5-A264-4B80-8400-78E45D6652AF}" type="slidenum">
               <a:rPr lang="en-US" smtClean="0"/>
-              <a:t>34</a:t>
+              <a:t>33</a:t>
             </a:fld>
             <a:endParaRPr lang="en-US"/>
           </a:p>
@@ -814,7 +813,7 @@
           <a:p>
             <a:fld id="{26EBFB83-AAA2-427D-8458-5FB692FCFF84}" type="datetimeFigureOut">
               <a:rPr lang="en-US" smtClean="0"/>
-              <a:t>5/27/2019</a:t>
+              <a:t>27-May-19</a:t>
             </a:fld>
             <a:endParaRPr lang="en-US"/>
           </a:p>
@@ -984,7 +983,7 @@
           <a:p>
             <a:fld id="{26EBFB83-AAA2-427D-8458-5FB692FCFF84}" type="datetimeFigureOut">
               <a:rPr lang="en-US" smtClean="0"/>
-              <a:t>5/27/2019</a:t>
+              <a:t>27-May-19</a:t>
             </a:fld>
             <a:endParaRPr lang="en-US"/>
           </a:p>
@@ -1164,7 +1163,7 @@
           <a:p>
             <a:fld id="{26EBFB83-AAA2-427D-8458-5FB692FCFF84}" type="datetimeFigureOut">
               <a:rPr lang="en-US" smtClean="0"/>
-              <a:t>5/27/2019</a:t>
+              <a:t>27-May-19</a:t>
             </a:fld>
             <a:endParaRPr lang="en-US"/>
           </a:p>
@@ -1334,7 +1333,7 @@
           <a:p>
             <a:fld id="{26EBFB83-AAA2-427D-8458-5FB692FCFF84}" type="datetimeFigureOut">
               <a:rPr lang="en-US" smtClean="0"/>
-              <a:t>5/27/2019</a:t>
+              <a:t>27-May-19</a:t>
             </a:fld>
             <a:endParaRPr lang="en-US"/>
           </a:p>
@@ -1580,7 +1579,7 @@
           <a:p>
             <a:fld id="{26EBFB83-AAA2-427D-8458-5FB692FCFF84}" type="datetimeFigureOut">
               <a:rPr lang="en-US" smtClean="0"/>
-              <a:t>5/27/2019</a:t>
+              <a:t>27-May-19</a:t>
             </a:fld>
             <a:endParaRPr lang="en-US"/>
           </a:p>
@@ -1812,7 +1811,7 @@
           <a:p>
             <a:fld id="{26EBFB83-AAA2-427D-8458-5FB692FCFF84}" type="datetimeFigureOut">
               <a:rPr lang="en-US" smtClean="0"/>
-              <a:t>5/27/2019</a:t>
+              <a:t>27-May-19</a:t>
             </a:fld>
             <a:endParaRPr lang="en-US"/>
           </a:p>
@@ -2179,7 +2178,7 @@
           <a:p>
             <a:fld id="{26EBFB83-AAA2-427D-8458-5FB692FCFF84}" type="datetimeFigureOut">
               <a:rPr lang="en-US" smtClean="0"/>
-              <a:t>5/27/2019</a:t>
+              <a:t>27-May-19</a:t>
             </a:fld>
             <a:endParaRPr lang="en-US"/>
           </a:p>
@@ -2297,7 +2296,7 @@
           <a:p>
             <a:fld id="{26EBFB83-AAA2-427D-8458-5FB692FCFF84}" type="datetimeFigureOut">
               <a:rPr lang="en-US" smtClean="0"/>
-              <a:t>5/27/2019</a:t>
+              <a:t>27-May-19</a:t>
             </a:fld>
             <a:endParaRPr lang="en-US"/>
           </a:p>
@@ -2392,7 +2391,7 @@
           <a:p>
             <a:fld id="{26EBFB83-AAA2-427D-8458-5FB692FCFF84}" type="datetimeFigureOut">
               <a:rPr lang="en-US" smtClean="0"/>
-              <a:t>5/27/2019</a:t>
+              <a:t>27-May-19</a:t>
             </a:fld>
             <a:endParaRPr lang="en-US"/>
           </a:p>
@@ -2669,7 +2668,7 @@
           <a:p>
             <a:fld id="{26EBFB83-AAA2-427D-8458-5FB692FCFF84}" type="datetimeFigureOut">
               <a:rPr lang="en-US" smtClean="0"/>
-              <a:t>5/27/2019</a:t>
+              <a:t>27-May-19</a:t>
             </a:fld>
             <a:endParaRPr lang="en-US"/>
           </a:p>
@@ -2926,7 +2925,7 @@
           <a:p>
             <a:fld id="{26EBFB83-AAA2-427D-8458-5FB692FCFF84}" type="datetimeFigureOut">
               <a:rPr lang="en-US" smtClean="0"/>
-              <a:t>5/27/2019</a:t>
+              <a:t>27-May-19</a:t>
             </a:fld>
             <a:endParaRPr lang="en-US"/>
           </a:p>
@@ -3139,7 +3138,7 @@
           <a:p>
             <a:fld id="{26EBFB83-AAA2-427D-8458-5FB692FCFF84}" type="datetimeFigureOut">
               <a:rPr lang="en-US" smtClean="0"/>
-              <a:t>5/27/2019</a:t>
+              <a:t>27-May-19</a:t>
             </a:fld>
             <a:endParaRPr lang="en-US"/>
           </a:p>
@@ -3667,7 +3666,7 @@
                 <a14:useLocalDpi xmlns:a14="http://schemas.microsoft.com/office/drawing/2010/main" val="0"/>
               </a:ext>
               <a:ext uri="{96DAC541-7B7A-43D3-8B79-37D633B846F1}">
-                <asvg:svgBlip xmlns:asvg="http://schemas.microsoft.com/office/drawing/2016/SVG/main" r:embed="rId3"/>
+                <asvg:svgBlip xmlns:asvg="http://schemas.microsoft.com/office/drawing/2016/SVG/main" xmlns="" r:embed="rId3"/>
               </a:ext>
             </a:extLst>
           </a:blip>
@@ -5875,7 +5874,7 @@
         </p:blipFill>
         <p:spPr>
           <a:xfrm>
-            <a:off x="51360" y="3218047"/>
+            <a:off x="-55231" y="2980415"/>
             <a:ext cx="4046880" cy="2700000"/>
           </a:xfrm>
           <a:prstGeom prst="rect">
@@ -5885,7 +5884,7 @@
       </p:pic>
       <p:pic>
         <p:nvPicPr>
-          <p:cNvPr id="4" name="Picture 3"/>
+          <p:cNvPr id="9" name="Picture 8"/>
           <p:cNvPicPr>
             <a:picLocks noChangeAspect="1"/>
           </p:cNvPicPr>
@@ -5899,8 +5898,8 @@
         </p:blipFill>
         <p:spPr>
           <a:xfrm>
-            <a:off x="4098240" y="3218047"/>
-            <a:ext cx="4046880" cy="2700000"/>
+            <a:off x="8038529" y="2980415"/>
+            <a:ext cx="4046882" cy="2700000"/>
           </a:xfrm>
           <a:prstGeom prst="rect">
             <a:avLst/>
@@ -5909,7 +5908,7 @@
       </p:pic>
       <p:pic>
         <p:nvPicPr>
-          <p:cNvPr id="7" name="Picture 6"/>
+          <p:cNvPr id="10" name="Picture 9"/>
           <p:cNvPicPr>
             <a:picLocks noChangeAspect="1"/>
           </p:cNvPicPr>
@@ -5923,7 +5922,7 @@
         </p:blipFill>
         <p:spPr>
           <a:xfrm>
-            <a:off x="8145120" y="3218047"/>
+            <a:off x="3991649" y="2980415"/>
             <a:ext cx="4046880" cy="2700000"/>
           </a:xfrm>
           <a:prstGeom prst="rect">
@@ -5961,61 +5960,47 @@
           <a:chExt cx="0" cy="0"/>
         </a:xfrm>
       </p:grpSpPr>
-      <p:sp>
-        <p:nvSpPr>
-          <p:cNvPr id="3" name="Content Placeholder 2">
+      <p:pic>
+        <p:nvPicPr>
+          <p:cNvPr id="10" name="Content Placeholder 9" descr="A screenshot of a cell phone&#10;&#10;Description generated with very high confidence">
             <a:extLst>
               <a:ext uri="{FF2B5EF4-FFF2-40B4-BE49-F238E27FC236}">
-                <a16:creationId xmlns:a16="http://schemas.microsoft.com/office/drawing/2014/main" id="{2E5DAAB6-C87E-4C10-8DDC-15F41DB00A20}"/>
+                <a16:creationId xmlns:a16="http://schemas.microsoft.com/office/drawing/2014/main" id="{9432EE17-87DB-4B00-9B56-CD2CDBFE5D6C}"/>
               </a:ext>
             </a:extLst>
           </p:cNvPr>
-          <p:cNvSpPr>
-            <a:spLocks noGrp="1"/>
-          </p:cNvSpPr>
+          <p:cNvPicPr>
+            <a:picLocks noGrp="1" noChangeAspect="1"/>
+          </p:cNvPicPr>
           <p:nvPr>
             <p:ph idx="1"/>
           </p:nvPr>
-        </p:nvSpPr>
-        <p:spPr>
-          <a:xfrm>
-            <a:off x="838200" y="1127760"/>
-            <a:ext cx="10515600" cy="5049203"/>
-          </a:xfrm>
-        </p:spPr>
-        <p:txBody>
-          <a:bodyPr>
-            <a:normAutofit/>
-          </a:bodyPr>
-          <a:lstStyle/>
-          <a:p>
-            <a:r>
-              <a:rPr lang="en-CA" sz="2400" dirty="0"/>
-              <a:t>Table arrangement:</a:t>
-            </a:r>
-          </a:p>
-          <a:p>
-            <a:pPr lvl="1"/>
-            <a:r>
-              <a:rPr lang="en-CA" sz="2000" dirty="0"/>
-              <a:t>200 seats;</a:t>
-            </a:r>
-          </a:p>
-          <a:p>
-            <a:pPr lvl="1"/>
-            <a:r>
-              <a:rPr lang="en-CA" sz="2000" dirty="0"/>
-              <a:t>40 tables size 5;</a:t>
-            </a:r>
-          </a:p>
-        </p:txBody>
-      </p:sp>
+        </p:nvPicPr>
+        <p:blipFill>
+          <a:blip r:embed="rId2">
+            <a:extLst>
+              <a:ext uri="{28A0092B-C50C-407E-A947-70E740481C1C}">
+                <a14:useLocalDpi xmlns:a14="http://schemas.microsoft.com/office/drawing/2010/main" val="0"/>
+              </a:ext>
+            </a:extLst>
+          </a:blip>
+          <a:stretch>
+            <a:fillRect/>
+          </a:stretch>
+        </p:blipFill>
+        <p:spPr>
+          <a:xfrm>
+            <a:off x="0" y="1257934"/>
+            <a:ext cx="6190826" cy="4643120"/>
+          </a:xfrm>
+        </p:spPr>
+      </p:pic>
       <p:pic>
         <p:nvPicPr>
           <p:cNvPr id="5" name="Picture 4">
             <a:extLst>
               <a:ext uri="{FF2B5EF4-FFF2-40B4-BE49-F238E27FC236}">
-                <a16:creationId xmlns:a16="http://schemas.microsoft.com/office/drawing/2014/main" id="{8977407B-874A-4791-897D-6196620D6F56}"/>
+                <a16:creationId xmlns:a16="http://schemas.microsoft.com/office/drawing/2014/main" id="{937DC52F-3E84-4376-A880-17A444D06451}"/>
               </a:ext>
             </a:extLst>
           </p:cNvPr>
@@ -6025,7 +6010,7 @@
           <p:nvPr/>
         </p:nvPicPr>
         <p:blipFill>
-          <a:blip r:embed="rId2" cstate="print">
+          <a:blip r:embed="rId3" cstate="hqprint">
             <a:extLst>
               <a:ext uri="{28A0092B-C50C-407E-A947-70E740481C1C}">
                 <a14:useLocalDpi xmlns:a14="http://schemas.microsoft.com/office/drawing/2010/main" val="0"/>
@@ -6048,10 +6033,10 @@
       </p:pic>
       <p:sp>
         <p:nvSpPr>
-          <p:cNvPr id="8" name="Title 1">
+          <p:cNvPr id="9" name="Title 1">
             <a:extLst>
               <a:ext uri="{FF2B5EF4-FFF2-40B4-BE49-F238E27FC236}">
-                <a16:creationId xmlns:a16="http://schemas.microsoft.com/office/drawing/2014/main" id="{3C0D5108-0220-49D1-BFA7-E8863D4F1E1D}"/>
+                <a16:creationId xmlns:a16="http://schemas.microsoft.com/office/drawing/2014/main" id="{D8D4F29A-F761-4FDF-9F1D-5964127B29A1}"/>
               </a:ext>
             </a:extLst>
           </p:cNvPr>
@@ -6094,8 +6079,8 @@
           </a:lstStyle>
           <a:p>
             <a:r>
-              <a:rPr lang="en-CA" sz="3600" dirty="0"/>
-              <a:t>Simulation results</a:t>
+              <a:rPr lang="en-CA" sz="3600"/>
+              <a:t>Simulation</a:t>
             </a:r>
             <a:endParaRPr lang="en-US" sz="3600" dirty="0"/>
           </a:p>
@@ -6103,46 +6088,34 @@
       </p:sp>
       <p:pic>
         <p:nvPicPr>
-          <p:cNvPr id="9" name="Picture 8"/>
+          <p:cNvPr id="12" name="Picture 11" descr="A screenshot of a cell phone&#10;&#10;Description generated with very high confidence">
+            <a:extLst>
+              <a:ext uri="{FF2B5EF4-FFF2-40B4-BE49-F238E27FC236}">
+                <a16:creationId xmlns:a16="http://schemas.microsoft.com/office/drawing/2014/main" id="{7BD46D61-0DA8-4170-BCF6-6167271C1986}"/>
+              </a:ext>
+            </a:extLst>
+          </p:cNvPr>
           <p:cNvPicPr>
             <a:picLocks noChangeAspect="1"/>
           </p:cNvPicPr>
           <p:nvPr/>
         </p:nvPicPr>
         <p:blipFill>
-          <a:blip r:embed="rId3"/>
+          <a:blip r:embed="rId4">
+            <a:extLst>
+              <a:ext uri="{28A0092B-C50C-407E-A947-70E740481C1C}">
+                <a14:useLocalDpi xmlns:a14="http://schemas.microsoft.com/office/drawing/2010/main" val="0"/>
+              </a:ext>
+            </a:extLst>
+          </a:blip>
           <a:stretch>
             <a:fillRect/>
           </a:stretch>
         </p:blipFill>
         <p:spPr>
           <a:xfrm>
-            <a:off x="5616078" y="2777215"/>
-            <a:ext cx="4586462" cy="3060000"/>
-          </a:xfrm>
-          <a:prstGeom prst="rect">
-            <a:avLst/>
-          </a:prstGeom>
-        </p:spPr>
-      </p:pic>
-      <p:pic>
-        <p:nvPicPr>
-          <p:cNvPr id="10" name="Picture 9"/>
-          <p:cNvPicPr>
-            <a:picLocks noChangeAspect="1"/>
-          </p:cNvPicPr>
-          <p:nvPr/>
-        </p:nvPicPr>
-        <p:blipFill>
-          <a:blip r:embed="rId4"/>
-          <a:stretch>
-            <a:fillRect/>
-          </a:stretch>
-        </p:blipFill>
-        <p:spPr>
-          <a:xfrm>
-            <a:off x="1029618" y="2777215"/>
-            <a:ext cx="4586460" cy="3060000"/>
+            <a:off x="6001172" y="1257934"/>
+            <a:ext cx="6190828" cy="4643121"/>
           </a:xfrm>
           <a:prstGeom prst="rect">
             <a:avLst/>
@@ -6152,7 +6125,7 @@
     </p:spTree>
     <p:extLst>
       <p:ext uri="{BB962C8B-B14F-4D97-AF65-F5344CB8AC3E}">
-        <p14:creationId xmlns:p14="http://schemas.microsoft.com/office/powerpoint/2010/main" val="1104723762"/>
+        <p14:creationId xmlns:p14="http://schemas.microsoft.com/office/powerpoint/2010/main" val="4259261674"/>
       </p:ext>
     </p:extLst>
   </p:cSld>
@@ -6181,41 +6154,6 @@
       </p:grpSpPr>
       <p:pic>
         <p:nvPicPr>
-          <p:cNvPr id="10" name="Content Placeholder 9" descr="A screenshot of a cell phone&#10;&#10;Description generated with very high confidence">
-            <a:extLst>
-              <a:ext uri="{FF2B5EF4-FFF2-40B4-BE49-F238E27FC236}">
-                <a16:creationId xmlns:a16="http://schemas.microsoft.com/office/drawing/2014/main" id="{9432EE17-87DB-4B00-9B56-CD2CDBFE5D6C}"/>
-              </a:ext>
-            </a:extLst>
-          </p:cNvPr>
-          <p:cNvPicPr>
-            <a:picLocks noGrp="1" noChangeAspect="1"/>
-          </p:cNvPicPr>
-          <p:nvPr>
-            <p:ph idx="1"/>
-          </p:nvPr>
-        </p:nvPicPr>
-        <p:blipFill>
-          <a:blip r:embed="rId2">
-            <a:extLst>
-              <a:ext uri="{28A0092B-C50C-407E-A947-70E740481C1C}">
-                <a14:useLocalDpi xmlns:a14="http://schemas.microsoft.com/office/drawing/2010/main" val="0"/>
-              </a:ext>
-            </a:extLst>
-          </a:blip>
-          <a:stretch>
-            <a:fillRect/>
-          </a:stretch>
-        </p:blipFill>
-        <p:spPr>
-          <a:xfrm>
-            <a:off x="0" y="1257934"/>
-            <a:ext cx="6190826" cy="4643120"/>
-          </a:xfrm>
-        </p:spPr>
-      </p:pic>
-      <p:pic>
-        <p:nvPicPr>
           <p:cNvPr id="5" name="Picture 4">
             <a:extLst>
               <a:ext uri="{FF2B5EF4-FFF2-40B4-BE49-F238E27FC236}">
@@ -6229,7 +6167,7 @@
           <p:nvPr/>
         </p:nvPicPr>
         <p:blipFill>
-          <a:blip r:embed="rId3">
+          <a:blip r:embed="rId2" cstate="hqprint">
             <a:extLst>
               <a:ext uri="{28A0092B-C50C-407E-A947-70E740481C1C}">
                 <a14:useLocalDpi xmlns:a14="http://schemas.microsoft.com/office/drawing/2010/main" val="0"/>
@@ -6307,10 +6245,45 @@
       </p:sp>
       <p:pic>
         <p:nvPicPr>
-          <p:cNvPr id="12" name="Picture 11" descr="A screenshot of a cell phone&#10;&#10;Description generated with very high confidence">
+          <p:cNvPr id="6" name="Content Placeholder 5" descr="A screenshot of a cell phone&#10;&#10;Description generated with very high confidence">
             <a:extLst>
               <a:ext uri="{FF2B5EF4-FFF2-40B4-BE49-F238E27FC236}">
-                <a16:creationId xmlns:a16="http://schemas.microsoft.com/office/drawing/2014/main" id="{7BD46D61-0DA8-4170-BCF6-6167271C1986}"/>
+                <a16:creationId xmlns:a16="http://schemas.microsoft.com/office/drawing/2014/main" id="{399FECF4-9FC0-4462-A432-28E11A5F98CF}"/>
+              </a:ext>
+            </a:extLst>
+          </p:cNvPr>
+          <p:cNvPicPr>
+            <a:picLocks noGrp="1" noChangeAspect="1"/>
+          </p:cNvPicPr>
+          <p:nvPr>
+            <p:ph idx="1"/>
+          </p:nvPr>
+        </p:nvPicPr>
+        <p:blipFill>
+          <a:blip r:embed="rId3">
+            <a:extLst>
+              <a:ext uri="{28A0092B-C50C-407E-A947-70E740481C1C}">
+                <a14:useLocalDpi xmlns:a14="http://schemas.microsoft.com/office/drawing/2010/main" val="0"/>
+              </a:ext>
+            </a:extLst>
+          </a:blip>
+          <a:stretch>
+            <a:fillRect/>
+          </a:stretch>
+        </p:blipFill>
+        <p:spPr>
+          <a:xfrm>
+            <a:off x="0" y="1143000"/>
+            <a:ext cx="6096000" cy="4572000"/>
+          </a:xfrm>
+        </p:spPr>
+      </p:pic>
+      <p:pic>
+        <p:nvPicPr>
+          <p:cNvPr id="8" name="Picture 7" descr="A screenshot of a cell phone&#10;&#10;Description generated with very high confidence">
+            <a:extLst>
+              <a:ext uri="{FF2B5EF4-FFF2-40B4-BE49-F238E27FC236}">
+                <a16:creationId xmlns:a16="http://schemas.microsoft.com/office/drawing/2014/main" id="{4F8008DE-4DF9-4429-9ABF-0378FFA46201}"/>
               </a:ext>
             </a:extLst>
           </p:cNvPr>
@@ -6333,8 +6306,8 @@
         </p:blipFill>
         <p:spPr>
           <a:xfrm>
-            <a:off x="6001172" y="1257934"/>
-            <a:ext cx="6190828" cy="4643121"/>
+            <a:off x="6096000" y="1143000"/>
+            <a:ext cx="6096000" cy="4572000"/>
           </a:xfrm>
           <a:prstGeom prst="rect">
             <a:avLst/>
@@ -6344,7 +6317,7 @@
     </p:spTree>
     <p:extLst>
       <p:ext uri="{BB962C8B-B14F-4D97-AF65-F5344CB8AC3E}">
-        <p14:creationId xmlns:p14="http://schemas.microsoft.com/office/powerpoint/2010/main" val="4259261674"/>
+        <p14:creationId xmlns:p14="http://schemas.microsoft.com/office/powerpoint/2010/main" val="2278741990"/>
       </p:ext>
     </p:extLst>
   </p:cSld>
@@ -6373,10 +6346,10 @@
       </p:grpSpPr>
       <p:pic>
         <p:nvPicPr>
-          <p:cNvPr id="5" name="Picture 4">
+          <p:cNvPr id="6" name="Picture 5">
             <a:extLst>
               <a:ext uri="{FF2B5EF4-FFF2-40B4-BE49-F238E27FC236}">
-                <a16:creationId xmlns:a16="http://schemas.microsoft.com/office/drawing/2014/main" id="{937DC52F-3E84-4376-A880-17A444D06451}"/>
+                <a16:creationId xmlns:a16="http://schemas.microsoft.com/office/drawing/2014/main" id="{A6EF65AA-5892-404D-82FC-C9F1A634C44D}"/>
               </a:ext>
             </a:extLst>
           </p:cNvPr>
@@ -6386,7 +6359,7 @@
           <p:nvPr/>
         </p:nvPicPr>
         <p:blipFill>
-          <a:blip r:embed="rId2">
+          <a:blip r:embed="rId2" cstate="hqprint">
             <a:extLst>
               <a:ext uri="{28A0092B-C50C-407E-A947-70E740481C1C}">
                 <a14:useLocalDpi xmlns:a14="http://schemas.microsoft.com/office/drawing/2010/main" val="0"/>
@@ -6399,8 +6372,8 @@
         </p:blipFill>
         <p:spPr>
           <a:xfrm>
-            <a:off x="9916160" y="365125"/>
-            <a:ext cx="1437640" cy="418937"/>
+            <a:off x="838201" y="2743200"/>
+            <a:ext cx="1413668" cy="1413668"/>
           </a:xfrm>
           <a:prstGeom prst="rect">
             <a:avLst/>
@@ -6409,100 +6382,47 @@
       </p:pic>
       <p:sp>
         <p:nvSpPr>
-          <p:cNvPr id="9" name="Title 1">
+          <p:cNvPr id="2" name="Title 1">
             <a:extLst>
               <a:ext uri="{FF2B5EF4-FFF2-40B4-BE49-F238E27FC236}">
-                <a16:creationId xmlns:a16="http://schemas.microsoft.com/office/drawing/2014/main" id="{D8D4F29A-F761-4FDF-9F1D-5964127B29A1}"/>
+                <a16:creationId xmlns:a16="http://schemas.microsoft.com/office/drawing/2014/main" id="{72816BE1-4A9B-4E6A-B1EB-DD40AE40E9F9}"/>
               </a:ext>
             </a:extLst>
           </p:cNvPr>
-          <p:cNvSpPr txBox="1">
-            <a:spLocks/>
+          <p:cNvSpPr>
+            <a:spLocks noGrp="1"/>
           </p:cNvSpPr>
-          <p:nvPr/>
-        </p:nvSpPr>
-        <p:spPr>
-          <a:xfrm>
-            <a:off x="838200" y="365125"/>
-            <a:ext cx="10515600" cy="762635"/>
-          </a:xfrm>
-          <a:prstGeom prst="rect">
-            <a:avLst/>
-          </a:prstGeom>
-        </p:spPr>
-        <p:txBody>
-          <a:bodyPr vert="horz" lIns="91440" tIns="45720" rIns="91440" bIns="45720" rtlCol="0" anchor="ctr">
+          <p:nvPr>
+            <p:ph type="ctrTitle"/>
+          </p:nvPr>
+        </p:nvSpPr>
+        <p:spPr>
+          <a:xfrm>
+            <a:off x="2370667" y="2187743"/>
+            <a:ext cx="5293449" cy="2482515"/>
+          </a:xfrm>
+        </p:spPr>
+        <p:txBody>
+          <a:bodyPr anchor="ctr">
             <a:normAutofit/>
           </a:bodyPr>
-          <a:lstStyle>
-            <a:lvl1pPr algn="l" defTabSz="914400" rtl="0" eaLnBrk="1" latinLnBrk="0" hangingPunct="1">
-              <a:lnSpc>
-                <a:spcPct val="90000"/>
-              </a:lnSpc>
-              <a:spcBef>
-                <a:spcPct val="0"/>
-              </a:spcBef>
-              <a:buNone/>
-              <a:defRPr sz="4400" kern="1200">
-                <a:solidFill>
-                  <a:schemeClr val="tx1"/>
-                </a:solidFill>
-                <a:latin typeface="+mj-lt"/>
-                <a:ea typeface="+mj-ea"/>
-                <a:cs typeface="+mj-cs"/>
-              </a:defRPr>
-            </a:lvl1pPr>
-          </a:lstStyle>
-          <a:p>
-            <a:r>
-              <a:rPr lang="en-CA" sz="3600"/>
-              <a:t>Simulation</a:t>
-            </a:r>
-            <a:endParaRPr lang="en-US" sz="3600" dirty="0"/>
+          <a:lstStyle/>
+          <a:p>
+            <a:pPr algn="l"/>
+            <a:r>
+              <a:rPr lang="en-CA" dirty="0"/>
+              <a:t>Optimization</a:t>
+            </a:r>
+            <a:endParaRPr lang="en-US" dirty="0"/>
           </a:p>
         </p:txBody>
       </p:sp>
       <p:pic>
         <p:nvPicPr>
-          <p:cNvPr id="6" name="Content Placeholder 5" descr="A screenshot of a cell phone&#10;&#10;Description generated with very high confidence">
+          <p:cNvPr id="21" name="Picture 20">
             <a:extLst>
               <a:ext uri="{FF2B5EF4-FFF2-40B4-BE49-F238E27FC236}">
-                <a16:creationId xmlns:a16="http://schemas.microsoft.com/office/drawing/2014/main" id="{399FECF4-9FC0-4462-A432-28E11A5F98CF}"/>
-              </a:ext>
-            </a:extLst>
-          </p:cNvPr>
-          <p:cNvPicPr>
-            <a:picLocks noGrp="1" noChangeAspect="1"/>
-          </p:cNvPicPr>
-          <p:nvPr>
-            <p:ph idx="1"/>
-          </p:nvPr>
-        </p:nvPicPr>
-        <p:blipFill>
-          <a:blip r:embed="rId3">
-            <a:extLst>
-              <a:ext uri="{28A0092B-C50C-407E-A947-70E740481C1C}">
-                <a14:useLocalDpi xmlns:a14="http://schemas.microsoft.com/office/drawing/2010/main" val="0"/>
-              </a:ext>
-            </a:extLst>
-          </a:blip>
-          <a:stretch>
-            <a:fillRect/>
-          </a:stretch>
-        </p:blipFill>
-        <p:spPr>
-          <a:xfrm>
-            <a:off x="0" y="1143000"/>
-            <a:ext cx="6096000" cy="4572000"/>
-          </a:xfrm>
-        </p:spPr>
-      </p:pic>
-      <p:pic>
-        <p:nvPicPr>
-          <p:cNvPr id="8" name="Picture 7" descr="A screenshot of a cell phone&#10;&#10;Description generated with very high confidence">
-            <a:extLst>
-              <a:ext uri="{FF2B5EF4-FFF2-40B4-BE49-F238E27FC236}">
-                <a16:creationId xmlns:a16="http://schemas.microsoft.com/office/drawing/2014/main" id="{4F8008DE-4DF9-4429-9ABF-0378FFA46201}"/>
+                <a16:creationId xmlns:a16="http://schemas.microsoft.com/office/drawing/2014/main" id="{42C85B27-11F7-44C3-880A-3D4700405CB6}"/>
               </a:ext>
             </a:extLst>
           </p:cNvPr>
@@ -6512,7 +6432,7 @@
           <p:nvPr/>
         </p:nvPicPr>
         <p:blipFill>
-          <a:blip r:embed="rId4">
+          <a:blip r:embed="rId3" cstate="hqprint">
             <a:extLst>
               <a:ext uri="{28A0092B-C50C-407E-A947-70E740481C1C}">
                 <a14:useLocalDpi xmlns:a14="http://schemas.microsoft.com/office/drawing/2010/main" val="0"/>
@@ -6525,8 +6445,8 @@
         </p:blipFill>
         <p:spPr>
           <a:xfrm>
-            <a:off x="6096000" y="1143000"/>
-            <a:ext cx="6096000" cy="4572000"/>
+            <a:off x="9916160" y="365125"/>
+            <a:ext cx="1437640" cy="418937"/>
           </a:xfrm>
           <a:prstGeom prst="rect">
             <a:avLst/>
@@ -6536,7 +6456,7 @@
     </p:spTree>
     <p:extLst>
       <p:ext uri="{BB962C8B-B14F-4D97-AF65-F5344CB8AC3E}">
-        <p14:creationId xmlns:p14="http://schemas.microsoft.com/office/powerpoint/2010/main" val="2278741990"/>
+        <p14:creationId xmlns:p14="http://schemas.microsoft.com/office/powerpoint/2010/main" val="4088084169"/>
       </p:ext>
     </p:extLst>
   </p:cSld>
@@ -6563,12 +6483,68 @@
           <a:chExt cx="0" cy="0"/>
         </a:xfrm>
       </p:grpSpPr>
+      <p:sp>
+        <p:nvSpPr>
+          <p:cNvPr id="3" name="Content Placeholder 2">
+            <a:extLst>
+              <a:ext uri="{FF2B5EF4-FFF2-40B4-BE49-F238E27FC236}">
+                <a16:creationId xmlns:a16="http://schemas.microsoft.com/office/drawing/2014/main" id="{2E5DAAB6-C87E-4C10-8DDC-15F41DB00A20}"/>
+              </a:ext>
+            </a:extLst>
+          </p:cNvPr>
+          <p:cNvSpPr>
+            <a:spLocks noGrp="1"/>
+          </p:cNvSpPr>
+          <p:nvPr>
+            <p:ph idx="1"/>
+          </p:nvPr>
+        </p:nvSpPr>
+        <p:spPr>
+          <a:xfrm>
+            <a:off x="838200" y="1127760"/>
+            <a:ext cx="10515600" cy="5049203"/>
+          </a:xfrm>
+        </p:spPr>
+        <p:txBody>
+          <a:bodyPr>
+            <a:normAutofit/>
+          </a:bodyPr>
+          <a:lstStyle/>
+          <a:p>
+            <a:r>
+              <a:rPr lang="en-CA" sz="2400" dirty="0"/>
+              <a:t>Decision variables</a:t>
+            </a:r>
+          </a:p>
+          <a:p>
+            <a:endParaRPr lang="en-CA" sz="2400" dirty="0"/>
+          </a:p>
+          <a:p>
+            <a:pPr marL="0" indent="0">
+              <a:buNone/>
+            </a:pPr>
+            <a:endParaRPr lang="en-CA" sz="2400" dirty="0"/>
+          </a:p>
+          <a:p>
+            <a:pPr marL="0" indent="0">
+              <a:buNone/>
+            </a:pPr>
+            <a:endParaRPr lang="en-CA" sz="2400" dirty="0"/>
+          </a:p>
+          <a:p>
+            <a:r>
+              <a:rPr lang="en-CA" sz="2400" dirty="0"/>
+              <a:t>Objective function</a:t>
+            </a:r>
+          </a:p>
+        </p:txBody>
+      </p:sp>
       <p:pic>
         <p:nvPicPr>
-          <p:cNvPr id="6" name="Picture 5">
+          <p:cNvPr id="5" name="Picture 4">
             <a:extLst>
               <a:ext uri="{FF2B5EF4-FFF2-40B4-BE49-F238E27FC236}">
-                <a16:creationId xmlns:a16="http://schemas.microsoft.com/office/drawing/2014/main" id="{A6EF65AA-5892-404D-82FC-C9F1A634C44D}"/>
+                <a16:creationId xmlns:a16="http://schemas.microsoft.com/office/drawing/2014/main" id="{8977407B-874A-4791-897D-6196620D6F56}"/>
               </a:ext>
             </a:extLst>
           </p:cNvPr>
@@ -6578,7 +6554,7 @@
           <p:nvPr/>
         </p:nvPicPr>
         <p:blipFill>
-          <a:blip r:embed="rId2">
+          <a:blip r:embed="rId2" cstate="hqprint">
             <a:extLst>
               <a:ext uri="{28A0092B-C50C-407E-A947-70E740481C1C}">
                 <a14:useLocalDpi xmlns:a14="http://schemas.microsoft.com/office/drawing/2010/main" val="0"/>
@@ -6591,8 +6567,8 @@
         </p:blipFill>
         <p:spPr>
           <a:xfrm>
-            <a:off x="838201" y="2743200"/>
-            <a:ext cx="1413668" cy="1413668"/>
+            <a:off x="9916160" y="365125"/>
+            <a:ext cx="1437640" cy="418937"/>
           </a:xfrm>
           <a:prstGeom prst="rect">
             <a:avLst/>
@@ -6601,81 +6577,63 @@
       </p:pic>
       <p:sp>
         <p:nvSpPr>
-          <p:cNvPr id="2" name="Title 1">
+          <p:cNvPr id="8" name="Title 1">
             <a:extLst>
               <a:ext uri="{FF2B5EF4-FFF2-40B4-BE49-F238E27FC236}">
-                <a16:creationId xmlns:a16="http://schemas.microsoft.com/office/drawing/2014/main" id="{72816BE1-4A9B-4E6A-B1EB-DD40AE40E9F9}"/>
+                <a16:creationId xmlns:a16="http://schemas.microsoft.com/office/drawing/2014/main" id="{3C0D5108-0220-49D1-BFA7-E8863D4F1E1D}"/>
               </a:ext>
             </a:extLst>
           </p:cNvPr>
-          <p:cNvSpPr>
-            <a:spLocks noGrp="1"/>
+          <p:cNvSpPr txBox="1">
+            <a:spLocks/>
           </p:cNvSpPr>
-          <p:nvPr>
-            <p:ph type="ctrTitle"/>
-          </p:nvPr>
-        </p:nvSpPr>
-        <p:spPr>
-          <a:xfrm>
-            <a:off x="2370667" y="2187743"/>
-            <a:ext cx="5293449" cy="2482515"/>
-          </a:xfrm>
-        </p:spPr>
-        <p:txBody>
-          <a:bodyPr anchor="ctr">
-            <a:normAutofit/>
-          </a:bodyPr>
-          <a:lstStyle/>
-          <a:p>
-            <a:pPr algn="l"/>
-            <a:r>
-              <a:rPr lang="en-CA" dirty="0"/>
-              <a:t>Optimization</a:t>
-            </a:r>
-            <a:endParaRPr lang="en-US" dirty="0"/>
-          </a:p>
-        </p:txBody>
-      </p:sp>
-      <p:pic>
-        <p:nvPicPr>
-          <p:cNvPr id="21" name="Picture 20">
-            <a:extLst>
-              <a:ext uri="{FF2B5EF4-FFF2-40B4-BE49-F238E27FC236}">
-                <a16:creationId xmlns:a16="http://schemas.microsoft.com/office/drawing/2014/main" id="{42C85B27-11F7-44C3-880A-3D4700405CB6}"/>
-              </a:ext>
-            </a:extLst>
-          </p:cNvPr>
-          <p:cNvPicPr>
-            <a:picLocks noChangeAspect="1"/>
-          </p:cNvPicPr>
           <p:nvPr/>
-        </p:nvPicPr>
-        <p:blipFill>
-          <a:blip r:embed="rId3" cstate="hqprint">
-            <a:extLst>
-              <a:ext uri="{28A0092B-C50C-407E-A947-70E740481C1C}">
-                <a14:useLocalDpi xmlns:a14="http://schemas.microsoft.com/office/drawing/2010/main" val="0"/>
-              </a:ext>
-            </a:extLst>
-          </a:blip>
-          <a:stretch>
-            <a:fillRect/>
-          </a:stretch>
-        </p:blipFill>
-        <p:spPr>
-          <a:xfrm>
-            <a:off x="9916160" y="365125"/>
-            <a:ext cx="1437640" cy="418937"/>
+        </p:nvSpPr>
+        <p:spPr>
+          <a:xfrm>
+            <a:off x="838200" y="365125"/>
+            <a:ext cx="10515600" cy="762635"/>
           </a:xfrm>
           <a:prstGeom prst="rect">
             <a:avLst/>
           </a:prstGeom>
         </p:spPr>
-      </p:pic>
+        <p:txBody>
+          <a:bodyPr vert="horz" lIns="91440" tIns="45720" rIns="91440" bIns="45720" rtlCol="0" anchor="ctr">
+            <a:normAutofit/>
+          </a:bodyPr>
+          <a:lstStyle>
+            <a:lvl1pPr algn="l" defTabSz="914400" rtl="0" eaLnBrk="1" latinLnBrk="0" hangingPunct="1">
+              <a:lnSpc>
+                <a:spcPct val="90000"/>
+              </a:lnSpc>
+              <a:spcBef>
+                <a:spcPct val="0"/>
+              </a:spcBef>
+              <a:buNone/>
+              <a:defRPr sz="4400" kern="1200">
+                <a:solidFill>
+                  <a:schemeClr val="tx1"/>
+                </a:solidFill>
+                <a:latin typeface="+mj-lt"/>
+                <a:ea typeface="+mj-ea"/>
+                <a:cs typeface="+mj-cs"/>
+              </a:defRPr>
+            </a:lvl1pPr>
+          </a:lstStyle>
+          <a:p>
+            <a:r>
+              <a:rPr lang="en-CA" sz="3600"/>
+              <a:t>Problem Description</a:t>
+            </a:r>
+            <a:endParaRPr lang="en-US" sz="3600" dirty="0"/>
+          </a:p>
+        </p:txBody>
+      </p:sp>
     </p:spTree>
     <p:extLst>
       <p:ext uri="{BB962C8B-B14F-4D97-AF65-F5344CB8AC3E}">
-        <p14:creationId xmlns:p14="http://schemas.microsoft.com/office/powerpoint/2010/main" val="4088084169"/>
+        <p14:creationId xmlns:p14="http://schemas.microsoft.com/office/powerpoint/2010/main" val="1375401291"/>
       </p:ext>
     </p:extLst>
   </p:cSld>
@@ -7001,30 +6959,145 @@
           </a:bodyPr>
           <a:lstStyle/>
           <a:p>
+            <a:pPr marL="0" indent="0">
+              <a:buNone/>
+            </a:pPr>
+            <a:endParaRPr lang="en-CA" sz="2400" dirty="0"/>
+          </a:p>
+          <a:p>
+            <a:pPr marL="0" indent="0">
+              <a:buNone/>
+            </a:pPr>
+            <a:r>
+              <a:rPr lang="en-CA" sz="2400" dirty="0">
+                <a:solidFill>
+                  <a:schemeClr val="accent1"/>
+                </a:solidFill>
+              </a:rPr>
+              <a:t>Limitation of baseline VNS</a:t>
+            </a:r>
+          </a:p>
+          <a:p>
             <a:r>
               <a:rPr lang="en-CA" sz="2400" dirty="0"/>
-              <a:t>Decision variables</a:t>
-            </a:r>
-          </a:p>
-          <a:p>
-            <a:endParaRPr lang="en-CA" sz="2400" dirty="0"/>
-          </a:p>
-          <a:p>
-            <a:pPr marL="0" indent="0">
-              <a:buNone/>
-            </a:pPr>
-            <a:endParaRPr lang="en-CA" sz="2400" dirty="0"/>
-          </a:p>
-          <a:p>
-            <a:pPr marL="0" indent="0">
-              <a:buNone/>
-            </a:pPr>
-            <a:endParaRPr lang="en-CA" sz="2400" dirty="0"/>
-          </a:p>
-          <a:p>
+              <a:t>The neighborhood size for </a:t>
+            </a:r>
+            <a:r>
+              <a:rPr lang="en-CA" sz="2400" b="1" dirty="0"/>
+              <a:t>adding/removing tables</a:t>
+            </a:r>
             <a:r>
               <a:rPr lang="en-CA" sz="2400" dirty="0"/>
-              <a:t>Objective function</a:t>
+              <a:t> grows non-linearly. </a:t>
+            </a:r>
+            <a:r>
+              <a:rPr lang="en-CA" sz="2400" dirty="0">
+                <a:solidFill>
+                  <a:schemeClr val="accent2"/>
+                </a:solidFill>
+              </a:rPr>
+              <a:t>E.g.</a:t>
+            </a:r>
+            <a:endParaRPr lang="en-CA" sz="2000" dirty="0">
+              <a:solidFill>
+                <a:schemeClr val="accent2"/>
+              </a:solidFill>
+            </a:endParaRPr>
+          </a:p>
+          <a:p>
+            <a:pPr marL="0" indent="0" algn="ctr">
+              <a:buNone/>
+            </a:pPr>
+            <a:r>
+              <a:rPr lang="en-CA" sz="2000" dirty="0">
+                <a:solidFill>
+                  <a:schemeClr val="accent2"/>
+                </a:solidFill>
+              </a:rPr>
+              <a:t>Adding 1 table: 4 neighbors</a:t>
+            </a:r>
+          </a:p>
+          <a:p>
+            <a:pPr marL="0" indent="0" algn="ctr">
+              <a:buNone/>
+            </a:pPr>
+            <a:r>
+              <a:rPr lang="en-CA" sz="2000" dirty="0">
+                <a:solidFill>
+                  <a:schemeClr val="accent2"/>
+                </a:solidFill>
+              </a:rPr>
+              <a:t>Adding 2 tables: 4</a:t>
+            </a:r>
+            <a:r>
+              <a:rPr lang="en-CA" sz="2000" baseline="30000" dirty="0">
+                <a:solidFill>
+                  <a:schemeClr val="accent2"/>
+                </a:solidFill>
+              </a:rPr>
+              <a:t>2</a:t>
+            </a:r>
+            <a:r>
+              <a:rPr lang="en-CA" sz="2000" dirty="0">
+                <a:solidFill>
+                  <a:schemeClr val="accent2"/>
+                </a:solidFill>
+              </a:rPr>
+              <a:t> neighbors</a:t>
+            </a:r>
+          </a:p>
+          <a:p>
+            <a:pPr marL="0" indent="0" algn="ctr">
+              <a:buNone/>
+            </a:pPr>
+            <a:r>
+              <a:rPr lang="en-CA" sz="2000" dirty="0">
+                <a:solidFill>
+                  <a:schemeClr val="accent2"/>
+                </a:solidFill>
+              </a:rPr>
+              <a:t>Adding 3 tables: 4</a:t>
+            </a:r>
+            <a:r>
+              <a:rPr lang="en-CA" sz="2000" baseline="30000" dirty="0">
+                <a:solidFill>
+                  <a:schemeClr val="accent2"/>
+                </a:solidFill>
+              </a:rPr>
+              <a:t>3</a:t>
+            </a:r>
+            <a:r>
+              <a:rPr lang="en-CA" sz="2000" dirty="0">
+                <a:solidFill>
+                  <a:schemeClr val="accent2"/>
+                </a:solidFill>
+              </a:rPr>
+              <a:t> neighbors</a:t>
+            </a:r>
+          </a:p>
+          <a:p>
+            <a:pPr marL="0" indent="0" algn="ctr">
+              <a:buNone/>
+            </a:pPr>
+            <a:r>
+              <a:rPr lang="en-CA" sz="2000" dirty="0">
+                <a:solidFill>
+                  <a:schemeClr val="accent2"/>
+                </a:solidFill>
+              </a:rPr>
+              <a:t>…</a:t>
+            </a:r>
+          </a:p>
+          <a:p>
+            <a:r>
+              <a:rPr lang="en-CA" sz="2400" dirty="0"/>
+              <a:t>Costly to check a sufficiently large number of neighbors.</a:t>
+            </a:r>
+          </a:p>
+          <a:p>
+            <a:r>
+              <a:rPr lang="en-CA" sz="2400" dirty="0"/>
+              <a:t>Limiting the neighborhood size will likely lead to suboptimal profit.</a:t>
             </a:r>
           </a:p>
         </p:txBody>
@@ -7113,8 +7186,8 @@
           </a:lstStyle>
           <a:p>
             <a:r>
-              <a:rPr lang="en-CA" sz="3600"/>
-              <a:t>Problem Description</a:t>
+              <a:rPr lang="en-CA" sz="3600" dirty="0"/>
+              <a:t>Reducing the Neighborhood Size</a:t>
             </a:r>
             <a:endParaRPr lang="en-US" sz="3600" dirty="0"/>
           </a:p>
@@ -7123,7 +7196,7 @@
     </p:spTree>
     <p:extLst>
       <p:ext uri="{BB962C8B-B14F-4D97-AF65-F5344CB8AC3E}">
-        <p14:creationId xmlns:p14="http://schemas.microsoft.com/office/powerpoint/2010/main" val="1375401291"/>
+        <p14:creationId xmlns:p14="http://schemas.microsoft.com/office/powerpoint/2010/main" val="3678772537"/>
       </p:ext>
     </p:extLst>
   </p:cSld>
@@ -7181,7 +7254,25 @@
             <a:pPr marL="0" indent="0">
               <a:buNone/>
             </a:pPr>
-            <a:endParaRPr lang="en-CA" sz="2400" dirty="0"/>
+            <a:endParaRPr lang="en-CA" sz="2400" dirty="0">
+              <a:solidFill>
+                <a:schemeClr val="accent1">
+                  <a:lumMod val="75000"/>
+                </a:schemeClr>
+              </a:solidFill>
+            </a:endParaRPr>
+          </a:p>
+          <a:p>
+            <a:pPr marL="0" indent="0">
+              <a:buNone/>
+            </a:pPr>
+            <a:endParaRPr lang="en-CA" sz="2400" dirty="0">
+              <a:solidFill>
+                <a:schemeClr val="accent1">
+                  <a:lumMod val="75000"/>
+                </a:schemeClr>
+              </a:solidFill>
+            </a:endParaRPr>
           </a:p>
           <a:p>
             <a:pPr marL="0" indent="0">
@@ -7190,133 +7281,42 @@
             <a:r>
               <a:rPr lang="en-CA" sz="2400" dirty="0">
                 <a:solidFill>
-                  <a:schemeClr val="accent1"/>
+                  <a:schemeClr val="accent1">
+                    <a:lumMod val="75000"/>
+                  </a:schemeClr>
                 </a:solidFill>
               </a:rPr>
-              <a:t>Limitation of baseline VNS</a:t>
+              <a:t>Idea</a:t>
             </a:r>
           </a:p>
           <a:p>
             <a:r>
               <a:rPr lang="en-CA" sz="2400" dirty="0"/>
-              <a:t>The neighborhood size for </a:t>
-            </a:r>
-            <a:r>
-              <a:rPr lang="en-CA" sz="2400" b="1" dirty="0"/>
-              <a:t>adding/removing tables</a:t>
-            </a:r>
+              <a:t>The new restaurant can have anywhere from 200 to 400 seats. </a:t>
+            </a:r>
+          </a:p>
+          <a:p>
             <a:r>
               <a:rPr lang="en-CA" sz="2400" dirty="0"/>
-              <a:t> grows non-linearly. </a:t>
-            </a:r>
-            <a:r>
-              <a:rPr lang="en-CA" sz="2400" dirty="0">
-                <a:solidFill>
-                  <a:schemeClr val="accent2"/>
-                </a:solidFill>
-              </a:rPr>
-              <a:t>E.g.</a:t>
-            </a:r>
-            <a:endParaRPr lang="en-CA" sz="2000" dirty="0">
-              <a:solidFill>
-                <a:schemeClr val="accent2"/>
-              </a:solidFill>
-            </a:endParaRPr>
-          </a:p>
-          <a:p>
-            <a:pPr marL="0" indent="0" algn="ctr">
-              <a:buNone/>
-            </a:pPr>
-            <a:r>
-              <a:rPr lang="en-CA" sz="2000" dirty="0">
-                <a:solidFill>
-                  <a:schemeClr val="accent2"/>
-                </a:solidFill>
-              </a:rPr>
-              <a:t>Adding 1 table: 4 neighbors</a:t>
-            </a:r>
-          </a:p>
-          <a:p>
-            <a:pPr marL="0" indent="0" algn="ctr">
-              <a:buNone/>
-            </a:pPr>
-            <a:r>
-              <a:rPr lang="en-CA" sz="2000" dirty="0">
-                <a:solidFill>
-                  <a:schemeClr val="accent2"/>
-                </a:solidFill>
-              </a:rPr>
-              <a:t>Adding 2 tables: 4</a:t>
-            </a:r>
-            <a:r>
-              <a:rPr lang="en-CA" sz="2000" baseline="30000" dirty="0">
-                <a:solidFill>
-                  <a:schemeClr val="accent2"/>
-                </a:solidFill>
-              </a:rPr>
-              <a:t>2</a:t>
-            </a:r>
-            <a:r>
-              <a:rPr lang="en-CA" sz="2000" dirty="0">
-                <a:solidFill>
-                  <a:schemeClr val="accent2"/>
-                </a:solidFill>
-              </a:rPr>
-              <a:t> neighbors</a:t>
-            </a:r>
-          </a:p>
-          <a:p>
-            <a:pPr marL="0" indent="0" algn="ctr">
-              <a:buNone/>
-            </a:pPr>
-            <a:r>
-              <a:rPr lang="en-CA" sz="2000" dirty="0">
-                <a:solidFill>
-                  <a:schemeClr val="accent2"/>
-                </a:solidFill>
-              </a:rPr>
-              <a:t>Adding 3 tables: 4</a:t>
-            </a:r>
-            <a:r>
-              <a:rPr lang="en-CA" sz="2000" baseline="30000" dirty="0">
-                <a:solidFill>
-                  <a:schemeClr val="accent2"/>
-                </a:solidFill>
-              </a:rPr>
-              <a:t>3</a:t>
-            </a:r>
-            <a:r>
-              <a:rPr lang="en-CA" sz="2000" dirty="0">
-                <a:solidFill>
-                  <a:schemeClr val="accent2"/>
-                </a:solidFill>
-              </a:rPr>
-              <a:t> neighbors</a:t>
-            </a:r>
-          </a:p>
-          <a:p>
-            <a:pPr marL="0" indent="0" algn="ctr">
-              <a:buNone/>
-            </a:pPr>
-            <a:r>
-              <a:rPr lang="en-CA" sz="2000" dirty="0">
-                <a:solidFill>
-                  <a:schemeClr val="accent2"/>
-                </a:solidFill>
-              </a:rPr>
-              <a:t>…</a:t>
+              <a:t>Successively narrow this interval by optimizing mean profit at discrete points.</a:t>
             </a:r>
           </a:p>
           <a:p>
             <a:r>
               <a:rPr lang="en-CA" sz="2400" dirty="0"/>
-              <a:t>Costly to check a sufficiently large number of neighbors.</a:t>
+              <a:t>In the beginning, use a greedy heuristic to quickly narrow down the interval.</a:t>
             </a:r>
           </a:p>
           <a:p>
             <a:r>
               <a:rPr lang="en-CA" sz="2400" dirty="0"/>
-              <a:t>Limiting the neighborhood size will likely lead to suboptimal profit.</a:t>
+              <a:t>When the interval becomes “small enough”, use VNS.</a:t>
+            </a:r>
+          </a:p>
+          <a:p>
+            <a:r>
+              <a:rPr lang="en-CA" sz="2400" dirty="0"/>
+              <a:t>We can eliminate the neighborhood structure for adding/removing tables.</a:t>
             </a:r>
           </a:p>
         </p:txBody>
@@ -7336,7 +7336,7 @@
           <p:nvPr/>
         </p:nvPicPr>
         <p:blipFill>
-          <a:blip r:embed="rId2">
+          <a:blip r:embed="rId2" cstate="hqprint">
             <a:extLst>
               <a:ext uri="{28A0092B-C50C-407E-A947-70E740481C1C}">
                 <a14:useLocalDpi xmlns:a14="http://schemas.microsoft.com/office/drawing/2010/main" val="0"/>
@@ -7359,54 +7359,35 @@
       </p:pic>
       <p:sp>
         <p:nvSpPr>
-          <p:cNvPr id="8" name="Title 1">
+          <p:cNvPr id="7" name="Title 1">
             <a:extLst>
               <a:ext uri="{FF2B5EF4-FFF2-40B4-BE49-F238E27FC236}">
-                <a16:creationId xmlns:a16="http://schemas.microsoft.com/office/drawing/2014/main" id="{3C0D5108-0220-49D1-BFA7-E8863D4F1E1D}"/>
+                <a16:creationId xmlns:a16="http://schemas.microsoft.com/office/drawing/2014/main" id="{DF83123F-FFF6-4EB8-AA6C-703D18DCBD9D}"/>
               </a:ext>
             </a:extLst>
           </p:cNvPr>
-          <p:cNvSpPr txBox="1">
-            <a:spLocks/>
+          <p:cNvSpPr>
+            <a:spLocks noGrp="1"/>
           </p:cNvSpPr>
-          <p:nvPr/>
+          <p:nvPr>
+            <p:ph type="title"/>
+          </p:nvPr>
         </p:nvSpPr>
         <p:spPr>
           <a:xfrm>
             <a:off x="838200" y="365125"/>
             <a:ext cx="10515600" cy="762635"/>
           </a:xfrm>
-          <a:prstGeom prst="rect">
-            <a:avLst/>
-          </a:prstGeom>
-        </p:spPr>
-        <p:txBody>
-          <a:bodyPr vert="horz" lIns="91440" tIns="45720" rIns="91440" bIns="45720" rtlCol="0" anchor="ctr">
+        </p:spPr>
+        <p:txBody>
+          <a:bodyPr>
             <a:normAutofit/>
           </a:bodyPr>
-          <a:lstStyle>
-            <a:lvl1pPr algn="l" defTabSz="914400" rtl="0" eaLnBrk="1" latinLnBrk="0" hangingPunct="1">
-              <a:lnSpc>
-                <a:spcPct val="90000"/>
-              </a:lnSpc>
-              <a:spcBef>
-                <a:spcPct val="0"/>
-              </a:spcBef>
-              <a:buNone/>
-              <a:defRPr sz="4400" kern="1200">
-                <a:solidFill>
-                  <a:schemeClr val="tx1"/>
-                </a:solidFill>
-                <a:latin typeface="+mj-lt"/>
-                <a:ea typeface="+mj-ea"/>
-                <a:cs typeface="+mj-cs"/>
-              </a:defRPr>
-            </a:lvl1pPr>
-          </a:lstStyle>
+          <a:lstStyle/>
           <a:p>
             <a:r>
               <a:rPr lang="en-CA" sz="3600" dirty="0"/>
-              <a:t>Reducing the Neighborhood Size</a:t>
+              <a:t>Golden Section Method</a:t>
             </a:r>
             <a:endParaRPr lang="en-US" sz="3600" dirty="0"/>
           </a:p>
@@ -7415,7 +7396,7 @@
     </p:spTree>
     <p:extLst>
       <p:ext uri="{BB962C8B-B14F-4D97-AF65-F5344CB8AC3E}">
-        <p14:creationId xmlns:p14="http://schemas.microsoft.com/office/powerpoint/2010/main" val="3678772537"/>
+        <p14:creationId xmlns:p14="http://schemas.microsoft.com/office/powerpoint/2010/main" val="4093437447"/>
       </p:ext>
     </p:extLst>
   </p:cSld>
@@ -7505,38 +7486,178 @@
                   </a:schemeClr>
                 </a:solidFill>
               </a:rPr>
-              <a:t>Idea</a:t>
+              <a:t>Conditions</a:t>
             </a:r>
           </a:p>
           <a:p>
             <a:r>
               <a:rPr lang="en-CA" sz="2400" dirty="0"/>
-              <a:t>The new restaurant can have anywhere from 200 to 400 seats. </a:t>
-            </a:r>
+              <a:t>Mean profit as a function of number of seats must be concave </a:t>
+            </a:r>
+            <a:r>
+              <a:rPr lang="en-CA" sz="2400"/>
+              <a:t>(unimodal).</a:t>
+            </a:r>
+            <a:endParaRPr lang="en-CA" sz="2400" dirty="0"/>
           </a:p>
           <a:p>
             <a:r>
               <a:rPr lang="en-CA" sz="2400" dirty="0"/>
-              <a:t>Successively narrow this interval by optimizing mean profit at discrete points.</a:t>
-            </a:r>
-          </a:p>
-          <a:p>
-            <a:r>
-              <a:rPr lang="en-CA" sz="2400" dirty="0"/>
-              <a:t>In the beginning, use a greedy heuristic to quickly narrow down the interval.</a:t>
-            </a:r>
-          </a:p>
-          <a:p>
-            <a:r>
-              <a:rPr lang="en-CA" sz="2400" dirty="0"/>
-              <a:t>When the interval becomes “small enough”, use VNS.</a:t>
-            </a:r>
-          </a:p>
-          <a:p>
-            <a:r>
-              <a:rPr lang="en-CA" sz="2400" dirty="0"/>
-              <a:t>We can eliminate the neighborhood structure for adding/removing tables.</a:t>
-            </a:r>
+              <a:t>In the interval that greedy heuristic eliminates, its results must be consistent with the results of VNS. </a:t>
+            </a:r>
+          </a:p>
+          <a:p>
+            <a:pPr marL="0" indent="0" algn="ctr">
+              <a:buNone/>
+            </a:pPr>
+            <a:r>
+              <a:rPr lang="en-CA" sz="2400" i="1" dirty="0"/>
+              <a:t>e.g. </a:t>
+            </a:r>
+            <a:r>
+              <a:rPr lang="en-CA" sz="2400" i="1" dirty="0" err="1">
+                <a:solidFill>
+                  <a:schemeClr val="accent6">
+                    <a:lumMod val="75000"/>
+                  </a:schemeClr>
+                </a:solidFill>
+              </a:rPr>
+              <a:t>f</a:t>
+            </a:r>
+            <a:r>
+              <a:rPr lang="en-CA" sz="2400" i="1" baseline="-25000" dirty="0" err="1">
+                <a:solidFill>
+                  <a:schemeClr val="accent6">
+                    <a:lumMod val="75000"/>
+                  </a:schemeClr>
+                </a:solidFill>
+              </a:rPr>
+              <a:t>greedy</a:t>
+            </a:r>
+            <a:r>
+              <a:rPr lang="en-CA" sz="2400" dirty="0">
+                <a:solidFill>
+                  <a:schemeClr val="accent6">
+                    <a:lumMod val="75000"/>
+                  </a:schemeClr>
+                </a:solidFill>
+              </a:rPr>
+              <a:t>(300) &gt; </a:t>
+            </a:r>
+            <a:r>
+              <a:rPr lang="en-CA" sz="2400" i="1" dirty="0" err="1">
+                <a:solidFill>
+                  <a:schemeClr val="accent6">
+                    <a:lumMod val="75000"/>
+                  </a:schemeClr>
+                </a:solidFill>
+              </a:rPr>
+              <a:t>f</a:t>
+            </a:r>
+            <a:r>
+              <a:rPr lang="en-CA" sz="2400" i="1" baseline="-25000" dirty="0" err="1">
+                <a:solidFill>
+                  <a:schemeClr val="accent6">
+                    <a:lumMod val="75000"/>
+                  </a:schemeClr>
+                </a:solidFill>
+              </a:rPr>
+              <a:t>greedy</a:t>
+            </a:r>
+            <a:r>
+              <a:rPr lang="en-CA" sz="2400" dirty="0">
+                <a:solidFill>
+                  <a:schemeClr val="accent6">
+                    <a:lumMod val="75000"/>
+                  </a:schemeClr>
+                </a:solidFill>
+              </a:rPr>
+              <a:t>(350) </a:t>
+            </a:r>
+            <a:r>
+              <a:rPr lang="en-CA" sz="2400" dirty="0">
+                <a:solidFill>
+                  <a:schemeClr val="accent6">
+                    <a:lumMod val="75000"/>
+                  </a:schemeClr>
+                </a:solidFill>
+                <a:sym typeface="Wingdings" panose="05000000000000000000" pitchFamily="2" charset="2"/>
+              </a:rPr>
+              <a:t> </a:t>
+            </a:r>
+            <a:r>
+              <a:rPr lang="en-CA" sz="2400" i="1" dirty="0" err="1">
+                <a:solidFill>
+                  <a:schemeClr val="accent6">
+                    <a:lumMod val="75000"/>
+                  </a:schemeClr>
+                </a:solidFill>
+                <a:sym typeface="Wingdings" panose="05000000000000000000" pitchFamily="2" charset="2"/>
+              </a:rPr>
+              <a:t>f</a:t>
+            </a:r>
+            <a:r>
+              <a:rPr lang="en-CA" sz="2400" i="1" baseline="-25000" dirty="0" err="1">
+                <a:solidFill>
+                  <a:schemeClr val="accent6">
+                    <a:lumMod val="75000"/>
+                  </a:schemeClr>
+                </a:solidFill>
+                <a:sym typeface="Wingdings" panose="05000000000000000000" pitchFamily="2" charset="2"/>
+              </a:rPr>
+              <a:t>VNS</a:t>
+            </a:r>
+            <a:r>
+              <a:rPr lang="en-CA" sz="2400" dirty="0">
+                <a:solidFill>
+                  <a:schemeClr val="accent6">
+                    <a:lumMod val="75000"/>
+                  </a:schemeClr>
+                </a:solidFill>
+                <a:sym typeface="Wingdings" panose="05000000000000000000" pitchFamily="2" charset="2"/>
+              </a:rPr>
+              <a:t>(300) &gt; </a:t>
+            </a:r>
+            <a:r>
+              <a:rPr lang="en-CA" sz="2400" i="1" dirty="0" err="1">
+                <a:solidFill>
+                  <a:schemeClr val="accent6">
+                    <a:lumMod val="75000"/>
+                  </a:schemeClr>
+                </a:solidFill>
+                <a:sym typeface="Wingdings" panose="05000000000000000000" pitchFamily="2" charset="2"/>
+              </a:rPr>
+              <a:t>f</a:t>
+            </a:r>
+            <a:r>
+              <a:rPr lang="en-CA" sz="2400" i="1" baseline="-25000" dirty="0" err="1">
+                <a:solidFill>
+                  <a:schemeClr val="accent6">
+                    <a:lumMod val="75000"/>
+                  </a:schemeClr>
+                </a:solidFill>
+                <a:sym typeface="Wingdings" panose="05000000000000000000" pitchFamily="2" charset="2"/>
+              </a:rPr>
+              <a:t>VNS</a:t>
+            </a:r>
+            <a:r>
+              <a:rPr lang="en-CA" sz="2400" dirty="0">
+                <a:solidFill>
+                  <a:schemeClr val="accent6">
+                    <a:lumMod val="75000"/>
+                  </a:schemeClr>
+                </a:solidFill>
+                <a:sym typeface="Wingdings" panose="05000000000000000000" pitchFamily="2" charset="2"/>
+              </a:rPr>
+              <a:t>(350)</a:t>
+            </a:r>
+            <a:endParaRPr lang="en-CA" sz="2400" dirty="0"/>
+          </a:p>
+          <a:p>
+            <a:endParaRPr lang="en-CA" sz="2400" dirty="0"/>
+          </a:p>
+          <a:p>
+            <a:endParaRPr lang="en-CA" sz="2400" dirty="0"/>
           </a:p>
         </p:txBody>
       </p:sp>
@@ -7555,7 +7676,7 @@
           <p:nvPr/>
         </p:nvPicPr>
         <p:blipFill>
-          <a:blip r:embed="rId2">
+          <a:blip r:embed="rId2" cstate="hqprint">
             <a:extLst>
               <a:ext uri="{28A0092B-C50C-407E-A947-70E740481C1C}">
                 <a14:useLocalDpi xmlns:a14="http://schemas.microsoft.com/office/drawing/2010/main" val="0"/>
@@ -7615,7 +7736,7 @@
     </p:spTree>
     <p:extLst>
       <p:ext uri="{BB962C8B-B14F-4D97-AF65-F5344CB8AC3E}">
-        <p14:creationId xmlns:p14="http://schemas.microsoft.com/office/powerpoint/2010/main" val="4093437447"/>
+        <p14:creationId xmlns:p14="http://schemas.microsoft.com/office/powerpoint/2010/main" val="3961735586"/>
       </p:ext>
     </p:extLst>
   </p:cSld>
@@ -7685,194 +7806,6 @@
             <a:pPr marL="0" indent="0">
               <a:buNone/>
             </a:pPr>
-            <a:endParaRPr lang="en-CA" sz="2400" dirty="0">
-              <a:solidFill>
-                <a:schemeClr val="accent1">
-                  <a:lumMod val="75000"/>
-                </a:schemeClr>
-              </a:solidFill>
-            </a:endParaRPr>
-          </a:p>
-          <a:p>
-            <a:pPr marL="0" indent="0">
-              <a:buNone/>
-            </a:pPr>
-            <a:r>
-              <a:rPr lang="en-CA" sz="2400" dirty="0">
-                <a:solidFill>
-                  <a:schemeClr val="accent1">
-                    <a:lumMod val="75000"/>
-                  </a:schemeClr>
-                </a:solidFill>
-              </a:rPr>
-              <a:t>Conditions</a:t>
-            </a:r>
-          </a:p>
-          <a:p>
-            <a:r>
-              <a:rPr lang="en-CA" sz="2400" dirty="0"/>
-              <a:t>Mean profit as a function of number of seats must be concave </a:t>
-            </a:r>
-            <a:r>
-              <a:rPr lang="en-CA" sz="2400"/>
-              <a:t>(unimodal).</a:t>
-            </a:r>
-            <a:endParaRPr lang="en-CA" sz="2400" dirty="0"/>
-          </a:p>
-          <a:p>
-            <a:r>
-              <a:rPr lang="en-CA" sz="2400" dirty="0"/>
-              <a:t>In the interval that greedy heuristic eliminates, its results must be consistent with the results of VNS. </a:t>
-            </a:r>
-          </a:p>
-          <a:p>
-            <a:pPr marL="0" indent="0" algn="ctr">
-              <a:buNone/>
-            </a:pPr>
-            <a:r>
-              <a:rPr lang="en-CA" sz="2400" i="1" dirty="0"/>
-              <a:t>e.g. </a:t>
-            </a:r>
-            <a:r>
-              <a:rPr lang="en-CA" sz="2400" i="1" dirty="0" err="1">
-                <a:solidFill>
-                  <a:schemeClr val="accent6">
-                    <a:lumMod val="75000"/>
-                  </a:schemeClr>
-                </a:solidFill>
-              </a:rPr>
-              <a:t>f</a:t>
-            </a:r>
-            <a:r>
-              <a:rPr lang="en-CA" sz="2400" i="1" baseline="-25000" dirty="0" err="1">
-                <a:solidFill>
-                  <a:schemeClr val="accent6">
-                    <a:lumMod val="75000"/>
-                  </a:schemeClr>
-                </a:solidFill>
-              </a:rPr>
-              <a:t>greedy</a:t>
-            </a:r>
-            <a:r>
-              <a:rPr lang="en-CA" sz="2400" dirty="0">
-                <a:solidFill>
-                  <a:schemeClr val="accent6">
-                    <a:lumMod val="75000"/>
-                  </a:schemeClr>
-                </a:solidFill>
-              </a:rPr>
-              <a:t>(300) &gt; </a:t>
-            </a:r>
-            <a:r>
-              <a:rPr lang="en-CA" sz="2400" i="1" dirty="0" err="1">
-                <a:solidFill>
-                  <a:schemeClr val="accent6">
-                    <a:lumMod val="75000"/>
-                  </a:schemeClr>
-                </a:solidFill>
-              </a:rPr>
-              <a:t>f</a:t>
-            </a:r>
-            <a:r>
-              <a:rPr lang="en-CA" sz="2400" i="1" baseline="-25000" dirty="0" err="1">
-                <a:solidFill>
-                  <a:schemeClr val="accent6">
-                    <a:lumMod val="75000"/>
-                  </a:schemeClr>
-                </a:solidFill>
-              </a:rPr>
-              <a:t>greedy</a:t>
-            </a:r>
-            <a:r>
-              <a:rPr lang="en-CA" sz="2400" dirty="0">
-                <a:solidFill>
-                  <a:schemeClr val="accent6">
-                    <a:lumMod val="75000"/>
-                  </a:schemeClr>
-                </a:solidFill>
-              </a:rPr>
-              <a:t>(350) </a:t>
-            </a:r>
-            <a:r>
-              <a:rPr lang="en-CA" sz="2400" dirty="0">
-                <a:solidFill>
-                  <a:schemeClr val="accent6">
-                    <a:lumMod val="75000"/>
-                  </a:schemeClr>
-                </a:solidFill>
-                <a:sym typeface="Wingdings" panose="05000000000000000000" pitchFamily="2" charset="2"/>
-              </a:rPr>
-              <a:t> </a:t>
-            </a:r>
-            <a:r>
-              <a:rPr lang="en-CA" sz="2400" i="1" dirty="0" err="1">
-                <a:solidFill>
-                  <a:schemeClr val="accent6">
-                    <a:lumMod val="75000"/>
-                  </a:schemeClr>
-                </a:solidFill>
-                <a:sym typeface="Wingdings" panose="05000000000000000000" pitchFamily="2" charset="2"/>
-              </a:rPr>
-              <a:t>f</a:t>
-            </a:r>
-            <a:r>
-              <a:rPr lang="en-CA" sz="2400" i="1" baseline="-25000" dirty="0" err="1">
-                <a:solidFill>
-                  <a:schemeClr val="accent6">
-                    <a:lumMod val="75000"/>
-                  </a:schemeClr>
-                </a:solidFill>
-                <a:sym typeface="Wingdings" panose="05000000000000000000" pitchFamily="2" charset="2"/>
-              </a:rPr>
-              <a:t>VNS</a:t>
-            </a:r>
-            <a:r>
-              <a:rPr lang="en-CA" sz="2400" dirty="0">
-                <a:solidFill>
-                  <a:schemeClr val="accent6">
-                    <a:lumMod val="75000"/>
-                  </a:schemeClr>
-                </a:solidFill>
-                <a:sym typeface="Wingdings" panose="05000000000000000000" pitchFamily="2" charset="2"/>
-              </a:rPr>
-              <a:t>(300) &gt; </a:t>
-            </a:r>
-            <a:r>
-              <a:rPr lang="en-CA" sz="2400" i="1" dirty="0" err="1">
-                <a:solidFill>
-                  <a:schemeClr val="accent6">
-                    <a:lumMod val="75000"/>
-                  </a:schemeClr>
-                </a:solidFill>
-                <a:sym typeface="Wingdings" panose="05000000000000000000" pitchFamily="2" charset="2"/>
-              </a:rPr>
-              <a:t>f</a:t>
-            </a:r>
-            <a:r>
-              <a:rPr lang="en-CA" sz="2400" i="1" baseline="-25000" dirty="0" err="1">
-                <a:solidFill>
-                  <a:schemeClr val="accent6">
-                    <a:lumMod val="75000"/>
-                  </a:schemeClr>
-                </a:solidFill>
-                <a:sym typeface="Wingdings" panose="05000000000000000000" pitchFamily="2" charset="2"/>
-              </a:rPr>
-              <a:t>VNS</a:t>
-            </a:r>
-            <a:r>
-              <a:rPr lang="en-CA" sz="2400" dirty="0">
-                <a:solidFill>
-                  <a:schemeClr val="accent6">
-                    <a:lumMod val="75000"/>
-                  </a:schemeClr>
-                </a:solidFill>
-                <a:sym typeface="Wingdings" panose="05000000000000000000" pitchFamily="2" charset="2"/>
-              </a:rPr>
-              <a:t>(350)</a:t>
-            </a:r>
-            <a:endParaRPr lang="en-CA" sz="2400" dirty="0"/>
-          </a:p>
-          <a:p>
             <a:endParaRPr lang="en-CA" sz="2400" dirty="0"/>
           </a:p>
           <a:p>
@@ -7895,7 +7828,7 @@
           <p:nvPr/>
         </p:nvPicPr>
         <p:blipFill>
-          <a:blip r:embed="rId2">
+          <a:blip r:embed="rId2" cstate="hqprint">
             <a:extLst>
               <a:ext uri="{28A0092B-C50C-407E-A947-70E740481C1C}">
                 <a14:useLocalDpi xmlns:a14="http://schemas.microsoft.com/office/drawing/2010/main" val="0"/>
@@ -7952,10 +7885,82 @@
           </a:p>
         </p:txBody>
       </p:sp>
+      <p:pic>
+        <p:nvPicPr>
+          <p:cNvPr id="4" name="Picture 3" descr="A close up of a map&#10;&#10;Description generated with very high confidence">
+            <a:extLst>
+              <a:ext uri="{FF2B5EF4-FFF2-40B4-BE49-F238E27FC236}">
+                <a16:creationId xmlns:a16="http://schemas.microsoft.com/office/drawing/2014/main" id="{6F7F02D7-F0E8-4ACF-B7CC-959B5D7282D2}"/>
+              </a:ext>
+            </a:extLst>
+          </p:cNvPr>
+          <p:cNvPicPr>
+            <a:picLocks noChangeAspect="1"/>
+          </p:cNvPicPr>
+          <p:nvPr/>
+        </p:nvPicPr>
+        <p:blipFill>
+          <a:blip r:embed="rId3">
+            <a:extLst>
+              <a:ext uri="{28A0092B-C50C-407E-A947-70E740481C1C}">
+                <a14:useLocalDpi xmlns:a14="http://schemas.microsoft.com/office/drawing/2010/main" val="0"/>
+              </a:ext>
+            </a:extLst>
+          </a:blip>
+          <a:stretch>
+            <a:fillRect/>
+          </a:stretch>
+        </p:blipFill>
+        <p:spPr>
+          <a:xfrm>
+            <a:off x="778721" y="1658381"/>
+            <a:ext cx="5317279" cy="3987959"/>
+          </a:xfrm>
+          <a:prstGeom prst="rect">
+            <a:avLst/>
+          </a:prstGeom>
+        </p:spPr>
+      </p:pic>
+      <p:pic>
+        <p:nvPicPr>
+          <p:cNvPr id="8" name="Picture 7" descr="A close up of a map&#10;&#10;Description generated with very high confidence">
+            <a:extLst>
+              <a:ext uri="{FF2B5EF4-FFF2-40B4-BE49-F238E27FC236}">
+                <a16:creationId xmlns:a16="http://schemas.microsoft.com/office/drawing/2014/main" id="{CF3EF8CE-D7AB-4D17-A165-93D49F443CCF}"/>
+              </a:ext>
+            </a:extLst>
+          </p:cNvPr>
+          <p:cNvPicPr>
+            <a:picLocks noChangeAspect="1"/>
+          </p:cNvPicPr>
+          <p:nvPr/>
+        </p:nvPicPr>
+        <p:blipFill>
+          <a:blip r:embed="rId4">
+            <a:extLst>
+              <a:ext uri="{28A0092B-C50C-407E-A947-70E740481C1C}">
+                <a14:useLocalDpi xmlns:a14="http://schemas.microsoft.com/office/drawing/2010/main" val="0"/>
+              </a:ext>
+            </a:extLst>
+          </a:blip>
+          <a:stretch>
+            <a:fillRect/>
+          </a:stretch>
+        </p:blipFill>
+        <p:spPr>
+          <a:xfrm>
+            <a:off x="6200352" y="1697512"/>
+            <a:ext cx="5212927" cy="3909695"/>
+          </a:xfrm>
+          <a:prstGeom prst="rect">
+            <a:avLst/>
+          </a:prstGeom>
+        </p:spPr>
+      </p:pic>
     </p:spTree>
     <p:extLst>
       <p:ext uri="{BB962C8B-B14F-4D97-AF65-F5344CB8AC3E}">
-        <p14:creationId xmlns:p14="http://schemas.microsoft.com/office/powerpoint/2010/main" val="3961735586"/>
+        <p14:creationId xmlns:p14="http://schemas.microsoft.com/office/powerpoint/2010/main" val="2306792197"/>
       </p:ext>
     </p:extLst>
   </p:cSld>
@@ -8047,7 +8052,7 @@
           <p:nvPr/>
         </p:nvPicPr>
         <p:blipFill>
-          <a:blip r:embed="rId2">
+          <a:blip r:embed="rId2" cstate="hqprint">
             <a:extLst>
               <a:ext uri="{28A0092B-C50C-407E-A947-70E740481C1C}">
                 <a14:useLocalDpi xmlns:a14="http://schemas.microsoft.com/office/drawing/2010/main" val="0"/>
@@ -8176,10 +8181,60 @@
           </a:prstGeom>
         </p:spPr>
       </p:pic>
+      <p:sp>
+        <p:nvSpPr>
+          <p:cNvPr id="9" name="Rectangle: Rounded Corners 8">
+            <a:extLst>
+              <a:ext uri="{FF2B5EF4-FFF2-40B4-BE49-F238E27FC236}">
+                <a16:creationId xmlns:a16="http://schemas.microsoft.com/office/drawing/2014/main" id="{86EF7A26-F32C-42F4-BCE7-73FD5B42F8FC}"/>
+              </a:ext>
+            </a:extLst>
+          </p:cNvPr>
+          <p:cNvSpPr/>
+          <p:nvPr/>
+        </p:nvSpPr>
+        <p:spPr>
+          <a:xfrm>
+            <a:off x="2489200" y="2438400"/>
+            <a:ext cx="3413760" cy="2407920"/>
+          </a:xfrm>
+          <a:prstGeom prst="roundRect">
+            <a:avLst/>
+          </a:prstGeom>
+          <a:noFill/>
+          <a:ln w="19050">
+            <a:solidFill>
+              <a:srgbClr val="FF0000"/>
+            </a:solidFill>
+          </a:ln>
+        </p:spPr>
+        <p:style>
+          <a:lnRef idx="2">
+            <a:schemeClr val="accent6"/>
+          </a:lnRef>
+          <a:fillRef idx="1">
+            <a:schemeClr val="lt1"/>
+          </a:fillRef>
+          <a:effectRef idx="0">
+            <a:schemeClr val="accent6"/>
+          </a:effectRef>
+          <a:fontRef idx="minor">
+            <a:schemeClr val="dk1"/>
+          </a:fontRef>
+        </p:style>
+        <p:txBody>
+          <a:bodyPr rtlCol="0" anchor="ctr"/>
+          <a:lstStyle/>
+          <a:p>
+            <a:pPr algn="ctr"/>
+            <a:endParaRPr lang="en-US"/>
+          </a:p>
+        </p:txBody>
+      </p:sp>
     </p:spTree>
     <p:extLst>
       <p:ext uri="{BB962C8B-B14F-4D97-AF65-F5344CB8AC3E}">
-        <p14:creationId xmlns:p14="http://schemas.microsoft.com/office/powerpoint/2010/main" val="2306792197"/>
+        <p14:creationId xmlns:p14="http://schemas.microsoft.com/office/powerpoint/2010/main" val="4200179265"/>
       </p:ext>
     </p:extLst>
   </p:cSld>
@@ -8271,7 +8326,7 @@
           <p:nvPr/>
         </p:nvPicPr>
         <p:blipFill>
-          <a:blip r:embed="rId2">
+          <a:blip r:embed="rId2" cstate="hqprint">
             <a:extLst>
               <a:ext uri="{28A0092B-C50C-407E-A947-70E740481C1C}">
                 <a14:useLocalDpi xmlns:a14="http://schemas.microsoft.com/office/drawing/2010/main" val="0"/>
@@ -8450,10 +8505,114 @@
           </a:p>
         </p:txBody>
       </p:sp>
+      <p:sp>
+        <p:nvSpPr>
+          <p:cNvPr id="15" name="Oval 14">
+            <a:extLst>
+              <a:ext uri="{FF2B5EF4-FFF2-40B4-BE49-F238E27FC236}">
+                <a16:creationId xmlns:a16="http://schemas.microsoft.com/office/drawing/2014/main" id="{0CFD1252-8AB0-404E-BF86-F6F20545BFE3}"/>
+              </a:ext>
+            </a:extLst>
+          </p:cNvPr>
+          <p:cNvSpPr/>
+          <p:nvPr/>
+        </p:nvSpPr>
+        <p:spPr>
+          <a:xfrm>
+            <a:off x="8239760" y="2438400"/>
+            <a:ext cx="274320" cy="266700"/>
+          </a:xfrm>
+          <a:prstGeom prst="ellipse">
+            <a:avLst/>
+          </a:prstGeom>
+          <a:noFill/>
+          <a:ln w="19050">
+            <a:solidFill>
+              <a:srgbClr val="1DFF5E"/>
+            </a:solidFill>
+          </a:ln>
+        </p:spPr>
+        <p:style>
+          <a:lnRef idx="2">
+            <a:schemeClr val="accent1">
+              <a:shade val="50000"/>
+            </a:schemeClr>
+          </a:lnRef>
+          <a:fillRef idx="1">
+            <a:schemeClr val="accent1"/>
+          </a:fillRef>
+          <a:effectRef idx="0">
+            <a:schemeClr val="accent1"/>
+          </a:effectRef>
+          <a:fontRef idx="minor">
+            <a:schemeClr val="lt1"/>
+          </a:fontRef>
+        </p:style>
+        <p:txBody>
+          <a:bodyPr rtlCol="0" anchor="ctr"/>
+          <a:lstStyle/>
+          <a:p>
+            <a:pPr algn="ctr"/>
+            <a:endParaRPr lang="en-US"/>
+          </a:p>
+        </p:txBody>
+      </p:sp>
+      <p:sp>
+        <p:nvSpPr>
+          <p:cNvPr id="16" name="Oval 15">
+            <a:extLst>
+              <a:ext uri="{FF2B5EF4-FFF2-40B4-BE49-F238E27FC236}">
+                <a16:creationId xmlns:a16="http://schemas.microsoft.com/office/drawing/2014/main" id="{8A6D520A-E7A6-4F09-8D27-844FBFAB895C}"/>
+              </a:ext>
+            </a:extLst>
+          </p:cNvPr>
+          <p:cNvSpPr/>
+          <p:nvPr/>
+        </p:nvSpPr>
+        <p:spPr>
+          <a:xfrm>
+            <a:off x="8239760" y="3778091"/>
+            <a:ext cx="274320" cy="266700"/>
+          </a:xfrm>
+          <a:prstGeom prst="ellipse">
+            <a:avLst/>
+          </a:prstGeom>
+          <a:noFill/>
+          <a:ln w="19050">
+            <a:solidFill>
+              <a:srgbClr val="1DFF5E"/>
+            </a:solidFill>
+          </a:ln>
+        </p:spPr>
+        <p:style>
+          <a:lnRef idx="2">
+            <a:schemeClr val="accent1">
+              <a:shade val="50000"/>
+            </a:schemeClr>
+          </a:lnRef>
+          <a:fillRef idx="1">
+            <a:schemeClr val="accent1"/>
+          </a:fillRef>
+          <a:effectRef idx="0">
+            <a:schemeClr val="accent1"/>
+          </a:effectRef>
+          <a:fontRef idx="minor">
+            <a:schemeClr val="lt1"/>
+          </a:fontRef>
+        </p:style>
+        <p:txBody>
+          <a:bodyPr rtlCol="0" anchor="ctr"/>
+          <a:lstStyle/>
+          <a:p>
+            <a:pPr algn="ctr"/>
+            <a:endParaRPr lang="en-US"/>
+          </a:p>
+        </p:txBody>
+      </p:sp>
     </p:spTree>
     <p:extLst>
       <p:ext uri="{BB962C8B-B14F-4D97-AF65-F5344CB8AC3E}">
-        <p14:creationId xmlns:p14="http://schemas.microsoft.com/office/powerpoint/2010/main" val="4200179265"/>
+        <p14:creationId xmlns:p14="http://schemas.microsoft.com/office/powerpoint/2010/main" val="2291285242"/>
       </p:ext>
     </p:extLst>
   </p:cSld>
@@ -8480,62 +8639,12 @@
           <a:chExt cx="0" cy="0"/>
         </a:xfrm>
       </p:grpSpPr>
-      <p:sp>
-        <p:nvSpPr>
-          <p:cNvPr id="3" name="Content Placeholder 2">
-            <a:extLst>
-              <a:ext uri="{FF2B5EF4-FFF2-40B4-BE49-F238E27FC236}">
-                <a16:creationId xmlns:a16="http://schemas.microsoft.com/office/drawing/2014/main" id="{2E5DAAB6-C87E-4C10-8DDC-15F41DB00A20}"/>
-              </a:ext>
-            </a:extLst>
-          </p:cNvPr>
-          <p:cNvSpPr>
-            <a:spLocks noGrp="1"/>
-          </p:cNvSpPr>
-          <p:nvPr>
-            <p:ph idx="1"/>
-          </p:nvPr>
-        </p:nvSpPr>
-        <p:spPr>
-          <a:xfrm>
-            <a:off x="838200" y="1127760"/>
-            <a:ext cx="10515600" cy="5049203"/>
-          </a:xfrm>
-        </p:spPr>
-        <p:txBody>
-          <a:bodyPr>
-            <a:normAutofit/>
-          </a:bodyPr>
-          <a:lstStyle/>
-          <a:p>
-            <a:pPr marL="0" indent="0">
-              <a:buNone/>
-            </a:pPr>
-            <a:endParaRPr lang="en-CA" sz="2400" dirty="0">
-              <a:solidFill>
-                <a:schemeClr val="accent1">
-                  <a:lumMod val="75000"/>
-                </a:schemeClr>
-              </a:solidFill>
-            </a:endParaRPr>
-          </a:p>
-          <a:p>
-            <a:pPr marL="0" indent="0">
-              <a:buNone/>
-            </a:pPr>
-            <a:endParaRPr lang="en-CA" sz="2400" dirty="0"/>
-          </a:p>
-          <a:p>
-            <a:endParaRPr lang="en-CA" sz="2400" dirty="0"/>
-          </a:p>
-        </p:txBody>
-      </p:sp>
       <p:pic>
         <p:nvPicPr>
-          <p:cNvPr id="5" name="Picture 4">
+          <p:cNvPr id="11" name="Picture 10" descr="A close up of a map&#10;&#10;Description generated with very high confidence">
             <a:extLst>
               <a:ext uri="{FF2B5EF4-FFF2-40B4-BE49-F238E27FC236}">
-                <a16:creationId xmlns:a16="http://schemas.microsoft.com/office/drawing/2014/main" id="{8977407B-874A-4791-897D-6196620D6F56}"/>
+                <a16:creationId xmlns:a16="http://schemas.microsoft.com/office/drawing/2014/main" id="{6A03346C-E2B1-43B8-A0C1-2FDC1FC75DAA}"/>
               </a:ext>
             </a:extLst>
           </p:cNvPr>
@@ -8558,334 +8667,6 @@
         </p:blipFill>
         <p:spPr>
           <a:xfrm>
-            <a:off x="9916160" y="365125"/>
-            <a:ext cx="1437640" cy="418937"/>
-          </a:xfrm>
-          <a:prstGeom prst="rect">
-            <a:avLst/>
-          </a:prstGeom>
-        </p:spPr>
-      </p:pic>
-      <p:sp>
-        <p:nvSpPr>
-          <p:cNvPr id="7" name="Title 1">
-            <a:extLst>
-              <a:ext uri="{FF2B5EF4-FFF2-40B4-BE49-F238E27FC236}">
-                <a16:creationId xmlns:a16="http://schemas.microsoft.com/office/drawing/2014/main" id="{DF83123F-FFF6-4EB8-AA6C-703D18DCBD9D}"/>
-              </a:ext>
-            </a:extLst>
-          </p:cNvPr>
-          <p:cNvSpPr>
-            <a:spLocks noGrp="1"/>
-          </p:cNvSpPr>
-          <p:nvPr>
-            <p:ph type="title"/>
-          </p:nvPr>
-        </p:nvSpPr>
-        <p:spPr>
-          <a:xfrm>
-            <a:off x="838200" y="365125"/>
-            <a:ext cx="10515600" cy="762635"/>
-          </a:xfrm>
-        </p:spPr>
-        <p:txBody>
-          <a:bodyPr>
-            <a:normAutofit/>
-          </a:bodyPr>
-          <a:lstStyle/>
-          <a:p>
-            <a:r>
-              <a:rPr lang="en-CA" sz="3600" dirty="0"/>
-              <a:t>Golden Section Method</a:t>
-            </a:r>
-            <a:endParaRPr lang="en-US" sz="3600" dirty="0"/>
-          </a:p>
-        </p:txBody>
-      </p:sp>
-      <p:pic>
-        <p:nvPicPr>
-          <p:cNvPr id="4" name="Picture 3" descr="A close up of a map&#10;&#10;Description generated with very high confidence">
-            <a:extLst>
-              <a:ext uri="{FF2B5EF4-FFF2-40B4-BE49-F238E27FC236}">
-                <a16:creationId xmlns:a16="http://schemas.microsoft.com/office/drawing/2014/main" id="{6F7F02D7-F0E8-4ACF-B7CC-959B5D7282D2}"/>
-              </a:ext>
-            </a:extLst>
-          </p:cNvPr>
-          <p:cNvPicPr>
-            <a:picLocks noChangeAspect="1"/>
-          </p:cNvPicPr>
-          <p:nvPr/>
-        </p:nvPicPr>
-        <p:blipFill>
-          <a:blip r:embed="rId3">
-            <a:extLst>
-              <a:ext uri="{28A0092B-C50C-407E-A947-70E740481C1C}">
-                <a14:useLocalDpi xmlns:a14="http://schemas.microsoft.com/office/drawing/2010/main" val="0"/>
-              </a:ext>
-            </a:extLst>
-          </a:blip>
-          <a:stretch>
-            <a:fillRect/>
-          </a:stretch>
-        </p:blipFill>
-        <p:spPr>
-          <a:xfrm>
-            <a:off x="778721" y="1658381"/>
-            <a:ext cx="5317279" cy="3987959"/>
-          </a:xfrm>
-          <a:prstGeom prst="rect">
-            <a:avLst/>
-          </a:prstGeom>
-        </p:spPr>
-      </p:pic>
-      <p:pic>
-        <p:nvPicPr>
-          <p:cNvPr id="8" name="Picture 7" descr="A close up of a map&#10;&#10;Description generated with very high confidence">
-            <a:extLst>
-              <a:ext uri="{FF2B5EF4-FFF2-40B4-BE49-F238E27FC236}">
-                <a16:creationId xmlns:a16="http://schemas.microsoft.com/office/drawing/2014/main" id="{CF3EF8CE-D7AB-4D17-A165-93D49F443CCF}"/>
-              </a:ext>
-            </a:extLst>
-          </p:cNvPr>
-          <p:cNvPicPr>
-            <a:picLocks noChangeAspect="1"/>
-          </p:cNvPicPr>
-          <p:nvPr/>
-        </p:nvPicPr>
-        <p:blipFill>
-          <a:blip r:embed="rId4">
-            <a:extLst>
-              <a:ext uri="{28A0092B-C50C-407E-A947-70E740481C1C}">
-                <a14:useLocalDpi xmlns:a14="http://schemas.microsoft.com/office/drawing/2010/main" val="0"/>
-              </a:ext>
-            </a:extLst>
-          </a:blip>
-          <a:stretch>
-            <a:fillRect/>
-          </a:stretch>
-        </p:blipFill>
-        <p:spPr>
-          <a:xfrm>
-            <a:off x="6200352" y="1697512"/>
-            <a:ext cx="5212927" cy="3909695"/>
-          </a:xfrm>
-          <a:prstGeom prst="rect">
-            <a:avLst/>
-          </a:prstGeom>
-        </p:spPr>
-      </p:pic>
-      <p:sp>
-        <p:nvSpPr>
-          <p:cNvPr id="9" name="Rectangle: Rounded Corners 8">
-            <a:extLst>
-              <a:ext uri="{FF2B5EF4-FFF2-40B4-BE49-F238E27FC236}">
-                <a16:creationId xmlns:a16="http://schemas.microsoft.com/office/drawing/2014/main" id="{86EF7A26-F32C-42F4-BCE7-73FD5B42F8FC}"/>
-              </a:ext>
-            </a:extLst>
-          </p:cNvPr>
-          <p:cNvSpPr/>
-          <p:nvPr/>
-        </p:nvSpPr>
-        <p:spPr>
-          <a:xfrm>
-            <a:off x="2489200" y="2438400"/>
-            <a:ext cx="3413760" cy="2407920"/>
-          </a:xfrm>
-          <a:prstGeom prst="roundRect">
-            <a:avLst/>
-          </a:prstGeom>
-          <a:noFill/>
-          <a:ln w="19050">
-            <a:solidFill>
-              <a:srgbClr val="FF0000"/>
-            </a:solidFill>
-          </a:ln>
-        </p:spPr>
-        <p:style>
-          <a:lnRef idx="2">
-            <a:schemeClr val="accent6"/>
-          </a:lnRef>
-          <a:fillRef idx="1">
-            <a:schemeClr val="lt1"/>
-          </a:fillRef>
-          <a:effectRef idx="0">
-            <a:schemeClr val="accent6"/>
-          </a:effectRef>
-          <a:fontRef idx="minor">
-            <a:schemeClr val="dk1"/>
-          </a:fontRef>
-        </p:style>
-        <p:txBody>
-          <a:bodyPr rtlCol="0" anchor="ctr"/>
-          <a:lstStyle/>
-          <a:p>
-            <a:pPr algn="ctr"/>
-            <a:endParaRPr lang="en-US"/>
-          </a:p>
-        </p:txBody>
-      </p:sp>
-      <p:sp>
-        <p:nvSpPr>
-          <p:cNvPr id="15" name="Oval 14">
-            <a:extLst>
-              <a:ext uri="{FF2B5EF4-FFF2-40B4-BE49-F238E27FC236}">
-                <a16:creationId xmlns:a16="http://schemas.microsoft.com/office/drawing/2014/main" id="{0CFD1252-8AB0-404E-BF86-F6F20545BFE3}"/>
-              </a:ext>
-            </a:extLst>
-          </p:cNvPr>
-          <p:cNvSpPr/>
-          <p:nvPr/>
-        </p:nvSpPr>
-        <p:spPr>
-          <a:xfrm>
-            <a:off x="8239760" y="2438400"/>
-            <a:ext cx="274320" cy="266700"/>
-          </a:xfrm>
-          <a:prstGeom prst="ellipse">
-            <a:avLst/>
-          </a:prstGeom>
-          <a:noFill/>
-          <a:ln w="19050">
-            <a:solidFill>
-              <a:srgbClr val="1DFF5E"/>
-            </a:solidFill>
-          </a:ln>
-        </p:spPr>
-        <p:style>
-          <a:lnRef idx="2">
-            <a:schemeClr val="accent1">
-              <a:shade val="50000"/>
-            </a:schemeClr>
-          </a:lnRef>
-          <a:fillRef idx="1">
-            <a:schemeClr val="accent1"/>
-          </a:fillRef>
-          <a:effectRef idx="0">
-            <a:schemeClr val="accent1"/>
-          </a:effectRef>
-          <a:fontRef idx="minor">
-            <a:schemeClr val="lt1"/>
-          </a:fontRef>
-        </p:style>
-        <p:txBody>
-          <a:bodyPr rtlCol="0" anchor="ctr"/>
-          <a:lstStyle/>
-          <a:p>
-            <a:pPr algn="ctr"/>
-            <a:endParaRPr lang="en-US"/>
-          </a:p>
-        </p:txBody>
-      </p:sp>
-      <p:sp>
-        <p:nvSpPr>
-          <p:cNvPr id="16" name="Oval 15">
-            <a:extLst>
-              <a:ext uri="{FF2B5EF4-FFF2-40B4-BE49-F238E27FC236}">
-                <a16:creationId xmlns:a16="http://schemas.microsoft.com/office/drawing/2014/main" id="{8A6D520A-E7A6-4F09-8D27-844FBFAB895C}"/>
-              </a:ext>
-            </a:extLst>
-          </p:cNvPr>
-          <p:cNvSpPr/>
-          <p:nvPr/>
-        </p:nvSpPr>
-        <p:spPr>
-          <a:xfrm>
-            <a:off x="8239760" y="3778091"/>
-            <a:ext cx="274320" cy="266700"/>
-          </a:xfrm>
-          <a:prstGeom prst="ellipse">
-            <a:avLst/>
-          </a:prstGeom>
-          <a:noFill/>
-          <a:ln w="19050">
-            <a:solidFill>
-              <a:srgbClr val="1DFF5E"/>
-            </a:solidFill>
-          </a:ln>
-        </p:spPr>
-        <p:style>
-          <a:lnRef idx="2">
-            <a:schemeClr val="accent1">
-              <a:shade val="50000"/>
-            </a:schemeClr>
-          </a:lnRef>
-          <a:fillRef idx="1">
-            <a:schemeClr val="accent1"/>
-          </a:fillRef>
-          <a:effectRef idx="0">
-            <a:schemeClr val="accent1"/>
-          </a:effectRef>
-          <a:fontRef idx="minor">
-            <a:schemeClr val="lt1"/>
-          </a:fontRef>
-        </p:style>
-        <p:txBody>
-          <a:bodyPr rtlCol="0" anchor="ctr"/>
-          <a:lstStyle/>
-          <a:p>
-            <a:pPr algn="ctr"/>
-            <a:endParaRPr lang="en-US"/>
-          </a:p>
-        </p:txBody>
-      </p:sp>
-    </p:spTree>
-    <p:extLst>
-      <p:ext uri="{BB962C8B-B14F-4D97-AF65-F5344CB8AC3E}">
-        <p14:creationId xmlns:p14="http://schemas.microsoft.com/office/powerpoint/2010/main" val="2291285242"/>
-      </p:ext>
-    </p:extLst>
-  </p:cSld>
-  <p:clrMapOvr>
-    <a:masterClrMapping/>
-  </p:clrMapOvr>
-</p:sld>
-</file>
-
-<file path=ppt/slides/slide27.xml><?xml version="1.0" encoding="utf-8"?>
-<p:sld xmlns:a="http://schemas.openxmlformats.org/drawingml/2006/main" xmlns:r="http://schemas.openxmlformats.org/officeDocument/2006/relationships" xmlns:p="http://schemas.openxmlformats.org/presentationml/2006/main">
-  <p:cSld>
-    <p:spTree>
-      <p:nvGrpSpPr>
-        <p:cNvPr id="1" name=""/>
-        <p:cNvGrpSpPr/>
-        <p:nvPr/>
-      </p:nvGrpSpPr>
-      <p:grpSpPr>
-        <a:xfrm>
-          <a:off x="0" y="0"/>
-          <a:ext cx="0" cy="0"/>
-          <a:chOff x="0" y="0"/>
-          <a:chExt cx="0" cy="0"/>
-        </a:xfrm>
-      </p:grpSpPr>
-      <p:pic>
-        <p:nvPicPr>
-          <p:cNvPr id="11" name="Picture 10" descr="A close up of a map&#10;&#10;Description generated with very high confidence">
-            <a:extLst>
-              <a:ext uri="{FF2B5EF4-FFF2-40B4-BE49-F238E27FC236}">
-                <a16:creationId xmlns:a16="http://schemas.microsoft.com/office/drawing/2014/main" id="{6A03346C-E2B1-43B8-A0C1-2FDC1FC75DAA}"/>
-              </a:ext>
-            </a:extLst>
-          </p:cNvPr>
-          <p:cNvPicPr>
-            <a:picLocks noChangeAspect="1"/>
-          </p:cNvPicPr>
-          <p:nvPr/>
-        </p:nvPicPr>
-        <p:blipFill>
-          <a:blip r:embed="rId2">
-            <a:extLst>
-              <a:ext uri="{28A0092B-C50C-407E-A947-70E740481C1C}">
-                <a14:useLocalDpi xmlns:a14="http://schemas.microsoft.com/office/drawing/2010/main" val="0"/>
-              </a:ext>
-            </a:extLst>
-          </a:blip>
-          <a:stretch>
-            <a:fillRect/>
-          </a:stretch>
-        </p:blipFill>
-        <p:spPr>
-          <a:xfrm>
             <a:off x="6096000" y="1658381"/>
             <a:ext cx="5317279" cy="3987959"/>
           </a:xfrm>
@@ -9010,7 +8791,7 @@
           <p:nvPr/>
         </p:nvPicPr>
         <p:blipFill>
-          <a:blip r:embed="rId3">
+          <a:blip r:embed="rId3" cstate="hqprint">
             <a:extLst>
               <a:ext uri="{28A0092B-C50C-407E-A947-70E740481C1C}">
                 <a14:useLocalDpi xmlns:a14="http://schemas.microsoft.com/office/drawing/2010/main" val="0"/>
@@ -9331,6 +9112,219 @@
 </p:sld>
 </file>
 
+<file path=ppt/slides/slide27.xml><?xml version="1.0" encoding="utf-8"?>
+<p:sld xmlns:a="http://schemas.openxmlformats.org/drawingml/2006/main" xmlns:r="http://schemas.openxmlformats.org/officeDocument/2006/relationships" xmlns:p="http://schemas.openxmlformats.org/presentationml/2006/main">
+  <p:cSld>
+    <p:spTree>
+      <p:nvGrpSpPr>
+        <p:cNvPr id="1" name=""/>
+        <p:cNvGrpSpPr/>
+        <p:nvPr/>
+      </p:nvGrpSpPr>
+      <p:grpSpPr>
+        <a:xfrm>
+          <a:off x="0" y="0"/>
+          <a:ext cx="0" cy="0"/>
+          <a:chOff x="0" y="0"/>
+          <a:chExt cx="0" cy="0"/>
+        </a:xfrm>
+      </p:grpSpPr>
+      <p:sp>
+        <p:nvSpPr>
+          <p:cNvPr id="3" name="Content Placeholder 2">
+            <a:extLst>
+              <a:ext uri="{FF2B5EF4-FFF2-40B4-BE49-F238E27FC236}">
+                <a16:creationId xmlns:a16="http://schemas.microsoft.com/office/drawing/2014/main" id="{A3747E47-B71D-4260-9DF4-6C60964EBB93}"/>
+              </a:ext>
+            </a:extLst>
+          </p:cNvPr>
+          <p:cNvSpPr>
+            <a:spLocks noGrp="1"/>
+          </p:cNvSpPr>
+          <p:nvPr>
+            <p:ph idx="1"/>
+          </p:nvPr>
+        </p:nvSpPr>
+        <p:spPr>
+          <a:xfrm>
+            <a:off x="838200" y="1127760"/>
+            <a:ext cx="10515600" cy="5049203"/>
+          </a:xfrm>
+        </p:spPr>
+        <p:txBody>
+          <a:bodyPr>
+            <a:normAutofit/>
+          </a:bodyPr>
+          <a:lstStyle/>
+          <a:p>
+            <a:pPr marL="0" indent="0">
+              <a:buNone/>
+            </a:pPr>
+            <a:r>
+              <a:rPr lang="en-CA" sz="2400" dirty="0">
+                <a:solidFill>
+                  <a:schemeClr val="accent1"/>
+                </a:solidFill>
+              </a:rPr>
+              <a:t>Baseline VNS</a:t>
+            </a:r>
+          </a:p>
+          <a:p>
+            <a:pPr marL="0" indent="0">
+              <a:buNone/>
+            </a:pPr>
+            <a:endParaRPr lang="en-CA" sz="2400" dirty="0"/>
+          </a:p>
+          <a:p>
+            <a:pPr marL="0" indent="0">
+              <a:buNone/>
+            </a:pPr>
+            <a:endParaRPr lang="en-CA" sz="2400" dirty="0"/>
+          </a:p>
+          <a:p>
+            <a:endParaRPr lang="en-CA" sz="2400" dirty="0"/>
+          </a:p>
+        </p:txBody>
+      </p:sp>
+      <p:pic>
+        <p:nvPicPr>
+          <p:cNvPr id="5" name="Picture 4">
+            <a:extLst>
+              <a:ext uri="{FF2B5EF4-FFF2-40B4-BE49-F238E27FC236}">
+                <a16:creationId xmlns:a16="http://schemas.microsoft.com/office/drawing/2014/main" id="{0C7E7D67-F8B3-4901-8386-C7C19CECFEC6}"/>
+              </a:ext>
+            </a:extLst>
+          </p:cNvPr>
+          <p:cNvPicPr>
+            <a:picLocks noChangeAspect="1"/>
+          </p:cNvPicPr>
+          <p:nvPr/>
+        </p:nvPicPr>
+        <p:blipFill>
+          <a:blip r:embed="rId2" cstate="hqprint">
+            <a:extLst>
+              <a:ext uri="{28A0092B-C50C-407E-A947-70E740481C1C}">
+                <a14:useLocalDpi xmlns:a14="http://schemas.microsoft.com/office/drawing/2010/main" val="0"/>
+              </a:ext>
+            </a:extLst>
+          </a:blip>
+          <a:stretch>
+            <a:fillRect/>
+          </a:stretch>
+        </p:blipFill>
+        <p:spPr>
+          <a:xfrm>
+            <a:off x="9916160" y="365125"/>
+            <a:ext cx="1437640" cy="418937"/>
+          </a:xfrm>
+          <a:prstGeom prst="rect">
+            <a:avLst/>
+          </a:prstGeom>
+        </p:spPr>
+      </p:pic>
+      <p:sp>
+        <p:nvSpPr>
+          <p:cNvPr id="6" name="Title 1">
+            <a:extLst>
+              <a:ext uri="{FF2B5EF4-FFF2-40B4-BE49-F238E27FC236}">
+                <a16:creationId xmlns:a16="http://schemas.microsoft.com/office/drawing/2014/main" id="{B4C9D95B-EBE4-40C7-8B82-4CFA20A3795C}"/>
+              </a:ext>
+            </a:extLst>
+          </p:cNvPr>
+          <p:cNvSpPr txBox="1">
+            <a:spLocks/>
+          </p:cNvSpPr>
+          <p:nvPr/>
+        </p:nvSpPr>
+        <p:spPr>
+          <a:xfrm>
+            <a:off x="838200" y="365125"/>
+            <a:ext cx="10515600" cy="762635"/>
+          </a:xfrm>
+          <a:prstGeom prst="rect">
+            <a:avLst/>
+          </a:prstGeom>
+        </p:spPr>
+        <p:txBody>
+          <a:bodyPr vert="horz" lIns="91440" tIns="45720" rIns="91440" bIns="45720" rtlCol="0" anchor="ctr">
+            <a:normAutofit/>
+          </a:bodyPr>
+          <a:lstStyle>
+            <a:lvl1pPr algn="l" defTabSz="914400" rtl="0" eaLnBrk="1" latinLnBrk="0" hangingPunct="1">
+              <a:lnSpc>
+                <a:spcPct val="90000"/>
+              </a:lnSpc>
+              <a:spcBef>
+                <a:spcPct val="0"/>
+              </a:spcBef>
+              <a:buNone/>
+              <a:defRPr sz="4400" kern="1200">
+                <a:solidFill>
+                  <a:schemeClr val="tx1"/>
+                </a:solidFill>
+                <a:latin typeface="+mj-lt"/>
+                <a:ea typeface="+mj-ea"/>
+                <a:cs typeface="+mj-cs"/>
+              </a:defRPr>
+            </a:lvl1pPr>
+          </a:lstStyle>
+          <a:p>
+            <a:r>
+              <a:rPr lang="en-CA" sz="3600" dirty="0"/>
+              <a:t>Results: Baseline VNS vs. Golden Section VNS</a:t>
+            </a:r>
+          </a:p>
+        </p:txBody>
+      </p:sp>
+      <p:pic>
+        <p:nvPicPr>
+          <p:cNvPr id="7" name="Picture 6" descr="A close up of a map&#10;&#10;Description generated with very high confidence">
+            <a:extLst>
+              <a:ext uri="{FF2B5EF4-FFF2-40B4-BE49-F238E27FC236}">
+                <a16:creationId xmlns:a16="http://schemas.microsoft.com/office/drawing/2014/main" id="{A3A4B4E2-A12D-4E6B-A832-EB9BA7B41BEB}"/>
+              </a:ext>
+            </a:extLst>
+          </p:cNvPr>
+          <p:cNvPicPr>
+            <a:picLocks noChangeAspect="1"/>
+          </p:cNvPicPr>
+          <p:nvPr/>
+        </p:nvPicPr>
+        <p:blipFill>
+          <a:blip r:embed="rId3">
+            <a:extLst>
+              <a:ext uri="{28A0092B-C50C-407E-A947-70E740481C1C}">
+                <a14:useLocalDpi xmlns:a14="http://schemas.microsoft.com/office/drawing/2010/main" val="0"/>
+              </a:ext>
+            </a:extLst>
+          </a:blip>
+          <a:stretch>
+            <a:fillRect/>
+          </a:stretch>
+        </p:blipFill>
+        <p:spPr>
+          <a:xfrm>
+            <a:off x="2922270" y="1416368"/>
+            <a:ext cx="6347460" cy="4760595"/>
+          </a:xfrm>
+          <a:prstGeom prst="rect">
+            <a:avLst/>
+          </a:prstGeom>
+        </p:spPr>
+      </p:pic>
+    </p:spTree>
+    <p:extLst>
+      <p:ext uri="{BB962C8B-B14F-4D97-AF65-F5344CB8AC3E}">
+        <p14:creationId xmlns:p14="http://schemas.microsoft.com/office/powerpoint/2010/main" val="2495134979"/>
+      </p:ext>
+    </p:extLst>
+  </p:cSld>
+  <p:clrMapOvr>
+    <a:masterClrMapping/>
+  </p:clrMapOvr>
+</p:sld>
+</file>
+
 <file path=ppt/slides/slide28.xml><?xml version="1.0" encoding="utf-8"?>
 <p:sld xmlns:a="http://schemas.openxmlformats.org/drawingml/2006/main" xmlns:r="http://schemas.openxmlformats.org/officeDocument/2006/relationships" xmlns:p="http://schemas.openxmlformats.org/presentationml/2006/main">
   <p:cSld>
@@ -9385,23 +9379,18 @@
                   <a:schemeClr val="accent1"/>
                 </a:solidFill>
               </a:rPr>
-              <a:t>Baseline VNS</a:t>
+              <a:t>Golden section VNS </a:t>
             </a:r>
           </a:p>
           <a:p>
             <a:pPr marL="0" indent="0">
               <a:buNone/>
             </a:pPr>
-            <a:endParaRPr lang="en-CA" sz="2400" dirty="0"/>
-          </a:p>
-          <a:p>
-            <a:pPr marL="0" indent="0">
-              <a:buNone/>
-            </a:pPr>
-            <a:endParaRPr lang="en-CA" sz="2400" dirty="0"/>
-          </a:p>
-          <a:p>
-            <a:endParaRPr lang="en-CA" sz="2400" dirty="0"/>
+            <a:endParaRPr lang="en-US" sz="2400" dirty="0">
+              <a:solidFill>
+                <a:schemeClr val="accent1"/>
+              </a:solidFill>
+            </a:endParaRPr>
           </a:p>
         </p:txBody>
       </p:sp>
@@ -9420,215 +9409,7 @@
           <p:nvPr/>
         </p:nvPicPr>
         <p:blipFill>
-          <a:blip r:embed="rId2">
-            <a:extLst>
-              <a:ext uri="{28A0092B-C50C-407E-A947-70E740481C1C}">
-                <a14:useLocalDpi xmlns:a14="http://schemas.microsoft.com/office/drawing/2010/main" val="0"/>
-              </a:ext>
-            </a:extLst>
-          </a:blip>
-          <a:stretch>
-            <a:fillRect/>
-          </a:stretch>
-        </p:blipFill>
-        <p:spPr>
-          <a:xfrm>
-            <a:off x="9916160" y="365125"/>
-            <a:ext cx="1437640" cy="418937"/>
-          </a:xfrm>
-          <a:prstGeom prst="rect">
-            <a:avLst/>
-          </a:prstGeom>
-        </p:spPr>
-      </p:pic>
-      <p:sp>
-        <p:nvSpPr>
-          <p:cNvPr id="6" name="Title 1">
-            <a:extLst>
-              <a:ext uri="{FF2B5EF4-FFF2-40B4-BE49-F238E27FC236}">
-                <a16:creationId xmlns:a16="http://schemas.microsoft.com/office/drawing/2014/main" id="{B4C9D95B-EBE4-40C7-8B82-4CFA20A3795C}"/>
-              </a:ext>
-            </a:extLst>
-          </p:cNvPr>
-          <p:cNvSpPr txBox="1">
-            <a:spLocks/>
-          </p:cNvSpPr>
-          <p:nvPr/>
-        </p:nvSpPr>
-        <p:spPr>
-          <a:xfrm>
-            <a:off x="838200" y="365125"/>
-            <a:ext cx="10515600" cy="762635"/>
-          </a:xfrm>
-          <a:prstGeom prst="rect">
-            <a:avLst/>
-          </a:prstGeom>
-        </p:spPr>
-        <p:txBody>
-          <a:bodyPr vert="horz" lIns="91440" tIns="45720" rIns="91440" bIns="45720" rtlCol="0" anchor="ctr">
-            <a:normAutofit/>
-          </a:bodyPr>
-          <a:lstStyle>
-            <a:lvl1pPr algn="l" defTabSz="914400" rtl="0" eaLnBrk="1" latinLnBrk="0" hangingPunct="1">
-              <a:lnSpc>
-                <a:spcPct val="90000"/>
-              </a:lnSpc>
-              <a:spcBef>
-                <a:spcPct val="0"/>
-              </a:spcBef>
-              <a:buNone/>
-              <a:defRPr sz="4400" kern="1200">
-                <a:solidFill>
-                  <a:schemeClr val="tx1"/>
-                </a:solidFill>
-                <a:latin typeface="+mj-lt"/>
-                <a:ea typeface="+mj-ea"/>
-                <a:cs typeface="+mj-cs"/>
-              </a:defRPr>
-            </a:lvl1pPr>
-          </a:lstStyle>
-          <a:p>
-            <a:r>
-              <a:rPr lang="en-CA" sz="3600" dirty="0"/>
-              <a:t>Results: Baseline VNS vs. Golden Section VNS</a:t>
-            </a:r>
-          </a:p>
-        </p:txBody>
-      </p:sp>
-      <p:pic>
-        <p:nvPicPr>
-          <p:cNvPr id="7" name="Picture 6" descr="A close up of a map&#10;&#10;Description generated with very high confidence">
-            <a:extLst>
-              <a:ext uri="{FF2B5EF4-FFF2-40B4-BE49-F238E27FC236}">
-                <a16:creationId xmlns:a16="http://schemas.microsoft.com/office/drawing/2014/main" id="{A3A4B4E2-A12D-4E6B-A832-EB9BA7B41BEB}"/>
-              </a:ext>
-            </a:extLst>
-          </p:cNvPr>
-          <p:cNvPicPr>
-            <a:picLocks noChangeAspect="1"/>
-          </p:cNvPicPr>
-          <p:nvPr/>
-        </p:nvPicPr>
-        <p:blipFill>
-          <a:blip r:embed="rId3">
-            <a:extLst>
-              <a:ext uri="{28A0092B-C50C-407E-A947-70E740481C1C}">
-                <a14:useLocalDpi xmlns:a14="http://schemas.microsoft.com/office/drawing/2010/main" val="0"/>
-              </a:ext>
-            </a:extLst>
-          </a:blip>
-          <a:stretch>
-            <a:fillRect/>
-          </a:stretch>
-        </p:blipFill>
-        <p:spPr>
-          <a:xfrm>
-            <a:off x="2922270" y="1416368"/>
-            <a:ext cx="6347460" cy="4760595"/>
-          </a:xfrm>
-          <a:prstGeom prst="rect">
-            <a:avLst/>
-          </a:prstGeom>
-        </p:spPr>
-      </p:pic>
-    </p:spTree>
-    <p:extLst>
-      <p:ext uri="{BB962C8B-B14F-4D97-AF65-F5344CB8AC3E}">
-        <p14:creationId xmlns:p14="http://schemas.microsoft.com/office/powerpoint/2010/main" val="2495134979"/>
-      </p:ext>
-    </p:extLst>
-  </p:cSld>
-  <p:clrMapOvr>
-    <a:masterClrMapping/>
-  </p:clrMapOvr>
-</p:sld>
-</file>
-
-<file path=ppt/slides/slide29.xml><?xml version="1.0" encoding="utf-8"?>
-<p:sld xmlns:a="http://schemas.openxmlformats.org/drawingml/2006/main" xmlns:r="http://schemas.openxmlformats.org/officeDocument/2006/relationships" xmlns:p="http://schemas.openxmlformats.org/presentationml/2006/main">
-  <p:cSld>
-    <p:spTree>
-      <p:nvGrpSpPr>
-        <p:cNvPr id="1" name=""/>
-        <p:cNvGrpSpPr/>
-        <p:nvPr/>
-      </p:nvGrpSpPr>
-      <p:grpSpPr>
-        <a:xfrm>
-          <a:off x="0" y="0"/>
-          <a:ext cx="0" cy="0"/>
-          <a:chOff x="0" y="0"/>
-          <a:chExt cx="0" cy="0"/>
-        </a:xfrm>
-      </p:grpSpPr>
-      <p:sp>
-        <p:nvSpPr>
-          <p:cNvPr id="3" name="Content Placeholder 2">
-            <a:extLst>
-              <a:ext uri="{FF2B5EF4-FFF2-40B4-BE49-F238E27FC236}">
-                <a16:creationId xmlns:a16="http://schemas.microsoft.com/office/drawing/2014/main" id="{A3747E47-B71D-4260-9DF4-6C60964EBB93}"/>
-              </a:ext>
-            </a:extLst>
-          </p:cNvPr>
-          <p:cNvSpPr>
-            <a:spLocks noGrp="1"/>
-          </p:cNvSpPr>
-          <p:nvPr>
-            <p:ph idx="1"/>
-          </p:nvPr>
-        </p:nvSpPr>
-        <p:spPr>
-          <a:xfrm>
-            <a:off x="838200" y="1127760"/>
-            <a:ext cx="10515600" cy="5049203"/>
-          </a:xfrm>
-        </p:spPr>
-        <p:txBody>
-          <a:bodyPr>
-            <a:normAutofit/>
-          </a:bodyPr>
-          <a:lstStyle/>
-          <a:p>
-            <a:pPr marL="0" indent="0">
-              <a:buNone/>
-            </a:pPr>
-            <a:r>
-              <a:rPr lang="en-CA" sz="2400" dirty="0">
-                <a:solidFill>
-                  <a:schemeClr val="accent1"/>
-                </a:solidFill>
-              </a:rPr>
-              <a:t>Golden section VNS </a:t>
-            </a:r>
-          </a:p>
-          <a:p>
-            <a:pPr marL="0" indent="0">
-              <a:buNone/>
-            </a:pPr>
-            <a:endParaRPr lang="en-US" sz="2400" dirty="0">
-              <a:solidFill>
-                <a:schemeClr val="accent1"/>
-              </a:solidFill>
-            </a:endParaRPr>
-          </a:p>
-        </p:txBody>
-      </p:sp>
-      <p:pic>
-        <p:nvPicPr>
-          <p:cNvPr id="5" name="Picture 4">
-            <a:extLst>
-              <a:ext uri="{FF2B5EF4-FFF2-40B4-BE49-F238E27FC236}">
-                <a16:creationId xmlns:a16="http://schemas.microsoft.com/office/drawing/2014/main" id="{0C7E7D67-F8B3-4901-8386-C7C19CECFEC6}"/>
-              </a:ext>
-            </a:extLst>
-          </p:cNvPr>
-          <p:cNvPicPr>
-            <a:picLocks noChangeAspect="1"/>
-          </p:cNvPicPr>
-          <p:nvPr/>
-        </p:nvPicPr>
-        <p:blipFill>
-          <a:blip r:embed="rId2">
+          <a:blip r:embed="rId2" cstate="hqprint">
             <a:extLst>
               <a:ext uri="{28A0092B-C50C-407E-A947-70E740481C1C}">
                 <a14:useLocalDpi xmlns:a14="http://schemas.microsoft.com/office/drawing/2010/main" val="0"/>
@@ -10314,6 +10095,206 @@
 </p:sld>
 </file>
 
+<file path=ppt/slides/slide29.xml><?xml version="1.0" encoding="utf-8"?>
+<p:sld xmlns:a="http://schemas.openxmlformats.org/drawingml/2006/main" xmlns:r="http://schemas.openxmlformats.org/officeDocument/2006/relationships" xmlns:p="http://schemas.openxmlformats.org/presentationml/2006/main">
+  <p:cSld>
+    <p:spTree>
+      <p:nvGrpSpPr>
+        <p:cNvPr id="1" name=""/>
+        <p:cNvGrpSpPr/>
+        <p:nvPr/>
+      </p:nvGrpSpPr>
+      <p:grpSpPr>
+        <a:xfrm>
+          <a:off x="0" y="0"/>
+          <a:ext cx="0" cy="0"/>
+          <a:chOff x="0" y="0"/>
+          <a:chExt cx="0" cy="0"/>
+        </a:xfrm>
+      </p:grpSpPr>
+      <p:sp>
+        <p:nvSpPr>
+          <p:cNvPr id="3" name="Content Placeholder 2">
+            <a:extLst>
+              <a:ext uri="{FF2B5EF4-FFF2-40B4-BE49-F238E27FC236}">
+                <a16:creationId xmlns:a16="http://schemas.microsoft.com/office/drawing/2014/main" id="{A3747E47-B71D-4260-9DF4-6C60964EBB93}"/>
+              </a:ext>
+            </a:extLst>
+          </p:cNvPr>
+          <p:cNvSpPr>
+            <a:spLocks noGrp="1"/>
+          </p:cNvSpPr>
+          <p:nvPr>
+            <p:ph idx="1"/>
+          </p:nvPr>
+        </p:nvSpPr>
+        <p:spPr>
+          <a:xfrm>
+            <a:off x="838200" y="1127760"/>
+            <a:ext cx="10515600" cy="5049203"/>
+          </a:xfrm>
+        </p:spPr>
+        <p:txBody>
+          <a:bodyPr>
+            <a:normAutofit/>
+          </a:bodyPr>
+          <a:lstStyle/>
+          <a:p>
+            <a:pPr marL="0" indent="0">
+              <a:buNone/>
+            </a:pPr>
+            <a:endParaRPr lang="en-CA" sz="2400" dirty="0"/>
+          </a:p>
+          <a:p>
+            <a:pPr marL="0" indent="0">
+              <a:buNone/>
+            </a:pPr>
+            <a:endParaRPr lang="en-CA" sz="2400" dirty="0"/>
+          </a:p>
+          <a:p>
+            <a:endParaRPr lang="en-CA" sz="2400" dirty="0"/>
+          </a:p>
+        </p:txBody>
+      </p:sp>
+      <p:pic>
+        <p:nvPicPr>
+          <p:cNvPr id="5" name="Picture 4">
+            <a:extLst>
+              <a:ext uri="{FF2B5EF4-FFF2-40B4-BE49-F238E27FC236}">
+                <a16:creationId xmlns:a16="http://schemas.microsoft.com/office/drawing/2014/main" id="{0C7E7D67-F8B3-4901-8386-C7C19CECFEC6}"/>
+              </a:ext>
+            </a:extLst>
+          </p:cNvPr>
+          <p:cNvPicPr>
+            <a:picLocks noChangeAspect="1"/>
+          </p:cNvPicPr>
+          <p:nvPr/>
+        </p:nvPicPr>
+        <p:blipFill>
+          <a:blip r:embed="rId2" cstate="hqprint">
+            <a:extLst>
+              <a:ext uri="{28A0092B-C50C-407E-A947-70E740481C1C}">
+                <a14:useLocalDpi xmlns:a14="http://schemas.microsoft.com/office/drawing/2010/main" val="0"/>
+              </a:ext>
+            </a:extLst>
+          </a:blip>
+          <a:stretch>
+            <a:fillRect/>
+          </a:stretch>
+        </p:blipFill>
+        <p:spPr>
+          <a:xfrm>
+            <a:off x="9916160" y="365125"/>
+            <a:ext cx="1437640" cy="418937"/>
+          </a:xfrm>
+          <a:prstGeom prst="rect">
+            <a:avLst/>
+          </a:prstGeom>
+        </p:spPr>
+      </p:pic>
+      <p:sp>
+        <p:nvSpPr>
+          <p:cNvPr id="6" name="Title 1">
+            <a:extLst>
+              <a:ext uri="{FF2B5EF4-FFF2-40B4-BE49-F238E27FC236}">
+                <a16:creationId xmlns:a16="http://schemas.microsoft.com/office/drawing/2014/main" id="{B4C9D95B-EBE4-40C7-8B82-4CFA20A3795C}"/>
+              </a:ext>
+            </a:extLst>
+          </p:cNvPr>
+          <p:cNvSpPr txBox="1">
+            <a:spLocks/>
+          </p:cNvSpPr>
+          <p:nvPr/>
+        </p:nvSpPr>
+        <p:spPr>
+          <a:xfrm>
+            <a:off x="838200" y="365125"/>
+            <a:ext cx="10515600" cy="762635"/>
+          </a:xfrm>
+          <a:prstGeom prst="rect">
+            <a:avLst/>
+          </a:prstGeom>
+        </p:spPr>
+        <p:txBody>
+          <a:bodyPr vert="horz" lIns="91440" tIns="45720" rIns="91440" bIns="45720" rtlCol="0" anchor="ctr">
+            <a:normAutofit/>
+          </a:bodyPr>
+          <a:lstStyle>
+            <a:lvl1pPr algn="l" defTabSz="914400" rtl="0" eaLnBrk="1" latinLnBrk="0" hangingPunct="1">
+              <a:lnSpc>
+                <a:spcPct val="90000"/>
+              </a:lnSpc>
+              <a:spcBef>
+                <a:spcPct val="0"/>
+              </a:spcBef>
+              <a:buNone/>
+              <a:defRPr sz="4400" kern="1200">
+                <a:solidFill>
+                  <a:schemeClr val="tx1"/>
+                </a:solidFill>
+                <a:latin typeface="+mj-lt"/>
+                <a:ea typeface="+mj-ea"/>
+                <a:cs typeface="+mj-cs"/>
+              </a:defRPr>
+            </a:lvl1pPr>
+          </a:lstStyle>
+          <a:p>
+            <a:r>
+              <a:rPr lang="en-CA" sz="3600" dirty="0"/>
+              <a:t>Results: Baseline VNS vs. Golden Section VNS</a:t>
+            </a:r>
+          </a:p>
+        </p:txBody>
+      </p:sp>
+      <p:pic>
+        <p:nvPicPr>
+          <p:cNvPr id="7" name="Picture 6" descr="A picture containing screenshot&#10;&#10;Description generated with high confidence">
+            <a:extLst>
+              <a:ext uri="{FF2B5EF4-FFF2-40B4-BE49-F238E27FC236}">
+                <a16:creationId xmlns:a16="http://schemas.microsoft.com/office/drawing/2014/main" id="{C43C9459-252D-4B19-93F8-E55C042647ED}"/>
+              </a:ext>
+            </a:extLst>
+          </p:cNvPr>
+          <p:cNvPicPr>
+            <a:picLocks noChangeAspect="1"/>
+          </p:cNvPicPr>
+          <p:nvPr/>
+        </p:nvPicPr>
+        <p:blipFill>
+          <a:blip r:embed="rId3">
+            <a:extLst>
+              <a:ext uri="{28A0092B-C50C-407E-A947-70E740481C1C}">
+                <a14:useLocalDpi xmlns:a14="http://schemas.microsoft.com/office/drawing/2010/main" val="0"/>
+              </a:ext>
+            </a:extLst>
+          </a:blip>
+          <a:stretch>
+            <a:fillRect/>
+          </a:stretch>
+        </p:blipFill>
+        <p:spPr>
+          <a:xfrm>
+            <a:off x="452120" y="1127760"/>
+            <a:ext cx="10901680" cy="5232577"/>
+          </a:xfrm>
+          <a:prstGeom prst="rect">
+            <a:avLst/>
+          </a:prstGeom>
+        </p:spPr>
+      </p:pic>
+    </p:spTree>
+    <p:extLst>
+      <p:ext uri="{BB962C8B-B14F-4D97-AF65-F5344CB8AC3E}">
+        <p14:creationId xmlns:p14="http://schemas.microsoft.com/office/powerpoint/2010/main" val="1216261409"/>
+      </p:ext>
+    </p:extLst>
+  </p:cSld>
+  <p:clrMapOvr>
+    <a:masterClrMapping/>
+  </p:clrMapOvr>
+</p:sld>
+</file>
+
 <file path=ppt/slides/slide3.xml><?xml version="1.0" encoding="utf-8"?>
 <p:sld xmlns:a="http://schemas.openxmlformats.org/drawingml/2006/main" xmlns:r="http://schemas.openxmlformats.org/officeDocument/2006/relationships" xmlns:p="http://schemas.openxmlformats.org/presentationml/2006/main">
   <p:cSld>
@@ -10700,207 +10681,7 @@
           <p:nvPr/>
         </p:nvPicPr>
         <p:blipFill>
-          <a:blip r:embed="rId2">
-            <a:extLst>
-              <a:ext uri="{28A0092B-C50C-407E-A947-70E740481C1C}">
-                <a14:useLocalDpi xmlns:a14="http://schemas.microsoft.com/office/drawing/2010/main" val="0"/>
-              </a:ext>
-            </a:extLst>
-          </a:blip>
-          <a:stretch>
-            <a:fillRect/>
-          </a:stretch>
-        </p:blipFill>
-        <p:spPr>
-          <a:xfrm>
-            <a:off x="9916160" y="365125"/>
-            <a:ext cx="1437640" cy="418937"/>
-          </a:xfrm>
-          <a:prstGeom prst="rect">
-            <a:avLst/>
-          </a:prstGeom>
-        </p:spPr>
-      </p:pic>
-      <p:sp>
-        <p:nvSpPr>
-          <p:cNvPr id="6" name="Title 1">
-            <a:extLst>
-              <a:ext uri="{FF2B5EF4-FFF2-40B4-BE49-F238E27FC236}">
-                <a16:creationId xmlns:a16="http://schemas.microsoft.com/office/drawing/2014/main" id="{B4C9D95B-EBE4-40C7-8B82-4CFA20A3795C}"/>
-              </a:ext>
-            </a:extLst>
-          </p:cNvPr>
-          <p:cNvSpPr txBox="1">
-            <a:spLocks/>
-          </p:cNvSpPr>
-          <p:nvPr/>
-        </p:nvSpPr>
-        <p:spPr>
-          <a:xfrm>
-            <a:off x="838200" y="365125"/>
-            <a:ext cx="10515600" cy="762635"/>
-          </a:xfrm>
-          <a:prstGeom prst="rect">
-            <a:avLst/>
-          </a:prstGeom>
-        </p:spPr>
-        <p:txBody>
-          <a:bodyPr vert="horz" lIns="91440" tIns="45720" rIns="91440" bIns="45720" rtlCol="0" anchor="ctr">
-            <a:normAutofit/>
-          </a:bodyPr>
-          <a:lstStyle>
-            <a:lvl1pPr algn="l" defTabSz="914400" rtl="0" eaLnBrk="1" latinLnBrk="0" hangingPunct="1">
-              <a:lnSpc>
-                <a:spcPct val="90000"/>
-              </a:lnSpc>
-              <a:spcBef>
-                <a:spcPct val="0"/>
-              </a:spcBef>
-              <a:buNone/>
-              <a:defRPr sz="4400" kern="1200">
-                <a:solidFill>
-                  <a:schemeClr val="tx1"/>
-                </a:solidFill>
-                <a:latin typeface="+mj-lt"/>
-                <a:ea typeface="+mj-ea"/>
-                <a:cs typeface="+mj-cs"/>
-              </a:defRPr>
-            </a:lvl1pPr>
-          </a:lstStyle>
-          <a:p>
-            <a:r>
-              <a:rPr lang="en-CA" sz="3600" dirty="0"/>
-              <a:t>Results: Baseline VNS vs. Golden Section VNS</a:t>
-            </a:r>
-          </a:p>
-        </p:txBody>
-      </p:sp>
-      <p:pic>
-        <p:nvPicPr>
-          <p:cNvPr id="7" name="Picture 6" descr="A picture containing screenshot&#10;&#10;Description generated with high confidence">
-            <a:extLst>
-              <a:ext uri="{FF2B5EF4-FFF2-40B4-BE49-F238E27FC236}">
-                <a16:creationId xmlns:a16="http://schemas.microsoft.com/office/drawing/2014/main" id="{C43C9459-252D-4B19-93F8-E55C042647ED}"/>
-              </a:ext>
-            </a:extLst>
-          </p:cNvPr>
-          <p:cNvPicPr>
-            <a:picLocks noChangeAspect="1"/>
-          </p:cNvPicPr>
-          <p:nvPr/>
-        </p:nvPicPr>
-        <p:blipFill>
-          <a:blip r:embed="rId3">
-            <a:extLst>
-              <a:ext uri="{28A0092B-C50C-407E-A947-70E740481C1C}">
-                <a14:useLocalDpi xmlns:a14="http://schemas.microsoft.com/office/drawing/2010/main" val="0"/>
-              </a:ext>
-            </a:extLst>
-          </a:blip>
-          <a:stretch>
-            <a:fillRect/>
-          </a:stretch>
-        </p:blipFill>
-        <p:spPr>
-          <a:xfrm>
-            <a:off x="452120" y="1127760"/>
-            <a:ext cx="10901680" cy="5232577"/>
-          </a:xfrm>
-          <a:prstGeom prst="rect">
-            <a:avLst/>
-          </a:prstGeom>
-        </p:spPr>
-      </p:pic>
-    </p:spTree>
-    <p:extLst>
-      <p:ext uri="{BB962C8B-B14F-4D97-AF65-F5344CB8AC3E}">
-        <p14:creationId xmlns:p14="http://schemas.microsoft.com/office/powerpoint/2010/main" val="1216261409"/>
-      </p:ext>
-    </p:extLst>
-  </p:cSld>
-  <p:clrMapOvr>
-    <a:masterClrMapping/>
-  </p:clrMapOvr>
-</p:sld>
-</file>
-
-<file path=ppt/slides/slide31.xml><?xml version="1.0" encoding="utf-8"?>
-<p:sld xmlns:a="http://schemas.openxmlformats.org/drawingml/2006/main" xmlns:r="http://schemas.openxmlformats.org/officeDocument/2006/relationships" xmlns:p="http://schemas.openxmlformats.org/presentationml/2006/main">
-  <p:cSld>
-    <p:spTree>
-      <p:nvGrpSpPr>
-        <p:cNvPr id="1" name=""/>
-        <p:cNvGrpSpPr/>
-        <p:nvPr/>
-      </p:nvGrpSpPr>
-      <p:grpSpPr>
-        <a:xfrm>
-          <a:off x="0" y="0"/>
-          <a:ext cx="0" cy="0"/>
-          <a:chOff x="0" y="0"/>
-          <a:chExt cx="0" cy="0"/>
-        </a:xfrm>
-      </p:grpSpPr>
-      <p:sp>
-        <p:nvSpPr>
-          <p:cNvPr id="3" name="Content Placeholder 2">
-            <a:extLst>
-              <a:ext uri="{FF2B5EF4-FFF2-40B4-BE49-F238E27FC236}">
-                <a16:creationId xmlns:a16="http://schemas.microsoft.com/office/drawing/2014/main" id="{A3747E47-B71D-4260-9DF4-6C60964EBB93}"/>
-              </a:ext>
-            </a:extLst>
-          </p:cNvPr>
-          <p:cNvSpPr>
-            <a:spLocks noGrp="1"/>
-          </p:cNvSpPr>
-          <p:nvPr>
-            <p:ph idx="1"/>
-          </p:nvPr>
-        </p:nvSpPr>
-        <p:spPr>
-          <a:xfrm>
-            <a:off x="838200" y="1127760"/>
-            <a:ext cx="10515600" cy="5049203"/>
-          </a:xfrm>
-        </p:spPr>
-        <p:txBody>
-          <a:bodyPr>
-            <a:normAutofit/>
-          </a:bodyPr>
-          <a:lstStyle/>
-          <a:p>
-            <a:pPr marL="0" indent="0">
-              <a:buNone/>
-            </a:pPr>
-            <a:endParaRPr lang="en-CA" sz="2400" dirty="0"/>
-          </a:p>
-          <a:p>
-            <a:pPr marL="0" indent="0">
-              <a:buNone/>
-            </a:pPr>
-            <a:endParaRPr lang="en-CA" sz="2400" dirty="0"/>
-          </a:p>
-          <a:p>
-            <a:endParaRPr lang="en-CA" sz="2400" dirty="0"/>
-          </a:p>
-        </p:txBody>
-      </p:sp>
-      <p:pic>
-        <p:nvPicPr>
-          <p:cNvPr id="5" name="Picture 4">
-            <a:extLst>
-              <a:ext uri="{FF2B5EF4-FFF2-40B4-BE49-F238E27FC236}">
-                <a16:creationId xmlns:a16="http://schemas.microsoft.com/office/drawing/2014/main" id="{0C7E7D67-F8B3-4901-8386-C7C19CECFEC6}"/>
-              </a:ext>
-            </a:extLst>
-          </p:cNvPr>
-          <p:cNvPicPr>
-            <a:picLocks noChangeAspect="1"/>
-          </p:cNvPicPr>
-          <p:nvPr/>
-        </p:nvPicPr>
-        <p:blipFill>
-          <a:blip r:embed="rId2">
+          <a:blip r:embed="rId2" cstate="hqprint">
             <a:extLst>
               <a:ext uri="{28A0092B-C50C-407E-A947-70E740481C1C}">
                 <a14:useLocalDpi xmlns:a14="http://schemas.microsoft.com/office/drawing/2010/main" val="0"/>
@@ -11303,6 +11084,206 @@
 </p:sld>
 </file>
 
+<file path=ppt/slides/slide31.xml><?xml version="1.0" encoding="utf-8"?>
+<p:sld xmlns:a="http://schemas.openxmlformats.org/drawingml/2006/main" xmlns:r="http://schemas.openxmlformats.org/officeDocument/2006/relationships" xmlns:p="http://schemas.openxmlformats.org/presentationml/2006/main">
+  <p:cSld>
+    <p:spTree>
+      <p:nvGrpSpPr>
+        <p:cNvPr id="1" name=""/>
+        <p:cNvGrpSpPr/>
+        <p:nvPr/>
+      </p:nvGrpSpPr>
+      <p:grpSpPr>
+        <a:xfrm>
+          <a:off x="0" y="0"/>
+          <a:ext cx="0" cy="0"/>
+          <a:chOff x="0" y="0"/>
+          <a:chExt cx="0" cy="0"/>
+        </a:xfrm>
+      </p:grpSpPr>
+      <p:sp>
+        <p:nvSpPr>
+          <p:cNvPr id="3" name="Content Placeholder 2">
+            <a:extLst>
+              <a:ext uri="{FF2B5EF4-FFF2-40B4-BE49-F238E27FC236}">
+                <a16:creationId xmlns:a16="http://schemas.microsoft.com/office/drawing/2014/main" id="{A3747E47-B71D-4260-9DF4-6C60964EBB93}"/>
+              </a:ext>
+            </a:extLst>
+          </p:cNvPr>
+          <p:cNvSpPr>
+            <a:spLocks noGrp="1"/>
+          </p:cNvSpPr>
+          <p:nvPr>
+            <p:ph idx="1"/>
+          </p:nvPr>
+        </p:nvSpPr>
+        <p:spPr>
+          <a:xfrm>
+            <a:off x="838200" y="1127760"/>
+            <a:ext cx="10515600" cy="5049203"/>
+          </a:xfrm>
+        </p:spPr>
+        <p:txBody>
+          <a:bodyPr>
+            <a:normAutofit/>
+          </a:bodyPr>
+          <a:lstStyle/>
+          <a:p>
+            <a:pPr marL="0" indent="0">
+              <a:buNone/>
+            </a:pPr>
+            <a:endParaRPr lang="en-CA" sz="2400" dirty="0"/>
+          </a:p>
+          <a:p>
+            <a:pPr marL="0" indent="0">
+              <a:buNone/>
+            </a:pPr>
+            <a:endParaRPr lang="en-CA" sz="2400" dirty="0"/>
+          </a:p>
+          <a:p>
+            <a:endParaRPr lang="en-CA" sz="2400" dirty="0"/>
+          </a:p>
+        </p:txBody>
+      </p:sp>
+      <p:pic>
+        <p:nvPicPr>
+          <p:cNvPr id="5" name="Picture 4">
+            <a:extLst>
+              <a:ext uri="{FF2B5EF4-FFF2-40B4-BE49-F238E27FC236}">
+                <a16:creationId xmlns:a16="http://schemas.microsoft.com/office/drawing/2014/main" id="{0C7E7D67-F8B3-4901-8386-C7C19CECFEC6}"/>
+              </a:ext>
+            </a:extLst>
+          </p:cNvPr>
+          <p:cNvPicPr>
+            <a:picLocks noChangeAspect="1"/>
+          </p:cNvPicPr>
+          <p:nvPr/>
+        </p:nvPicPr>
+        <p:blipFill>
+          <a:blip r:embed="rId2" cstate="hqprint">
+            <a:extLst>
+              <a:ext uri="{28A0092B-C50C-407E-A947-70E740481C1C}">
+                <a14:useLocalDpi xmlns:a14="http://schemas.microsoft.com/office/drawing/2010/main" val="0"/>
+              </a:ext>
+            </a:extLst>
+          </a:blip>
+          <a:stretch>
+            <a:fillRect/>
+          </a:stretch>
+        </p:blipFill>
+        <p:spPr>
+          <a:xfrm>
+            <a:off x="9916160" y="365125"/>
+            <a:ext cx="1437640" cy="418937"/>
+          </a:xfrm>
+          <a:prstGeom prst="rect">
+            <a:avLst/>
+          </a:prstGeom>
+        </p:spPr>
+      </p:pic>
+      <p:sp>
+        <p:nvSpPr>
+          <p:cNvPr id="6" name="Title 1">
+            <a:extLst>
+              <a:ext uri="{FF2B5EF4-FFF2-40B4-BE49-F238E27FC236}">
+                <a16:creationId xmlns:a16="http://schemas.microsoft.com/office/drawing/2014/main" id="{B4C9D95B-EBE4-40C7-8B82-4CFA20A3795C}"/>
+              </a:ext>
+            </a:extLst>
+          </p:cNvPr>
+          <p:cNvSpPr txBox="1">
+            <a:spLocks/>
+          </p:cNvSpPr>
+          <p:nvPr/>
+        </p:nvSpPr>
+        <p:spPr>
+          <a:xfrm>
+            <a:off x="838200" y="365125"/>
+            <a:ext cx="10515600" cy="762635"/>
+          </a:xfrm>
+          <a:prstGeom prst="rect">
+            <a:avLst/>
+          </a:prstGeom>
+        </p:spPr>
+        <p:txBody>
+          <a:bodyPr vert="horz" lIns="91440" tIns="45720" rIns="91440" bIns="45720" rtlCol="0" anchor="ctr">
+            <a:normAutofit/>
+          </a:bodyPr>
+          <a:lstStyle>
+            <a:lvl1pPr algn="l" defTabSz="914400" rtl="0" eaLnBrk="1" latinLnBrk="0" hangingPunct="1">
+              <a:lnSpc>
+                <a:spcPct val="90000"/>
+              </a:lnSpc>
+              <a:spcBef>
+                <a:spcPct val="0"/>
+              </a:spcBef>
+              <a:buNone/>
+              <a:defRPr sz="4400" kern="1200">
+                <a:solidFill>
+                  <a:schemeClr val="tx1"/>
+                </a:solidFill>
+                <a:latin typeface="+mj-lt"/>
+                <a:ea typeface="+mj-ea"/>
+                <a:cs typeface="+mj-cs"/>
+              </a:defRPr>
+            </a:lvl1pPr>
+          </a:lstStyle>
+          <a:p>
+            <a:r>
+              <a:rPr lang="en-CA" sz="3600" dirty="0"/>
+              <a:t>Results: Seating Policy Comparison</a:t>
+            </a:r>
+          </a:p>
+        </p:txBody>
+      </p:sp>
+      <p:pic>
+        <p:nvPicPr>
+          <p:cNvPr id="4" name="Picture 3">
+            <a:extLst>
+              <a:ext uri="{FF2B5EF4-FFF2-40B4-BE49-F238E27FC236}">
+                <a16:creationId xmlns:a16="http://schemas.microsoft.com/office/drawing/2014/main" id="{1CB7B68B-D97E-441C-81CD-2BA0E53C767A}"/>
+              </a:ext>
+            </a:extLst>
+          </p:cNvPr>
+          <p:cNvPicPr>
+            <a:picLocks noChangeAspect="1"/>
+          </p:cNvPicPr>
+          <p:nvPr/>
+        </p:nvPicPr>
+        <p:blipFill>
+          <a:blip r:embed="rId3">
+            <a:extLst>
+              <a:ext uri="{28A0092B-C50C-407E-A947-70E740481C1C}">
+                <a14:useLocalDpi xmlns:a14="http://schemas.microsoft.com/office/drawing/2010/main" val="0"/>
+              </a:ext>
+            </a:extLst>
+          </a:blip>
+          <a:stretch>
+            <a:fillRect/>
+          </a:stretch>
+        </p:blipFill>
+        <p:spPr>
+          <a:xfrm>
+            <a:off x="419100" y="1043290"/>
+            <a:ext cx="11353800" cy="5449585"/>
+          </a:xfrm>
+          <a:prstGeom prst="rect">
+            <a:avLst/>
+          </a:prstGeom>
+        </p:spPr>
+      </p:pic>
+    </p:spTree>
+    <p:extLst>
+      <p:ext uri="{BB962C8B-B14F-4D97-AF65-F5344CB8AC3E}">
+        <p14:creationId xmlns:p14="http://schemas.microsoft.com/office/powerpoint/2010/main" val="850986993"/>
+      </p:ext>
+    </p:extLst>
+  </p:cSld>
+  <p:clrMapOvr>
+    <a:masterClrMapping/>
+  </p:clrMapOvr>
+</p:sld>
+</file>
+
 <file path=ppt/slides/slide32.xml><?xml version="1.0" encoding="utf-8"?>
 <p:sld xmlns:a="http://schemas.openxmlformats.org/drawingml/2006/main" xmlns:r="http://schemas.openxmlformats.org/officeDocument/2006/relationships" xmlns:p="http://schemas.openxmlformats.org/presentationml/2006/main">
   <p:cSld>
@@ -11379,207 +11360,7 @@
           <p:nvPr/>
         </p:nvPicPr>
         <p:blipFill>
-          <a:blip r:embed="rId2">
-            <a:extLst>
-              <a:ext uri="{28A0092B-C50C-407E-A947-70E740481C1C}">
-                <a14:useLocalDpi xmlns:a14="http://schemas.microsoft.com/office/drawing/2010/main" val="0"/>
-              </a:ext>
-            </a:extLst>
-          </a:blip>
-          <a:stretch>
-            <a:fillRect/>
-          </a:stretch>
-        </p:blipFill>
-        <p:spPr>
-          <a:xfrm>
-            <a:off x="9916160" y="365125"/>
-            <a:ext cx="1437640" cy="418937"/>
-          </a:xfrm>
-          <a:prstGeom prst="rect">
-            <a:avLst/>
-          </a:prstGeom>
-        </p:spPr>
-      </p:pic>
-      <p:sp>
-        <p:nvSpPr>
-          <p:cNvPr id="6" name="Title 1">
-            <a:extLst>
-              <a:ext uri="{FF2B5EF4-FFF2-40B4-BE49-F238E27FC236}">
-                <a16:creationId xmlns:a16="http://schemas.microsoft.com/office/drawing/2014/main" id="{B4C9D95B-EBE4-40C7-8B82-4CFA20A3795C}"/>
-              </a:ext>
-            </a:extLst>
-          </p:cNvPr>
-          <p:cNvSpPr txBox="1">
-            <a:spLocks/>
-          </p:cNvSpPr>
-          <p:nvPr/>
-        </p:nvSpPr>
-        <p:spPr>
-          <a:xfrm>
-            <a:off x="838200" y="365125"/>
-            <a:ext cx="10515600" cy="762635"/>
-          </a:xfrm>
-          <a:prstGeom prst="rect">
-            <a:avLst/>
-          </a:prstGeom>
-        </p:spPr>
-        <p:txBody>
-          <a:bodyPr vert="horz" lIns="91440" tIns="45720" rIns="91440" bIns="45720" rtlCol="0" anchor="ctr">
-            <a:normAutofit/>
-          </a:bodyPr>
-          <a:lstStyle>
-            <a:lvl1pPr algn="l" defTabSz="914400" rtl="0" eaLnBrk="1" latinLnBrk="0" hangingPunct="1">
-              <a:lnSpc>
-                <a:spcPct val="90000"/>
-              </a:lnSpc>
-              <a:spcBef>
-                <a:spcPct val="0"/>
-              </a:spcBef>
-              <a:buNone/>
-              <a:defRPr sz="4400" kern="1200">
-                <a:solidFill>
-                  <a:schemeClr val="tx1"/>
-                </a:solidFill>
-                <a:latin typeface="+mj-lt"/>
-                <a:ea typeface="+mj-ea"/>
-                <a:cs typeface="+mj-cs"/>
-              </a:defRPr>
-            </a:lvl1pPr>
-          </a:lstStyle>
-          <a:p>
-            <a:r>
-              <a:rPr lang="en-CA" sz="3600" dirty="0"/>
-              <a:t>Results: Seating Policy Comparison</a:t>
-            </a:r>
-          </a:p>
-        </p:txBody>
-      </p:sp>
-      <p:pic>
-        <p:nvPicPr>
-          <p:cNvPr id="4" name="Picture 3">
-            <a:extLst>
-              <a:ext uri="{FF2B5EF4-FFF2-40B4-BE49-F238E27FC236}">
-                <a16:creationId xmlns:a16="http://schemas.microsoft.com/office/drawing/2014/main" id="{1CB7B68B-D97E-441C-81CD-2BA0E53C767A}"/>
-              </a:ext>
-            </a:extLst>
-          </p:cNvPr>
-          <p:cNvPicPr>
-            <a:picLocks noChangeAspect="1"/>
-          </p:cNvPicPr>
-          <p:nvPr/>
-        </p:nvPicPr>
-        <p:blipFill>
-          <a:blip r:embed="rId3">
-            <a:extLst>
-              <a:ext uri="{28A0092B-C50C-407E-A947-70E740481C1C}">
-                <a14:useLocalDpi xmlns:a14="http://schemas.microsoft.com/office/drawing/2010/main" val="0"/>
-              </a:ext>
-            </a:extLst>
-          </a:blip>
-          <a:stretch>
-            <a:fillRect/>
-          </a:stretch>
-        </p:blipFill>
-        <p:spPr>
-          <a:xfrm>
-            <a:off x="419100" y="1043290"/>
-            <a:ext cx="11353800" cy="5449585"/>
-          </a:xfrm>
-          <a:prstGeom prst="rect">
-            <a:avLst/>
-          </a:prstGeom>
-        </p:spPr>
-      </p:pic>
-    </p:spTree>
-    <p:extLst>
-      <p:ext uri="{BB962C8B-B14F-4D97-AF65-F5344CB8AC3E}">
-        <p14:creationId xmlns:p14="http://schemas.microsoft.com/office/powerpoint/2010/main" val="850986993"/>
-      </p:ext>
-    </p:extLst>
-  </p:cSld>
-  <p:clrMapOvr>
-    <a:masterClrMapping/>
-  </p:clrMapOvr>
-</p:sld>
-</file>
-
-<file path=ppt/slides/slide33.xml><?xml version="1.0" encoding="utf-8"?>
-<p:sld xmlns:a="http://schemas.openxmlformats.org/drawingml/2006/main" xmlns:r="http://schemas.openxmlformats.org/officeDocument/2006/relationships" xmlns:p="http://schemas.openxmlformats.org/presentationml/2006/main">
-  <p:cSld>
-    <p:spTree>
-      <p:nvGrpSpPr>
-        <p:cNvPr id="1" name=""/>
-        <p:cNvGrpSpPr/>
-        <p:nvPr/>
-      </p:nvGrpSpPr>
-      <p:grpSpPr>
-        <a:xfrm>
-          <a:off x="0" y="0"/>
-          <a:ext cx="0" cy="0"/>
-          <a:chOff x="0" y="0"/>
-          <a:chExt cx="0" cy="0"/>
-        </a:xfrm>
-      </p:grpSpPr>
-      <p:sp>
-        <p:nvSpPr>
-          <p:cNvPr id="3" name="Content Placeholder 2">
-            <a:extLst>
-              <a:ext uri="{FF2B5EF4-FFF2-40B4-BE49-F238E27FC236}">
-                <a16:creationId xmlns:a16="http://schemas.microsoft.com/office/drawing/2014/main" id="{A3747E47-B71D-4260-9DF4-6C60964EBB93}"/>
-              </a:ext>
-            </a:extLst>
-          </p:cNvPr>
-          <p:cNvSpPr>
-            <a:spLocks noGrp="1"/>
-          </p:cNvSpPr>
-          <p:nvPr>
-            <p:ph idx="1"/>
-          </p:nvPr>
-        </p:nvSpPr>
-        <p:spPr>
-          <a:xfrm>
-            <a:off x="838200" y="1127760"/>
-            <a:ext cx="10515600" cy="5049203"/>
-          </a:xfrm>
-        </p:spPr>
-        <p:txBody>
-          <a:bodyPr>
-            <a:normAutofit/>
-          </a:bodyPr>
-          <a:lstStyle/>
-          <a:p>
-            <a:pPr marL="0" indent="0">
-              <a:buNone/>
-            </a:pPr>
-            <a:endParaRPr lang="en-CA" sz="2400" dirty="0"/>
-          </a:p>
-          <a:p>
-            <a:pPr marL="0" indent="0">
-              <a:buNone/>
-            </a:pPr>
-            <a:endParaRPr lang="en-CA" sz="2400" dirty="0"/>
-          </a:p>
-          <a:p>
-            <a:endParaRPr lang="en-CA" sz="2400" dirty="0"/>
-          </a:p>
-        </p:txBody>
-      </p:sp>
-      <p:pic>
-        <p:nvPicPr>
-          <p:cNvPr id="5" name="Picture 4">
-            <a:extLst>
-              <a:ext uri="{FF2B5EF4-FFF2-40B4-BE49-F238E27FC236}">
-                <a16:creationId xmlns:a16="http://schemas.microsoft.com/office/drawing/2014/main" id="{0C7E7D67-F8B3-4901-8386-C7C19CECFEC6}"/>
-              </a:ext>
-            </a:extLst>
-          </p:cNvPr>
-          <p:cNvPicPr>
-            <a:picLocks noChangeAspect="1"/>
-          </p:cNvPicPr>
-          <p:nvPr/>
-        </p:nvPicPr>
-        <p:blipFill>
-          <a:blip r:embed="rId3">
+          <a:blip r:embed="rId3" cstate="hqprint">
             <a:extLst>
               <a:ext uri="{28A0092B-C50C-407E-A947-70E740481C1C}">
                 <a14:useLocalDpi xmlns:a14="http://schemas.microsoft.com/office/drawing/2010/main" val="0"/>
@@ -11974,7 +11755,7 @@
 </p:sld>
 </file>
 
-<file path=ppt/slides/slide34.xml><?xml version="1.0" encoding="utf-8"?>
+<file path=ppt/slides/slide33.xml><?xml version="1.0" encoding="utf-8"?>
 <p:sld xmlns:a="http://schemas.openxmlformats.org/drawingml/2006/main" xmlns:r="http://schemas.openxmlformats.org/officeDocument/2006/relationships" xmlns:p="http://schemas.openxmlformats.org/presentationml/2006/main">
   <p:cSld>
     <p:spTree>
@@ -12050,7 +11831,7 @@
           <p:nvPr/>
         </p:nvPicPr>
         <p:blipFill>
-          <a:blip r:embed="rId3">
+          <a:blip r:embed="rId3" cstate="hqprint">
             <a:extLst>
               <a:ext uri="{28A0092B-C50C-407E-A947-70E740481C1C}">
                 <a14:useLocalDpi xmlns:a14="http://schemas.microsoft.com/office/drawing/2010/main" val="0"/>

--- a/Presentation.pptx
+++ b/Presentation.pptx
@@ -229,7 +229,7 @@
           <a:p>
             <a:fld id="{8072A660-2FC5-4103-967E-B19F76250BEA}" type="datetimeFigureOut">
               <a:rPr lang="en-US" smtClean="0"/>
-              <a:t>27-May-19</a:t>
+              <a:t>5/27/2019</a:t>
             </a:fld>
             <a:endParaRPr lang="en-US"/>
           </a:p>
@@ -813,7 +813,7 @@
           <a:p>
             <a:fld id="{26EBFB83-AAA2-427D-8458-5FB692FCFF84}" type="datetimeFigureOut">
               <a:rPr lang="en-US" smtClean="0"/>
-              <a:t>27-May-19</a:t>
+              <a:t>5/27/2019</a:t>
             </a:fld>
             <a:endParaRPr lang="en-US"/>
           </a:p>
@@ -983,7 +983,7 @@
           <a:p>
             <a:fld id="{26EBFB83-AAA2-427D-8458-5FB692FCFF84}" type="datetimeFigureOut">
               <a:rPr lang="en-US" smtClean="0"/>
-              <a:t>27-May-19</a:t>
+              <a:t>5/27/2019</a:t>
             </a:fld>
             <a:endParaRPr lang="en-US"/>
           </a:p>
@@ -1163,7 +1163,7 @@
           <a:p>
             <a:fld id="{26EBFB83-AAA2-427D-8458-5FB692FCFF84}" type="datetimeFigureOut">
               <a:rPr lang="en-US" smtClean="0"/>
-              <a:t>27-May-19</a:t>
+              <a:t>5/27/2019</a:t>
             </a:fld>
             <a:endParaRPr lang="en-US"/>
           </a:p>
@@ -1333,7 +1333,7 @@
           <a:p>
             <a:fld id="{26EBFB83-AAA2-427D-8458-5FB692FCFF84}" type="datetimeFigureOut">
               <a:rPr lang="en-US" smtClean="0"/>
-              <a:t>27-May-19</a:t>
+              <a:t>5/27/2019</a:t>
             </a:fld>
             <a:endParaRPr lang="en-US"/>
           </a:p>
@@ -1579,7 +1579,7 @@
           <a:p>
             <a:fld id="{26EBFB83-AAA2-427D-8458-5FB692FCFF84}" type="datetimeFigureOut">
               <a:rPr lang="en-US" smtClean="0"/>
-              <a:t>27-May-19</a:t>
+              <a:t>5/27/2019</a:t>
             </a:fld>
             <a:endParaRPr lang="en-US"/>
           </a:p>
@@ -1811,7 +1811,7 @@
           <a:p>
             <a:fld id="{26EBFB83-AAA2-427D-8458-5FB692FCFF84}" type="datetimeFigureOut">
               <a:rPr lang="en-US" smtClean="0"/>
-              <a:t>27-May-19</a:t>
+              <a:t>5/27/2019</a:t>
             </a:fld>
             <a:endParaRPr lang="en-US"/>
           </a:p>
@@ -2178,7 +2178,7 @@
           <a:p>
             <a:fld id="{26EBFB83-AAA2-427D-8458-5FB692FCFF84}" type="datetimeFigureOut">
               <a:rPr lang="en-US" smtClean="0"/>
-              <a:t>27-May-19</a:t>
+              <a:t>5/27/2019</a:t>
             </a:fld>
             <a:endParaRPr lang="en-US"/>
           </a:p>
@@ -2296,7 +2296,7 @@
           <a:p>
             <a:fld id="{26EBFB83-AAA2-427D-8458-5FB692FCFF84}" type="datetimeFigureOut">
               <a:rPr lang="en-US" smtClean="0"/>
-              <a:t>27-May-19</a:t>
+              <a:t>5/27/2019</a:t>
             </a:fld>
             <a:endParaRPr lang="en-US"/>
           </a:p>
@@ -2391,7 +2391,7 @@
           <a:p>
             <a:fld id="{26EBFB83-AAA2-427D-8458-5FB692FCFF84}" type="datetimeFigureOut">
               <a:rPr lang="en-US" smtClean="0"/>
-              <a:t>27-May-19</a:t>
+              <a:t>5/27/2019</a:t>
             </a:fld>
             <a:endParaRPr lang="en-US"/>
           </a:p>
@@ -2668,7 +2668,7 @@
           <a:p>
             <a:fld id="{26EBFB83-AAA2-427D-8458-5FB692FCFF84}" type="datetimeFigureOut">
               <a:rPr lang="en-US" smtClean="0"/>
-              <a:t>27-May-19</a:t>
+              <a:t>5/27/2019</a:t>
             </a:fld>
             <a:endParaRPr lang="en-US"/>
           </a:p>
@@ -2925,7 +2925,7 @@
           <a:p>
             <a:fld id="{26EBFB83-AAA2-427D-8458-5FB692FCFF84}" type="datetimeFigureOut">
               <a:rPr lang="en-US" smtClean="0"/>
-              <a:t>27-May-19</a:t>
+              <a:t>5/27/2019</a:t>
             </a:fld>
             <a:endParaRPr lang="en-US"/>
           </a:p>
@@ -3138,7 +3138,7 @@
           <a:p>
             <a:fld id="{26EBFB83-AAA2-427D-8458-5FB692FCFF84}" type="datetimeFigureOut">
               <a:rPr lang="en-US" smtClean="0"/>
-              <a:t>27-May-19</a:t>
+              <a:t>5/27/2019</a:t>
             </a:fld>
             <a:endParaRPr lang="en-US"/>
           </a:p>
@@ -3666,7 +3666,7 @@
                 <a14:useLocalDpi xmlns:a14="http://schemas.microsoft.com/office/drawing/2010/main" val="0"/>
               </a:ext>
               <a:ext uri="{96DAC541-7B7A-43D3-8B79-37D633B846F1}">
-                <asvg:svgBlip xmlns:asvg="http://schemas.microsoft.com/office/drawing/2016/SVG/main" xmlns="" r:embed="rId3"/>
+                <asvg:svgBlip xmlns:asvg="http://schemas.microsoft.com/office/drawing/2016/SVG/main" r:embed="rId3"/>
               </a:ext>
             </a:extLst>
           </a:blip>
@@ -6968,6 +6968,16 @@
             <a:pPr marL="0" indent="0">
               <a:buNone/>
             </a:pPr>
+            <a:endParaRPr lang="en-CA" sz="2400" dirty="0">
+              <a:solidFill>
+                <a:schemeClr val="accent1"/>
+              </a:solidFill>
+            </a:endParaRPr>
+          </a:p>
+          <a:p>
+            <a:pPr marL="0" indent="0">
+              <a:buNone/>
+            </a:pPr>
             <a:r>
               <a:rPr lang="en-CA" sz="2400" dirty="0">
                 <a:solidFill>
@@ -6975,117 +6985,6 @@
                 </a:solidFill>
               </a:rPr>
               <a:t>Limitation of baseline VNS</a:t>
-            </a:r>
-          </a:p>
-          <a:p>
-            <a:r>
-              <a:rPr lang="en-CA" sz="2400" dirty="0"/>
-              <a:t>The neighborhood size for </a:t>
-            </a:r>
-            <a:r>
-              <a:rPr lang="en-CA" sz="2400" b="1" dirty="0"/>
-              <a:t>adding/removing tables</a:t>
-            </a:r>
-            <a:r>
-              <a:rPr lang="en-CA" sz="2400" dirty="0"/>
-              <a:t> grows non-linearly. </a:t>
-            </a:r>
-            <a:r>
-              <a:rPr lang="en-CA" sz="2400" dirty="0">
-                <a:solidFill>
-                  <a:schemeClr val="accent2"/>
-                </a:solidFill>
-              </a:rPr>
-              <a:t>E.g.</a:t>
-            </a:r>
-            <a:endParaRPr lang="en-CA" sz="2000" dirty="0">
-              <a:solidFill>
-                <a:schemeClr val="accent2"/>
-              </a:solidFill>
-            </a:endParaRPr>
-          </a:p>
-          <a:p>
-            <a:pPr marL="0" indent="0" algn="ctr">
-              <a:buNone/>
-            </a:pPr>
-            <a:r>
-              <a:rPr lang="en-CA" sz="2000" dirty="0">
-                <a:solidFill>
-                  <a:schemeClr val="accent2"/>
-                </a:solidFill>
-              </a:rPr>
-              <a:t>Adding 1 table: 4 neighbors</a:t>
-            </a:r>
-          </a:p>
-          <a:p>
-            <a:pPr marL="0" indent="0" algn="ctr">
-              <a:buNone/>
-            </a:pPr>
-            <a:r>
-              <a:rPr lang="en-CA" sz="2000" dirty="0">
-                <a:solidFill>
-                  <a:schemeClr val="accent2"/>
-                </a:solidFill>
-              </a:rPr>
-              <a:t>Adding 2 tables: 4</a:t>
-            </a:r>
-            <a:r>
-              <a:rPr lang="en-CA" sz="2000" baseline="30000" dirty="0">
-                <a:solidFill>
-                  <a:schemeClr val="accent2"/>
-                </a:solidFill>
-              </a:rPr>
-              <a:t>2</a:t>
-            </a:r>
-            <a:r>
-              <a:rPr lang="en-CA" sz="2000" dirty="0">
-                <a:solidFill>
-                  <a:schemeClr val="accent2"/>
-                </a:solidFill>
-              </a:rPr>
-              <a:t> neighbors</a:t>
-            </a:r>
-          </a:p>
-          <a:p>
-            <a:pPr marL="0" indent="0" algn="ctr">
-              <a:buNone/>
-            </a:pPr>
-            <a:r>
-              <a:rPr lang="en-CA" sz="2000" dirty="0">
-                <a:solidFill>
-                  <a:schemeClr val="accent2"/>
-                </a:solidFill>
-              </a:rPr>
-              <a:t>Adding 3 tables: 4</a:t>
-            </a:r>
-            <a:r>
-              <a:rPr lang="en-CA" sz="2000" baseline="30000" dirty="0">
-                <a:solidFill>
-                  <a:schemeClr val="accent2"/>
-                </a:solidFill>
-              </a:rPr>
-              <a:t>3</a:t>
-            </a:r>
-            <a:r>
-              <a:rPr lang="en-CA" sz="2000" dirty="0">
-                <a:solidFill>
-                  <a:schemeClr val="accent2"/>
-                </a:solidFill>
-              </a:rPr>
-              <a:t> neighbors</a:t>
-            </a:r>
-          </a:p>
-          <a:p>
-            <a:pPr marL="0" indent="0" algn="ctr">
-              <a:buNone/>
-            </a:pPr>
-            <a:r>
-              <a:rPr lang="en-CA" sz="2000" dirty="0">
-                <a:solidFill>
-                  <a:schemeClr val="accent2"/>
-                </a:solidFill>
-              </a:rPr>
-              <a:t>…</a:t>
             </a:r>
           </a:p>
           <a:p>

--- a/Presentation.pptx
+++ b/Presentation.pptx
@@ -5,7 +5,7 @@
     <p:sldMasterId id="2147483660" r:id="rId1"/>
   </p:sldMasterIdLst>
   <p:notesMasterIdLst>
-    <p:notesMasterId r:id="rId35"/>
+    <p:notesMasterId r:id="rId36"/>
   </p:notesMasterIdLst>
   <p:sldIdLst>
     <p:sldId id="256" r:id="rId2"/>
@@ -41,6 +41,7 @@
     <p:sldId id="279" r:id="rId32"/>
     <p:sldId id="280" r:id="rId33"/>
     <p:sldId id="281" r:id="rId34"/>
+    <p:sldId id="299" r:id="rId35"/>
   </p:sldIdLst>
   <p:sldSz cx="12192000" cy="6858000"/>
   <p:notesSz cx="6858000" cy="9144000"/>
@@ -11953,6 +11954,149 @@
     <p:extLst>
       <p:ext uri="{BB962C8B-B14F-4D97-AF65-F5344CB8AC3E}">
         <p14:creationId xmlns:p14="http://schemas.microsoft.com/office/powerpoint/2010/main" val="202069013"/>
+      </p:ext>
+    </p:extLst>
+  </p:cSld>
+  <p:clrMapOvr>
+    <a:masterClrMapping/>
+  </p:clrMapOvr>
+</p:sld>
+</file>
+
+<file path=ppt/slides/slide34.xml><?xml version="1.0" encoding="utf-8"?>
+<p:sld xmlns:a="http://schemas.openxmlformats.org/drawingml/2006/main" xmlns:r="http://schemas.openxmlformats.org/officeDocument/2006/relationships" xmlns:p="http://schemas.openxmlformats.org/presentationml/2006/main">
+  <p:cSld>
+    <p:spTree>
+      <p:nvGrpSpPr>
+        <p:cNvPr id="1" name=""/>
+        <p:cNvGrpSpPr/>
+        <p:nvPr/>
+      </p:nvGrpSpPr>
+      <p:grpSpPr>
+        <a:xfrm>
+          <a:off x="0" y="0"/>
+          <a:ext cx="0" cy="0"/>
+          <a:chOff x="0" y="0"/>
+          <a:chExt cx="0" cy="0"/>
+        </a:xfrm>
+      </p:grpSpPr>
+      <p:sp>
+        <p:nvSpPr>
+          <p:cNvPr id="3" name="Content Placeholder 2">
+            <a:extLst>
+              <a:ext uri="{FF2B5EF4-FFF2-40B4-BE49-F238E27FC236}">
+                <a16:creationId xmlns:a16="http://schemas.microsoft.com/office/drawing/2014/main" id="{53363634-837C-4F1B-ADE7-79467701C1E9}"/>
+              </a:ext>
+            </a:extLst>
+          </p:cNvPr>
+          <p:cNvSpPr>
+            <a:spLocks noGrp="1"/>
+          </p:cNvSpPr>
+          <p:nvPr>
+            <p:ph idx="1"/>
+          </p:nvPr>
+        </p:nvSpPr>
+        <p:spPr/>
+        <p:txBody>
+          <a:bodyPr/>
+          <a:lstStyle/>
+          <a:p>
+            <a:r>
+              <a:rPr lang="en-CA" dirty="0"/>
+              <a:t>Profit vs. %accepted customers</a:t>
+            </a:r>
+          </a:p>
+          <a:p>
+            <a:r>
+              <a:rPr lang="en-CA" dirty="0"/>
+              <a:t>4 points:</a:t>
+            </a:r>
+          </a:p>
+          <a:p>
+            <a:pPr lvl="1"/>
+            <a:r>
+              <a:rPr lang="en-CA" dirty="0"/>
+              <a:t>Vanilla solutions for default policy (2)</a:t>
+            </a:r>
+          </a:p>
+          <a:p>
+            <a:pPr lvl="1"/>
+            <a:r>
+              <a:rPr lang="en-CA" dirty="0"/>
+              <a:t>Our optimized solution for both policies (2)</a:t>
+            </a:r>
+          </a:p>
+          <a:p>
+            <a:pPr lvl="1"/>
+            <a:endParaRPr lang="en-CA" dirty="0"/>
+          </a:p>
+          <a:p>
+            <a:r>
+              <a:rPr lang="en-CA" dirty="0"/>
+              <a:t>Describe trade off</a:t>
+            </a:r>
+            <a:endParaRPr lang="en-US" dirty="0"/>
+          </a:p>
+        </p:txBody>
+      </p:sp>
+      <p:sp>
+        <p:nvSpPr>
+          <p:cNvPr id="4" name="Title 1">
+            <a:extLst>
+              <a:ext uri="{FF2B5EF4-FFF2-40B4-BE49-F238E27FC236}">
+                <a16:creationId xmlns:a16="http://schemas.microsoft.com/office/drawing/2014/main" id="{BED9B4B6-A2F7-429A-BC0B-C80004A4CE86}"/>
+              </a:ext>
+            </a:extLst>
+          </p:cNvPr>
+          <p:cNvSpPr txBox="1">
+            <a:spLocks/>
+          </p:cNvSpPr>
+          <p:nvPr/>
+        </p:nvSpPr>
+        <p:spPr>
+          <a:xfrm>
+            <a:off x="838200" y="365125"/>
+            <a:ext cx="10515600" cy="762635"/>
+          </a:xfrm>
+          <a:prstGeom prst="rect">
+            <a:avLst/>
+          </a:prstGeom>
+        </p:spPr>
+        <p:txBody>
+          <a:bodyPr vert="horz" lIns="91440" tIns="45720" rIns="91440" bIns="45720" rtlCol="0" anchor="ctr">
+            <a:normAutofit/>
+          </a:bodyPr>
+          <a:lstStyle>
+            <a:lvl1pPr algn="l" defTabSz="914400" rtl="0" eaLnBrk="1" latinLnBrk="0" hangingPunct="1">
+              <a:lnSpc>
+                <a:spcPct val="90000"/>
+              </a:lnSpc>
+              <a:spcBef>
+                <a:spcPct val="0"/>
+              </a:spcBef>
+              <a:buNone/>
+              <a:defRPr sz="4400" kern="1200">
+                <a:solidFill>
+                  <a:schemeClr val="tx1"/>
+                </a:solidFill>
+                <a:latin typeface="+mj-lt"/>
+                <a:ea typeface="+mj-ea"/>
+                <a:cs typeface="+mj-cs"/>
+              </a:defRPr>
+            </a:lvl1pPr>
+          </a:lstStyle>
+          <a:p>
+            <a:r>
+              <a:rPr lang="en-CA" sz="3600" dirty="0"/>
+              <a:t>Results: Summary</a:t>
+            </a:r>
+          </a:p>
+        </p:txBody>
+      </p:sp>
+    </p:spTree>
+    <p:extLst>
+      <p:ext uri="{BB962C8B-B14F-4D97-AF65-F5344CB8AC3E}">
+        <p14:creationId xmlns:p14="http://schemas.microsoft.com/office/powerpoint/2010/main" val="3841013724"/>
       </p:ext>
     </p:extLst>
   </p:cSld>

--- a/Presentation.pptx
+++ b/Presentation.pptx
@@ -6963,22 +6963,6 @@
             <a:pPr marL="0" indent="0">
               <a:buNone/>
             </a:pPr>
-            <a:endParaRPr lang="en-CA" sz="2400" dirty="0"/>
-          </a:p>
-          <a:p>
-            <a:pPr marL="0" indent="0">
-              <a:buNone/>
-            </a:pPr>
-            <a:endParaRPr lang="en-CA" sz="2400" dirty="0">
-              <a:solidFill>
-                <a:schemeClr val="accent1"/>
-              </a:solidFill>
-            </a:endParaRPr>
-          </a:p>
-          <a:p>
-            <a:pPr marL="0" indent="0">
-              <a:buNone/>
-            </a:pPr>
             <a:r>
               <a:rPr lang="en-CA" sz="2400" dirty="0">
                 <a:solidFill>
@@ -6991,14 +6975,26 @@
           <a:p>
             <a:r>
               <a:rPr lang="en-CA" sz="2400" dirty="0"/>
-              <a:t>Costly to check a sufficiently large number of neighbors.</a:t>
-            </a:r>
-          </a:p>
-          <a:p>
-            <a:r>
-              <a:rPr lang="en-CA" sz="2400" dirty="0"/>
-              <a:t>Limiting the neighborhood size will likely lead to suboptimal profit.</a:t>
-            </a:r>
+              <a:t>Size of the neighborhood grows non-linearly. Example: adding tables</a:t>
+            </a:r>
+          </a:p>
+          <a:p>
+            <a:endParaRPr lang="en-CA" sz="2400" dirty="0"/>
+          </a:p>
+          <a:p>
+            <a:endParaRPr lang="en-CA" sz="2400" dirty="0"/>
+          </a:p>
+          <a:p>
+            <a:endParaRPr lang="en-CA" sz="2400" dirty="0"/>
+          </a:p>
+          <a:p>
+            <a:endParaRPr lang="en-CA" sz="2400" dirty="0"/>
+          </a:p>
+          <a:p>
+            <a:endParaRPr lang="en-CA" sz="2400" dirty="0"/>
+          </a:p>
+          <a:p>
+            <a:endParaRPr lang="en-CA" sz="2400" dirty="0"/>
           </a:p>
         </p:txBody>
       </p:sp>
@@ -7090,6 +7086,101 @@
               <a:t>Reducing the Neighborhood Size</a:t>
             </a:r>
             <a:endParaRPr lang="en-US" sz="3600" dirty="0"/>
+          </a:p>
+        </p:txBody>
+      </p:sp>
+      <p:pic>
+        <p:nvPicPr>
+          <p:cNvPr id="4" name="Picture 3" descr="A screenshot of a cell phone&#10;&#10;Description generated with high confidence">
+            <a:extLst>
+              <a:ext uri="{FF2B5EF4-FFF2-40B4-BE49-F238E27FC236}">
+                <a16:creationId xmlns:a16="http://schemas.microsoft.com/office/drawing/2014/main" id="{342937A0-38F1-466F-9280-112CBEE2245D}"/>
+              </a:ext>
+            </a:extLst>
+          </p:cNvPr>
+          <p:cNvPicPr>
+            <a:picLocks noChangeAspect="1"/>
+          </p:cNvPicPr>
+          <p:nvPr/>
+        </p:nvPicPr>
+        <p:blipFill>
+          <a:blip r:embed="rId3">
+            <a:extLst>
+              <a:ext uri="{28A0092B-C50C-407E-A947-70E740481C1C}">
+                <a14:useLocalDpi xmlns:a14="http://schemas.microsoft.com/office/drawing/2010/main" val="0"/>
+              </a:ext>
+            </a:extLst>
+          </a:blip>
+          <a:stretch>
+            <a:fillRect/>
+          </a:stretch>
+        </p:blipFill>
+        <p:spPr>
+          <a:xfrm>
+            <a:off x="838200" y="2136140"/>
+            <a:ext cx="5808980" cy="4356735"/>
+          </a:xfrm>
+          <a:prstGeom prst="rect">
+            <a:avLst/>
+          </a:prstGeom>
+        </p:spPr>
+      </p:pic>
+      <p:sp>
+        <p:nvSpPr>
+          <p:cNvPr id="9" name="TextBox 8">
+            <a:extLst>
+              <a:ext uri="{FF2B5EF4-FFF2-40B4-BE49-F238E27FC236}">
+                <a16:creationId xmlns:a16="http://schemas.microsoft.com/office/drawing/2014/main" id="{2D3CA527-BFF0-4D51-889E-120C295EFCA8}"/>
+              </a:ext>
+            </a:extLst>
+          </p:cNvPr>
+          <p:cNvSpPr txBox="1"/>
+          <p:nvPr/>
+        </p:nvSpPr>
+        <p:spPr>
+          <a:xfrm>
+            <a:off x="6553200" y="2387600"/>
+            <a:ext cx="4800600" cy="2585323"/>
+          </a:xfrm>
+          <a:prstGeom prst="rect">
+            <a:avLst/>
+          </a:prstGeom>
+          <a:noFill/>
+        </p:spPr>
+        <p:txBody>
+          <a:bodyPr wrap="square" rtlCol="0">
+            <a:spAutoFit/>
+          </a:bodyPr>
+          <a:lstStyle/>
+          <a:p>
+            <a:pPr marL="342900" indent="-342900">
+              <a:buFont typeface="Arial" panose="020B0604020202020204" pitchFamily="34" charset="0"/>
+              <a:buChar char="•"/>
+            </a:pPr>
+            <a:r>
+              <a:rPr lang="en-CA" sz="2400" dirty="0"/>
+              <a:t>Costly to check a sufficiently large number of neighbors.</a:t>
+            </a:r>
+          </a:p>
+          <a:p>
+            <a:pPr marL="342900" indent="-342900">
+              <a:buFont typeface="Arial" panose="020B0604020202020204" pitchFamily="34" charset="0"/>
+              <a:buChar char="•"/>
+            </a:pPr>
+            <a:endParaRPr lang="en-CA" sz="2400" dirty="0"/>
+          </a:p>
+          <a:p>
+            <a:pPr marL="342900" indent="-342900">
+              <a:buFont typeface="Arial" panose="020B0604020202020204" pitchFamily="34" charset="0"/>
+              <a:buChar char="•"/>
+            </a:pPr>
+            <a:r>
+              <a:rPr lang="en-CA" sz="2400" dirty="0"/>
+              <a:t>Limiting the neighborhood size will likely lead to suboptimal profit.</a:t>
+            </a:r>
+          </a:p>
+          <a:p>
+            <a:endParaRPr lang="en-US" dirty="0"/>
           </a:p>
         </p:txBody>
       </p:sp>

--- a/Presentation.pptx
+++ b/Presentation.pptx
@@ -6975,7 +6975,15 @@
           <a:p>
             <a:r>
               <a:rPr lang="en-CA" sz="2400" dirty="0"/>
-              <a:t>Size of the neighborhood grows non-linearly. Example: adding tables</a:t>
+              <a:t>Size of the neighborhood grows non-linearly. Example: </a:t>
+            </a:r>
+            <a:r>
+              <a:rPr lang="en-CA" sz="2400" dirty="0">
+                <a:solidFill>
+                  <a:schemeClr val="accent2"/>
+                </a:solidFill>
+              </a:rPr>
+              <a:t>“adding tables”</a:t>
             </a:r>
           </a:p>
           <a:p>
@@ -7140,7 +7148,7 @@
         <p:spPr>
           <a:xfrm>
             <a:off x="6553200" y="2387600"/>
-            <a:ext cx="4800600" cy="2585323"/>
+            <a:ext cx="4800600" cy="3939540"/>
           </a:xfrm>
           <a:prstGeom prst="rect">
             <a:avLst/>
@@ -7158,8 +7166,95 @@
               <a:buChar char="•"/>
             </a:pPr>
             <a:r>
+              <a:rPr lang="en-CA" sz="2400" baseline="-25000" dirty="0"/>
+              <a:t> </a:t>
+            </a:r>
+            <a:r>
+              <a:rPr lang="en-CA" sz="2400" baseline="-25000" dirty="0">
+                <a:solidFill>
+                  <a:schemeClr val="accent2"/>
+                </a:solidFill>
+              </a:rPr>
+              <a:t>4</a:t>
+            </a:r>
+            <a:r>
+              <a:rPr lang="en-US" sz="2400" baseline="-25000" dirty="0">
+                <a:solidFill>
+                  <a:schemeClr val="accent2"/>
+                </a:solidFill>
+              </a:rPr>
+              <a:t>+</a:t>
+            </a:r>
+            <a:r>
+              <a:rPr lang="en-US" sz="2400" i="1" baseline="-25000" dirty="0">
+                <a:solidFill>
+                  <a:schemeClr val="accent2"/>
+                </a:solidFill>
+              </a:rPr>
+              <a:t>n</a:t>
+            </a:r>
+            <a:r>
+              <a:rPr lang="en-US" sz="2400" baseline="-25000" dirty="0">
+                <a:solidFill>
+                  <a:schemeClr val="accent2"/>
+                </a:solidFill>
+              </a:rPr>
+              <a:t>-1</a:t>
+            </a:r>
+            <a:r>
+              <a:rPr lang="en-US" sz="2400" dirty="0">
+                <a:solidFill>
+                  <a:schemeClr val="accent2"/>
+                </a:solidFill>
+              </a:rPr>
+              <a:t>C</a:t>
+            </a:r>
+            <a:r>
+              <a:rPr lang="en-US" sz="2400" i="1" baseline="-25000" dirty="0">
+                <a:solidFill>
+                  <a:schemeClr val="accent2"/>
+                </a:solidFill>
+              </a:rPr>
+              <a:t>n</a:t>
+            </a:r>
+            <a:r>
+              <a:rPr lang="en-US" sz="2400" i="1" dirty="0">
+                <a:solidFill>
+                  <a:schemeClr val="accent2"/>
+                </a:solidFill>
+              </a:rPr>
+              <a:t> </a:t>
+            </a:r>
+          </a:p>
+          <a:p>
+            <a:r>
+              <a:rPr lang="en-US" sz="2400" dirty="0"/>
+              <a:t>where </a:t>
+            </a:r>
+            <a:r>
+              <a:rPr lang="en-US" sz="2400" i="1" dirty="0">
+                <a:solidFill>
+                  <a:schemeClr val="accent2"/>
+                </a:solidFill>
+              </a:rPr>
+              <a:t>n</a:t>
+            </a:r>
+            <a:r>
+              <a:rPr lang="en-US" sz="2400" dirty="0"/>
+              <a:t> = number of tables to add </a:t>
+            </a:r>
+          </a:p>
+          <a:p>
+            <a:endParaRPr lang="en-CA" sz="2400" baseline="-25000" dirty="0"/>
+          </a:p>
+          <a:p>
+            <a:pPr marL="342900" indent="-342900">
+              <a:buFont typeface="Arial" panose="020B0604020202020204" pitchFamily="34" charset="0"/>
+              <a:buChar char="•"/>
+            </a:pPr>
+            <a:r>
               <a:rPr lang="en-CA" sz="2400" dirty="0"/>
-              <a:t>Costly to check a sufficiently large number of neighbors.</a:t>
+              <a:t>Increasingly costly to check a sufficiently large number of neighbors.</a:t>
             </a:r>
           </a:p>
           <a:p>

--- a/Presentation.pptx
+++ b/Presentation.pptx
@@ -7166,11 +7166,11 @@
               <a:buChar char="•"/>
             </a:pPr>
             <a:r>
-              <a:rPr lang="en-CA" sz="2400" baseline="-25000" dirty="0"/>
+              <a:rPr lang="en-CA" sz="2400" b="1" baseline="-25000" dirty="0"/>
               <a:t> </a:t>
             </a:r>
             <a:r>
-              <a:rPr lang="en-CA" sz="2400" baseline="-25000" dirty="0">
+              <a:rPr lang="en-CA" sz="2400" b="1" baseline="-25000" dirty="0">
                 <a:solidFill>
                   <a:schemeClr val="accent2"/>
                 </a:solidFill>
@@ -7178,7 +7178,7 @@
               <a:t>4</a:t>
             </a:r>
             <a:r>
-              <a:rPr lang="en-US" sz="2400" baseline="-25000" dirty="0">
+              <a:rPr lang="en-US" sz="2400" b="1" baseline="-25000" dirty="0">
                 <a:solidFill>
                   <a:schemeClr val="accent2"/>
                 </a:solidFill>
@@ -7186,7 +7186,7 @@
               <a:t>+</a:t>
             </a:r>
             <a:r>
-              <a:rPr lang="en-US" sz="2400" i="1" baseline="-25000" dirty="0">
+              <a:rPr lang="en-US" sz="2400" b="1" i="1" baseline="-25000" dirty="0">
                 <a:solidFill>
                   <a:schemeClr val="accent2"/>
                 </a:solidFill>
@@ -7194,7 +7194,7 @@
               <a:t>n</a:t>
             </a:r>
             <a:r>
-              <a:rPr lang="en-US" sz="2400" baseline="-25000" dirty="0">
+              <a:rPr lang="en-US" sz="2400" b="1" baseline="-25000" dirty="0">
                 <a:solidFill>
                   <a:schemeClr val="accent2"/>
                 </a:solidFill>
@@ -7202,7 +7202,7 @@
               <a:t>-1</a:t>
             </a:r>
             <a:r>
-              <a:rPr lang="en-US" sz="2400" dirty="0">
+              <a:rPr lang="en-US" sz="2400" b="1" dirty="0">
                 <a:solidFill>
                   <a:schemeClr val="accent2"/>
                 </a:solidFill>
@@ -7210,7 +7210,7 @@
               <a:t>C</a:t>
             </a:r>
             <a:r>
-              <a:rPr lang="en-US" sz="2400" i="1" baseline="-25000" dirty="0">
+              <a:rPr lang="en-US" sz="2400" b="1" i="1" baseline="-25000" dirty="0">
                 <a:solidFill>
                   <a:schemeClr val="accent2"/>
                 </a:solidFill>
@@ -7254,7 +7254,7 @@
             </a:pPr>
             <a:r>
               <a:rPr lang="en-CA" sz="2400" dirty="0"/>
-              <a:t>Increasingly costly to check a sufficiently large number of neighbors.</a:t>
+              <a:t>Increasingly more costly to check a sufficiently large number of neighbors.</a:t>
             </a:r>
           </a:p>
           <a:p>

--- a/Presentation.pptx
+++ b/Presentation.pptx
@@ -12166,65 +12166,41 @@
           <a:chExt cx="0" cy="0"/>
         </a:xfrm>
       </p:grpSpPr>
-      <p:sp>
-        <p:nvSpPr>
-          <p:cNvPr id="3" name="Content Placeholder 2">
+      <p:pic>
+        <p:nvPicPr>
+          <p:cNvPr id="6" name="Content Placeholder 5">
             <a:extLst>
               <a:ext uri="{FF2B5EF4-FFF2-40B4-BE49-F238E27FC236}">
-                <a16:creationId xmlns:a16="http://schemas.microsoft.com/office/drawing/2014/main" id="{53363634-837C-4F1B-ADE7-79467701C1E9}"/>
+                <a16:creationId xmlns:a16="http://schemas.microsoft.com/office/drawing/2014/main" id="{085CB1BE-2568-4D36-962B-9B304C3A7293}"/>
               </a:ext>
             </a:extLst>
           </p:cNvPr>
-          <p:cNvSpPr>
-            <a:spLocks noGrp="1"/>
-          </p:cNvSpPr>
+          <p:cNvPicPr>
+            <a:picLocks noGrp="1" noChangeAspect="1"/>
+          </p:cNvPicPr>
           <p:nvPr>
             <p:ph idx="1"/>
           </p:nvPr>
-        </p:nvSpPr>
-        <p:spPr/>
-        <p:txBody>
-          <a:bodyPr/>
-          <a:lstStyle/>
-          <a:p>
-            <a:r>
-              <a:rPr lang="en-CA" dirty="0"/>
-              <a:t>Profit vs. %accepted customers</a:t>
-            </a:r>
-          </a:p>
-          <a:p>
-            <a:r>
-              <a:rPr lang="en-CA" dirty="0"/>
-              <a:t>4 points:</a:t>
-            </a:r>
-          </a:p>
-          <a:p>
-            <a:pPr lvl="1"/>
-            <a:r>
-              <a:rPr lang="en-CA" dirty="0"/>
-              <a:t>Vanilla solutions for default policy (2)</a:t>
-            </a:r>
-          </a:p>
-          <a:p>
-            <a:pPr lvl="1"/>
-            <a:r>
-              <a:rPr lang="en-CA" dirty="0"/>
-              <a:t>Our optimized solution for both policies (2)</a:t>
-            </a:r>
-          </a:p>
-          <a:p>
-            <a:pPr lvl="1"/>
-            <a:endParaRPr lang="en-CA" dirty="0"/>
-          </a:p>
-          <a:p>
-            <a:r>
-              <a:rPr lang="en-CA" dirty="0"/>
-              <a:t>Describe trade off</a:t>
-            </a:r>
-            <a:endParaRPr lang="en-US" dirty="0"/>
-          </a:p>
-        </p:txBody>
-      </p:sp>
+        </p:nvPicPr>
+        <p:blipFill>
+          <a:blip r:embed="rId2">
+            <a:extLst>
+              <a:ext uri="{28A0092B-C50C-407E-A947-70E740481C1C}">
+                <a14:useLocalDpi xmlns:a14="http://schemas.microsoft.com/office/drawing/2010/main" val="0"/>
+              </a:ext>
+            </a:extLst>
+          </a:blip>
+          <a:stretch>
+            <a:fillRect/>
+          </a:stretch>
+        </p:blipFill>
+        <p:spPr>
+          <a:xfrm>
+            <a:off x="838200" y="1127760"/>
+            <a:ext cx="6733117" cy="5049838"/>
+          </a:xfrm>
+        </p:spPr>
+      </p:pic>
       <p:sp>
         <p:nvSpPr>
           <p:cNvPr id="4" name="Title 1">
@@ -12273,8 +12249,186 @@
           </a:lstStyle>
           <a:p>
             <a:r>
-              <a:rPr lang="en-CA" sz="3600" dirty="0"/>
+              <a:rPr lang="en-CA" sz="3600"/>
               <a:t>Results: Summary</a:t>
+            </a:r>
+            <a:endParaRPr lang="en-CA" sz="3600" dirty="0"/>
+          </a:p>
+        </p:txBody>
+      </p:sp>
+      <p:pic>
+        <p:nvPicPr>
+          <p:cNvPr id="5" name="Picture 4">
+            <a:extLst>
+              <a:ext uri="{FF2B5EF4-FFF2-40B4-BE49-F238E27FC236}">
+                <a16:creationId xmlns:a16="http://schemas.microsoft.com/office/drawing/2014/main" id="{6C9F444F-7D72-45B9-BB78-AA2CC751C413}"/>
+              </a:ext>
+            </a:extLst>
+          </p:cNvPr>
+          <p:cNvPicPr>
+            <a:picLocks noChangeAspect="1"/>
+          </p:cNvPicPr>
+          <p:nvPr/>
+        </p:nvPicPr>
+        <p:blipFill>
+          <a:blip r:embed="rId3" cstate="hqprint">
+            <a:extLst>
+              <a:ext uri="{28A0092B-C50C-407E-A947-70E740481C1C}">
+                <a14:useLocalDpi xmlns:a14="http://schemas.microsoft.com/office/drawing/2010/main" val="0"/>
+              </a:ext>
+            </a:extLst>
+          </a:blip>
+          <a:stretch>
+            <a:fillRect/>
+          </a:stretch>
+        </p:blipFill>
+        <p:spPr>
+          <a:xfrm>
+            <a:off x="9916160" y="365125"/>
+            <a:ext cx="1437640" cy="418937"/>
+          </a:xfrm>
+          <a:prstGeom prst="rect">
+            <a:avLst/>
+          </a:prstGeom>
+        </p:spPr>
+      </p:pic>
+      <p:sp>
+        <p:nvSpPr>
+          <p:cNvPr id="7" name="TextBox 6">
+            <a:extLst>
+              <a:ext uri="{FF2B5EF4-FFF2-40B4-BE49-F238E27FC236}">
+                <a16:creationId xmlns:a16="http://schemas.microsoft.com/office/drawing/2014/main" id="{C4AF1022-4AE4-4B9F-9984-6EF8E1CA80CC}"/>
+              </a:ext>
+            </a:extLst>
+          </p:cNvPr>
+          <p:cNvSpPr txBox="1"/>
+          <p:nvPr/>
+        </p:nvSpPr>
+        <p:spPr>
+          <a:xfrm>
+            <a:off x="7571317" y="1127760"/>
+            <a:ext cx="3782483" cy="4308872"/>
+          </a:xfrm>
+          <a:prstGeom prst="rect">
+            <a:avLst/>
+          </a:prstGeom>
+          <a:noFill/>
+        </p:spPr>
+        <p:txBody>
+          <a:bodyPr wrap="square" rtlCol="0">
+            <a:spAutoFit/>
+          </a:bodyPr>
+          <a:lstStyle/>
+          <a:p>
+            <a:r>
+              <a:rPr lang="en-CA" sz="2400" dirty="0">
+                <a:solidFill>
+                  <a:schemeClr val="accent1"/>
+                </a:solidFill>
+              </a:rPr>
+              <a:t>Our solution as a way to:</a:t>
+            </a:r>
+          </a:p>
+          <a:p>
+            <a:pPr marL="285750" indent="-285750">
+              <a:buFont typeface="Arial" panose="020B0604020202020204" pitchFamily="34" charset="0"/>
+              <a:buChar char="•"/>
+            </a:pPr>
+            <a:r>
+              <a:rPr lang="en-CA" sz="2400" dirty="0"/>
+              <a:t>Prevent customers from leaving our restaurant</a:t>
+            </a:r>
+          </a:p>
+          <a:p>
+            <a:pPr marL="285750" indent="-285750">
+              <a:buFont typeface="Arial" panose="020B0604020202020204" pitchFamily="34" charset="0"/>
+              <a:buChar char="•"/>
+            </a:pPr>
+            <a:endParaRPr lang="en-CA" sz="2400" dirty="0"/>
+          </a:p>
+          <a:p>
+            <a:pPr marL="285750" indent="-285750">
+              <a:spcAft>
+                <a:spcPts val="1200"/>
+              </a:spcAft>
+              <a:buFont typeface="Arial" panose="020B0604020202020204" pitchFamily="34" charset="0"/>
+              <a:buChar char="•"/>
+            </a:pPr>
+            <a:r>
+              <a:rPr lang="en-CA" sz="2400" dirty="0"/>
+              <a:t>But not increase the average number of occasions of sharing tables significantly</a:t>
+            </a:r>
+          </a:p>
+          <a:p>
+            <a:r>
+              <a:rPr lang="en-CA" sz="1600" dirty="0">
+                <a:solidFill>
+                  <a:schemeClr val="accent2"/>
+                </a:solidFill>
+              </a:rPr>
+              <a:t>	Naïve solution: </a:t>
+            </a:r>
+            <a:r>
+              <a:rPr lang="en-CA" sz="1600" b="1" dirty="0">
+                <a:solidFill>
+                  <a:schemeClr val="accent2"/>
+                </a:solidFill>
+              </a:rPr>
+              <a:t>6.5</a:t>
+            </a:r>
+          </a:p>
+          <a:p>
+            <a:r>
+              <a:rPr lang="en-CA" sz="1600" dirty="0">
+                <a:solidFill>
+                  <a:schemeClr val="accent2"/>
+                </a:solidFill>
+              </a:rPr>
+              <a:t>	Greedy solution: </a:t>
+            </a:r>
+            <a:r>
+              <a:rPr lang="en-CA" sz="1600" b="1" dirty="0">
+                <a:solidFill>
+                  <a:schemeClr val="accent2"/>
+                </a:solidFill>
+              </a:rPr>
+              <a:t>1.1</a:t>
+            </a:r>
+          </a:p>
+          <a:p>
+            <a:r>
+              <a:rPr lang="en-CA" sz="1600" dirty="0">
+                <a:solidFill>
+                  <a:schemeClr val="accent2"/>
+                </a:solidFill>
+              </a:rPr>
+              <a:t>	Golden section VNS (policy 1): </a:t>
+            </a:r>
+            <a:r>
+              <a:rPr lang="en-CA" sz="1600" b="1" dirty="0">
+                <a:solidFill>
+                  <a:schemeClr val="accent2"/>
+                </a:solidFill>
+              </a:rPr>
+              <a:t>1.1</a:t>
+            </a:r>
+          </a:p>
+          <a:p>
+            <a:r>
+              <a:rPr lang="en-CA" sz="1600" dirty="0">
+                <a:solidFill>
+                  <a:schemeClr val="accent2"/>
+                </a:solidFill>
+              </a:rPr>
+              <a:t>	Golden section VNS (policy 2): </a:t>
+            </a:r>
+            <a:r>
+              <a:rPr lang="en-CA" sz="1600" b="1" dirty="0">
+                <a:solidFill>
+                  <a:schemeClr val="accent2"/>
+                </a:solidFill>
+              </a:rPr>
+              <a:t>1.3</a:t>
             </a:r>
           </a:p>
         </p:txBody>

--- a/Presentation.pptx
+++ b/Presentation.pptx
@@ -5,7 +5,7 @@
     <p:sldMasterId id="2147483660" r:id="rId1"/>
   </p:sldMasterIdLst>
   <p:notesMasterIdLst>
-    <p:notesMasterId r:id="rId36"/>
+    <p:notesMasterId r:id="rId37"/>
   </p:notesMasterIdLst>
   <p:sldIdLst>
     <p:sldId id="256" r:id="rId2"/>
@@ -42,6 +42,7 @@
     <p:sldId id="280" r:id="rId33"/>
     <p:sldId id="281" r:id="rId34"/>
     <p:sldId id="299" r:id="rId35"/>
+    <p:sldId id="300" r:id="rId36"/>
   </p:sldIdLst>
   <p:sldSz cx="12192000" cy="6858000"/>
   <p:notesSz cx="6858000" cy="9144000"/>
@@ -230,7 +231,7 @@
           <a:p>
             <a:fld id="{8072A660-2FC5-4103-967E-B19F76250BEA}" type="datetimeFigureOut">
               <a:rPr lang="en-US" smtClean="0"/>
-              <a:t>5/27/2019</a:t>
+              <a:t>5/28/2019</a:t>
             </a:fld>
             <a:endParaRPr lang="en-US"/>
           </a:p>
@@ -814,7 +815,7 @@
           <a:p>
             <a:fld id="{26EBFB83-AAA2-427D-8458-5FB692FCFF84}" type="datetimeFigureOut">
               <a:rPr lang="en-US" smtClean="0"/>
-              <a:t>5/27/2019</a:t>
+              <a:t>5/28/2019</a:t>
             </a:fld>
             <a:endParaRPr lang="en-US"/>
           </a:p>
@@ -984,7 +985,7 @@
           <a:p>
             <a:fld id="{26EBFB83-AAA2-427D-8458-5FB692FCFF84}" type="datetimeFigureOut">
               <a:rPr lang="en-US" smtClean="0"/>
-              <a:t>5/27/2019</a:t>
+              <a:t>5/28/2019</a:t>
             </a:fld>
             <a:endParaRPr lang="en-US"/>
           </a:p>
@@ -1164,7 +1165,7 @@
           <a:p>
             <a:fld id="{26EBFB83-AAA2-427D-8458-5FB692FCFF84}" type="datetimeFigureOut">
               <a:rPr lang="en-US" smtClean="0"/>
-              <a:t>5/27/2019</a:t>
+              <a:t>5/28/2019</a:t>
             </a:fld>
             <a:endParaRPr lang="en-US"/>
           </a:p>
@@ -1334,7 +1335,7 @@
           <a:p>
             <a:fld id="{26EBFB83-AAA2-427D-8458-5FB692FCFF84}" type="datetimeFigureOut">
               <a:rPr lang="en-US" smtClean="0"/>
-              <a:t>5/27/2019</a:t>
+              <a:t>5/28/2019</a:t>
             </a:fld>
             <a:endParaRPr lang="en-US"/>
           </a:p>
@@ -1580,7 +1581,7 @@
           <a:p>
             <a:fld id="{26EBFB83-AAA2-427D-8458-5FB692FCFF84}" type="datetimeFigureOut">
               <a:rPr lang="en-US" smtClean="0"/>
-              <a:t>5/27/2019</a:t>
+              <a:t>5/28/2019</a:t>
             </a:fld>
             <a:endParaRPr lang="en-US"/>
           </a:p>
@@ -1812,7 +1813,7 @@
           <a:p>
             <a:fld id="{26EBFB83-AAA2-427D-8458-5FB692FCFF84}" type="datetimeFigureOut">
               <a:rPr lang="en-US" smtClean="0"/>
-              <a:t>5/27/2019</a:t>
+              <a:t>5/28/2019</a:t>
             </a:fld>
             <a:endParaRPr lang="en-US"/>
           </a:p>
@@ -2179,7 +2180,7 @@
           <a:p>
             <a:fld id="{26EBFB83-AAA2-427D-8458-5FB692FCFF84}" type="datetimeFigureOut">
               <a:rPr lang="en-US" smtClean="0"/>
-              <a:t>5/27/2019</a:t>
+              <a:t>5/28/2019</a:t>
             </a:fld>
             <a:endParaRPr lang="en-US"/>
           </a:p>
@@ -2297,7 +2298,7 @@
           <a:p>
             <a:fld id="{26EBFB83-AAA2-427D-8458-5FB692FCFF84}" type="datetimeFigureOut">
               <a:rPr lang="en-US" smtClean="0"/>
-              <a:t>5/27/2019</a:t>
+              <a:t>5/28/2019</a:t>
             </a:fld>
             <a:endParaRPr lang="en-US"/>
           </a:p>
@@ -2392,7 +2393,7 @@
           <a:p>
             <a:fld id="{26EBFB83-AAA2-427D-8458-5FB692FCFF84}" type="datetimeFigureOut">
               <a:rPr lang="en-US" smtClean="0"/>
-              <a:t>5/27/2019</a:t>
+              <a:t>5/28/2019</a:t>
             </a:fld>
             <a:endParaRPr lang="en-US"/>
           </a:p>
@@ -2669,7 +2670,7 @@
           <a:p>
             <a:fld id="{26EBFB83-AAA2-427D-8458-5FB692FCFF84}" type="datetimeFigureOut">
               <a:rPr lang="en-US" smtClean="0"/>
-              <a:t>5/27/2019</a:t>
+              <a:t>5/28/2019</a:t>
             </a:fld>
             <a:endParaRPr lang="en-US"/>
           </a:p>
@@ -2926,7 +2927,7 @@
           <a:p>
             <a:fld id="{26EBFB83-AAA2-427D-8458-5FB692FCFF84}" type="datetimeFigureOut">
               <a:rPr lang="en-US" smtClean="0"/>
-              <a:t>5/27/2019</a:t>
+              <a:t>5/28/2019</a:t>
             </a:fld>
             <a:endParaRPr lang="en-US"/>
           </a:p>
@@ -3139,7 +3140,7 @@
           <a:p>
             <a:fld id="{26EBFB83-AAA2-427D-8458-5FB692FCFF84}" type="datetimeFigureOut">
               <a:rPr lang="en-US" smtClean="0"/>
-              <a:t>5/27/2019</a:t>
+              <a:t>5/28/2019</a:t>
             </a:fld>
             <a:endParaRPr lang="en-US"/>
           </a:p>
@@ -12307,7 +12308,7 @@
         <p:spPr>
           <a:xfrm>
             <a:off x="7571317" y="1127760"/>
-            <a:ext cx="3782483" cy="4308872"/>
+            <a:ext cx="3782483" cy="4955203"/>
           </a:xfrm>
           <a:prstGeom prst="rect">
             <a:avLst/>
@@ -12360,6 +12361,21 @@
             </a:r>
           </a:p>
           <a:p>
+            <a:pPr lvl="1">
+              <a:spcAft>
+                <a:spcPts val="1200"/>
+              </a:spcAft>
+            </a:pPr>
+            <a:r>
+              <a:rPr lang="en-CA" sz="1600" dirty="0">
+                <a:solidFill>
+                  <a:schemeClr val="accent2"/>
+                </a:solidFill>
+              </a:rPr>
+              <a:t>Avg. number of customers who share tables (per day): </a:t>
+            </a:r>
+          </a:p>
+          <a:p>
             <a:r>
               <a:rPr lang="en-CA" sz="1600" dirty="0">
                 <a:solidFill>
@@ -12437,6 +12453,505 @@
     <p:extLst>
       <p:ext uri="{BB962C8B-B14F-4D97-AF65-F5344CB8AC3E}">
         <p14:creationId xmlns:p14="http://schemas.microsoft.com/office/powerpoint/2010/main" val="3841013724"/>
+      </p:ext>
+    </p:extLst>
+  </p:cSld>
+  <p:clrMapOvr>
+    <a:masterClrMapping/>
+  </p:clrMapOvr>
+</p:sld>
+</file>
+
+<file path=ppt/slides/slide35.xml><?xml version="1.0" encoding="utf-8"?>
+<p:sld xmlns:a="http://schemas.openxmlformats.org/drawingml/2006/main" xmlns:r="http://schemas.openxmlformats.org/officeDocument/2006/relationships" xmlns:p="http://schemas.openxmlformats.org/presentationml/2006/main">
+  <p:cSld>
+    <p:spTree>
+      <p:nvGrpSpPr>
+        <p:cNvPr id="1" name=""/>
+        <p:cNvGrpSpPr/>
+        <p:nvPr/>
+      </p:nvGrpSpPr>
+      <p:grpSpPr>
+        <a:xfrm>
+          <a:off x="0" y="0"/>
+          <a:ext cx="0" cy="0"/>
+          <a:chOff x="0" y="0"/>
+          <a:chExt cx="0" cy="0"/>
+        </a:xfrm>
+      </p:grpSpPr>
+      <p:sp>
+        <p:nvSpPr>
+          <p:cNvPr id="4" name="Title 1">
+            <a:extLst>
+              <a:ext uri="{FF2B5EF4-FFF2-40B4-BE49-F238E27FC236}">
+                <a16:creationId xmlns:a16="http://schemas.microsoft.com/office/drawing/2014/main" id="{BED9B4B6-A2F7-429A-BC0B-C80004A4CE86}"/>
+              </a:ext>
+            </a:extLst>
+          </p:cNvPr>
+          <p:cNvSpPr txBox="1">
+            <a:spLocks/>
+          </p:cNvSpPr>
+          <p:nvPr/>
+        </p:nvSpPr>
+        <p:spPr>
+          <a:xfrm>
+            <a:off x="838200" y="365125"/>
+            <a:ext cx="10515600" cy="762635"/>
+          </a:xfrm>
+          <a:prstGeom prst="rect">
+            <a:avLst/>
+          </a:prstGeom>
+        </p:spPr>
+        <p:txBody>
+          <a:bodyPr vert="horz" lIns="91440" tIns="45720" rIns="91440" bIns="45720" rtlCol="0" anchor="ctr">
+            <a:normAutofit/>
+          </a:bodyPr>
+          <a:lstStyle>
+            <a:lvl1pPr algn="l" defTabSz="914400" rtl="0" eaLnBrk="1" latinLnBrk="0" hangingPunct="1">
+              <a:lnSpc>
+                <a:spcPct val="90000"/>
+              </a:lnSpc>
+              <a:spcBef>
+                <a:spcPct val="0"/>
+              </a:spcBef>
+              <a:buNone/>
+              <a:defRPr sz="4400" kern="1200">
+                <a:solidFill>
+                  <a:schemeClr val="tx1"/>
+                </a:solidFill>
+                <a:latin typeface="+mj-lt"/>
+                <a:ea typeface="+mj-ea"/>
+                <a:cs typeface="+mj-cs"/>
+              </a:defRPr>
+            </a:lvl1pPr>
+          </a:lstStyle>
+          <a:p>
+            <a:r>
+              <a:rPr lang="en-CA" sz="3600"/>
+              <a:t>Results: Summary</a:t>
+            </a:r>
+            <a:endParaRPr lang="en-CA" sz="3600" dirty="0"/>
+          </a:p>
+        </p:txBody>
+      </p:sp>
+      <p:pic>
+        <p:nvPicPr>
+          <p:cNvPr id="5" name="Picture 4">
+            <a:extLst>
+              <a:ext uri="{FF2B5EF4-FFF2-40B4-BE49-F238E27FC236}">
+                <a16:creationId xmlns:a16="http://schemas.microsoft.com/office/drawing/2014/main" id="{6C9F444F-7D72-45B9-BB78-AA2CC751C413}"/>
+              </a:ext>
+            </a:extLst>
+          </p:cNvPr>
+          <p:cNvPicPr>
+            <a:picLocks noChangeAspect="1"/>
+          </p:cNvPicPr>
+          <p:nvPr/>
+        </p:nvPicPr>
+        <p:blipFill>
+          <a:blip r:embed="rId2" cstate="hqprint">
+            <a:extLst>
+              <a:ext uri="{28A0092B-C50C-407E-A947-70E740481C1C}">
+                <a14:useLocalDpi xmlns:a14="http://schemas.microsoft.com/office/drawing/2010/main" val="0"/>
+              </a:ext>
+            </a:extLst>
+          </a:blip>
+          <a:stretch>
+            <a:fillRect/>
+          </a:stretch>
+        </p:blipFill>
+        <p:spPr>
+          <a:xfrm>
+            <a:off x="9916160" y="365125"/>
+            <a:ext cx="1437640" cy="418937"/>
+          </a:xfrm>
+          <a:prstGeom prst="rect">
+            <a:avLst/>
+          </a:prstGeom>
+        </p:spPr>
+      </p:pic>
+      <p:sp>
+        <p:nvSpPr>
+          <p:cNvPr id="7" name="TextBox 6">
+            <a:extLst>
+              <a:ext uri="{FF2B5EF4-FFF2-40B4-BE49-F238E27FC236}">
+                <a16:creationId xmlns:a16="http://schemas.microsoft.com/office/drawing/2014/main" id="{C4AF1022-4AE4-4B9F-9984-6EF8E1CA80CC}"/>
+              </a:ext>
+            </a:extLst>
+          </p:cNvPr>
+          <p:cNvSpPr txBox="1"/>
+          <p:nvPr/>
+        </p:nvSpPr>
+        <p:spPr>
+          <a:xfrm>
+            <a:off x="7571317" y="1127760"/>
+            <a:ext cx="3782483" cy="3046988"/>
+          </a:xfrm>
+          <a:prstGeom prst="rect">
+            <a:avLst/>
+          </a:prstGeom>
+          <a:noFill/>
+        </p:spPr>
+        <p:txBody>
+          <a:bodyPr wrap="square" rtlCol="0">
+            <a:spAutoFit/>
+          </a:bodyPr>
+          <a:lstStyle/>
+          <a:p>
+            <a:r>
+              <a:rPr lang="en-CA" sz="2400" dirty="0">
+                <a:solidFill>
+                  <a:schemeClr val="accent1"/>
+                </a:solidFill>
+              </a:rPr>
+              <a:t>Our solution as a way to:</a:t>
+            </a:r>
+          </a:p>
+          <a:p>
+            <a:pPr marL="285750" indent="-285750">
+              <a:buFont typeface="Arial" panose="020B0604020202020204" pitchFamily="34" charset="0"/>
+              <a:buChar char="•"/>
+            </a:pPr>
+            <a:r>
+              <a:rPr lang="en-CA" sz="2400" dirty="0"/>
+              <a:t>Prevent customers from leaving our restaurant</a:t>
+            </a:r>
+          </a:p>
+          <a:p>
+            <a:pPr marL="285750" indent="-285750">
+              <a:buFont typeface="Arial" panose="020B0604020202020204" pitchFamily="34" charset="0"/>
+              <a:buChar char="•"/>
+            </a:pPr>
+            <a:endParaRPr lang="en-CA" sz="2400" dirty="0"/>
+          </a:p>
+          <a:p>
+            <a:pPr marL="285750" indent="-285750">
+              <a:spcAft>
+                <a:spcPts val="1200"/>
+              </a:spcAft>
+              <a:buFont typeface="Arial" panose="020B0604020202020204" pitchFamily="34" charset="0"/>
+              <a:buChar char="•"/>
+            </a:pPr>
+            <a:r>
+              <a:rPr lang="en-CA" sz="2400" dirty="0"/>
+              <a:t>But not increase the average number of occasions of sharing tables significantly</a:t>
+            </a:r>
+          </a:p>
+        </p:txBody>
+      </p:sp>
+      <p:pic>
+        <p:nvPicPr>
+          <p:cNvPr id="13" name="Content Placeholder 12" descr="A screenshot of a cell phone&#10;&#10;Description generated with very high confidence">
+            <a:extLst>
+              <a:ext uri="{FF2B5EF4-FFF2-40B4-BE49-F238E27FC236}">
+                <a16:creationId xmlns:a16="http://schemas.microsoft.com/office/drawing/2014/main" id="{D4441E78-5C31-4995-883D-15EAA938C264}"/>
+              </a:ext>
+            </a:extLst>
+          </p:cNvPr>
+          <p:cNvPicPr>
+            <a:picLocks noGrp="1" noChangeAspect="1"/>
+          </p:cNvPicPr>
+          <p:nvPr>
+            <p:ph idx="1"/>
+          </p:nvPr>
+        </p:nvPicPr>
+        <p:blipFill>
+          <a:blip r:embed="rId3">
+            <a:extLst>
+              <a:ext uri="{28A0092B-C50C-407E-A947-70E740481C1C}">
+                <a14:useLocalDpi xmlns:a14="http://schemas.microsoft.com/office/drawing/2010/main" val="0"/>
+              </a:ext>
+            </a:extLst>
+          </a:blip>
+          <a:stretch>
+            <a:fillRect/>
+          </a:stretch>
+        </p:blipFill>
+        <p:spPr>
+          <a:xfrm>
+            <a:off x="838199" y="1127759"/>
+            <a:ext cx="6606937" cy="4955203"/>
+          </a:xfrm>
+        </p:spPr>
+      </p:pic>
+      <p:sp>
+        <p:nvSpPr>
+          <p:cNvPr id="14" name="TextBox 13">
+            <a:extLst>
+              <a:ext uri="{FF2B5EF4-FFF2-40B4-BE49-F238E27FC236}">
+                <a16:creationId xmlns:a16="http://schemas.microsoft.com/office/drawing/2014/main" id="{F1592D17-EAD6-4761-B571-1F97A55D070D}"/>
+              </a:ext>
+            </a:extLst>
+          </p:cNvPr>
+          <p:cNvSpPr txBox="1"/>
+          <p:nvPr/>
+        </p:nvSpPr>
+        <p:spPr>
+          <a:xfrm>
+            <a:off x="4510391" y="4892784"/>
+            <a:ext cx="1706880" cy="400110"/>
+          </a:xfrm>
+          <a:prstGeom prst="rect">
+            <a:avLst/>
+          </a:prstGeom>
+          <a:noFill/>
+        </p:spPr>
+        <p:txBody>
+          <a:bodyPr wrap="square" rtlCol="0">
+            <a:spAutoFit/>
+          </a:bodyPr>
+          <a:lstStyle/>
+          <a:p>
+            <a:r>
+              <a:rPr lang="en-CA" sz="1000" dirty="0">
+                <a:solidFill>
+                  <a:schemeClr val="accent1"/>
+                </a:solidFill>
+              </a:rPr>
+              <a:t>Golden section VNS (policy 2)</a:t>
+            </a:r>
+          </a:p>
+          <a:p>
+            <a:r>
+              <a:rPr lang="en-CA" sz="1000" dirty="0">
+                <a:solidFill>
+                  <a:schemeClr val="accent1"/>
+                </a:solidFill>
+              </a:rPr>
+              <a:t>Mean Profit: 13,865</a:t>
+            </a:r>
+          </a:p>
+        </p:txBody>
+      </p:sp>
+      <p:sp>
+        <p:nvSpPr>
+          <p:cNvPr id="15" name="TextBox 14">
+            <a:extLst>
+              <a:ext uri="{FF2B5EF4-FFF2-40B4-BE49-F238E27FC236}">
+                <a16:creationId xmlns:a16="http://schemas.microsoft.com/office/drawing/2014/main" id="{DAC1DB3D-F7B1-4B8A-A503-9A7E003FE741}"/>
+              </a:ext>
+            </a:extLst>
+          </p:cNvPr>
+          <p:cNvSpPr txBox="1"/>
+          <p:nvPr/>
+        </p:nvSpPr>
+        <p:spPr>
+          <a:xfrm>
+            <a:off x="2556059" y="5092839"/>
+            <a:ext cx="1706880" cy="400110"/>
+          </a:xfrm>
+          <a:prstGeom prst="rect">
+            <a:avLst/>
+          </a:prstGeom>
+          <a:noFill/>
+        </p:spPr>
+        <p:txBody>
+          <a:bodyPr wrap="square" rtlCol="0">
+            <a:spAutoFit/>
+          </a:bodyPr>
+          <a:lstStyle/>
+          <a:p>
+            <a:pPr algn="r"/>
+            <a:r>
+              <a:rPr lang="en-CA" sz="1000" dirty="0">
+                <a:solidFill>
+                  <a:srgbClr val="FF0000"/>
+                </a:solidFill>
+              </a:rPr>
+              <a:t>Golden section VNS (policy 1)</a:t>
+            </a:r>
+          </a:p>
+          <a:p>
+            <a:pPr algn="r"/>
+            <a:r>
+              <a:rPr lang="en-CA" sz="1000" dirty="0">
+                <a:solidFill>
+                  <a:srgbClr val="FF0000"/>
+                </a:solidFill>
+              </a:rPr>
+              <a:t>Mean Profit: 13,781</a:t>
+            </a:r>
+          </a:p>
+        </p:txBody>
+      </p:sp>
+      <p:sp>
+        <p:nvSpPr>
+          <p:cNvPr id="16" name="TextBox 15">
+            <a:extLst>
+              <a:ext uri="{FF2B5EF4-FFF2-40B4-BE49-F238E27FC236}">
+                <a16:creationId xmlns:a16="http://schemas.microsoft.com/office/drawing/2014/main" id="{3C0E9117-EA43-4BB0-B8DA-9E72C874A8C0}"/>
+              </a:ext>
+            </a:extLst>
+          </p:cNvPr>
+          <p:cNvSpPr txBox="1"/>
+          <p:nvPr/>
+        </p:nvSpPr>
+        <p:spPr>
+          <a:xfrm>
+            <a:off x="4947907" y="1775321"/>
+            <a:ext cx="1706880" cy="400110"/>
+          </a:xfrm>
+          <a:prstGeom prst="rect">
+            <a:avLst/>
+          </a:prstGeom>
+          <a:noFill/>
+        </p:spPr>
+        <p:txBody>
+          <a:bodyPr wrap="square" rtlCol="0">
+            <a:spAutoFit/>
+          </a:bodyPr>
+          <a:lstStyle/>
+          <a:p>
+            <a:pPr algn="r"/>
+            <a:r>
+              <a:rPr lang="en-CA" sz="1000" dirty="0"/>
+              <a:t>Naïve Solution</a:t>
+            </a:r>
+          </a:p>
+          <a:p>
+            <a:pPr algn="r"/>
+            <a:r>
+              <a:rPr lang="en-CA" sz="1000" dirty="0"/>
+              <a:t>Mean Profit: 11,419</a:t>
+            </a:r>
+          </a:p>
+        </p:txBody>
+      </p:sp>
+      <p:sp>
+        <p:nvSpPr>
+          <p:cNvPr id="17" name="TextBox 16">
+            <a:extLst>
+              <a:ext uri="{FF2B5EF4-FFF2-40B4-BE49-F238E27FC236}">
+                <a16:creationId xmlns:a16="http://schemas.microsoft.com/office/drawing/2014/main" id="{022E4CC2-0710-4AE6-B690-CCF6BCAFB3A6}"/>
+              </a:ext>
+            </a:extLst>
+          </p:cNvPr>
+          <p:cNvSpPr txBox="1"/>
+          <p:nvPr/>
+        </p:nvSpPr>
+        <p:spPr>
+          <a:xfrm>
+            <a:off x="474754" y="5092839"/>
+            <a:ext cx="1706880" cy="400110"/>
+          </a:xfrm>
+          <a:prstGeom prst="rect">
+            <a:avLst/>
+          </a:prstGeom>
+          <a:noFill/>
+        </p:spPr>
+        <p:txBody>
+          <a:bodyPr wrap="square" rtlCol="0">
+            <a:spAutoFit/>
+          </a:bodyPr>
+          <a:lstStyle/>
+          <a:p>
+            <a:r>
+              <a:rPr lang="en-CA" sz="1000" dirty="0"/>
+              <a:t>Greedy Solution</a:t>
+            </a:r>
+          </a:p>
+          <a:p>
+            <a:r>
+              <a:rPr lang="en-CA" sz="1000" dirty="0"/>
+              <a:t>Mean Profit: 12,238</a:t>
+            </a:r>
+          </a:p>
+        </p:txBody>
+      </p:sp>
+      <p:cxnSp>
+        <p:nvCxnSpPr>
+          <p:cNvPr id="27" name="Straight Connector 26">
+            <a:extLst>
+              <a:ext uri="{FF2B5EF4-FFF2-40B4-BE49-F238E27FC236}">
+                <a16:creationId xmlns:a16="http://schemas.microsoft.com/office/drawing/2014/main" id="{B92E047F-1276-46CB-ACFB-D8D354D4239B}"/>
+              </a:ext>
+            </a:extLst>
+          </p:cNvPr>
+          <p:cNvCxnSpPr/>
+          <p:nvPr/>
+        </p:nvCxnSpPr>
+        <p:spPr>
+          <a:xfrm flipV="1">
+            <a:off x="4262939" y="1513840"/>
+            <a:ext cx="0" cy="3979109"/>
+          </a:xfrm>
+          <a:prstGeom prst="line">
+            <a:avLst/>
+          </a:prstGeom>
+          <a:ln w="3175">
+            <a:solidFill>
+              <a:schemeClr val="bg1">
+                <a:lumMod val="75000"/>
+              </a:schemeClr>
+            </a:solidFill>
+            <a:prstDash val="dash"/>
+          </a:ln>
+        </p:spPr>
+        <p:style>
+          <a:lnRef idx="1">
+            <a:schemeClr val="dk1"/>
+          </a:lnRef>
+          <a:fillRef idx="0">
+            <a:schemeClr val="dk1"/>
+          </a:fillRef>
+          <a:effectRef idx="0">
+            <a:schemeClr val="dk1"/>
+          </a:effectRef>
+          <a:fontRef idx="minor">
+            <a:schemeClr val="tx1"/>
+          </a:fontRef>
+        </p:style>
+      </p:cxnSp>
+      <p:cxnSp>
+        <p:nvCxnSpPr>
+          <p:cNvPr id="28" name="Straight Connector 27">
+            <a:extLst>
+              <a:ext uri="{FF2B5EF4-FFF2-40B4-BE49-F238E27FC236}">
+                <a16:creationId xmlns:a16="http://schemas.microsoft.com/office/drawing/2014/main" id="{8C4ED095-9640-4151-81C1-3FA2E46A7322}"/>
+              </a:ext>
+            </a:extLst>
+          </p:cNvPr>
+          <p:cNvCxnSpPr>
+            <a:cxnSpLocks/>
+          </p:cNvCxnSpPr>
+          <p:nvPr/>
+        </p:nvCxnSpPr>
+        <p:spPr>
+          <a:xfrm flipH="1">
+            <a:off x="1686561" y="3503394"/>
+            <a:ext cx="5074906" cy="1"/>
+          </a:xfrm>
+          <a:prstGeom prst="line">
+            <a:avLst/>
+          </a:prstGeom>
+          <a:ln w="3175">
+            <a:solidFill>
+              <a:schemeClr val="bg1">
+                <a:lumMod val="75000"/>
+              </a:schemeClr>
+            </a:solidFill>
+            <a:prstDash val="dash"/>
+          </a:ln>
+        </p:spPr>
+        <p:style>
+          <a:lnRef idx="1">
+            <a:schemeClr val="dk1"/>
+          </a:lnRef>
+          <a:fillRef idx="0">
+            <a:schemeClr val="dk1"/>
+          </a:fillRef>
+          <a:effectRef idx="0">
+            <a:schemeClr val="dk1"/>
+          </a:effectRef>
+          <a:fontRef idx="minor">
+            <a:schemeClr val="tx1"/>
+          </a:fontRef>
+        </p:style>
+      </p:cxnSp>
+    </p:spTree>
+    <p:extLst>
+      <p:ext uri="{BB962C8B-B14F-4D97-AF65-F5344CB8AC3E}">
+        <p14:creationId xmlns:p14="http://schemas.microsoft.com/office/powerpoint/2010/main" val="368659183"/>
       </p:ext>
     </p:extLst>
   </p:cSld>

--- a/Presentation.pptx
+++ b/Presentation.pptx
@@ -12479,6 +12479,41 @@
           <a:chExt cx="0" cy="0"/>
         </a:xfrm>
       </p:grpSpPr>
+      <p:pic>
+        <p:nvPicPr>
+          <p:cNvPr id="8" name="Content Placeholder 7" descr="A screenshot of a cell phone&#10;&#10;Description generated with high confidence">
+            <a:extLst>
+              <a:ext uri="{FF2B5EF4-FFF2-40B4-BE49-F238E27FC236}">
+                <a16:creationId xmlns:a16="http://schemas.microsoft.com/office/drawing/2014/main" id="{21796F14-5067-460F-BCAA-0AF7EEB2CDE9}"/>
+              </a:ext>
+            </a:extLst>
+          </p:cNvPr>
+          <p:cNvPicPr>
+            <a:picLocks noGrp="1" noChangeAspect="1"/>
+          </p:cNvPicPr>
+          <p:nvPr>
+            <p:ph idx="1"/>
+          </p:nvPr>
+        </p:nvPicPr>
+        <p:blipFill>
+          <a:blip r:embed="rId2">
+            <a:extLst>
+              <a:ext uri="{28A0092B-C50C-407E-A947-70E740481C1C}">
+                <a14:useLocalDpi xmlns:a14="http://schemas.microsoft.com/office/drawing/2010/main" val="0"/>
+              </a:ext>
+            </a:extLst>
+          </a:blip>
+          <a:stretch>
+            <a:fillRect/>
+          </a:stretch>
+        </p:blipFill>
+        <p:spPr>
+          <a:xfrm>
+            <a:off x="474753" y="1113526"/>
+            <a:ext cx="6286713" cy="4715035"/>
+          </a:xfrm>
+        </p:spPr>
+      </p:pic>
       <p:sp>
         <p:nvSpPr>
           <p:cNvPr id="4" name="Title 1">
@@ -12549,7 +12584,7 @@
           <p:nvPr/>
         </p:nvPicPr>
         <p:blipFill>
-          <a:blip r:embed="rId2" cstate="hqprint">
+          <a:blip r:embed="rId3" cstate="hqprint">
             <a:extLst>
               <a:ext uri="{28A0092B-C50C-407E-A947-70E740481C1C}">
                 <a14:useLocalDpi xmlns:a14="http://schemas.microsoft.com/office/drawing/2010/main" val="0"/>
@@ -12614,7 +12649,7 @@
             </a:pPr>
             <a:r>
               <a:rPr lang="en-CA" sz="2400" dirty="0"/>
-              <a:t>Prevent customers from leaving our restaurant</a:t>
+              <a:t>Prevent customers from leaving the restaurant</a:t>
             </a:r>
           </a:p>
           <a:p>
@@ -12639,41 +12674,6 @@
           </a:p>
         </p:txBody>
       </p:sp>
-      <p:pic>
-        <p:nvPicPr>
-          <p:cNvPr id="13" name="Content Placeholder 12" descr="A screenshot of a cell phone&#10;&#10;Description generated with very high confidence">
-            <a:extLst>
-              <a:ext uri="{FF2B5EF4-FFF2-40B4-BE49-F238E27FC236}">
-                <a16:creationId xmlns:a16="http://schemas.microsoft.com/office/drawing/2014/main" id="{D4441E78-5C31-4995-883D-15EAA938C264}"/>
-              </a:ext>
-            </a:extLst>
-          </p:cNvPr>
-          <p:cNvPicPr>
-            <a:picLocks noGrp="1" noChangeAspect="1"/>
-          </p:cNvPicPr>
-          <p:nvPr>
-            <p:ph idx="1"/>
-          </p:nvPr>
-        </p:nvPicPr>
-        <p:blipFill>
-          <a:blip r:embed="rId3">
-            <a:extLst>
-              <a:ext uri="{28A0092B-C50C-407E-A947-70E740481C1C}">
-                <a14:useLocalDpi xmlns:a14="http://schemas.microsoft.com/office/drawing/2010/main" val="0"/>
-              </a:ext>
-            </a:extLst>
-          </a:blip>
-          <a:stretch>
-            <a:fillRect/>
-          </a:stretch>
-        </p:blipFill>
-        <p:spPr>
-          <a:xfrm>
-            <a:off x="838199" y="1127759"/>
-            <a:ext cx="6606937" cy="4955203"/>
-          </a:xfrm>
-        </p:spPr>
-      </p:pic>
       <p:sp>
         <p:nvSpPr>
           <p:cNvPr id="14" name="TextBox 13">
@@ -12688,7 +12688,7 @@
         </p:nvSpPr>
         <p:spPr>
           <a:xfrm>
-            <a:off x="4510391" y="4892784"/>
+            <a:off x="1813111" y="4784225"/>
             <a:ext cx="1706880" cy="400110"/>
           </a:xfrm>
           <a:prstGeom prst="rect">
@@ -12702,6 +12702,7 @@
           </a:bodyPr>
           <a:lstStyle/>
           <a:p>
+            <a:pPr algn="r"/>
             <a:r>
               <a:rPr lang="en-CA" sz="1000" dirty="0">
                 <a:solidFill>
@@ -12712,6 +12713,7 @@
             </a:r>
           </a:p>
           <a:p>
+            <a:pPr algn="r"/>
             <a:r>
               <a:rPr lang="en-CA" sz="1000" dirty="0">
                 <a:solidFill>
@@ -12737,7 +12739,7 @@
         </p:nvSpPr>
         <p:spPr>
           <a:xfrm>
-            <a:off x="2556059" y="5092839"/>
+            <a:off x="3715801" y="5092839"/>
             <a:ext cx="1706880" cy="400110"/>
           </a:xfrm>
           <a:prstGeom prst="rect">
@@ -12751,7 +12753,6 @@
           </a:bodyPr>
           <a:lstStyle/>
           <a:p>
-            <a:pPr algn="r"/>
             <a:r>
               <a:rPr lang="en-CA" sz="1000" dirty="0">
                 <a:solidFill>
@@ -12762,7 +12763,6 @@
             </a:r>
           </a:p>
           <a:p>
-            <a:pPr algn="r"/>
             <a:r>
               <a:rPr lang="en-CA" sz="1000" dirty="0">
                 <a:solidFill>
@@ -12788,7 +12788,7 @@
         </p:nvSpPr>
         <p:spPr>
           <a:xfrm>
-            <a:off x="4947907" y="1775321"/>
+            <a:off x="1515407" y="1622399"/>
             <a:ext cx="1706880" cy="400110"/>
           </a:xfrm>
           <a:prstGeom prst="rect">
@@ -12802,14 +12802,12 @@
           </a:bodyPr>
           <a:lstStyle/>
           <a:p>
-            <a:pPr algn="r"/>
             <a:r>
               <a:rPr lang="en-CA" sz="1000" dirty="0"/>
               <a:t>Naïve Solution</a:t>
             </a:r>
           </a:p>
           <a:p>
-            <a:pPr algn="r"/>
             <a:r>
               <a:rPr lang="en-CA" sz="1000" dirty="0"/>
               <a:t>Mean Profit: 11,419</a:t>
@@ -12831,7 +12829,7 @@
         </p:nvSpPr>
         <p:spPr>
           <a:xfrm>
-            <a:off x="474754" y="5092839"/>
+            <a:off x="6075982" y="4892784"/>
             <a:ext cx="1706880" cy="400110"/>
           </a:xfrm>
           <a:prstGeom prst="rect">

--- a/Presentation.pptx
+++ b/Presentation.pptx
@@ -12870,7 +12870,7 @@
         </p:nvCxnSpPr>
         <p:spPr>
           <a:xfrm flipV="1">
-            <a:off x="4262939" y="1513840"/>
+            <a:off x="3715801" y="1413810"/>
             <a:ext cx="0" cy="3979109"/>
           </a:xfrm>
           <a:prstGeom prst="line">
@@ -12916,8 +12916,8 @@
         </p:nvCxnSpPr>
         <p:spPr>
           <a:xfrm flipH="1">
-            <a:off x="1686561" y="3503394"/>
-            <a:ext cx="5074906" cy="1"/>
+            <a:off x="1371601" y="3403366"/>
+            <a:ext cx="4724399" cy="0"/>
           </a:xfrm>
           <a:prstGeom prst="line">
             <a:avLst/>

--- a/Presentation.pptx
+++ b/Presentation.pptx
@@ -5,7 +5,7 @@
     <p:sldMasterId id="2147483660" r:id="rId1"/>
   </p:sldMasterIdLst>
   <p:notesMasterIdLst>
-    <p:notesMasterId r:id="rId41"/>
+    <p:notesMasterId r:id="rId40"/>
   </p:notesMasterIdLst>
   <p:sldIdLst>
     <p:sldId id="256" r:id="rId2"/>
@@ -30,23 +30,22 @@
     <p:sldId id="301" r:id="rId21"/>
     <p:sldId id="302" r:id="rId22"/>
     <p:sldId id="303" r:id="rId23"/>
-    <p:sldId id="304" r:id="rId24"/>
-    <p:sldId id="273" r:id="rId25"/>
-    <p:sldId id="261" r:id="rId26"/>
-    <p:sldId id="264" r:id="rId27"/>
-    <p:sldId id="266" r:id="rId28"/>
-    <p:sldId id="267" r:id="rId29"/>
-    <p:sldId id="268" r:id="rId30"/>
-    <p:sldId id="270" r:id="rId31"/>
-    <p:sldId id="276" r:id="rId32"/>
-    <p:sldId id="272" r:id="rId33"/>
-    <p:sldId id="277" r:id="rId34"/>
-    <p:sldId id="278" r:id="rId35"/>
-    <p:sldId id="279" r:id="rId36"/>
-    <p:sldId id="280" r:id="rId37"/>
-    <p:sldId id="281" r:id="rId38"/>
-    <p:sldId id="299" r:id="rId39"/>
-    <p:sldId id="300" r:id="rId40"/>
+    <p:sldId id="273" r:id="rId24"/>
+    <p:sldId id="261" r:id="rId25"/>
+    <p:sldId id="264" r:id="rId26"/>
+    <p:sldId id="266" r:id="rId27"/>
+    <p:sldId id="267" r:id="rId28"/>
+    <p:sldId id="268" r:id="rId29"/>
+    <p:sldId id="270" r:id="rId30"/>
+    <p:sldId id="276" r:id="rId31"/>
+    <p:sldId id="272" r:id="rId32"/>
+    <p:sldId id="277" r:id="rId33"/>
+    <p:sldId id="278" r:id="rId34"/>
+    <p:sldId id="279" r:id="rId35"/>
+    <p:sldId id="280" r:id="rId36"/>
+    <p:sldId id="281" r:id="rId37"/>
+    <p:sldId id="299" r:id="rId38"/>
+    <p:sldId id="300" r:id="rId39"/>
   </p:sldIdLst>
   <p:sldSz cx="12192000" cy="6858000"/>
   <p:notesSz cx="6858000" cy="9144000"/>
@@ -888,6 +887,12 @@
               <a:rPr lang="en-US" dirty="0"/>
               <a:t> better than 210</a:t>
             </a:r>
+          </a:p>
+          <a:p>
+            <a:r>
+              <a:rPr lang="en-US" dirty="0"/>
+              <a:t>With starting point n=300, very slow (e.g. 0,5% of improvement at each iteration</a:t>
+            </a:r>
             <a:endParaRPr lang="en-CH" dirty="0"/>
           </a:p>
         </p:txBody>
@@ -973,24 +978,16 @@
           <a:lstStyle/>
           <a:p>
             <a:r>
-              <a:rPr lang="en-US" dirty="0"/>
-              <a:t>It is not obvious which is the best starting point. For instance if the demand varies a lot along the opening hours. </a:t>
-            </a:r>
-          </a:p>
-          <a:p>
-            <a:r>
-              <a:rPr lang="en-US" dirty="0"/>
-              <a:t>Explain that starting point of 200 seats </a:t>
-            </a:r>
-            <a:r>
-              <a:rPr lang="en-US" dirty="0" err="1"/>
-              <a:t>perfomed</a:t>
-            </a:r>
-            <a:r>
-              <a:rPr lang="en-US" dirty="0"/>
-              <a:t> better than 210</a:t>
-            </a:r>
-            <a:endParaRPr lang="en-CH" dirty="0"/>
+              <a:rPr lang="en-CA" dirty="0"/>
+              <a:t>Reduced tables of size 2 and 4 by two and gave them all to size 5 tables.</a:t>
+            </a:r>
+          </a:p>
+          <a:p>
+            <a:r>
+              <a:rPr lang="en-CA" dirty="0"/>
+              <a:t>Otherwise, the number of seats remain more or less the same.</a:t>
+            </a:r>
+            <a:endParaRPr lang="en-US" dirty="0"/>
           </a:p>
         </p:txBody>
       </p:sp>
@@ -1011,7 +1008,7 @@
           <a:p>
             <a:fld id="{F337A9D5-A264-4B80-8400-78E45D6652AF}" type="slidenum">
               <a:rPr lang="en-US" smtClean="0"/>
-              <a:t>23</a:t>
+              <a:t>35</a:t>
             </a:fld>
             <a:endParaRPr lang="en-US"/>
           </a:p>
@@ -1020,7 +1017,7 @@
     </p:spTree>
     <p:extLst>
       <p:ext uri="{BB962C8B-B14F-4D97-AF65-F5344CB8AC3E}">
-        <p14:creationId xmlns:p14="http://schemas.microsoft.com/office/powerpoint/2010/main" val="1782321904"/>
+        <p14:creationId xmlns:p14="http://schemas.microsoft.com/office/powerpoint/2010/main" val="440639226"/>
       </p:ext>
     </p:extLst>
   </p:cSld>
@@ -1076,15 +1073,13 @@
           <a:p>
             <a:r>
               <a:rPr lang="en-CA" dirty="0"/>
-              <a:t>Reduced tables of size 2 and 4 by two and gave them all to size 5 tables.</a:t>
-            </a:r>
-          </a:p>
-          <a:p>
-            <a:r>
-              <a:rPr lang="en-CA" dirty="0"/>
-              <a:t>Otherwise, the number of seats remain more or less the same.</a:t>
-            </a:r>
-            <a:endParaRPr lang="en-US" dirty="0"/>
+              <a:t>Reduced proportion of customer groups of size 5 who abandoned by roughly 13%</a:t>
+            </a:r>
+            <a:r>
+              <a:rPr lang="en-US" dirty="0"/>
+              <a:t> at a relatively small cost of losing 1.5% more of customer groups of size 3. The rest remains more or less the same.</a:t>
+            </a:r>
+            <a:endParaRPr lang="en-CA" dirty="0"/>
           </a:p>
         </p:txBody>
       </p:sp>
@@ -1106,98 +1101,6 @@
             <a:fld id="{F337A9D5-A264-4B80-8400-78E45D6652AF}" type="slidenum">
               <a:rPr lang="en-US" smtClean="0"/>
               <a:t>36</a:t>
-            </a:fld>
-            <a:endParaRPr lang="en-US"/>
-          </a:p>
-        </p:txBody>
-      </p:sp>
-    </p:spTree>
-    <p:extLst>
-      <p:ext uri="{BB962C8B-B14F-4D97-AF65-F5344CB8AC3E}">
-        <p14:creationId xmlns:p14="http://schemas.microsoft.com/office/powerpoint/2010/main" val="440639226"/>
-      </p:ext>
-    </p:extLst>
-  </p:cSld>
-  <p:clrMapOvr>
-    <a:masterClrMapping/>
-  </p:clrMapOvr>
-</p:notes>
-</file>
-
-<file path=ppt/notesSlides/notesSlide7.xml><?xml version="1.0" encoding="utf-8"?>
-<p:notes xmlns:a="http://schemas.openxmlformats.org/drawingml/2006/main" xmlns:r="http://schemas.openxmlformats.org/officeDocument/2006/relationships" xmlns:p="http://schemas.openxmlformats.org/presentationml/2006/main">
-  <p:cSld>
-    <p:spTree>
-      <p:nvGrpSpPr>
-        <p:cNvPr id="1" name=""/>
-        <p:cNvGrpSpPr/>
-        <p:nvPr/>
-      </p:nvGrpSpPr>
-      <p:grpSpPr>
-        <a:xfrm>
-          <a:off x="0" y="0"/>
-          <a:ext cx="0" cy="0"/>
-          <a:chOff x="0" y="0"/>
-          <a:chExt cx="0" cy="0"/>
-        </a:xfrm>
-      </p:grpSpPr>
-      <p:sp>
-        <p:nvSpPr>
-          <p:cNvPr id="2" name="Slide Image Placeholder 1"/>
-          <p:cNvSpPr>
-            <a:spLocks noGrp="1" noRot="1" noChangeAspect="1"/>
-          </p:cNvSpPr>
-          <p:nvPr>
-            <p:ph type="sldImg"/>
-          </p:nvPr>
-        </p:nvSpPr>
-        <p:spPr/>
-      </p:sp>
-      <p:sp>
-        <p:nvSpPr>
-          <p:cNvPr id="3" name="Notes Placeholder 2"/>
-          <p:cNvSpPr>
-            <a:spLocks noGrp="1"/>
-          </p:cNvSpPr>
-          <p:nvPr>
-            <p:ph type="body" idx="1"/>
-          </p:nvPr>
-        </p:nvSpPr>
-        <p:spPr/>
-        <p:txBody>
-          <a:bodyPr/>
-          <a:lstStyle/>
-          <a:p>
-            <a:r>
-              <a:rPr lang="en-CA" dirty="0"/>
-              <a:t>Reduced proportion of customer groups of size 5 who abandoned by roughly 13%</a:t>
-            </a:r>
-            <a:r>
-              <a:rPr lang="en-US" dirty="0"/>
-              <a:t> at a relatively small cost of losing 1.5% more of customer groups of size 3. The rest remains more or less the same.</a:t>
-            </a:r>
-            <a:endParaRPr lang="en-CA" dirty="0"/>
-          </a:p>
-        </p:txBody>
-      </p:sp>
-      <p:sp>
-        <p:nvSpPr>
-          <p:cNvPr id="4" name="Slide Number Placeholder 3"/>
-          <p:cNvSpPr>
-            <a:spLocks noGrp="1"/>
-          </p:cNvSpPr>
-          <p:nvPr>
-            <p:ph type="sldNum" sz="quarter" idx="5"/>
-          </p:nvPr>
-        </p:nvSpPr>
-        <p:spPr/>
-        <p:txBody>
-          <a:bodyPr/>
-          <a:lstStyle/>
-          <a:p>
-            <a:fld id="{F337A9D5-A264-4B80-8400-78E45D6652AF}" type="slidenum">
-              <a:rPr lang="en-US" smtClean="0"/>
-              <a:t>37</a:t>
             </a:fld>
             <a:endParaRPr lang="en-US"/>
           </a:p>
@@ -7017,8 +6920,8 @@
           <a:chExt cx="0" cy="0"/>
         </a:xfrm>
       </p:grpSpPr>
-      <mc:AlternateContent xmlns:mc="http://schemas.openxmlformats.org/markup-compatibility/2006">
-        <mc:Choice xmlns:a14="http://schemas.microsoft.com/office/drawing/2010/main" Requires="a14">
+      <mc:AlternateContent xmlns:mc="http://schemas.openxmlformats.org/markup-compatibility/2006" xmlns:a14="http://schemas.microsoft.com/office/drawing/2010/main">
+        <mc:Choice Requires="a14">
           <p:sp>
             <p:nvSpPr>
               <p:cNvPr id="3" name="Content Placeholder 2">
@@ -7341,7 +7244,7 @@
             </p:txBody>
           </p:sp>
         </mc:Choice>
-        <mc:Fallback>
+        <mc:Fallback xmlns="">
           <p:sp>
             <p:nvSpPr>
               <p:cNvPr id="3" name="Content Placeholder 2">
@@ -7933,8 +7836,8 @@
           <a:chExt cx="0" cy="0"/>
         </a:xfrm>
       </p:grpSpPr>
-      <mc:AlternateContent xmlns:mc="http://schemas.openxmlformats.org/markup-compatibility/2006">
-        <mc:Choice xmlns:a14="http://schemas.microsoft.com/office/drawing/2010/main" Requires="a14">
+      <mc:AlternateContent xmlns:mc="http://schemas.openxmlformats.org/markup-compatibility/2006" xmlns:a14="http://schemas.microsoft.com/office/drawing/2010/main">
+        <mc:Choice Requires="a14">
           <p:sp>
             <p:nvSpPr>
               <p:cNvPr id="3" name="Content Placeholder 2">
@@ -8022,11 +7925,15 @@
                 <a14:m>
                   <m:oMath xmlns:m="http://schemas.openxmlformats.org/officeDocument/2006/math">
                     <m:r>
-                      <a:rPr lang="en-US" sz="2000"/>
+                      <a:rPr lang="en-US" sz="2000">
+                        <a:latin typeface="Cambria Math" panose="02040503050406030204" pitchFamily="18" charset="0"/>
+                      </a:rPr>
                       <m:t>𝑛</m:t>
                     </m:r>
                     <m:r>
-                      <a:rPr lang="en-US" sz="2000"/>
+                      <a:rPr lang="en-US" sz="2000">
+                        <a:latin typeface="Cambria Math" panose="02040503050406030204" pitchFamily="18" charset="0"/>
+                      </a:rPr>
                       <m:t>=</m:t>
                     </m:r>
                     <m:d>
@@ -8034,12 +7941,16 @@
                         <m:begChr m:val="{"/>
                         <m:endChr m:val="}"/>
                         <m:ctrlPr>
-                          <a:rPr lang="en-US" sz="2000"/>
+                          <a:rPr lang="en-US" sz="2000" i="1">
+                            <a:latin typeface="Cambria Math" panose="02040503050406030204" pitchFamily="18" charset="0"/>
+                          </a:rPr>
                         </m:ctrlPr>
                       </m:dPr>
                       <m:e>
                         <m:r>
-                          <a:rPr lang="en-US" sz="2000"/>
+                          <a:rPr lang="en-US" sz="2000">
+                            <a:latin typeface="Cambria Math" panose="02040503050406030204" pitchFamily="18" charset="0"/>
+                          </a:rPr>
                           <m:t>1,2</m:t>
                         </m:r>
                       </m:e>
@@ -8203,7 +8114,7 @@
             </p:txBody>
           </p:sp>
         </mc:Choice>
-        <mc:Fallback>
+        <mc:Fallback xmlns="">
           <p:sp>
             <p:nvSpPr>
               <p:cNvPr id="3" name="Content Placeholder 2">
@@ -11706,8 +11617,8 @@
           <a:chExt cx="0" cy="0"/>
         </a:xfrm>
       </p:grpSpPr>
-      <mc:AlternateContent xmlns:mc="http://schemas.openxmlformats.org/markup-compatibility/2006">
-        <mc:Choice xmlns:a14="http://schemas.microsoft.com/office/drawing/2010/main" Requires="a14">
+      <mc:AlternateContent xmlns:mc="http://schemas.openxmlformats.org/markup-compatibility/2006" xmlns:a14="http://schemas.microsoft.com/office/drawing/2010/main">
+        <mc:Choice Requires="a14">
           <p:sp>
             <p:nvSpPr>
               <p:cNvPr id="3" name="Content Placeholder 2">
@@ -11795,11 +11706,15 @@
                 <a14:m>
                   <m:oMath xmlns:m="http://schemas.openxmlformats.org/officeDocument/2006/math">
                     <m:r>
-                      <a:rPr lang="en-US" sz="2000"/>
+                      <a:rPr lang="en-US" sz="2000">
+                        <a:latin typeface="Cambria Math" panose="02040503050406030204" pitchFamily="18" charset="0"/>
+                      </a:rPr>
                       <m:t>𝑛</m:t>
                     </m:r>
                     <m:r>
-                      <a:rPr lang="en-US" sz="2000"/>
+                      <a:rPr lang="en-US" sz="2000">
+                        <a:latin typeface="Cambria Math" panose="02040503050406030204" pitchFamily="18" charset="0"/>
+                      </a:rPr>
                       <m:t>=</m:t>
                     </m:r>
                     <m:d>
@@ -11807,12 +11722,16 @@
                         <m:begChr m:val="{"/>
                         <m:endChr m:val="}"/>
                         <m:ctrlPr>
-                          <a:rPr lang="en-US" sz="2000"/>
+                          <a:rPr lang="en-US" sz="2000" i="1">
+                            <a:latin typeface="Cambria Math" panose="02040503050406030204" pitchFamily="18" charset="0"/>
+                          </a:rPr>
                         </m:ctrlPr>
                       </m:dPr>
                       <m:e>
                         <m:r>
-                          <a:rPr lang="en-US" sz="2000"/>
+                          <a:rPr lang="en-US" sz="2000">
+                            <a:latin typeface="Cambria Math" panose="02040503050406030204" pitchFamily="18" charset="0"/>
+                          </a:rPr>
                           <m:t>1,2</m:t>
                         </m:r>
                       </m:e>
@@ -11976,7 +11895,7 @@
             </p:txBody>
           </p:sp>
         </mc:Choice>
-        <mc:Fallback>
+        <mc:Fallback xmlns="">
           <p:sp>
             <p:nvSpPr>
               <p:cNvPr id="3" name="Content Placeholder 2">
@@ -15576,8 +15495,8 @@
             </p:nvSpPr>
             <p:spPr>
               <a:xfrm>
-                <a:off x="838199" y="1432560"/>
-                <a:ext cx="5572125" cy="4744403"/>
+                <a:off x="523239" y="1361440"/>
+                <a:ext cx="5298441" cy="4744403"/>
               </a:xfrm>
             </p:spPr>
             <p:txBody>
@@ -15587,8 +15506,12 @@
               <a:lstStyle/>
               <a:p>
                 <a:r>
+                  <a:rPr lang="en-CA" sz="2400" b="1" dirty="0"/>
+                  <a:t>Neighborhood structures</a:t>
+                </a:r>
+                <a:r>
                   <a:rPr lang="en-CA" sz="2400" dirty="0"/>
-                  <a:t>Neighborhood structures:</a:t>
+                  <a:t>:</a:t>
                 </a:r>
               </a:p>
               <a:p>
@@ -15706,7 +15629,7 @@
                   <a:rPr lang="en-US" sz="1600" dirty="0">
                     <a:sym typeface="Wingdings" panose="05000000000000000000" pitchFamily="2" charset="2"/>
                   </a:rPr>
-                  <a:t></a:t>
+                  <a:t> 1;2</a:t>
                 </a:r>
                 <a:endParaRPr lang="en-US" sz="1600" dirty="0"/>
               </a:p>
@@ -15720,7 +15643,7 @@
                   <a:rPr lang="en-US" sz="1600" dirty="0">
                     <a:sym typeface="Wingdings" panose="05000000000000000000" pitchFamily="2" charset="2"/>
                   </a:rPr>
-                  <a:t></a:t>
+                  <a:t>3;4</a:t>
                 </a:r>
                 <a:endParaRPr lang="en-US" sz="2000" dirty="0">
                   <a:sym typeface="Wingdings" panose="05000000000000000000" pitchFamily="2" charset="2"/>
@@ -15734,33 +15657,18 @@
                   </a:rPr>
                   <a:t>Alternatives</a:t>
                 </a:r>
+                <a:endParaRPr lang="en-US" sz="1600" dirty="0">
+                  <a:sym typeface="Wingdings" panose="05000000000000000000" pitchFamily="2" charset="2"/>
+                </a:endParaRPr>
               </a:p>
               <a:p>
                 <a:pPr lvl="2"/>
-                <a:r>
-                  <a:rPr lang="en-US" sz="1600" dirty="0">
-                    <a:sym typeface="Wingdings" panose="05000000000000000000" pitchFamily="2" charset="2"/>
-                  </a:rPr>
-                  <a:t> </a:t>
-                </a:r>
                 <a14:m>
                   <m:oMath xmlns:m="http://schemas.openxmlformats.org/officeDocument/2006/math">
-                    <m:r>
-                      <a:rPr lang="en-US" sz="1600" i="1" smtClean="0">
-                        <a:solidFill>
-                          <a:srgbClr val="FF0000"/>
-                        </a:solidFill>
-                        <a:latin typeface="Cambria Math" panose="02040503050406030204" pitchFamily="18" charset="0"/>
-                      </a:rPr>
-                      <m:t>𝑑𝑒𝑚𝑎𝑛</m:t>
-                    </m:r>
                     <m:sSub>
                       <m:sSubPr>
                         <m:ctrlPr>
                           <a:rPr lang="en-US" sz="1600" i="1">
-                            <a:solidFill>
-                              <a:srgbClr val="FF0000"/>
-                            </a:solidFill>
                             <a:latin typeface="Cambria Math" panose="02040503050406030204" pitchFamily="18" charset="0"/>
                           </a:rPr>
                         </m:ctrlPr>
@@ -15768,83 +15676,6 @@
                       <m:e>
                         <m:r>
                           <a:rPr lang="en-US" sz="1600" i="1">
-                            <a:solidFill>
-                              <a:srgbClr val="FF0000"/>
-                            </a:solidFill>
-                            <a:latin typeface="Cambria Math" panose="02040503050406030204" pitchFamily="18" charset="0"/>
-                          </a:rPr>
-                          <m:t>𝑑</m:t>
-                        </m:r>
-                      </m:e>
-                      <m:sub>
-                        <m:r>
-                          <a:rPr lang="en-US" sz="1600" i="1">
-                            <a:solidFill>
-                              <a:srgbClr val="FF0000"/>
-                            </a:solidFill>
-                            <a:latin typeface="Cambria Math" panose="02040503050406030204" pitchFamily="18" charset="0"/>
-                          </a:rPr>
-                          <m:t>𝑝𝑒𝑎𝑘</m:t>
-                        </m:r>
-                        <m:r>
-                          <a:rPr lang="en-US" sz="1600" i="1">
-                            <a:solidFill>
-                              <a:srgbClr val="FF0000"/>
-                            </a:solidFill>
-                            <a:latin typeface="Cambria Math" panose="02040503050406030204" pitchFamily="18" charset="0"/>
-                          </a:rPr>
-                          <m:t>−</m:t>
-                        </m:r>
-                        <m:r>
-                          <a:rPr lang="en-US" sz="1600" i="1">
-                            <a:solidFill>
-                              <a:srgbClr val="FF0000"/>
-                            </a:solidFill>
-                            <a:latin typeface="Cambria Math" panose="02040503050406030204" pitchFamily="18" charset="0"/>
-                          </a:rPr>
-                          <m:t>h𝑜𝑢𝑟</m:t>
-                        </m:r>
-                      </m:sub>
-                    </m:sSub>
-                    <m:r>
-                      <a:rPr lang="en-US" sz="1600" i="1">
-                        <a:solidFill>
-                          <a:srgbClr val="FF0000"/>
-                        </a:solidFill>
-                        <a:latin typeface="Cambria Math" panose="02040503050406030204" pitchFamily="18" charset="0"/>
-                      </a:rPr>
-                      <m:t> </m:t>
-                    </m:r>
-                  </m:oMath>
-                </a14:m>
-                <a:r>
-                  <a:rPr lang="en-US" sz="1600" dirty="0">
-                    <a:solidFill>
-                      <a:srgbClr val="FF0000"/>
-                    </a:solidFill>
-                    <a:sym typeface="Wingdings" panose="05000000000000000000" pitchFamily="2" charset="2"/>
-                  </a:rPr>
-                  <a:t>= rest. service rate  </a:t>
-                </a:r>
-                <a14:m>
-                  <m:oMath xmlns:m="http://schemas.openxmlformats.org/officeDocument/2006/math">
-                    <m:sSub>
-                      <m:sSubPr>
-                        <m:ctrlPr>
-                          <a:rPr lang="en-US" sz="1600" i="1">
-                            <a:solidFill>
-                              <a:srgbClr val="FF0000"/>
-                            </a:solidFill>
-                            <a:latin typeface="Cambria Math" panose="02040503050406030204" pitchFamily="18" charset="0"/>
-                          </a:rPr>
-                        </m:ctrlPr>
-                      </m:sSubPr>
-                      <m:e>
-                        <m:r>
-                          <a:rPr lang="en-US" sz="1600" i="1">
-                            <a:solidFill>
-                              <a:srgbClr val="FF0000"/>
-                            </a:solidFill>
                             <a:latin typeface="Cambria Math" panose="02040503050406030204" pitchFamily="18" charset="0"/>
                           </a:rPr>
                           <m:t>𝑛</m:t>
@@ -15853,49 +15684,6 @@
                       <m:sub>
                         <m:r>
                           <a:rPr lang="en-US" sz="1600" i="1">
-                            <a:solidFill>
-                              <a:srgbClr val="FF0000"/>
-                            </a:solidFill>
-                            <a:latin typeface="Cambria Math" panose="02040503050406030204" pitchFamily="18" charset="0"/>
-                          </a:rPr>
-                          <m:t>𝑠𝑒𝑎𝑡𝑠</m:t>
-                        </m:r>
-                      </m:sub>
-                    </m:sSub>
-                  </m:oMath>
-                </a14:m>
-                <a:endParaRPr lang="en-US" sz="1600" dirty="0"/>
-              </a:p>
-              <a:p>
-                <a:pPr lvl="2"/>
-                <a:endParaRPr lang="en-US" sz="200" dirty="0"/>
-              </a:p>
-              <a:p>
-                <a:pPr lvl="3">
-                  <a:buFont typeface="Wingdings" panose="05000000000000000000" pitchFamily="2" charset="2"/>
-                  <a:buChar char="Ø"/>
-                </a:pPr>
-                <a14:m>
-                  <m:oMath xmlns:m="http://schemas.openxmlformats.org/officeDocument/2006/math">
-                    <m:sSub>
-                      <m:sSubPr>
-                        <m:ctrlPr>
-                          <a:rPr lang="en-US" sz="1400" i="1">
-                            <a:latin typeface="Cambria Math" panose="02040503050406030204" pitchFamily="18" charset="0"/>
-                          </a:rPr>
-                        </m:ctrlPr>
-                      </m:sSubPr>
-                      <m:e>
-                        <m:r>
-                          <a:rPr lang="en-US" sz="1400" i="1">
-                            <a:latin typeface="Cambria Math" panose="02040503050406030204" pitchFamily="18" charset="0"/>
-                          </a:rPr>
-                          <m:t>𝑛</m:t>
-                        </m:r>
-                      </m:e>
-                      <m:sub>
-                        <m:r>
-                          <a:rPr lang="en-US" sz="1400" i="1">
                             <a:latin typeface="Cambria Math" panose="02040503050406030204" pitchFamily="18" charset="0"/>
                           </a:rPr>
                           <m:t>𝑠𝑒𝑎𝑡𝑠</m:t>
@@ -15903,13 +15691,13 @@
                       </m:sub>
                     </m:sSub>
                     <m:r>
-                      <a:rPr lang="en-US" sz="1400" b="0" i="1" smtClean="0">
+                      <a:rPr lang="en-US" sz="1600" b="0" i="1" smtClean="0">
                         <a:latin typeface="Cambria Math" panose="02040503050406030204" pitchFamily="18" charset="0"/>
                       </a:rPr>
                       <m:t>=</m:t>
                     </m:r>
                     <m:r>
-                      <a:rPr lang="en-US" sz="1400" b="0" i="1" smtClean="0">
+                      <a:rPr lang="en-US" sz="1600" b="0" i="1" smtClean="0">
                         <a:latin typeface="Cambria Math" panose="02040503050406030204" pitchFamily="18" charset="0"/>
                       </a:rPr>
                       <m:t>𝑑𝑒𝑚𝑎𝑛</m:t>
@@ -15917,14 +15705,14 @@
                     <m:sSub>
                       <m:sSubPr>
                         <m:ctrlPr>
-                          <a:rPr lang="en-US" sz="1400" b="0" i="1" smtClean="0">
+                          <a:rPr lang="en-US" sz="1600" b="0" i="1" smtClean="0">
                             <a:latin typeface="Cambria Math" panose="02040503050406030204" pitchFamily="18" charset="0"/>
                           </a:rPr>
                         </m:ctrlPr>
                       </m:sSubPr>
                       <m:e>
                         <m:r>
-                          <a:rPr lang="en-US" sz="1400" b="0" i="1" smtClean="0">
+                          <a:rPr lang="en-US" sz="1600" b="0" i="1" smtClean="0">
                             <a:latin typeface="Cambria Math" panose="02040503050406030204" pitchFamily="18" charset="0"/>
                           </a:rPr>
                           <m:t>𝑑</m:t>
@@ -15932,19 +15720,19 @@
                       </m:e>
                       <m:sub>
                         <m:r>
-                          <a:rPr lang="en-US" sz="1400" b="0" i="1" smtClean="0">
+                          <a:rPr lang="en-US" sz="1600" b="0" i="1" smtClean="0">
                             <a:latin typeface="Cambria Math" panose="02040503050406030204" pitchFamily="18" charset="0"/>
                           </a:rPr>
                           <m:t>𝑝𝑒𝑎𝑘</m:t>
                         </m:r>
                         <m:r>
-                          <a:rPr lang="en-US" sz="1400" b="0" i="1" smtClean="0">
+                          <a:rPr lang="en-US" sz="1600" b="0" i="1" smtClean="0">
                             <a:latin typeface="Cambria Math" panose="02040503050406030204" pitchFamily="18" charset="0"/>
                           </a:rPr>
                           <m:t>−</m:t>
                         </m:r>
                         <m:r>
-                          <a:rPr lang="en-US" sz="1400" b="0" i="1" smtClean="0">
+                          <a:rPr lang="en-US" sz="1600" b="0" i="1" smtClean="0">
                             <a:latin typeface="Cambria Math" panose="02040503050406030204" pitchFamily="18" charset="0"/>
                           </a:rPr>
                           <m:t>h𝑜𝑢𝑟</m:t>
@@ -15952,7 +15740,7 @@
                       </m:sub>
                     </m:sSub>
                     <m:r>
-                      <a:rPr lang="en-US" sz="1400" b="0" i="1" smtClean="0">
+                      <a:rPr lang="en-US" sz="1600" b="0" i="1" smtClean="0">
                         <a:latin typeface="Cambria Math" panose="02040503050406030204" pitchFamily="18" charset="0"/>
                         <a:ea typeface="Cambria Math" panose="02040503050406030204" pitchFamily="18" charset="0"/>
                       </a:rPr>
@@ -15962,7 +15750,7 @@
                       <m:accPr>
                         <m:chr m:val="̅"/>
                         <m:ctrlPr>
-                          <a:rPr lang="en-US" sz="1400" b="0" i="1" smtClean="0">
+                          <a:rPr lang="en-US" sz="1600" b="0" i="1" smtClean="0">
                             <a:latin typeface="Cambria Math" panose="02040503050406030204" pitchFamily="18" charset="0"/>
                             <a:ea typeface="Cambria Math" panose="02040503050406030204" pitchFamily="18" charset="0"/>
                           </a:rPr>
@@ -15970,21 +15758,21 @@
                       </m:accPr>
                       <m:e>
                         <m:r>
-                          <a:rPr lang="en-US" sz="1400" i="1">
+                          <a:rPr lang="en-US" sz="1600" i="1">
                             <a:latin typeface="Cambria Math" panose="02040503050406030204" pitchFamily="18" charset="0"/>
                             <a:ea typeface="Cambria Math" panose="02040503050406030204" pitchFamily="18" charset="0"/>
                           </a:rPr>
                           <m:t>𝑑𝑖𝑛𝑖𝑛𝑔</m:t>
                         </m:r>
                         <m:r>
-                          <a:rPr lang="en-US" sz="1400" i="1">
+                          <a:rPr lang="en-US" sz="1600" i="1">
                             <a:latin typeface="Cambria Math" panose="02040503050406030204" pitchFamily="18" charset="0"/>
                             <a:ea typeface="Cambria Math" panose="02040503050406030204" pitchFamily="18" charset="0"/>
                           </a:rPr>
                           <m:t> </m:t>
                         </m:r>
                         <m:r>
-                          <a:rPr lang="en-US" sz="1400" i="1">
+                          <a:rPr lang="en-US" sz="1600" i="1">
                             <a:latin typeface="Cambria Math" panose="02040503050406030204" pitchFamily="18" charset="0"/>
                             <a:ea typeface="Cambria Math" panose="02040503050406030204" pitchFamily="18" charset="0"/>
                           </a:rPr>
@@ -15994,14 +15782,14 @@
                           <m:rPr>
                             <m:nor/>
                           </m:rPr>
-                          <a:rPr lang="en-US" sz="2000" dirty="0"/>
+                          <a:rPr lang="en-US" sz="1600" dirty="0"/>
                           <m:t> </m:t>
                         </m:r>
                       </m:e>
                     </m:acc>
                   </m:oMath>
                 </a14:m>
-                <a:endParaRPr lang="en-US" sz="2000" dirty="0"/>
+                <a:endParaRPr lang="en-US" sz="1600" dirty="0"/>
               </a:p>
               <a:p>
                 <a:pPr lvl="1"/>
@@ -16035,13 +15823,13 @@
             </p:nvSpPr>
             <p:spPr>
               <a:xfrm>
-                <a:off x="838199" y="1432560"/>
-                <a:ext cx="5572125" cy="4744403"/>
+                <a:off x="523239" y="1361440"/>
+                <a:ext cx="5298441" cy="4744403"/>
               </a:xfrm>
               <a:blipFill>
                 <a:blip r:embed="rId3"/>
                 <a:stretch>
-                  <a:fillRect l="-1421" t="-1799" b="-3470"/>
+                  <a:fillRect l="-1611" t="-1797"/>
                 </a:stretch>
               </a:blipFill>
             </p:spPr>
@@ -16211,10 +15999,10 @@
       </p:sp>
       <p:pic>
         <p:nvPicPr>
-          <p:cNvPr id="11" name="Picture 10">
+          <p:cNvPr id="4" name="Picture 3">
             <a:extLst>
               <a:ext uri="{FF2B5EF4-FFF2-40B4-BE49-F238E27FC236}">
-                <a16:creationId xmlns:a16="http://schemas.microsoft.com/office/drawing/2014/main" id="{2D99D3C4-7FAA-42CA-9347-0359CD771D58}"/>
+                <a16:creationId xmlns:a16="http://schemas.microsoft.com/office/drawing/2014/main" id="{A9DE98E2-0058-4D0C-B6A6-9EDDF1D0B898}"/>
               </a:ext>
             </a:extLst>
           </p:cNvPr>
@@ -16223,22 +16011,433 @@
           </p:cNvPicPr>
           <p:nvPr/>
         </p:nvPicPr>
-        <p:blipFill>
-          <a:blip r:embed="rId5"/>
-          <a:stretch>
-            <a:fillRect/>
-          </a:stretch>
+        <p:blipFill rotWithShape="1">
+          <a:blip r:embed="rId5">
+            <a:extLst>
+              <a:ext uri="{28A0092B-C50C-407E-A947-70E740481C1C}">
+                <a14:useLocalDpi xmlns:a14="http://schemas.microsoft.com/office/drawing/2010/main" val="0"/>
+              </a:ext>
+            </a:extLst>
+          </a:blip>
+          <a:srcRect l="3329"/>
+          <a:stretch/>
         </p:blipFill>
         <p:spPr>
           <a:xfrm>
-            <a:off x="7084218" y="3047999"/>
-            <a:ext cx="4614863" cy="2543175"/>
+            <a:off x="5415280" y="1229360"/>
+            <a:ext cx="6784340" cy="5263515"/>
           </a:xfrm>
           <a:prstGeom prst="rect">
             <a:avLst/>
           </a:prstGeom>
         </p:spPr>
       </p:pic>
+      <mc:AlternateContent xmlns:mc="http://schemas.openxmlformats.org/markup-compatibility/2006">
+        <mc:Choice xmlns:a14="http://schemas.microsoft.com/office/drawing/2010/main" Requires="a14">
+          <p:sp>
+            <p:nvSpPr>
+              <p:cNvPr id="6" name="Rectangle 5">
+                <a:extLst>
+                  <a:ext uri="{FF2B5EF4-FFF2-40B4-BE49-F238E27FC236}">
+                    <a16:creationId xmlns:a16="http://schemas.microsoft.com/office/drawing/2014/main" id="{AB4FD2DB-4F1F-4AAE-B971-14E72B64212A}"/>
+                  </a:ext>
+                </a:extLst>
+              </p:cNvPr>
+              <p:cNvSpPr/>
+              <p:nvPr/>
+            </p:nvSpPr>
+            <p:spPr>
+              <a:xfrm>
+                <a:off x="10356751" y="1025680"/>
+                <a:ext cx="1760418" cy="369332"/>
+              </a:xfrm>
+              <a:prstGeom prst="rect">
+                <a:avLst/>
+              </a:prstGeom>
+            </p:spPr>
+            <p:txBody>
+              <a:bodyPr wrap="none">
+                <a:spAutoFit/>
+              </a:bodyPr>
+              <a:lstStyle/>
+              <a:p>
+                <a14:m>
+                  <m:oMath xmlns:m="http://schemas.openxmlformats.org/officeDocument/2006/math">
+                    <m:r>
+                      <a:rPr lang="en-US" b="1" i="1" smtClean="0">
+                        <a:latin typeface="Cambria Math" panose="02040503050406030204" pitchFamily="18" charset="0"/>
+                      </a:rPr>
+                      <m:t>[</m:t>
+                    </m:r>
+                    <m:r>
+                      <a:rPr lang="en-US" b="1" i="1" smtClean="0">
+                        <a:latin typeface="Cambria Math" panose="02040503050406030204" pitchFamily="18" charset="0"/>
+                      </a:rPr>
+                      <m:t>𝟐𝟏</m:t>
+                    </m:r>
+                    <m:r>
+                      <a:rPr lang="en-US" b="1" i="1">
+                        <a:latin typeface="Cambria Math" panose="02040503050406030204" pitchFamily="18" charset="0"/>
+                      </a:rPr>
+                      <m:t>, </m:t>
+                    </m:r>
+                    <m:r>
+                      <a:rPr lang="en-US" b="1" i="1" smtClean="0">
+                        <a:latin typeface="Cambria Math" panose="02040503050406030204" pitchFamily="18" charset="0"/>
+                      </a:rPr>
+                      <m:t>𝟏𝟑</m:t>
+                    </m:r>
+                    <m:r>
+                      <a:rPr lang="en-US" b="1" i="1">
+                        <a:latin typeface="Cambria Math" panose="02040503050406030204" pitchFamily="18" charset="0"/>
+                      </a:rPr>
+                      <m:t>, </m:t>
+                    </m:r>
+                    <m:r>
+                      <a:rPr lang="en-US" b="1" i="1" smtClean="0">
+                        <a:latin typeface="Cambria Math" panose="02040503050406030204" pitchFamily="18" charset="0"/>
+                      </a:rPr>
+                      <m:t>𝟏𝟏</m:t>
+                    </m:r>
+                    <m:r>
+                      <a:rPr lang="en-US" b="1" i="1" smtClean="0">
+                        <a:latin typeface="Cambria Math" panose="02040503050406030204" pitchFamily="18" charset="0"/>
+                      </a:rPr>
+                      <m:t>,</m:t>
+                    </m:r>
+                    <m:r>
+                      <a:rPr lang="en-US" b="1" i="1" smtClean="0">
+                        <a:latin typeface="Cambria Math" panose="02040503050406030204" pitchFamily="18" charset="0"/>
+                      </a:rPr>
+                      <m:t>𝟏𝟓</m:t>
+                    </m:r>
+                    <m:r>
+                      <a:rPr lang="en-US" b="1" i="1">
+                        <a:latin typeface="Cambria Math" panose="02040503050406030204" pitchFamily="18" charset="0"/>
+                      </a:rPr>
+                      <m:t>]</m:t>
+                    </m:r>
+                  </m:oMath>
+                </a14:m>
+                <a:r>
+                  <a:rPr lang="en-US" b="1" dirty="0"/>
+                  <a:t> </a:t>
+                </a:r>
+                <a:endParaRPr lang="en-CH" dirty="0"/>
+              </a:p>
+            </p:txBody>
+          </p:sp>
+        </mc:Choice>
+        <mc:Fallback>
+          <p:sp>
+            <p:nvSpPr>
+              <p:cNvPr id="6" name="Rectangle 5">
+                <a:extLst>
+                  <a:ext uri="{FF2B5EF4-FFF2-40B4-BE49-F238E27FC236}">
+                    <a16:creationId xmlns:a16="http://schemas.microsoft.com/office/drawing/2014/main" id="{AB4FD2DB-4F1F-4AAE-B971-14E72B64212A}"/>
+                  </a:ext>
+                </a:extLst>
+              </p:cNvPr>
+              <p:cNvSpPr>
+                <a:spLocks noRot="1" noChangeAspect="1" noMove="1" noResize="1" noEditPoints="1" noAdjustHandles="1" noChangeArrowheads="1" noChangeShapeType="1" noTextEdit="1"/>
+              </p:cNvSpPr>
+              <p:nvPr/>
+            </p:nvSpPr>
+            <p:spPr>
+              <a:xfrm>
+                <a:off x="10356751" y="1025680"/>
+                <a:ext cx="1760418" cy="369332"/>
+              </a:xfrm>
+              <a:prstGeom prst="rect">
+                <a:avLst/>
+              </a:prstGeom>
+              <a:blipFill>
+                <a:blip r:embed="rId6"/>
+                <a:stretch>
+                  <a:fillRect l="-1384" b="-14754"/>
+                </a:stretch>
+              </a:blipFill>
+            </p:spPr>
+            <p:txBody>
+              <a:bodyPr/>
+              <a:lstStyle/>
+              <a:p>
+                <a:r>
+                  <a:rPr lang="en-CH">
+                    <a:noFill/>
+                  </a:rPr>
+                  <a:t> </a:t>
+                </a:r>
+              </a:p>
+            </p:txBody>
+          </p:sp>
+        </mc:Fallback>
+      </mc:AlternateContent>
+      <mc:AlternateContent xmlns:mc="http://schemas.openxmlformats.org/markup-compatibility/2006">
+        <mc:Choice xmlns:a14="http://schemas.microsoft.com/office/drawing/2010/main" Requires="a14">
+          <p:sp>
+            <p:nvSpPr>
+              <p:cNvPr id="12" name="Rectangle 11">
+                <a:extLst>
+                  <a:ext uri="{FF2B5EF4-FFF2-40B4-BE49-F238E27FC236}">
+                    <a16:creationId xmlns:a16="http://schemas.microsoft.com/office/drawing/2014/main" id="{17A745B4-5231-4369-A57B-110807296F72}"/>
+                  </a:ext>
+                </a:extLst>
+              </p:cNvPr>
+              <p:cNvSpPr/>
+              <p:nvPr/>
+            </p:nvSpPr>
+            <p:spPr>
+              <a:xfrm>
+                <a:off x="5429153" y="6295947"/>
+                <a:ext cx="1760418" cy="369332"/>
+              </a:xfrm>
+              <a:prstGeom prst="rect">
+                <a:avLst/>
+              </a:prstGeom>
+            </p:spPr>
+            <p:txBody>
+              <a:bodyPr wrap="none">
+                <a:spAutoFit/>
+              </a:bodyPr>
+              <a:lstStyle/>
+              <a:p>
+                <a14:m>
+                  <m:oMath xmlns:m="http://schemas.openxmlformats.org/officeDocument/2006/math">
+                    <m:r>
+                      <a:rPr lang="en-US" b="1" i="1" smtClean="0">
+                        <a:latin typeface="Cambria Math" panose="02040503050406030204" pitchFamily="18" charset="0"/>
+                      </a:rPr>
+                      <m:t>[</m:t>
+                    </m:r>
+                    <m:r>
+                      <a:rPr lang="en-US" b="1" i="1" smtClean="0">
+                        <a:latin typeface="Cambria Math" panose="02040503050406030204" pitchFamily="18" charset="0"/>
+                      </a:rPr>
+                      <m:t>𝟒𝟔</m:t>
+                    </m:r>
+                    <m:r>
+                      <a:rPr lang="en-US" b="1" i="1">
+                        <a:latin typeface="Cambria Math" panose="02040503050406030204" pitchFamily="18" charset="0"/>
+                      </a:rPr>
+                      <m:t>, </m:t>
+                    </m:r>
+                    <m:r>
+                      <a:rPr lang="en-US" b="1" i="1" smtClean="0">
+                        <a:latin typeface="Cambria Math" panose="02040503050406030204" pitchFamily="18" charset="0"/>
+                      </a:rPr>
+                      <m:t>𝟐𝟓</m:t>
+                    </m:r>
+                    <m:r>
+                      <a:rPr lang="en-US" b="1" i="1">
+                        <a:latin typeface="Cambria Math" panose="02040503050406030204" pitchFamily="18" charset="0"/>
+                      </a:rPr>
+                      <m:t>, </m:t>
+                    </m:r>
+                    <m:r>
+                      <a:rPr lang="en-US" b="1" i="1" smtClean="0">
+                        <a:latin typeface="Cambria Math" panose="02040503050406030204" pitchFamily="18" charset="0"/>
+                      </a:rPr>
+                      <m:t>𝟏𝟕</m:t>
+                    </m:r>
+                    <m:r>
+                      <a:rPr lang="en-US" b="1" i="1" smtClean="0">
+                        <a:latin typeface="Cambria Math" panose="02040503050406030204" pitchFamily="18" charset="0"/>
+                      </a:rPr>
+                      <m:t>,</m:t>
+                    </m:r>
+                    <m:r>
+                      <a:rPr lang="en-US" b="1" i="1" smtClean="0">
+                        <a:latin typeface="Cambria Math" panose="02040503050406030204" pitchFamily="18" charset="0"/>
+                      </a:rPr>
+                      <m:t>𝟏𝟑</m:t>
+                    </m:r>
+                    <m:r>
+                      <a:rPr lang="en-US" b="1" i="1">
+                        <a:latin typeface="Cambria Math" panose="02040503050406030204" pitchFamily="18" charset="0"/>
+                      </a:rPr>
+                      <m:t>]</m:t>
+                    </m:r>
+                  </m:oMath>
+                </a14:m>
+                <a:r>
+                  <a:rPr lang="en-US" b="1" dirty="0"/>
+                  <a:t> </a:t>
+                </a:r>
+                <a:endParaRPr lang="en-CH" dirty="0"/>
+              </a:p>
+            </p:txBody>
+          </p:sp>
+        </mc:Choice>
+        <mc:Fallback>
+          <p:sp>
+            <p:nvSpPr>
+              <p:cNvPr id="12" name="Rectangle 11">
+                <a:extLst>
+                  <a:ext uri="{FF2B5EF4-FFF2-40B4-BE49-F238E27FC236}">
+                    <a16:creationId xmlns:a16="http://schemas.microsoft.com/office/drawing/2014/main" id="{17A745B4-5231-4369-A57B-110807296F72}"/>
+                  </a:ext>
+                </a:extLst>
+              </p:cNvPr>
+              <p:cNvSpPr>
+                <a:spLocks noRot="1" noChangeAspect="1" noMove="1" noResize="1" noEditPoints="1" noAdjustHandles="1" noChangeArrowheads="1" noChangeShapeType="1" noTextEdit="1"/>
+              </p:cNvSpPr>
+              <p:nvPr/>
+            </p:nvSpPr>
+            <p:spPr>
+              <a:xfrm>
+                <a:off x="5429153" y="6295947"/>
+                <a:ext cx="1760418" cy="369332"/>
+              </a:xfrm>
+              <a:prstGeom prst="rect">
+                <a:avLst/>
+              </a:prstGeom>
+              <a:blipFill>
+                <a:blip r:embed="rId7"/>
+                <a:stretch>
+                  <a:fillRect l="-1389" b="-16667"/>
+                </a:stretch>
+              </a:blipFill>
+            </p:spPr>
+            <p:txBody>
+              <a:bodyPr/>
+              <a:lstStyle/>
+              <a:p>
+                <a:r>
+                  <a:rPr lang="en-CH">
+                    <a:noFill/>
+                  </a:rPr>
+                  <a:t> </a:t>
+                </a:r>
+              </a:p>
+            </p:txBody>
+          </p:sp>
+        </mc:Fallback>
+      </mc:AlternateContent>
+      <p:cxnSp>
+        <p:nvCxnSpPr>
+          <p:cNvPr id="13" name="Straight Arrow Connector 12">
+            <a:extLst>
+              <a:ext uri="{FF2B5EF4-FFF2-40B4-BE49-F238E27FC236}">
+                <a16:creationId xmlns:a16="http://schemas.microsoft.com/office/drawing/2014/main" id="{AD96CE5E-F443-4AFD-97F5-ED84E5183906}"/>
+              </a:ext>
+            </a:extLst>
+          </p:cNvPr>
+          <p:cNvCxnSpPr>
+            <a:cxnSpLocks/>
+            <a:stCxn id="6" idx="2"/>
+          </p:cNvCxnSpPr>
+          <p:nvPr/>
+        </p:nvCxnSpPr>
+        <p:spPr>
+          <a:xfrm>
+            <a:off x="11236960" y="1395012"/>
+            <a:ext cx="243840" cy="474428"/>
+          </a:xfrm>
+          <a:prstGeom prst="straightConnector1">
+            <a:avLst/>
+          </a:prstGeom>
+          <a:ln>
+            <a:tailEnd type="triangle"/>
+          </a:ln>
+        </p:spPr>
+        <p:style>
+          <a:lnRef idx="3">
+            <a:schemeClr val="accent1"/>
+          </a:lnRef>
+          <a:fillRef idx="0">
+            <a:schemeClr val="accent1"/>
+          </a:fillRef>
+          <a:effectRef idx="2">
+            <a:schemeClr val="accent1"/>
+          </a:effectRef>
+          <a:fontRef idx="minor">
+            <a:schemeClr val="tx1"/>
+          </a:fontRef>
+        </p:style>
+      </p:cxnSp>
+      <p:cxnSp>
+        <p:nvCxnSpPr>
+          <p:cNvPr id="14" name="Straight Arrow Connector 13">
+            <a:extLst>
+              <a:ext uri="{FF2B5EF4-FFF2-40B4-BE49-F238E27FC236}">
+                <a16:creationId xmlns:a16="http://schemas.microsoft.com/office/drawing/2014/main" id="{C3E45ED4-D2A2-4FA8-8F48-CCE8DC92AD7A}"/>
+              </a:ext>
+            </a:extLst>
+          </p:cNvPr>
+          <p:cNvCxnSpPr>
+            <a:cxnSpLocks/>
+          </p:cNvCxnSpPr>
+          <p:nvPr/>
+        </p:nvCxnSpPr>
+        <p:spPr>
+          <a:xfrm flipH="1" flipV="1">
+            <a:off x="6136640" y="5730240"/>
+            <a:ext cx="152402" cy="528004"/>
+          </a:xfrm>
+          <a:prstGeom prst="straightConnector1">
+            <a:avLst/>
+          </a:prstGeom>
+          <a:ln>
+            <a:tailEnd type="triangle"/>
+          </a:ln>
+        </p:spPr>
+        <p:style>
+          <a:lnRef idx="3">
+            <a:schemeClr val="accent1"/>
+          </a:lnRef>
+          <a:fillRef idx="0">
+            <a:schemeClr val="accent1"/>
+          </a:fillRef>
+          <a:effectRef idx="2">
+            <a:schemeClr val="accent1"/>
+          </a:effectRef>
+          <a:fontRef idx="minor">
+            <a:schemeClr val="tx1"/>
+          </a:fontRef>
+        </p:style>
+      </p:cxnSp>
+      <p:cxnSp>
+        <p:nvCxnSpPr>
+          <p:cNvPr id="21" name="Straight Arrow Connector 20">
+            <a:extLst>
+              <a:ext uri="{FF2B5EF4-FFF2-40B4-BE49-F238E27FC236}">
+                <a16:creationId xmlns:a16="http://schemas.microsoft.com/office/drawing/2014/main" id="{FB2A0AAD-AA9B-471A-8C10-EE2184C7D092}"/>
+              </a:ext>
+            </a:extLst>
+          </p:cNvPr>
+          <p:cNvCxnSpPr>
+            <a:cxnSpLocks/>
+          </p:cNvCxnSpPr>
+          <p:nvPr/>
+        </p:nvCxnSpPr>
+        <p:spPr>
+          <a:xfrm>
+            <a:off x="3436219" y="4274151"/>
+            <a:ext cx="2385461" cy="0"/>
+          </a:xfrm>
+          <a:prstGeom prst="straightConnector1">
+            <a:avLst/>
+          </a:prstGeom>
+          <a:ln>
+            <a:tailEnd type="triangle"/>
+          </a:ln>
+        </p:spPr>
+        <p:style>
+          <a:lnRef idx="3">
+            <a:schemeClr val="dk1"/>
+          </a:lnRef>
+          <a:fillRef idx="0">
+            <a:schemeClr val="dk1"/>
+          </a:fillRef>
+          <a:effectRef idx="2">
+            <a:schemeClr val="dk1"/>
+          </a:effectRef>
+          <a:fontRef idx="minor">
+            <a:schemeClr val="tx1"/>
+          </a:fontRef>
+        </p:style>
+      </p:cxnSp>
     </p:spTree>
     <p:extLst>
       <p:ext uri="{BB962C8B-B14F-4D97-AF65-F5344CB8AC3E}">
@@ -16269,510 +16468,80 @@
           <a:chExt cx="0" cy="0"/>
         </a:xfrm>
       </p:grpSpPr>
-      <mc:AlternateContent xmlns:mc="http://schemas.openxmlformats.org/markup-compatibility/2006">
-        <mc:Choice xmlns:a14="http://schemas.microsoft.com/office/drawing/2010/main" Requires="a14">
-          <p:sp>
-            <p:nvSpPr>
-              <p:cNvPr id="3" name="Content Placeholder 2">
-                <a:extLst>
-                  <a:ext uri="{FF2B5EF4-FFF2-40B4-BE49-F238E27FC236}">
-                    <a16:creationId xmlns:a16="http://schemas.microsoft.com/office/drawing/2014/main" id="{2E5DAAB6-C87E-4C10-8DDC-15F41DB00A20}"/>
-                  </a:ext>
-                </a:extLst>
-              </p:cNvPr>
-              <p:cNvSpPr>
-                <a:spLocks noGrp="1"/>
-              </p:cNvSpPr>
-              <p:nvPr>
-                <p:ph idx="1"/>
-              </p:nvPr>
-            </p:nvSpPr>
-            <p:spPr>
-              <a:xfrm>
-                <a:off x="838199" y="1432560"/>
-                <a:ext cx="5572125" cy="4744403"/>
-              </a:xfrm>
-            </p:spPr>
-            <p:txBody>
-              <a:bodyPr>
-                <a:normAutofit/>
-              </a:bodyPr>
-              <a:lstStyle/>
-              <a:p>
-                <a:r>
-                  <a:rPr lang="en-CA" sz="2400" dirty="0"/>
-                  <a:t>Neighborhood structures:</a:t>
-                </a:r>
-              </a:p>
-              <a:p>
-                <a:pPr lvl="1"/>
-                <a:r>
-                  <a:rPr lang="en-CA" sz="2000" dirty="0"/>
-                  <a:t>Merge/Split &amp; Add/Remove</a:t>
-                </a:r>
-              </a:p>
-              <a:p>
-                <a:pPr lvl="1">
-                  <a:buFont typeface="Wingdings" panose="05000000000000000000" pitchFamily="2" charset="2"/>
-                  <a:buChar char="Ø"/>
-                </a:pPr>
-                <a:r>
-                  <a:rPr lang="en-CA" sz="2000" dirty="0"/>
-                  <a:t>When the neighborhood gets to large </a:t>
-                </a:r>
-                <a:br>
-                  <a:rPr lang="en-CA" sz="2000" dirty="0"/>
-                </a:br>
-                <a:r>
-                  <a:rPr lang="en-CA" sz="2000" dirty="0">
-                    <a:sym typeface="Wingdings" panose="05000000000000000000" pitchFamily="2" charset="2"/>
-                  </a:rPr>
-                  <a:t> limited search (max </a:t>
-                </a:r>
-                <a:r>
-                  <a:rPr lang="en-CA" sz="2000" i="1" dirty="0">
-                    <a:sym typeface="Wingdings" panose="05000000000000000000" pitchFamily="2" charset="2"/>
-                  </a:rPr>
-                  <a:t>k</a:t>
-                </a:r>
-                <a:r>
-                  <a:rPr lang="en-CA" sz="2000" dirty="0">
-                    <a:sym typeface="Wingdings" panose="05000000000000000000" pitchFamily="2" charset="2"/>
-                  </a:rPr>
-                  <a:t> neighbors)</a:t>
-                </a:r>
-                <a:endParaRPr lang="en-CA" sz="2000" dirty="0"/>
-              </a:p>
-              <a:p>
-                <a:pPr marL="457200" lvl="1" indent="0">
-                  <a:lnSpc>
-                    <a:spcPct val="150000"/>
-                  </a:lnSpc>
-                  <a:buNone/>
-                </a:pPr>
-                <a:endParaRPr lang="en-US" sz="2000" dirty="0"/>
-              </a:p>
-              <a:p>
-                <a:r>
-                  <a:rPr lang="en-US" sz="2400" dirty="0"/>
-                  <a:t>If the </a:t>
-                </a:r>
-                <a:r>
-                  <a:rPr lang="en-US" sz="2400" b="1" dirty="0"/>
-                  <a:t>starting point </a:t>
-                </a:r>
-                <a:r>
-                  <a:rPr lang="en-US" sz="2400" dirty="0"/>
-                  <a:t>is off, very long search</a:t>
-                </a:r>
-              </a:p>
-              <a:p>
-                <a:pPr lvl="1"/>
-                <a:r>
-                  <a:rPr lang="en-US" sz="2000" dirty="0"/>
-                  <a:t>Bad starting point </a:t>
-                </a:r>
-              </a:p>
-              <a:p>
-                <a:pPr lvl="2"/>
-                <a14:m>
-                  <m:oMath xmlns:m="http://schemas.openxmlformats.org/officeDocument/2006/math">
-                    <m:sSub>
-                      <m:sSubPr>
-                        <m:ctrlPr>
-                          <a:rPr lang="en-US" sz="1600" b="0" i="1" smtClean="0">
-                            <a:latin typeface="Cambria Math" panose="02040503050406030204" pitchFamily="18" charset="0"/>
-                          </a:rPr>
-                        </m:ctrlPr>
-                      </m:sSubPr>
-                      <m:e>
-                        <m:r>
-                          <a:rPr lang="en-US" sz="1600" i="1" smtClean="0">
-                            <a:latin typeface="Cambria Math" panose="02040503050406030204" pitchFamily="18" charset="0"/>
-                          </a:rPr>
-                          <m:t>𝑛</m:t>
-                        </m:r>
-                      </m:e>
-                      <m:sub>
-                        <m:r>
-                          <a:rPr lang="en-US" sz="1600" b="0" i="1" smtClean="0">
-                            <a:latin typeface="Cambria Math" panose="02040503050406030204" pitchFamily="18" charset="0"/>
-                          </a:rPr>
-                          <m:t>𝑠𝑒𝑎𝑡𝑠</m:t>
-                        </m:r>
-                      </m:sub>
-                    </m:sSub>
-                  </m:oMath>
-                </a14:m>
-                <a:r>
-                  <a:rPr lang="en-US" sz="1600" dirty="0"/>
-                  <a:t>=300, greedy table arrangement</a:t>
-                </a:r>
-              </a:p>
-              <a:p>
-                <a:pPr lvl="2"/>
-                <a:r>
-                  <a:rPr lang="en-US" sz="1600" dirty="0"/>
-                  <a:t>Merge/Split moves </a:t>
-                </a:r>
-                <a:r>
-                  <a:rPr lang="en-US" sz="1600" dirty="0">
-                    <a:sym typeface="Wingdings" panose="05000000000000000000" pitchFamily="2" charset="2"/>
-                  </a:rPr>
-                  <a:t></a:t>
-                </a:r>
-                <a:endParaRPr lang="en-US" sz="1600" dirty="0"/>
-              </a:p>
-              <a:p>
-                <a:pPr lvl="2"/>
-                <a:r>
-                  <a:rPr lang="en-US" sz="1600" dirty="0"/>
-                  <a:t>Add/Remove </a:t>
-                </a:r>
-                <a:r>
-                  <a:rPr lang="en-US" sz="1600" dirty="0">
-                    <a:sym typeface="Wingdings" panose="05000000000000000000" pitchFamily="2" charset="2"/>
-                  </a:rPr>
-                  <a:t></a:t>
-                </a:r>
-                <a:endParaRPr lang="en-US" sz="2000" dirty="0">
-                  <a:sym typeface="Wingdings" panose="05000000000000000000" pitchFamily="2" charset="2"/>
-                </a:endParaRPr>
-              </a:p>
-              <a:p>
-                <a:pPr lvl="1"/>
-                <a:r>
-                  <a:rPr lang="en-US" sz="2000" dirty="0">
-                    <a:sym typeface="Wingdings" panose="05000000000000000000" pitchFamily="2" charset="2"/>
-                  </a:rPr>
-                  <a:t>Alternatives</a:t>
-                </a:r>
-              </a:p>
-              <a:p>
-                <a:pPr lvl="2"/>
-                <a:r>
-                  <a:rPr lang="en-US" sz="1600" dirty="0">
-                    <a:sym typeface="Wingdings" panose="05000000000000000000" pitchFamily="2" charset="2"/>
-                  </a:rPr>
-                  <a:t> </a:t>
-                </a:r>
-                <a14:m>
-                  <m:oMath xmlns:m="http://schemas.openxmlformats.org/officeDocument/2006/math">
-                    <m:r>
-                      <a:rPr lang="en-US" sz="1600" i="1" smtClean="0">
-                        <a:solidFill>
-                          <a:srgbClr val="FF0000"/>
-                        </a:solidFill>
-                        <a:latin typeface="Cambria Math" panose="02040503050406030204" pitchFamily="18" charset="0"/>
-                      </a:rPr>
-                      <m:t>𝑑𝑒𝑚𝑎𝑛</m:t>
-                    </m:r>
-                    <m:sSub>
-                      <m:sSubPr>
-                        <m:ctrlPr>
-                          <a:rPr lang="en-US" sz="1600" i="1">
-                            <a:solidFill>
-                              <a:srgbClr val="FF0000"/>
-                            </a:solidFill>
-                            <a:latin typeface="Cambria Math" panose="02040503050406030204" pitchFamily="18" charset="0"/>
-                          </a:rPr>
-                        </m:ctrlPr>
-                      </m:sSubPr>
-                      <m:e>
-                        <m:r>
-                          <a:rPr lang="en-US" sz="1600" i="1">
-                            <a:solidFill>
-                              <a:srgbClr val="FF0000"/>
-                            </a:solidFill>
-                            <a:latin typeface="Cambria Math" panose="02040503050406030204" pitchFamily="18" charset="0"/>
-                          </a:rPr>
-                          <m:t>𝑑</m:t>
-                        </m:r>
-                      </m:e>
-                      <m:sub>
-                        <m:r>
-                          <a:rPr lang="en-US" sz="1600" i="1">
-                            <a:solidFill>
-                              <a:srgbClr val="FF0000"/>
-                            </a:solidFill>
-                            <a:latin typeface="Cambria Math" panose="02040503050406030204" pitchFamily="18" charset="0"/>
-                          </a:rPr>
-                          <m:t>𝑝𝑒𝑎𝑘</m:t>
-                        </m:r>
-                        <m:r>
-                          <a:rPr lang="en-US" sz="1600" i="1">
-                            <a:solidFill>
-                              <a:srgbClr val="FF0000"/>
-                            </a:solidFill>
-                            <a:latin typeface="Cambria Math" panose="02040503050406030204" pitchFamily="18" charset="0"/>
-                          </a:rPr>
-                          <m:t>−</m:t>
-                        </m:r>
-                        <m:r>
-                          <a:rPr lang="en-US" sz="1600" i="1">
-                            <a:solidFill>
-                              <a:srgbClr val="FF0000"/>
-                            </a:solidFill>
-                            <a:latin typeface="Cambria Math" panose="02040503050406030204" pitchFamily="18" charset="0"/>
-                          </a:rPr>
-                          <m:t>h𝑜𝑢𝑟</m:t>
-                        </m:r>
-                      </m:sub>
-                    </m:sSub>
-                    <m:r>
-                      <a:rPr lang="en-US" sz="1600" i="1">
-                        <a:solidFill>
-                          <a:srgbClr val="FF0000"/>
-                        </a:solidFill>
-                        <a:latin typeface="Cambria Math" panose="02040503050406030204" pitchFamily="18" charset="0"/>
-                      </a:rPr>
-                      <m:t> </m:t>
-                    </m:r>
-                  </m:oMath>
-                </a14:m>
-                <a:r>
-                  <a:rPr lang="en-US" sz="1600" dirty="0">
-                    <a:solidFill>
-                      <a:srgbClr val="FF0000"/>
-                    </a:solidFill>
-                    <a:sym typeface="Wingdings" panose="05000000000000000000" pitchFamily="2" charset="2"/>
-                  </a:rPr>
-                  <a:t>= rest. service rate  </a:t>
-                </a:r>
-                <a14:m>
-                  <m:oMath xmlns:m="http://schemas.openxmlformats.org/officeDocument/2006/math">
-                    <m:sSub>
-                      <m:sSubPr>
-                        <m:ctrlPr>
-                          <a:rPr lang="en-US" sz="1600" i="1">
-                            <a:solidFill>
-                              <a:srgbClr val="FF0000"/>
-                            </a:solidFill>
-                            <a:latin typeface="Cambria Math" panose="02040503050406030204" pitchFamily="18" charset="0"/>
-                          </a:rPr>
-                        </m:ctrlPr>
-                      </m:sSubPr>
-                      <m:e>
-                        <m:r>
-                          <a:rPr lang="en-US" sz="1600" i="1">
-                            <a:solidFill>
-                              <a:srgbClr val="FF0000"/>
-                            </a:solidFill>
-                            <a:latin typeface="Cambria Math" panose="02040503050406030204" pitchFamily="18" charset="0"/>
-                          </a:rPr>
-                          <m:t>𝑛</m:t>
-                        </m:r>
-                      </m:e>
-                      <m:sub>
-                        <m:r>
-                          <a:rPr lang="en-US" sz="1600" i="1">
-                            <a:solidFill>
-                              <a:srgbClr val="FF0000"/>
-                            </a:solidFill>
-                            <a:latin typeface="Cambria Math" panose="02040503050406030204" pitchFamily="18" charset="0"/>
-                          </a:rPr>
-                          <m:t>𝑠𝑒𝑎𝑡𝑠</m:t>
-                        </m:r>
-                      </m:sub>
-                    </m:sSub>
-                  </m:oMath>
-                </a14:m>
-                <a:endParaRPr lang="en-US" sz="1600" dirty="0"/>
-              </a:p>
-              <a:p>
-                <a:pPr lvl="2"/>
-                <a:endParaRPr lang="en-US" sz="200" dirty="0"/>
-              </a:p>
-              <a:p>
-                <a:pPr lvl="3">
-                  <a:buFont typeface="Wingdings" panose="05000000000000000000" pitchFamily="2" charset="2"/>
-                  <a:buChar char="Ø"/>
-                </a:pPr>
-                <a14:m>
-                  <m:oMath xmlns:m="http://schemas.openxmlformats.org/officeDocument/2006/math">
-                    <m:sSub>
-                      <m:sSubPr>
-                        <m:ctrlPr>
-                          <a:rPr lang="en-US" sz="1400" i="1">
-                            <a:latin typeface="Cambria Math" panose="02040503050406030204" pitchFamily="18" charset="0"/>
-                          </a:rPr>
-                        </m:ctrlPr>
-                      </m:sSubPr>
-                      <m:e>
-                        <m:r>
-                          <a:rPr lang="en-US" sz="1400" i="1">
-                            <a:latin typeface="Cambria Math" panose="02040503050406030204" pitchFamily="18" charset="0"/>
-                          </a:rPr>
-                          <m:t>𝑛</m:t>
-                        </m:r>
-                      </m:e>
-                      <m:sub>
-                        <m:r>
-                          <a:rPr lang="en-US" sz="1400" i="1">
-                            <a:latin typeface="Cambria Math" panose="02040503050406030204" pitchFamily="18" charset="0"/>
-                          </a:rPr>
-                          <m:t>𝑠𝑒𝑎𝑡𝑠</m:t>
-                        </m:r>
-                      </m:sub>
-                    </m:sSub>
-                    <m:r>
-                      <a:rPr lang="en-US" sz="1400" b="0" i="1" smtClean="0">
-                        <a:latin typeface="Cambria Math" panose="02040503050406030204" pitchFamily="18" charset="0"/>
-                      </a:rPr>
-                      <m:t>=</m:t>
-                    </m:r>
-                    <m:r>
-                      <a:rPr lang="en-US" sz="1400" b="0" i="1" smtClean="0">
-                        <a:latin typeface="Cambria Math" panose="02040503050406030204" pitchFamily="18" charset="0"/>
-                      </a:rPr>
-                      <m:t>𝑑𝑒𝑚𝑎𝑛</m:t>
-                    </m:r>
-                    <m:sSub>
-                      <m:sSubPr>
-                        <m:ctrlPr>
-                          <a:rPr lang="en-US" sz="1400" b="0" i="1" smtClean="0">
-                            <a:latin typeface="Cambria Math" panose="02040503050406030204" pitchFamily="18" charset="0"/>
-                          </a:rPr>
-                        </m:ctrlPr>
-                      </m:sSubPr>
-                      <m:e>
-                        <m:r>
-                          <a:rPr lang="en-US" sz="1400" b="0" i="1" smtClean="0">
-                            <a:latin typeface="Cambria Math" panose="02040503050406030204" pitchFamily="18" charset="0"/>
-                          </a:rPr>
-                          <m:t>𝑑</m:t>
-                        </m:r>
-                      </m:e>
-                      <m:sub>
-                        <m:r>
-                          <a:rPr lang="en-US" sz="1400" b="0" i="1" smtClean="0">
-                            <a:latin typeface="Cambria Math" panose="02040503050406030204" pitchFamily="18" charset="0"/>
-                          </a:rPr>
-                          <m:t>𝑝𝑒𝑎𝑘</m:t>
-                        </m:r>
-                        <m:r>
-                          <a:rPr lang="en-US" sz="1400" b="0" i="1" smtClean="0">
-                            <a:latin typeface="Cambria Math" panose="02040503050406030204" pitchFamily="18" charset="0"/>
-                          </a:rPr>
-                          <m:t>−</m:t>
-                        </m:r>
-                        <m:r>
-                          <a:rPr lang="en-US" sz="1400" b="0" i="1" smtClean="0">
-                            <a:latin typeface="Cambria Math" panose="02040503050406030204" pitchFamily="18" charset="0"/>
-                          </a:rPr>
-                          <m:t>h𝑜𝑢𝑟</m:t>
-                        </m:r>
-                      </m:sub>
-                    </m:sSub>
-                    <m:r>
-                      <a:rPr lang="en-US" sz="1400" b="0" i="1" smtClean="0">
-                        <a:latin typeface="Cambria Math" panose="02040503050406030204" pitchFamily="18" charset="0"/>
-                        <a:ea typeface="Cambria Math" panose="02040503050406030204" pitchFamily="18" charset="0"/>
-                      </a:rPr>
-                      <m:t>×</m:t>
-                    </m:r>
-                    <m:acc>
-                      <m:accPr>
-                        <m:chr m:val="̅"/>
-                        <m:ctrlPr>
-                          <a:rPr lang="en-US" sz="1400" b="0" i="1" smtClean="0">
-                            <a:latin typeface="Cambria Math" panose="02040503050406030204" pitchFamily="18" charset="0"/>
-                            <a:ea typeface="Cambria Math" panose="02040503050406030204" pitchFamily="18" charset="0"/>
-                          </a:rPr>
-                        </m:ctrlPr>
-                      </m:accPr>
-                      <m:e>
-                        <m:r>
-                          <a:rPr lang="en-US" sz="1400" i="1">
-                            <a:latin typeface="Cambria Math" panose="02040503050406030204" pitchFamily="18" charset="0"/>
-                            <a:ea typeface="Cambria Math" panose="02040503050406030204" pitchFamily="18" charset="0"/>
-                          </a:rPr>
-                          <m:t>𝑑𝑖𝑛𝑖𝑛𝑔</m:t>
-                        </m:r>
-                        <m:r>
-                          <a:rPr lang="en-US" sz="1400" i="1">
-                            <a:latin typeface="Cambria Math" panose="02040503050406030204" pitchFamily="18" charset="0"/>
-                            <a:ea typeface="Cambria Math" panose="02040503050406030204" pitchFamily="18" charset="0"/>
-                          </a:rPr>
-                          <m:t> </m:t>
-                        </m:r>
-                        <m:r>
-                          <a:rPr lang="en-US" sz="1400" i="1">
-                            <a:latin typeface="Cambria Math" panose="02040503050406030204" pitchFamily="18" charset="0"/>
-                            <a:ea typeface="Cambria Math" panose="02040503050406030204" pitchFamily="18" charset="0"/>
-                          </a:rPr>
-                          <m:t>𝑡𝑖𝑚𝑒</m:t>
-                        </m:r>
-                        <m:r>
-                          <m:rPr>
-                            <m:nor/>
-                          </m:rPr>
-                          <a:rPr lang="en-US" sz="2000" dirty="0"/>
-                          <m:t> </m:t>
-                        </m:r>
-                      </m:e>
-                    </m:acc>
-                  </m:oMath>
-                </a14:m>
-                <a:endParaRPr lang="en-US" sz="2000" dirty="0"/>
-              </a:p>
-              <a:p>
-                <a:pPr lvl="1"/>
-                <a:endParaRPr lang="en-CA" sz="2000" dirty="0"/>
-              </a:p>
-              <a:p>
-                <a:pPr marL="457200" lvl="1" indent="0">
-                  <a:buNone/>
-                </a:pPr>
-                <a:endParaRPr lang="en-CA" sz="2000" dirty="0"/>
-              </a:p>
-            </p:txBody>
-          </p:sp>
-        </mc:Choice>
-        <mc:Fallback>
-          <p:sp>
-            <p:nvSpPr>
-              <p:cNvPr id="3" name="Content Placeholder 2">
-                <a:extLst>
-                  <a:ext uri="{FF2B5EF4-FFF2-40B4-BE49-F238E27FC236}">
-                    <a16:creationId xmlns:a16="http://schemas.microsoft.com/office/drawing/2014/main" id="{2E5DAAB6-C87E-4C10-8DDC-15F41DB00A20}"/>
-                  </a:ext>
-                </a:extLst>
-              </p:cNvPr>
-              <p:cNvSpPr>
-                <a:spLocks noGrp="1" noRot="1" noChangeAspect="1" noMove="1" noResize="1" noEditPoints="1" noAdjustHandles="1" noChangeArrowheads="1" noChangeShapeType="1" noTextEdit="1"/>
-              </p:cNvSpPr>
-              <p:nvPr>
-                <p:ph idx="1"/>
-              </p:nvPr>
-            </p:nvSpPr>
-            <p:spPr>
-              <a:xfrm>
-                <a:off x="838199" y="1432560"/>
-                <a:ext cx="5572125" cy="4744403"/>
-              </a:xfrm>
-              <a:blipFill>
-                <a:blip r:embed="rId3"/>
-                <a:stretch>
-                  <a:fillRect l="-1421" t="-1799" b="-3470"/>
-                </a:stretch>
-              </a:blipFill>
-            </p:spPr>
-            <p:txBody>
-              <a:bodyPr/>
-              <a:lstStyle/>
-              <a:p>
-                <a:r>
-                  <a:rPr lang="en-CH">
-                    <a:noFill/>
-                  </a:rPr>
-                  <a:t> </a:t>
-                </a:r>
-              </a:p>
-            </p:txBody>
-          </p:sp>
-        </mc:Fallback>
-      </mc:AlternateContent>
+      <p:sp>
+        <p:nvSpPr>
+          <p:cNvPr id="3" name="Content Placeholder 2">
+            <a:extLst>
+              <a:ext uri="{FF2B5EF4-FFF2-40B4-BE49-F238E27FC236}">
+                <a16:creationId xmlns:a16="http://schemas.microsoft.com/office/drawing/2014/main" id="{2E5DAAB6-C87E-4C10-8DDC-15F41DB00A20}"/>
+              </a:ext>
+            </a:extLst>
+          </p:cNvPr>
+          <p:cNvSpPr>
+            <a:spLocks noGrp="1"/>
+          </p:cNvSpPr>
+          <p:nvPr>
+            <p:ph idx="1"/>
+          </p:nvPr>
+        </p:nvSpPr>
+        <p:spPr>
+          <a:xfrm>
+            <a:off x="838200" y="1127760"/>
+            <a:ext cx="10515600" cy="5049203"/>
+          </a:xfrm>
+        </p:spPr>
+        <p:txBody>
+          <a:bodyPr>
+            <a:normAutofit/>
+          </a:bodyPr>
+          <a:lstStyle/>
+          <a:p>
+            <a:pPr marL="0" indent="0">
+              <a:buNone/>
+            </a:pPr>
+            <a:r>
+              <a:rPr lang="en-CA" sz="2400" dirty="0">
+                <a:solidFill>
+                  <a:schemeClr val="accent1"/>
+                </a:solidFill>
+              </a:rPr>
+              <a:t>Limitation of baseline VNS</a:t>
+            </a:r>
+          </a:p>
+          <a:p>
+            <a:r>
+              <a:rPr lang="en-CA" sz="2400" dirty="0"/>
+              <a:t>Size of the neighborhood grows non-linearly. Example: </a:t>
+            </a:r>
+            <a:r>
+              <a:rPr lang="en-CA" sz="2400" dirty="0">
+                <a:solidFill>
+                  <a:schemeClr val="accent2"/>
+                </a:solidFill>
+              </a:rPr>
+              <a:t>“adding tables”</a:t>
+            </a:r>
+          </a:p>
+          <a:p>
+            <a:endParaRPr lang="en-CA" sz="2400" dirty="0"/>
+          </a:p>
+          <a:p>
+            <a:endParaRPr lang="en-CA" sz="2400" dirty="0"/>
+          </a:p>
+          <a:p>
+            <a:endParaRPr lang="en-CA" sz="2400" dirty="0"/>
+          </a:p>
+          <a:p>
+            <a:endParaRPr lang="en-CA" sz="2400" dirty="0"/>
+          </a:p>
+          <a:p>
+            <a:endParaRPr lang="en-CA" sz="2400" dirty="0"/>
+          </a:p>
+          <a:p>
+            <a:endParaRPr lang="en-CA" sz="2400" dirty="0"/>
+          </a:p>
+        </p:txBody>
+      </p:sp>
       <p:pic>
         <p:nvPicPr>
           <p:cNvPr id="5" name="Picture 4">
@@ -16788,7 +16557,7 @@
           <p:nvPr/>
         </p:nvPicPr>
         <p:blipFill>
-          <a:blip r:embed="rId4" cstate="hqprint">
+          <a:blip r:embed="rId2" cstate="hqprint">
             <a:extLst>
               <a:ext uri="{28A0092B-C50C-407E-A947-70E740481C1C}">
                 <a14:useLocalDpi xmlns:a14="http://schemas.microsoft.com/office/drawing/2010/main" val="0"/>
@@ -16858,18 +16627,54 @@
           <a:p>
             <a:r>
               <a:rPr lang="en-CA" sz="3600" dirty="0"/>
-              <a:t>Baseline VNS </a:t>
+              <a:t>Reducing the Neighborhood Size</a:t>
             </a:r>
             <a:endParaRPr lang="en-US" sz="3600" dirty="0"/>
           </a:p>
         </p:txBody>
       </p:sp>
+      <p:pic>
+        <p:nvPicPr>
+          <p:cNvPr id="4" name="Picture 3" descr="A screenshot of a cell phone&#10;&#10;Description generated with high confidence">
+            <a:extLst>
+              <a:ext uri="{FF2B5EF4-FFF2-40B4-BE49-F238E27FC236}">
+                <a16:creationId xmlns:a16="http://schemas.microsoft.com/office/drawing/2014/main" id="{342937A0-38F1-466F-9280-112CBEE2245D}"/>
+              </a:ext>
+            </a:extLst>
+          </p:cNvPr>
+          <p:cNvPicPr>
+            <a:picLocks noChangeAspect="1"/>
+          </p:cNvPicPr>
+          <p:nvPr/>
+        </p:nvPicPr>
+        <p:blipFill>
+          <a:blip r:embed="rId3">
+            <a:extLst>
+              <a:ext uri="{28A0092B-C50C-407E-A947-70E740481C1C}">
+                <a14:useLocalDpi xmlns:a14="http://schemas.microsoft.com/office/drawing/2010/main" val="0"/>
+              </a:ext>
+            </a:extLst>
+          </a:blip>
+          <a:stretch>
+            <a:fillRect/>
+          </a:stretch>
+        </p:blipFill>
+        <p:spPr>
+          <a:xfrm>
+            <a:off x="838200" y="2136140"/>
+            <a:ext cx="5808980" cy="4356735"/>
+          </a:xfrm>
+          <a:prstGeom prst="rect">
+            <a:avLst/>
+          </a:prstGeom>
+        </p:spPr>
+      </p:pic>
       <p:sp>
         <p:nvSpPr>
-          <p:cNvPr id="10" name="TextBox 9">
+          <p:cNvPr id="9" name="TextBox 8">
             <a:extLst>
               <a:ext uri="{FF2B5EF4-FFF2-40B4-BE49-F238E27FC236}">
-                <a16:creationId xmlns:a16="http://schemas.microsoft.com/office/drawing/2014/main" id="{65EA61C1-B2C1-4358-8F18-155049D8709A}"/>
+                <a16:creationId xmlns:a16="http://schemas.microsoft.com/office/drawing/2014/main" id="{2D3CA527-BFF0-4D51-889E-120C295EFCA8}"/>
               </a:ext>
             </a:extLst>
           </p:cNvPr>
@@ -16878,8 +16683,8 @@
         </p:nvSpPr>
         <p:spPr>
           <a:xfrm>
-            <a:off x="7219949" y="1600200"/>
-            <a:ext cx="4343400" cy="1754326"/>
+            <a:off x="6553200" y="2387600"/>
+            <a:ext cx="4800600" cy="3939540"/>
           </a:xfrm>
           <a:prstGeom prst="rect">
             <a:avLst/>
@@ -16892,70 +16697,128 @@
           </a:bodyPr>
           <a:lstStyle/>
           <a:p>
-            <a:r>
-              <a:rPr lang="en-US" dirty="0" err="1"/>
-              <a:t>Caio’s</a:t>
-            </a:r>
-            <a:r>
-              <a:rPr lang="en-US" dirty="0"/>
-              <a:t> new graph: </a:t>
-            </a:r>
-          </a:p>
-          <a:p>
-            <a:r>
-              <a:rPr lang="en-US" dirty="0"/>
-              <a:t>Replicate this class figure with </a:t>
-            </a:r>
-            <a:r>
-              <a:rPr lang="en-US" dirty="0">
+            <a:pPr marL="342900" indent="-342900">
+              <a:buFont typeface="Arial" panose="020B0604020202020204" pitchFamily="34" charset="0"/>
+              <a:buChar char="•"/>
+            </a:pPr>
+            <a:r>
+              <a:rPr lang="en-CA" sz="2400" b="1" baseline="-25000" dirty="0"/>
+              <a:t> </a:t>
+            </a:r>
+            <a:r>
+              <a:rPr lang="en-CA" sz="2400" b="1" baseline="-25000" dirty="0">
                 <a:solidFill>
-                  <a:srgbClr val="FF0000"/>
+                  <a:schemeClr val="accent2"/>
                 </a:solidFill>
               </a:rPr>
-              <a:t>n=200 or 210</a:t>
-            </a:r>
-            <a:r>
-              <a:rPr lang="en-US" dirty="0"/>
-              <a:t>, group the neighborhoods in Merge, Split, Add, Remove or just show the seats evolution (we see if Merge/Split or Add/Remove)</a:t>
-            </a:r>
-            <a:endParaRPr lang="en-CH" dirty="0"/>
+              <a:t>4</a:t>
+            </a:r>
+            <a:r>
+              <a:rPr lang="en-US" sz="2400" b="1" baseline="-25000" dirty="0">
+                <a:solidFill>
+                  <a:schemeClr val="accent2"/>
+                </a:solidFill>
+              </a:rPr>
+              <a:t>+</a:t>
+            </a:r>
+            <a:r>
+              <a:rPr lang="en-US" sz="2400" b="1" i="1" baseline="-25000" dirty="0">
+                <a:solidFill>
+                  <a:schemeClr val="accent2"/>
+                </a:solidFill>
+              </a:rPr>
+              <a:t>n</a:t>
+            </a:r>
+            <a:r>
+              <a:rPr lang="en-US" sz="2400" b="1" baseline="-25000" dirty="0">
+                <a:solidFill>
+                  <a:schemeClr val="accent2"/>
+                </a:solidFill>
+              </a:rPr>
+              <a:t>-1</a:t>
+            </a:r>
+            <a:r>
+              <a:rPr lang="en-US" sz="2400" b="1" dirty="0">
+                <a:solidFill>
+                  <a:schemeClr val="accent2"/>
+                </a:solidFill>
+              </a:rPr>
+              <a:t>C</a:t>
+            </a:r>
+            <a:r>
+              <a:rPr lang="en-US" sz="2400" b="1" i="1" baseline="-25000" dirty="0">
+                <a:solidFill>
+                  <a:schemeClr val="accent2"/>
+                </a:solidFill>
+              </a:rPr>
+              <a:t>n</a:t>
+            </a:r>
+            <a:r>
+              <a:rPr lang="en-US" sz="2400" i="1" dirty="0">
+                <a:solidFill>
+                  <a:schemeClr val="accent2"/>
+                </a:solidFill>
+              </a:rPr>
+              <a:t> </a:t>
+            </a:r>
+          </a:p>
+          <a:p>
+            <a:r>
+              <a:rPr lang="en-US" sz="2400" dirty="0"/>
+              <a:t>where </a:t>
+            </a:r>
+            <a:r>
+              <a:rPr lang="en-US" sz="2400" i="1" dirty="0">
+                <a:solidFill>
+                  <a:schemeClr val="accent2"/>
+                </a:solidFill>
+              </a:rPr>
+              <a:t>n</a:t>
+            </a:r>
+            <a:r>
+              <a:rPr lang="en-US" sz="2400" dirty="0"/>
+              <a:t> = number of tables to add </a:t>
+            </a:r>
+          </a:p>
+          <a:p>
+            <a:endParaRPr lang="en-CA" sz="2400" baseline="-25000" dirty="0"/>
+          </a:p>
+          <a:p>
+            <a:pPr marL="342900" indent="-342900">
+              <a:buFont typeface="Arial" panose="020B0604020202020204" pitchFamily="34" charset="0"/>
+              <a:buChar char="•"/>
+            </a:pPr>
+            <a:r>
+              <a:rPr lang="en-CA" sz="2400" dirty="0"/>
+              <a:t>Increasingly more costly to check a sufficiently large number of neighbors.</a:t>
+            </a:r>
+          </a:p>
+          <a:p>
+            <a:pPr marL="342900" indent="-342900">
+              <a:buFont typeface="Arial" panose="020B0604020202020204" pitchFamily="34" charset="0"/>
+              <a:buChar char="•"/>
+            </a:pPr>
+            <a:endParaRPr lang="en-CA" sz="2400" dirty="0"/>
+          </a:p>
+          <a:p>
+            <a:pPr marL="342900" indent="-342900">
+              <a:buFont typeface="Arial" panose="020B0604020202020204" pitchFamily="34" charset="0"/>
+              <a:buChar char="•"/>
+            </a:pPr>
+            <a:r>
+              <a:rPr lang="en-CA" sz="2400" dirty="0"/>
+              <a:t>Limiting the neighborhood size will likely lead to suboptimal profit.</a:t>
+            </a:r>
+          </a:p>
+          <a:p>
+            <a:endParaRPr lang="en-US" dirty="0"/>
           </a:p>
         </p:txBody>
       </p:sp>
-      <p:pic>
-        <p:nvPicPr>
-          <p:cNvPr id="11" name="Picture 10">
-            <a:extLst>
-              <a:ext uri="{FF2B5EF4-FFF2-40B4-BE49-F238E27FC236}">
-                <a16:creationId xmlns:a16="http://schemas.microsoft.com/office/drawing/2014/main" id="{2D99D3C4-7FAA-42CA-9347-0359CD771D58}"/>
-              </a:ext>
-            </a:extLst>
-          </p:cNvPr>
-          <p:cNvPicPr>
-            <a:picLocks noChangeAspect="1"/>
-          </p:cNvPicPr>
-          <p:nvPr/>
-        </p:nvPicPr>
-        <p:blipFill>
-          <a:blip r:embed="rId5"/>
-          <a:stretch>
-            <a:fillRect/>
-          </a:stretch>
-        </p:blipFill>
-        <p:spPr>
-          <a:xfrm>
-            <a:off x="7084217" y="3429000"/>
-            <a:ext cx="4614863" cy="2543175"/>
-          </a:xfrm>
-          <a:prstGeom prst="rect">
-            <a:avLst/>
-          </a:prstGeom>
-        </p:spPr>
-      </p:pic>
     </p:spTree>
     <p:extLst>
       <p:ext uri="{BB962C8B-B14F-4D97-AF65-F5344CB8AC3E}">
-        <p14:creationId xmlns:p14="http://schemas.microsoft.com/office/powerpoint/2010/main" val="98599950"/>
+        <p14:creationId xmlns:p14="http://schemas.microsoft.com/office/powerpoint/2010/main" val="3678772537"/>
       </p:ext>
     </p:extLst>
   </p:cSld>
@@ -17013,46 +16876,70 @@
             <a:pPr marL="0" indent="0">
               <a:buNone/>
             </a:pPr>
+            <a:endParaRPr lang="en-CA" sz="2400" dirty="0">
+              <a:solidFill>
+                <a:schemeClr val="accent1">
+                  <a:lumMod val="75000"/>
+                </a:schemeClr>
+              </a:solidFill>
+            </a:endParaRPr>
+          </a:p>
+          <a:p>
+            <a:pPr marL="0" indent="0">
+              <a:buNone/>
+            </a:pPr>
+            <a:endParaRPr lang="en-CA" sz="2400" dirty="0">
+              <a:solidFill>
+                <a:schemeClr val="accent1">
+                  <a:lumMod val="75000"/>
+                </a:schemeClr>
+              </a:solidFill>
+            </a:endParaRPr>
+          </a:p>
+          <a:p>
+            <a:pPr marL="0" indent="0">
+              <a:buNone/>
+            </a:pPr>
             <a:r>
               <a:rPr lang="en-CA" sz="2400" dirty="0">
                 <a:solidFill>
-                  <a:schemeClr val="accent1"/>
+                  <a:schemeClr val="accent1">
+                    <a:lumMod val="75000"/>
+                  </a:schemeClr>
                 </a:solidFill>
               </a:rPr>
-              <a:t>Limitation of baseline VNS</a:t>
+              <a:t>Idea</a:t>
             </a:r>
           </a:p>
           <a:p>
             <a:r>
               <a:rPr lang="en-CA" sz="2400" dirty="0"/>
-              <a:t>Size of the neighborhood grows non-linearly. Example: </a:t>
-            </a:r>
-            <a:r>
-              <a:rPr lang="en-CA" sz="2400" dirty="0">
-                <a:solidFill>
-                  <a:schemeClr val="accent2"/>
-                </a:solidFill>
-              </a:rPr>
-              <a:t>“adding tables”</a:t>
-            </a:r>
-          </a:p>
-          <a:p>
-            <a:endParaRPr lang="en-CA" sz="2400" dirty="0"/>
-          </a:p>
-          <a:p>
-            <a:endParaRPr lang="en-CA" sz="2400" dirty="0"/>
-          </a:p>
-          <a:p>
-            <a:endParaRPr lang="en-CA" sz="2400" dirty="0"/>
-          </a:p>
-          <a:p>
-            <a:endParaRPr lang="en-CA" sz="2400" dirty="0"/>
-          </a:p>
-          <a:p>
-            <a:endParaRPr lang="en-CA" sz="2400" dirty="0"/>
-          </a:p>
-          <a:p>
-            <a:endParaRPr lang="en-CA" sz="2400" dirty="0"/>
+              <a:t>The new restaurant can have anywhere from 200 to 400 seats. </a:t>
+            </a:r>
+          </a:p>
+          <a:p>
+            <a:r>
+              <a:rPr lang="en-CA" sz="2400" dirty="0"/>
+              <a:t>Successively narrow this interval by optimizing mean profit at discrete points.</a:t>
+            </a:r>
+          </a:p>
+          <a:p>
+            <a:r>
+              <a:rPr lang="en-CA" sz="2400" dirty="0"/>
+              <a:t>In the beginning, use a greedy heuristic to quickly narrow down the interval.</a:t>
+            </a:r>
+          </a:p>
+          <a:p>
+            <a:r>
+              <a:rPr lang="en-CA" sz="2400" dirty="0"/>
+              <a:t>When the interval becomes “small enough”, use VNS.</a:t>
+            </a:r>
+          </a:p>
+          <a:p>
+            <a:r>
+              <a:rPr lang="en-CA" sz="2400" dirty="0"/>
+              <a:t>We can eliminate the neighborhood structure for adding/removing tables.</a:t>
+            </a:r>
           </a:p>
         </p:txBody>
       </p:sp>
@@ -17094,245 +16981,44 @@
       </p:pic>
       <p:sp>
         <p:nvSpPr>
-          <p:cNvPr id="8" name="Title 1">
+          <p:cNvPr id="7" name="Title 1">
             <a:extLst>
               <a:ext uri="{FF2B5EF4-FFF2-40B4-BE49-F238E27FC236}">
-                <a16:creationId xmlns:a16="http://schemas.microsoft.com/office/drawing/2014/main" id="{3C0D5108-0220-49D1-BFA7-E8863D4F1E1D}"/>
+                <a16:creationId xmlns:a16="http://schemas.microsoft.com/office/drawing/2014/main" id="{DF83123F-FFF6-4EB8-AA6C-703D18DCBD9D}"/>
               </a:ext>
             </a:extLst>
           </p:cNvPr>
-          <p:cNvSpPr txBox="1">
-            <a:spLocks/>
+          <p:cNvSpPr>
+            <a:spLocks noGrp="1"/>
           </p:cNvSpPr>
-          <p:nvPr/>
+          <p:nvPr>
+            <p:ph type="title"/>
+          </p:nvPr>
         </p:nvSpPr>
         <p:spPr>
           <a:xfrm>
             <a:off x="838200" y="365125"/>
             <a:ext cx="10515600" cy="762635"/>
           </a:xfrm>
-          <a:prstGeom prst="rect">
-            <a:avLst/>
-          </a:prstGeom>
         </p:spPr>
         <p:txBody>
-          <a:bodyPr vert="horz" lIns="91440" tIns="45720" rIns="91440" bIns="45720" rtlCol="0" anchor="ctr">
+          <a:bodyPr>
             <a:normAutofit/>
           </a:bodyPr>
-          <a:lstStyle>
-            <a:lvl1pPr algn="l" defTabSz="914400" rtl="0" eaLnBrk="1" latinLnBrk="0" hangingPunct="1">
-              <a:lnSpc>
-                <a:spcPct val="90000"/>
-              </a:lnSpc>
-              <a:spcBef>
-                <a:spcPct val="0"/>
-              </a:spcBef>
-              <a:buNone/>
-              <a:defRPr sz="4400" kern="1200">
-                <a:solidFill>
-                  <a:schemeClr val="tx1"/>
-                </a:solidFill>
-                <a:latin typeface="+mj-lt"/>
-                <a:ea typeface="+mj-ea"/>
-                <a:cs typeface="+mj-cs"/>
-              </a:defRPr>
-            </a:lvl1pPr>
-          </a:lstStyle>
+          <a:lstStyle/>
           <a:p>
             <a:r>
               <a:rPr lang="en-CA" sz="3600" dirty="0"/>
-              <a:t>Reducing the Neighborhood Size</a:t>
+              <a:t>Golden Section Method</a:t>
             </a:r>
             <a:endParaRPr lang="en-US" sz="3600" dirty="0"/>
-          </a:p>
-        </p:txBody>
-      </p:sp>
-      <p:pic>
-        <p:nvPicPr>
-          <p:cNvPr id="4" name="Picture 3" descr="A screenshot of a cell phone&#10;&#10;Description generated with high confidence">
-            <a:extLst>
-              <a:ext uri="{FF2B5EF4-FFF2-40B4-BE49-F238E27FC236}">
-                <a16:creationId xmlns:a16="http://schemas.microsoft.com/office/drawing/2014/main" id="{342937A0-38F1-466F-9280-112CBEE2245D}"/>
-              </a:ext>
-            </a:extLst>
-          </p:cNvPr>
-          <p:cNvPicPr>
-            <a:picLocks noChangeAspect="1"/>
-          </p:cNvPicPr>
-          <p:nvPr/>
-        </p:nvPicPr>
-        <p:blipFill>
-          <a:blip r:embed="rId3">
-            <a:extLst>
-              <a:ext uri="{28A0092B-C50C-407E-A947-70E740481C1C}">
-                <a14:useLocalDpi xmlns:a14="http://schemas.microsoft.com/office/drawing/2010/main" val="0"/>
-              </a:ext>
-            </a:extLst>
-          </a:blip>
-          <a:stretch>
-            <a:fillRect/>
-          </a:stretch>
-        </p:blipFill>
-        <p:spPr>
-          <a:xfrm>
-            <a:off x="838200" y="2136140"/>
-            <a:ext cx="5808980" cy="4356735"/>
-          </a:xfrm>
-          <a:prstGeom prst="rect">
-            <a:avLst/>
-          </a:prstGeom>
-        </p:spPr>
-      </p:pic>
-      <p:sp>
-        <p:nvSpPr>
-          <p:cNvPr id="9" name="TextBox 8">
-            <a:extLst>
-              <a:ext uri="{FF2B5EF4-FFF2-40B4-BE49-F238E27FC236}">
-                <a16:creationId xmlns:a16="http://schemas.microsoft.com/office/drawing/2014/main" id="{2D3CA527-BFF0-4D51-889E-120C295EFCA8}"/>
-              </a:ext>
-            </a:extLst>
-          </p:cNvPr>
-          <p:cNvSpPr txBox="1"/>
-          <p:nvPr/>
-        </p:nvSpPr>
-        <p:spPr>
-          <a:xfrm>
-            <a:off x="6553200" y="2387600"/>
-            <a:ext cx="4800600" cy="3939540"/>
-          </a:xfrm>
-          <a:prstGeom prst="rect">
-            <a:avLst/>
-          </a:prstGeom>
-          <a:noFill/>
-        </p:spPr>
-        <p:txBody>
-          <a:bodyPr wrap="square" rtlCol="0">
-            <a:spAutoFit/>
-          </a:bodyPr>
-          <a:lstStyle/>
-          <a:p>
-            <a:pPr marL="342900" indent="-342900">
-              <a:buFont typeface="Arial" panose="020B0604020202020204" pitchFamily="34" charset="0"/>
-              <a:buChar char="•"/>
-            </a:pPr>
-            <a:r>
-              <a:rPr lang="en-CA" sz="2400" b="1" baseline="-25000" dirty="0"/>
-              <a:t> </a:t>
-            </a:r>
-            <a:r>
-              <a:rPr lang="en-CA" sz="2400" b="1" baseline="-25000" dirty="0">
-                <a:solidFill>
-                  <a:schemeClr val="accent2"/>
-                </a:solidFill>
-              </a:rPr>
-              <a:t>4</a:t>
-            </a:r>
-            <a:r>
-              <a:rPr lang="en-US" sz="2400" b="1" baseline="-25000" dirty="0">
-                <a:solidFill>
-                  <a:schemeClr val="accent2"/>
-                </a:solidFill>
-              </a:rPr>
-              <a:t>+</a:t>
-            </a:r>
-            <a:r>
-              <a:rPr lang="en-US" sz="2400" b="1" i="1" baseline="-25000" dirty="0">
-                <a:solidFill>
-                  <a:schemeClr val="accent2"/>
-                </a:solidFill>
-              </a:rPr>
-              <a:t>n</a:t>
-            </a:r>
-            <a:r>
-              <a:rPr lang="en-US" sz="2400" b="1" baseline="-25000" dirty="0">
-                <a:solidFill>
-                  <a:schemeClr val="accent2"/>
-                </a:solidFill>
-              </a:rPr>
-              <a:t>-1</a:t>
-            </a:r>
-            <a:r>
-              <a:rPr lang="en-US" sz="2400" b="1" dirty="0">
-                <a:solidFill>
-                  <a:schemeClr val="accent2"/>
-                </a:solidFill>
-              </a:rPr>
-              <a:t>C</a:t>
-            </a:r>
-            <a:r>
-              <a:rPr lang="en-US" sz="2400" b="1" i="1" baseline="-25000" dirty="0">
-                <a:solidFill>
-                  <a:schemeClr val="accent2"/>
-                </a:solidFill>
-              </a:rPr>
-              <a:t>n</a:t>
-            </a:r>
-            <a:r>
-              <a:rPr lang="en-US" sz="2400" i="1" dirty="0">
-                <a:solidFill>
-                  <a:schemeClr val="accent2"/>
-                </a:solidFill>
-              </a:rPr>
-              <a:t> </a:t>
-            </a:r>
-          </a:p>
-          <a:p>
-            <a:r>
-              <a:rPr lang="en-US" sz="2400" dirty="0"/>
-              <a:t>where </a:t>
-            </a:r>
-            <a:r>
-              <a:rPr lang="en-US" sz="2400" i="1" dirty="0">
-                <a:solidFill>
-                  <a:schemeClr val="accent2"/>
-                </a:solidFill>
-              </a:rPr>
-              <a:t>n</a:t>
-            </a:r>
-            <a:r>
-              <a:rPr lang="en-US" sz="2400" dirty="0"/>
-              <a:t> = number of tables to add </a:t>
-            </a:r>
-          </a:p>
-          <a:p>
-            <a:endParaRPr lang="en-CA" sz="2400" baseline="-25000" dirty="0"/>
-          </a:p>
-          <a:p>
-            <a:pPr marL="342900" indent="-342900">
-              <a:buFont typeface="Arial" panose="020B0604020202020204" pitchFamily="34" charset="0"/>
-              <a:buChar char="•"/>
-            </a:pPr>
-            <a:r>
-              <a:rPr lang="en-CA" sz="2400" dirty="0"/>
-              <a:t>Increasingly more costly to check a sufficiently large number of neighbors.</a:t>
-            </a:r>
-          </a:p>
-          <a:p>
-            <a:pPr marL="342900" indent="-342900">
-              <a:buFont typeface="Arial" panose="020B0604020202020204" pitchFamily="34" charset="0"/>
-              <a:buChar char="•"/>
-            </a:pPr>
-            <a:endParaRPr lang="en-CA" sz="2400" dirty="0"/>
-          </a:p>
-          <a:p>
-            <a:pPr marL="342900" indent="-342900">
-              <a:buFont typeface="Arial" panose="020B0604020202020204" pitchFamily="34" charset="0"/>
-              <a:buChar char="•"/>
-            </a:pPr>
-            <a:r>
-              <a:rPr lang="en-CA" sz="2400" dirty="0"/>
-              <a:t>Limiting the neighborhood size will likely lead to suboptimal profit.</a:t>
-            </a:r>
-          </a:p>
-          <a:p>
-            <a:endParaRPr lang="en-US" dirty="0"/>
           </a:p>
         </p:txBody>
       </p:sp>
     </p:spTree>
     <p:extLst>
       <p:ext uri="{BB962C8B-B14F-4D97-AF65-F5344CB8AC3E}">
-        <p14:creationId xmlns:p14="http://schemas.microsoft.com/office/powerpoint/2010/main" val="3678772537"/>
+        <p14:creationId xmlns:p14="http://schemas.microsoft.com/office/powerpoint/2010/main" val="4093437447"/>
       </p:ext>
     </p:extLst>
   </p:cSld>
@@ -17422,38 +17108,178 @@
                   </a:schemeClr>
                 </a:solidFill>
               </a:rPr>
-              <a:t>Idea</a:t>
+              <a:t>Conditions</a:t>
             </a:r>
           </a:p>
           <a:p>
             <a:r>
               <a:rPr lang="en-CA" sz="2400" dirty="0"/>
-              <a:t>The new restaurant can have anywhere from 200 to 400 seats. </a:t>
-            </a:r>
+              <a:t>Mean profit as a function of number of seats must be concave </a:t>
+            </a:r>
+            <a:r>
+              <a:rPr lang="en-CA" sz="2400"/>
+              <a:t>(unimodal).</a:t>
+            </a:r>
+            <a:endParaRPr lang="en-CA" sz="2400" dirty="0"/>
           </a:p>
           <a:p>
             <a:r>
               <a:rPr lang="en-CA" sz="2400" dirty="0"/>
-              <a:t>Successively narrow this interval by optimizing mean profit at discrete points.</a:t>
-            </a:r>
-          </a:p>
-          <a:p>
-            <a:r>
-              <a:rPr lang="en-CA" sz="2400" dirty="0"/>
-              <a:t>In the beginning, use a greedy heuristic to quickly narrow down the interval.</a:t>
-            </a:r>
-          </a:p>
-          <a:p>
-            <a:r>
-              <a:rPr lang="en-CA" sz="2400" dirty="0"/>
-              <a:t>When the interval becomes “small enough”, use VNS.</a:t>
-            </a:r>
-          </a:p>
-          <a:p>
-            <a:r>
-              <a:rPr lang="en-CA" sz="2400" dirty="0"/>
-              <a:t>We can eliminate the neighborhood structure for adding/removing tables.</a:t>
-            </a:r>
+              <a:t>In the interval that greedy heuristic eliminates, its results must be consistent with the results of VNS. </a:t>
+            </a:r>
+          </a:p>
+          <a:p>
+            <a:pPr marL="0" indent="0" algn="ctr">
+              <a:buNone/>
+            </a:pPr>
+            <a:r>
+              <a:rPr lang="en-CA" sz="2400" i="1" dirty="0"/>
+              <a:t>e.g. </a:t>
+            </a:r>
+            <a:r>
+              <a:rPr lang="en-CA" sz="2400" i="1" dirty="0" err="1">
+                <a:solidFill>
+                  <a:schemeClr val="accent6">
+                    <a:lumMod val="75000"/>
+                  </a:schemeClr>
+                </a:solidFill>
+              </a:rPr>
+              <a:t>f</a:t>
+            </a:r>
+            <a:r>
+              <a:rPr lang="en-CA" sz="2400" i="1" baseline="-25000" dirty="0" err="1">
+                <a:solidFill>
+                  <a:schemeClr val="accent6">
+                    <a:lumMod val="75000"/>
+                  </a:schemeClr>
+                </a:solidFill>
+              </a:rPr>
+              <a:t>greedy</a:t>
+            </a:r>
+            <a:r>
+              <a:rPr lang="en-CA" sz="2400" dirty="0">
+                <a:solidFill>
+                  <a:schemeClr val="accent6">
+                    <a:lumMod val="75000"/>
+                  </a:schemeClr>
+                </a:solidFill>
+              </a:rPr>
+              <a:t>(300) &gt; </a:t>
+            </a:r>
+            <a:r>
+              <a:rPr lang="en-CA" sz="2400" i="1" dirty="0" err="1">
+                <a:solidFill>
+                  <a:schemeClr val="accent6">
+                    <a:lumMod val="75000"/>
+                  </a:schemeClr>
+                </a:solidFill>
+              </a:rPr>
+              <a:t>f</a:t>
+            </a:r>
+            <a:r>
+              <a:rPr lang="en-CA" sz="2400" i="1" baseline="-25000" dirty="0" err="1">
+                <a:solidFill>
+                  <a:schemeClr val="accent6">
+                    <a:lumMod val="75000"/>
+                  </a:schemeClr>
+                </a:solidFill>
+              </a:rPr>
+              <a:t>greedy</a:t>
+            </a:r>
+            <a:r>
+              <a:rPr lang="en-CA" sz="2400" dirty="0">
+                <a:solidFill>
+                  <a:schemeClr val="accent6">
+                    <a:lumMod val="75000"/>
+                  </a:schemeClr>
+                </a:solidFill>
+              </a:rPr>
+              <a:t>(350) </a:t>
+            </a:r>
+            <a:r>
+              <a:rPr lang="en-CA" sz="2400" dirty="0">
+                <a:solidFill>
+                  <a:schemeClr val="accent6">
+                    <a:lumMod val="75000"/>
+                  </a:schemeClr>
+                </a:solidFill>
+                <a:sym typeface="Wingdings" panose="05000000000000000000" pitchFamily="2" charset="2"/>
+              </a:rPr>
+              <a:t> </a:t>
+            </a:r>
+            <a:r>
+              <a:rPr lang="en-CA" sz="2400" i="1" dirty="0" err="1">
+                <a:solidFill>
+                  <a:schemeClr val="accent6">
+                    <a:lumMod val="75000"/>
+                  </a:schemeClr>
+                </a:solidFill>
+                <a:sym typeface="Wingdings" panose="05000000000000000000" pitchFamily="2" charset="2"/>
+              </a:rPr>
+              <a:t>f</a:t>
+            </a:r>
+            <a:r>
+              <a:rPr lang="en-CA" sz="2400" i="1" baseline="-25000" dirty="0" err="1">
+                <a:solidFill>
+                  <a:schemeClr val="accent6">
+                    <a:lumMod val="75000"/>
+                  </a:schemeClr>
+                </a:solidFill>
+                <a:sym typeface="Wingdings" panose="05000000000000000000" pitchFamily="2" charset="2"/>
+              </a:rPr>
+              <a:t>VNS</a:t>
+            </a:r>
+            <a:r>
+              <a:rPr lang="en-CA" sz="2400" dirty="0">
+                <a:solidFill>
+                  <a:schemeClr val="accent6">
+                    <a:lumMod val="75000"/>
+                  </a:schemeClr>
+                </a:solidFill>
+                <a:sym typeface="Wingdings" panose="05000000000000000000" pitchFamily="2" charset="2"/>
+              </a:rPr>
+              <a:t>(300) &gt; </a:t>
+            </a:r>
+            <a:r>
+              <a:rPr lang="en-CA" sz="2400" i="1" dirty="0" err="1">
+                <a:solidFill>
+                  <a:schemeClr val="accent6">
+                    <a:lumMod val="75000"/>
+                  </a:schemeClr>
+                </a:solidFill>
+                <a:sym typeface="Wingdings" panose="05000000000000000000" pitchFamily="2" charset="2"/>
+              </a:rPr>
+              <a:t>f</a:t>
+            </a:r>
+            <a:r>
+              <a:rPr lang="en-CA" sz="2400" i="1" baseline="-25000" dirty="0" err="1">
+                <a:solidFill>
+                  <a:schemeClr val="accent6">
+                    <a:lumMod val="75000"/>
+                  </a:schemeClr>
+                </a:solidFill>
+                <a:sym typeface="Wingdings" panose="05000000000000000000" pitchFamily="2" charset="2"/>
+              </a:rPr>
+              <a:t>VNS</a:t>
+            </a:r>
+            <a:r>
+              <a:rPr lang="en-CA" sz="2400" dirty="0">
+                <a:solidFill>
+                  <a:schemeClr val="accent6">
+                    <a:lumMod val="75000"/>
+                  </a:schemeClr>
+                </a:solidFill>
+                <a:sym typeface="Wingdings" panose="05000000000000000000" pitchFamily="2" charset="2"/>
+              </a:rPr>
+              <a:t>(350)</a:t>
+            </a:r>
+            <a:endParaRPr lang="en-CA" sz="2400" dirty="0"/>
+          </a:p>
+          <a:p>
+            <a:endParaRPr lang="en-CA" sz="2400" dirty="0"/>
+          </a:p>
+          <a:p>
+            <a:endParaRPr lang="en-CA" sz="2400" dirty="0"/>
           </a:p>
         </p:txBody>
       </p:sp>
@@ -17532,7 +17358,7 @@
     </p:spTree>
     <p:extLst>
       <p:ext uri="{BB962C8B-B14F-4D97-AF65-F5344CB8AC3E}">
-        <p14:creationId xmlns:p14="http://schemas.microsoft.com/office/powerpoint/2010/main" val="4093437447"/>
+        <p14:creationId xmlns:p14="http://schemas.microsoft.com/office/powerpoint/2010/main" val="3961735586"/>
       </p:ext>
     </p:extLst>
   </p:cSld>
@@ -17602,194 +17428,6 @@
             <a:pPr marL="0" indent="0">
               <a:buNone/>
             </a:pPr>
-            <a:endParaRPr lang="en-CA" sz="2400" dirty="0">
-              <a:solidFill>
-                <a:schemeClr val="accent1">
-                  <a:lumMod val="75000"/>
-                </a:schemeClr>
-              </a:solidFill>
-            </a:endParaRPr>
-          </a:p>
-          <a:p>
-            <a:pPr marL="0" indent="0">
-              <a:buNone/>
-            </a:pPr>
-            <a:r>
-              <a:rPr lang="en-CA" sz="2400" dirty="0">
-                <a:solidFill>
-                  <a:schemeClr val="accent1">
-                    <a:lumMod val="75000"/>
-                  </a:schemeClr>
-                </a:solidFill>
-              </a:rPr>
-              <a:t>Conditions</a:t>
-            </a:r>
-          </a:p>
-          <a:p>
-            <a:r>
-              <a:rPr lang="en-CA" sz="2400" dirty="0"/>
-              <a:t>Mean profit as a function of number of seats must be concave </a:t>
-            </a:r>
-            <a:r>
-              <a:rPr lang="en-CA" sz="2400"/>
-              <a:t>(unimodal).</a:t>
-            </a:r>
-            <a:endParaRPr lang="en-CA" sz="2400" dirty="0"/>
-          </a:p>
-          <a:p>
-            <a:r>
-              <a:rPr lang="en-CA" sz="2400" dirty="0"/>
-              <a:t>In the interval that greedy heuristic eliminates, its results must be consistent with the results of VNS. </a:t>
-            </a:r>
-          </a:p>
-          <a:p>
-            <a:pPr marL="0" indent="0" algn="ctr">
-              <a:buNone/>
-            </a:pPr>
-            <a:r>
-              <a:rPr lang="en-CA" sz="2400" i="1" dirty="0"/>
-              <a:t>e.g. </a:t>
-            </a:r>
-            <a:r>
-              <a:rPr lang="en-CA" sz="2400" i="1" dirty="0" err="1">
-                <a:solidFill>
-                  <a:schemeClr val="accent6">
-                    <a:lumMod val="75000"/>
-                  </a:schemeClr>
-                </a:solidFill>
-              </a:rPr>
-              <a:t>f</a:t>
-            </a:r>
-            <a:r>
-              <a:rPr lang="en-CA" sz="2400" i="1" baseline="-25000" dirty="0" err="1">
-                <a:solidFill>
-                  <a:schemeClr val="accent6">
-                    <a:lumMod val="75000"/>
-                  </a:schemeClr>
-                </a:solidFill>
-              </a:rPr>
-              <a:t>greedy</a:t>
-            </a:r>
-            <a:r>
-              <a:rPr lang="en-CA" sz="2400" dirty="0">
-                <a:solidFill>
-                  <a:schemeClr val="accent6">
-                    <a:lumMod val="75000"/>
-                  </a:schemeClr>
-                </a:solidFill>
-              </a:rPr>
-              <a:t>(300) &gt; </a:t>
-            </a:r>
-            <a:r>
-              <a:rPr lang="en-CA" sz="2400" i="1" dirty="0" err="1">
-                <a:solidFill>
-                  <a:schemeClr val="accent6">
-                    <a:lumMod val="75000"/>
-                  </a:schemeClr>
-                </a:solidFill>
-              </a:rPr>
-              <a:t>f</a:t>
-            </a:r>
-            <a:r>
-              <a:rPr lang="en-CA" sz="2400" i="1" baseline="-25000" dirty="0" err="1">
-                <a:solidFill>
-                  <a:schemeClr val="accent6">
-                    <a:lumMod val="75000"/>
-                  </a:schemeClr>
-                </a:solidFill>
-              </a:rPr>
-              <a:t>greedy</a:t>
-            </a:r>
-            <a:r>
-              <a:rPr lang="en-CA" sz="2400" dirty="0">
-                <a:solidFill>
-                  <a:schemeClr val="accent6">
-                    <a:lumMod val="75000"/>
-                  </a:schemeClr>
-                </a:solidFill>
-              </a:rPr>
-              <a:t>(350) </a:t>
-            </a:r>
-            <a:r>
-              <a:rPr lang="en-CA" sz="2400" dirty="0">
-                <a:solidFill>
-                  <a:schemeClr val="accent6">
-                    <a:lumMod val="75000"/>
-                  </a:schemeClr>
-                </a:solidFill>
-                <a:sym typeface="Wingdings" panose="05000000000000000000" pitchFamily="2" charset="2"/>
-              </a:rPr>
-              <a:t> </a:t>
-            </a:r>
-            <a:r>
-              <a:rPr lang="en-CA" sz="2400" i="1" dirty="0" err="1">
-                <a:solidFill>
-                  <a:schemeClr val="accent6">
-                    <a:lumMod val="75000"/>
-                  </a:schemeClr>
-                </a:solidFill>
-                <a:sym typeface="Wingdings" panose="05000000000000000000" pitchFamily="2" charset="2"/>
-              </a:rPr>
-              <a:t>f</a:t>
-            </a:r>
-            <a:r>
-              <a:rPr lang="en-CA" sz="2400" i="1" baseline="-25000" dirty="0" err="1">
-                <a:solidFill>
-                  <a:schemeClr val="accent6">
-                    <a:lumMod val="75000"/>
-                  </a:schemeClr>
-                </a:solidFill>
-                <a:sym typeface="Wingdings" panose="05000000000000000000" pitchFamily="2" charset="2"/>
-              </a:rPr>
-              <a:t>VNS</a:t>
-            </a:r>
-            <a:r>
-              <a:rPr lang="en-CA" sz="2400" dirty="0">
-                <a:solidFill>
-                  <a:schemeClr val="accent6">
-                    <a:lumMod val="75000"/>
-                  </a:schemeClr>
-                </a:solidFill>
-                <a:sym typeface="Wingdings" panose="05000000000000000000" pitchFamily="2" charset="2"/>
-              </a:rPr>
-              <a:t>(300) &gt; </a:t>
-            </a:r>
-            <a:r>
-              <a:rPr lang="en-CA" sz="2400" i="1" dirty="0" err="1">
-                <a:solidFill>
-                  <a:schemeClr val="accent6">
-                    <a:lumMod val="75000"/>
-                  </a:schemeClr>
-                </a:solidFill>
-                <a:sym typeface="Wingdings" panose="05000000000000000000" pitchFamily="2" charset="2"/>
-              </a:rPr>
-              <a:t>f</a:t>
-            </a:r>
-            <a:r>
-              <a:rPr lang="en-CA" sz="2400" i="1" baseline="-25000" dirty="0" err="1">
-                <a:solidFill>
-                  <a:schemeClr val="accent6">
-                    <a:lumMod val="75000"/>
-                  </a:schemeClr>
-                </a:solidFill>
-                <a:sym typeface="Wingdings" panose="05000000000000000000" pitchFamily="2" charset="2"/>
-              </a:rPr>
-              <a:t>VNS</a:t>
-            </a:r>
-            <a:r>
-              <a:rPr lang="en-CA" sz="2400" dirty="0">
-                <a:solidFill>
-                  <a:schemeClr val="accent6">
-                    <a:lumMod val="75000"/>
-                  </a:schemeClr>
-                </a:solidFill>
-                <a:sym typeface="Wingdings" panose="05000000000000000000" pitchFamily="2" charset="2"/>
-              </a:rPr>
-              <a:t>(350)</a:t>
-            </a:r>
-            <a:endParaRPr lang="en-CA" sz="2400" dirty="0"/>
-          </a:p>
-          <a:p>
             <a:endParaRPr lang="en-CA" sz="2400" dirty="0"/>
           </a:p>
           <a:p>
@@ -17869,10 +17507,82 @@
           </a:p>
         </p:txBody>
       </p:sp>
+      <p:pic>
+        <p:nvPicPr>
+          <p:cNvPr id="4" name="Picture 3" descr="A close up of a map&#10;&#10;Description generated with very high confidence">
+            <a:extLst>
+              <a:ext uri="{FF2B5EF4-FFF2-40B4-BE49-F238E27FC236}">
+                <a16:creationId xmlns:a16="http://schemas.microsoft.com/office/drawing/2014/main" id="{6F7F02D7-F0E8-4ACF-B7CC-959B5D7282D2}"/>
+              </a:ext>
+            </a:extLst>
+          </p:cNvPr>
+          <p:cNvPicPr>
+            <a:picLocks noChangeAspect="1"/>
+          </p:cNvPicPr>
+          <p:nvPr/>
+        </p:nvPicPr>
+        <p:blipFill>
+          <a:blip r:embed="rId3">
+            <a:extLst>
+              <a:ext uri="{28A0092B-C50C-407E-A947-70E740481C1C}">
+                <a14:useLocalDpi xmlns:a14="http://schemas.microsoft.com/office/drawing/2010/main" val="0"/>
+              </a:ext>
+            </a:extLst>
+          </a:blip>
+          <a:stretch>
+            <a:fillRect/>
+          </a:stretch>
+        </p:blipFill>
+        <p:spPr>
+          <a:xfrm>
+            <a:off x="778721" y="1658381"/>
+            <a:ext cx="5317279" cy="3987959"/>
+          </a:xfrm>
+          <a:prstGeom prst="rect">
+            <a:avLst/>
+          </a:prstGeom>
+        </p:spPr>
+      </p:pic>
+      <p:pic>
+        <p:nvPicPr>
+          <p:cNvPr id="8" name="Picture 7" descr="A close up of a map&#10;&#10;Description generated with very high confidence">
+            <a:extLst>
+              <a:ext uri="{FF2B5EF4-FFF2-40B4-BE49-F238E27FC236}">
+                <a16:creationId xmlns:a16="http://schemas.microsoft.com/office/drawing/2014/main" id="{CF3EF8CE-D7AB-4D17-A165-93D49F443CCF}"/>
+              </a:ext>
+            </a:extLst>
+          </p:cNvPr>
+          <p:cNvPicPr>
+            <a:picLocks noChangeAspect="1"/>
+          </p:cNvPicPr>
+          <p:nvPr/>
+        </p:nvPicPr>
+        <p:blipFill>
+          <a:blip r:embed="rId4">
+            <a:extLst>
+              <a:ext uri="{28A0092B-C50C-407E-A947-70E740481C1C}">
+                <a14:useLocalDpi xmlns:a14="http://schemas.microsoft.com/office/drawing/2010/main" val="0"/>
+              </a:ext>
+            </a:extLst>
+          </a:blip>
+          <a:stretch>
+            <a:fillRect/>
+          </a:stretch>
+        </p:blipFill>
+        <p:spPr>
+          <a:xfrm>
+            <a:off x="6200352" y="1697512"/>
+            <a:ext cx="5212927" cy="3909695"/>
+          </a:xfrm>
+          <a:prstGeom prst="rect">
+            <a:avLst/>
+          </a:prstGeom>
+        </p:spPr>
+      </p:pic>
     </p:spTree>
     <p:extLst>
       <p:ext uri="{BB962C8B-B14F-4D97-AF65-F5344CB8AC3E}">
-        <p14:creationId xmlns:p14="http://schemas.microsoft.com/office/powerpoint/2010/main" val="3961735586"/>
+        <p14:creationId xmlns:p14="http://schemas.microsoft.com/office/powerpoint/2010/main" val="2306792197"/>
       </p:ext>
     </p:extLst>
   </p:cSld>
@@ -18093,10 +17803,60 @@
           </a:prstGeom>
         </p:spPr>
       </p:pic>
+      <p:sp>
+        <p:nvSpPr>
+          <p:cNvPr id="9" name="Rectangle: Rounded Corners 8">
+            <a:extLst>
+              <a:ext uri="{FF2B5EF4-FFF2-40B4-BE49-F238E27FC236}">
+                <a16:creationId xmlns:a16="http://schemas.microsoft.com/office/drawing/2014/main" id="{86EF7A26-F32C-42F4-BCE7-73FD5B42F8FC}"/>
+              </a:ext>
+            </a:extLst>
+          </p:cNvPr>
+          <p:cNvSpPr/>
+          <p:nvPr/>
+        </p:nvSpPr>
+        <p:spPr>
+          <a:xfrm>
+            <a:off x="2489200" y="2438400"/>
+            <a:ext cx="3413760" cy="2407920"/>
+          </a:xfrm>
+          <a:prstGeom prst="roundRect">
+            <a:avLst/>
+          </a:prstGeom>
+          <a:noFill/>
+          <a:ln w="19050">
+            <a:solidFill>
+              <a:srgbClr val="FF0000"/>
+            </a:solidFill>
+          </a:ln>
+        </p:spPr>
+        <p:style>
+          <a:lnRef idx="2">
+            <a:schemeClr val="accent6"/>
+          </a:lnRef>
+          <a:fillRef idx="1">
+            <a:schemeClr val="lt1"/>
+          </a:fillRef>
+          <a:effectRef idx="0">
+            <a:schemeClr val="accent6"/>
+          </a:effectRef>
+          <a:fontRef idx="minor">
+            <a:schemeClr val="dk1"/>
+          </a:fontRef>
+        </p:style>
+        <p:txBody>
+          <a:bodyPr rtlCol="0" anchor="ctr"/>
+          <a:lstStyle/>
+          <a:p>
+            <a:pPr algn="ctr"/>
+            <a:endParaRPr lang="en-US"/>
+          </a:p>
+        </p:txBody>
+      </p:sp>
     </p:spTree>
     <p:extLst>
       <p:ext uri="{BB962C8B-B14F-4D97-AF65-F5344CB8AC3E}">
-        <p14:creationId xmlns:p14="http://schemas.microsoft.com/office/powerpoint/2010/main" val="2306792197"/>
+        <p14:creationId xmlns:p14="http://schemas.microsoft.com/office/powerpoint/2010/main" val="4200179265"/>
       </p:ext>
     </p:extLst>
   </p:cSld>
@@ -18367,280 +18127,6 @@
           </a:p>
         </p:txBody>
       </p:sp>
-    </p:spTree>
-    <p:extLst>
-      <p:ext uri="{BB962C8B-B14F-4D97-AF65-F5344CB8AC3E}">
-        <p14:creationId xmlns:p14="http://schemas.microsoft.com/office/powerpoint/2010/main" val="4200179265"/>
-      </p:ext>
-    </p:extLst>
-  </p:cSld>
-  <p:clrMapOvr>
-    <a:masterClrMapping/>
-  </p:clrMapOvr>
-</p:sld>
-</file>
-
-<file path=ppt/slides/slide29.xml><?xml version="1.0" encoding="utf-8"?>
-<p:sld xmlns:a="http://schemas.openxmlformats.org/drawingml/2006/main" xmlns:r="http://schemas.openxmlformats.org/officeDocument/2006/relationships" xmlns:p="http://schemas.openxmlformats.org/presentationml/2006/main">
-  <p:cSld>
-    <p:spTree>
-      <p:nvGrpSpPr>
-        <p:cNvPr id="1" name=""/>
-        <p:cNvGrpSpPr/>
-        <p:nvPr/>
-      </p:nvGrpSpPr>
-      <p:grpSpPr>
-        <a:xfrm>
-          <a:off x="0" y="0"/>
-          <a:ext cx="0" cy="0"/>
-          <a:chOff x="0" y="0"/>
-          <a:chExt cx="0" cy="0"/>
-        </a:xfrm>
-      </p:grpSpPr>
-      <p:sp>
-        <p:nvSpPr>
-          <p:cNvPr id="3" name="Content Placeholder 2">
-            <a:extLst>
-              <a:ext uri="{FF2B5EF4-FFF2-40B4-BE49-F238E27FC236}">
-                <a16:creationId xmlns:a16="http://schemas.microsoft.com/office/drawing/2014/main" id="{2E5DAAB6-C87E-4C10-8DDC-15F41DB00A20}"/>
-              </a:ext>
-            </a:extLst>
-          </p:cNvPr>
-          <p:cNvSpPr>
-            <a:spLocks noGrp="1"/>
-          </p:cNvSpPr>
-          <p:nvPr>
-            <p:ph idx="1"/>
-          </p:nvPr>
-        </p:nvSpPr>
-        <p:spPr>
-          <a:xfrm>
-            <a:off x="838200" y="1127760"/>
-            <a:ext cx="10515600" cy="5049203"/>
-          </a:xfrm>
-        </p:spPr>
-        <p:txBody>
-          <a:bodyPr>
-            <a:normAutofit/>
-          </a:bodyPr>
-          <a:lstStyle/>
-          <a:p>
-            <a:pPr marL="0" indent="0">
-              <a:buNone/>
-            </a:pPr>
-            <a:endParaRPr lang="en-CA" sz="2400" dirty="0">
-              <a:solidFill>
-                <a:schemeClr val="accent1">
-                  <a:lumMod val="75000"/>
-                </a:schemeClr>
-              </a:solidFill>
-            </a:endParaRPr>
-          </a:p>
-          <a:p>
-            <a:pPr marL="0" indent="0">
-              <a:buNone/>
-            </a:pPr>
-            <a:endParaRPr lang="en-CA" sz="2400" dirty="0"/>
-          </a:p>
-          <a:p>
-            <a:endParaRPr lang="en-CA" sz="2400" dirty="0"/>
-          </a:p>
-        </p:txBody>
-      </p:sp>
-      <p:pic>
-        <p:nvPicPr>
-          <p:cNvPr id="5" name="Picture 4">
-            <a:extLst>
-              <a:ext uri="{FF2B5EF4-FFF2-40B4-BE49-F238E27FC236}">
-                <a16:creationId xmlns:a16="http://schemas.microsoft.com/office/drawing/2014/main" id="{8977407B-874A-4791-897D-6196620D6F56}"/>
-              </a:ext>
-            </a:extLst>
-          </p:cNvPr>
-          <p:cNvPicPr>
-            <a:picLocks noChangeAspect="1"/>
-          </p:cNvPicPr>
-          <p:nvPr/>
-        </p:nvPicPr>
-        <p:blipFill>
-          <a:blip r:embed="rId2" cstate="hqprint">
-            <a:extLst>
-              <a:ext uri="{28A0092B-C50C-407E-A947-70E740481C1C}">
-                <a14:useLocalDpi xmlns:a14="http://schemas.microsoft.com/office/drawing/2010/main" val="0"/>
-              </a:ext>
-            </a:extLst>
-          </a:blip>
-          <a:stretch>
-            <a:fillRect/>
-          </a:stretch>
-        </p:blipFill>
-        <p:spPr>
-          <a:xfrm>
-            <a:off x="9916160" y="365125"/>
-            <a:ext cx="1437640" cy="418937"/>
-          </a:xfrm>
-          <a:prstGeom prst="rect">
-            <a:avLst/>
-          </a:prstGeom>
-        </p:spPr>
-      </p:pic>
-      <p:sp>
-        <p:nvSpPr>
-          <p:cNvPr id="7" name="Title 1">
-            <a:extLst>
-              <a:ext uri="{FF2B5EF4-FFF2-40B4-BE49-F238E27FC236}">
-                <a16:creationId xmlns:a16="http://schemas.microsoft.com/office/drawing/2014/main" id="{DF83123F-FFF6-4EB8-AA6C-703D18DCBD9D}"/>
-              </a:ext>
-            </a:extLst>
-          </p:cNvPr>
-          <p:cNvSpPr>
-            <a:spLocks noGrp="1"/>
-          </p:cNvSpPr>
-          <p:nvPr>
-            <p:ph type="title"/>
-          </p:nvPr>
-        </p:nvSpPr>
-        <p:spPr>
-          <a:xfrm>
-            <a:off x="838200" y="365125"/>
-            <a:ext cx="10515600" cy="762635"/>
-          </a:xfrm>
-        </p:spPr>
-        <p:txBody>
-          <a:bodyPr>
-            <a:normAutofit/>
-          </a:bodyPr>
-          <a:lstStyle/>
-          <a:p>
-            <a:r>
-              <a:rPr lang="en-CA" sz="3600" dirty="0"/>
-              <a:t>Golden Section Method</a:t>
-            </a:r>
-            <a:endParaRPr lang="en-US" sz="3600" dirty="0"/>
-          </a:p>
-        </p:txBody>
-      </p:sp>
-      <p:pic>
-        <p:nvPicPr>
-          <p:cNvPr id="4" name="Picture 3" descr="A close up of a map&#10;&#10;Description generated with very high confidence">
-            <a:extLst>
-              <a:ext uri="{FF2B5EF4-FFF2-40B4-BE49-F238E27FC236}">
-                <a16:creationId xmlns:a16="http://schemas.microsoft.com/office/drawing/2014/main" id="{6F7F02D7-F0E8-4ACF-B7CC-959B5D7282D2}"/>
-              </a:ext>
-            </a:extLst>
-          </p:cNvPr>
-          <p:cNvPicPr>
-            <a:picLocks noChangeAspect="1"/>
-          </p:cNvPicPr>
-          <p:nvPr/>
-        </p:nvPicPr>
-        <p:blipFill>
-          <a:blip r:embed="rId3">
-            <a:extLst>
-              <a:ext uri="{28A0092B-C50C-407E-A947-70E740481C1C}">
-                <a14:useLocalDpi xmlns:a14="http://schemas.microsoft.com/office/drawing/2010/main" val="0"/>
-              </a:ext>
-            </a:extLst>
-          </a:blip>
-          <a:stretch>
-            <a:fillRect/>
-          </a:stretch>
-        </p:blipFill>
-        <p:spPr>
-          <a:xfrm>
-            <a:off x="778721" y="1658381"/>
-            <a:ext cx="5317279" cy="3987959"/>
-          </a:xfrm>
-          <a:prstGeom prst="rect">
-            <a:avLst/>
-          </a:prstGeom>
-        </p:spPr>
-      </p:pic>
-      <p:pic>
-        <p:nvPicPr>
-          <p:cNvPr id="8" name="Picture 7" descr="A close up of a map&#10;&#10;Description generated with very high confidence">
-            <a:extLst>
-              <a:ext uri="{FF2B5EF4-FFF2-40B4-BE49-F238E27FC236}">
-                <a16:creationId xmlns:a16="http://schemas.microsoft.com/office/drawing/2014/main" id="{CF3EF8CE-D7AB-4D17-A165-93D49F443CCF}"/>
-              </a:ext>
-            </a:extLst>
-          </p:cNvPr>
-          <p:cNvPicPr>
-            <a:picLocks noChangeAspect="1"/>
-          </p:cNvPicPr>
-          <p:nvPr/>
-        </p:nvPicPr>
-        <p:blipFill>
-          <a:blip r:embed="rId4">
-            <a:extLst>
-              <a:ext uri="{28A0092B-C50C-407E-A947-70E740481C1C}">
-                <a14:useLocalDpi xmlns:a14="http://schemas.microsoft.com/office/drawing/2010/main" val="0"/>
-              </a:ext>
-            </a:extLst>
-          </a:blip>
-          <a:stretch>
-            <a:fillRect/>
-          </a:stretch>
-        </p:blipFill>
-        <p:spPr>
-          <a:xfrm>
-            <a:off x="6200352" y="1697512"/>
-            <a:ext cx="5212927" cy="3909695"/>
-          </a:xfrm>
-          <a:prstGeom prst="rect">
-            <a:avLst/>
-          </a:prstGeom>
-        </p:spPr>
-      </p:pic>
-      <p:sp>
-        <p:nvSpPr>
-          <p:cNvPr id="9" name="Rectangle: Rounded Corners 8">
-            <a:extLst>
-              <a:ext uri="{FF2B5EF4-FFF2-40B4-BE49-F238E27FC236}">
-                <a16:creationId xmlns:a16="http://schemas.microsoft.com/office/drawing/2014/main" id="{86EF7A26-F32C-42F4-BCE7-73FD5B42F8FC}"/>
-              </a:ext>
-            </a:extLst>
-          </p:cNvPr>
-          <p:cNvSpPr/>
-          <p:nvPr/>
-        </p:nvSpPr>
-        <p:spPr>
-          <a:xfrm>
-            <a:off x="2489200" y="2438400"/>
-            <a:ext cx="3413760" cy="2407920"/>
-          </a:xfrm>
-          <a:prstGeom prst="roundRect">
-            <a:avLst/>
-          </a:prstGeom>
-          <a:noFill/>
-          <a:ln w="19050">
-            <a:solidFill>
-              <a:srgbClr val="FF0000"/>
-            </a:solidFill>
-          </a:ln>
-        </p:spPr>
-        <p:style>
-          <a:lnRef idx="2">
-            <a:schemeClr val="accent6"/>
-          </a:lnRef>
-          <a:fillRef idx="1">
-            <a:schemeClr val="lt1"/>
-          </a:fillRef>
-          <a:effectRef idx="0">
-            <a:schemeClr val="accent6"/>
-          </a:effectRef>
-          <a:fontRef idx="minor">
-            <a:schemeClr val="dk1"/>
-          </a:fontRef>
-        </p:style>
-        <p:txBody>
-          <a:bodyPr rtlCol="0" anchor="ctr"/>
-          <a:lstStyle/>
-          <a:p>
-            <a:pPr algn="ctr"/>
-            <a:endParaRPr lang="en-US"/>
-          </a:p>
-        </p:txBody>
-      </p:sp>
       <p:sp>
         <p:nvSpPr>
           <p:cNvPr id="15" name="Oval 14">
@@ -18749,6 +18235,496 @@
     <p:extLst>
       <p:ext uri="{BB962C8B-B14F-4D97-AF65-F5344CB8AC3E}">
         <p14:creationId xmlns:p14="http://schemas.microsoft.com/office/powerpoint/2010/main" val="2291285242"/>
+      </p:ext>
+    </p:extLst>
+  </p:cSld>
+  <p:clrMapOvr>
+    <a:masterClrMapping/>
+  </p:clrMapOvr>
+</p:sld>
+</file>
+
+<file path=ppt/slides/slide29.xml><?xml version="1.0" encoding="utf-8"?>
+<p:sld xmlns:a="http://schemas.openxmlformats.org/drawingml/2006/main" xmlns:r="http://schemas.openxmlformats.org/officeDocument/2006/relationships" xmlns:p="http://schemas.openxmlformats.org/presentationml/2006/main">
+  <p:cSld>
+    <p:spTree>
+      <p:nvGrpSpPr>
+        <p:cNvPr id="1" name=""/>
+        <p:cNvGrpSpPr/>
+        <p:nvPr/>
+      </p:nvGrpSpPr>
+      <p:grpSpPr>
+        <a:xfrm>
+          <a:off x="0" y="0"/>
+          <a:ext cx="0" cy="0"/>
+          <a:chOff x="0" y="0"/>
+          <a:chExt cx="0" cy="0"/>
+        </a:xfrm>
+      </p:grpSpPr>
+      <p:pic>
+        <p:nvPicPr>
+          <p:cNvPr id="11" name="Picture 10" descr="A close up of a map&#10;&#10;Description generated with very high confidence">
+            <a:extLst>
+              <a:ext uri="{FF2B5EF4-FFF2-40B4-BE49-F238E27FC236}">
+                <a16:creationId xmlns:a16="http://schemas.microsoft.com/office/drawing/2014/main" id="{6A03346C-E2B1-43B8-A0C1-2FDC1FC75DAA}"/>
+              </a:ext>
+            </a:extLst>
+          </p:cNvPr>
+          <p:cNvPicPr>
+            <a:picLocks noChangeAspect="1"/>
+          </p:cNvPicPr>
+          <p:nvPr/>
+        </p:nvPicPr>
+        <p:blipFill>
+          <a:blip r:embed="rId2">
+            <a:extLst>
+              <a:ext uri="{28A0092B-C50C-407E-A947-70E740481C1C}">
+                <a14:useLocalDpi xmlns:a14="http://schemas.microsoft.com/office/drawing/2010/main" val="0"/>
+              </a:ext>
+            </a:extLst>
+          </a:blip>
+          <a:stretch>
+            <a:fillRect/>
+          </a:stretch>
+        </p:blipFill>
+        <p:spPr>
+          <a:xfrm>
+            <a:off x="6096000" y="1658381"/>
+            <a:ext cx="5317279" cy="3987959"/>
+          </a:xfrm>
+          <a:prstGeom prst="rect">
+            <a:avLst/>
+          </a:prstGeom>
+        </p:spPr>
+      </p:pic>
+      <p:sp>
+        <p:nvSpPr>
+          <p:cNvPr id="3" name="Content Placeholder 2">
+            <a:extLst>
+              <a:ext uri="{FF2B5EF4-FFF2-40B4-BE49-F238E27FC236}">
+                <a16:creationId xmlns:a16="http://schemas.microsoft.com/office/drawing/2014/main" id="{2E5DAAB6-C87E-4C10-8DDC-15F41DB00A20}"/>
+              </a:ext>
+            </a:extLst>
+          </p:cNvPr>
+          <p:cNvSpPr>
+            <a:spLocks noGrp="1"/>
+          </p:cNvSpPr>
+          <p:nvPr>
+            <p:ph idx="1"/>
+          </p:nvPr>
+        </p:nvSpPr>
+        <p:spPr>
+          <a:xfrm>
+            <a:off x="838200" y="1127760"/>
+            <a:ext cx="10515600" cy="5049203"/>
+          </a:xfrm>
+        </p:spPr>
+        <p:txBody>
+          <a:bodyPr>
+            <a:normAutofit/>
+          </a:bodyPr>
+          <a:lstStyle/>
+          <a:p>
+            <a:pPr marL="0" indent="0">
+              <a:buNone/>
+            </a:pPr>
+            <a:endParaRPr lang="en-CA" sz="2400" dirty="0">
+              <a:solidFill>
+                <a:schemeClr val="accent1">
+                  <a:lumMod val="75000"/>
+                </a:schemeClr>
+              </a:solidFill>
+            </a:endParaRPr>
+          </a:p>
+          <a:p>
+            <a:pPr marL="0" indent="0">
+              <a:buNone/>
+            </a:pPr>
+            <a:endParaRPr lang="en-CA" sz="2400" dirty="0">
+              <a:solidFill>
+                <a:schemeClr val="accent1">
+                  <a:lumMod val="75000"/>
+                </a:schemeClr>
+              </a:solidFill>
+            </a:endParaRPr>
+          </a:p>
+          <a:p>
+            <a:pPr marL="0" indent="0">
+              <a:buNone/>
+            </a:pPr>
+            <a:endParaRPr lang="en-CA" sz="2400" dirty="0">
+              <a:solidFill>
+                <a:schemeClr val="accent1">
+                  <a:lumMod val="75000"/>
+                </a:schemeClr>
+              </a:solidFill>
+            </a:endParaRPr>
+          </a:p>
+          <a:p>
+            <a:pPr marL="0" indent="0">
+              <a:buNone/>
+            </a:pPr>
+            <a:r>
+              <a:rPr lang="en-CA" sz="2400" dirty="0">
+                <a:solidFill>
+                  <a:schemeClr val="accent1">
+                    <a:lumMod val="75000"/>
+                  </a:schemeClr>
+                </a:solidFill>
+              </a:rPr>
+              <a:t>Our parameters</a:t>
+            </a:r>
+          </a:p>
+          <a:p>
+            <a:r>
+              <a:rPr lang="en-CA" sz="2400" dirty="0"/>
+              <a:t>Threshold for switching: 50</a:t>
+            </a:r>
+          </a:p>
+          <a:p>
+            <a:r>
+              <a:rPr lang="en-CA" sz="2400" dirty="0"/>
+              <a:t>Tolerance for termination: 5</a:t>
+            </a:r>
+          </a:p>
+          <a:p>
+            <a:pPr marL="0" indent="0">
+              <a:buNone/>
+            </a:pPr>
+            <a:endParaRPr lang="en-CA" sz="2400" dirty="0"/>
+          </a:p>
+          <a:p>
+            <a:endParaRPr lang="en-CA" sz="2400" dirty="0"/>
+          </a:p>
+        </p:txBody>
+      </p:sp>
+      <p:pic>
+        <p:nvPicPr>
+          <p:cNvPr id="5" name="Picture 4">
+            <a:extLst>
+              <a:ext uri="{FF2B5EF4-FFF2-40B4-BE49-F238E27FC236}">
+                <a16:creationId xmlns:a16="http://schemas.microsoft.com/office/drawing/2014/main" id="{8977407B-874A-4791-897D-6196620D6F56}"/>
+              </a:ext>
+            </a:extLst>
+          </p:cNvPr>
+          <p:cNvPicPr>
+            <a:picLocks noChangeAspect="1"/>
+          </p:cNvPicPr>
+          <p:nvPr/>
+        </p:nvPicPr>
+        <p:blipFill>
+          <a:blip r:embed="rId3" cstate="hqprint">
+            <a:extLst>
+              <a:ext uri="{28A0092B-C50C-407E-A947-70E740481C1C}">
+                <a14:useLocalDpi xmlns:a14="http://schemas.microsoft.com/office/drawing/2010/main" val="0"/>
+              </a:ext>
+            </a:extLst>
+          </a:blip>
+          <a:stretch>
+            <a:fillRect/>
+          </a:stretch>
+        </p:blipFill>
+        <p:spPr>
+          <a:xfrm>
+            <a:off x="9916160" y="365125"/>
+            <a:ext cx="1437640" cy="418937"/>
+          </a:xfrm>
+          <a:prstGeom prst="rect">
+            <a:avLst/>
+          </a:prstGeom>
+        </p:spPr>
+      </p:pic>
+      <p:sp>
+        <p:nvSpPr>
+          <p:cNvPr id="7" name="Title 1">
+            <a:extLst>
+              <a:ext uri="{FF2B5EF4-FFF2-40B4-BE49-F238E27FC236}">
+                <a16:creationId xmlns:a16="http://schemas.microsoft.com/office/drawing/2014/main" id="{DF83123F-FFF6-4EB8-AA6C-703D18DCBD9D}"/>
+              </a:ext>
+            </a:extLst>
+          </p:cNvPr>
+          <p:cNvSpPr>
+            <a:spLocks noGrp="1"/>
+          </p:cNvSpPr>
+          <p:nvPr>
+            <p:ph type="title"/>
+          </p:nvPr>
+        </p:nvSpPr>
+        <p:spPr>
+          <a:xfrm>
+            <a:off x="838200" y="365125"/>
+            <a:ext cx="10515600" cy="762635"/>
+          </a:xfrm>
+        </p:spPr>
+        <p:txBody>
+          <a:bodyPr>
+            <a:normAutofit/>
+          </a:bodyPr>
+          <a:lstStyle/>
+          <a:p>
+            <a:r>
+              <a:rPr lang="en-CA" sz="3600" dirty="0"/>
+              <a:t>Golden Section Method</a:t>
+            </a:r>
+            <a:endParaRPr lang="en-US" sz="3600" dirty="0"/>
+          </a:p>
+        </p:txBody>
+      </p:sp>
+      <p:cxnSp>
+        <p:nvCxnSpPr>
+          <p:cNvPr id="12" name="Straight Connector 11">
+            <a:extLst>
+              <a:ext uri="{FF2B5EF4-FFF2-40B4-BE49-F238E27FC236}">
+                <a16:creationId xmlns:a16="http://schemas.microsoft.com/office/drawing/2014/main" id="{10B21CA4-8CA2-4402-AB89-9F229F47109F}"/>
+              </a:ext>
+            </a:extLst>
+          </p:cNvPr>
+          <p:cNvCxnSpPr>
+            <a:cxnSpLocks/>
+          </p:cNvCxnSpPr>
+          <p:nvPr/>
+        </p:nvCxnSpPr>
+        <p:spPr>
+          <a:xfrm>
+            <a:off x="6949440" y="1960880"/>
+            <a:ext cx="0" cy="3251200"/>
+          </a:xfrm>
+          <a:prstGeom prst="line">
+            <a:avLst/>
+          </a:prstGeom>
+          <a:ln w="6350">
+            <a:solidFill>
+              <a:srgbClr val="FF0000"/>
+            </a:solidFill>
+            <a:prstDash val="dash"/>
+          </a:ln>
+        </p:spPr>
+        <p:style>
+          <a:lnRef idx="1">
+            <a:schemeClr val="accent1"/>
+          </a:lnRef>
+          <a:fillRef idx="0">
+            <a:schemeClr val="accent1"/>
+          </a:fillRef>
+          <a:effectRef idx="0">
+            <a:schemeClr val="accent1"/>
+          </a:effectRef>
+          <a:fontRef idx="minor">
+            <a:schemeClr val="tx1"/>
+          </a:fontRef>
+        </p:style>
+      </p:cxnSp>
+      <p:cxnSp>
+        <p:nvCxnSpPr>
+          <p:cNvPr id="14" name="Straight Connector 13">
+            <a:extLst>
+              <a:ext uri="{FF2B5EF4-FFF2-40B4-BE49-F238E27FC236}">
+                <a16:creationId xmlns:a16="http://schemas.microsoft.com/office/drawing/2014/main" id="{4F4A77A5-2588-4317-AC5B-B140834B4157}"/>
+              </a:ext>
+            </a:extLst>
+          </p:cNvPr>
+          <p:cNvCxnSpPr>
+            <a:cxnSpLocks/>
+          </p:cNvCxnSpPr>
+          <p:nvPr/>
+        </p:nvCxnSpPr>
+        <p:spPr>
+          <a:xfrm>
+            <a:off x="6837680" y="1960880"/>
+            <a:ext cx="0" cy="3251200"/>
+          </a:xfrm>
+          <a:prstGeom prst="line">
+            <a:avLst/>
+          </a:prstGeom>
+          <a:ln w="6350">
+            <a:solidFill>
+              <a:srgbClr val="FF0000"/>
+            </a:solidFill>
+            <a:prstDash val="dash"/>
+          </a:ln>
+        </p:spPr>
+        <p:style>
+          <a:lnRef idx="1">
+            <a:schemeClr val="accent1"/>
+          </a:lnRef>
+          <a:fillRef idx="0">
+            <a:schemeClr val="accent1"/>
+          </a:fillRef>
+          <a:effectRef idx="0">
+            <a:schemeClr val="accent1"/>
+          </a:effectRef>
+          <a:fontRef idx="minor">
+            <a:schemeClr val="tx1"/>
+          </a:fontRef>
+        </p:style>
+      </p:cxnSp>
+      <p:cxnSp>
+        <p:nvCxnSpPr>
+          <p:cNvPr id="15" name="Straight Connector 14">
+            <a:extLst>
+              <a:ext uri="{FF2B5EF4-FFF2-40B4-BE49-F238E27FC236}">
+                <a16:creationId xmlns:a16="http://schemas.microsoft.com/office/drawing/2014/main" id="{E7A27FC9-44FA-4D94-85FC-A8C0C9BBAA7A}"/>
+              </a:ext>
+            </a:extLst>
+          </p:cNvPr>
+          <p:cNvCxnSpPr>
+            <a:cxnSpLocks/>
+          </p:cNvCxnSpPr>
+          <p:nvPr/>
+        </p:nvCxnSpPr>
+        <p:spPr>
+          <a:xfrm>
+            <a:off x="7813040" y="1960880"/>
+            <a:ext cx="0" cy="3251200"/>
+          </a:xfrm>
+          <a:prstGeom prst="line">
+            <a:avLst/>
+          </a:prstGeom>
+          <a:ln w="19050">
+            <a:solidFill>
+              <a:srgbClr val="1DFF5E"/>
+            </a:solidFill>
+            <a:prstDash val="dash"/>
+          </a:ln>
+        </p:spPr>
+        <p:style>
+          <a:lnRef idx="1">
+            <a:schemeClr val="accent1"/>
+          </a:lnRef>
+          <a:fillRef idx="0">
+            <a:schemeClr val="accent1"/>
+          </a:fillRef>
+          <a:effectRef idx="0">
+            <a:schemeClr val="accent1"/>
+          </a:effectRef>
+          <a:fontRef idx="minor">
+            <a:schemeClr val="tx1"/>
+          </a:fontRef>
+        </p:style>
+      </p:cxnSp>
+      <p:sp>
+        <p:nvSpPr>
+          <p:cNvPr id="16" name="TextBox 15">
+            <a:extLst>
+              <a:ext uri="{FF2B5EF4-FFF2-40B4-BE49-F238E27FC236}">
+                <a16:creationId xmlns:a16="http://schemas.microsoft.com/office/drawing/2014/main" id="{2D1203CD-3CDF-4188-80B2-B76EBAF0FEAE}"/>
+              </a:ext>
+            </a:extLst>
+          </p:cNvPr>
+          <p:cNvSpPr txBox="1"/>
+          <p:nvPr/>
+        </p:nvSpPr>
+        <p:spPr>
+          <a:xfrm>
+            <a:off x="7813041" y="4043680"/>
+            <a:ext cx="1432560" cy="584775"/>
+          </a:xfrm>
+          <a:prstGeom prst="rect">
+            <a:avLst/>
+          </a:prstGeom>
+          <a:noFill/>
+        </p:spPr>
+        <p:txBody>
+          <a:bodyPr wrap="square" rtlCol="0">
+            <a:spAutoFit/>
+          </a:bodyPr>
+          <a:lstStyle/>
+          <a:p>
+            <a:r>
+              <a:rPr lang="en-CA" sz="1600" dirty="0"/>
+              <a:t>Threshold:</a:t>
+            </a:r>
+          </a:p>
+          <a:p>
+            <a:r>
+              <a:rPr lang="en-CA" sz="1600" dirty="0"/>
+              <a:t>Greedy =&gt; VNS</a:t>
+            </a:r>
+            <a:endParaRPr lang="en-US" sz="1600" dirty="0"/>
+          </a:p>
+        </p:txBody>
+      </p:sp>
+      <p:sp>
+        <p:nvSpPr>
+          <p:cNvPr id="17" name="TextBox 16">
+            <a:extLst>
+              <a:ext uri="{FF2B5EF4-FFF2-40B4-BE49-F238E27FC236}">
+                <a16:creationId xmlns:a16="http://schemas.microsoft.com/office/drawing/2014/main" id="{103FBC69-A2A3-4A32-B49B-1BFA0FCDECBE}"/>
+              </a:ext>
+            </a:extLst>
+          </p:cNvPr>
+          <p:cNvSpPr txBox="1"/>
+          <p:nvPr/>
+        </p:nvSpPr>
+        <p:spPr>
+          <a:xfrm>
+            <a:off x="6248406" y="5895101"/>
+            <a:ext cx="1381746" cy="338554"/>
+          </a:xfrm>
+          <a:prstGeom prst="rect">
+            <a:avLst/>
+          </a:prstGeom>
+          <a:noFill/>
+        </p:spPr>
+        <p:txBody>
+          <a:bodyPr wrap="square" rtlCol="0">
+            <a:spAutoFit/>
+          </a:bodyPr>
+          <a:lstStyle/>
+          <a:p>
+            <a:r>
+              <a:rPr lang="en-CA" sz="1600" dirty="0"/>
+              <a:t>Final interval</a:t>
+            </a:r>
+            <a:endParaRPr lang="en-US" sz="1600" dirty="0"/>
+          </a:p>
+        </p:txBody>
+      </p:sp>
+      <p:cxnSp>
+        <p:nvCxnSpPr>
+          <p:cNvPr id="19" name="Straight Arrow Connector 18">
+            <a:extLst>
+              <a:ext uri="{FF2B5EF4-FFF2-40B4-BE49-F238E27FC236}">
+                <a16:creationId xmlns:a16="http://schemas.microsoft.com/office/drawing/2014/main" id="{FD1C4ADF-8C25-4919-B0EC-1CDBB416D2F7}"/>
+              </a:ext>
+            </a:extLst>
+          </p:cNvPr>
+          <p:cNvCxnSpPr>
+            <a:cxnSpLocks/>
+          </p:cNvCxnSpPr>
+          <p:nvPr/>
+        </p:nvCxnSpPr>
+        <p:spPr>
+          <a:xfrm flipV="1">
+            <a:off x="6939279" y="5412978"/>
+            <a:ext cx="0" cy="466724"/>
+          </a:xfrm>
+          <a:prstGeom prst="straightConnector1">
+            <a:avLst/>
+          </a:prstGeom>
+          <a:ln>
+            <a:tailEnd type="triangle"/>
+          </a:ln>
+        </p:spPr>
+        <p:style>
+          <a:lnRef idx="1">
+            <a:schemeClr val="accent1"/>
+          </a:lnRef>
+          <a:fillRef idx="0">
+            <a:schemeClr val="accent1"/>
+          </a:fillRef>
+          <a:effectRef idx="0">
+            <a:schemeClr val="accent1"/>
+          </a:effectRef>
+          <a:fontRef idx="minor">
+            <a:schemeClr val="tx1"/>
+          </a:fontRef>
+        </p:style>
+      </p:cxnSp>
+    </p:spTree>
+    <p:extLst>
+      <p:ext uri="{BB962C8B-B14F-4D97-AF65-F5344CB8AC3E}">
+        <p14:creationId xmlns:p14="http://schemas.microsoft.com/office/powerpoint/2010/main" val="786155486"/>
       </p:ext>
     </p:extLst>
   </p:cSld>
@@ -19085,496 +19061,6 @@
           <a:chExt cx="0" cy="0"/>
         </a:xfrm>
       </p:grpSpPr>
-      <p:pic>
-        <p:nvPicPr>
-          <p:cNvPr id="11" name="Picture 10" descr="A close up of a map&#10;&#10;Description generated with very high confidence">
-            <a:extLst>
-              <a:ext uri="{FF2B5EF4-FFF2-40B4-BE49-F238E27FC236}">
-                <a16:creationId xmlns:a16="http://schemas.microsoft.com/office/drawing/2014/main" id="{6A03346C-E2B1-43B8-A0C1-2FDC1FC75DAA}"/>
-              </a:ext>
-            </a:extLst>
-          </p:cNvPr>
-          <p:cNvPicPr>
-            <a:picLocks noChangeAspect="1"/>
-          </p:cNvPicPr>
-          <p:nvPr/>
-        </p:nvPicPr>
-        <p:blipFill>
-          <a:blip r:embed="rId2">
-            <a:extLst>
-              <a:ext uri="{28A0092B-C50C-407E-A947-70E740481C1C}">
-                <a14:useLocalDpi xmlns:a14="http://schemas.microsoft.com/office/drawing/2010/main" val="0"/>
-              </a:ext>
-            </a:extLst>
-          </a:blip>
-          <a:stretch>
-            <a:fillRect/>
-          </a:stretch>
-        </p:blipFill>
-        <p:spPr>
-          <a:xfrm>
-            <a:off x="6096000" y="1658381"/>
-            <a:ext cx="5317279" cy="3987959"/>
-          </a:xfrm>
-          <a:prstGeom prst="rect">
-            <a:avLst/>
-          </a:prstGeom>
-        </p:spPr>
-      </p:pic>
-      <p:sp>
-        <p:nvSpPr>
-          <p:cNvPr id="3" name="Content Placeholder 2">
-            <a:extLst>
-              <a:ext uri="{FF2B5EF4-FFF2-40B4-BE49-F238E27FC236}">
-                <a16:creationId xmlns:a16="http://schemas.microsoft.com/office/drawing/2014/main" id="{2E5DAAB6-C87E-4C10-8DDC-15F41DB00A20}"/>
-              </a:ext>
-            </a:extLst>
-          </p:cNvPr>
-          <p:cNvSpPr>
-            <a:spLocks noGrp="1"/>
-          </p:cNvSpPr>
-          <p:nvPr>
-            <p:ph idx="1"/>
-          </p:nvPr>
-        </p:nvSpPr>
-        <p:spPr>
-          <a:xfrm>
-            <a:off x="838200" y="1127760"/>
-            <a:ext cx="10515600" cy="5049203"/>
-          </a:xfrm>
-        </p:spPr>
-        <p:txBody>
-          <a:bodyPr>
-            <a:normAutofit/>
-          </a:bodyPr>
-          <a:lstStyle/>
-          <a:p>
-            <a:pPr marL="0" indent="0">
-              <a:buNone/>
-            </a:pPr>
-            <a:endParaRPr lang="en-CA" sz="2400" dirty="0">
-              <a:solidFill>
-                <a:schemeClr val="accent1">
-                  <a:lumMod val="75000"/>
-                </a:schemeClr>
-              </a:solidFill>
-            </a:endParaRPr>
-          </a:p>
-          <a:p>
-            <a:pPr marL="0" indent="0">
-              <a:buNone/>
-            </a:pPr>
-            <a:endParaRPr lang="en-CA" sz="2400" dirty="0">
-              <a:solidFill>
-                <a:schemeClr val="accent1">
-                  <a:lumMod val="75000"/>
-                </a:schemeClr>
-              </a:solidFill>
-            </a:endParaRPr>
-          </a:p>
-          <a:p>
-            <a:pPr marL="0" indent="0">
-              <a:buNone/>
-            </a:pPr>
-            <a:endParaRPr lang="en-CA" sz="2400" dirty="0">
-              <a:solidFill>
-                <a:schemeClr val="accent1">
-                  <a:lumMod val="75000"/>
-                </a:schemeClr>
-              </a:solidFill>
-            </a:endParaRPr>
-          </a:p>
-          <a:p>
-            <a:pPr marL="0" indent="0">
-              <a:buNone/>
-            </a:pPr>
-            <a:r>
-              <a:rPr lang="en-CA" sz="2400" dirty="0">
-                <a:solidFill>
-                  <a:schemeClr val="accent1">
-                    <a:lumMod val="75000"/>
-                  </a:schemeClr>
-                </a:solidFill>
-              </a:rPr>
-              <a:t>Our parameters</a:t>
-            </a:r>
-          </a:p>
-          <a:p>
-            <a:r>
-              <a:rPr lang="en-CA" sz="2400" dirty="0"/>
-              <a:t>Threshold for switching: 50</a:t>
-            </a:r>
-          </a:p>
-          <a:p>
-            <a:r>
-              <a:rPr lang="en-CA" sz="2400" dirty="0"/>
-              <a:t>Tolerance for termination: 5</a:t>
-            </a:r>
-          </a:p>
-          <a:p>
-            <a:pPr marL="0" indent="0">
-              <a:buNone/>
-            </a:pPr>
-            <a:endParaRPr lang="en-CA" sz="2400" dirty="0"/>
-          </a:p>
-          <a:p>
-            <a:endParaRPr lang="en-CA" sz="2400" dirty="0"/>
-          </a:p>
-        </p:txBody>
-      </p:sp>
-      <p:pic>
-        <p:nvPicPr>
-          <p:cNvPr id="5" name="Picture 4">
-            <a:extLst>
-              <a:ext uri="{FF2B5EF4-FFF2-40B4-BE49-F238E27FC236}">
-                <a16:creationId xmlns:a16="http://schemas.microsoft.com/office/drawing/2014/main" id="{8977407B-874A-4791-897D-6196620D6F56}"/>
-              </a:ext>
-            </a:extLst>
-          </p:cNvPr>
-          <p:cNvPicPr>
-            <a:picLocks noChangeAspect="1"/>
-          </p:cNvPicPr>
-          <p:nvPr/>
-        </p:nvPicPr>
-        <p:blipFill>
-          <a:blip r:embed="rId3" cstate="hqprint">
-            <a:extLst>
-              <a:ext uri="{28A0092B-C50C-407E-A947-70E740481C1C}">
-                <a14:useLocalDpi xmlns:a14="http://schemas.microsoft.com/office/drawing/2010/main" val="0"/>
-              </a:ext>
-            </a:extLst>
-          </a:blip>
-          <a:stretch>
-            <a:fillRect/>
-          </a:stretch>
-        </p:blipFill>
-        <p:spPr>
-          <a:xfrm>
-            <a:off x="9916160" y="365125"/>
-            <a:ext cx="1437640" cy="418937"/>
-          </a:xfrm>
-          <a:prstGeom prst="rect">
-            <a:avLst/>
-          </a:prstGeom>
-        </p:spPr>
-      </p:pic>
-      <p:sp>
-        <p:nvSpPr>
-          <p:cNvPr id="7" name="Title 1">
-            <a:extLst>
-              <a:ext uri="{FF2B5EF4-FFF2-40B4-BE49-F238E27FC236}">
-                <a16:creationId xmlns:a16="http://schemas.microsoft.com/office/drawing/2014/main" id="{DF83123F-FFF6-4EB8-AA6C-703D18DCBD9D}"/>
-              </a:ext>
-            </a:extLst>
-          </p:cNvPr>
-          <p:cNvSpPr>
-            <a:spLocks noGrp="1"/>
-          </p:cNvSpPr>
-          <p:nvPr>
-            <p:ph type="title"/>
-          </p:nvPr>
-        </p:nvSpPr>
-        <p:spPr>
-          <a:xfrm>
-            <a:off x="838200" y="365125"/>
-            <a:ext cx="10515600" cy="762635"/>
-          </a:xfrm>
-        </p:spPr>
-        <p:txBody>
-          <a:bodyPr>
-            <a:normAutofit/>
-          </a:bodyPr>
-          <a:lstStyle/>
-          <a:p>
-            <a:r>
-              <a:rPr lang="en-CA" sz="3600" dirty="0"/>
-              <a:t>Golden Section Method</a:t>
-            </a:r>
-            <a:endParaRPr lang="en-US" sz="3600" dirty="0"/>
-          </a:p>
-        </p:txBody>
-      </p:sp>
-      <p:cxnSp>
-        <p:nvCxnSpPr>
-          <p:cNvPr id="12" name="Straight Connector 11">
-            <a:extLst>
-              <a:ext uri="{FF2B5EF4-FFF2-40B4-BE49-F238E27FC236}">
-                <a16:creationId xmlns:a16="http://schemas.microsoft.com/office/drawing/2014/main" id="{10B21CA4-8CA2-4402-AB89-9F229F47109F}"/>
-              </a:ext>
-            </a:extLst>
-          </p:cNvPr>
-          <p:cNvCxnSpPr>
-            <a:cxnSpLocks/>
-          </p:cNvCxnSpPr>
-          <p:nvPr/>
-        </p:nvCxnSpPr>
-        <p:spPr>
-          <a:xfrm>
-            <a:off x="6949440" y="1960880"/>
-            <a:ext cx="0" cy="3251200"/>
-          </a:xfrm>
-          <a:prstGeom prst="line">
-            <a:avLst/>
-          </a:prstGeom>
-          <a:ln w="6350">
-            <a:solidFill>
-              <a:srgbClr val="FF0000"/>
-            </a:solidFill>
-            <a:prstDash val="dash"/>
-          </a:ln>
-        </p:spPr>
-        <p:style>
-          <a:lnRef idx="1">
-            <a:schemeClr val="accent1"/>
-          </a:lnRef>
-          <a:fillRef idx="0">
-            <a:schemeClr val="accent1"/>
-          </a:fillRef>
-          <a:effectRef idx="0">
-            <a:schemeClr val="accent1"/>
-          </a:effectRef>
-          <a:fontRef idx="minor">
-            <a:schemeClr val="tx1"/>
-          </a:fontRef>
-        </p:style>
-      </p:cxnSp>
-      <p:cxnSp>
-        <p:nvCxnSpPr>
-          <p:cNvPr id="14" name="Straight Connector 13">
-            <a:extLst>
-              <a:ext uri="{FF2B5EF4-FFF2-40B4-BE49-F238E27FC236}">
-                <a16:creationId xmlns:a16="http://schemas.microsoft.com/office/drawing/2014/main" id="{4F4A77A5-2588-4317-AC5B-B140834B4157}"/>
-              </a:ext>
-            </a:extLst>
-          </p:cNvPr>
-          <p:cNvCxnSpPr>
-            <a:cxnSpLocks/>
-          </p:cNvCxnSpPr>
-          <p:nvPr/>
-        </p:nvCxnSpPr>
-        <p:spPr>
-          <a:xfrm>
-            <a:off x="6837680" y="1960880"/>
-            <a:ext cx="0" cy="3251200"/>
-          </a:xfrm>
-          <a:prstGeom prst="line">
-            <a:avLst/>
-          </a:prstGeom>
-          <a:ln w="6350">
-            <a:solidFill>
-              <a:srgbClr val="FF0000"/>
-            </a:solidFill>
-            <a:prstDash val="dash"/>
-          </a:ln>
-        </p:spPr>
-        <p:style>
-          <a:lnRef idx="1">
-            <a:schemeClr val="accent1"/>
-          </a:lnRef>
-          <a:fillRef idx="0">
-            <a:schemeClr val="accent1"/>
-          </a:fillRef>
-          <a:effectRef idx="0">
-            <a:schemeClr val="accent1"/>
-          </a:effectRef>
-          <a:fontRef idx="minor">
-            <a:schemeClr val="tx1"/>
-          </a:fontRef>
-        </p:style>
-      </p:cxnSp>
-      <p:cxnSp>
-        <p:nvCxnSpPr>
-          <p:cNvPr id="15" name="Straight Connector 14">
-            <a:extLst>
-              <a:ext uri="{FF2B5EF4-FFF2-40B4-BE49-F238E27FC236}">
-                <a16:creationId xmlns:a16="http://schemas.microsoft.com/office/drawing/2014/main" id="{E7A27FC9-44FA-4D94-85FC-A8C0C9BBAA7A}"/>
-              </a:ext>
-            </a:extLst>
-          </p:cNvPr>
-          <p:cNvCxnSpPr>
-            <a:cxnSpLocks/>
-          </p:cNvCxnSpPr>
-          <p:nvPr/>
-        </p:nvCxnSpPr>
-        <p:spPr>
-          <a:xfrm>
-            <a:off x="7813040" y="1960880"/>
-            <a:ext cx="0" cy="3251200"/>
-          </a:xfrm>
-          <a:prstGeom prst="line">
-            <a:avLst/>
-          </a:prstGeom>
-          <a:ln w="19050">
-            <a:solidFill>
-              <a:srgbClr val="1DFF5E"/>
-            </a:solidFill>
-            <a:prstDash val="dash"/>
-          </a:ln>
-        </p:spPr>
-        <p:style>
-          <a:lnRef idx="1">
-            <a:schemeClr val="accent1"/>
-          </a:lnRef>
-          <a:fillRef idx="0">
-            <a:schemeClr val="accent1"/>
-          </a:fillRef>
-          <a:effectRef idx="0">
-            <a:schemeClr val="accent1"/>
-          </a:effectRef>
-          <a:fontRef idx="minor">
-            <a:schemeClr val="tx1"/>
-          </a:fontRef>
-        </p:style>
-      </p:cxnSp>
-      <p:sp>
-        <p:nvSpPr>
-          <p:cNvPr id="16" name="TextBox 15">
-            <a:extLst>
-              <a:ext uri="{FF2B5EF4-FFF2-40B4-BE49-F238E27FC236}">
-                <a16:creationId xmlns:a16="http://schemas.microsoft.com/office/drawing/2014/main" id="{2D1203CD-3CDF-4188-80B2-B76EBAF0FEAE}"/>
-              </a:ext>
-            </a:extLst>
-          </p:cNvPr>
-          <p:cNvSpPr txBox="1"/>
-          <p:nvPr/>
-        </p:nvSpPr>
-        <p:spPr>
-          <a:xfrm>
-            <a:off x="7813041" y="4043680"/>
-            <a:ext cx="1432560" cy="584775"/>
-          </a:xfrm>
-          <a:prstGeom prst="rect">
-            <a:avLst/>
-          </a:prstGeom>
-          <a:noFill/>
-        </p:spPr>
-        <p:txBody>
-          <a:bodyPr wrap="square" rtlCol="0">
-            <a:spAutoFit/>
-          </a:bodyPr>
-          <a:lstStyle/>
-          <a:p>
-            <a:r>
-              <a:rPr lang="en-CA" sz="1600" dirty="0"/>
-              <a:t>Threshold:</a:t>
-            </a:r>
-          </a:p>
-          <a:p>
-            <a:r>
-              <a:rPr lang="en-CA" sz="1600" dirty="0"/>
-              <a:t>Greedy =&gt; VNS</a:t>
-            </a:r>
-            <a:endParaRPr lang="en-US" sz="1600" dirty="0"/>
-          </a:p>
-        </p:txBody>
-      </p:sp>
-      <p:sp>
-        <p:nvSpPr>
-          <p:cNvPr id="17" name="TextBox 16">
-            <a:extLst>
-              <a:ext uri="{FF2B5EF4-FFF2-40B4-BE49-F238E27FC236}">
-                <a16:creationId xmlns:a16="http://schemas.microsoft.com/office/drawing/2014/main" id="{103FBC69-A2A3-4A32-B49B-1BFA0FCDECBE}"/>
-              </a:ext>
-            </a:extLst>
-          </p:cNvPr>
-          <p:cNvSpPr txBox="1"/>
-          <p:nvPr/>
-        </p:nvSpPr>
-        <p:spPr>
-          <a:xfrm>
-            <a:off x="6248406" y="5895101"/>
-            <a:ext cx="1381746" cy="338554"/>
-          </a:xfrm>
-          <a:prstGeom prst="rect">
-            <a:avLst/>
-          </a:prstGeom>
-          <a:noFill/>
-        </p:spPr>
-        <p:txBody>
-          <a:bodyPr wrap="square" rtlCol="0">
-            <a:spAutoFit/>
-          </a:bodyPr>
-          <a:lstStyle/>
-          <a:p>
-            <a:r>
-              <a:rPr lang="en-CA" sz="1600" dirty="0"/>
-              <a:t>Final interval</a:t>
-            </a:r>
-            <a:endParaRPr lang="en-US" sz="1600" dirty="0"/>
-          </a:p>
-        </p:txBody>
-      </p:sp>
-      <p:cxnSp>
-        <p:nvCxnSpPr>
-          <p:cNvPr id="19" name="Straight Arrow Connector 18">
-            <a:extLst>
-              <a:ext uri="{FF2B5EF4-FFF2-40B4-BE49-F238E27FC236}">
-                <a16:creationId xmlns:a16="http://schemas.microsoft.com/office/drawing/2014/main" id="{FD1C4ADF-8C25-4919-B0EC-1CDBB416D2F7}"/>
-              </a:ext>
-            </a:extLst>
-          </p:cNvPr>
-          <p:cNvCxnSpPr>
-            <a:cxnSpLocks/>
-          </p:cNvCxnSpPr>
-          <p:nvPr/>
-        </p:nvCxnSpPr>
-        <p:spPr>
-          <a:xfrm flipV="1">
-            <a:off x="6939279" y="5412978"/>
-            <a:ext cx="0" cy="466724"/>
-          </a:xfrm>
-          <a:prstGeom prst="straightConnector1">
-            <a:avLst/>
-          </a:prstGeom>
-          <a:ln>
-            <a:tailEnd type="triangle"/>
-          </a:ln>
-        </p:spPr>
-        <p:style>
-          <a:lnRef idx="1">
-            <a:schemeClr val="accent1"/>
-          </a:lnRef>
-          <a:fillRef idx="0">
-            <a:schemeClr val="accent1"/>
-          </a:fillRef>
-          <a:effectRef idx="0">
-            <a:schemeClr val="accent1"/>
-          </a:effectRef>
-          <a:fontRef idx="minor">
-            <a:schemeClr val="tx1"/>
-          </a:fontRef>
-        </p:style>
-      </p:cxnSp>
-    </p:spTree>
-    <p:extLst>
-      <p:ext uri="{BB962C8B-B14F-4D97-AF65-F5344CB8AC3E}">
-        <p14:creationId xmlns:p14="http://schemas.microsoft.com/office/powerpoint/2010/main" val="786155486"/>
-      </p:ext>
-    </p:extLst>
-  </p:cSld>
-  <p:clrMapOvr>
-    <a:masterClrMapping/>
-  </p:clrMapOvr>
-</p:sld>
-</file>
-
-<file path=ppt/slides/slide31.xml><?xml version="1.0" encoding="utf-8"?>
-<p:sld xmlns:a="http://schemas.openxmlformats.org/drawingml/2006/main" xmlns:r="http://schemas.openxmlformats.org/officeDocument/2006/relationships" xmlns:p="http://schemas.openxmlformats.org/presentationml/2006/main">
-  <p:cSld>
-    <p:spTree>
-      <p:nvGrpSpPr>
-        <p:cNvPr id="1" name=""/>
-        <p:cNvGrpSpPr/>
-        <p:nvPr/>
-      </p:nvGrpSpPr>
-      <p:grpSpPr>
-        <a:xfrm>
-          <a:off x="0" y="0"/>
-          <a:ext cx="0" cy="0"/>
-          <a:chOff x="0" y="0"/>
-          <a:chExt cx="0" cy="0"/>
-        </a:xfrm>
-      </p:grpSpPr>
       <p:sp>
         <p:nvSpPr>
           <p:cNvPr id="3" name="Content Placeholder 2">
@@ -19771,7 +19257,7 @@
 </p:sld>
 </file>
 
-<file path=ppt/slides/slide32.xml><?xml version="1.0" encoding="utf-8"?>
+<file path=ppt/slides/slide31.xml><?xml version="1.0" encoding="utf-8"?>
 <p:sld xmlns:a="http://schemas.openxmlformats.org/drawingml/2006/main" xmlns:r="http://schemas.openxmlformats.org/officeDocument/2006/relationships" xmlns:p="http://schemas.openxmlformats.org/presentationml/2006/main">
   <p:cSld>
     <p:spTree>
@@ -20541,7 +20027,7 @@
 </p:sld>
 </file>
 
-<file path=ppt/slides/slide33.xml><?xml version="1.0" encoding="utf-8"?>
+<file path=ppt/slides/slide32.xml><?xml version="1.0" encoding="utf-8"?>
 <p:sld xmlns:a="http://schemas.openxmlformats.org/drawingml/2006/main" xmlns:r="http://schemas.openxmlformats.org/officeDocument/2006/relationships" xmlns:p="http://schemas.openxmlformats.org/presentationml/2006/main">
   <p:cSld>
     <p:spTree>
@@ -20741,7 +20227,7 @@
 </p:sld>
 </file>
 
-<file path=ppt/slides/slide34.xml><?xml version="1.0" encoding="utf-8"?>
+<file path=ppt/slides/slide33.xml><?xml version="1.0" encoding="utf-8"?>
 <p:sld xmlns:a="http://schemas.openxmlformats.org/drawingml/2006/main" xmlns:r="http://schemas.openxmlformats.org/officeDocument/2006/relationships" xmlns:p="http://schemas.openxmlformats.org/presentationml/2006/main">
   <p:cSld>
     <p:spTree>
@@ -21220,7 +20706,7 @@
 </p:sld>
 </file>
 
-<file path=ppt/slides/slide35.xml><?xml version="1.0" encoding="utf-8"?>
+<file path=ppt/slides/slide34.xml><?xml version="1.0" encoding="utf-8"?>
 <p:sld xmlns:a="http://schemas.openxmlformats.org/drawingml/2006/main" xmlns:r="http://schemas.openxmlformats.org/officeDocument/2006/relationships" xmlns:p="http://schemas.openxmlformats.org/presentationml/2006/main">
   <p:cSld>
     <p:spTree>
@@ -21420,7 +20906,7 @@
 </p:sld>
 </file>
 
-<file path=ppt/slides/slide36.xml><?xml version="1.0" encoding="utf-8"?>
+<file path=ppt/slides/slide35.xml><?xml version="1.0" encoding="utf-8"?>
 <p:sld xmlns:a="http://schemas.openxmlformats.org/drawingml/2006/main" xmlns:r="http://schemas.openxmlformats.org/officeDocument/2006/relationships" xmlns:p="http://schemas.openxmlformats.org/presentationml/2006/main">
   <p:cSld>
     <p:spTree>
@@ -21891,7 +21377,7 @@
 </p:sld>
 </file>
 
-<file path=ppt/slides/slide37.xml><?xml version="1.0" encoding="utf-8"?>
+<file path=ppt/slides/slide36.xml><?xml version="1.0" encoding="utf-8"?>
 <p:sld xmlns:a="http://schemas.openxmlformats.org/drawingml/2006/main" xmlns:r="http://schemas.openxmlformats.org/officeDocument/2006/relationships" xmlns:p="http://schemas.openxmlformats.org/presentationml/2006/main">
   <p:cSld>
     <p:spTree>
@@ -22199,7 +21685,7 @@
 </p:sld>
 </file>
 
-<file path=ppt/slides/slide38.xml><?xml version="1.0" encoding="utf-8"?>
+<file path=ppt/slides/slide37.xml><?xml version="1.0" encoding="utf-8"?>
 <p:sld xmlns:a="http://schemas.openxmlformats.org/drawingml/2006/main" xmlns:r="http://schemas.openxmlformats.org/officeDocument/2006/relationships" xmlns:p="http://schemas.openxmlformats.org/presentationml/2006/main">
   <p:cSld>
     <p:spTree>
@@ -22511,7 +21997,7 @@
 </p:sld>
 </file>
 
-<file path=ppt/slides/slide39.xml><?xml version="1.0" encoding="utf-8"?>
+<file path=ppt/slides/slide38.xml><?xml version="1.0" encoding="utf-8"?>
 <p:sld xmlns:a="http://schemas.openxmlformats.org/drawingml/2006/main" xmlns:r="http://schemas.openxmlformats.org/officeDocument/2006/relationships" xmlns:p="http://schemas.openxmlformats.org/presentationml/2006/main">
   <p:cSld>
     <p:spTree>

--- a/Presentation.pptx
+++ b/Presentation.pptx
@@ -5,7 +5,7 @@
     <p:sldMasterId id="2147483660" r:id="rId1"/>
   </p:sldMasterIdLst>
   <p:notesMasterIdLst>
-    <p:notesMasterId r:id="rId40"/>
+    <p:notesMasterId r:id="rId41"/>
   </p:notesMasterIdLst>
   <p:sldIdLst>
     <p:sldId id="256" r:id="rId2"/>
@@ -30,22 +30,23 @@
     <p:sldId id="301" r:id="rId21"/>
     <p:sldId id="302" r:id="rId22"/>
     <p:sldId id="303" r:id="rId23"/>
-    <p:sldId id="273" r:id="rId24"/>
-    <p:sldId id="261" r:id="rId25"/>
-    <p:sldId id="264" r:id="rId26"/>
-    <p:sldId id="266" r:id="rId27"/>
-    <p:sldId id="267" r:id="rId28"/>
-    <p:sldId id="268" r:id="rId29"/>
-    <p:sldId id="270" r:id="rId30"/>
-    <p:sldId id="276" r:id="rId31"/>
-    <p:sldId id="272" r:id="rId32"/>
-    <p:sldId id="277" r:id="rId33"/>
-    <p:sldId id="278" r:id="rId34"/>
-    <p:sldId id="279" r:id="rId35"/>
-    <p:sldId id="280" r:id="rId36"/>
-    <p:sldId id="281" r:id="rId37"/>
-    <p:sldId id="299" r:id="rId38"/>
-    <p:sldId id="300" r:id="rId39"/>
+    <p:sldId id="304" r:id="rId24"/>
+    <p:sldId id="273" r:id="rId25"/>
+    <p:sldId id="261" r:id="rId26"/>
+    <p:sldId id="264" r:id="rId27"/>
+    <p:sldId id="266" r:id="rId28"/>
+    <p:sldId id="267" r:id="rId29"/>
+    <p:sldId id="268" r:id="rId30"/>
+    <p:sldId id="270" r:id="rId31"/>
+    <p:sldId id="276" r:id="rId32"/>
+    <p:sldId id="272" r:id="rId33"/>
+    <p:sldId id="277" r:id="rId34"/>
+    <p:sldId id="278" r:id="rId35"/>
+    <p:sldId id="279" r:id="rId36"/>
+    <p:sldId id="280" r:id="rId37"/>
+    <p:sldId id="281" r:id="rId38"/>
+    <p:sldId id="305" r:id="rId39"/>
+    <p:sldId id="299" r:id="rId40"/>
   </p:sldIdLst>
   <p:sldSz cx="12192000" cy="6858000"/>
   <p:notesSz cx="6858000" cy="9144000"/>
@@ -887,12 +888,6 @@
               <a:rPr lang="en-US" dirty="0"/>
               <a:t> better than 210</a:t>
             </a:r>
-          </a:p>
-          <a:p>
-            <a:r>
-              <a:rPr lang="en-US" dirty="0"/>
-              <a:t>With starting point n=300, very slow (e.g. 0,5% of improvement at each iteration</a:t>
-            </a:r>
             <a:endParaRPr lang="en-CH" dirty="0"/>
           </a:p>
         </p:txBody>
@@ -978,16 +973,24 @@
           <a:lstStyle/>
           <a:p>
             <a:r>
-              <a:rPr lang="en-CA" dirty="0"/>
-              <a:t>Reduced tables of size 2 and 4 by two and gave them all to size 5 tables.</a:t>
-            </a:r>
-          </a:p>
-          <a:p>
-            <a:r>
-              <a:rPr lang="en-CA" dirty="0"/>
-              <a:t>Otherwise, the number of seats remain more or less the same.</a:t>
-            </a:r>
-            <a:endParaRPr lang="en-US" dirty="0"/>
+              <a:rPr lang="en-US" dirty="0"/>
+              <a:t>It is not obvious which is the best starting point. For instance if the demand varies a lot along the opening hours. </a:t>
+            </a:r>
+          </a:p>
+          <a:p>
+            <a:r>
+              <a:rPr lang="en-US" dirty="0"/>
+              <a:t>Explain that starting point of 200 seats </a:t>
+            </a:r>
+            <a:r>
+              <a:rPr lang="en-US" dirty="0" err="1"/>
+              <a:t>perfomed</a:t>
+            </a:r>
+            <a:r>
+              <a:rPr lang="en-US" dirty="0"/>
+              <a:t> better than 210</a:t>
+            </a:r>
+            <a:endParaRPr lang="en-CH" dirty="0"/>
           </a:p>
         </p:txBody>
       </p:sp>
@@ -1008,7 +1011,7 @@
           <a:p>
             <a:fld id="{F337A9D5-A264-4B80-8400-78E45D6652AF}" type="slidenum">
               <a:rPr lang="en-US" smtClean="0"/>
-              <a:t>35</a:t>
+              <a:t>23</a:t>
             </a:fld>
             <a:endParaRPr lang="en-US"/>
           </a:p>
@@ -1017,7 +1020,7 @@
     </p:spTree>
     <p:extLst>
       <p:ext uri="{BB962C8B-B14F-4D97-AF65-F5344CB8AC3E}">
-        <p14:creationId xmlns:p14="http://schemas.microsoft.com/office/powerpoint/2010/main" val="440639226"/>
+        <p14:creationId xmlns:p14="http://schemas.microsoft.com/office/powerpoint/2010/main" val="1782321904"/>
       </p:ext>
     </p:extLst>
   </p:cSld>
@@ -1073,13 +1076,15 @@
           <a:p>
             <a:r>
               <a:rPr lang="en-CA" dirty="0"/>
-              <a:t>Reduced proportion of customer groups of size 5 who abandoned by roughly 13%</a:t>
-            </a:r>
-            <a:r>
-              <a:rPr lang="en-US" dirty="0"/>
-              <a:t> at a relatively small cost of losing 1.5% more of customer groups of size 3. The rest remains more or less the same.</a:t>
-            </a:r>
-            <a:endParaRPr lang="en-CA" dirty="0"/>
+              <a:t>Reduced tables of size 2 and 4 by two and gave them all to size 5 tables.</a:t>
+            </a:r>
+          </a:p>
+          <a:p>
+            <a:r>
+              <a:rPr lang="en-CA" dirty="0"/>
+              <a:t>Otherwise, the number of seats remain more or less the same.</a:t>
+            </a:r>
+            <a:endParaRPr lang="en-US" dirty="0"/>
           </a:p>
         </p:txBody>
       </p:sp>
@@ -1101,6 +1106,98 @@
             <a:fld id="{F337A9D5-A264-4B80-8400-78E45D6652AF}" type="slidenum">
               <a:rPr lang="en-US" smtClean="0"/>
               <a:t>36</a:t>
+            </a:fld>
+            <a:endParaRPr lang="en-US"/>
+          </a:p>
+        </p:txBody>
+      </p:sp>
+    </p:spTree>
+    <p:extLst>
+      <p:ext uri="{BB962C8B-B14F-4D97-AF65-F5344CB8AC3E}">
+        <p14:creationId xmlns:p14="http://schemas.microsoft.com/office/powerpoint/2010/main" val="440639226"/>
+      </p:ext>
+    </p:extLst>
+  </p:cSld>
+  <p:clrMapOvr>
+    <a:masterClrMapping/>
+  </p:clrMapOvr>
+</p:notes>
+</file>
+
+<file path=ppt/notesSlides/notesSlide7.xml><?xml version="1.0" encoding="utf-8"?>
+<p:notes xmlns:a="http://schemas.openxmlformats.org/drawingml/2006/main" xmlns:r="http://schemas.openxmlformats.org/officeDocument/2006/relationships" xmlns:p="http://schemas.openxmlformats.org/presentationml/2006/main">
+  <p:cSld>
+    <p:spTree>
+      <p:nvGrpSpPr>
+        <p:cNvPr id="1" name=""/>
+        <p:cNvGrpSpPr/>
+        <p:nvPr/>
+      </p:nvGrpSpPr>
+      <p:grpSpPr>
+        <a:xfrm>
+          <a:off x="0" y="0"/>
+          <a:ext cx="0" cy="0"/>
+          <a:chOff x="0" y="0"/>
+          <a:chExt cx="0" cy="0"/>
+        </a:xfrm>
+      </p:grpSpPr>
+      <p:sp>
+        <p:nvSpPr>
+          <p:cNvPr id="2" name="Slide Image Placeholder 1"/>
+          <p:cNvSpPr>
+            <a:spLocks noGrp="1" noRot="1" noChangeAspect="1"/>
+          </p:cNvSpPr>
+          <p:nvPr>
+            <p:ph type="sldImg"/>
+          </p:nvPr>
+        </p:nvSpPr>
+        <p:spPr/>
+      </p:sp>
+      <p:sp>
+        <p:nvSpPr>
+          <p:cNvPr id="3" name="Notes Placeholder 2"/>
+          <p:cNvSpPr>
+            <a:spLocks noGrp="1"/>
+          </p:cNvSpPr>
+          <p:nvPr>
+            <p:ph type="body" idx="1"/>
+          </p:nvPr>
+        </p:nvSpPr>
+        <p:spPr/>
+        <p:txBody>
+          <a:bodyPr/>
+          <a:lstStyle/>
+          <a:p>
+            <a:r>
+              <a:rPr lang="en-CA" dirty="0"/>
+              <a:t>Reduced proportion of customer groups of size 5 who abandoned by roughly 13%</a:t>
+            </a:r>
+            <a:r>
+              <a:rPr lang="en-US" dirty="0"/>
+              <a:t> at a relatively small cost of losing 1.5% more of customer groups of size 3. The rest remains more or less the same.</a:t>
+            </a:r>
+            <a:endParaRPr lang="en-CA" dirty="0"/>
+          </a:p>
+        </p:txBody>
+      </p:sp>
+      <p:sp>
+        <p:nvSpPr>
+          <p:cNvPr id="4" name="Slide Number Placeholder 3"/>
+          <p:cNvSpPr>
+            <a:spLocks noGrp="1"/>
+          </p:cNvSpPr>
+          <p:nvPr>
+            <p:ph type="sldNum" sz="quarter" idx="5"/>
+          </p:nvPr>
+        </p:nvSpPr>
+        <p:spPr/>
+        <p:txBody>
+          <a:bodyPr/>
+          <a:lstStyle/>
+          <a:p>
+            <a:fld id="{F337A9D5-A264-4B80-8400-78E45D6652AF}" type="slidenum">
+              <a:rPr lang="en-US" smtClean="0"/>
+              <a:t>37</a:t>
             </a:fld>
             <a:endParaRPr lang="en-US"/>
           </a:p>
@@ -15495,23 +15592,19 @@
             </p:nvSpPr>
             <p:spPr>
               <a:xfrm>
-                <a:off x="523239" y="1361440"/>
-                <a:ext cx="5298441" cy="4744403"/>
+                <a:off x="838199" y="1432560"/>
+                <a:ext cx="5572125" cy="4744403"/>
               </a:xfrm>
             </p:spPr>
             <p:txBody>
               <a:bodyPr>
-                <a:normAutofit/>
+                <a:normAutofit lnSpcReduction="10000"/>
               </a:bodyPr>
               <a:lstStyle/>
               <a:p>
                 <a:r>
-                  <a:rPr lang="en-CA" sz="2400" b="1" dirty="0"/>
-                  <a:t>Neighborhood structures</a:t>
-                </a:r>
-                <a:r>
                   <a:rPr lang="en-CA" sz="2400" dirty="0"/>
-                  <a:t>:</a:t>
+                  <a:t>Neighborhood structures:</a:t>
                 </a:r>
               </a:p>
               <a:p>
@@ -15629,7 +15722,7 @@
                   <a:rPr lang="en-US" sz="1600" dirty="0">
                     <a:sym typeface="Wingdings" panose="05000000000000000000" pitchFamily="2" charset="2"/>
                   </a:rPr>
-                  <a:t> 1;2</a:t>
+                  <a:t></a:t>
                 </a:r>
                 <a:endParaRPr lang="en-US" sz="1600" dirty="0"/>
               </a:p>
@@ -15643,7 +15736,7 @@
                   <a:rPr lang="en-US" sz="1600" dirty="0">
                     <a:sym typeface="Wingdings" panose="05000000000000000000" pitchFamily="2" charset="2"/>
                   </a:rPr>
-                  <a:t>3;4</a:t>
+                  <a:t></a:t>
                 </a:r>
                 <a:endParaRPr lang="en-US" sz="2000" dirty="0">
                   <a:sym typeface="Wingdings" panose="05000000000000000000" pitchFamily="2" charset="2"/>
@@ -15657,18 +15750,33 @@
                   </a:rPr>
                   <a:t>Alternatives</a:t>
                 </a:r>
-                <a:endParaRPr lang="en-US" sz="1600" dirty="0">
-                  <a:sym typeface="Wingdings" panose="05000000000000000000" pitchFamily="2" charset="2"/>
-                </a:endParaRPr>
               </a:p>
               <a:p>
                 <a:pPr lvl="2"/>
+                <a:r>
+                  <a:rPr lang="en-US" sz="1600" dirty="0">
+                    <a:sym typeface="Wingdings" panose="05000000000000000000" pitchFamily="2" charset="2"/>
+                  </a:rPr>
+                  <a:t> </a:t>
+                </a:r>
                 <a14:m>
                   <m:oMath xmlns:m="http://schemas.openxmlformats.org/officeDocument/2006/math">
+                    <m:r>
+                      <a:rPr lang="en-US" sz="1600" i="1" smtClean="0">
+                        <a:solidFill>
+                          <a:srgbClr val="FF0000"/>
+                        </a:solidFill>
+                        <a:latin typeface="Cambria Math" panose="02040503050406030204" pitchFamily="18" charset="0"/>
+                      </a:rPr>
+                      <m:t>𝑑𝑒𝑚𝑎𝑛</m:t>
+                    </m:r>
                     <m:sSub>
                       <m:sSubPr>
                         <m:ctrlPr>
                           <a:rPr lang="en-US" sz="1600" i="1">
+                            <a:solidFill>
+                              <a:srgbClr val="FF0000"/>
+                            </a:solidFill>
                             <a:latin typeface="Cambria Math" panose="02040503050406030204" pitchFamily="18" charset="0"/>
                           </a:rPr>
                         </m:ctrlPr>
@@ -15676,6 +15784,83 @@
                       <m:e>
                         <m:r>
                           <a:rPr lang="en-US" sz="1600" i="1">
+                            <a:solidFill>
+                              <a:srgbClr val="FF0000"/>
+                            </a:solidFill>
+                            <a:latin typeface="Cambria Math" panose="02040503050406030204" pitchFamily="18" charset="0"/>
+                          </a:rPr>
+                          <m:t>𝑑</m:t>
+                        </m:r>
+                      </m:e>
+                      <m:sub>
+                        <m:r>
+                          <a:rPr lang="en-US" sz="1600" i="1">
+                            <a:solidFill>
+                              <a:srgbClr val="FF0000"/>
+                            </a:solidFill>
+                            <a:latin typeface="Cambria Math" panose="02040503050406030204" pitchFamily="18" charset="0"/>
+                          </a:rPr>
+                          <m:t>𝑝𝑒𝑎𝑘</m:t>
+                        </m:r>
+                        <m:r>
+                          <a:rPr lang="en-US" sz="1600" i="1">
+                            <a:solidFill>
+                              <a:srgbClr val="FF0000"/>
+                            </a:solidFill>
+                            <a:latin typeface="Cambria Math" panose="02040503050406030204" pitchFamily="18" charset="0"/>
+                          </a:rPr>
+                          <m:t>−</m:t>
+                        </m:r>
+                        <m:r>
+                          <a:rPr lang="en-US" sz="1600" i="1">
+                            <a:solidFill>
+                              <a:srgbClr val="FF0000"/>
+                            </a:solidFill>
+                            <a:latin typeface="Cambria Math" panose="02040503050406030204" pitchFamily="18" charset="0"/>
+                          </a:rPr>
+                          <m:t>h𝑜𝑢𝑟</m:t>
+                        </m:r>
+                      </m:sub>
+                    </m:sSub>
+                    <m:r>
+                      <a:rPr lang="en-US" sz="1600" i="1">
+                        <a:solidFill>
+                          <a:srgbClr val="FF0000"/>
+                        </a:solidFill>
+                        <a:latin typeface="Cambria Math" panose="02040503050406030204" pitchFamily="18" charset="0"/>
+                      </a:rPr>
+                      <m:t> </m:t>
+                    </m:r>
+                  </m:oMath>
+                </a14:m>
+                <a:r>
+                  <a:rPr lang="en-US" sz="1600" dirty="0">
+                    <a:solidFill>
+                      <a:srgbClr val="FF0000"/>
+                    </a:solidFill>
+                    <a:sym typeface="Wingdings" panose="05000000000000000000" pitchFamily="2" charset="2"/>
+                  </a:rPr>
+                  <a:t>= rest. service rate  </a:t>
+                </a:r>
+                <a14:m>
+                  <m:oMath xmlns:m="http://schemas.openxmlformats.org/officeDocument/2006/math">
+                    <m:sSub>
+                      <m:sSubPr>
+                        <m:ctrlPr>
+                          <a:rPr lang="en-US" sz="1600" i="1">
+                            <a:solidFill>
+                              <a:srgbClr val="FF0000"/>
+                            </a:solidFill>
+                            <a:latin typeface="Cambria Math" panose="02040503050406030204" pitchFamily="18" charset="0"/>
+                          </a:rPr>
+                        </m:ctrlPr>
+                      </m:sSubPr>
+                      <m:e>
+                        <m:r>
+                          <a:rPr lang="en-US" sz="1600" i="1">
+                            <a:solidFill>
+                              <a:srgbClr val="FF0000"/>
+                            </a:solidFill>
                             <a:latin typeface="Cambria Math" panose="02040503050406030204" pitchFamily="18" charset="0"/>
                           </a:rPr>
                           <m:t>𝑛</m:t>
@@ -15684,6 +15869,49 @@
                       <m:sub>
                         <m:r>
                           <a:rPr lang="en-US" sz="1600" i="1">
+                            <a:solidFill>
+                              <a:srgbClr val="FF0000"/>
+                            </a:solidFill>
+                            <a:latin typeface="Cambria Math" panose="02040503050406030204" pitchFamily="18" charset="0"/>
+                          </a:rPr>
+                          <m:t>𝑠𝑒𝑎𝑡𝑠</m:t>
+                        </m:r>
+                      </m:sub>
+                    </m:sSub>
+                  </m:oMath>
+                </a14:m>
+                <a:endParaRPr lang="en-US" sz="1600" dirty="0"/>
+              </a:p>
+              <a:p>
+                <a:pPr lvl="2"/>
+                <a:endParaRPr lang="en-US" sz="200" dirty="0"/>
+              </a:p>
+              <a:p>
+                <a:pPr lvl="3">
+                  <a:buFont typeface="Wingdings" panose="05000000000000000000" pitchFamily="2" charset="2"/>
+                  <a:buChar char="Ø"/>
+                </a:pPr>
+                <a14:m>
+                  <m:oMath xmlns:m="http://schemas.openxmlformats.org/officeDocument/2006/math">
+                    <m:sSub>
+                      <m:sSubPr>
+                        <m:ctrlPr>
+                          <a:rPr lang="en-US" sz="1400" i="1">
+                            <a:latin typeface="Cambria Math" panose="02040503050406030204" pitchFamily="18" charset="0"/>
+                          </a:rPr>
+                        </m:ctrlPr>
+                      </m:sSubPr>
+                      <m:e>
+                        <m:r>
+                          <a:rPr lang="en-US" sz="1400" i="1">
+                            <a:latin typeface="Cambria Math" panose="02040503050406030204" pitchFamily="18" charset="0"/>
+                          </a:rPr>
+                          <m:t>𝑛</m:t>
+                        </m:r>
+                      </m:e>
+                      <m:sub>
+                        <m:r>
+                          <a:rPr lang="en-US" sz="1400" i="1">
                             <a:latin typeface="Cambria Math" panose="02040503050406030204" pitchFamily="18" charset="0"/>
                           </a:rPr>
                           <m:t>𝑠𝑒𝑎𝑡𝑠</m:t>
@@ -15691,13 +15919,13 @@
                       </m:sub>
                     </m:sSub>
                     <m:r>
-                      <a:rPr lang="en-US" sz="1600" b="0" i="1" smtClean="0">
+                      <a:rPr lang="en-US" sz="1400" b="0" i="1" smtClean="0">
                         <a:latin typeface="Cambria Math" panose="02040503050406030204" pitchFamily="18" charset="0"/>
                       </a:rPr>
                       <m:t>=</m:t>
                     </m:r>
                     <m:r>
-                      <a:rPr lang="en-US" sz="1600" b="0" i="1" smtClean="0">
+                      <a:rPr lang="en-US" sz="1400" b="0" i="1" smtClean="0">
                         <a:latin typeface="Cambria Math" panose="02040503050406030204" pitchFamily="18" charset="0"/>
                       </a:rPr>
                       <m:t>𝑑𝑒𝑚𝑎𝑛</m:t>
@@ -15705,14 +15933,14 @@
                     <m:sSub>
                       <m:sSubPr>
                         <m:ctrlPr>
-                          <a:rPr lang="en-US" sz="1600" b="0" i="1" smtClean="0">
+                          <a:rPr lang="en-US" sz="1400" b="0" i="1" smtClean="0">
                             <a:latin typeface="Cambria Math" panose="02040503050406030204" pitchFamily="18" charset="0"/>
                           </a:rPr>
                         </m:ctrlPr>
                       </m:sSubPr>
                       <m:e>
                         <m:r>
-                          <a:rPr lang="en-US" sz="1600" b="0" i="1" smtClean="0">
+                          <a:rPr lang="en-US" sz="1400" b="0" i="1" smtClean="0">
                             <a:latin typeface="Cambria Math" panose="02040503050406030204" pitchFamily="18" charset="0"/>
                           </a:rPr>
                           <m:t>𝑑</m:t>
@@ -15720,19 +15948,19 @@
                       </m:e>
                       <m:sub>
                         <m:r>
-                          <a:rPr lang="en-US" sz="1600" b="0" i="1" smtClean="0">
+                          <a:rPr lang="en-US" sz="1400" b="0" i="1" smtClean="0">
                             <a:latin typeface="Cambria Math" panose="02040503050406030204" pitchFamily="18" charset="0"/>
                           </a:rPr>
                           <m:t>𝑝𝑒𝑎𝑘</m:t>
                         </m:r>
                         <m:r>
-                          <a:rPr lang="en-US" sz="1600" b="0" i="1" smtClean="0">
+                          <a:rPr lang="en-US" sz="1400" b="0" i="1" smtClean="0">
                             <a:latin typeface="Cambria Math" panose="02040503050406030204" pitchFamily="18" charset="0"/>
                           </a:rPr>
                           <m:t>−</m:t>
                         </m:r>
                         <m:r>
-                          <a:rPr lang="en-US" sz="1600" b="0" i="1" smtClean="0">
+                          <a:rPr lang="en-US" sz="1400" b="0" i="1" smtClean="0">
                             <a:latin typeface="Cambria Math" panose="02040503050406030204" pitchFamily="18" charset="0"/>
                           </a:rPr>
                           <m:t>h𝑜𝑢𝑟</m:t>
@@ -15740,7 +15968,7 @@
                       </m:sub>
                     </m:sSub>
                     <m:r>
-                      <a:rPr lang="en-US" sz="1600" b="0" i="1" smtClean="0">
+                      <a:rPr lang="en-US" sz="1400" b="0" i="1" smtClean="0">
                         <a:latin typeface="Cambria Math" panose="02040503050406030204" pitchFamily="18" charset="0"/>
                         <a:ea typeface="Cambria Math" panose="02040503050406030204" pitchFamily="18" charset="0"/>
                       </a:rPr>
@@ -15750,7 +15978,7 @@
                       <m:accPr>
                         <m:chr m:val="̅"/>
                         <m:ctrlPr>
-                          <a:rPr lang="en-US" sz="1600" b="0" i="1" smtClean="0">
+                          <a:rPr lang="en-US" sz="1400" b="0" i="1" smtClean="0">
                             <a:latin typeface="Cambria Math" panose="02040503050406030204" pitchFamily="18" charset="0"/>
                             <a:ea typeface="Cambria Math" panose="02040503050406030204" pitchFamily="18" charset="0"/>
                           </a:rPr>
@@ -15758,21 +15986,21 @@
                       </m:accPr>
                       <m:e>
                         <m:r>
-                          <a:rPr lang="en-US" sz="1600" i="1">
+                          <a:rPr lang="en-US" sz="1400" i="1">
                             <a:latin typeface="Cambria Math" panose="02040503050406030204" pitchFamily="18" charset="0"/>
                             <a:ea typeface="Cambria Math" panose="02040503050406030204" pitchFamily="18" charset="0"/>
                           </a:rPr>
                           <m:t>𝑑𝑖𝑛𝑖𝑛𝑔</m:t>
                         </m:r>
                         <m:r>
-                          <a:rPr lang="en-US" sz="1600" i="1">
+                          <a:rPr lang="en-US" sz="1400" i="1">
                             <a:latin typeface="Cambria Math" panose="02040503050406030204" pitchFamily="18" charset="0"/>
                             <a:ea typeface="Cambria Math" panose="02040503050406030204" pitchFamily="18" charset="0"/>
                           </a:rPr>
                           <m:t> </m:t>
                         </m:r>
                         <m:r>
-                          <a:rPr lang="en-US" sz="1600" i="1">
+                          <a:rPr lang="en-US" sz="1400" i="1">
                             <a:latin typeface="Cambria Math" panose="02040503050406030204" pitchFamily="18" charset="0"/>
                             <a:ea typeface="Cambria Math" panose="02040503050406030204" pitchFamily="18" charset="0"/>
                           </a:rPr>
@@ -15782,14 +16010,14 @@
                           <m:rPr>
                             <m:nor/>
                           </m:rPr>
-                          <a:rPr lang="en-US" sz="1600" dirty="0"/>
+                          <a:rPr lang="en-US" sz="2000" dirty="0"/>
                           <m:t> </m:t>
                         </m:r>
                       </m:e>
                     </m:acc>
                   </m:oMath>
                 </a14:m>
-                <a:endParaRPr lang="en-US" sz="1600" dirty="0"/>
+                <a:endParaRPr lang="en-US" sz="2000" dirty="0"/>
               </a:p>
               <a:p>
                 <a:pPr lvl="1"/>
@@ -15823,13 +16051,13 @@
             </p:nvSpPr>
             <p:spPr>
               <a:xfrm>
-                <a:off x="523239" y="1361440"/>
-                <a:ext cx="5298441" cy="4744403"/>
+                <a:off x="838199" y="1432560"/>
+                <a:ext cx="5572125" cy="4744403"/>
               </a:xfrm>
               <a:blipFill>
                 <a:blip r:embed="rId3"/>
                 <a:stretch>
-                  <a:fillRect l="-1611" t="-1797"/>
+                  <a:fillRect l="-1421" t="-2442"/>
                 </a:stretch>
               </a:blipFill>
             </p:spPr>
@@ -15838,7 +16066,7 @@
               <a:lstStyle/>
               <a:p>
                 <a:r>
-                  <a:rPr lang="en-CH">
+                  <a:rPr lang="en-US">
                     <a:noFill/>
                   </a:rPr>
                   <a:t> </a:t>
@@ -15999,10 +16227,10 @@
       </p:sp>
       <p:pic>
         <p:nvPicPr>
-          <p:cNvPr id="4" name="Picture 3">
+          <p:cNvPr id="11" name="Picture 10">
             <a:extLst>
               <a:ext uri="{FF2B5EF4-FFF2-40B4-BE49-F238E27FC236}">
-                <a16:creationId xmlns:a16="http://schemas.microsoft.com/office/drawing/2014/main" id="{A9DE98E2-0058-4D0C-B6A6-9EDDF1D0B898}"/>
+                <a16:creationId xmlns:a16="http://schemas.microsoft.com/office/drawing/2014/main" id="{2D99D3C4-7FAA-42CA-9347-0359CD771D58}"/>
               </a:ext>
             </a:extLst>
           </p:cNvPr>
@@ -16011,433 +16239,22 @@
           </p:cNvPicPr>
           <p:nvPr/>
         </p:nvPicPr>
-        <p:blipFill rotWithShape="1">
-          <a:blip r:embed="rId5">
-            <a:extLst>
-              <a:ext uri="{28A0092B-C50C-407E-A947-70E740481C1C}">
-                <a14:useLocalDpi xmlns:a14="http://schemas.microsoft.com/office/drawing/2010/main" val="0"/>
-              </a:ext>
-            </a:extLst>
-          </a:blip>
-          <a:srcRect l="3329"/>
-          <a:stretch/>
+        <p:blipFill>
+          <a:blip r:embed="rId5"/>
+          <a:stretch>
+            <a:fillRect/>
+          </a:stretch>
         </p:blipFill>
         <p:spPr>
           <a:xfrm>
-            <a:off x="5415280" y="1229360"/>
-            <a:ext cx="6784340" cy="5263515"/>
+            <a:off x="7084218" y="3047999"/>
+            <a:ext cx="4614863" cy="2543175"/>
           </a:xfrm>
           <a:prstGeom prst="rect">
             <a:avLst/>
           </a:prstGeom>
         </p:spPr>
       </p:pic>
-      <mc:AlternateContent xmlns:mc="http://schemas.openxmlformats.org/markup-compatibility/2006">
-        <mc:Choice xmlns:a14="http://schemas.microsoft.com/office/drawing/2010/main" Requires="a14">
-          <p:sp>
-            <p:nvSpPr>
-              <p:cNvPr id="6" name="Rectangle 5">
-                <a:extLst>
-                  <a:ext uri="{FF2B5EF4-FFF2-40B4-BE49-F238E27FC236}">
-                    <a16:creationId xmlns:a16="http://schemas.microsoft.com/office/drawing/2014/main" id="{AB4FD2DB-4F1F-4AAE-B971-14E72B64212A}"/>
-                  </a:ext>
-                </a:extLst>
-              </p:cNvPr>
-              <p:cNvSpPr/>
-              <p:nvPr/>
-            </p:nvSpPr>
-            <p:spPr>
-              <a:xfrm>
-                <a:off x="10356751" y="1025680"/>
-                <a:ext cx="1760418" cy="369332"/>
-              </a:xfrm>
-              <a:prstGeom prst="rect">
-                <a:avLst/>
-              </a:prstGeom>
-            </p:spPr>
-            <p:txBody>
-              <a:bodyPr wrap="none">
-                <a:spAutoFit/>
-              </a:bodyPr>
-              <a:lstStyle/>
-              <a:p>
-                <a14:m>
-                  <m:oMath xmlns:m="http://schemas.openxmlformats.org/officeDocument/2006/math">
-                    <m:r>
-                      <a:rPr lang="en-US" b="1" i="1" smtClean="0">
-                        <a:latin typeface="Cambria Math" panose="02040503050406030204" pitchFamily="18" charset="0"/>
-                      </a:rPr>
-                      <m:t>[</m:t>
-                    </m:r>
-                    <m:r>
-                      <a:rPr lang="en-US" b="1" i="1" smtClean="0">
-                        <a:latin typeface="Cambria Math" panose="02040503050406030204" pitchFamily="18" charset="0"/>
-                      </a:rPr>
-                      <m:t>𝟐𝟏</m:t>
-                    </m:r>
-                    <m:r>
-                      <a:rPr lang="en-US" b="1" i="1">
-                        <a:latin typeface="Cambria Math" panose="02040503050406030204" pitchFamily="18" charset="0"/>
-                      </a:rPr>
-                      <m:t>, </m:t>
-                    </m:r>
-                    <m:r>
-                      <a:rPr lang="en-US" b="1" i="1" smtClean="0">
-                        <a:latin typeface="Cambria Math" panose="02040503050406030204" pitchFamily="18" charset="0"/>
-                      </a:rPr>
-                      <m:t>𝟏𝟑</m:t>
-                    </m:r>
-                    <m:r>
-                      <a:rPr lang="en-US" b="1" i="1">
-                        <a:latin typeface="Cambria Math" panose="02040503050406030204" pitchFamily="18" charset="0"/>
-                      </a:rPr>
-                      <m:t>, </m:t>
-                    </m:r>
-                    <m:r>
-                      <a:rPr lang="en-US" b="1" i="1" smtClean="0">
-                        <a:latin typeface="Cambria Math" panose="02040503050406030204" pitchFamily="18" charset="0"/>
-                      </a:rPr>
-                      <m:t>𝟏𝟏</m:t>
-                    </m:r>
-                    <m:r>
-                      <a:rPr lang="en-US" b="1" i="1" smtClean="0">
-                        <a:latin typeface="Cambria Math" panose="02040503050406030204" pitchFamily="18" charset="0"/>
-                      </a:rPr>
-                      <m:t>,</m:t>
-                    </m:r>
-                    <m:r>
-                      <a:rPr lang="en-US" b="1" i="1" smtClean="0">
-                        <a:latin typeface="Cambria Math" panose="02040503050406030204" pitchFamily="18" charset="0"/>
-                      </a:rPr>
-                      <m:t>𝟏𝟓</m:t>
-                    </m:r>
-                    <m:r>
-                      <a:rPr lang="en-US" b="1" i="1">
-                        <a:latin typeface="Cambria Math" panose="02040503050406030204" pitchFamily="18" charset="0"/>
-                      </a:rPr>
-                      <m:t>]</m:t>
-                    </m:r>
-                  </m:oMath>
-                </a14:m>
-                <a:r>
-                  <a:rPr lang="en-US" b="1" dirty="0"/>
-                  <a:t> </a:t>
-                </a:r>
-                <a:endParaRPr lang="en-CH" dirty="0"/>
-              </a:p>
-            </p:txBody>
-          </p:sp>
-        </mc:Choice>
-        <mc:Fallback>
-          <p:sp>
-            <p:nvSpPr>
-              <p:cNvPr id="6" name="Rectangle 5">
-                <a:extLst>
-                  <a:ext uri="{FF2B5EF4-FFF2-40B4-BE49-F238E27FC236}">
-                    <a16:creationId xmlns:a16="http://schemas.microsoft.com/office/drawing/2014/main" id="{AB4FD2DB-4F1F-4AAE-B971-14E72B64212A}"/>
-                  </a:ext>
-                </a:extLst>
-              </p:cNvPr>
-              <p:cNvSpPr>
-                <a:spLocks noRot="1" noChangeAspect="1" noMove="1" noResize="1" noEditPoints="1" noAdjustHandles="1" noChangeArrowheads="1" noChangeShapeType="1" noTextEdit="1"/>
-              </p:cNvSpPr>
-              <p:nvPr/>
-            </p:nvSpPr>
-            <p:spPr>
-              <a:xfrm>
-                <a:off x="10356751" y="1025680"/>
-                <a:ext cx="1760418" cy="369332"/>
-              </a:xfrm>
-              <a:prstGeom prst="rect">
-                <a:avLst/>
-              </a:prstGeom>
-              <a:blipFill>
-                <a:blip r:embed="rId6"/>
-                <a:stretch>
-                  <a:fillRect l="-1384" b="-14754"/>
-                </a:stretch>
-              </a:blipFill>
-            </p:spPr>
-            <p:txBody>
-              <a:bodyPr/>
-              <a:lstStyle/>
-              <a:p>
-                <a:r>
-                  <a:rPr lang="en-CH">
-                    <a:noFill/>
-                  </a:rPr>
-                  <a:t> </a:t>
-                </a:r>
-              </a:p>
-            </p:txBody>
-          </p:sp>
-        </mc:Fallback>
-      </mc:AlternateContent>
-      <mc:AlternateContent xmlns:mc="http://schemas.openxmlformats.org/markup-compatibility/2006">
-        <mc:Choice xmlns:a14="http://schemas.microsoft.com/office/drawing/2010/main" Requires="a14">
-          <p:sp>
-            <p:nvSpPr>
-              <p:cNvPr id="12" name="Rectangle 11">
-                <a:extLst>
-                  <a:ext uri="{FF2B5EF4-FFF2-40B4-BE49-F238E27FC236}">
-                    <a16:creationId xmlns:a16="http://schemas.microsoft.com/office/drawing/2014/main" id="{17A745B4-5231-4369-A57B-110807296F72}"/>
-                  </a:ext>
-                </a:extLst>
-              </p:cNvPr>
-              <p:cNvSpPr/>
-              <p:nvPr/>
-            </p:nvSpPr>
-            <p:spPr>
-              <a:xfrm>
-                <a:off x="5429153" y="6295947"/>
-                <a:ext cx="1760418" cy="369332"/>
-              </a:xfrm>
-              <a:prstGeom prst="rect">
-                <a:avLst/>
-              </a:prstGeom>
-            </p:spPr>
-            <p:txBody>
-              <a:bodyPr wrap="none">
-                <a:spAutoFit/>
-              </a:bodyPr>
-              <a:lstStyle/>
-              <a:p>
-                <a14:m>
-                  <m:oMath xmlns:m="http://schemas.openxmlformats.org/officeDocument/2006/math">
-                    <m:r>
-                      <a:rPr lang="en-US" b="1" i="1" smtClean="0">
-                        <a:latin typeface="Cambria Math" panose="02040503050406030204" pitchFamily="18" charset="0"/>
-                      </a:rPr>
-                      <m:t>[</m:t>
-                    </m:r>
-                    <m:r>
-                      <a:rPr lang="en-US" b="1" i="1" smtClean="0">
-                        <a:latin typeface="Cambria Math" panose="02040503050406030204" pitchFamily="18" charset="0"/>
-                      </a:rPr>
-                      <m:t>𝟒𝟔</m:t>
-                    </m:r>
-                    <m:r>
-                      <a:rPr lang="en-US" b="1" i="1">
-                        <a:latin typeface="Cambria Math" panose="02040503050406030204" pitchFamily="18" charset="0"/>
-                      </a:rPr>
-                      <m:t>, </m:t>
-                    </m:r>
-                    <m:r>
-                      <a:rPr lang="en-US" b="1" i="1" smtClean="0">
-                        <a:latin typeface="Cambria Math" panose="02040503050406030204" pitchFamily="18" charset="0"/>
-                      </a:rPr>
-                      <m:t>𝟐𝟓</m:t>
-                    </m:r>
-                    <m:r>
-                      <a:rPr lang="en-US" b="1" i="1">
-                        <a:latin typeface="Cambria Math" panose="02040503050406030204" pitchFamily="18" charset="0"/>
-                      </a:rPr>
-                      <m:t>, </m:t>
-                    </m:r>
-                    <m:r>
-                      <a:rPr lang="en-US" b="1" i="1" smtClean="0">
-                        <a:latin typeface="Cambria Math" panose="02040503050406030204" pitchFamily="18" charset="0"/>
-                      </a:rPr>
-                      <m:t>𝟏𝟕</m:t>
-                    </m:r>
-                    <m:r>
-                      <a:rPr lang="en-US" b="1" i="1" smtClean="0">
-                        <a:latin typeface="Cambria Math" panose="02040503050406030204" pitchFamily="18" charset="0"/>
-                      </a:rPr>
-                      <m:t>,</m:t>
-                    </m:r>
-                    <m:r>
-                      <a:rPr lang="en-US" b="1" i="1" smtClean="0">
-                        <a:latin typeface="Cambria Math" panose="02040503050406030204" pitchFamily="18" charset="0"/>
-                      </a:rPr>
-                      <m:t>𝟏𝟑</m:t>
-                    </m:r>
-                    <m:r>
-                      <a:rPr lang="en-US" b="1" i="1">
-                        <a:latin typeface="Cambria Math" panose="02040503050406030204" pitchFamily="18" charset="0"/>
-                      </a:rPr>
-                      <m:t>]</m:t>
-                    </m:r>
-                  </m:oMath>
-                </a14:m>
-                <a:r>
-                  <a:rPr lang="en-US" b="1" dirty="0"/>
-                  <a:t> </a:t>
-                </a:r>
-                <a:endParaRPr lang="en-CH" dirty="0"/>
-              </a:p>
-            </p:txBody>
-          </p:sp>
-        </mc:Choice>
-        <mc:Fallback>
-          <p:sp>
-            <p:nvSpPr>
-              <p:cNvPr id="12" name="Rectangle 11">
-                <a:extLst>
-                  <a:ext uri="{FF2B5EF4-FFF2-40B4-BE49-F238E27FC236}">
-                    <a16:creationId xmlns:a16="http://schemas.microsoft.com/office/drawing/2014/main" id="{17A745B4-5231-4369-A57B-110807296F72}"/>
-                  </a:ext>
-                </a:extLst>
-              </p:cNvPr>
-              <p:cNvSpPr>
-                <a:spLocks noRot="1" noChangeAspect="1" noMove="1" noResize="1" noEditPoints="1" noAdjustHandles="1" noChangeArrowheads="1" noChangeShapeType="1" noTextEdit="1"/>
-              </p:cNvSpPr>
-              <p:nvPr/>
-            </p:nvSpPr>
-            <p:spPr>
-              <a:xfrm>
-                <a:off x="5429153" y="6295947"/>
-                <a:ext cx="1760418" cy="369332"/>
-              </a:xfrm>
-              <a:prstGeom prst="rect">
-                <a:avLst/>
-              </a:prstGeom>
-              <a:blipFill>
-                <a:blip r:embed="rId7"/>
-                <a:stretch>
-                  <a:fillRect l="-1389" b="-16667"/>
-                </a:stretch>
-              </a:blipFill>
-            </p:spPr>
-            <p:txBody>
-              <a:bodyPr/>
-              <a:lstStyle/>
-              <a:p>
-                <a:r>
-                  <a:rPr lang="en-CH">
-                    <a:noFill/>
-                  </a:rPr>
-                  <a:t> </a:t>
-                </a:r>
-              </a:p>
-            </p:txBody>
-          </p:sp>
-        </mc:Fallback>
-      </mc:AlternateContent>
-      <p:cxnSp>
-        <p:nvCxnSpPr>
-          <p:cNvPr id="13" name="Straight Arrow Connector 12">
-            <a:extLst>
-              <a:ext uri="{FF2B5EF4-FFF2-40B4-BE49-F238E27FC236}">
-                <a16:creationId xmlns:a16="http://schemas.microsoft.com/office/drawing/2014/main" id="{AD96CE5E-F443-4AFD-97F5-ED84E5183906}"/>
-              </a:ext>
-            </a:extLst>
-          </p:cNvPr>
-          <p:cNvCxnSpPr>
-            <a:cxnSpLocks/>
-            <a:stCxn id="6" idx="2"/>
-          </p:cNvCxnSpPr>
-          <p:nvPr/>
-        </p:nvCxnSpPr>
-        <p:spPr>
-          <a:xfrm>
-            <a:off x="11236960" y="1395012"/>
-            <a:ext cx="243840" cy="474428"/>
-          </a:xfrm>
-          <a:prstGeom prst="straightConnector1">
-            <a:avLst/>
-          </a:prstGeom>
-          <a:ln>
-            <a:tailEnd type="triangle"/>
-          </a:ln>
-        </p:spPr>
-        <p:style>
-          <a:lnRef idx="3">
-            <a:schemeClr val="accent1"/>
-          </a:lnRef>
-          <a:fillRef idx="0">
-            <a:schemeClr val="accent1"/>
-          </a:fillRef>
-          <a:effectRef idx="2">
-            <a:schemeClr val="accent1"/>
-          </a:effectRef>
-          <a:fontRef idx="minor">
-            <a:schemeClr val="tx1"/>
-          </a:fontRef>
-        </p:style>
-      </p:cxnSp>
-      <p:cxnSp>
-        <p:nvCxnSpPr>
-          <p:cNvPr id="14" name="Straight Arrow Connector 13">
-            <a:extLst>
-              <a:ext uri="{FF2B5EF4-FFF2-40B4-BE49-F238E27FC236}">
-                <a16:creationId xmlns:a16="http://schemas.microsoft.com/office/drawing/2014/main" id="{C3E45ED4-D2A2-4FA8-8F48-CCE8DC92AD7A}"/>
-              </a:ext>
-            </a:extLst>
-          </p:cNvPr>
-          <p:cNvCxnSpPr>
-            <a:cxnSpLocks/>
-          </p:cNvCxnSpPr>
-          <p:nvPr/>
-        </p:nvCxnSpPr>
-        <p:spPr>
-          <a:xfrm flipH="1" flipV="1">
-            <a:off x="6136640" y="5730240"/>
-            <a:ext cx="152402" cy="528004"/>
-          </a:xfrm>
-          <a:prstGeom prst="straightConnector1">
-            <a:avLst/>
-          </a:prstGeom>
-          <a:ln>
-            <a:tailEnd type="triangle"/>
-          </a:ln>
-        </p:spPr>
-        <p:style>
-          <a:lnRef idx="3">
-            <a:schemeClr val="accent1"/>
-          </a:lnRef>
-          <a:fillRef idx="0">
-            <a:schemeClr val="accent1"/>
-          </a:fillRef>
-          <a:effectRef idx="2">
-            <a:schemeClr val="accent1"/>
-          </a:effectRef>
-          <a:fontRef idx="minor">
-            <a:schemeClr val="tx1"/>
-          </a:fontRef>
-        </p:style>
-      </p:cxnSp>
-      <p:cxnSp>
-        <p:nvCxnSpPr>
-          <p:cNvPr id="21" name="Straight Arrow Connector 20">
-            <a:extLst>
-              <a:ext uri="{FF2B5EF4-FFF2-40B4-BE49-F238E27FC236}">
-                <a16:creationId xmlns:a16="http://schemas.microsoft.com/office/drawing/2014/main" id="{FB2A0AAD-AA9B-471A-8C10-EE2184C7D092}"/>
-              </a:ext>
-            </a:extLst>
-          </p:cNvPr>
-          <p:cNvCxnSpPr>
-            <a:cxnSpLocks/>
-          </p:cNvCxnSpPr>
-          <p:nvPr/>
-        </p:nvCxnSpPr>
-        <p:spPr>
-          <a:xfrm>
-            <a:off x="3436219" y="4274151"/>
-            <a:ext cx="2385461" cy="0"/>
-          </a:xfrm>
-          <a:prstGeom prst="straightConnector1">
-            <a:avLst/>
-          </a:prstGeom>
-          <a:ln>
-            <a:tailEnd type="triangle"/>
-          </a:ln>
-        </p:spPr>
-        <p:style>
-          <a:lnRef idx="3">
-            <a:schemeClr val="dk1"/>
-          </a:lnRef>
-          <a:fillRef idx="0">
-            <a:schemeClr val="dk1"/>
-          </a:fillRef>
-          <a:effectRef idx="2">
-            <a:schemeClr val="dk1"/>
-          </a:effectRef>
-          <a:fontRef idx="minor">
-            <a:schemeClr val="tx1"/>
-          </a:fontRef>
-        </p:style>
-      </p:cxnSp>
     </p:spTree>
     <p:extLst>
       <p:ext uri="{BB962C8B-B14F-4D97-AF65-F5344CB8AC3E}">
@@ -16468,80 +16285,510 @@
           <a:chExt cx="0" cy="0"/>
         </a:xfrm>
       </p:grpSpPr>
-      <p:sp>
-        <p:nvSpPr>
-          <p:cNvPr id="3" name="Content Placeholder 2">
-            <a:extLst>
-              <a:ext uri="{FF2B5EF4-FFF2-40B4-BE49-F238E27FC236}">
-                <a16:creationId xmlns:a16="http://schemas.microsoft.com/office/drawing/2014/main" id="{2E5DAAB6-C87E-4C10-8DDC-15F41DB00A20}"/>
-              </a:ext>
-            </a:extLst>
-          </p:cNvPr>
-          <p:cNvSpPr>
-            <a:spLocks noGrp="1"/>
-          </p:cNvSpPr>
-          <p:nvPr>
-            <p:ph idx="1"/>
-          </p:nvPr>
-        </p:nvSpPr>
-        <p:spPr>
-          <a:xfrm>
-            <a:off x="838200" y="1127760"/>
-            <a:ext cx="10515600" cy="5049203"/>
-          </a:xfrm>
-        </p:spPr>
-        <p:txBody>
-          <a:bodyPr>
-            <a:normAutofit/>
-          </a:bodyPr>
-          <a:lstStyle/>
-          <a:p>
-            <a:pPr marL="0" indent="0">
-              <a:buNone/>
-            </a:pPr>
-            <a:r>
-              <a:rPr lang="en-CA" sz="2400" dirty="0">
-                <a:solidFill>
-                  <a:schemeClr val="accent1"/>
-                </a:solidFill>
-              </a:rPr>
-              <a:t>Limitation of baseline VNS</a:t>
-            </a:r>
-          </a:p>
-          <a:p>
-            <a:r>
-              <a:rPr lang="en-CA" sz="2400" dirty="0"/>
-              <a:t>Size of the neighborhood grows non-linearly. Example: </a:t>
-            </a:r>
-            <a:r>
-              <a:rPr lang="en-CA" sz="2400" dirty="0">
-                <a:solidFill>
-                  <a:schemeClr val="accent2"/>
-                </a:solidFill>
-              </a:rPr>
-              <a:t>“adding tables”</a:t>
-            </a:r>
-          </a:p>
-          <a:p>
-            <a:endParaRPr lang="en-CA" sz="2400" dirty="0"/>
-          </a:p>
-          <a:p>
-            <a:endParaRPr lang="en-CA" sz="2400" dirty="0"/>
-          </a:p>
-          <a:p>
-            <a:endParaRPr lang="en-CA" sz="2400" dirty="0"/>
-          </a:p>
-          <a:p>
-            <a:endParaRPr lang="en-CA" sz="2400" dirty="0"/>
-          </a:p>
-          <a:p>
-            <a:endParaRPr lang="en-CA" sz="2400" dirty="0"/>
-          </a:p>
-          <a:p>
-            <a:endParaRPr lang="en-CA" sz="2400" dirty="0"/>
-          </a:p>
-        </p:txBody>
-      </p:sp>
+      <mc:AlternateContent xmlns:mc="http://schemas.openxmlformats.org/markup-compatibility/2006">
+        <mc:Choice xmlns:a14="http://schemas.microsoft.com/office/drawing/2010/main" Requires="a14">
+          <p:sp>
+            <p:nvSpPr>
+              <p:cNvPr id="3" name="Content Placeholder 2">
+                <a:extLst>
+                  <a:ext uri="{FF2B5EF4-FFF2-40B4-BE49-F238E27FC236}">
+                    <a16:creationId xmlns:a16="http://schemas.microsoft.com/office/drawing/2014/main" id="{2E5DAAB6-C87E-4C10-8DDC-15F41DB00A20}"/>
+                  </a:ext>
+                </a:extLst>
+              </p:cNvPr>
+              <p:cNvSpPr>
+                <a:spLocks noGrp="1"/>
+              </p:cNvSpPr>
+              <p:nvPr>
+                <p:ph idx="1"/>
+              </p:nvPr>
+            </p:nvSpPr>
+            <p:spPr>
+              <a:xfrm>
+                <a:off x="838199" y="1432560"/>
+                <a:ext cx="5572125" cy="4744403"/>
+              </a:xfrm>
+            </p:spPr>
+            <p:txBody>
+              <a:bodyPr>
+                <a:normAutofit lnSpcReduction="10000"/>
+              </a:bodyPr>
+              <a:lstStyle/>
+              <a:p>
+                <a:r>
+                  <a:rPr lang="en-CA" sz="2400" dirty="0"/>
+                  <a:t>Neighborhood structures:</a:t>
+                </a:r>
+              </a:p>
+              <a:p>
+                <a:pPr lvl="1"/>
+                <a:r>
+                  <a:rPr lang="en-CA" sz="2000" dirty="0"/>
+                  <a:t>Merge/Split &amp; Add/Remove</a:t>
+                </a:r>
+              </a:p>
+              <a:p>
+                <a:pPr lvl="1">
+                  <a:buFont typeface="Wingdings" panose="05000000000000000000" pitchFamily="2" charset="2"/>
+                  <a:buChar char="Ø"/>
+                </a:pPr>
+                <a:r>
+                  <a:rPr lang="en-CA" sz="2000" dirty="0"/>
+                  <a:t>When the neighborhood gets to large </a:t>
+                </a:r>
+                <a:br>
+                  <a:rPr lang="en-CA" sz="2000" dirty="0"/>
+                </a:br>
+                <a:r>
+                  <a:rPr lang="en-CA" sz="2000" dirty="0">
+                    <a:sym typeface="Wingdings" panose="05000000000000000000" pitchFamily="2" charset="2"/>
+                  </a:rPr>
+                  <a:t> limited search (max </a:t>
+                </a:r>
+                <a:r>
+                  <a:rPr lang="en-CA" sz="2000" i="1" dirty="0">
+                    <a:sym typeface="Wingdings" panose="05000000000000000000" pitchFamily="2" charset="2"/>
+                  </a:rPr>
+                  <a:t>k</a:t>
+                </a:r>
+                <a:r>
+                  <a:rPr lang="en-CA" sz="2000" dirty="0">
+                    <a:sym typeface="Wingdings" panose="05000000000000000000" pitchFamily="2" charset="2"/>
+                  </a:rPr>
+                  <a:t> neighbors)</a:t>
+                </a:r>
+                <a:endParaRPr lang="en-CA" sz="2000" dirty="0"/>
+              </a:p>
+              <a:p>
+                <a:pPr marL="457200" lvl="1" indent="0">
+                  <a:lnSpc>
+                    <a:spcPct val="150000"/>
+                  </a:lnSpc>
+                  <a:buNone/>
+                </a:pPr>
+                <a:endParaRPr lang="en-US" sz="2000" dirty="0"/>
+              </a:p>
+              <a:p>
+                <a:r>
+                  <a:rPr lang="en-US" sz="2400" dirty="0"/>
+                  <a:t>If the </a:t>
+                </a:r>
+                <a:r>
+                  <a:rPr lang="en-US" sz="2400" b="1" dirty="0"/>
+                  <a:t>starting point </a:t>
+                </a:r>
+                <a:r>
+                  <a:rPr lang="en-US" sz="2400" dirty="0"/>
+                  <a:t>is off, very long search</a:t>
+                </a:r>
+              </a:p>
+              <a:p>
+                <a:pPr lvl="1"/>
+                <a:r>
+                  <a:rPr lang="en-US" sz="2000" dirty="0"/>
+                  <a:t>Bad starting point </a:t>
+                </a:r>
+              </a:p>
+              <a:p>
+                <a:pPr lvl="2"/>
+                <a14:m>
+                  <m:oMath xmlns:m="http://schemas.openxmlformats.org/officeDocument/2006/math">
+                    <m:sSub>
+                      <m:sSubPr>
+                        <m:ctrlPr>
+                          <a:rPr lang="en-US" sz="1600" b="0" i="1" smtClean="0">
+                            <a:latin typeface="Cambria Math" panose="02040503050406030204" pitchFamily="18" charset="0"/>
+                          </a:rPr>
+                        </m:ctrlPr>
+                      </m:sSubPr>
+                      <m:e>
+                        <m:r>
+                          <a:rPr lang="en-US" sz="1600" i="1" smtClean="0">
+                            <a:latin typeface="Cambria Math" panose="02040503050406030204" pitchFamily="18" charset="0"/>
+                          </a:rPr>
+                          <m:t>𝑛</m:t>
+                        </m:r>
+                      </m:e>
+                      <m:sub>
+                        <m:r>
+                          <a:rPr lang="en-US" sz="1600" b="0" i="1" smtClean="0">
+                            <a:latin typeface="Cambria Math" panose="02040503050406030204" pitchFamily="18" charset="0"/>
+                          </a:rPr>
+                          <m:t>𝑠𝑒𝑎𝑡𝑠</m:t>
+                        </m:r>
+                      </m:sub>
+                    </m:sSub>
+                  </m:oMath>
+                </a14:m>
+                <a:r>
+                  <a:rPr lang="en-US" sz="1600" dirty="0"/>
+                  <a:t>=300, greedy table arrangement</a:t>
+                </a:r>
+              </a:p>
+              <a:p>
+                <a:pPr lvl="2"/>
+                <a:r>
+                  <a:rPr lang="en-US" sz="1600" dirty="0"/>
+                  <a:t>Merge/Split moves </a:t>
+                </a:r>
+                <a:r>
+                  <a:rPr lang="en-US" sz="1600" dirty="0">
+                    <a:sym typeface="Wingdings" panose="05000000000000000000" pitchFamily="2" charset="2"/>
+                  </a:rPr>
+                  <a:t></a:t>
+                </a:r>
+                <a:endParaRPr lang="en-US" sz="1600" dirty="0"/>
+              </a:p>
+              <a:p>
+                <a:pPr lvl="2"/>
+                <a:r>
+                  <a:rPr lang="en-US" sz="1600" dirty="0"/>
+                  <a:t>Add/Remove </a:t>
+                </a:r>
+                <a:r>
+                  <a:rPr lang="en-US" sz="1600" dirty="0">
+                    <a:sym typeface="Wingdings" panose="05000000000000000000" pitchFamily="2" charset="2"/>
+                  </a:rPr>
+                  <a:t></a:t>
+                </a:r>
+                <a:endParaRPr lang="en-US" sz="2000" dirty="0">
+                  <a:sym typeface="Wingdings" panose="05000000000000000000" pitchFamily="2" charset="2"/>
+                </a:endParaRPr>
+              </a:p>
+              <a:p>
+                <a:pPr lvl="1"/>
+                <a:r>
+                  <a:rPr lang="en-US" sz="2000" dirty="0">
+                    <a:sym typeface="Wingdings" panose="05000000000000000000" pitchFamily="2" charset="2"/>
+                  </a:rPr>
+                  <a:t>Alternatives</a:t>
+                </a:r>
+              </a:p>
+              <a:p>
+                <a:pPr lvl="2"/>
+                <a:r>
+                  <a:rPr lang="en-US" sz="1600" dirty="0">
+                    <a:sym typeface="Wingdings" panose="05000000000000000000" pitchFamily="2" charset="2"/>
+                  </a:rPr>
+                  <a:t> </a:t>
+                </a:r>
+                <a14:m>
+                  <m:oMath xmlns:m="http://schemas.openxmlformats.org/officeDocument/2006/math">
+                    <m:r>
+                      <a:rPr lang="en-US" sz="1600" i="1" smtClean="0">
+                        <a:solidFill>
+                          <a:srgbClr val="FF0000"/>
+                        </a:solidFill>
+                        <a:latin typeface="Cambria Math" panose="02040503050406030204" pitchFamily="18" charset="0"/>
+                      </a:rPr>
+                      <m:t>𝑑𝑒𝑚𝑎𝑛</m:t>
+                    </m:r>
+                    <m:sSub>
+                      <m:sSubPr>
+                        <m:ctrlPr>
+                          <a:rPr lang="en-US" sz="1600" i="1">
+                            <a:solidFill>
+                              <a:srgbClr val="FF0000"/>
+                            </a:solidFill>
+                            <a:latin typeface="Cambria Math" panose="02040503050406030204" pitchFamily="18" charset="0"/>
+                          </a:rPr>
+                        </m:ctrlPr>
+                      </m:sSubPr>
+                      <m:e>
+                        <m:r>
+                          <a:rPr lang="en-US" sz="1600" i="1">
+                            <a:solidFill>
+                              <a:srgbClr val="FF0000"/>
+                            </a:solidFill>
+                            <a:latin typeface="Cambria Math" panose="02040503050406030204" pitchFamily="18" charset="0"/>
+                          </a:rPr>
+                          <m:t>𝑑</m:t>
+                        </m:r>
+                      </m:e>
+                      <m:sub>
+                        <m:r>
+                          <a:rPr lang="en-US" sz="1600" i="1">
+                            <a:solidFill>
+                              <a:srgbClr val="FF0000"/>
+                            </a:solidFill>
+                            <a:latin typeface="Cambria Math" panose="02040503050406030204" pitchFamily="18" charset="0"/>
+                          </a:rPr>
+                          <m:t>𝑝𝑒𝑎𝑘</m:t>
+                        </m:r>
+                        <m:r>
+                          <a:rPr lang="en-US" sz="1600" i="1">
+                            <a:solidFill>
+                              <a:srgbClr val="FF0000"/>
+                            </a:solidFill>
+                            <a:latin typeface="Cambria Math" panose="02040503050406030204" pitchFamily="18" charset="0"/>
+                          </a:rPr>
+                          <m:t>−</m:t>
+                        </m:r>
+                        <m:r>
+                          <a:rPr lang="en-US" sz="1600" i="1">
+                            <a:solidFill>
+                              <a:srgbClr val="FF0000"/>
+                            </a:solidFill>
+                            <a:latin typeface="Cambria Math" panose="02040503050406030204" pitchFamily="18" charset="0"/>
+                          </a:rPr>
+                          <m:t>h𝑜𝑢𝑟</m:t>
+                        </m:r>
+                      </m:sub>
+                    </m:sSub>
+                    <m:r>
+                      <a:rPr lang="en-US" sz="1600" i="1">
+                        <a:solidFill>
+                          <a:srgbClr val="FF0000"/>
+                        </a:solidFill>
+                        <a:latin typeface="Cambria Math" panose="02040503050406030204" pitchFamily="18" charset="0"/>
+                      </a:rPr>
+                      <m:t> </m:t>
+                    </m:r>
+                  </m:oMath>
+                </a14:m>
+                <a:r>
+                  <a:rPr lang="en-US" sz="1600" dirty="0">
+                    <a:solidFill>
+                      <a:srgbClr val="FF0000"/>
+                    </a:solidFill>
+                    <a:sym typeface="Wingdings" panose="05000000000000000000" pitchFamily="2" charset="2"/>
+                  </a:rPr>
+                  <a:t>= rest. service rate  </a:t>
+                </a:r>
+                <a14:m>
+                  <m:oMath xmlns:m="http://schemas.openxmlformats.org/officeDocument/2006/math">
+                    <m:sSub>
+                      <m:sSubPr>
+                        <m:ctrlPr>
+                          <a:rPr lang="en-US" sz="1600" i="1">
+                            <a:solidFill>
+                              <a:srgbClr val="FF0000"/>
+                            </a:solidFill>
+                            <a:latin typeface="Cambria Math" panose="02040503050406030204" pitchFamily="18" charset="0"/>
+                          </a:rPr>
+                        </m:ctrlPr>
+                      </m:sSubPr>
+                      <m:e>
+                        <m:r>
+                          <a:rPr lang="en-US" sz="1600" i="1">
+                            <a:solidFill>
+                              <a:srgbClr val="FF0000"/>
+                            </a:solidFill>
+                            <a:latin typeface="Cambria Math" panose="02040503050406030204" pitchFamily="18" charset="0"/>
+                          </a:rPr>
+                          <m:t>𝑛</m:t>
+                        </m:r>
+                      </m:e>
+                      <m:sub>
+                        <m:r>
+                          <a:rPr lang="en-US" sz="1600" i="1">
+                            <a:solidFill>
+                              <a:srgbClr val="FF0000"/>
+                            </a:solidFill>
+                            <a:latin typeface="Cambria Math" panose="02040503050406030204" pitchFamily="18" charset="0"/>
+                          </a:rPr>
+                          <m:t>𝑠𝑒𝑎𝑡𝑠</m:t>
+                        </m:r>
+                      </m:sub>
+                    </m:sSub>
+                  </m:oMath>
+                </a14:m>
+                <a:endParaRPr lang="en-US" sz="1600" dirty="0"/>
+              </a:p>
+              <a:p>
+                <a:pPr lvl="2"/>
+                <a:endParaRPr lang="en-US" sz="200" dirty="0"/>
+              </a:p>
+              <a:p>
+                <a:pPr lvl="3">
+                  <a:buFont typeface="Wingdings" panose="05000000000000000000" pitchFamily="2" charset="2"/>
+                  <a:buChar char="Ø"/>
+                </a:pPr>
+                <a14:m>
+                  <m:oMath xmlns:m="http://schemas.openxmlformats.org/officeDocument/2006/math">
+                    <m:sSub>
+                      <m:sSubPr>
+                        <m:ctrlPr>
+                          <a:rPr lang="en-US" sz="1400" i="1">
+                            <a:latin typeface="Cambria Math" panose="02040503050406030204" pitchFamily="18" charset="0"/>
+                          </a:rPr>
+                        </m:ctrlPr>
+                      </m:sSubPr>
+                      <m:e>
+                        <m:r>
+                          <a:rPr lang="en-US" sz="1400" i="1">
+                            <a:latin typeface="Cambria Math" panose="02040503050406030204" pitchFamily="18" charset="0"/>
+                          </a:rPr>
+                          <m:t>𝑛</m:t>
+                        </m:r>
+                      </m:e>
+                      <m:sub>
+                        <m:r>
+                          <a:rPr lang="en-US" sz="1400" i="1">
+                            <a:latin typeface="Cambria Math" panose="02040503050406030204" pitchFamily="18" charset="0"/>
+                          </a:rPr>
+                          <m:t>𝑠𝑒𝑎𝑡𝑠</m:t>
+                        </m:r>
+                      </m:sub>
+                    </m:sSub>
+                    <m:r>
+                      <a:rPr lang="en-US" sz="1400" b="0" i="1" smtClean="0">
+                        <a:latin typeface="Cambria Math" panose="02040503050406030204" pitchFamily="18" charset="0"/>
+                      </a:rPr>
+                      <m:t>=</m:t>
+                    </m:r>
+                    <m:r>
+                      <a:rPr lang="en-US" sz="1400" b="0" i="1" smtClean="0">
+                        <a:latin typeface="Cambria Math" panose="02040503050406030204" pitchFamily="18" charset="0"/>
+                      </a:rPr>
+                      <m:t>𝑑𝑒𝑚𝑎𝑛</m:t>
+                    </m:r>
+                    <m:sSub>
+                      <m:sSubPr>
+                        <m:ctrlPr>
+                          <a:rPr lang="en-US" sz="1400" b="0" i="1" smtClean="0">
+                            <a:latin typeface="Cambria Math" panose="02040503050406030204" pitchFamily="18" charset="0"/>
+                          </a:rPr>
+                        </m:ctrlPr>
+                      </m:sSubPr>
+                      <m:e>
+                        <m:r>
+                          <a:rPr lang="en-US" sz="1400" b="0" i="1" smtClean="0">
+                            <a:latin typeface="Cambria Math" panose="02040503050406030204" pitchFamily="18" charset="0"/>
+                          </a:rPr>
+                          <m:t>𝑑</m:t>
+                        </m:r>
+                      </m:e>
+                      <m:sub>
+                        <m:r>
+                          <a:rPr lang="en-US" sz="1400" b="0" i="1" smtClean="0">
+                            <a:latin typeface="Cambria Math" panose="02040503050406030204" pitchFamily="18" charset="0"/>
+                          </a:rPr>
+                          <m:t>𝑝𝑒𝑎𝑘</m:t>
+                        </m:r>
+                        <m:r>
+                          <a:rPr lang="en-US" sz="1400" b="0" i="1" smtClean="0">
+                            <a:latin typeface="Cambria Math" panose="02040503050406030204" pitchFamily="18" charset="0"/>
+                          </a:rPr>
+                          <m:t>−</m:t>
+                        </m:r>
+                        <m:r>
+                          <a:rPr lang="en-US" sz="1400" b="0" i="1" smtClean="0">
+                            <a:latin typeface="Cambria Math" panose="02040503050406030204" pitchFamily="18" charset="0"/>
+                          </a:rPr>
+                          <m:t>h𝑜𝑢𝑟</m:t>
+                        </m:r>
+                      </m:sub>
+                    </m:sSub>
+                    <m:r>
+                      <a:rPr lang="en-US" sz="1400" b="0" i="1" smtClean="0">
+                        <a:latin typeface="Cambria Math" panose="02040503050406030204" pitchFamily="18" charset="0"/>
+                        <a:ea typeface="Cambria Math" panose="02040503050406030204" pitchFamily="18" charset="0"/>
+                      </a:rPr>
+                      <m:t>×</m:t>
+                    </m:r>
+                    <m:acc>
+                      <m:accPr>
+                        <m:chr m:val="̅"/>
+                        <m:ctrlPr>
+                          <a:rPr lang="en-US" sz="1400" b="0" i="1" smtClean="0">
+                            <a:latin typeface="Cambria Math" panose="02040503050406030204" pitchFamily="18" charset="0"/>
+                            <a:ea typeface="Cambria Math" panose="02040503050406030204" pitchFamily="18" charset="0"/>
+                          </a:rPr>
+                        </m:ctrlPr>
+                      </m:accPr>
+                      <m:e>
+                        <m:r>
+                          <a:rPr lang="en-US" sz="1400" i="1">
+                            <a:latin typeface="Cambria Math" panose="02040503050406030204" pitchFamily="18" charset="0"/>
+                            <a:ea typeface="Cambria Math" panose="02040503050406030204" pitchFamily="18" charset="0"/>
+                          </a:rPr>
+                          <m:t>𝑑𝑖𝑛𝑖𝑛𝑔</m:t>
+                        </m:r>
+                        <m:r>
+                          <a:rPr lang="en-US" sz="1400" i="1">
+                            <a:latin typeface="Cambria Math" panose="02040503050406030204" pitchFamily="18" charset="0"/>
+                            <a:ea typeface="Cambria Math" panose="02040503050406030204" pitchFamily="18" charset="0"/>
+                          </a:rPr>
+                          <m:t> </m:t>
+                        </m:r>
+                        <m:r>
+                          <a:rPr lang="en-US" sz="1400" i="1">
+                            <a:latin typeface="Cambria Math" panose="02040503050406030204" pitchFamily="18" charset="0"/>
+                            <a:ea typeface="Cambria Math" panose="02040503050406030204" pitchFamily="18" charset="0"/>
+                          </a:rPr>
+                          <m:t>𝑡𝑖𝑚𝑒</m:t>
+                        </m:r>
+                        <m:r>
+                          <m:rPr>
+                            <m:nor/>
+                          </m:rPr>
+                          <a:rPr lang="en-US" sz="2000" dirty="0"/>
+                          <m:t> </m:t>
+                        </m:r>
+                      </m:e>
+                    </m:acc>
+                  </m:oMath>
+                </a14:m>
+                <a:endParaRPr lang="en-US" sz="2000" dirty="0"/>
+              </a:p>
+              <a:p>
+                <a:pPr lvl="1"/>
+                <a:endParaRPr lang="en-CA" sz="2000" dirty="0"/>
+              </a:p>
+              <a:p>
+                <a:pPr marL="457200" lvl="1" indent="0">
+                  <a:buNone/>
+                </a:pPr>
+                <a:endParaRPr lang="en-CA" sz="2000" dirty="0"/>
+              </a:p>
+            </p:txBody>
+          </p:sp>
+        </mc:Choice>
+        <mc:Fallback>
+          <p:sp>
+            <p:nvSpPr>
+              <p:cNvPr id="3" name="Content Placeholder 2">
+                <a:extLst>
+                  <a:ext uri="{FF2B5EF4-FFF2-40B4-BE49-F238E27FC236}">
+                    <a16:creationId xmlns:a16="http://schemas.microsoft.com/office/drawing/2014/main" id="{2E5DAAB6-C87E-4C10-8DDC-15F41DB00A20}"/>
+                  </a:ext>
+                </a:extLst>
+              </p:cNvPr>
+              <p:cNvSpPr>
+                <a:spLocks noGrp="1" noRot="1" noChangeAspect="1" noMove="1" noResize="1" noEditPoints="1" noAdjustHandles="1" noChangeArrowheads="1" noChangeShapeType="1" noTextEdit="1"/>
+              </p:cNvSpPr>
+              <p:nvPr>
+                <p:ph idx="1"/>
+              </p:nvPr>
+            </p:nvSpPr>
+            <p:spPr>
+              <a:xfrm>
+                <a:off x="838199" y="1432560"/>
+                <a:ext cx="5572125" cy="4744403"/>
+              </a:xfrm>
+              <a:blipFill>
+                <a:blip r:embed="rId3"/>
+                <a:stretch>
+                  <a:fillRect l="-1421" t="-2442"/>
+                </a:stretch>
+              </a:blipFill>
+            </p:spPr>
+            <p:txBody>
+              <a:bodyPr/>
+              <a:lstStyle/>
+              <a:p>
+                <a:r>
+                  <a:rPr lang="en-US">
+                    <a:noFill/>
+                  </a:rPr>
+                  <a:t> </a:t>
+                </a:r>
+              </a:p>
+            </p:txBody>
+          </p:sp>
+        </mc:Fallback>
+      </mc:AlternateContent>
       <p:pic>
         <p:nvPicPr>
           <p:cNvPr id="5" name="Picture 4">
@@ -16557,7 +16804,7 @@
           <p:nvPr/>
         </p:nvPicPr>
         <p:blipFill>
-          <a:blip r:embed="rId2" cstate="hqprint">
+          <a:blip r:embed="rId4" cstate="hqprint">
             <a:extLst>
               <a:ext uri="{28A0092B-C50C-407E-A947-70E740481C1C}">
                 <a14:useLocalDpi xmlns:a14="http://schemas.microsoft.com/office/drawing/2010/main" val="0"/>
@@ -16627,54 +16874,18 @@
           <a:p>
             <a:r>
               <a:rPr lang="en-CA" sz="3600" dirty="0"/>
-              <a:t>Reducing the Neighborhood Size</a:t>
+              <a:t>Baseline VNS </a:t>
             </a:r>
             <a:endParaRPr lang="en-US" sz="3600" dirty="0"/>
           </a:p>
         </p:txBody>
       </p:sp>
-      <p:pic>
-        <p:nvPicPr>
-          <p:cNvPr id="4" name="Picture 3" descr="A screenshot of a cell phone&#10;&#10;Description generated with high confidence">
-            <a:extLst>
-              <a:ext uri="{FF2B5EF4-FFF2-40B4-BE49-F238E27FC236}">
-                <a16:creationId xmlns:a16="http://schemas.microsoft.com/office/drawing/2014/main" id="{342937A0-38F1-466F-9280-112CBEE2245D}"/>
-              </a:ext>
-            </a:extLst>
-          </p:cNvPr>
-          <p:cNvPicPr>
-            <a:picLocks noChangeAspect="1"/>
-          </p:cNvPicPr>
-          <p:nvPr/>
-        </p:nvPicPr>
-        <p:blipFill>
-          <a:blip r:embed="rId3">
-            <a:extLst>
-              <a:ext uri="{28A0092B-C50C-407E-A947-70E740481C1C}">
-                <a14:useLocalDpi xmlns:a14="http://schemas.microsoft.com/office/drawing/2010/main" val="0"/>
-              </a:ext>
-            </a:extLst>
-          </a:blip>
-          <a:stretch>
-            <a:fillRect/>
-          </a:stretch>
-        </p:blipFill>
-        <p:spPr>
-          <a:xfrm>
-            <a:off x="838200" y="2136140"/>
-            <a:ext cx="5808980" cy="4356735"/>
-          </a:xfrm>
-          <a:prstGeom prst="rect">
-            <a:avLst/>
-          </a:prstGeom>
-        </p:spPr>
-      </p:pic>
       <p:sp>
         <p:nvSpPr>
-          <p:cNvPr id="9" name="TextBox 8">
+          <p:cNvPr id="10" name="TextBox 9">
             <a:extLst>
               <a:ext uri="{FF2B5EF4-FFF2-40B4-BE49-F238E27FC236}">
-                <a16:creationId xmlns:a16="http://schemas.microsoft.com/office/drawing/2014/main" id="{2D3CA527-BFF0-4D51-889E-120C295EFCA8}"/>
+                <a16:creationId xmlns:a16="http://schemas.microsoft.com/office/drawing/2014/main" id="{65EA61C1-B2C1-4358-8F18-155049D8709A}"/>
               </a:ext>
             </a:extLst>
           </p:cNvPr>
@@ -16683,8 +16894,8 @@
         </p:nvSpPr>
         <p:spPr>
           <a:xfrm>
-            <a:off x="6553200" y="2387600"/>
-            <a:ext cx="4800600" cy="3939540"/>
+            <a:off x="7219949" y="1600200"/>
+            <a:ext cx="4343400" cy="1754326"/>
           </a:xfrm>
           <a:prstGeom prst="rect">
             <a:avLst/>
@@ -16697,128 +16908,70 @@
           </a:bodyPr>
           <a:lstStyle/>
           <a:p>
-            <a:pPr marL="342900" indent="-342900">
-              <a:buFont typeface="Arial" panose="020B0604020202020204" pitchFamily="34" charset="0"/>
-              <a:buChar char="•"/>
-            </a:pPr>
-            <a:r>
-              <a:rPr lang="en-CA" sz="2400" b="1" baseline="-25000" dirty="0"/>
-              <a:t> </a:t>
-            </a:r>
-            <a:r>
-              <a:rPr lang="en-CA" sz="2400" b="1" baseline="-25000" dirty="0">
+            <a:r>
+              <a:rPr lang="en-US" dirty="0" err="1"/>
+              <a:t>Caio’s</a:t>
+            </a:r>
+            <a:r>
+              <a:rPr lang="en-US" dirty="0"/>
+              <a:t> new graph: </a:t>
+            </a:r>
+          </a:p>
+          <a:p>
+            <a:r>
+              <a:rPr lang="en-US" dirty="0"/>
+              <a:t>Replicate this class figure with </a:t>
+            </a:r>
+            <a:r>
+              <a:rPr lang="en-US" dirty="0">
                 <a:solidFill>
-                  <a:schemeClr val="accent2"/>
+                  <a:srgbClr val="FF0000"/>
                 </a:solidFill>
               </a:rPr>
-              <a:t>4</a:t>
-            </a:r>
-            <a:r>
-              <a:rPr lang="en-US" sz="2400" b="1" baseline="-25000" dirty="0">
-                <a:solidFill>
-                  <a:schemeClr val="accent2"/>
-                </a:solidFill>
-              </a:rPr>
-              <a:t>+</a:t>
-            </a:r>
-            <a:r>
-              <a:rPr lang="en-US" sz="2400" b="1" i="1" baseline="-25000" dirty="0">
-                <a:solidFill>
-                  <a:schemeClr val="accent2"/>
-                </a:solidFill>
-              </a:rPr>
-              <a:t>n</a:t>
-            </a:r>
-            <a:r>
-              <a:rPr lang="en-US" sz="2400" b="1" baseline="-25000" dirty="0">
-                <a:solidFill>
-                  <a:schemeClr val="accent2"/>
-                </a:solidFill>
-              </a:rPr>
-              <a:t>-1</a:t>
-            </a:r>
-            <a:r>
-              <a:rPr lang="en-US" sz="2400" b="1" dirty="0">
-                <a:solidFill>
-                  <a:schemeClr val="accent2"/>
-                </a:solidFill>
-              </a:rPr>
-              <a:t>C</a:t>
-            </a:r>
-            <a:r>
-              <a:rPr lang="en-US" sz="2400" b="1" i="1" baseline="-25000" dirty="0">
-                <a:solidFill>
-                  <a:schemeClr val="accent2"/>
-                </a:solidFill>
-              </a:rPr>
-              <a:t>n</a:t>
-            </a:r>
-            <a:r>
-              <a:rPr lang="en-US" sz="2400" i="1" dirty="0">
-                <a:solidFill>
-                  <a:schemeClr val="accent2"/>
-                </a:solidFill>
-              </a:rPr>
-              <a:t> </a:t>
-            </a:r>
-          </a:p>
-          <a:p>
-            <a:r>
-              <a:rPr lang="en-US" sz="2400" dirty="0"/>
-              <a:t>where </a:t>
-            </a:r>
-            <a:r>
-              <a:rPr lang="en-US" sz="2400" i="1" dirty="0">
-                <a:solidFill>
-                  <a:schemeClr val="accent2"/>
-                </a:solidFill>
-              </a:rPr>
-              <a:t>n</a:t>
-            </a:r>
-            <a:r>
-              <a:rPr lang="en-US" sz="2400" dirty="0"/>
-              <a:t> = number of tables to add </a:t>
-            </a:r>
-          </a:p>
-          <a:p>
-            <a:endParaRPr lang="en-CA" sz="2400" baseline="-25000" dirty="0"/>
-          </a:p>
-          <a:p>
-            <a:pPr marL="342900" indent="-342900">
-              <a:buFont typeface="Arial" panose="020B0604020202020204" pitchFamily="34" charset="0"/>
-              <a:buChar char="•"/>
-            </a:pPr>
-            <a:r>
-              <a:rPr lang="en-CA" sz="2400" dirty="0"/>
-              <a:t>Increasingly more costly to check a sufficiently large number of neighbors.</a:t>
-            </a:r>
-          </a:p>
-          <a:p>
-            <a:pPr marL="342900" indent="-342900">
-              <a:buFont typeface="Arial" panose="020B0604020202020204" pitchFamily="34" charset="0"/>
-              <a:buChar char="•"/>
-            </a:pPr>
-            <a:endParaRPr lang="en-CA" sz="2400" dirty="0"/>
-          </a:p>
-          <a:p>
-            <a:pPr marL="342900" indent="-342900">
-              <a:buFont typeface="Arial" panose="020B0604020202020204" pitchFamily="34" charset="0"/>
-              <a:buChar char="•"/>
-            </a:pPr>
-            <a:r>
-              <a:rPr lang="en-CA" sz="2400" dirty="0"/>
-              <a:t>Limiting the neighborhood size will likely lead to suboptimal profit.</a:t>
-            </a:r>
-          </a:p>
-          <a:p>
-            <a:endParaRPr lang="en-US" dirty="0"/>
+              <a:t>n=200 or 210</a:t>
+            </a:r>
+            <a:r>
+              <a:rPr lang="en-US" dirty="0"/>
+              <a:t>, group the neighborhoods in Merge, Split, Add, Remove or just show the seats evolution (we see if Merge/Split or Add/Remove)</a:t>
+            </a:r>
+            <a:endParaRPr lang="en-CH" dirty="0"/>
           </a:p>
         </p:txBody>
       </p:sp>
+      <p:pic>
+        <p:nvPicPr>
+          <p:cNvPr id="11" name="Picture 10">
+            <a:extLst>
+              <a:ext uri="{FF2B5EF4-FFF2-40B4-BE49-F238E27FC236}">
+                <a16:creationId xmlns:a16="http://schemas.microsoft.com/office/drawing/2014/main" id="{2D99D3C4-7FAA-42CA-9347-0359CD771D58}"/>
+              </a:ext>
+            </a:extLst>
+          </p:cNvPr>
+          <p:cNvPicPr>
+            <a:picLocks noChangeAspect="1"/>
+          </p:cNvPicPr>
+          <p:nvPr/>
+        </p:nvPicPr>
+        <p:blipFill>
+          <a:blip r:embed="rId5"/>
+          <a:stretch>
+            <a:fillRect/>
+          </a:stretch>
+        </p:blipFill>
+        <p:spPr>
+          <a:xfrm>
+            <a:off x="7084217" y="3429000"/>
+            <a:ext cx="4614863" cy="2543175"/>
+          </a:xfrm>
+          <a:prstGeom prst="rect">
+            <a:avLst/>
+          </a:prstGeom>
+        </p:spPr>
+      </p:pic>
     </p:spTree>
     <p:extLst>
       <p:ext uri="{BB962C8B-B14F-4D97-AF65-F5344CB8AC3E}">
-        <p14:creationId xmlns:p14="http://schemas.microsoft.com/office/powerpoint/2010/main" val="3678772537"/>
+        <p14:creationId xmlns:p14="http://schemas.microsoft.com/office/powerpoint/2010/main" val="98599950"/>
       </p:ext>
     </p:extLst>
   </p:cSld>
@@ -16876,70 +17029,46 @@
             <a:pPr marL="0" indent="0">
               <a:buNone/>
             </a:pPr>
-            <a:endParaRPr lang="en-CA" sz="2400" dirty="0">
-              <a:solidFill>
-                <a:schemeClr val="accent1">
-                  <a:lumMod val="75000"/>
-                </a:schemeClr>
-              </a:solidFill>
-            </a:endParaRPr>
-          </a:p>
-          <a:p>
-            <a:pPr marL="0" indent="0">
-              <a:buNone/>
-            </a:pPr>
-            <a:endParaRPr lang="en-CA" sz="2400" dirty="0">
-              <a:solidFill>
-                <a:schemeClr val="accent1">
-                  <a:lumMod val="75000"/>
-                </a:schemeClr>
-              </a:solidFill>
-            </a:endParaRPr>
-          </a:p>
-          <a:p>
-            <a:pPr marL="0" indent="0">
-              <a:buNone/>
-            </a:pPr>
             <a:r>
               <a:rPr lang="en-CA" sz="2400" dirty="0">
                 <a:solidFill>
-                  <a:schemeClr val="accent1">
-                    <a:lumMod val="75000"/>
-                  </a:schemeClr>
+                  <a:schemeClr val="accent1"/>
                 </a:solidFill>
               </a:rPr>
-              <a:t>Idea</a:t>
+              <a:t>Limitation of baseline VNS</a:t>
             </a:r>
           </a:p>
           <a:p>
             <a:r>
               <a:rPr lang="en-CA" sz="2400" dirty="0"/>
-              <a:t>The new restaurant can have anywhere from 200 to 400 seats. </a:t>
-            </a:r>
-          </a:p>
-          <a:p>
-            <a:r>
-              <a:rPr lang="en-CA" sz="2400" dirty="0"/>
-              <a:t>Successively narrow this interval by optimizing mean profit at discrete points.</a:t>
-            </a:r>
-          </a:p>
-          <a:p>
-            <a:r>
-              <a:rPr lang="en-CA" sz="2400" dirty="0"/>
-              <a:t>In the beginning, use a greedy heuristic to quickly narrow down the interval.</a:t>
-            </a:r>
-          </a:p>
-          <a:p>
-            <a:r>
-              <a:rPr lang="en-CA" sz="2400" dirty="0"/>
-              <a:t>When the interval becomes “small enough”, use VNS.</a:t>
-            </a:r>
-          </a:p>
-          <a:p>
-            <a:r>
-              <a:rPr lang="en-CA" sz="2400" dirty="0"/>
-              <a:t>We can eliminate the neighborhood structure for adding/removing tables.</a:t>
-            </a:r>
+              <a:t>Size of the neighborhood grows non-linearly. Example: </a:t>
+            </a:r>
+            <a:r>
+              <a:rPr lang="en-CA" sz="2400" dirty="0">
+                <a:solidFill>
+                  <a:schemeClr val="accent2"/>
+                </a:solidFill>
+              </a:rPr>
+              <a:t>“adding tables”</a:t>
+            </a:r>
+          </a:p>
+          <a:p>
+            <a:endParaRPr lang="en-CA" sz="2400" dirty="0"/>
+          </a:p>
+          <a:p>
+            <a:endParaRPr lang="en-CA" sz="2400" dirty="0"/>
+          </a:p>
+          <a:p>
+            <a:endParaRPr lang="en-CA" sz="2400" dirty="0"/>
+          </a:p>
+          <a:p>
+            <a:endParaRPr lang="en-CA" sz="2400" dirty="0"/>
+          </a:p>
+          <a:p>
+            <a:endParaRPr lang="en-CA" sz="2400" dirty="0"/>
+          </a:p>
+          <a:p>
+            <a:endParaRPr lang="en-CA" sz="2400" dirty="0"/>
           </a:p>
         </p:txBody>
       </p:sp>
@@ -16981,44 +17110,245 @@
       </p:pic>
       <p:sp>
         <p:nvSpPr>
-          <p:cNvPr id="7" name="Title 1">
+          <p:cNvPr id="8" name="Title 1">
             <a:extLst>
               <a:ext uri="{FF2B5EF4-FFF2-40B4-BE49-F238E27FC236}">
-                <a16:creationId xmlns:a16="http://schemas.microsoft.com/office/drawing/2014/main" id="{DF83123F-FFF6-4EB8-AA6C-703D18DCBD9D}"/>
+                <a16:creationId xmlns:a16="http://schemas.microsoft.com/office/drawing/2014/main" id="{3C0D5108-0220-49D1-BFA7-E8863D4F1E1D}"/>
               </a:ext>
             </a:extLst>
           </p:cNvPr>
-          <p:cNvSpPr>
-            <a:spLocks noGrp="1"/>
+          <p:cNvSpPr txBox="1">
+            <a:spLocks/>
           </p:cNvSpPr>
-          <p:nvPr>
-            <p:ph type="title"/>
-          </p:nvPr>
+          <p:nvPr/>
         </p:nvSpPr>
         <p:spPr>
           <a:xfrm>
             <a:off x="838200" y="365125"/>
             <a:ext cx="10515600" cy="762635"/>
           </a:xfrm>
+          <a:prstGeom prst="rect">
+            <a:avLst/>
+          </a:prstGeom>
         </p:spPr>
         <p:txBody>
-          <a:bodyPr>
+          <a:bodyPr vert="horz" lIns="91440" tIns="45720" rIns="91440" bIns="45720" rtlCol="0" anchor="ctr">
             <a:normAutofit/>
           </a:bodyPr>
+          <a:lstStyle>
+            <a:lvl1pPr algn="l" defTabSz="914400" rtl="0" eaLnBrk="1" latinLnBrk="0" hangingPunct="1">
+              <a:lnSpc>
+                <a:spcPct val="90000"/>
+              </a:lnSpc>
+              <a:spcBef>
+                <a:spcPct val="0"/>
+              </a:spcBef>
+              <a:buNone/>
+              <a:defRPr sz="4400" kern="1200">
+                <a:solidFill>
+                  <a:schemeClr val="tx1"/>
+                </a:solidFill>
+                <a:latin typeface="+mj-lt"/>
+                <a:ea typeface="+mj-ea"/>
+                <a:cs typeface="+mj-cs"/>
+              </a:defRPr>
+            </a:lvl1pPr>
+          </a:lstStyle>
+          <a:p>
+            <a:r>
+              <a:rPr lang="en-CA" sz="3600" dirty="0"/>
+              <a:t>Reducing the Neighborhood Size</a:t>
+            </a:r>
+            <a:endParaRPr lang="en-US" sz="3600" dirty="0"/>
+          </a:p>
+        </p:txBody>
+      </p:sp>
+      <p:pic>
+        <p:nvPicPr>
+          <p:cNvPr id="4" name="Picture 3" descr="A screenshot of a cell phone&#10;&#10;Description generated with high confidence">
+            <a:extLst>
+              <a:ext uri="{FF2B5EF4-FFF2-40B4-BE49-F238E27FC236}">
+                <a16:creationId xmlns:a16="http://schemas.microsoft.com/office/drawing/2014/main" id="{342937A0-38F1-466F-9280-112CBEE2245D}"/>
+              </a:ext>
+            </a:extLst>
+          </p:cNvPr>
+          <p:cNvPicPr>
+            <a:picLocks noChangeAspect="1"/>
+          </p:cNvPicPr>
+          <p:nvPr/>
+        </p:nvPicPr>
+        <p:blipFill>
+          <a:blip r:embed="rId3">
+            <a:extLst>
+              <a:ext uri="{28A0092B-C50C-407E-A947-70E740481C1C}">
+                <a14:useLocalDpi xmlns:a14="http://schemas.microsoft.com/office/drawing/2010/main" val="0"/>
+              </a:ext>
+            </a:extLst>
+          </a:blip>
+          <a:stretch>
+            <a:fillRect/>
+          </a:stretch>
+        </p:blipFill>
+        <p:spPr>
+          <a:xfrm>
+            <a:off x="838200" y="2136140"/>
+            <a:ext cx="5808980" cy="4356735"/>
+          </a:xfrm>
+          <a:prstGeom prst="rect">
+            <a:avLst/>
+          </a:prstGeom>
+        </p:spPr>
+      </p:pic>
+      <p:sp>
+        <p:nvSpPr>
+          <p:cNvPr id="9" name="TextBox 8">
+            <a:extLst>
+              <a:ext uri="{FF2B5EF4-FFF2-40B4-BE49-F238E27FC236}">
+                <a16:creationId xmlns:a16="http://schemas.microsoft.com/office/drawing/2014/main" id="{2D3CA527-BFF0-4D51-889E-120C295EFCA8}"/>
+              </a:ext>
+            </a:extLst>
+          </p:cNvPr>
+          <p:cNvSpPr txBox="1"/>
+          <p:nvPr/>
+        </p:nvSpPr>
+        <p:spPr>
+          <a:xfrm>
+            <a:off x="6553200" y="2387600"/>
+            <a:ext cx="4800600" cy="3939540"/>
+          </a:xfrm>
+          <a:prstGeom prst="rect">
+            <a:avLst/>
+          </a:prstGeom>
+          <a:noFill/>
+        </p:spPr>
+        <p:txBody>
+          <a:bodyPr wrap="square" rtlCol="0">
+            <a:spAutoFit/>
+          </a:bodyPr>
           <a:lstStyle/>
           <a:p>
-            <a:r>
-              <a:rPr lang="en-CA" sz="3600" dirty="0"/>
-              <a:t>Golden Section Method</a:t>
-            </a:r>
-            <a:endParaRPr lang="en-US" sz="3600" dirty="0"/>
+            <a:pPr marL="342900" indent="-342900">
+              <a:buFont typeface="Arial" panose="020B0604020202020204" pitchFamily="34" charset="0"/>
+              <a:buChar char="•"/>
+            </a:pPr>
+            <a:r>
+              <a:rPr lang="en-CA" sz="2400" b="1" baseline="-25000" dirty="0"/>
+              <a:t> </a:t>
+            </a:r>
+            <a:r>
+              <a:rPr lang="en-CA" sz="2400" b="1" baseline="-25000" dirty="0">
+                <a:solidFill>
+                  <a:schemeClr val="accent2"/>
+                </a:solidFill>
+              </a:rPr>
+              <a:t>4</a:t>
+            </a:r>
+            <a:r>
+              <a:rPr lang="en-US" sz="2400" b="1" baseline="-25000" dirty="0">
+                <a:solidFill>
+                  <a:schemeClr val="accent2"/>
+                </a:solidFill>
+              </a:rPr>
+              <a:t>+</a:t>
+            </a:r>
+            <a:r>
+              <a:rPr lang="en-US" sz="2400" b="1" i="1" baseline="-25000" dirty="0">
+                <a:solidFill>
+                  <a:schemeClr val="accent2"/>
+                </a:solidFill>
+              </a:rPr>
+              <a:t>n</a:t>
+            </a:r>
+            <a:r>
+              <a:rPr lang="en-US" sz="2400" b="1" baseline="-25000" dirty="0">
+                <a:solidFill>
+                  <a:schemeClr val="accent2"/>
+                </a:solidFill>
+              </a:rPr>
+              <a:t>-1</a:t>
+            </a:r>
+            <a:r>
+              <a:rPr lang="en-US" sz="2400" b="1" dirty="0">
+                <a:solidFill>
+                  <a:schemeClr val="accent2"/>
+                </a:solidFill>
+              </a:rPr>
+              <a:t>C</a:t>
+            </a:r>
+            <a:r>
+              <a:rPr lang="en-US" sz="2400" b="1" i="1" baseline="-25000" dirty="0">
+                <a:solidFill>
+                  <a:schemeClr val="accent2"/>
+                </a:solidFill>
+              </a:rPr>
+              <a:t>n</a:t>
+            </a:r>
+            <a:r>
+              <a:rPr lang="en-US" sz="2400" i="1" dirty="0">
+                <a:solidFill>
+                  <a:schemeClr val="accent2"/>
+                </a:solidFill>
+              </a:rPr>
+              <a:t> </a:t>
+            </a:r>
+          </a:p>
+          <a:p>
+            <a:r>
+              <a:rPr lang="en-US" sz="2400" dirty="0"/>
+              <a:t>where </a:t>
+            </a:r>
+            <a:r>
+              <a:rPr lang="en-US" sz="2400" i="1" dirty="0">
+                <a:solidFill>
+                  <a:schemeClr val="accent2"/>
+                </a:solidFill>
+              </a:rPr>
+              <a:t>n</a:t>
+            </a:r>
+            <a:r>
+              <a:rPr lang="en-US" sz="2400" dirty="0"/>
+              <a:t> = number of tables to add </a:t>
+            </a:r>
+          </a:p>
+          <a:p>
+            <a:endParaRPr lang="en-CA" sz="2400" baseline="-25000" dirty="0"/>
+          </a:p>
+          <a:p>
+            <a:pPr marL="342900" indent="-342900">
+              <a:buFont typeface="Arial" panose="020B0604020202020204" pitchFamily="34" charset="0"/>
+              <a:buChar char="•"/>
+            </a:pPr>
+            <a:r>
+              <a:rPr lang="en-CA" sz="2400" dirty="0"/>
+              <a:t>Increasingly more costly to check a sufficiently large number of neighbors.</a:t>
+            </a:r>
+          </a:p>
+          <a:p>
+            <a:pPr marL="342900" indent="-342900">
+              <a:buFont typeface="Arial" panose="020B0604020202020204" pitchFamily="34" charset="0"/>
+              <a:buChar char="•"/>
+            </a:pPr>
+            <a:endParaRPr lang="en-CA" sz="2400" dirty="0"/>
+          </a:p>
+          <a:p>
+            <a:pPr marL="342900" indent="-342900">
+              <a:buFont typeface="Arial" panose="020B0604020202020204" pitchFamily="34" charset="0"/>
+              <a:buChar char="•"/>
+            </a:pPr>
+            <a:r>
+              <a:rPr lang="en-CA" sz="2400" dirty="0"/>
+              <a:t>Limiting the neighborhood size will likely lead to suboptimal profit.</a:t>
+            </a:r>
+          </a:p>
+          <a:p>
+            <a:endParaRPr lang="en-US" dirty="0"/>
           </a:p>
         </p:txBody>
       </p:sp>
     </p:spTree>
     <p:extLst>
       <p:ext uri="{BB962C8B-B14F-4D97-AF65-F5344CB8AC3E}">
-        <p14:creationId xmlns:p14="http://schemas.microsoft.com/office/powerpoint/2010/main" val="4093437447"/>
+        <p14:creationId xmlns:p14="http://schemas.microsoft.com/office/powerpoint/2010/main" val="3678772537"/>
       </p:ext>
     </p:extLst>
   </p:cSld>
@@ -17108,178 +17438,38 @@
                   </a:schemeClr>
                 </a:solidFill>
               </a:rPr>
-              <a:t>Conditions</a:t>
+              <a:t>Idea</a:t>
             </a:r>
           </a:p>
           <a:p>
             <a:r>
               <a:rPr lang="en-CA" sz="2400" dirty="0"/>
-              <a:t>Mean profit as a function of number of seats must be concave </a:t>
-            </a:r>
-            <a:r>
-              <a:rPr lang="en-CA" sz="2400"/>
-              <a:t>(unimodal).</a:t>
-            </a:r>
-            <a:endParaRPr lang="en-CA" sz="2400" dirty="0"/>
+              <a:t>The new restaurant can have anywhere from 200 to 400 seats. </a:t>
+            </a:r>
           </a:p>
           <a:p>
             <a:r>
               <a:rPr lang="en-CA" sz="2400" dirty="0"/>
-              <a:t>In the interval that greedy heuristic eliminates, its results must be consistent with the results of VNS. </a:t>
-            </a:r>
-          </a:p>
-          <a:p>
-            <a:pPr marL="0" indent="0" algn="ctr">
-              <a:buNone/>
-            </a:pPr>
-            <a:r>
-              <a:rPr lang="en-CA" sz="2400" i="1" dirty="0"/>
-              <a:t>e.g. </a:t>
-            </a:r>
-            <a:r>
-              <a:rPr lang="en-CA" sz="2400" i="1" dirty="0" err="1">
-                <a:solidFill>
-                  <a:schemeClr val="accent6">
-                    <a:lumMod val="75000"/>
-                  </a:schemeClr>
-                </a:solidFill>
-              </a:rPr>
-              <a:t>f</a:t>
-            </a:r>
-            <a:r>
-              <a:rPr lang="en-CA" sz="2400" i="1" baseline="-25000" dirty="0" err="1">
-                <a:solidFill>
-                  <a:schemeClr val="accent6">
-                    <a:lumMod val="75000"/>
-                  </a:schemeClr>
-                </a:solidFill>
-              </a:rPr>
-              <a:t>greedy</a:t>
-            </a:r>
-            <a:r>
-              <a:rPr lang="en-CA" sz="2400" dirty="0">
-                <a:solidFill>
-                  <a:schemeClr val="accent6">
-                    <a:lumMod val="75000"/>
-                  </a:schemeClr>
-                </a:solidFill>
-              </a:rPr>
-              <a:t>(300) &gt; </a:t>
-            </a:r>
-            <a:r>
-              <a:rPr lang="en-CA" sz="2400" i="1" dirty="0" err="1">
-                <a:solidFill>
-                  <a:schemeClr val="accent6">
-                    <a:lumMod val="75000"/>
-                  </a:schemeClr>
-                </a:solidFill>
-              </a:rPr>
-              <a:t>f</a:t>
-            </a:r>
-            <a:r>
-              <a:rPr lang="en-CA" sz="2400" i="1" baseline="-25000" dirty="0" err="1">
-                <a:solidFill>
-                  <a:schemeClr val="accent6">
-                    <a:lumMod val="75000"/>
-                  </a:schemeClr>
-                </a:solidFill>
-              </a:rPr>
-              <a:t>greedy</a:t>
-            </a:r>
-            <a:r>
-              <a:rPr lang="en-CA" sz="2400" dirty="0">
-                <a:solidFill>
-                  <a:schemeClr val="accent6">
-                    <a:lumMod val="75000"/>
-                  </a:schemeClr>
-                </a:solidFill>
-              </a:rPr>
-              <a:t>(350) </a:t>
-            </a:r>
-            <a:r>
-              <a:rPr lang="en-CA" sz="2400" dirty="0">
-                <a:solidFill>
-                  <a:schemeClr val="accent6">
-                    <a:lumMod val="75000"/>
-                  </a:schemeClr>
-                </a:solidFill>
-                <a:sym typeface="Wingdings" panose="05000000000000000000" pitchFamily="2" charset="2"/>
-              </a:rPr>
-              <a:t> </a:t>
-            </a:r>
-            <a:r>
-              <a:rPr lang="en-CA" sz="2400" i="1" dirty="0" err="1">
-                <a:solidFill>
-                  <a:schemeClr val="accent6">
-                    <a:lumMod val="75000"/>
-                  </a:schemeClr>
-                </a:solidFill>
-                <a:sym typeface="Wingdings" panose="05000000000000000000" pitchFamily="2" charset="2"/>
-              </a:rPr>
-              <a:t>f</a:t>
-            </a:r>
-            <a:r>
-              <a:rPr lang="en-CA" sz="2400" i="1" baseline="-25000" dirty="0" err="1">
-                <a:solidFill>
-                  <a:schemeClr val="accent6">
-                    <a:lumMod val="75000"/>
-                  </a:schemeClr>
-                </a:solidFill>
-                <a:sym typeface="Wingdings" panose="05000000000000000000" pitchFamily="2" charset="2"/>
-              </a:rPr>
-              <a:t>VNS</a:t>
-            </a:r>
-            <a:r>
-              <a:rPr lang="en-CA" sz="2400" dirty="0">
-                <a:solidFill>
-                  <a:schemeClr val="accent6">
-                    <a:lumMod val="75000"/>
-                  </a:schemeClr>
-                </a:solidFill>
-                <a:sym typeface="Wingdings" panose="05000000000000000000" pitchFamily="2" charset="2"/>
-              </a:rPr>
-              <a:t>(300) &gt; </a:t>
-            </a:r>
-            <a:r>
-              <a:rPr lang="en-CA" sz="2400" i="1" dirty="0" err="1">
-                <a:solidFill>
-                  <a:schemeClr val="accent6">
-                    <a:lumMod val="75000"/>
-                  </a:schemeClr>
-                </a:solidFill>
-                <a:sym typeface="Wingdings" panose="05000000000000000000" pitchFamily="2" charset="2"/>
-              </a:rPr>
-              <a:t>f</a:t>
-            </a:r>
-            <a:r>
-              <a:rPr lang="en-CA" sz="2400" i="1" baseline="-25000" dirty="0" err="1">
-                <a:solidFill>
-                  <a:schemeClr val="accent6">
-                    <a:lumMod val="75000"/>
-                  </a:schemeClr>
-                </a:solidFill>
-                <a:sym typeface="Wingdings" panose="05000000000000000000" pitchFamily="2" charset="2"/>
-              </a:rPr>
-              <a:t>VNS</a:t>
-            </a:r>
-            <a:r>
-              <a:rPr lang="en-CA" sz="2400" dirty="0">
-                <a:solidFill>
-                  <a:schemeClr val="accent6">
-                    <a:lumMod val="75000"/>
-                  </a:schemeClr>
-                </a:solidFill>
-                <a:sym typeface="Wingdings" panose="05000000000000000000" pitchFamily="2" charset="2"/>
-              </a:rPr>
-              <a:t>(350)</a:t>
-            </a:r>
-            <a:endParaRPr lang="en-CA" sz="2400" dirty="0"/>
-          </a:p>
-          <a:p>
-            <a:endParaRPr lang="en-CA" sz="2400" dirty="0"/>
-          </a:p>
-          <a:p>
-            <a:endParaRPr lang="en-CA" sz="2400" dirty="0"/>
+              <a:t>Successively narrow this interval by optimizing mean profit at discrete points.</a:t>
+            </a:r>
+          </a:p>
+          <a:p>
+            <a:r>
+              <a:rPr lang="en-CA" sz="2400" dirty="0"/>
+              <a:t>In the beginning, use a greedy heuristic to quickly narrow down the interval.</a:t>
+            </a:r>
+          </a:p>
+          <a:p>
+            <a:r>
+              <a:rPr lang="en-CA" sz="2400" dirty="0"/>
+              <a:t>When the interval becomes “small enough”, use VNS.</a:t>
+            </a:r>
+          </a:p>
+          <a:p>
+            <a:r>
+              <a:rPr lang="en-CA" sz="2400" dirty="0"/>
+              <a:t>We can eliminate the neighborhood structure for adding/removing tables.</a:t>
+            </a:r>
           </a:p>
         </p:txBody>
       </p:sp>
@@ -17358,7 +17548,7 @@
     </p:spTree>
     <p:extLst>
       <p:ext uri="{BB962C8B-B14F-4D97-AF65-F5344CB8AC3E}">
-        <p14:creationId xmlns:p14="http://schemas.microsoft.com/office/powerpoint/2010/main" val="3961735586"/>
+        <p14:creationId xmlns:p14="http://schemas.microsoft.com/office/powerpoint/2010/main" val="4093437447"/>
       </p:ext>
     </p:extLst>
   </p:cSld>
@@ -17428,6 +17618,194 @@
             <a:pPr marL="0" indent="0">
               <a:buNone/>
             </a:pPr>
+            <a:endParaRPr lang="en-CA" sz="2400" dirty="0">
+              <a:solidFill>
+                <a:schemeClr val="accent1">
+                  <a:lumMod val="75000"/>
+                </a:schemeClr>
+              </a:solidFill>
+            </a:endParaRPr>
+          </a:p>
+          <a:p>
+            <a:pPr marL="0" indent="0">
+              <a:buNone/>
+            </a:pPr>
+            <a:r>
+              <a:rPr lang="en-CA" sz="2400" dirty="0">
+                <a:solidFill>
+                  <a:schemeClr val="accent1">
+                    <a:lumMod val="75000"/>
+                  </a:schemeClr>
+                </a:solidFill>
+              </a:rPr>
+              <a:t>Conditions</a:t>
+            </a:r>
+          </a:p>
+          <a:p>
+            <a:r>
+              <a:rPr lang="en-CA" sz="2400" dirty="0"/>
+              <a:t>Mean profit as a function of number of seats must be concave </a:t>
+            </a:r>
+            <a:r>
+              <a:rPr lang="en-CA" sz="2400"/>
+              <a:t>(unimodal).</a:t>
+            </a:r>
+            <a:endParaRPr lang="en-CA" sz="2400" dirty="0"/>
+          </a:p>
+          <a:p>
+            <a:r>
+              <a:rPr lang="en-CA" sz="2400" dirty="0"/>
+              <a:t>In the interval that greedy heuristic eliminates, its results must be consistent with the results of VNS. </a:t>
+            </a:r>
+          </a:p>
+          <a:p>
+            <a:pPr marL="0" indent="0" algn="ctr">
+              <a:buNone/>
+            </a:pPr>
+            <a:r>
+              <a:rPr lang="en-CA" sz="2400" i="1" dirty="0"/>
+              <a:t>e.g. </a:t>
+            </a:r>
+            <a:r>
+              <a:rPr lang="en-CA" sz="2400" i="1" dirty="0" err="1">
+                <a:solidFill>
+                  <a:schemeClr val="accent6">
+                    <a:lumMod val="75000"/>
+                  </a:schemeClr>
+                </a:solidFill>
+              </a:rPr>
+              <a:t>f</a:t>
+            </a:r>
+            <a:r>
+              <a:rPr lang="en-CA" sz="2400" i="1" baseline="-25000" dirty="0" err="1">
+                <a:solidFill>
+                  <a:schemeClr val="accent6">
+                    <a:lumMod val="75000"/>
+                  </a:schemeClr>
+                </a:solidFill>
+              </a:rPr>
+              <a:t>greedy</a:t>
+            </a:r>
+            <a:r>
+              <a:rPr lang="en-CA" sz="2400" dirty="0">
+                <a:solidFill>
+                  <a:schemeClr val="accent6">
+                    <a:lumMod val="75000"/>
+                  </a:schemeClr>
+                </a:solidFill>
+              </a:rPr>
+              <a:t>(300) &gt; </a:t>
+            </a:r>
+            <a:r>
+              <a:rPr lang="en-CA" sz="2400" i="1" dirty="0" err="1">
+                <a:solidFill>
+                  <a:schemeClr val="accent6">
+                    <a:lumMod val="75000"/>
+                  </a:schemeClr>
+                </a:solidFill>
+              </a:rPr>
+              <a:t>f</a:t>
+            </a:r>
+            <a:r>
+              <a:rPr lang="en-CA" sz="2400" i="1" baseline="-25000" dirty="0" err="1">
+                <a:solidFill>
+                  <a:schemeClr val="accent6">
+                    <a:lumMod val="75000"/>
+                  </a:schemeClr>
+                </a:solidFill>
+              </a:rPr>
+              <a:t>greedy</a:t>
+            </a:r>
+            <a:r>
+              <a:rPr lang="en-CA" sz="2400" dirty="0">
+                <a:solidFill>
+                  <a:schemeClr val="accent6">
+                    <a:lumMod val="75000"/>
+                  </a:schemeClr>
+                </a:solidFill>
+              </a:rPr>
+              <a:t>(350) </a:t>
+            </a:r>
+            <a:r>
+              <a:rPr lang="en-CA" sz="2400" dirty="0">
+                <a:solidFill>
+                  <a:schemeClr val="accent6">
+                    <a:lumMod val="75000"/>
+                  </a:schemeClr>
+                </a:solidFill>
+                <a:sym typeface="Wingdings" panose="05000000000000000000" pitchFamily="2" charset="2"/>
+              </a:rPr>
+              <a:t> </a:t>
+            </a:r>
+            <a:r>
+              <a:rPr lang="en-CA" sz="2400" i="1" dirty="0" err="1">
+                <a:solidFill>
+                  <a:schemeClr val="accent6">
+                    <a:lumMod val="75000"/>
+                  </a:schemeClr>
+                </a:solidFill>
+                <a:sym typeface="Wingdings" panose="05000000000000000000" pitchFamily="2" charset="2"/>
+              </a:rPr>
+              <a:t>f</a:t>
+            </a:r>
+            <a:r>
+              <a:rPr lang="en-CA" sz="2400" i="1" baseline="-25000" dirty="0" err="1">
+                <a:solidFill>
+                  <a:schemeClr val="accent6">
+                    <a:lumMod val="75000"/>
+                  </a:schemeClr>
+                </a:solidFill>
+                <a:sym typeface="Wingdings" panose="05000000000000000000" pitchFamily="2" charset="2"/>
+              </a:rPr>
+              <a:t>VNS</a:t>
+            </a:r>
+            <a:r>
+              <a:rPr lang="en-CA" sz="2400" dirty="0">
+                <a:solidFill>
+                  <a:schemeClr val="accent6">
+                    <a:lumMod val="75000"/>
+                  </a:schemeClr>
+                </a:solidFill>
+                <a:sym typeface="Wingdings" panose="05000000000000000000" pitchFamily="2" charset="2"/>
+              </a:rPr>
+              <a:t>(300) &gt; </a:t>
+            </a:r>
+            <a:r>
+              <a:rPr lang="en-CA" sz="2400" i="1" dirty="0" err="1">
+                <a:solidFill>
+                  <a:schemeClr val="accent6">
+                    <a:lumMod val="75000"/>
+                  </a:schemeClr>
+                </a:solidFill>
+                <a:sym typeface="Wingdings" panose="05000000000000000000" pitchFamily="2" charset="2"/>
+              </a:rPr>
+              <a:t>f</a:t>
+            </a:r>
+            <a:r>
+              <a:rPr lang="en-CA" sz="2400" i="1" baseline="-25000" dirty="0" err="1">
+                <a:solidFill>
+                  <a:schemeClr val="accent6">
+                    <a:lumMod val="75000"/>
+                  </a:schemeClr>
+                </a:solidFill>
+                <a:sym typeface="Wingdings" panose="05000000000000000000" pitchFamily="2" charset="2"/>
+              </a:rPr>
+              <a:t>VNS</a:t>
+            </a:r>
+            <a:r>
+              <a:rPr lang="en-CA" sz="2400" dirty="0">
+                <a:solidFill>
+                  <a:schemeClr val="accent6">
+                    <a:lumMod val="75000"/>
+                  </a:schemeClr>
+                </a:solidFill>
+                <a:sym typeface="Wingdings" panose="05000000000000000000" pitchFamily="2" charset="2"/>
+              </a:rPr>
+              <a:t>(350)</a:t>
+            </a:r>
+            <a:endParaRPr lang="en-CA" sz="2400" dirty="0"/>
+          </a:p>
+          <a:p>
             <a:endParaRPr lang="en-CA" sz="2400" dirty="0"/>
           </a:p>
           <a:p>
@@ -17507,82 +17885,10 @@
           </a:p>
         </p:txBody>
       </p:sp>
-      <p:pic>
-        <p:nvPicPr>
-          <p:cNvPr id="4" name="Picture 3" descr="A close up of a map&#10;&#10;Description generated with very high confidence">
-            <a:extLst>
-              <a:ext uri="{FF2B5EF4-FFF2-40B4-BE49-F238E27FC236}">
-                <a16:creationId xmlns:a16="http://schemas.microsoft.com/office/drawing/2014/main" id="{6F7F02D7-F0E8-4ACF-B7CC-959B5D7282D2}"/>
-              </a:ext>
-            </a:extLst>
-          </p:cNvPr>
-          <p:cNvPicPr>
-            <a:picLocks noChangeAspect="1"/>
-          </p:cNvPicPr>
-          <p:nvPr/>
-        </p:nvPicPr>
-        <p:blipFill>
-          <a:blip r:embed="rId3">
-            <a:extLst>
-              <a:ext uri="{28A0092B-C50C-407E-A947-70E740481C1C}">
-                <a14:useLocalDpi xmlns:a14="http://schemas.microsoft.com/office/drawing/2010/main" val="0"/>
-              </a:ext>
-            </a:extLst>
-          </a:blip>
-          <a:stretch>
-            <a:fillRect/>
-          </a:stretch>
-        </p:blipFill>
-        <p:spPr>
-          <a:xfrm>
-            <a:off x="778721" y="1658381"/>
-            <a:ext cx="5317279" cy="3987959"/>
-          </a:xfrm>
-          <a:prstGeom prst="rect">
-            <a:avLst/>
-          </a:prstGeom>
-        </p:spPr>
-      </p:pic>
-      <p:pic>
-        <p:nvPicPr>
-          <p:cNvPr id="8" name="Picture 7" descr="A close up of a map&#10;&#10;Description generated with very high confidence">
-            <a:extLst>
-              <a:ext uri="{FF2B5EF4-FFF2-40B4-BE49-F238E27FC236}">
-                <a16:creationId xmlns:a16="http://schemas.microsoft.com/office/drawing/2014/main" id="{CF3EF8CE-D7AB-4D17-A165-93D49F443CCF}"/>
-              </a:ext>
-            </a:extLst>
-          </p:cNvPr>
-          <p:cNvPicPr>
-            <a:picLocks noChangeAspect="1"/>
-          </p:cNvPicPr>
-          <p:nvPr/>
-        </p:nvPicPr>
-        <p:blipFill>
-          <a:blip r:embed="rId4">
-            <a:extLst>
-              <a:ext uri="{28A0092B-C50C-407E-A947-70E740481C1C}">
-                <a14:useLocalDpi xmlns:a14="http://schemas.microsoft.com/office/drawing/2010/main" val="0"/>
-              </a:ext>
-            </a:extLst>
-          </a:blip>
-          <a:stretch>
-            <a:fillRect/>
-          </a:stretch>
-        </p:blipFill>
-        <p:spPr>
-          <a:xfrm>
-            <a:off x="6200352" y="1697512"/>
-            <a:ext cx="5212927" cy="3909695"/>
-          </a:xfrm>
-          <a:prstGeom prst="rect">
-            <a:avLst/>
-          </a:prstGeom>
-        </p:spPr>
-      </p:pic>
     </p:spTree>
     <p:extLst>
       <p:ext uri="{BB962C8B-B14F-4D97-AF65-F5344CB8AC3E}">
-        <p14:creationId xmlns:p14="http://schemas.microsoft.com/office/powerpoint/2010/main" val="2306792197"/>
+        <p14:creationId xmlns:p14="http://schemas.microsoft.com/office/powerpoint/2010/main" val="3961735586"/>
       </p:ext>
     </p:extLst>
   </p:cSld>
@@ -17803,60 +18109,10 @@
           </a:prstGeom>
         </p:spPr>
       </p:pic>
-      <p:sp>
-        <p:nvSpPr>
-          <p:cNvPr id="9" name="Rectangle: Rounded Corners 8">
-            <a:extLst>
-              <a:ext uri="{FF2B5EF4-FFF2-40B4-BE49-F238E27FC236}">
-                <a16:creationId xmlns:a16="http://schemas.microsoft.com/office/drawing/2014/main" id="{86EF7A26-F32C-42F4-BCE7-73FD5B42F8FC}"/>
-              </a:ext>
-            </a:extLst>
-          </p:cNvPr>
-          <p:cNvSpPr/>
-          <p:nvPr/>
-        </p:nvSpPr>
-        <p:spPr>
-          <a:xfrm>
-            <a:off x="2489200" y="2438400"/>
-            <a:ext cx="3413760" cy="2407920"/>
-          </a:xfrm>
-          <a:prstGeom prst="roundRect">
-            <a:avLst/>
-          </a:prstGeom>
-          <a:noFill/>
-          <a:ln w="19050">
-            <a:solidFill>
-              <a:srgbClr val="FF0000"/>
-            </a:solidFill>
-          </a:ln>
-        </p:spPr>
-        <p:style>
-          <a:lnRef idx="2">
-            <a:schemeClr val="accent6"/>
-          </a:lnRef>
-          <a:fillRef idx="1">
-            <a:schemeClr val="lt1"/>
-          </a:fillRef>
-          <a:effectRef idx="0">
-            <a:schemeClr val="accent6"/>
-          </a:effectRef>
-          <a:fontRef idx="minor">
-            <a:schemeClr val="dk1"/>
-          </a:fontRef>
-        </p:style>
-        <p:txBody>
-          <a:bodyPr rtlCol="0" anchor="ctr"/>
-          <a:lstStyle/>
-          <a:p>
-            <a:pPr algn="ctr"/>
-            <a:endParaRPr lang="en-US"/>
-          </a:p>
-        </p:txBody>
-      </p:sp>
     </p:spTree>
     <p:extLst>
       <p:ext uri="{BB962C8B-B14F-4D97-AF65-F5344CB8AC3E}">
-        <p14:creationId xmlns:p14="http://schemas.microsoft.com/office/powerpoint/2010/main" val="4200179265"/>
+        <p14:creationId xmlns:p14="http://schemas.microsoft.com/office/powerpoint/2010/main" val="2306792197"/>
       </p:ext>
     </p:extLst>
   </p:cSld>
@@ -18127,6 +18383,280 @@
           </a:p>
         </p:txBody>
       </p:sp>
+    </p:spTree>
+    <p:extLst>
+      <p:ext uri="{BB962C8B-B14F-4D97-AF65-F5344CB8AC3E}">
+        <p14:creationId xmlns:p14="http://schemas.microsoft.com/office/powerpoint/2010/main" val="4200179265"/>
+      </p:ext>
+    </p:extLst>
+  </p:cSld>
+  <p:clrMapOvr>
+    <a:masterClrMapping/>
+  </p:clrMapOvr>
+</p:sld>
+</file>
+
+<file path=ppt/slides/slide29.xml><?xml version="1.0" encoding="utf-8"?>
+<p:sld xmlns:a="http://schemas.openxmlformats.org/drawingml/2006/main" xmlns:r="http://schemas.openxmlformats.org/officeDocument/2006/relationships" xmlns:p="http://schemas.openxmlformats.org/presentationml/2006/main">
+  <p:cSld>
+    <p:spTree>
+      <p:nvGrpSpPr>
+        <p:cNvPr id="1" name=""/>
+        <p:cNvGrpSpPr/>
+        <p:nvPr/>
+      </p:nvGrpSpPr>
+      <p:grpSpPr>
+        <a:xfrm>
+          <a:off x="0" y="0"/>
+          <a:ext cx="0" cy="0"/>
+          <a:chOff x="0" y="0"/>
+          <a:chExt cx="0" cy="0"/>
+        </a:xfrm>
+      </p:grpSpPr>
+      <p:sp>
+        <p:nvSpPr>
+          <p:cNvPr id="3" name="Content Placeholder 2">
+            <a:extLst>
+              <a:ext uri="{FF2B5EF4-FFF2-40B4-BE49-F238E27FC236}">
+                <a16:creationId xmlns:a16="http://schemas.microsoft.com/office/drawing/2014/main" id="{2E5DAAB6-C87E-4C10-8DDC-15F41DB00A20}"/>
+              </a:ext>
+            </a:extLst>
+          </p:cNvPr>
+          <p:cNvSpPr>
+            <a:spLocks noGrp="1"/>
+          </p:cNvSpPr>
+          <p:nvPr>
+            <p:ph idx="1"/>
+          </p:nvPr>
+        </p:nvSpPr>
+        <p:spPr>
+          <a:xfrm>
+            <a:off x="838200" y="1127760"/>
+            <a:ext cx="10515600" cy="5049203"/>
+          </a:xfrm>
+        </p:spPr>
+        <p:txBody>
+          <a:bodyPr>
+            <a:normAutofit/>
+          </a:bodyPr>
+          <a:lstStyle/>
+          <a:p>
+            <a:pPr marL="0" indent="0">
+              <a:buNone/>
+            </a:pPr>
+            <a:endParaRPr lang="en-CA" sz="2400" dirty="0">
+              <a:solidFill>
+                <a:schemeClr val="accent1">
+                  <a:lumMod val="75000"/>
+                </a:schemeClr>
+              </a:solidFill>
+            </a:endParaRPr>
+          </a:p>
+          <a:p>
+            <a:pPr marL="0" indent="0">
+              <a:buNone/>
+            </a:pPr>
+            <a:endParaRPr lang="en-CA" sz="2400" dirty="0"/>
+          </a:p>
+          <a:p>
+            <a:endParaRPr lang="en-CA" sz="2400" dirty="0"/>
+          </a:p>
+        </p:txBody>
+      </p:sp>
+      <p:pic>
+        <p:nvPicPr>
+          <p:cNvPr id="5" name="Picture 4">
+            <a:extLst>
+              <a:ext uri="{FF2B5EF4-FFF2-40B4-BE49-F238E27FC236}">
+                <a16:creationId xmlns:a16="http://schemas.microsoft.com/office/drawing/2014/main" id="{8977407B-874A-4791-897D-6196620D6F56}"/>
+              </a:ext>
+            </a:extLst>
+          </p:cNvPr>
+          <p:cNvPicPr>
+            <a:picLocks noChangeAspect="1"/>
+          </p:cNvPicPr>
+          <p:nvPr/>
+        </p:nvPicPr>
+        <p:blipFill>
+          <a:blip r:embed="rId2" cstate="hqprint">
+            <a:extLst>
+              <a:ext uri="{28A0092B-C50C-407E-A947-70E740481C1C}">
+                <a14:useLocalDpi xmlns:a14="http://schemas.microsoft.com/office/drawing/2010/main" val="0"/>
+              </a:ext>
+            </a:extLst>
+          </a:blip>
+          <a:stretch>
+            <a:fillRect/>
+          </a:stretch>
+        </p:blipFill>
+        <p:spPr>
+          <a:xfrm>
+            <a:off x="9916160" y="365125"/>
+            <a:ext cx="1437640" cy="418937"/>
+          </a:xfrm>
+          <a:prstGeom prst="rect">
+            <a:avLst/>
+          </a:prstGeom>
+        </p:spPr>
+      </p:pic>
+      <p:sp>
+        <p:nvSpPr>
+          <p:cNvPr id="7" name="Title 1">
+            <a:extLst>
+              <a:ext uri="{FF2B5EF4-FFF2-40B4-BE49-F238E27FC236}">
+                <a16:creationId xmlns:a16="http://schemas.microsoft.com/office/drawing/2014/main" id="{DF83123F-FFF6-4EB8-AA6C-703D18DCBD9D}"/>
+              </a:ext>
+            </a:extLst>
+          </p:cNvPr>
+          <p:cNvSpPr>
+            <a:spLocks noGrp="1"/>
+          </p:cNvSpPr>
+          <p:nvPr>
+            <p:ph type="title"/>
+          </p:nvPr>
+        </p:nvSpPr>
+        <p:spPr>
+          <a:xfrm>
+            <a:off x="838200" y="365125"/>
+            <a:ext cx="10515600" cy="762635"/>
+          </a:xfrm>
+        </p:spPr>
+        <p:txBody>
+          <a:bodyPr>
+            <a:normAutofit/>
+          </a:bodyPr>
+          <a:lstStyle/>
+          <a:p>
+            <a:r>
+              <a:rPr lang="en-CA" sz="3600" dirty="0"/>
+              <a:t>Golden Section Method</a:t>
+            </a:r>
+            <a:endParaRPr lang="en-US" sz="3600" dirty="0"/>
+          </a:p>
+        </p:txBody>
+      </p:sp>
+      <p:pic>
+        <p:nvPicPr>
+          <p:cNvPr id="4" name="Picture 3" descr="A close up of a map&#10;&#10;Description generated with very high confidence">
+            <a:extLst>
+              <a:ext uri="{FF2B5EF4-FFF2-40B4-BE49-F238E27FC236}">
+                <a16:creationId xmlns:a16="http://schemas.microsoft.com/office/drawing/2014/main" id="{6F7F02D7-F0E8-4ACF-B7CC-959B5D7282D2}"/>
+              </a:ext>
+            </a:extLst>
+          </p:cNvPr>
+          <p:cNvPicPr>
+            <a:picLocks noChangeAspect="1"/>
+          </p:cNvPicPr>
+          <p:nvPr/>
+        </p:nvPicPr>
+        <p:blipFill>
+          <a:blip r:embed="rId3">
+            <a:extLst>
+              <a:ext uri="{28A0092B-C50C-407E-A947-70E740481C1C}">
+                <a14:useLocalDpi xmlns:a14="http://schemas.microsoft.com/office/drawing/2010/main" val="0"/>
+              </a:ext>
+            </a:extLst>
+          </a:blip>
+          <a:stretch>
+            <a:fillRect/>
+          </a:stretch>
+        </p:blipFill>
+        <p:spPr>
+          <a:xfrm>
+            <a:off x="778721" y="1658381"/>
+            <a:ext cx="5317279" cy="3987959"/>
+          </a:xfrm>
+          <a:prstGeom prst="rect">
+            <a:avLst/>
+          </a:prstGeom>
+        </p:spPr>
+      </p:pic>
+      <p:pic>
+        <p:nvPicPr>
+          <p:cNvPr id="8" name="Picture 7" descr="A close up of a map&#10;&#10;Description generated with very high confidence">
+            <a:extLst>
+              <a:ext uri="{FF2B5EF4-FFF2-40B4-BE49-F238E27FC236}">
+                <a16:creationId xmlns:a16="http://schemas.microsoft.com/office/drawing/2014/main" id="{CF3EF8CE-D7AB-4D17-A165-93D49F443CCF}"/>
+              </a:ext>
+            </a:extLst>
+          </p:cNvPr>
+          <p:cNvPicPr>
+            <a:picLocks noChangeAspect="1"/>
+          </p:cNvPicPr>
+          <p:nvPr/>
+        </p:nvPicPr>
+        <p:blipFill>
+          <a:blip r:embed="rId4">
+            <a:extLst>
+              <a:ext uri="{28A0092B-C50C-407E-A947-70E740481C1C}">
+                <a14:useLocalDpi xmlns:a14="http://schemas.microsoft.com/office/drawing/2010/main" val="0"/>
+              </a:ext>
+            </a:extLst>
+          </a:blip>
+          <a:stretch>
+            <a:fillRect/>
+          </a:stretch>
+        </p:blipFill>
+        <p:spPr>
+          <a:xfrm>
+            <a:off x="6200352" y="1697512"/>
+            <a:ext cx="5212927" cy="3909695"/>
+          </a:xfrm>
+          <a:prstGeom prst="rect">
+            <a:avLst/>
+          </a:prstGeom>
+        </p:spPr>
+      </p:pic>
+      <p:sp>
+        <p:nvSpPr>
+          <p:cNvPr id="9" name="Rectangle: Rounded Corners 8">
+            <a:extLst>
+              <a:ext uri="{FF2B5EF4-FFF2-40B4-BE49-F238E27FC236}">
+                <a16:creationId xmlns:a16="http://schemas.microsoft.com/office/drawing/2014/main" id="{86EF7A26-F32C-42F4-BCE7-73FD5B42F8FC}"/>
+              </a:ext>
+            </a:extLst>
+          </p:cNvPr>
+          <p:cNvSpPr/>
+          <p:nvPr/>
+        </p:nvSpPr>
+        <p:spPr>
+          <a:xfrm>
+            <a:off x="2489200" y="2438400"/>
+            <a:ext cx="3413760" cy="2407920"/>
+          </a:xfrm>
+          <a:prstGeom prst="roundRect">
+            <a:avLst/>
+          </a:prstGeom>
+          <a:noFill/>
+          <a:ln w="19050">
+            <a:solidFill>
+              <a:srgbClr val="FF0000"/>
+            </a:solidFill>
+          </a:ln>
+        </p:spPr>
+        <p:style>
+          <a:lnRef idx="2">
+            <a:schemeClr val="accent6"/>
+          </a:lnRef>
+          <a:fillRef idx="1">
+            <a:schemeClr val="lt1"/>
+          </a:fillRef>
+          <a:effectRef idx="0">
+            <a:schemeClr val="accent6"/>
+          </a:effectRef>
+          <a:fontRef idx="minor">
+            <a:schemeClr val="dk1"/>
+          </a:fontRef>
+        </p:style>
+        <p:txBody>
+          <a:bodyPr rtlCol="0" anchor="ctr"/>
+          <a:lstStyle/>
+          <a:p>
+            <a:pPr algn="ctr"/>
+            <a:endParaRPr lang="en-US"/>
+          </a:p>
+        </p:txBody>
+      </p:sp>
       <p:sp>
         <p:nvSpPr>
           <p:cNvPr id="15" name="Oval 14">
@@ -18244,7 +18774,317 @@
 </p:sld>
 </file>
 
-<file path=ppt/slides/slide29.xml><?xml version="1.0" encoding="utf-8"?>
+<file path=ppt/slides/slide3.xml><?xml version="1.0" encoding="utf-8"?>
+<p:sld xmlns:a="http://schemas.openxmlformats.org/drawingml/2006/main" xmlns:r="http://schemas.openxmlformats.org/officeDocument/2006/relationships" xmlns:p="http://schemas.openxmlformats.org/presentationml/2006/main">
+  <p:cSld>
+    <p:spTree>
+      <p:nvGrpSpPr>
+        <p:cNvPr id="1" name=""/>
+        <p:cNvGrpSpPr/>
+        <p:nvPr/>
+      </p:nvGrpSpPr>
+      <p:grpSpPr>
+        <a:xfrm>
+          <a:off x="0" y="0"/>
+          <a:ext cx="0" cy="0"/>
+          <a:chOff x="0" y="0"/>
+          <a:chExt cx="0" cy="0"/>
+        </a:xfrm>
+      </p:grpSpPr>
+      <p:pic>
+        <p:nvPicPr>
+          <p:cNvPr id="5" name="Picture 4">
+            <a:extLst>
+              <a:ext uri="{FF2B5EF4-FFF2-40B4-BE49-F238E27FC236}">
+                <a16:creationId xmlns:a16="http://schemas.microsoft.com/office/drawing/2014/main" id="{937DC52F-3E84-4376-A880-17A444D06451}"/>
+              </a:ext>
+            </a:extLst>
+          </p:cNvPr>
+          <p:cNvPicPr>
+            <a:picLocks noChangeAspect="1"/>
+          </p:cNvPicPr>
+          <p:nvPr/>
+        </p:nvPicPr>
+        <p:blipFill>
+          <a:blip r:embed="rId2" cstate="hqprint">
+            <a:extLst>
+              <a:ext uri="{28A0092B-C50C-407E-A947-70E740481C1C}">
+                <a14:useLocalDpi xmlns:a14="http://schemas.microsoft.com/office/drawing/2010/main" val="0"/>
+              </a:ext>
+            </a:extLst>
+          </a:blip>
+          <a:stretch>
+            <a:fillRect/>
+          </a:stretch>
+        </p:blipFill>
+        <p:spPr>
+          <a:xfrm>
+            <a:off x="9916160" y="365125"/>
+            <a:ext cx="1437640" cy="418937"/>
+          </a:xfrm>
+          <a:prstGeom prst="rect">
+            <a:avLst/>
+          </a:prstGeom>
+        </p:spPr>
+      </p:pic>
+      <p:sp>
+        <p:nvSpPr>
+          <p:cNvPr id="9" name="Title 1">
+            <a:extLst>
+              <a:ext uri="{FF2B5EF4-FFF2-40B4-BE49-F238E27FC236}">
+                <a16:creationId xmlns:a16="http://schemas.microsoft.com/office/drawing/2014/main" id="{D8D4F29A-F761-4FDF-9F1D-5964127B29A1}"/>
+              </a:ext>
+            </a:extLst>
+          </p:cNvPr>
+          <p:cNvSpPr txBox="1">
+            <a:spLocks/>
+          </p:cNvSpPr>
+          <p:nvPr/>
+        </p:nvSpPr>
+        <p:spPr>
+          <a:xfrm>
+            <a:off x="838200" y="365125"/>
+            <a:ext cx="10515600" cy="762635"/>
+          </a:xfrm>
+          <a:prstGeom prst="rect">
+            <a:avLst/>
+          </a:prstGeom>
+        </p:spPr>
+        <p:txBody>
+          <a:bodyPr vert="horz" lIns="91440" tIns="45720" rIns="91440" bIns="45720" rtlCol="0" anchor="ctr">
+            <a:normAutofit/>
+          </a:bodyPr>
+          <a:lstStyle>
+            <a:lvl1pPr algn="l" defTabSz="914400" rtl="0" eaLnBrk="1" latinLnBrk="0" hangingPunct="1">
+              <a:lnSpc>
+                <a:spcPct val="90000"/>
+              </a:lnSpc>
+              <a:spcBef>
+                <a:spcPct val="0"/>
+              </a:spcBef>
+              <a:buNone/>
+              <a:defRPr sz="4400" kern="1200">
+                <a:solidFill>
+                  <a:schemeClr val="tx1"/>
+                </a:solidFill>
+                <a:latin typeface="+mj-lt"/>
+                <a:ea typeface="+mj-ea"/>
+                <a:cs typeface="+mj-cs"/>
+              </a:defRPr>
+            </a:lvl1pPr>
+          </a:lstStyle>
+          <a:p>
+            <a:r>
+              <a:rPr lang="en-CA" sz="3600" dirty="0"/>
+              <a:t>Scenario Description (cont.)</a:t>
+            </a:r>
+            <a:endParaRPr lang="en-US" sz="3600" dirty="0"/>
+          </a:p>
+        </p:txBody>
+      </p:sp>
+      <p:sp>
+        <p:nvSpPr>
+          <p:cNvPr id="6" name="Content Placeholder 2">
+            <a:extLst>
+              <a:ext uri="{FF2B5EF4-FFF2-40B4-BE49-F238E27FC236}">
+                <a16:creationId xmlns:a16="http://schemas.microsoft.com/office/drawing/2014/main" id="{5C9002D8-D4DA-894C-B56B-88798A5976F0}"/>
+              </a:ext>
+            </a:extLst>
+          </p:cNvPr>
+          <p:cNvSpPr>
+            <a:spLocks noGrp="1"/>
+          </p:cNvSpPr>
+          <p:nvPr>
+            <p:ph idx="1"/>
+          </p:nvPr>
+        </p:nvSpPr>
+        <p:spPr>
+          <a:xfrm>
+            <a:off x="838200" y="1127760"/>
+            <a:ext cx="10515600" cy="5049203"/>
+          </a:xfrm>
+        </p:spPr>
+        <p:txBody>
+          <a:bodyPr>
+            <a:normAutofit/>
+          </a:bodyPr>
+          <a:lstStyle/>
+          <a:p>
+            <a:pPr marL="0" indent="0">
+              <a:lnSpc>
+                <a:spcPct val="150000"/>
+              </a:lnSpc>
+              <a:buNone/>
+            </a:pPr>
+            <a:r>
+              <a:rPr lang="en-US" sz="2400" dirty="0"/>
+              <a:t>Customer Arrival (arrival rate: c)</a:t>
+            </a:r>
+          </a:p>
+          <a:p>
+            <a:pPr lvl="1">
+              <a:lnSpc>
+                <a:spcPct val="150000"/>
+              </a:lnSpc>
+            </a:pPr>
+            <a:r>
+              <a:rPr lang="en-US" sz="2000" dirty="0"/>
+              <a:t>are non-homogenous and vary among group sizes (group size: g)</a:t>
+            </a:r>
+          </a:p>
+          <a:p>
+            <a:pPr lvl="1">
+              <a:lnSpc>
+                <a:spcPct val="150000"/>
+              </a:lnSpc>
+            </a:pPr>
+            <a:endParaRPr lang="en-US" sz="2000" dirty="0"/>
+          </a:p>
+          <a:p>
+            <a:pPr lvl="1">
+              <a:lnSpc>
+                <a:spcPct val="150000"/>
+              </a:lnSpc>
+            </a:pPr>
+            <a:endParaRPr lang="en-US" sz="2000" dirty="0"/>
+          </a:p>
+          <a:p>
+            <a:pPr lvl="1">
+              <a:lnSpc>
+                <a:spcPct val="150000"/>
+              </a:lnSpc>
+            </a:pPr>
+            <a:endParaRPr lang="en-US" sz="2000" dirty="0"/>
+          </a:p>
+          <a:p>
+            <a:pPr lvl="1">
+              <a:lnSpc>
+                <a:spcPct val="150000"/>
+              </a:lnSpc>
+            </a:pPr>
+            <a:endParaRPr lang="en-US" sz="2000" dirty="0"/>
+          </a:p>
+          <a:p>
+            <a:pPr lvl="1">
+              <a:lnSpc>
+                <a:spcPct val="150000"/>
+              </a:lnSpc>
+            </a:pPr>
+            <a:r>
+              <a:rPr lang="en-US" sz="2000" dirty="0"/>
+              <a:t>Groups start arriving at 19:00 till 22:00</a:t>
+            </a:r>
+          </a:p>
+          <a:p>
+            <a:pPr lvl="2">
+              <a:lnSpc>
+                <a:spcPct val="150000"/>
+              </a:lnSpc>
+            </a:pPr>
+            <a:r>
+              <a:rPr lang="en-US" dirty="0"/>
+              <a:t>No arrival after 22:00 –&gt;</a:t>
+            </a:r>
+            <a:r>
+              <a:rPr lang="en-US" dirty="0">
+                <a:sym typeface="Wingdings" pitchFamily="2" charset="2"/>
+              </a:rPr>
+              <a:t> available service for customers in the queue</a:t>
+            </a:r>
+            <a:endParaRPr lang="en-US" dirty="0"/>
+          </a:p>
+          <a:p>
+            <a:pPr lvl="1">
+              <a:lnSpc>
+                <a:spcPct val="150000"/>
+              </a:lnSpc>
+            </a:pPr>
+            <a:endParaRPr lang="en-US" sz="2000" dirty="0"/>
+          </a:p>
+          <a:p>
+            <a:pPr lvl="1">
+              <a:lnSpc>
+                <a:spcPct val="150000"/>
+              </a:lnSpc>
+            </a:pPr>
+            <a:endParaRPr lang="en-US" sz="2000" dirty="0"/>
+          </a:p>
+          <a:p>
+            <a:pPr lvl="1">
+              <a:lnSpc>
+                <a:spcPct val="150000"/>
+              </a:lnSpc>
+            </a:pPr>
+            <a:endParaRPr lang="en-US" dirty="0"/>
+          </a:p>
+          <a:p>
+            <a:pPr lvl="1">
+              <a:lnSpc>
+                <a:spcPct val="150000"/>
+              </a:lnSpc>
+            </a:pPr>
+            <a:endParaRPr lang="en-US" sz="2000" dirty="0"/>
+          </a:p>
+          <a:p>
+            <a:pPr lvl="1">
+              <a:lnSpc>
+                <a:spcPct val="150000"/>
+              </a:lnSpc>
+            </a:pPr>
+            <a:endParaRPr lang="en-US" sz="2000" dirty="0"/>
+          </a:p>
+        </p:txBody>
+      </p:sp>
+      <p:pic>
+        <p:nvPicPr>
+          <p:cNvPr id="3" name="Picture 2">
+            <a:extLst>
+              <a:ext uri="{FF2B5EF4-FFF2-40B4-BE49-F238E27FC236}">
+                <a16:creationId xmlns:a16="http://schemas.microsoft.com/office/drawing/2014/main" id="{2D59FC4D-7649-9340-8F6F-DB35505CA9CF}"/>
+              </a:ext>
+            </a:extLst>
+          </p:cNvPr>
+          <p:cNvPicPr>
+            <a:picLocks noChangeAspect="1"/>
+          </p:cNvPicPr>
+          <p:nvPr/>
+        </p:nvPicPr>
+        <p:blipFill>
+          <a:blip r:embed="rId3">
+            <a:extLst>
+              <a:ext uri="{28A0092B-C50C-407E-A947-70E740481C1C}">
+                <a14:useLocalDpi xmlns:a14="http://schemas.microsoft.com/office/drawing/2010/main" val="0"/>
+              </a:ext>
+            </a:extLst>
+          </a:blip>
+          <a:stretch>
+            <a:fillRect/>
+          </a:stretch>
+        </p:blipFill>
+        <p:spPr>
+          <a:xfrm>
+            <a:off x="1382712" y="2470151"/>
+            <a:ext cx="5718176" cy="1744044"/>
+          </a:xfrm>
+          <a:prstGeom prst="rect">
+            <a:avLst/>
+          </a:prstGeom>
+        </p:spPr>
+      </p:pic>
+    </p:spTree>
+    <p:extLst>
+      <p:ext uri="{BB962C8B-B14F-4D97-AF65-F5344CB8AC3E}">
+        <p14:creationId xmlns:p14="http://schemas.microsoft.com/office/powerpoint/2010/main" val="1592423805"/>
+      </p:ext>
+    </p:extLst>
+  </p:cSld>
+  <p:clrMapOvr>
+    <a:masterClrMapping/>
+  </p:clrMapOvr>
+</p:sld>
+</file>
+
+<file path=ppt/slides/slide30.xml><?xml version="1.0" encoding="utf-8"?>
 <p:sld xmlns:a="http://schemas.openxmlformats.org/drawingml/2006/main" xmlns:r="http://schemas.openxmlformats.org/officeDocument/2006/relationships" xmlns:p="http://schemas.openxmlformats.org/presentationml/2006/main">
   <p:cSld>
     <p:spTree>
@@ -18734,7 +19574,7 @@
 </p:sld>
 </file>
 
-<file path=ppt/slides/slide3.xml><?xml version="1.0" encoding="utf-8"?>
+<file path=ppt/slides/slide31.xml><?xml version="1.0" encoding="utf-8"?>
 <p:sld xmlns:a="http://schemas.openxmlformats.org/drawingml/2006/main" xmlns:r="http://schemas.openxmlformats.org/officeDocument/2006/relationships" xmlns:p="http://schemas.openxmlformats.org/presentationml/2006/main">
   <p:cSld>
     <p:spTree>
@@ -18751,12 +19591,69 @@
           <a:chExt cx="0" cy="0"/>
         </a:xfrm>
       </p:grpSpPr>
+      <p:sp>
+        <p:nvSpPr>
+          <p:cNvPr id="3" name="Content Placeholder 2">
+            <a:extLst>
+              <a:ext uri="{FF2B5EF4-FFF2-40B4-BE49-F238E27FC236}">
+                <a16:creationId xmlns:a16="http://schemas.microsoft.com/office/drawing/2014/main" id="{A3747E47-B71D-4260-9DF4-6C60964EBB93}"/>
+              </a:ext>
+            </a:extLst>
+          </p:cNvPr>
+          <p:cNvSpPr>
+            <a:spLocks noGrp="1"/>
+          </p:cNvSpPr>
+          <p:nvPr>
+            <p:ph idx="1"/>
+          </p:nvPr>
+        </p:nvSpPr>
+        <p:spPr>
+          <a:xfrm>
+            <a:off x="838200" y="1127760"/>
+            <a:ext cx="10515600" cy="5049203"/>
+          </a:xfrm>
+        </p:spPr>
+        <p:txBody>
+          <a:bodyPr>
+            <a:normAutofit/>
+          </a:bodyPr>
+          <a:lstStyle/>
+          <a:p>
+            <a:pPr marL="0" indent="0">
+              <a:buNone/>
+            </a:pPr>
+            <a:r>
+              <a:rPr lang="en-CA" sz="2400" dirty="0">
+                <a:solidFill>
+                  <a:schemeClr val="accent1"/>
+                </a:solidFill>
+              </a:rPr>
+              <a:t>Baseline VNS</a:t>
+            </a:r>
+          </a:p>
+          <a:p>
+            <a:pPr marL="0" indent="0">
+              <a:buNone/>
+            </a:pPr>
+            <a:endParaRPr lang="en-CA" sz="2400" dirty="0"/>
+          </a:p>
+          <a:p>
+            <a:pPr marL="0" indent="0">
+              <a:buNone/>
+            </a:pPr>
+            <a:endParaRPr lang="en-CA" sz="2400" dirty="0"/>
+          </a:p>
+          <a:p>
+            <a:endParaRPr lang="en-CA" sz="2400" dirty="0"/>
+          </a:p>
+        </p:txBody>
+      </p:sp>
       <p:pic>
         <p:nvPicPr>
           <p:cNvPr id="5" name="Picture 4">
             <a:extLst>
               <a:ext uri="{FF2B5EF4-FFF2-40B4-BE49-F238E27FC236}">
-                <a16:creationId xmlns:a16="http://schemas.microsoft.com/office/drawing/2014/main" id="{937DC52F-3E84-4376-A880-17A444D06451}"/>
+                <a16:creationId xmlns:a16="http://schemas.microsoft.com/office/drawing/2014/main" id="{0C7E7D67-F8B3-4901-8386-C7C19CECFEC6}"/>
               </a:ext>
             </a:extLst>
           </p:cNvPr>
@@ -18789,10 +19686,10 @@
       </p:pic>
       <p:sp>
         <p:nvSpPr>
-          <p:cNvPr id="9" name="Title 1">
+          <p:cNvPr id="6" name="Title 1">
             <a:extLst>
               <a:ext uri="{FF2B5EF4-FFF2-40B4-BE49-F238E27FC236}">
-                <a16:creationId xmlns:a16="http://schemas.microsoft.com/office/drawing/2014/main" id="{D8D4F29A-F761-4FDF-9F1D-5964127B29A1}"/>
+                <a16:creationId xmlns:a16="http://schemas.microsoft.com/office/drawing/2014/main" id="{B4C9D95B-EBE4-40C7-8B82-4CFA20A3795C}"/>
               </a:ext>
             </a:extLst>
           </p:cNvPr>
@@ -18836,373 +19733,6 @@
           <a:p>
             <a:r>
               <a:rPr lang="en-CA" sz="3600" dirty="0"/>
-              <a:t>Scenario Description (cont.)</a:t>
-            </a:r>
-            <a:endParaRPr lang="en-US" sz="3600" dirty="0"/>
-          </a:p>
-        </p:txBody>
-      </p:sp>
-      <p:sp>
-        <p:nvSpPr>
-          <p:cNvPr id="6" name="Content Placeholder 2">
-            <a:extLst>
-              <a:ext uri="{FF2B5EF4-FFF2-40B4-BE49-F238E27FC236}">
-                <a16:creationId xmlns:a16="http://schemas.microsoft.com/office/drawing/2014/main" id="{5C9002D8-D4DA-894C-B56B-88798A5976F0}"/>
-              </a:ext>
-            </a:extLst>
-          </p:cNvPr>
-          <p:cNvSpPr>
-            <a:spLocks noGrp="1"/>
-          </p:cNvSpPr>
-          <p:nvPr>
-            <p:ph idx="1"/>
-          </p:nvPr>
-        </p:nvSpPr>
-        <p:spPr>
-          <a:xfrm>
-            <a:off x="838200" y="1127760"/>
-            <a:ext cx="10515600" cy="5049203"/>
-          </a:xfrm>
-        </p:spPr>
-        <p:txBody>
-          <a:bodyPr>
-            <a:normAutofit/>
-          </a:bodyPr>
-          <a:lstStyle/>
-          <a:p>
-            <a:pPr marL="0" indent="0">
-              <a:lnSpc>
-                <a:spcPct val="150000"/>
-              </a:lnSpc>
-              <a:buNone/>
-            </a:pPr>
-            <a:r>
-              <a:rPr lang="en-US" sz="2400" dirty="0"/>
-              <a:t>Customer Arrival (arrival rate: c)</a:t>
-            </a:r>
-          </a:p>
-          <a:p>
-            <a:pPr lvl="1">
-              <a:lnSpc>
-                <a:spcPct val="150000"/>
-              </a:lnSpc>
-            </a:pPr>
-            <a:r>
-              <a:rPr lang="en-US" sz="2000" dirty="0"/>
-              <a:t>are non-homogenous and vary among group sizes (group size: g)</a:t>
-            </a:r>
-          </a:p>
-          <a:p>
-            <a:pPr lvl="1">
-              <a:lnSpc>
-                <a:spcPct val="150000"/>
-              </a:lnSpc>
-            </a:pPr>
-            <a:endParaRPr lang="en-US" sz="2000" dirty="0"/>
-          </a:p>
-          <a:p>
-            <a:pPr lvl="1">
-              <a:lnSpc>
-                <a:spcPct val="150000"/>
-              </a:lnSpc>
-            </a:pPr>
-            <a:endParaRPr lang="en-US" sz="2000" dirty="0"/>
-          </a:p>
-          <a:p>
-            <a:pPr lvl="1">
-              <a:lnSpc>
-                <a:spcPct val="150000"/>
-              </a:lnSpc>
-            </a:pPr>
-            <a:endParaRPr lang="en-US" sz="2000" dirty="0"/>
-          </a:p>
-          <a:p>
-            <a:pPr lvl="1">
-              <a:lnSpc>
-                <a:spcPct val="150000"/>
-              </a:lnSpc>
-            </a:pPr>
-            <a:endParaRPr lang="en-US" sz="2000" dirty="0"/>
-          </a:p>
-          <a:p>
-            <a:pPr lvl="1">
-              <a:lnSpc>
-                <a:spcPct val="150000"/>
-              </a:lnSpc>
-            </a:pPr>
-            <a:r>
-              <a:rPr lang="en-US" sz="2000" dirty="0"/>
-              <a:t>Groups start arriving at 19:00 till 22:00</a:t>
-            </a:r>
-          </a:p>
-          <a:p>
-            <a:pPr lvl="2">
-              <a:lnSpc>
-                <a:spcPct val="150000"/>
-              </a:lnSpc>
-            </a:pPr>
-            <a:r>
-              <a:rPr lang="en-US" dirty="0"/>
-              <a:t>No arrival after 22:00 –&gt;</a:t>
-            </a:r>
-            <a:r>
-              <a:rPr lang="en-US" dirty="0">
-                <a:sym typeface="Wingdings" pitchFamily="2" charset="2"/>
-              </a:rPr>
-              <a:t> available service for customers in the queue</a:t>
-            </a:r>
-            <a:endParaRPr lang="en-US" dirty="0"/>
-          </a:p>
-          <a:p>
-            <a:pPr lvl="1">
-              <a:lnSpc>
-                <a:spcPct val="150000"/>
-              </a:lnSpc>
-            </a:pPr>
-            <a:endParaRPr lang="en-US" sz="2000" dirty="0"/>
-          </a:p>
-          <a:p>
-            <a:pPr lvl="1">
-              <a:lnSpc>
-                <a:spcPct val="150000"/>
-              </a:lnSpc>
-            </a:pPr>
-            <a:endParaRPr lang="en-US" sz="2000" dirty="0"/>
-          </a:p>
-          <a:p>
-            <a:pPr lvl="1">
-              <a:lnSpc>
-                <a:spcPct val="150000"/>
-              </a:lnSpc>
-            </a:pPr>
-            <a:endParaRPr lang="en-US" dirty="0"/>
-          </a:p>
-          <a:p>
-            <a:pPr lvl="1">
-              <a:lnSpc>
-                <a:spcPct val="150000"/>
-              </a:lnSpc>
-            </a:pPr>
-            <a:endParaRPr lang="en-US" sz="2000" dirty="0"/>
-          </a:p>
-          <a:p>
-            <a:pPr lvl="1">
-              <a:lnSpc>
-                <a:spcPct val="150000"/>
-              </a:lnSpc>
-            </a:pPr>
-            <a:endParaRPr lang="en-US" sz="2000" dirty="0"/>
-          </a:p>
-        </p:txBody>
-      </p:sp>
-      <p:pic>
-        <p:nvPicPr>
-          <p:cNvPr id="3" name="Picture 2">
-            <a:extLst>
-              <a:ext uri="{FF2B5EF4-FFF2-40B4-BE49-F238E27FC236}">
-                <a16:creationId xmlns:a16="http://schemas.microsoft.com/office/drawing/2014/main" id="{2D59FC4D-7649-9340-8F6F-DB35505CA9CF}"/>
-              </a:ext>
-            </a:extLst>
-          </p:cNvPr>
-          <p:cNvPicPr>
-            <a:picLocks noChangeAspect="1"/>
-          </p:cNvPicPr>
-          <p:nvPr/>
-        </p:nvPicPr>
-        <p:blipFill>
-          <a:blip r:embed="rId3">
-            <a:extLst>
-              <a:ext uri="{28A0092B-C50C-407E-A947-70E740481C1C}">
-                <a14:useLocalDpi xmlns:a14="http://schemas.microsoft.com/office/drawing/2010/main" val="0"/>
-              </a:ext>
-            </a:extLst>
-          </a:blip>
-          <a:stretch>
-            <a:fillRect/>
-          </a:stretch>
-        </p:blipFill>
-        <p:spPr>
-          <a:xfrm>
-            <a:off x="1382712" y="2470151"/>
-            <a:ext cx="5718176" cy="1744044"/>
-          </a:xfrm>
-          <a:prstGeom prst="rect">
-            <a:avLst/>
-          </a:prstGeom>
-        </p:spPr>
-      </p:pic>
-    </p:spTree>
-    <p:extLst>
-      <p:ext uri="{BB962C8B-B14F-4D97-AF65-F5344CB8AC3E}">
-        <p14:creationId xmlns:p14="http://schemas.microsoft.com/office/powerpoint/2010/main" val="1592423805"/>
-      </p:ext>
-    </p:extLst>
-  </p:cSld>
-  <p:clrMapOvr>
-    <a:masterClrMapping/>
-  </p:clrMapOvr>
-</p:sld>
-</file>
-
-<file path=ppt/slides/slide30.xml><?xml version="1.0" encoding="utf-8"?>
-<p:sld xmlns:a="http://schemas.openxmlformats.org/drawingml/2006/main" xmlns:r="http://schemas.openxmlformats.org/officeDocument/2006/relationships" xmlns:p="http://schemas.openxmlformats.org/presentationml/2006/main">
-  <p:cSld>
-    <p:spTree>
-      <p:nvGrpSpPr>
-        <p:cNvPr id="1" name=""/>
-        <p:cNvGrpSpPr/>
-        <p:nvPr/>
-      </p:nvGrpSpPr>
-      <p:grpSpPr>
-        <a:xfrm>
-          <a:off x="0" y="0"/>
-          <a:ext cx="0" cy="0"/>
-          <a:chOff x="0" y="0"/>
-          <a:chExt cx="0" cy="0"/>
-        </a:xfrm>
-      </p:grpSpPr>
-      <p:sp>
-        <p:nvSpPr>
-          <p:cNvPr id="3" name="Content Placeholder 2">
-            <a:extLst>
-              <a:ext uri="{FF2B5EF4-FFF2-40B4-BE49-F238E27FC236}">
-                <a16:creationId xmlns:a16="http://schemas.microsoft.com/office/drawing/2014/main" id="{A3747E47-B71D-4260-9DF4-6C60964EBB93}"/>
-              </a:ext>
-            </a:extLst>
-          </p:cNvPr>
-          <p:cNvSpPr>
-            <a:spLocks noGrp="1"/>
-          </p:cNvSpPr>
-          <p:nvPr>
-            <p:ph idx="1"/>
-          </p:nvPr>
-        </p:nvSpPr>
-        <p:spPr>
-          <a:xfrm>
-            <a:off x="838200" y="1127760"/>
-            <a:ext cx="10515600" cy="5049203"/>
-          </a:xfrm>
-        </p:spPr>
-        <p:txBody>
-          <a:bodyPr>
-            <a:normAutofit/>
-          </a:bodyPr>
-          <a:lstStyle/>
-          <a:p>
-            <a:pPr marL="0" indent="0">
-              <a:buNone/>
-            </a:pPr>
-            <a:r>
-              <a:rPr lang="en-CA" sz="2400" dirty="0">
-                <a:solidFill>
-                  <a:schemeClr val="accent1"/>
-                </a:solidFill>
-              </a:rPr>
-              <a:t>Baseline VNS</a:t>
-            </a:r>
-          </a:p>
-          <a:p>
-            <a:pPr marL="0" indent="0">
-              <a:buNone/>
-            </a:pPr>
-            <a:endParaRPr lang="en-CA" sz="2400" dirty="0"/>
-          </a:p>
-          <a:p>
-            <a:pPr marL="0" indent="0">
-              <a:buNone/>
-            </a:pPr>
-            <a:endParaRPr lang="en-CA" sz="2400" dirty="0"/>
-          </a:p>
-          <a:p>
-            <a:endParaRPr lang="en-CA" sz="2400" dirty="0"/>
-          </a:p>
-        </p:txBody>
-      </p:sp>
-      <p:pic>
-        <p:nvPicPr>
-          <p:cNvPr id="5" name="Picture 4">
-            <a:extLst>
-              <a:ext uri="{FF2B5EF4-FFF2-40B4-BE49-F238E27FC236}">
-                <a16:creationId xmlns:a16="http://schemas.microsoft.com/office/drawing/2014/main" id="{0C7E7D67-F8B3-4901-8386-C7C19CECFEC6}"/>
-              </a:ext>
-            </a:extLst>
-          </p:cNvPr>
-          <p:cNvPicPr>
-            <a:picLocks noChangeAspect="1"/>
-          </p:cNvPicPr>
-          <p:nvPr/>
-        </p:nvPicPr>
-        <p:blipFill>
-          <a:blip r:embed="rId2" cstate="hqprint">
-            <a:extLst>
-              <a:ext uri="{28A0092B-C50C-407E-A947-70E740481C1C}">
-                <a14:useLocalDpi xmlns:a14="http://schemas.microsoft.com/office/drawing/2010/main" val="0"/>
-              </a:ext>
-            </a:extLst>
-          </a:blip>
-          <a:stretch>
-            <a:fillRect/>
-          </a:stretch>
-        </p:blipFill>
-        <p:spPr>
-          <a:xfrm>
-            <a:off x="9916160" y="365125"/>
-            <a:ext cx="1437640" cy="418937"/>
-          </a:xfrm>
-          <a:prstGeom prst="rect">
-            <a:avLst/>
-          </a:prstGeom>
-        </p:spPr>
-      </p:pic>
-      <p:sp>
-        <p:nvSpPr>
-          <p:cNvPr id="6" name="Title 1">
-            <a:extLst>
-              <a:ext uri="{FF2B5EF4-FFF2-40B4-BE49-F238E27FC236}">
-                <a16:creationId xmlns:a16="http://schemas.microsoft.com/office/drawing/2014/main" id="{B4C9D95B-EBE4-40C7-8B82-4CFA20A3795C}"/>
-              </a:ext>
-            </a:extLst>
-          </p:cNvPr>
-          <p:cNvSpPr txBox="1">
-            <a:spLocks/>
-          </p:cNvSpPr>
-          <p:nvPr/>
-        </p:nvSpPr>
-        <p:spPr>
-          <a:xfrm>
-            <a:off x="838200" y="365125"/>
-            <a:ext cx="10515600" cy="762635"/>
-          </a:xfrm>
-          <a:prstGeom prst="rect">
-            <a:avLst/>
-          </a:prstGeom>
-        </p:spPr>
-        <p:txBody>
-          <a:bodyPr vert="horz" lIns="91440" tIns="45720" rIns="91440" bIns="45720" rtlCol="0" anchor="ctr">
-            <a:normAutofit/>
-          </a:bodyPr>
-          <a:lstStyle>
-            <a:lvl1pPr algn="l" defTabSz="914400" rtl="0" eaLnBrk="1" latinLnBrk="0" hangingPunct="1">
-              <a:lnSpc>
-                <a:spcPct val="90000"/>
-              </a:lnSpc>
-              <a:spcBef>
-                <a:spcPct val="0"/>
-              </a:spcBef>
-              <a:buNone/>
-              <a:defRPr sz="4400" kern="1200">
-                <a:solidFill>
-                  <a:schemeClr val="tx1"/>
-                </a:solidFill>
-                <a:latin typeface="+mj-lt"/>
-                <a:ea typeface="+mj-ea"/>
-                <a:cs typeface="+mj-cs"/>
-              </a:defRPr>
-            </a:lvl1pPr>
-          </a:lstStyle>
-          <a:p>
-            <a:r>
-              <a:rPr lang="en-CA" sz="3600" dirty="0"/>
               <a:t>Results: Baseline VNS vs. Golden Section VNS</a:t>
             </a:r>
           </a:p>
@@ -19257,7 +19787,7 @@
 </p:sld>
 </file>
 
-<file path=ppt/slides/slide31.xml><?xml version="1.0" encoding="utf-8"?>
+<file path=ppt/slides/slide32.xml><?xml version="1.0" encoding="utf-8"?>
 <p:sld xmlns:a="http://schemas.openxmlformats.org/drawingml/2006/main" xmlns:r="http://schemas.openxmlformats.org/officeDocument/2006/relationships" xmlns:p="http://schemas.openxmlformats.org/presentationml/2006/main">
   <p:cSld>
     <p:spTree>
@@ -20027,7 +20557,7 @@
 </p:sld>
 </file>
 
-<file path=ppt/slides/slide32.xml><?xml version="1.0" encoding="utf-8"?>
+<file path=ppt/slides/slide33.xml><?xml version="1.0" encoding="utf-8"?>
 <p:sld xmlns:a="http://schemas.openxmlformats.org/drawingml/2006/main" xmlns:r="http://schemas.openxmlformats.org/officeDocument/2006/relationships" xmlns:p="http://schemas.openxmlformats.org/presentationml/2006/main">
   <p:cSld>
     <p:spTree>
@@ -20227,7 +20757,7 @@
 </p:sld>
 </file>
 
-<file path=ppt/slides/slide33.xml><?xml version="1.0" encoding="utf-8"?>
+<file path=ppt/slides/slide34.xml><?xml version="1.0" encoding="utf-8"?>
 <p:sld xmlns:a="http://schemas.openxmlformats.org/drawingml/2006/main" xmlns:r="http://schemas.openxmlformats.org/officeDocument/2006/relationships" xmlns:p="http://schemas.openxmlformats.org/presentationml/2006/main">
   <p:cSld>
     <p:spTree>
@@ -20706,7 +21236,7 @@
 </p:sld>
 </file>
 
-<file path=ppt/slides/slide34.xml><?xml version="1.0" encoding="utf-8"?>
+<file path=ppt/slides/slide35.xml><?xml version="1.0" encoding="utf-8"?>
 <p:sld xmlns:a="http://schemas.openxmlformats.org/drawingml/2006/main" xmlns:r="http://schemas.openxmlformats.org/officeDocument/2006/relationships" xmlns:p="http://schemas.openxmlformats.org/presentationml/2006/main">
   <p:cSld>
     <p:spTree>
@@ -20906,7 +21436,7 @@
 </p:sld>
 </file>
 
-<file path=ppt/slides/slide35.xml><?xml version="1.0" encoding="utf-8"?>
+<file path=ppt/slides/slide36.xml><?xml version="1.0" encoding="utf-8"?>
 <p:sld xmlns:a="http://schemas.openxmlformats.org/drawingml/2006/main" xmlns:r="http://schemas.openxmlformats.org/officeDocument/2006/relationships" xmlns:p="http://schemas.openxmlformats.org/presentationml/2006/main">
   <p:cSld>
     <p:spTree>
@@ -21377,7 +21907,7 @@
 </p:sld>
 </file>
 
-<file path=ppt/slides/slide36.xml><?xml version="1.0" encoding="utf-8"?>
+<file path=ppt/slides/slide37.xml><?xml version="1.0" encoding="utf-8"?>
 <p:sld xmlns:a="http://schemas.openxmlformats.org/drawingml/2006/main" xmlns:r="http://schemas.openxmlformats.org/officeDocument/2006/relationships" xmlns:p="http://schemas.openxmlformats.org/presentationml/2006/main">
   <p:cSld>
     <p:spTree>
@@ -21676,318 +22206,6 @@
     <p:extLst>
       <p:ext uri="{BB962C8B-B14F-4D97-AF65-F5344CB8AC3E}">
         <p14:creationId xmlns:p14="http://schemas.microsoft.com/office/powerpoint/2010/main" val="202069013"/>
-      </p:ext>
-    </p:extLst>
-  </p:cSld>
-  <p:clrMapOvr>
-    <a:masterClrMapping/>
-  </p:clrMapOvr>
-</p:sld>
-</file>
-
-<file path=ppt/slides/slide37.xml><?xml version="1.0" encoding="utf-8"?>
-<p:sld xmlns:a="http://schemas.openxmlformats.org/drawingml/2006/main" xmlns:r="http://schemas.openxmlformats.org/officeDocument/2006/relationships" xmlns:p="http://schemas.openxmlformats.org/presentationml/2006/main">
-  <p:cSld>
-    <p:spTree>
-      <p:nvGrpSpPr>
-        <p:cNvPr id="1" name=""/>
-        <p:cNvGrpSpPr/>
-        <p:nvPr/>
-      </p:nvGrpSpPr>
-      <p:grpSpPr>
-        <a:xfrm>
-          <a:off x="0" y="0"/>
-          <a:ext cx="0" cy="0"/>
-          <a:chOff x="0" y="0"/>
-          <a:chExt cx="0" cy="0"/>
-        </a:xfrm>
-      </p:grpSpPr>
-      <p:pic>
-        <p:nvPicPr>
-          <p:cNvPr id="6" name="Content Placeholder 5">
-            <a:extLst>
-              <a:ext uri="{FF2B5EF4-FFF2-40B4-BE49-F238E27FC236}">
-                <a16:creationId xmlns:a16="http://schemas.microsoft.com/office/drawing/2014/main" id="{085CB1BE-2568-4D36-962B-9B304C3A7293}"/>
-              </a:ext>
-            </a:extLst>
-          </p:cNvPr>
-          <p:cNvPicPr>
-            <a:picLocks noGrp="1" noChangeAspect="1"/>
-          </p:cNvPicPr>
-          <p:nvPr>
-            <p:ph idx="1"/>
-          </p:nvPr>
-        </p:nvPicPr>
-        <p:blipFill>
-          <a:blip r:embed="rId2">
-            <a:extLst>
-              <a:ext uri="{28A0092B-C50C-407E-A947-70E740481C1C}">
-                <a14:useLocalDpi xmlns:a14="http://schemas.microsoft.com/office/drawing/2010/main" val="0"/>
-              </a:ext>
-            </a:extLst>
-          </a:blip>
-          <a:stretch>
-            <a:fillRect/>
-          </a:stretch>
-        </p:blipFill>
-        <p:spPr>
-          <a:xfrm>
-            <a:off x="838200" y="1127760"/>
-            <a:ext cx="6733117" cy="5049838"/>
-          </a:xfrm>
-        </p:spPr>
-      </p:pic>
-      <p:sp>
-        <p:nvSpPr>
-          <p:cNvPr id="4" name="Title 1">
-            <a:extLst>
-              <a:ext uri="{FF2B5EF4-FFF2-40B4-BE49-F238E27FC236}">
-                <a16:creationId xmlns:a16="http://schemas.microsoft.com/office/drawing/2014/main" id="{BED9B4B6-A2F7-429A-BC0B-C80004A4CE86}"/>
-              </a:ext>
-            </a:extLst>
-          </p:cNvPr>
-          <p:cNvSpPr txBox="1">
-            <a:spLocks/>
-          </p:cNvSpPr>
-          <p:nvPr/>
-        </p:nvSpPr>
-        <p:spPr>
-          <a:xfrm>
-            <a:off x="838200" y="365125"/>
-            <a:ext cx="10515600" cy="762635"/>
-          </a:xfrm>
-          <a:prstGeom prst="rect">
-            <a:avLst/>
-          </a:prstGeom>
-        </p:spPr>
-        <p:txBody>
-          <a:bodyPr vert="horz" lIns="91440" tIns="45720" rIns="91440" bIns="45720" rtlCol="0" anchor="ctr">
-            <a:normAutofit/>
-          </a:bodyPr>
-          <a:lstStyle>
-            <a:lvl1pPr algn="l" defTabSz="914400" rtl="0" eaLnBrk="1" latinLnBrk="0" hangingPunct="1">
-              <a:lnSpc>
-                <a:spcPct val="90000"/>
-              </a:lnSpc>
-              <a:spcBef>
-                <a:spcPct val="0"/>
-              </a:spcBef>
-              <a:buNone/>
-              <a:defRPr sz="4400" kern="1200">
-                <a:solidFill>
-                  <a:schemeClr val="tx1"/>
-                </a:solidFill>
-                <a:latin typeface="+mj-lt"/>
-                <a:ea typeface="+mj-ea"/>
-                <a:cs typeface="+mj-cs"/>
-              </a:defRPr>
-            </a:lvl1pPr>
-          </a:lstStyle>
-          <a:p>
-            <a:r>
-              <a:rPr lang="en-CA" sz="3600"/>
-              <a:t>Results: Summary</a:t>
-            </a:r>
-            <a:endParaRPr lang="en-CA" sz="3600" dirty="0"/>
-          </a:p>
-        </p:txBody>
-      </p:sp>
-      <p:pic>
-        <p:nvPicPr>
-          <p:cNvPr id="5" name="Picture 4">
-            <a:extLst>
-              <a:ext uri="{FF2B5EF4-FFF2-40B4-BE49-F238E27FC236}">
-                <a16:creationId xmlns:a16="http://schemas.microsoft.com/office/drawing/2014/main" id="{6C9F444F-7D72-45B9-BB78-AA2CC751C413}"/>
-              </a:ext>
-            </a:extLst>
-          </p:cNvPr>
-          <p:cNvPicPr>
-            <a:picLocks noChangeAspect="1"/>
-          </p:cNvPicPr>
-          <p:nvPr/>
-        </p:nvPicPr>
-        <p:blipFill>
-          <a:blip r:embed="rId3" cstate="hqprint">
-            <a:extLst>
-              <a:ext uri="{28A0092B-C50C-407E-A947-70E740481C1C}">
-                <a14:useLocalDpi xmlns:a14="http://schemas.microsoft.com/office/drawing/2010/main" val="0"/>
-              </a:ext>
-            </a:extLst>
-          </a:blip>
-          <a:stretch>
-            <a:fillRect/>
-          </a:stretch>
-        </p:blipFill>
-        <p:spPr>
-          <a:xfrm>
-            <a:off x="9916160" y="365125"/>
-            <a:ext cx="1437640" cy="418937"/>
-          </a:xfrm>
-          <a:prstGeom prst="rect">
-            <a:avLst/>
-          </a:prstGeom>
-        </p:spPr>
-      </p:pic>
-      <p:sp>
-        <p:nvSpPr>
-          <p:cNvPr id="7" name="TextBox 6">
-            <a:extLst>
-              <a:ext uri="{FF2B5EF4-FFF2-40B4-BE49-F238E27FC236}">
-                <a16:creationId xmlns:a16="http://schemas.microsoft.com/office/drawing/2014/main" id="{C4AF1022-4AE4-4B9F-9984-6EF8E1CA80CC}"/>
-              </a:ext>
-            </a:extLst>
-          </p:cNvPr>
-          <p:cNvSpPr txBox="1"/>
-          <p:nvPr/>
-        </p:nvSpPr>
-        <p:spPr>
-          <a:xfrm>
-            <a:off x="7571317" y="1127760"/>
-            <a:ext cx="3782483" cy="4955203"/>
-          </a:xfrm>
-          <a:prstGeom prst="rect">
-            <a:avLst/>
-          </a:prstGeom>
-          <a:noFill/>
-        </p:spPr>
-        <p:txBody>
-          <a:bodyPr wrap="square" rtlCol="0">
-            <a:spAutoFit/>
-          </a:bodyPr>
-          <a:lstStyle/>
-          <a:p>
-            <a:r>
-              <a:rPr lang="en-CA" sz="2400" dirty="0">
-                <a:solidFill>
-                  <a:schemeClr val="accent1"/>
-                </a:solidFill>
-              </a:rPr>
-              <a:t>Our solution as a way to:</a:t>
-            </a:r>
-          </a:p>
-          <a:p>
-            <a:pPr marL="285750" indent="-285750">
-              <a:buFont typeface="Arial" panose="020B0604020202020204" pitchFamily="34" charset="0"/>
-              <a:buChar char="•"/>
-            </a:pPr>
-            <a:r>
-              <a:rPr lang="en-CA" sz="2400" dirty="0"/>
-              <a:t>Prevent customers from leaving our restaurant</a:t>
-            </a:r>
-          </a:p>
-          <a:p>
-            <a:pPr marL="285750" indent="-285750">
-              <a:buFont typeface="Arial" panose="020B0604020202020204" pitchFamily="34" charset="0"/>
-              <a:buChar char="•"/>
-            </a:pPr>
-            <a:endParaRPr lang="en-CA" sz="2400" dirty="0"/>
-          </a:p>
-          <a:p>
-            <a:pPr marL="285750" indent="-285750">
-              <a:spcAft>
-                <a:spcPts val="1200"/>
-              </a:spcAft>
-              <a:buFont typeface="Arial" panose="020B0604020202020204" pitchFamily="34" charset="0"/>
-              <a:buChar char="•"/>
-            </a:pPr>
-            <a:r>
-              <a:rPr lang="en-CA" sz="2400" dirty="0"/>
-              <a:t>But not increase the average number of occasions of sharing tables significantly</a:t>
-            </a:r>
-          </a:p>
-          <a:p>
-            <a:pPr lvl="1">
-              <a:spcAft>
-                <a:spcPts val="1200"/>
-              </a:spcAft>
-            </a:pPr>
-            <a:r>
-              <a:rPr lang="en-CA" sz="1600" dirty="0">
-                <a:solidFill>
-                  <a:schemeClr val="accent2"/>
-                </a:solidFill>
-              </a:rPr>
-              <a:t>Avg. number of customers who share tables (per day): </a:t>
-            </a:r>
-          </a:p>
-          <a:p>
-            <a:r>
-              <a:rPr lang="en-CA" sz="1600" dirty="0">
-                <a:solidFill>
-                  <a:schemeClr val="accent2"/>
-                </a:solidFill>
-              </a:rPr>
-              <a:t>	Naïve solution: </a:t>
-            </a:r>
-            <a:r>
-              <a:rPr lang="en-CA" sz="1600" b="1" dirty="0">
-                <a:solidFill>
-                  <a:schemeClr val="accent2"/>
-                </a:solidFill>
-              </a:rPr>
-              <a:t>6.5</a:t>
-            </a:r>
-          </a:p>
-          <a:p>
-            <a:r>
-              <a:rPr lang="en-CA" sz="1600" dirty="0">
-                <a:solidFill>
-                  <a:schemeClr val="accent2"/>
-                </a:solidFill>
-              </a:rPr>
-              <a:t>	Greedy solution: </a:t>
-            </a:r>
-            <a:r>
-              <a:rPr lang="en-CA" sz="1600" b="1" dirty="0">
-                <a:solidFill>
-                  <a:schemeClr val="accent2"/>
-                </a:solidFill>
-              </a:rPr>
-              <a:t>1.1</a:t>
-            </a:r>
-          </a:p>
-          <a:p>
-            <a:r>
-              <a:rPr lang="en-CA" sz="1600" dirty="0">
-                <a:solidFill>
-                  <a:schemeClr val="accent2"/>
-                </a:solidFill>
-              </a:rPr>
-              <a:t>	Golden section VNS (policy 1): </a:t>
-            </a:r>
-            <a:r>
-              <a:rPr lang="en-CA" sz="1600" b="1" dirty="0">
-                <a:solidFill>
-                  <a:schemeClr val="accent2"/>
-                </a:solidFill>
-              </a:rPr>
-              <a:t>1.1</a:t>
-            </a:r>
-          </a:p>
-          <a:p>
-            <a:r>
-              <a:rPr lang="en-CA" sz="1600" dirty="0">
-                <a:solidFill>
-                  <a:schemeClr val="accent2"/>
-                </a:solidFill>
-              </a:rPr>
-              <a:t>	Golden section VNS (policy 2): </a:t>
-            </a:r>
-            <a:r>
-              <a:rPr lang="en-CA" sz="1600" b="1" dirty="0">
-                <a:solidFill>
-                  <a:schemeClr val="accent2"/>
-                </a:solidFill>
-              </a:rPr>
-              <a:t>1.3</a:t>
-            </a:r>
-          </a:p>
-        </p:txBody>
-      </p:sp>
-    </p:spTree>
-    <p:extLst>
-      <p:ext uri="{BB962C8B-B14F-4D97-AF65-F5344CB8AC3E}">
-        <p14:creationId xmlns:p14="http://schemas.microsoft.com/office/powerpoint/2010/main" val="3841013724"/>
       </p:ext>
     </p:extLst>
   </p:cSld>
@@ -22016,10 +22234,10 @@
       </p:grpSpPr>
       <p:pic>
         <p:nvPicPr>
-          <p:cNvPr id="8" name="Content Placeholder 7" descr="A screenshot of a cell phone&#10;&#10;Description generated with high confidence">
+          <p:cNvPr id="9" name="Content Placeholder 8" descr="A screenshot of a cell phone&#10;&#10;Description generated with very high confidence">
             <a:extLst>
               <a:ext uri="{FF2B5EF4-FFF2-40B4-BE49-F238E27FC236}">
-                <a16:creationId xmlns:a16="http://schemas.microsoft.com/office/drawing/2014/main" id="{21796F14-5067-460F-BCAA-0AF7EEB2CDE9}"/>
+                <a16:creationId xmlns:a16="http://schemas.microsoft.com/office/drawing/2014/main" id="{CDA0C752-0EF3-4A8B-BFBF-72387CB63C76}"/>
               </a:ext>
             </a:extLst>
           </p:cNvPr>
@@ -22044,8 +22262,8 @@
         </p:blipFill>
         <p:spPr>
           <a:xfrm>
-            <a:off x="474753" y="1113526"/>
-            <a:ext cx="6286713" cy="4715035"/>
+            <a:off x="838502" y="1144905"/>
+            <a:ext cx="6090920" cy="4568190"/>
           </a:xfrm>
         </p:spPr>
       </p:pic>
@@ -22223,7 +22441,7 @@
         </p:nvSpPr>
         <p:spPr>
           <a:xfrm>
-            <a:off x="1813111" y="4784225"/>
+            <a:off x="4164408" y="4633777"/>
             <a:ext cx="1706880" cy="400110"/>
           </a:xfrm>
           <a:prstGeom prst="rect">
@@ -22237,7 +22455,6 @@
           </a:bodyPr>
           <a:lstStyle/>
           <a:p>
-            <a:pPr algn="r"/>
             <a:r>
               <a:rPr lang="en-CA" sz="1000" dirty="0">
                 <a:solidFill>
@@ -22248,7 +22465,6 @@
             </a:r>
           </a:p>
           <a:p>
-            <a:pPr algn="r"/>
             <a:r>
               <a:rPr lang="en-CA" sz="1000" dirty="0">
                 <a:solidFill>
@@ -22274,7 +22490,7 @@
         </p:nvSpPr>
         <p:spPr>
           <a:xfrm>
-            <a:off x="3715801" y="5092839"/>
+            <a:off x="2273420" y="4833832"/>
             <a:ext cx="1706880" cy="400110"/>
           </a:xfrm>
           <a:prstGeom prst="rect">
@@ -22288,6 +22504,7 @@
           </a:bodyPr>
           <a:lstStyle/>
           <a:p>
+            <a:pPr algn="r"/>
             <a:r>
               <a:rPr lang="en-CA" sz="1000" dirty="0">
                 <a:solidFill>
@@ -22298,6 +22515,7 @@
             </a:r>
           </a:p>
           <a:p>
+            <a:pPr algn="r"/>
             <a:r>
               <a:rPr lang="en-CA" sz="1000" dirty="0">
                 <a:solidFill>
@@ -22323,7 +22541,7 @@
         </p:nvSpPr>
         <p:spPr>
           <a:xfrm>
-            <a:off x="1515407" y="1622399"/>
+            <a:off x="4506715" y="1645741"/>
             <a:ext cx="1706880" cy="400110"/>
           </a:xfrm>
           <a:prstGeom prst="rect">
@@ -22337,12 +22555,14 @@
           </a:bodyPr>
           <a:lstStyle/>
           <a:p>
+            <a:pPr algn="r"/>
             <a:r>
               <a:rPr lang="en-CA" sz="1000" dirty="0"/>
               <a:t>Naïve Solution</a:t>
             </a:r>
           </a:p>
           <a:p>
+            <a:pPr algn="r"/>
             <a:r>
               <a:rPr lang="en-CA" sz="1000" dirty="0"/>
               <a:t>Mean Profit: 11,419</a:t>
@@ -22364,7 +22584,7 @@
         </p:nvSpPr>
         <p:spPr>
           <a:xfrm>
-            <a:off x="6075982" y="4892784"/>
+            <a:off x="1312" y="4760882"/>
             <a:ext cx="1706880" cy="400110"/>
           </a:xfrm>
           <a:prstGeom prst="rect">
@@ -22378,12 +22598,14 @@
           </a:bodyPr>
           <a:lstStyle/>
           <a:p>
+            <a:pPr algn="r"/>
             <a:r>
               <a:rPr lang="en-CA" sz="1000" dirty="0"/>
               <a:t>Greedy Solution</a:t>
             </a:r>
           </a:p>
           <a:p>
+            <a:pPr algn="r"/>
             <a:r>
               <a:rPr lang="en-CA" sz="1000" dirty="0"/>
               <a:t>Mean Profit: 12,238</a:t>
@@ -22400,13 +22622,15 @@
               </a:ext>
             </a:extLst>
           </p:cNvPr>
-          <p:cNvCxnSpPr/>
+          <p:cNvCxnSpPr>
+            <a:cxnSpLocks/>
+          </p:cNvCxnSpPr>
           <p:nvPr/>
         </p:nvCxnSpPr>
         <p:spPr>
           <a:xfrm flipV="1">
-            <a:off x="3715801" y="1413810"/>
-            <a:ext cx="0" cy="3979109"/>
+            <a:off x="3967718" y="1503680"/>
+            <a:ext cx="0" cy="3657312"/>
           </a:xfrm>
           <a:prstGeom prst="line">
             <a:avLst/>
@@ -22451,7 +22675,7 @@
         </p:nvCxnSpPr>
         <p:spPr>
           <a:xfrm flipH="1">
-            <a:off x="1371601" y="3403366"/>
+            <a:off x="1618100" y="3352512"/>
             <a:ext cx="4724399" cy="0"/>
           </a:xfrm>
           <a:prstGeom prst="line">
@@ -22484,7 +22708,319 @@
     </p:spTree>
     <p:extLst>
       <p:ext uri="{BB962C8B-B14F-4D97-AF65-F5344CB8AC3E}">
-        <p14:creationId xmlns:p14="http://schemas.microsoft.com/office/powerpoint/2010/main" val="368659183"/>
+        <p14:creationId xmlns:p14="http://schemas.microsoft.com/office/powerpoint/2010/main" val="524645900"/>
+      </p:ext>
+    </p:extLst>
+  </p:cSld>
+  <p:clrMapOvr>
+    <a:masterClrMapping/>
+  </p:clrMapOvr>
+</p:sld>
+</file>
+
+<file path=ppt/slides/slide39.xml><?xml version="1.0" encoding="utf-8"?>
+<p:sld xmlns:a="http://schemas.openxmlformats.org/drawingml/2006/main" xmlns:r="http://schemas.openxmlformats.org/officeDocument/2006/relationships" xmlns:p="http://schemas.openxmlformats.org/presentationml/2006/main">
+  <p:cSld>
+    <p:spTree>
+      <p:nvGrpSpPr>
+        <p:cNvPr id="1" name=""/>
+        <p:cNvGrpSpPr/>
+        <p:nvPr/>
+      </p:nvGrpSpPr>
+      <p:grpSpPr>
+        <a:xfrm>
+          <a:off x="0" y="0"/>
+          <a:ext cx="0" cy="0"/>
+          <a:chOff x="0" y="0"/>
+          <a:chExt cx="0" cy="0"/>
+        </a:xfrm>
+      </p:grpSpPr>
+      <p:pic>
+        <p:nvPicPr>
+          <p:cNvPr id="6" name="Content Placeholder 5">
+            <a:extLst>
+              <a:ext uri="{FF2B5EF4-FFF2-40B4-BE49-F238E27FC236}">
+                <a16:creationId xmlns:a16="http://schemas.microsoft.com/office/drawing/2014/main" id="{085CB1BE-2568-4D36-962B-9B304C3A7293}"/>
+              </a:ext>
+            </a:extLst>
+          </p:cNvPr>
+          <p:cNvPicPr>
+            <a:picLocks noGrp="1" noChangeAspect="1"/>
+          </p:cNvPicPr>
+          <p:nvPr>
+            <p:ph idx="1"/>
+          </p:nvPr>
+        </p:nvPicPr>
+        <p:blipFill>
+          <a:blip r:embed="rId2">
+            <a:extLst>
+              <a:ext uri="{28A0092B-C50C-407E-A947-70E740481C1C}">
+                <a14:useLocalDpi xmlns:a14="http://schemas.microsoft.com/office/drawing/2010/main" val="0"/>
+              </a:ext>
+            </a:extLst>
+          </a:blip>
+          <a:stretch>
+            <a:fillRect/>
+          </a:stretch>
+        </p:blipFill>
+        <p:spPr>
+          <a:xfrm>
+            <a:off x="838200" y="1127760"/>
+            <a:ext cx="6733117" cy="5049838"/>
+          </a:xfrm>
+        </p:spPr>
+      </p:pic>
+      <p:sp>
+        <p:nvSpPr>
+          <p:cNvPr id="4" name="Title 1">
+            <a:extLst>
+              <a:ext uri="{FF2B5EF4-FFF2-40B4-BE49-F238E27FC236}">
+                <a16:creationId xmlns:a16="http://schemas.microsoft.com/office/drawing/2014/main" id="{BED9B4B6-A2F7-429A-BC0B-C80004A4CE86}"/>
+              </a:ext>
+            </a:extLst>
+          </p:cNvPr>
+          <p:cNvSpPr txBox="1">
+            <a:spLocks/>
+          </p:cNvSpPr>
+          <p:nvPr/>
+        </p:nvSpPr>
+        <p:spPr>
+          <a:xfrm>
+            <a:off x="838200" y="365125"/>
+            <a:ext cx="10515600" cy="762635"/>
+          </a:xfrm>
+          <a:prstGeom prst="rect">
+            <a:avLst/>
+          </a:prstGeom>
+        </p:spPr>
+        <p:txBody>
+          <a:bodyPr vert="horz" lIns="91440" tIns="45720" rIns="91440" bIns="45720" rtlCol="0" anchor="ctr">
+            <a:normAutofit/>
+          </a:bodyPr>
+          <a:lstStyle>
+            <a:lvl1pPr algn="l" defTabSz="914400" rtl="0" eaLnBrk="1" latinLnBrk="0" hangingPunct="1">
+              <a:lnSpc>
+                <a:spcPct val="90000"/>
+              </a:lnSpc>
+              <a:spcBef>
+                <a:spcPct val="0"/>
+              </a:spcBef>
+              <a:buNone/>
+              <a:defRPr sz="4400" kern="1200">
+                <a:solidFill>
+                  <a:schemeClr val="tx1"/>
+                </a:solidFill>
+                <a:latin typeface="+mj-lt"/>
+                <a:ea typeface="+mj-ea"/>
+                <a:cs typeface="+mj-cs"/>
+              </a:defRPr>
+            </a:lvl1pPr>
+          </a:lstStyle>
+          <a:p>
+            <a:r>
+              <a:rPr lang="en-CA" sz="3600"/>
+              <a:t>Results: Summary</a:t>
+            </a:r>
+            <a:endParaRPr lang="en-CA" sz="3600" dirty="0"/>
+          </a:p>
+        </p:txBody>
+      </p:sp>
+      <p:pic>
+        <p:nvPicPr>
+          <p:cNvPr id="5" name="Picture 4">
+            <a:extLst>
+              <a:ext uri="{FF2B5EF4-FFF2-40B4-BE49-F238E27FC236}">
+                <a16:creationId xmlns:a16="http://schemas.microsoft.com/office/drawing/2014/main" id="{6C9F444F-7D72-45B9-BB78-AA2CC751C413}"/>
+              </a:ext>
+            </a:extLst>
+          </p:cNvPr>
+          <p:cNvPicPr>
+            <a:picLocks noChangeAspect="1"/>
+          </p:cNvPicPr>
+          <p:nvPr/>
+        </p:nvPicPr>
+        <p:blipFill>
+          <a:blip r:embed="rId3" cstate="hqprint">
+            <a:extLst>
+              <a:ext uri="{28A0092B-C50C-407E-A947-70E740481C1C}">
+                <a14:useLocalDpi xmlns:a14="http://schemas.microsoft.com/office/drawing/2010/main" val="0"/>
+              </a:ext>
+            </a:extLst>
+          </a:blip>
+          <a:stretch>
+            <a:fillRect/>
+          </a:stretch>
+        </p:blipFill>
+        <p:spPr>
+          <a:xfrm>
+            <a:off x="9916160" y="365125"/>
+            <a:ext cx="1437640" cy="418937"/>
+          </a:xfrm>
+          <a:prstGeom prst="rect">
+            <a:avLst/>
+          </a:prstGeom>
+        </p:spPr>
+      </p:pic>
+      <p:sp>
+        <p:nvSpPr>
+          <p:cNvPr id="7" name="TextBox 6">
+            <a:extLst>
+              <a:ext uri="{FF2B5EF4-FFF2-40B4-BE49-F238E27FC236}">
+                <a16:creationId xmlns:a16="http://schemas.microsoft.com/office/drawing/2014/main" id="{C4AF1022-4AE4-4B9F-9984-6EF8E1CA80CC}"/>
+              </a:ext>
+            </a:extLst>
+          </p:cNvPr>
+          <p:cNvSpPr txBox="1"/>
+          <p:nvPr/>
+        </p:nvSpPr>
+        <p:spPr>
+          <a:xfrm>
+            <a:off x="7571317" y="1127760"/>
+            <a:ext cx="3782483" cy="4955203"/>
+          </a:xfrm>
+          <a:prstGeom prst="rect">
+            <a:avLst/>
+          </a:prstGeom>
+          <a:noFill/>
+        </p:spPr>
+        <p:txBody>
+          <a:bodyPr wrap="square" rtlCol="0">
+            <a:spAutoFit/>
+          </a:bodyPr>
+          <a:lstStyle/>
+          <a:p>
+            <a:r>
+              <a:rPr lang="en-CA" sz="2400" dirty="0">
+                <a:solidFill>
+                  <a:schemeClr val="accent1"/>
+                </a:solidFill>
+              </a:rPr>
+              <a:t>Our solution as a way to:</a:t>
+            </a:r>
+          </a:p>
+          <a:p>
+            <a:pPr marL="285750" indent="-285750">
+              <a:buFont typeface="Arial" panose="020B0604020202020204" pitchFamily="34" charset="0"/>
+              <a:buChar char="•"/>
+            </a:pPr>
+            <a:r>
+              <a:rPr lang="en-CA" sz="2400" dirty="0"/>
+              <a:t>Prevent customers from leaving our restaurant</a:t>
+            </a:r>
+          </a:p>
+          <a:p>
+            <a:pPr marL="285750" indent="-285750">
+              <a:buFont typeface="Arial" panose="020B0604020202020204" pitchFamily="34" charset="0"/>
+              <a:buChar char="•"/>
+            </a:pPr>
+            <a:endParaRPr lang="en-CA" sz="2400" dirty="0"/>
+          </a:p>
+          <a:p>
+            <a:pPr marL="285750" indent="-285750">
+              <a:spcAft>
+                <a:spcPts val="1200"/>
+              </a:spcAft>
+              <a:buFont typeface="Arial" panose="020B0604020202020204" pitchFamily="34" charset="0"/>
+              <a:buChar char="•"/>
+            </a:pPr>
+            <a:r>
+              <a:rPr lang="en-CA" sz="2400" dirty="0"/>
+              <a:t>But not increase the average number of occasions of sharing tables significantly</a:t>
+            </a:r>
+          </a:p>
+          <a:p>
+            <a:pPr lvl="1">
+              <a:spcAft>
+                <a:spcPts val="1200"/>
+              </a:spcAft>
+            </a:pPr>
+            <a:r>
+              <a:rPr lang="en-CA" sz="1600" dirty="0">
+                <a:solidFill>
+                  <a:schemeClr val="accent2"/>
+                </a:solidFill>
+              </a:rPr>
+              <a:t>Avg. number of customers who share tables (per day): </a:t>
+            </a:r>
+          </a:p>
+          <a:p>
+            <a:r>
+              <a:rPr lang="en-CA" sz="1600" dirty="0">
+                <a:solidFill>
+                  <a:schemeClr val="accent2"/>
+                </a:solidFill>
+              </a:rPr>
+              <a:t>	Naïve solution: </a:t>
+            </a:r>
+            <a:r>
+              <a:rPr lang="en-CA" sz="1600" b="1" dirty="0">
+                <a:solidFill>
+                  <a:schemeClr val="accent2"/>
+                </a:solidFill>
+              </a:rPr>
+              <a:t>6.5</a:t>
+            </a:r>
+          </a:p>
+          <a:p>
+            <a:r>
+              <a:rPr lang="en-CA" sz="1600" dirty="0">
+                <a:solidFill>
+                  <a:schemeClr val="accent2"/>
+                </a:solidFill>
+              </a:rPr>
+              <a:t>	Greedy solution: </a:t>
+            </a:r>
+            <a:r>
+              <a:rPr lang="en-CA" sz="1600" b="1" dirty="0">
+                <a:solidFill>
+                  <a:schemeClr val="accent2"/>
+                </a:solidFill>
+              </a:rPr>
+              <a:t>1.1</a:t>
+            </a:r>
+          </a:p>
+          <a:p>
+            <a:r>
+              <a:rPr lang="en-CA" sz="1600" dirty="0">
+                <a:solidFill>
+                  <a:schemeClr val="accent2"/>
+                </a:solidFill>
+              </a:rPr>
+              <a:t>	Golden section VNS (policy 1): </a:t>
+            </a:r>
+            <a:r>
+              <a:rPr lang="en-CA" sz="1600" b="1" dirty="0">
+                <a:solidFill>
+                  <a:schemeClr val="accent2"/>
+                </a:solidFill>
+              </a:rPr>
+              <a:t>1.1</a:t>
+            </a:r>
+          </a:p>
+          <a:p>
+            <a:r>
+              <a:rPr lang="en-CA" sz="1600" dirty="0">
+                <a:solidFill>
+                  <a:schemeClr val="accent2"/>
+                </a:solidFill>
+              </a:rPr>
+              <a:t>	Golden section VNS (policy 2): </a:t>
+            </a:r>
+            <a:r>
+              <a:rPr lang="en-CA" sz="1600" b="1" dirty="0">
+                <a:solidFill>
+                  <a:schemeClr val="accent2"/>
+                </a:solidFill>
+              </a:rPr>
+              <a:t>1.3</a:t>
+            </a:r>
+          </a:p>
+        </p:txBody>
+      </p:sp>
+    </p:spTree>
+    <p:extLst>
+      <p:ext uri="{BB962C8B-B14F-4D97-AF65-F5344CB8AC3E}">
+        <p14:creationId xmlns:p14="http://schemas.microsoft.com/office/powerpoint/2010/main" val="3841013724"/>
       </p:ext>
     </p:extLst>
   </p:cSld>

--- a/Presentation.pptx
+++ b/Presentation.pptx
@@ -235,7 +235,7 @@
           <a:p>
             <a:fld id="{8072A660-2FC5-4103-967E-B19F76250BEA}" type="datetimeFigureOut">
               <a:rPr lang="en-US" smtClean="0"/>
-              <a:t>5/28/2019</a:t>
+              <a:t>5/28/19</a:t>
             </a:fld>
             <a:endParaRPr lang="en-US"/>
           </a:p>
@@ -1347,7 +1347,7 @@
           <a:p>
             <a:fld id="{26EBFB83-AAA2-427D-8458-5FB692FCFF84}" type="datetimeFigureOut">
               <a:rPr lang="en-US" smtClean="0"/>
-              <a:t>5/28/2019</a:t>
+              <a:t>5/28/19</a:t>
             </a:fld>
             <a:endParaRPr lang="en-US"/>
           </a:p>
@@ -1517,7 +1517,7 @@
           <a:p>
             <a:fld id="{26EBFB83-AAA2-427D-8458-5FB692FCFF84}" type="datetimeFigureOut">
               <a:rPr lang="en-US" smtClean="0"/>
-              <a:t>5/28/2019</a:t>
+              <a:t>5/28/19</a:t>
             </a:fld>
             <a:endParaRPr lang="en-US"/>
           </a:p>
@@ -1697,7 +1697,7 @@
           <a:p>
             <a:fld id="{26EBFB83-AAA2-427D-8458-5FB692FCFF84}" type="datetimeFigureOut">
               <a:rPr lang="en-US" smtClean="0"/>
-              <a:t>5/28/2019</a:t>
+              <a:t>5/28/19</a:t>
             </a:fld>
             <a:endParaRPr lang="en-US"/>
           </a:p>
@@ -1867,7 +1867,7 @@
           <a:p>
             <a:fld id="{26EBFB83-AAA2-427D-8458-5FB692FCFF84}" type="datetimeFigureOut">
               <a:rPr lang="en-US" smtClean="0"/>
-              <a:t>5/28/2019</a:t>
+              <a:t>5/28/19</a:t>
             </a:fld>
             <a:endParaRPr lang="en-US"/>
           </a:p>
@@ -2113,7 +2113,7 @@
           <a:p>
             <a:fld id="{26EBFB83-AAA2-427D-8458-5FB692FCFF84}" type="datetimeFigureOut">
               <a:rPr lang="en-US" smtClean="0"/>
-              <a:t>5/28/2019</a:t>
+              <a:t>5/28/19</a:t>
             </a:fld>
             <a:endParaRPr lang="en-US"/>
           </a:p>
@@ -2345,7 +2345,7 @@
           <a:p>
             <a:fld id="{26EBFB83-AAA2-427D-8458-5FB692FCFF84}" type="datetimeFigureOut">
               <a:rPr lang="en-US" smtClean="0"/>
-              <a:t>5/28/2019</a:t>
+              <a:t>5/28/19</a:t>
             </a:fld>
             <a:endParaRPr lang="en-US"/>
           </a:p>
@@ -2712,7 +2712,7 @@
           <a:p>
             <a:fld id="{26EBFB83-AAA2-427D-8458-5FB692FCFF84}" type="datetimeFigureOut">
               <a:rPr lang="en-US" smtClean="0"/>
-              <a:t>5/28/2019</a:t>
+              <a:t>5/28/19</a:t>
             </a:fld>
             <a:endParaRPr lang="en-US"/>
           </a:p>
@@ -2830,7 +2830,7 @@
           <a:p>
             <a:fld id="{26EBFB83-AAA2-427D-8458-5FB692FCFF84}" type="datetimeFigureOut">
               <a:rPr lang="en-US" smtClean="0"/>
-              <a:t>5/28/2019</a:t>
+              <a:t>5/28/19</a:t>
             </a:fld>
             <a:endParaRPr lang="en-US"/>
           </a:p>
@@ -2925,7 +2925,7 @@
           <a:p>
             <a:fld id="{26EBFB83-AAA2-427D-8458-5FB692FCFF84}" type="datetimeFigureOut">
               <a:rPr lang="en-US" smtClean="0"/>
-              <a:t>5/28/2019</a:t>
+              <a:t>5/28/19</a:t>
             </a:fld>
             <a:endParaRPr lang="en-US"/>
           </a:p>
@@ -3202,7 +3202,7 @@
           <a:p>
             <a:fld id="{26EBFB83-AAA2-427D-8458-5FB692FCFF84}" type="datetimeFigureOut">
               <a:rPr lang="en-US" smtClean="0"/>
-              <a:t>5/28/2019</a:t>
+              <a:t>5/28/19</a:t>
             </a:fld>
             <a:endParaRPr lang="en-US"/>
           </a:p>
@@ -3459,7 +3459,7 @@
           <a:p>
             <a:fld id="{26EBFB83-AAA2-427D-8458-5FB692FCFF84}" type="datetimeFigureOut">
               <a:rPr lang="en-US" smtClean="0"/>
-              <a:t>5/28/2019</a:t>
+              <a:t>5/28/19</a:t>
             </a:fld>
             <a:endParaRPr lang="en-US"/>
           </a:p>
@@ -3672,7 +3672,7 @@
           <a:p>
             <a:fld id="{26EBFB83-AAA2-427D-8458-5FB692FCFF84}" type="datetimeFigureOut">
               <a:rPr lang="en-US" smtClean="0"/>
-              <a:t>5/28/2019</a:t>
+              <a:t>5/28/19</a:t>
             </a:fld>
             <a:endParaRPr lang="en-US"/>
           </a:p>
@@ -4257,7 +4257,7 @@
     </p:spTree>
     <p:extLst>
       <p:ext uri="{BB962C8B-B14F-4D97-AF65-F5344CB8AC3E}">
-        <p14:creationId xmlns:p14="http://schemas.microsoft.com/office/powerpoint/2010/main" val="50867719"/>
+        <p14:creationId xmlns:p14="http://schemas.microsoft.com/office/powerpoint/2010/main" val="675419819"/>
       </p:ext>
     </p:extLst>
   </p:cSld>
@@ -4641,7 +4641,7 @@
             </a:pPr>
             <a:r>
               <a:rPr lang="en-CA" dirty="0"/>
-              <a:t>Arrangement 3: [19, 28, 15, 10, 8]</a:t>
+              <a:t>Arrangement 3: [0, 37, 15, 10, 8]</a:t>
             </a:r>
           </a:p>
           <a:p>
@@ -4655,36 +4655,12 @@
               <a:t>Arranged according to the arrival rate</a:t>
             </a:r>
           </a:p>
-          <a:p>
-            <a:pPr marL="1371600" lvl="2" indent="-457200">
-              <a:lnSpc>
-                <a:spcPct val="150000"/>
-              </a:lnSpc>
-              <a:buFont typeface="+mj-lt"/>
-              <a:buAutoNum type="arabicParenR" startAt="3"/>
-            </a:pPr>
-            <a:r>
-              <a:rPr lang="en-CA" dirty="0"/>
-              <a:t>Arrangement 4: [1, 28, 15, 12, 10]</a:t>
-            </a:r>
-          </a:p>
-          <a:p>
-            <a:pPr lvl="3">
-              <a:lnSpc>
-                <a:spcPct val="150000"/>
-              </a:lnSpc>
-            </a:pPr>
-            <a:r>
-              <a:rPr lang="en-CA" dirty="0"/>
-              <a:t>Modified the number of size 1</a:t>
-            </a:r>
-          </a:p>
         </p:txBody>
       </p:sp>
     </p:spTree>
     <p:extLst>
       <p:ext uri="{BB962C8B-B14F-4D97-AF65-F5344CB8AC3E}">
-        <p14:creationId xmlns:p14="http://schemas.microsoft.com/office/powerpoint/2010/main" val="2209840063"/>
+        <p14:creationId xmlns:p14="http://schemas.microsoft.com/office/powerpoint/2010/main" val="3773153546"/>
       </p:ext>
     </p:extLst>
   </p:cSld>
@@ -4796,7 +4772,7 @@
           <a:p>
             <a:r>
               <a:rPr lang="en-CA" sz="3600" dirty="0"/>
-              <a:t>Table Arrangement</a:t>
+              <a:t>Table Arrangement (cont.)</a:t>
             </a:r>
           </a:p>
         </p:txBody>
@@ -5068,7 +5044,7 @@
             </a:pPr>
             <a:r>
               <a:rPr lang="en-CA" dirty="0"/>
-              <a:t>Arrangement 3: [19, 28, 15, 10, 8]</a:t>
+              <a:t>Arrangement 3: [0, 37, 15, 10, 8]</a:t>
             </a:r>
           </a:p>
           <a:p>
@@ -5082,30 +5058,6 @@
               <a:t>Arranged according to the arrival rate</a:t>
             </a:r>
           </a:p>
-          <a:p>
-            <a:pPr marL="1371600" lvl="2" indent="-457200">
-              <a:lnSpc>
-                <a:spcPct val="150000"/>
-              </a:lnSpc>
-              <a:buFont typeface="+mj-lt"/>
-              <a:buAutoNum type="arabicParenR" startAt="3"/>
-            </a:pPr>
-            <a:r>
-              <a:rPr lang="en-CA" dirty="0"/>
-              <a:t>Arrangement 4: [1, 28, 15, 12, 10]</a:t>
-            </a:r>
-          </a:p>
-          <a:p>
-            <a:pPr lvl="3">
-              <a:lnSpc>
-                <a:spcPct val="150000"/>
-              </a:lnSpc>
-            </a:pPr>
-            <a:r>
-              <a:rPr lang="en-CA" dirty="0"/>
-              <a:t>Modified the number of size 1</a:t>
-            </a:r>
-          </a:p>
         </p:txBody>
       </p:sp>
       <p:sp>
@@ -5122,7 +5074,7 @@
         </p:nvSpPr>
         <p:spPr>
           <a:xfrm>
-            <a:off x="1873405" y="5140711"/>
+            <a:off x="1813932" y="4098990"/>
             <a:ext cx="4282068" cy="434899"/>
           </a:xfrm>
           <a:prstGeom prst="roundRect">
@@ -5161,7 +5113,7 @@
     </p:spTree>
     <p:extLst>
       <p:ext uri="{BB962C8B-B14F-4D97-AF65-F5344CB8AC3E}">
-        <p14:creationId xmlns:p14="http://schemas.microsoft.com/office/powerpoint/2010/main" val="2344294644"/>
+        <p14:creationId xmlns:p14="http://schemas.microsoft.com/office/powerpoint/2010/main" val="1581598493"/>
       </p:ext>
     </p:extLst>
   </p:cSld>
@@ -5567,7 +5519,7 @@
     </p:spTree>
     <p:extLst>
       <p:ext uri="{BB962C8B-B14F-4D97-AF65-F5344CB8AC3E}">
-        <p14:creationId xmlns:p14="http://schemas.microsoft.com/office/powerpoint/2010/main" val="3946468886"/>
+        <p14:creationId xmlns:p14="http://schemas.microsoft.com/office/powerpoint/2010/main" val="2719410301"/>
       </p:ext>
     </p:extLst>
   </p:cSld>
@@ -5723,7 +5675,7 @@
           <a:p>
             <a:r>
               <a:rPr lang="en-CA" sz="3600" dirty="0"/>
-              <a:t>Seating Policy</a:t>
+              <a:t>Seating Policy (cont.)</a:t>
             </a:r>
           </a:p>
         </p:txBody>
@@ -5998,7 +5950,7 @@
     </p:spTree>
     <p:extLst>
       <p:ext uri="{BB962C8B-B14F-4D97-AF65-F5344CB8AC3E}">
-        <p14:creationId xmlns:p14="http://schemas.microsoft.com/office/powerpoint/2010/main" val="1048200185"/>
+        <p14:creationId xmlns:p14="http://schemas.microsoft.com/office/powerpoint/2010/main" val="649796043"/>
       </p:ext>
     </p:extLst>
   </p:cSld>
@@ -7906,7 +7858,7 @@
     </p:spTree>
     <p:extLst>
       <p:ext uri="{BB962C8B-B14F-4D97-AF65-F5344CB8AC3E}">
-        <p14:creationId xmlns:p14="http://schemas.microsoft.com/office/powerpoint/2010/main" val="2731856066"/>
+        <p14:creationId xmlns:p14="http://schemas.microsoft.com/office/powerpoint/2010/main" val="2840766154"/>
       </p:ext>
     </p:extLst>
   </p:cSld>
@@ -15572,8 +15524,8 @@
           <a:chExt cx="0" cy="0"/>
         </a:xfrm>
       </p:grpSpPr>
-      <mc:AlternateContent xmlns:mc="http://schemas.openxmlformats.org/markup-compatibility/2006">
-        <mc:Choice xmlns:a14="http://schemas.microsoft.com/office/drawing/2010/main" Requires="a14">
+      <mc:AlternateContent xmlns:mc="http://schemas.openxmlformats.org/markup-compatibility/2006" xmlns:a14="http://schemas.microsoft.com/office/drawing/2010/main">
+        <mc:Choice Requires="a14">
           <p:sp>
             <p:nvSpPr>
               <p:cNvPr id="3" name="Content Placeholder 2">
@@ -16032,7 +15984,7 @@
             </p:txBody>
           </p:sp>
         </mc:Choice>
-        <mc:Fallback>
+        <mc:Fallback xmlns="">
           <p:sp>
             <p:nvSpPr>
               <p:cNvPr id="3" name="Content Placeholder 2">
@@ -16285,8 +16237,8 @@
           <a:chExt cx="0" cy="0"/>
         </a:xfrm>
       </p:grpSpPr>
-      <mc:AlternateContent xmlns:mc="http://schemas.openxmlformats.org/markup-compatibility/2006">
-        <mc:Choice xmlns:a14="http://schemas.microsoft.com/office/drawing/2010/main" Requires="a14">
+      <mc:AlternateContent xmlns:mc="http://schemas.openxmlformats.org/markup-compatibility/2006" xmlns:a14="http://schemas.microsoft.com/office/drawing/2010/main">
+        <mc:Choice Requires="a14">
           <p:sp>
             <p:nvSpPr>
               <p:cNvPr id="3" name="Content Placeholder 2">
@@ -16745,7 +16697,7 @@
             </p:txBody>
           </p:sp>
         </mc:Choice>
-        <mc:Fallback>
+        <mc:Fallback xmlns="">
           <p:sp>
             <p:nvSpPr>
               <p:cNvPr id="3" name="Content Placeholder 2">
@@ -18929,6 +18881,35 @@
             </a:pPr>
             <a:r>
               <a:rPr lang="en-US" sz="2000" dirty="0"/>
+              <a:t>Groups start arriving at 19:00 till 22:00</a:t>
+            </a:r>
+          </a:p>
+          <a:p>
+            <a:pPr lvl="2">
+              <a:lnSpc>
+                <a:spcPct val="150000"/>
+              </a:lnSpc>
+            </a:pPr>
+            <a:r>
+              <a:rPr lang="en-US" dirty="0"/>
+              <a:t>No arrival after 22:00 –&gt;</a:t>
+            </a:r>
+            <a:r>
+              <a:rPr lang="en-US" dirty="0">
+                <a:sym typeface="Wingdings" pitchFamily="2" charset="2"/>
+              </a:rPr>
+              <a:t> available service for customers in the queue</a:t>
+            </a:r>
+            <a:endParaRPr lang="en-US" sz="2000" dirty="0"/>
+          </a:p>
+          <a:p>
+            <a:pPr lvl="1">
+              <a:lnSpc>
+                <a:spcPct val="150000"/>
+              </a:lnSpc>
+            </a:pPr>
+            <a:r>
+              <a:rPr lang="en-US" sz="2000" dirty="0"/>
               <a:t>are non-homogenous and vary among group sizes (group size: g)</a:t>
             </a:r>
           </a:p>
@@ -18963,35 +18944,6 @@
               </a:lnSpc>
             </a:pPr>
             <a:endParaRPr lang="en-US" sz="2000" dirty="0"/>
-          </a:p>
-          <a:p>
-            <a:pPr lvl="1">
-              <a:lnSpc>
-                <a:spcPct val="150000"/>
-              </a:lnSpc>
-            </a:pPr>
-            <a:r>
-              <a:rPr lang="en-US" sz="2000" dirty="0"/>
-              <a:t>Groups start arriving at 19:00 till 22:00</a:t>
-            </a:r>
-          </a:p>
-          <a:p>
-            <a:pPr lvl="2">
-              <a:lnSpc>
-                <a:spcPct val="150000"/>
-              </a:lnSpc>
-            </a:pPr>
-            <a:r>
-              <a:rPr lang="en-US" dirty="0"/>
-              <a:t>No arrival after 22:00 –&gt;</a:t>
-            </a:r>
-            <a:r>
-              <a:rPr lang="en-US" dirty="0">
-                <a:sym typeface="Wingdings" pitchFamily="2" charset="2"/>
-              </a:rPr>
-              <a:t> available service for customers in the queue</a:t>
-            </a:r>
-            <a:endParaRPr lang="en-US" dirty="0"/>
           </a:p>
           <a:p>
             <a:pPr lvl="1">
@@ -19063,7 +19015,7 @@
         </p:blipFill>
         <p:spPr>
           <a:xfrm>
-            <a:off x="1382712" y="2470151"/>
+            <a:off x="1822550" y="3535022"/>
             <a:ext cx="5718176" cy="1744044"/>
           </a:xfrm>
           <a:prstGeom prst="rect">
@@ -19074,7 +19026,7 @@
     </p:spTree>
     <p:extLst>
       <p:ext uri="{BB962C8B-B14F-4D97-AF65-F5344CB8AC3E}">
-        <p14:creationId xmlns:p14="http://schemas.microsoft.com/office/powerpoint/2010/main" val="1592423805"/>
+        <p14:creationId xmlns:p14="http://schemas.microsoft.com/office/powerpoint/2010/main" val="335939437"/>
       </p:ext>
     </p:extLst>
   </p:cSld>
@@ -23305,7 +23257,7 @@
     </p:spTree>
     <p:extLst>
       <p:ext uri="{BB962C8B-B14F-4D97-AF65-F5344CB8AC3E}">
-        <p14:creationId xmlns:p14="http://schemas.microsoft.com/office/powerpoint/2010/main" val="4142886380"/>
+        <p14:creationId xmlns:p14="http://schemas.microsoft.com/office/powerpoint/2010/main" val="3590229950"/>
       </p:ext>
     </p:extLst>
   </p:cSld>
@@ -23592,7 +23544,7 @@
     </p:spTree>
     <p:extLst>
       <p:ext uri="{BB962C8B-B14F-4D97-AF65-F5344CB8AC3E}">
-        <p14:creationId xmlns:p14="http://schemas.microsoft.com/office/powerpoint/2010/main" val="1114438447"/>
+        <p14:creationId xmlns:p14="http://schemas.microsoft.com/office/powerpoint/2010/main" val="3328350138"/>
       </p:ext>
     </p:extLst>
   </p:cSld>
@@ -23818,7 +23770,7 @@
     </p:spTree>
     <p:extLst>
       <p:ext uri="{BB962C8B-B14F-4D97-AF65-F5344CB8AC3E}">
-        <p14:creationId xmlns:p14="http://schemas.microsoft.com/office/powerpoint/2010/main" val="1784966790"/>
+        <p14:creationId xmlns:p14="http://schemas.microsoft.com/office/powerpoint/2010/main" val="531146580"/>
       </p:ext>
     </p:extLst>
   </p:cSld>
@@ -23956,7 +23908,7 @@
     </p:spTree>
     <p:extLst>
       <p:ext uri="{BB962C8B-B14F-4D97-AF65-F5344CB8AC3E}">
-        <p14:creationId xmlns:p14="http://schemas.microsoft.com/office/powerpoint/2010/main" val="1390800610"/>
+        <p14:creationId xmlns:p14="http://schemas.microsoft.com/office/powerpoint/2010/main" val="4229099214"/>
       </p:ext>
     </p:extLst>
   </p:cSld>
@@ -24043,7 +23995,7 @@
         </p:spPr>
         <p:txBody>
           <a:bodyPr>
-            <a:normAutofit/>
+            <a:normAutofit fontScale="92500" lnSpcReduction="10000"/>
           </a:bodyPr>
           <a:lstStyle/>
           <a:p>
@@ -24089,7 +24041,7 @@
             </a:pPr>
             <a:r>
               <a:rPr lang="en-US" sz="2400" dirty="0"/>
-              <a:t>Returning the variables:</a:t>
+              <a:t>State(s)</a:t>
             </a:r>
           </a:p>
           <a:p>
@@ -24100,7 +24052,19 @@
             </a:pPr>
             <a:r>
               <a:rPr lang="en-US" sz="2000" dirty="0"/>
-              <a:t>Customers</a:t>
+              <a:t>Time / # of customers in the system</a:t>
+            </a:r>
+          </a:p>
+          <a:p>
+            <a:pPr marL="0" indent="0">
+              <a:lnSpc>
+                <a:spcPct val="150000"/>
+              </a:lnSpc>
+              <a:buNone/>
+            </a:pPr>
+            <a:r>
+              <a:rPr lang="en-US" sz="2400" dirty="0"/>
+              <a:t>Indicators</a:t>
             </a:r>
           </a:p>
           <a:p>
@@ -24111,7 +24075,7 @@
             </a:pPr>
             <a:r>
               <a:rPr lang="en-US" sz="2000" dirty="0"/>
-              <a:t>Tables </a:t>
+              <a:t>Profit </a:t>
             </a:r>
           </a:p>
           <a:p>
@@ -24122,7 +24086,7 @@
             </a:pPr>
             <a:r>
               <a:rPr lang="en-US" sz="2000" dirty="0"/>
-              <a:t>Time </a:t>
+              <a:t># of admissions</a:t>
             </a:r>
           </a:p>
           <a:p>
@@ -24133,7 +24097,7 @@
             </a:pPr>
             <a:r>
               <a:rPr lang="en-US" sz="2000" dirty="0"/>
-              <a:t>Queue (s)</a:t>
+              <a:t># of abandonments</a:t>
             </a:r>
           </a:p>
           <a:p>
@@ -24144,7 +24108,7 @@
             </a:pPr>
             <a:r>
               <a:rPr lang="en-US" sz="2000" dirty="0"/>
-              <a:t># of busy seats (for each table size)</a:t>
+              <a:t>Max queue length</a:t>
             </a:r>
           </a:p>
           <a:p>
@@ -24155,16 +24119,8 @@
             </a:pPr>
             <a:r>
               <a:rPr lang="en-US" sz="2000" dirty="0"/>
-              <a:t># of busy tables (at the event times)</a:t>
-            </a:r>
-          </a:p>
-          <a:p>
-            <a:pPr lvl="1">
-              <a:lnSpc>
-                <a:spcPct val="150000"/>
-              </a:lnSpc>
-            </a:pPr>
-            <a:endParaRPr lang="en-US" sz="2000" dirty="0"/>
+              <a:t>…</a:t>
+            </a:r>
           </a:p>
           <a:p>
             <a:pPr lvl="1">
@@ -24215,7 +24171,7 @@
     </p:spTree>
     <p:extLst>
       <p:ext uri="{BB962C8B-B14F-4D97-AF65-F5344CB8AC3E}">
-        <p14:creationId xmlns:p14="http://schemas.microsoft.com/office/powerpoint/2010/main" val="4285374393"/>
+        <p14:creationId xmlns:p14="http://schemas.microsoft.com/office/powerpoint/2010/main" val="3909623571"/>
       </p:ext>
     </p:extLst>
   </p:cSld>
@@ -24362,7 +24318,7 @@
             </a:pPr>
             <a:r>
               <a:rPr lang="en-US" dirty="0"/>
-              <a:t>Duration</a:t>
+              <a:t>Dinner Duration</a:t>
             </a:r>
           </a:p>
           <a:p>
@@ -24373,7 +24329,7 @@
             </a:pPr>
             <a:r>
               <a:rPr lang="en-US" dirty="0"/>
-              <a:t>refers to being in the queue or being served</a:t>
+              <a:t>refers to being served</a:t>
             </a:r>
           </a:p>
           <a:p>
@@ -24462,7 +24418,7 @@
     </p:spTree>
     <p:extLst>
       <p:ext uri="{BB962C8B-B14F-4D97-AF65-F5344CB8AC3E}">
-        <p14:creationId xmlns:p14="http://schemas.microsoft.com/office/powerpoint/2010/main" val="3830576881"/>
+        <p14:creationId xmlns:p14="http://schemas.microsoft.com/office/powerpoint/2010/main" val="4253916436"/>
       </p:ext>
     </p:extLst>
   </p:cSld>
